--- a/help/data-sheets/assets/EliteSupportDatasheet.pptx
+++ b/help/data-sheets/assets/EliteSupportDatasheet.pptx
@@ -151,72 +151,9 @@
 <file path=ppt/revisionInfo.xml><?xml version="1.0" encoding="utf-8"?>
 <p1510:revInfo xmlns:a="http://schemas.openxmlformats.org/drawingml/2006/main" xmlns:r="http://schemas.openxmlformats.org/officeDocument/2006/relationships" xmlns:p1510="http://schemas.microsoft.com/office/powerpoint/2015/10/main">
   <p1510:revLst>
-    <p1510:client id="{306579C9-8574-E621-57BF-C5D6F4C605CC}" v="6" dt="2021-09-22T22:58:26.163"/>
     <p1510:client id="{86768B6F-E5DF-274A-B928-9320E1DF9962}" v="132" dt="2021-08-07T02:18:13.925"/>
-    <p1510:client id="{8C285145-5FF7-2B49-D44C-ABA3390CC068}" v="48" dt="2021-09-22T19:02:31.738"/>
   </p1510:revLst>
 </p1510:revInfo>
-</file>
-
-<file path=ppt/changesInfos/changesInfo1.xml><?xml version="1.0" encoding="utf-8"?>
-<pc:chgInfo xmlns:a="http://schemas.openxmlformats.org/drawingml/2006/main" xmlns:r="http://schemas.openxmlformats.org/officeDocument/2006/relationships" xmlns:ac="http://schemas.microsoft.com/office/drawing/2013/main/command" xmlns:pc="http://schemas.microsoft.com/office/powerpoint/2013/main/command">
-  <pc:docChgLst>
-    <pc:chgData name="Akilah Johnson" userId="S::akjohnso@adobe.com::2fa3aa60-0c9c-4d06-bae2-795983241227" providerId="AD" clId="Web-{306579C9-8574-E621-57BF-C5D6F4C605CC}"/>
-    <pc:docChg chg="modSld">
-      <pc:chgData name="Akilah Johnson" userId="S::akjohnso@adobe.com::2fa3aa60-0c9c-4d06-bae2-795983241227" providerId="AD" clId="Web-{306579C9-8574-E621-57BF-C5D6F4C605CC}" dt="2021-09-22T22:58:18.491" v="3"/>
-      <pc:docMkLst>
-        <pc:docMk/>
-      </pc:docMkLst>
-      <pc:sldChg chg="modSp">
-        <pc:chgData name="Akilah Johnson" userId="S::akjohnso@adobe.com::2fa3aa60-0c9c-4d06-bae2-795983241227" providerId="AD" clId="Web-{306579C9-8574-E621-57BF-C5D6F4C605CC}" dt="2021-09-22T22:58:18.491" v="3"/>
-        <pc:sldMkLst>
-          <pc:docMk/>
-          <pc:sldMk cId="1050037809" sldId="261"/>
-        </pc:sldMkLst>
-        <pc:graphicFrameChg chg="mod modGraphic">
-          <ac:chgData name="Akilah Johnson" userId="S::akjohnso@adobe.com::2fa3aa60-0c9c-4d06-bae2-795983241227" providerId="AD" clId="Web-{306579C9-8574-E621-57BF-C5D6F4C605CC}" dt="2021-09-22T22:58:18.491" v="3"/>
-          <ac:graphicFrameMkLst>
-            <pc:docMk/>
-            <pc:sldMk cId="1050037809" sldId="261"/>
-            <ac:graphicFrameMk id="25" creationId="{3A91F5B0-3974-A14D-A146-FB590F2AAD18}"/>
-          </ac:graphicFrameMkLst>
-        </pc:graphicFrameChg>
-      </pc:sldChg>
-    </pc:docChg>
-  </pc:docChgLst>
-  <pc:docChgLst>
-    <pc:chgData name="Akilah Johnson" userId="S::akjohnso@adobe.com::2fa3aa60-0c9c-4d06-bae2-795983241227" providerId="AD" clId="Web-{8C285145-5FF7-2B49-D44C-ABA3390CC068}"/>
-    <pc:docChg chg="modSld">
-      <pc:chgData name="Akilah Johnson" userId="S::akjohnso@adobe.com::2fa3aa60-0c9c-4d06-bae2-795983241227" providerId="AD" clId="Web-{8C285145-5FF7-2B49-D44C-ABA3390CC068}" dt="2021-09-22T19:02:31.738" v="36" actId="1076"/>
-      <pc:docMkLst>
-        <pc:docMk/>
-      </pc:docMkLst>
-      <pc:sldChg chg="modSp">
-        <pc:chgData name="Akilah Johnson" userId="S::akjohnso@adobe.com::2fa3aa60-0c9c-4d06-bae2-795983241227" providerId="AD" clId="Web-{8C285145-5FF7-2B49-D44C-ABA3390CC068}" dt="2021-09-22T19:02:31.738" v="36" actId="1076"/>
-        <pc:sldMkLst>
-          <pc:docMk/>
-          <pc:sldMk cId="1050037809" sldId="261"/>
-        </pc:sldMkLst>
-        <pc:spChg chg="mod">
-          <ac:chgData name="Akilah Johnson" userId="S::akjohnso@adobe.com::2fa3aa60-0c9c-4d06-bae2-795983241227" providerId="AD" clId="Web-{8C285145-5FF7-2B49-D44C-ABA3390CC068}" dt="2021-09-22T19:02:31.738" v="36" actId="1076"/>
-          <ac:spMkLst>
-            <pc:docMk/>
-            <pc:sldMk cId="1050037809" sldId="261"/>
-            <ac:spMk id="64" creationId="{41467BDC-3D83-D844-B922-CD07E94E5AAB}"/>
-          </ac:spMkLst>
-        </pc:spChg>
-        <pc:graphicFrameChg chg="mod modGraphic">
-          <ac:chgData name="Akilah Johnson" userId="S::akjohnso@adobe.com::2fa3aa60-0c9c-4d06-bae2-795983241227" providerId="AD" clId="Web-{8C285145-5FF7-2B49-D44C-ABA3390CC068}" dt="2021-09-22T18:59:49.504" v="34"/>
-          <ac:graphicFrameMkLst>
-            <pc:docMk/>
-            <pc:sldMk cId="1050037809" sldId="261"/>
-            <ac:graphicFrameMk id="25" creationId="{3A91F5B0-3974-A14D-A146-FB590F2AAD18}"/>
-          </ac:graphicFrameMkLst>
-        </pc:graphicFrameChg>
-      </pc:sldChg>
-    </pc:docChg>
-  </pc:docChgLst>
-</pc:chgInfo>
 </file>
 
 <file path=ppt/notesMasters/notesMaster1.xml><?xml version="1.0" encoding="utf-8"?>
@@ -301,7 +238,7 @@
           <a:p>
             <a:fld id="{C12E57D6-2086-AA47-A7A4-C0CDE7C14E44}" type="datetimeFigureOut">
               <a:rPr lang="en-US" smtClean="0"/>
-              <a:t>9/22/2021</a:t>
+              <a:t>10/11/21</a:t>
             </a:fld>
             <a:endParaRPr lang="en-US"/>
           </a:p>
@@ -875,7 +812,7 @@
           <a:p>
             <a:fld id="{1D8BD707-D9CF-40AE-B4C6-C98DA3205C09}" type="datetimeFigureOut">
               <a:rPr lang="en-US"/>
-              <a:t>9/22/2021</a:t>
+              <a:t>10/11/21</a:t>
             </a:fld>
             <a:endParaRPr lang="en-US"/>
           </a:p>
@@ -1120,7 +1057,7 @@
           <a:p>
             <a:fld id="{1D8BD707-D9CF-40AE-B4C6-C98DA3205C09}" type="datetimeFigureOut">
               <a:rPr lang="en-US"/>
-              <a:t>9/22/2021</a:t>
+              <a:t>10/11/21</a:t>
             </a:fld>
             <a:endParaRPr lang="en-US"/>
           </a:p>
@@ -1378,7 +1315,7 @@
           <a:p>
             <a:fld id="{1D8BD707-D9CF-40AE-B4C6-C98DA3205C09}" type="datetimeFigureOut">
               <a:rPr lang="en-US"/>
-              <a:t>9/22/2021</a:t>
+              <a:t>10/11/21</a:t>
             </a:fld>
             <a:endParaRPr lang="en-US"/>
           </a:p>
@@ -1570,7 +1507,7 @@
           <a:p>
             <a:fld id="{1D8BD707-D9CF-40AE-B4C6-C98DA3205C09}" type="datetimeFigureOut">
               <a:rPr lang="en-US"/>
-              <a:t>9/22/2021</a:t>
+              <a:t>10/11/21</a:t>
             </a:fld>
             <a:endParaRPr lang="en-US"/>
           </a:p>
@@ -1733,7 +1670,7 @@
           <a:p>
             <a:fld id="{1D8BD707-D9CF-40AE-B4C6-C98DA3205C09}" type="datetimeFigureOut">
               <a:rPr lang="en-US"/>
-              <a:t>9/22/2021</a:t>
+              <a:t>10/11/21</a:t>
             </a:fld>
             <a:endParaRPr lang="en-US"/>
           </a:p>
@@ -1996,7 +1933,7 @@
           <a:p>
             <a:fld id="{1D8BD707-D9CF-40AE-B4C6-C98DA3205C09}" type="datetimeFigureOut">
               <a:rPr lang="en-US"/>
-              <a:t>9/22/2021</a:t>
+              <a:t>10/11/21</a:t>
             </a:fld>
             <a:endParaRPr lang="en-US"/>
           </a:p>
@@ -2293,10 +2230,10 @@
               </a:spcBef>
             </a:pPr>
             <a:r>
-              <a:rPr sz="2300" dirty="0">
+              <a:rPr lang="de-de" sz="2300" dirty="0">
                 <a:latin typeface="Adobe Clean" panose="020B0503020404020204" pitchFamily="34" charset="0"/>
               </a:rPr>
-              <a:t>ADOBE SUPPORTOFFERINGS</a:t>
+              <a:t>Adobe 支援方案</a:t>
             </a:r>
           </a:p>
         </p:txBody>
@@ -2331,17 +2268,17 @@
               </a:spcBef>
             </a:pPr>
             <a:r>
-              <a:rPr sz="1100" spc="-5" dirty="0">
+              <a:rPr lang="de-de" sz="1100" spc="-5" dirty="0">
                 <a:solidFill>
                   <a:srgbClr val="FFFFFF"/>
                 </a:solidFill>
                 <a:latin typeface="AdobeClean-Light"/>
                 <a:cs typeface="AdobeClean-Light"/>
               </a:rPr>
-              <a:t>Online</a:t>
-            </a:r>
-            <a:r>
-              <a:rPr sz="1100" dirty="0">
+              <a:t>線上</a:t>
+            </a:r>
+            <a:r>
+              <a:rPr lang="de-de" sz="1100" dirty="0">
                 <a:solidFill>
                   <a:srgbClr val="FFFFFF"/>
                 </a:solidFill>
@@ -2351,7 +2288,7 @@
               <a:t> |</a:t>
             </a:r>
             <a:r>
-              <a:rPr sz="1100" spc="5" dirty="0">
+              <a:rPr lang="de-de" sz="1100" spc="5" dirty="0">
                 <a:solidFill>
                   <a:srgbClr val="FFFFFF"/>
                 </a:solidFill>
@@ -2361,17 +2298,17 @@
               <a:t> </a:t>
             </a:r>
             <a:r>
-              <a:rPr sz="1100" spc="-5" dirty="0">
+              <a:rPr lang="de-de" sz="1100" spc="-5" dirty="0">
                 <a:solidFill>
                   <a:srgbClr val="FFFFFF"/>
                 </a:solidFill>
                 <a:latin typeface="AdobeClean-Light"/>
                 <a:cs typeface="AdobeClean-Light"/>
               </a:rPr>
-              <a:t>Business</a:t>
-            </a:r>
-            <a:r>
-              <a:rPr sz="1100" dirty="0">
+              <a:t>商務</a:t>
+            </a:r>
+            <a:r>
+              <a:rPr lang="de-de" sz="1100" dirty="0">
                 <a:solidFill>
                   <a:srgbClr val="FFFFFF"/>
                 </a:solidFill>
@@ -2381,7 +2318,7 @@
               <a:t> |</a:t>
             </a:r>
             <a:r>
-              <a:rPr sz="1100" spc="10" dirty="0">
+              <a:rPr lang="de-de" sz="1100" spc="10" dirty="0">
                 <a:solidFill>
                   <a:srgbClr val="FFFFFF"/>
                 </a:solidFill>
@@ -2391,17 +2328,17 @@
               <a:t> </a:t>
             </a:r>
             <a:r>
-              <a:rPr sz="1100" spc="-5" dirty="0">
+              <a:rPr lang="de-de" sz="1100" spc="-5" dirty="0">
                 <a:solidFill>
                   <a:srgbClr val="FFFFFF"/>
                 </a:solidFill>
                 <a:latin typeface="AdobeClean-Light"/>
                 <a:cs typeface="AdobeClean-Light"/>
               </a:rPr>
-              <a:t>Enterprise</a:t>
-            </a:r>
-            <a:r>
-              <a:rPr sz="1100" spc="10" dirty="0">
+              <a:t>企業</a:t>
+            </a:r>
+            <a:r>
+              <a:rPr lang="de-de" sz="1100" spc="10" dirty="0">
                 <a:solidFill>
                   <a:srgbClr val="FFFFFF"/>
                 </a:solidFill>
@@ -2411,7 +2348,7 @@
               <a:t> </a:t>
             </a:r>
             <a:r>
-              <a:rPr sz="1100" dirty="0">
+              <a:rPr lang="de-de" sz="1100" dirty="0">
                 <a:solidFill>
                   <a:srgbClr val="FFFFFF"/>
                 </a:solidFill>
@@ -2421,7 +2358,7 @@
               <a:t>|</a:t>
             </a:r>
             <a:r>
-              <a:rPr sz="1100" spc="5" dirty="0">
+              <a:rPr lang="de-de" sz="1100" spc="5" dirty="0">
                 <a:solidFill>
                   <a:srgbClr val="FFFFFF"/>
                 </a:solidFill>
@@ -2431,14 +2368,14 @@
               <a:t> </a:t>
             </a:r>
             <a:r>
-              <a:rPr sz="1100" b="1" spc="-65" dirty="0">
+              <a:rPr lang="de-de" sz="1100" b="1" spc="-65" dirty="0">
                 <a:solidFill>
                   <a:srgbClr val="FFFFFF"/>
                 </a:solidFill>
                 <a:latin typeface="Arial"/>
                 <a:cs typeface="Arial"/>
               </a:rPr>
-              <a:t>Elite</a:t>
+              <a:t>菁英</a:t>
             </a:r>
             <a:endParaRPr sz="1100" dirty="0">
               <a:latin typeface="Arial"/>
@@ -2452,13 +2389,13 @@
               </a:spcBef>
             </a:pPr>
             <a:r>
-              <a:rPr lang="en-US" sz="900" dirty="0">
+              <a:rPr lang="de-de" sz="900" dirty="0">
                 <a:solidFill>
                   <a:schemeClr val="bg1"/>
                 </a:solidFill>
                 <a:latin typeface="Adobe Clean SemiLight" panose="020B0403020404020204" pitchFamily="34" charset="0"/>
               </a:rPr>
-              <a:t>Adobe provides a comprehensive range of technical resources to help support your business included as part of your Experience Cloud license subscription and further enhanced in the ELITE support package. ELITE support includes access to personalized learning paths and monitored community forums via the Adobe Experience League. You can also take advantage of our detailed and in-depth technical product documentation and current release notes. ELITE customers will also have access to a Named Support Engineer as well as a Technical Account Manager who combine and work in partnership with you to provide best in class proactive and reactive support while acting as your designated technical contacts in the Adobe Support Team. With deep experience in your designated Experience Cloud solutions, your support team work to ensure that no matter how complex your support needs are, the Adobe Support team will be there side by side with you throughout, to ensure you maximize your investment in the Adobe Experience Cloud solutions and to help you avoid problems before they happen.</a:t>
+              <a:t>Adobe 提供全方位的技術資源來支援您的業務，這些資源包括在您的 Experience Cloud 授權訂閱中，並在菁英支援套件中進一步強化。菁英支援包括透過 Adobe Experience League 存取個人化學習路徑和監控的社群論壇。您還可以利用我們詳細而深入的技術產品文件和目前的版本注意事項。菁英客戶還可以獲得一位指定的支援工程師和一位技術客戶經理，他們將與您合作，提供一流的主動和被動支援，同時作為您在 Adobe 支援團隊的指定技術連絡人。憑藉在指定的 Experience Cloud 解決方案方面的深厚經驗，無論您的支援需求有多複雜，您的 Adobe 支援團隊都會全程與您並肩作戰，以確保您最大化在 Adobe Experience Cloud 解決方案中的投資，並幫助您在問題發生之前未雨綢繆。</a:t>
             </a:r>
             <a:endParaRPr sz="900" dirty="0">
               <a:solidFill>
@@ -2478,8 +2415,8 @@
         </p:nvSpPr>
         <p:spPr>
           <a:xfrm>
-            <a:off x="168564" y="7024371"/>
-            <a:ext cx="2780665" cy="238760"/>
+            <a:off x="168564" y="7024370"/>
+            <a:ext cx="5394036" cy="228268"/>
           </a:xfrm>
           <a:prstGeom prst="rect">
             <a:avLst/>
@@ -2500,7 +2437,7 @@
               </a:spcBef>
             </a:pPr>
             <a:r>
-              <a:rPr sz="1400" b="1" u="heavy" spc="20" dirty="0">
+              <a:rPr lang="de-de" sz="1400" b="1" u="heavy" spc="20" dirty="0">
                 <a:solidFill>
                   <a:srgbClr val="020302"/>
                 </a:solidFill>
@@ -2512,10 +2449,10 @@
                 <a:latin typeface="Adobe Clean"/>
                 <a:cs typeface="Adobe Clean"/>
               </a:rPr>
-              <a:t>S</a:t>
-            </a:r>
-            <a:r>
-              <a:rPr sz="1400" b="1" u="heavy" dirty="0">
+              <a:t>服務</a:t>
+            </a:r>
+            <a:r>
+              <a:rPr lang="de-de" sz="1400" b="1" u="heavy" spc="-20" dirty="0">
                 <a:solidFill>
                   <a:srgbClr val="020302"/>
                 </a:solidFill>
@@ -2527,10 +2464,10 @@
                 <a:latin typeface="Adobe Clean"/>
                 <a:cs typeface="Adobe Clean"/>
               </a:rPr>
-              <a:t>er</a:t>
-            </a:r>
-            <a:r>
-              <a:rPr sz="1400" b="1" u="heavy" spc="10" dirty="0">
+              <a:t>層級</a:t>
+            </a:r>
+            <a:r>
+              <a:rPr lang="de-de" sz="1400" b="1" u="heavy" spc="-10" dirty="0">
                 <a:solidFill>
                   <a:srgbClr val="020302"/>
                 </a:solidFill>
@@ -2542,10 +2479,10 @@
                 <a:latin typeface="Adobe Clean"/>
                 <a:cs typeface="Adobe Clean"/>
               </a:rPr>
-              <a:t>vi</a:t>
-            </a:r>
-            <a:r>
-              <a:rPr sz="1400" b="1" u="heavy" dirty="0">
+              <a:t> </a:t>
+            </a:r>
+            <a:r>
+              <a:rPr lang="de-de" sz="1400" b="1" u="heavy" spc="-65" dirty="0">
                 <a:solidFill>
                   <a:srgbClr val="020302"/>
                 </a:solidFill>
@@ -2557,10 +2494,10 @@
                 <a:latin typeface="Adobe Clean"/>
                 <a:cs typeface="Adobe Clean"/>
               </a:rPr>
-              <a:t>ce</a:t>
-            </a:r>
-            <a:r>
-              <a:rPr sz="1400" b="1" u="heavy" spc="20" dirty="0">
+              <a:t>目</a:t>
+            </a:r>
+            <a:r>
+              <a:rPr lang="de-de" sz="1400" b="1" u="heavy" spc="-35" dirty="0">
                 <a:solidFill>
                   <a:srgbClr val="020302"/>
                 </a:solidFill>
@@ -2572,10 +2509,10 @@
                 <a:latin typeface="Adobe Clean"/>
                 <a:cs typeface="Adobe Clean"/>
               </a:rPr>
-              <a:t> </a:t>
-            </a:r>
-            <a:r>
-              <a:rPr sz="1400" b="1" u="heavy" spc="-20" dirty="0">
+              <a:t>標</a:t>
+            </a:r>
+            <a:r>
+              <a:rPr lang="de-de" sz="1400" b="1" u="heavy" dirty="0">
                 <a:solidFill>
                   <a:srgbClr val="020302"/>
                 </a:solidFill>
@@ -2587,10 +2524,10 @@
                 <a:latin typeface="Adobe Clean"/>
                 <a:cs typeface="Adobe Clean"/>
               </a:rPr>
-              <a:t>Le</a:t>
-            </a:r>
-            <a:r>
-              <a:rPr sz="1400" b="1" u="heavy" spc="-10" dirty="0">
+              <a:t>：</a:t>
+            </a:r>
+            <a:r>
+              <a:rPr lang="de-de" sz="1400" b="1" u="heavy" spc="-80" dirty="0">
                 <a:solidFill>
                   <a:srgbClr val="020302"/>
                 </a:solidFill>
@@ -2602,10 +2539,10 @@
                 <a:latin typeface="Adobe Clean"/>
                 <a:cs typeface="Adobe Clean"/>
               </a:rPr>
-              <a:t>v</a:t>
-            </a:r>
-            <a:r>
-              <a:rPr sz="1400" b="1" u="heavy" spc="-20" dirty="0">
+              <a:t> </a:t>
+            </a:r>
+            <a:r>
+              <a:rPr lang="de-de" sz="1400" b="1" u="heavy" spc="-20" dirty="0">
                 <a:solidFill>
                   <a:srgbClr val="020302"/>
                 </a:solidFill>
@@ -2617,10 +2554,10 @@
                 <a:latin typeface="Adobe Clean"/>
                 <a:cs typeface="Adobe Clean"/>
               </a:rPr>
-              <a:t>e</a:t>
-            </a:r>
-            <a:r>
-              <a:rPr sz="1400" b="1" u="heavy" dirty="0">
+              <a:t>初始回應</a:t>
+            </a:r>
+            <a:r>
+              <a:rPr lang="de-de" sz="1400" b="1" u="heavy" spc="-140" dirty="0">
                 <a:solidFill>
                   <a:srgbClr val="020302"/>
                 </a:solidFill>
@@ -2632,322 +2569,7 @@
                 <a:latin typeface="Adobe Clean"/>
                 <a:cs typeface="Adobe Clean"/>
               </a:rPr>
-              <a:t>l</a:t>
-            </a:r>
-            <a:r>
-              <a:rPr sz="1400" b="1" u="heavy" spc="-10" dirty="0">
-                <a:solidFill>
-                  <a:srgbClr val="020302"/>
-                </a:solidFill>
-                <a:uFill>
-                  <a:solidFill>
-                    <a:srgbClr val="020302"/>
-                  </a:solidFill>
-                </a:uFill>
-                <a:latin typeface="Adobe Clean"/>
-                <a:cs typeface="Adobe Clean"/>
-              </a:rPr>
               <a:t> </a:t>
-            </a:r>
-            <a:r>
-              <a:rPr sz="1400" b="1" u="heavy" spc="-65" dirty="0">
-                <a:solidFill>
-                  <a:srgbClr val="020302"/>
-                </a:solidFill>
-                <a:uFill>
-                  <a:solidFill>
-                    <a:srgbClr val="020302"/>
-                  </a:solidFill>
-                </a:uFill>
-                <a:latin typeface="Adobe Clean"/>
-                <a:cs typeface="Adobe Clean"/>
-              </a:rPr>
-              <a:t>T</a:t>
-            </a:r>
-            <a:r>
-              <a:rPr sz="1400" b="1" u="heavy" spc="-35" dirty="0">
-                <a:solidFill>
-                  <a:srgbClr val="020302"/>
-                </a:solidFill>
-                <a:uFill>
-                  <a:solidFill>
-                    <a:srgbClr val="020302"/>
-                  </a:solidFill>
-                </a:uFill>
-                <a:latin typeface="Adobe Clean"/>
-                <a:cs typeface="Adobe Clean"/>
-              </a:rPr>
-              <a:t>a</a:t>
-            </a:r>
-            <a:r>
-              <a:rPr sz="1400" b="1" u="heavy" spc="-45" dirty="0">
-                <a:solidFill>
-                  <a:srgbClr val="020302"/>
-                </a:solidFill>
-                <a:uFill>
-                  <a:solidFill>
-                    <a:srgbClr val="020302"/>
-                  </a:solidFill>
-                </a:uFill>
-                <a:latin typeface="Adobe Clean"/>
-                <a:cs typeface="Adobe Clean"/>
-              </a:rPr>
-              <a:t>r</a:t>
-            </a:r>
-            <a:r>
-              <a:rPr sz="1400" b="1" u="heavy" spc="-35" dirty="0">
-                <a:solidFill>
-                  <a:srgbClr val="020302"/>
-                </a:solidFill>
-                <a:uFill>
-                  <a:solidFill>
-                    <a:srgbClr val="020302"/>
-                  </a:solidFill>
-                </a:uFill>
-                <a:latin typeface="Adobe Clean"/>
-                <a:cs typeface="Adobe Clean"/>
-              </a:rPr>
-              <a:t>g</a:t>
-            </a:r>
-            <a:r>
-              <a:rPr sz="1400" b="1" u="heavy" spc="-55" dirty="0">
-                <a:solidFill>
-                  <a:srgbClr val="020302"/>
-                </a:solidFill>
-                <a:uFill>
-                  <a:solidFill>
-                    <a:srgbClr val="020302"/>
-                  </a:solidFill>
-                </a:uFill>
-                <a:latin typeface="Adobe Clean"/>
-                <a:cs typeface="Adobe Clean"/>
-              </a:rPr>
-              <a:t>et</a:t>
-            </a:r>
-            <a:r>
-              <a:rPr sz="1400" b="1" u="heavy" spc="-45" dirty="0">
-                <a:solidFill>
-                  <a:srgbClr val="020302"/>
-                </a:solidFill>
-                <a:uFill>
-                  <a:solidFill>
-                    <a:srgbClr val="020302"/>
-                  </a:solidFill>
-                </a:uFill>
-                <a:latin typeface="Adobe Clean"/>
-                <a:cs typeface="Adobe Clean"/>
-              </a:rPr>
-              <a:t>s</a:t>
-            </a:r>
-            <a:r>
-              <a:rPr sz="1400" b="1" u="heavy" dirty="0">
-                <a:solidFill>
-                  <a:srgbClr val="020302"/>
-                </a:solidFill>
-                <a:uFill>
-                  <a:solidFill>
-                    <a:srgbClr val="020302"/>
-                  </a:solidFill>
-                </a:uFill>
-                <a:latin typeface="Adobe Clean"/>
-                <a:cs typeface="Adobe Clean"/>
-              </a:rPr>
-              <a:t>:</a:t>
-            </a:r>
-            <a:r>
-              <a:rPr sz="1400" b="1" u="heavy" spc="-80" dirty="0">
-                <a:solidFill>
-                  <a:srgbClr val="020302"/>
-                </a:solidFill>
-                <a:uFill>
-                  <a:solidFill>
-                    <a:srgbClr val="020302"/>
-                  </a:solidFill>
-                </a:uFill>
-                <a:latin typeface="Adobe Clean"/>
-                <a:cs typeface="Adobe Clean"/>
-              </a:rPr>
-              <a:t> </a:t>
-            </a:r>
-            <a:r>
-              <a:rPr sz="1400" b="1" u="heavy" spc="-20" dirty="0">
-                <a:solidFill>
-                  <a:srgbClr val="020302"/>
-                </a:solidFill>
-                <a:uFill>
-                  <a:solidFill>
-                    <a:srgbClr val="020302"/>
-                  </a:solidFill>
-                </a:uFill>
-                <a:latin typeface="Adobe Clean"/>
-                <a:cs typeface="Adobe Clean"/>
-              </a:rPr>
-              <a:t>I</a:t>
-            </a:r>
-            <a:r>
-              <a:rPr sz="1400" b="1" u="heavy" spc="-10" dirty="0">
-                <a:solidFill>
-                  <a:srgbClr val="020302"/>
-                </a:solidFill>
-                <a:uFill>
-                  <a:solidFill>
-                    <a:srgbClr val="020302"/>
-                  </a:solidFill>
-                </a:uFill>
-                <a:latin typeface="Adobe Clean"/>
-                <a:cs typeface="Adobe Clean"/>
-              </a:rPr>
-              <a:t>ni</a:t>
-            </a:r>
-            <a:r>
-              <a:rPr sz="1400" b="1" u="heavy" spc="-20" dirty="0">
-                <a:solidFill>
-                  <a:srgbClr val="020302"/>
-                </a:solidFill>
-                <a:uFill>
-                  <a:solidFill>
-                    <a:srgbClr val="020302"/>
-                  </a:solidFill>
-                </a:uFill>
-                <a:latin typeface="Adobe Clean"/>
-                <a:cs typeface="Adobe Clean"/>
-              </a:rPr>
-              <a:t>t</a:t>
-            </a:r>
-            <a:r>
-              <a:rPr sz="1400" b="1" u="heavy" spc="-10" dirty="0">
-                <a:solidFill>
-                  <a:srgbClr val="020302"/>
-                </a:solidFill>
-                <a:uFill>
-                  <a:solidFill>
-                    <a:srgbClr val="020302"/>
-                  </a:solidFill>
-                </a:uFill>
-                <a:latin typeface="Adobe Clean"/>
-                <a:cs typeface="Adobe Clean"/>
-              </a:rPr>
-              <a:t>i</a:t>
-            </a:r>
-            <a:r>
-              <a:rPr sz="1400" b="1" u="heavy" dirty="0">
-                <a:solidFill>
-                  <a:srgbClr val="020302"/>
-                </a:solidFill>
-                <a:uFill>
-                  <a:solidFill>
-                    <a:srgbClr val="020302"/>
-                  </a:solidFill>
-                </a:uFill>
-                <a:latin typeface="Adobe Clean"/>
-                <a:cs typeface="Adobe Clean"/>
-              </a:rPr>
-              <a:t>al</a:t>
-            </a:r>
-            <a:r>
-              <a:rPr sz="1400" b="1" u="heavy" spc="-140" dirty="0">
-                <a:solidFill>
-                  <a:srgbClr val="020302"/>
-                </a:solidFill>
-                <a:uFill>
-                  <a:solidFill>
-                    <a:srgbClr val="020302"/>
-                  </a:solidFill>
-                </a:uFill>
-                <a:latin typeface="Adobe Clean"/>
-                <a:cs typeface="Adobe Clean"/>
-              </a:rPr>
-              <a:t> </a:t>
-            </a:r>
-            <a:r>
-              <a:rPr sz="1400" b="1" u="heavy" spc="-15" dirty="0">
-                <a:solidFill>
-                  <a:srgbClr val="020302"/>
-                </a:solidFill>
-                <a:uFill>
-                  <a:solidFill>
-                    <a:srgbClr val="020302"/>
-                  </a:solidFill>
-                </a:uFill>
-                <a:latin typeface="Adobe Clean"/>
-                <a:cs typeface="Adobe Clean"/>
-              </a:rPr>
-              <a:t>R</a:t>
-            </a:r>
-            <a:r>
-              <a:rPr sz="1400" b="1" u="heavy" spc="-25" dirty="0">
-                <a:solidFill>
-                  <a:srgbClr val="020302"/>
-                </a:solidFill>
-                <a:uFill>
-                  <a:solidFill>
-                    <a:srgbClr val="020302"/>
-                  </a:solidFill>
-                </a:uFill>
-                <a:latin typeface="Adobe Clean"/>
-                <a:cs typeface="Adobe Clean"/>
-              </a:rPr>
-              <a:t>e</a:t>
-            </a:r>
-            <a:r>
-              <a:rPr sz="1400" b="1" u="heavy" spc="-15" dirty="0">
-                <a:solidFill>
-                  <a:srgbClr val="020302"/>
-                </a:solidFill>
-                <a:uFill>
-                  <a:solidFill>
-                    <a:srgbClr val="020302"/>
-                  </a:solidFill>
-                </a:uFill>
-                <a:latin typeface="Adobe Clean"/>
-                <a:cs typeface="Adobe Clean"/>
-              </a:rPr>
-              <a:t>s</a:t>
-            </a:r>
-            <a:r>
-              <a:rPr sz="1400" b="1" u="heavy" spc="-25" dirty="0">
-                <a:solidFill>
-                  <a:srgbClr val="020302"/>
-                </a:solidFill>
-                <a:uFill>
-                  <a:solidFill>
-                    <a:srgbClr val="020302"/>
-                  </a:solidFill>
-                </a:uFill>
-                <a:latin typeface="Adobe Clean"/>
-                <a:cs typeface="Adobe Clean"/>
-              </a:rPr>
-              <a:t>p</a:t>
-            </a:r>
-            <a:r>
-              <a:rPr sz="1400" b="1" u="heavy" spc="-15" dirty="0">
-                <a:solidFill>
-                  <a:srgbClr val="020302"/>
-                </a:solidFill>
-                <a:uFill>
-                  <a:solidFill>
-                    <a:srgbClr val="020302"/>
-                  </a:solidFill>
-                </a:uFill>
-                <a:latin typeface="Adobe Clean"/>
-                <a:cs typeface="Adobe Clean"/>
-              </a:rPr>
-              <a:t>ons</a:t>
-            </a:r>
-            <a:r>
-              <a:rPr sz="1400" b="1" u="heavy" dirty="0">
-                <a:solidFill>
-                  <a:srgbClr val="020302"/>
-                </a:solidFill>
-                <a:uFill>
-                  <a:solidFill>
-                    <a:srgbClr val="020302"/>
-                  </a:solidFill>
-                </a:uFill>
-                <a:latin typeface="Adobe Clean"/>
-                <a:cs typeface="Adobe Clean"/>
-              </a:rPr>
-              <a:t>e</a:t>
             </a:r>
             <a:endParaRPr sz="1400" dirty="0">
               <a:latin typeface="Adobe Clean"/>
@@ -2965,14 +2587,14 @@
           <p:nvPr>
             <p:extLst>
               <p:ext uri="{D42A27DB-BD31-4B8C-83A1-F6EECF244321}">
-                <p14:modId xmlns:p14="http://schemas.microsoft.com/office/powerpoint/2010/main" val="101721845"/>
+                <p14:modId xmlns:p14="http://schemas.microsoft.com/office/powerpoint/2010/main" val="708542378"/>
               </p:ext>
             </p:extLst>
           </p:nvPr>
         </p:nvGraphicFramePr>
         <p:xfrm>
           <a:off x="145668" y="7473158"/>
-          <a:ext cx="7409815" cy="2259721"/>
+          <a:ext cx="7409815" cy="2204589"/>
         </p:xfrm>
         <a:graphic>
           <a:graphicData uri="http://schemas.openxmlformats.org/drawingml/2006/table">
@@ -3018,14 +2640,14 @@
                         </a:spcBef>
                       </a:pPr>
                       <a:r>
-                        <a:rPr sz="900" spc="0" dirty="0">
+                        <a:rPr lang="de-de" sz="900" spc="0" dirty="0">
                           <a:solidFill>
                             <a:srgbClr val="020302"/>
                           </a:solidFill>
                           <a:latin typeface="Adobe Clean"/>
                           <a:cs typeface="Adobe Clean"/>
                         </a:rPr>
-                        <a:t>Priority</a:t>
+                        <a:t>優先順序</a:t>
                       </a:r>
                       <a:endParaRPr sz="900" spc="0" dirty="0">
                         <a:latin typeface="Adobe Clean"/>
@@ -3068,7 +2690,7 @@
                     <a:bodyPr/>
                     <a:lstStyle/>
                     <a:p>
-                      <a:pPr marL="382905" algn="l">
+                      <a:pPr marL="382905" algn="ctr">
                         <a:lnSpc>
                           <a:spcPct val="100000"/>
                         </a:lnSpc>
@@ -3077,34 +2699,14 @@
                         </a:spcBef>
                       </a:pPr>
                       <a:r>
-                        <a:rPr sz="900" spc="0" dirty="0">
+                        <a:rPr lang="de-de" sz="900" spc="0" dirty="0">
                           <a:solidFill>
                             <a:srgbClr val="020302"/>
                           </a:solidFill>
                           <a:latin typeface="Adobe Clean"/>
                           <a:cs typeface="Adobe Clean"/>
                         </a:rPr>
-                        <a:t>Online</a:t>
-                      </a:r>
-                      <a:r>
-                        <a:rPr lang="en-US" sz="900" spc="0" dirty="0">
-                          <a:solidFill>
-                            <a:srgbClr val="020302"/>
-                          </a:solidFill>
-                          <a:latin typeface="Adobe Clean"/>
-                          <a:cs typeface="Adobe Clean"/>
-                        </a:rPr>
-                        <a:t> </a:t>
-                      </a:r>
-                      <a:r>
-                        <a:rPr sz="900" spc="0" dirty="0">
-                          <a:solidFill>
-                            <a:srgbClr val="020302"/>
-                          </a:solidFill>
-                          <a:latin typeface="Adobe Clean"/>
-                          <a:cs typeface="Adobe Clean"/>
-                        </a:rPr>
-                        <a:t> Support</a:t>
+                        <a:t>線上支援</a:t>
                       </a:r>
                       <a:endParaRPr sz="900" spc="0" dirty="0">
                         <a:latin typeface="Adobe Clean"/>
@@ -3150,7 +2752,7 @@
                     <a:bodyPr/>
                     <a:lstStyle/>
                     <a:p>
-                      <a:pPr marL="263525" algn="l">
+                      <a:pPr marL="263525" algn="ctr">
                         <a:lnSpc>
                           <a:spcPct val="100000"/>
                         </a:lnSpc>
@@ -3159,34 +2761,14 @@
                         </a:spcBef>
                       </a:pPr>
                       <a:r>
-                        <a:rPr sz="900" spc="0" dirty="0">
+                        <a:rPr lang="de-de" sz="900" spc="0" dirty="0">
                           <a:solidFill>
                             <a:srgbClr val="FFFFFF"/>
                           </a:solidFill>
                           <a:latin typeface="Adobe Clean"/>
                           <a:cs typeface="Adobe Clean"/>
                         </a:rPr>
-                        <a:t>Elite </a:t>
-                      </a:r>
-                      <a:r>
-                        <a:rPr lang="en-US" sz="900" spc="0" dirty="0">
-                          <a:solidFill>
-                            <a:srgbClr val="FFFFFF"/>
-                          </a:solidFill>
-                          <a:latin typeface="Adobe Clean"/>
-                          <a:cs typeface="Adobe Clean"/>
-                        </a:rPr>
-                        <a:t> </a:t>
-                      </a:r>
-                      <a:r>
-                        <a:rPr sz="900" spc="0" dirty="0">
-                          <a:solidFill>
-                            <a:srgbClr val="FFFFFF"/>
-                          </a:solidFill>
-                          <a:latin typeface="Adobe Clean"/>
-                          <a:cs typeface="Adobe Clean"/>
-                        </a:rPr>
-                        <a:t>Support</a:t>
+                        <a:t>菁英支援</a:t>
                       </a:r>
                       <a:endParaRPr sz="900" spc="0" dirty="0">
                         <a:latin typeface="Adobe Clean"/>
@@ -3248,14 +2830,14 @@
                         </a:spcBef>
                       </a:pPr>
                       <a:r>
-                        <a:rPr sz="900" b="1" spc="0" dirty="0">
+                        <a:rPr lang="de-de" sz="900" b="1" spc="0" dirty="0">
                           <a:solidFill>
                             <a:srgbClr val="020302"/>
                           </a:solidFill>
                           <a:latin typeface="Adobe Clean"/>
                           <a:cs typeface="Adobe Clean"/>
                         </a:rPr>
-                        <a:t>PRIORITY 1</a:t>
+                        <a:t>優先順序 1</a:t>
                       </a:r>
                       <a:endParaRPr sz="900" spc="0" dirty="0">
                         <a:latin typeface="Adobe Clean"/>
@@ -3272,14 +2854,14 @@
                         </a:spcBef>
                       </a:pPr>
                       <a:r>
-                        <a:rPr lang="en-US" sz="900" b="0" i="0" u="none" strike="noStrike" spc="0" dirty="0">
+                        <a:rPr lang="de-de" sz="900" b="0" i="0" u="none" strike="noStrike" spc="0" dirty="0">
                           <a:solidFill>
                             <a:srgbClr val="000000"/>
                           </a:solidFill>
                           <a:effectLst/>
                           <a:latin typeface="Adobe Clean Light" panose="020B0303020404020204" pitchFamily="34" charset="0"/>
                         </a:rPr>
-                        <a:t>Customer's production business functions are down or have significant data loss or service degradation and immediate attention is required to restore functionality and usability</a:t>
+                        <a:t>客戶的生產業務功能已停止或發生重大資料遺失或服務降級狀況，需要立即關注以恢復功能與可用性</a:t>
                       </a:r>
                       <a:endParaRPr sz="900" spc="0" dirty="0">
                         <a:latin typeface="AdobeClean-Light"/>
@@ -3322,23 +2904,79 @@
                     <a:bodyPr/>
                     <a:lstStyle/>
                     <a:p>
-                      <a:pPr marL="542925" marR="492125" algn="l">
+                      <a:pPr marL="542925" marR="492125" algn="ctr">
                         <a:lnSpc>
                           <a:spcPct val="102200"/>
                         </a:lnSpc>
                       </a:pPr>
                       <a:r>
-                        <a:rPr sz="900" spc="0" dirty="0">
+                        <a:rPr lang="de-de" sz="900" spc="0" dirty="0">
                           <a:solidFill>
                             <a:srgbClr val="020302"/>
                           </a:solidFill>
                           <a:latin typeface="AdobeClean-Light"/>
                           <a:cs typeface="AdobeClean-Light"/>
                         </a:rPr>
-                        <a:t>24x7</a:t>
+                        <a:t>全年無休 /           1 小時</a:t>
+                      </a:r>
+                      <a:endParaRPr sz="900" spc="0" dirty="0">
+                        <a:latin typeface="AdobeClean-Light"/>
+                        <a:cs typeface="AdobeClean-Light"/>
+                      </a:endParaRPr>
+                    </a:p>
+                  </a:txBody>
+                  <a:tcPr marL="0" marR="0" marT="0" marB="0" anchor="ctr">
+                    <a:lnL w="6350">
+                      <a:solidFill>
+                        <a:srgbClr val="B7B8B8"/>
+                      </a:solidFill>
+                      <a:prstDash val="solid"/>
+                    </a:lnL>
+                    <a:lnR w="6350">
+                      <a:solidFill>
+                        <a:srgbClr val="B7B8B8"/>
+                      </a:solidFill>
+                      <a:prstDash val="solid"/>
+                    </a:lnR>
+                    <a:lnT w="57150" cap="flat" cmpd="sng" algn="ctr">
+                      <a:solidFill>
+                        <a:srgbClr val="A8A8A8"/>
+                      </a:solidFill>
+                      <a:prstDash val="solid"/>
+                      <a:round/>
+                      <a:headEnd type="none" w="med" len="med"/>
+                      <a:tailEnd type="none" w="med" len="med"/>
+                    </a:lnT>
+                    <a:lnB w="6350">
+                      <a:solidFill>
+                        <a:srgbClr val="B7B8B8"/>
+                      </a:solidFill>
+                      <a:prstDash val="solid"/>
+                    </a:lnB>
+                  </a:tcPr>
+                </a:tc>
+                <a:tc>
+                  <a:txBody>
+                    <a:bodyPr/>
+                    <a:lstStyle/>
+                    <a:p>
+                      <a:pPr marL="405130" marR="459740" indent="92710" algn="ctr">
+                        <a:lnSpc>
+                          <a:spcPct val="100000"/>
+                        </a:lnSpc>
+                      </a:pPr>
+                      <a:r>
+                        <a:rPr lang="de-de" sz="900" spc="0" dirty="0">
+                          <a:solidFill>
+                            <a:srgbClr val="020302"/>
+                          </a:solidFill>
+                          <a:latin typeface="AdobeClean-Light"/>
+                          <a:cs typeface="AdobeClean-Light"/>
+                        </a:rPr>
+                        <a:t>全年無休 /</a:t>
                       </a:r>
                       <a:r>
-                        <a:rPr lang="en-US" sz="900" spc="0" dirty="0">
+                        <a:rPr lang="zh-TW" altLang="en-US" sz="900" spc="0" dirty="0">
                           <a:solidFill>
                             <a:srgbClr val="020302"/>
                           </a:solidFill>
@@ -3348,160 +2986,14 @@
                         <a:t> </a:t>
                       </a:r>
                       <a:r>
-                        <a:rPr sz="900" spc="0" dirty="0">
+                        <a:rPr lang="de-de" sz="900" spc="0" dirty="0">
                           <a:solidFill>
                             <a:srgbClr val="020302"/>
                           </a:solidFill>
                           <a:latin typeface="AdobeClean-Light"/>
                           <a:cs typeface="AdobeClean-Light"/>
                         </a:rPr>
-                        <a:t>/</a:t>
-                      </a:r>
-                      <a:r>
-                        <a:rPr lang="en-US" sz="900" spc="0" dirty="0">
-                          <a:solidFill>
-                            <a:srgbClr val="020302"/>
-                          </a:solidFill>
-                          <a:latin typeface="AdobeClean-Light"/>
-                          <a:cs typeface="AdobeClean-Light"/>
-                        </a:rPr>
-                        <a:t>         </a:t>
-                      </a:r>
-                      <a:r>
-                        <a:rPr sz="900" spc="0" dirty="0">
-                          <a:solidFill>
-                            <a:srgbClr val="020302"/>
-                          </a:solidFill>
-                          <a:latin typeface="AdobeClean-Light"/>
-                          <a:cs typeface="AdobeClean-Light"/>
-                        </a:rPr>
-                        <a:t>  1</a:t>
-                      </a:r>
-                      <a:r>
-                        <a:rPr lang="en-US" sz="900" spc="0" dirty="0">
-                          <a:solidFill>
-                            <a:srgbClr val="020302"/>
-                          </a:solidFill>
-                          <a:latin typeface="AdobeClean-Light"/>
-                          <a:cs typeface="AdobeClean-Light"/>
-                        </a:rPr>
-                        <a:t> </a:t>
-                      </a:r>
-                      <a:r>
-                        <a:rPr sz="900" spc="0" dirty="0">
-                          <a:solidFill>
-                            <a:srgbClr val="020302"/>
-                          </a:solidFill>
-                          <a:latin typeface="AdobeClean-Light"/>
-                          <a:cs typeface="AdobeClean-Light"/>
-                        </a:rPr>
-                        <a:t>hour</a:t>
-                      </a:r>
-                      <a:endParaRPr sz="900" spc="0" dirty="0">
-                        <a:latin typeface="AdobeClean-Light"/>
-                        <a:cs typeface="AdobeClean-Light"/>
-                      </a:endParaRPr>
-                    </a:p>
-                  </a:txBody>
-                  <a:tcPr marL="0" marR="0" marT="0" marB="0" anchor="ctr">
-                    <a:lnL w="6350">
-                      <a:solidFill>
-                        <a:srgbClr val="B7B8B8"/>
-                      </a:solidFill>
-                      <a:prstDash val="solid"/>
-                    </a:lnL>
-                    <a:lnR w="6350">
-                      <a:solidFill>
-                        <a:srgbClr val="B7B8B8"/>
-                      </a:solidFill>
-                      <a:prstDash val="solid"/>
-                    </a:lnR>
-                    <a:lnT w="57150" cap="flat" cmpd="sng" algn="ctr">
-                      <a:solidFill>
-                        <a:srgbClr val="A8A8A8"/>
-                      </a:solidFill>
-                      <a:prstDash val="solid"/>
-                      <a:round/>
-                      <a:headEnd type="none" w="med" len="med"/>
-                      <a:tailEnd type="none" w="med" len="med"/>
-                    </a:lnT>
-                    <a:lnB w="6350">
-                      <a:solidFill>
-                        <a:srgbClr val="B7B8B8"/>
-                      </a:solidFill>
-                      <a:prstDash val="solid"/>
-                    </a:lnB>
-                  </a:tcPr>
-                </a:tc>
-                <a:tc>
-                  <a:txBody>
-                    <a:bodyPr/>
-                    <a:lstStyle/>
-                    <a:p>
-                      <a:pPr marL="405130" marR="459740" indent="92710" algn="l">
-                        <a:lnSpc>
-                          <a:spcPct val="100000"/>
-                        </a:lnSpc>
-                      </a:pPr>
-                      <a:r>
-                        <a:rPr lang="en-US" sz="900" spc="0" dirty="0">
-                          <a:solidFill>
-                            <a:srgbClr val="020302"/>
-                          </a:solidFill>
-                          <a:latin typeface="AdobeClean-Light"/>
-                          <a:cs typeface="AdobeClean-Light"/>
-                        </a:rPr>
-                        <a:t>2</a:t>
-                      </a:r>
-                      <a:r>
-                        <a:rPr sz="900" spc="0" dirty="0">
-                          <a:solidFill>
-                            <a:srgbClr val="020302"/>
-                          </a:solidFill>
-                          <a:latin typeface="AdobeClean-Light"/>
-                          <a:cs typeface="AdobeClean-Light"/>
-                        </a:rPr>
-                        <a:t>4x7 / </a:t>
-                      </a:r>
-                      <a:r>
-                        <a:rPr lang="en-US" sz="900" spc="0" dirty="0">
-                          <a:solidFill>
-                            <a:srgbClr val="020302"/>
-                          </a:solidFill>
-                          <a:latin typeface="AdobeClean-Light"/>
-                          <a:cs typeface="AdobeClean-Light"/>
-                        </a:rPr>
-                        <a:t> </a:t>
-                      </a:r>
-                      <a:r>
-                        <a:rPr sz="900" spc="0" dirty="0">
-                          <a:solidFill>
-                            <a:srgbClr val="020302"/>
-                          </a:solidFill>
-                          <a:latin typeface="AdobeClean-Light"/>
-                          <a:cs typeface="AdobeClean-Light"/>
-                        </a:rPr>
-                        <a:t> 15</a:t>
-                      </a:r>
-                      <a:r>
-                        <a:rPr lang="en-US" sz="900" spc="0" dirty="0">
-                          <a:solidFill>
-                            <a:srgbClr val="020302"/>
-                          </a:solidFill>
-                          <a:latin typeface="AdobeClean-Light"/>
-                          <a:cs typeface="AdobeClean-Light"/>
-                        </a:rPr>
-                        <a:t> </a:t>
-                      </a:r>
-                      <a:r>
-                        <a:rPr sz="900" spc="0" dirty="0">
-                          <a:solidFill>
-                            <a:srgbClr val="020302"/>
-                          </a:solidFill>
-                          <a:latin typeface="AdobeClean-Light"/>
-                          <a:cs typeface="AdobeClean-Light"/>
-                        </a:rPr>
-                        <a:t>minutes</a:t>
+                        <a:t>15 分鐘</a:t>
                       </a:r>
                       <a:endParaRPr sz="900" spc="0" dirty="0">
                         <a:latin typeface="AdobeClean-Light"/>
@@ -3568,14 +3060,14 @@
                         </a:spcBef>
                       </a:pPr>
                       <a:r>
-                        <a:rPr sz="900" b="1" spc="0" dirty="0">
+                        <a:rPr lang="de-de" sz="900" b="1" spc="0" dirty="0">
                           <a:solidFill>
                             <a:srgbClr val="020302"/>
                           </a:solidFill>
                           <a:latin typeface="Adobe Clean"/>
                           <a:cs typeface="Adobe Clean"/>
                         </a:rPr>
-                        <a:t>PRIORITY 2</a:t>
+                        <a:t>優先順序 2</a:t>
                       </a:r>
                       <a:endParaRPr sz="900" spc="0" dirty="0">
                         <a:latin typeface="Adobe Clean"/>
@@ -3592,14 +3084,14 @@
                         </a:spcBef>
                       </a:pPr>
                       <a:r>
-                        <a:rPr lang="en-US" sz="900" b="0" i="0" u="none" strike="noStrike" spc="0" dirty="0">
+                        <a:rPr lang="de-de" sz="900" b="0" i="0" u="none" strike="noStrike" spc="0" dirty="0">
                           <a:solidFill>
                             <a:srgbClr val="000000"/>
                           </a:solidFill>
                           <a:effectLst/>
                           <a:latin typeface="Adobe Clean Light" panose="020B0303020404020204" pitchFamily="34" charset="0"/>
                         </a:rPr>
-                        <a:t>Customer's business functions have major service degradation or potential data loss, or a major feature is impacted</a:t>
+                        <a:t>客戶的業務功能發生嚴重的服務降級狀況，或是可能發生資料遺失，或是主要功能受到了影響</a:t>
                       </a:r>
                       <a:endParaRPr sz="900" spc="0" dirty="0">
                         <a:latin typeface="AdobeClean-Light"/>
@@ -3642,60 +3134,20 @@
                     <a:bodyPr/>
                     <a:lstStyle/>
                     <a:p>
-                      <a:pPr marL="473709" marR="343535" indent="-175895" algn="l">
+                      <a:pPr marL="473709" marR="343535" indent="-175895" algn="ctr">
                         <a:lnSpc>
                           <a:spcPct val="102200"/>
                         </a:lnSpc>
                       </a:pPr>
                       <a:r>
-                        <a:rPr sz="900" spc="0" dirty="0">
+                        <a:rPr lang="de-de" sz="900" spc="0" dirty="0">
                           <a:solidFill>
                             <a:srgbClr val="020302"/>
                           </a:solidFill>
                           <a:latin typeface="AdobeClean-Light"/>
                           <a:cs typeface="AdobeClean-Light"/>
                         </a:rPr>
-                        <a:t>Business hours</a:t>
-                      </a:r>
-                      <a:r>
-                        <a:rPr lang="en-US" sz="900" spc="0" dirty="0">
-                          <a:solidFill>
-                            <a:srgbClr val="020302"/>
-                          </a:solidFill>
-                          <a:latin typeface="AdobeClean-Light"/>
-                          <a:cs typeface="AdobeClean-Light"/>
-                        </a:rPr>
-                        <a:t> </a:t>
-                      </a:r>
-                      <a:r>
-                        <a:rPr sz="900" spc="0" dirty="0">
-                          <a:solidFill>
-                            <a:srgbClr val="020302"/>
-                          </a:solidFill>
-                          <a:latin typeface="AdobeClean-Light"/>
-                          <a:cs typeface="AdobeClean-Light"/>
-                        </a:rPr>
-                        <a:t>/  </a:t>
-                      </a:r>
-                      <a:r>
-                        <a:rPr lang="en-US" sz="900" spc="0" dirty="0">
-                          <a:solidFill>
-                            <a:srgbClr val="020302"/>
-                          </a:solidFill>
-                          <a:latin typeface="AdobeClean-Light"/>
-                          <a:cs typeface="AdobeClean-Light"/>
-                        </a:rPr>
-                        <a:t>     </a:t>
-                      </a:r>
-                      <a:r>
-                        <a:rPr sz="900" spc="0" dirty="0">
-                          <a:solidFill>
-                            <a:srgbClr val="020302"/>
-                          </a:solidFill>
-                          <a:latin typeface="AdobeClean-Light"/>
-                          <a:cs typeface="AdobeClean-Light"/>
-                        </a:rPr>
-                        <a:t>4 hours</a:t>
+                        <a:t>營業時間 /       4 小時</a:t>
                       </a:r>
                       <a:endParaRPr sz="900" spc="0" dirty="0">
                         <a:latin typeface="AdobeClean-Light"/>
@@ -3735,40 +3187,20 @@
                     <a:bodyPr/>
                     <a:lstStyle/>
                     <a:p>
-                      <a:pPr marL="351790" marR="481330" indent="144145" algn="l">
+                      <a:pPr marL="351790" marR="481330" indent="144145" algn="ctr">
                         <a:lnSpc>
                           <a:spcPct val="102299"/>
                         </a:lnSpc>
                       </a:pPr>
                       <a:r>
-                        <a:rPr sz="900" spc="0" dirty="0">
+                        <a:rPr lang="de-de" sz="900" spc="0" dirty="0">
                           <a:solidFill>
                             <a:srgbClr val="020302"/>
                           </a:solidFill>
                           <a:latin typeface="AdobeClean-Light"/>
                           <a:cs typeface="AdobeClean-Light"/>
                         </a:rPr>
-                        <a:t>24x5 /  30</a:t>
-                      </a:r>
-                      <a:r>
-                        <a:rPr lang="en-US" sz="900" spc="0" dirty="0">
-                          <a:solidFill>
-                            <a:srgbClr val="020302"/>
-                          </a:solidFill>
-                          <a:latin typeface="AdobeClean-Light"/>
-                          <a:cs typeface="AdobeClean-Light"/>
-                        </a:rPr>
-                        <a:t> m</a:t>
-                      </a:r>
-                      <a:r>
-                        <a:rPr sz="900" spc="0" dirty="0">
-                          <a:solidFill>
-                            <a:srgbClr val="020302"/>
-                          </a:solidFill>
-                          <a:latin typeface="AdobeClean-Light"/>
-                          <a:cs typeface="AdobeClean-Light"/>
-                        </a:rPr>
-                        <a:t>inutes</a:t>
+                        <a:t>24x5 /  30 分鐘</a:t>
                       </a:r>
                       <a:endParaRPr sz="900" spc="0" dirty="0">
                         <a:latin typeface="AdobeClean-Light"/>
@@ -3832,14 +3264,14 @@
                         </a:spcBef>
                       </a:pPr>
                       <a:r>
-                        <a:rPr sz="900" b="1" spc="0" dirty="0">
+                        <a:rPr lang="de-de" sz="900" b="1" spc="0" dirty="0">
                           <a:solidFill>
                             <a:srgbClr val="020302"/>
                           </a:solidFill>
                           <a:latin typeface="Adobe Clean"/>
                           <a:cs typeface="Adobe Clean"/>
                         </a:rPr>
-                        <a:t>PRIORITY 3</a:t>
+                        <a:t>優先順序 3</a:t>
                       </a:r>
                       <a:endParaRPr sz="900" spc="0" dirty="0">
                         <a:latin typeface="Adobe Clean"/>
@@ -3856,14 +3288,14 @@
                         </a:spcBef>
                       </a:pPr>
                       <a:r>
-                        <a:rPr lang="en-US" sz="900" b="0" i="0" u="none" strike="noStrike" spc="0" dirty="0">
+                        <a:rPr lang="de-de" sz="900" b="0" i="0" u="none" strike="noStrike" spc="0" dirty="0">
                           <a:solidFill>
                             <a:srgbClr val="000000"/>
                           </a:solidFill>
                           <a:effectLst/>
                           <a:latin typeface="Adobe Clean Light" panose="020B0303020404020204" pitchFamily="34" charset="0"/>
                         </a:rPr>
-                        <a:t>Customer’s business functions has minor to no service degradation but there exists a solution/workaround allowing business functions to continue normally</a:t>
+                        <a:t>客戶的業務功能發生了輕微服務降級狀況 (或沒有降級)，但有解決/變通方法讓業務功能得以繼續正常運作</a:t>
                       </a:r>
                       <a:endParaRPr sz="900" spc="0" dirty="0">
                         <a:latin typeface="AdobeClean-Light"/>
@@ -3906,20 +3338,20 @@
                     <a:bodyPr/>
                     <a:lstStyle/>
                     <a:p>
-                      <a:pPr marL="473709" marR="343535" indent="-175895" algn="l">
+                      <a:pPr marL="473709" marR="343535" indent="-175895" algn="ctr">
                         <a:lnSpc>
                           <a:spcPct val="102200"/>
                         </a:lnSpc>
                       </a:pPr>
                       <a:r>
-                        <a:rPr lang="en-US" sz="900" spc="0" dirty="0">
+                        <a:rPr lang="de-de" sz="900" spc="0" dirty="0">
                           <a:solidFill>
                             <a:srgbClr val="020302"/>
                           </a:solidFill>
                           <a:latin typeface="AdobeClean-Light"/>
                           <a:cs typeface="AdobeClean-Light"/>
                         </a:rPr>
-                        <a:t>Business hours /       6 hours</a:t>
+                        <a:t>營業時間 /       6 小時</a:t>
                       </a:r>
                       <a:endParaRPr lang="en-US" sz="900" spc="0" dirty="0">
                         <a:latin typeface="AdobeClean-Light"/>
@@ -3959,13 +3391,13 @@
                     <a:bodyPr/>
                     <a:lstStyle/>
                     <a:p>
-                      <a:pPr marL="508000" marR="531495" indent="1270" algn="l">
+                      <a:pPr marL="508000" marR="531495" indent="1270" algn="ctr">
                         <a:lnSpc>
                           <a:spcPct val="102200"/>
                         </a:lnSpc>
                       </a:pPr>
                       <a:r>
-                        <a:rPr lang="en-US" sz="900" spc="0" dirty="0">
+                        <a:rPr lang="de-de" sz="900" spc="0" dirty="0">
                           <a:solidFill>
                             <a:srgbClr val="020302"/>
                           </a:solidFill>
@@ -3976,7 +3408,7 @@
                         <a:t>2</a:t>
                       </a:r>
                       <a:r>
-                        <a:rPr sz="900" spc="0" dirty="0">
+                        <a:rPr lang="de-de" sz="900" spc="0" dirty="0">
                           <a:solidFill>
                             <a:srgbClr val="020302"/>
                           </a:solidFill>
@@ -3984,29 +3416,7 @@
                           <a:ea typeface="+mn-ea"/>
                           <a:cs typeface="AdobeClean-Light"/>
                         </a:rPr>
-                        <a:t>4x5/  </a:t>
-                      </a:r>
-                      <a:r>
-                        <a:rPr lang="en-US" sz="900" spc="0" dirty="0">
-                          <a:solidFill>
-                            <a:srgbClr val="020302"/>
-                          </a:solidFill>
-                          <a:latin typeface="AdobeClean-Light"/>
-                          <a:ea typeface="+mn-ea"/>
-                          <a:cs typeface="AdobeClean-Light"/>
-                        </a:rPr>
-                        <a:t> </a:t>
-                      </a:r>
-                      <a:r>
-                        <a:rPr sz="900" spc="0" dirty="0">
-                          <a:solidFill>
-                            <a:srgbClr val="020302"/>
-                          </a:solidFill>
-                          <a:latin typeface="AdobeClean-Light"/>
-                          <a:ea typeface="+mn-ea"/>
-                          <a:cs typeface="AdobeClean-Light"/>
-                        </a:rPr>
-                        <a:t>1 hour</a:t>
+                        <a:t>4x5/   1 小時</a:t>
                       </a:r>
                     </a:p>
                   </a:txBody>
@@ -4066,14 +3476,14 @@
                         </a:spcBef>
                       </a:pPr>
                       <a:r>
-                        <a:rPr sz="900" b="1" spc="0" dirty="0">
+                        <a:rPr lang="de-de" sz="900" b="1" spc="0" dirty="0">
                           <a:solidFill>
                             <a:srgbClr val="020302"/>
                           </a:solidFill>
                           <a:latin typeface="Adobe Clean"/>
                           <a:cs typeface="Adobe Clean"/>
                         </a:rPr>
-                        <a:t>PRIORITY 4</a:t>
+                        <a:t>優先順序 4</a:t>
                       </a:r>
                       <a:endParaRPr sz="900" spc="0" dirty="0">
                         <a:latin typeface="Adobe Clean"/>
@@ -4090,14 +3500,14 @@
                         </a:spcBef>
                       </a:pPr>
                       <a:r>
-                        <a:rPr lang="en-US" sz="900" b="0" i="0" u="none" strike="noStrike" spc="0" dirty="0">
+                        <a:rPr lang="de-de" sz="900" b="0" i="0" u="none" strike="noStrike" spc="0" dirty="0">
                           <a:solidFill>
                             <a:srgbClr val="000000"/>
                           </a:solidFill>
                           <a:effectLst/>
                           <a:latin typeface="Adobe Clean Light" panose="020B0303020404020204" pitchFamily="34" charset="0"/>
                         </a:rPr>
-                        <a:t>General question regarding current product functionality or an enhancement request</a:t>
+                        <a:t>有關目前產品功能或增強要求的一般性問題。</a:t>
                       </a:r>
                       <a:endParaRPr sz="900" spc="0" dirty="0">
                         <a:latin typeface="AdobeClean-Light"/>
@@ -4140,20 +3550,20 @@
                     <a:bodyPr/>
                     <a:lstStyle/>
                     <a:p>
-                      <a:pPr marL="473709" marR="343535" indent="-175895" algn="l">
+                      <a:pPr marL="473709" marR="343535" indent="-175895" algn="ctr">
                         <a:lnSpc>
                           <a:spcPct val="102200"/>
                         </a:lnSpc>
                       </a:pPr>
                       <a:r>
-                        <a:rPr lang="en-US" sz="900" spc="0" dirty="0">
+                        <a:rPr lang="de-de" sz="900" spc="0" dirty="0">
                           <a:solidFill>
                             <a:srgbClr val="020302"/>
                           </a:solidFill>
                           <a:latin typeface="AdobeClean-Light"/>
                           <a:cs typeface="AdobeClean-Light"/>
                         </a:rPr>
-                        <a:t>Business days /       3 days</a:t>
+                        <a:t>營業日 / 3 天</a:t>
                       </a:r>
                       <a:endParaRPr lang="en-US" sz="900" spc="0" dirty="0">
                         <a:latin typeface="AdobeClean-Light"/>
@@ -4193,20 +3603,20 @@
                     <a:bodyPr/>
                     <a:lstStyle/>
                     <a:p>
-                      <a:pPr marL="473709" marR="343535" indent="-175895" algn="l">
+                      <a:pPr marL="473709" marR="343535" indent="-175895" algn="ctr">
                         <a:lnSpc>
                           <a:spcPct val="102200"/>
                         </a:lnSpc>
                       </a:pPr>
                       <a:r>
-                        <a:rPr lang="en-US" sz="900" spc="0" dirty="0">
+                        <a:rPr lang="de-de" sz="900" spc="0" dirty="0">
                           <a:solidFill>
                             <a:srgbClr val="020302"/>
                           </a:solidFill>
                           <a:latin typeface="AdobeClean-Light"/>
                           <a:cs typeface="AdobeClean-Light"/>
                         </a:rPr>
-                        <a:t>Business days /       1 day</a:t>
+                        <a:t>營業日 / 1 天</a:t>
                       </a:r>
                       <a:endParaRPr lang="en-US" sz="900" spc="0" dirty="0">
                         <a:latin typeface="AdobeClean-Light"/>
@@ -4289,8 +3699,8 @@
         </p:nvSpPr>
         <p:spPr>
           <a:xfrm>
-            <a:off x="97787" y="9888626"/>
-            <a:ext cx="2202180" cy="149860"/>
+            <a:off x="97786" y="9888626"/>
+            <a:ext cx="3940813" cy="133370"/>
           </a:xfrm>
           <a:prstGeom prst="rect">
             <a:avLst/>
@@ -4311,7 +3721,7 @@
               </a:spcBef>
             </a:pPr>
             <a:r>
-              <a:rPr sz="800" spc="-15" dirty="0">
+              <a:rPr lang="de-de" sz="800" spc="-15" dirty="0">
                 <a:solidFill>
                   <a:srgbClr val="6D6D6D"/>
                 </a:solidFill>
@@ -4321,17 +3731,17 @@
               <a:t>©2021 </a:t>
             </a:r>
             <a:r>
-              <a:rPr sz="800" spc="-5" dirty="0">
+              <a:rPr lang="de-de" sz="800" spc="-5" dirty="0">
                 <a:solidFill>
                   <a:srgbClr val="6D6D6D"/>
                 </a:solidFill>
                 <a:latin typeface="Adobe Clean"/>
                 <a:cs typeface="Adobe Clean"/>
               </a:rPr>
-              <a:t>Adobe. All</a:t>
-            </a:r>
-            <a:r>
-              <a:rPr sz="800" spc="-15" dirty="0">
+              <a:t>Adobe。All</a:t>
+            </a:r>
+            <a:r>
+              <a:rPr lang="de-de" sz="800" spc="-15" dirty="0">
                 <a:solidFill>
                   <a:srgbClr val="6D6D6D"/>
                 </a:solidFill>
@@ -4341,7 +3751,7 @@
               <a:t> Rights</a:t>
             </a:r>
             <a:r>
-              <a:rPr sz="800" spc="-5" dirty="0">
+              <a:rPr lang="de-de" sz="800" spc="-5" dirty="0">
                 <a:solidFill>
                   <a:srgbClr val="6D6D6D"/>
                 </a:solidFill>
@@ -4351,56 +3761,46 @@
               <a:t> </a:t>
             </a:r>
             <a:r>
-              <a:rPr sz="800" spc="-15" dirty="0">
+              <a:rPr lang="de-de" sz="800" spc="-15" dirty="0">
                 <a:solidFill>
                   <a:srgbClr val="6D6D6D"/>
                 </a:solidFill>
                 <a:latin typeface="Adobe Clean"/>
                 <a:cs typeface="Adobe Clean"/>
               </a:rPr>
-              <a:t>Reserved.</a:t>
-            </a:r>
-            <a:r>
-              <a:rPr sz="800" spc="-10" dirty="0">
+              <a:t>Reserved。</a:t>
+            </a:r>
+            <a:r>
+              <a:rPr lang="de-de" sz="800" spc="-5" dirty="0">
                 <a:solidFill>
                   <a:srgbClr val="6D6D6D"/>
                 </a:solidFill>
                 <a:latin typeface="Adobe Clean"/>
                 <a:cs typeface="Adobe Clean"/>
               </a:rPr>
-              <a:t> </a:t>
-            </a:r>
-            <a:r>
-              <a:rPr sz="800" spc="-5" dirty="0">
+              <a:t>Adobe</a:t>
+            </a:r>
+            <a:r>
+              <a:rPr lang="de-de" sz="800" spc="65" dirty="0">
                 <a:solidFill>
                   <a:srgbClr val="6D6D6D"/>
                 </a:solidFill>
                 <a:latin typeface="Adobe Clean"/>
                 <a:cs typeface="Adobe Clean"/>
               </a:rPr>
-              <a:t>Adobe</a:t>
-            </a:r>
-            <a:r>
-              <a:rPr sz="800" spc="65" dirty="0">
+              <a:t> </a:t>
+            </a:r>
+            <a:r>
+              <a:rPr lang="de-de" sz="800" spc="-15" dirty="0">
                 <a:solidFill>
                   <a:srgbClr val="6D6D6D"/>
                 </a:solidFill>
                 <a:latin typeface="Adobe Clean"/>
                 <a:cs typeface="Adobe Clean"/>
               </a:rPr>
-              <a:t> </a:t>
-            </a:r>
-            <a:r>
-              <a:rPr sz="800" spc="-15" dirty="0">
-                <a:solidFill>
-                  <a:srgbClr val="6D6D6D"/>
-                </a:solidFill>
-                <a:latin typeface="Adobe Clean"/>
-                <a:cs typeface="Adobe Clean"/>
-              </a:rPr>
-              <a:t>Confidential.</a:t>
-            </a:r>
-            <a:endParaRPr sz="800">
+              <a:t> 機密資訊。</a:t>
+            </a:r>
+            <a:endParaRPr sz="800" dirty="0">
               <a:latin typeface="Adobe Clean"/>
               <a:cs typeface="Adobe Clean"/>
             </a:endParaRPr>
@@ -4436,7 +3836,7 @@
           <a:lstStyle/>
           <a:p>
             <a:r>
-              <a:rPr lang="en-US" sz="700" i="1" dirty="0">
+              <a:rPr lang="de-de" sz="700" i="1" dirty="0">
                 <a:solidFill>
                   <a:schemeClr val="bg1"/>
                 </a:solidFill>
@@ -4550,34 +3950,14 @@
                         <a:defRPr/>
                       </a:pPr>
                       <a:r>
-                        <a:rPr lang="en-US" sz="900" spc="-20" dirty="0">
+                        <a:rPr lang="de-de" sz="900" spc="-20" dirty="0">
                           <a:solidFill>
                             <a:srgbClr val="404040"/>
                           </a:solidFill>
                           <a:latin typeface="Adobe Clean"/>
                           <a:cs typeface="Adobe Clean"/>
                         </a:rPr>
-                        <a:t>Online </a:t>
-                      </a:r>
-                      <a:r>
-                        <a:rPr lang="en-US" sz="900" spc="-135" dirty="0">
-                          <a:solidFill>
-                            <a:srgbClr val="404040"/>
-                          </a:solidFill>
-                          <a:latin typeface="Adobe Clean"/>
-                          <a:cs typeface="Adobe Clean"/>
-                        </a:rPr>
-                        <a:t> </a:t>
-                      </a:r>
-                      <a:r>
-                        <a:rPr lang="en-US" sz="900" spc="-20" dirty="0">
-                          <a:solidFill>
-                            <a:srgbClr val="404040"/>
-                          </a:solidFill>
-                          <a:latin typeface="Adobe Clean"/>
-                          <a:cs typeface="Adobe Clean"/>
-                        </a:rPr>
-                        <a:t>Support</a:t>
+                        <a:t>線上支援</a:t>
                       </a:r>
                       <a:endParaRPr lang="en-US" sz="900" dirty="0">
                         <a:latin typeface="Adobe Clean"/>
@@ -4623,24 +4003,14 @@
                         </a:spcBef>
                       </a:pPr>
                       <a:r>
-                        <a:rPr lang="en-US" sz="900" spc="-20" dirty="0">
+                        <a:rPr lang="de-de" sz="900" spc="-20" dirty="0">
                           <a:solidFill>
                             <a:srgbClr val="FFFFFF"/>
                           </a:solidFill>
                           <a:latin typeface="Adobe Clean"/>
                           <a:cs typeface="Adobe Clean"/>
                         </a:rPr>
-                        <a:t>Elite </a:t>
-                      </a:r>
-                      <a:r>
-                        <a:rPr sz="900" spc="-20" dirty="0">
-                          <a:solidFill>
-                            <a:srgbClr val="FFFFFF"/>
-                          </a:solidFill>
-                          <a:latin typeface="Adobe Clean"/>
-                          <a:cs typeface="Adobe Clean"/>
-                        </a:rPr>
-                        <a:t>Support</a:t>
+                        <a:t>菁英支援</a:t>
                       </a:r>
                       <a:endParaRPr sz="900" dirty="0">
                         <a:latin typeface="Adobe Clean"/>
@@ -4791,13 +4161,13 @@
                         <a:defRPr/>
                       </a:pPr>
                       <a:r>
-                        <a:rPr lang="en-US" sz="800" i="1" dirty="0">
+                        <a:rPr lang="de-de" sz="800" i="1" dirty="0">
                           <a:solidFill>
                             <a:schemeClr val="bg1"/>
                           </a:solidFill>
                           <a:latin typeface="Adobe Clean Light" panose="020B0303020404020204" pitchFamily="34" charset="0"/>
                         </a:rPr>
-                        <a:t>Paid Support ($)</a:t>
+                        <a:t>付費支援 ($)</a:t>
                       </a:r>
                     </a:p>
                   </a:txBody>
@@ -4861,14 +4231,14 @@
                         </a:spcBef>
                       </a:pPr>
                       <a:r>
-                        <a:rPr lang="en-US" sz="1000" b="1" i="0" spc="0" dirty="0">
+                        <a:rPr lang="de-de" sz="1000" b="1" i="0" spc="0" dirty="0">
                           <a:solidFill>
                             <a:schemeClr val="bg1"/>
                           </a:solidFill>
                           <a:latin typeface="Adobe Clean" panose="020B0503020404020204" pitchFamily="34" charset="0"/>
                           <a:cs typeface="AdobeClean-Light"/>
                         </a:rPr>
-                        <a:t>Assigned Experts</a:t>
+                        <a:t>指派的專家</a:t>
                       </a:r>
                       <a:endParaRPr sz="1000" b="1" i="0" spc="0" dirty="0">
                         <a:solidFill>
@@ -4923,14 +4293,14 @@
                         </a:spcBef>
                       </a:pPr>
                       <a:r>
-                        <a:rPr sz="900" spc="0" dirty="0">
+                        <a:rPr lang="de-de" sz="900" spc="0" dirty="0">
                           <a:solidFill>
                             <a:srgbClr val="020302"/>
                           </a:solidFill>
                           <a:latin typeface="AdobeClean-Light"/>
                           <a:cs typeface="AdobeClean-Light"/>
                         </a:rPr>
-                        <a:t>Account Support Lead</a:t>
+                        <a:t>帳戶支援負責人</a:t>
                       </a:r>
                       <a:endParaRPr sz="900" spc="0" dirty="0">
                         <a:latin typeface="AdobeClean-Light"/>
@@ -5100,14 +4470,14 @@
                         </a:spcBef>
                       </a:pPr>
                       <a:r>
-                        <a:rPr sz="900" spc="0" dirty="0">
+                        <a:rPr lang="de-de" sz="900" spc="0" dirty="0">
                           <a:solidFill>
                             <a:srgbClr val="020302"/>
                           </a:solidFill>
                           <a:latin typeface="AdobeClean-Light"/>
                           <a:cs typeface="AdobeClean-Light"/>
                         </a:rPr>
-                        <a:t>Named Support Engineer</a:t>
+                        <a:t>指定的支援工程師</a:t>
                       </a:r>
                       <a:endParaRPr sz="900" spc="0" dirty="0">
                         <a:latin typeface="AdobeClean-Light"/>
@@ -5182,7 +4552,7 @@
                         <a:defRPr/>
                       </a:pPr>
                       <a:r>
-                        <a:rPr lang="en-US" sz="900" dirty="0">
+                        <a:rPr lang="de-de" sz="900" dirty="0">
                           <a:solidFill>
                             <a:srgbClr val="020302"/>
                           </a:solidFill>
@@ -5275,14 +4645,14 @@
                         </a:spcBef>
                       </a:pPr>
                       <a:r>
-                        <a:rPr sz="900" spc="0" dirty="0">
+                        <a:rPr lang="de-de" sz="900" spc="0" dirty="0">
                           <a:solidFill>
                             <a:srgbClr val="020302"/>
                           </a:solidFill>
                           <a:latin typeface="AdobeClean-Light"/>
                           <a:cs typeface="AdobeClean-Light"/>
                         </a:rPr>
-                        <a:t>Technical Account Manager</a:t>
+                        <a:t>技術客戶經理</a:t>
                       </a:r>
                       <a:endParaRPr sz="900" spc="0" dirty="0">
                         <a:latin typeface="AdobeClean-Light"/>
@@ -5372,7 +4742,7 @@
                         <a:defRPr/>
                       </a:pPr>
                       <a:r>
-                        <a:rPr lang="en-US" sz="900" dirty="0">
+                        <a:rPr lang="de-de" sz="900" dirty="0">
                           <a:solidFill>
                             <a:srgbClr val="020302"/>
                           </a:solidFill>
@@ -5425,14 +4795,14 @@
                         </a:spcBef>
                       </a:pPr>
                       <a:r>
-                        <a:rPr lang="en-US" sz="1000" b="1" i="0" spc="0" dirty="0">
+                        <a:rPr lang="de-de" sz="1000" b="1" i="0" spc="0" dirty="0">
                           <a:solidFill>
                             <a:schemeClr val="bg1"/>
                           </a:solidFill>
                           <a:latin typeface="Adobe Clean" panose="020B0503020404020204" pitchFamily="34" charset="0"/>
                           <a:cs typeface="AdobeClean-Light"/>
                         </a:rPr>
-                        <a:t>Support Services</a:t>
+                        <a:t>支援服務</a:t>
                       </a:r>
                       <a:endParaRPr sz="1000" b="1" i="0" spc="0" dirty="0">
                         <a:solidFill>
@@ -5496,24 +4866,14 @@
                         </a:spcBef>
                       </a:pPr>
                       <a:r>
-                        <a:rPr lang="en-US" sz="900" spc="0" dirty="0">
+                        <a:rPr lang="de-de" sz="900" spc="0" dirty="0">
                           <a:solidFill>
                             <a:srgbClr val="020302"/>
                           </a:solidFill>
                           <a:latin typeface="AdobeClean-Light"/>
                           <a:cs typeface="AdobeClean-Light"/>
                         </a:rPr>
-                        <a:t>Online</a:t>
-                      </a:r>
-                      <a:r>
-                        <a:rPr sz="900" spc="0" dirty="0">
-                          <a:solidFill>
-                            <a:srgbClr val="020302"/>
-                          </a:solidFill>
-                          <a:latin typeface="AdobeClean-Light"/>
-                          <a:cs typeface="AdobeClean-Light"/>
-                        </a:rPr>
-                        <a:t> Support</a:t>
+                        <a:t>線上支援</a:t>
                       </a:r>
                       <a:endParaRPr sz="900" spc="0" dirty="0">
                         <a:latin typeface="AdobeClean-Light"/>
@@ -5556,34 +4916,24 @@
                         </a:spcBef>
                       </a:pPr>
                       <a:r>
-                        <a:rPr sz="900" spc="-25" dirty="0">
+                        <a:rPr lang="de-de" sz="900" spc="-25" dirty="0">
                           <a:solidFill>
                             <a:srgbClr val="020302"/>
                           </a:solidFill>
                           <a:latin typeface="AdobeClean-Light"/>
                           <a:cs typeface="AdobeClean-Light"/>
                         </a:rPr>
-                        <a:t>Business</a:t>
+                        <a:t>營業</a:t>
                       </a:r>
                       <a:r>
-                        <a:rPr sz="900" spc="-15" dirty="0">
+                        <a:rPr lang="de-de" sz="900" spc="-30" dirty="0">
                           <a:solidFill>
                             <a:srgbClr val="020302"/>
                           </a:solidFill>
                           <a:latin typeface="AdobeClean-Light"/>
                           <a:cs typeface="AdobeClean-Light"/>
                         </a:rPr>
-                        <a:t> </a:t>
-                      </a:r>
-                      <a:r>
-                        <a:rPr sz="900" spc="-30" dirty="0">
-                          <a:solidFill>
-                            <a:srgbClr val="020302"/>
-                          </a:solidFill>
-                          <a:latin typeface="AdobeClean-Light"/>
-                          <a:cs typeface="AdobeClean-Light"/>
-                        </a:rPr>
-                        <a:t>hours</a:t>
+                        <a:t>時間</a:t>
                       </a:r>
                       <a:endParaRPr sz="900" dirty="0">
                         <a:latin typeface="AdobeClean-Light"/>
@@ -5627,7 +4977,7 @@
                         </a:spcBef>
                       </a:pPr>
                       <a:r>
-                        <a:rPr lang="en-US" sz="900" spc="-25" dirty="0">
+                        <a:rPr lang="de-de" sz="900" spc="-25" dirty="0">
                           <a:solidFill>
                             <a:srgbClr val="020302"/>
                           </a:solidFill>
@@ -5720,34 +5070,14 @@
                         </a:spcBef>
                       </a:pPr>
                       <a:r>
-                        <a:rPr sz="900" spc="0" dirty="0">
+                        <a:rPr lang="de-de" sz="900" spc="0" dirty="0">
                           <a:solidFill>
                             <a:srgbClr val="020302"/>
                           </a:solidFill>
                           <a:latin typeface="AdobeClean-Light"/>
                           <a:cs typeface="AdobeClean-Light"/>
                         </a:rPr>
-                        <a:t>24x7</a:t>
-                      </a:r>
-                      <a:r>
-                        <a:rPr lang="en-US" sz="900" spc="0" dirty="0">
-                          <a:solidFill>
-                            <a:srgbClr val="020302"/>
-                          </a:solidFill>
-                          <a:latin typeface="AdobeClean-Light"/>
-                          <a:cs typeface="AdobeClean-Light"/>
-                        </a:rPr>
-                        <a:t>x365</a:t>
-                      </a:r>
-                      <a:r>
-                        <a:rPr sz="900" spc="0" dirty="0">
-                          <a:solidFill>
-                            <a:srgbClr val="020302"/>
-                          </a:solidFill>
-                          <a:latin typeface="AdobeClean-Light"/>
-                          <a:cs typeface="AdobeClean-Light"/>
-                        </a:rPr>
-                        <a:t> P1 Issue Support</a:t>
+                        <a:t>全年無休 P1 問題支援</a:t>
                       </a:r>
                       <a:endParaRPr sz="900" spc="0" dirty="0">
                         <a:latin typeface="AdobeClean-Light"/>
@@ -5784,7 +5114,7 @@
                         </a:spcBef>
                       </a:pPr>
                       <a:r>
-                        <a:rPr sz="900" dirty="0">
+                        <a:rPr lang="de-de" sz="900" dirty="0">
                           <a:solidFill>
                             <a:srgbClr val="020302"/>
                           </a:solidFill>
@@ -5826,7 +5156,7 @@
                         </a:spcBef>
                       </a:pPr>
                       <a:r>
-                        <a:rPr sz="900" dirty="0">
+                        <a:rPr lang="de-de" sz="900" dirty="0">
                           <a:solidFill>
                             <a:srgbClr val="020302"/>
                           </a:solidFill>
@@ -5919,14 +5249,14 @@
                         </a:spcBef>
                       </a:pPr>
                       <a:r>
-                        <a:rPr lang="en-US" sz="900" spc="0" dirty="0">
+                        <a:rPr lang="de-de" sz="900" spc="0" dirty="0">
                           <a:solidFill>
                             <a:srgbClr val="020302"/>
                           </a:solidFill>
                           <a:latin typeface="AdobeClean-Light"/>
                           <a:cs typeface="AdobeClean-Light"/>
                         </a:rPr>
-                        <a:t>Named Support Contacts (per product)</a:t>
+                        <a:t>指定的支援聯絡人 (依據產品)</a:t>
                       </a:r>
                       <a:endParaRPr sz="900" spc="0" dirty="0">
                         <a:latin typeface="AdobeClean-Light"/>
@@ -5969,7 +5299,7 @@
                         </a:spcBef>
                       </a:pPr>
                       <a:r>
-                        <a:rPr sz="900" dirty="0">
+                        <a:rPr lang="de-de" sz="900" dirty="0">
                           <a:solidFill>
                             <a:srgbClr val="020302"/>
                           </a:solidFill>
@@ -6011,7 +5341,7 @@
                         </a:spcBef>
                       </a:pPr>
                       <a:r>
-                        <a:rPr lang="en-US" sz="900" dirty="0">
+                        <a:rPr lang="de-de" sz="900" dirty="0">
                           <a:solidFill>
                             <a:srgbClr val="020302"/>
                           </a:solidFill>
@@ -6095,14 +5425,14 @@
                         </a:spcBef>
                       </a:pPr>
                       <a:r>
-                        <a:rPr lang="en-US" sz="900" spc="0" dirty="0">
+                        <a:rPr lang="de-de" sz="900" spc="0" dirty="0">
                           <a:solidFill>
                             <a:srgbClr val="020302"/>
                           </a:solidFill>
                           <a:latin typeface="AdobeClean-Light"/>
                           <a:cs typeface="AdobeClean-Light"/>
                         </a:rPr>
-                        <a:t>Live Telephone Support</a:t>
+                        <a:t>即時電話支援</a:t>
                       </a:r>
                       <a:endParaRPr sz="900" spc="0" dirty="0">
                         <a:latin typeface="AdobeClean-Light"/>
@@ -6171,7 +5501,7 @@
                         </a:spcBef>
                       </a:pPr>
                       <a:r>
-                        <a:rPr sz="900" dirty="0">
+                        <a:rPr lang="de-de" sz="900" dirty="0">
                           <a:solidFill>
                             <a:srgbClr val="020302"/>
                           </a:solidFill>
@@ -6255,14 +5585,14 @@
                         </a:spcBef>
                       </a:pPr>
                       <a:r>
-                        <a:rPr sz="900" spc="0" dirty="0">
+                        <a:rPr lang="de-de" sz="900" spc="0" dirty="0">
                           <a:solidFill>
                             <a:srgbClr val="020302"/>
                           </a:solidFill>
                           <a:latin typeface="AdobeClean-Light"/>
                           <a:cs typeface="AdobeClean-Light"/>
                         </a:rPr>
-                        <a:t>Escalation Management</a:t>
+                        <a:t>向上呈報管理</a:t>
                       </a:r>
                       <a:endParaRPr sz="900" spc="0" dirty="0">
                         <a:latin typeface="AdobeClean-Light"/>
@@ -6331,7 +5661,7 @@
                         </a:spcBef>
                       </a:pPr>
                       <a:r>
-                        <a:rPr sz="900" dirty="0">
+                        <a:rPr lang="de-de" sz="900" dirty="0">
                           <a:solidFill>
                             <a:srgbClr val="020302"/>
                           </a:solidFill>
@@ -6415,24 +5745,14 @@
                         </a:spcBef>
                       </a:pPr>
                       <a:r>
-                        <a:rPr sz="900" spc="0" dirty="0">
+                        <a:rPr lang="de-de" sz="900" spc="0" dirty="0">
                           <a:solidFill>
                             <a:srgbClr val="020302"/>
                           </a:solidFill>
                           <a:latin typeface="AdobeClean-Light"/>
                           <a:cs typeface="AdobeClean-Light"/>
                         </a:rPr>
-                        <a:t>Service Reviews </a:t>
-                      </a:r>
-                      <a:r>
-                        <a:rPr lang="en-US" sz="900" spc="0" dirty="0">
-                          <a:solidFill>
-                            <a:srgbClr val="020302"/>
-                          </a:solidFill>
-                          <a:latin typeface="AdobeClean-Light"/>
-                          <a:cs typeface="AdobeClean-Light"/>
-                        </a:rPr>
-                        <a:t>per Year</a:t>
+                        <a:t>每年的服務審查</a:t>
                       </a:r>
                       <a:endParaRPr sz="900" spc="0" dirty="0">
                         <a:latin typeface="AdobeClean-Light"/>
@@ -6495,7 +5815,7 @@
                         </a:lnSpc>
                       </a:pPr>
                       <a:r>
-                        <a:rPr lang="en-US" sz="900" dirty="0">
+                        <a:rPr lang="de-de" sz="900" dirty="0">
                           <a:latin typeface="Times New Roman"/>
                           <a:cs typeface="Times New Roman"/>
                         </a:rPr>
@@ -6546,11 +5866,11 @@
                         </a:spcBef>
                       </a:pPr>
                       <a:r>
-                        <a:rPr lang="en-US" sz="900" spc="0" dirty="0">
+                        <a:rPr lang="de-de" sz="900" spc="0" dirty="0">
                           <a:latin typeface="AdobeClean-Light"/>
                           <a:cs typeface="AdobeClean-Light"/>
                         </a:rPr>
-                        <a:t>Expert Sessions per Year</a:t>
+                        <a:t>每年的專家諮詢</a:t>
                       </a:r>
                       <a:endParaRPr sz="900" spc="0" dirty="0">
                         <a:latin typeface="AdobeClean-Light"/>
@@ -6619,7 +5939,7 @@
                         </a:lnSpc>
                       </a:pPr>
                       <a:r>
-                        <a:rPr lang="en-US" sz="900" dirty="0">
+                        <a:rPr lang="de-de" sz="900" dirty="0">
                           <a:latin typeface="Times New Roman"/>
                           <a:cs typeface="Times New Roman"/>
                         </a:rPr>
@@ -6670,11 +5990,11 @@
                         </a:spcBef>
                       </a:pPr>
                       <a:r>
-                        <a:rPr lang="en-US" sz="900" spc="0" dirty="0">
+                        <a:rPr lang="de-de" sz="900" spc="0" dirty="0">
                           <a:latin typeface="AdobeClean-Light"/>
                           <a:cs typeface="AdobeClean-Light"/>
                         </a:rPr>
-                        <a:t>Case Reviews</a:t>
+                        <a:t>案件審查</a:t>
                       </a:r>
                       <a:endParaRPr sz="900" spc="0" dirty="0">
                         <a:latin typeface="AdobeClean-Light"/>
@@ -6755,7 +6075,7 @@
                         <a:defRPr/>
                       </a:pPr>
                       <a:r>
-                        <a:rPr lang="en-US" sz="900" dirty="0">
+                        <a:rPr lang="de-de" sz="900" dirty="0">
                           <a:solidFill>
                             <a:srgbClr val="020302"/>
                           </a:solidFill>
@@ -6848,24 +6168,14 @@
                         </a:spcBef>
                       </a:pPr>
                       <a:r>
-                        <a:rPr sz="900" spc="0" dirty="0">
+                        <a:rPr lang="de-de" sz="900" spc="0" dirty="0">
                           <a:solidFill>
                             <a:srgbClr val="020302"/>
                           </a:solidFill>
                           <a:latin typeface="AdobeClean-Light"/>
                           <a:cs typeface="AdobeClean-Light"/>
                         </a:rPr>
-                        <a:t>Event </a:t>
-                      </a:r>
-                      <a:r>
-                        <a:rPr lang="en-US" sz="900" spc="0" dirty="0">
-                          <a:solidFill>
-                            <a:srgbClr val="020302"/>
-                          </a:solidFill>
-                          <a:latin typeface="AdobeClean-Light"/>
-                          <a:cs typeface="AdobeClean-Light"/>
-                        </a:rPr>
-                        <a:t>Management</a:t>
+                        <a:t>事件管理</a:t>
                       </a:r>
                       <a:endParaRPr sz="900" spc="0" dirty="0">
                         <a:latin typeface="AdobeClean-Light"/>
@@ -6946,7 +6256,7 @@
                         <a:defRPr/>
                       </a:pPr>
                       <a:r>
-                        <a:rPr lang="en-US" sz="900" dirty="0">
+                        <a:rPr lang="de-de" sz="900" dirty="0">
                           <a:solidFill>
                             <a:srgbClr val="020302"/>
                           </a:solidFill>
@@ -7030,34 +6340,14 @@
                         </a:spcBef>
                       </a:pPr>
                       <a:r>
-                        <a:rPr sz="900" spc="0" dirty="0">
+                        <a:rPr lang="de-de" sz="900" spc="0" dirty="0">
                           <a:solidFill>
                             <a:srgbClr val="020302"/>
                           </a:solidFill>
                           <a:latin typeface="AdobeClean-Light"/>
                           <a:cs typeface="AdobeClean-Light"/>
                         </a:rPr>
-                        <a:t>Environment</a:t>
-                      </a:r>
-                      <a:r>
-                        <a:rPr lang="en-US" sz="900" spc="0" dirty="0">
-                          <a:solidFill>
-                            <a:srgbClr val="020302"/>
-                          </a:solidFill>
-                          <a:latin typeface="AdobeClean-Light"/>
-                          <a:cs typeface="AdobeClean-Light"/>
-                        </a:rPr>
-                        <a:t> </a:t>
-                      </a:r>
-                      <a:r>
-                        <a:rPr sz="900" spc="0" dirty="0">
-                          <a:solidFill>
-                            <a:srgbClr val="020302"/>
-                          </a:solidFill>
-                          <a:latin typeface="AdobeClean-Light"/>
-                          <a:cs typeface="AdobeClean-Light"/>
-                        </a:rPr>
-                        <a:t>Review, Maintenance &amp; Monitoring</a:t>
+                        <a:t>環境審查、維護與監控</a:t>
                       </a:r>
                       <a:endParaRPr sz="900" spc="0" dirty="0">
                         <a:latin typeface="AdobeClean-Light"/>
@@ -7132,7 +6422,7 @@
                         <a:defRPr/>
                       </a:pPr>
                       <a:r>
-                        <a:rPr lang="en-US" sz="900" dirty="0">
+                        <a:rPr lang="de-de" sz="900" dirty="0">
                           <a:solidFill>
                             <a:srgbClr val="020302"/>
                           </a:solidFill>
@@ -7216,14 +6506,14 @@
                         </a:spcBef>
                       </a:pPr>
                       <a:r>
-                        <a:rPr sz="900" spc="0" dirty="0">
+                        <a:rPr lang="de-de" sz="900" spc="0" dirty="0">
                           <a:solidFill>
                             <a:srgbClr val="020302"/>
                           </a:solidFill>
                           <a:latin typeface="AdobeClean-Light"/>
                           <a:cs typeface="AdobeClean-Light"/>
                         </a:rPr>
-                        <a:t>Release, Migration, Upgrade &amp; Product Roadmap Review</a:t>
+                        <a:t>發行、遷移、升級及產品藍圖審查</a:t>
                       </a:r>
                       <a:endParaRPr sz="900" spc="0" dirty="0">
                         <a:latin typeface="AdobeClean-Light"/>
@@ -7298,7 +6588,7 @@
                         <a:defRPr/>
                       </a:pPr>
                       <a:r>
-                        <a:rPr lang="en-US" sz="900" dirty="0">
+                        <a:rPr lang="de-de" sz="900" dirty="0">
                           <a:solidFill>
                             <a:srgbClr val="020302"/>
                           </a:solidFill>
@@ -7391,11 +6681,11 @@
                         </a:spcBef>
                       </a:pPr>
                       <a:r>
-                        <a:rPr sz="900" spc="0" dirty="0">
+                        <a:rPr lang="de-de" sz="900" spc="0" dirty="0">
                           <a:latin typeface="AdobeClean-Light"/>
                           <a:cs typeface="AdobeClean-Light"/>
                         </a:rPr>
-                        <a:t>Cloud Support Activities – Experience Manager as Cloud</a:t>
+                        <a:t>雲端支援活動 – 雲端形式的 Experience Manager</a:t>
                       </a:r>
                     </a:p>
                   </a:txBody>
@@ -7481,7 +6771,7 @@
                         <a:defRPr/>
                       </a:pPr>
                       <a:r>
-                        <a:rPr lang="en-US" sz="900" dirty="0">
+                        <a:rPr lang="de-de" sz="900" dirty="0">
                           <a:solidFill>
                             <a:srgbClr val="020302"/>
                           </a:solidFill>
@@ -7534,14 +6824,14 @@
                         </a:spcBef>
                       </a:pPr>
                       <a:r>
-                        <a:rPr lang="en-US" sz="1000" b="1" i="0" spc="0" dirty="0">
+                        <a:rPr lang="de-de" sz="1000" b="1" i="0" spc="0" dirty="0">
                           <a:solidFill>
                             <a:schemeClr val="bg1"/>
                           </a:solidFill>
                           <a:latin typeface="Adobe Clean" panose="020B0503020404020204" pitchFamily="34" charset="0"/>
                           <a:cs typeface="AdobeClean-Light"/>
                         </a:rPr>
-                        <a:t>Field Services</a:t>
+                        <a:t>現場服務</a:t>
                       </a:r>
                       <a:endParaRPr sz="1000" b="1" i="0" spc="0" dirty="0">
                         <a:solidFill>
@@ -7602,14 +6892,14 @@
                         </a:spcBef>
                       </a:pPr>
                       <a:r>
-                        <a:rPr sz="900" spc="0" dirty="0">
+                        <a:rPr lang="de-de" sz="900" spc="0" dirty="0">
                           <a:solidFill>
                             <a:srgbClr val="020302"/>
                           </a:solidFill>
                           <a:latin typeface="AdobeClean-Light"/>
                           <a:cs typeface="AdobeClean-Light"/>
                         </a:rPr>
-                        <a:t>Launch Advisory Services – First Year of new solution</a:t>
+                        <a:t>上市諮詢服務 – 新解決方案的第一年</a:t>
                       </a:r>
                     </a:p>
                   </a:txBody>
@@ -7721,7 +7011,7 @@
                         <a:defRPr/>
                       </a:pPr>
                       <a:r>
-                        <a:rPr lang="en-US" sz="900" dirty="0">
+                        <a:rPr lang="de-de" sz="900" dirty="0">
                           <a:solidFill>
                             <a:srgbClr val="020302"/>
                           </a:solidFill>
@@ -7812,11 +7102,11 @@
                         <a:defRPr/>
                       </a:pPr>
                       <a:r>
-                        <a:rPr lang="en-US" sz="900" spc="0" dirty="0">
+                        <a:rPr lang="de-de" sz="900" spc="0" dirty="0">
                           <a:latin typeface="AdobeClean-Light"/>
                           <a:cs typeface="AdobeClean-Light"/>
                         </a:rPr>
-                        <a:t>Field Service Activities </a:t>
+                        <a:t>現場服務活動</a:t>
                       </a:r>
                     </a:p>
                   </a:txBody>
@@ -7899,7 +7189,7 @@
                     <a:p>
                       <a:pPr algn="ctr"/>
                       <a:r>
-                        <a:rPr lang="en-US" sz="900" dirty="0">
+                        <a:rPr lang="de-de" sz="900" dirty="0">
                           <a:latin typeface="Times New Roman"/>
                           <a:cs typeface="Times New Roman"/>
                         </a:rPr>
@@ -8039,7 +7329,7 @@
         <p:spPr>
           <a:xfrm>
             <a:off x="357339" y="608961"/>
-            <a:ext cx="1647825" cy="238760"/>
+            <a:ext cx="4214661" cy="229239"/>
           </a:xfrm>
           <a:prstGeom prst="rect">
             <a:avLst/>
@@ -8060,54 +7350,24 @@
               </a:spcBef>
             </a:pPr>
             <a:r>
-              <a:rPr sz="1400" b="1" spc="-10" dirty="0">
+              <a:rPr lang="de-de" sz="1400" b="1" spc="-10" dirty="0">
                 <a:solidFill>
                   <a:srgbClr val="020302"/>
                 </a:solidFill>
                 <a:latin typeface="Adobe Clean"/>
                 <a:cs typeface="Adobe Clean"/>
               </a:rPr>
-              <a:t>Elite</a:t>
-            </a:r>
-            <a:r>
-              <a:rPr sz="1400" b="1" spc="-50" dirty="0">
+              <a:t>菁英支援</a:t>
+            </a:r>
+            <a:r>
+              <a:rPr lang="de-de" sz="1400" b="1" spc="-15" dirty="0">
                 <a:solidFill>
                   <a:srgbClr val="020302"/>
                 </a:solidFill>
                 <a:latin typeface="Adobe Clean"/>
                 <a:cs typeface="Adobe Clean"/>
               </a:rPr>
-              <a:t> </a:t>
-            </a:r>
-            <a:r>
-              <a:rPr sz="1400" b="1" spc="-10" dirty="0">
-                <a:solidFill>
-                  <a:srgbClr val="020302"/>
-                </a:solidFill>
-                <a:latin typeface="Adobe Clean"/>
-                <a:cs typeface="Adobe Clean"/>
-              </a:rPr>
-              <a:t>Support</a:t>
-            </a:r>
-            <a:r>
-              <a:rPr sz="1400" b="1" spc="-45" dirty="0">
-                <a:solidFill>
-                  <a:srgbClr val="020302"/>
-                </a:solidFill>
-                <a:latin typeface="Adobe Clean"/>
-                <a:cs typeface="Adobe Clean"/>
-              </a:rPr>
-              <a:t> </a:t>
-            </a:r>
-            <a:r>
-              <a:rPr sz="1400" b="1" spc="-15" dirty="0">
-                <a:solidFill>
-                  <a:srgbClr val="020302"/>
-                </a:solidFill>
-                <a:latin typeface="Adobe Clean"/>
-                <a:cs typeface="Adobe Clean"/>
-              </a:rPr>
-              <a:t>Features</a:t>
+              <a:t>特色</a:t>
             </a:r>
             <a:endParaRPr sz="1400" dirty="0">
               <a:latin typeface="Adobe Clean"/>
@@ -8146,14 +7406,14 @@
               </a:spcBef>
             </a:pPr>
             <a:r>
-              <a:rPr sz="1000" dirty="0">
+              <a:rPr lang="de-de" sz="1000" dirty="0">
                 <a:solidFill>
                   <a:srgbClr val="4B4B4B"/>
                 </a:solidFill>
                 <a:latin typeface="AdobeClean-Light"/>
                 <a:cs typeface="AdobeClean-Light"/>
               </a:rPr>
-              <a:t>A designated support engineer who  becomes familiar with your solution  environment and business goals. The NSE  is an experienced support engineer that  helps coordinate your Enterprise Support  experience..</a:t>
+              <a:t>已熟悉您的解決方案環境與業務目標的指定支援工程師。NSE 是經驗豐富的支援工程師，可幫忙協調您的企業支援體驗。</a:t>
             </a:r>
             <a:endParaRPr sz="1000" dirty="0">
               <a:latin typeface="AdobeClean-Light"/>
@@ -8240,14 +7500,14 @@
               </a:spcBef>
             </a:pPr>
             <a:r>
-              <a:rPr sz="1000" dirty="0">
+              <a:rPr lang="de-de" sz="1000" dirty="0">
                 <a:solidFill>
                   <a:srgbClr val="4B4B4B"/>
                 </a:solidFill>
                 <a:latin typeface="AdobeClean-Light"/>
                 <a:cs typeface="AdobeClean-Light"/>
               </a:rPr>
-              <a:t>Regular scheduled review of open  support requests, ensuring customer  alignment on case description, business  impact, status, priority and agreement on  next steps required to ensure an  expedient resolution.</a:t>
+              <a:t>定期審查未解決的支援請求，以確保客戶在案件描述、業務影響、狀態、優先順序及確保快速解決所需的後續步驟方面都達成一致。</a:t>
             </a:r>
             <a:endParaRPr sz="1000" dirty="0">
               <a:latin typeface="AdobeClean-Light"/>
@@ -8310,24 +7570,14 @@
               </a:spcBef>
             </a:pPr>
             <a:r>
-              <a:rPr sz="1000" dirty="0">
+              <a:rPr lang="de-de" sz="1000" dirty="0">
                 <a:solidFill>
                   <a:srgbClr val="020302"/>
                 </a:solidFill>
                 <a:latin typeface="AdobeClean-Light"/>
                 <a:cs typeface="AdobeClean-Light"/>
               </a:rPr>
-              <a:t>A designated Technical Account Manager to  oversee your Elite experience, coordinate  the support and field services  engagements, and provide proactive services  to maximize your business valu</a:t>
-            </a:r>
-            <a:r>
-              <a:rPr lang="en-US" sz="1000" dirty="0">
-                <a:solidFill>
-                  <a:srgbClr val="020302"/>
-                </a:solidFill>
-                <a:latin typeface="AdobeClean-Light"/>
-                <a:cs typeface="AdobeClean-Light"/>
-              </a:rPr>
-              <a:t>e.</a:t>
+              <a:t>指定的技術客戶經理，負責監督您的 Elite 體驗、協調支援和現場服務的投入，並提供主動式服務來讓您實現最高業務價值。</a:t>
             </a:r>
           </a:p>
         </p:txBody>
@@ -8362,14 +7612,14 @@
               </a:spcBef>
             </a:pPr>
             <a:r>
-              <a:rPr sz="1100" b="1" dirty="0">
+              <a:rPr lang="de-de" sz="1100" b="1" dirty="0">
                 <a:solidFill>
                   <a:srgbClr val="020302"/>
                 </a:solidFill>
                 <a:latin typeface="Adobe Clean" panose="020B0503020404020204" pitchFamily="34" charset="0"/>
                 <a:cs typeface="Arial"/>
               </a:rPr>
-              <a:t>Technical Account Manager</a:t>
+              <a:t>技術客戶經理</a:t>
             </a:r>
             <a:endParaRPr sz="1100" dirty="0">
               <a:latin typeface="Adobe Clean" panose="020B0503020404020204" pitchFamily="34" charset="0"/>
@@ -8435,7 +7685,7 @@
         <p:spPr>
           <a:xfrm>
             <a:off x="2791726" y="5243920"/>
-            <a:ext cx="2194560" cy="499111"/>
+            <a:ext cx="2313674" cy="337272"/>
           </a:xfrm>
           <a:prstGeom prst="rect">
             <a:avLst/>
@@ -8456,44 +7706,14 @@
               </a:spcBef>
             </a:pPr>
             <a:r>
-              <a:rPr sz="1000" dirty="0">
+              <a:rPr lang="de-de" sz="1000" dirty="0">
                 <a:solidFill>
                   <a:srgbClr val="020302"/>
                 </a:solidFill>
                 <a:latin typeface="AdobeClean-Light"/>
                 <a:cs typeface="AdobeClean-Light"/>
               </a:rPr>
-              <a:t>Ongoing knowledge transfer from Adobe  </a:t>
-            </a:r>
-            <a:r>
-              <a:rPr lang="en-US" sz="1000" dirty="0">
-                <a:solidFill>
-                  <a:srgbClr val="020302"/>
-                </a:solidFill>
-                <a:latin typeface="AdobeClean-Light"/>
-                <a:cs typeface="AdobeClean-Light"/>
-              </a:rPr>
-              <a:t>Support team</a:t>
-            </a:r>
-            <a:r>
-              <a:rPr sz="1000" dirty="0">
-                <a:solidFill>
-                  <a:srgbClr val="020302"/>
-                </a:solidFill>
-                <a:latin typeface="AdobeClean-Light"/>
-                <a:cs typeface="AdobeClean-Light"/>
-              </a:rPr>
-              <a:t> to provide </a:t>
-            </a:r>
-            <a:r>
-              <a:rPr lang="en-US" sz="1000" dirty="0">
-                <a:solidFill>
-                  <a:srgbClr val="020302"/>
-                </a:solidFill>
-                <a:latin typeface="AdobeClean-Light"/>
-                <a:cs typeface="AdobeClean-Light"/>
-              </a:rPr>
-              <a:t>best practices around solution usage.</a:t>
+              <a:t>Adobe 支援團隊持續在進行知識轉移，以便提供有關解決方案使用的最佳實務。</a:t>
             </a:r>
             <a:endParaRPr sz="1000" dirty="0">
               <a:latin typeface="AdobeClean-Light"/>
@@ -8532,14 +7752,14 @@
               </a:spcBef>
             </a:pPr>
             <a:r>
-              <a:rPr sz="1000" dirty="0">
+              <a:rPr lang="de-de" sz="1000" dirty="0">
                 <a:solidFill>
                   <a:srgbClr val="020302"/>
                 </a:solidFill>
                 <a:latin typeface="AdobeClean-Light"/>
                 <a:cs typeface="AdobeClean-Light"/>
               </a:rPr>
-              <a:t>Manage key events to ensure you have the  right level of support, coverage, and  mitigation plan in place during those key  business and project milestones.</a:t>
+              <a:t>管理關鍵事件，以確保您在這些關鍵業務和專案里程碑期間擁有適當層級的支援、涵蓋範圍和緩解計劃。</a:t>
             </a:r>
             <a:endParaRPr sz="1000" dirty="0">
               <a:latin typeface="AdobeClean-Light"/>
@@ -8578,14 +7798,14 @@
               </a:spcBef>
             </a:pPr>
             <a:r>
-              <a:rPr sz="1000" dirty="0">
+              <a:rPr lang="de-de" sz="1000" dirty="0">
                 <a:solidFill>
                   <a:srgbClr val="020302"/>
                 </a:solidFill>
                 <a:latin typeface="AdobeClean-Light"/>
                 <a:cs typeface="AdobeClean-Light"/>
               </a:rPr>
-              <a:t>Receive personalized guidance on new  product features to take advantage of  latest innovations, and have Adobe  experts review release and upgrade plan.</a:t>
+              <a:t>接收有關新產品功能的個人化指引，以利用最新的創新功能，並讓 Adobe 專家審查發行和升級計劃。</a:t>
             </a:r>
             <a:endParaRPr sz="1000" dirty="0">
               <a:latin typeface="AdobeClean-Light"/>
@@ -8602,8 +7822,8 @@
         </p:nvSpPr>
         <p:spPr>
           <a:xfrm>
-            <a:off x="97787" y="9888626"/>
-            <a:ext cx="2202180" cy="149860"/>
+            <a:off x="97786" y="9888626"/>
+            <a:ext cx="4474213" cy="133370"/>
           </a:xfrm>
           <a:prstGeom prst="rect">
             <a:avLst/>
@@ -8624,7 +7844,7 @@
               </a:spcBef>
             </a:pPr>
             <a:r>
-              <a:rPr sz="800" spc="-15" dirty="0">
+              <a:rPr lang="de-de" sz="800" spc="-15" dirty="0">
                 <a:solidFill>
                   <a:srgbClr val="6D6D6D"/>
                 </a:solidFill>
@@ -8634,17 +7854,17 @@
               <a:t>©2021 </a:t>
             </a:r>
             <a:r>
-              <a:rPr sz="800" spc="-5" dirty="0">
+              <a:rPr lang="de-de" sz="800" spc="-5" dirty="0">
                 <a:solidFill>
                   <a:srgbClr val="6D6D6D"/>
                 </a:solidFill>
                 <a:latin typeface="Adobe Clean"/>
                 <a:cs typeface="Adobe Clean"/>
               </a:rPr>
-              <a:t>Adobe. All</a:t>
-            </a:r>
-            <a:r>
-              <a:rPr sz="800" spc="-15" dirty="0">
+              <a:t>Adobe。All</a:t>
+            </a:r>
+            <a:r>
+              <a:rPr lang="de-de" sz="800" spc="-15" dirty="0">
                 <a:solidFill>
                   <a:srgbClr val="6D6D6D"/>
                 </a:solidFill>
@@ -8654,7 +7874,7 @@
               <a:t> Rights</a:t>
             </a:r>
             <a:r>
-              <a:rPr sz="800" spc="-5" dirty="0">
+              <a:rPr lang="de-de" sz="800" spc="-5" dirty="0">
                 <a:solidFill>
                   <a:srgbClr val="6D6D6D"/>
                 </a:solidFill>
@@ -8664,56 +7884,46 @@
               <a:t> </a:t>
             </a:r>
             <a:r>
-              <a:rPr sz="800" spc="-15" dirty="0">
+              <a:rPr lang="de-de" sz="800" spc="-15" dirty="0">
                 <a:solidFill>
                   <a:srgbClr val="6D6D6D"/>
                 </a:solidFill>
                 <a:latin typeface="Adobe Clean"/>
                 <a:cs typeface="Adobe Clean"/>
               </a:rPr>
-              <a:t>Reserved.</a:t>
-            </a:r>
-            <a:r>
-              <a:rPr sz="800" spc="-10" dirty="0">
+              <a:t>Reserved。</a:t>
+            </a:r>
+            <a:r>
+              <a:rPr lang="de-de" sz="800" spc="-5" dirty="0">
                 <a:solidFill>
                   <a:srgbClr val="6D6D6D"/>
                 </a:solidFill>
                 <a:latin typeface="Adobe Clean"/>
                 <a:cs typeface="Adobe Clean"/>
               </a:rPr>
-              <a:t> </a:t>
-            </a:r>
-            <a:r>
-              <a:rPr sz="800" spc="-5" dirty="0">
+              <a:t>Adobe</a:t>
+            </a:r>
+            <a:r>
+              <a:rPr lang="de-de" sz="800" spc="65" dirty="0">
                 <a:solidFill>
                   <a:srgbClr val="6D6D6D"/>
                 </a:solidFill>
                 <a:latin typeface="Adobe Clean"/>
                 <a:cs typeface="Adobe Clean"/>
               </a:rPr>
-              <a:t>Adobe</a:t>
-            </a:r>
-            <a:r>
-              <a:rPr sz="800" spc="65" dirty="0">
+              <a:t> </a:t>
+            </a:r>
+            <a:r>
+              <a:rPr lang="de-de" sz="800" spc="-15" dirty="0">
                 <a:solidFill>
                   <a:srgbClr val="6D6D6D"/>
                 </a:solidFill>
                 <a:latin typeface="Adobe Clean"/>
                 <a:cs typeface="Adobe Clean"/>
               </a:rPr>
-              <a:t> </a:t>
-            </a:r>
-            <a:r>
-              <a:rPr sz="800" spc="-15" dirty="0">
-                <a:solidFill>
-                  <a:srgbClr val="6D6D6D"/>
-                </a:solidFill>
-                <a:latin typeface="Adobe Clean"/>
-                <a:cs typeface="Adobe Clean"/>
-              </a:rPr>
-              <a:t>Confidential.</a:t>
-            </a:r>
-            <a:endParaRPr sz="800">
+              <a:t> 機密資訊。</a:t>
+            </a:r>
+            <a:endParaRPr sz="800" dirty="0">
               <a:latin typeface="Adobe Clean"/>
               <a:cs typeface="Adobe Clean"/>
             </a:endParaRPr>
@@ -8722,7 +7932,7 @@
       </p:sp>
       <p:pic>
         <p:nvPicPr>
-          <p:cNvPr id="43" name="Graphic 42" descr="Playbook outline">
+          <p:cNvPr id="43" name="Graphic 42" descr="Playbook 大綱">
             <a:extLst>
               <a:ext uri="{FF2B5EF4-FFF2-40B4-BE49-F238E27FC236}">
                 <a16:creationId xmlns:a16="http://schemas.microsoft.com/office/drawing/2014/main" id="{C99690B9-BFB7-6F4A-BF19-81D32249562E}"/>
@@ -8774,7 +7984,7 @@
         <p:spPr>
           <a:xfrm>
             <a:off x="2791726" y="9060487"/>
-            <a:ext cx="2194560" cy="487313"/>
+            <a:ext cx="2313674" cy="625812"/>
           </a:xfrm>
           <a:prstGeom prst="rect">
             <a:avLst/>
@@ -8798,144 +8008,84 @@
               </a:tabLst>
             </a:pPr>
             <a:r>
-              <a:rPr sz="1000" spc="-20" dirty="0">
+              <a:rPr lang="de-de" sz="1000" spc="-20" dirty="0">
                 <a:solidFill>
                   <a:srgbClr val="020302"/>
                 </a:solidFill>
                 <a:latin typeface="AdobeClean-Light"/>
                 <a:cs typeface="AdobeClean-Light"/>
               </a:rPr>
-              <a:t>Start </a:t>
-            </a:r>
-            <a:r>
-              <a:rPr sz="1000" dirty="0">
+              <a:t>開始</a:t>
+            </a:r>
+            <a:r>
+              <a:rPr lang="de-de" sz="1000" spc="-15" dirty="0">
                 <a:solidFill>
                   <a:srgbClr val="020302"/>
                 </a:solidFill>
                 <a:latin typeface="AdobeClean-Light"/>
                 <a:cs typeface="AdobeClean-Light"/>
               </a:rPr>
-              <a:t>a </a:t>
-            </a:r>
-            <a:r>
-              <a:rPr sz="1000" spc="-15" dirty="0">
+              <a:t>聊天式</a:t>
+            </a:r>
+            <a:r>
+              <a:rPr lang="de-de" sz="1000" spc="-10" dirty="0">
                 <a:solidFill>
                   <a:srgbClr val="020302"/>
                 </a:solidFill>
                 <a:latin typeface="AdobeClean-Light"/>
                 <a:cs typeface="AdobeClean-Light"/>
               </a:rPr>
-              <a:t>chat </a:t>
-            </a:r>
-            <a:r>
-              <a:rPr sz="1000" spc="-10" dirty="0">
+              <a:t>諮詢，</a:t>
+            </a:r>
+            <a:r>
+              <a:rPr lang="de-de" sz="1000" spc="-5" dirty="0">
                 <a:solidFill>
                   <a:srgbClr val="020302"/>
                 </a:solidFill>
                 <a:latin typeface="AdobeClean-Light"/>
                 <a:cs typeface="AdobeClean-Light"/>
               </a:rPr>
-              <a:t>session </a:t>
-            </a:r>
-            <a:r>
-              <a:rPr sz="1000" spc="-5" dirty="0">
+              <a:t>以獲得</a:t>
+            </a:r>
+            <a:r>
+              <a:rPr lang="de-de" sz="1000" spc="-10" dirty="0">
                 <a:solidFill>
                   <a:srgbClr val="020302"/>
                 </a:solidFill>
                 <a:latin typeface="AdobeClean-Light"/>
                 <a:cs typeface="AdobeClean-Light"/>
               </a:rPr>
-              <a:t>to </a:t>
-            </a:r>
-            <a:r>
-              <a:rPr sz="1000" spc="-10" dirty="0">
+              <a:t>案件提交的</a:t>
+            </a:r>
+            <a:r>
+              <a:rPr lang="de-de" sz="1000" spc="-20" dirty="0">
                 <a:solidFill>
                   <a:srgbClr val="020302"/>
                 </a:solidFill>
                 <a:latin typeface="AdobeClean-Light"/>
                 <a:cs typeface="AdobeClean-Light"/>
               </a:rPr>
-              <a:t>get </a:t>
-            </a:r>
-            <a:r>
-              <a:rPr sz="1000" spc="-20" dirty="0">
+              <a:t>解答</a:t>
+            </a:r>
+            <a:r>
+              <a:rPr lang="de-de" sz="1000" dirty="0">
                 <a:solidFill>
                   <a:srgbClr val="020302"/>
                 </a:solidFill>
                 <a:latin typeface="AdobeClean-Light"/>
                 <a:cs typeface="AdobeClean-Light"/>
               </a:rPr>
-              <a:t>answers</a:t>
-            </a:r>
-            <a:r>
-              <a:rPr lang="en-US" sz="1000" spc="-45" dirty="0">
+              <a:t>與</a:t>
+            </a:r>
+            <a:r>
+              <a:rPr lang="de-de" sz="1000" spc="-15" dirty="0">
                 <a:solidFill>
                   <a:srgbClr val="020302"/>
                 </a:solidFill>
                 <a:latin typeface="AdobeClean-Light"/>
                 <a:cs typeface="AdobeClean-Light"/>
               </a:rPr>
-              <a:t> </a:t>
-            </a:r>
-            <a:r>
-              <a:rPr lang="en-US" sz="1000" dirty="0">
-                <a:solidFill>
-                  <a:srgbClr val="020302"/>
-                </a:solidFill>
-                <a:latin typeface="AdobeClean-Light"/>
-                <a:cs typeface="AdobeClean-Light"/>
-              </a:rPr>
-              <a:t>&amp; </a:t>
-            </a:r>
-            <a:r>
-              <a:rPr sz="1000" spc="-15" dirty="0">
-                <a:solidFill>
-                  <a:srgbClr val="020302"/>
-                </a:solidFill>
-                <a:latin typeface="AdobeClean-Light"/>
-                <a:cs typeface="AdobeClean-Light"/>
-              </a:rPr>
-              <a:t>help </a:t>
-            </a:r>
-            <a:r>
-              <a:rPr sz="1000" spc="-10" dirty="0">
-                <a:solidFill>
-                  <a:srgbClr val="020302"/>
-                </a:solidFill>
-                <a:latin typeface="AdobeClean-Light"/>
-                <a:cs typeface="AdobeClean-Light"/>
-              </a:rPr>
-              <a:t>with</a:t>
-            </a:r>
-            <a:r>
-              <a:rPr sz="1000" spc="85" dirty="0">
-                <a:solidFill>
-                  <a:srgbClr val="020302"/>
-                </a:solidFill>
-                <a:latin typeface="AdobeClean-Light"/>
-                <a:cs typeface="AdobeClean-Light"/>
-              </a:rPr>
-              <a:t> </a:t>
-            </a:r>
-            <a:r>
-              <a:rPr sz="1000" spc="-10" dirty="0">
-                <a:solidFill>
-                  <a:srgbClr val="020302"/>
-                </a:solidFill>
-                <a:latin typeface="AdobeClean-Light"/>
-                <a:cs typeface="AdobeClean-Light"/>
-              </a:rPr>
-              <a:t>case </a:t>
-            </a:r>
-            <a:r>
-              <a:rPr sz="1000" spc="-20" dirty="0">
-                <a:solidFill>
-                  <a:srgbClr val="020302"/>
-                </a:solidFill>
-                <a:latin typeface="AdobeClean-Light"/>
-                <a:cs typeface="AdobeClean-Light"/>
-              </a:rPr>
-              <a:t>submission</a:t>
+              <a:t>協助</a:t>
             </a:r>
             <a:endParaRPr lang="en-US" sz="1000" spc="-20" dirty="0">
               <a:solidFill>
@@ -8958,34 +8108,34 @@
               </a:tabLst>
             </a:pPr>
             <a:r>
-              <a:rPr sz="1000" i="1" spc="-10" dirty="0">
+              <a:rPr lang="de-de" sz="1000" i="1" spc="-10" dirty="0">
                 <a:solidFill>
                   <a:srgbClr val="7A7A7A"/>
                 </a:solidFill>
                 <a:latin typeface="AdobeClean-LightIt"/>
                 <a:cs typeface="AdobeClean-LightIt"/>
               </a:rPr>
-              <a:t>*Not all </a:t>
-            </a:r>
-            <a:r>
-              <a:rPr sz="1000" i="1" spc="-20" dirty="0">
+              <a:t>*並非</a:t>
+            </a:r>
+            <a:r>
+              <a:rPr lang="de-de" sz="1000" i="1" spc="-20" dirty="0">
                 <a:solidFill>
                   <a:srgbClr val="7A7A7A"/>
                 </a:solidFill>
                 <a:latin typeface="AdobeClean-LightIt"/>
                 <a:cs typeface="AdobeClean-LightIt"/>
               </a:rPr>
-              <a:t>products have live chat support</a:t>
-            </a:r>
-            <a:r>
-              <a:rPr sz="900" i="1" spc="-20" dirty="0">
+              <a:t>所有產品都有提供即時聊天支援</a:t>
+            </a:r>
+            <a:r>
+              <a:rPr lang="de-de" sz="900" i="1" spc="-20" dirty="0">
                 <a:solidFill>
                   <a:srgbClr val="7A7A7A"/>
                 </a:solidFill>
                 <a:latin typeface="AdobeClean-LightIt"/>
                 <a:cs typeface="AdobeClean-LightIt"/>
               </a:rPr>
-              <a:t>.  </a:t>
+              <a:t>。</a:t>
             </a:r>
             <a:endParaRPr sz="900" dirty="0">
               <a:latin typeface="AdobeClean-Light"/>
@@ -9037,12 +8187,12 @@
               <a:defRPr/>
             </a:pPr>
             <a:r>
-              <a:rPr lang="en-US" sz="1200" dirty="0">
+              <a:rPr lang="de-de" sz="1200" dirty="0">
                 <a:solidFill>
                   <a:srgbClr val="000000"/>
                 </a:solidFill>
               </a:rPr>
-              <a:t>Community Forums</a:t>
+              <a:t>社群論壇</a:t>
             </a:r>
           </a:p>
         </p:txBody>
@@ -9085,12 +8235,12 @@
               </a:spcAft>
             </a:pPr>
             <a:r>
-              <a:rPr lang="en-US" sz="1200" b="1" dirty="0">
+              <a:rPr lang="de-de" sz="1200" b="1" dirty="0">
                 <a:latin typeface="+mj-lt"/>
                 <a:ea typeface="Open Sans" pitchFamily="34" charset="0"/>
                 <a:cs typeface="Open Sans" pitchFamily="34" charset="0"/>
               </a:rPr>
-              <a:t>Online Forums</a:t>
+              <a:t>線上論壇</a:t>
             </a:r>
           </a:p>
         </p:txBody>
@@ -9123,13 +8273,13 @@
           <a:lstStyle/>
           <a:p>
             <a:r>
-              <a:rPr lang="en-US" sz="1000" dirty="0">
+              <a:rPr lang="de-de" sz="1000" dirty="0">
                 <a:solidFill>
                   <a:srgbClr val="4B4B4B"/>
                 </a:solidFill>
                 <a:latin typeface="Adobe Clean Light" panose="020B0303020404020204" pitchFamily="34" charset="0"/>
               </a:rPr>
-              <a:t>Continuous online access to a growing database of technical solutions, product documentation, FAQs and more. Connect with practitioners and other customers on Adobe Community to share best practices and lessons learned</a:t>
+              <a:t>可持續在線上存取不斷增加的技術解決方案、產品文件、常見問答等內容的資料庫。與 Adobe 社群上的從業人員和其他客戶交流，彼此分享學到的最佳實務和經驗教訓</a:t>
             </a:r>
           </a:p>
         </p:txBody>
@@ -9177,7 +8327,7 @@
               <a:defRPr/>
             </a:pPr>
             <a:r>
-              <a:rPr lang="en-US" sz="1200" dirty="0">
+              <a:rPr lang="de-de" sz="1200" dirty="0">
                 <a:solidFill>
                   <a:srgbClr val="000000"/>
                 </a:solidFill>
@@ -9225,12 +8375,12 @@
               </a:spcAft>
             </a:pPr>
             <a:r>
-              <a:rPr lang="en-US" sz="1200" b="1" dirty="0">
+              <a:rPr lang="de-de" sz="1200" b="1" dirty="0">
                 <a:latin typeface="+mj-lt"/>
                 <a:ea typeface="Open Sans" pitchFamily="34" charset="0"/>
                 <a:cs typeface="Open Sans" pitchFamily="34" charset="0"/>
               </a:rPr>
-              <a:t>Self-guided Journeys</a:t>
+              <a:t>自我引導式旅程</a:t>
             </a:r>
           </a:p>
         </p:txBody>
@@ -9263,13 +8413,13 @@
           <a:lstStyle/>
           <a:p>
             <a:r>
-              <a:rPr lang="en-US" sz="1000" dirty="0">
+              <a:rPr lang="de-de" sz="1000" dirty="0">
                 <a:solidFill>
                   <a:srgbClr val="4B4B4B"/>
                 </a:solidFill>
                 <a:latin typeface="Adobe Clean Light" panose="020B0303020404020204" pitchFamily="34" charset="0"/>
               </a:rPr>
-              <a:t>Experience Makers are made with Experience League. Customers can kickstart their Customer Experience Management abilities with personalized learning to develop skills, engage with a global community of peers, and earn career advancing recognition</a:t>
+              <a:t>Experience League 賦予體驗製作者強大的功能。客戶可以透過個人化學習來開始培養自己的客戶體驗管理能力，以發展各項技能、與全球的同行社群互動，並獲得職業提升的認可</a:t>
             </a:r>
           </a:p>
         </p:txBody>
@@ -9317,12 +8467,12 @@
               <a:defRPr/>
             </a:pPr>
             <a:r>
-              <a:rPr lang="en-US" sz="1200" dirty="0">
+              <a:rPr lang="de-de" sz="1200" dirty="0">
                 <a:solidFill>
                   <a:srgbClr val="000000"/>
                 </a:solidFill>
               </a:rPr>
-              <a:t>Live Chat  Support*</a:t>
+              <a:t>即時聊天支援*</a:t>
             </a:r>
           </a:p>
         </p:txBody>
@@ -9365,12 +8515,12 @@
               </a:spcAft>
             </a:pPr>
             <a:r>
-              <a:rPr lang="en-US" sz="1200" b="1" dirty="0">
+              <a:rPr lang="de-de" sz="1200" b="1" dirty="0">
                 <a:latin typeface="+mj-lt"/>
                 <a:ea typeface="Open Sans" pitchFamily="34" charset="0"/>
                 <a:cs typeface="Open Sans" pitchFamily="34" charset="0"/>
               </a:rPr>
-              <a:t>Chat Support</a:t>
+              <a:t>聊天支援</a:t>
             </a:r>
           </a:p>
         </p:txBody>
@@ -9418,12 +8568,12 @@
               <a:defRPr/>
             </a:pPr>
             <a:r>
-              <a:rPr lang="en-US" sz="1200" dirty="0">
+              <a:rPr lang="de-de" sz="1200" dirty="0">
                 <a:solidFill>
                   <a:srgbClr val="000000"/>
                 </a:solidFill>
               </a:rPr>
-              <a:t>24X7 P1 </a:t>
+              <a:t>全年無休 P1 </a:t>
             </a:r>
           </a:p>
         </p:txBody>
@@ -9466,12 +8616,12 @@
               </a:spcAft>
             </a:pPr>
             <a:r>
-              <a:rPr lang="en-US" sz="1200" b="1" dirty="0">
+              <a:rPr lang="de-de" sz="1200" b="1" dirty="0">
                 <a:latin typeface="+mj-lt"/>
                 <a:ea typeface="Open Sans" pitchFamily="34" charset="0"/>
                 <a:cs typeface="Open Sans" pitchFamily="34" charset="0"/>
               </a:rPr>
-              <a:t>Phone  Support</a:t>
+              <a:t>電話支援</a:t>
             </a:r>
           </a:p>
         </p:txBody>
@@ -9504,28 +8654,28 @@
           <a:lstStyle/>
           <a:p>
             <a:r>
-              <a:rPr lang="en-US" sz="1000" dirty="0">
+              <a:rPr lang="de-de" sz="1000" dirty="0">
                 <a:solidFill>
                   <a:srgbClr val="020302"/>
                 </a:solidFill>
                 <a:latin typeface="AdobeClean-Light"/>
               </a:rPr>
-              <a:t>Authorized users or </a:t>
-            </a:r>
-            <a:r>
-              <a:rPr lang="en-US" sz="1000" b="1" dirty="0">
+              <a:t>授權的使用者或</a:t>
+            </a:r>
+            <a:r>
+              <a:rPr lang="de-de" sz="1000" b="1" dirty="0">
                 <a:solidFill>
                   <a:srgbClr val="020302"/>
                 </a:solidFill>
                 <a:latin typeface="AdobeClean-Light"/>
               </a:rPr>
-              <a:t>Named Support Contacts </a:t>
-            </a:r>
-            <a:r>
-              <a:rPr lang="en-US" sz="1000" dirty="0">
+              <a:t>指定的支援聯絡人</a:t>
+            </a:r>
+            <a:r>
+              <a:rPr lang="de-de" sz="1000" dirty="0">
                 <a:latin typeface="Adobe Clean Light" panose="020B0303020404020204" pitchFamily="34" charset="0"/>
               </a:rPr>
-              <a:t>can submit issues through all available  channels (including phone for P1) and interact with our technical support team on behalf of your company. </a:t>
+              <a:t>可透過所有可用管道 (包括 P1 適用的電話) 來提交問題，並代表貴公司與我們的技術支援團隊互動。</a:t>
             </a:r>
             <a:endParaRPr lang="en-US" sz="1000" dirty="0">
               <a:solidFill>
@@ -9627,12 +8777,12 @@
               <a:defRPr/>
             </a:pPr>
             <a:r>
-              <a:rPr lang="en-US" sz="1200" dirty="0">
+              <a:rPr lang="de-de" sz="1200" dirty="0">
                 <a:solidFill>
                   <a:srgbClr val="000000"/>
                 </a:solidFill>
               </a:rPr>
-              <a:t>Office Hours</a:t>
+              <a:t>諮詢時間</a:t>
             </a:r>
           </a:p>
         </p:txBody>
@@ -9675,12 +8825,12 @@
               </a:spcAft>
             </a:pPr>
             <a:r>
-              <a:rPr lang="en-US" sz="1200" b="1" dirty="0">
+              <a:rPr lang="de-de" sz="1200" b="1" dirty="0">
                 <a:latin typeface="+mj-lt"/>
                 <a:ea typeface="Open Sans" pitchFamily="34" charset="0"/>
                 <a:cs typeface="Open Sans" pitchFamily="34" charset="0"/>
               </a:rPr>
-              <a:t>Webinars</a:t>
+              <a:t>網路研討會</a:t>
             </a:r>
           </a:p>
         </p:txBody>
@@ -9713,13 +8863,13 @@
           <a:lstStyle/>
           <a:p>
             <a:r>
-              <a:rPr lang="en-US" sz="1000" dirty="0">
+              <a:rPr lang="de-de" sz="1000" dirty="0">
                 <a:solidFill>
                   <a:srgbClr val="4B4B4B"/>
                 </a:solidFill>
                 <a:latin typeface="Adobe Clean Light" panose="020B0303020404020204" pitchFamily="34" charset="0"/>
               </a:rPr>
-              <a:t>Office Hours led by the Adobe Customer Support team includes sessions designed to inform as well as help participants troubleshoot problems and provide tips and tricks for success with Adobe solutions. </a:t>
+              <a:t>「諮詢時間」是由 Adobe 客戶支援團隊主導的一項計劃，其中的研討會的設計目的是為了提供資訊以及協助參與者排除問題，並提供成功使用 Adobe 解決方案的秘訣與技巧。</a:t>
             </a:r>
           </a:p>
         </p:txBody>
@@ -9767,12 +8917,12 @@
               <a:defRPr/>
             </a:pPr>
             <a:r>
-              <a:rPr lang="en-US" sz="1200" dirty="0">
+              <a:rPr lang="de-de" sz="1200" dirty="0">
                 <a:solidFill>
                   <a:srgbClr val="000000"/>
                 </a:solidFill>
               </a:rPr>
-              <a:t>Self-help Portals</a:t>
+              <a:t>自助式入口網站</a:t>
             </a:r>
           </a:p>
         </p:txBody>
@@ -9815,12 +8965,12 @@
               </a:spcAft>
             </a:pPr>
             <a:r>
-              <a:rPr lang="en-US" sz="1200" b="1" dirty="0">
+              <a:rPr lang="de-de" sz="1200" b="1" dirty="0">
                 <a:latin typeface="+mj-lt"/>
                 <a:ea typeface="Open Sans" pitchFamily="34" charset="0"/>
                 <a:cs typeface="Open Sans" pitchFamily="34" charset="0"/>
               </a:rPr>
-              <a:t>24/7 Support Portal</a:t>
+              <a:t>24/7 支援入口網站</a:t>
             </a:r>
           </a:p>
         </p:txBody>
@@ -9853,37 +9003,30 @@
           <a:lstStyle/>
           <a:p>
             <a:r>
-              <a:rPr lang="en-US" sz="1000" dirty="0">
+              <a:rPr lang="de-de" sz="1000" dirty="0">
                 <a:solidFill>
                   <a:srgbClr val="4B4B4B"/>
                 </a:solidFill>
                 <a:latin typeface="Adobe Clean Light" panose="020B0303020404020204" pitchFamily="34" charset="0"/>
               </a:rPr>
-              <a:t>On-demand access to the online </a:t>
-            </a:r>
-            <a:br>
-              <a:rPr lang="en-US" sz="1000" dirty="0">
+              <a:t>隨需存取線上</a:t>
+            </a:r>
+            <a:br/>
+            <a:r>
+              <a:rPr lang="de-de" sz="1000" dirty="0">
                 <a:solidFill>
                   <a:srgbClr val="4B4B4B"/>
                 </a:solidFill>
                 <a:latin typeface="Adobe Clean Light" panose="020B0303020404020204" pitchFamily="34" charset="0"/>
               </a:rPr>
-            </a:br>
-            <a:r>
-              <a:rPr lang="en-US" sz="1000" dirty="0">
-                <a:solidFill>
-                  <a:srgbClr val="4B4B4B"/>
-                </a:solidFill>
-                <a:latin typeface="Adobe Clean Light" panose="020B0303020404020204" pitchFamily="34" charset="0"/>
-              </a:rPr>
-              <a:t>Self-help Support Portal to submit support requests, review case status, and browse other resources, like our knowledgebase, news and alerts, featured tips, and more.</a:t>
+              <a:t>自助式支援入口網站，以提交支援請求、檢閱案件狀態，並瀏覽其他資源，像是我們的知識庫、新聞與提醒、特定的提示等。</a:t>
             </a:r>
           </a:p>
         </p:txBody>
       </p:sp>
       <p:pic>
         <p:nvPicPr>
-          <p:cNvPr id="74" name="Graphic 73" descr="Speaker phone outline">
+          <p:cNvPr id="74" name="Graphic 73" descr="揚聲器大綱">
             <a:extLst>
               <a:ext uri="{FF2B5EF4-FFF2-40B4-BE49-F238E27FC236}">
                 <a16:creationId xmlns:a16="http://schemas.microsoft.com/office/drawing/2014/main" id="{A1370005-6890-424C-884D-9064E283C1A4}"/>
@@ -9922,7 +9065,7 @@
       </p:pic>
       <p:pic>
         <p:nvPicPr>
-          <p:cNvPr id="75" name="Graphic 74" descr="Remote learning language outline">
+          <p:cNvPr id="75" name="Graphic 74" descr="遠端學習語言大綱">
             <a:extLst>
               <a:ext uri="{FF2B5EF4-FFF2-40B4-BE49-F238E27FC236}">
                 <a16:creationId xmlns:a16="http://schemas.microsoft.com/office/drawing/2014/main" id="{FA70E684-2FB6-544A-9B16-BEB9080AC85B}"/>
@@ -9961,7 +9104,7 @@
       </p:pic>
       <p:pic>
         <p:nvPicPr>
-          <p:cNvPr id="76" name="Graphic 75" descr="Customer review outline">
+          <p:cNvPr id="76" name="Graphic 75" descr="客戶審查大綱">
             <a:extLst>
               <a:ext uri="{FF2B5EF4-FFF2-40B4-BE49-F238E27FC236}">
                 <a16:creationId xmlns:a16="http://schemas.microsoft.com/office/drawing/2014/main" id="{1B0E4E00-41D9-6440-83E3-60369886CE3A}"/>
@@ -10000,7 +9143,7 @@
       </p:pic>
       <p:pic>
         <p:nvPicPr>
-          <p:cNvPr id="77" name="Graphic 76" descr="Signpost outline">
+          <p:cNvPr id="77" name="Graphic 76" descr="路標大綱">
             <a:extLst>
               <a:ext uri="{FF2B5EF4-FFF2-40B4-BE49-F238E27FC236}">
                 <a16:creationId xmlns:a16="http://schemas.microsoft.com/office/drawing/2014/main" id="{001A9B31-4F82-A14D-B2BC-39DC337108A9}"/>
@@ -10039,7 +9182,7 @@
       </p:pic>
       <p:pic>
         <p:nvPicPr>
-          <p:cNvPr id="78" name="Graphic 77" descr="Internet outline">
+          <p:cNvPr id="78" name="Graphic 77" descr="網際網路大綱">
             <a:extLst>
               <a:ext uri="{FF2B5EF4-FFF2-40B4-BE49-F238E27FC236}">
                 <a16:creationId xmlns:a16="http://schemas.microsoft.com/office/drawing/2014/main" id="{20978656-E5F5-434D-BA66-491F99EF63FD}"/>
@@ -10078,7 +9221,7 @@
       </p:pic>
       <p:pic>
         <p:nvPicPr>
-          <p:cNvPr id="79" name="Graphic 78" descr="Chat bubble outline">
+          <p:cNvPr id="79" name="Graphic 78" descr="聊天泡泡大綱">
             <a:extLst>
               <a:ext uri="{FF2B5EF4-FFF2-40B4-BE49-F238E27FC236}">
                 <a16:creationId xmlns:a16="http://schemas.microsoft.com/office/drawing/2014/main" id="{0C77255B-D338-2543-98E5-4434DF47D195}"/>
@@ -10206,14 +9349,14 @@
               </a:spcBef>
             </a:pPr>
             <a:r>
-              <a:rPr lang="en-US" sz="1400" b="1" dirty="0">
+              <a:rPr lang="de-de" sz="1400" b="1" dirty="0">
                 <a:solidFill>
                   <a:srgbClr val="020302"/>
                 </a:solidFill>
                 <a:latin typeface="Adobe Clean"/>
                 <a:cs typeface="Adobe Clean"/>
               </a:rPr>
-              <a:t>Online Support Features</a:t>
+              <a:t>線上支援特色</a:t>
             </a:r>
             <a:endParaRPr lang="en-US" sz="1400" dirty="0">
               <a:latin typeface="Adobe Clean"/>
@@ -10440,14 +9583,14 @@
               </a:spcBef>
             </a:pPr>
             <a:r>
-              <a:rPr lang="en-US" sz="1000" dirty="0">
+              <a:rPr lang="de-de" sz="1000" dirty="0">
                 <a:solidFill>
                   <a:srgbClr val="020302"/>
                 </a:solidFill>
                 <a:latin typeface="AdobeClean-Light"/>
                 <a:cs typeface="AdobeClean-Light"/>
               </a:rPr>
-              <a:t>Proactive review of your solution  deployment, configuration, and overall  architecture, including integrations.</a:t>
+              <a:t>主動審查您的解決方案部署、組態設定及整體架構，包括整合。</a:t>
             </a:r>
             <a:endParaRPr lang="en-US" sz="1000" dirty="0">
               <a:solidFill>
@@ -10495,14 +9638,14 @@
               </a:spcBef>
             </a:pPr>
             <a:r>
-              <a:rPr lang="en-US" sz="1000" dirty="0">
+              <a:rPr lang="de-de" sz="1000" dirty="0">
                 <a:solidFill>
                   <a:srgbClr val="020302"/>
                 </a:solidFill>
                 <a:latin typeface="AdobeClean-Light"/>
                 <a:cs typeface="AdobeClean-Light"/>
               </a:rPr>
-              <a:t>Receive maintenance best practices and latest  fixes (SPs, MR, patches, FPs) to remain up-to-  date on all maintenance checks</a:t>
+              <a:t>接收維護最佳實務和最新修正 (SP、MR、修補程式、FP)，以在所有維護檢查中保持最新狀態</a:t>
             </a:r>
             <a:endParaRPr lang="en-US" sz="1000" dirty="0">
               <a:solidFill>
@@ -10547,14 +9690,14 @@
               </a:spcBef>
             </a:pPr>
             <a:r>
-              <a:rPr lang="en-US" sz="1000" dirty="0">
+              <a:rPr lang="de-de" sz="1000" dirty="0">
                 <a:solidFill>
                   <a:srgbClr val="4B4B4B"/>
                 </a:solidFill>
                 <a:latin typeface="AdobeClean-Light"/>
                 <a:cs typeface="AdobeClean-Light"/>
               </a:rPr>
-              <a:t>A regular review of Elite program services, support metrics, and deliverables, including a forward-looking plan</a:t>
+              <a:t>定期審查 Elite 計劃服務、支援指標和交付成果，包括前瞻性交付計劃</a:t>
             </a:r>
             <a:endParaRPr lang="en-US" sz="1000" dirty="0">
               <a:solidFill>
@@ -10599,14 +9742,14 @@
               </a:spcBef>
             </a:pPr>
             <a:r>
-              <a:rPr lang="en-US" sz="1000" dirty="0">
+              <a:rPr lang="de-de" sz="1000" dirty="0">
                 <a:solidFill>
                   <a:srgbClr val="4B4B4B"/>
                 </a:solidFill>
                 <a:latin typeface="AdobeClean-Light"/>
                 <a:cs typeface="AdobeClean-Light"/>
               </a:rPr>
-              <a:t>A 60-minute session focusing on a  specific product feature and how it can  be utilized to solve common business  problems.</a:t>
+              <a:t>60 分鐘的諮詢，聚焦於特定產品功能以及如何利用它來解決常見的業務問題。</a:t>
             </a:r>
             <a:endParaRPr lang="en-US" sz="1000" dirty="0">
               <a:solidFill>
@@ -10651,14 +9794,14 @@
               </a:spcBef>
             </a:pPr>
             <a:r>
-              <a:rPr lang="en-US" sz="1000" dirty="0">
+              <a:rPr lang="de-de" sz="1000" dirty="0">
                 <a:solidFill>
                   <a:srgbClr val="4B4B4B"/>
                 </a:solidFill>
                 <a:latin typeface="AdobeClean-Light"/>
                 <a:cs typeface="AdobeClean-Light"/>
               </a:rPr>
-              <a:t>A designated point of contact within Adobe  who can provide escalation assistance,  regular updates and ensure priority is given  to your most critical open support requests.</a:t>
+              <a:t>Adobe 內的指定聯絡人，他可提供向上呈報協助、定期更新，並確保優先處理您最緊急且未解決的支援請求。</a:t>
             </a:r>
             <a:endParaRPr lang="en-US" dirty="0"/>
           </a:p>
@@ -10697,14 +9840,14 @@
               </a:spcBef>
             </a:pPr>
             <a:r>
-              <a:rPr lang="en-US" sz="1100" b="1" dirty="0">
+              <a:rPr lang="de-de" sz="1100" b="1" dirty="0">
                 <a:solidFill>
                   <a:srgbClr val="020302"/>
                 </a:solidFill>
                 <a:latin typeface="Adobe Clean" panose="020B0503020404020204" pitchFamily="34" charset="0"/>
                 <a:cs typeface="Arial"/>
               </a:rPr>
-              <a:t>Named Support Engineer</a:t>
+              <a:t>指定的支援工程師</a:t>
             </a:r>
             <a:endParaRPr lang="en-US" sz="1100" dirty="0">
               <a:solidFill>
@@ -10749,14 +9892,14 @@
               </a:spcBef>
             </a:pPr>
             <a:r>
-              <a:rPr lang="en-US" sz="1100" b="1" dirty="0">
+              <a:rPr lang="de-de" sz="1100" b="1" dirty="0">
                 <a:solidFill>
                   <a:srgbClr val="020302"/>
                 </a:solidFill>
                 <a:latin typeface="Adobe Clean" panose="020B0503020404020204" pitchFamily="34" charset="0"/>
                 <a:cs typeface="Arial"/>
               </a:rPr>
-              <a:t>Case Reviews</a:t>
+              <a:t>案件審查</a:t>
             </a:r>
             <a:endParaRPr lang="en-US" sz="1100" dirty="0">
               <a:solidFill>
@@ -10801,14 +9944,14 @@
               </a:spcBef>
             </a:pPr>
             <a:r>
-              <a:rPr lang="en-US" sz="1100" b="1" dirty="0">
+              <a:rPr lang="de-de" sz="1100" b="1" dirty="0">
                 <a:solidFill>
                   <a:srgbClr val="020302"/>
                 </a:solidFill>
                 <a:latin typeface="Adobe Clean" panose="020B0503020404020204" pitchFamily="34" charset="0"/>
                 <a:cs typeface="Adobe Clean"/>
               </a:rPr>
-              <a:t>Maintenance &amp; Monitoring</a:t>
+              <a:t>維護和監控</a:t>
             </a:r>
             <a:endParaRPr lang="en-US" sz="1100" dirty="0">
               <a:solidFill>
@@ -10853,14 +9996,14 @@
               </a:spcBef>
             </a:pPr>
             <a:r>
-              <a:rPr lang="en-US" sz="1100" b="1" dirty="0">
+              <a:rPr lang="de-de" sz="1100" b="1" dirty="0">
                 <a:solidFill>
                   <a:srgbClr val="020302"/>
                 </a:solidFill>
                 <a:latin typeface="Adobe Clean" panose="020B0503020404020204" pitchFamily="34" charset="0"/>
                 <a:cs typeface="Adobe Clean"/>
               </a:rPr>
-              <a:t>Solution Roadmap Review</a:t>
+              <a:t>解決方案藍圖審查</a:t>
             </a:r>
             <a:endParaRPr lang="en-US" sz="1100" dirty="0">
               <a:solidFill>
@@ -10905,14 +10048,14 @@
               </a:spcBef>
             </a:pPr>
             <a:r>
-              <a:rPr lang="en-US" sz="1100" b="1" dirty="0">
+              <a:rPr lang="de-de" sz="1100" b="1" dirty="0">
                 <a:solidFill>
                   <a:srgbClr val="020302"/>
                 </a:solidFill>
                 <a:latin typeface="Adobe Clean" panose="020B0503020404020204" pitchFamily="34" charset="0"/>
                 <a:cs typeface="Adobe Clean"/>
               </a:rPr>
-              <a:t>Environment Review</a:t>
+              <a:t>環境審查</a:t>
             </a:r>
             <a:endParaRPr lang="en-US" sz="1100" dirty="0">
               <a:solidFill>
@@ -10957,14 +10100,14 @@
               </a:spcBef>
             </a:pPr>
             <a:r>
-              <a:rPr lang="en-US" sz="1100" b="1" dirty="0">
+              <a:rPr lang="de-de" sz="1100" b="1" dirty="0">
                 <a:solidFill>
                   <a:srgbClr val="020302"/>
                 </a:solidFill>
                 <a:latin typeface="Adobe Clean" panose="020B0503020404020204" pitchFamily="34" charset="0"/>
                 <a:cs typeface="Adobe Clean"/>
               </a:rPr>
-              <a:t>Escalation Management</a:t>
+              <a:t>向上呈報管理</a:t>
             </a:r>
             <a:endParaRPr lang="en-US" sz="1100" dirty="0">
               <a:solidFill>
@@ -11009,14 +10152,14 @@
               </a:spcBef>
             </a:pPr>
             <a:r>
-              <a:rPr lang="en-US" sz="1100" b="1" dirty="0">
+              <a:rPr lang="de-de" sz="1100" b="1" dirty="0">
                 <a:solidFill>
                   <a:srgbClr val="020302"/>
                 </a:solidFill>
                 <a:latin typeface="Adobe Clean" panose="020B0503020404020204" pitchFamily="34" charset="0"/>
                 <a:cs typeface="Adobe Clean"/>
               </a:rPr>
-              <a:t>Service Reviews</a:t>
+              <a:t>服務審查</a:t>
             </a:r>
             <a:endParaRPr lang="en-US" sz="1100" dirty="0">
               <a:solidFill>
@@ -11061,14 +10204,14 @@
               </a:spcBef>
             </a:pPr>
             <a:r>
-              <a:rPr lang="en-US" sz="1100" b="1" dirty="0">
+              <a:rPr lang="de-de" sz="1100" b="1" dirty="0">
                 <a:solidFill>
                   <a:srgbClr val="020302"/>
                 </a:solidFill>
                 <a:latin typeface="Adobe Clean" panose="020B0503020404020204" pitchFamily="34" charset="0"/>
                 <a:cs typeface="Adobe Clean"/>
               </a:rPr>
-              <a:t>Expert Sessions</a:t>
+              <a:t>專家諮詢</a:t>
             </a:r>
             <a:endParaRPr lang="en-US" sz="1100" dirty="0">
               <a:solidFill>
@@ -11113,14 +10256,14 @@
               </a:spcBef>
             </a:pPr>
             <a:r>
-              <a:rPr lang="en-US" sz="1100" b="1" dirty="0">
+              <a:rPr lang="de-de" sz="1100" b="1" dirty="0">
                 <a:solidFill>
                   <a:srgbClr val="020302"/>
                 </a:solidFill>
                 <a:latin typeface="Adobe Clean" panose="020B0503020404020204" pitchFamily="34" charset="0"/>
                 <a:cs typeface="Adobe Clean"/>
               </a:rPr>
-              <a:t>Release Preparation &amp; Review</a:t>
+              <a:t>發行準備與審查</a:t>
             </a:r>
             <a:endParaRPr lang="en-US" sz="1100" dirty="0">
               <a:solidFill>
@@ -11168,14 +10311,14 @@
               </a:spcBef>
             </a:pPr>
             <a:r>
-              <a:rPr lang="en-US" sz="1100" b="1" dirty="0">
+              <a:rPr lang="de-de" sz="1100" b="1" dirty="0">
                 <a:solidFill>
                   <a:srgbClr val="020302"/>
                 </a:solidFill>
                 <a:latin typeface="Adobe Clean" panose="020B0503020404020204" pitchFamily="34" charset="0"/>
                 <a:cs typeface="Adobe Clean"/>
               </a:rPr>
-              <a:t>Knowledge Transfer</a:t>
+              <a:t>知識轉移</a:t>
             </a:r>
             <a:endParaRPr lang="en-US" sz="1100" dirty="0">
               <a:latin typeface="Adobe Clean" panose="020B0503020404020204" pitchFamily="34" charset="0"/>
@@ -11220,14 +10363,14 @@
               </a:spcBef>
             </a:pPr>
             <a:r>
-              <a:rPr lang="en-US" sz="1100" b="1" dirty="0">
+              <a:rPr lang="de-de" sz="1100" b="1" dirty="0">
                 <a:solidFill>
                   <a:srgbClr val="020302"/>
                 </a:solidFill>
                 <a:latin typeface="Adobe Clean" panose="020B0503020404020204" pitchFamily="34" charset="0"/>
                 <a:cs typeface="Adobe Clean"/>
               </a:rPr>
-              <a:t>Event Management</a:t>
+              <a:t>事件管理</a:t>
             </a:r>
             <a:endParaRPr lang="en-US" sz="1100" dirty="0">
               <a:latin typeface="Adobe Clean" panose="020B0503020404020204" pitchFamily="34" charset="0"/>
@@ -11348,7 +10491,7 @@
       </p:sp>
       <p:pic>
         <p:nvPicPr>
-          <p:cNvPr id="25" name="Graphic 24" descr="Continuous Improvement outline">
+          <p:cNvPr id="25" name="Graphic 24" descr="持續改進大綱">
             <a:extLst>
               <a:ext uri="{FF2B5EF4-FFF2-40B4-BE49-F238E27FC236}">
                 <a16:creationId xmlns:a16="http://schemas.microsoft.com/office/drawing/2014/main" id="{A2F6F854-90CC-FC48-9379-F18D8FBF395B}"/>
@@ -11507,7 +10650,7 @@
       </p:pic>
       <p:pic>
         <p:nvPicPr>
-          <p:cNvPr id="29" name="Graphic 28" descr="Storytelling outline">
+          <p:cNvPr id="29" name="Graphic 28" descr="敘事大綱">
             <a:extLst>
               <a:ext uri="{FF2B5EF4-FFF2-40B4-BE49-F238E27FC236}">
                 <a16:creationId xmlns:a16="http://schemas.microsoft.com/office/drawing/2014/main" id="{AD9F15BE-1A73-9C4D-B0AF-F35EF2ED6649}"/>
@@ -11580,14 +10723,14 @@
               </a:spcBef>
             </a:pPr>
             <a:r>
-              <a:rPr lang="en-US" sz="1000" dirty="0">
+              <a:rPr lang="de-de" sz="1000" dirty="0">
                 <a:solidFill>
                   <a:srgbClr val="020302"/>
                 </a:solidFill>
                 <a:latin typeface="AdobeClean-Light"/>
                 <a:cs typeface="AdobeClean-Light"/>
               </a:rPr>
-              <a:t>Compare and align Adobe solution  roadmap with your project roadmap to  mitigate risk and prepare for the future.</a:t>
+              <a:t>將 Adobe 解決方案藍圖與您的專案藍圖進行比較並將兩者保持一致，以降低風險並為將來做好準備。</a:t>
             </a:r>
             <a:endParaRPr lang="en-US" sz="1000" dirty="0">
               <a:latin typeface="AdobeClean-Light"/>
@@ -11604,7 +10747,7 @@
               </a:spcBef>
             </a:pPr>
             <a:r>
-              <a:rPr lang="en-US" sz="1000" dirty="0">
+              <a:rPr lang="de-de" sz="1000" dirty="0">
                 <a:solidFill>
                   <a:srgbClr val="020302"/>
                 </a:solidFill>
@@ -11949,7 +11092,7 @@
         <p:spPr>
           <a:xfrm>
             <a:off x="4843269" y="2329688"/>
-            <a:ext cx="1656080" cy="238760"/>
+            <a:ext cx="1656080" cy="228268"/>
           </a:xfrm>
           <a:prstGeom prst="rect">
             <a:avLst/>
@@ -11961,7 +11104,7 @@
           </a:bodyPr>
           <a:lstStyle/>
           <a:p>
-            <a:pPr marL="12700">
+            <a:pPr marL="12700" algn="ctr">
               <a:lnSpc>
                 <a:spcPct val="100000"/>
               </a:lnSpc>
@@ -11970,176 +11113,26 @@
               </a:spcBef>
             </a:pPr>
             <a:r>
-              <a:rPr sz="1400" b="1" spc="-25" dirty="0">
+              <a:rPr lang="de-de" sz="1400" b="1" spc="-25" dirty="0">
                 <a:solidFill>
                   <a:srgbClr val="020302"/>
                 </a:solidFill>
                 <a:latin typeface="Adobe Clean"/>
                 <a:cs typeface="Adobe Clean"/>
               </a:rPr>
-              <a:t>Fi</a:t>
-            </a:r>
-            <a:r>
-              <a:rPr sz="1400" b="1" spc="-35" dirty="0">
+              <a:t>現場服務活動</a:t>
+            </a:r>
+            <a:r>
+              <a:rPr lang="de-de" sz="1400" b="1" spc="-190" dirty="0">
                 <a:solidFill>
                   <a:srgbClr val="020302"/>
                 </a:solidFill>
                 <a:latin typeface="Adobe Clean"/>
                 <a:cs typeface="Adobe Clean"/>
               </a:rPr>
-              <a:t>e</a:t>
-            </a:r>
-            <a:r>
-              <a:rPr sz="1400" b="1" spc="-25" dirty="0">
-                <a:solidFill>
-                  <a:srgbClr val="020302"/>
-                </a:solidFill>
-                <a:latin typeface="Adobe Clean"/>
-                <a:cs typeface="Adobe Clean"/>
-              </a:rPr>
-              <a:t>l</a:t>
-            </a:r>
-            <a:r>
-              <a:rPr sz="1400" b="1" dirty="0">
-                <a:solidFill>
-                  <a:srgbClr val="020302"/>
-                </a:solidFill>
-                <a:latin typeface="Adobe Clean"/>
-                <a:cs typeface="Adobe Clean"/>
-              </a:rPr>
-              <a:t>d</a:t>
-            </a:r>
-            <a:r>
-              <a:rPr sz="1400" b="1" spc="-40" dirty="0">
-                <a:solidFill>
-                  <a:srgbClr val="020302"/>
-                </a:solidFill>
-                <a:latin typeface="Adobe Clean"/>
-                <a:cs typeface="Adobe Clean"/>
-              </a:rPr>
               <a:t> </a:t>
             </a:r>
-            <a:r>
-              <a:rPr sz="1400" b="1" spc="25" dirty="0">
-                <a:solidFill>
-                  <a:srgbClr val="020302"/>
-                </a:solidFill>
-                <a:latin typeface="Adobe Clean"/>
-                <a:cs typeface="Adobe Clean"/>
-              </a:rPr>
-              <a:t>S</a:t>
-            </a:r>
-            <a:r>
-              <a:rPr sz="1400" b="1" spc="5" dirty="0">
-                <a:solidFill>
-                  <a:srgbClr val="020302"/>
-                </a:solidFill>
-                <a:latin typeface="Adobe Clean"/>
-                <a:cs typeface="Adobe Clean"/>
-              </a:rPr>
-              <a:t>e</a:t>
-            </a:r>
-            <a:r>
-              <a:rPr sz="1400" b="1" spc="15" dirty="0">
-                <a:solidFill>
-                  <a:srgbClr val="020302"/>
-                </a:solidFill>
-                <a:latin typeface="Adobe Clean"/>
-                <a:cs typeface="Adobe Clean"/>
-              </a:rPr>
-              <a:t>rvi</a:t>
-            </a:r>
-            <a:r>
-              <a:rPr sz="1400" b="1" spc="5" dirty="0">
-                <a:solidFill>
-                  <a:srgbClr val="020302"/>
-                </a:solidFill>
-                <a:latin typeface="Adobe Clean"/>
-                <a:cs typeface="Adobe Clean"/>
-              </a:rPr>
-              <a:t>c</a:t>
-            </a:r>
-            <a:r>
-              <a:rPr sz="1400" b="1" dirty="0">
-                <a:solidFill>
-                  <a:srgbClr val="020302"/>
-                </a:solidFill>
-                <a:latin typeface="Adobe Clean"/>
-                <a:cs typeface="Adobe Clean"/>
-              </a:rPr>
-              <a:t>e</a:t>
-            </a:r>
-            <a:r>
-              <a:rPr sz="1400" b="1" spc="-190" dirty="0">
-                <a:solidFill>
-                  <a:srgbClr val="020302"/>
-                </a:solidFill>
-                <a:latin typeface="Adobe Clean"/>
-                <a:cs typeface="Adobe Clean"/>
-              </a:rPr>
-              <a:t> </a:t>
-            </a:r>
-            <a:r>
-              <a:rPr sz="1400" b="1" spc="5" dirty="0">
-                <a:solidFill>
-                  <a:srgbClr val="020302"/>
-                </a:solidFill>
-                <a:latin typeface="Adobe Clean"/>
-                <a:cs typeface="Adobe Clean"/>
-              </a:rPr>
-              <a:t>A</a:t>
-            </a:r>
-            <a:r>
-              <a:rPr sz="1400" b="1" spc="-5" dirty="0">
-                <a:solidFill>
-                  <a:srgbClr val="020302"/>
-                </a:solidFill>
-                <a:latin typeface="Adobe Clean"/>
-                <a:cs typeface="Adobe Clean"/>
-              </a:rPr>
-              <a:t>ct</a:t>
-            </a:r>
-            <a:r>
-              <a:rPr sz="1400" b="1" spc="5" dirty="0">
-                <a:solidFill>
-                  <a:srgbClr val="020302"/>
-                </a:solidFill>
-                <a:latin typeface="Adobe Clean"/>
-                <a:cs typeface="Adobe Clean"/>
-              </a:rPr>
-              <a:t>ivi</a:t>
-            </a:r>
-            <a:r>
-              <a:rPr sz="1400" b="1" spc="-5" dirty="0">
-                <a:solidFill>
-                  <a:srgbClr val="020302"/>
-                </a:solidFill>
-                <a:latin typeface="Adobe Clean"/>
-                <a:cs typeface="Adobe Clean"/>
-              </a:rPr>
-              <a:t>t</a:t>
-            </a:r>
-            <a:r>
-              <a:rPr sz="1400" b="1" spc="5" dirty="0">
-                <a:solidFill>
-                  <a:srgbClr val="020302"/>
-                </a:solidFill>
-                <a:latin typeface="Adobe Clean"/>
-                <a:cs typeface="Adobe Clean"/>
-              </a:rPr>
-              <a:t>i</a:t>
-            </a:r>
-            <a:r>
-              <a:rPr sz="1400" b="1" spc="-5" dirty="0">
-                <a:solidFill>
-                  <a:srgbClr val="020302"/>
-                </a:solidFill>
-                <a:latin typeface="Adobe Clean"/>
-                <a:cs typeface="Adobe Clean"/>
-              </a:rPr>
-              <a:t>es</a:t>
-            </a:r>
-            <a:endParaRPr sz="1400">
+            <a:endParaRPr sz="1400" dirty="0">
               <a:latin typeface="Adobe Clean"/>
               <a:cs typeface="Adobe Clean"/>
             </a:endParaRPr>
@@ -12155,7 +11148,7 @@
         <p:spPr>
           <a:xfrm>
             <a:off x="914422" y="2342312"/>
-            <a:ext cx="1242060" cy="238760"/>
+            <a:ext cx="1242060" cy="228268"/>
           </a:xfrm>
           <a:prstGeom prst="rect">
             <a:avLst/>
@@ -12167,7 +11160,7 @@
           </a:bodyPr>
           <a:lstStyle/>
           <a:p>
-            <a:pPr marL="12700">
+            <a:pPr marL="12700" algn="ctr">
               <a:lnSpc>
                 <a:spcPct val="100000"/>
               </a:lnSpc>
@@ -12176,96 +11169,16 @@
               </a:spcBef>
             </a:pPr>
             <a:r>
-              <a:rPr sz="1400" b="1" spc="-25" dirty="0">
+              <a:rPr lang="de-de" sz="1400" b="1" spc="-25" dirty="0">
                 <a:solidFill>
                   <a:srgbClr val="020302"/>
                 </a:solidFill>
                 <a:latin typeface="Adobe Clean"/>
                 <a:cs typeface="Adobe Clean"/>
               </a:rPr>
-              <a:t>L</a:t>
-            </a:r>
-            <a:r>
-              <a:rPr sz="1400" b="1" spc="-5" dirty="0">
-                <a:solidFill>
-                  <a:srgbClr val="020302"/>
-                </a:solidFill>
-                <a:latin typeface="Adobe Clean"/>
-                <a:cs typeface="Adobe Clean"/>
-              </a:rPr>
-              <a:t>a</a:t>
-            </a:r>
-            <a:r>
-              <a:rPr sz="1400" b="1" spc="-20" dirty="0">
-                <a:solidFill>
-                  <a:srgbClr val="020302"/>
-                </a:solidFill>
-                <a:latin typeface="Adobe Clean"/>
-                <a:cs typeface="Adobe Clean"/>
-              </a:rPr>
-              <a:t>u</a:t>
-            </a:r>
-            <a:r>
-              <a:rPr sz="1400" b="1" spc="-15" dirty="0">
-                <a:solidFill>
-                  <a:srgbClr val="020302"/>
-                </a:solidFill>
-                <a:latin typeface="Adobe Clean"/>
-                <a:cs typeface="Adobe Clean"/>
-              </a:rPr>
-              <a:t>n</a:t>
-            </a:r>
-            <a:r>
-              <a:rPr sz="1400" b="1" spc="-25" dirty="0">
-                <a:solidFill>
-                  <a:srgbClr val="020302"/>
-                </a:solidFill>
-                <a:latin typeface="Adobe Clean"/>
-                <a:cs typeface="Adobe Clean"/>
-              </a:rPr>
-              <a:t>c</a:t>
-            </a:r>
-            <a:r>
-              <a:rPr sz="1400" b="1" dirty="0">
-                <a:solidFill>
-                  <a:srgbClr val="020302"/>
-                </a:solidFill>
-                <a:latin typeface="Adobe Clean"/>
-                <a:cs typeface="Adobe Clean"/>
-              </a:rPr>
-              <a:t>h</a:t>
-            </a:r>
-            <a:r>
-              <a:rPr sz="1400" b="1" spc="-25" dirty="0">
-                <a:solidFill>
-                  <a:srgbClr val="020302"/>
-                </a:solidFill>
-                <a:latin typeface="Adobe Clean"/>
-                <a:cs typeface="Adobe Clean"/>
-              </a:rPr>
-              <a:t> </a:t>
-            </a:r>
-            <a:r>
-              <a:rPr sz="1400" b="1" spc="-10" dirty="0">
-                <a:solidFill>
-                  <a:srgbClr val="020302"/>
-                </a:solidFill>
-                <a:latin typeface="Adobe Clean"/>
-                <a:cs typeface="Adobe Clean"/>
-              </a:rPr>
-              <a:t>Advisor</a:t>
-            </a:r>
-            <a:r>
-              <a:rPr sz="1400" b="1" dirty="0">
-                <a:solidFill>
-                  <a:srgbClr val="020302"/>
-                </a:solidFill>
-                <a:latin typeface="Adobe Clean"/>
-                <a:cs typeface="Adobe Clean"/>
-              </a:rPr>
-              <a:t>y</a:t>
-            </a:r>
-            <a:endParaRPr sz="1400">
+              <a:t>啟動諮詢</a:t>
+            </a:r>
+            <a:endParaRPr sz="1400" dirty="0">
               <a:latin typeface="Adobe Clean"/>
               <a:cs typeface="Adobe Clean"/>
             </a:endParaRPr>
@@ -12302,45 +11215,38 @@
               </a:spcBef>
             </a:pPr>
             <a:r>
-              <a:rPr sz="1000" dirty="0">
+              <a:rPr lang="de-de" sz="1000" dirty="0">
                 <a:solidFill>
                   <a:srgbClr val="1F1F1F"/>
                 </a:solidFill>
                 <a:latin typeface="AdobeClean-Light"/>
                 <a:cs typeface="AdobeClean-Light"/>
               </a:rPr>
-              <a:t>For customers implementing a </a:t>
-            </a:r>
-            <a:r>
-              <a:rPr sz="1000" b="1" dirty="0">
+              <a:t>Launch Advisory 適用於客戶實作</a:t>
+            </a:r>
+            <a:r>
+              <a:rPr lang="de-de" sz="1000" b="1" dirty="0">
                 <a:solidFill>
                   <a:srgbClr val="1F1F1F"/>
                 </a:solidFill>
                 <a:latin typeface="Adobe Clean"/>
                 <a:cs typeface="Adobe Clean"/>
               </a:rPr>
-              <a:t>new Adobe Experience Cloud  solution, </a:t>
-            </a:r>
-            <a:r>
-              <a:rPr sz="1000" dirty="0">
-                <a:latin typeface="AdobeClean-Light"/>
-                <a:cs typeface="AdobeClean-Light"/>
-              </a:rPr>
-              <a:t>Launch Advisory </a:t>
-            </a:r>
-            <a:r>
-              <a:rPr sz="1000" dirty="0">
+              <a:t>新的 Adobe Experience Cloud 解決方案，</a:t>
+            </a:r>
+            <a:r>
+              <a:rPr lang="de-de" sz="1000" dirty="0">
                 <a:latin typeface="AdobeClean-SemiLight"/>
                 <a:cs typeface="AdobeClean-SemiLight"/>
               </a:rPr>
-              <a:t>is a </a:t>
-            </a:r>
-            <a:r>
-              <a:rPr sz="950" dirty="0">
+              <a:t>是</a:t>
+            </a:r>
+            <a:r>
+              <a:rPr lang="de-de" sz="950" dirty="0">
                 <a:latin typeface="AdobeClean-SemiLight"/>
                 <a:cs typeface="AdobeClean-SemiLight"/>
               </a:rPr>
-              <a:t>core set of advisory</a:t>
+              <a:t>諮詢的核心</a:t>
             </a:r>
             <a:endParaRPr sz="950">
               <a:latin typeface="AdobeClean-SemiLight"/>
@@ -12354,46 +11260,46 @@
               </a:lnSpc>
             </a:pPr>
             <a:r>
-              <a:rPr sz="950" dirty="0">
+              <a:rPr lang="de-de" sz="950" dirty="0">
                 <a:latin typeface="AdobeClean-SemiLight"/>
                 <a:cs typeface="AdobeClean-SemiLight"/>
               </a:rPr>
-              <a:t>services </a:t>
-            </a:r>
-            <a:r>
-              <a:rPr sz="1000" dirty="0">
+              <a:t>服務</a:t>
+            </a:r>
+            <a:r>
+              <a:rPr lang="de-de" sz="1000" dirty="0">
                 <a:latin typeface="AdobeClean-Light"/>
                 <a:cs typeface="AdobeClean-Light"/>
               </a:rPr>
-              <a:t>and recommendations that are proven to </a:t>
-            </a:r>
-            <a:r>
-              <a:rPr sz="950" dirty="0">
+              <a:t>和建議組合，經公認可</a:t>
+            </a:r>
+            <a:r>
+              <a:rPr lang="de-de" sz="950" dirty="0">
                 <a:latin typeface="AdobeClean-Light"/>
                 <a:cs typeface="AdobeClean-Light"/>
               </a:rPr>
-              <a:t>support  successful deployments </a:t>
-            </a:r>
-            <a:r>
-              <a:rPr sz="1000" dirty="0">
+              <a:t>支援成功部署</a:t>
+            </a:r>
+            <a:r>
+              <a:rPr lang="de-de" sz="1000" dirty="0">
                 <a:latin typeface="AdobeClean-Light"/>
                 <a:cs typeface="AdobeClean-Light"/>
               </a:rPr>
-              <a:t>and </a:t>
-            </a:r>
-            <a:r>
-              <a:rPr sz="950" dirty="0">
+              <a:t>並</a:t>
+            </a:r>
+            <a:r>
+              <a:rPr lang="de-de" sz="950" dirty="0">
                 <a:latin typeface="AdobeClean-Light"/>
                 <a:cs typeface="AdobeClean-Light"/>
               </a:rPr>
-              <a:t>accelerate time-to-value</a:t>
-            </a:r>
-            <a:r>
-              <a:rPr sz="1000" dirty="0">
+              <a:t>加速價值實現的時間</a:t>
+            </a:r>
+            <a:r>
+              <a:rPr lang="de-de" sz="1000" dirty="0">
                 <a:latin typeface="AdobeClean-Light"/>
                 <a:cs typeface="AdobeClean-Light"/>
               </a:rPr>
-              <a:t>.</a:t>
+              <a:t>。</a:t>
             </a:r>
             <a:endParaRPr sz="1000">
               <a:latin typeface="AdobeClean-Light"/>
@@ -12511,74 +11417,74 @@
               </a:spcBef>
             </a:pPr>
             <a:r>
-              <a:rPr sz="1000" dirty="0">
+              <a:rPr lang="de-de" sz="1000" dirty="0">
                 <a:solidFill>
                   <a:srgbClr val="4B4B4B"/>
                 </a:solidFill>
                 <a:latin typeface="AdobeClean-Light"/>
                 <a:cs typeface="AdobeClean-Light"/>
               </a:rPr>
-              <a:t>Field Services are used for </a:t>
-            </a:r>
-            <a:r>
-              <a:rPr sz="1000" b="1" dirty="0">
+              <a:t>現場服務是用於</a:t>
+            </a:r>
+            <a:r>
+              <a:rPr lang="de-de" sz="1000" b="1" dirty="0">
                 <a:solidFill>
                   <a:srgbClr val="4B4B4B"/>
                 </a:solidFill>
                 <a:latin typeface="Adobe Clean"/>
                 <a:cs typeface="Adobe Clean"/>
               </a:rPr>
-              <a:t>quick resolution</a:t>
-            </a:r>
-            <a:r>
-              <a:rPr sz="1000" dirty="0">
+              <a:t>快速解決問題</a:t>
+            </a:r>
+            <a:r>
+              <a:rPr lang="de-de" sz="1000" dirty="0">
                 <a:solidFill>
                   <a:srgbClr val="4B4B4B"/>
                 </a:solidFill>
                 <a:latin typeface="AdobeClean-Light"/>
                 <a:cs typeface="AdobeClean-Light"/>
               </a:rPr>
-              <a:t>, focused customer success  and accelerated </a:t>
-            </a:r>
-            <a:r>
-              <a:rPr sz="1000" b="1" dirty="0">
+              <a:t>，聚焦於客戶成功及加快</a:t>
+            </a:r>
+            <a:r>
+              <a:rPr lang="de-de" sz="1000" b="1" dirty="0">
                 <a:solidFill>
                   <a:srgbClr val="4B4B4B"/>
                 </a:solidFill>
                 <a:latin typeface="Adobe Clean"/>
                 <a:cs typeface="Adobe Clean"/>
               </a:rPr>
-              <a:t>time-to-value</a:t>
-            </a:r>
-            <a:r>
-              <a:rPr sz="1000" dirty="0">
+              <a:t>價值實現</a:t>
+            </a:r>
+            <a:r>
+              <a:rPr lang="de-de" sz="1000" dirty="0">
                 <a:solidFill>
                   <a:srgbClr val="4B4B4B"/>
                 </a:solidFill>
                 <a:latin typeface="AdobeClean-Light"/>
                 <a:cs typeface="AdobeClean-Light"/>
               </a:rPr>
-              <a:t>. If Launch advisory is active there will be  </a:t>
-            </a:r>
-            <a:r>
-              <a:rPr sz="1000" b="1" dirty="0">
+              <a:t>。對於支援合約涵蓋的任何解決方案產品而言，</a:t>
+            </a:r>
+            <a:r>
+              <a:rPr lang="de-de" sz="1000" b="1" dirty="0">
                 <a:solidFill>
                   <a:srgbClr val="4B4B4B"/>
                 </a:solidFill>
                 <a:latin typeface="Adobe Clean"/>
                 <a:cs typeface="Adobe Clean"/>
               </a:rPr>
-              <a:t>no Field Services in year 1 </a:t>
-            </a:r>
-            <a:r>
-              <a:rPr sz="1000" dirty="0">
+              <a:t>如果上市諮詢服務作用中，</a:t>
+            </a:r>
+            <a:r>
+              <a:rPr lang="de-de" sz="1000" dirty="0">
                 <a:solidFill>
                   <a:srgbClr val="4B4B4B"/>
                 </a:solidFill>
                 <a:latin typeface="AdobeClean-Light"/>
                 <a:cs typeface="AdobeClean-Light"/>
               </a:rPr>
-              <a:t>for any solution product covered by a  Support contract.</a:t>
+              <a:t>第 1 年將不會有現場服務。</a:t>
             </a:r>
             <a:endParaRPr sz="1000" dirty="0">
               <a:latin typeface="AdobeClean-Light"/>
@@ -12701,11 +11607,11 @@
               </a:spcBef>
             </a:pPr>
             <a:r>
-              <a:rPr sz="1000" dirty="0">
+              <a:rPr lang="de-de" sz="1000" dirty="0">
                 <a:latin typeface="AdobeClean-Light"/>
                 <a:cs typeface="AdobeClean-Light"/>
               </a:rPr>
-              <a:t>Launch Advisory will align with your project schedule through  common milestones (Kickoff, Define, Design, Go-live and Post  Launch) to guide, validate, assess and make recommendations.</a:t>
+              <a:t>上市諮詢服務將透過常見的里程碑 (開展、定義、設計、上線和上市後) 與您的專案時間表保持一致，以便指導、驗證、評估及提出建議。 </a:t>
             </a:r>
           </a:p>
         </p:txBody>
@@ -12740,11 +11646,11 @@
               </a:spcBef>
             </a:pPr>
             <a:r>
-              <a:rPr sz="1000" dirty="0">
+              <a:rPr lang="de-de" sz="1000" dirty="0">
                 <a:latin typeface="AdobeClean-Light"/>
                 <a:cs typeface="AdobeClean-Light"/>
               </a:rPr>
-              <a:t>Key Deliverables include:</a:t>
+              <a:t>主要交付成果包括：</a:t>
             </a:r>
             <a:endParaRPr sz="1000">
               <a:latin typeface="AdobeClean-Light"/>
@@ -12782,12 +11688,12 @@
               <a:buChar char="•"/>
             </a:pPr>
             <a:r>
-              <a:rPr lang="en-US" sz="1000" dirty="0">
+              <a:rPr lang="de-de" sz="1000" dirty="0">
                 <a:solidFill>
                   <a:prstClr val="black"/>
                 </a:solidFill>
               </a:rPr>
-              <a:t>Kickoff (including project collaboration plan) deck</a:t>
+              <a:t>專案啟動 (包括專案共同作業計劃) 投影片組</a:t>
             </a:r>
           </a:p>
           <a:p>
@@ -12799,12 +11705,12 @@
               <a:buChar char="•"/>
             </a:pPr>
             <a:r>
-              <a:rPr lang="en-US" sz="1000" dirty="0">
+              <a:rPr lang="de-de" sz="1000" dirty="0">
                 <a:solidFill>
                   <a:prstClr val="black"/>
                 </a:solidFill>
               </a:rPr>
-              <a:t>Assessment &amp; recommendations document(s)</a:t>
+              <a:t>評估與建議文件</a:t>
             </a:r>
           </a:p>
           <a:p>
@@ -12816,12 +11722,12 @@
               <a:buChar char="•"/>
             </a:pPr>
             <a:r>
-              <a:rPr lang="en-US" sz="1000" dirty="0">
+              <a:rPr lang="de-de" sz="1000" dirty="0">
                 <a:solidFill>
                   <a:prstClr val="black"/>
                 </a:solidFill>
               </a:rPr>
-              <a:t>Engagement summary</a:t>
+              <a:t>投入摘要</a:t>
             </a:r>
           </a:p>
         </p:txBody>
@@ -12856,14 +11762,14 @@
               </a:spcBef>
             </a:pPr>
             <a:r>
-              <a:rPr sz="1600" dirty="0">
+              <a:rPr lang="de-de" sz="1600" dirty="0">
                 <a:solidFill>
                   <a:srgbClr val="FFFFFF"/>
                 </a:solidFill>
                 <a:latin typeface="Arial"/>
                 <a:cs typeface="Arial"/>
               </a:rPr>
-              <a:t>Implementation</a:t>
+              <a:t>實作</a:t>
             </a:r>
             <a:endParaRPr sz="1600" dirty="0">
               <a:latin typeface="Arial"/>
@@ -12880,32 +11786,32 @@
               </a:spcBef>
             </a:pPr>
             <a:r>
-              <a:rPr sz="1000" dirty="0">
+              <a:rPr lang="de-de" sz="1000" dirty="0">
                 <a:latin typeface="AdobeClean-Light"/>
                 <a:cs typeface="AdobeClean-Light"/>
               </a:rPr>
-              <a:t>Adobe solution experts help validate requirements, architecture,  development process, and launch readiness reviews </a:t>
-            </a:r>
-            <a:r>
-              <a:rPr sz="1000" dirty="0">
+              <a:t>Adobe 解決方案專家可向客戶</a:t>
+            </a:r>
+            <a:r>
+              <a:rPr lang="de-de" sz="1000" dirty="0">
                 <a:latin typeface="AdobeClean-SemiLight"/>
                 <a:cs typeface="AdobeClean-SemiLight"/>
               </a:rPr>
-              <a:t>with </a:t>
-            </a:r>
-            <a:r>
-              <a:rPr sz="950" dirty="0">
+              <a:t>和實作</a:t>
+            </a:r>
+            <a:r>
+              <a:rPr lang="de-de" sz="950" dirty="0">
                 <a:latin typeface="AdobeClean-SemiLight"/>
                 <a:cs typeface="AdobeClean-SemiLight"/>
               </a:rPr>
-              <a:t>best  practice-based guidance </a:t>
-            </a:r>
-            <a:r>
-              <a:rPr sz="1000" dirty="0">
+              <a:t>合作夥伴</a:t>
+            </a:r>
+            <a:r>
+              <a:rPr lang="de-de" sz="1000" dirty="0">
                 <a:latin typeface="AdobeClean-SemiLight"/>
                 <a:cs typeface="AdobeClean-SemiLight"/>
               </a:rPr>
-              <a:t>to customers and implementation  partners.</a:t>
+              <a:t>提供以最佳實務為根據的指引，以協助驗證需求、架構、開發流程和上市整備情況審查。</a:t>
             </a:r>
           </a:p>
         </p:txBody>
@@ -12962,18 +11868,18 @@
               </a:spcBef>
             </a:pPr>
             <a:r>
-              <a:rPr sz="1000" b="1" dirty="0">
+              <a:rPr lang="de-de" sz="1000" b="1" dirty="0">
                 <a:latin typeface="Arial"/>
                 <a:cs typeface="Arial"/>
               </a:rPr>
-              <a:t>Technical Track Activities </a:t>
-            </a:r>
-            <a:r>
-              <a:rPr sz="1000" dirty="0">
+              <a:t>技術路徑活動可確保客戶擁有健全的技術，</a:t>
+            </a:r>
+            <a:r>
+              <a:rPr lang="de-de" sz="1000" dirty="0">
                 <a:latin typeface="AdobeClean-Light"/>
                 <a:cs typeface="AdobeClean-Light"/>
               </a:rPr>
-              <a:t>ensure customers are technically sound  and maximizing their tool adoption. Specifically, these types of  activities include support and recommendations related to platform  configurations, integrations and troubleshooting</a:t>
+              <a:t>並且最大限度地採用他們的工具。具體而言，這些類型的活動包含與平台組態設定、整合和疑難排解有關的支援和建議</a:t>
             </a:r>
           </a:p>
         </p:txBody>
@@ -13008,11 +11914,11 @@
               </a:spcBef>
             </a:pPr>
             <a:r>
-              <a:rPr sz="1000" dirty="0">
+              <a:rPr lang="de-de" sz="1000" dirty="0">
                 <a:latin typeface="AdobeClean-Light"/>
                 <a:cs typeface="AdobeClean-Light"/>
               </a:rPr>
-              <a:t>Types of technical activities available::</a:t>
+              <a:t>可用的技術活動類型：</a:t>
             </a:r>
           </a:p>
           <a:p>
@@ -13027,12 +11933,12 @@
               <a:buChar char="ü"/>
             </a:pPr>
             <a:r>
-              <a:rPr lang="en-US" sz="1000" dirty="0">
+              <a:rPr lang="de-de" sz="1000" dirty="0">
                 <a:solidFill>
                   <a:prstClr val="black"/>
                 </a:solidFill>
               </a:rPr>
-              <a:t>Health audit</a:t>
+              <a:t>健康稽核</a:t>
             </a:r>
           </a:p>
           <a:p>
@@ -13047,12 +11953,12 @@
               <a:buChar char="ü"/>
             </a:pPr>
             <a:r>
-              <a:rPr lang="en-US" sz="1000" dirty="0">
+              <a:rPr lang="de-de" sz="1000" dirty="0">
                 <a:solidFill>
                   <a:prstClr val="black"/>
                 </a:solidFill>
               </a:rPr>
-              <a:t>Platform audit</a:t>
+              <a:t>平台稽核</a:t>
             </a:r>
           </a:p>
           <a:p>
@@ -13067,12 +11973,12 @@
               <a:buChar char="ü"/>
             </a:pPr>
             <a:r>
-              <a:rPr lang="en-US" sz="1000" dirty="0">
+              <a:rPr lang="de-de" sz="1000" dirty="0">
                 <a:solidFill>
                   <a:prstClr val="black"/>
                 </a:solidFill>
               </a:rPr>
-              <a:t>Feature set enablement</a:t>
+              <a:t>功能集啟用</a:t>
             </a:r>
           </a:p>
           <a:p>
@@ -13087,12 +11993,12 @@
               <a:buChar char="ü"/>
             </a:pPr>
             <a:r>
-              <a:rPr lang="en-US" sz="1000" dirty="0">
+              <a:rPr lang="de-de" sz="1000" dirty="0">
                 <a:solidFill>
                   <a:prstClr val="black"/>
                 </a:solidFill>
               </a:rPr>
-              <a:t>Basic integrations and configurations</a:t>
+              <a:t>基本整合與組態設定</a:t>
             </a:r>
           </a:p>
           <a:p>
@@ -13107,12 +12013,12 @@
               <a:buChar char="ü"/>
             </a:pPr>
             <a:r>
-              <a:rPr lang="en-US" sz="1000" dirty="0">
+              <a:rPr lang="de-de" sz="1000" dirty="0">
                 <a:solidFill>
                   <a:prstClr val="black"/>
                 </a:solidFill>
               </a:rPr>
-              <a:t>Customer solution troubleshooting</a:t>
+              <a:t>客戶解決方案疑難排解</a:t>
             </a:r>
           </a:p>
           <a:p>
@@ -13127,12 +12033,12 @@
               <a:buChar char="ü"/>
             </a:pPr>
             <a:r>
-              <a:rPr lang="en-US" sz="1000" dirty="0">
+              <a:rPr lang="de-de" sz="1000" dirty="0">
                 <a:solidFill>
                   <a:prstClr val="black"/>
                 </a:solidFill>
               </a:rPr>
-              <a:t>Cloud service support</a:t>
+              <a:t>雲端服務支援</a:t>
             </a:r>
           </a:p>
         </p:txBody>
@@ -13167,18 +12073,18 @@
               </a:spcBef>
             </a:pPr>
             <a:r>
-              <a:rPr sz="1000" b="1" dirty="0">
+              <a:rPr lang="de-de" sz="1000" b="1" dirty="0">
                 <a:latin typeface="Arial"/>
                 <a:cs typeface="Arial"/>
               </a:rPr>
-              <a:t>Strategic Track Activities </a:t>
-            </a:r>
-            <a:r>
-              <a:rPr sz="1000" dirty="0">
+              <a:t>策略路徑活動可尋找機會</a:t>
+            </a:r>
+            <a:r>
+              <a:rPr lang="de-de" sz="1000" dirty="0">
                 <a:latin typeface="AdobeClean-Light"/>
                 <a:cs typeface="AdobeClean-Light"/>
               </a:rPr>
-              <a:t>locate opportunities to ensure value is  being realized from a customer’s Adobe solutions. They include  support recommendations related to strategy, measurement and  maturity to drive value realization across one or more Adobe  solutions.</a:t>
+              <a:t>，以確保可從客戶的 Adobe 解決方案實現價值。這類活動包括與策略、衡量和成熟度有關的支援建議，以推動一個或多個 Adobe 解決方案的價值實現。</a:t>
             </a:r>
           </a:p>
           <a:p>
@@ -13202,11 +12108,11 @@
               </a:lnSpc>
             </a:pPr>
             <a:r>
-              <a:rPr sz="1000" dirty="0">
+              <a:rPr lang="de-de" sz="1000" dirty="0">
                 <a:latin typeface="AdobeClean-Light"/>
                 <a:cs typeface="AdobeClean-Light"/>
               </a:rPr>
-              <a:t>Types of strategic activities available::</a:t>
+              <a:t>可用的策略活動類型：</a:t>
             </a:r>
           </a:p>
           <a:p>
@@ -13221,12 +12127,12 @@
               <a:buChar char="ü"/>
             </a:pPr>
             <a:r>
-              <a:rPr lang="en-US" sz="1000" dirty="0">
+              <a:rPr lang="de-de" sz="1000" dirty="0">
                 <a:solidFill>
                   <a:prstClr val="black"/>
                 </a:solidFill>
               </a:rPr>
-              <a:t>Maturity Roadmap</a:t>
+              <a:t>成熟度藍圖</a:t>
             </a:r>
           </a:p>
           <a:p>
@@ -13241,12 +12147,12 @@
               <a:buChar char="ü"/>
             </a:pPr>
             <a:r>
-              <a:rPr lang="en-US" sz="1000" dirty="0">
+              <a:rPr lang="de-de" sz="1000" dirty="0">
                 <a:solidFill>
                   <a:prstClr val="black"/>
                 </a:solidFill>
               </a:rPr>
-              <a:t>Use case development/measurement</a:t>
+              <a:t>使用案例開發/衡量</a:t>
             </a:r>
           </a:p>
           <a:p>
@@ -13261,12 +12167,12 @@
               <a:buChar char="ü"/>
             </a:pPr>
             <a:r>
-              <a:rPr lang="en-US" sz="1000" dirty="0">
+              <a:rPr lang="de-de" sz="1000" dirty="0">
                 <a:solidFill>
                   <a:prstClr val="black"/>
                 </a:solidFill>
               </a:rPr>
-              <a:t>Reporting &amp; analysis</a:t>
+              <a:t>報告與分析</a:t>
             </a:r>
           </a:p>
           <a:p>
@@ -13281,12 +12187,12 @@
               <a:buChar char="ü"/>
             </a:pPr>
             <a:r>
-              <a:rPr lang="en-US" sz="1000" dirty="0">
+              <a:rPr lang="de-de" sz="1000" dirty="0">
                 <a:solidFill>
                   <a:prstClr val="black"/>
                 </a:solidFill>
               </a:rPr>
-              <a:t>Best practices enablement</a:t>
+              <a:t>啟用最佳實務</a:t>
             </a:r>
           </a:p>
         </p:txBody>
@@ -13321,14 +12227,14 @@
               </a:spcBef>
             </a:pPr>
             <a:r>
-              <a:rPr sz="1600" dirty="0">
+              <a:rPr lang="de-de" sz="1600" dirty="0">
                 <a:solidFill>
                   <a:srgbClr val="FFFFFF"/>
                 </a:solidFill>
                 <a:latin typeface="Arial"/>
                 <a:cs typeface="Arial"/>
               </a:rPr>
-              <a:t>Run &amp; Operate</a:t>
+              <a:t>執行與營運</a:t>
             </a:r>
             <a:endParaRPr sz="1600" dirty="0">
               <a:latin typeface="Arial"/>
@@ -13345,37 +12251,17 @@
               </a:spcBef>
             </a:pPr>
             <a:r>
-              <a:rPr sz="1000" dirty="0">
+              <a:rPr lang="de-de" sz="1000" dirty="0">
                 <a:solidFill>
                   <a:srgbClr val="1F1F1F"/>
                 </a:solidFill>
                 <a:latin typeface="Adobe Clean"/>
                 <a:cs typeface="Adobe Clean"/>
               </a:rPr>
-              <a:t>As an </a:t>
-            </a:r>
-            <a:r>
-              <a:rPr lang="en-US" sz="1000" dirty="0">
-                <a:solidFill>
-                  <a:srgbClr val="1F1F1F"/>
-                </a:solidFill>
-                <a:latin typeface="Adobe Clean"/>
-                <a:cs typeface="Adobe Clean"/>
-              </a:rPr>
-              <a:t>Elite</a:t>
-            </a:r>
-            <a:r>
-              <a:rPr sz="1000" dirty="0">
-                <a:solidFill>
-                  <a:srgbClr val="1F1F1F"/>
-                </a:solidFill>
-                <a:latin typeface="Adobe Clean"/>
-                <a:cs typeface="Adobe Clean"/>
-              </a:rPr>
-              <a:t> customer, you are  eligible for</a:t>
-            </a:r>
-            <a:r>
-              <a:rPr lang="en-US" sz="1200" dirty="0">
+              <a:t>作為菁英客戶，您有資格每年享有</a:t>
+            </a:r>
+            <a:r>
+              <a:rPr lang="de-de" sz="1200" dirty="0">
                 <a:solidFill>
                   <a:srgbClr val="1F1F1F"/>
                 </a:solidFill>
@@ -13390,7 +12276,7 @@
               <a:t> </a:t>
             </a:r>
             <a:r>
-              <a:rPr lang="en-US" sz="1200" u="sng" dirty="0">
+              <a:rPr lang="de-de" sz="1200" u="sng" dirty="0">
                 <a:solidFill>
                   <a:srgbClr val="1F1F1F"/>
                 </a:solidFill>
@@ -13405,7 +12291,7 @@
               <a:t>4</a:t>
             </a:r>
             <a:r>
-              <a:rPr sz="1200" b="1" dirty="0">
+              <a:rPr lang="de-de" sz="1200" b="1" dirty="0">
                 <a:solidFill>
                   <a:srgbClr val="1F1F1F"/>
                 </a:solidFill>
@@ -13415,14 +12301,14 @@
               <a:t> </a:t>
             </a:r>
             <a:r>
-              <a:rPr sz="1000" b="1" dirty="0">
+              <a:rPr lang="de-de" sz="1000" b="1" dirty="0">
                 <a:solidFill>
                   <a:srgbClr val="1F1F1F"/>
                 </a:solidFill>
                 <a:latin typeface="Arial"/>
                 <a:cs typeface="Arial"/>
               </a:rPr>
-              <a:t>activities per year</a:t>
+              <a:t>個活動</a:t>
             </a:r>
             <a:endParaRPr sz="1000" dirty="0">
               <a:latin typeface="Arial"/>
@@ -13439,54 +12325,64 @@
               </a:spcBef>
             </a:pPr>
             <a:r>
-              <a:rPr sz="1000" dirty="0">
+              <a:rPr lang="de-de" sz="1600" dirty="0">
+                <a:solidFill>
+                  <a:srgbClr val="FFFFFF"/>
+                </a:solidFill>
+                <a:latin typeface="Arial"/>
+                <a:cs typeface="Arial"/>
+              </a:rPr>
+              <a:t>的權益</a:t>
+            </a:r>
+            <a:r>
+              <a:rPr lang="de-de" sz="1000" dirty="0">
                 <a:solidFill>
                   <a:srgbClr val="1F1F1F"/>
                 </a:solidFill>
                 <a:latin typeface="Adobe Clean"/>
                 <a:cs typeface="Adobe Clean"/>
               </a:rPr>
-              <a:t>from the following two tracks: </a:t>
-            </a:r>
-            <a:r>
-              <a:rPr sz="1000" b="1" dirty="0">
+              <a:t>(從以下兩個課程分軌)：</a:t>
+            </a:r>
+            <a:r>
+              <a:rPr lang="de-de" sz="1000" b="1" dirty="0">
                 <a:solidFill>
                   <a:srgbClr val="1F1F1F"/>
                 </a:solidFill>
                 <a:latin typeface="Arial"/>
                 <a:cs typeface="Arial"/>
               </a:rPr>
-              <a:t>Technical </a:t>
-            </a:r>
-            <a:r>
-              <a:rPr sz="1000" dirty="0">
+              <a:t>技術</a:t>
+            </a:r>
+            <a:r>
+              <a:rPr lang="de-de" sz="1000" dirty="0">
                 <a:solidFill>
                   <a:srgbClr val="1F1F1F"/>
                 </a:solidFill>
                 <a:latin typeface="Adobe Clean"/>
                 <a:cs typeface="Adobe Clean"/>
               </a:rPr>
-              <a:t>and/or </a:t>
-            </a:r>
-            <a:r>
-              <a:rPr sz="1000" b="1" dirty="0">
+              <a:t>和/或</a:t>
+            </a:r>
+            <a:r>
+              <a:rPr lang="de-de" sz="1000" b="1" dirty="0">
                 <a:solidFill>
                   <a:srgbClr val="1F1F1F"/>
                 </a:solidFill>
                 <a:latin typeface="Arial"/>
                 <a:cs typeface="Arial"/>
               </a:rPr>
-              <a:t>Strategic</a:t>
-            </a:r>
-            <a:r>
-              <a:rPr sz="1000" dirty="0">
+              <a:t>策略</a:t>
+            </a:r>
+            <a:r>
+              <a:rPr lang="de-de" sz="1000" dirty="0">
                 <a:solidFill>
                   <a:srgbClr val="1F1F1F"/>
                 </a:solidFill>
                 <a:latin typeface="AdobeClean-Light"/>
                 <a:cs typeface="AdobeClean-Light"/>
               </a:rPr>
-              <a:t>.</a:t>
+              <a:t>。</a:t>
             </a:r>
             <a:endParaRPr sz="1000" dirty="0">
               <a:latin typeface="AdobeClean-Light"/>
@@ -13525,64 +12421,14 @@
               </a:spcBef>
             </a:pPr>
             <a:r>
-              <a:rPr sz="1400" b="1" spc="-15" dirty="0">
+              <a:rPr lang="de-de" sz="1400" b="1" spc="-15" dirty="0">
                 <a:solidFill>
                   <a:srgbClr val="020302"/>
                 </a:solidFill>
                 <a:latin typeface="Adobe Clean"/>
                 <a:cs typeface="Adobe Clean"/>
               </a:rPr>
-              <a:t>Cloud</a:t>
-            </a:r>
-            <a:r>
-              <a:rPr sz="1400" b="1" spc="-45" dirty="0">
-                <a:solidFill>
-                  <a:srgbClr val="020302"/>
-                </a:solidFill>
-                <a:latin typeface="Adobe Clean"/>
-                <a:cs typeface="Adobe Clean"/>
-              </a:rPr>
-              <a:t> </a:t>
-            </a:r>
-            <a:r>
-              <a:rPr sz="1400" b="1" spc="-15" dirty="0">
-                <a:solidFill>
-                  <a:srgbClr val="020302"/>
-                </a:solidFill>
-                <a:latin typeface="Adobe Clean"/>
-                <a:cs typeface="Adobe Clean"/>
-              </a:rPr>
-              <a:t>Support</a:t>
-            </a:r>
-            <a:r>
-              <a:rPr sz="1400" b="1" spc="-50" dirty="0">
-                <a:solidFill>
-                  <a:srgbClr val="020302"/>
-                </a:solidFill>
-                <a:latin typeface="Adobe Clean"/>
-                <a:cs typeface="Adobe Clean"/>
-              </a:rPr>
-              <a:t> </a:t>
-            </a:r>
-            <a:r>
-              <a:rPr sz="1400" b="1" spc="-15" dirty="0">
-                <a:solidFill>
-                  <a:srgbClr val="020302"/>
-                </a:solidFill>
-                <a:latin typeface="Adobe Clean"/>
-                <a:cs typeface="Adobe Clean"/>
-              </a:rPr>
-              <a:t>Activities</a:t>
-            </a:r>
-            <a:r>
-              <a:rPr lang="en-US" sz="1400" b="1" spc="-15" dirty="0">
-                <a:solidFill>
-                  <a:srgbClr val="020302"/>
-                </a:solidFill>
-                <a:latin typeface="Adobe Clean"/>
-                <a:cs typeface="Adobe Clean"/>
-              </a:rPr>
-              <a:t> - AEM</a:t>
+              <a:t>雲端支援活動 - AEM</a:t>
             </a:r>
             <a:endParaRPr sz="1400" dirty="0">
               <a:latin typeface="Adobe Clean"/>
@@ -13703,6 +12549,10 @@
           </p:nvPr>
         </p:nvSpPr>
         <p:spPr>
+          <a:xfrm>
+            <a:off x="97787" y="9861194"/>
+            <a:ext cx="2874013" cy="133370"/>
+          </a:xfrm>
           <a:prstGeom prst="rect">
             <a:avLst/>
           </a:prstGeom>
@@ -13722,36 +12572,32 @@
               </a:spcBef>
             </a:pPr>
             <a:r>
-              <a:rPr spc="-5" dirty="0"/>
-              <a:t>©2021 Adobe. All</a:t>
-            </a:r>
-            <a:r>
-              <a:rPr spc="-15" dirty="0"/>
+              <a:rPr lang="de-de" spc="-5" dirty="0"/>
+              <a:t>© 2021 Adobe. All</a:t>
+            </a:r>
+            <a:r>
+              <a:rPr lang="de-de" spc="-15" dirty="0"/>
               <a:t> Rights</a:t>
             </a:r>
             <a:r>
-              <a:rPr spc="-10" dirty="0"/>
+              <a:rPr lang="de-de" spc="-10" dirty="0"/>
               <a:t> </a:t>
             </a:r>
             <a:r>
-              <a:rPr spc="-15" dirty="0"/>
-              <a:t>Reserved.</a:t>
-            </a:r>
-            <a:r>
-              <a:rPr spc="-10" dirty="0"/>
+              <a:rPr lang="de-de" spc="-15" dirty="0"/>
+              <a:t>Reserved。</a:t>
+            </a:r>
+            <a:r>
+              <a:rPr lang="de-de" spc="-5" dirty="0"/>
+              <a:t>Adobe</a:t>
+            </a:r>
+            <a:r>
+              <a:rPr lang="de-de" spc="60" dirty="0"/>
               <a:t> </a:t>
             </a:r>
             <a:r>
-              <a:rPr spc="-5" dirty="0"/>
-              <a:t>Adobe</a:t>
-            </a:r>
-            <a:r>
-              <a:rPr spc="60" dirty="0"/>
-              <a:t> </a:t>
-            </a:r>
-            <a:r>
-              <a:rPr spc="-15" dirty="0"/>
-              <a:t>Confidential.</a:t>
+              <a:rPr lang="de-de" spc="-15" dirty="0"/>
+              <a:t> 機密資訊。</a:t>
             </a:r>
           </a:p>
         </p:txBody>
@@ -13807,8 +12653,8 @@
           <a:p>
             <a:pPr algn="ctr"/>
             <a:r>
-              <a:rPr lang="en-US" sz="1600" dirty="0"/>
-              <a:t>Run &amp; Operate</a:t>
+              <a:rPr lang="de-de" sz="1600" dirty="0"/>
+              <a:t>執行與營運</a:t>
             </a:r>
           </a:p>
         </p:txBody>
@@ -13864,8 +12710,8 @@
           <a:p>
             <a:pPr algn="ctr"/>
             <a:r>
-              <a:rPr lang="en-US" sz="1600" dirty="0"/>
-              <a:t>Implementation</a:t>
+              <a:rPr lang="de-de" sz="1600" dirty="0"/>
+              <a:t>實作</a:t>
             </a:r>
           </a:p>
         </p:txBody>
@@ -13900,8 +12746,8 @@
           <a:p>
             <a:pPr algn="ctr"/>
             <a:r>
-              <a:rPr lang="en-US" sz="1100" dirty="0"/>
-              <a:t>Post Launch</a:t>
+              <a:rPr lang="de-de" sz="1100" dirty="0"/>
+              <a:t>啟動後</a:t>
             </a:r>
           </a:p>
         </p:txBody>
@@ -13936,8 +12782,8 @@
           <a:p>
             <a:pPr algn="ctr"/>
             <a:r>
-              <a:rPr lang="en-US" sz="1100" dirty="0"/>
-              <a:t>Go-Live</a:t>
+              <a:rPr lang="de-de" sz="1100" dirty="0"/>
+              <a:t>上線</a:t>
             </a:r>
           </a:p>
         </p:txBody>
@@ -13972,8 +12818,8 @@
           <a:p>
             <a:pPr algn="ctr"/>
             <a:r>
-              <a:rPr lang="en-US" sz="1100" dirty="0"/>
-              <a:t>Define</a:t>
+              <a:rPr lang="de-de" sz="1100" dirty="0"/>
+              <a:t>定義</a:t>
             </a:r>
           </a:p>
         </p:txBody>
@@ -14008,8 +12854,8 @@
           <a:p>
             <a:pPr algn="ctr"/>
             <a:r>
-              <a:rPr lang="en-US" sz="1100" dirty="0"/>
-              <a:t>Kickoff</a:t>
+              <a:rPr lang="de-de" sz="1100" dirty="0"/>
+              <a:t>開展</a:t>
             </a:r>
           </a:p>
         </p:txBody>
@@ -14044,8 +12890,8 @@
           <a:p>
             <a:pPr algn="ctr"/>
             <a:r>
-              <a:rPr lang="en-US" sz="1100" dirty="0"/>
-              <a:t>Design</a:t>
+              <a:rPr lang="de-de" sz="1100" dirty="0"/>
+              <a:t>設計</a:t>
             </a:r>
           </a:p>
         </p:txBody>
@@ -14102,14 +12948,14 @@
           <a:p>
             <a:pPr algn="ctr"/>
             <a:r>
-              <a:rPr lang="en-US" sz="1400" dirty="0">
+              <a:rPr lang="de-de" sz="1400" dirty="0">
                 <a:solidFill>
                   <a:schemeClr val="accent1">
                     <a:lumMod val="50000"/>
                   </a:schemeClr>
                 </a:solidFill>
               </a:rPr>
-              <a:t>4 Activities per Year</a:t>
+              <a:t>每年 4 個活動</a:t>
             </a:r>
           </a:p>
         </p:txBody>
@@ -14150,13 +12996,13 @@
               </a:spcBef>
             </a:pPr>
             <a:r>
-              <a:rPr lang="en-US" sz="1000" dirty="0">
+              <a:rPr lang="de-de" sz="1000" dirty="0">
                 <a:solidFill>
                   <a:srgbClr val="4B4B4B"/>
                 </a:solidFill>
                 <a:latin typeface="Adobe Clean Light" panose="020B0303020404020204" pitchFamily="34" charset="0"/>
               </a:rPr>
-              <a:t>Drive adoption of customization best practices and core components in AEM as a Cloud Service</a:t>
+              <a:t>推動採用 AEM as a Cloud Service 中的自訂最佳實務和核心元件</a:t>
             </a:r>
             <a:endParaRPr sz="1000" dirty="0">
               <a:solidFill>
@@ -14203,13 +13049,13 @@
               </a:spcBef>
             </a:pPr>
             <a:r>
-              <a:rPr lang="en-US" sz="1000" dirty="0">
+              <a:rPr lang="de-de" sz="1000" dirty="0">
                 <a:solidFill>
                   <a:srgbClr val="4B4B4B"/>
                 </a:solidFill>
                 <a:latin typeface="Adobe Clean Light" panose="020B0303020404020204" pitchFamily="34" charset="0"/>
               </a:rPr>
-              <a:t>Identify, review and provide recommendations on customized solution adoption areas that have opportunities for optimization</a:t>
+              <a:t>識別、審查有機會最佳化的自訂解決方案採用領域，並提供相關建議</a:t>
             </a:r>
             <a:endParaRPr sz="1000" dirty="0">
               <a:solidFill>
@@ -14256,13 +13102,13 @@
               </a:spcBef>
             </a:pPr>
             <a:r>
-              <a:rPr lang="en-US" sz="1000" dirty="0">
+              <a:rPr lang="de-de" sz="1000" dirty="0">
                 <a:solidFill>
                   <a:srgbClr val="4B4B4B"/>
                 </a:solidFill>
                 <a:latin typeface="Adobe Clean Light" panose="020B0303020404020204" pitchFamily="34" charset="0"/>
               </a:rPr>
-              <a:t>Technical &amp; operational governance to assist AEM as a Cloud Service Customers in adhering to industry standards and best practices for AEM as a Cloud Service</a:t>
+              <a:t>為了協助 AEM as a Cloud Service 客戶遵守 AEM as a Cloud Service 的產業標準和最佳實務所進行的技術與營運控管</a:t>
             </a:r>
             <a:endParaRPr sz="1000" dirty="0">
               <a:solidFill>
@@ -14300,497 +13146,30 @@
           </a:bodyPr>
           <a:lstStyle/>
           <a:p>
-            <a:pPr marL="12700">
-              <a:lnSpc>
-                <a:spcPct val="100000"/>
-              </a:lnSpc>
-              <a:spcBef>
-                <a:spcPts val="100"/>
-              </a:spcBef>
-            </a:pPr>
-            <a:r>
-              <a:rPr lang="en-US" sz="1200" b="1" spc="-15" dirty="0">
+            <a:pPr algn="l"/>
+            <a:r>
+              <a:rPr lang="en-US" altLang="zh-TW" sz="1200" b="1" spc="-25" dirty="0">
                 <a:solidFill>
                   <a:srgbClr val="020302"/>
                 </a:solidFill>
                 <a:latin typeface="Adobe Clean"/>
-                <a:cs typeface="Adobe Clean"/>
-              </a:rPr>
-              <a:t>C</a:t>
-            </a:r>
-            <a:r>
-              <a:rPr lang="en-US" sz="1200" b="1" spc="-20" dirty="0">
+              </a:rPr>
+              <a:t>AEM as a Cloud Service </a:t>
+            </a:r>
+            <a:r>
+              <a:rPr lang="zh-TW" altLang="en-US" sz="1200" b="1" spc="-25" dirty="0">
                 <a:solidFill>
                   <a:srgbClr val="020302"/>
                 </a:solidFill>
                 <a:latin typeface="Adobe Clean"/>
-                <a:cs typeface="Adobe Clean"/>
-              </a:rPr>
-              <a:t>u</a:t>
-            </a:r>
-            <a:r>
-              <a:rPr lang="en-US" sz="1200" b="1" spc="-25" dirty="0">
-                <a:solidFill>
-                  <a:srgbClr val="020302"/>
-                </a:solidFill>
-                <a:latin typeface="Adobe Clean"/>
-                <a:cs typeface="Adobe Clean"/>
-              </a:rPr>
-              <a:t>st</a:t>
-            </a:r>
-            <a:r>
-              <a:rPr lang="en-US" sz="1200" b="1" spc="-15" dirty="0">
-                <a:solidFill>
-                  <a:srgbClr val="020302"/>
-                </a:solidFill>
-                <a:latin typeface="Adobe Clean"/>
-                <a:cs typeface="Adobe Clean"/>
-              </a:rPr>
-              <a:t>o</a:t>
-            </a:r>
-            <a:r>
-              <a:rPr lang="en-US" sz="1200" b="1" spc="-20" dirty="0">
-                <a:solidFill>
-                  <a:srgbClr val="020302"/>
-                </a:solidFill>
-                <a:latin typeface="Adobe Clean"/>
-                <a:cs typeface="Adobe Clean"/>
-              </a:rPr>
-              <a:t>miza</a:t>
-            </a:r>
-            <a:r>
-              <a:rPr lang="en-US" sz="1200" b="1" spc="-25" dirty="0">
-                <a:solidFill>
-                  <a:srgbClr val="020302"/>
-                </a:solidFill>
-                <a:latin typeface="Adobe Clean"/>
-                <a:cs typeface="Adobe Clean"/>
-              </a:rPr>
-              <a:t>t</a:t>
-            </a:r>
-            <a:r>
-              <a:rPr lang="en-US" sz="1200" b="1" spc="-20" dirty="0">
-                <a:solidFill>
-                  <a:srgbClr val="020302"/>
-                </a:solidFill>
-                <a:latin typeface="Adobe Clean"/>
-                <a:cs typeface="Adobe Clean"/>
-              </a:rPr>
-              <a:t>i</a:t>
-            </a:r>
-            <a:r>
-              <a:rPr lang="en-US" sz="1200" b="1" spc="-15" dirty="0">
-                <a:solidFill>
-                  <a:srgbClr val="020302"/>
-                </a:solidFill>
-                <a:latin typeface="Adobe Clean"/>
-                <a:cs typeface="Adobe Clean"/>
-              </a:rPr>
-              <a:t>o</a:t>
-            </a:r>
-            <a:r>
-              <a:rPr lang="en-US" sz="1200" b="1" dirty="0">
-                <a:solidFill>
-                  <a:srgbClr val="020302"/>
-                </a:solidFill>
-                <a:latin typeface="Adobe Clean"/>
-                <a:cs typeface="Adobe Clean"/>
-              </a:rPr>
-              <a:t>n</a:t>
-            </a:r>
-            <a:r>
-              <a:rPr lang="en-US" sz="1200" b="1" spc="-50" dirty="0">
-                <a:solidFill>
-                  <a:srgbClr val="020302"/>
-                </a:solidFill>
-                <a:latin typeface="Adobe Clean"/>
-                <a:cs typeface="Adobe Clean"/>
-              </a:rPr>
-              <a:t> </a:t>
-            </a:r>
-            <a:r>
-              <a:rPr lang="en-US" sz="1200" b="1" spc="-20" dirty="0">
-                <a:solidFill>
-                  <a:srgbClr val="020302"/>
-                </a:solidFill>
-                <a:latin typeface="Adobe Clean"/>
-                <a:cs typeface="Adobe Clean"/>
-              </a:rPr>
-              <a:t>B</a:t>
-            </a:r>
-            <a:r>
-              <a:rPr lang="en-US" sz="1200" b="1" spc="-25" dirty="0">
-                <a:solidFill>
-                  <a:srgbClr val="020302"/>
-                </a:solidFill>
-                <a:latin typeface="Adobe Clean"/>
-                <a:cs typeface="Adobe Clean"/>
-              </a:rPr>
-              <a:t>es</a:t>
-            </a:r>
-            <a:r>
-              <a:rPr lang="en-US" sz="1200" b="1" dirty="0">
-                <a:solidFill>
-                  <a:srgbClr val="020302"/>
-                </a:solidFill>
-                <a:latin typeface="Adobe Clean"/>
-                <a:cs typeface="Adobe Clean"/>
-              </a:rPr>
-              <a:t>t</a:t>
-            </a:r>
-            <a:r>
-              <a:rPr lang="en-US" sz="1200" b="1" spc="-50" dirty="0">
-                <a:solidFill>
-                  <a:srgbClr val="020302"/>
-                </a:solidFill>
-                <a:latin typeface="Adobe Clean"/>
-                <a:cs typeface="Adobe Clean"/>
-              </a:rPr>
-              <a:t> </a:t>
-            </a:r>
-            <a:r>
-              <a:rPr lang="en-US" sz="1200" b="1" spc="-25" dirty="0">
-                <a:solidFill>
-                  <a:srgbClr val="020302"/>
-                </a:solidFill>
-                <a:latin typeface="Adobe Clean"/>
-                <a:cs typeface="Adobe Clean"/>
-              </a:rPr>
-              <a:t>P</a:t>
-            </a:r>
-            <a:r>
-              <a:rPr lang="en-US" sz="1200" b="1" spc="-20" dirty="0">
-                <a:solidFill>
-                  <a:srgbClr val="020302"/>
-                </a:solidFill>
-                <a:latin typeface="Adobe Clean"/>
-                <a:cs typeface="Adobe Clean"/>
-              </a:rPr>
-              <a:t>ra</a:t>
-            </a:r>
-            <a:r>
-              <a:rPr lang="en-US" sz="1200" b="1" spc="-30" dirty="0">
-                <a:solidFill>
-                  <a:srgbClr val="020302"/>
-                </a:solidFill>
-                <a:latin typeface="Adobe Clean"/>
-                <a:cs typeface="Adobe Clean"/>
-              </a:rPr>
-              <a:t>c</a:t>
-            </a:r>
-            <a:r>
-              <a:rPr lang="en-US" sz="1200" b="1" spc="-25" dirty="0">
-                <a:solidFill>
-                  <a:srgbClr val="020302"/>
-                </a:solidFill>
-                <a:latin typeface="Adobe Clean"/>
-                <a:cs typeface="Adobe Clean"/>
-              </a:rPr>
-              <a:t>t</a:t>
-            </a:r>
-            <a:r>
-              <a:rPr lang="en-US" sz="1200" b="1" spc="-20" dirty="0">
-                <a:solidFill>
-                  <a:srgbClr val="020302"/>
-                </a:solidFill>
-                <a:latin typeface="Adobe Clean"/>
-                <a:cs typeface="Adobe Clean"/>
-              </a:rPr>
-              <a:t>i</a:t>
-            </a:r>
-            <a:r>
-              <a:rPr lang="en-US" sz="1200" b="1" spc="-30" dirty="0">
-                <a:solidFill>
-                  <a:srgbClr val="020302"/>
-                </a:solidFill>
-                <a:latin typeface="Adobe Clean"/>
-                <a:cs typeface="Adobe Clean"/>
-              </a:rPr>
-              <a:t>c</a:t>
-            </a:r>
-            <a:r>
-              <a:rPr lang="en-US" sz="1200" b="1" spc="-25" dirty="0">
-                <a:solidFill>
-                  <a:srgbClr val="020302"/>
-                </a:solidFill>
-                <a:latin typeface="Adobe Clean"/>
-                <a:cs typeface="Adobe Clean"/>
-              </a:rPr>
-              <a:t>e</a:t>
-            </a:r>
-            <a:r>
-              <a:rPr lang="en-US" sz="1200" b="1" dirty="0">
-                <a:solidFill>
-                  <a:srgbClr val="020302"/>
-                </a:solidFill>
-                <a:latin typeface="Adobe Clean"/>
-                <a:cs typeface="Adobe Clean"/>
-              </a:rPr>
-              <a:t>s</a:t>
-            </a:r>
-            <a:r>
-              <a:rPr lang="en-US" sz="1200" b="1" spc="-45" dirty="0">
-                <a:solidFill>
-                  <a:srgbClr val="020302"/>
-                </a:solidFill>
-                <a:latin typeface="Adobe Clean"/>
-                <a:cs typeface="Adobe Clean"/>
-              </a:rPr>
-              <a:t> </a:t>
-            </a:r>
-            <a:r>
-              <a:rPr lang="en-US" sz="1200" b="1" spc="-25" dirty="0">
-                <a:solidFill>
-                  <a:srgbClr val="020302"/>
-                </a:solidFill>
-                <a:latin typeface="Adobe Clean"/>
-                <a:cs typeface="Adobe Clean"/>
-              </a:rPr>
-              <a:t>f</a:t>
-            </a:r>
-            <a:r>
-              <a:rPr lang="en-US" sz="1200" b="1" spc="-15" dirty="0">
-                <a:solidFill>
-                  <a:srgbClr val="020302"/>
-                </a:solidFill>
-                <a:latin typeface="Adobe Clean"/>
-                <a:cs typeface="Adobe Clean"/>
-              </a:rPr>
-              <a:t>o</a:t>
-            </a:r>
-            <a:r>
-              <a:rPr lang="en-US" sz="1200" b="1" dirty="0">
-                <a:solidFill>
-                  <a:srgbClr val="020302"/>
-                </a:solidFill>
-                <a:latin typeface="Adobe Clean"/>
-                <a:cs typeface="Adobe Clean"/>
-              </a:rPr>
-              <a:t>r</a:t>
-            </a:r>
-            <a:r>
-              <a:rPr lang="en-US" sz="1200" b="1" spc="-45" dirty="0">
-                <a:solidFill>
-                  <a:srgbClr val="020302"/>
-                </a:solidFill>
-                <a:latin typeface="Adobe Clean"/>
-                <a:cs typeface="Adobe Clean"/>
-              </a:rPr>
-              <a:t> </a:t>
-            </a:r>
-            <a:r>
-              <a:rPr lang="en-US" sz="1200" b="1" spc="-30" dirty="0">
-                <a:solidFill>
-                  <a:srgbClr val="020302"/>
-                </a:solidFill>
-                <a:latin typeface="Adobe Clean"/>
-                <a:cs typeface="Adobe Clean"/>
-              </a:rPr>
-              <a:t>AE</a:t>
-            </a:r>
-            <a:r>
-              <a:rPr lang="en-US" sz="1200" b="1" dirty="0">
-                <a:solidFill>
-                  <a:srgbClr val="020302"/>
-                </a:solidFill>
-                <a:latin typeface="Adobe Clean"/>
-                <a:cs typeface="Adobe Clean"/>
-              </a:rPr>
-              <a:t>M</a:t>
-            </a:r>
-            <a:r>
-              <a:rPr lang="en-US" sz="1200" b="1" spc="-55" dirty="0">
-                <a:solidFill>
-                  <a:srgbClr val="020302"/>
-                </a:solidFill>
-                <a:latin typeface="Adobe Clean"/>
-                <a:cs typeface="Adobe Clean"/>
-              </a:rPr>
-              <a:t> </a:t>
-            </a:r>
-            <a:r>
-              <a:rPr lang="en-US" sz="1200" b="1" spc="-20" dirty="0">
-                <a:solidFill>
-                  <a:srgbClr val="020302"/>
-                </a:solidFill>
-                <a:latin typeface="Adobe Clean"/>
-                <a:cs typeface="Adobe Clean"/>
-              </a:rPr>
-              <a:t>a</a:t>
-            </a:r>
-            <a:r>
-              <a:rPr lang="en-US" sz="1200" b="1" dirty="0">
-                <a:solidFill>
-                  <a:srgbClr val="020302"/>
-                </a:solidFill>
-                <a:latin typeface="Adobe Clean"/>
-                <a:cs typeface="Adobe Clean"/>
-              </a:rPr>
-              <a:t>s</a:t>
-            </a:r>
-            <a:r>
-              <a:rPr lang="en-US" sz="1200" b="1" spc="-45" dirty="0">
-                <a:solidFill>
-                  <a:srgbClr val="020302"/>
-                </a:solidFill>
-                <a:latin typeface="Adobe Clean"/>
-                <a:cs typeface="Adobe Clean"/>
-              </a:rPr>
-              <a:t> </a:t>
-            </a:r>
-            <a:r>
-              <a:rPr lang="en-US" sz="1200" b="1" dirty="0">
-                <a:solidFill>
-                  <a:srgbClr val="020302"/>
-                </a:solidFill>
-                <a:latin typeface="Adobe Clean"/>
-                <a:cs typeface="Adobe Clean"/>
-              </a:rPr>
-              <a:t>a</a:t>
-            </a:r>
-            <a:r>
-              <a:rPr lang="en-US" sz="1200" b="1" spc="-45" dirty="0">
-                <a:solidFill>
-                  <a:srgbClr val="020302"/>
-                </a:solidFill>
-                <a:latin typeface="Adobe Clean"/>
-                <a:cs typeface="Adobe Clean"/>
-              </a:rPr>
-              <a:t> </a:t>
-            </a:r>
-            <a:r>
-              <a:rPr lang="en-US" sz="1200" b="1" spc="-15" dirty="0">
-                <a:solidFill>
-                  <a:srgbClr val="020302"/>
-                </a:solidFill>
-                <a:latin typeface="Adobe Clean"/>
-                <a:cs typeface="Adobe Clean"/>
-              </a:rPr>
-              <a:t>C</a:t>
-            </a:r>
-            <a:r>
-              <a:rPr lang="en-US" sz="1200" b="1" spc="-25" dirty="0">
-                <a:solidFill>
-                  <a:srgbClr val="020302"/>
-                </a:solidFill>
-                <a:latin typeface="Adobe Clean"/>
-                <a:cs typeface="Adobe Clean"/>
-              </a:rPr>
-              <a:t>l</a:t>
-            </a:r>
-            <a:r>
-              <a:rPr lang="en-US" sz="1200" b="1" spc="-15" dirty="0">
-                <a:solidFill>
-                  <a:srgbClr val="020302"/>
-                </a:solidFill>
-                <a:latin typeface="Adobe Clean"/>
-                <a:cs typeface="Adobe Clean"/>
-              </a:rPr>
-              <a:t>o</a:t>
-            </a:r>
-            <a:r>
-              <a:rPr lang="en-US" sz="1200" b="1" spc="-20" dirty="0">
-                <a:solidFill>
-                  <a:srgbClr val="020302"/>
-                </a:solidFill>
-                <a:latin typeface="Adobe Clean"/>
-                <a:cs typeface="Adobe Clean"/>
-              </a:rPr>
-              <a:t>u</a:t>
-            </a:r>
-            <a:r>
-              <a:rPr lang="en-US" sz="1200" b="1" dirty="0">
-                <a:solidFill>
-                  <a:srgbClr val="020302"/>
-                </a:solidFill>
-                <a:latin typeface="Adobe Clean"/>
-                <a:cs typeface="Adobe Clean"/>
-              </a:rPr>
-              <a:t>d</a:t>
-            </a:r>
-            <a:r>
-              <a:rPr lang="en-US" sz="1200" b="1" spc="-50" dirty="0">
-                <a:solidFill>
-                  <a:srgbClr val="020302"/>
-                </a:solidFill>
-                <a:latin typeface="Adobe Clean"/>
-                <a:cs typeface="Adobe Clean"/>
-              </a:rPr>
-              <a:t> </a:t>
-            </a:r>
-            <a:r>
-              <a:rPr lang="en-US" sz="1200" b="1" spc="-20" dirty="0">
-                <a:solidFill>
-                  <a:srgbClr val="020302"/>
-                </a:solidFill>
-                <a:latin typeface="Adobe Clean"/>
-                <a:cs typeface="Adobe Clean"/>
-              </a:rPr>
-              <a:t>S</a:t>
-            </a:r>
-            <a:r>
-              <a:rPr lang="en-US" sz="1200" b="1" spc="-25" dirty="0">
-                <a:solidFill>
-                  <a:srgbClr val="020302"/>
-                </a:solidFill>
-                <a:latin typeface="Adobe Clean"/>
-                <a:cs typeface="Adobe Clean"/>
-              </a:rPr>
-              <a:t>e</a:t>
-            </a:r>
-            <a:r>
-              <a:rPr lang="en-US" sz="1200" b="1" spc="-20" dirty="0">
-                <a:solidFill>
-                  <a:srgbClr val="020302"/>
-                </a:solidFill>
-                <a:latin typeface="Adobe Clean"/>
-                <a:cs typeface="Adobe Clean"/>
-              </a:rPr>
-              <a:t>r</a:t>
-            </a:r>
-            <a:r>
-              <a:rPr lang="en-US" sz="1200" b="1" spc="-30" dirty="0">
-                <a:solidFill>
-                  <a:srgbClr val="020302"/>
-                </a:solidFill>
-                <a:latin typeface="Adobe Clean"/>
-                <a:cs typeface="Adobe Clean"/>
-              </a:rPr>
-              <a:t>v</a:t>
-            </a:r>
-            <a:r>
-              <a:rPr lang="en-US" sz="1200" b="1" spc="-20" dirty="0">
-                <a:solidFill>
-                  <a:srgbClr val="020302"/>
-                </a:solidFill>
-                <a:latin typeface="Adobe Clean"/>
-                <a:cs typeface="Adobe Clean"/>
-              </a:rPr>
-              <a:t>i</a:t>
-            </a:r>
-            <a:r>
-              <a:rPr lang="en-US" sz="1200" b="1" spc="-30" dirty="0">
-                <a:solidFill>
-                  <a:srgbClr val="020302"/>
-                </a:solidFill>
-                <a:latin typeface="Adobe Clean"/>
-                <a:cs typeface="Adobe Clean"/>
-              </a:rPr>
-              <a:t>c</a:t>
-            </a:r>
-            <a:r>
-              <a:rPr lang="en-US" sz="1200" b="1" dirty="0">
-                <a:solidFill>
-                  <a:srgbClr val="020302"/>
-                </a:solidFill>
-                <a:latin typeface="Adobe Clean"/>
-                <a:cs typeface="Adobe Clean"/>
-              </a:rPr>
-              <a:t>e</a:t>
-            </a:r>
-            <a:endParaRPr lang="en-US" sz="1200" dirty="0">
+              </a:rPr>
+              <a:t>的自訂最佳實務</a:t>
+            </a:r>
+            <a:endParaRPr lang="en-US" sz="1200" b="1" spc="-25" dirty="0">
+              <a:solidFill>
+                <a:srgbClr val="020302"/>
+              </a:solidFill>
               <a:latin typeface="Adobe Clean"/>
-              <a:cs typeface="Adobe Clean"/>
             </a:endParaRPr>
           </a:p>
         </p:txBody>
@@ -14831,14 +13210,14 @@
               </a:spcBef>
             </a:pPr>
             <a:r>
-              <a:rPr lang="en-US" sz="1200" b="1" spc="-25" dirty="0">
+              <a:rPr lang="de-de" sz="1200" b="1" spc="-25" dirty="0">
                 <a:solidFill>
                   <a:srgbClr val="020302"/>
                 </a:solidFill>
                 <a:latin typeface="Adobe Clean"/>
                 <a:cs typeface="Adobe Clean"/>
               </a:rPr>
-              <a:t>Value-added Services for AEM as a Cloud Service</a:t>
+              <a:t>AEM as a Cloud Service 的增值服務</a:t>
             </a:r>
             <a:endParaRPr lang="en-US" sz="1200" dirty="0">
               <a:latin typeface="Adobe Clean"/>
@@ -14861,8 +13240,8 @@
         </p:nvSpPr>
         <p:spPr>
           <a:xfrm>
-            <a:off x="381000" y="908303"/>
-            <a:ext cx="1998943" cy="461665"/>
+            <a:off x="381000" y="908304"/>
+            <a:ext cx="2169428" cy="276999"/>
           </a:xfrm>
           <a:prstGeom prst="rect">
             <a:avLst/>
@@ -14883,362 +13262,769 @@
               </a:spcBef>
             </a:pPr>
             <a:r>
-              <a:rPr lang="en-US" sz="1200" b="1" spc="-20" dirty="0">
+              <a:rPr lang="de-de" sz="1200" b="1" spc="-25" dirty="0">
                 <a:solidFill>
                   <a:srgbClr val="020302"/>
                 </a:solidFill>
                 <a:latin typeface="Adobe Clean"/>
-                <a:cs typeface="Adobe Clean"/>
-              </a:rPr>
-              <a:t>G</a:t>
-            </a:r>
-            <a:r>
-              <a:rPr lang="en-US" sz="1200" b="1" spc="-15" dirty="0">
+              </a:rPr>
+              <a:t> </a:t>
+            </a:r>
+            <a:r>
+              <a:rPr lang="pt-BR" altLang="zh-TW" sz="1200" b="1" spc="-25" dirty="0">
                 <a:solidFill>
                   <a:srgbClr val="020302"/>
                 </a:solidFill>
                 <a:latin typeface="Adobe Clean"/>
-                <a:cs typeface="Adobe Clean"/>
-              </a:rPr>
-              <a:t>o</a:t>
-            </a:r>
-            <a:r>
-              <a:rPr lang="en-US" sz="1200" b="1" spc="-25" dirty="0">
+              </a:rPr>
+              <a:t>AEM as a Cloud Service </a:t>
+            </a:r>
+            <a:r>
+              <a:rPr lang="zh-TW" altLang="pt-BR" sz="1200" b="1" spc="-25" dirty="0">
                 <a:solidFill>
                   <a:srgbClr val="020302"/>
                 </a:solidFill>
                 <a:latin typeface="Adobe Clean"/>
-                <a:cs typeface="Adobe Clean"/>
-              </a:rPr>
-              <a:t>ve</a:t>
-            </a:r>
-            <a:r>
-              <a:rPr lang="en-US" sz="1200" b="1" spc="-20" dirty="0">
-                <a:solidFill>
-                  <a:srgbClr val="020302"/>
-                </a:solidFill>
-                <a:latin typeface="Adobe Clean"/>
-                <a:cs typeface="Adobe Clean"/>
-              </a:rPr>
-              <a:t>r</a:t>
-            </a:r>
-            <a:r>
-              <a:rPr lang="en-US" sz="1200" b="1" spc="-25" dirty="0">
-                <a:solidFill>
-                  <a:srgbClr val="020302"/>
-                </a:solidFill>
-                <a:latin typeface="Adobe Clean"/>
-                <a:cs typeface="Adobe Clean"/>
-              </a:rPr>
-              <a:t>n</a:t>
-            </a:r>
-            <a:r>
-              <a:rPr lang="en-US" sz="1200" b="1" spc="-20" dirty="0">
-                <a:solidFill>
-                  <a:srgbClr val="020302"/>
-                </a:solidFill>
-                <a:latin typeface="Adobe Clean"/>
-                <a:cs typeface="Adobe Clean"/>
-              </a:rPr>
-              <a:t>a</a:t>
-            </a:r>
-            <a:r>
-              <a:rPr lang="en-US" sz="1200" b="1" spc="-25" dirty="0">
-                <a:solidFill>
-                  <a:srgbClr val="020302"/>
-                </a:solidFill>
-                <a:latin typeface="Adobe Clean"/>
-                <a:cs typeface="Adobe Clean"/>
-              </a:rPr>
-              <a:t>n</a:t>
-            </a:r>
-            <a:r>
-              <a:rPr lang="en-US" sz="1200" b="1" spc="-30" dirty="0">
-                <a:solidFill>
-                  <a:srgbClr val="020302"/>
-                </a:solidFill>
-                <a:latin typeface="Adobe Clean"/>
-                <a:cs typeface="Adobe Clean"/>
-              </a:rPr>
-              <a:t>c</a:t>
-            </a:r>
-            <a:r>
-              <a:rPr lang="en-US" sz="1200" b="1" dirty="0">
-                <a:solidFill>
-                  <a:srgbClr val="020302"/>
-                </a:solidFill>
-                <a:latin typeface="Adobe Clean"/>
-                <a:cs typeface="Adobe Clean"/>
-              </a:rPr>
-              <a:t>e</a:t>
-            </a:r>
-            <a:r>
-              <a:rPr lang="en-US" sz="1200" b="1" spc="-50" dirty="0">
-                <a:solidFill>
-                  <a:srgbClr val="020302"/>
-                </a:solidFill>
-                <a:latin typeface="Adobe Clean"/>
-                <a:cs typeface="Adobe Clean"/>
-              </a:rPr>
-              <a:t> </a:t>
-            </a:r>
-            <a:r>
-              <a:rPr lang="en-US" sz="1200" b="1" spc="-25" dirty="0">
-                <a:solidFill>
-                  <a:srgbClr val="020302"/>
-                </a:solidFill>
-                <a:latin typeface="Adobe Clean"/>
-                <a:cs typeface="Adobe Clean"/>
-              </a:rPr>
-              <a:t>f</a:t>
-            </a:r>
-            <a:r>
-              <a:rPr lang="en-US" sz="1200" b="1" spc="-15" dirty="0">
-                <a:solidFill>
-                  <a:srgbClr val="020302"/>
-                </a:solidFill>
-                <a:latin typeface="Adobe Clean"/>
-                <a:cs typeface="Adobe Clean"/>
-              </a:rPr>
-              <a:t>o</a:t>
-            </a:r>
-            <a:r>
-              <a:rPr lang="en-US" sz="1200" b="1" dirty="0">
-                <a:solidFill>
-                  <a:srgbClr val="020302"/>
-                </a:solidFill>
-                <a:latin typeface="Adobe Clean"/>
-                <a:cs typeface="Adobe Clean"/>
-              </a:rPr>
-              <a:t>r</a:t>
-            </a:r>
-            <a:r>
-              <a:rPr lang="en-US" sz="1200" b="1" spc="-45" dirty="0">
-                <a:solidFill>
-                  <a:srgbClr val="020302"/>
-                </a:solidFill>
-                <a:latin typeface="Adobe Clean"/>
-                <a:cs typeface="Adobe Clean"/>
-              </a:rPr>
-              <a:t> </a:t>
-            </a:r>
-            <a:r>
-              <a:rPr lang="en-US" sz="1200" b="1" spc="-30" dirty="0">
-                <a:solidFill>
-                  <a:srgbClr val="020302"/>
-                </a:solidFill>
-                <a:latin typeface="Adobe Clean"/>
-                <a:cs typeface="Adobe Clean"/>
-              </a:rPr>
-              <a:t>A</a:t>
-            </a:r>
-            <a:r>
-              <a:rPr lang="en-US" sz="1200" b="1" spc="-25" dirty="0">
-                <a:solidFill>
-                  <a:srgbClr val="020302"/>
-                </a:solidFill>
-                <a:latin typeface="Adobe Clean"/>
-                <a:cs typeface="Adobe Clean"/>
-              </a:rPr>
-              <a:t>E</a:t>
-            </a:r>
-            <a:r>
-              <a:rPr lang="en-US" sz="1200" b="1" dirty="0">
-                <a:solidFill>
-                  <a:srgbClr val="020302"/>
-                </a:solidFill>
-                <a:latin typeface="Adobe Clean"/>
-                <a:cs typeface="Adobe Clean"/>
-              </a:rPr>
-              <a:t>M</a:t>
-            </a:r>
-            <a:r>
-              <a:rPr lang="en-US" sz="1200" b="1" spc="-50" dirty="0">
-                <a:solidFill>
-                  <a:srgbClr val="020302"/>
-                </a:solidFill>
-                <a:latin typeface="Adobe Clean"/>
-                <a:cs typeface="Adobe Clean"/>
-              </a:rPr>
-              <a:t> </a:t>
-            </a:r>
-            <a:r>
-              <a:rPr lang="en-US" sz="1200" b="1" spc="-20" dirty="0">
-                <a:solidFill>
-                  <a:srgbClr val="020302"/>
-                </a:solidFill>
-                <a:latin typeface="Adobe Clean"/>
-                <a:cs typeface="Adobe Clean"/>
-              </a:rPr>
-              <a:t>a</a:t>
-            </a:r>
-            <a:r>
-              <a:rPr lang="en-US" sz="1200" b="1" dirty="0">
-                <a:solidFill>
-                  <a:srgbClr val="020302"/>
-                </a:solidFill>
-                <a:latin typeface="Adobe Clean"/>
-                <a:cs typeface="Adobe Clean"/>
-              </a:rPr>
-              <a:t>s</a:t>
-            </a:r>
-            <a:r>
-              <a:rPr lang="en-US" sz="1200" b="1" spc="-45" dirty="0">
-                <a:solidFill>
-                  <a:srgbClr val="020302"/>
-                </a:solidFill>
-                <a:latin typeface="Adobe Clean"/>
-                <a:cs typeface="Adobe Clean"/>
-              </a:rPr>
-              <a:t> </a:t>
-            </a:r>
-            <a:r>
-              <a:rPr lang="en-US" sz="1200" b="1" dirty="0">
-                <a:solidFill>
-                  <a:srgbClr val="020302"/>
-                </a:solidFill>
-                <a:latin typeface="Adobe Clean"/>
-                <a:cs typeface="Adobe Clean"/>
-              </a:rPr>
-              <a:t>a</a:t>
-            </a:r>
-            <a:r>
-              <a:rPr lang="en-US" sz="1200" b="1" spc="-40" dirty="0">
-                <a:solidFill>
-                  <a:srgbClr val="020302"/>
-                </a:solidFill>
-                <a:latin typeface="Adobe Clean"/>
-                <a:cs typeface="Adobe Clean"/>
-              </a:rPr>
-              <a:t> </a:t>
-            </a:r>
-            <a:r>
-              <a:rPr lang="en-US" sz="1200" b="1" spc="-15" dirty="0">
-                <a:solidFill>
-                  <a:srgbClr val="020302"/>
-                </a:solidFill>
-                <a:latin typeface="Adobe Clean"/>
-                <a:cs typeface="Adobe Clean"/>
-              </a:rPr>
-              <a:t>C</a:t>
-            </a:r>
-            <a:r>
-              <a:rPr lang="en-US" sz="1200" b="1" spc="-25" dirty="0">
-                <a:solidFill>
-                  <a:srgbClr val="020302"/>
-                </a:solidFill>
-                <a:latin typeface="Adobe Clean"/>
-                <a:cs typeface="Adobe Clean"/>
-              </a:rPr>
-              <a:t>l</a:t>
-            </a:r>
-            <a:r>
-              <a:rPr lang="en-US" sz="1200" b="1" spc="-15" dirty="0">
-                <a:solidFill>
-                  <a:srgbClr val="020302"/>
-                </a:solidFill>
-                <a:latin typeface="Adobe Clean"/>
-                <a:cs typeface="Adobe Clean"/>
-              </a:rPr>
-              <a:t>ou</a:t>
-            </a:r>
-            <a:r>
-              <a:rPr lang="en-US" sz="1200" b="1" dirty="0">
-                <a:solidFill>
-                  <a:srgbClr val="020302"/>
-                </a:solidFill>
-                <a:latin typeface="Adobe Clean"/>
-                <a:cs typeface="Adobe Clean"/>
-              </a:rPr>
-              <a:t>d</a:t>
-            </a:r>
-            <a:r>
-              <a:rPr lang="en-US" sz="1200" b="1" spc="-50" dirty="0">
-                <a:solidFill>
-                  <a:srgbClr val="020302"/>
-                </a:solidFill>
-                <a:latin typeface="Adobe Clean"/>
-                <a:cs typeface="Adobe Clean"/>
-              </a:rPr>
-              <a:t> </a:t>
-            </a:r>
-            <a:r>
-              <a:rPr lang="en-US" sz="1200" b="1" spc="-20" dirty="0">
-                <a:solidFill>
-                  <a:srgbClr val="020302"/>
-                </a:solidFill>
-                <a:latin typeface="Adobe Clean"/>
-                <a:cs typeface="Adobe Clean"/>
-              </a:rPr>
-              <a:t>S</a:t>
-            </a:r>
-            <a:r>
-              <a:rPr lang="en-US" sz="1200" b="1" spc="-25" dirty="0">
-                <a:solidFill>
-                  <a:srgbClr val="020302"/>
-                </a:solidFill>
-                <a:latin typeface="Adobe Clean"/>
-                <a:cs typeface="Adobe Clean"/>
-              </a:rPr>
-              <a:t>e</a:t>
-            </a:r>
-            <a:r>
-              <a:rPr lang="en-US" sz="1200" b="1" spc="-20" dirty="0">
-                <a:solidFill>
-                  <a:srgbClr val="020302"/>
-                </a:solidFill>
-                <a:latin typeface="Adobe Clean"/>
-                <a:cs typeface="Adobe Clean"/>
-              </a:rPr>
-              <a:t>r</a:t>
-            </a:r>
-            <a:r>
-              <a:rPr lang="en-US" sz="1200" b="1" spc="-25" dirty="0">
-                <a:solidFill>
-                  <a:srgbClr val="020302"/>
-                </a:solidFill>
-                <a:latin typeface="Adobe Clean"/>
-                <a:cs typeface="Adobe Clean"/>
-              </a:rPr>
-              <a:t>v</a:t>
-            </a:r>
-            <a:r>
-              <a:rPr lang="en-US" sz="1200" b="1" spc="-20" dirty="0">
-                <a:solidFill>
-                  <a:srgbClr val="020302"/>
-                </a:solidFill>
-                <a:latin typeface="Adobe Clean"/>
-                <a:cs typeface="Adobe Clean"/>
-              </a:rPr>
-              <a:t>i</a:t>
-            </a:r>
-            <a:r>
-              <a:rPr lang="en-US" sz="1200" b="1" spc="-30" dirty="0">
-                <a:solidFill>
-                  <a:srgbClr val="020302"/>
-                </a:solidFill>
-                <a:latin typeface="Adobe Clean"/>
-                <a:cs typeface="Adobe Clean"/>
-              </a:rPr>
-              <a:t>c</a:t>
-            </a:r>
-            <a:r>
-              <a:rPr lang="en-US" sz="1200" b="1" dirty="0">
-                <a:solidFill>
-                  <a:srgbClr val="020302"/>
-                </a:solidFill>
-                <a:latin typeface="Adobe Clean"/>
-                <a:cs typeface="Adobe Clean"/>
-              </a:rPr>
-              <a:t>e</a:t>
-            </a:r>
-            <a:endParaRPr lang="en-US" sz="1200" dirty="0">
+              </a:rPr>
+              <a:t>的控管</a:t>
+            </a:r>
+            <a:endParaRPr lang="en-US" sz="1200" b="1" spc="-25" dirty="0">
+              <a:solidFill>
+                <a:srgbClr val="020302"/>
+              </a:solidFill>
               <a:latin typeface="Adobe Clean"/>
-              <a:cs typeface="Adobe Clean"/>
             </a:endParaRPr>
           </a:p>
         </p:txBody>
       </p:sp>
+      <p:graphicFrame>
+        <p:nvGraphicFramePr>
+          <p:cNvPr id="57" name="Table 56">
+            <a:extLst>
+              <a:ext uri="{FF2B5EF4-FFF2-40B4-BE49-F238E27FC236}">
+                <a16:creationId xmlns:a16="http://schemas.microsoft.com/office/drawing/2014/main" id="{19B7BC6C-7A38-0348-ABEF-D81A995F6A90}"/>
+              </a:ext>
+            </a:extLst>
+          </p:cNvPr>
+          <p:cNvGraphicFramePr>
+            <a:graphicFrameLocks noGrp="1"/>
+          </p:cNvGraphicFramePr>
+          <p:nvPr>
+            <p:extLst>
+              <p:ext uri="{D42A27DB-BD31-4B8C-83A1-F6EECF244321}">
+                <p14:modId xmlns:p14="http://schemas.microsoft.com/office/powerpoint/2010/main" val="2908808709"/>
+              </p:ext>
+            </p:extLst>
+          </p:nvPr>
+        </p:nvGraphicFramePr>
+        <p:xfrm>
+          <a:off x="1524000" y="8077200"/>
+          <a:ext cx="609600" cy="457200"/>
+        </p:xfrm>
+        <a:graphic>
+          <a:graphicData uri="http://schemas.openxmlformats.org/drawingml/2006/table">
+            <a:tbl>
+              <a:tblPr>
+                <a:tableStyleId>{5C22544A-7EE6-4342-B048-85BDC9FD1C3A}</a:tableStyleId>
+              </a:tblPr>
+              <a:tblGrid>
+                <a:gridCol w="609600">
+                  <a:extLst>
+                    <a:ext uri="{9D8B030D-6E8A-4147-A177-3AD203B41FA5}">
+                      <a16:colId xmlns:a16="http://schemas.microsoft.com/office/drawing/2014/main" val="1835503658"/>
+                    </a:ext>
+                  </a:extLst>
+                </a:gridCol>
+              </a:tblGrid>
+              <a:tr h="457200">
+                <a:tc>
+                  <a:txBody>
+                    <a:bodyPr/>
+                    <a:lstStyle/>
+                    <a:p>
+                      <a:pPr algn="ctr" fontAlgn="b"/>
+                      <a:r>
+                        <a:rPr lang="ko-KR" altLang="en-US" sz="1100" u="none" strike="noStrike" dirty="0" err="1">
+                          <a:effectLst/>
+                        </a:rPr>
+                        <a:t>上市諮詢</a:t>
+                      </a:r>
+                      <a:endParaRPr lang="ko-KR" altLang="en-US" sz="1100" b="0" i="0" u="none" strike="noStrike" dirty="0">
+                        <a:solidFill>
+                          <a:srgbClr val="000000"/>
+                        </a:solidFill>
+                        <a:effectLst/>
+                        <a:latin typeface="Calibri" panose="020F0502020204030204" pitchFamily="34" charset="0"/>
+                      </a:endParaRPr>
+                    </a:p>
+                  </a:txBody>
+                  <a:tcPr marL="9525" marR="9525" marT="9525" marB="0" anchor="ctr">
+                    <a:solidFill>
+                      <a:schemeClr val="bg1"/>
+                    </a:solidFill>
+                  </a:tcPr>
+                </a:tc>
+                <a:extLst>
+                  <a:ext uri="{0D108BD9-81ED-4DB2-BD59-A6C34878D82A}">
+                    <a16:rowId xmlns:a16="http://schemas.microsoft.com/office/drawing/2014/main" val="2771767287"/>
+                  </a:ext>
+                </a:extLst>
+              </a:tr>
+            </a:tbl>
+          </a:graphicData>
+        </a:graphic>
+      </p:graphicFrame>
+      <p:graphicFrame>
+        <p:nvGraphicFramePr>
+          <p:cNvPr id="58" name="Table 57">
+            <a:extLst>
+              <a:ext uri="{FF2B5EF4-FFF2-40B4-BE49-F238E27FC236}">
+                <a16:creationId xmlns:a16="http://schemas.microsoft.com/office/drawing/2014/main" id="{1EBB4414-EEA2-EB49-9094-4DDFDB1CD555}"/>
+              </a:ext>
+            </a:extLst>
+          </p:cNvPr>
+          <p:cNvGraphicFramePr>
+            <a:graphicFrameLocks noGrp="1"/>
+          </p:cNvGraphicFramePr>
+          <p:nvPr>
+            <p:extLst>
+              <p:ext uri="{D42A27DB-BD31-4B8C-83A1-F6EECF244321}">
+                <p14:modId xmlns:p14="http://schemas.microsoft.com/office/powerpoint/2010/main" val="2132720020"/>
+              </p:ext>
+            </p:extLst>
+          </p:nvPr>
+        </p:nvGraphicFramePr>
+        <p:xfrm>
+          <a:off x="1524000" y="6934200"/>
+          <a:ext cx="609600" cy="457200"/>
+        </p:xfrm>
+        <a:graphic>
+          <a:graphicData uri="http://schemas.openxmlformats.org/drawingml/2006/table">
+            <a:tbl>
+              <a:tblPr>
+                <a:tableStyleId>{5C22544A-7EE6-4342-B048-85BDC9FD1C3A}</a:tableStyleId>
+              </a:tblPr>
+              <a:tblGrid>
+                <a:gridCol w="609600">
+                  <a:extLst>
+                    <a:ext uri="{9D8B030D-6E8A-4147-A177-3AD203B41FA5}">
+                      <a16:colId xmlns:a16="http://schemas.microsoft.com/office/drawing/2014/main" val="1835503658"/>
+                    </a:ext>
+                  </a:extLst>
+                </a:gridCol>
+              </a:tblGrid>
+              <a:tr h="457200">
+                <a:tc>
+                  <a:txBody>
+                    <a:bodyPr/>
+                    <a:lstStyle/>
+                    <a:p>
+                      <a:pPr algn="ctr" fontAlgn="b"/>
+                      <a:r>
+                        <a:rPr lang="ko-KR" altLang="en-US" sz="800" u="none" strike="noStrike" dirty="0" err="1">
+                          <a:effectLst/>
+                          <a:latin typeface="Adobe Clean" panose="020B0503020404020204" pitchFamily="34" charset="0"/>
+                        </a:rPr>
+                        <a:t>資深</a:t>
+                      </a:r>
+                      <a:r>
+                        <a:rPr lang="ko-KR" altLang="en-US" sz="800" u="none" strike="noStrike" dirty="0">
+                          <a:effectLst/>
+                          <a:latin typeface="Adobe Clean" panose="020B0503020404020204" pitchFamily="34" charset="0"/>
+                        </a:rPr>
+                        <a:t> </a:t>
+                      </a:r>
+                      <a:r>
+                        <a:rPr lang="en-US" altLang="ko-KR" sz="800" u="none" strike="noStrike" dirty="0">
+                          <a:effectLst/>
+                          <a:latin typeface="Adobe Clean" panose="020B0503020404020204" pitchFamily="34" charset="0"/>
+                        </a:rPr>
+                        <a:t>Adobe </a:t>
+                      </a:r>
+                      <a:r>
+                        <a:rPr lang="ko-KR" altLang="en-US" sz="800" u="none" strike="noStrike" dirty="0" err="1">
+                          <a:effectLst/>
+                          <a:latin typeface="Adobe Clean" panose="020B0503020404020204" pitchFamily="34" charset="0"/>
+                        </a:rPr>
+                        <a:t>專業知識</a:t>
+                      </a:r>
+                      <a:endParaRPr lang="ko-KR" altLang="en-US" sz="800" b="0" i="0" u="none" strike="noStrike" dirty="0">
+                        <a:solidFill>
+                          <a:srgbClr val="000000"/>
+                        </a:solidFill>
+                        <a:effectLst/>
+                        <a:latin typeface="Adobe Clean" panose="020B0503020404020204" pitchFamily="34" charset="0"/>
+                      </a:endParaRPr>
+                    </a:p>
+                  </a:txBody>
+                  <a:tcPr marL="9525" marR="9525" marT="9525" marB="0">
+                    <a:solidFill>
+                      <a:schemeClr val="bg1"/>
+                    </a:solidFill>
+                  </a:tcPr>
+                </a:tc>
+                <a:extLst>
+                  <a:ext uri="{0D108BD9-81ED-4DB2-BD59-A6C34878D82A}">
+                    <a16:rowId xmlns:a16="http://schemas.microsoft.com/office/drawing/2014/main" val="2771767287"/>
+                  </a:ext>
+                </a:extLst>
+              </a:tr>
+            </a:tbl>
+          </a:graphicData>
+        </a:graphic>
+      </p:graphicFrame>
+      <p:graphicFrame>
+        <p:nvGraphicFramePr>
+          <p:cNvPr id="59" name="Table 58">
+            <a:extLst>
+              <a:ext uri="{FF2B5EF4-FFF2-40B4-BE49-F238E27FC236}">
+                <a16:creationId xmlns:a16="http://schemas.microsoft.com/office/drawing/2014/main" id="{CEA570F0-CFCD-A14C-9046-020C3C5F0FEC}"/>
+              </a:ext>
+            </a:extLst>
+          </p:cNvPr>
+          <p:cNvGraphicFramePr>
+            <a:graphicFrameLocks noGrp="1"/>
+          </p:cNvGraphicFramePr>
+          <p:nvPr>
+            <p:extLst>
+              <p:ext uri="{D42A27DB-BD31-4B8C-83A1-F6EECF244321}">
+                <p14:modId xmlns:p14="http://schemas.microsoft.com/office/powerpoint/2010/main" val="490532508"/>
+              </p:ext>
+            </p:extLst>
+          </p:nvPr>
+        </p:nvGraphicFramePr>
+        <p:xfrm>
+          <a:off x="2514600" y="7239000"/>
+          <a:ext cx="609600" cy="457200"/>
+        </p:xfrm>
+        <a:graphic>
+          <a:graphicData uri="http://schemas.openxmlformats.org/drawingml/2006/table">
+            <a:tbl>
+              <a:tblPr>
+                <a:tableStyleId>{5C22544A-7EE6-4342-B048-85BDC9FD1C3A}</a:tableStyleId>
+              </a:tblPr>
+              <a:tblGrid>
+                <a:gridCol w="609600">
+                  <a:extLst>
+                    <a:ext uri="{9D8B030D-6E8A-4147-A177-3AD203B41FA5}">
+                      <a16:colId xmlns:a16="http://schemas.microsoft.com/office/drawing/2014/main" val="1835503658"/>
+                    </a:ext>
+                  </a:extLst>
+                </a:gridCol>
+              </a:tblGrid>
+              <a:tr h="457200">
+                <a:tc>
+                  <a:txBody>
+                    <a:bodyPr/>
+                    <a:lstStyle/>
+                    <a:p>
+                      <a:pPr algn="ctr" fontAlgn="b"/>
+                      <a:r>
+                        <a:rPr lang="ja-JP" altLang="en-US" sz="800" u="none" strike="noStrike">
+                          <a:effectLst/>
+                          <a:latin typeface="Adobe Clean" panose="020B0503020404020204" pitchFamily="34" charset="0"/>
+                        </a:rPr>
+                        <a:t>直接聯繫 </a:t>
+                      </a:r>
+                      <a:r>
+                        <a:rPr lang="en-US" altLang="ko-KR" sz="800" u="none" strike="noStrike" dirty="0">
+                          <a:effectLst/>
+                          <a:latin typeface="Adobe Clean" panose="020B0503020404020204" pitchFamily="34" charset="0"/>
+                        </a:rPr>
+                        <a:t>Adobe </a:t>
+                      </a:r>
+                      <a:r>
+                        <a:rPr lang="ja-JP" altLang="en-US" sz="800" u="none" strike="noStrike">
+                          <a:effectLst/>
+                          <a:latin typeface="Adobe Clean" panose="020B0503020404020204" pitchFamily="34" charset="0"/>
+                        </a:rPr>
+                        <a:t>工程部</a:t>
+                      </a:r>
+                      <a:endParaRPr lang="ko-KR" altLang="en-US" sz="800" b="0" i="0" u="none" strike="noStrike" dirty="0">
+                        <a:solidFill>
+                          <a:srgbClr val="000000"/>
+                        </a:solidFill>
+                        <a:effectLst/>
+                        <a:latin typeface="Adobe Clean" panose="020B0503020404020204" pitchFamily="34" charset="0"/>
+                      </a:endParaRPr>
+                    </a:p>
+                  </a:txBody>
+                  <a:tcPr marL="9525" marR="9525" marT="9525" marB="0">
+                    <a:solidFill>
+                      <a:schemeClr val="bg1"/>
+                    </a:solidFill>
+                  </a:tcPr>
+                </a:tc>
+                <a:extLst>
+                  <a:ext uri="{0D108BD9-81ED-4DB2-BD59-A6C34878D82A}">
+                    <a16:rowId xmlns:a16="http://schemas.microsoft.com/office/drawing/2014/main" val="2771767287"/>
+                  </a:ext>
+                </a:extLst>
+              </a:tr>
+            </a:tbl>
+          </a:graphicData>
+        </a:graphic>
+      </p:graphicFrame>
+      <p:graphicFrame>
+        <p:nvGraphicFramePr>
+          <p:cNvPr id="60" name="Table 59">
+            <a:extLst>
+              <a:ext uri="{FF2B5EF4-FFF2-40B4-BE49-F238E27FC236}">
+                <a16:creationId xmlns:a16="http://schemas.microsoft.com/office/drawing/2014/main" id="{327181CE-49A8-8149-8221-3C76F17C0097}"/>
+              </a:ext>
+            </a:extLst>
+          </p:cNvPr>
+          <p:cNvGraphicFramePr>
+            <a:graphicFrameLocks noGrp="1"/>
+          </p:cNvGraphicFramePr>
+          <p:nvPr>
+            <p:extLst>
+              <p:ext uri="{D42A27DB-BD31-4B8C-83A1-F6EECF244321}">
+                <p14:modId xmlns:p14="http://schemas.microsoft.com/office/powerpoint/2010/main" val="1723946882"/>
+              </p:ext>
+            </p:extLst>
+          </p:nvPr>
+        </p:nvGraphicFramePr>
+        <p:xfrm>
+          <a:off x="2819400" y="8382000"/>
+          <a:ext cx="609600" cy="457200"/>
+        </p:xfrm>
+        <a:graphic>
+          <a:graphicData uri="http://schemas.openxmlformats.org/drawingml/2006/table">
+            <a:tbl>
+              <a:tblPr>
+                <a:tableStyleId>{5C22544A-7EE6-4342-B048-85BDC9FD1C3A}</a:tableStyleId>
+              </a:tblPr>
+              <a:tblGrid>
+                <a:gridCol w="609600">
+                  <a:extLst>
+                    <a:ext uri="{9D8B030D-6E8A-4147-A177-3AD203B41FA5}">
+                      <a16:colId xmlns:a16="http://schemas.microsoft.com/office/drawing/2014/main" val="1835503658"/>
+                    </a:ext>
+                  </a:extLst>
+                </a:gridCol>
+              </a:tblGrid>
+              <a:tr h="457200">
+                <a:tc>
+                  <a:txBody>
+                    <a:bodyPr/>
+                    <a:lstStyle/>
+                    <a:p>
+                      <a:pPr algn="ctr" fontAlgn="b"/>
+                      <a:r>
+                        <a:rPr lang="ko-KR" altLang="en-US" sz="800" u="none" strike="noStrike" dirty="0" err="1">
+                          <a:effectLst/>
+                          <a:latin typeface="Adobe Clean" panose="020B0503020404020204" pitchFamily="34" charset="0"/>
+                        </a:rPr>
+                        <a:t>含建議後續步驟的上市後摘要</a:t>
+                      </a:r>
+                      <a:endParaRPr lang="ko-KR" altLang="en-US" sz="800" b="0" i="0" u="none" strike="noStrike" dirty="0">
+                        <a:solidFill>
+                          <a:srgbClr val="000000"/>
+                        </a:solidFill>
+                        <a:effectLst/>
+                        <a:latin typeface="Adobe Clean" panose="020B0503020404020204" pitchFamily="34" charset="0"/>
+                      </a:endParaRPr>
+                    </a:p>
+                  </a:txBody>
+                  <a:tcPr marL="9525" marR="9525" marT="9525" marB="0">
+                    <a:solidFill>
+                      <a:schemeClr val="bg1"/>
+                    </a:solidFill>
+                  </a:tcPr>
+                </a:tc>
+                <a:extLst>
+                  <a:ext uri="{0D108BD9-81ED-4DB2-BD59-A6C34878D82A}">
+                    <a16:rowId xmlns:a16="http://schemas.microsoft.com/office/drawing/2014/main" val="2771767287"/>
+                  </a:ext>
+                </a:extLst>
+              </a:tr>
+            </a:tbl>
+          </a:graphicData>
+        </a:graphic>
+      </p:graphicFrame>
+      <p:graphicFrame>
+        <p:nvGraphicFramePr>
+          <p:cNvPr id="61" name="Table 60">
+            <a:extLst>
+              <a:ext uri="{FF2B5EF4-FFF2-40B4-BE49-F238E27FC236}">
+                <a16:creationId xmlns:a16="http://schemas.microsoft.com/office/drawing/2014/main" id="{C07857BB-4637-6845-B272-8BC9FF3E24B0}"/>
+              </a:ext>
+            </a:extLst>
+          </p:cNvPr>
+          <p:cNvGraphicFramePr>
+            <a:graphicFrameLocks noGrp="1"/>
+          </p:cNvGraphicFramePr>
+          <p:nvPr>
+            <p:extLst>
+              <p:ext uri="{D42A27DB-BD31-4B8C-83A1-F6EECF244321}">
+                <p14:modId xmlns:p14="http://schemas.microsoft.com/office/powerpoint/2010/main" val="4200467323"/>
+              </p:ext>
+            </p:extLst>
+          </p:nvPr>
+        </p:nvGraphicFramePr>
+        <p:xfrm>
+          <a:off x="2057400" y="9296400"/>
+          <a:ext cx="609600" cy="457200"/>
+        </p:xfrm>
+        <a:graphic>
+          <a:graphicData uri="http://schemas.openxmlformats.org/drawingml/2006/table">
+            <a:tbl>
+              <a:tblPr>
+                <a:tableStyleId>{5C22544A-7EE6-4342-B048-85BDC9FD1C3A}</a:tableStyleId>
+              </a:tblPr>
+              <a:tblGrid>
+                <a:gridCol w="609600">
+                  <a:extLst>
+                    <a:ext uri="{9D8B030D-6E8A-4147-A177-3AD203B41FA5}">
+                      <a16:colId xmlns:a16="http://schemas.microsoft.com/office/drawing/2014/main" val="1835503658"/>
+                    </a:ext>
+                  </a:extLst>
+                </a:gridCol>
+              </a:tblGrid>
+              <a:tr h="457200">
+                <a:tc>
+                  <a:txBody>
+                    <a:bodyPr/>
+                    <a:lstStyle/>
+                    <a:p>
+                      <a:pPr algn="ctr" fontAlgn="b"/>
+                      <a:r>
+                        <a:rPr lang="ko-KR" altLang="en-US" sz="800" u="none" strike="noStrike" dirty="0" err="1">
+                          <a:effectLst/>
+                          <a:latin typeface="Adobe Clean" panose="020B0503020404020204" pitchFamily="34" charset="0"/>
+                        </a:rPr>
+                        <a:t>上線整備</a:t>
+                      </a:r>
+                      <a:r>
+                        <a:rPr lang="ko-KR" altLang="en-US" sz="800" u="none" strike="noStrike" dirty="0">
+                          <a:effectLst/>
+                          <a:latin typeface="Adobe Clean" panose="020B0503020404020204" pitchFamily="34" charset="0"/>
+                        </a:rPr>
+                        <a:t> </a:t>
+                      </a:r>
+                      <a:r>
+                        <a:rPr lang="en-US" altLang="ko-KR" sz="800" u="none" strike="noStrike" dirty="0">
+                          <a:effectLst/>
+                          <a:latin typeface="Adobe Clean" panose="020B0503020404020204" pitchFamily="34" charset="0"/>
+                        </a:rPr>
+                        <a:t>+ </a:t>
+                      </a:r>
+                      <a:r>
+                        <a:rPr lang="ko-KR" altLang="en-US" sz="800" u="none" strike="noStrike" dirty="0" err="1">
+                          <a:effectLst/>
+                          <a:latin typeface="Adobe Clean" panose="020B0503020404020204" pitchFamily="34" charset="0"/>
+                        </a:rPr>
+                        <a:t>效能最佳化</a:t>
+                      </a:r>
+                      <a:endParaRPr lang="ko-KR" altLang="en-US" sz="800" b="0" i="0" u="none" strike="noStrike" dirty="0">
+                        <a:solidFill>
+                          <a:srgbClr val="000000"/>
+                        </a:solidFill>
+                        <a:effectLst/>
+                        <a:latin typeface="Adobe Clean" panose="020B0503020404020204" pitchFamily="34" charset="0"/>
+                      </a:endParaRPr>
+                    </a:p>
+                  </a:txBody>
+                  <a:tcPr marL="9525" marR="9525" marT="9525" marB="0">
+                    <a:solidFill>
+                      <a:schemeClr val="bg1"/>
+                    </a:solidFill>
+                  </a:tcPr>
+                </a:tc>
+                <a:extLst>
+                  <a:ext uri="{0D108BD9-81ED-4DB2-BD59-A6C34878D82A}">
+                    <a16:rowId xmlns:a16="http://schemas.microsoft.com/office/drawing/2014/main" val="2771767287"/>
+                  </a:ext>
+                </a:extLst>
+              </a:tr>
+            </a:tbl>
+          </a:graphicData>
+        </a:graphic>
+      </p:graphicFrame>
+      <p:graphicFrame>
+        <p:nvGraphicFramePr>
+          <p:cNvPr id="62" name="Table 61">
+            <a:extLst>
+              <a:ext uri="{FF2B5EF4-FFF2-40B4-BE49-F238E27FC236}">
+                <a16:creationId xmlns:a16="http://schemas.microsoft.com/office/drawing/2014/main" id="{2799E0FA-6893-6346-9F35-16E4E6FC7820}"/>
+              </a:ext>
+            </a:extLst>
+          </p:cNvPr>
+          <p:cNvGraphicFramePr>
+            <a:graphicFrameLocks noGrp="1"/>
+          </p:cNvGraphicFramePr>
+          <p:nvPr>
+            <p:extLst>
+              <p:ext uri="{D42A27DB-BD31-4B8C-83A1-F6EECF244321}">
+                <p14:modId xmlns:p14="http://schemas.microsoft.com/office/powerpoint/2010/main" val="3540433435"/>
+              </p:ext>
+            </p:extLst>
+          </p:nvPr>
+        </p:nvGraphicFramePr>
+        <p:xfrm>
+          <a:off x="990600" y="9296400"/>
+          <a:ext cx="609600" cy="457200"/>
+        </p:xfrm>
+        <a:graphic>
+          <a:graphicData uri="http://schemas.openxmlformats.org/drawingml/2006/table">
+            <a:tbl>
+              <a:tblPr>
+                <a:tableStyleId>{5C22544A-7EE6-4342-B048-85BDC9FD1C3A}</a:tableStyleId>
+              </a:tblPr>
+              <a:tblGrid>
+                <a:gridCol w="609600">
+                  <a:extLst>
+                    <a:ext uri="{9D8B030D-6E8A-4147-A177-3AD203B41FA5}">
+                      <a16:colId xmlns:a16="http://schemas.microsoft.com/office/drawing/2014/main" val="1835503658"/>
+                    </a:ext>
+                  </a:extLst>
+                </a:gridCol>
+              </a:tblGrid>
+              <a:tr h="457200">
+                <a:tc>
+                  <a:txBody>
+                    <a:bodyPr/>
+                    <a:lstStyle/>
+                    <a:p>
+                      <a:pPr algn="ctr" fontAlgn="b"/>
+                      <a:r>
+                        <a:rPr lang="ko-KR" altLang="en-US" sz="800" u="none" strike="noStrike" dirty="0">
+                          <a:effectLst/>
+                          <a:latin typeface="Adobe Clean" panose="020B0503020404020204" pitchFamily="34" charset="0"/>
+                        </a:rPr>
+                        <a:t> </a:t>
+                      </a:r>
+                      <a:r>
+                        <a:rPr lang="ko-KR" altLang="en-US" sz="800" u="none" strike="noStrike" dirty="0" err="1">
+                          <a:effectLst/>
+                          <a:latin typeface="Adobe Clean" panose="020B0503020404020204" pitchFamily="34" charset="0"/>
+                        </a:rPr>
+                        <a:t>架構審核</a:t>
+                      </a:r>
+                      <a:r>
+                        <a:rPr lang="ko-KR" altLang="en-US" sz="800" u="none" strike="noStrike" dirty="0">
+                          <a:effectLst/>
+                          <a:latin typeface="Adobe Clean" panose="020B0503020404020204" pitchFamily="34" charset="0"/>
+                        </a:rPr>
+                        <a:t> </a:t>
+                      </a:r>
+                      <a:r>
+                        <a:rPr lang="en-US" altLang="ko-KR" sz="800" u="none" strike="noStrike" dirty="0">
+                          <a:effectLst/>
+                          <a:latin typeface="Adobe Clean" panose="020B0503020404020204" pitchFamily="34" charset="0"/>
+                        </a:rPr>
+                        <a:t>+ </a:t>
+                      </a:r>
+                      <a:r>
+                        <a:rPr lang="ko-KR" altLang="en-US" sz="800" u="none" strike="noStrike" dirty="0" err="1">
+                          <a:effectLst/>
+                          <a:latin typeface="Adobe Clean" panose="020B0503020404020204" pitchFamily="34" charset="0"/>
+                        </a:rPr>
+                        <a:t>指導方針</a:t>
+                      </a:r>
+                      <a:endParaRPr lang="ko-KR" altLang="en-US" sz="800" b="0" i="0" u="none" strike="noStrike" dirty="0">
+                        <a:solidFill>
+                          <a:srgbClr val="000000"/>
+                        </a:solidFill>
+                        <a:effectLst/>
+                        <a:latin typeface="Adobe Clean" panose="020B0503020404020204" pitchFamily="34" charset="0"/>
+                      </a:endParaRPr>
+                    </a:p>
+                  </a:txBody>
+                  <a:tcPr marL="9525" marR="9525" marT="9525" marB="0">
+                    <a:solidFill>
+                      <a:schemeClr val="bg1"/>
+                    </a:solidFill>
+                  </a:tcPr>
+                </a:tc>
+                <a:extLst>
+                  <a:ext uri="{0D108BD9-81ED-4DB2-BD59-A6C34878D82A}">
+                    <a16:rowId xmlns:a16="http://schemas.microsoft.com/office/drawing/2014/main" val="2771767287"/>
+                  </a:ext>
+                </a:extLst>
+              </a:tr>
+            </a:tbl>
+          </a:graphicData>
+        </a:graphic>
+      </p:graphicFrame>
+      <p:graphicFrame>
+        <p:nvGraphicFramePr>
+          <p:cNvPr id="69" name="Table 68">
+            <a:extLst>
+              <a:ext uri="{FF2B5EF4-FFF2-40B4-BE49-F238E27FC236}">
+                <a16:creationId xmlns:a16="http://schemas.microsoft.com/office/drawing/2014/main" id="{68105F28-6ACE-FA41-8C62-E1DC71761C64}"/>
+              </a:ext>
+            </a:extLst>
+          </p:cNvPr>
+          <p:cNvGraphicFramePr>
+            <a:graphicFrameLocks noGrp="1"/>
+          </p:cNvGraphicFramePr>
+          <p:nvPr>
+            <p:extLst>
+              <p:ext uri="{D42A27DB-BD31-4B8C-83A1-F6EECF244321}">
+                <p14:modId xmlns:p14="http://schemas.microsoft.com/office/powerpoint/2010/main" val="3972576377"/>
+              </p:ext>
+            </p:extLst>
+          </p:nvPr>
+        </p:nvGraphicFramePr>
+        <p:xfrm>
+          <a:off x="304800" y="8382000"/>
+          <a:ext cx="609600" cy="457200"/>
+        </p:xfrm>
+        <a:graphic>
+          <a:graphicData uri="http://schemas.openxmlformats.org/drawingml/2006/table">
+            <a:tbl>
+              <a:tblPr>
+                <a:tableStyleId>{5C22544A-7EE6-4342-B048-85BDC9FD1C3A}</a:tableStyleId>
+              </a:tblPr>
+              <a:tblGrid>
+                <a:gridCol w="609600">
+                  <a:extLst>
+                    <a:ext uri="{9D8B030D-6E8A-4147-A177-3AD203B41FA5}">
+                      <a16:colId xmlns:a16="http://schemas.microsoft.com/office/drawing/2014/main" val="1835503658"/>
+                    </a:ext>
+                  </a:extLst>
+                </a:gridCol>
+              </a:tblGrid>
+              <a:tr h="457200">
+                <a:tc>
+                  <a:txBody>
+                    <a:bodyPr/>
+                    <a:lstStyle/>
+                    <a:p>
+                      <a:pPr algn="ctr" fontAlgn="b"/>
+                      <a:r>
+                        <a:rPr lang="ko-KR" altLang="en-US" sz="800" u="none" strike="noStrike" dirty="0" err="1">
+                          <a:effectLst/>
+                          <a:latin typeface="Adobe Clean" panose="020B0503020404020204" pitchFamily="34" charset="0"/>
+                        </a:rPr>
+                        <a:t>專案藍圖</a:t>
+                      </a:r>
+                      <a:r>
+                        <a:rPr lang="ko-KR" altLang="en-US" sz="800" u="none" strike="noStrike" dirty="0">
+                          <a:effectLst/>
+                          <a:latin typeface="Adobe Clean" panose="020B0503020404020204" pitchFamily="34" charset="0"/>
+                        </a:rPr>
+                        <a:t> </a:t>
+                      </a:r>
+                      <a:r>
+                        <a:rPr lang="en-US" altLang="ko-KR" sz="800" u="none" strike="noStrike" dirty="0">
+                          <a:effectLst/>
+                          <a:latin typeface="Adobe Clean" panose="020B0503020404020204" pitchFamily="34" charset="0"/>
+                        </a:rPr>
+                        <a:t>+ </a:t>
+                      </a:r>
+                      <a:r>
+                        <a:rPr lang="ko-KR" altLang="en-US" sz="800" u="none" strike="noStrike" dirty="0" err="1">
+                          <a:effectLst/>
+                          <a:latin typeface="Adobe Clean" panose="020B0503020404020204" pitchFamily="34" charset="0"/>
+                        </a:rPr>
+                        <a:t>規劃</a:t>
+                      </a:r>
+                      <a:endParaRPr lang="ko-KR" altLang="en-US" sz="800" b="0" i="0" u="none" strike="noStrike" dirty="0">
+                        <a:solidFill>
+                          <a:srgbClr val="000000"/>
+                        </a:solidFill>
+                        <a:effectLst/>
+                        <a:latin typeface="Adobe Clean" panose="020B0503020404020204" pitchFamily="34" charset="0"/>
+                      </a:endParaRPr>
+                    </a:p>
+                  </a:txBody>
+                  <a:tcPr marL="9525" marR="9525" marT="9525" marB="0">
+                    <a:solidFill>
+                      <a:schemeClr val="bg1"/>
+                    </a:solidFill>
+                  </a:tcPr>
+                </a:tc>
+                <a:extLst>
+                  <a:ext uri="{0D108BD9-81ED-4DB2-BD59-A6C34878D82A}">
+                    <a16:rowId xmlns:a16="http://schemas.microsoft.com/office/drawing/2014/main" val="2771767287"/>
+                  </a:ext>
+                </a:extLst>
+              </a:tr>
+            </a:tbl>
+          </a:graphicData>
+        </a:graphic>
+      </p:graphicFrame>
+      <p:graphicFrame>
+        <p:nvGraphicFramePr>
+          <p:cNvPr id="70" name="Table 69">
+            <a:extLst>
+              <a:ext uri="{FF2B5EF4-FFF2-40B4-BE49-F238E27FC236}">
+                <a16:creationId xmlns:a16="http://schemas.microsoft.com/office/drawing/2014/main" id="{55F858BD-A106-3341-85DF-5461164CF9E2}"/>
+              </a:ext>
+            </a:extLst>
+          </p:cNvPr>
+          <p:cNvGraphicFramePr>
+            <a:graphicFrameLocks noGrp="1"/>
+          </p:cNvGraphicFramePr>
+          <p:nvPr>
+            <p:extLst>
+              <p:ext uri="{D42A27DB-BD31-4B8C-83A1-F6EECF244321}">
+                <p14:modId xmlns:p14="http://schemas.microsoft.com/office/powerpoint/2010/main" val="4202845023"/>
+              </p:ext>
+            </p:extLst>
+          </p:nvPr>
+        </p:nvGraphicFramePr>
+        <p:xfrm>
+          <a:off x="609600" y="7239000"/>
+          <a:ext cx="609600" cy="497205"/>
+        </p:xfrm>
+        <a:graphic>
+          <a:graphicData uri="http://schemas.openxmlformats.org/drawingml/2006/table">
+            <a:tbl>
+              <a:tblPr>
+                <a:tableStyleId>{5C22544A-7EE6-4342-B048-85BDC9FD1C3A}</a:tableStyleId>
+              </a:tblPr>
+              <a:tblGrid>
+                <a:gridCol w="609600">
+                  <a:extLst>
+                    <a:ext uri="{9D8B030D-6E8A-4147-A177-3AD203B41FA5}">
+                      <a16:colId xmlns:a16="http://schemas.microsoft.com/office/drawing/2014/main" val="1835503658"/>
+                    </a:ext>
+                  </a:extLst>
+                </a:gridCol>
+              </a:tblGrid>
+              <a:tr h="457200">
+                <a:tc>
+                  <a:txBody>
+                    <a:bodyPr/>
+                    <a:lstStyle/>
+                    <a:p>
+                      <a:pPr algn="ctr" fontAlgn="b"/>
+                      <a:r>
+                        <a:rPr lang="ko-KR" altLang="en-US" sz="800" u="none" strike="noStrike" dirty="0" err="1">
+                          <a:effectLst/>
+                          <a:latin typeface="Adobe Clean" panose="020B0503020404020204" pitchFamily="34" charset="0"/>
+                        </a:rPr>
+                        <a:t>從數以千計的部署和整合中獲得經驗</a:t>
+                      </a:r>
+                      <a:endParaRPr lang="ko-KR" altLang="en-US" sz="800" b="0" i="0" u="none" strike="noStrike" dirty="0">
+                        <a:solidFill>
+                          <a:srgbClr val="000000"/>
+                        </a:solidFill>
+                        <a:effectLst/>
+                        <a:latin typeface="Adobe Clean" panose="020B0503020404020204" pitchFamily="34" charset="0"/>
+                      </a:endParaRPr>
+                    </a:p>
+                  </a:txBody>
+                  <a:tcPr marL="9525" marR="9525" marT="9525" marB="0">
+                    <a:solidFill>
+                      <a:schemeClr val="bg1"/>
+                    </a:solidFill>
+                  </a:tcPr>
+                </a:tc>
+                <a:extLst>
+                  <a:ext uri="{0D108BD9-81ED-4DB2-BD59-A6C34878D82A}">
+                    <a16:rowId xmlns:a16="http://schemas.microsoft.com/office/drawing/2014/main" val="2771767287"/>
+                  </a:ext>
+                </a:extLst>
+              </a:tr>
+            </a:tbl>
+          </a:graphicData>
+        </a:graphic>
+      </p:graphicFrame>
     </p:spTree>
     <p:extLst>
       <p:ext uri="{BB962C8B-B14F-4D97-AF65-F5344CB8AC3E}">
@@ -15296,17 +14082,17 @@
               </a:lnSpc>
             </a:pPr>
             <a:r>
-              <a:rPr sz="500" spc="-5" dirty="0">
+              <a:rPr lang="de-de" sz="500" spc="-5" dirty="0">
                 <a:solidFill>
                   <a:srgbClr val="6C6C6C"/>
                 </a:solidFill>
                 <a:latin typeface="Adobe Clean"/>
                 <a:cs typeface="Adobe Clean"/>
               </a:rPr>
-              <a:t>©2020 Adobe. All Rights Reserved. </a:t>
-            </a:r>
-            <a:r>
-              <a:rPr sz="500" dirty="0">
+              <a:t>© 2020 Adobe. All rights reserved.</a:t>
+            </a:r>
+            <a:r>
+              <a:rPr lang="de-de" sz="500" dirty="0">
                 <a:solidFill>
                   <a:srgbClr val="6C6C6C"/>
                 </a:solidFill>
@@ -15316,7 +14102,7 @@
               <a:t>Adobe</a:t>
             </a:r>
             <a:r>
-              <a:rPr sz="500" spc="5" dirty="0">
+              <a:rPr lang="de-de" sz="500" spc="5" dirty="0">
                 <a:solidFill>
                   <a:srgbClr val="6C6C6C"/>
                 </a:solidFill>
@@ -15326,14 +14112,14 @@
               <a:t> </a:t>
             </a:r>
             <a:r>
-              <a:rPr sz="500" spc="-5" dirty="0">
+              <a:rPr lang="de-de" sz="500" spc="-5" dirty="0">
                 <a:solidFill>
                   <a:srgbClr val="6C6C6C"/>
                 </a:solidFill>
                 <a:latin typeface="Adobe Clean"/>
                 <a:cs typeface="Adobe Clean"/>
               </a:rPr>
-              <a:t>Confidential.</a:t>
+              <a:t> 機密資訊。</a:t>
             </a:r>
             <a:endParaRPr sz="500">
               <a:latin typeface="Adobe Clean"/>
@@ -15364,17 +14150,17 @@
               </a:spcBef>
             </a:pPr>
             <a:r>
-              <a:rPr sz="800" spc="-5" dirty="0">
+              <a:rPr lang="de-de" sz="800" spc="-5" dirty="0">
                 <a:solidFill>
                   <a:srgbClr val="6D6D6D"/>
                 </a:solidFill>
                 <a:latin typeface="Adobe Clean"/>
                 <a:cs typeface="Adobe Clean"/>
               </a:rPr>
-              <a:t>©2020 Adobe. All Rights Reserved. Adobe</a:t>
-            </a:r>
-            <a:r>
-              <a:rPr sz="800" spc="75" dirty="0">
+              <a:t>© 2020 Adobe. All rights reserved.Adobe</a:t>
+            </a:r>
+            <a:r>
+              <a:rPr lang="de-de" sz="800" spc="75" dirty="0">
                 <a:solidFill>
                   <a:srgbClr val="6D6D6D"/>
                 </a:solidFill>
@@ -15384,14 +14170,14 @@
               <a:t> </a:t>
             </a:r>
             <a:r>
-              <a:rPr sz="800" spc="-5" dirty="0">
+              <a:rPr lang="de-de" sz="800" spc="-5" dirty="0">
                 <a:solidFill>
                   <a:srgbClr val="6D6D6D"/>
                 </a:solidFill>
                 <a:latin typeface="Adobe Clean"/>
                 <a:cs typeface="Adobe Clean"/>
               </a:rPr>
-              <a:t>Confidential.</a:t>
+              <a:t>機密資訊。</a:t>
             </a:r>
             <a:endParaRPr sz="800">
               <a:latin typeface="Adobe Clean"/>
@@ -15480,14 +14266,14 @@
               </a:spcBef>
             </a:pPr>
             <a:r>
-              <a:rPr lang="en-US" sz="1400" b="1" spc="-15" dirty="0">
+              <a:rPr lang="de-de" sz="1400" b="1" spc="-15" dirty="0">
                 <a:solidFill>
                   <a:srgbClr val="020302"/>
                 </a:solidFill>
                 <a:latin typeface="Adobe Clean"/>
                 <a:cs typeface="Adobe Clean"/>
               </a:rPr>
-              <a:t>Resources</a:t>
+              <a:t>資源</a:t>
             </a:r>
             <a:endParaRPr sz="1400" dirty="0">
               <a:latin typeface="Adobe Clean"/>
@@ -15526,7 +14312,7 @@
               </a:spcBef>
             </a:pPr>
             <a:r>
-              <a:rPr sz="800" spc="-15" dirty="0">
+              <a:rPr lang="de-de" sz="800" spc="-15" dirty="0">
                 <a:solidFill>
                   <a:srgbClr val="777879"/>
                 </a:solidFill>
@@ -15547,7 +14333,7 @@
               </a:lnSpc>
             </a:pPr>
             <a:r>
-              <a:rPr sz="800" spc="-15" dirty="0">
+              <a:rPr lang="de-de" sz="800" spc="-15" dirty="0">
                 <a:solidFill>
                   <a:srgbClr val="777879"/>
                 </a:solidFill>
@@ -15557,7 +14343,7 @@
               <a:t>345 Park</a:t>
             </a:r>
             <a:r>
-              <a:rPr sz="800" spc="-100" dirty="0">
+              <a:rPr lang="de-de" sz="800" spc="-100" dirty="0">
                 <a:solidFill>
                   <a:srgbClr val="777879"/>
                 </a:solidFill>
@@ -15567,7 +14353,7 @@
               <a:t> </a:t>
             </a:r>
             <a:r>
-              <a:rPr sz="800" spc="-15" dirty="0">
+              <a:rPr lang="de-de" sz="800" spc="-15" dirty="0">
                 <a:solidFill>
                   <a:srgbClr val="777879"/>
                 </a:solidFill>
@@ -15588,7 +14374,7 @@
               </a:lnSpc>
             </a:pPr>
             <a:r>
-              <a:rPr sz="800" spc="-10" dirty="0">
+              <a:rPr lang="de-de" sz="800" spc="-10" dirty="0">
                 <a:solidFill>
                   <a:srgbClr val="777879"/>
                 </a:solidFill>
@@ -15598,7 +14384,7 @@
               <a:t>San </a:t>
             </a:r>
             <a:r>
-              <a:rPr sz="800" spc="-15" dirty="0">
+              <a:rPr lang="de-de" sz="800" spc="-15" dirty="0">
                 <a:solidFill>
                   <a:srgbClr val="777879"/>
                 </a:solidFill>
@@ -15608,7 +14394,7 @@
               <a:t>Jose,</a:t>
             </a:r>
             <a:r>
-              <a:rPr sz="800" spc="-140" dirty="0">
+              <a:rPr lang="de-de" sz="800" spc="-140" dirty="0">
                 <a:solidFill>
                   <a:srgbClr val="777879"/>
                 </a:solidFill>
@@ -15618,7 +14404,7 @@
               <a:t> </a:t>
             </a:r>
             <a:r>
-              <a:rPr sz="800" spc="-20" dirty="0">
+              <a:rPr lang="de-de" sz="800" spc="-20" dirty="0">
                 <a:solidFill>
                   <a:srgbClr val="777879"/>
                 </a:solidFill>
@@ -15642,7 +14428,7 @@
               </a:spcBef>
             </a:pPr>
             <a:r>
-              <a:rPr sz="800" spc="-10" dirty="0">
+              <a:rPr lang="de-de" sz="800" spc="-10" dirty="0">
                 <a:solidFill>
                   <a:srgbClr val="777879"/>
                 </a:solidFill>
@@ -15666,7 +14452,7 @@
               </a:spcBef>
             </a:pPr>
             <a:r>
-              <a:rPr sz="800" u="sng" spc="-25" dirty="0">
+              <a:rPr lang="de-de" sz="800" u="sng" spc="-25" dirty="0">
                 <a:solidFill>
                   <a:srgbClr val="5F5F5F"/>
                 </a:solidFill>
@@ -15679,7 +14465,7 @@
                 <a:cs typeface="Adobe Clean"/>
                 <a:hlinkClick r:id="rId3"/>
               </a:rPr>
-              <a:t>www.adobe.com</a:t>
+              <a:t>www.adobe.com/tw/</a:t>
             </a:r>
             <a:endParaRPr sz="800">
               <a:latin typeface="Adobe Clean"/>
@@ -15859,37 +14645,37 @@
               </a:spcBef>
             </a:pPr>
             <a:r>
-              <a:rPr sz="1100" i="1" spc="-10" dirty="0">
+              <a:rPr lang="de-de" sz="1100" i="1" spc="-10">
                 <a:solidFill>
                   <a:srgbClr val="777879"/>
                 </a:solidFill>
                 <a:latin typeface="AdobeClean-LightIt"/>
                 <a:cs typeface="AdobeClean-LightIt"/>
               </a:rPr>
-              <a:t>To</a:t>
-            </a:r>
-            <a:r>
-              <a:rPr sz="1100" i="1" spc="-50" dirty="0">
+              <a:t>如需</a:t>
+            </a:r>
+            <a:r>
+              <a:rPr lang="de-de" sz="1100" i="1" spc="-15">
                 <a:solidFill>
                   <a:srgbClr val="777879"/>
                 </a:solidFill>
                 <a:latin typeface="AdobeClean-LightIt"/>
                 <a:cs typeface="AdobeClean-LightIt"/>
               </a:rPr>
-              <a:t> </a:t>
-            </a:r>
-            <a:r>
-              <a:rPr sz="1100" i="1" spc="-15" dirty="0">
+              <a:t>了解</a:t>
+            </a:r>
+            <a:r>
+              <a:rPr lang="de-de" sz="1100" i="1" spc="-40">
                 <a:solidFill>
                   <a:srgbClr val="777879"/>
                 </a:solidFill>
                 <a:latin typeface="AdobeClean-LightIt"/>
                 <a:cs typeface="AdobeClean-LightIt"/>
               </a:rPr>
-              <a:t>learn</a:t>
-            </a:r>
-            <a:r>
-              <a:rPr sz="1100" i="1" spc="-40" dirty="0">
+              <a:t> </a:t>
+            </a:r>
+            <a:r>
+              <a:rPr lang="de-de" sz="1100" i="1" spc="-45">
                 <a:solidFill>
                   <a:srgbClr val="777879"/>
                 </a:solidFill>
@@ -15899,17 +14685,17 @@
               <a:t> </a:t>
             </a:r>
             <a:r>
-              <a:rPr sz="1100" i="1" spc="-15" dirty="0">
+              <a:rPr lang="de-de" sz="1100" i="1" spc="-15">
                 <a:solidFill>
                   <a:srgbClr val="777879"/>
                 </a:solidFill>
                 <a:latin typeface="AdobeClean-LightIt"/>
                 <a:cs typeface="AdobeClean-LightIt"/>
               </a:rPr>
-              <a:t>more</a:t>
-            </a:r>
-            <a:r>
-              <a:rPr sz="1100" i="1" spc="-45" dirty="0">
+              <a:t>Adobe</a:t>
+            </a:r>
+            <a:r>
+              <a:rPr lang="de-de" sz="1100" i="1" spc="-60">
                 <a:solidFill>
                   <a:srgbClr val="777879"/>
                 </a:solidFill>
@@ -15919,344 +14705,124 @@
               <a:t> </a:t>
             </a:r>
             <a:r>
-              <a:rPr sz="1100" i="1" spc="-15" dirty="0">
+              <a:rPr lang="de-de" sz="1100" i="1" spc="-15">
                 <a:solidFill>
                   <a:srgbClr val="777879"/>
                 </a:solidFill>
                 <a:latin typeface="AdobeClean-LightIt"/>
                 <a:cs typeface="AdobeClean-LightIt"/>
               </a:rPr>
-              <a:t>about</a:t>
-            </a:r>
-            <a:r>
-              <a:rPr sz="1100" i="1" spc="-45" dirty="0">
+              <a:t>支援方案</a:t>
+            </a:r>
+            <a:r>
+              <a:rPr lang="de-de" sz="1100" i="1" spc="-75">
                 <a:solidFill>
                   <a:srgbClr val="777879"/>
                 </a:solidFill>
                 <a:latin typeface="AdobeClean-LightIt"/>
                 <a:cs typeface="AdobeClean-LightIt"/>
               </a:rPr>
-              <a:t> </a:t>
-            </a:r>
-            <a:r>
-              <a:rPr sz="1100" i="1" spc="-15" dirty="0">
+              <a:t>的詳細資訊</a:t>
+            </a:r>
+            <a:r>
+              <a:rPr lang="de-de" sz="1100" i="1" spc="-15">
                 <a:solidFill>
                   <a:srgbClr val="777879"/>
                 </a:solidFill>
                 <a:latin typeface="AdobeClean-LightIt"/>
                 <a:cs typeface="AdobeClean-LightIt"/>
               </a:rPr>
-              <a:t>Adobe</a:t>
-            </a:r>
-            <a:r>
-              <a:rPr sz="1100" i="1" spc="-60" dirty="0">
+              <a:t>以及適合您的層級，請聯絡您指定的</a:t>
+            </a:r>
+            <a:r>
+              <a:rPr lang="de-de" sz="1100" i="1" spc="-25">
                 <a:solidFill>
                   <a:srgbClr val="777879"/>
                 </a:solidFill>
                 <a:latin typeface="AdobeClean-LightIt"/>
                 <a:cs typeface="AdobeClean-LightIt"/>
               </a:rPr>
-              <a:t> </a:t>
-            </a:r>
-            <a:r>
-              <a:rPr sz="1100" i="1" spc="-15" dirty="0">
+              <a:t>帳戶</a:t>
+            </a:r>
+            <a:r>
+              <a:rPr lang="de-de" sz="1100" i="1" spc="-20">
                 <a:solidFill>
                   <a:srgbClr val="777879"/>
                 </a:solidFill>
                 <a:latin typeface="AdobeClean-LightIt"/>
                 <a:cs typeface="AdobeClean-LightIt"/>
               </a:rPr>
-              <a:t>Support</a:t>
-            </a:r>
-            <a:r>
-              <a:rPr lang="en-US" sz="1100" i="1" spc="-15" dirty="0">
+              <a:t>經理 </a:t>
+            </a:r>
+            <a:r>
+              <a:rPr lang="de-de" sz="1100" i="1" spc="-15" dirty="0">
                 <a:solidFill>
                   <a:srgbClr val="777879"/>
                 </a:solidFill>
                 <a:latin typeface="AdobeClean-LightIt"/>
                 <a:cs typeface="AdobeClean-LightIt"/>
               </a:rPr>
-              <a:t> Offerings</a:t>
-            </a:r>
-            <a:r>
-              <a:rPr sz="1100" i="1" spc="-75" dirty="0">
+              <a:t>(NAM</a:t>
+            </a:r>
+            <a:r>
+              <a:rPr lang="de-de" sz="1100" i="1" spc="-15">
                 <a:solidFill>
                   <a:srgbClr val="777879"/>
                 </a:solidFill>
                 <a:latin typeface="AdobeClean-LightIt"/>
                 <a:cs typeface="AdobeClean-LightIt"/>
               </a:rPr>
-              <a:t> </a:t>
-            </a:r>
-            <a:r>
-              <a:rPr sz="1100" i="1" spc="-15" dirty="0">
+              <a:t>) </a:t>
+            </a:r>
+            <a:r>
+              <a:rPr lang="de-de" sz="1100" i="1" spc="-10">
                 <a:solidFill>
                   <a:srgbClr val="777879"/>
                 </a:solidFill>
                 <a:latin typeface="AdobeClean-LightIt"/>
                 <a:cs typeface="AdobeClean-LightIt"/>
               </a:rPr>
-              <a:t>and</a:t>
-            </a:r>
-            <a:r>
-              <a:rPr sz="1100" i="1" spc="-50" dirty="0">
+              <a:t>或</a:t>
+            </a:r>
+            <a:r>
+              <a:rPr lang="de-de" sz="1100" i="1" spc="-15">
                 <a:solidFill>
                   <a:srgbClr val="777879"/>
                 </a:solidFill>
                 <a:latin typeface="AdobeClean-LightIt"/>
                 <a:cs typeface="AdobeClean-LightIt"/>
               </a:rPr>
-              <a:t> </a:t>
-            </a:r>
-            <a:r>
-              <a:rPr sz="1100" i="1" spc="-15" dirty="0">
+              <a:t>客戶</a:t>
+            </a:r>
+            <a:r>
+              <a:rPr lang="de-de" sz="1100" i="1" spc="-20">
                 <a:solidFill>
                   <a:srgbClr val="777879"/>
                 </a:solidFill>
                 <a:latin typeface="AdobeClean-LightIt"/>
                 <a:cs typeface="AdobeClean-LightIt"/>
               </a:rPr>
-              <a:t>the</a:t>
-            </a:r>
-            <a:r>
-              <a:rPr sz="1100" i="1" spc="-55" dirty="0">
+              <a:t>成功</a:t>
+            </a:r>
+            <a:r>
+              <a:rPr lang="de-de" sz="1100" i="1" spc="-15">
                 <a:solidFill>
                   <a:srgbClr val="777879"/>
                 </a:solidFill>
                 <a:latin typeface="AdobeClean-LightIt"/>
                 <a:cs typeface="AdobeClean-LightIt"/>
               </a:rPr>
-              <a:t> </a:t>
-            </a:r>
-            <a:r>
-              <a:rPr sz="1100" i="1" spc="-15" dirty="0">
+              <a:t>經理 </a:t>
+            </a:r>
+            <a:r>
+              <a:rPr lang="de-de" sz="1100" i="1" spc="-15" dirty="0">
                 <a:solidFill>
                   <a:srgbClr val="777879"/>
                 </a:solidFill>
                 <a:latin typeface="AdobeClean-LightIt"/>
                 <a:cs typeface="AdobeClean-LightIt"/>
               </a:rPr>
-              <a:t>right</a:t>
-            </a:r>
-            <a:r>
-              <a:rPr sz="1100" i="1" spc="-95" dirty="0">
-                <a:solidFill>
-                  <a:srgbClr val="777879"/>
-                </a:solidFill>
-                <a:latin typeface="AdobeClean-LightIt"/>
-                <a:cs typeface="AdobeClean-LightIt"/>
-              </a:rPr>
-              <a:t> </a:t>
-            </a:r>
-            <a:r>
-              <a:rPr sz="1100" i="1" spc="-15" dirty="0">
-                <a:solidFill>
-                  <a:srgbClr val="777879"/>
-                </a:solidFill>
-                <a:latin typeface="AdobeClean-LightIt"/>
-                <a:cs typeface="AdobeClean-LightIt"/>
-              </a:rPr>
-              <a:t>level</a:t>
-            </a:r>
-            <a:r>
-              <a:rPr sz="1100" i="1" spc="-55" dirty="0">
-                <a:solidFill>
-                  <a:srgbClr val="777879"/>
-                </a:solidFill>
-                <a:latin typeface="AdobeClean-LightIt"/>
-                <a:cs typeface="AdobeClean-LightIt"/>
-              </a:rPr>
-              <a:t> </a:t>
-            </a:r>
-            <a:r>
-              <a:rPr sz="1100" i="1" spc="-15" dirty="0">
-                <a:solidFill>
-                  <a:srgbClr val="777879"/>
-                </a:solidFill>
-                <a:latin typeface="AdobeClean-LightIt"/>
-                <a:cs typeface="AdobeClean-LightIt"/>
-              </a:rPr>
-              <a:t>for</a:t>
-            </a:r>
-            <a:r>
-              <a:rPr sz="1100" i="1" spc="-85" dirty="0">
-                <a:solidFill>
-                  <a:srgbClr val="777879"/>
-                </a:solidFill>
-                <a:latin typeface="AdobeClean-LightIt"/>
-                <a:cs typeface="AdobeClean-LightIt"/>
-              </a:rPr>
-              <a:t> </a:t>
-            </a:r>
-            <a:r>
-              <a:rPr sz="1100" i="1" spc="-15" dirty="0">
-                <a:solidFill>
-                  <a:srgbClr val="777879"/>
-                </a:solidFill>
-                <a:latin typeface="AdobeClean-LightIt"/>
-                <a:cs typeface="AdobeClean-LightIt"/>
-              </a:rPr>
-              <a:t>you,</a:t>
-            </a:r>
-            <a:r>
-              <a:rPr sz="1100" i="1" spc="-65" dirty="0">
-                <a:solidFill>
-                  <a:srgbClr val="777879"/>
-                </a:solidFill>
-                <a:latin typeface="AdobeClean-LightIt"/>
-                <a:cs typeface="AdobeClean-LightIt"/>
-              </a:rPr>
-              <a:t> </a:t>
-            </a:r>
-            <a:r>
-              <a:rPr sz="1100" i="1" spc="-15" dirty="0">
-                <a:solidFill>
-                  <a:srgbClr val="777879"/>
-                </a:solidFill>
-                <a:latin typeface="AdobeClean-LightIt"/>
-                <a:cs typeface="AdobeClean-LightIt"/>
-              </a:rPr>
-              <a:t>contact</a:t>
-            </a:r>
-            <a:r>
-              <a:rPr sz="1100" i="1" spc="-85" dirty="0">
-                <a:solidFill>
-                  <a:srgbClr val="777879"/>
-                </a:solidFill>
-                <a:latin typeface="AdobeClean-LightIt"/>
-                <a:cs typeface="AdobeClean-LightIt"/>
-              </a:rPr>
-              <a:t> </a:t>
-            </a:r>
-            <a:r>
-              <a:rPr sz="1100" i="1" spc="-15" dirty="0">
-                <a:solidFill>
-                  <a:srgbClr val="777879"/>
-                </a:solidFill>
-                <a:latin typeface="AdobeClean-LightIt"/>
-                <a:cs typeface="AdobeClean-LightIt"/>
-              </a:rPr>
-              <a:t>your</a:t>
-            </a:r>
-            <a:r>
-              <a:rPr sz="1100" i="1" spc="-70" dirty="0">
-                <a:solidFill>
-                  <a:srgbClr val="777879"/>
-                </a:solidFill>
-                <a:latin typeface="AdobeClean-LightIt"/>
-                <a:cs typeface="AdobeClean-LightIt"/>
-              </a:rPr>
-              <a:t> </a:t>
-            </a:r>
-            <a:r>
-              <a:rPr sz="1100" i="1" spc="-15" dirty="0">
-                <a:solidFill>
-                  <a:srgbClr val="777879"/>
-                </a:solidFill>
-                <a:latin typeface="AdobeClean-LightIt"/>
-                <a:cs typeface="AdobeClean-LightIt"/>
-              </a:rPr>
-              <a:t>Named</a:t>
-            </a:r>
-            <a:r>
-              <a:rPr sz="1100" i="1" spc="-55" dirty="0">
-                <a:solidFill>
-                  <a:srgbClr val="777879"/>
-                </a:solidFill>
-                <a:latin typeface="AdobeClean-LightIt"/>
-                <a:cs typeface="AdobeClean-LightIt"/>
-              </a:rPr>
-              <a:t> </a:t>
-            </a:r>
-            <a:r>
-              <a:rPr sz="1100" i="1" spc="-25" dirty="0">
-                <a:solidFill>
-                  <a:srgbClr val="777879"/>
-                </a:solidFill>
-                <a:latin typeface="AdobeClean-LightIt"/>
-                <a:cs typeface="AdobeClean-LightIt"/>
-              </a:rPr>
-              <a:t>Account</a:t>
-            </a:r>
-            <a:r>
-              <a:rPr sz="1100" i="1" spc="-120" dirty="0">
-                <a:solidFill>
-                  <a:srgbClr val="777879"/>
-                </a:solidFill>
-                <a:latin typeface="AdobeClean-LightIt"/>
-                <a:cs typeface="AdobeClean-LightIt"/>
-              </a:rPr>
-              <a:t> </a:t>
-            </a:r>
-            <a:r>
-              <a:rPr sz="1100" i="1" spc="-20" dirty="0">
-                <a:solidFill>
-                  <a:srgbClr val="777879"/>
-                </a:solidFill>
-                <a:latin typeface="AdobeClean-LightIt"/>
-                <a:cs typeface="AdobeClean-LightIt"/>
-              </a:rPr>
-              <a:t>Manager  </a:t>
-            </a:r>
-            <a:r>
-              <a:rPr sz="1100" i="1" spc="-15" dirty="0">
-                <a:solidFill>
-                  <a:srgbClr val="777879"/>
-                </a:solidFill>
-                <a:latin typeface="AdobeClean-LightIt"/>
-                <a:cs typeface="AdobeClean-LightIt"/>
-              </a:rPr>
-              <a:t>(NAM) </a:t>
-            </a:r>
-            <a:r>
-              <a:rPr sz="1100" i="1" spc="-10" dirty="0">
-                <a:solidFill>
-                  <a:srgbClr val="777879"/>
-                </a:solidFill>
-                <a:latin typeface="AdobeClean-LightIt"/>
-                <a:cs typeface="AdobeClean-LightIt"/>
-              </a:rPr>
-              <a:t>or </a:t>
-            </a:r>
-            <a:r>
-              <a:rPr sz="1100" i="1" spc="-15" dirty="0">
-                <a:solidFill>
-                  <a:srgbClr val="777879"/>
-                </a:solidFill>
-                <a:latin typeface="AdobeClean-LightIt"/>
-                <a:cs typeface="AdobeClean-LightIt"/>
-              </a:rPr>
-              <a:t>Customer </a:t>
-            </a:r>
-            <a:r>
-              <a:rPr sz="1100" i="1" spc="-20" dirty="0">
-                <a:solidFill>
-                  <a:srgbClr val="777879"/>
-                </a:solidFill>
-                <a:latin typeface="AdobeClean-LightIt"/>
-                <a:cs typeface="AdobeClean-LightIt"/>
-              </a:rPr>
-              <a:t>Success</a:t>
-            </a:r>
-            <a:r>
-              <a:rPr sz="1100" i="1" spc="-180" dirty="0">
-                <a:solidFill>
-                  <a:srgbClr val="777879"/>
-                </a:solidFill>
-                <a:latin typeface="AdobeClean-LightIt"/>
-                <a:cs typeface="AdobeClean-LightIt"/>
-              </a:rPr>
-              <a:t> </a:t>
-            </a:r>
-            <a:r>
-              <a:rPr sz="1100" i="1" spc="-15" dirty="0">
-                <a:solidFill>
-                  <a:srgbClr val="777879"/>
-                </a:solidFill>
-                <a:latin typeface="AdobeClean-LightIt"/>
-                <a:cs typeface="AdobeClean-LightIt"/>
-              </a:rPr>
-              <a:t>Manager(CSM)</a:t>
+              <a:t>(CSM)</a:t>
             </a:r>
             <a:endParaRPr sz="1100" dirty="0">
               <a:latin typeface="AdobeClean-LightIt"/>
@@ -16273,54 +14839,34 @@
               </a:spcBef>
             </a:pPr>
             <a:r>
-              <a:rPr sz="800" spc="-5" dirty="0">
+              <a:rPr lang="de-de" sz="800" spc="-5" dirty="0">
                 <a:solidFill>
                   <a:srgbClr val="6D6D6D"/>
                 </a:solidFill>
                 <a:latin typeface="Adobe Clean"/>
                 <a:cs typeface="Adobe Clean"/>
               </a:rPr>
-              <a:t>©202</a:t>
-            </a:r>
-            <a:r>
-              <a:rPr lang="en-US" sz="800" spc="-5" dirty="0">
+              <a:t>©2021 Adobe。All rights reserved.Adobe</a:t>
+            </a:r>
+            <a:r>
+              <a:rPr lang="de-de" sz="800" spc="75" dirty="0">
                 <a:solidFill>
                   <a:srgbClr val="6D6D6D"/>
                 </a:solidFill>
                 <a:latin typeface="Adobe Clean"/>
                 <a:cs typeface="Adobe Clean"/>
               </a:rPr>
-              <a:t>1</a:t>
-            </a:r>
-            <a:r>
-              <a:rPr sz="800" spc="-5" dirty="0">
+              <a:t> </a:t>
+            </a:r>
+            <a:r>
+              <a:rPr lang="de-de" sz="800" spc="-5" dirty="0">
                 <a:solidFill>
                   <a:srgbClr val="6D6D6D"/>
                 </a:solidFill>
                 <a:latin typeface="Adobe Clean"/>
                 <a:cs typeface="Adobe Clean"/>
               </a:rPr>
-              <a:t> Adobe. All Rights Reserved. Adobe</a:t>
-            </a:r>
-            <a:r>
-              <a:rPr sz="800" spc="75" dirty="0">
-                <a:solidFill>
-                  <a:srgbClr val="6D6D6D"/>
-                </a:solidFill>
-                <a:latin typeface="Adobe Clean"/>
-                <a:cs typeface="Adobe Clean"/>
-              </a:rPr>
-              <a:t> </a:t>
-            </a:r>
-            <a:r>
-              <a:rPr sz="800" spc="-5" dirty="0">
-                <a:solidFill>
-                  <a:srgbClr val="6D6D6D"/>
-                </a:solidFill>
-                <a:latin typeface="Adobe Clean"/>
-                <a:cs typeface="Adobe Clean"/>
-              </a:rPr>
-              <a:t>Confidential.</a:t>
+              <a:t>機密資訊。</a:t>
             </a:r>
             <a:endParaRPr sz="800" dirty="0">
               <a:latin typeface="Adobe Clean"/>
@@ -16343,55 +14889,134 @@
         </p:nvSpPr>
         <p:spPr>
           <a:xfrm>
-            <a:off x="184181" y="4900727"/>
-            <a:ext cx="7396804" cy="769030"/>
+            <a:off x="171129" y="5057379"/>
+            <a:ext cx="6476646" cy="755976"/>
           </a:xfrm>
           <a:prstGeom prst="rect">
             <a:avLst/>
           </a:prstGeom>
         </p:spPr>
         <p:txBody>
-          <a:bodyPr vert="horz" wrap="square" lIns="0" tIns="116205" rIns="0" bIns="0" rtlCol="0" anchor="t">
+          <a:bodyPr vert="horz" wrap="square" lIns="0" tIns="116205" rIns="0" bIns="0" rtlCol="0">
             <a:spAutoFit/>
           </a:bodyPr>
           <a:lstStyle/>
           <a:p>
-            <a:pPr>
+            <a:pPr lvl="0">
               <a:spcBef>
                 <a:spcPts val="915"/>
               </a:spcBef>
             </a:pPr>
             <a:r>
-              <a:rPr lang="en-US" sz="1400" b="1" spc="-15" dirty="0">
+              <a:rPr lang="en-US" altLang="zh-TW" sz="1400" b="1" spc="-15" dirty="0">
                 <a:solidFill>
                   <a:srgbClr val="020302"/>
                 </a:solidFill>
                 <a:latin typeface="Adobe Clean"/>
                 <a:cs typeface="Adobe Clean"/>
               </a:rPr>
-              <a:t>Regional scope of Adobe Support, Local Hours Of Operation And Language Support</a:t>
-            </a:r>
-            <a:endParaRPr lang="en-US" sz="1400" spc="-15" dirty="0">
-              <a:ea typeface="+mn-lt"/>
-              <a:cs typeface="+mn-lt"/>
+              <a:t>Adobe </a:t>
+            </a:r>
+            <a:r>
+              <a:rPr lang="zh-TW" altLang="en-US" sz="1400" b="1" spc="-15" dirty="0">
+                <a:solidFill>
+                  <a:srgbClr val="020302"/>
+                </a:solidFill>
+                <a:latin typeface="Adobe Clean"/>
+                <a:cs typeface="Adobe Clean"/>
+              </a:rPr>
+              <a:t>支援的區域範圍、當地營業時間和語言支援</a:t>
+            </a:r>
+            <a:endParaRPr lang="pl-PL" altLang="zh-TW" sz="1400" b="1" spc="-15" dirty="0">
+              <a:solidFill>
+                <a:srgbClr val="020302"/>
+              </a:solidFill>
+              <a:latin typeface="Adobe Clean"/>
+              <a:cs typeface="Adobe Clean"/>
             </a:endParaRPr>
           </a:p>
           <a:p>
-            <a:pPr>
+            <a:pPr lvl="0">
               <a:spcBef>
                 <a:spcPts val="915"/>
               </a:spcBef>
             </a:pPr>
             <a:r>
-              <a:rPr lang="en-US" sz="1000" spc="-15" dirty="0">
+              <a:rPr lang="en-US" altLang="zh-TW" sz="1000" spc="-15" dirty="0">
                 <a:solidFill>
                   <a:srgbClr val="1F1F1F"/>
                 </a:solidFill>
                 <a:latin typeface="AdobeClean-Light"/>
               </a:rPr>
-              <a:t>The regional scope of Adobe Support is established by aligning the customer's billing address (via the Sales Order or other Adobe Support purchasing document) to one of the following regions:</a:t>
-            </a:r>
-            <a:endParaRPr lang="en-US" sz="1000" dirty="0">
+              <a:t>Adobe </a:t>
+            </a:r>
+            <a:r>
+              <a:rPr lang="zh-TW" altLang="en-US" sz="1000" spc="-15" dirty="0">
+                <a:solidFill>
+                  <a:srgbClr val="1F1F1F"/>
+                </a:solidFill>
+                <a:latin typeface="AdobeClean-Light"/>
+              </a:rPr>
+              <a:t>支援的區域範圍是透過將客戶的帳單地址 </a:t>
+            </a:r>
+            <a:r>
+              <a:rPr lang="en-US" altLang="zh-TW" sz="1000" spc="-15" dirty="0">
+                <a:solidFill>
+                  <a:srgbClr val="1F1F1F"/>
+                </a:solidFill>
+                <a:latin typeface="AdobeClean-Light"/>
+              </a:rPr>
+              <a:t>(</a:t>
+            </a:r>
+            <a:r>
+              <a:rPr lang="zh-TW" altLang="en-US" sz="1000" spc="-15" dirty="0">
+                <a:solidFill>
+                  <a:srgbClr val="1F1F1F"/>
+                </a:solidFill>
+                <a:latin typeface="AdobeClean-Light"/>
+              </a:rPr>
+              <a:t>通過銷售訂單或其他 </a:t>
+            </a:r>
+            <a:r>
+              <a:rPr lang="en-US" altLang="zh-TW" sz="1000" spc="-15" dirty="0">
+                <a:solidFill>
+                  <a:srgbClr val="1F1F1F"/>
+                </a:solidFill>
+                <a:latin typeface="AdobeClean-Light"/>
+              </a:rPr>
+              <a:t>Adobe </a:t>
+            </a:r>
+            <a:r>
+              <a:rPr lang="zh-TW" altLang="en-US" sz="1000" spc="-15" dirty="0">
+                <a:solidFill>
+                  <a:srgbClr val="1F1F1F"/>
+                </a:solidFill>
+                <a:latin typeface="AdobeClean-Light"/>
+              </a:rPr>
+              <a:t>支援採購文件</a:t>
+            </a:r>
+            <a:r>
+              <a:rPr lang="en-US" altLang="zh-TW" sz="1000" spc="-15" dirty="0">
+                <a:solidFill>
+                  <a:srgbClr val="1F1F1F"/>
+                </a:solidFill>
+                <a:latin typeface="AdobeClean-Light"/>
+              </a:rPr>
+              <a:t>) </a:t>
+            </a:r>
+            <a:r>
+              <a:rPr lang="zh-TW" altLang="en-US" sz="1000" spc="-15" dirty="0">
+                <a:solidFill>
+                  <a:srgbClr val="1F1F1F"/>
+                </a:solidFill>
+                <a:latin typeface="AdobeClean-Light"/>
+              </a:rPr>
+              <a:t>歸納於以下區域之一來建立的：</a:t>
+            </a:r>
+            <a:endParaRPr lang="de-de" sz="1000" spc="-15" dirty="0">
+              <a:solidFill>
+                <a:srgbClr val="1F1F1F"/>
+              </a:solidFill>
               <a:latin typeface="AdobeClean-Light"/>
             </a:endParaRPr>
           </a:p>
@@ -16412,14 +15037,14 @@
           <p:nvPr>
             <p:extLst>
               <p:ext uri="{D42A27DB-BD31-4B8C-83A1-F6EECF244321}">
-                <p14:modId xmlns:p14="http://schemas.microsoft.com/office/powerpoint/2010/main" val="3975465108"/>
+                <p14:modId xmlns:p14="http://schemas.microsoft.com/office/powerpoint/2010/main" val="3128037044"/>
               </p:ext>
             </p:extLst>
           </p:nvPr>
         </p:nvGraphicFramePr>
         <p:xfrm>
           <a:off x="171128" y="5907213"/>
-          <a:ext cx="7391400" cy="1336040"/>
+          <a:ext cx="7391400" cy="1280160"/>
         </p:xfrm>
         <a:graphic>
           <a:graphicData uri="http://schemas.openxmlformats.org/drawingml/2006/table">
@@ -16465,13 +15090,13 @@
                     <a:p>
                       <a:pPr algn="ctr"/>
                       <a:r>
-                        <a:rPr lang="en-US" sz="1100" dirty="0">
+                        <a:rPr lang="de-de" sz="1100" dirty="0">
                           <a:solidFill>
                             <a:schemeClr val="tx1"/>
                           </a:solidFill>
                           <a:latin typeface="Adobe Clean" panose="020B0503020404020204" pitchFamily="34" charset="0"/>
                         </a:rPr>
-                        <a:t>Americas</a:t>
+                        <a:t>美洲</a:t>
                       </a:r>
                     </a:p>
                   </a:txBody>
@@ -16530,13 +15155,13 @@
                     <a:p>
                       <a:pPr algn="ctr"/>
                       <a:r>
-                        <a:rPr lang="en-US" sz="1100" dirty="0">
+                        <a:rPr lang="de-de" sz="1100" dirty="0">
                           <a:solidFill>
                             <a:schemeClr val="tx1"/>
                           </a:solidFill>
                           <a:latin typeface="Adobe Clean" panose="020B0503020404020204" pitchFamily="34" charset="0"/>
                         </a:rPr>
-                        <a:t>Europe, Middle East &amp; Africa</a:t>
+                        <a:t>歐洲、中東與非洲</a:t>
                       </a:r>
                     </a:p>
                   </a:txBody>
@@ -16595,13 +15220,13 @@
                     <a:p>
                       <a:pPr algn="ctr"/>
                       <a:r>
-                        <a:rPr lang="en-US" sz="1100" dirty="0">
+                        <a:rPr lang="de-de" sz="1100" dirty="0">
                           <a:solidFill>
                             <a:schemeClr val="tx1"/>
                           </a:solidFill>
                           <a:latin typeface="Adobe Clean" panose="020B0503020404020204" pitchFamily="34" charset="0"/>
                         </a:rPr>
-                        <a:t>Asia Pacific</a:t>
+                        <a:t>亞太地區</a:t>
                       </a:r>
                     </a:p>
                   </a:txBody>
@@ -16660,22 +15285,22 @@
                     <a:p>
                       <a:pPr algn="ctr"/>
                       <a:r>
-                        <a:rPr lang="en-US" sz="1100" dirty="0">
+                        <a:rPr lang="de-de" sz="1100" dirty="0">
                           <a:solidFill>
                             <a:schemeClr val="tx1"/>
                           </a:solidFill>
                           <a:latin typeface="Adobe Clean" panose="020B0503020404020204" pitchFamily="34" charset="0"/>
                         </a:rPr>
-                        <a:t>Japan </a:t>
+                        <a:t>日本 </a:t>
                       </a:r>
                       <a:r>
-                        <a:rPr lang="en-US" sz="1100" baseline="30000" dirty="0">
+                        <a:rPr lang="de-de" sz="1100" baseline="30000" dirty="0">
                           <a:solidFill>
                             <a:schemeClr val="tx1"/>
                           </a:solidFill>
                           <a:latin typeface="Adobe Clean" panose="020B0503020404020204" pitchFamily="34" charset="0"/>
                         </a:rPr>
-                        <a:t>1 </a:t>
+                        <a:t>1</a:t>
                       </a:r>
                       <a:endParaRPr lang="en-US" sz="1100" dirty="0">
                         <a:solidFill>
@@ -16747,13 +15372,13 @@
                     <a:p>
                       <a:pPr algn="ctr"/>
                       <a:r>
-                        <a:rPr lang="en-US" sz="1100" dirty="0">
+                        <a:rPr lang="de-de" sz="1100" dirty="0">
                           <a:solidFill>
                             <a:schemeClr val="tx1"/>
                           </a:solidFill>
                           <a:latin typeface="Adobe Clean" panose="020B0503020404020204" pitchFamily="34" charset="0"/>
                         </a:rPr>
-                        <a:t>6 am – 5:30 pm</a:t>
+                        <a:t>上午 6 點 – 下午 5:30</a:t>
                       </a:r>
                     </a:p>
                   </a:txBody>
@@ -16812,13 +15437,13 @@
                     <a:p>
                       <a:pPr algn="ctr"/>
                       <a:r>
-                        <a:rPr lang="en-US" sz="1100" dirty="0">
+                        <a:rPr lang="de-de" sz="1100" dirty="0">
                           <a:solidFill>
                             <a:schemeClr val="tx1"/>
                           </a:solidFill>
                           <a:latin typeface="Adobe Clean" panose="020B0503020404020204" pitchFamily="34" charset="0"/>
                         </a:rPr>
-                        <a:t>9 am – 5 pm</a:t>
+                        <a:t>上午 9 點 – 下午 5 點</a:t>
                       </a:r>
                     </a:p>
                   </a:txBody>
@@ -16877,13 +15502,13 @@
                     <a:p>
                       <a:pPr algn="ctr"/>
                       <a:r>
-                        <a:rPr lang="en-US" sz="1100" dirty="0">
+                        <a:rPr lang="de-de" sz="1100" dirty="0">
                           <a:solidFill>
                             <a:schemeClr val="tx1"/>
                           </a:solidFill>
                           <a:latin typeface="Adobe Clean" panose="020B0503020404020204" pitchFamily="34" charset="0"/>
                         </a:rPr>
-                        <a:t>9 am – 5 pm</a:t>
+                        <a:t>上午 9 點 – 下午 5 點</a:t>
                       </a:r>
                     </a:p>
                   </a:txBody>
@@ -16942,13 +15567,13 @@
                     <a:p>
                       <a:pPr algn="ctr"/>
                       <a:r>
-                        <a:rPr lang="en-US" sz="1100" dirty="0">
+                        <a:rPr lang="de-de" sz="1100" dirty="0">
                           <a:solidFill>
                             <a:schemeClr val="tx1"/>
                           </a:solidFill>
                           <a:latin typeface="Adobe Clean" panose="020B0503020404020204" pitchFamily="34" charset="0"/>
                         </a:rPr>
-                        <a:t>9 am – 5:30 pm</a:t>
+                        <a:t>上午 9 點 – 下午 5:30</a:t>
                       </a:r>
                     </a:p>
                   </a:txBody>
@@ -17012,7 +15637,7 @@
                     <a:bodyPr/>
                     <a:lstStyle/>
                     <a:p>
-                      <a:pPr marL="0" marR="0" lvl="0" indent="0" algn="ctr" eaLnBrk="1" fontAlgn="auto" latinLnBrk="0" hangingPunct="1">
+                      <a:pPr marL="0" marR="0" lvl="0" indent="0" algn="ctr" defTabSz="914400" eaLnBrk="1" fontAlgn="auto" latinLnBrk="0" hangingPunct="1">
                         <a:lnSpc>
                           <a:spcPct val="100000"/>
                         </a:lnSpc>
@@ -17026,22 +15651,18 @@
                         <a:buSzTx/>
                         <a:buFontTx/>
                         <a:buNone/>
+                        <a:tabLst/>
+                        <a:defRPr/>
                       </a:pPr>
                       <a:r>
-                        <a:rPr lang="en-US" sz="1100" dirty="0">
+                        <a:rPr lang="de-de" sz="1100" dirty="0">
                           <a:solidFill>
                             <a:schemeClr val="tx1"/>
                           </a:solidFill>
-                          <a:latin typeface="Adobe Clean"/>
+                          <a:latin typeface="Adobe Clean" panose="020B0503020404020204" pitchFamily="34" charset="0"/>
                         </a:rPr>
-                        <a:t>Language support is only available in English and Japanese. </a:t>
+                        <a:t>僅提供英文和日文的語言支援</a:t>
                       </a:r>
-                      <a:endParaRPr lang="en-US" sz="1100" dirty="0">
-                        <a:solidFill>
-                          <a:schemeClr val="tx1"/>
-                        </a:solidFill>
-                        <a:latin typeface="Adobe Clean" panose="020B0503020404020204" pitchFamily="34" charset="0"/>
-                      </a:endParaRPr>
                     </a:p>
                     <a:p>
                       <a:pPr marL="0" marR="0" lvl="0" indent="0" algn="ctr" defTabSz="914400" eaLnBrk="1" fontAlgn="auto" latinLnBrk="0" hangingPunct="1">
@@ -17079,37 +15700,46 @@
                     <a:p>
                       <a:pPr algn="ctr"/>
                       <a:r>
-                        <a:rPr lang="en-US" sz="1100" i="0" dirty="0">
+                        <a:rPr lang="de-de" sz="1100" i="0" dirty="0">
                           <a:solidFill>
                             <a:schemeClr val="tx1"/>
                           </a:solidFill>
-                          <a:latin typeface="Adobe Clean"/>
+                          <a:latin typeface="Adobe Clean" panose="020B0503020404020204" pitchFamily="34" charset="0"/>
                         </a:rPr>
-                        <a:t> </a:t>
+                        <a:t> </a:t>
                       </a:r>
                       <a:r>
-                        <a:rPr lang="en-US" sz="1100" i="0" baseline="30000" dirty="0">
+                        <a:rPr lang="de-de" sz="1100" i="0" baseline="30000" dirty="0">
                           <a:solidFill>
                             <a:schemeClr val="tx1"/>
                           </a:solidFill>
-                          <a:latin typeface="Adobe Clean"/>
+                          <a:latin typeface="Adobe Clean" panose="020B0503020404020204" pitchFamily="34" charset="0"/>
                         </a:rPr>
                         <a:t>1 </a:t>
                       </a:r>
                       <a:r>
-                        <a:rPr lang="en-US" sz="1100" i="0" dirty="0">
+                        <a:rPr lang="de-de" sz="1100" i="0" dirty="0">
                           <a:solidFill>
                             <a:schemeClr val="tx1"/>
                           </a:solidFill>
-                          <a:latin typeface="Adobe Clean"/>
+                          <a:latin typeface="Adobe Clean" panose="020B0503020404020204" pitchFamily="34" charset="0"/>
                         </a:rPr>
-                        <a:t>P2, P3, P4 cases are limited to business hours only in Japan.</a:t>
+                        <a:t>P2、P3、P4 </a:t>
                       </a:r>
-                      <a:endParaRPr lang="en-US" sz="1100" b="1" i="0" dirty="0">
+                      <a:r>
+                        <a:rPr lang="zh-TW" altLang="en-US" sz="1100" i="0">
+                          <a:solidFill>
+                            <a:schemeClr val="tx1"/>
+                          </a:solidFill>
+                          <a:latin typeface="Adobe Clean" panose="020B0503020404020204" pitchFamily="34" charset="0"/>
+                        </a:rPr>
+                        <a:t>案件僅限於在日本的營業時間提交。</a:t>
+                      </a:r>
+                      <a:endParaRPr lang="de-de" sz="1100" b="1" i="0" dirty="0">
                         <a:solidFill>
                           <a:schemeClr val="tx1"/>
                         </a:solidFill>
-                        <a:latin typeface="Adobe Clean"/>
+                        <a:latin typeface="Adobe Clean" panose="020B0503020404020204" pitchFamily="34" charset="0"/>
                       </a:endParaRPr>
                     </a:p>
                   </a:txBody>
@@ -17474,124 +16104,34 @@
               </a:spcBef>
             </a:pPr>
             <a:r>
-              <a:rPr sz="1200" b="1" spc="-15" dirty="0">
+              <a:rPr lang="de-de" sz="1200" b="1" spc="-15" dirty="0">
                 <a:solidFill>
                   <a:srgbClr val="FFFFFF"/>
                 </a:solidFill>
                 <a:latin typeface="Adobe Clean"/>
                 <a:cs typeface="Adobe Clean"/>
               </a:rPr>
-              <a:t>U</a:t>
-            </a:r>
-            <a:r>
-              <a:rPr sz="1200" b="1" spc="-20" dirty="0">
+              <a:t>無與倫比的</a:t>
+            </a:r>
+            <a:r>
+              <a:rPr lang="de-de" sz="1200" b="1" spc="-20" dirty="0">
                 <a:solidFill>
                   <a:srgbClr val="FFFFFF"/>
                 </a:solidFill>
                 <a:latin typeface="Adobe Clean"/>
                 <a:cs typeface="Adobe Clean"/>
               </a:rPr>
-              <a:t>n</a:t>
-            </a:r>
-            <a:r>
-              <a:rPr sz="1200" b="1" spc="-25" dirty="0">
+              <a:t>專業知識</a:t>
+            </a:r>
+            <a:r>
+              <a:rPr lang="de-de" sz="1200" b="1" dirty="0">
                 <a:solidFill>
                   <a:srgbClr val="FFFFFF"/>
                 </a:solidFill>
                 <a:latin typeface="Adobe Clean"/>
                 <a:cs typeface="Adobe Clean"/>
               </a:rPr>
-              <a:t>p</a:t>
-            </a:r>
-            <a:r>
-              <a:rPr sz="1200" b="1" spc="-15" dirty="0">
-                <a:solidFill>
-                  <a:srgbClr val="FFFFFF"/>
-                </a:solidFill>
-                <a:latin typeface="Adobe Clean"/>
-                <a:cs typeface="Adobe Clean"/>
-              </a:rPr>
-              <a:t>a</a:t>
-            </a:r>
-            <a:r>
-              <a:rPr sz="1200" b="1" spc="-25" dirty="0">
-                <a:solidFill>
-                  <a:srgbClr val="FFFFFF"/>
-                </a:solidFill>
-                <a:latin typeface="Adobe Clean"/>
-                <a:cs typeface="Adobe Clean"/>
-              </a:rPr>
-              <a:t>r</a:t>
-            </a:r>
-            <a:r>
-              <a:rPr sz="1200" b="1" spc="-15" dirty="0">
-                <a:solidFill>
-                  <a:srgbClr val="FFFFFF"/>
-                </a:solidFill>
-                <a:latin typeface="Adobe Clean"/>
-                <a:cs typeface="Adobe Clean"/>
-              </a:rPr>
-              <a:t>a</a:t>
-            </a:r>
-            <a:r>
-              <a:rPr sz="1200" b="1" spc="-30" dirty="0">
-                <a:solidFill>
-                  <a:srgbClr val="FFFFFF"/>
-                </a:solidFill>
-                <a:latin typeface="Adobe Clean"/>
-                <a:cs typeface="Adobe Clean"/>
-              </a:rPr>
-              <a:t>ll</a:t>
-            </a:r>
-            <a:r>
-              <a:rPr sz="1200" b="1" spc="-25" dirty="0">
-                <a:solidFill>
-                  <a:srgbClr val="FFFFFF"/>
-                </a:solidFill>
-                <a:latin typeface="Adobe Clean"/>
-                <a:cs typeface="Adobe Clean"/>
-              </a:rPr>
-              <a:t>e</a:t>
-            </a:r>
-            <a:r>
-              <a:rPr sz="1200" b="1" spc="-30" dirty="0">
-                <a:solidFill>
-                  <a:srgbClr val="FFFFFF"/>
-                </a:solidFill>
-                <a:latin typeface="Adobe Clean"/>
-                <a:cs typeface="Adobe Clean"/>
-              </a:rPr>
-              <a:t>l</a:t>
-            </a:r>
-            <a:r>
-              <a:rPr sz="1200" b="1" spc="-25" dirty="0">
-                <a:solidFill>
-                  <a:srgbClr val="FFFFFF"/>
-                </a:solidFill>
-                <a:latin typeface="Adobe Clean"/>
-                <a:cs typeface="Adobe Clean"/>
-              </a:rPr>
-              <a:t>e</a:t>
-            </a:r>
-            <a:r>
-              <a:rPr sz="1200" b="1" dirty="0">
-                <a:solidFill>
-                  <a:srgbClr val="FFFFFF"/>
-                </a:solidFill>
-                <a:latin typeface="Adobe Clean"/>
-                <a:cs typeface="Adobe Clean"/>
-              </a:rPr>
-              <a:t>d  </a:t>
-            </a:r>
-            <a:r>
-              <a:rPr sz="1200" b="1" spc="-25" dirty="0">
-                <a:solidFill>
-                  <a:srgbClr val="FFFFFF"/>
-                </a:solidFill>
-                <a:latin typeface="Adobe Clean"/>
-                <a:cs typeface="Adobe Clean"/>
-              </a:rPr>
-              <a:t>Expertise</a:t>
+              <a:t> </a:t>
             </a:r>
             <a:endParaRPr sz="1200" dirty="0">
               <a:latin typeface="Adobe Clean"/>
@@ -17636,14 +16176,14 @@
               </a:spcBef>
             </a:pPr>
             <a:r>
-              <a:rPr lang="en-US" sz="1200" b="1" spc="-15" dirty="0">
+              <a:rPr lang="de-de" sz="1200" b="1" spc="-15" dirty="0">
                 <a:solidFill>
                   <a:srgbClr val="FFFFFF"/>
                 </a:solidFill>
                 <a:latin typeface="Adobe Clean"/>
                 <a:cs typeface="Adobe Clean"/>
               </a:rPr>
-              <a:t>Accelerated Support</a:t>
+              <a:t>加速支援</a:t>
             </a:r>
             <a:endParaRPr sz="1200" dirty="0">
               <a:latin typeface="Adobe Clean"/>
@@ -17688,104 +16228,44 @@
               </a:spcBef>
             </a:pPr>
             <a:r>
-              <a:rPr sz="1200" b="1" spc="-50" dirty="0">
+              <a:rPr lang="de-de" sz="1200" b="1" spc="-50" dirty="0">
                 <a:solidFill>
                   <a:srgbClr val="FFFFFF"/>
                 </a:solidFill>
                 <a:latin typeface="Adobe Clean"/>
                 <a:cs typeface="Adobe Clean"/>
               </a:rPr>
-              <a:t>S</a:t>
-            </a:r>
-            <a:r>
-              <a:rPr sz="1200" b="1" spc="-20" dirty="0">
+              <a:t>策</a:t>
+            </a:r>
+            <a:r>
+              <a:rPr lang="de-de" sz="1200" b="1" spc="-20" dirty="0">
                 <a:solidFill>
                   <a:srgbClr val="FFFFFF"/>
                 </a:solidFill>
                 <a:latin typeface="Adobe Clean"/>
                 <a:cs typeface="Adobe Clean"/>
               </a:rPr>
-              <a:t>t</a:t>
-            </a:r>
-            <a:r>
-              <a:rPr sz="1200" b="1" spc="-75" dirty="0">
+              <a:t>略</a:t>
+            </a:r>
+            <a:r>
+              <a:rPr lang="de-de" sz="1200" b="1" spc="-75" dirty="0">
                 <a:solidFill>
                   <a:srgbClr val="FFFFFF"/>
                 </a:solidFill>
                 <a:latin typeface="Adobe Clean"/>
                 <a:cs typeface="Adobe Clean"/>
               </a:rPr>
-              <a:t>r</a:t>
-            </a:r>
-            <a:r>
-              <a:rPr sz="1200" b="1" spc="-90" dirty="0">
+              <a:t>性</a:t>
+            </a:r>
+            <a:r>
+              <a:rPr lang="de-de" sz="1200" b="1" spc="-45" dirty="0">
                 <a:solidFill>
                   <a:srgbClr val="FFFFFF"/>
                 </a:solidFill>
                 <a:latin typeface="Adobe Clean"/>
                 <a:cs typeface="Adobe Clean"/>
               </a:rPr>
-              <a:t>a</a:t>
-            </a:r>
-            <a:r>
-              <a:rPr sz="1200" b="1" spc="-55" dirty="0">
-                <a:solidFill>
-                  <a:srgbClr val="FFFFFF"/>
-                </a:solidFill>
-                <a:latin typeface="Adobe Clean"/>
-                <a:cs typeface="Adobe Clean"/>
-              </a:rPr>
-              <a:t>t</a:t>
-            </a:r>
-            <a:r>
-              <a:rPr sz="1200" b="1" spc="-100" dirty="0">
-                <a:solidFill>
-                  <a:srgbClr val="FFFFFF"/>
-                </a:solidFill>
-                <a:latin typeface="Adobe Clean"/>
-                <a:cs typeface="Adobe Clean"/>
-              </a:rPr>
-              <a:t>e</a:t>
-            </a:r>
-            <a:r>
-              <a:rPr sz="1200" b="1" spc="-80" dirty="0">
-                <a:solidFill>
-                  <a:srgbClr val="FFFFFF"/>
-                </a:solidFill>
-                <a:latin typeface="Adobe Clean"/>
-                <a:cs typeface="Adobe Clean"/>
-              </a:rPr>
-              <a:t>g</a:t>
-            </a:r>
-            <a:r>
-              <a:rPr sz="1200" b="1" spc="-35" dirty="0">
-                <a:solidFill>
-                  <a:srgbClr val="FFFFFF"/>
-                </a:solidFill>
-                <a:latin typeface="Adobe Clean"/>
-                <a:cs typeface="Adobe Clean"/>
-              </a:rPr>
-              <a:t>i</a:t>
-            </a:r>
-            <a:r>
-              <a:rPr sz="1200" b="1" dirty="0">
-                <a:solidFill>
-                  <a:srgbClr val="FFFFFF"/>
-                </a:solidFill>
-                <a:latin typeface="Adobe Clean"/>
-                <a:cs typeface="Adobe Clean"/>
-              </a:rPr>
-              <a:t>c  </a:t>
-            </a:r>
-            <a:r>
-              <a:rPr sz="1200" b="1" spc="-45" dirty="0">
-                <a:solidFill>
-                  <a:srgbClr val="FFFFFF"/>
-                </a:solidFill>
-                <a:latin typeface="Adobe Clean"/>
-                <a:cs typeface="Adobe Clean"/>
-              </a:rPr>
-              <a:t>Advice</a:t>
+              <a:t>建議</a:t>
             </a:r>
             <a:endParaRPr sz="1200" dirty="0">
               <a:latin typeface="Adobe Clean"/>
@@ -17816,7 +16296,7 @@
         </p:nvGraphicFramePr>
         <p:xfrm>
           <a:off x="194236" y="1059345"/>
-          <a:ext cx="7368291" cy="3235960"/>
+          <a:ext cx="7368291" cy="2473960"/>
         </p:xfrm>
         <a:graphic>
           <a:graphicData uri="http://schemas.openxmlformats.org/drawingml/2006/table">
@@ -17847,7 +16327,7 @@
                     <a:lstStyle/>
                     <a:p>
                       <a:r>
-                        <a:rPr lang="en-US" sz="1100" b="0" dirty="0">
+                        <a:rPr lang="de-de" sz="1100" b="0" dirty="0">
                           <a:solidFill>
                             <a:schemeClr val="tx1"/>
                           </a:solidFill>
@@ -17939,7 +16419,7 @@
                         <a:defRPr/>
                       </a:pPr>
                       <a:r>
-                        <a:rPr lang="en-US" sz="1000" b="0" kern="1200" dirty="0">
+                        <a:rPr lang="de-de" sz="1000" b="0" kern="1200" dirty="0">
                           <a:solidFill>
                             <a:srgbClr val="000000"/>
                           </a:solidFill>
@@ -17947,7 +16427,7 @@
                           <a:ea typeface="+mn-ea"/>
                           <a:cs typeface="+mn-cs"/>
                         </a:rPr>
-                        <a:t>Experience League is how Adobe helps businesses achieve the value they expect from their Adobe investment. It’s the unified place where customers can learn, connect, and grow along a personalized path to success that includes self-help tutorials, product documentation, instructor-led training, community and technical support. </a:t>
+                        <a:t>Experience League 是 Adobe 幫助企業經由其所做的 Adobe 投資來實現預期價值的方式。這是一個統一的位置，客戶可以在這裡學習、交流並沿著個人化的成功路徑而成長，這裡有提供自助式教學課程、產品文件、由講師授課的培訓課程、社群及技術支援。</a:t>
                       </a:r>
                     </a:p>
                   </a:txBody>
@@ -18029,7 +16509,7 @@
                         <a:defRPr/>
                       </a:pPr>
                       <a:r>
-                        <a:rPr lang="en-US" sz="1100" dirty="0">
+                        <a:rPr lang="de-de" sz="1100" dirty="0">
                           <a:solidFill>
                             <a:schemeClr val="dk1"/>
                           </a:solidFill>
@@ -18039,19 +16519,7 @@
                           <a:cs typeface="+mn-cs"/>
                           <a:hlinkClick r:id="rId8"/>
                         </a:rPr>
-                        <a:t>Training</a:t>
-                      </a:r>
-                      <a:r>
-                        <a:rPr lang="en-US" sz="1100" dirty="0">
-                          <a:solidFill>
-                            <a:schemeClr val="dk1"/>
-                          </a:solidFill>
-                          <a:effectLst/>
-                          <a:latin typeface="Adobe Clean" panose="020B0503020404020204" pitchFamily="34" charset="0"/>
-                          <a:ea typeface="+mn-ea"/>
-                          <a:cs typeface="+mn-cs"/>
-                        </a:rPr>
-                        <a:t> </a:t>
+                        <a:t>培訓</a:t>
                       </a:r>
                       <a:endParaRPr lang="en-US" sz="1100" dirty="0">
                         <a:solidFill>
@@ -18135,7 +16603,7 @@
                         <a:defRPr/>
                       </a:pPr>
                       <a:r>
-                        <a:rPr lang="en-US" sz="1000" kern="1200" dirty="0">
+                        <a:rPr lang="de-de" sz="1000" kern="1200" dirty="0">
                           <a:solidFill>
                             <a:srgbClr val="000000"/>
                           </a:solidFill>
@@ -18143,7 +16611,7 @@
                           <a:ea typeface="+mn-ea"/>
                           <a:cs typeface="+mn-cs"/>
                         </a:rPr>
-                        <a:t>Adobe Digital Learning Services courses are accessible from Experience League. Learning courses integrate both on-demand and instructor-led lessons.  Here you can accrue skills that have recognized market value and position them to drive success in your organizations.</a:t>
+                        <a:t>您可以從 Experience League 存取 Adobe 數位學習服務課程。學習課程整合了隨需和教師指導的課程。在這裡，您可以習取市場公認價值的技能，並將其定位以促進貴組織獲致成功。</a:t>
                       </a:r>
                     </a:p>
                   </a:txBody>
@@ -18225,7 +16693,7 @@
                         <a:defRPr/>
                       </a:pPr>
                       <a:r>
-                        <a:rPr lang="en-US" sz="1100" dirty="0">
+                        <a:rPr lang="de-de" sz="1100" dirty="0">
                           <a:solidFill>
                             <a:schemeClr val="tx1"/>
                           </a:solidFill>
@@ -18235,7 +16703,7 @@
                           <a:cs typeface="+mn-cs"/>
                           <a:hlinkClick r:id="rId9"/>
                         </a:rPr>
-                        <a:t>Production Issues &amp; System Outages</a:t>
+                        <a:t>生產問題與系統中斷</a:t>
                       </a:r>
                       <a:endParaRPr lang="en-US" sz="1100" dirty="0">
                         <a:solidFill>
@@ -18319,7 +16787,7 @@
                         <a:defRPr/>
                       </a:pPr>
                       <a:r>
-                        <a:rPr lang="en-US" sz="1000" kern="1200" dirty="0">
+                        <a:rPr lang="de-de" sz="1000" kern="1200" dirty="0">
                           <a:solidFill>
                             <a:srgbClr val="000000"/>
                           </a:solidFill>
@@ -18327,7 +16795,7 @@
                           <a:ea typeface="+mn-ea"/>
                           <a:cs typeface="+mn-cs"/>
                         </a:rPr>
-                        <a:t>Status.adobe.com conveys the health information of all Adobe products and services that are deployed in multi-tenant environments. Customers can choose their subscription preferences to get email notifications whenever Adobe creates, updates or resolves a product event. This can include scheduled maintenance or service issues of varying levels of severity. </a:t>
+                        <a:t>Status.adobe.com 會傳達所有在多租用戶環境中部署的 Adobe 產品與服務的健康資訊。客戶可以選擇其訂閱偏好設定，以便在 Adobe 建立、更新或解決產品事件時收到電子郵件通知。這可以包括預定的維護或是不同嚴重性等級的服務問題。</a:t>
                       </a:r>
                     </a:p>
                   </a:txBody>
@@ -18409,7 +16877,7 @@
                         <a:defRPr/>
                       </a:pPr>
                       <a:r>
-                        <a:rPr lang="en-US" sz="1100" dirty="0">
+                        <a:rPr lang="de-de" sz="1100" dirty="0">
                           <a:solidFill>
                             <a:schemeClr val="tx1"/>
                           </a:solidFill>
@@ -18419,7 +16887,7 @@
                           <a:cs typeface="+mn-cs"/>
                           <a:hlinkClick r:id="rId10"/>
                         </a:rPr>
-                        <a:t>Terms and Conditions</a:t>
+                        <a:t>條款與條件</a:t>
                       </a:r>
                       <a:endParaRPr lang="en-US" sz="1100" dirty="0">
                         <a:solidFill>
@@ -18486,7 +16954,7 @@
                     <a:lstStyle/>
                     <a:p>
                       <a:r>
-                        <a:rPr lang="en-US" sz="1000" kern="1200" dirty="0">
+                        <a:rPr lang="de-de" sz="1000" kern="1200" dirty="0">
                           <a:solidFill>
                             <a:srgbClr val="000000"/>
                           </a:solidFill>
@@ -18494,7 +16962,7 @@
                           <a:ea typeface="+mn-ea"/>
                           <a:cs typeface="+mn-cs"/>
                         </a:rPr>
-                        <a:t>Terms and conditions detailing Support Services offerings</a:t>
+                        <a:t>詳述支援服務方案的條款與條件</a:t>
                       </a:r>
                     </a:p>
                   </a:txBody>
@@ -18558,7 +17026,7 @@
       </p:graphicFrame>
       <p:pic>
         <p:nvPicPr>
-          <p:cNvPr id="8" name="Graphic 7" descr="Target outline">
+          <p:cNvPr id="8" name="Graphic 7" descr="目標大綱">
             <a:extLst>
               <a:ext uri="{FF2B5EF4-FFF2-40B4-BE49-F238E27FC236}">
                 <a16:creationId xmlns:a16="http://schemas.microsoft.com/office/drawing/2014/main" id="{1EAA263E-04A7-0D46-952E-EA3033B45116}"/>
@@ -18597,7 +17065,7 @@
       </p:pic>
       <p:pic>
         <p:nvPicPr>
-          <p:cNvPr id="10" name="Graphic 9" descr="Rocket outline">
+          <p:cNvPr id="10" name="Graphic 9" descr="火箭大綱">
             <a:extLst>
               <a:ext uri="{FF2B5EF4-FFF2-40B4-BE49-F238E27FC236}">
                 <a16:creationId xmlns:a16="http://schemas.microsoft.com/office/drawing/2014/main" id="{A068EBC3-B418-4E4A-A520-101CA4B39F23}"/>
@@ -18636,7 +17104,7 @@
       </p:pic>
       <p:pic>
         <p:nvPicPr>
-          <p:cNvPr id="12" name="Graphic 11" descr="Medal outline">
+          <p:cNvPr id="12" name="Graphic 11" descr="獎章概述">
             <a:extLst>
               <a:ext uri="{FF2B5EF4-FFF2-40B4-BE49-F238E27FC236}">
                 <a16:creationId xmlns:a16="http://schemas.microsoft.com/office/drawing/2014/main" id="{C7BEFC2D-0CA6-0448-B9FA-6E1581CA6D36}"/>
@@ -19265,6 +17733,15 @@
 </file>
 
 <file path=customXml/item1.xml><?xml version="1.0" encoding="utf-8"?>
+<?mso-contentType ?>
+<FormTemplates xmlns="http://schemas.microsoft.com/sharepoint/v3/contenttype/forms">
+  <Display>DocumentLibraryForm</Display>
+  <Edit>DocumentLibraryForm</Edit>
+  <New>DocumentLibraryForm</New>
+</FormTemplates>
+</file>
+
+<file path=customXml/item2.xml><?xml version="1.0" encoding="utf-8"?>
 <ct:contentTypeSchema xmlns:ct="http://schemas.microsoft.com/office/2006/metadata/contentType" xmlns:ma="http://schemas.microsoft.com/office/2006/metadata/properties/metaAttributes" ct:_="" ma:_="" ma:contentTypeName="Document" ma:contentTypeID="0x010100E783BF6876BCC646A459363AF21A7736" ma:contentTypeVersion="10" ma:contentTypeDescription="Create a new document." ma:contentTypeScope="" ma:versionID="c4ffda7f4f415767600769e454c2ea87">
   <xsd:schema xmlns:xsd="http://www.w3.org/2001/XMLSchema" xmlns:xs="http://www.w3.org/2001/XMLSchema" xmlns:p="http://schemas.microsoft.com/office/2006/metadata/properties" xmlns:ns2="8a053bff-88be-49e4-9a87-e748e18b8b62" xmlns:ns3="6c8368ec-3776-49b5-a5bb-90648cf9530f" targetNamespace="http://schemas.microsoft.com/office/2006/metadata/properties" ma:root="true" ma:fieldsID="df3ec33bccc23e23bce7bc897fad43d1" ns2:_="" ns3:_="">
     <xsd:import namespace="8a053bff-88be-49e4-9a87-e748e18b8b62"/>
@@ -19469,15 +17946,6 @@
 </ct:contentTypeSchema>
 </file>
 
-<file path=customXml/item2.xml><?xml version="1.0" encoding="utf-8"?>
-<?mso-contentType ?>
-<FormTemplates xmlns="http://schemas.microsoft.com/sharepoint/v3/contenttype/forms">
-  <Display>DocumentLibraryForm</Display>
-  <Edit>DocumentLibraryForm</Edit>
-  <New>DocumentLibraryForm</New>
-</FormTemplates>
-</file>
-
 <file path=customXml/item3.xml><?xml version="1.0" encoding="utf-8"?>
 <p:properties xmlns:p="http://schemas.microsoft.com/office/2006/metadata/properties" xmlns:xsi="http://www.w3.org/2001/XMLSchema-instance" xmlns:pc="http://schemas.microsoft.com/office/infopath/2007/PartnerControls">
   <documentManagement/>
@@ -19485,6 +17953,14 @@
 </file>
 
 <file path=customXml/itemProps1.xml><?xml version="1.0" encoding="utf-8"?>
+<ds:datastoreItem xmlns:ds="http://schemas.openxmlformats.org/officeDocument/2006/customXml" ds:itemID="{669D9D3B-3229-44EE-9964-24A06AE66887}">
+  <ds:schemaRefs>
+    <ds:schemaRef ds:uri="http://schemas.microsoft.com/sharepoint/v3/contenttype/forms"/>
+  </ds:schemaRefs>
+</ds:datastoreItem>
+</file>
+
+<file path=customXml/itemProps2.xml><?xml version="1.0" encoding="utf-8"?>
 <ds:datastoreItem xmlns:ds="http://schemas.openxmlformats.org/officeDocument/2006/customXml" ds:itemID="{75C1A8FD-3884-41A0-BE37-D15776C885D1}">
   <ds:schemaRefs>
     <ds:schemaRef ds:uri="http://schemas.microsoft.com/office/2006/metadata/contentType"/>
@@ -19503,14 +17979,6 @@
 </ds:datastoreItem>
 </file>
 
-<file path=customXml/itemProps2.xml><?xml version="1.0" encoding="utf-8"?>
-<ds:datastoreItem xmlns:ds="http://schemas.openxmlformats.org/officeDocument/2006/customXml" ds:itemID="{669D9D3B-3229-44EE-9964-24A06AE66887}">
-  <ds:schemaRefs>
-    <ds:schemaRef ds:uri="http://schemas.microsoft.com/sharepoint/v3/contenttype/forms"/>
-  </ds:schemaRefs>
-</ds:datastoreItem>
-</file>
-
 <file path=customXml/itemProps3.xml><?xml version="1.0" encoding="utf-8"?>
 <ds:datastoreItem xmlns:ds="http://schemas.openxmlformats.org/officeDocument/2006/customXml" ds:itemID="{CED41536-010B-47B1-9229-B72BE4090090}">
   <ds:schemaRefs>

--- a/help/data-sheets/assets/EliteSupportDatasheet.pptx
+++ b/help/data-sheets/assets/EliteSupportDatasheet.pptx
@@ -151,9 +151,38 @@
 <file path=ppt/revisionInfo.xml><?xml version="1.0" encoding="utf-8"?>
 <p1510:revInfo xmlns:a="http://schemas.openxmlformats.org/drawingml/2006/main" xmlns:r="http://schemas.openxmlformats.org/officeDocument/2006/relationships" xmlns:p1510="http://schemas.microsoft.com/office/powerpoint/2015/10/main">
   <p1510:revLst>
-    <p1510:client id="{86768B6F-E5DF-274A-B928-9320E1DF9962}" v="132" dt="2021-08-07T02:18:13.925"/>
+    <p1510:client id="{0BC4D7A0-4BBD-1B49-BE14-170949F0EA37}" v="4" dt="2021-10-13T19:10:14.670"/>
   </p1510:revLst>
 </p1510:revInfo>
+</file>
+
+<file path=ppt/changesInfos/changesInfo1.xml><?xml version="1.0" encoding="utf-8"?>
+<pc:chgInfo xmlns:a="http://schemas.openxmlformats.org/drawingml/2006/main" xmlns:r="http://schemas.openxmlformats.org/officeDocument/2006/relationships" xmlns:ac="http://schemas.microsoft.com/office/drawing/2013/main/command" xmlns:pc="http://schemas.microsoft.com/office/powerpoint/2013/main/command">
+  <pc:docChgLst>
+    <pc:chgData name="Lauren Schutte" userId="6e08b2d3-447a-4d66-86be-444d50df187f" providerId="ADAL" clId="{0BC4D7A0-4BBD-1B49-BE14-170949F0EA37}"/>
+    <pc:docChg chg="modSld">
+      <pc:chgData name="Lauren Schutte" userId="6e08b2d3-447a-4d66-86be-444d50df187f" providerId="ADAL" clId="{0BC4D7A0-4BBD-1B49-BE14-170949F0EA37}" dt="2021-10-13T19:10:14.671" v="3" actId="1035"/>
+      <pc:docMkLst>
+        <pc:docMk/>
+      </pc:docMkLst>
+      <pc:sldChg chg="modSp mod">
+        <pc:chgData name="Lauren Schutte" userId="6e08b2d3-447a-4d66-86be-444d50df187f" providerId="ADAL" clId="{0BC4D7A0-4BBD-1B49-BE14-170949F0EA37}" dt="2021-10-13T19:10:14.671" v="3" actId="1035"/>
+        <pc:sldMkLst>
+          <pc:docMk/>
+          <pc:sldMk cId="0" sldId="256"/>
+        </pc:sldMkLst>
+        <pc:spChg chg="mod">
+          <ac:chgData name="Lauren Schutte" userId="6e08b2d3-447a-4d66-86be-444d50df187f" providerId="ADAL" clId="{0BC4D7A0-4BBD-1B49-BE14-170949F0EA37}" dt="2021-10-13T19:10:14.671" v="3" actId="1035"/>
+          <ac:spMkLst>
+            <pc:docMk/>
+            <pc:sldMk cId="0" sldId="256"/>
+            <ac:spMk id="4" creationId="{00000000-0000-0000-0000-000000000000}"/>
+          </ac:spMkLst>
+        </pc:spChg>
+      </pc:sldChg>
+    </pc:docChg>
+  </pc:docChgLst>
+</pc:chgInfo>
 </file>
 
 <file path=ppt/notesMasters/notesMaster1.xml><?xml version="1.0" encoding="utf-8"?>
@@ -238,7 +267,7 @@
           <a:p>
             <a:fld id="{C12E57D6-2086-AA47-A7A4-C0CDE7C14E44}" type="datetimeFigureOut">
               <a:rPr lang="en-US" smtClean="0"/>
-              <a:t>10/11/21</a:t>
+              <a:t>10/13/2021</a:t>
             </a:fld>
             <a:endParaRPr lang="en-US"/>
           </a:p>
@@ -549,7 +578,7 @@
           <a:bodyPr/>
           <a:lstStyle/>
           <a:p>
-            <a:endParaRPr lang="en-US" dirty="0"/>
+            <a:endParaRPr lang="en-US"/>
           </a:p>
         </p:txBody>
       </p:sp>
@@ -633,7 +662,7 @@
           <a:bodyPr/>
           <a:lstStyle/>
           <a:p>
-            <a:endParaRPr lang="en-US" dirty="0"/>
+            <a:endParaRPr lang="en-US"/>
           </a:p>
         </p:txBody>
       </p:sp>
@@ -812,7 +841,7 @@
           <a:p>
             <a:fld id="{1D8BD707-D9CF-40AE-B4C6-C98DA3205C09}" type="datetimeFigureOut">
               <a:rPr lang="en-US"/>
-              <a:t>10/11/21</a:t>
+              <a:t>10/13/2021</a:t>
             </a:fld>
             <a:endParaRPr lang="en-US"/>
           </a:p>
@@ -852,7 +881,7 @@
               </a:spcBef>
             </a:pPr>
             <a:r>
-              <a:rPr spc="-5" dirty="0"/>
+              <a:rPr spc="-5"/>
               <a:t>©</a:t>
             </a:r>
             <a:fld id="{81D60167-4931-47E6-BA6A-407CBD079E47}" type="slidenum">
@@ -860,35 +889,35 @@
               <a:t>‹#›</a:t>
             </a:fld>
             <a:r>
-              <a:rPr spc="-5" dirty="0"/>
+              <a:rPr spc="-5"/>
               <a:t> Adobe. All</a:t>
             </a:r>
             <a:r>
-              <a:rPr spc="-15" dirty="0"/>
+              <a:rPr spc="-15"/>
               <a:t> Rights</a:t>
             </a:r>
             <a:r>
-              <a:rPr spc="-10" dirty="0"/>
+              <a:rPr spc="-10"/>
               <a:t> </a:t>
             </a:r>
             <a:r>
-              <a:rPr spc="-15" dirty="0"/>
+              <a:rPr spc="-15"/>
               <a:t>Reserved.</a:t>
             </a:r>
             <a:r>
-              <a:rPr spc="-10" dirty="0"/>
+              <a:rPr spc="-10"/>
               <a:t> </a:t>
             </a:r>
             <a:r>
-              <a:rPr spc="-5" dirty="0"/>
+              <a:rPr spc="-5"/>
               <a:t>Adobe</a:t>
             </a:r>
             <a:r>
-              <a:rPr spc="60" dirty="0"/>
+              <a:rPr spc="60"/>
               <a:t> </a:t>
             </a:r>
             <a:r>
-              <a:rPr spc="-15" dirty="0"/>
+              <a:rPr spc="-15"/>
               <a:t>Confidential.</a:t>
             </a:r>
           </a:p>
@@ -1057,7 +1086,7 @@
           <a:p>
             <a:fld id="{1D8BD707-D9CF-40AE-B4C6-C98DA3205C09}" type="datetimeFigureOut">
               <a:rPr lang="en-US"/>
-              <a:t>10/11/21</a:t>
+              <a:t>10/13/2021</a:t>
             </a:fld>
             <a:endParaRPr lang="en-US"/>
           </a:p>
@@ -1097,7 +1126,7 @@
               </a:spcBef>
             </a:pPr>
             <a:r>
-              <a:rPr spc="-5" dirty="0"/>
+              <a:rPr spc="-5"/>
               <a:t>©</a:t>
             </a:r>
             <a:fld id="{81D60167-4931-47E6-BA6A-407CBD079E47}" type="slidenum">
@@ -1105,35 +1134,35 @@
               <a:t>‹#›</a:t>
             </a:fld>
             <a:r>
-              <a:rPr spc="-5" dirty="0"/>
+              <a:rPr spc="-5"/>
               <a:t> Adobe. All</a:t>
             </a:r>
             <a:r>
-              <a:rPr spc="-15" dirty="0"/>
+              <a:rPr spc="-15"/>
               <a:t> Rights</a:t>
             </a:r>
             <a:r>
-              <a:rPr spc="-10" dirty="0"/>
+              <a:rPr spc="-10"/>
               <a:t> </a:t>
             </a:r>
             <a:r>
-              <a:rPr spc="-15" dirty="0"/>
+              <a:rPr spc="-15"/>
               <a:t>Reserved.</a:t>
             </a:r>
             <a:r>
-              <a:rPr spc="-10" dirty="0"/>
+              <a:rPr spc="-10"/>
               <a:t> </a:t>
             </a:r>
             <a:r>
-              <a:rPr spc="-5" dirty="0"/>
+              <a:rPr spc="-5"/>
               <a:t>Adobe</a:t>
             </a:r>
             <a:r>
-              <a:rPr spc="60" dirty="0"/>
+              <a:rPr spc="60"/>
               <a:t> </a:t>
             </a:r>
             <a:r>
-              <a:rPr spc="-15" dirty="0"/>
+              <a:rPr spc="-15"/>
               <a:t>Confidential.</a:t>
             </a:r>
           </a:p>
@@ -1315,7 +1344,7 @@
           <a:p>
             <a:fld id="{1D8BD707-D9CF-40AE-B4C6-C98DA3205C09}" type="datetimeFigureOut">
               <a:rPr lang="en-US"/>
-              <a:t>10/11/21</a:t>
+              <a:t>10/13/2021</a:t>
             </a:fld>
             <a:endParaRPr lang="en-US"/>
           </a:p>
@@ -1355,7 +1384,7 @@
               </a:spcBef>
             </a:pPr>
             <a:r>
-              <a:rPr spc="-5" dirty="0"/>
+              <a:rPr spc="-5"/>
               <a:t>©</a:t>
             </a:r>
             <a:fld id="{81D60167-4931-47E6-BA6A-407CBD079E47}" type="slidenum">
@@ -1363,35 +1392,35 @@
               <a:t>‹#›</a:t>
             </a:fld>
             <a:r>
-              <a:rPr spc="-5" dirty="0"/>
+              <a:rPr spc="-5"/>
               <a:t> Adobe. All</a:t>
             </a:r>
             <a:r>
-              <a:rPr spc="-15" dirty="0"/>
+              <a:rPr spc="-15"/>
               <a:t> Rights</a:t>
             </a:r>
             <a:r>
-              <a:rPr spc="-10" dirty="0"/>
+              <a:rPr spc="-10"/>
               <a:t> </a:t>
             </a:r>
             <a:r>
-              <a:rPr spc="-15" dirty="0"/>
+              <a:rPr spc="-15"/>
               <a:t>Reserved.</a:t>
             </a:r>
             <a:r>
-              <a:rPr spc="-10" dirty="0"/>
+              <a:rPr spc="-10"/>
               <a:t> </a:t>
             </a:r>
             <a:r>
-              <a:rPr spc="-5" dirty="0"/>
+              <a:rPr spc="-5"/>
               <a:t>Adobe</a:t>
             </a:r>
             <a:r>
-              <a:rPr spc="60" dirty="0"/>
+              <a:rPr spc="60"/>
               <a:t> </a:t>
             </a:r>
             <a:r>
-              <a:rPr spc="-15" dirty="0"/>
+              <a:rPr spc="-15"/>
               <a:t>Confidential.</a:t>
             </a:r>
           </a:p>
@@ -1507,7 +1536,7 @@
           <a:p>
             <a:fld id="{1D8BD707-D9CF-40AE-B4C6-C98DA3205C09}" type="datetimeFigureOut">
               <a:rPr lang="en-US"/>
-              <a:t>10/11/21</a:t>
+              <a:t>10/13/2021</a:t>
             </a:fld>
             <a:endParaRPr lang="en-US"/>
           </a:p>
@@ -1547,7 +1576,7 @@
               </a:spcBef>
             </a:pPr>
             <a:r>
-              <a:rPr spc="-5" dirty="0"/>
+              <a:rPr spc="-5"/>
               <a:t>©</a:t>
             </a:r>
             <a:fld id="{81D60167-4931-47E6-BA6A-407CBD079E47}" type="slidenum">
@@ -1555,35 +1584,35 @@
               <a:t>‹#›</a:t>
             </a:fld>
             <a:r>
-              <a:rPr spc="-5" dirty="0"/>
+              <a:rPr spc="-5"/>
               <a:t> Adobe. All</a:t>
             </a:r>
             <a:r>
-              <a:rPr spc="-15" dirty="0"/>
+              <a:rPr spc="-15"/>
               <a:t> Rights</a:t>
             </a:r>
             <a:r>
-              <a:rPr spc="-10" dirty="0"/>
+              <a:rPr spc="-10"/>
               <a:t> </a:t>
             </a:r>
             <a:r>
-              <a:rPr spc="-15" dirty="0"/>
+              <a:rPr spc="-15"/>
               <a:t>Reserved.</a:t>
             </a:r>
             <a:r>
-              <a:rPr spc="-10" dirty="0"/>
+              <a:rPr spc="-10"/>
               <a:t> </a:t>
             </a:r>
             <a:r>
-              <a:rPr spc="-5" dirty="0"/>
+              <a:rPr spc="-5"/>
               <a:t>Adobe</a:t>
             </a:r>
             <a:r>
-              <a:rPr spc="60" dirty="0"/>
+              <a:rPr spc="60"/>
               <a:t> </a:t>
             </a:r>
             <a:r>
-              <a:rPr spc="-15" dirty="0"/>
+              <a:rPr spc="-15"/>
               <a:t>Confidential.</a:t>
             </a:r>
           </a:p>
@@ -1670,7 +1699,7 @@
           <a:p>
             <a:fld id="{1D8BD707-D9CF-40AE-B4C6-C98DA3205C09}" type="datetimeFigureOut">
               <a:rPr lang="en-US"/>
-              <a:t>10/11/21</a:t>
+              <a:t>10/13/2021</a:t>
             </a:fld>
             <a:endParaRPr lang="en-US"/>
           </a:p>
@@ -1710,7 +1739,7 @@
               </a:spcBef>
             </a:pPr>
             <a:r>
-              <a:rPr spc="-5" dirty="0"/>
+              <a:rPr spc="-5"/>
               <a:t>©</a:t>
             </a:r>
             <a:fld id="{81D60167-4931-47E6-BA6A-407CBD079E47}" type="slidenum">
@@ -1718,35 +1747,35 @@
               <a:t>‹#›</a:t>
             </a:fld>
             <a:r>
-              <a:rPr spc="-5" dirty="0"/>
+              <a:rPr spc="-5"/>
               <a:t> Adobe. All</a:t>
             </a:r>
             <a:r>
-              <a:rPr spc="-15" dirty="0"/>
+              <a:rPr spc="-15"/>
               <a:t> Rights</a:t>
             </a:r>
             <a:r>
-              <a:rPr spc="-10" dirty="0"/>
+              <a:rPr spc="-10"/>
               <a:t> </a:t>
             </a:r>
             <a:r>
-              <a:rPr spc="-15" dirty="0"/>
+              <a:rPr spc="-15"/>
               <a:t>Reserved.</a:t>
             </a:r>
             <a:r>
-              <a:rPr spc="-10" dirty="0"/>
+              <a:rPr spc="-10"/>
               <a:t> </a:t>
             </a:r>
             <a:r>
-              <a:rPr spc="-5" dirty="0"/>
+              <a:rPr spc="-5"/>
               <a:t>Adobe</a:t>
             </a:r>
             <a:r>
-              <a:rPr spc="60" dirty="0"/>
+              <a:rPr spc="60"/>
               <a:t> </a:t>
             </a:r>
             <a:r>
-              <a:rPr spc="-15" dirty="0"/>
+              <a:rPr spc="-15"/>
               <a:t>Confidential.</a:t>
             </a:r>
           </a:p>
@@ -1933,7 +1962,7 @@
           <a:p>
             <a:fld id="{1D8BD707-D9CF-40AE-B4C6-C98DA3205C09}" type="datetimeFigureOut">
               <a:rPr lang="en-US"/>
-              <a:t>10/11/21</a:t>
+              <a:t>10/13/2021</a:t>
             </a:fld>
             <a:endParaRPr lang="en-US"/>
           </a:p>
@@ -1983,7 +2012,7 @@
               </a:spcBef>
             </a:pPr>
             <a:r>
-              <a:rPr spc="-5" dirty="0"/>
+              <a:rPr spc="-5"/>
               <a:t>©</a:t>
             </a:r>
             <a:fld id="{81D60167-4931-47E6-BA6A-407CBD079E47}" type="slidenum">
@@ -1991,35 +2020,35 @@
               <a:t>‹#›</a:t>
             </a:fld>
             <a:r>
-              <a:rPr spc="-5" dirty="0"/>
+              <a:rPr spc="-5"/>
               <a:t> Adobe. All</a:t>
             </a:r>
             <a:r>
-              <a:rPr spc="-15" dirty="0"/>
+              <a:rPr spc="-15"/>
               <a:t> Rights</a:t>
             </a:r>
             <a:r>
-              <a:rPr spc="-10" dirty="0"/>
+              <a:rPr spc="-10"/>
               <a:t> </a:t>
             </a:r>
             <a:r>
-              <a:rPr spc="-15" dirty="0"/>
+              <a:rPr spc="-15"/>
               <a:t>Reserved.</a:t>
             </a:r>
             <a:r>
-              <a:rPr spc="-10" dirty="0"/>
+              <a:rPr spc="-10"/>
               <a:t> </a:t>
             </a:r>
             <a:r>
-              <a:rPr spc="-5" dirty="0"/>
+              <a:rPr spc="-5"/>
               <a:t>Adobe</a:t>
             </a:r>
             <a:r>
-              <a:rPr spc="60" dirty="0"/>
+              <a:rPr spc="60"/>
               <a:t> </a:t>
             </a:r>
             <a:r>
-              <a:rPr spc="-15" dirty="0"/>
+              <a:rPr spc="-15"/>
               <a:t>Confidential.</a:t>
             </a:r>
           </a:p>
@@ -2216,25 +2245,27 @@
           </a:prstGeom>
         </p:spPr>
         <p:txBody>
-          <a:bodyPr vert="horz" wrap="square" lIns="0" tIns="12700" rIns="0" bIns="0" rtlCol="0">
+          <a:bodyPr vert="horz" wrap="square" lIns="0" tIns="12700" rIns="0" bIns="0" rtlCol="0" anchor="t">
             <a:spAutoFit/>
           </a:bodyPr>
           <a:lstStyle/>
           <a:p>
             <a:pPr marL="12700">
-              <a:lnSpc>
-                <a:spcPct val="100000"/>
-              </a:lnSpc>
               <a:spcBef>
                 <a:spcPts val="100"/>
               </a:spcBef>
             </a:pPr>
             <a:r>
-              <a:rPr lang="de-de" sz="2300" dirty="0">
-                <a:latin typeface="Adobe Clean" panose="020B0503020404020204" pitchFamily="34" charset="0"/>
-              </a:rPr>
-              <a:t>Adobe 支援方案</a:t>
-            </a:r>
+              <a:rPr sz="2300"/>
+              <a:t>ADOBE </a:t>
+            </a:r>
+            <a:r>
+              <a:rPr lang="en-US" sz="2300"/>
+              <a:t>SUPPORT PLANS</a:t>
+            </a:r>
+            <a:endParaRPr sz="2300">
+              <a:latin typeface="Adobe Clean" panose="020B0503020404020204" pitchFamily="34" charset="0"/>
+            </a:endParaRPr>
           </a:p>
         </p:txBody>
       </p:sp>
@@ -2268,17 +2299,17 @@
               </a:spcBef>
             </a:pPr>
             <a:r>
-              <a:rPr lang="de-de" sz="1100" spc="-5" dirty="0">
+              <a:rPr sz="1100" spc="-5">
                 <a:solidFill>
                   <a:srgbClr val="FFFFFF"/>
                 </a:solidFill>
                 <a:latin typeface="AdobeClean-Light"/>
                 <a:cs typeface="AdobeClean-Light"/>
               </a:rPr>
-              <a:t>線上</a:t>
-            </a:r>
-            <a:r>
-              <a:rPr lang="de-de" sz="1100" dirty="0">
+              <a:t>Online</a:t>
+            </a:r>
+            <a:r>
+              <a:rPr sz="1100">
                 <a:solidFill>
                   <a:srgbClr val="FFFFFF"/>
                 </a:solidFill>
@@ -2288,7 +2319,7 @@
               <a:t> |</a:t>
             </a:r>
             <a:r>
-              <a:rPr lang="de-de" sz="1100" spc="5" dirty="0">
+              <a:rPr sz="1100" spc="5">
                 <a:solidFill>
                   <a:srgbClr val="FFFFFF"/>
                 </a:solidFill>
@@ -2298,17 +2329,17 @@
               <a:t> </a:t>
             </a:r>
             <a:r>
-              <a:rPr lang="de-de" sz="1100" spc="-5" dirty="0">
+              <a:rPr sz="1100" spc="-5">
                 <a:solidFill>
                   <a:srgbClr val="FFFFFF"/>
                 </a:solidFill>
                 <a:latin typeface="AdobeClean-Light"/>
                 <a:cs typeface="AdobeClean-Light"/>
               </a:rPr>
-              <a:t>商務</a:t>
-            </a:r>
-            <a:r>
-              <a:rPr lang="de-de" sz="1100" dirty="0">
+              <a:t>Business</a:t>
+            </a:r>
+            <a:r>
+              <a:rPr sz="1100">
                 <a:solidFill>
                   <a:srgbClr val="FFFFFF"/>
                 </a:solidFill>
@@ -2318,7 +2349,7 @@
               <a:t> |</a:t>
             </a:r>
             <a:r>
-              <a:rPr lang="de-de" sz="1100" spc="10" dirty="0">
+              <a:rPr sz="1100" spc="10">
                 <a:solidFill>
                   <a:srgbClr val="FFFFFF"/>
                 </a:solidFill>
@@ -2328,17 +2359,17 @@
               <a:t> </a:t>
             </a:r>
             <a:r>
-              <a:rPr lang="de-de" sz="1100" spc="-5" dirty="0">
+              <a:rPr sz="1100" spc="-5">
                 <a:solidFill>
                   <a:srgbClr val="FFFFFF"/>
                 </a:solidFill>
                 <a:latin typeface="AdobeClean-Light"/>
                 <a:cs typeface="AdobeClean-Light"/>
               </a:rPr>
-              <a:t>企業</a:t>
-            </a:r>
-            <a:r>
-              <a:rPr lang="de-de" sz="1100" spc="10" dirty="0">
+              <a:t>Enterprise</a:t>
+            </a:r>
+            <a:r>
+              <a:rPr sz="1100" spc="10">
                 <a:solidFill>
                   <a:srgbClr val="FFFFFF"/>
                 </a:solidFill>
@@ -2348,7 +2379,7 @@
               <a:t> </a:t>
             </a:r>
             <a:r>
-              <a:rPr lang="de-de" sz="1100" dirty="0">
+              <a:rPr sz="1100">
                 <a:solidFill>
                   <a:srgbClr val="FFFFFF"/>
                 </a:solidFill>
@@ -2358,7 +2389,7 @@
               <a:t>|</a:t>
             </a:r>
             <a:r>
-              <a:rPr lang="de-de" sz="1100" spc="5" dirty="0">
+              <a:rPr sz="1100" spc="5">
                 <a:solidFill>
                   <a:srgbClr val="FFFFFF"/>
                 </a:solidFill>
@@ -2368,16 +2399,16 @@
               <a:t> </a:t>
             </a:r>
             <a:r>
-              <a:rPr lang="de-de" sz="1100" b="1" spc="-65" dirty="0">
+              <a:rPr sz="1100" b="1" spc="-65">
                 <a:solidFill>
                   <a:srgbClr val="FFFFFF"/>
                 </a:solidFill>
                 <a:latin typeface="Arial"/>
                 <a:cs typeface="Arial"/>
               </a:rPr>
-              <a:t>菁英</a:t>
-            </a:r>
-            <a:endParaRPr sz="1100" dirty="0">
+              <a:t>Elite</a:t>
+            </a:r>
+            <a:endParaRPr sz="1100">
               <a:latin typeface="Arial"/>
               <a:cs typeface="Arial"/>
             </a:endParaRPr>
@@ -2389,15 +2420,15 @@
               </a:spcBef>
             </a:pPr>
             <a:r>
-              <a:rPr lang="de-de" sz="900" dirty="0">
+              <a:rPr lang="en-US" sz="900">
                 <a:solidFill>
                   <a:schemeClr val="bg1"/>
                 </a:solidFill>
                 <a:latin typeface="Adobe Clean SemiLight" panose="020B0403020404020204" pitchFamily="34" charset="0"/>
               </a:rPr>
-              <a:t>Adobe 提供全方位的技術資源來支援您的業務，這些資源包括在您的 Experience Cloud 授權訂閱中，並在菁英支援套件中進一步強化。菁英支援包括透過 Adobe Experience League 存取個人化學習路徑和監控的社群論壇。您還可以利用我們詳細而深入的技術產品文件和目前的版本注意事項。菁英客戶還可以獲得一位指定的支援工程師和一位技術客戶經理，他們將與您合作，提供一流的主動和被動支援，同時作為您在 Adobe 支援團隊的指定技術連絡人。憑藉在指定的 Experience Cloud 解決方案方面的深厚經驗，無論您的支援需求有多複雜，您的 Adobe 支援團隊都會全程與您並肩作戰，以確保您最大化在 Adobe Experience Cloud 解決方案中的投資，並幫助您在問題發生之前未雨綢繆。</a:t>
-            </a:r>
-            <a:endParaRPr sz="900" dirty="0">
+              <a:t>Adobe provides a comprehensive range of technical resources to help support your business included as part of your Experience Cloud license subscription and further enhanced in the ELITE support package. ELITE support includes access to personalized learning paths and monitored community forums via the Adobe Experience League. You can also take advantage of our detailed and in-depth technical product documentation and current release notes. ELITE customers will also have access to a Named Support Engineer as well as a Technical Account Manager who combine and work in partnership with you to provide best in class proactive and reactive support while acting as your designated technical contacts in the Adobe Support Team. With deep experience in your designated Experience Cloud solutions, your support team work to ensure that no matter how complex your support needs are, the Adobe Support team will be there side by side with you throughout, to ensure you maximize your investment in the Adobe Experience Cloud solutions and to help you avoid problems before they happen.</a:t>
+            </a:r>
+            <a:endParaRPr sz="900">
               <a:solidFill>
                 <a:schemeClr val="bg1"/>
               </a:solidFill>
@@ -2415,8 +2446,8 @@
         </p:nvSpPr>
         <p:spPr>
           <a:xfrm>
-            <a:off x="168564" y="7024370"/>
-            <a:ext cx="5394036" cy="228268"/>
+            <a:off x="168564" y="7162800"/>
+            <a:ext cx="2780665" cy="238760"/>
           </a:xfrm>
           <a:prstGeom prst="rect">
             <a:avLst/>
@@ -2437,7 +2468,7 @@
               </a:spcBef>
             </a:pPr>
             <a:r>
-              <a:rPr lang="de-de" sz="1400" b="1" u="heavy" spc="20" dirty="0">
+              <a:rPr sz="1400" b="1" u="heavy" spc="20">
                 <a:solidFill>
                   <a:srgbClr val="020302"/>
                 </a:solidFill>
@@ -2449,10 +2480,10 @@
                 <a:latin typeface="Adobe Clean"/>
                 <a:cs typeface="Adobe Clean"/>
               </a:rPr>
-              <a:t>服務</a:t>
-            </a:r>
-            <a:r>
-              <a:rPr lang="de-de" sz="1400" b="1" u="heavy" spc="-20" dirty="0">
+              <a:t>S</a:t>
+            </a:r>
+            <a:r>
+              <a:rPr sz="1400" b="1" u="heavy">
                 <a:solidFill>
                   <a:srgbClr val="020302"/>
                 </a:solidFill>
@@ -2464,10 +2495,10 @@
                 <a:latin typeface="Adobe Clean"/>
                 <a:cs typeface="Adobe Clean"/>
               </a:rPr>
-              <a:t>層級</a:t>
-            </a:r>
-            <a:r>
-              <a:rPr lang="de-de" sz="1400" b="1" u="heavy" spc="-10" dirty="0">
+              <a:t>er</a:t>
+            </a:r>
+            <a:r>
+              <a:rPr sz="1400" b="1" u="heavy" spc="10">
                 <a:solidFill>
                   <a:srgbClr val="020302"/>
                 </a:solidFill>
@@ -2479,10 +2510,10 @@
                 <a:latin typeface="Adobe Clean"/>
                 <a:cs typeface="Adobe Clean"/>
               </a:rPr>
-              <a:t> </a:t>
-            </a:r>
-            <a:r>
-              <a:rPr lang="de-de" sz="1400" b="1" u="heavy" spc="-65" dirty="0">
+              <a:t>vi</a:t>
+            </a:r>
+            <a:r>
+              <a:rPr sz="1400" b="1" u="heavy">
                 <a:solidFill>
                   <a:srgbClr val="020302"/>
                 </a:solidFill>
@@ -2494,10 +2525,10 @@
                 <a:latin typeface="Adobe Clean"/>
                 <a:cs typeface="Adobe Clean"/>
               </a:rPr>
-              <a:t>目</a:t>
-            </a:r>
-            <a:r>
-              <a:rPr lang="de-de" sz="1400" b="1" u="heavy" spc="-35" dirty="0">
+              <a:t>ce</a:t>
+            </a:r>
+            <a:r>
+              <a:rPr sz="1400" b="1" u="heavy" spc="20">
                 <a:solidFill>
                   <a:srgbClr val="020302"/>
                 </a:solidFill>
@@ -2509,10 +2540,10 @@
                 <a:latin typeface="Adobe Clean"/>
                 <a:cs typeface="Adobe Clean"/>
               </a:rPr>
-              <a:t>標</a:t>
-            </a:r>
-            <a:r>
-              <a:rPr lang="de-de" sz="1400" b="1" u="heavy" dirty="0">
+              <a:t> </a:t>
+            </a:r>
+            <a:r>
+              <a:rPr sz="1400" b="1" u="heavy" spc="-20">
                 <a:solidFill>
                   <a:srgbClr val="020302"/>
                 </a:solidFill>
@@ -2524,10 +2555,10 @@
                 <a:latin typeface="Adobe Clean"/>
                 <a:cs typeface="Adobe Clean"/>
               </a:rPr>
-              <a:t>：</a:t>
-            </a:r>
-            <a:r>
-              <a:rPr lang="de-de" sz="1400" b="1" u="heavy" spc="-80" dirty="0">
+              <a:t>Le</a:t>
+            </a:r>
+            <a:r>
+              <a:rPr sz="1400" b="1" u="heavy" spc="-10">
                 <a:solidFill>
                   <a:srgbClr val="020302"/>
                 </a:solidFill>
@@ -2539,10 +2570,10 @@
                 <a:latin typeface="Adobe Clean"/>
                 <a:cs typeface="Adobe Clean"/>
               </a:rPr>
-              <a:t> </a:t>
-            </a:r>
-            <a:r>
-              <a:rPr lang="de-de" sz="1400" b="1" u="heavy" spc="-20" dirty="0">
+              <a:t>v</a:t>
+            </a:r>
+            <a:r>
+              <a:rPr sz="1400" b="1" u="heavy" spc="-20">
                 <a:solidFill>
                   <a:srgbClr val="020302"/>
                 </a:solidFill>
@@ -2554,10 +2585,10 @@
                 <a:latin typeface="Adobe Clean"/>
                 <a:cs typeface="Adobe Clean"/>
               </a:rPr>
-              <a:t>初始回應</a:t>
-            </a:r>
-            <a:r>
-              <a:rPr lang="de-de" sz="1400" b="1" u="heavy" spc="-140" dirty="0">
+              <a:t>e</a:t>
+            </a:r>
+            <a:r>
+              <a:rPr sz="1400" b="1" u="heavy">
                 <a:solidFill>
                   <a:srgbClr val="020302"/>
                 </a:solidFill>
@@ -2569,9 +2600,324 @@
                 <a:latin typeface="Adobe Clean"/>
                 <a:cs typeface="Adobe Clean"/>
               </a:rPr>
+              <a:t>l</a:t>
+            </a:r>
+            <a:r>
+              <a:rPr sz="1400" b="1" u="heavy" spc="-10">
+                <a:solidFill>
+                  <a:srgbClr val="020302"/>
+                </a:solidFill>
+                <a:uFill>
+                  <a:solidFill>
+                    <a:srgbClr val="020302"/>
+                  </a:solidFill>
+                </a:uFill>
+                <a:latin typeface="Adobe Clean"/>
+                <a:cs typeface="Adobe Clean"/>
+              </a:rPr>
               <a:t> </a:t>
             </a:r>
-            <a:endParaRPr sz="1400" dirty="0">
+            <a:r>
+              <a:rPr sz="1400" b="1" u="heavy" spc="-65">
+                <a:solidFill>
+                  <a:srgbClr val="020302"/>
+                </a:solidFill>
+                <a:uFill>
+                  <a:solidFill>
+                    <a:srgbClr val="020302"/>
+                  </a:solidFill>
+                </a:uFill>
+                <a:latin typeface="Adobe Clean"/>
+                <a:cs typeface="Adobe Clean"/>
+              </a:rPr>
+              <a:t>T</a:t>
+            </a:r>
+            <a:r>
+              <a:rPr sz="1400" b="1" u="heavy" spc="-35">
+                <a:solidFill>
+                  <a:srgbClr val="020302"/>
+                </a:solidFill>
+                <a:uFill>
+                  <a:solidFill>
+                    <a:srgbClr val="020302"/>
+                  </a:solidFill>
+                </a:uFill>
+                <a:latin typeface="Adobe Clean"/>
+                <a:cs typeface="Adobe Clean"/>
+              </a:rPr>
+              <a:t>a</a:t>
+            </a:r>
+            <a:r>
+              <a:rPr sz="1400" b="1" u="heavy" spc="-45">
+                <a:solidFill>
+                  <a:srgbClr val="020302"/>
+                </a:solidFill>
+                <a:uFill>
+                  <a:solidFill>
+                    <a:srgbClr val="020302"/>
+                  </a:solidFill>
+                </a:uFill>
+                <a:latin typeface="Adobe Clean"/>
+                <a:cs typeface="Adobe Clean"/>
+              </a:rPr>
+              <a:t>r</a:t>
+            </a:r>
+            <a:r>
+              <a:rPr sz="1400" b="1" u="heavy" spc="-35">
+                <a:solidFill>
+                  <a:srgbClr val="020302"/>
+                </a:solidFill>
+                <a:uFill>
+                  <a:solidFill>
+                    <a:srgbClr val="020302"/>
+                  </a:solidFill>
+                </a:uFill>
+                <a:latin typeface="Adobe Clean"/>
+                <a:cs typeface="Adobe Clean"/>
+              </a:rPr>
+              <a:t>g</a:t>
+            </a:r>
+            <a:r>
+              <a:rPr sz="1400" b="1" u="heavy" spc="-55">
+                <a:solidFill>
+                  <a:srgbClr val="020302"/>
+                </a:solidFill>
+                <a:uFill>
+                  <a:solidFill>
+                    <a:srgbClr val="020302"/>
+                  </a:solidFill>
+                </a:uFill>
+                <a:latin typeface="Adobe Clean"/>
+                <a:cs typeface="Adobe Clean"/>
+              </a:rPr>
+              <a:t>et</a:t>
+            </a:r>
+            <a:r>
+              <a:rPr sz="1400" b="1" u="heavy" spc="-45">
+                <a:solidFill>
+                  <a:srgbClr val="020302"/>
+                </a:solidFill>
+                <a:uFill>
+                  <a:solidFill>
+                    <a:srgbClr val="020302"/>
+                  </a:solidFill>
+                </a:uFill>
+                <a:latin typeface="Adobe Clean"/>
+                <a:cs typeface="Adobe Clean"/>
+              </a:rPr>
+              <a:t>s</a:t>
+            </a:r>
+            <a:r>
+              <a:rPr sz="1400" b="1" u="heavy">
+                <a:solidFill>
+                  <a:srgbClr val="020302"/>
+                </a:solidFill>
+                <a:uFill>
+                  <a:solidFill>
+                    <a:srgbClr val="020302"/>
+                  </a:solidFill>
+                </a:uFill>
+                <a:latin typeface="Adobe Clean"/>
+                <a:cs typeface="Adobe Clean"/>
+              </a:rPr>
+              <a:t>:</a:t>
+            </a:r>
+            <a:r>
+              <a:rPr sz="1400" b="1" u="heavy" spc="-80">
+                <a:solidFill>
+                  <a:srgbClr val="020302"/>
+                </a:solidFill>
+                <a:uFill>
+                  <a:solidFill>
+                    <a:srgbClr val="020302"/>
+                  </a:solidFill>
+                </a:uFill>
+                <a:latin typeface="Adobe Clean"/>
+                <a:cs typeface="Adobe Clean"/>
+              </a:rPr>
+              <a:t> </a:t>
+            </a:r>
+            <a:r>
+              <a:rPr sz="1400" b="1" u="heavy" spc="-20">
+                <a:solidFill>
+                  <a:srgbClr val="020302"/>
+                </a:solidFill>
+                <a:uFill>
+                  <a:solidFill>
+                    <a:srgbClr val="020302"/>
+                  </a:solidFill>
+                </a:uFill>
+                <a:latin typeface="Adobe Clean"/>
+                <a:cs typeface="Adobe Clean"/>
+              </a:rPr>
+              <a:t>I</a:t>
+            </a:r>
+            <a:r>
+              <a:rPr sz="1400" b="1" u="heavy" spc="-10">
+                <a:solidFill>
+                  <a:srgbClr val="020302"/>
+                </a:solidFill>
+                <a:uFill>
+                  <a:solidFill>
+                    <a:srgbClr val="020302"/>
+                  </a:solidFill>
+                </a:uFill>
+                <a:latin typeface="Adobe Clean"/>
+                <a:cs typeface="Adobe Clean"/>
+              </a:rPr>
+              <a:t>ni</a:t>
+            </a:r>
+            <a:r>
+              <a:rPr sz="1400" b="1" u="heavy" spc="-20">
+                <a:solidFill>
+                  <a:srgbClr val="020302"/>
+                </a:solidFill>
+                <a:uFill>
+                  <a:solidFill>
+                    <a:srgbClr val="020302"/>
+                  </a:solidFill>
+                </a:uFill>
+                <a:latin typeface="Adobe Clean"/>
+                <a:cs typeface="Adobe Clean"/>
+              </a:rPr>
+              <a:t>t</a:t>
+            </a:r>
+            <a:r>
+              <a:rPr sz="1400" b="1" u="heavy" spc="-10">
+                <a:solidFill>
+                  <a:srgbClr val="020302"/>
+                </a:solidFill>
+                <a:uFill>
+                  <a:solidFill>
+                    <a:srgbClr val="020302"/>
+                  </a:solidFill>
+                </a:uFill>
+                <a:latin typeface="Adobe Clean"/>
+                <a:cs typeface="Adobe Clean"/>
+              </a:rPr>
+              <a:t>i</a:t>
+            </a:r>
+            <a:r>
+              <a:rPr sz="1400" b="1" u="heavy">
+                <a:solidFill>
+                  <a:srgbClr val="020302"/>
+                </a:solidFill>
+                <a:uFill>
+                  <a:solidFill>
+                    <a:srgbClr val="020302"/>
+                  </a:solidFill>
+                </a:uFill>
+                <a:latin typeface="Adobe Clean"/>
+                <a:cs typeface="Adobe Clean"/>
+              </a:rPr>
+              <a:t>al</a:t>
+            </a:r>
+            <a:r>
+              <a:rPr sz="1400" b="1" u="heavy" spc="-140">
+                <a:solidFill>
+                  <a:srgbClr val="020302"/>
+                </a:solidFill>
+                <a:uFill>
+                  <a:solidFill>
+                    <a:srgbClr val="020302"/>
+                  </a:solidFill>
+                </a:uFill>
+                <a:latin typeface="Adobe Clean"/>
+                <a:cs typeface="Adobe Clean"/>
+              </a:rPr>
+              <a:t> </a:t>
+            </a:r>
+            <a:r>
+              <a:rPr sz="1400" b="1" u="heavy" spc="-15">
+                <a:solidFill>
+                  <a:srgbClr val="020302"/>
+                </a:solidFill>
+                <a:uFill>
+                  <a:solidFill>
+                    <a:srgbClr val="020302"/>
+                  </a:solidFill>
+                </a:uFill>
+                <a:latin typeface="Adobe Clean"/>
+                <a:cs typeface="Adobe Clean"/>
+              </a:rPr>
+              <a:t>R</a:t>
+            </a:r>
+            <a:r>
+              <a:rPr sz="1400" b="1" u="heavy" spc="-25">
+                <a:solidFill>
+                  <a:srgbClr val="020302"/>
+                </a:solidFill>
+                <a:uFill>
+                  <a:solidFill>
+                    <a:srgbClr val="020302"/>
+                  </a:solidFill>
+                </a:uFill>
+                <a:latin typeface="Adobe Clean"/>
+                <a:cs typeface="Adobe Clean"/>
+              </a:rPr>
+              <a:t>e</a:t>
+            </a:r>
+            <a:r>
+              <a:rPr sz="1400" b="1" u="heavy" spc="-15">
+                <a:solidFill>
+                  <a:srgbClr val="020302"/>
+                </a:solidFill>
+                <a:uFill>
+                  <a:solidFill>
+                    <a:srgbClr val="020302"/>
+                  </a:solidFill>
+                </a:uFill>
+                <a:latin typeface="Adobe Clean"/>
+                <a:cs typeface="Adobe Clean"/>
+              </a:rPr>
+              <a:t>s</a:t>
+            </a:r>
+            <a:r>
+              <a:rPr sz="1400" b="1" u="heavy" spc="-25">
+                <a:solidFill>
+                  <a:srgbClr val="020302"/>
+                </a:solidFill>
+                <a:uFill>
+                  <a:solidFill>
+                    <a:srgbClr val="020302"/>
+                  </a:solidFill>
+                </a:uFill>
+                <a:latin typeface="Adobe Clean"/>
+                <a:cs typeface="Adobe Clean"/>
+              </a:rPr>
+              <a:t>p</a:t>
+            </a:r>
+            <a:r>
+              <a:rPr sz="1400" b="1" u="heavy" spc="-15">
+                <a:solidFill>
+                  <a:srgbClr val="020302"/>
+                </a:solidFill>
+                <a:uFill>
+                  <a:solidFill>
+                    <a:srgbClr val="020302"/>
+                  </a:solidFill>
+                </a:uFill>
+                <a:latin typeface="Adobe Clean"/>
+                <a:cs typeface="Adobe Clean"/>
+              </a:rPr>
+              <a:t>ons</a:t>
+            </a:r>
+            <a:r>
+              <a:rPr sz="1400" b="1" u="heavy">
+                <a:solidFill>
+                  <a:srgbClr val="020302"/>
+                </a:solidFill>
+                <a:uFill>
+                  <a:solidFill>
+                    <a:srgbClr val="020302"/>
+                  </a:solidFill>
+                </a:uFill>
+                <a:latin typeface="Adobe Clean"/>
+                <a:cs typeface="Adobe Clean"/>
+              </a:rPr>
+              <a:t>e</a:t>
+            </a:r>
+            <a:endParaRPr sz="1400">
               <a:latin typeface="Adobe Clean"/>
               <a:cs typeface="Adobe Clean"/>
             </a:endParaRPr>
@@ -2587,14 +2933,14 @@
           <p:nvPr>
             <p:extLst>
               <p:ext uri="{D42A27DB-BD31-4B8C-83A1-F6EECF244321}">
-                <p14:modId xmlns:p14="http://schemas.microsoft.com/office/powerpoint/2010/main" val="708542378"/>
+                <p14:modId xmlns:p14="http://schemas.microsoft.com/office/powerpoint/2010/main" val="101721845"/>
               </p:ext>
             </p:extLst>
           </p:nvPr>
         </p:nvGraphicFramePr>
         <p:xfrm>
           <a:off x="145668" y="7473158"/>
-          <a:ext cx="7409815" cy="2204589"/>
+          <a:ext cx="7409815" cy="2259721"/>
         </p:xfrm>
         <a:graphic>
           <a:graphicData uri="http://schemas.openxmlformats.org/drawingml/2006/table">
@@ -2640,16 +2986,16 @@
                         </a:spcBef>
                       </a:pPr>
                       <a:r>
-                        <a:rPr lang="de-de" sz="900" spc="0" dirty="0">
+                        <a:rPr sz="900" spc="0">
                           <a:solidFill>
                             <a:srgbClr val="020302"/>
                           </a:solidFill>
                           <a:latin typeface="Adobe Clean"/>
                           <a:cs typeface="Adobe Clean"/>
                         </a:rPr>
-                        <a:t>優先順序</a:t>
+                        <a:t>Priority</a:t>
                       </a:r>
-                      <a:endParaRPr sz="900" spc="0" dirty="0">
+                      <a:endParaRPr sz="900" spc="0">
                         <a:latin typeface="Adobe Clean"/>
                         <a:cs typeface="Adobe Clean"/>
                       </a:endParaRPr>
@@ -2690,7 +3036,7 @@
                     <a:bodyPr/>
                     <a:lstStyle/>
                     <a:p>
-                      <a:pPr marL="382905" algn="ctr">
+                      <a:pPr marL="382905" algn="l">
                         <a:lnSpc>
                           <a:spcPct val="100000"/>
                         </a:lnSpc>
@@ -2699,16 +3045,36 @@
                         </a:spcBef>
                       </a:pPr>
                       <a:r>
-                        <a:rPr lang="de-de" sz="900" spc="0" dirty="0">
+                        <a:rPr sz="900" spc="0">
                           <a:solidFill>
                             <a:srgbClr val="020302"/>
                           </a:solidFill>
                           <a:latin typeface="Adobe Clean"/>
                           <a:cs typeface="Adobe Clean"/>
                         </a:rPr>
-                        <a:t>線上支援</a:t>
+                        <a:t>Online</a:t>
                       </a:r>
-                      <a:endParaRPr sz="900" spc="0" dirty="0">
+                      <a:r>
+                        <a:rPr lang="en-US" sz="900" spc="0">
+                          <a:solidFill>
+                            <a:srgbClr val="020302"/>
+                          </a:solidFill>
+                          <a:latin typeface="Adobe Clean"/>
+                          <a:cs typeface="Adobe Clean"/>
+                        </a:rPr>
+                        <a:t> </a:t>
+                      </a:r>
+                      <a:r>
+                        <a:rPr sz="900" spc="0">
+                          <a:solidFill>
+                            <a:srgbClr val="020302"/>
+                          </a:solidFill>
+                          <a:latin typeface="Adobe Clean"/>
+                          <a:cs typeface="Adobe Clean"/>
+                        </a:rPr>
+                        <a:t> Support</a:t>
+                      </a:r>
+                      <a:endParaRPr sz="900" spc="0">
                         <a:latin typeface="Adobe Clean"/>
                         <a:cs typeface="Adobe Clean"/>
                       </a:endParaRPr>
@@ -2752,7 +3118,7 @@
                     <a:bodyPr/>
                     <a:lstStyle/>
                     <a:p>
-                      <a:pPr marL="263525" algn="ctr">
+                      <a:pPr marL="263525" algn="l">
                         <a:lnSpc>
                           <a:spcPct val="100000"/>
                         </a:lnSpc>
@@ -2761,16 +3127,36 @@
                         </a:spcBef>
                       </a:pPr>
                       <a:r>
-                        <a:rPr lang="de-de" sz="900" spc="0" dirty="0">
+                        <a:rPr sz="900" spc="0">
                           <a:solidFill>
                             <a:srgbClr val="FFFFFF"/>
                           </a:solidFill>
                           <a:latin typeface="Adobe Clean"/>
                           <a:cs typeface="Adobe Clean"/>
                         </a:rPr>
-                        <a:t>菁英支援</a:t>
+                        <a:t>Elite </a:t>
                       </a:r>
-                      <a:endParaRPr sz="900" spc="0" dirty="0">
+                      <a:r>
+                        <a:rPr lang="en-US" sz="900" spc="0">
+                          <a:solidFill>
+                            <a:srgbClr val="FFFFFF"/>
+                          </a:solidFill>
+                          <a:latin typeface="Adobe Clean"/>
+                          <a:cs typeface="Adobe Clean"/>
+                        </a:rPr>
+                        <a:t> </a:t>
+                      </a:r>
+                      <a:r>
+                        <a:rPr sz="900" spc="0">
+                          <a:solidFill>
+                            <a:srgbClr val="FFFFFF"/>
+                          </a:solidFill>
+                          <a:latin typeface="Adobe Clean"/>
+                          <a:cs typeface="Adobe Clean"/>
+                        </a:rPr>
+                        <a:t>Support</a:t>
+                      </a:r>
+                      <a:endParaRPr sz="900" spc="0">
                         <a:latin typeface="Adobe Clean"/>
                         <a:cs typeface="Adobe Clean"/>
                       </a:endParaRPr>
@@ -2830,16 +3216,16 @@
                         </a:spcBef>
                       </a:pPr>
                       <a:r>
-                        <a:rPr lang="de-de" sz="900" b="1" spc="0" dirty="0">
+                        <a:rPr sz="900" b="1" spc="0">
                           <a:solidFill>
                             <a:srgbClr val="020302"/>
                           </a:solidFill>
                           <a:latin typeface="Adobe Clean"/>
                           <a:cs typeface="Adobe Clean"/>
                         </a:rPr>
-                        <a:t>優先順序 1</a:t>
+                        <a:t>PRIORITY 1</a:t>
                       </a:r>
-                      <a:endParaRPr sz="900" spc="0" dirty="0">
+                      <a:endParaRPr sz="900" spc="0">
                         <a:latin typeface="Adobe Clean"/>
                         <a:cs typeface="Adobe Clean"/>
                       </a:endParaRPr>
@@ -2854,16 +3240,16 @@
                         </a:spcBef>
                       </a:pPr>
                       <a:r>
-                        <a:rPr lang="de-de" sz="900" b="0" i="0" u="none" strike="noStrike" spc="0" dirty="0">
+                        <a:rPr lang="en-US" sz="900" b="0" i="0" u="none" strike="noStrike" spc="0">
                           <a:solidFill>
                             <a:srgbClr val="000000"/>
                           </a:solidFill>
                           <a:effectLst/>
                           <a:latin typeface="Adobe Clean Light" panose="020B0303020404020204" pitchFamily="34" charset="0"/>
                         </a:rPr>
-                        <a:t>客戶的生產業務功能已停止或發生重大資料遺失或服務降級狀況，需要立即關注以恢復功能與可用性</a:t>
+                        <a:t>Customer's production business functions are down or have significant data loss or service degradation and immediate attention is required to restore functionality and usability</a:t>
                       </a:r>
-                      <a:endParaRPr sz="900" spc="0" dirty="0">
+                      <a:endParaRPr sz="900" spc="0">
                         <a:latin typeface="AdobeClean-Light"/>
                         <a:cs typeface="AdobeClean-Light"/>
                       </a:endParaRPr>
@@ -2904,79 +3290,23 @@
                     <a:bodyPr/>
                     <a:lstStyle/>
                     <a:p>
-                      <a:pPr marL="542925" marR="492125" algn="ctr">
+                      <a:pPr marL="542925" marR="492125" algn="l">
                         <a:lnSpc>
                           <a:spcPct val="102200"/>
                         </a:lnSpc>
                       </a:pPr>
                       <a:r>
-                        <a:rPr lang="de-de" sz="900" spc="0" dirty="0">
+                        <a:rPr sz="900" spc="0">
                           <a:solidFill>
                             <a:srgbClr val="020302"/>
                           </a:solidFill>
                           <a:latin typeface="AdobeClean-Light"/>
                           <a:cs typeface="AdobeClean-Light"/>
                         </a:rPr>
-                        <a:t>全年無休 /           1 小時</a:t>
-                      </a:r>
-                      <a:endParaRPr sz="900" spc="0" dirty="0">
-                        <a:latin typeface="AdobeClean-Light"/>
-                        <a:cs typeface="AdobeClean-Light"/>
-                      </a:endParaRPr>
-                    </a:p>
-                  </a:txBody>
-                  <a:tcPr marL="0" marR="0" marT="0" marB="0" anchor="ctr">
-                    <a:lnL w="6350">
-                      <a:solidFill>
-                        <a:srgbClr val="B7B8B8"/>
-                      </a:solidFill>
-                      <a:prstDash val="solid"/>
-                    </a:lnL>
-                    <a:lnR w="6350">
-                      <a:solidFill>
-                        <a:srgbClr val="B7B8B8"/>
-                      </a:solidFill>
-                      <a:prstDash val="solid"/>
-                    </a:lnR>
-                    <a:lnT w="57150" cap="flat" cmpd="sng" algn="ctr">
-                      <a:solidFill>
-                        <a:srgbClr val="A8A8A8"/>
-                      </a:solidFill>
-                      <a:prstDash val="solid"/>
-                      <a:round/>
-                      <a:headEnd type="none" w="med" len="med"/>
-                      <a:tailEnd type="none" w="med" len="med"/>
-                    </a:lnT>
-                    <a:lnB w="6350">
-                      <a:solidFill>
-                        <a:srgbClr val="B7B8B8"/>
-                      </a:solidFill>
-                      <a:prstDash val="solid"/>
-                    </a:lnB>
-                  </a:tcPr>
-                </a:tc>
-                <a:tc>
-                  <a:txBody>
-                    <a:bodyPr/>
-                    <a:lstStyle/>
-                    <a:p>
-                      <a:pPr marL="405130" marR="459740" indent="92710" algn="ctr">
-                        <a:lnSpc>
-                          <a:spcPct val="100000"/>
-                        </a:lnSpc>
-                      </a:pPr>
-                      <a:r>
-                        <a:rPr lang="de-de" sz="900" spc="0" dirty="0">
-                          <a:solidFill>
-                            <a:srgbClr val="020302"/>
-                          </a:solidFill>
-                          <a:latin typeface="AdobeClean-Light"/>
-                          <a:cs typeface="AdobeClean-Light"/>
-                        </a:rPr>
-                        <a:t>全年無休 /</a:t>
+                        <a:t>24x7</a:t>
                       </a:r>
                       <a:r>
-                        <a:rPr lang="zh-TW" altLang="en-US" sz="900" spc="0" dirty="0">
+                        <a:rPr lang="en-US" sz="900" spc="0">
                           <a:solidFill>
                             <a:srgbClr val="020302"/>
                           </a:solidFill>
@@ -2986,16 +3316,162 @@
                         <a:t> </a:t>
                       </a:r>
                       <a:r>
-                        <a:rPr lang="de-de" sz="900" spc="0" dirty="0">
+                        <a:rPr sz="900" spc="0">
                           <a:solidFill>
                             <a:srgbClr val="020302"/>
                           </a:solidFill>
                           <a:latin typeface="AdobeClean-Light"/>
                           <a:cs typeface="AdobeClean-Light"/>
                         </a:rPr>
-                        <a:t>15 分鐘</a:t>
+                        <a:t>/</a:t>
                       </a:r>
-                      <a:endParaRPr sz="900" spc="0" dirty="0">
+                      <a:r>
+                        <a:rPr lang="en-US" sz="900" spc="0">
+                          <a:solidFill>
+                            <a:srgbClr val="020302"/>
+                          </a:solidFill>
+                          <a:latin typeface="AdobeClean-Light"/>
+                          <a:cs typeface="AdobeClean-Light"/>
+                        </a:rPr>
+                        <a:t>         </a:t>
+                      </a:r>
+                      <a:r>
+                        <a:rPr sz="900" spc="0">
+                          <a:solidFill>
+                            <a:srgbClr val="020302"/>
+                          </a:solidFill>
+                          <a:latin typeface="AdobeClean-Light"/>
+                          <a:cs typeface="AdobeClean-Light"/>
+                        </a:rPr>
+                        <a:t>  1</a:t>
+                      </a:r>
+                      <a:r>
+                        <a:rPr lang="en-US" sz="900" spc="0">
+                          <a:solidFill>
+                            <a:srgbClr val="020302"/>
+                          </a:solidFill>
+                          <a:latin typeface="AdobeClean-Light"/>
+                          <a:cs typeface="AdobeClean-Light"/>
+                        </a:rPr>
+                        <a:t> </a:t>
+                      </a:r>
+                      <a:r>
+                        <a:rPr sz="900" spc="0">
+                          <a:solidFill>
+                            <a:srgbClr val="020302"/>
+                          </a:solidFill>
+                          <a:latin typeface="AdobeClean-Light"/>
+                          <a:cs typeface="AdobeClean-Light"/>
+                        </a:rPr>
+                        <a:t>hour</a:t>
+                      </a:r>
+                      <a:endParaRPr sz="900" spc="0">
+                        <a:latin typeface="AdobeClean-Light"/>
+                        <a:cs typeface="AdobeClean-Light"/>
+                      </a:endParaRPr>
+                    </a:p>
+                  </a:txBody>
+                  <a:tcPr marL="0" marR="0" marT="0" marB="0" anchor="ctr">
+                    <a:lnL w="6350">
+                      <a:solidFill>
+                        <a:srgbClr val="B7B8B8"/>
+                      </a:solidFill>
+                      <a:prstDash val="solid"/>
+                    </a:lnL>
+                    <a:lnR w="6350">
+                      <a:solidFill>
+                        <a:srgbClr val="B7B8B8"/>
+                      </a:solidFill>
+                      <a:prstDash val="solid"/>
+                    </a:lnR>
+                    <a:lnT w="57150" cap="flat" cmpd="sng" algn="ctr">
+                      <a:solidFill>
+                        <a:srgbClr val="A8A8A8"/>
+                      </a:solidFill>
+                      <a:prstDash val="solid"/>
+                      <a:round/>
+                      <a:headEnd type="none" w="med" len="med"/>
+                      <a:tailEnd type="none" w="med" len="med"/>
+                    </a:lnT>
+                    <a:lnB w="6350">
+                      <a:solidFill>
+                        <a:srgbClr val="B7B8B8"/>
+                      </a:solidFill>
+                      <a:prstDash val="solid"/>
+                    </a:lnB>
+                  </a:tcPr>
+                </a:tc>
+                <a:tc>
+                  <a:txBody>
+                    <a:bodyPr/>
+                    <a:lstStyle/>
+                    <a:p>
+                      <a:pPr marL="405130" marR="459740" indent="92710" algn="l">
+                        <a:lnSpc>
+                          <a:spcPct val="100000"/>
+                        </a:lnSpc>
+                      </a:pPr>
+                      <a:r>
+                        <a:rPr lang="en-US" sz="900" spc="0">
+                          <a:solidFill>
+                            <a:srgbClr val="020302"/>
+                          </a:solidFill>
+                          <a:latin typeface="AdobeClean-Light"/>
+                          <a:cs typeface="AdobeClean-Light"/>
+                        </a:rPr>
+                        <a:t>2</a:t>
+                      </a:r>
+                      <a:r>
+                        <a:rPr sz="900" spc="0">
+                          <a:solidFill>
+                            <a:srgbClr val="020302"/>
+                          </a:solidFill>
+                          <a:latin typeface="AdobeClean-Light"/>
+                          <a:cs typeface="AdobeClean-Light"/>
+                        </a:rPr>
+                        <a:t>4x7 / </a:t>
+                      </a:r>
+                      <a:r>
+                        <a:rPr lang="en-US" sz="900" spc="0">
+                          <a:solidFill>
+                            <a:srgbClr val="020302"/>
+                          </a:solidFill>
+                          <a:latin typeface="AdobeClean-Light"/>
+                          <a:cs typeface="AdobeClean-Light"/>
+                        </a:rPr>
+                        <a:t> </a:t>
+                      </a:r>
+                      <a:r>
+                        <a:rPr sz="900" spc="0">
+                          <a:solidFill>
+                            <a:srgbClr val="020302"/>
+                          </a:solidFill>
+                          <a:latin typeface="AdobeClean-Light"/>
+                          <a:cs typeface="AdobeClean-Light"/>
+                        </a:rPr>
+                        <a:t> 15</a:t>
+                      </a:r>
+                      <a:r>
+                        <a:rPr lang="en-US" sz="900" spc="0">
+                          <a:solidFill>
+                            <a:srgbClr val="020302"/>
+                          </a:solidFill>
+                          <a:latin typeface="AdobeClean-Light"/>
+                          <a:cs typeface="AdobeClean-Light"/>
+                        </a:rPr>
+                        <a:t> </a:t>
+                      </a:r>
+                      <a:r>
+                        <a:rPr sz="900" spc="0">
+                          <a:solidFill>
+                            <a:srgbClr val="020302"/>
+                          </a:solidFill>
+                          <a:latin typeface="AdobeClean-Light"/>
+                          <a:cs typeface="AdobeClean-Light"/>
+                        </a:rPr>
+                        <a:t>minutes</a:t>
+                      </a:r>
+                      <a:endParaRPr sz="900" spc="0">
                         <a:latin typeface="AdobeClean-Light"/>
                         <a:cs typeface="AdobeClean-Light"/>
                       </a:endParaRPr>
@@ -3060,16 +3536,16 @@
                         </a:spcBef>
                       </a:pPr>
                       <a:r>
-                        <a:rPr lang="de-de" sz="900" b="1" spc="0" dirty="0">
+                        <a:rPr sz="900" b="1" spc="0">
                           <a:solidFill>
                             <a:srgbClr val="020302"/>
                           </a:solidFill>
                           <a:latin typeface="Adobe Clean"/>
                           <a:cs typeface="Adobe Clean"/>
                         </a:rPr>
-                        <a:t>優先順序 2</a:t>
+                        <a:t>PRIORITY 2</a:t>
                       </a:r>
-                      <a:endParaRPr sz="900" spc="0" dirty="0">
+                      <a:endParaRPr sz="900" spc="0">
                         <a:latin typeface="Adobe Clean"/>
                         <a:cs typeface="Adobe Clean"/>
                       </a:endParaRPr>
@@ -3084,16 +3560,16 @@
                         </a:spcBef>
                       </a:pPr>
                       <a:r>
-                        <a:rPr lang="de-de" sz="900" b="0" i="0" u="none" strike="noStrike" spc="0" dirty="0">
+                        <a:rPr lang="en-US" sz="900" b="0" i="0" u="none" strike="noStrike" spc="0">
                           <a:solidFill>
                             <a:srgbClr val="000000"/>
                           </a:solidFill>
                           <a:effectLst/>
                           <a:latin typeface="Adobe Clean Light" panose="020B0303020404020204" pitchFamily="34" charset="0"/>
                         </a:rPr>
-                        <a:t>客戶的業務功能發生嚴重的服務降級狀況，或是可能發生資料遺失，或是主要功能受到了影響</a:t>
+                        <a:t>Customer's business functions have major service degradation or potential data loss, or a major feature is impacted</a:t>
                       </a:r>
-                      <a:endParaRPr sz="900" spc="0" dirty="0">
+                      <a:endParaRPr sz="900" spc="0">
                         <a:latin typeface="AdobeClean-Light"/>
                         <a:cs typeface="AdobeClean-Light"/>
                       </a:endParaRPr>
@@ -3134,22 +3610,62 @@
                     <a:bodyPr/>
                     <a:lstStyle/>
                     <a:p>
-                      <a:pPr marL="473709" marR="343535" indent="-175895" algn="ctr">
+                      <a:pPr marL="473709" marR="343535" indent="-175895" algn="l">
                         <a:lnSpc>
                           <a:spcPct val="102200"/>
                         </a:lnSpc>
                       </a:pPr>
                       <a:r>
-                        <a:rPr lang="de-de" sz="900" spc="0" dirty="0">
+                        <a:rPr sz="900" spc="0">
                           <a:solidFill>
                             <a:srgbClr val="020302"/>
                           </a:solidFill>
                           <a:latin typeface="AdobeClean-Light"/>
                           <a:cs typeface="AdobeClean-Light"/>
                         </a:rPr>
-                        <a:t>營業時間 /       4 小時</a:t>
+                        <a:t>Business hours</a:t>
                       </a:r>
-                      <a:endParaRPr sz="900" spc="0" dirty="0">
+                      <a:r>
+                        <a:rPr lang="en-US" sz="900" spc="0">
+                          <a:solidFill>
+                            <a:srgbClr val="020302"/>
+                          </a:solidFill>
+                          <a:latin typeface="AdobeClean-Light"/>
+                          <a:cs typeface="AdobeClean-Light"/>
+                        </a:rPr>
+                        <a:t> </a:t>
+                      </a:r>
+                      <a:r>
+                        <a:rPr sz="900" spc="0">
+                          <a:solidFill>
+                            <a:srgbClr val="020302"/>
+                          </a:solidFill>
+                          <a:latin typeface="AdobeClean-Light"/>
+                          <a:cs typeface="AdobeClean-Light"/>
+                        </a:rPr>
+                        <a:t>/  </a:t>
+                      </a:r>
+                      <a:r>
+                        <a:rPr lang="en-US" sz="900" spc="0">
+                          <a:solidFill>
+                            <a:srgbClr val="020302"/>
+                          </a:solidFill>
+                          <a:latin typeface="AdobeClean-Light"/>
+                          <a:cs typeface="AdobeClean-Light"/>
+                        </a:rPr>
+                        <a:t>     </a:t>
+                      </a:r>
+                      <a:r>
+                        <a:rPr sz="900" spc="0">
+                          <a:solidFill>
+                            <a:srgbClr val="020302"/>
+                          </a:solidFill>
+                          <a:latin typeface="AdobeClean-Light"/>
+                          <a:cs typeface="AdobeClean-Light"/>
+                        </a:rPr>
+                        <a:t>4 hours</a:t>
+                      </a:r>
+                      <a:endParaRPr sz="900" spc="0">
                         <a:latin typeface="AdobeClean-Light"/>
                         <a:cs typeface="AdobeClean-Light"/>
                       </a:endParaRPr>
@@ -3187,22 +3703,42 @@
                     <a:bodyPr/>
                     <a:lstStyle/>
                     <a:p>
-                      <a:pPr marL="351790" marR="481330" indent="144145" algn="ctr">
+                      <a:pPr marL="351790" marR="481330" indent="144145" algn="l">
                         <a:lnSpc>
                           <a:spcPct val="102299"/>
                         </a:lnSpc>
                       </a:pPr>
                       <a:r>
-                        <a:rPr lang="de-de" sz="900" spc="0" dirty="0">
+                        <a:rPr sz="900" spc="0">
                           <a:solidFill>
                             <a:srgbClr val="020302"/>
                           </a:solidFill>
                           <a:latin typeface="AdobeClean-Light"/>
                           <a:cs typeface="AdobeClean-Light"/>
                         </a:rPr>
-                        <a:t>24x5 /  30 分鐘</a:t>
+                        <a:t>24x5 /  30</a:t>
                       </a:r>
-                      <a:endParaRPr sz="900" spc="0" dirty="0">
+                      <a:r>
+                        <a:rPr lang="en-US" sz="900" spc="0">
+                          <a:solidFill>
+                            <a:srgbClr val="020302"/>
+                          </a:solidFill>
+                          <a:latin typeface="AdobeClean-Light"/>
+                          <a:cs typeface="AdobeClean-Light"/>
+                        </a:rPr>
+                        <a:t> m</a:t>
+                      </a:r>
+                      <a:r>
+                        <a:rPr sz="900" spc="0">
+                          <a:solidFill>
+                            <a:srgbClr val="020302"/>
+                          </a:solidFill>
+                          <a:latin typeface="AdobeClean-Light"/>
+                          <a:cs typeface="AdobeClean-Light"/>
+                        </a:rPr>
+                        <a:t>inutes</a:t>
+                      </a:r>
+                      <a:endParaRPr sz="900" spc="0">
                         <a:latin typeface="AdobeClean-Light"/>
                         <a:cs typeface="AdobeClean-Light"/>
                       </a:endParaRPr>
@@ -3264,16 +3800,16 @@
                         </a:spcBef>
                       </a:pPr>
                       <a:r>
-                        <a:rPr lang="de-de" sz="900" b="1" spc="0" dirty="0">
+                        <a:rPr sz="900" b="1" spc="0">
                           <a:solidFill>
                             <a:srgbClr val="020302"/>
                           </a:solidFill>
                           <a:latin typeface="Adobe Clean"/>
                           <a:cs typeface="Adobe Clean"/>
                         </a:rPr>
-                        <a:t>優先順序 3</a:t>
+                        <a:t>PRIORITY 3</a:t>
                       </a:r>
-                      <a:endParaRPr sz="900" spc="0" dirty="0">
+                      <a:endParaRPr sz="900" spc="0">
                         <a:latin typeface="Adobe Clean"/>
                         <a:cs typeface="Adobe Clean"/>
                       </a:endParaRPr>
@@ -3288,16 +3824,16 @@
                         </a:spcBef>
                       </a:pPr>
                       <a:r>
-                        <a:rPr lang="de-de" sz="900" b="0" i="0" u="none" strike="noStrike" spc="0" dirty="0">
+                        <a:rPr lang="en-US" sz="900" b="0" i="0" u="none" strike="noStrike" spc="0">
                           <a:solidFill>
                             <a:srgbClr val="000000"/>
                           </a:solidFill>
                           <a:effectLst/>
                           <a:latin typeface="Adobe Clean Light" panose="020B0303020404020204" pitchFamily="34" charset="0"/>
                         </a:rPr>
-                        <a:t>客戶的業務功能發生了輕微服務降級狀況 (或沒有降級)，但有解決/變通方法讓業務功能得以繼續正常運作</a:t>
+                        <a:t>Customer’s business functions has minor to no service degradation but there exists a solution/workaround allowing business functions to continue normally</a:t>
                       </a:r>
-                      <a:endParaRPr sz="900" spc="0" dirty="0">
+                      <a:endParaRPr sz="900" spc="0">
                         <a:latin typeface="AdobeClean-Light"/>
                         <a:cs typeface="AdobeClean-Light"/>
                       </a:endParaRPr>
@@ -3338,22 +3874,22 @@
                     <a:bodyPr/>
                     <a:lstStyle/>
                     <a:p>
-                      <a:pPr marL="473709" marR="343535" indent="-175895" algn="ctr">
+                      <a:pPr marL="473709" marR="343535" indent="-175895" algn="l">
                         <a:lnSpc>
                           <a:spcPct val="102200"/>
                         </a:lnSpc>
                       </a:pPr>
                       <a:r>
-                        <a:rPr lang="de-de" sz="900" spc="0" dirty="0">
+                        <a:rPr lang="en-US" sz="900" spc="0">
                           <a:solidFill>
                             <a:srgbClr val="020302"/>
                           </a:solidFill>
                           <a:latin typeface="AdobeClean-Light"/>
                           <a:cs typeface="AdobeClean-Light"/>
                         </a:rPr>
-                        <a:t>營業時間 /       6 小時</a:t>
+                        <a:t>Business hours /       6 hours</a:t>
                       </a:r>
-                      <a:endParaRPr lang="en-US" sz="900" spc="0" dirty="0">
+                      <a:endParaRPr lang="en-US" sz="900" spc="0">
                         <a:latin typeface="AdobeClean-Light"/>
                         <a:cs typeface="AdobeClean-Light"/>
                       </a:endParaRPr>
@@ -3391,13 +3927,13 @@
                     <a:bodyPr/>
                     <a:lstStyle/>
                     <a:p>
-                      <a:pPr marL="508000" marR="531495" indent="1270" algn="ctr">
+                      <a:pPr marL="508000" marR="531495" indent="1270" algn="l">
                         <a:lnSpc>
                           <a:spcPct val="102200"/>
                         </a:lnSpc>
                       </a:pPr>
                       <a:r>
-                        <a:rPr lang="de-de" sz="900" spc="0" dirty="0">
+                        <a:rPr lang="en-US" sz="900" spc="0">
                           <a:solidFill>
                             <a:srgbClr val="020302"/>
                           </a:solidFill>
@@ -3408,7 +3944,7 @@
                         <a:t>2</a:t>
                       </a:r>
                       <a:r>
-                        <a:rPr lang="de-de" sz="900" spc="0" dirty="0">
+                        <a:rPr sz="900" spc="0">
                           <a:solidFill>
                             <a:srgbClr val="020302"/>
                           </a:solidFill>
@@ -3416,7 +3952,29 @@
                           <a:ea typeface="+mn-ea"/>
                           <a:cs typeface="AdobeClean-Light"/>
                         </a:rPr>
-                        <a:t>4x5/   1 小時</a:t>
+                        <a:t>4x5/  </a:t>
+                      </a:r>
+                      <a:r>
+                        <a:rPr lang="en-US" sz="900" spc="0">
+                          <a:solidFill>
+                            <a:srgbClr val="020302"/>
+                          </a:solidFill>
+                          <a:latin typeface="AdobeClean-Light"/>
+                          <a:ea typeface="+mn-ea"/>
+                          <a:cs typeface="AdobeClean-Light"/>
+                        </a:rPr>
+                        <a:t> </a:t>
+                      </a:r>
+                      <a:r>
+                        <a:rPr sz="900" spc="0">
+                          <a:solidFill>
+                            <a:srgbClr val="020302"/>
+                          </a:solidFill>
+                          <a:latin typeface="AdobeClean-Light"/>
+                          <a:ea typeface="+mn-ea"/>
+                          <a:cs typeface="AdobeClean-Light"/>
+                        </a:rPr>
+                        <a:t>1 hour</a:t>
                       </a:r>
                     </a:p>
                   </a:txBody>
@@ -3476,16 +4034,16 @@
                         </a:spcBef>
                       </a:pPr>
                       <a:r>
-                        <a:rPr lang="de-de" sz="900" b="1" spc="0" dirty="0">
+                        <a:rPr sz="900" b="1" spc="0">
                           <a:solidFill>
                             <a:srgbClr val="020302"/>
                           </a:solidFill>
                           <a:latin typeface="Adobe Clean"/>
                           <a:cs typeface="Adobe Clean"/>
                         </a:rPr>
-                        <a:t>優先順序 4</a:t>
+                        <a:t>PRIORITY 4</a:t>
                       </a:r>
-                      <a:endParaRPr sz="900" spc="0" dirty="0">
+                      <a:endParaRPr sz="900" spc="0">
                         <a:latin typeface="Adobe Clean"/>
                         <a:cs typeface="Adobe Clean"/>
                       </a:endParaRPr>
@@ -3500,16 +4058,16 @@
                         </a:spcBef>
                       </a:pPr>
                       <a:r>
-                        <a:rPr lang="de-de" sz="900" b="0" i="0" u="none" strike="noStrike" spc="0" dirty="0">
+                        <a:rPr lang="en-US" sz="900" b="0" i="0" u="none" strike="noStrike" spc="0">
                           <a:solidFill>
                             <a:srgbClr val="000000"/>
                           </a:solidFill>
                           <a:effectLst/>
                           <a:latin typeface="Adobe Clean Light" panose="020B0303020404020204" pitchFamily="34" charset="0"/>
                         </a:rPr>
-                        <a:t>有關目前產品功能或增強要求的一般性問題。</a:t>
+                        <a:t>General question regarding current product functionality or an enhancement request</a:t>
                       </a:r>
-                      <a:endParaRPr sz="900" spc="0" dirty="0">
+                      <a:endParaRPr sz="900" spc="0">
                         <a:latin typeface="AdobeClean-Light"/>
                         <a:cs typeface="AdobeClean-Light"/>
                       </a:endParaRPr>
@@ -3550,22 +4108,22 @@
                     <a:bodyPr/>
                     <a:lstStyle/>
                     <a:p>
-                      <a:pPr marL="473709" marR="343535" indent="-175895" algn="ctr">
+                      <a:pPr marL="473709" marR="343535" indent="-175895" algn="l">
                         <a:lnSpc>
                           <a:spcPct val="102200"/>
                         </a:lnSpc>
                       </a:pPr>
                       <a:r>
-                        <a:rPr lang="de-de" sz="900" spc="0" dirty="0">
+                        <a:rPr lang="en-US" sz="900" spc="0">
                           <a:solidFill>
                             <a:srgbClr val="020302"/>
                           </a:solidFill>
                           <a:latin typeface="AdobeClean-Light"/>
                           <a:cs typeface="AdobeClean-Light"/>
                         </a:rPr>
-                        <a:t>營業日 / 3 天</a:t>
+                        <a:t>Business days /       3 days</a:t>
                       </a:r>
-                      <a:endParaRPr lang="en-US" sz="900" spc="0" dirty="0">
+                      <a:endParaRPr lang="en-US" sz="900" spc="0">
                         <a:latin typeface="AdobeClean-Light"/>
                         <a:cs typeface="AdobeClean-Light"/>
                       </a:endParaRPr>
@@ -3603,22 +4161,22 @@
                     <a:bodyPr/>
                     <a:lstStyle/>
                     <a:p>
-                      <a:pPr marL="473709" marR="343535" indent="-175895" algn="ctr">
+                      <a:pPr marL="473709" marR="343535" indent="-175895" algn="l">
                         <a:lnSpc>
                           <a:spcPct val="102200"/>
                         </a:lnSpc>
                       </a:pPr>
                       <a:r>
-                        <a:rPr lang="de-de" sz="900" spc="0" dirty="0">
+                        <a:rPr lang="en-US" sz="900" spc="0">
                           <a:solidFill>
                             <a:srgbClr val="020302"/>
                           </a:solidFill>
                           <a:latin typeface="AdobeClean-Light"/>
                           <a:cs typeface="AdobeClean-Light"/>
                         </a:rPr>
-                        <a:t>營業日 / 1 天</a:t>
+                        <a:t>Business days /       1 day</a:t>
                       </a:r>
-                      <a:endParaRPr lang="en-US" sz="900" spc="0" dirty="0">
+                      <a:endParaRPr lang="en-US" sz="900" spc="0">
                         <a:latin typeface="AdobeClean-Light"/>
                         <a:cs typeface="AdobeClean-Light"/>
                       </a:endParaRPr>
@@ -3699,8 +4257,8 @@
         </p:nvSpPr>
         <p:spPr>
           <a:xfrm>
-            <a:off x="97786" y="9888626"/>
-            <a:ext cx="3940813" cy="133370"/>
+            <a:off x="97787" y="9888626"/>
+            <a:ext cx="2202180" cy="149860"/>
           </a:xfrm>
           <a:prstGeom prst="rect">
             <a:avLst/>
@@ -3721,7 +4279,7 @@
               </a:spcBef>
             </a:pPr>
             <a:r>
-              <a:rPr lang="de-de" sz="800" spc="-15" dirty="0">
+              <a:rPr sz="800" spc="-15">
                 <a:solidFill>
                   <a:srgbClr val="6D6D6D"/>
                 </a:solidFill>
@@ -3731,17 +4289,17 @@
               <a:t>©2021 </a:t>
             </a:r>
             <a:r>
-              <a:rPr lang="de-de" sz="800" spc="-5" dirty="0">
+              <a:rPr sz="800" spc="-5">
                 <a:solidFill>
                   <a:srgbClr val="6D6D6D"/>
                 </a:solidFill>
                 <a:latin typeface="Adobe Clean"/>
                 <a:cs typeface="Adobe Clean"/>
               </a:rPr>
-              <a:t>Adobe。All</a:t>
-            </a:r>
-            <a:r>
-              <a:rPr lang="de-de" sz="800" spc="-15" dirty="0">
+              <a:t>Adobe. All</a:t>
+            </a:r>
+            <a:r>
+              <a:rPr sz="800" spc="-15">
                 <a:solidFill>
                   <a:srgbClr val="6D6D6D"/>
                 </a:solidFill>
@@ -3751,7 +4309,7 @@
               <a:t> Rights</a:t>
             </a:r>
             <a:r>
-              <a:rPr lang="de-de" sz="800" spc="-5" dirty="0">
+              <a:rPr sz="800" spc="-5">
                 <a:solidFill>
                   <a:srgbClr val="6D6D6D"/>
                 </a:solidFill>
@@ -3761,27 +4319,37 @@
               <a:t> </a:t>
             </a:r>
             <a:r>
-              <a:rPr lang="de-de" sz="800" spc="-15" dirty="0">
+              <a:rPr sz="800" spc="-15">
                 <a:solidFill>
                   <a:srgbClr val="6D6D6D"/>
                 </a:solidFill>
                 <a:latin typeface="Adobe Clean"/>
                 <a:cs typeface="Adobe Clean"/>
               </a:rPr>
-              <a:t>Reserved。</a:t>
-            </a:r>
-            <a:r>
-              <a:rPr lang="de-de" sz="800" spc="-5" dirty="0">
+              <a:t>Reserved.</a:t>
+            </a:r>
+            <a:r>
+              <a:rPr sz="800" spc="-10">
                 <a:solidFill>
                   <a:srgbClr val="6D6D6D"/>
                 </a:solidFill>
                 <a:latin typeface="Adobe Clean"/>
                 <a:cs typeface="Adobe Clean"/>
               </a:rPr>
+              <a:t> </a:t>
+            </a:r>
+            <a:r>
+              <a:rPr sz="800" spc="-5">
+                <a:solidFill>
+                  <a:srgbClr val="6D6D6D"/>
+                </a:solidFill>
+                <a:latin typeface="Adobe Clean"/>
+                <a:cs typeface="Adobe Clean"/>
+              </a:rPr>
               <a:t>Adobe</a:t>
             </a:r>
             <a:r>
-              <a:rPr lang="de-de" sz="800" spc="65" dirty="0">
+              <a:rPr sz="800" spc="65">
                 <a:solidFill>
                   <a:srgbClr val="6D6D6D"/>
                 </a:solidFill>
@@ -3791,16 +4359,16 @@
               <a:t> </a:t>
             </a:r>
             <a:r>
-              <a:rPr lang="de-de" sz="800" spc="-15" dirty="0">
+              <a:rPr sz="800" spc="-15">
                 <a:solidFill>
                   <a:srgbClr val="6D6D6D"/>
                 </a:solidFill>
                 <a:latin typeface="Adobe Clean"/>
                 <a:cs typeface="Adobe Clean"/>
               </a:rPr>
-              <a:t> 機密資訊。</a:t>
-            </a:r>
-            <a:endParaRPr sz="800" dirty="0">
+              <a:t>Confidential.</a:t>
+            </a:r>
+            <a:endParaRPr sz="800">
               <a:latin typeface="Adobe Clean"/>
               <a:cs typeface="Adobe Clean"/>
             </a:endParaRPr>
@@ -3836,7 +4404,7 @@
           <a:lstStyle/>
           <a:p>
             <a:r>
-              <a:rPr lang="de-de" sz="700" i="1" dirty="0">
+              <a:rPr lang="en-US" sz="700" i="1">
                 <a:solidFill>
                   <a:schemeClr val="bg1"/>
                 </a:solidFill>
@@ -3912,7 +4480,7 @@
                     <a:bodyPr/>
                     <a:lstStyle/>
                     <a:p>
-                      <a:endParaRPr lang="en-US" dirty="0"/>
+                      <a:endParaRPr lang="en-US"/>
                     </a:p>
                   </a:txBody>
                   <a:tcPr/>
@@ -3950,16 +4518,36 @@
                         <a:defRPr/>
                       </a:pPr>
                       <a:r>
-                        <a:rPr lang="de-de" sz="900" spc="-20" dirty="0">
+                        <a:rPr lang="en-US" sz="900" spc="-20">
                           <a:solidFill>
                             <a:srgbClr val="404040"/>
                           </a:solidFill>
                           <a:latin typeface="Adobe Clean"/>
                           <a:cs typeface="Adobe Clean"/>
                         </a:rPr>
-                        <a:t>線上支援</a:t>
+                        <a:t>Online </a:t>
                       </a:r>
-                      <a:endParaRPr lang="en-US" sz="900" dirty="0">
+                      <a:r>
+                        <a:rPr lang="en-US" sz="900" spc="-135">
+                          <a:solidFill>
+                            <a:srgbClr val="404040"/>
+                          </a:solidFill>
+                          <a:latin typeface="Adobe Clean"/>
+                          <a:cs typeface="Adobe Clean"/>
+                        </a:rPr>
+                        <a:t> </a:t>
+                      </a:r>
+                      <a:r>
+                        <a:rPr lang="en-US" sz="900" spc="-20">
+                          <a:solidFill>
+                            <a:srgbClr val="404040"/>
+                          </a:solidFill>
+                          <a:latin typeface="Adobe Clean"/>
+                          <a:cs typeface="Adobe Clean"/>
+                        </a:rPr>
+                        <a:t>Support</a:t>
+                      </a:r>
+                      <a:endParaRPr lang="en-US" sz="900">
                         <a:latin typeface="Adobe Clean"/>
                         <a:cs typeface="Adobe Clean"/>
                       </a:endParaRPr>
@@ -4003,16 +4591,26 @@
                         </a:spcBef>
                       </a:pPr>
                       <a:r>
-                        <a:rPr lang="de-de" sz="900" spc="-20" dirty="0">
+                        <a:rPr lang="en-US" sz="900" spc="-20">
                           <a:solidFill>
                             <a:srgbClr val="FFFFFF"/>
                           </a:solidFill>
                           <a:latin typeface="Adobe Clean"/>
                           <a:cs typeface="Adobe Clean"/>
                         </a:rPr>
-                        <a:t>菁英支援</a:t>
+                        <a:t>Elite </a:t>
                       </a:r>
-                      <a:endParaRPr sz="900" dirty="0">
+                      <a:r>
+                        <a:rPr sz="900" spc="-20">
+                          <a:solidFill>
+                            <a:srgbClr val="FFFFFF"/>
+                          </a:solidFill>
+                          <a:latin typeface="Adobe Clean"/>
+                          <a:cs typeface="Adobe Clean"/>
+                        </a:rPr>
+                        <a:t>Support</a:t>
+                      </a:r>
+                      <a:endParaRPr sz="900">
                         <a:latin typeface="Adobe Clean"/>
                         <a:cs typeface="Adobe Clean"/>
                       </a:endParaRPr>
@@ -4060,7 +4658,7 @@
                     <a:bodyPr/>
                     <a:lstStyle/>
                     <a:p>
-                      <a:endParaRPr lang="en-US" dirty="0"/>
+                      <a:endParaRPr lang="en-US"/>
                     </a:p>
                   </a:txBody>
                   <a:tcPr/>
@@ -4097,7 +4695,7 @@
                         <a:tabLst/>
                         <a:defRPr/>
                       </a:pPr>
-                      <a:endParaRPr lang="en-US" sz="800" i="1" dirty="0">
+                      <a:endParaRPr lang="en-US" sz="800" i="1">
                         <a:solidFill>
                           <a:sysClr val="windowText" lastClr="000000"/>
                         </a:solidFill>
@@ -4161,13 +4759,13 @@
                         <a:defRPr/>
                       </a:pPr>
                       <a:r>
-                        <a:rPr lang="de-de" sz="800" i="1" dirty="0">
+                        <a:rPr lang="en-US" sz="800" i="1">
                           <a:solidFill>
                             <a:schemeClr val="bg1"/>
                           </a:solidFill>
                           <a:latin typeface="Adobe Clean Light" panose="020B0303020404020204" pitchFamily="34" charset="0"/>
                         </a:rPr>
-                        <a:t>付費支援 ($)</a:t>
+                        <a:t>Paid Support ($)</a:t>
                       </a:r>
                     </a:p>
                   </a:txBody>
@@ -4231,16 +4829,16 @@
                         </a:spcBef>
                       </a:pPr>
                       <a:r>
-                        <a:rPr lang="de-de" sz="1000" b="1" i="0" spc="0" dirty="0">
+                        <a:rPr lang="en-US" sz="1000" b="1" i="0" spc="0">
                           <a:solidFill>
                             <a:schemeClr val="bg1"/>
                           </a:solidFill>
                           <a:latin typeface="Adobe Clean" panose="020B0503020404020204" pitchFamily="34" charset="0"/>
                           <a:cs typeface="AdobeClean-Light"/>
                         </a:rPr>
-                        <a:t>指派的專家</a:t>
+                        <a:t>Assigned Experts</a:t>
                       </a:r>
-                      <a:endParaRPr sz="1000" b="1" i="0" spc="0" dirty="0">
+                      <a:endParaRPr sz="1000" b="1" i="0" spc="0">
                         <a:solidFill>
                           <a:schemeClr val="bg1"/>
                         </a:solidFill>
@@ -4293,16 +4891,16 @@
                         </a:spcBef>
                       </a:pPr>
                       <a:r>
-                        <a:rPr lang="de-de" sz="900" spc="0" dirty="0">
+                        <a:rPr sz="900" spc="0">
                           <a:solidFill>
                             <a:srgbClr val="020302"/>
                           </a:solidFill>
                           <a:latin typeface="AdobeClean-Light"/>
                           <a:cs typeface="AdobeClean-Light"/>
                         </a:rPr>
-                        <a:t>帳戶支援負責人</a:t>
+                        <a:t>Account Support Lead</a:t>
                       </a:r>
-                      <a:endParaRPr sz="900" spc="0" dirty="0">
+                      <a:endParaRPr sz="900" spc="0">
                         <a:latin typeface="AdobeClean-Light"/>
                         <a:cs typeface="AdobeClean-Light"/>
                       </a:endParaRPr>
@@ -4348,7 +4946,7 @@
                           <a:spcPts val="470"/>
                         </a:spcBef>
                       </a:pPr>
-                      <a:endParaRPr sz="900" dirty="0">
+                      <a:endParaRPr sz="900">
                         <a:latin typeface="Wingdings"/>
                         <a:cs typeface="Wingdings"/>
                       </a:endParaRPr>
@@ -4389,7 +4987,7 @@
                           <a:spcPts val="470"/>
                         </a:spcBef>
                       </a:pPr>
-                      <a:endParaRPr sz="900" dirty="0">
+                      <a:endParaRPr sz="900">
                         <a:latin typeface="Wingdings"/>
                         <a:cs typeface="Wingdings"/>
                       </a:endParaRPr>
@@ -4432,7 +5030,7 @@
                           <a:spcPts val="459"/>
                         </a:spcBef>
                       </a:pPr>
-                      <a:endParaRPr sz="900" dirty="0">
+                      <a:endParaRPr sz="900">
                         <a:latin typeface="AdobeClean-Light"/>
                         <a:cs typeface="AdobeClean-Light"/>
                       </a:endParaRPr>
@@ -4470,16 +5068,16 @@
                         </a:spcBef>
                       </a:pPr>
                       <a:r>
-                        <a:rPr lang="de-de" sz="900" spc="0" dirty="0">
+                        <a:rPr sz="900" spc="0">
                           <a:solidFill>
                             <a:srgbClr val="020302"/>
                           </a:solidFill>
                           <a:latin typeface="AdobeClean-Light"/>
                           <a:cs typeface="AdobeClean-Light"/>
                         </a:rPr>
-                        <a:t>指定的支援工程師</a:t>
+                        <a:t>Named Support Engineer</a:t>
                       </a:r>
-                      <a:endParaRPr sz="900" spc="0" dirty="0">
+                      <a:endParaRPr sz="900" spc="0">
                         <a:latin typeface="AdobeClean-Light"/>
                         <a:cs typeface="AdobeClean-Light"/>
                       </a:endParaRPr>
@@ -4510,7 +5108,7 @@
                           <a:spcPct val="100000"/>
                         </a:lnSpc>
                       </a:pPr>
-                      <a:endParaRPr sz="900" dirty="0">
+                      <a:endParaRPr sz="900">
                         <a:latin typeface="Times New Roman"/>
                         <a:cs typeface="Times New Roman"/>
                       </a:endParaRPr>
@@ -4552,7 +5150,7 @@
                         <a:defRPr/>
                       </a:pPr>
                       <a:r>
-                        <a:rPr lang="de-de" sz="900" dirty="0">
+                        <a:rPr lang="en-US" sz="900">
                           <a:solidFill>
                             <a:srgbClr val="020302"/>
                           </a:solidFill>
@@ -4561,7 +5159,7 @@
                         </a:rPr>
                         <a:t></a:t>
                       </a:r>
-                      <a:endParaRPr lang="en-US" sz="900" dirty="0">
+                      <a:endParaRPr lang="en-US" sz="900">
                         <a:latin typeface="Wingdings"/>
                         <a:cs typeface="Wingdings"/>
                       </a:endParaRPr>
@@ -4595,7 +5193,7 @@
                           <a:spcPts val="500"/>
                         </a:spcBef>
                       </a:pPr>
-                      <a:endParaRPr sz="900" dirty="0">
+                      <a:endParaRPr sz="900">
                         <a:latin typeface="AdobeClean-Light"/>
                         <a:cs typeface="AdobeClean-Light"/>
                       </a:endParaRPr>
@@ -4645,16 +5243,16 @@
                         </a:spcBef>
                       </a:pPr>
                       <a:r>
-                        <a:rPr lang="de-de" sz="900" spc="0" dirty="0">
+                        <a:rPr sz="900" spc="0">
                           <a:solidFill>
                             <a:srgbClr val="020302"/>
                           </a:solidFill>
                           <a:latin typeface="AdobeClean-Light"/>
                           <a:cs typeface="AdobeClean-Light"/>
                         </a:rPr>
-                        <a:t>技術客戶經理</a:t>
+                        <a:t>Technical Account Manager</a:t>
                       </a:r>
-                      <a:endParaRPr sz="900" spc="0" dirty="0">
+                      <a:endParaRPr sz="900" spc="0">
                         <a:latin typeface="AdobeClean-Light"/>
                         <a:cs typeface="AdobeClean-Light"/>
                       </a:endParaRPr>
@@ -4691,7 +5289,7 @@
                           <a:spcPct val="100000"/>
                         </a:lnSpc>
                       </a:pPr>
-                      <a:endParaRPr sz="900" dirty="0">
+                      <a:endParaRPr sz="900">
                         <a:latin typeface="Times New Roman"/>
                         <a:cs typeface="Times New Roman"/>
                       </a:endParaRPr>
@@ -4742,7 +5340,7 @@
                         <a:defRPr/>
                       </a:pPr>
                       <a:r>
-                        <a:rPr lang="de-de" sz="900" dirty="0">
+                        <a:rPr lang="en-US" sz="900">
                           <a:solidFill>
                             <a:srgbClr val="020302"/>
                           </a:solidFill>
@@ -4751,7 +5349,7 @@
                         </a:rPr>
                         <a:t></a:t>
                       </a:r>
-                      <a:endParaRPr lang="en-US" sz="900" dirty="0">
+                      <a:endParaRPr lang="en-US" sz="900">
                         <a:latin typeface="Wingdings"/>
                         <a:cs typeface="Wingdings"/>
                       </a:endParaRPr>
@@ -4795,16 +5393,16 @@
                         </a:spcBef>
                       </a:pPr>
                       <a:r>
-                        <a:rPr lang="de-de" sz="1000" b="1" i="0" spc="0" dirty="0">
+                        <a:rPr lang="en-US" sz="1000" b="1" i="0" spc="0">
                           <a:solidFill>
                             <a:schemeClr val="bg1"/>
                           </a:solidFill>
                           <a:latin typeface="Adobe Clean" panose="020B0503020404020204" pitchFamily="34" charset="0"/>
                           <a:cs typeface="AdobeClean-Light"/>
                         </a:rPr>
-                        <a:t>支援服務</a:t>
+                        <a:t>Support Services</a:t>
                       </a:r>
-                      <a:endParaRPr sz="1000" b="1" i="0" spc="0" dirty="0">
+                      <a:endParaRPr sz="1000" b="1" i="0" spc="0">
                         <a:solidFill>
                           <a:schemeClr val="bg1"/>
                         </a:solidFill>
@@ -4866,16 +5464,26 @@
                         </a:spcBef>
                       </a:pPr>
                       <a:r>
-                        <a:rPr lang="de-de" sz="900" spc="0" dirty="0">
+                        <a:rPr lang="en-US" sz="900" spc="0">
                           <a:solidFill>
                             <a:srgbClr val="020302"/>
                           </a:solidFill>
                           <a:latin typeface="AdobeClean-Light"/>
                           <a:cs typeface="AdobeClean-Light"/>
                         </a:rPr>
-                        <a:t>線上支援</a:t>
+                        <a:t>Online</a:t>
                       </a:r>
-                      <a:endParaRPr sz="900" spc="0" dirty="0">
+                      <a:r>
+                        <a:rPr sz="900" spc="0">
+                          <a:solidFill>
+                            <a:srgbClr val="020302"/>
+                          </a:solidFill>
+                          <a:latin typeface="AdobeClean-Light"/>
+                          <a:cs typeface="AdobeClean-Light"/>
+                        </a:rPr>
+                        <a:t> Support</a:t>
+                      </a:r>
+                      <a:endParaRPr sz="900" spc="0">
                         <a:latin typeface="AdobeClean-Light"/>
                         <a:cs typeface="AdobeClean-Light"/>
                       </a:endParaRPr>
@@ -4916,26 +5524,36 @@
                         </a:spcBef>
                       </a:pPr>
                       <a:r>
-                        <a:rPr lang="de-de" sz="900" spc="-25" dirty="0">
+                        <a:rPr sz="900" spc="-25">
                           <a:solidFill>
                             <a:srgbClr val="020302"/>
                           </a:solidFill>
                           <a:latin typeface="AdobeClean-Light"/>
                           <a:cs typeface="AdobeClean-Light"/>
                         </a:rPr>
-                        <a:t>營業</a:t>
+                        <a:t>Business</a:t>
                       </a:r>
                       <a:r>
-                        <a:rPr lang="de-de" sz="900" spc="-30" dirty="0">
+                        <a:rPr sz="900" spc="-15">
                           <a:solidFill>
                             <a:srgbClr val="020302"/>
                           </a:solidFill>
                           <a:latin typeface="AdobeClean-Light"/>
                           <a:cs typeface="AdobeClean-Light"/>
                         </a:rPr>
-                        <a:t>時間</a:t>
+                        <a:t> </a:t>
                       </a:r>
-                      <a:endParaRPr sz="900" dirty="0">
+                      <a:r>
+                        <a:rPr sz="900" spc="-30">
+                          <a:solidFill>
+                            <a:srgbClr val="020302"/>
+                          </a:solidFill>
+                          <a:latin typeface="AdobeClean-Light"/>
+                          <a:cs typeface="AdobeClean-Light"/>
+                        </a:rPr>
+                        <a:t>hours</a:t>
+                      </a:r>
+                      <a:endParaRPr sz="900">
                         <a:latin typeface="AdobeClean-Light"/>
                         <a:cs typeface="AdobeClean-Light"/>
                       </a:endParaRPr>
@@ -4977,7 +5595,7 @@
                         </a:spcBef>
                       </a:pPr>
                       <a:r>
-                        <a:rPr lang="de-de" sz="900" spc="-25" dirty="0">
+                        <a:rPr lang="en-US" sz="900" spc="-25">
                           <a:solidFill>
                             <a:srgbClr val="020302"/>
                           </a:solidFill>
@@ -4986,7 +5604,7 @@
                         </a:rPr>
                         <a:t>24x5</a:t>
                       </a:r>
-                      <a:endParaRPr sz="900" dirty="0">
+                      <a:endParaRPr sz="900">
                         <a:latin typeface="AdobeClean-Light"/>
                         <a:cs typeface="AdobeClean-Light"/>
                       </a:endParaRPr>
@@ -5029,7 +5647,7 @@
                           <a:spcPts val="455"/>
                         </a:spcBef>
                       </a:pPr>
-                      <a:endParaRPr sz="900" dirty="0">
+                      <a:endParaRPr sz="900">
                         <a:latin typeface="AdobeClean-Light"/>
                         <a:cs typeface="AdobeClean-Light"/>
                       </a:endParaRPr>
@@ -5070,16 +5688,36 @@
                         </a:spcBef>
                       </a:pPr>
                       <a:r>
-                        <a:rPr lang="de-de" sz="900" spc="0" dirty="0">
+                        <a:rPr sz="900" spc="0">
                           <a:solidFill>
                             <a:srgbClr val="020302"/>
                           </a:solidFill>
                           <a:latin typeface="AdobeClean-Light"/>
                           <a:cs typeface="AdobeClean-Light"/>
                         </a:rPr>
-                        <a:t>全年無休 P1 問題支援</a:t>
+                        <a:t>24x7</a:t>
                       </a:r>
-                      <a:endParaRPr sz="900" spc="0" dirty="0">
+                      <a:r>
+                        <a:rPr lang="en-US" sz="900" spc="0">
+                          <a:solidFill>
+                            <a:srgbClr val="020302"/>
+                          </a:solidFill>
+                          <a:latin typeface="AdobeClean-Light"/>
+                          <a:cs typeface="AdobeClean-Light"/>
+                        </a:rPr>
+                        <a:t>x365</a:t>
+                      </a:r>
+                      <a:r>
+                        <a:rPr sz="900" spc="0">
+                          <a:solidFill>
+                            <a:srgbClr val="020302"/>
+                          </a:solidFill>
+                          <a:latin typeface="AdobeClean-Light"/>
+                          <a:cs typeface="AdobeClean-Light"/>
+                        </a:rPr>
+                        <a:t> P1 Issue Support</a:t>
+                      </a:r>
+                      <a:endParaRPr sz="900" spc="0">
                         <a:latin typeface="AdobeClean-Light"/>
                         <a:cs typeface="AdobeClean-Light"/>
                       </a:endParaRPr>
@@ -5114,7 +5752,7 @@
                         </a:spcBef>
                       </a:pPr>
                       <a:r>
-                        <a:rPr lang="de-de" sz="900" dirty="0">
+                        <a:rPr sz="900">
                           <a:solidFill>
                             <a:srgbClr val="020302"/>
                           </a:solidFill>
@@ -5123,7 +5761,7 @@
                         </a:rPr>
                         <a:t></a:t>
                       </a:r>
-                      <a:endParaRPr sz="900" dirty="0">
+                      <a:endParaRPr sz="900">
                         <a:latin typeface="Wingdings"/>
                         <a:cs typeface="Wingdings"/>
                       </a:endParaRPr>
@@ -5156,7 +5794,7 @@
                         </a:spcBef>
                       </a:pPr>
                       <a:r>
-                        <a:rPr lang="de-de" sz="900" dirty="0">
+                        <a:rPr sz="900">
                           <a:solidFill>
                             <a:srgbClr val="020302"/>
                           </a:solidFill>
@@ -5165,7 +5803,7 @@
                         </a:rPr>
                         <a:t></a:t>
                       </a:r>
-                      <a:endParaRPr sz="900" dirty="0">
+                      <a:endParaRPr sz="900">
                         <a:latin typeface="Wingdings"/>
                         <a:cs typeface="Wingdings"/>
                       </a:endParaRPr>
@@ -5199,7 +5837,7 @@
                           <a:spcPts val="455"/>
                         </a:spcBef>
                       </a:pPr>
-                      <a:endParaRPr sz="900" dirty="0">
+                      <a:endParaRPr sz="900">
                         <a:latin typeface="AdobeClean-Light"/>
                         <a:cs typeface="AdobeClean-Light"/>
                       </a:endParaRPr>
@@ -5249,16 +5887,16 @@
                         </a:spcBef>
                       </a:pPr>
                       <a:r>
-                        <a:rPr lang="de-de" sz="900" spc="0" dirty="0">
+                        <a:rPr lang="en-US" sz="900" spc="0">
                           <a:solidFill>
                             <a:srgbClr val="020302"/>
                           </a:solidFill>
                           <a:latin typeface="AdobeClean-Light"/>
                           <a:cs typeface="AdobeClean-Light"/>
                         </a:rPr>
-                        <a:t>指定的支援聯絡人 (依據產品)</a:t>
+                        <a:t>Named Support Contacts (per product)</a:t>
                       </a:r>
-                      <a:endParaRPr sz="900" spc="0" dirty="0">
+                      <a:endParaRPr sz="900" spc="0">
                         <a:latin typeface="AdobeClean-Light"/>
                         <a:cs typeface="AdobeClean-Light"/>
                       </a:endParaRPr>
@@ -5299,7 +5937,7 @@
                         </a:spcBef>
                       </a:pPr>
                       <a:r>
-                        <a:rPr lang="de-de" sz="900" dirty="0">
+                        <a:rPr sz="900">
                           <a:solidFill>
                             <a:srgbClr val="020302"/>
                           </a:solidFill>
@@ -5308,7 +5946,7 @@
                         </a:rPr>
                         <a:t>4</a:t>
                       </a:r>
-                      <a:endParaRPr sz="900" dirty="0">
+                      <a:endParaRPr sz="900">
                         <a:latin typeface="AdobeClean-Light"/>
                         <a:cs typeface="AdobeClean-Light"/>
                       </a:endParaRPr>
@@ -5341,7 +5979,7 @@
                         </a:spcBef>
                       </a:pPr>
                       <a:r>
-                        <a:rPr lang="de-de" sz="900" dirty="0">
+                        <a:rPr lang="en-US" sz="900">
                           <a:solidFill>
                             <a:srgbClr val="020302"/>
                           </a:solidFill>
@@ -5350,7 +5988,7 @@
                         </a:rPr>
                         <a:t>15</a:t>
                       </a:r>
-                      <a:endParaRPr sz="900" dirty="0">
+                      <a:endParaRPr sz="900">
                         <a:latin typeface="AdobeClean-Light"/>
                         <a:cs typeface="AdobeClean-Light"/>
                       </a:endParaRPr>
@@ -5384,7 +6022,7 @@
                           <a:spcPts val="455"/>
                         </a:spcBef>
                       </a:pPr>
-                      <a:endParaRPr sz="900" dirty="0">
+                      <a:endParaRPr sz="900">
                         <a:latin typeface="AdobeClean-Light"/>
                         <a:cs typeface="AdobeClean-Light"/>
                       </a:endParaRPr>
@@ -5425,16 +6063,16 @@
                         </a:spcBef>
                       </a:pPr>
                       <a:r>
-                        <a:rPr lang="de-de" sz="900" spc="0" dirty="0">
+                        <a:rPr lang="en-US" sz="900" spc="0">
                           <a:solidFill>
                             <a:srgbClr val="020302"/>
                           </a:solidFill>
                           <a:latin typeface="AdobeClean-Light"/>
                           <a:cs typeface="AdobeClean-Light"/>
                         </a:rPr>
-                        <a:t>即時電話支援</a:t>
+                        <a:t>Live Telephone Support</a:t>
                       </a:r>
-                      <a:endParaRPr sz="900" spc="0" dirty="0">
+                      <a:endParaRPr sz="900" spc="0">
                         <a:latin typeface="AdobeClean-Light"/>
                         <a:cs typeface="AdobeClean-Light"/>
                       </a:endParaRPr>
@@ -5468,7 +6106,7 @@
                           <a:spcPts val="464"/>
                         </a:spcBef>
                       </a:pPr>
-                      <a:endParaRPr sz="900" dirty="0">
+                      <a:endParaRPr sz="900">
                         <a:latin typeface="Wingdings"/>
                         <a:cs typeface="Wingdings"/>
                       </a:endParaRPr>
@@ -5501,7 +6139,7 @@
                         </a:spcBef>
                       </a:pPr>
                       <a:r>
-                        <a:rPr lang="de-de" sz="900" dirty="0">
+                        <a:rPr sz="900">
                           <a:solidFill>
                             <a:srgbClr val="020302"/>
                           </a:solidFill>
@@ -5510,7 +6148,7 @@
                         </a:rPr>
                         <a:t></a:t>
                       </a:r>
-                      <a:endParaRPr sz="900" dirty="0">
+                      <a:endParaRPr sz="900">
                         <a:latin typeface="Wingdings"/>
                         <a:cs typeface="Wingdings"/>
                       </a:endParaRPr>
@@ -5544,7 +6182,7 @@
                           <a:spcPts val="459"/>
                         </a:spcBef>
                       </a:pPr>
-                      <a:endParaRPr sz="900" dirty="0">
+                      <a:endParaRPr sz="900">
                         <a:latin typeface="AdobeClean-Light"/>
                         <a:cs typeface="AdobeClean-Light"/>
                       </a:endParaRPr>
@@ -5585,16 +6223,16 @@
                         </a:spcBef>
                       </a:pPr>
                       <a:r>
-                        <a:rPr lang="de-de" sz="900" spc="0" dirty="0">
+                        <a:rPr sz="900" spc="0">
                           <a:solidFill>
                             <a:srgbClr val="020302"/>
                           </a:solidFill>
                           <a:latin typeface="AdobeClean-Light"/>
                           <a:cs typeface="AdobeClean-Light"/>
                         </a:rPr>
-                        <a:t>向上呈報管理</a:t>
+                        <a:t>Escalation Management</a:t>
                       </a:r>
-                      <a:endParaRPr sz="900" spc="0" dirty="0">
+                      <a:endParaRPr sz="900" spc="0">
                         <a:latin typeface="AdobeClean-Light"/>
                         <a:cs typeface="AdobeClean-Light"/>
                       </a:endParaRPr>
@@ -5628,7 +6266,7 @@
                           <a:spcPts val="470"/>
                         </a:spcBef>
                       </a:pPr>
-                      <a:endParaRPr sz="900" dirty="0">
+                      <a:endParaRPr sz="900">
                         <a:latin typeface="Wingdings"/>
                         <a:cs typeface="Wingdings"/>
                       </a:endParaRPr>
@@ -5661,7 +6299,7 @@
                         </a:spcBef>
                       </a:pPr>
                       <a:r>
-                        <a:rPr lang="de-de" sz="900" dirty="0">
+                        <a:rPr sz="900">
                           <a:solidFill>
                             <a:srgbClr val="020302"/>
                           </a:solidFill>
@@ -5670,7 +6308,7 @@
                         </a:rPr>
                         <a:t></a:t>
                       </a:r>
-                      <a:endParaRPr sz="900" dirty="0">
+                      <a:endParaRPr sz="900">
                         <a:latin typeface="Wingdings"/>
                         <a:cs typeface="Wingdings"/>
                       </a:endParaRPr>
@@ -5704,7 +6342,7 @@
                           <a:spcPts val="450"/>
                         </a:spcBef>
                       </a:pPr>
-                      <a:endParaRPr sz="900" dirty="0">
+                      <a:endParaRPr sz="900">
                         <a:latin typeface="AdobeClean-Light"/>
                         <a:cs typeface="AdobeClean-Light"/>
                       </a:endParaRPr>
@@ -5745,16 +6383,26 @@
                         </a:spcBef>
                       </a:pPr>
                       <a:r>
-                        <a:rPr lang="de-de" sz="900" spc="0" dirty="0">
+                        <a:rPr sz="900" spc="0">
                           <a:solidFill>
                             <a:srgbClr val="020302"/>
                           </a:solidFill>
                           <a:latin typeface="AdobeClean-Light"/>
                           <a:cs typeface="AdobeClean-Light"/>
                         </a:rPr>
-                        <a:t>每年的服務審查</a:t>
+                        <a:t>Service Reviews </a:t>
                       </a:r>
-                      <a:endParaRPr sz="900" spc="0" dirty="0">
+                      <a:r>
+                        <a:rPr lang="en-US" sz="900" spc="0">
+                          <a:solidFill>
+                            <a:srgbClr val="020302"/>
+                          </a:solidFill>
+                          <a:latin typeface="AdobeClean-Light"/>
+                          <a:cs typeface="AdobeClean-Light"/>
+                        </a:rPr>
+                        <a:t>per Year</a:t>
+                      </a:r>
+                      <a:endParaRPr sz="900" spc="0">
                         <a:latin typeface="AdobeClean-Light"/>
                         <a:cs typeface="AdobeClean-Light"/>
                       </a:endParaRPr>
@@ -5785,7 +6433,7 @@
                           <a:spcPct val="100000"/>
                         </a:lnSpc>
                       </a:pPr>
-                      <a:endParaRPr sz="900" dirty="0">
+                      <a:endParaRPr sz="900">
                         <a:latin typeface="Times New Roman"/>
                         <a:cs typeface="Times New Roman"/>
                       </a:endParaRPr>
@@ -5815,13 +6463,13 @@
                         </a:lnSpc>
                       </a:pPr>
                       <a:r>
-                        <a:rPr lang="de-de" sz="900" dirty="0">
+                        <a:rPr lang="en-US" sz="900">
                           <a:latin typeface="Times New Roman"/>
                           <a:cs typeface="Times New Roman"/>
                         </a:rPr>
                         <a:t>4</a:t>
                       </a:r>
-                      <a:endParaRPr sz="900" dirty="0">
+                      <a:endParaRPr sz="900">
                         <a:latin typeface="Times New Roman"/>
                         <a:cs typeface="Times New Roman"/>
                       </a:endParaRPr>
@@ -5866,13 +6514,13 @@
                         </a:spcBef>
                       </a:pPr>
                       <a:r>
-                        <a:rPr lang="de-de" sz="900" spc="0" dirty="0">
+                        <a:rPr lang="en-US" sz="900" spc="0">
                           <a:latin typeface="AdobeClean-Light"/>
                           <a:cs typeface="AdobeClean-Light"/>
                         </a:rPr>
-                        <a:t>每年的專家諮詢</a:t>
+                        <a:t>Expert Sessions per Year</a:t>
                       </a:r>
-                      <a:endParaRPr sz="900" spc="0" dirty="0">
+                      <a:endParaRPr sz="900" spc="0">
                         <a:latin typeface="AdobeClean-Light"/>
                         <a:cs typeface="AdobeClean-Light"/>
                       </a:endParaRPr>
@@ -5909,7 +6557,7 @@
                           <a:spcPct val="100000"/>
                         </a:lnSpc>
                       </a:pPr>
-                      <a:endParaRPr sz="900" dirty="0">
+                      <a:endParaRPr sz="900">
                         <a:latin typeface="Times New Roman"/>
                         <a:cs typeface="Times New Roman"/>
                       </a:endParaRPr>
@@ -5939,13 +6587,13 @@
                         </a:lnSpc>
                       </a:pPr>
                       <a:r>
-                        <a:rPr lang="de-de" sz="900" dirty="0">
+                        <a:rPr lang="en-US" sz="900">
                           <a:latin typeface="Times New Roman"/>
                           <a:cs typeface="Times New Roman"/>
                         </a:rPr>
                         <a:t>4</a:t>
                       </a:r>
-                      <a:endParaRPr sz="900" dirty="0">
+                      <a:endParaRPr sz="900">
                         <a:latin typeface="Times New Roman"/>
                         <a:cs typeface="Times New Roman"/>
                       </a:endParaRPr>
@@ -5990,13 +6638,13 @@
                         </a:spcBef>
                       </a:pPr>
                       <a:r>
-                        <a:rPr lang="de-de" sz="900" spc="0" dirty="0">
+                        <a:rPr lang="en-US" sz="900" spc="0">
                           <a:latin typeface="AdobeClean-Light"/>
                           <a:cs typeface="AdobeClean-Light"/>
                         </a:rPr>
-                        <a:t>案件審查</a:t>
+                        <a:t>Case Reviews</a:t>
                       </a:r>
-                      <a:endParaRPr sz="900" spc="0" dirty="0">
+                      <a:endParaRPr sz="900" spc="0">
                         <a:latin typeface="AdobeClean-Light"/>
                         <a:cs typeface="AdobeClean-Light"/>
                       </a:endParaRPr>
@@ -6033,7 +6681,7 @@
                           <a:spcPct val="100000"/>
                         </a:lnSpc>
                       </a:pPr>
-                      <a:endParaRPr sz="900" dirty="0">
+                      <a:endParaRPr sz="900">
                         <a:latin typeface="Times New Roman"/>
                         <a:cs typeface="Times New Roman"/>
                       </a:endParaRPr>
@@ -6075,7 +6723,7 @@
                         <a:defRPr/>
                       </a:pPr>
                       <a:r>
-                        <a:rPr lang="de-de" sz="900" dirty="0">
+                        <a:rPr lang="en-US" sz="900">
                           <a:solidFill>
                             <a:srgbClr val="020302"/>
                           </a:solidFill>
@@ -6084,7 +6732,7 @@
                         </a:rPr>
                         <a:t></a:t>
                       </a:r>
-                      <a:endParaRPr lang="en-US" sz="900" dirty="0">
+                      <a:endParaRPr lang="en-US" sz="900">
                         <a:latin typeface="Wingdings"/>
                         <a:cs typeface="Wingdings"/>
                       </a:endParaRPr>
@@ -6118,7 +6766,7 @@
                           <a:spcPts val="459"/>
                         </a:spcBef>
                       </a:pPr>
-                      <a:endParaRPr sz="900" dirty="0">
+                      <a:endParaRPr sz="900">
                         <a:latin typeface="AdobeClean-Light"/>
                         <a:cs typeface="AdobeClean-Light"/>
                       </a:endParaRPr>
@@ -6168,16 +6816,26 @@
                         </a:spcBef>
                       </a:pPr>
                       <a:r>
-                        <a:rPr lang="de-de" sz="900" spc="0" dirty="0">
+                        <a:rPr sz="900" spc="0">
                           <a:solidFill>
                             <a:srgbClr val="020302"/>
                           </a:solidFill>
                           <a:latin typeface="AdobeClean-Light"/>
                           <a:cs typeface="AdobeClean-Light"/>
                         </a:rPr>
-                        <a:t>事件管理</a:t>
+                        <a:t>Event </a:t>
                       </a:r>
-                      <a:endParaRPr sz="900" spc="0" dirty="0">
+                      <a:r>
+                        <a:rPr lang="en-US" sz="900" spc="0">
+                          <a:solidFill>
+                            <a:srgbClr val="020302"/>
+                          </a:solidFill>
+                          <a:latin typeface="AdobeClean-Light"/>
+                          <a:cs typeface="AdobeClean-Light"/>
+                        </a:rPr>
+                        <a:t>Management</a:t>
+                      </a:r>
+                      <a:endParaRPr sz="900" spc="0">
                         <a:latin typeface="AdobeClean-Light"/>
                         <a:cs typeface="AdobeClean-Light"/>
                       </a:endParaRPr>
@@ -6214,7 +6872,7 @@
                           <a:spcPct val="100000"/>
                         </a:lnSpc>
                       </a:pPr>
-                      <a:endParaRPr sz="900" dirty="0">
+                      <a:endParaRPr sz="900">
                         <a:latin typeface="Times New Roman"/>
                         <a:cs typeface="Times New Roman"/>
                       </a:endParaRPr>
@@ -6256,7 +6914,7 @@
                         <a:defRPr/>
                       </a:pPr>
                       <a:r>
-                        <a:rPr lang="de-de" sz="900" dirty="0">
+                        <a:rPr lang="en-US" sz="900">
                           <a:solidFill>
                             <a:srgbClr val="020302"/>
                           </a:solidFill>
@@ -6265,7 +6923,7 @@
                         </a:rPr>
                         <a:t></a:t>
                       </a:r>
-                      <a:endParaRPr lang="en-US" sz="900" dirty="0">
+                      <a:endParaRPr lang="en-US" sz="900">
                         <a:latin typeface="Wingdings"/>
                         <a:cs typeface="Wingdings"/>
                       </a:endParaRPr>
@@ -6299,7 +6957,7 @@
                           <a:spcPts val="465"/>
                         </a:spcBef>
                       </a:pPr>
-                      <a:endParaRPr sz="900" dirty="0">
+                      <a:endParaRPr sz="900">
                         <a:latin typeface="AdobeClean-Light"/>
                         <a:cs typeface="AdobeClean-Light"/>
                       </a:endParaRPr>
@@ -6340,16 +6998,36 @@
                         </a:spcBef>
                       </a:pPr>
                       <a:r>
-                        <a:rPr lang="de-de" sz="900" spc="0" dirty="0">
+                        <a:rPr sz="900" spc="0">
                           <a:solidFill>
                             <a:srgbClr val="020302"/>
                           </a:solidFill>
                           <a:latin typeface="AdobeClean-Light"/>
                           <a:cs typeface="AdobeClean-Light"/>
                         </a:rPr>
-                        <a:t>環境審查、維護與監控</a:t>
+                        <a:t>Environment</a:t>
                       </a:r>
-                      <a:endParaRPr sz="900" spc="0" dirty="0">
+                      <a:r>
+                        <a:rPr lang="en-US" sz="900" spc="0">
+                          <a:solidFill>
+                            <a:srgbClr val="020302"/>
+                          </a:solidFill>
+                          <a:latin typeface="AdobeClean-Light"/>
+                          <a:cs typeface="AdobeClean-Light"/>
+                        </a:rPr>
+                        <a:t> </a:t>
+                      </a:r>
+                      <a:r>
+                        <a:rPr sz="900" spc="0">
+                          <a:solidFill>
+                            <a:srgbClr val="020302"/>
+                          </a:solidFill>
+                          <a:latin typeface="AdobeClean-Light"/>
+                          <a:cs typeface="AdobeClean-Light"/>
+                        </a:rPr>
+                        <a:t>Review, Maintenance &amp; Monitoring</a:t>
+                      </a:r>
+                      <a:endParaRPr sz="900" spc="0">
                         <a:latin typeface="AdobeClean-Light"/>
                         <a:cs typeface="AdobeClean-Light"/>
                       </a:endParaRPr>
@@ -6380,7 +7058,7 @@
                           <a:spcPct val="100000"/>
                         </a:lnSpc>
                       </a:pPr>
-                      <a:endParaRPr sz="900" dirty="0">
+                      <a:endParaRPr sz="900">
                         <a:latin typeface="Times New Roman"/>
                         <a:cs typeface="Times New Roman"/>
                       </a:endParaRPr>
@@ -6422,7 +7100,7 @@
                         <a:defRPr/>
                       </a:pPr>
                       <a:r>
-                        <a:rPr lang="de-de" sz="900" dirty="0">
+                        <a:rPr lang="en-US" sz="900">
                           <a:solidFill>
                             <a:srgbClr val="020302"/>
                           </a:solidFill>
@@ -6431,7 +7109,7 @@
                         </a:rPr>
                         <a:t></a:t>
                       </a:r>
-                      <a:endParaRPr lang="en-US" sz="900" dirty="0">
+                      <a:endParaRPr lang="en-US" sz="900">
                         <a:latin typeface="Wingdings"/>
                         <a:cs typeface="Wingdings"/>
                       </a:endParaRPr>
@@ -6465,7 +7143,7 @@
                           <a:spcPts val="500"/>
                         </a:spcBef>
                       </a:pPr>
-                      <a:endParaRPr sz="900" dirty="0">
+                      <a:endParaRPr sz="900">
                         <a:latin typeface="AdobeClean-Light"/>
                         <a:cs typeface="AdobeClean-Light"/>
                       </a:endParaRPr>
@@ -6506,16 +7184,16 @@
                         </a:spcBef>
                       </a:pPr>
                       <a:r>
-                        <a:rPr lang="de-de" sz="900" spc="0" dirty="0">
+                        <a:rPr sz="900" spc="0">
                           <a:solidFill>
                             <a:srgbClr val="020302"/>
                           </a:solidFill>
                           <a:latin typeface="AdobeClean-Light"/>
                           <a:cs typeface="AdobeClean-Light"/>
                         </a:rPr>
-                        <a:t>發行、遷移、升級及產品藍圖審查</a:t>
+                        <a:t>Release, Migration, Upgrade &amp; Product Roadmap Review</a:t>
                       </a:r>
-                      <a:endParaRPr sz="900" spc="0" dirty="0">
+                      <a:endParaRPr sz="900" spc="0">
                         <a:latin typeface="AdobeClean-Light"/>
                         <a:cs typeface="AdobeClean-Light"/>
                       </a:endParaRPr>
@@ -6546,7 +7224,7 @@
                           <a:spcPct val="100000"/>
                         </a:lnSpc>
                       </a:pPr>
-                      <a:endParaRPr sz="900" dirty="0">
+                      <a:endParaRPr sz="900">
                         <a:latin typeface="Times New Roman"/>
                         <a:cs typeface="Times New Roman"/>
                       </a:endParaRPr>
@@ -6588,7 +7266,7 @@
                         <a:defRPr/>
                       </a:pPr>
                       <a:r>
-                        <a:rPr lang="de-de" sz="900" dirty="0">
+                        <a:rPr lang="en-US" sz="900">
                           <a:solidFill>
                             <a:srgbClr val="020302"/>
                           </a:solidFill>
@@ -6597,7 +7275,7 @@
                         </a:rPr>
                         <a:t></a:t>
                       </a:r>
-                      <a:endParaRPr lang="en-US" sz="900" dirty="0">
+                      <a:endParaRPr lang="en-US" sz="900">
                         <a:latin typeface="Wingdings"/>
                         <a:cs typeface="Wingdings"/>
                       </a:endParaRPr>
@@ -6631,7 +7309,7 @@
                           <a:spcPts val="530"/>
                         </a:spcBef>
                       </a:pPr>
-                      <a:endParaRPr sz="900" dirty="0">
+                      <a:endParaRPr sz="900">
                         <a:latin typeface="AdobeClean-Light"/>
                         <a:cs typeface="AdobeClean-Light"/>
                       </a:endParaRPr>
@@ -6681,11 +7359,11 @@
                         </a:spcBef>
                       </a:pPr>
                       <a:r>
-                        <a:rPr lang="de-de" sz="900" spc="0" dirty="0">
+                        <a:rPr sz="900" spc="0">
                           <a:latin typeface="AdobeClean-Light"/>
                           <a:cs typeface="AdobeClean-Light"/>
                         </a:rPr>
-                        <a:t>雲端支援活動 – 雲端形式的 Experience Manager</a:t>
+                        <a:t>Cloud Support Activities – Experience Manager as Cloud</a:t>
                       </a:r>
                     </a:p>
                   </a:txBody>
@@ -6720,7 +7398,7 @@
                           <a:spcPct val="100000"/>
                         </a:lnSpc>
                       </a:pPr>
-                      <a:endParaRPr sz="900" dirty="0">
+                      <a:endParaRPr sz="900">
                         <a:latin typeface="Times New Roman"/>
                         <a:cs typeface="Times New Roman"/>
                       </a:endParaRPr>
@@ -6771,7 +7449,7 @@
                         <a:defRPr/>
                       </a:pPr>
                       <a:r>
-                        <a:rPr lang="de-de" sz="900" dirty="0">
+                        <a:rPr lang="en-US" sz="900">
                           <a:solidFill>
                             <a:srgbClr val="020302"/>
                           </a:solidFill>
@@ -6780,7 +7458,7 @@
                         </a:rPr>
                         <a:t></a:t>
                       </a:r>
-                      <a:endParaRPr lang="en-US" sz="900" dirty="0">
+                      <a:endParaRPr lang="en-US" sz="900">
                         <a:latin typeface="Wingdings"/>
                         <a:cs typeface="Wingdings"/>
                       </a:endParaRPr>
@@ -6824,16 +7502,16 @@
                         </a:spcBef>
                       </a:pPr>
                       <a:r>
-                        <a:rPr lang="de-de" sz="1000" b="1" i="0" spc="0" dirty="0">
+                        <a:rPr lang="en-US" sz="1000" b="1" i="0" spc="0">
                           <a:solidFill>
                             <a:schemeClr val="bg1"/>
                           </a:solidFill>
                           <a:latin typeface="Adobe Clean" panose="020B0503020404020204" pitchFamily="34" charset="0"/>
                           <a:cs typeface="AdobeClean-Light"/>
                         </a:rPr>
-                        <a:t>現場服務</a:t>
+                        <a:t>Field Services</a:t>
                       </a:r>
-                      <a:endParaRPr sz="1000" b="1" i="0" spc="0" dirty="0">
+                      <a:endParaRPr sz="1000" b="1" i="0" spc="0">
                         <a:solidFill>
                           <a:schemeClr val="bg1"/>
                         </a:solidFill>
@@ -6892,14 +7570,14 @@
                         </a:spcBef>
                       </a:pPr>
                       <a:r>
-                        <a:rPr lang="de-de" sz="900" spc="0" dirty="0">
+                        <a:rPr sz="900" spc="0">
                           <a:solidFill>
                             <a:srgbClr val="020302"/>
                           </a:solidFill>
                           <a:latin typeface="AdobeClean-Light"/>
                           <a:cs typeface="AdobeClean-Light"/>
                         </a:rPr>
-                        <a:t>上市諮詢服務 – 新解決方案的第一年</a:t>
+                        <a:t>Launch Advisory Services – First Year of new solution</a:t>
                       </a:r>
                     </a:p>
                   </a:txBody>
@@ -6944,7 +7622,7 @@
                           <a:spcPct val="100000"/>
                         </a:lnSpc>
                       </a:pPr>
-                      <a:endParaRPr sz="900" dirty="0">
+                      <a:endParaRPr sz="900">
                         <a:latin typeface="Times New Roman"/>
                         <a:cs typeface="Times New Roman"/>
                       </a:endParaRPr>
@@ -7011,7 +7689,7 @@
                         <a:defRPr/>
                       </a:pPr>
                       <a:r>
-                        <a:rPr lang="de-de" sz="900" dirty="0">
+                        <a:rPr lang="en-US" sz="900">
                           <a:solidFill>
                             <a:srgbClr val="020302"/>
                           </a:solidFill>
@@ -7020,7 +7698,7 @@
                         </a:rPr>
                         <a:t></a:t>
                       </a:r>
-                      <a:endParaRPr lang="en-US" sz="900" dirty="0">
+                      <a:endParaRPr lang="en-US" sz="900">
                         <a:latin typeface="Wingdings"/>
                         <a:cs typeface="Wingdings"/>
                       </a:endParaRPr>
@@ -7102,11 +7780,11 @@
                         <a:defRPr/>
                       </a:pPr>
                       <a:r>
-                        <a:rPr lang="de-de" sz="900" spc="0" dirty="0">
+                        <a:rPr lang="en-US" sz="900" spc="0">
                           <a:latin typeface="AdobeClean-Light"/>
                           <a:cs typeface="AdobeClean-Light"/>
                         </a:rPr>
-                        <a:t>現場服務活動</a:t>
+                        <a:t>Field Service Activities </a:t>
                       </a:r>
                     </a:p>
                   </a:txBody>
@@ -7141,7 +7819,7 @@
                     <a:lstStyle/>
                     <a:p>
                       <a:pPr algn="ctr"/>
-                      <a:endParaRPr lang="en-US" dirty="0"/>
+                      <a:endParaRPr lang="en-US"/>
                     </a:p>
                   </a:txBody>
                   <a:tcPr marL="0" marR="0" marT="0" marB="0">
@@ -7189,13 +7867,13 @@
                     <a:p>
                       <a:pPr algn="ctr"/>
                       <a:r>
-                        <a:rPr lang="de-de" sz="900" dirty="0">
+                        <a:rPr lang="en-US" sz="900">
                           <a:latin typeface="Times New Roman"/>
                           <a:cs typeface="Times New Roman"/>
                         </a:rPr>
                         <a:t>4</a:t>
                       </a:r>
-                      <a:endParaRPr lang="en-US" dirty="0"/>
+                      <a:endParaRPr lang="en-US"/>
                     </a:p>
                   </a:txBody>
                   <a:tcPr marL="0" marR="0" marT="0" marB="0" anchor="ctr">
@@ -7329,7 +8007,7 @@
         <p:spPr>
           <a:xfrm>
             <a:off x="357339" y="608961"/>
-            <a:ext cx="4214661" cy="229239"/>
+            <a:ext cx="1647825" cy="238760"/>
           </a:xfrm>
           <a:prstGeom prst="rect">
             <a:avLst/>
@@ -7350,26 +8028,56 @@
               </a:spcBef>
             </a:pPr>
             <a:r>
-              <a:rPr lang="de-de" sz="1400" b="1" spc="-10" dirty="0">
+              <a:rPr sz="1400" b="1" spc="-10">
                 <a:solidFill>
                   <a:srgbClr val="020302"/>
                 </a:solidFill>
                 <a:latin typeface="Adobe Clean"/>
                 <a:cs typeface="Adobe Clean"/>
               </a:rPr>
-              <a:t>菁英支援</a:t>
-            </a:r>
-            <a:r>
-              <a:rPr lang="de-de" sz="1400" b="1" spc="-15" dirty="0">
+              <a:t>Elite</a:t>
+            </a:r>
+            <a:r>
+              <a:rPr sz="1400" b="1" spc="-50">
                 <a:solidFill>
                   <a:srgbClr val="020302"/>
                 </a:solidFill>
                 <a:latin typeface="Adobe Clean"/>
                 <a:cs typeface="Adobe Clean"/>
               </a:rPr>
-              <a:t>特色</a:t>
-            </a:r>
-            <a:endParaRPr sz="1400" dirty="0">
+              <a:t> </a:t>
+            </a:r>
+            <a:r>
+              <a:rPr sz="1400" b="1" spc="-10">
+                <a:solidFill>
+                  <a:srgbClr val="020302"/>
+                </a:solidFill>
+                <a:latin typeface="Adobe Clean"/>
+                <a:cs typeface="Adobe Clean"/>
+              </a:rPr>
+              <a:t>Support</a:t>
+            </a:r>
+            <a:r>
+              <a:rPr sz="1400" b="1" spc="-45">
+                <a:solidFill>
+                  <a:srgbClr val="020302"/>
+                </a:solidFill>
+                <a:latin typeface="Adobe Clean"/>
+                <a:cs typeface="Adobe Clean"/>
+              </a:rPr>
+              <a:t> </a:t>
+            </a:r>
+            <a:r>
+              <a:rPr sz="1400" b="1" spc="-15">
+                <a:solidFill>
+                  <a:srgbClr val="020302"/>
+                </a:solidFill>
+                <a:latin typeface="Adobe Clean"/>
+                <a:cs typeface="Adobe Clean"/>
+              </a:rPr>
+              <a:t>Features</a:t>
+            </a:r>
+            <a:endParaRPr sz="1400">
               <a:latin typeface="Adobe Clean"/>
               <a:cs typeface="Adobe Clean"/>
             </a:endParaRPr>
@@ -7406,16 +8114,16 @@
               </a:spcBef>
             </a:pPr>
             <a:r>
-              <a:rPr lang="de-de" sz="1000" dirty="0">
+              <a:rPr sz="1000">
                 <a:solidFill>
                   <a:srgbClr val="4B4B4B"/>
                 </a:solidFill>
                 <a:latin typeface="AdobeClean-Light"/>
                 <a:cs typeface="AdobeClean-Light"/>
               </a:rPr>
-              <a:t>已熟悉您的解決方案環境與業務目標的指定支援工程師。NSE 是經驗豐富的支援工程師，可幫忙協調您的企業支援體驗。</a:t>
-            </a:r>
-            <a:endParaRPr sz="1000" dirty="0">
+              <a:t>A designated support engineer who  becomes familiar with your solution  environment and business goals. The NSE  is an experienced support engineer that  helps coordinate your Enterprise Support  experience.</a:t>
+            </a:r>
+            <a:endParaRPr sz="1000">
               <a:latin typeface="AdobeClean-Light"/>
               <a:cs typeface="AdobeClean-Light"/>
             </a:endParaRPr>
@@ -7500,16 +8208,16 @@
               </a:spcBef>
             </a:pPr>
             <a:r>
-              <a:rPr lang="de-de" sz="1000" dirty="0">
+              <a:rPr sz="1000">
                 <a:solidFill>
                   <a:srgbClr val="4B4B4B"/>
                 </a:solidFill>
                 <a:latin typeface="AdobeClean-Light"/>
                 <a:cs typeface="AdobeClean-Light"/>
               </a:rPr>
-              <a:t>定期審查未解決的支援請求，以確保客戶在案件描述、業務影響、狀態、優先順序及確保快速解決所需的後續步驟方面都達成一致。</a:t>
-            </a:r>
-            <a:endParaRPr sz="1000" dirty="0">
+              <a:t>Regular scheduled review of open  support requests, ensuring customer  alignment on case description, business  impact, status, priority and agreement on  next steps required to ensure an  expedient resolution.</a:t>
+            </a:r>
+            <a:endParaRPr sz="1000">
               <a:latin typeface="AdobeClean-Light"/>
               <a:cs typeface="AdobeClean-Light"/>
             </a:endParaRPr>
@@ -7570,14 +8278,24 @@
               </a:spcBef>
             </a:pPr>
             <a:r>
-              <a:rPr lang="de-de" sz="1000" dirty="0">
+              <a:rPr sz="1000">
                 <a:solidFill>
                   <a:srgbClr val="020302"/>
                 </a:solidFill>
                 <a:latin typeface="AdobeClean-Light"/>
                 <a:cs typeface="AdobeClean-Light"/>
               </a:rPr>
-              <a:t>指定的技術客戶經理，負責監督您的 Elite 體驗、協調支援和現場服務的投入，並提供主動式服務來讓您實現最高業務價值。</a:t>
+              <a:t>A designated Technical Account Manager to  oversee your Elite experience, coordinate  the support and field services  engagements, and provide proactive services  to maximize your business valu</a:t>
+            </a:r>
+            <a:r>
+              <a:rPr lang="en-US" sz="1000">
+                <a:solidFill>
+                  <a:srgbClr val="020302"/>
+                </a:solidFill>
+                <a:latin typeface="AdobeClean-Light"/>
+                <a:cs typeface="AdobeClean-Light"/>
+              </a:rPr>
+              <a:t>e.</a:t>
             </a:r>
           </a:p>
         </p:txBody>
@@ -7612,16 +8330,16 @@
               </a:spcBef>
             </a:pPr>
             <a:r>
-              <a:rPr lang="de-de" sz="1100" b="1" dirty="0">
+              <a:rPr sz="1100" b="1">
                 <a:solidFill>
                   <a:srgbClr val="020302"/>
                 </a:solidFill>
                 <a:latin typeface="Adobe Clean" panose="020B0503020404020204" pitchFamily="34" charset="0"/>
                 <a:cs typeface="Arial"/>
               </a:rPr>
-              <a:t>技術客戶經理</a:t>
-            </a:r>
-            <a:endParaRPr sz="1100" dirty="0">
+              <a:t>Technical Account Manager</a:t>
+            </a:r>
+            <a:endParaRPr sz="1100">
               <a:latin typeface="Adobe Clean" panose="020B0503020404020204" pitchFamily="34" charset="0"/>
               <a:cs typeface="Arial"/>
             </a:endParaRPr>
@@ -7685,7 +8403,7 @@
         <p:spPr>
           <a:xfrm>
             <a:off x="2791726" y="5243920"/>
-            <a:ext cx="2313674" cy="337272"/>
+            <a:ext cx="2194560" cy="499111"/>
           </a:xfrm>
           <a:prstGeom prst="rect">
             <a:avLst/>
@@ -7706,16 +8424,46 @@
               </a:spcBef>
             </a:pPr>
             <a:r>
-              <a:rPr lang="de-de" sz="1000" dirty="0">
+              <a:rPr sz="1000">
                 <a:solidFill>
                   <a:srgbClr val="020302"/>
                 </a:solidFill>
                 <a:latin typeface="AdobeClean-Light"/>
                 <a:cs typeface="AdobeClean-Light"/>
               </a:rPr>
-              <a:t>Adobe 支援團隊持續在進行知識轉移，以便提供有關解決方案使用的最佳實務。</a:t>
-            </a:r>
-            <a:endParaRPr sz="1000" dirty="0">
+              <a:t>Ongoing knowledge transfer from Adobe  </a:t>
+            </a:r>
+            <a:r>
+              <a:rPr lang="en-US" sz="1000">
+                <a:solidFill>
+                  <a:srgbClr val="020302"/>
+                </a:solidFill>
+                <a:latin typeface="AdobeClean-Light"/>
+                <a:cs typeface="AdobeClean-Light"/>
+              </a:rPr>
+              <a:t>Support team</a:t>
+            </a:r>
+            <a:r>
+              <a:rPr sz="1000">
+                <a:solidFill>
+                  <a:srgbClr val="020302"/>
+                </a:solidFill>
+                <a:latin typeface="AdobeClean-Light"/>
+                <a:cs typeface="AdobeClean-Light"/>
+              </a:rPr>
+              <a:t> to provide </a:t>
+            </a:r>
+            <a:r>
+              <a:rPr lang="en-US" sz="1000">
+                <a:solidFill>
+                  <a:srgbClr val="020302"/>
+                </a:solidFill>
+                <a:latin typeface="AdobeClean-Light"/>
+                <a:cs typeface="AdobeClean-Light"/>
+              </a:rPr>
+              <a:t>best practices around solution usage.</a:t>
+            </a:r>
+            <a:endParaRPr sz="1000">
               <a:latin typeface="AdobeClean-Light"/>
               <a:cs typeface="AdobeClean-Light"/>
             </a:endParaRPr>
@@ -7752,16 +8500,16 @@
               </a:spcBef>
             </a:pPr>
             <a:r>
-              <a:rPr lang="de-de" sz="1000" dirty="0">
+              <a:rPr sz="1000">
                 <a:solidFill>
                   <a:srgbClr val="020302"/>
                 </a:solidFill>
                 <a:latin typeface="AdobeClean-Light"/>
                 <a:cs typeface="AdobeClean-Light"/>
               </a:rPr>
-              <a:t>管理關鍵事件，以確保您在這些關鍵業務和專案里程碑期間擁有適當層級的支援、涵蓋範圍和緩解計劃。</a:t>
-            </a:r>
-            <a:endParaRPr sz="1000" dirty="0">
+              <a:t>Manage key events to ensure you have the  right level of support, coverage, and  mitigation plan in place during those key  business and project milestones.</a:t>
+            </a:r>
+            <a:endParaRPr sz="1000">
               <a:latin typeface="AdobeClean-Light"/>
               <a:cs typeface="AdobeClean-Light"/>
             </a:endParaRPr>
@@ -7798,16 +8546,16 @@
               </a:spcBef>
             </a:pPr>
             <a:r>
-              <a:rPr lang="de-de" sz="1000" dirty="0">
+              <a:rPr sz="1000">
                 <a:solidFill>
                   <a:srgbClr val="020302"/>
                 </a:solidFill>
                 <a:latin typeface="AdobeClean-Light"/>
                 <a:cs typeface="AdobeClean-Light"/>
               </a:rPr>
-              <a:t>接收有關新產品功能的個人化指引，以利用最新的創新功能，並讓 Adobe 專家審查發行和升級計劃。</a:t>
-            </a:r>
-            <a:endParaRPr sz="1000" dirty="0">
+              <a:t>Receive personalized guidance on new  product features to take advantage of  latest innovations, and have Adobe  experts review release and upgrade plan.</a:t>
+            </a:r>
+            <a:endParaRPr sz="1000">
               <a:latin typeface="AdobeClean-Light"/>
               <a:cs typeface="AdobeClean-Light"/>
             </a:endParaRPr>
@@ -7822,8 +8570,8 @@
         </p:nvSpPr>
         <p:spPr>
           <a:xfrm>
-            <a:off x="97786" y="9888626"/>
-            <a:ext cx="4474213" cy="133370"/>
+            <a:off x="97787" y="9888626"/>
+            <a:ext cx="2202180" cy="149860"/>
           </a:xfrm>
           <a:prstGeom prst="rect">
             <a:avLst/>
@@ -7844,7 +8592,7 @@
               </a:spcBef>
             </a:pPr>
             <a:r>
-              <a:rPr lang="de-de" sz="800" spc="-15" dirty="0">
+              <a:rPr sz="800" spc="-15">
                 <a:solidFill>
                   <a:srgbClr val="6D6D6D"/>
                 </a:solidFill>
@@ -7854,17 +8602,17 @@
               <a:t>©2021 </a:t>
             </a:r>
             <a:r>
-              <a:rPr lang="de-de" sz="800" spc="-5" dirty="0">
+              <a:rPr sz="800" spc="-5">
                 <a:solidFill>
                   <a:srgbClr val="6D6D6D"/>
                 </a:solidFill>
                 <a:latin typeface="Adobe Clean"/>
                 <a:cs typeface="Adobe Clean"/>
               </a:rPr>
-              <a:t>Adobe。All</a:t>
-            </a:r>
-            <a:r>
-              <a:rPr lang="de-de" sz="800" spc="-15" dirty="0">
+              <a:t>Adobe. All</a:t>
+            </a:r>
+            <a:r>
+              <a:rPr sz="800" spc="-15">
                 <a:solidFill>
                   <a:srgbClr val="6D6D6D"/>
                 </a:solidFill>
@@ -7874,7 +8622,7 @@
               <a:t> Rights</a:t>
             </a:r>
             <a:r>
-              <a:rPr lang="de-de" sz="800" spc="-5" dirty="0">
+              <a:rPr sz="800" spc="-5">
                 <a:solidFill>
                   <a:srgbClr val="6D6D6D"/>
                 </a:solidFill>
@@ -7884,27 +8632,37 @@
               <a:t> </a:t>
             </a:r>
             <a:r>
-              <a:rPr lang="de-de" sz="800" spc="-15" dirty="0">
+              <a:rPr sz="800" spc="-15">
                 <a:solidFill>
                   <a:srgbClr val="6D6D6D"/>
                 </a:solidFill>
                 <a:latin typeface="Adobe Clean"/>
                 <a:cs typeface="Adobe Clean"/>
               </a:rPr>
-              <a:t>Reserved。</a:t>
-            </a:r>
-            <a:r>
-              <a:rPr lang="de-de" sz="800" spc="-5" dirty="0">
+              <a:t>Reserved.</a:t>
+            </a:r>
+            <a:r>
+              <a:rPr sz="800" spc="-10">
                 <a:solidFill>
                   <a:srgbClr val="6D6D6D"/>
                 </a:solidFill>
                 <a:latin typeface="Adobe Clean"/>
                 <a:cs typeface="Adobe Clean"/>
               </a:rPr>
+              <a:t> </a:t>
+            </a:r>
+            <a:r>
+              <a:rPr sz="800" spc="-5">
+                <a:solidFill>
+                  <a:srgbClr val="6D6D6D"/>
+                </a:solidFill>
+                <a:latin typeface="Adobe Clean"/>
+                <a:cs typeface="Adobe Clean"/>
+              </a:rPr>
               <a:t>Adobe</a:t>
             </a:r>
             <a:r>
-              <a:rPr lang="de-de" sz="800" spc="65" dirty="0">
+              <a:rPr sz="800" spc="65">
                 <a:solidFill>
                   <a:srgbClr val="6D6D6D"/>
                 </a:solidFill>
@@ -7914,16 +8672,16 @@
               <a:t> </a:t>
             </a:r>
             <a:r>
-              <a:rPr lang="de-de" sz="800" spc="-15" dirty="0">
+              <a:rPr sz="800" spc="-15">
                 <a:solidFill>
                   <a:srgbClr val="6D6D6D"/>
                 </a:solidFill>
                 <a:latin typeface="Adobe Clean"/>
                 <a:cs typeface="Adobe Clean"/>
               </a:rPr>
-              <a:t> 機密資訊。</a:t>
-            </a:r>
-            <a:endParaRPr sz="800" dirty="0">
+              <a:t>Confidential.</a:t>
+            </a:r>
+            <a:endParaRPr sz="800">
               <a:latin typeface="Adobe Clean"/>
               <a:cs typeface="Adobe Clean"/>
             </a:endParaRPr>
@@ -7932,7 +8690,7 @@
       </p:sp>
       <p:pic>
         <p:nvPicPr>
-          <p:cNvPr id="43" name="Graphic 42" descr="Playbook 大綱">
+          <p:cNvPr id="43" name="Graphic 42" descr="Playbook outline">
             <a:extLst>
               <a:ext uri="{FF2B5EF4-FFF2-40B4-BE49-F238E27FC236}">
                 <a16:creationId xmlns:a16="http://schemas.microsoft.com/office/drawing/2014/main" id="{C99690B9-BFB7-6F4A-BF19-81D32249562E}"/>
@@ -7984,7 +8742,7 @@
         <p:spPr>
           <a:xfrm>
             <a:off x="2791726" y="9060487"/>
-            <a:ext cx="2313674" cy="625812"/>
+            <a:ext cx="2194560" cy="487313"/>
           </a:xfrm>
           <a:prstGeom prst="rect">
             <a:avLst/>
@@ -8008,92 +8766,155 @@
               </a:tabLst>
             </a:pPr>
             <a:r>
-              <a:rPr lang="de-de" sz="1000" spc="-20" dirty="0">
+              <a:rPr sz="1000" spc="-20">
                 <a:solidFill>
                   <a:srgbClr val="020302"/>
                 </a:solidFill>
                 <a:latin typeface="AdobeClean-Light"/>
                 <a:cs typeface="AdobeClean-Light"/>
               </a:rPr>
-              <a:t>開始</a:t>
-            </a:r>
-            <a:r>
-              <a:rPr lang="de-de" sz="1000" spc="-15" dirty="0">
+              <a:t>Start </a:t>
+            </a:r>
+            <a:r>
+              <a:rPr sz="1000">
                 <a:solidFill>
                   <a:srgbClr val="020302"/>
                 </a:solidFill>
                 <a:latin typeface="AdobeClean-Light"/>
                 <a:cs typeface="AdobeClean-Light"/>
               </a:rPr>
-              <a:t>聊天式</a:t>
-            </a:r>
-            <a:r>
-              <a:rPr lang="de-de" sz="1000" spc="-10" dirty="0">
+              <a:t>a </a:t>
+            </a:r>
+            <a:r>
+              <a:rPr sz="1000" spc="-15">
                 <a:solidFill>
                   <a:srgbClr val="020302"/>
                 </a:solidFill>
                 <a:latin typeface="AdobeClean-Light"/>
                 <a:cs typeface="AdobeClean-Light"/>
               </a:rPr>
-              <a:t>諮詢，</a:t>
-            </a:r>
-            <a:r>
-              <a:rPr lang="de-de" sz="1000" spc="-5" dirty="0">
+              <a:t>chat </a:t>
+            </a:r>
+            <a:r>
+              <a:rPr sz="1000" spc="-10">
                 <a:solidFill>
                   <a:srgbClr val="020302"/>
                 </a:solidFill>
                 <a:latin typeface="AdobeClean-Light"/>
                 <a:cs typeface="AdobeClean-Light"/>
               </a:rPr>
-              <a:t>以獲得</a:t>
-            </a:r>
-            <a:r>
-              <a:rPr lang="de-de" sz="1000" spc="-10" dirty="0">
+              <a:t>session </a:t>
+            </a:r>
+            <a:r>
+              <a:rPr sz="1000" spc="-5">
                 <a:solidFill>
                   <a:srgbClr val="020302"/>
                 </a:solidFill>
                 <a:latin typeface="AdobeClean-Light"/>
                 <a:cs typeface="AdobeClean-Light"/>
               </a:rPr>
-              <a:t>案件提交的</a:t>
-            </a:r>
-            <a:r>
-              <a:rPr lang="de-de" sz="1000" spc="-20" dirty="0">
+              <a:t>to </a:t>
+            </a:r>
+            <a:r>
+              <a:rPr sz="1000" spc="-10">
                 <a:solidFill>
                   <a:srgbClr val="020302"/>
                 </a:solidFill>
                 <a:latin typeface="AdobeClean-Light"/>
                 <a:cs typeface="AdobeClean-Light"/>
               </a:rPr>
-              <a:t>解答</a:t>
-            </a:r>
-            <a:r>
-              <a:rPr lang="de-de" sz="1000" dirty="0">
+              <a:t>get </a:t>
+            </a:r>
+            <a:r>
+              <a:rPr sz="1000" spc="-20">
                 <a:solidFill>
                   <a:srgbClr val="020302"/>
                 </a:solidFill>
                 <a:latin typeface="AdobeClean-Light"/>
                 <a:cs typeface="AdobeClean-Light"/>
               </a:rPr>
-              <a:t>與</a:t>
-            </a:r>
-            <a:r>
-              <a:rPr lang="de-de" sz="1000" spc="-15" dirty="0">
+              <a:t>answers</a:t>
+            </a:r>
+            <a:r>
+              <a:rPr lang="en-US" sz="1000" spc="-45">
                 <a:solidFill>
                   <a:srgbClr val="020302"/>
                 </a:solidFill>
                 <a:latin typeface="AdobeClean-Light"/>
                 <a:cs typeface="AdobeClean-Light"/>
               </a:rPr>
-              <a:t>協助</a:t>
-            </a:r>
-            <a:endParaRPr lang="en-US" sz="1000" spc="-20" dirty="0">
-              <a:solidFill>
-                <a:srgbClr val="020302"/>
-              </a:solidFill>
-              <a:latin typeface="AdobeClean-Light"/>
-              <a:cs typeface="AdobeClean-Light"/>
-            </a:endParaRPr>
+              <a:t> </a:t>
+            </a:r>
+            <a:r>
+              <a:rPr lang="en-US" sz="1000">
+                <a:solidFill>
+                  <a:srgbClr val="020302"/>
+                </a:solidFill>
+                <a:latin typeface="AdobeClean-Light"/>
+                <a:cs typeface="AdobeClean-Light"/>
+              </a:rPr>
+              <a:t>&amp; </a:t>
+            </a:r>
+            <a:r>
+              <a:rPr sz="1000" spc="-15">
+                <a:solidFill>
+                  <a:srgbClr val="020302"/>
+                </a:solidFill>
+                <a:latin typeface="AdobeClean-Light"/>
+                <a:cs typeface="AdobeClean-Light"/>
+              </a:rPr>
+              <a:t>help </a:t>
+            </a:r>
+            <a:r>
+              <a:rPr sz="1000" spc="-10">
+                <a:solidFill>
+                  <a:srgbClr val="020302"/>
+                </a:solidFill>
+                <a:latin typeface="AdobeClean-Light"/>
+                <a:cs typeface="AdobeClean-Light"/>
+              </a:rPr>
+              <a:t>with</a:t>
+            </a:r>
+            <a:r>
+              <a:rPr sz="1000" spc="85">
+                <a:solidFill>
+                  <a:srgbClr val="020302"/>
+                </a:solidFill>
+                <a:latin typeface="AdobeClean-Light"/>
+                <a:cs typeface="AdobeClean-Light"/>
+              </a:rPr>
+              <a:t> </a:t>
+            </a:r>
+            <a:r>
+              <a:rPr sz="1000" spc="-10">
+                <a:solidFill>
+                  <a:srgbClr val="020302"/>
+                </a:solidFill>
+                <a:latin typeface="AdobeClean-Light"/>
+                <a:cs typeface="AdobeClean-Light"/>
+              </a:rPr>
+              <a:t>case </a:t>
+            </a:r>
+            <a:r>
+              <a:rPr sz="1000" spc="-20">
+                <a:solidFill>
+                  <a:srgbClr val="020302"/>
+                </a:solidFill>
+                <a:latin typeface="AdobeClean-Light"/>
+                <a:cs typeface="AdobeClean-Light"/>
+              </a:rPr>
+              <a:t>submission</a:t>
+            </a:r>
+            <a:r>
+              <a:rPr lang="en-US" sz="1000" spc="-20">
+                <a:solidFill>
+                  <a:srgbClr val="020302"/>
+                </a:solidFill>
+                <a:latin typeface="AdobeClean-Light"/>
+                <a:cs typeface="AdobeClean-Light"/>
+              </a:rPr>
+              <a:t>.</a:t>
+            </a:r>
           </a:p>
           <a:p>
             <a:pPr marL="33020" marR="159385">
@@ -8108,36 +8929,36 @@
               </a:tabLst>
             </a:pPr>
             <a:r>
-              <a:rPr lang="de-de" sz="1000" i="1" spc="-10" dirty="0">
+              <a:rPr sz="1000" i="1" spc="-10">
                 <a:solidFill>
                   <a:srgbClr val="7A7A7A"/>
                 </a:solidFill>
                 <a:latin typeface="AdobeClean-LightIt"/>
                 <a:cs typeface="AdobeClean-LightIt"/>
               </a:rPr>
-              <a:t>*並非</a:t>
-            </a:r>
-            <a:r>
-              <a:rPr lang="de-de" sz="1000" i="1" spc="-20" dirty="0">
+              <a:t>*Not all </a:t>
+            </a:r>
+            <a:r>
+              <a:rPr sz="1000" i="1" spc="-20">
                 <a:solidFill>
                   <a:srgbClr val="7A7A7A"/>
                 </a:solidFill>
                 <a:latin typeface="AdobeClean-LightIt"/>
                 <a:cs typeface="AdobeClean-LightIt"/>
               </a:rPr>
-              <a:t>所有產品都有提供即時聊天支援</a:t>
-            </a:r>
-            <a:r>
-              <a:rPr lang="de-de" sz="900" i="1" spc="-20" dirty="0">
+              <a:t>products have live chat support</a:t>
+            </a:r>
+            <a:r>
+              <a:rPr sz="900" i="1" spc="-20">
                 <a:solidFill>
                   <a:srgbClr val="7A7A7A"/>
                 </a:solidFill>
                 <a:latin typeface="AdobeClean-LightIt"/>
                 <a:cs typeface="AdobeClean-LightIt"/>
               </a:rPr>
-              <a:t>。</a:t>
-            </a:r>
-            <a:endParaRPr sz="900" dirty="0">
+              <a:t>.  </a:t>
+            </a:r>
+            <a:endParaRPr sz="900">
               <a:latin typeface="AdobeClean-Light"/>
               <a:cs typeface="AdobeClean-Light"/>
             </a:endParaRPr>
@@ -8187,12 +9008,12 @@
               <a:defRPr/>
             </a:pPr>
             <a:r>
-              <a:rPr lang="de-de" sz="1200" dirty="0">
+              <a:rPr lang="en-US" sz="1200">
                 <a:solidFill>
                   <a:srgbClr val="000000"/>
                 </a:solidFill>
               </a:rPr>
-              <a:t>社群論壇</a:t>
+              <a:t>Community Forums</a:t>
             </a:r>
           </a:p>
         </p:txBody>
@@ -8235,12 +9056,12 @@
               </a:spcAft>
             </a:pPr>
             <a:r>
-              <a:rPr lang="de-de" sz="1200" b="1" dirty="0">
+              <a:rPr lang="en-US" sz="1200" b="1">
                 <a:latin typeface="+mj-lt"/>
                 <a:ea typeface="Open Sans" pitchFamily="34" charset="0"/>
                 <a:cs typeface="Open Sans" pitchFamily="34" charset="0"/>
               </a:rPr>
-              <a:t>線上論壇</a:t>
+              <a:t>Online Forums</a:t>
             </a:r>
           </a:p>
         </p:txBody>
@@ -8273,13 +9094,13 @@
           <a:lstStyle/>
           <a:p>
             <a:r>
-              <a:rPr lang="de-de" sz="1000" dirty="0">
+              <a:rPr lang="en-US" sz="1000">
                 <a:solidFill>
                   <a:srgbClr val="4B4B4B"/>
                 </a:solidFill>
                 <a:latin typeface="Adobe Clean Light" panose="020B0303020404020204" pitchFamily="34" charset="0"/>
               </a:rPr>
-              <a:t>可持續在線上存取不斷增加的技術解決方案、產品文件、常見問答等內容的資料庫。與 Adobe 社群上的從業人員和其他客戶交流，彼此分享學到的最佳實務和經驗教訓</a:t>
+              <a:t>Continuous online access to a growing database of technical solutions, product documentation, FAQs and more. Connect with practitioners and other customers on Adobe Community to share best practices and lessons learned.</a:t>
             </a:r>
           </a:p>
         </p:txBody>
@@ -8327,7 +9148,7 @@
               <a:defRPr/>
             </a:pPr>
             <a:r>
-              <a:rPr lang="de-de" sz="1200" dirty="0">
+              <a:rPr lang="en-US" sz="1200">
                 <a:solidFill>
                   <a:srgbClr val="000000"/>
                 </a:solidFill>
@@ -8375,12 +9196,12 @@
               </a:spcAft>
             </a:pPr>
             <a:r>
-              <a:rPr lang="de-de" sz="1200" b="1" dirty="0">
+              <a:rPr lang="en-US" sz="1200" b="1">
                 <a:latin typeface="+mj-lt"/>
                 <a:ea typeface="Open Sans" pitchFamily="34" charset="0"/>
                 <a:cs typeface="Open Sans" pitchFamily="34" charset="0"/>
               </a:rPr>
-              <a:t>自我引導式旅程</a:t>
+              <a:t>Self-guided Journeys</a:t>
             </a:r>
           </a:p>
         </p:txBody>
@@ -8413,13 +9234,13 @@
           <a:lstStyle/>
           <a:p>
             <a:r>
-              <a:rPr lang="de-de" sz="1000" dirty="0">
+              <a:rPr lang="en-US" sz="1000">
                 <a:solidFill>
                   <a:srgbClr val="4B4B4B"/>
                 </a:solidFill>
                 <a:latin typeface="Adobe Clean Light" panose="020B0303020404020204" pitchFamily="34" charset="0"/>
               </a:rPr>
-              <a:t>Experience League 賦予體驗製作者強大的功能。客戶可以透過個人化學習來開始培養自己的客戶體驗管理能力，以發展各項技能、與全球的同行社群互動，並獲得職業提升的認可</a:t>
+              <a:t>Experience Makers are made with Experience League. Customers can kickstart their Customer Experience Management abilities with personalized learning to develop skills, engage with a global community of peers, and earn career advancing recognition.</a:t>
             </a:r>
           </a:p>
         </p:txBody>
@@ -8467,12 +9288,12 @@
               <a:defRPr/>
             </a:pPr>
             <a:r>
-              <a:rPr lang="de-de" sz="1200" dirty="0">
+              <a:rPr lang="en-US" sz="1200">
                 <a:solidFill>
                   <a:srgbClr val="000000"/>
                 </a:solidFill>
               </a:rPr>
-              <a:t>即時聊天支援*</a:t>
+              <a:t>Live Chat  Support*</a:t>
             </a:r>
           </a:p>
         </p:txBody>
@@ -8515,12 +9336,12 @@
               </a:spcAft>
             </a:pPr>
             <a:r>
-              <a:rPr lang="de-de" sz="1200" b="1" dirty="0">
+              <a:rPr lang="en-US" sz="1200" b="1">
                 <a:latin typeface="+mj-lt"/>
                 <a:ea typeface="Open Sans" pitchFamily="34" charset="0"/>
                 <a:cs typeface="Open Sans" pitchFamily="34" charset="0"/>
               </a:rPr>
-              <a:t>聊天支援</a:t>
+              <a:t>Chat Support</a:t>
             </a:r>
           </a:p>
         </p:txBody>
@@ -8568,12 +9389,12 @@
               <a:defRPr/>
             </a:pPr>
             <a:r>
-              <a:rPr lang="de-de" sz="1200" dirty="0">
+              <a:rPr lang="en-US" sz="1200">
                 <a:solidFill>
                   <a:srgbClr val="000000"/>
                 </a:solidFill>
               </a:rPr>
-              <a:t>全年無休 P1 </a:t>
+              <a:t>24X7 P1 </a:t>
             </a:r>
           </a:p>
         </p:txBody>
@@ -8616,12 +9437,12 @@
               </a:spcAft>
             </a:pPr>
             <a:r>
-              <a:rPr lang="de-de" sz="1200" b="1" dirty="0">
+              <a:rPr lang="en-US" sz="1200" b="1">
                 <a:latin typeface="+mj-lt"/>
                 <a:ea typeface="Open Sans" pitchFamily="34" charset="0"/>
                 <a:cs typeface="Open Sans" pitchFamily="34" charset="0"/>
               </a:rPr>
-              <a:t>電話支援</a:t>
+              <a:t>Phone  Support</a:t>
             </a:r>
           </a:p>
         </p:txBody>
@@ -8654,30 +9475,30 @@
           <a:lstStyle/>
           <a:p>
             <a:r>
-              <a:rPr lang="de-de" sz="1000" dirty="0">
+              <a:rPr lang="en-US" sz="1000">
                 <a:solidFill>
                   <a:srgbClr val="020302"/>
                 </a:solidFill>
                 <a:latin typeface="AdobeClean-Light"/>
               </a:rPr>
-              <a:t>授權的使用者或</a:t>
-            </a:r>
-            <a:r>
-              <a:rPr lang="de-de" sz="1000" b="1" dirty="0">
+              <a:t>Authorized users or </a:t>
+            </a:r>
+            <a:r>
+              <a:rPr lang="en-US" sz="1000" b="1">
                 <a:solidFill>
                   <a:srgbClr val="020302"/>
                 </a:solidFill>
                 <a:latin typeface="AdobeClean-Light"/>
               </a:rPr>
-              <a:t>指定的支援聯絡人</a:t>
-            </a:r>
-            <a:r>
-              <a:rPr lang="de-de" sz="1000" dirty="0">
+              <a:t>Named Support Contacts </a:t>
+            </a:r>
+            <a:r>
+              <a:rPr lang="en-US" sz="1000">
                 <a:latin typeface="Adobe Clean Light" panose="020B0303020404020204" pitchFamily="34" charset="0"/>
               </a:rPr>
-              <a:t>可透過所有可用管道 (包括 P1 適用的電話) 來提交問題，並代表貴公司與我們的技術支援團隊互動。</a:t>
-            </a:r>
-            <a:endParaRPr lang="en-US" sz="1000" dirty="0">
+              <a:t>can submit issues through all available  channels (including phone for P1) and interact with our technical support team on behalf of your company. </a:t>
+            </a:r>
+            <a:endParaRPr lang="en-US" sz="1000">
               <a:solidFill>
                 <a:srgbClr val="000000"/>
               </a:solidFill>
@@ -8777,12 +9598,12 @@
               <a:defRPr/>
             </a:pPr>
             <a:r>
-              <a:rPr lang="de-de" sz="1200" dirty="0">
+              <a:rPr lang="en-US" sz="1200">
                 <a:solidFill>
                   <a:srgbClr val="000000"/>
                 </a:solidFill>
               </a:rPr>
-              <a:t>諮詢時間</a:t>
+              <a:t>Office Hours</a:t>
             </a:r>
           </a:p>
         </p:txBody>
@@ -8825,12 +9646,12 @@
               </a:spcAft>
             </a:pPr>
             <a:r>
-              <a:rPr lang="de-de" sz="1200" b="1" dirty="0">
+              <a:rPr lang="en-US" sz="1200" b="1">
                 <a:latin typeface="+mj-lt"/>
                 <a:ea typeface="Open Sans" pitchFamily="34" charset="0"/>
                 <a:cs typeface="Open Sans" pitchFamily="34" charset="0"/>
               </a:rPr>
-              <a:t>網路研討會</a:t>
+              <a:t>Webinars</a:t>
             </a:r>
           </a:p>
         </p:txBody>
@@ -8863,13 +9684,13 @@
           <a:lstStyle/>
           <a:p>
             <a:r>
-              <a:rPr lang="de-de" sz="1000" dirty="0">
+              <a:rPr lang="en-US" sz="1000">
                 <a:solidFill>
                   <a:srgbClr val="4B4B4B"/>
                 </a:solidFill>
                 <a:latin typeface="Adobe Clean Light" panose="020B0303020404020204" pitchFamily="34" charset="0"/>
               </a:rPr>
-              <a:t>「諮詢時間」是由 Adobe 客戶支援團隊主導的一項計劃，其中的研討會的設計目的是為了提供資訊以及協助參與者排除問題，並提供成功使用 Adobe 解決方案的秘訣與技巧。</a:t>
+              <a:t>Office Hours led by the Adobe Customer Support team includes sessions designed to inform as well as help participants troubleshoot problems and provide tips and tricks for success with Adobe solutions. </a:t>
             </a:r>
           </a:p>
         </p:txBody>
@@ -8917,12 +9738,12 @@
               <a:defRPr/>
             </a:pPr>
             <a:r>
-              <a:rPr lang="de-de" sz="1200" dirty="0">
+              <a:rPr lang="en-US" sz="1200">
                 <a:solidFill>
                   <a:srgbClr val="000000"/>
                 </a:solidFill>
               </a:rPr>
-              <a:t>自助式入口網站</a:t>
+              <a:t>Self-help Portals</a:t>
             </a:r>
           </a:p>
         </p:txBody>
@@ -8965,12 +9786,12 @@
               </a:spcAft>
             </a:pPr>
             <a:r>
-              <a:rPr lang="de-de" sz="1200" b="1" dirty="0">
+              <a:rPr lang="en-US" sz="1200" b="1">
                 <a:latin typeface="+mj-lt"/>
                 <a:ea typeface="Open Sans" pitchFamily="34" charset="0"/>
                 <a:cs typeface="Open Sans" pitchFamily="34" charset="0"/>
               </a:rPr>
-              <a:t>24/7 支援入口網站</a:t>
+              <a:t>24/7 Support Portal</a:t>
             </a:r>
           </a:p>
         </p:txBody>
@@ -9003,30 +9824,37 @@
           <a:lstStyle/>
           <a:p>
             <a:r>
-              <a:rPr lang="de-de" sz="1000" dirty="0">
+              <a:rPr lang="en-US" sz="1000">
                 <a:solidFill>
                   <a:srgbClr val="4B4B4B"/>
                 </a:solidFill>
                 <a:latin typeface="Adobe Clean Light" panose="020B0303020404020204" pitchFamily="34" charset="0"/>
               </a:rPr>
-              <a:t>隨需存取線上</a:t>
-            </a:r>
-            <a:br/>
-            <a:r>
-              <a:rPr lang="de-de" sz="1000" dirty="0">
+              <a:t>On-demand access to the online </a:t>
+            </a:r>
+            <a:br>
+              <a:rPr lang="en-US" sz="1000">
                 <a:solidFill>
                   <a:srgbClr val="4B4B4B"/>
                 </a:solidFill>
                 <a:latin typeface="Adobe Clean Light" panose="020B0303020404020204" pitchFamily="34" charset="0"/>
               </a:rPr>
-              <a:t>自助式支援入口網站，以提交支援請求、檢閱案件狀態，並瀏覽其他資源，像是我們的知識庫、新聞與提醒、特定的提示等。</a:t>
+            </a:br>
+            <a:r>
+              <a:rPr lang="en-US" sz="1000">
+                <a:solidFill>
+                  <a:srgbClr val="4B4B4B"/>
+                </a:solidFill>
+                <a:latin typeface="Adobe Clean Light" panose="020B0303020404020204" pitchFamily="34" charset="0"/>
+              </a:rPr>
+              <a:t>Self-help Support Portal to submit support requests, review case status, and browse other resources, like our knowledgebase, news and alerts, featured tips, and more.</a:t>
             </a:r>
           </a:p>
         </p:txBody>
       </p:sp>
       <p:pic>
         <p:nvPicPr>
-          <p:cNvPr id="74" name="Graphic 73" descr="揚聲器大綱">
+          <p:cNvPr id="74" name="Graphic 73" descr="Speaker phone outline">
             <a:extLst>
               <a:ext uri="{FF2B5EF4-FFF2-40B4-BE49-F238E27FC236}">
                 <a16:creationId xmlns:a16="http://schemas.microsoft.com/office/drawing/2014/main" id="{A1370005-6890-424C-884D-9064E283C1A4}"/>
@@ -9065,7 +9893,7 @@
       </p:pic>
       <p:pic>
         <p:nvPicPr>
-          <p:cNvPr id="75" name="Graphic 74" descr="遠端學習語言大綱">
+          <p:cNvPr id="75" name="Graphic 74" descr="Remote learning language outline">
             <a:extLst>
               <a:ext uri="{FF2B5EF4-FFF2-40B4-BE49-F238E27FC236}">
                 <a16:creationId xmlns:a16="http://schemas.microsoft.com/office/drawing/2014/main" id="{FA70E684-2FB6-544A-9B16-BEB9080AC85B}"/>
@@ -9104,7 +9932,7 @@
       </p:pic>
       <p:pic>
         <p:nvPicPr>
-          <p:cNvPr id="76" name="Graphic 75" descr="客戶審查大綱">
+          <p:cNvPr id="76" name="Graphic 75" descr="Customer review outline">
             <a:extLst>
               <a:ext uri="{FF2B5EF4-FFF2-40B4-BE49-F238E27FC236}">
                 <a16:creationId xmlns:a16="http://schemas.microsoft.com/office/drawing/2014/main" id="{1B0E4E00-41D9-6440-83E3-60369886CE3A}"/>
@@ -9143,7 +9971,7 @@
       </p:pic>
       <p:pic>
         <p:nvPicPr>
-          <p:cNvPr id="77" name="Graphic 76" descr="路標大綱">
+          <p:cNvPr id="77" name="Graphic 76" descr="Signpost outline">
             <a:extLst>
               <a:ext uri="{FF2B5EF4-FFF2-40B4-BE49-F238E27FC236}">
                 <a16:creationId xmlns:a16="http://schemas.microsoft.com/office/drawing/2014/main" id="{001A9B31-4F82-A14D-B2BC-39DC337108A9}"/>
@@ -9182,7 +10010,7 @@
       </p:pic>
       <p:pic>
         <p:nvPicPr>
-          <p:cNvPr id="78" name="Graphic 77" descr="網際網路大綱">
+          <p:cNvPr id="78" name="Graphic 77" descr="Internet outline">
             <a:extLst>
               <a:ext uri="{FF2B5EF4-FFF2-40B4-BE49-F238E27FC236}">
                 <a16:creationId xmlns:a16="http://schemas.microsoft.com/office/drawing/2014/main" id="{20978656-E5F5-434D-BA66-491F99EF63FD}"/>
@@ -9221,7 +10049,7 @@
       </p:pic>
       <p:pic>
         <p:nvPicPr>
-          <p:cNvPr id="79" name="Graphic 78" descr="聊天泡泡大綱">
+          <p:cNvPr id="79" name="Graphic 78" descr="Chat bubble outline">
             <a:extLst>
               <a:ext uri="{FF2B5EF4-FFF2-40B4-BE49-F238E27FC236}">
                 <a16:creationId xmlns:a16="http://schemas.microsoft.com/office/drawing/2014/main" id="{0C77255B-D338-2543-98E5-4434DF47D195}"/>
@@ -9349,16 +10177,16 @@
               </a:spcBef>
             </a:pPr>
             <a:r>
-              <a:rPr lang="de-de" sz="1400" b="1" dirty="0">
+              <a:rPr lang="en-US" sz="1400" b="1">
                 <a:solidFill>
                   <a:srgbClr val="020302"/>
                 </a:solidFill>
                 <a:latin typeface="Adobe Clean"/>
                 <a:cs typeface="Adobe Clean"/>
               </a:rPr>
-              <a:t>線上支援特色</a:t>
-            </a:r>
-            <a:endParaRPr lang="en-US" sz="1400" dirty="0">
+              <a:t>Online Support Features</a:t>
+            </a:r>
+            <a:endParaRPr lang="en-US" sz="1400">
               <a:latin typeface="Adobe Clean"/>
               <a:cs typeface="Adobe Clean"/>
             </a:endParaRPr>
@@ -9583,16 +10411,16 @@
               </a:spcBef>
             </a:pPr>
             <a:r>
-              <a:rPr lang="de-de" sz="1000" dirty="0">
+              <a:rPr lang="en-US" sz="1000">
                 <a:solidFill>
                   <a:srgbClr val="020302"/>
                 </a:solidFill>
                 <a:latin typeface="AdobeClean-Light"/>
                 <a:cs typeface="AdobeClean-Light"/>
               </a:rPr>
-              <a:t>主動審查您的解決方案部署、組態設定及整體架構，包括整合。</a:t>
-            </a:r>
-            <a:endParaRPr lang="en-US" sz="1000" dirty="0">
+              <a:t>Proactive review of your solution  deployment, configuration, and overall  architecture, including integrations.</a:t>
+            </a:r>
+            <a:endParaRPr lang="en-US" sz="1000">
               <a:solidFill>
                 <a:prstClr val="black"/>
               </a:solidFill>
@@ -9638,16 +10466,16 @@
               </a:spcBef>
             </a:pPr>
             <a:r>
-              <a:rPr lang="de-de" sz="1000" dirty="0">
+              <a:rPr lang="en-US" sz="1000">
                 <a:solidFill>
                   <a:srgbClr val="020302"/>
                 </a:solidFill>
                 <a:latin typeface="AdobeClean-Light"/>
                 <a:cs typeface="AdobeClean-Light"/>
               </a:rPr>
-              <a:t>接收維護最佳實務和最新修正 (SP、MR、修補程式、FP)，以在所有維護檢查中保持最新狀態</a:t>
-            </a:r>
-            <a:endParaRPr lang="en-US" sz="1000" dirty="0">
+              <a:t>Receive maintenance best practices and latest  fixes (SPs, MR, patches, FPs) to remain up-to-  date on all maintenance checks.</a:t>
+            </a:r>
+            <a:endParaRPr lang="en-US" sz="1000">
               <a:solidFill>
                 <a:prstClr val="black"/>
               </a:solidFill>
@@ -9690,16 +10518,16 @@
               </a:spcBef>
             </a:pPr>
             <a:r>
-              <a:rPr lang="de-de" sz="1000" dirty="0">
+              <a:rPr lang="en-US" sz="1000">
                 <a:solidFill>
                   <a:srgbClr val="4B4B4B"/>
                 </a:solidFill>
                 <a:latin typeface="AdobeClean-Light"/>
                 <a:cs typeface="AdobeClean-Light"/>
               </a:rPr>
-              <a:t>定期審查 Elite 計劃服務、支援指標和交付成果，包括前瞻性交付計劃</a:t>
-            </a:r>
-            <a:endParaRPr lang="en-US" sz="1000" dirty="0">
+              <a:t>A regular review of Elite program services, support metrics, and deliverables, including a forward-looking plan</a:t>
+            </a:r>
+            <a:endParaRPr lang="en-US" sz="1000">
               <a:solidFill>
                 <a:prstClr val="black"/>
               </a:solidFill>
@@ -9742,16 +10570,16 @@
               </a:spcBef>
             </a:pPr>
             <a:r>
-              <a:rPr lang="de-de" sz="1000" dirty="0">
+              <a:rPr lang="en-US" sz="1000">
                 <a:solidFill>
                   <a:srgbClr val="4B4B4B"/>
                 </a:solidFill>
                 <a:latin typeface="AdobeClean-Light"/>
                 <a:cs typeface="AdobeClean-Light"/>
               </a:rPr>
-              <a:t>60 分鐘的諮詢，聚焦於特定產品功能以及如何利用它來解決常見的業務問題。</a:t>
-            </a:r>
-            <a:endParaRPr lang="en-US" sz="1000" dirty="0">
+              <a:t>A 60-minute session focusing on a  specific product feature and how it can  be utilized to solve common business  problems.</a:t>
+            </a:r>
+            <a:endParaRPr lang="en-US" sz="1000">
               <a:solidFill>
                 <a:prstClr val="black"/>
               </a:solidFill>
@@ -9794,16 +10622,16 @@
               </a:spcBef>
             </a:pPr>
             <a:r>
-              <a:rPr lang="de-de" sz="1000" dirty="0">
+              <a:rPr lang="en-US" sz="1000">
                 <a:solidFill>
                   <a:srgbClr val="4B4B4B"/>
                 </a:solidFill>
                 <a:latin typeface="AdobeClean-Light"/>
                 <a:cs typeface="AdobeClean-Light"/>
               </a:rPr>
-              <a:t>Adobe 內的指定聯絡人，他可提供向上呈報協助、定期更新，並確保優先處理您最緊急且未解決的支援請求。</a:t>
-            </a:r>
-            <a:endParaRPr lang="en-US" dirty="0"/>
+              <a:t>A designated point of contact within Adobe  who can provide escalation assistance,  regular updates and ensure priority is given  to your most critical open support requests.</a:t>
+            </a:r>
+            <a:endParaRPr lang="en-US"/>
           </a:p>
         </p:txBody>
       </p:sp>
@@ -9840,16 +10668,16 @@
               </a:spcBef>
             </a:pPr>
             <a:r>
-              <a:rPr lang="de-de" sz="1100" b="1" dirty="0">
+              <a:rPr lang="en-US" sz="1100" b="1">
                 <a:solidFill>
                   <a:srgbClr val="020302"/>
                 </a:solidFill>
                 <a:latin typeface="Adobe Clean" panose="020B0503020404020204" pitchFamily="34" charset="0"/>
                 <a:cs typeface="Arial"/>
               </a:rPr>
-              <a:t>指定的支援工程師</a:t>
-            </a:r>
-            <a:endParaRPr lang="en-US" sz="1100" dirty="0">
+              <a:t>Named Support Engineer</a:t>
+            </a:r>
+            <a:endParaRPr lang="en-US" sz="1100">
               <a:solidFill>
                 <a:prstClr val="black"/>
               </a:solidFill>
@@ -9892,16 +10720,16 @@
               </a:spcBef>
             </a:pPr>
             <a:r>
-              <a:rPr lang="de-de" sz="1100" b="1" dirty="0">
+              <a:rPr lang="en-US" sz="1100" b="1">
                 <a:solidFill>
                   <a:srgbClr val="020302"/>
                 </a:solidFill>
                 <a:latin typeface="Adobe Clean" panose="020B0503020404020204" pitchFamily="34" charset="0"/>
                 <a:cs typeface="Arial"/>
               </a:rPr>
-              <a:t>案件審查</a:t>
-            </a:r>
-            <a:endParaRPr lang="en-US" sz="1100" dirty="0">
+              <a:t>Case Reviews</a:t>
+            </a:r>
+            <a:endParaRPr lang="en-US" sz="1100">
               <a:solidFill>
                 <a:prstClr val="black"/>
               </a:solidFill>
@@ -9944,16 +10772,16 @@
               </a:spcBef>
             </a:pPr>
             <a:r>
-              <a:rPr lang="de-de" sz="1100" b="1" dirty="0">
+              <a:rPr lang="en-US" sz="1100" b="1">
                 <a:solidFill>
                   <a:srgbClr val="020302"/>
                 </a:solidFill>
                 <a:latin typeface="Adobe Clean" panose="020B0503020404020204" pitchFamily="34" charset="0"/>
                 <a:cs typeface="Adobe Clean"/>
               </a:rPr>
-              <a:t>維護和監控</a:t>
-            </a:r>
-            <a:endParaRPr lang="en-US" sz="1100" dirty="0">
+              <a:t>Maintenance &amp; Monitoring</a:t>
+            </a:r>
+            <a:endParaRPr lang="en-US" sz="1100">
               <a:solidFill>
                 <a:prstClr val="black"/>
               </a:solidFill>
@@ -9996,16 +10824,16 @@
               </a:spcBef>
             </a:pPr>
             <a:r>
-              <a:rPr lang="de-de" sz="1100" b="1" dirty="0">
+              <a:rPr lang="en-US" sz="1100" b="1">
                 <a:solidFill>
                   <a:srgbClr val="020302"/>
                 </a:solidFill>
                 <a:latin typeface="Adobe Clean" panose="020B0503020404020204" pitchFamily="34" charset="0"/>
                 <a:cs typeface="Adobe Clean"/>
               </a:rPr>
-              <a:t>解決方案藍圖審查</a:t>
-            </a:r>
-            <a:endParaRPr lang="en-US" sz="1100" dirty="0">
+              <a:t>Solution Roadmap Review</a:t>
+            </a:r>
+            <a:endParaRPr lang="en-US" sz="1100">
               <a:solidFill>
                 <a:prstClr val="black"/>
               </a:solidFill>
@@ -10048,16 +10876,16 @@
               </a:spcBef>
             </a:pPr>
             <a:r>
-              <a:rPr lang="de-de" sz="1100" b="1" dirty="0">
+              <a:rPr lang="en-US" sz="1100" b="1">
                 <a:solidFill>
                   <a:srgbClr val="020302"/>
                 </a:solidFill>
                 <a:latin typeface="Adobe Clean" panose="020B0503020404020204" pitchFamily="34" charset="0"/>
                 <a:cs typeface="Adobe Clean"/>
               </a:rPr>
-              <a:t>環境審查</a:t>
-            </a:r>
-            <a:endParaRPr lang="en-US" sz="1100" dirty="0">
+              <a:t>Environment Review</a:t>
+            </a:r>
+            <a:endParaRPr lang="en-US" sz="1100">
               <a:solidFill>
                 <a:prstClr val="black"/>
               </a:solidFill>
@@ -10100,16 +10928,16 @@
               </a:spcBef>
             </a:pPr>
             <a:r>
-              <a:rPr lang="de-de" sz="1100" b="1" dirty="0">
+              <a:rPr lang="en-US" sz="1100" b="1">
                 <a:solidFill>
                   <a:srgbClr val="020302"/>
                 </a:solidFill>
                 <a:latin typeface="Adobe Clean" panose="020B0503020404020204" pitchFamily="34" charset="0"/>
                 <a:cs typeface="Adobe Clean"/>
               </a:rPr>
-              <a:t>向上呈報管理</a:t>
-            </a:r>
-            <a:endParaRPr lang="en-US" sz="1100" dirty="0">
+              <a:t>Escalation Management</a:t>
+            </a:r>
+            <a:endParaRPr lang="en-US" sz="1100">
               <a:solidFill>
                 <a:prstClr val="black"/>
               </a:solidFill>
@@ -10152,16 +10980,16 @@
               </a:spcBef>
             </a:pPr>
             <a:r>
-              <a:rPr lang="de-de" sz="1100" b="1" dirty="0">
+              <a:rPr lang="en-US" sz="1100" b="1">
                 <a:solidFill>
                   <a:srgbClr val="020302"/>
                 </a:solidFill>
                 <a:latin typeface="Adobe Clean" panose="020B0503020404020204" pitchFamily="34" charset="0"/>
                 <a:cs typeface="Adobe Clean"/>
               </a:rPr>
-              <a:t>服務審查</a:t>
-            </a:r>
-            <a:endParaRPr lang="en-US" sz="1100" dirty="0">
+              <a:t>Service Reviews</a:t>
+            </a:r>
+            <a:endParaRPr lang="en-US" sz="1100">
               <a:solidFill>
                 <a:prstClr val="black"/>
               </a:solidFill>
@@ -10204,16 +11032,16 @@
               </a:spcBef>
             </a:pPr>
             <a:r>
-              <a:rPr lang="de-de" sz="1100" b="1" dirty="0">
+              <a:rPr lang="en-US" sz="1100" b="1">
                 <a:solidFill>
                   <a:srgbClr val="020302"/>
                 </a:solidFill>
                 <a:latin typeface="Adobe Clean" panose="020B0503020404020204" pitchFamily="34" charset="0"/>
                 <a:cs typeface="Adobe Clean"/>
               </a:rPr>
-              <a:t>專家諮詢</a:t>
-            </a:r>
-            <a:endParaRPr lang="en-US" sz="1100" dirty="0">
+              <a:t>Expert Sessions</a:t>
+            </a:r>
+            <a:endParaRPr lang="en-US" sz="1100">
               <a:solidFill>
                 <a:prstClr val="black"/>
               </a:solidFill>
@@ -10256,16 +11084,16 @@
               </a:spcBef>
             </a:pPr>
             <a:r>
-              <a:rPr lang="de-de" sz="1100" b="1" dirty="0">
+              <a:rPr lang="en-US" sz="1100" b="1">
                 <a:solidFill>
                   <a:srgbClr val="020302"/>
                 </a:solidFill>
                 <a:latin typeface="Adobe Clean" panose="020B0503020404020204" pitchFamily="34" charset="0"/>
                 <a:cs typeface="Adobe Clean"/>
               </a:rPr>
-              <a:t>發行準備與審查</a:t>
-            </a:r>
-            <a:endParaRPr lang="en-US" sz="1100" dirty="0">
+              <a:t>Release Preparation &amp; Review</a:t>
+            </a:r>
+            <a:endParaRPr lang="en-US" sz="1100">
               <a:solidFill>
                 <a:prstClr val="black"/>
               </a:solidFill>
@@ -10311,16 +11139,16 @@
               </a:spcBef>
             </a:pPr>
             <a:r>
-              <a:rPr lang="de-de" sz="1100" b="1" dirty="0">
+              <a:rPr lang="en-US" sz="1100" b="1">
                 <a:solidFill>
                   <a:srgbClr val="020302"/>
                 </a:solidFill>
                 <a:latin typeface="Adobe Clean" panose="020B0503020404020204" pitchFamily="34" charset="0"/>
                 <a:cs typeface="Adobe Clean"/>
               </a:rPr>
-              <a:t>知識轉移</a:t>
-            </a:r>
-            <a:endParaRPr lang="en-US" sz="1100" dirty="0">
+              <a:t>Knowledge Transfer</a:t>
+            </a:r>
+            <a:endParaRPr lang="en-US" sz="1100">
               <a:latin typeface="Adobe Clean" panose="020B0503020404020204" pitchFamily="34" charset="0"/>
               <a:cs typeface="Adobe Clean"/>
             </a:endParaRPr>
@@ -10363,16 +11191,16 @@
               </a:spcBef>
             </a:pPr>
             <a:r>
-              <a:rPr lang="de-de" sz="1100" b="1" dirty="0">
+              <a:rPr lang="en-US" sz="1100" b="1">
                 <a:solidFill>
                   <a:srgbClr val="020302"/>
                 </a:solidFill>
                 <a:latin typeface="Adobe Clean" panose="020B0503020404020204" pitchFamily="34" charset="0"/>
                 <a:cs typeface="Adobe Clean"/>
               </a:rPr>
-              <a:t>事件管理</a:t>
-            </a:r>
-            <a:endParaRPr lang="en-US" sz="1100" dirty="0">
+              <a:t>Event Management</a:t>
+            </a:r>
+            <a:endParaRPr lang="en-US" sz="1100">
               <a:latin typeface="Adobe Clean" panose="020B0503020404020204" pitchFamily="34" charset="0"/>
               <a:cs typeface="Adobe Clean"/>
             </a:endParaRPr>
@@ -10491,7 +11319,7 @@
       </p:sp>
       <p:pic>
         <p:nvPicPr>
-          <p:cNvPr id="25" name="Graphic 24" descr="持續改進大綱">
+          <p:cNvPr id="25" name="Graphic 24" descr="Continuous Improvement outline">
             <a:extLst>
               <a:ext uri="{FF2B5EF4-FFF2-40B4-BE49-F238E27FC236}">
                 <a16:creationId xmlns:a16="http://schemas.microsoft.com/office/drawing/2014/main" id="{A2F6F854-90CC-FC48-9379-F18D8FBF395B}"/>
@@ -10650,7 +11478,7 @@
       </p:pic>
       <p:pic>
         <p:nvPicPr>
-          <p:cNvPr id="29" name="Graphic 28" descr="敘事大綱">
+          <p:cNvPr id="29" name="Graphic 28" descr="Storytelling outline">
             <a:extLst>
               <a:ext uri="{FF2B5EF4-FFF2-40B4-BE49-F238E27FC236}">
                 <a16:creationId xmlns:a16="http://schemas.microsoft.com/office/drawing/2014/main" id="{AD9F15BE-1A73-9C4D-B0AF-F35EF2ED6649}"/>
@@ -10723,16 +11551,16 @@
               </a:spcBef>
             </a:pPr>
             <a:r>
-              <a:rPr lang="de-de" sz="1000" dirty="0">
+              <a:rPr lang="en-US" sz="1000">
                 <a:solidFill>
                   <a:srgbClr val="020302"/>
                 </a:solidFill>
                 <a:latin typeface="AdobeClean-Light"/>
                 <a:cs typeface="AdobeClean-Light"/>
               </a:rPr>
-              <a:t>將 Adobe 解決方案藍圖與您的專案藍圖進行比較並將兩者保持一致，以降低風險並為將來做好準備。</a:t>
-            </a:r>
-            <a:endParaRPr lang="en-US" sz="1000" dirty="0">
+              <a:t>Compare and align Adobe solution  roadmap with your project roadmap to  mitigate risk and prepare for the future.</a:t>
+            </a:r>
+            <a:endParaRPr lang="en-US" sz="1000">
               <a:latin typeface="AdobeClean-Light"/>
               <a:cs typeface="AdobeClean-Light"/>
             </a:endParaRPr>
@@ -10747,7 +11575,7 @@
               </a:spcBef>
             </a:pPr>
             <a:r>
-              <a:rPr lang="de-de" sz="1000" dirty="0">
+              <a:rPr lang="en-US" sz="1000">
                 <a:solidFill>
                   <a:srgbClr val="020302"/>
                 </a:solidFill>
@@ -10756,7 +11584,7 @@
               </a:rPr>
               <a:t>.</a:t>
             </a:r>
-            <a:endParaRPr lang="en-US" sz="1000" dirty="0">
+            <a:endParaRPr lang="en-US" sz="1000">
               <a:solidFill>
                 <a:prstClr val="black"/>
               </a:solidFill>
@@ -11092,7 +11920,7 @@
         <p:spPr>
           <a:xfrm>
             <a:off x="4843269" y="2329688"/>
-            <a:ext cx="1656080" cy="228268"/>
+            <a:ext cx="1656080" cy="238760"/>
           </a:xfrm>
           <a:prstGeom prst="rect">
             <a:avLst/>
@@ -11104,7 +11932,7 @@
           </a:bodyPr>
           <a:lstStyle/>
           <a:p>
-            <a:pPr marL="12700" algn="ctr">
+            <a:pPr marL="12700">
               <a:lnSpc>
                 <a:spcPct val="100000"/>
               </a:lnSpc>
@@ -11113,26 +11941,176 @@
               </a:spcBef>
             </a:pPr>
             <a:r>
-              <a:rPr lang="de-de" sz="1400" b="1" spc="-25" dirty="0">
+              <a:rPr sz="1400" b="1" spc="-25">
                 <a:solidFill>
                   <a:srgbClr val="020302"/>
                 </a:solidFill>
                 <a:latin typeface="Adobe Clean"/>
                 <a:cs typeface="Adobe Clean"/>
               </a:rPr>
-              <a:t>現場服務活動</a:t>
-            </a:r>
-            <a:r>
-              <a:rPr lang="de-de" sz="1400" b="1" spc="-190" dirty="0">
+              <a:t>Fi</a:t>
+            </a:r>
+            <a:r>
+              <a:rPr sz="1400" b="1" spc="-35">
                 <a:solidFill>
                   <a:srgbClr val="020302"/>
                 </a:solidFill>
                 <a:latin typeface="Adobe Clean"/>
                 <a:cs typeface="Adobe Clean"/>
               </a:rPr>
+              <a:t>e</a:t>
+            </a:r>
+            <a:r>
+              <a:rPr sz="1400" b="1" spc="-25">
+                <a:solidFill>
+                  <a:srgbClr val="020302"/>
+                </a:solidFill>
+                <a:latin typeface="Adobe Clean"/>
+                <a:cs typeface="Adobe Clean"/>
+              </a:rPr>
+              <a:t>l</a:t>
+            </a:r>
+            <a:r>
+              <a:rPr sz="1400" b="1">
+                <a:solidFill>
+                  <a:srgbClr val="020302"/>
+                </a:solidFill>
+                <a:latin typeface="Adobe Clean"/>
+                <a:cs typeface="Adobe Clean"/>
+              </a:rPr>
+              <a:t>d</a:t>
+            </a:r>
+            <a:r>
+              <a:rPr sz="1400" b="1" spc="-40">
+                <a:solidFill>
+                  <a:srgbClr val="020302"/>
+                </a:solidFill>
+                <a:latin typeface="Adobe Clean"/>
+                <a:cs typeface="Adobe Clean"/>
+              </a:rPr>
               <a:t> </a:t>
             </a:r>
-            <a:endParaRPr sz="1400" dirty="0">
+            <a:r>
+              <a:rPr sz="1400" b="1" spc="25">
+                <a:solidFill>
+                  <a:srgbClr val="020302"/>
+                </a:solidFill>
+                <a:latin typeface="Adobe Clean"/>
+                <a:cs typeface="Adobe Clean"/>
+              </a:rPr>
+              <a:t>S</a:t>
+            </a:r>
+            <a:r>
+              <a:rPr sz="1400" b="1" spc="5">
+                <a:solidFill>
+                  <a:srgbClr val="020302"/>
+                </a:solidFill>
+                <a:latin typeface="Adobe Clean"/>
+                <a:cs typeface="Adobe Clean"/>
+              </a:rPr>
+              <a:t>e</a:t>
+            </a:r>
+            <a:r>
+              <a:rPr sz="1400" b="1" spc="15">
+                <a:solidFill>
+                  <a:srgbClr val="020302"/>
+                </a:solidFill>
+                <a:latin typeface="Adobe Clean"/>
+                <a:cs typeface="Adobe Clean"/>
+              </a:rPr>
+              <a:t>rvi</a:t>
+            </a:r>
+            <a:r>
+              <a:rPr sz="1400" b="1" spc="5">
+                <a:solidFill>
+                  <a:srgbClr val="020302"/>
+                </a:solidFill>
+                <a:latin typeface="Adobe Clean"/>
+                <a:cs typeface="Adobe Clean"/>
+              </a:rPr>
+              <a:t>c</a:t>
+            </a:r>
+            <a:r>
+              <a:rPr sz="1400" b="1">
+                <a:solidFill>
+                  <a:srgbClr val="020302"/>
+                </a:solidFill>
+                <a:latin typeface="Adobe Clean"/>
+                <a:cs typeface="Adobe Clean"/>
+              </a:rPr>
+              <a:t>e</a:t>
+            </a:r>
+            <a:r>
+              <a:rPr sz="1400" b="1" spc="-190">
+                <a:solidFill>
+                  <a:srgbClr val="020302"/>
+                </a:solidFill>
+                <a:latin typeface="Adobe Clean"/>
+                <a:cs typeface="Adobe Clean"/>
+              </a:rPr>
+              <a:t> </a:t>
+            </a:r>
+            <a:r>
+              <a:rPr sz="1400" b="1" spc="5">
+                <a:solidFill>
+                  <a:srgbClr val="020302"/>
+                </a:solidFill>
+                <a:latin typeface="Adobe Clean"/>
+                <a:cs typeface="Adobe Clean"/>
+              </a:rPr>
+              <a:t>A</a:t>
+            </a:r>
+            <a:r>
+              <a:rPr sz="1400" b="1" spc="-5">
+                <a:solidFill>
+                  <a:srgbClr val="020302"/>
+                </a:solidFill>
+                <a:latin typeface="Adobe Clean"/>
+                <a:cs typeface="Adobe Clean"/>
+              </a:rPr>
+              <a:t>ct</a:t>
+            </a:r>
+            <a:r>
+              <a:rPr sz="1400" b="1" spc="5">
+                <a:solidFill>
+                  <a:srgbClr val="020302"/>
+                </a:solidFill>
+                <a:latin typeface="Adobe Clean"/>
+                <a:cs typeface="Adobe Clean"/>
+              </a:rPr>
+              <a:t>ivi</a:t>
+            </a:r>
+            <a:r>
+              <a:rPr sz="1400" b="1" spc="-5">
+                <a:solidFill>
+                  <a:srgbClr val="020302"/>
+                </a:solidFill>
+                <a:latin typeface="Adobe Clean"/>
+                <a:cs typeface="Adobe Clean"/>
+              </a:rPr>
+              <a:t>t</a:t>
+            </a:r>
+            <a:r>
+              <a:rPr sz="1400" b="1" spc="5">
+                <a:solidFill>
+                  <a:srgbClr val="020302"/>
+                </a:solidFill>
+                <a:latin typeface="Adobe Clean"/>
+                <a:cs typeface="Adobe Clean"/>
+              </a:rPr>
+              <a:t>i</a:t>
+            </a:r>
+            <a:r>
+              <a:rPr sz="1400" b="1" spc="-5">
+                <a:solidFill>
+                  <a:srgbClr val="020302"/>
+                </a:solidFill>
+                <a:latin typeface="Adobe Clean"/>
+                <a:cs typeface="Adobe Clean"/>
+              </a:rPr>
+              <a:t>es</a:t>
+            </a:r>
+            <a:endParaRPr sz="1400">
               <a:latin typeface="Adobe Clean"/>
               <a:cs typeface="Adobe Clean"/>
             </a:endParaRPr>
@@ -11148,7 +12126,7 @@
         <p:spPr>
           <a:xfrm>
             <a:off x="914422" y="2342312"/>
-            <a:ext cx="1242060" cy="228268"/>
+            <a:ext cx="1242060" cy="238760"/>
           </a:xfrm>
           <a:prstGeom prst="rect">
             <a:avLst/>
@@ -11160,7 +12138,7 @@
           </a:bodyPr>
           <a:lstStyle/>
           <a:p>
-            <a:pPr marL="12700" algn="ctr">
+            <a:pPr marL="12700">
               <a:lnSpc>
                 <a:spcPct val="100000"/>
               </a:lnSpc>
@@ -11169,16 +12147,96 @@
               </a:spcBef>
             </a:pPr>
             <a:r>
-              <a:rPr lang="de-de" sz="1400" b="1" spc="-25" dirty="0">
+              <a:rPr sz="1400" b="1" spc="-25">
                 <a:solidFill>
                   <a:srgbClr val="020302"/>
                 </a:solidFill>
                 <a:latin typeface="Adobe Clean"/>
                 <a:cs typeface="Adobe Clean"/>
               </a:rPr>
-              <a:t>啟動諮詢</a:t>
-            </a:r>
-            <a:endParaRPr sz="1400" dirty="0">
+              <a:t>L</a:t>
+            </a:r>
+            <a:r>
+              <a:rPr sz="1400" b="1" spc="-5">
+                <a:solidFill>
+                  <a:srgbClr val="020302"/>
+                </a:solidFill>
+                <a:latin typeface="Adobe Clean"/>
+                <a:cs typeface="Adobe Clean"/>
+              </a:rPr>
+              <a:t>a</a:t>
+            </a:r>
+            <a:r>
+              <a:rPr sz="1400" b="1" spc="-20">
+                <a:solidFill>
+                  <a:srgbClr val="020302"/>
+                </a:solidFill>
+                <a:latin typeface="Adobe Clean"/>
+                <a:cs typeface="Adobe Clean"/>
+              </a:rPr>
+              <a:t>u</a:t>
+            </a:r>
+            <a:r>
+              <a:rPr sz="1400" b="1" spc="-15">
+                <a:solidFill>
+                  <a:srgbClr val="020302"/>
+                </a:solidFill>
+                <a:latin typeface="Adobe Clean"/>
+                <a:cs typeface="Adobe Clean"/>
+              </a:rPr>
+              <a:t>n</a:t>
+            </a:r>
+            <a:r>
+              <a:rPr sz="1400" b="1" spc="-25">
+                <a:solidFill>
+                  <a:srgbClr val="020302"/>
+                </a:solidFill>
+                <a:latin typeface="Adobe Clean"/>
+                <a:cs typeface="Adobe Clean"/>
+              </a:rPr>
+              <a:t>c</a:t>
+            </a:r>
+            <a:r>
+              <a:rPr sz="1400" b="1">
+                <a:solidFill>
+                  <a:srgbClr val="020302"/>
+                </a:solidFill>
+                <a:latin typeface="Adobe Clean"/>
+                <a:cs typeface="Adobe Clean"/>
+              </a:rPr>
+              <a:t>h</a:t>
+            </a:r>
+            <a:r>
+              <a:rPr sz="1400" b="1" spc="-25">
+                <a:solidFill>
+                  <a:srgbClr val="020302"/>
+                </a:solidFill>
+                <a:latin typeface="Adobe Clean"/>
+                <a:cs typeface="Adobe Clean"/>
+              </a:rPr>
+              <a:t> </a:t>
+            </a:r>
+            <a:r>
+              <a:rPr sz="1400" b="1" spc="-10">
+                <a:solidFill>
+                  <a:srgbClr val="020302"/>
+                </a:solidFill>
+                <a:latin typeface="Adobe Clean"/>
+                <a:cs typeface="Adobe Clean"/>
+              </a:rPr>
+              <a:t>Advisor</a:t>
+            </a:r>
+            <a:r>
+              <a:rPr sz="1400" b="1">
+                <a:solidFill>
+                  <a:srgbClr val="020302"/>
+                </a:solidFill>
+                <a:latin typeface="Adobe Clean"/>
+                <a:cs typeface="Adobe Clean"/>
+              </a:rPr>
+              <a:t>y</a:t>
+            </a:r>
+            <a:endParaRPr sz="1400">
               <a:latin typeface="Adobe Clean"/>
               <a:cs typeface="Adobe Clean"/>
             </a:endParaRPr>
@@ -11215,43 +12273,46 @@
               </a:spcBef>
             </a:pPr>
             <a:r>
-              <a:rPr lang="de-de" sz="1000" dirty="0">
+              <a:rPr sz="1000">
                 <a:solidFill>
                   <a:srgbClr val="1F1F1F"/>
                 </a:solidFill>
                 <a:latin typeface="AdobeClean-Light"/>
                 <a:cs typeface="AdobeClean-Light"/>
               </a:rPr>
-              <a:t>Launch Advisory 適用於客戶實作</a:t>
-            </a:r>
-            <a:r>
-              <a:rPr lang="de-de" sz="1000" b="1" dirty="0">
+              <a:t>For customers implementing a </a:t>
+            </a:r>
+            <a:r>
+              <a:rPr sz="1000" b="1">
                 <a:solidFill>
                   <a:srgbClr val="1F1F1F"/>
                 </a:solidFill>
                 <a:latin typeface="Adobe Clean"/>
                 <a:cs typeface="Adobe Clean"/>
               </a:rPr>
-              <a:t>新的 Adobe Experience Cloud 解決方案，</a:t>
-            </a:r>
-            <a:r>
-              <a:rPr lang="de-de" sz="1000" dirty="0">
+              <a:t>new Adobe Experience Cloud  solution, </a:t>
+            </a:r>
+            <a:r>
+              <a:rPr sz="1000">
+                <a:latin typeface="AdobeClean-Light"/>
+                <a:cs typeface="AdobeClean-Light"/>
+              </a:rPr>
+              <a:t>Launch Advisory </a:t>
+            </a:r>
+            <a:r>
+              <a:rPr sz="1000">
                 <a:latin typeface="AdobeClean-SemiLight"/>
                 <a:cs typeface="AdobeClean-SemiLight"/>
               </a:rPr>
-              <a:t>是</a:t>
-            </a:r>
-            <a:r>
-              <a:rPr lang="de-de" sz="950" dirty="0">
+              <a:t>is a </a:t>
+            </a:r>
+            <a:r>
+              <a:rPr sz="950">
                 <a:latin typeface="AdobeClean-SemiLight"/>
                 <a:cs typeface="AdobeClean-SemiLight"/>
               </a:rPr>
-              <a:t>諮詢的核心</a:t>
-            </a:r>
-            <a:endParaRPr sz="950">
-              <a:latin typeface="AdobeClean-SemiLight"/>
-              <a:cs typeface="AdobeClean-SemiLight"/>
-            </a:endParaRPr>
+              <a:t>core set of advisory</a:t>
+            </a:r>
           </a:p>
           <a:p>
             <a:pPr marL="12700" marR="86995" indent="-635">
@@ -11260,51 +12321,47 @@
               </a:lnSpc>
             </a:pPr>
             <a:r>
-              <a:rPr lang="de-de" sz="950" dirty="0">
+              <a:rPr sz="950">
                 <a:latin typeface="AdobeClean-SemiLight"/>
                 <a:cs typeface="AdobeClean-SemiLight"/>
               </a:rPr>
-              <a:t>服務</a:t>
-            </a:r>
-            <a:r>
-              <a:rPr lang="de-de" sz="1000" dirty="0">
+              <a:t>services </a:t>
+            </a:r>
+            <a:r>
+              <a:rPr sz="1000">
                 <a:latin typeface="AdobeClean-Light"/>
                 <a:cs typeface="AdobeClean-Light"/>
               </a:rPr>
-              <a:t>和建議組合，經公認可</a:t>
-            </a:r>
-            <a:r>
-              <a:rPr lang="de-de" sz="950" dirty="0">
+              <a:t>and recommendations that are proven to </a:t>
+            </a:r>
+            <a:r>
+              <a:rPr sz="950">
                 <a:latin typeface="AdobeClean-Light"/>
                 <a:cs typeface="AdobeClean-Light"/>
               </a:rPr>
-              <a:t>支援成功部署</a:t>
-            </a:r>
-            <a:r>
-              <a:rPr lang="de-de" sz="1000" dirty="0">
+              <a:t>support  successful deployments </a:t>
+            </a:r>
+            <a:r>
+              <a:rPr sz="1000">
                 <a:latin typeface="AdobeClean-Light"/>
                 <a:cs typeface="AdobeClean-Light"/>
               </a:rPr>
-              <a:t>並</a:t>
-            </a:r>
-            <a:r>
-              <a:rPr lang="de-de" sz="950" dirty="0">
+              <a:t>and </a:t>
+            </a:r>
+            <a:r>
+              <a:rPr sz="950">
                 <a:latin typeface="AdobeClean-Light"/>
                 <a:cs typeface="AdobeClean-Light"/>
               </a:rPr>
-              <a:t>加速價值實現的時間</a:t>
-            </a:r>
-            <a:r>
-              <a:rPr lang="de-de" sz="1000" dirty="0">
+              <a:t>accelerate time-to-value</a:t>
+            </a:r>
+            <a:r>
+              <a:rPr sz="1000">
                 <a:latin typeface="AdobeClean-Light"/>
                 <a:cs typeface="AdobeClean-Light"/>
               </a:rPr>
-              <a:t>。</a:t>
-            </a:r>
-            <a:endParaRPr sz="1000">
-              <a:latin typeface="AdobeClean-Light"/>
-              <a:cs typeface="AdobeClean-Light"/>
-            </a:endParaRPr>
+              <a:t>.</a:t>
+            </a:r>
           </a:p>
         </p:txBody>
       </p:sp>
@@ -11417,76 +12474,76 @@
               </a:spcBef>
             </a:pPr>
             <a:r>
-              <a:rPr lang="de-de" sz="1000" dirty="0">
+              <a:rPr sz="1000">
                 <a:solidFill>
                   <a:srgbClr val="4B4B4B"/>
                 </a:solidFill>
                 <a:latin typeface="AdobeClean-Light"/>
                 <a:cs typeface="AdobeClean-Light"/>
               </a:rPr>
-              <a:t>現場服務是用於</a:t>
-            </a:r>
-            <a:r>
-              <a:rPr lang="de-de" sz="1000" b="1" dirty="0">
+              <a:t>Field Services are used for </a:t>
+            </a:r>
+            <a:r>
+              <a:rPr sz="1000" b="1">
                 <a:solidFill>
                   <a:srgbClr val="4B4B4B"/>
                 </a:solidFill>
                 <a:latin typeface="Adobe Clean"/>
                 <a:cs typeface="Adobe Clean"/>
               </a:rPr>
-              <a:t>快速解決問題</a:t>
-            </a:r>
-            <a:r>
-              <a:rPr lang="de-de" sz="1000" dirty="0">
+              <a:t>quick resolution</a:t>
+            </a:r>
+            <a:r>
+              <a:rPr sz="1000">
                 <a:solidFill>
                   <a:srgbClr val="4B4B4B"/>
                 </a:solidFill>
                 <a:latin typeface="AdobeClean-Light"/>
                 <a:cs typeface="AdobeClean-Light"/>
               </a:rPr>
-              <a:t>，聚焦於客戶成功及加快</a:t>
-            </a:r>
-            <a:r>
-              <a:rPr lang="de-de" sz="1000" b="1" dirty="0">
+              <a:t>, focused customer success  and accelerated </a:t>
+            </a:r>
+            <a:r>
+              <a:rPr sz="1000" b="1">
                 <a:solidFill>
                   <a:srgbClr val="4B4B4B"/>
                 </a:solidFill>
                 <a:latin typeface="Adobe Clean"/>
                 <a:cs typeface="Adobe Clean"/>
               </a:rPr>
-              <a:t>價值實現</a:t>
-            </a:r>
-            <a:r>
-              <a:rPr lang="de-de" sz="1000" dirty="0">
+              <a:t>time-to-value</a:t>
+            </a:r>
+            <a:r>
+              <a:rPr sz="1000">
                 <a:solidFill>
                   <a:srgbClr val="4B4B4B"/>
                 </a:solidFill>
                 <a:latin typeface="AdobeClean-Light"/>
                 <a:cs typeface="AdobeClean-Light"/>
               </a:rPr>
-              <a:t>。對於支援合約涵蓋的任何解決方案產品而言，</a:t>
-            </a:r>
-            <a:r>
-              <a:rPr lang="de-de" sz="1000" b="1" dirty="0">
+              <a:t>. If Launch advisory is active there will be  </a:t>
+            </a:r>
+            <a:r>
+              <a:rPr sz="1000" b="1">
                 <a:solidFill>
                   <a:srgbClr val="4B4B4B"/>
                 </a:solidFill>
                 <a:latin typeface="Adobe Clean"/>
                 <a:cs typeface="Adobe Clean"/>
               </a:rPr>
-              <a:t>如果上市諮詢服務作用中，</a:t>
-            </a:r>
-            <a:r>
-              <a:rPr lang="de-de" sz="1000" dirty="0">
+              <a:t>no Field Services in year 1 </a:t>
+            </a:r>
+            <a:r>
+              <a:rPr sz="1000">
                 <a:solidFill>
                   <a:srgbClr val="4B4B4B"/>
                 </a:solidFill>
                 <a:latin typeface="AdobeClean-Light"/>
                 <a:cs typeface="AdobeClean-Light"/>
               </a:rPr>
-              <a:t>第 1 年將不會有現場服務。</a:t>
-            </a:r>
-            <a:endParaRPr sz="1000" dirty="0">
+              <a:t>for any solution product covered by a  Support contract.</a:t>
+            </a:r>
+            <a:endParaRPr sz="1000">
               <a:latin typeface="AdobeClean-Light"/>
               <a:cs typeface="AdobeClean-Light"/>
             </a:endParaRPr>
@@ -11607,11 +12664,11 @@
               </a:spcBef>
             </a:pPr>
             <a:r>
-              <a:rPr lang="de-de" sz="1000" dirty="0">
+              <a:rPr sz="1000">
                 <a:latin typeface="AdobeClean-Light"/>
                 <a:cs typeface="AdobeClean-Light"/>
               </a:rPr>
-              <a:t>上市諮詢服務將透過常見的里程碑 (開展、定義、設計、上線和上市後) 與您的專案時間表保持一致，以便指導、驗證、評估及提出建議。 </a:t>
+              <a:t>Launch Advisory will align with your project schedule through  common milestones (Kickoff, Define, Design, Go-live and Post  Launch) to guide, validate, assess and make recommendations.</a:t>
             </a:r>
           </a:p>
         </p:txBody>
@@ -11646,16 +12703,12 @@
               </a:spcBef>
             </a:pPr>
             <a:r>
-              <a:rPr lang="de-de" sz="1000" dirty="0">
+              <a:rPr sz="1000">
                 <a:latin typeface="AdobeClean-Light"/>
                 <a:cs typeface="AdobeClean-Light"/>
               </a:rPr>
-              <a:t>主要交付成果包括：</a:t>
-            </a:r>
-            <a:endParaRPr sz="1000">
-              <a:latin typeface="AdobeClean-Light"/>
-              <a:cs typeface="AdobeClean-Light"/>
-            </a:endParaRPr>
+              <a:t>Key Deliverables include:</a:t>
+            </a:r>
           </a:p>
         </p:txBody>
       </p:sp>
@@ -11688,12 +12741,12 @@
               <a:buChar char="•"/>
             </a:pPr>
             <a:r>
-              <a:rPr lang="de-de" sz="1000" dirty="0">
+              <a:rPr lang="en-US" sz="1000">
                 <a:solidFill>
                   <a:prstClr val="black"/>
                 </a:solidFill>
               </a:rPr>
-              <a:t>專案啟動 (包括專案共同作業計劃) 投影片組</a:t>
+              <a:t>Kickoff (including project collaboration plan) deck</a:t>
             </a:r>
           </a:p>
           <a:p>
@@ -11705,12 +12758,12 @@
               <a:buChar char="•"/>
             </a:pPr>
             <a:r>
-              <a:rPr lang="de-de" sz="1000" dirty="0">
+              <a:rPr lang="en-US" sz="1000">
                 <a:solidFill>
                   <a:prstClr val="black"/>
                 </a:solidFill>
               </a:rPr>
-              <a:t>評估與建議文件</a:t>
+              <a:t>Assessment &amp; recommendations document(s)</a:t>
             </a:r>
           </a:p>
           <a:p>
@@ -11722,12 +12775,12 @@
               <a:buChar char="•"/>
             </a:pPr>
             <a:r>
-              <a:rPr lang="de-de" sz="1000" dirty="0">
+              <a:rPr lang="en-US" sz="1000">
                 <a:solidFill>
                   <a:prstClr val="black"/>
                 </a:solidFill>
               </a:rPr>
-              <a:t>投入摘要</a:t>
+              <a:t>Engagement summary</a:t>
             </a:r>
           </a:p>
         </p:txBody>
@@ -11762,16 +12815,16 @@
               </a:spcBef>
             </a:pPr>
             <a:r>
-              <a:rPr lang="de-de" sz="1600" dirty="0">
+              <a:rPr sz="1600">
                 <a:solidFill>
                   <a:srgbClr val="FFFFFF"/>
                 </a:solidFill>
                 <a:latin typeface="Arial"/>
                 <a:cs typeface="Arial"/>
               </a:rPr>
-              <a:t>實作</a:t>
-            </a:r>
-            <a:endParaRPr sz="1600" dirty="0">
+              <a:t>Implementation</a:t>
+            </a:r>
+            <a:endParaRPr sz="1600">
               <a:latin typeface="Arial"/>
               <a:cs typeface="Arial"/>
             </a:endParaRPr>
@@ -11786,32 +12839,32 @@
               </a:spcBef>
             </a:pPr>
             <a:r>
-              <a:rPr lang="de-de" sz="1000" dirty="0">
+              <a:rPr sz="1000">
                 <a:latin typeface="AdobeClean-Light"/>
                 <a:cs typeface="AdobeClean-Light"/>
               </a:rPr>
-              <a:t>Adobe 解決方案專家可向客戶</a:t>
-            </a:r>
-            <a:r>
-              <a:rPr lang="de-de" sz="1000" dirty="0">
+              <a:t>Adobe solution experts help validate requirements, architecture,  development process, and launch readiness reviews </a:t>
+            </a:r>
+            <a:r>
+              <a:rPr sz="1000">
                 <a:latin typeface="AdobeClean-SemiLight"/>
                 <a:cs typeface="AdobeClean-SemiLight"/>
               </a:rPr>
-              <a:t>和實作</a:t>
-            </a:r>
-            <a:r>
-              <a:rPr lang="de-de" sz="950" dirty="0">
+              <a:t>with </a:t>
+            </a:r>
+            <a:r>
+              <a:rPr sz="950">
                 <a:latin typeface="AdobeClean-SemiLight"/>
                 <a:cs typeface="AdobeClean-SemiLight"/>
               </a:rPr>
-              <a:t>合作夥伴</a:t>
-            </a:r>
-            <a:r>
-              <a:rPr lang="de-de" sz="1000" dirty="0">
+              <a:t>best  practice-based guidance </a:t>
+            </a:r>
+            <a:r>
+              <a:rPr sz="1000">
                 <a:latin typeface="AdobeClean-SemiLight"/>
                 <a:cs typeface="AdobeClean-SemiLight"/>
               </a:rPr>
-              <a:t>提供以最佳實務為根據的指引，以協助驗證需求、架構、開發流程和上市整備情況審查。</a:t>
+              <a:t>to customers and implementation  partners.</a:t>
             </a:r>
           </a:p>
         </p:txBody>
@@ -11868,19 +12921,30 @@
               </a:spcBef>
             </a:pPr>
             <a:r>
-              <a:rPr lang="de-de" sz="1000" b="1" dirty="0">
+              <a:rPr sz="1000" b="1">
                 <a:latin typeface="Arial"/>
                 <a:cs typeface="Arial"/>
               </a:rPr>
-              <a:t>技術路徑活動可確保客戶擁有健全的技術，</a:t>
-            </a:r>
-            <a:r>
-              <a:rPr lang="de-de" sz="1000" dirty="0">
+              <a:t>Technical Track Activities </a:t>
+            </a:r>
+            <a:r>
+              <a:rPr sz="1000">
                 <a:latin typeface="AdobeClean-Light"/>
                 <a:cs typeface="AdobeClean-Light"/>
               </a:rPr>
-              <a:t>並且最大限度地採用他們的工具。具體而言，這些類型的活動包含與平台組態設定、整合和疑難排解有關的支援和建議</a:t>
-            </a:r>
+              <a:t>ensure customers are technically sound  and maximizing their tool adoption. Specifically, these types of  activities include support and recommendations related to platform  configurations, integrations and troubleshooting</a:t>
+            </a:r>
+            <a:r>
+              <a:rPr lang="en-US" sz="1000">
+                <a:latin typeface="AdobeClean-Light"/>
+                <a:cs typeface="AdobeClean-Light"/>
+              </a:rPr>
+              <a:t>.</a:t>
+            </a:r>
+            <a:endParaRPr sz="1000">
+              <a:latin typeface="AdobeClean-Light"/>
+              <a:cs typeface="AdobeClean-Light"/>
+            </a:endParaRPr>
           </a:p>
         </p:txBody>
       </p:sp>
@@ -11914,11 +12978,11 @@
               </a:spcBef>
             </a:pPr>
             <a:r>
-              <a:rPr lang="de-de" sz="1000" dirty="0">
+              <a:rPr sz="1000">
                 <a:latin typeface="AdobeClean-Light"/>
                 <a:cs typeface="AdobeClean-Light"/>
               </a:rPr>
-              <a:t>可用的技術活動類型：</a:t>
+              <a:t>Types of technical activities available::</a:t>
             </a:r>
           </a:p>
           <a:p>
@@ -11933,12 +12997,12 @@
               <a:buChar char="ü"/>
             </a:pPr>
             <a:r>
-              <a:rPr lang="de-de" sz="1000" dirty="0">
+              <a:rPr lang="en-US" sz="1000">
                 <a:solidFill>
                   <a:prstClr val="black"/>
                 </a:solidFill>
               </a:rPr>
-              <a:t>健康稽核</a:t>
+              <a:t>Health audit</a:t>
             </a:r>
           </a:p>
           <a:p>
@@ -11953,12 +13017,12 @@
               <a:buChar char="ü"/>
             </a:pPr>
             <a:r>
-              <a:rPr lang="de-de" sz="1000" dirty="0">
+              <a:rPr lang="en-US" sz="1000">
                 <a:solidFill>
                   <a:prstClr val="black"/>
                 </a:solidFill>
               </a:rPr>
-              <a:t>平台稽核</a:t>
+              <a:t>Platform audit</a:t>
             </a:r>
           </a:p>
           <a:p>
@@ -11973,12 +13037,12 @@
               <a:buChar char="ü"/>
             </a:pPr>
             <a:r>
-              <a:rPr lang="de-de" sz="1000" dirty="0">
+              <a:rPr lang="en-US" sz="1000">
                 <a:solidFill>
                   <a:prstClr val="black"/>
                 </a:solidFill>
               </a:rPr>
-              <a:t>功能集啟用</a:t>
+              <a:t>Feature set enablement</a:t>
             </a:r>
           </a:p>
           <a:p>
@@ -11993,12 +13057,12 @@
               <a:buChar char="ü"/>
             </a:pPr>
             <a:r>
-              <a:rPr lang="de-de" sz="1000" dirty="0">
+              <a:rPr lang="en-US" sz="1000">
                 <a:solidFill>
                   <a:prstClr val="black"/>
                 </a:solidFill>
               </a:rPr>
-              <a:t>基本整合與組態設定</a:t>
+              <a:t>Basic integrations and configurations</a:t>
             </a:r>
           </a:p>
           <a:p>
@@ -12013,12 +13077,12 @@
               <a:buChar char="ü"/>
             </a:pPr>
             <a:r>
-              <a:rPr lang="de-de" sz="1000" dirty="0">
+              <a:rPr lang="en-US" sz="1000">
                 <a:solidFill>
                   <a:prstClr val="black"/>
                 </a:solidFill>
               </a:rPr>
-              <a:t>客戶解決方案疑難排解</a:t>
+              <a:t>Customer solution troubleshooting</a:t>
             </a:r>
           </a:p>
           <a:p>
@@ -12033,12 +13097,12 @@
               <a:buChar char="ü"/>
             </a:pPr>
             <a:r>
-              <a:rPr lang="de-de" sz="1000" dirty="0">
+              <a:rPr lang="en-US" sz="1000">
                 <a:solidFill>
                   <a:prstClr val="black"/>
                 </a:solidFill>
               </a:rPr>
-              <a:t>雲端服務支援</a:t>
+              <a:t>Cloud service support</a:t>
             </a:r>
           </a:p>
         </p:txBody>
@@ -12073,18 +13137,18 @@
               </a:spcBef>
             </a:pPr>
             <a:r>
-              <a:rPr lang="de-de" sz="1000" b="1" dirty="0">
+              <a:rPr sz="1000" b="1">
                 <a:latin typeface="Arial"/>
                 <a:cs typeface="Arial"/>
               </a:rPr>
-              <a:t>策略路徑活動可尋找機會</a:t>
-            </a:r>
-            <a:r>
-              <a:rPr lang="de-de" sz="1000" dirty="0">
+              <a:t>Strategic Track Activities </a:t>
+            </a:r>
+            <a:r>
+              <a:rPr sz="1000">
                 <a:latin typeface="AdobeClean-Light"/>
                 <a:cs typeface="AdobeClean-Light"/>
               </a:rPr>
-              <a:t>，以確保可從客戶的 Adobe 解決方案實現價值。這類活動包括與策略、衡量和成熟度有關的支援建議，以推動一個或多個 Adobe 解決方案的價值實現。</a:t>
+              <a:t>locate opportunities to ensure value is  being realized from a customer’s Adobe solutions. They include  support recommendations related to strategy, measurement and  maturity to drive value realization across one or more Adobe  solutions.</a:t>
             </a:r>
           </a:p>
           <a:p>
@@ -12096,7 +13160,7 @@
                 <a:spcPts val="40"/>
               </a:spcBef>
             </a:pPr>
-            <a:endParaRPr sz="1100" dirty="0">
+            <a:endParaRPr sz="1100">
               <a:latin typeface="AdobeClean-Light"/>
               <a:cs typeface="AdobeClean-Light"/>
             </a:endParaRPr>
@@ -12108,11 +13172,11 @@
               </a:lnSpc>
             </a:pPr>
             <a:r>
-              <a:rPr lang="de-de" sz="1000" dirty="0">
+              <a:rPr sz="1000">
                 <a:latin typeface="AdobeClean-Light"/>
                 <a:cs typeface="AdobeClean-Light"/>
               </a:rPr>
-              <a:t>可用的策略活動類型：</a:t>
+              <a:t>Types of strategic activities available::</a:t>
             </a:r>
           </a:p>
           <a:p>
@@ -12127,12 +13191,12 @@
               <a:buChar char="ü"/>
             </a:pPr>
             <a:r>
-              <a:rPr lang="de-de" sz="1000" dirty="0">
+              <a:rPr lang="en-US" sz="1000">
                 <a:solidFill>
                   <a:prstClr val="black"/>
                 </a:solidFill>
               </a:rPr>
-              <a:t>成熟度藍圖</a:t>
+              <a:t>Maturity Roadmap</a:t>
             </a:r>
           </a:p>
           <a:p>
@@ -12147,12 +13211,12 @@
               <a:buChar char="ü"/>
             </a:pPr>
             <a:r>
-              <a:rPr lang="de-de" sz="1000" dirty="0">
+              <a:rPr lang="en-US" sz="1000">
                 <a:solidFill>
                   <a:prstClr val="black"/>
                 </a:solidFill>
               </a:rPr>
-              <a:t>使用案例開發/衡量</a:t>
+              <a:t>Use case development/measurement</a:t>
             </a:r>
           </a:p>
           <a:p>
@@ -12167,12 +13231,12 @@
               <a:buChar char="ü"/>
             </a:pPr>
             <a:r>
-              <a:rPr lang="de-de" sz="1000" dirty="0">
+              <a:rPr lang="en-US" sz="1000">
                 <a:solidFill>
                   <a:prstClr val="black"/>
                 </a:solidFill>
               </a:rPr>
-              <a:t>報告與分析</a:t>
+              <a:t>Reporting &amp; analysis</a:t>
             </a:r>
           </a:p>
           <a:p>
@@ -12187,12 +13251,12 @@
               <a:buChar char="ü"/>
             </a:pPr>
             <a:r>
-              <a:rPr lang="de-de" sz="1000" dirty="0">
+              <a:rPr lang="en-US" sz="1000">
                 <a:solidFill>
                   <a:prstClr val="black"/>
                 </a:solidFill>
               </a:rPr>
-              <a:t>啟用最佳實務</a:t>
+              <a:t>Best practices enablement</a:t>
             </a:r>
           </a:p>
         </p:txBody>
@@ -12213,7 +13277,7 @@
           </a:prstGeom>
         </p:spPr>
         <p:txBody>
-          <a:bodyPr vert="horz" wrap="square" lIns="0" tIns="12700" rIns="0" bIns="0" rtlCol="0">
+          <a:bodyPr vert="horz" wrap="square" lIns="0" tIns="12700" rIns="0" bIns="0" rtlCol="0" anchor="t">
             <a:spAutoFit/>
           </a:bodyPr>
           <a:lstStyle/>
@@ -12227,41 +13291,78 @@
               </a:spcBef>
             </a:pPr>
             <a:r>
-              <a:rPr lang="de-de" sz="1600" dirty="0">
+              <a:rPr sz="1600">
                 <a:solidFill>
                   <a:srgbClr val="FFFFFF"/>
                 </a:solidFill>
                 <a:latin typeface="Arial"/>
                 <a:cs typeface="Arial"/>
               </a:rPr>
-              <a:t>執行與營運</a:t>
-            </a:r>
-            <a:endParaRPr sz="1600" dirty="0">
+              <a:t>Run &amp; Operate</a:t>
+            </a:r>
+            <a:endParaRPr sz="1600">
               <a:latin typeface="Arial"/>
               <a:cs typeface="Arial"/>
             </a:endParaRPr>
           </a:p>
           <a:p>
             <a:pPr marL="12700">
-              <a:lnSpc>
-                <a:spcPct val="100000"/>
-              </a:lnSpc>
               <a:spcBef>
                 <a:spcPts val="1595"/>
               </a:spcBef>
             </a:pPr>
             <a:r>
-              <a:rPr lang="de-de" sz="1000" dirty="0">
+              <a:rPr sz="1000">
                 <a:solidFill>
                   <a:srgbClr val="1F1F1F"/>
                 </a:solidFill>
                 <a:latin typeface="Adobe Clean"/>
                 <a:cs typeface="Adobe Clean"/>
               </a:rPr>
-              <a:t>作為菁英客戶，您有資格每年享有</a:t>
-            </a:r>
-            <a:r>
-              <a:rPr lang="de-de" sz="1200" dirty="0">
+              <a:t>As an </a:t>
+            </a:r>
+            <a:r>
+              <a:rPr lang="en-US" sz="1000">
+                <a:solidFill>
+                  <a:srgbClr val="1F1F1F"/>
+                </a:solidFill>
+                <a:latin typeface="Adobe Clean"/>
+                <a:cs typeface="Adobe Clean"/>
+              </a:rPr>
+              <a:t>Elite</a:t>
+            </a:r>
+            <a:r>
+              <a:rPr sz="1000">
+                <a:solidFill>
+                  <a:srgbClr val="1F1F1F"/>
+                </a:solidFill>
+                <a:latin typeface="Adobe Clean"/>
+                <a:cs typeface="Adobe Clean"/>
+              </a:rPr>
+              <a:t> customer, you are</a:t>
+            </a:r>
+            <a:r>
+              <a:rPr lang="en-US" sz="1000">
+                <a:solidFill>
+                  <a:srgbClr val="1F1F1F"/>
+                </a:solidFill>
+                <a:latin typeface="Adobe Clean"/>
+                <a:cs typeface="Adobe Clean"/>
+              </a:rPr>
+              <a:t> </a:t>
+            </a:r>
+            <a:r>
+              <a:rPr sz="1000">
+                <a:solidFill>
+                  <a:srgbClr val="1F1F1F"/>
+                </a:solidFill>
+                <a:latin typeface="Adobe Clean"/>
+                <a:cs typeface="Adobe Clean"/>
+              </a:rPr>
+              <a:t> eligible for</a:t>
+            </a:r>
+            <a:r>
+              <a:rPr lang="en-US" sz="1200">
                 <a:solidFill>
                   <a:srgbClr val="1F1F1F"/>
                 </a:solidFill>
@@ -12276,7 +13377,7 @@
               <a:t> </a:t>
             </a:r>
             <a:r>
-              <a:rPr lang="de-de" sz="1200" u="sng" dirty="0">
+              <a:rPr lang="en-US" sz="1200" u="sng">
                 <a:solidFill>
                   <a:srgbClr val="1F1F1F"/>
                 </a:solidFill>
@@ -12291,7 +13392,7 @@
               <a:t>4</a:t>
             </a:r>
             <a:r>
-              <a:rPr lang="de-de" sz="1200" b="1" dirty="0">
+              <a:rPr sz="1200" b="1">
                 <a:solidFill>
                   <a:srgbClr val="1F1F1F"/>
                 </a:solidFill>
@@ -12301,90 +13402,86 @@
               <a:t> </a:t>
             </a:r>
             <a:r>
-              <a:rPr lang="de-de" sz="1000" b="1" dirty="0">
+              <a:rPr sz="1000" b="1">
                 <a:solidFill>
                   <a:srgbClr val="1F1F1F"/>
                 </a:solidFill>
                 <a:latin typeface="Arial"/>
                 <a:cs typeface="Arial"/>
               </a:rPr>
-              <a:t>個活動</a:t>
-            </a:r>
-            <a:endParaRPr sz="1000" dirty="0">
-              <a:latin typeface="Arial"/>
-              <a:cs typeface="Arial"/>
-            </a:endParaRPr>
-          </a:p>
-          <a:p>
-            <a:pPr marL="12700">
-              <a:lnSpc>
-                <a:spcPct val="100000"/>
-              </a:lnSpc>
-              <a:spcBef>
-                <a:spcPts val="55"/>
-              </a:spcBef>
-            </a:pPr>
-            <a:r>
-              <a:rPr lang="de-de" sz="1600" dirty="0">
-                <a:solidFill>
-                  <a:srgbClr val="FFFFFF"/>
+              <a:t>activities per </a:t>
+            </a:r>
+            <a:r>
+              <a:rPr lang="en-US" sz="1000" b="1">
+                <a:solidFill>
+                  <a:srgbClr val="1F1F1F"/>
                 </a:solidFill>
                 <a:latin typeface="Arial"/>
                 <a:cs typeface="Arial"/>
               </a:rPr>
-              <a:t>的權益</a:t>
-            </a:r>
-            <a:r>
-              <a:rPr lang="de-de" sz="1000" dirty="0">
+              <a:t>year </a:t>
+            </a:r>
+            <a:r>
+              <a:rPr lang="en-US" sz="1000">
                 <a:solidFill>
                   <a:srgbClr val="1F1F1F"/>
                 </a:solidFill>
                 <a:latin typeface="Adobe Clean"/>
-                <a:cs typeface="Adobe Clean"/>
-              </a:rPr>
-              <a:t>(從以下兩個課程分軌)：</a:t>
-            </a:r>
-            <a:r>
-              <a:rPr lang="de-de" sz="1000" b="1" dirty="0">
+                <a:cs typeface="Arial"/>
+              </a:rPr>
+              <a:t>from</a:t>
+            </a:r>
+            <a:r>
+              <a:rPr sz="1000">
+                <a:solidFill>
+                  <a:srgbClr val="1F1F1F"/>
+                </a:solidFill>
+                <a:latin typeface="Adobe Clean"/>
+                <a:cs typeface="Adobe Clean"/>
+              </a:rPr>
+              <a:t> the following two tracks: </a:t>
+            </a:r>
+            <a:r>
+              <a:rPr sz="1000" b="1">
                 <a:solidFill>
                   <a:srgbClr val="1F1F1F"/>
                 </a:solidFill>
                 <a:latin typeface="Arial"/>
                 <a:cs typeface="Arial"/>
               </a:rPr>
-              <a:t>技術</a:t>
-            </a:r>
-            <a:r>
-              <a:rPr lang="de-de" sz="1000" dirty="0">
+              <a:t>Technical </a:t>
+            </a:r>
+            <a:r>
+              <a:rPr sz="1000">
                 <a:solidFill>
                   <a:srgbClr val="1F1F1F"/>
                 </a:solidFill>
                 <a:latin typeface="Adobe Clean"/>
                 <a:cs typeface="Adobe Clean"/>
               </a:rPr>
-              <a:t>和/或</a:t>
-            </a:r>
-            <a:r>
-              <a:rPr lang="de-de" sz="1000" b="1" dirty="0">
+              <a:t>and/or </a:t>
+            </a:r>
+            <a:r>
+              <a:rPr sz="1000" b="1">
                 <a:solidFill>
                   <a:srgbClr val="1F1F1F"/>
                 </a:solidFill>
                 <a:latin typeface="Arial"/>
                 <a:cs typeface="Arial"/>
               </a:rPr>
-              <a:t>策略</a:t>
-            </a:r>
-            <a:r>
-              <a:rPr lang="de-de" sz="1000" dirty="0">
+              <a:t>Strategic</a:t>
+            </a:r>
+            <a:r>
+              <a:rPr lang="en-US" sz="1000" b="1">
                 <a:solidFill>
                   <a:srgbClr val="1F1F1F"/>
                 </a:solidFill>
                 <a:latin typeface="AdobeClean-Light"/>
-                <a:cs typeface="AdobeClean-Light"/>
-              </a:rPr>
-              <a:t>。</a:t>
-            </a:r>
-            <a:endParaRPr sz="1000" dirty="0">
+                <a:cs typeface="Arial"/>
+              </a:rPr>
+              <a:t>.</a:t>
+            </a:r>
+            <a:endParaRPr sz="1000">
               <a:latin typeface="AdobeClean-Light"/>
               <a:cs typeface="AdobeClean-Light"/>
             </a:endParaRPr>
@@ -12421,16 +13518,66 @@
               </a:spcBef>
             </a:pPr>
             <a:r>
-              <a:rPr lang="de-de" sz="1400" b="1" spc="-15" dirty="0">
+              <a:rPr sz="1400" b="1" spc="-15">
                 <a:solidFill>
                   <a:srgbClr val="020302"/>
                 </a:solidFill>
                 <a:latin typeface="Adobe Clean"/>
                 <a:cs typeface="Adobe Clean"/>
               </a:rPr>
-              <a:t>雲端支援活動 - AEM</a:t>
-            </a:r>
-            <a:endParaRPr sz="1400" dirty="0">
+              <a:t>Cloud</a:t>
+            </a:r>
+            <a:r>
+              <a:rPr sz="1400" b="1" spc="-45">
+                <a:solidFill>
+                  <a:srgbClr val="020302"/>
+                </a:solidFill>
+                <a:latin typeface="Adobe Clean"/>
+                <a:cs typeface="Adobe Clean"/>
+              </a:rPr>
+              <a:t> </a:t>
+            </a:r>
+            <a:r>
+              <a:rPr sz="1400" b="1" spc="-15">
+                <a:solidFill>
+                  <a:srgbClr val="020302"/>
+                </a:solidFill>
+                <a:latin typeface="Adobe Clean"/>
+                <a:cs typeface="Adobe Clean"/>
+              </a:rPr>
+              <a:t>Support</a:t>
+            </a:r>
+            <a:r>
+              <a:rPr sz="1400" b="1" spc="-50">
+                <a:solidFill>
+                  <a:srgbClr val="020302"/>
+                </a:solidFill>
+                <a:latin typeface="Adobe Clean"/>
+                <a:cs typeface="Adobe Clean"/>
+              </a:rPr>
+              <a:t> </a:t>
+            </a:r>
+            <a:r>
+              <a:rPr sz="1400" b="1" spc="-15">
+                <a:solidFill>
+                  <a:srgbClr val="020302"/>
+                </a:solidFill>
+                <a:latin typeface="Adobe Clean"/>
+                <a:cs typeface="Adobe Clean"/>
+              </a:rPr>
+              <a:t>Activities</a:t>
+            </a:r>
+            <a:r>
+              <a:rPr lang="en-US" sz="1400" b="1" spc="-15">
+                <a:solidFill>
+                  <a:srgbClr val="020302"/>
+                </a:solidFill>
+                <a:latin typeface="Adobe Clean"/>
+                <a:cs typeface="Adobe Clean"/>
+              </a:rPr>
+              <a:t> - AEM</a:t>
+            </a:r>
+            <a:endParaRPr sz="1400">
               <a:latin typeface="Adobe Clean"/>
               <a:cs typeface="Adobe Clean"/>
             </a:endParaRPr>
@@ -12549,10 +13696,6 @@
           </p:nvPr>
         </p:nvSpPr>
         <p:spPr>
-          <a:xfrm>
-            <a:off x="97787" y="9861194"/>
-            <a:ext cx="2874013" cy="133370"/>
-          </a:xfrm>
           <a:prstGeom prst="rect">
             <a:avLst/>
           </a:prstGeom>
@@ -12572,32 +13715,36 @@
               </a:spcBef>
             </a:pPr>
             <a:r>
-              <a:rPr lang="de-de" spc="-5" dirty="0"/>
-              <a:t>© 2021 Adobe. All</a:t>
-            </a:r>
-            <a:r>
-              <a:rPr lang="de-de" spc="-15" dirty="0"/>
+              <a:rPr spc="-5"/>
+              <a:t>©2021 Adobe. All</a:t>
+            </a:r>
+            <a:r>
+              <a:rPr spc="-15"/>
               <a:t> Rights</a:t>
             </a:r>
             <a:r>
-              <a:rPr lang="de-de" spc="-10" dirty="0"/>
+              <a:rPr spc="-10"/>
               <a:t> </a:t>
             </a:r>
             <a:r>
-              <a:rPr lang="de-de" spc="-15" dirty="0"/>
-              <a:t>Reserved。</a:t>
-            </a:r>
-            <a:r>
-              <a:rPr lang="de-de" spc="-5" dirty="0"/>
+              <a:rPr spc="-15"/>
+              <a:t>Reserved.</a:t>
+            </a:r>
+            <a:r>
+              <a:rPr spc="-10"/>
+              <a:t> </a:t>
+            </a:r>
+            <a:r>
+              <a:rPr spc="-5"/>
               <a:t>Adobe</a:t>
             </a:r>
             <a:r>
-              <a:rPr lang="de-de" spc="60" dirty="0"/>
+              <a:rPr spc="60"/>
               <a:t> </a:t>
             </a:r>
             <a:r>
-              <a:rPr lang="de-de" spc="-15" dirty="0"/>
-              <a:t> 機密資訊。</a:t>
+              <a:rPr spc="-15"/>
+              <a:t>Confidential.</a:t>
             </a:r>
           </a:p>
         </p:txBody>
@@ -12653,8 +13800,8 @@
           <a:p>
             <a:pPr algn="ctr"/>
             <a:r>
-              <a:rPr lang="de-de" sz="1600" dirty="0"/>
-              <a:t>執行與營運</a:t>
+              <a:rPr lang="en-US" sz="1600"/>
+              <a:t>Run &amp; Operate</a:t>
             </a:r>
           </a:p>
         </p:txBody>
@@ -12710,8 +13857,8 @@
           <a:p>
             <a:pPr algn="ctr"/>
             <a:r>
-              <a:rPr lang="de-de" sz="1600" dirty="0"/>
-              <a:t>實作</a:t>
+              <a:rPr lang="en-US" sz="1600"/>
+              <a:t>Implementation</a:t>
             </a:r>
           </a:p>
         </p:txBody>
@@ -12746,8 +13893,8 @@
           <a:p>
             <a:pPr algn="ctr"/>
             <a:r>
-              <a:rPr lang="de-de" sz="1100" dirty="0"/>
-              <a:t>啟動後</a:t>
+              <a:rPr lang="en-US" sz="1100"/>
+              <a:t>Post Launch</a:t>
             </a:r>
           </a:p>
         </p:txBody>
@@ -12782,8 +13929,8 @@
           <a:p>
             <a:pPr algn="ctr"/>
             <a:r>
-              <a:rPr lang="de-de" sz="1100" dirty="0"/>
-              <a:t>上線</a:t>
+              <a:rPr lang="en-US" sz="1100"/>
+              <a:t>Go-Live</a:t>
             </a:r>
           </a:p>
         </p:txBody>
@@ -12818,8 +13965,8 @@
           <a:p>
             <a:pPr algn="ctr"/>
             <a:r>
-              <a:rPr lang="de-de" sz="1100" dirty="0"/>
-              <a:t>定義</a:t>
+              <a:rPr lang="en-US" sz="1100"/>
+              <a:t>Define</a:t>
             </a:r>
           </a:p>
         </p:txBody>
@@ -12854,8 +14001,8 @@
           <a:p>
             <a:pPr algn="ctr"/>
             <a:r>
-              <a:rPr lang="de-de" sz="1100" dirty="0"/>
-              <a:t>開展</a:t>
+              <a:rPr lang="en-US" sz="1100"/>
+              <a:t>Kickoff</a:t>
             </a:r>
           </a:p>
         </p:txBody>
@@ -12890,8 +14037,8 @@
           <a:p>
             <a:pPr algn="ctr"/>
             <a:r>
-              <a:rPr lang="de-de" sz="1100" dirty="0"/>
-              <a:t>設計</a:t>
+              <a:rPr lang="en-US" sz="1100"/>
+              <a:t>Design</a:t>
             </a:r>
           </a:p>
         </p:txBody>
@@ -12948,14 +14095,14 @@
           <a:p>
             <a:pPr algn="ctr"/>
             <a:r>
-              <a:rPr lang="de-de" sz="1400" dirty="0">
+              <a:rPr lang="en-US" sz="1400">
                 <a:solidFill>
                   <a:schemeClr val="accent1">
                     <a:lumMod val="50000"/>
                   </a:schemeClr>
                 </a:solidFill>
               </a:rPr>
-              <a:t>每年 4 個活動</a:t>
+              <a:t>4 Activities per Year</a:t>
             </a:r>
           </a:p>
         </p:txBody>
@@ -12996,15 +14143,15 @@
               </a:spcBef>
             </a:pPr>
             <a:r>
-              <a:rPr lang="de-de" sz="1000" dirty="0">
+              <a:rPr lang="en-US" sz="1000">
                 <a:solidFill>
                   <a:srgbClr val="4B4B4B"/>
                 </a:solidFill>
                 <a:latin typeface="Adobe Clean Light" panose="020B0303020404020204" pitchFamily="34" charset="0"/>
               </a:rPr>
-              <a:t>推動採用 AEM as a Cloud Service 中的自訂最佳實務和核心元件</a:t>
-            </a:r>
-            <a:endParaRPr sz="1000" dirty="0">
+              <a:t>Drive adoption of customization best practices and core components in AEM as a Cloud Service.</a:t>
+            </a:r>
+            <a:endParaRPr sz="1000">
               <a:solidFill>
                 <a:srgbClr val="4B4B4B"/>
               </a:solidFill>
@@ -13049,15 +14196,15 @@
               </a:spcBef>
             </a:pPr>
             <a:r>
-              <a:rPr lang="de-de" sz="1000" dirty="0">
+              <a:rPr lang="en-US" sz="1000">
                 <a:solidFill>
                   <a:srgbClr val="4B4B4B"/>
                 </a:solidFill>
                 <a:latin typeface="Adobe Clean Light" panose="020B0303020404020204" pitchFamily="34" charset="0"/>
               </a:rPr>
-              <a:t>識別、審查有機會最佳化的自訂解決方案採用領域，並提供相關建議</a:t>
-            </a:r>
-            <a:endParaRPr sz="1000" dirty="0">
+              <a:t>Identify, review and provide recommendations on customized solution adoption areas that have opportunities for optimization.</a:t>
+            </a:r>
+            <a:endParaRPr sz="1000">
               <a:solidFill>
                 <a:srgbClr val="4B4B4B"/>
               </a:solidFill>
@@ -13102,15 +14249,15 @@
               </a:spcBef>
             </a:pPr>
             <a:r>
-              <a:rPr lang="de-de" sz="1000" dirty="0">
+              <a:rPr lang="en-US" sz="1000">
                 <a:solidFill>
                   <a:srgbClr val="4B4B4B"/>
                 </a:solidFill>
                 <a:latin typeface="Adobe Clean Light" panose="020B0303020404020204" pitchFamily="34" charset="0"/>
               </a:rPr>
-              <a:t>為了協助 AEM as a Cloud Service 客戶遵守 AEM as a Cloud Service 的產業標準和最佳實務所進行的技術與營運控管</a:t>
-            </a:r>
-            <a:endParaRPr sz="1000" dirty="0">
+              <a:t>Technical &amp; operational governance to assist AEM as a Cloud Service Customers in adhering to industry standards and best practices for AEM as a Cloud Service.</a:t>
+            </a:r>
+            <a:endParaRPr sz="1000">
               <a:solidFill>
                 <a:srgbClr val="4B4B4B"/>
               </a:solidFill>
@@ -13146,30 +14293,497 @@
           </a:bodyPr>
           <a:lstStyle/>
           <a:p>
-            <a:pPr algn="l"/>
-            <a:r>
-              <a:rPr lang="en-US" altLang="zh-TW" sz="1200" b="1" spc="-25" dirty="0">
+            <a:pPr marL="12700">
+              <a:lnSpc>
+                <a:spcPct val="100000"/>
+              </a:lnSpc>
+              <a:spcBef>
+                <a:spcPts val="100"/>
+              </a:spcBef>
+            </a:pPr>
+            <a:r>
+              <a:rPr lang="en-US" sz="1200" b="1" spc="-15">
                 <a:solidFill>
                   <a:srgbClr val="020302"/>
                 </a:solidFill>
                 <a:latin typeface="Adobe Clean"/>
-              </a:rPr>
-              <a:t>AEM as a Cloud Service </a:t>
-            </a:r>
-            <a:r>
-              <a:rPr lang="zh-TW" altLang="en-US" sz="1200" b="1" spc="-25" dirty="0">
+                <a:cs typeface="Adobe Clean"/>
+              </a:rPr>
+              <a:t>C</a:t>
+            </a:r>
+            <a:r>
+              <a:rPr lang="en-US" sz="1200" b="1" spc="-20">
                 <a:solidFill>
                   <a:srgbClr val="020302"/>
                 </a:solidFill>
                 <a:latin typeface="Adobe Clean"/>
-              </a:rPr>
-              <a:t>的自訂最佳實務</a:t>
-            </a:r>
-            <a:endParaRPr lang="en-US" sz="1200" b="1" spc="-25" dirty="0">
-              <a:solidFill>
-                <a:srgbClr val="020302"/>
-              </a:solidFill>
+                <a:cs typeface="Adobe Clean"/>
+              </a:rPr>
+              <a:t>u</a:t>
+            </a:r>
+            <a:r>
+              <a:rPr lang="en-US" sz="1200" b="1" spc="-25">
+                <a:solidFill>
+                  <a:srgbClr val="020302"/>
+                </a:solidFill>
+                <a:latin typeface="Adobe Clean"/>
+                <a:cs typeface="Adobe Clean"/>
+              </a:rPr>
+              <a:t>st</a:t>
+            </a:r>
+            <a:r>
+              <a:rPr lang="en-US" sz="1200" b="1" spc="-15">
+                <a:solidFill>
+                  <a:srgbClr val="020302"/>
+                </a:solidFill>
+                <a:latin typeface="Adobe Clean"/>
+                <a:cs typeface="Adobe Clean"/>
+              </a:rPr>
+              <a:t>o</a:t>
+            </a:r>
+            <a:r>
+              <a:rPr lang="en-US" sz="1200" b="1" spc="-20">
+                <a:solidFill>
+                  <a:srgbClr val="020302"/>
+                </a:solidFill>
+                <a:latin typeface="Adobe Clean"/>
+                <a:cs typeface="Adobe Clean"/>
+              </a:rPr>
+              <a:t>miza</a:t>
+            </a:r>
+            <a:r>
+              <a:rPr lang="en-US" sz="1200" b="1" spc="-25">
+                <a:solidFill>
+                  <a:srgbClr val="020302"/>
+                </a:solidFill>
+                <a:latin typeface="Adobe Clean"/>
+                <a:cs typeface="Adobe Clean"/>
+              </a:rPr>
+              <a:t>t</a:t>
+            </a:r>
+            <a:r>
+              <a:rPr lang="en-US" sz="1200" b="1" spc="-20">
+                <a:solidFill>
+                  <a:srgbClr val="020302"/>
+                </a:solidFill>
+                <a:latin typeface="Adobe Clean"/>
+                <a:cs typeface="Adobe Clean"/>
+              </a:rPr>
+              <a:t>i</a:t>
+            </a:r>
+            <a:r>
+              <a:rPr lang="en-US" sz="1200" b="1" spc="-15">
+                <a:solidFill>
+                  <a:srgbClr val="020302"/>
+                </a:solidFill>
+                <a:latin typeface="Adobe Clean"/>
+                <a:cs typeface="Adobe Clean"/>
+              </a:rPr>
+              <a:t>o</a:t>
+            </a:r>
+            <a:r>
+              <a:rPr lang="en-US" sz="1200" b="1">
+                <a:solidFill>
+                  <a:srgbClr val="020302"/>
+                </a:solidFill>
+                <a:latin typeface="Adobe Clean"/>
+                <a:cs typeface="Adobe Clean"/>
+              </a:rPr>
+              <a:t>n</a:t>
+            </a:r>
+            <a:r>
+              <a:rPr lang="en-US" sz="1200" b="1" spc="-50">
+                <a:solidFill>
+                  <a:srgbClr val="020302"/>
+                </a:solidFill>
+                <a:latin typeface="Adobe Clean"/>
+                <a:cs typeface="Adobe Clean"/>
+              </a:rPr>
+              <a:t> </a:t>
+            </a:r>
+            <a:r>
+              <a:rPr lang="en-US" sz="1200" b="1" spc="-20">
+                <a:solidFill>
+                  <a:srgbClr val="020302"/>
+                </a:solidFill>
+                <a:latin typeface="Adobe Clean"/>
+                <a:cs typeface="Adobe Clean"/>
+              </a:rPr>
+              <a:t>B</a:t>
+            </a:r>
+            <a:r>
+              <a:rPr lang="en-US" sz="1200" b="1" spc="-25">
+                <a:solidFill>
+                  <a:srgbClr val="020302"/>
+                </a:solidFill>
+                <a:latin typeface="Adobe Clean"/>
+                <a:cs typeface="Adobe Clean"/>
+              </a:rPr>
+              <a:t>es</a:t>
+            </a:r>
+            <a:r>
+              <a:rPr lang="en-US" sz="1200" b="1">
+                <a:solidFill>
+                  <a:srgbClr val="020302"/>
+                </a:solidFill>
+                <a:latin typeface="Adobe Clean"/>
+                <a:cs typeface="Adobe Clean"/>
+              </a:rPr>
+              <a:t>t</a:t>
+            </a:r>
+            <a:r>
+              <a:rPr lang="en-US" sz="1200" b="1" spc="-50">
+                <a:solidFill>
+                  <a:srgbClr val="020302"/>
+                </a:solidFill>
+                <a:latin typeface="Adobe Clean"/>
+                <a:cs typeface="Adobe Clean"/>
+              </a:rPr>
+              <a:t> </a:t>
+            </a:r>
+            <a:r>
+              <a:rPr lang="en-US" sz="1200" b="1" spc="-25">
+                <a:solidFill>
+                  <a:srgbClr val="020302"/>
+                </a:solidFill>
+                <a:latin typeface="Adobe Clean"/>
+                <a:cs typeface="Adobe Clean"/>
+              </a:rPr>
+              <a:t>P</a:t>
+            </a:r>
+            <a:r>
+              <a:rPr lang="en-US" sz="1200" b="1" spc="-20">
+                <a:solidFill>
+                  <a:srgbClr val="020302"/>
+                </a:solidFill>
+                <a:latin typeface="Adobe Clean"/>
+                <a:cs typeface="Adobe Clean"/>
+              </a:rPr>
+              <a:t>ra</a:t>
+            </a:r>
+            <a:r>
+              <a:rPr lang="en-US" sz="1200" b="1" spc="-30">
+                <a:solidFill>
+                  <a:srgbClr val="020302"/>
+                </a:solidFill>
+                <a:latin typeface="Adobe Clean"/>
+                <a:cs typeface="Adobe Clean"/>
+              </a:rPr>
+              <a:t>c</a:t>
+            </a:r>
+            <a:r>
+              <a:rPr lang="en-US" sz="1200" b="1" spc="-25">
+                <a:solidFill>
+                  <a:srgbClr val="020302"/>
+                </a:solidFill>
+                <a:latin typeface="Adobe Clean"/>
+                <a:cs typeface="Adobe Clean"/>
+              </a:rPr>
+              <a:t>t</a:t>
+            </a:r>
+            <a:r>
+              <a:rPr lang="en-US" sz="1200" b="1" spc="-20">
+                <a:solidFill>
+                  <a:srgbClr val="020302"/>
+                </a:solidFill>
+                <a:latin typeface="Adobe Clean"/>
+                <a:cs typeface="Adobe Clean"/>
+              </a:rPr>
+              <a:t>i</a:t>
+            </a:r>
+            <a:r>
+              <a:rPr lang="en-US" sz="1200" b="1" spc="-30">
+                <a:solidFill>
+                  <a:srgbClr val="020302"/>
+                </a:solidFill>
+                <a:latin typeface="Adobe Clean"/>
+                <a:cs typeface="Adobe Clean"/>
+              </a:rPr>
+              <a:t>c</a:t>
+            </a:r>
+            <a:r>
+              <a:rPr lang="en-US" sz="1200" b="1" spc="-25">
+                <a:solidFill>
+                  <a:srgbClr val="020302"/>
+                </a:solidFill>
+                <a:latin typeface="Adobe Clean"/>
+                <a:cs typeface="Adobe Clean"/>
+              </a:rPr>
+              <a:t>e</a:t>
+            </a:r>
+            <a:r>
+              <a:rPr lang="en-US" sz="1200" b="1">
+                <a:solidFill>
+                  <a:srgbClr val="020302"/>
+                </a:solidFill>
+                <a:latin typeface="Adobe Clean"/>
+                <a:cs typeface="Adobe Clean"/>
+              </a:rPr>
+              <a:t>s</a:t>
+            </a:r>
+            <a:r>
+              <a:rPr lang="en-US" sz="1200" b="1" spc="-45">
+                <a:solidFill>
+                  <a:srgbClr val="020302"/>
+                </a:solidFill>
+                <a:latin typeface="Adobe Clean"/>
+                <a:cs typeface="Adobe Clean"/>
+              </a:rPr>
+              <a:t> </a:t>
+            </a:r>
+            <a:r>
+              <a:rPr lang="en-US" sz="1200" b="1" spc="-25">
+                <a:solidFill>
+                  <a:srgbClr val="020302"/>
+                </a:solidFill>
+                <a:latin typeface="Adobe Clean"/>
+                <a:cs typeface="Adobe Clean"/>
+              </a:rPr>
+              <a:t>f</a:t>
+            </a:r>
+            <a:r>
+              <a:rPr lang="en-US" sz="1200" b="1" spc="-15">
+                <a:solidFill>
+                  <a:srgbClr val="020302"/>
+                </a:solidFill>
+                <a:latin typeface="Adobe Clean"/>
+                <a:cs typeface="Adobe Clean"/>
+              </a:rPr>
+              <a:t>o</a:t>
+            </a:r>
+            <a:r>
+              <a:rPr lang="en-US" sz="1200" b="1">
+                <a:solidFill>
+                  <a:srgbClr val="020302"/>
+                </a:solidFill>
+                <a:latin typeface="Adobe Clean"/>
+                <a:cs typeface="Adobe Clean"/>
+              </a:rPr>
+              <a:t>r</a:t>
+            </a:r>
+            <a:r>
+              <a:rPr lang="en-US" sz="1200" b="1" spc="-45">
+                <a:solidFill>
+                  <a:srgbClr val="020302"/>
+                </a:solidFill>
+                <a:latin typeface="Adobe Clean"/>
+                <a:cs typeface="Adobe Clean"/>
+              </a:rPr>
+              <a:t> </a:t>
+            </a:r>
+            <a:r>
+              <a:rPr lang="en-US" sz="1200" b="1" spc="-30">
+                <a:solidFill>
+                  <a:srgbClr val="020302"/>
+                </a:solidFill>
+                <a:latin typeface="Adobe Clean"/>
+                <a:cs typeface="Adobe Clean"/>
+              </a:rPr>
+              <a:t>AE</a:t>
+            </a:r>
+            <a:r>
+              <a:rPr lang="en-US" sz="1200" b="1">
+                <a:solidFill>
+                  <a:srgbClr val="020302"/>
+                </a:solidFill>
+                <a:latin typeface="Adobe Clean"/>
+                <a:cs typeface="Adobe Clean"/>
+              </a:rPr>
+              <a:t>M</a:t>
+            </a:r>
+            <a:r>
+              <a:rPr lang="en-US" sz="1200" b="1" spc="-55">
+                <a:solidFill>
+                  <a:srgbClr val="020302"/>
+                </a:solidFill>
+                <a:latin typeface="Adobe Clean"/>
+                <a:cs typeface="Adobe Clean"/>
+              </a:rPr>
+              <a:t> </a:t>
+            </a:r>
+            <a:r>
+              <a:rPr lang="en-US" sz="1200" b="1" spc="-20">
+                <a:solidFill>
+                  <a:srgbClr val="020302"/>
+                </a:solidFill>
+                <a:latin typeface="Adobe Clean"/>
+                <a:cs typeface="Adobe Clean"/>
+              </a:rPr>
+              <a:t>a</a:t>
+            </a:r>
+            <a:r>
+              <a:rPr lang="en-US" sz="1200" b="1">
+                <a:solidFill>
+                  <a:srgbClr val="020302"/>
+                </a:solidFill>
+                <a:latin typeface="Adobe Clean"/>
+                <a:cs typeface="Adobe Clean"/>
+              </a:rPr>
+              <a:t>s</a:t>
+            </a:r>
+            <a:r>
+              <a:rPr lang="en-US" sz="1200" b="1" spc="-45">
+                <a:solidFill>
+                  <a:srgbClr val="020302"/>
+                </a:solidFill>
+                <a:latin typeface="Adobe Clean"/>
+                <a:cs typeface="Adobe Clean"/>
+              </a:rPr>
+              <a:t> </a:t>
+            </a:r>
+            <a:r>
+              <a:rPr lang="en-US" sz="1200" b="1">
+                <a:solidFill>
+                  <a:srgbClr val="020302"/>
+                </a:solidFill>
+                <a:latin typeface="Adobe Clean"/>
+                <a:cs typeface="Adobe Clean"/>
+              </a:rPr>
+              <a:t>a</a:t>
+            </a:r>
+            <a:r>
+              <a:rPr lang="en-US" sz="1200" b="1" spc="-45">
+                <a:solidFill>
+                  <a:srgbClr val="020302"/>
+                </a:solidFill>
+                <a:latin typeface="Adobe Clean"/>
+                <a:cs typeface="Adobe Clean"/>
+              </a:rPr>
+              <a:t> </a:t>
+            </a:r>
+            <a:r>
+              <a:rPr lang="en-US" sz="1200" b="1" spc="-15">
+                <a:solidFill>
+                  <a:srgbClr val="020302"/>
+                </a:solidFill>
+                <a:latin typeface="Adobe Clean"/>
+                <a:cs typeface="Adobe Clean"/>
+              </a:rPr>
+              <a:t>C</a:t>
+            </a:r>
+            <a:r>
+              <a:rPr lang="en-US" sz="1200" b="1" spc="-25">
+                <a:solidFill>
+                  <a:srgbClr val="020302"/>
+                </a:solidFill>
+                <a:latin typeface="Adobe Clean"/>
+                <a:cs typeface="Adobe Clean"/>
+              </a:rPr>
+              <a:t>l</a:t>
+            </a:r>
+            <a:r>
+              <a:rPr lang="en-US" sz="1200" b="1" spc="-15">
+                <a:solidFill>
+                  <a:srgbClr val="020302"/>
+                </a:solidFill>
+                <a:latin typeface="Adobe Clean"/>
+                <a:cs typeface="Adobe Clean"/>
+              </a:rPr>
+              <a:t>o</a:t>
+            </a:r>
+            <a:r>
+              <a:rPr lang="en-US" sz="1200" b="1" spc="-20">
+                <a:solidFill>
+                  <a:srgbClr val="020302"/>
+                </a:solidFill>
+                <a:latin typeface="Adobe Clean"/>
+                <a:cs typeface="Adobe Clean"/>
+              </a:rPr>
+              <a:t>u</a:t>
+            </a:r>
+            <a:r>
+              <a:rPr lang="en-US" sz="1200" b="1">
+                <a:solidFill>
+                  <a:srgbClr val="020302"/>
+                </a:solidFill>
+                <a:latin typeface="Adobe Clean"/>
+                <a:cs typeface="Adobe Clean"/>
+              </a:rPr>
+              <a:t>d</a:t>
+            </a:r>
+            <a:r>
+              <a:rPr lang="en-US" sz="1200" b="1" spc="-50">
+                <a:solidFill>
+                  <a:srgbClr val="020302"/>
+                </a:solidFill>
+                <a:latin typeface="Adobe Clean"/>
+                <a:cs typeface="Adobe Clean"/>
+              </a:rPr>
+              <a:t> </a:t>
+            </a:r>
+            <a:r>
+              <a:rPr lang="en-US" sz="1200" b="1" spc="-20">
+                <a:solidFill>
+                  <a:srgbClr val="020302"/>
+                </a:solidFill>
+                <a:latin typeface="Adobe Clean"/>
+                <a:cs typeface="Adobe Clean"/>
+              </a:rPr>
+              <a:t>S</a:t>
+            </a:r>
+            <a:r>
+              <a:rPr lang="en-US" sz="1200" b="1" spc="-25">
+                <a:solidFill>
+                  <a:srgbClr val="020302"/>
+                </a:solidFill>
+                <a:latin typeface="Adobe Clean"/>
+                <a:cs typeface="Adobe Clean"/>
+              </a:rPr>
+              <a:t>e</a:t>
+            </a:r>
+            <a:r>
+              <a:rPr lang="en-US" sz="1200" b="1" spc="-20">
+                <a:solidFill>
+                  <a:srgbClr val="020302"/>
+                </a:solidFill>
+                <a:latin typeface="Adobe Clean"/>
+                <a:cs typeface="Adobe Clean"/>
+              </a:rPr>
+              <a:t>r</a:t>
+            </a:r>
+            <a:r>
+              <a:rPr lang="en-US" sz="1200" b="1" spc="-30">
+                <a:solidFill>
+                  <a:srgbClr val="020302"/>
+                </a:solidFill>
+                <a:latin typeface="Adobe Clean"/>
+                <a:cs typeface="Adobe Clean"/>
+              </a:rPr>
+              <a:t>v</a:t>
+            </a:r>
+            <a:r>
+              <a:rPr lang="en-US" sz="1200" b="1" spc="-20">
+                <a:solidFill>
+                  <a:srgbClr val="020302"/>
+                </a:solidFill>
+                <a:latin typeface="Adobe Clean"/>
+                <a:cs typeface="Adobe Clean"/>
+              </a:rPr>
+              <a:t>i</a:t>
+            </a:r>
+            <a:r>
+              <a:rPr lang="en-US" sz="1200" b="1" spc="-30">
+                <a:solidFill>
+                  <a:srgbClr val="020302"/>
+                </a:solidFill>
+                <a:latin typeface="Adobe Clean"/>
+                <a:cs typeface="Adobe Clean"/>
+              </a:rPr>
+              <a:t>c</a:t>
+            </a:r>
+            <a:r>
+              <a:rPr lang="en-US" sz="1200" b="1">
+                <a:solidFill>
+                  <a:srgbClr val="020302"/>
+                </a:solidFill>
+                <a:latin typeface="Adobe Clean"/>
+                <a:cs typeface="Adobe Clean"/>
+              </a:rPr>
+              <a:t>e</a:t>
+            </a:r>
+            <a:endParaRPr lang="en-US" sz="1200">
               <a:latin typeface="Adobe Clean"/>
+              <a:cs typeface="Adobe Clean"/>
             </a:endParaRPr>
           </a:p>
         </p:txBody>
@@ -13210,16 +14824,16 @@
               </a:spcBef>
             </a:pPr>
             <a:r>
-              <a:rPr lang="de-de" sz="1200" b="1" spc="-25" dirty="0">
+              <a:rPr lang="en-US" sz="1200" b="1" spc="-25">
                 <a:solidFill>
                   <a:srgbClr val="020302"/>
                 </a:solidFill>
                 <a:latin typeface="Adobe Clean"/>
                 <a:cs typeface="Adobe Clean"/>
               </a:rPr>
-              <a:t>AEM as a Cloud Service 的增值服務</a:t>
-            </a:r>
-            <a:endParaRPr lang="en-US" sz="1200" dirty="0">
+              <a:t>Value-added Services for AEM as a Cloud Service</a:t>
+            </a:r>
+            <a:endParaRPr lang="en-US" sz="1200">
               <a:latin typeface="Adobe Clean"/>
               <a:cs typeface="Adobe Clean"/>
             </a:endParaRPr>
@@ -13240,8 +14854,8 @@
         </p:nvSpPr>
         <p:spPr>
           <a:xfrm>
-            <a:off x="381000" y="908304"/>
-            <a:ext cx="2169428" cy="276999"/>
+            <a:off x="381000" y="908303"/>
+            <a:ext cx="1998943" cy="461665"/>
           </a:xfrm>
           <a:prstGeom prst="rect">
             <a:avLst/>
@@ -13262,769 +14876,362 @@
               </a:spcBef>
             </a:pPr>
             <a:r>
-              <a:rPr lang="de-de" sz="1200" b="1" spc="-25" dirty="0">
+              <a:rPr lang="en-US" sz="1200" b="1" spc="-20">
                 <a:solidFill>
                   <a:srgbClr val="020302"/>
                 </a:solidFill>
                 <a:latin typeface="Adobe Clean"/>
+                <a:cs typeface="Adobe Clean"/>
+              </a:rPr>
+              <a:t>G</a:t>
+            </a:r>
+            <a:r>
+              <a:rPr lang="en-US" sz="1200" b="1" spc="-15">
+                <a:solidFill>
+                  <a:srgbClr val="020302"/>
+                </a:solidFill>
+                <a:latin typeface="Adobe Clean"/>
+                <a:cs typeface="Adobe Clean"/>
+              </a:rPr>
+              <a:t>o</a:t>
+            </a:r>
+            <a:r>
+              <a:rPr lang="en-US" sz="1200" b="1" spc="-25">
+                <a:solidFill>
+                  <a:srgbClr val="020302"/>
+                </a:solidFill>
+                <a:latin typeface="Adobe Clean"/>
+                <a:cs typeface="Adobe Clean"/>
+              </a:rPr>
+              <a:t>ve</a:t>
+            </a:r>
+            <a:r>
+              <a:rPr lang="en-US" sz="1200" b="1" spc="-20">
+                <a:solidFill>
+                  <a:srgbClr val="020302"/>
+                </a:solidFill>
+                <a:latin typeface="Adobe Clean"/>
+                <a:cs typeface="Adobe Clean"/>
+              </a:rPr>
+              <a:t>r</a:t>
+            </a:r>
+            <a:r>
+              <a:rPr lang="en-US" sz="1200" b="1" spc="-25">
+                <a:solidFill>
+                  <a:srgbClr val="020302"/>
+                </a:solidFill>
+                <a:latin typeface="Adobe Clean"/>
+                <a:cs typeface="Adobe Clean"/>
+              </a:rPr>
+              <a:t>n</a:t>
+            </a:r>
+            <a:r>
+              <a:rPr lang="en-US" sz="1200" b="1" spc="-20">
+                <a:solidFill>
+                  <a:srgbClr val="020302"/>
+                </a:solidFill>
+                <a:latin typeface="Adobe Clean"/>
+                <a:cs typeface="Adobe Clean"/>
+              </a:rPr>
+              <a:t>a</a:t>
+            </a:r>
+            <a:r>
+              <a:rPr lang="en-US" sz="1200" b="1" spc="-25">
+                <a:solidFill>
+                  <a:srgbClr val="020302"/>
+                </a:solidFill>
+                <a:latin typeface="Adobe Clean"/>
+                <a:cs typeface="Adobe Clean"/>
+              </a:rPr>
+              <a:t>n</a:t>
+            </a:r>
+            <a:r>
+              <a:rPr lang="en-US" sz="1200" b="1" spc="-30">
+                <a:solidFill>
+                  <a:srgbClr val="020302"/>
+                </a:solidFill>
+                <a:latin typeface="Adobe Clean"/>
+                <a:cs typeface="Adobe Clean"/>
+              </a:rPr>
+              <a:t>c</a:t>
+            </a:r>
+            <a:r>
+              <a:rPr lang="en-US" sz="1200" b="1">
+                <a:solidFill>
+                  <a:srgbClr val="020302"/>
+                </a:solidFill>
+                <a:latin typeface="Adobe Clean"/>
+                <a:cs typeface="Adobe Clean"/>
+              </a:rPr>
+              <a:t>e</a:t>
+            </a:r>
+            <a:r>
+              <a:rPr lang="en-US" sz="1200" b="1" spc="-50">
+                <a:solidFill>
+                  <a:srgbClr val="020302"/>
+                </a:solidFill>
+                <a:latin typeface="Adobe Clean"/>
+                <a:cs typeface="Adobe Clean"/>
               </a:rPr>
               <a:t> </a:t>
             </a:r>
             <a:r>
-              <a:rPr lang="pt-BR" altLang="zh-TW" sz="1200" b="1" spc="-25" dirty="0">
+              <a:rPr lang="en-US" sz="1200" b="1" spc="-25">
                 <a:solidFill>
                   <a:srgbClr val="020302"/>
                 </a:solidFill>
                 <a:latin typeface="Adobe Clean"/>
-              </a:rPr>
-              <a:t>AEM as a Cloud Service </a:t>
-            </a:r>
-            <a:r>
-              <a:rPr lang="zh-TW" altLang="pt-BR" sz="1200" b="1" spc="-25" dirty="0">
+                <a:cs typeface="Adobe Clean"/>
+              </a:rPr>
+              <a:t>f</a:t>
+            </a:r>
+            <a:r>
+              <a:rPr lang="en-US" sz="1200" b="1" spc="-15">
                 <a:solidFill>
                   <a:srgbClr val="020302"/>
                 </a:solidFill>
                 <a:latin typeface="Adobe Clean"/>
-              </a:rPr>
-              <a:t>的控管</a:t>
-            </a:r>
-            <a:endParaRPr lang="en-US" sz="1200" b="1" spc="-25" dirty="0">
-              <a:solidFill>
-                <a:srgbClr val="020302"/>
-              </a:solidFill>
+                <a:cs typeface="Adobe Clean"/>
+              </a:rPr>
+              <a:t>o</a:t>
+            </a:r>
+            <a:r>
+              <a:rPr lang="en-US" sz="1200" b="1">
+                <a:solidFill>
+                  <a:srgbClr val="020302"/>
+                </a:solidFill>
+                <a:latin typeface="Adobe Clean"/>
+                <a:cs typeface="Adobe Clean"/>
+              </a:rPr>
+              <a:t>r</a:t>
+            </a:r>
+            <a:r>
+              <a:rPr lang="en-US" sz="1200" b="1" spc="-45">
+                <a:solidFill>
+                  <a:srgbClr val="020302"/>
+                </a:solidFill>
+                <a:latin typeface="Adobe Clean"/>
+                <a:cs typeface="Adobe Clean"/>
+              </a:rPr>
+              <a:t> </a:t>
+            </a:r>
+            <a:r>
+              <a:rPr lang="en-US" sz="1200" b="1" spc="-30">
+                <a:solidFill>
+                  <a:srgbClr val="020302"/>
+                </a:solidFill>
+                <a:latin typeface="Adobe Clean"/>
+                <a:cs typeface="Adobe Clean"/>
+              </a:rPr>
+              <a:t>A</a:t>
+            </a:r>
+            <a:r>
+              <a:rPr lang="en-US" sz="1200" b="1" spc="-25">
+                <a:solidFill>
+                  <a:srgbClr val="020302"/>
+                </a:solidFill>
+                <a:latin typeface="Adobe Clean"/>
+                <a:cs typeface="Adobe Clean"/>
+              </a:rPr>
+              <a:t>E</a:t>
+            </a:r>
+            <a:r>
+              <a:rPr lang="en-US" sz="1200" b="1">
+                <a:solidFill>
+                  <a:srgbClr val="020302"/>
+                </a:solidFill>
+                <a:latin typeface="Adobe Clean"/>
+                <a:cs typeface="Adobe Clean"/>
+              </a:rPr>
+              <a:t>M</a:t>
+            </a:r>
+            <a:r>
+              <a:rPr lang="en-US" sz="1200" b="1" spc="-50">
+                <a:solidFill>
+                  <a:srgbClr val="020302"/>
+                </a:solidFill>
+                <a:latin typeface="Adobe Clean"/>
+                <a:cs typeface="Adobe Clean"/>
+              </a:rPr>
+              <a:t> </a:t>
+            </a:r>
+            <a:r>
+              <a:rPr lang="en-US" sz="1200" b="1" spc="-20">
+                <a:solidFill>
+                  <a:srgbClr val="020302"/>
+                </a:solidFill>
+                <a:latin typeface="Adobe Clean"/>
+                <a:cs typeface="Adobe Clean"/>
+              </a:rPr>
+              <a:t>a</a:t>
+            </a:r>
+            <a:r>
+              <a:rPr lang="en-US" sz="1200" b="1">
+                <a:solidFill>
+                  <a:srgbClr val="020302"/>
+                </a:solidFill>
+                <a:latin typeface="Adobe Clean"/>
+                <a:cs typeface="Adobe Clean"/>
+              </a:rPr>
+              <a:t>s</a:t>
+            </a:r>
+            <a:r>
+              <a:rPr lang="en-US" sz="1200" b="1" spc="-45">
+                <a:solidFill>
+                  <a:srgbClr val="020302"/>
+                </a:solidFill>
+                <a:latin typeface="Adobe Clean"/>
+                <a:cs typeface="Adobe Clean"/>
+              </a:rPr>
+              <a:t> </a:t>
+            </a:r>
+            <a:r>
+              <a:rPr lang="en-US" sz="1200" b="1">
+                <a:solidFill>
+                  <a:srgbClr val="020302"/>
+                </a:solidFill>
+                <a:latin typeface="Adobe Clean"/>
+                <a:cs typeface="Adobe Clean"/>
+              </a:rPr>
+              <a:t>a</a:t>
+            </a:r>
+            <a:r>
+              <a:rPr lang="en-US" sz="1200" b="1" spc="-40">
+                <a:solidFill>
+                  <a:srgbClr val="020302"/>
+                </a:solidFill>
+                <a:latin typeface="Adobe Clean"/>
+                <a:cs typeface="Adobe Clean"/>
+              </a:rPr>
+              <a:t> </a:t>
+            </a:r>
+            <a:r>
+              <a:rPr lang="en-US" sz="1200" b="1" spc="-15">
+                <a:solidFill>
+                  <a:srgbClr val="020302"/>
+                </a:solidFill>
+                <a:latin typeface="Adobe Clean"/>
+                <a:cs typeface="Adobe Clean"/>
+              </a:rPr>
+              <a:t>C</a:t>
+            </a:r>
+            <a:r>
+              <a:rPr lang="en-US" sz="1200" b="1" spc="-25">
+                <a:solidFill>
+                  <a:srgbClr val="020302"/>
+                </a:solidFill>
+                <a:latin typeface="Adobe Clean"/>
+                <a:cs typeface="Adobe Clean"/>
+              </a:rPr>
+              <a:t>l</a:t>
+            </a:r>
+            <a:r>
+              <a:rPr lang="en-US" sz="1200" b="1" spc="-15">
+                <a:solidFill>
+                  <a:srgbClr val="020302"/>
+                </a:solidFill>
+                <a:latin typeface="Adobe Clean"/>
+                <a:cs typeface="Adobe Clean"/>
+              </a:rPr>
+              <a:t>ou</a:t>
+            </a:r>
+            <a:r>
+              <a:rPr lang="en-US" sz="1200" b="1">
+                <a:solidFill>
+                  <a:srgbClr val="020302"/>
+                </a:solidFill>
+                <a:latin typeface="Adobe Clean"/>
+                <a:cs typeface="Adobe Clean"/>
+              </a:rPr>
+              <a:t>d</a:t>
+            </a:r>
+            <a:r>
+              <a:rPr lang="en-US" sz="1200" b="1" spc="-50">
+                <a:solidFill>
+                  <a:srgbClr val="020302"/>
+                </a:solidFill>
+                <a:latin typeface="Adobe Clean"/>
+                <a:cs typeface="Adobe Clean"/>
+              </a:rPr>
+              <a:t> </a:t>
+            </a:r>
+            <a:r>
+              <a:rPr lang="en-US" sz="1200" b="1" spc="-20">
+                <a:solidFill>
+                  <a:srgbClr val="020302"/>
+                </a:solidFill>
+                <a:latin typeface="Adobe Clean"/>
+                <a:cs typeface="Adobe Clean"/>
+              </a:rPr>
+              <a:t>S</a:t>
+            </a:r>
+            <a:r>
+              <a:rPr lang="en-US" sz="1200" b="1" spc="-25">
+                <a:solidFill>
+                  <a:srgbClr val="020302"/>
+                </a:solidFill>
+                <a:latin typeface="Adobe Clean"/>
+                <a:cs typeface="Adobe Clean"/>
+              </a:rPr>
+              <a:t>e</a:t>
+            </a:r>
+            <a:r>
+              <a:rPr lang="en-US" sz="1200" b="1" spc="-20">
+                <a:solidFill>
+                  <a:srgbClr val="020302"/>
+                </a:solidFill>
+                <a:latin typeface="Adobe Clean"/>
+                <a:cs typeface="Adobe Clean"/>
+              </a:rPr>
+              <a:t>r</a:t>
+            </a:r>
+            <a:r>
+              <a:rPr lang="en-US" sz="1200" b="1" spc="-25">
+                <a:solidFill>
+                  <a:srgbClr val="020302"/>
+                </a:solidFill>
+                <a:latin typeface="Adobe Clean"/>
+                <a:cs typeface="Adobe Clean"/>
+              </a:rPr>
+              <a:t>v</a:t>
+            </a:r>
+            <a:r>
+              <a:rPr lang="en-US" sz="1200" b="1" spc="-20">
+                <a:solidFill>
+                  <a:srgbClr val="020302"/>
+                </a:solidFill>
+                <a:latin typeface="Adobe Clean"/>
+                <a:cs typeface="Adobe Clean"/>
+              </a:rPr>
+              <a:t>i</a:t>
+            </a:r>
+            <a:r>
+              <a:rPr lang="en-US" sz="1200" b="1" spc="-30">
+                <a:solidFill>
+                  <a:srgbClr val="020302"/>
+                </a:solidFill>
+                <a:latin typeface="Adobe Clean"/>
+                <a:cs typeface="Adobe Clean"/>
+              </a:rPr>
+              <a:t>c</a:t>
+            </a:r>
+            <a:r>
+              <a:rPr lang="en-US" sz="1200" b="1">
+                <a:solidFill>
+                  <a:srgbClr val="020302"/>
+                </a:solidFill>
+                <a:latin typeface="Adobe Clean"/>
+                <a:cs typeface="Adobe Clean"/>
+              </a:rPr>
+              <a:t>e</a:t>
+            </a:r>
+            <a:endParaRPr lang="en-US" sz="1200">
               <a:latin typeface="Adobe Clean"/>
+              <a:cs typeface="Adobe Clean"/>
             </a:endParaRPr>
           </a:p>
         </p:txBody>
       </p:sp>
-      <p:graphicFrame>
-        <p:nvGraphicFramePr>
-          <p:cNvPr id="57" name="Table 56">
-            <a:extLst>
-              <a:ext uri="{FF2B5EF4-FFF2-40B4-BE49-F238E27FC236}">
-                <a16:creationId xmlns:a16="http://schemas.microsoft.com/office/drawing/2014/main" id="{19B7BC6C-7A38-0348-ABEF-D81A995F6A90}"/>
-              </a:ext>
-            </a:extLst>
-          </p:cNvPr>
-          <p:cNvGraphicFramePr>
-            <a:graphicFrameLocks noGrp="1"/>
-          </p:cNvGraphicFramePr>
-          <p:nvPr>
-            <p:extLst>
-              <p:ext uri="{D42A27DB-BD31-4B8C-83A1-F6EECF244321}">
-                <p14:modId xmlns:p14="http://schemas.microsoft.com/office/powerpoint/2010/main" val="2908808709"/>
-              </p:ext>
-            </p:extLst>
-          </p:nvPr>
-        </p:nvGraphicFramePr>
-        <p:xfrm>
-          <a:off x="1524000" y="8077200"/>
-          <a:ext cx="609600" cy="457200"/>
-        </p:xfrm>
-        <a:graphic>
-          <a:graphicData uri="http://schemas.openxmlformats.org/drawingml/2006/table">
-            <a:tbl>
-              <a:tblPr>
-                <a:tableStyleId>{5C22544A-7EE6-4342-B048-85BDC9FD1C3A}</a:tableStyleId>
-              </a:tblPr>
-              <a:tblGrid>
-                <a:gridCol w="609600">
-                  <a:extLst>
-                    <a:ext uri="{9D8B030D-6E8A-4147-A177-3AD203B41FA5}">
-                      <a16:colId xmlns:a16="http://schemas.microsoft.com/office/drawing/2014/main" val="1835503658"/>
-                    </a:ext>
-                  </a:extLst>
-                </a:gridCol>
-              </a:tblGrid>
-              <a:tr h="457200">
-                <a:tc>
-                  <a:txBody>
-                    <a:bodyPr/>
-                    <a:lstStyle/>
-                    <a:p>
-                      <a:pPr algn="ctr" fontAlgn="b"/>
-                      <a:r>
-                        <a:rPr lang="ko-KR" altLang="en-US" sz="1100" u="none" strike="noStrike" dirty="0" err="1">
-                          <a:effectLst/>
-                        </a:rPr>
-                        <a:t>上市諮詢</a:t>
-                      </a:r>
-                      <a:endParaRPr lang="ko-KR" altLang="en-US" sz="1100" b="0" i="0" u="none" strike="noStrike" dirty="0">
-                        <a:solidFill>
-                          <a:srgbClr val="000000"/>
-                        </a:solidFill>
-                        <a:effectLst/>
-                        <a:latin typeface="Calibri" panose="020F0502020204030204" pitchFamily="34" charset="0"/>
-                      </a:endParaRPr>
-                    </a:p>
-                  </a:txBody>
-                  <a:tcPr marL="9525" marR="9525" marT="9525" marB="0" anchor="ctr">
-                    <a:solidFill>
-                      <a:schemeClr val="bg1"/>
-                    </a:solidFill>
-                  </a:tcPr>
-                </a:tc>
-                <a:extLst>
-                  <a:ext uri="{0D108BD9-81ED-4DB2-BD59-A6C34878D82A}">
-                    <a16:rowId xmlns:a16="http://schemas.microsoft.com/office/drawing/2014/main" val="2771767287"/>
-                  </a:ext>
-                </a:extLst>
-              </a:tr>
-            </a:tbl>
-          </a:graphicData>
-        </a:graphic>
-      </p:graphicFrame>
-      <p:graphicFrame>
-        <p:nvGraphicFramePr>
-          <p:cNvPr id="58" name="Table 57">
-            <a:extLst>
-              <a:ext uri="{FF2B5EF4-FFF2-40B4-BE49-F238E27FC236}">
-                <a16:creationId xmlns:a16="http://schemas.microsoft.com/office/drawing/2014/main" id="{1EBB4414-EEA2-EB49-9094-4DDFDB1CD555}"/>
-              </a:ext>
-            </a:extLst>
-          </p:cNvPr>
-          <p:cNvGraphicFramePr>
-            <a:graphicFrameLocks noGrp="1"/>
-          </p:cNvGraphicFramePr>
-          <p:nvPr>
-            <p:extLst>
-              <p:ext uri="{D42A27DB-BD31-4B8C-83A1-F6EECF244321}">
-                <p14:modId xmlns:p14="http://schemas.microsoft.com/office/powerpoint/2010/main" val="2132720020"/>
-              </p:ext>
-            </p:extLst>
-          </p:nvPr>
-        </p:nvGraphicFramePr>
-        <p:xfrm>
-          <a:off x="1524000" y="6934200"/>
-          <a:ext cx="609600" cy="457200"/>
-        </p:xfrm>
-        <a:graphic>
-          <a:graphicData uri="http://schemas.openxmlformats.org/drawingml/2006/table">
-            <a:tbl>
-              <a:tblPr>
-                <a:tableStyleId>{5C22544A-7EE6-4342-B048-85BDC9FD1C3A}</a:tableStyleId>
-              </a:tblPr>
-              <a:tblGrid>
-                <a:gridCol w="609600">
-                  <a:extLst>
-                    <a:ext uri="{9D8B030D-6E8A-4147-A177-3AD203B41FA5}">
-                      <a16:colId xmlns:a16="http://schemas.microsoft.com/office/drawing/2014/main" val="1835503658"/>
-                    </a:ext>
-                  </a:extLst>
-                </a:gridCol>
-              </a:tblGrid>
-              <a:tr h="457200">
-                <a:tc>
-                  <a:txBody>
-                    <a:bodyPr/>
-                    <a:lstStyle/>
-                    <a:p>
-                      <a:pPr algn="ctr" fontAlgn="b"/>
-                      <a:r>
-                        <a:rPr lang="ko-KR" altLang="en-US" sz="800" u="none" strike="noStrike" dirty="0" err="1">
-                          <a:effectLst/>
-                          <a:latin typeface="Adobe Clean" panose="020B0503020404020204" pitchFamily="34" charset="0"/>
-                        </a:rPr>
-                        <a:t>資深</a:t>
-                      </a:r>
-                      <a:r>
-                        <a:rPr lang="ko-KR" altLang="en-US" sz="800" u="none" strike="noStrike" dirty="0">
-                          <a:effectLst/>
-                          <a:latin typeface="Adobe Clean" panose="020B0503020404020204" pitchFamily="34" charset="0"/>
-                        </a:rPr>
-                        <a:t> </a:t>
-                      </a:r>
-                      <a:r>
-                        <a:rPr lang="en-US" altLang="ko-KR" sz="800" u="none" strike="noStrike" dirty="0">
-                          <a:effectLst/>
-                          <a:latin typeface="Adobe Clean" panose="020B0503020404020204" pitchFamily="34" charset="0"/>
-                        </a:rPr>
-                        <a:t>Adobe </a:t>
-                      </a:r>
-                      <a:r>
-                        <a:rPr lang="ko-KR" altLang="en-US" sz="800" u="none" strike="noStrike" dirty="0" err="1">
-                          <a:effectLst/>
-                          <a:latin typeface="Adobe Clean" panose="020B0503020404020204" pitchFamily="34" charset="0"/>
-                        </a:rPr>
-                        <a:t>專業知識</a:t>
-                      </a:r>
-                      <a:endParaRPr lang="ko-KR" altLang="en-US" sz="800" b="0" i="0" u="none" strike="noStrike" dirty="0">
-                        <a:solidFill>
-                          <a:srgbClr val="000000"/>
-                        </a:solidFill>
-                        <a:effectLst/>
-                        <a:latin typeface="Adobe Clean" panose="020B0503020404020204" pitchFamily="34" charset="0"/>
-                      </a:endParaRPr>
-                    </a:p>
-                  </a:txBody>
-                  <a:tcPr marL="9525" marR="9525" marT="9525" marB="0">
-                    <a:solidFill>
-                      <a:schemeClr val="bg1"/>
-                    </a:solidFill>
-                  </a:tcPr>
-                </a:tc>
-                <a:extLst>
-                  <a:ext uri="{0D108BD9-81ED-4DB2-BD59-A6C34878D82A}">
-                    <a16:rowId xmlns:a16="http://schemas.microsoft.com/office/drawing/2014/main" val="2771767287"/>
-                  </a:ext>
-                </a:extLst>
-              </a:tr>
-            </a:tbl>
-          </a:graphicData>
-        </a:graphic>
-      </p:graphicFrame>
-      <p:graphicFrame>
-        <p:nvGraphicFramePr>
-          <p:cNvPr id="59" name="Table 58">
-            <a:extLst>
-              <a:ext uri="{FF2B5EF4-FFF2-40B4-BE49-F238E27FC236}">
-                <a16:creationId xmlns:a16="http://schemas.microsoft.com/office/drawing/2014/main" id="{CEA570F0-CFCD-A14C-9046-020C3C5F0FEC}"/>
-              </a:ext>
-            </a:extLst>
-          </p:cNvPr>
-          <p:cNvGraphicFramePr>
-            <a:graphicFrameLocks noGrp="1"/>
-          </p:cNvGraphicFramePr>
-          <p:nvPr>
-            <p:extLst>
-              <p:ext uri="{D42A27DB-BD31-4B8C-83A1-F6EECF244321}">
-                <p14:modId xmlns:p14="http://schemas.microsoft.com/office/powerpoint/2010/main" val="490532508"/>
-              </p:ext>
-            </p:extLst>
-          </p:nvPr>
-        </p:nvGraphicFramePr>
-        <p:xfrm>
-          <a:off x="2514600" y="7239000"/>
-          <a:ext cx="609600" cy="457200"/>
-        </p:xfrm>
-        <a:graphic>
-          <a:graphicData uri="http://schemas.openxmlformats.org/drawingml/2006/table">
-            <a:tbl>
-              <a:tblPr>
-                <a:tableStyleId>{5C22544A-7EE6-4342-B048-85BDC9FD1C3A}</a:tableStyleId>
-              </a:tblPr>
-              <a:tblGrid>
-                <a:gridCol w="609600">
-                  <a:extLst>
-                    <a:ext uri="{9D8B030D-6E8A-4147-A177-3AD203B41FA5}">
-                      <a16:colId xmlns:a16="http://schemas.microsoft.com/office/drawing/2014/main" val="1835503658"/>
-                    </a:ext>
-                  </a:extLst>
-                </a:gridCol>
-              </a:tblGrid>
-              <a:tr h="457200">
-                <a:tc>
-                  <a:txBody>
-                    <a:bodyPr/>
-                    <a:lstStyle/>
-                    <a:p>
-                      <a:pPr algn="ctr" fontAlgn="b"/>
-                      <a:r>
-                        <a:rPr lang="ja-JP" altLang="en-US" sz="800" u="none" strike="noStrike">
-                          <a:effectLst/>
-                          <a:latin typeface="Adobe Clean" panose="020B0503020404020204" pitchFamily="34" charset="0"/>
-                        </a:rPr>
-                        <a:t>直接聯繫 </a:t>
-                      </a:r>
-                      <a:r>
-                        <a:rPr lang="en-US" altLang="ko-KR" sz="800" u="none" strike="noStrike" dirty="0">
-                          <a:effectLst/>
-                          <a:latin typeface="Adobe Clean" panose="020B0503020404020204" pitchFamily="34" charset="0"/>
-                        </a:rPr>
-                        <a:t>Adobe </a:t>
-                      </a:r>
-                      <a:r>
-                        <a:rPr lang="ja-JP" altLang="en-US" sz="800" u="none" strike="noStrike">
-                          <a:effectLst/>
-                          <a:latin typeface="Adobe Clean" panose="020B0503020404020204" pitchFamily="34" charset="0"/>
-                        </a:rPr>
-                        <a:t>工程部</a:t>
-                      </a:r>
-                      <a:endParaRPr lang="ko-KR" altLang="en-US" sz="800" b="0" i="0" u="none" strike="noStrike" dirty="0">
-                        <a:solidFill>
-                          <a:srgbClr val="000000"/>
-                        </a:solidFill>
-                        <a:effectLst/>
-                        <a:latin typeface="Adobe Clean" panose="020B0503020404020204" pitchFamily="34" charset="0"/>
-                      </a:endParaRPr>
-                    </a:p>
-                  </a:txBody>
-                  <a:tcPr marL="9525" marR="9525" marT="9525" marB="0">
-                    <a:solidFill>
-                      <a:schemeClr val="bg1"/>
-                    </a:solidFill>
-                  </a:tcPr>
-                </a:tc>
-                <a:extLst>
-                  <a:ext uri="{0D108BD9-81ED-4DB2-BD59-A6C34878D82A}">
-                    <a16:rowId xmlns:a16="http://schemas.microsoft.com/office/drawing/2014/main" val="2771767287"/>
-                  </a:ext>
-                </a:extLst>
-              </a:tr>
-            </a:tbl>
-          </a:graphicData>
-        </a:graphic>
-      </p:graphicFrame>
-      <p:graphicFrame>
-        <p:nvGraphicFramePr>
-          <p:cNvPr id="60" name="Table 59">
-            <a:extLst>
-              <a:ext uri="{FF2B5EF4-FFF2-40B4-BE49-F238E27FC236}">
-                <a16:creationId xmlns:a16="http://schemas.microsoft.com/office/drawing/2014/main" id="{327181CE-49A8-8149-8221-3C76F17C0097}"/>
-              </a:ext>
-            </a:extLst>
-          </p:cNvPr>
-          <p:cNvGraphicFramePr>
-            <a:graphicFrameLocks noGrp="1"/>
-          </p:cNvGraphicFramePr>
-          <p:nvPr>
-            <p:extLst>
-              <p:ext uri="{D42A27DB-BD31-4B8C-83A1-F6EECF244321}">
-                <p14:modId xmlns:p14="http://schemas.microsoft.com/office/powerpoint/2010/main" val="1723946882"/>
-              </p:ext>
-            </p:extLst>
-          </p:nvPr>
-        </p:nvGraphicFramePr>
-        <p:xfrm>
-          <a:off x="2819400" y="8382000"/>
-          <a:ext cx="609600" cy="457200"/>
-        </p:xfrm>
-        <a:graphic>
-          <a:graphicData uri="http://schemas.openxmlformats.org/drawingml/2006/table">
-            <a:tbl>
-              <a:tblPr>
-                <a:tableStyleId>{5C22544A-7EE6-4342-B048-85BDC9FD1C3A}</a:tableStyleId>
-              </a:tblPr>
-              <a:tblGrid>
-                <a:gridCol w="609600">
-                  <a:extLst>
-                    <a:ext uri="{9D8B030D-6E8A-4147-A177-3AD203B41FA5}">
-                      <a16:colId xmlns:a16="http://schemas.microsoft.com/office/drawing/2014/main" val="1835503658"/>
-                    </a:ext>
-                  </a:extLst>
-                </a:gridCol>
-              </a:tblGrid>
-              <a:tr h="457200">
-                <a:tc>
-                  <a:txBody>
-                    <a:bodyPr/>
-                    <a:lstStyle/>
-                    <a:p>
-                      <a:pPr algn="ctr" fontAlgn="b"/>
-                      <a:r>
-                        <a:rPr lang="ko-KR" altLang="en-US" sz="800" u="none" strike="noStrike" dirty="0" err="1">
-                          <a:effectLst/>
-                          <a:latin typeface="Adobe Clean" panose="020B0503020404020204" pitchFamily="34" charset="0"/>
-                        </a:rPr>
-                        <a:t>含建議後續步驟的上市後摘要</a:t>
-                      </a:r>
-                      <a:endParaRPr lang="ko-KR" altLang="en-US" sz="800" b="0" i="0" u="none" strike="noStrike" dirty="0">
-                        <a:solidFill>
-                          <a:srgbClr val="000000"/>
-                        </a:solidFill>
-                        <a:effectLst/>
-                        <a:latin typeface="Adobe Clean" panose="020B0503020404020204" pitchFamily="34" charset="0"/>
-                      </a:endParaRPr>
-                    </a:p>
-                  </a:txBody>
-                  <a:tcPr marL="9525" marR="9525" marT="9525" marB="0">
-                    <a:solidFill>
-                      <a:schemeClr val="bg1"/>
-                    </a:solidFill>
-                  </a:tcPr>
-                </a:tc>
-                <a:extLst>
-                  <a:ext uri="{0D108BD9-81ED-4DB2-BD59-A6C34878D82A}">
-                    <a16:rowId xmlns:a16="http://schemas.microsoft.com/office/drawing/2014/main" val="2771767287"/>
-                  </a:ext>
-                </a:extLst>
-              </a:tr>
-            </a:tbl>
-          </a:graphicData>
-        </a:graphic>
-      </p:graphicFrame>
-      <p:graphicFrame>
-        <p:nvGraphicFramePr>
-          <p:cNvPr id="61" name="Table 60">
-            <a:extLst>
-              <a:ext uri="{FF2B5EF4-FFF2-40B4-BE49-F238E27FC236}">
-                <a16:creationId xmlns:a16="http://schemas.microsoft.com/office/drawing/2014/main" id="{C07857BB-4637-6845-B272-8BC9FF3E24B0}"/>
-              </a:ext>
-            </a:extLst>
-          </p:cNvPr>
-          <p:cNvGraphicFramePr>
-            <a:graphicFrameLocks noGrp="1"/>
-          </p:cNvGraphicFramePr>
-          <p:nvPr>
-            <p:extLst>
-              <p:ext uri="{D42A27DB-BD31-4B8C-83A1-F6EECF244321}">
-                <p14:modId xmlns:p14="http://schemas.microsoft.com/office/powerpoint/2010/main" val="4200467323"/>
-              </p:ext>
-            </p:extLst>
-          </p:nvPr>
-        </p:nvGraphicFramePr>
-        <p:xfrm>
-          <a:off x="2057400" y="9296400"/>
-          <a:ext cx="609600" cy="457200"/>
-        </p:xfrm>
-        <a:graphic>
-          <a:graphicData uri="http://schemas.openxmlformats.org/drawingml/2006/table">
-            <a:tbl>
-              <a:tblPr>
-                <a:tableStyleId>{5C22544A-7EE6-4342-B048-85BDC9FD1C3A}</a:tableStyleId>
-              </a:tblPr>
-              <a:tblGrid>
-                <a:gridCol w="609600">
-                  <a:extLst>
-                    <a:ext uri="{9D8B030D-6E8A-4147-A177-3AD203B41FA5}">
-                      <a16:colId xmlns:a16="http://schemas.microsoft.com/office/drawing/2014/main" val="1835503658"/>
-                    </a:ext>
-                  </a:extLst>
-                </a:gridCol>
-              </a:tblGrid>
-              <a:tr h="457200">
-                <a:tc>
-                  <a:txBody>
-                    <a:bodyPr/>
-                    <a:lstStyle/>
-                    <a:p>
-                      <a:pPr algn="ctr" fontAlgn="b"/>
-                      <a:r>
-                        <a:rPr lang="ko-KR" altLang="en-US" sz="800" u="none" strike="noStrike" dirty="0" err="1">
-                          <a:effectLst/>
-                          <a:latin typeface="Adobe Clean" panose="020B0503020404020204" pitchFamily="34" charset="0"/>
-                        </a:rPr>
-                        <a:t>上線整備</a:t>
-                      </a:r>
-                      <a:r>
-                        <a:rPr lang="ko-KR" altLang="en-US" sz="800" u="none" strike="noStrike" dirty="0">
-                          <a:effectLst/>
-                          <a:latin typeface="Adobe Clean" panose="020B0503020404020204" pitchFamily="34" charset="0"/>
-                        </a:rPr>
-                        <a:t> </a:t>
-                      </a:r>
-                      <a:r>
-                        <a:rPr lang="en-US" altLang="ko-KR" sz="800" u="none" strike="noStrike" dirty="0">
-                          <a:effectLst/>
-                          <a:latin typeface="Adobe Clean" panose="020B0503020404020204" pitchFamily="34" charset="0"/>
-                        </a:rPr>
-                        <a:t>+ </a:t>
-                      </a:r>
-                      <a:r>
-                        <a:rPr lang="ko-KR" altLang="en-US" sz="800" u="none" strike="noStrike" dirty="0" err="1">
-                          <a:effectLst/>
-                          <a:latin typeface="Adobe Clean" panose="020B0503020404020204" pitchFamily="34" charset="0"/>
-                        </a:rPr>
-                        <a:t>效能最佳化</a:t>
-                      </a:r>
-                      <a:endParaRPr lang="ko-KR" altLang="en-US" sz="800" b="0" i="0" u="none" strike="noStrike" dirty="0">
-                        <a:solidFill>
-                          <a:srgbClr val="000000"/>
-                        </a:solidFill>
-                        <a:effectLst/>
-                        <a:latin typeface="Adobe Clean" panose="020B0503020404020204" pitchFamily="34" charset="0"/>
-                      </a:endParaRPr>
-                    </a:p>
-                  </a:txBody>
-                  <a:tcPr marL="9525" marR="9525" marT="9525" marB="0">
-                    <a:solidFill>
-                      <a:schemeClr val="bg1"/>
-                    </a:solidFill>
-                  </a:tcPr>
-                </a:tc>
-                <a:extLst>
-                  <a:ext uri="{0D108BD9-81ED-4DB2-BD59-A6C34878D82A}">
-                    <a16:rowId xmlns:a16="http://schemas.microsoft.com/office/drawing/2014/main" val="2771767287"/>
-                  </a:ext>
-                </a:extLst>
-              </a:tr>
-            </a:tbl>
-          </a:graphicData>
-        </a:graphic>
-      </p:graphicFrame>
-      <p:graphicFrame>
-        <p:nvGraphicFramePr>
-          <p:cNvPr id="62" name="Table 61">
-            <a:extLst>
-              <a:ext uri="{FF2B5EF4-FFF2-40B4-BE49-F238E27FC236}">
-                <a16:creationId xmlns:a16="http://schemas.microsoft.com/office/drawing/2014/main" id="{2799E0FA-6893-6346-9F35-16E4E6FC7820}"/>
-              </a:ext>
-            </a:extLst>
-          </p:cNvPr>
-          <p:cNvGraphicFramePr>
-            <a:graphicFrameLocks noGrp="1"/>
-          </p:cNvGraphicFramePr>
-          <p:nvPr>
-            <p:extLst>
-              <p:ext uri="{D42A27DB-BD31-4B8C-83A1-F6EECF244321}">
-                <p14:modId xmlns:p14="http://schemas.microsoft.com/office/powerpoint/2010/main" val="3540433435"/>
-              </p:ext>
-            </p:extLst>
-          </p:nvPr>
-        </p:nvGraphicFramePr>
-        <p:xfrm>
-          <a:off x="990600" y="9296400"/>
-          <a:ext cx="609600" cy="457200"/>
-        </p:xfrm>
-        <a:graphic>
-          <a:graphicData uri="http://schemas.openxmlformats.org/drawingml/2006/table">
-            <a:tbl>
-              <a:tblPr>
-                <a:tableStyleId>{5C22544A-7EE6-4342-B048-85BDC9FD1C3A}</a:tableStyleId>
-              </a:tblPr>
-              <a:tblGrid>
-                <a:gridCol w="609600">
-                  <a:extLst>
-                    <a:ext uri="{9D8B030D-6E8A-4147-A177-3AD203B41FA5}">
-                      <a16:colId xmlns:a16="http://schemas.microsoft.com/office/drawing/2014/main" val="1835503658"/>
-                    </a:ext>
-                  </a:extLst>
-                </a:gridCol>
-              </a:tblGrid>
-              <a:tr h="457200">
-                <a:tc>
-                  <a:txBody>
-                    <a:bodyPr/>
-                    <a:lstStyle/>
-                    <a:p>
-                      <a:pPr algn="ctr" fontAlgn="b"/>
-                      <a:r>
-                        <a:rPr lang="ko-KR" altLang="en-US" sz="800" u="none" strike="noStrike" dirty="0">
-                          <a:effectLst/>
-                          <a:latin typeface="Adobe Clean" panose="020B0503020404020204" pitchFamily="34" charset="0"/>
-                        </a:rPr>
-                        <a:t> </a:t>
-                      </a:r>
-                      <a:r>
-                        <a:rPr lang="ko-KR" altLang="en-US" sz="800" u="none" strike="noStrike" dirty="0" err="1">
-                          <a:effectLst/>
-                          <a:latin typeface="Adobe Clean" panose="020B0503020404020204" pitchFamily="34" charset="0"/>
-                        </a:rPr>
-                        <a:t>架構審核</a:t>
-                      </a:r>
-                      <a:r>
-                        <a:rPr lang="ko-KR" altLang="en-US" sz="800" u="none" strike="noStrike" dirty="0">
-                          <a:effectLst/>
-                          <a:latin typeface="Adobe Clean" panose="020B0503020404020204" pitchFamily="34" charset="0"/>
-                        </a:rPr>
-                        <a:t> </a:t>
-                      </a:r>
-                      <a:r>
-                        <a:rPr lang="en-US" altLang="ko-KR" sz="800" u="none" strike="noStrike" dirty="0">
-                          <a:effectLst/>
-                          <a:latin typeface="Adobe Clean" panose="020B0503020404020204" pitchFamily="34" charset="0"/>
-                        </a:rPr>
-                        <a:t>+ </a:t>
-                      </a:r>
-                      <a:r>
-                        <a:rPr lang="ko-KR" altLang="en-US" sz="800" u="none" strike="noStrike" dirty="0" err="1">
-                          <a:effectLst/>
-                          <a:latin typeface="Adobe Clean" panose="020B0503020404020204" pitchFamily="34" charset="0"/>
-                        </a:rPr>
-                        <a:t>指導方針</a:t>
-                      </a:r>
-                      <a:endParaRPr lang="ko-KR" altLang="en-US" sz="800" b="0" i="0" u="none" strike="noStrike" dirty="0">
-                        <a:solidFill>
-                          <a:srgbClr val="000000"/>
-                        </a:solidFill>
-                        <a:effectLst/>
-                        <a:latin typeface="Adobe Clean" panose="020B0503020404020204" pitchFamily="34" charset="0"/>
-                      </a:endParaRPr>
-                    </a:p>
-                  </a:txBody>
-                  <a:tcPr marL="9525" marR="9525" marT="9525" marB="0">
-                    <a:solidFill>
-                      <a:schemeClr val="bg1"/>
-                    </a:solidFill>
-                  </a:tcPr>
-                </a:tc>
-                <a:extLst>
-                  <a:ext uri="{0D108BD9-81ED-4DB2-BD59-A6C34878D82A}">
-                    <a16:rowId xmlns:a16="http://schemas.microsoft.com/office/drawing/2014/main" val="2771767287"/>
-                  </a:ext>
-                </a:extLst>
-              </a:tr>
-            </a:tbl>
-          </a:graphicData>
-        </a:graphic>
-      </p:graphicFrame>
-      <p:graphicFrame>
-        <p:nvGraphicFramePr>
-          <p:cNvPr id="69" name="Table 68">
-            <a:extLst>
-              <a:ext uri="{FF2B5EF4-FFF2-40B4-BE49-F238E27FC236}">
-                <a16:creationId xmlns:a16="http://schemas.microsoft.com/office/drawing/2014/main" id="{68105F28-6ACE-FA41-8C62-E1DC71761C64}"/>
-              </a:ext>
-            </a:extLst>
-          </p:cNvPr>
-          <p:cNvGraphicFramePr>
-            <a:graphicFrameLocks noGrp="1"/>
-          </p:cNvGraphicFramePr>
-          <p:nvPr>
-            <p:extLst>
-              <p:ext uri="{D42A27DB-BD31-4B8C-83A1-F6EECF244321}">
-                <p14:modId xmlns:p14="http://schemas.microsoft.com/office/powerpoint/2010/main" val="3972576377"/>
-              </p:ext>
-            </p:extLst>
-          </p:nvPr>
-        </p:nvGraphicFramePr>
-        <p:xfrm>
-          <a:off x="304800" y="8382000"/>
-          <a:ext cx="609600" cy="457200"/>
-        </p:xfrm>
-        <a:graphic>
-          <a:graphicData uri="http://schemas.openxmlformats.org/drawingml/2006/table">
-            <a:tbl>
-              <a:tblPr>
-                <a:tableStyleId>{5C22544A-7EE6-4342-B048-85BDC9FD1C3A}</a:tableStyleId>
-              </a:tblPr>
-              <a:tblGrid>
-                <a:gridCol w="609600">
-                  <a:extLst>
-                    <a:ext uri="{9D8B030D-6E8A-4147-A177-3AD203B41FA5}">
-                      <a16:colId xmlns:a16="http://schemas.microsoft.com/office/drawing/2014/main" val="1835503658"/>
-                    </a:ext>
-                  </a:extLst>
-                </a:gridCol>
-              </a:tblGrid>
-              <a:tr h="457200">
-                <a:tc>
-                  <a:txBody>
-                    <a:bodyPr/>
-                    <a:lstStyle/>
-                    <a:p>
-                      <a:pPr algn="ctr" fontAlgn="b"/>
-                      <a:r>
-                        <a:rPr lang="ko-KR" altLang="en-US" sz="800" u="none" strike="noStrike" dirty="0" err="1">
-                          <a:effectLst/>
-                          <a:latin typeface="Adobe Clean" panose="020B0503020404020204" pitchFamily="34" charset="0"/>
-                        </a:rPr>
-                        <a:t>專案藍圖</a:t>
-                      </a:r>
-                      <a:r>
-                        <a:rPr lang="ko-KR" altLang="en-US" sz="800" u="none" strike="noStrike" dirty="0">
-                          <a:effectLst/>
-                          <a:latin typeface="Adobe Clean" panose="020B0503020404020204" pitchFamily="34" charset="0"/>
-                        </a:rPr>
-                        <a:t> </a:t>
-                      </a:r>
-                      <a:r>
-                        <a:rPr lang="en-US" altLang="ko-KR" sz="800" u="none" strike="noStrike" dirty="0">
-                          <a:effectLst/>
-                          <a:latin typeface="Adobe Clean" panose="020B0503020404020204" pitchFamily="34" charset="0"/>
-                        </a:rPr>
-                        <a:t>+ </a:t>
-                      </a:r>
-                      <a:r>
-                        <a:rPr lang="ko-KR" altLang="en-US" sz="800" u="none" strike="noStrike" dirty="0" err="1">
-                          <a:effectLst/>
-                          <a:latin typeface="Adobe Clean" panose="020B0503020404020204" pitchFamily="34" charset="0"/>
-                        </a:rPr>
-                        <a:t>規劃</a:t>
-                      </a:r>
-                      <a:endParaRPr lang="ko-KR" altLang="en-US" sz="800" b="0" i="0" u="none" strike="noStrike" dirty="0">
-                        <a:solidFill>
-                          <a:srgbClr val="000000"/>
-                        </a:solidFill>
-                        <a:effectLst/>
-                        <a:latin typeface="Adobe Clean" panose="020B0503020404020204" pitchFamily="34" charset="0"/>
-                      </a:endParaRPr>
-                    </a:p>
-                  </a:txBody>
-                  <a:tcPr marL="9525" marR="9525" marT="9525" marB="0">
-                    <a:solidFill>
-                      <a:schemeClr val="bg1"/>
-                    </a:solidFill>
-                  </a:tcPr>
-                </a:tc>
-                <a:extLst>
-                  <a:ext uri="{0D108BD9-81ED-4DB2-BD59-A6C34878D82A}">
-                    <a16:rowId xmlns:a16="http://schemas.microsoft.com/office/drawing/2014/main" val="2771767287"/>
-                  </a:ext>
-                </a:extLst>
-              </a:tr>
-            </a:tbl>
-          </a:graphicData>
-        </a:graphic>
-      </p:graphicFrame>
-      <p:graphicFrame>
-        <p:nvGraphicFramePr>
-          <p:cNvPr id="70" name="Table 69">
-            <a:extLst>
-              <a:ext uri="{FF2B5EF4-FFF2-40B4-BE49-F238E27FC236}">
-                <a16:creationId xmlns:a16="http://schemas.microsoft.com/office/drawing/2014/main" id="{55F858BD-A106-3341-85DF-5461164CF9E2}"/>
-              </a:ext>
-            </a:extLst>
-          </p:cNvPr>
-          <p:cNvGraphicFramePr>
-            <a:graphicFrameLocks noGrp="1"/>
-          </p:cNvGraphicFramePr>
-          <p:nvPr>
-            <p:extLst>
-              <p:ext uri="{D42A27DB-BD31-4B8C-83A1-F6EECF244321}">
-                <p14:modId xmlns:p14="http://schemas.microsoft.com/office/powerpoint/2010/main" val="4202845023"/>
-              </p:ext>
-            </p:extLst>
-          </p:nvPr>
-        </p:nvGraphicFramePr>
-        <p:xfrm>
-          <a:off x="609600" y="7239000"/>
-          <a:ext cx="609600" cy="497205"/>
-        </p:xfrm>
-        <a:graphic>
-          <a:graphicData uri="http://schemas.openxmlformats.org/drawingml/2006/table">
-            <a:tbl>
-              <a:tblPr>
-                <a:tableStyleId>{5C22544A-7EE6-4342-B048-85BDC9FD1C3A}</a:tableStyleId>
-              </a:tblPr>
-              <a:tblGrid>
-                <a:gridCol w="609600">
-                  <a:extLst>
-                    <a:ext uri="{9D8B030D-6E8A-4147-A177-3AD203B41FA5}">
-                      <a16:colId xmlns:a16="http://schemas.microsoft.com/office/drawing/2014/main" val="1835503658"/>
-                    </a:ext>
-                  </a:extLst>
-                </a:gridCol>
-              </a:tblGrid>
-              <a:tr h="457200">
-                <a:tc>
-                  <a:txBody>
-                    <a:bodyPr/>
-                    <a:lstStyle/>
-                    <a:p>
-                      <a:pPr algn="ctr" fontAlgn="b"/>
-                      <a:r>
-                        <a:rPr lang="ko-KR" altLang="en-US" sz="800" u="none" strike="noStrike" dirty="0" err="1">
-                          <a:effectLst/>
-                          <a:latin typeface="Adobe Clean" panose="020B0503020404020204" pitchFamily="34" charset="0"/>
-                        </a:rPr>
-                        <a:t>從數以千計的部署和整合中獲得經驗</a:t>
-                      </a:r>
-                      <a:endParaRPr lang="ko-KR" altLang="en-US" sz="800" b="0" i="0" u="none" strike="noStrike" dirty="0">
-                        <a:solidFill>
-                          <a:srgbClr val="000000"/>
-                        </a:solidFill>
-                        <a:effectLst/>
-                        <a:latin typeface="Adobe Clean" panose="020B0503020404020204" pitchFamily="34" charset="0"/>
-                      </a:endParaRPr>
-                    </a:p>
-                  </a:txBody>
-                  <a:tcPr marL="9525" marR="9525" marT="9525" marB="0">
-                    <a:solidFill>
-                      <a:schemeClr val="bg1"/>
-                    </a:solidFill>
-                  </a:tcPr>
-                </a:tc>
-                <a:extLst>
-                  <a:ext uri="{0D108BD9-81ED-4DB2-BD59-A6C34878D82A}">
-                    <a16:rowId xmlns:a16="http://schemas.microsoft.com/office/drawing/2014/main" val="2771767287"/>
-                  </a:ext>
-                </a:extLst>
-              </a:tr>
-            </a:tbl>
-          </a:graphicData>
-        </a:graphic>
-      </p:graphicFrame>
     </p:spTree>
     <p:extLst>
       <p:ext uri="{BB962C8B-B14F-4D97-AF65-F5344CB8AC3E}">
@@ -14082,17 +15289,17 @@
               </a:lnSpc>
             </a:pPr>
             <a:r>
-              <a:rPr lang="de-de" sz="500" spc="-5" dirty="0">
+              <a:rPr sz="500" spc="-5">
                 <a:solidFill>
                   <a:srgbClr val="6C6C6C"/>
                 </a:solidFill>
                 <a:latin typeface="Adobe Clean"/>
                 <a:cs typeface="Adobe Clean"/>
               </a:rPr>
-              <a:t>© 2020 Adobe. All rights reserved.</a:t>
-            </a:r>
-            <a:r>
-              <a:rPr lang="de-de" sz="500" dirty="0">
+              <a:t>©2020 Adobe. All Rights Reserved. </a:t>
+            </a:r>
+            <a:r>
+              <a:rPr sz="500">
                 <a:solidFill>
                   <a:srgbClr val="6C6C6C"/>
                 </a:solidFill>
@@ -14102,7 +15309,7 @@
               <a:t>Adobe</a:t>
             </a:r>
             <a:r>
-              <a:rPr lang="de-de" sz="500" spc="5" dirty="0">
+              <a:rPr sz="500" spc="5">
                 <a:solidFill>
                   <a:srgbClr val="6C6C6C"/>
                 </a:solidFill>
@@ -14112,14 +15319,14 @@
               <a:t> </a:t>
             </a:r>
             <a:r>
-              <a:rPr lang="de-de" sz="500" spc="-5" dirty="0">
+              <a:rPr sz="500" spc="-5">
                 <a:solidFill>
                   <a:srgbClr val="6C6C6C"/>
                 </a:solidFill>
                 <a:latin typeface="Adobe Clean"/>
                 <a:cs typeface="Adobe Clean"/>
               </a:rPr>
-              <a:t> 機密資訊。</a:t>
+              <a:t>Confidential.</a:t>
             </a:r>
             <a:endParaRPr sz="500">
               <a:latin typeface="Adobe Clean"/>
@@ -14150,17 +15357,17 @@
               </a:spcBef>
             </a:pPr>
             <a:r>
-              <a:rPr lang="de-de" sz="800" spc="-5" dirty="0">
+              <a:rPr sz="800" spc="-5">
                 <a:solidFill>
                   <a:srgbClr val="6D6D6D"/>
                 </a:solidFill>
                 <a:latin typeface="Adobe Clean"/>
                 <a:cs typeface="Adobe Clean"/>
               </a:rPr>
-              <a:t>© 2020 Adobe. All rights reserved.Adobe</a:t>
-            </a:r>
-            <a:r>
-              <a:rPr lang="de-de" sz="800" spc="75" dirty="0">
+              <a:t>©2020 Adobe. All Rights Reserved. Adobe</a:t>
+            </a:r>
+            <a:r>
+              <a:rPr sz="800" spc="75">
                 <a:solidFill>
                   <a:srgbClr val="6D6D6D"/>
                 </a:solidFill>
@@ -14170,14 +15377,14 @@
               <a:t> </a:t>
             </a:r>
             <a:r>
-              <a:rPr lang="de-de" sz="800" spc="-5" dirty="0">
+              <a:rPr sz="800" spc="-5">
                 <a:solidFill>
                   <a:srgbClr val="6D6D6D"/>
                 </a:solidFill>
                 <a:latin typeface="Adobe Clean"/>
                 <a:cs typeface="Adobe Clean"/>
               </a:rPr>
-              <a:t>機密資訊。</a:t>
+              <a:t>Confidential.</a:t>
             </a:r>
             <a:endParaRPr sz="800">
               <a:latin typeface="Adobe Clean"/>
@@ -14266,16 +15473,16 @@
               </a:spcBef>
             </a:pPr>
             <a:r>
-              <a:rPr lang="de-de" sz="1400" b="1" spc="-15" dirty="0">
+              <a:rPr lang="en-US" sz="1400" b="1" spc="-15">
                 <a:solidFill>
                   <a:srgbClr val="020302"/>
                 </a:solidFill>
                 <a:latin typeface="Adobe Clean"/>
                 <a:cs typeface="Adobe Clean"/>
               </a:rPr>
-              <a:t>資源</a:t>
-            </a:r>
-            <a:endParaRPr sz="1400" dirty="0">
+              <a:t>Resources</a:t>
+            </a:r>
+            <a:endParaRPr sz="1400">
               <a:latin typeface="Adobe Clean"/>
               <a:cs typeface="Adobe Clean"/>
             </a:endParaRPr>
@@ -14312,7 +15519,7 @@
               </a:spcBef>
             </a:pPr>
             <a:r>
-              <a:rPr lang="de-de" sz="800" spc="-15" dirty="0">
+              <a:rPr sz="800" spc="-15">
                 <a:solidFill>
                   <a:srgbClr val="777879"/>
                 </a:solidFill>
@@ -14333,7 +15540,7 @@
               </a:lnSpc>
             </a:pPr>
             <a:r>
-              <a:rPr lang="de-de" sz="800" spc="-15" dirty="0">
+              <a:rPr sz="800" spc="-15">
                 <a:solidFill>
                   <a:srgbClr val="777879"/>
                 </a:solidFill>
@@ -14343,7 +15550,7 @@
               <a:t>345 Park</a:t>
             </a:r>
             <a:r>
-              <a:rPr lang="de-de" sz="800" spc="-100" dirty="0">
+              <a:rPr sz="800" spc="-100">
                 <a:solidFill>
                   <a:srgbClr val="777879"/>
                 </a:solidFill>
@@ -14353,7 +15560,7 @@
               <a:t> </a:t>
             </a:r>
             <a:r>
-              <a:rPr lang="de-de" sz="800" spc="-15" dirty="0">
+              <a:rPr sz="800" spc="-15">
                 <a:solidFill>
                   <a:srgbClr val="777879"/>
                 </a:solidFill>
@@ -14374,7 +15581,7 @@
               </a:lnSpc>
             </a:pPr>
             <a:r>
-              <a:rPr lang="de-de" sz="800" spc="-10" dirty="0">
+              <a:rPr sz="800" spc="-10">
                 <a:solidFill>
                   <a:srgbClr val="777879"/>
                 </a:solidFill>
@@ -14384,7 +15591,7 @@
               <a:t>San </a:t>
             </a:r>
             <a:r>
-              <a:rPr lang="de-de" sz="800" spc="-15" dirty="0">
+              <a:rPr sz="800" spc="-15">
                 <a:solidFill>
                   <a:srgbClr val="777879"/>
                 </a:solidFill>
@@ -14394,7 +15601,7 @@
               <a:t>Jose,</a:t>
             </a:r>
             <a:r>
-              <a:rPr lang="de-de" sz="800" spc="-140" dirty="0">
+              <a:rPr sz="800" spc="-140">
                 <a:solidFill>
                   <a:srgbClr val="777879"/>
                 </a:solidFill>
@@ -14404,7 +15611,7 @@
               <a:t> </a:t>
             </a:r>
             <a:r>
-              <a:rPr lang="de-de" sz="800" spc="-20" dirty="0">
+              <a:rPr sz="800" spc="-20">
                 <a:solidFill>
                   <a:srgbClr val="777879"/>
                 </a:solidFill>
@@ -14428,7 +15635,7 @@
               </a:spcBef>
             </a:pPr>
             <a:r>
-              <a:rPr lang="de-de" sz="800" spc="-10" dirty="0">
+              <a:rPr sz="800" spc="-10">
                 <a:solidFill>
                   <a:srgbClr val="777879"/>
                 </a:solidFill>
@@ -14452,7 +15659,7 @@
               </a:spcBef>
             </a:pPr>
             <a:r>
-              <a:rPr lang="de-de" sz="800" u="sng" spc="-25" dirty="0">
+              <a:rPr sz="800" u="sng" spc="-25">
                 <a:solidFill>
                   <a:srgbClr val="5F5F5F"/>
                 </a:solidFill>
@@ -14465,7 +15672,7 @@
                 <a:cs typeface="Adobe Clean"/>
                 <a:hlinkClick r:id="rId3"/>
               </a:rPr>
-              <a:t>www.adobe.com/tw/</a:t>
+              <a:t>www.adobe.com</a:t>
             </a:r>
             <a:endParaRPr sz="800">
               <a:latin typeface="Adobe Clean"/>
@@ -14645,37 +15852,37 @@
               </a:spcBef>
             </a:pPr>
             <a:r>
-              <a:rPr lang="de-de" sz="1100" i="1" spc="-10">
+              <a:rPr sz="1100" i="1" spc="-10">
                 <a:solidFill>
                   <a:srgbClr val="777879"/>
                 </a:solidFill>
                 <a:latin typeface="AdobeClean-LightIt"/>
                 <a:cs typeface="AdobeClean-LightIt"/>
               </a:rPr>
-              <a:t>如需</a:t>
-            </a:r>
-            <a:r>
-              <a:rPr lang="de-de" sz="1100" i="1" spc="-15">
+              <a:t>To</a:t>
+            </a:r>
+            <a:r>
+              <a:rPr sz="1100" i="1" spc="-50">
                 <a:solidFill>
                   <a:srgbClr val="777879"/>
                 </a:solidFill>
                 <a:latin typeface="AdobeClean-LightIt"/>
                 <a:cs typeface="AdobeClean-LightIt"/>
               </a:rPr>
-              <a:t>了解</a:t>
-            </a:r>
-            <a:r>
-              <a:rPr lang="de-de" sz="1100" i="1" spc="-40">
+              <a:t> </a:t>
+            </a:r>
+            <a:r>
+              <a:rPr sz="1100" i="1" spc="-15">
                 <a:solidFill>
                   <a:srgbClr val="777879"/>
                 </a:solidFill>
                 <a:latin typeface="AdobeClean-LightIt"/>
                 <a:cs typeface="AdobeClean-LightIt"/>
               </a:rPr>
-              <a:t> </a:t>
-            </a:r>
-            <a:r>
-              <a:rPr lang="de-de" sz="1100" i="1" spc="-45">
+              <a:t>learn</a:t>
+            </a:r>
+            <a:r>
+              <a:rPr sz="1100" i="1" spc="-40">
                 <a:solidFill>
                   <a:srgbClr val="777879"/>
                 </a:solidFill>
@@ -14685,17 +15892,17 @@
               <a:t> </a:t>
             </a:r>
             <a:r>
-              <a:rPr lang="de-de" sz="1100" i="1" spc="-15">
+              <a:rPr sz="1100" i="1" spc="-15">
                 <a:solidFill>
                   <a:srgbClr val="777879"/>
                 </a:solidFill>
                 <a:latin typeface="AdobeClean-LightIt"/>
                 <a:cs typeface="AdobeClean-LightIt"/>
               </a:rPr>
-              <a:t>Adobe</a:t>
-            </a:r>
-            <a:r>
-              <a:rPr lang="de-de" sz="1100" i="1" spc="-60">
+              <a:t>more</a:t>
+            </a:r>
+            <a:r>
+              <a:rPr sz="1100" i="1" spc="-45">
                 <a:solidFill>
                   <a:srgbClr val="777879"/>
                 </a:solidFill>
@@ -14705,126 +15912,366 @@
               <a:t> </a:t>
             </a:r>
             <a:r>
-              <a:rPr lang="de-de" sz="1100" i="1" spc="-15">
+              <a:rPr sz="1100" i="1" spc="-15">
                 <a:solidFill>
                   <a:srgbClr val="777879"/>
                 </a:solidFill>
                 <a:latin typeface="AdobeClean-LightIt"/>
                 <a:cs typeface="AdobeClean-LightIt"/>
               </a:rPr>
-              <a:t>支援方案</a:t>
-            </a:r>
-            <a:r>
-              <a:rPr lang="de-de" sz="1100" i="1" spc="-75">
+              <a:t>about</a:t>
+            </a:r>
+            <a:r>
+              <a:rPr sz="1100" i="1" spc="-45">
                 <a:solidFill>
                   <a:srgbClr val="777879"/>
                 </a:solidFill>
                 <a:latin typeface="AdobeClean-LightIt"/>
                 <a:cs typeface="AdobeClean-LightIt"/>
               </a:rPr>
-              <a:t>的詳細資訊</a:t>
-            </a:r>
-            <a:r>
-              <a:rPr lang="de-de" sz="1100" i="1" spc="-15">
+              <a:t> </a:t>
+            </a:r>
+            <a:r>
+              <a:rPr sz="1100" i="1" spc="-15">
                 <a:solidFill>
                   <a:srgbClr val="777879"/>
                 </a:solidFill>
                 <a:latin typeface="AdobeClean-LightIt"/>
                 <a:cs typeface="AdobeClean-LightIt"/>
               </a:rPr>
-              <a:t>以及適合您的層級，請聯絡您指定的</a:t>
-            </a:r>
-            <a:r>
-              <a:rPr lang="de-de" sz="1100" i="1" spc="-25">
+              <a:t>Adobe</a:t>
+            </a:r>
+            <a:r>
+              <a:rPr sz="1100" i="1" spc="-60">
                 <a:solidFill>
                   <a:srgbClr val="777879"/>
                 </a:solidFill>
                 <a:latin typeface="AdobeClean-LightIt"/>
                 <a:cs typeface="AdobeClean-LightIt"/>
               </a:rPr>
-              <a:t>帳戶</a:t>
-            </a:r>
-            <a:r>
-              <a:rPr lang="de-de" sz="1100" i="1" spc="-20">
+              <a:t> </a:t>
+            </a:r>
+            <a:r>
+              <a:rPr sz="1100" i="1" spc="-15">
                 <a:solidFill>
                   <a:srgbClr val="777879"/>
                 </a:solidFill>
                 <a:latin typeface="AdobeClean-LightIt"/>
                 <a:cs typeface="AdobeClean-LightIt"/>
               </a:rPr>
-              <a:t>經理 </a:t>
-            </a:r>
-            <a:r>
-              <a:rPr lang="de-de" sz="1100" i="1" spc="-15" dirty="0">
+              <a:t>Support</a:t>
+            </a:r>
+            <a:r>
+              <a:rPr lang="en-US" sz="1100" i="1" spc="-15">
                 <a:solidFill>
                   <a:srgbClr val="777879"/>
                 </a:solidFill>
                 <a:latin typeface="AdobeClean-LightIt"/>
                 <a:cs typeface="AdobeClean-LightIt"/>
               </a:rPr>
-              <a:t>(NAM</a:t>
-            </a:r>
-            <a:r>
-              <a:rPr lang="de-de" sz="1100" i="1" spc="-15">
+              <a:t> Offerings</a:t>
+            </a:r>
+            <a:r>
+              <a:rPr sz="1100" i="1" spc="-75">
                 <a:solidFill>
                   <a:srgbClr val="777879"/>
                 </a:solidFill>
                 <a:latin typeface="AdobeClean-LightIt"/>
                 <a:cs typeface="AdobeClean-LightIt"/>
               </a:rPr>
-              <a:t>) </a:t>
-            </a:r>
-            <a:r>
-              <a:rPr lang="de-de" sz="1100" i="1" spc="-10">
+              <a:t> </a:t>
+            </a:r>
+            <a:r>
+              <a:rPr sz="1100" i="1" spc="-15">
                 <a:solidFill>
                   <a:srgbClr val="777879"/>
                 </a:solidFill>
                 <a:latin typeface="AdobeClean-LightIt"/>
                 <a:cs typeface="AdobeClean-LightIt"/>
               </a:rPr>
-              <a:t>或</a:t>
-            </a:r>
-            <a:r>
-              <a:rPr lang="de-de" sz="1100" i="1" spc="-15">
+              <a:t>and</a:t>
+            </a:r>
+            <a:r>
+              <a:rPr sz="1100" i="1" spc="-50">
                 <a:solidFill>
                   <a:srgbClr val="777879"/>
                 </a:solidFill>
                 <a:latin typeface="AdobeClean-LightIt"/>
                 <a:cs typeface="AdobeClean-LightIt"/>
               </a:rPr>
-              <a:t>客戶</a:t>
-            </a:r>
-            <a:r>
-              <a:rPr lang="de-de" sz="1100" i="1" spc="-20">
+              <a:t> </a:t>
+            </a:r>
+            <a:r>
+              <a:rPr sz="1100" i="1" spc="-15">
                 <a:solidFill>
                   <a:srgbClr val="777879"/>
                 </a:solidFill>
                 <a:latin typeface="AdobeClean-LightIt"/>
                 <a:cs typeface="AdobeClean-LightIt"/>
               </a:rPr>
-              <a:t>成功</a:t>
-            </a:r>
-            <a:r>
-              <a:rPr lang="de-de" sz="1100" i="1" spc="-15">
+              <a:t>the</a:t>
+            </a:r>
+            <a:r>
+              <a:rPr sz="1100" i="1" spc="-55">
                 <a:solidFill>
                   <a:srgbClr val="777879"/>
                 </a:solidFill>
                 <a:latin typeface="AdobeClean-LightIt"/>
                 <a:cs typeface="AdobeClean-LightIt"/>
               </a:rPr>
-              <a:t>經理 </a:t>
-            </a:r>
-            <a:r>
-              <a:rPr lang="de-de" sz="1100" i="1" spc="-15" dirty="0">
+              <a:t> </a:t>
+            </a:r>
+            <a:r>
+              <a:rPr sz="1100" i="1" spc="-15">
                 <a:solidFill>
                   <a:srgbClr val="777879"/>
                 </a:solidFill>
                 <a:latin typeface="AdobeClean-LightIt"/>
                 <a:cs typeface="AdobeClean-LightIt"/>
               </a:rPr>
+              <a:t>right</a:t>
+            </a:r>
+            <a:r>
+              <a:rPr sz="1100" i="1" spc="-95">
+                <a:solidFill>
+                  <a:srgbClr val="777879"/>
+                </a:solidFill>
+                <a:latin typeface="AdobeClean-LightIt"/>
+                <a:cs typeface="AdobeClean-LightIt"/>
+              </a:rPr>
+              <a:t> </a:t>
+            </a:r>
+            <a:r>
+              <a:rPr sz="1100" i="1" spc="-15">
+                <a:solidFill>
+                  <a:srgbClr val="777879"/>
+                </a:solidFill>
+                <a:latin typeface="AdobeClean-LightIt"/>
+                <a:cs typeface="AdobeClean-LightIt"/>
+              </a:rPr>
+              <a:t>level</a:t>
+            </a:r>
+            <a:r>
+              <a:rPr sz="1100" i="1" spc="-55">
+                <a:solidFill>
+                  <a:srgbClr val="777879"/>
+                </a:solidFill>
+                <a:latin typeface="AdobeClean-LightIt"/>
+                <a:cs typeface="AdobeClean-LightIt"/>
+              </a:rPr>
+              <a:t> </a:t>
+            </a:r>
+            <a:r>
+              <a:rPr sz="1100" i="1" spc="-15">
+                <a:solidFill>
+                  <a:srgbClr val="777879"/>
+                </a:solidFill>
+                <a:latin typeface="AdobeClean-LightIt"/>
+                <a:cs typeface="AdobeClean-LightIt"/>
+              </a:rPr>
+              <a:t>for</a:t>
+            </a:r>
+            <a:r>
+              <a:rPr sz="1100" i="1" spc="-85">
+                <a:solidFill>
+                  <a:srgbClr val="777879"/>
+                </a:solidFill>
+                <a:latin typeface="AdobeClean-LightIt"/>
+                <a:cs typeface="AdobeClean-LightIt"/>
+              </a:rPr>
+              <a:t> </a:t>
+            </a:r>
+            <a:r>
+              <a:rPr sz="1100" i="1" spc="-15">
+                <a:solidFill>
+                  <a:srgbClr val="777879"/>
+                </a:solidFill>
+                <a:latin typeface="AdobeClean-LightIt"/>
+                <a:cs typeface="AdobeClean-LightIt"/>
+              </a:rPr>
+              <a:t>you,</a:t>
+            </a:r>
+            <a:r>
+              <a:rPr sz="1100" i="1" spc="-65">
+                <a:solidFill>
+                  <a:srgbClr val="777879"/>
+                </a:solidFill>
+                <a:latin typeface="AdobeClean-LightIt"/>
+                <a:cs typeface="AdobeClean-LightIt"/>
+              </a:rPr>
+              <a:t> </a:t>
+            </a:r>
+            <a:r>
+              <a:rPr sz="1100" i="1" spc="-15">
+                <a:solidFill>
+                  <a:srgbClr val="777879"/>
+                </a:solidFill>
+                <a:latin typeface="AdobeClean-LightIt"/>
+                <a:cs typeface="AdobeClean-LightIt"/>
+              </a:rPr>
+              <a:t>contact</a:t>
+            </a:r>
+            <a:r>
+              <a:rPr sz="1100" i="1" spc="-85">
+                <a:solidFill>
+                  <a:srgbClr val="777879"/>
+                </a:solidFill>
+                <a:latin typeface="AdobeClean-LightIt"/>
+                <a:cs typeface="AdobeClean-LightIt"/>
+              </a:rPr>
+              <a:t> </a:t>
+            </a:r>
+            <a:r>
+              <a:rPr sz="1100" i="1" spc="-15">
+                <a:solidFill>
+                  <a:srgbClr val="777879"/>
+                </a:solidFill>
+                <a:latin typeface="AdobeClean-LightIt"/>
+                <a:cs typeface="AdobeClean-LightIt"/>
+              </a:rPr>
+              <a:t>your</a:t>
+            </a:r>
+            <a:r>
+              <a:rPr sz="1100" i="1" spc="-70">
+                <a:solidFill>
+                  <a:srgbClr val="777879"/>
+                </a:solidFill>
+                <a:latin typeface="AdobeClean-LightIt"/>
+                <a:cs typeface="AdobeClean-LightIt"/>
+              </a:rPr>
+              <a:t> </a:t>
+            </a:r>
+            <a:r>
+              <a:rPr sz="1100" i="1" spc="-15">
+                <a:solidFill>
+                  <a:srgbClr val="777879"/>
+                </a:solidFill>
+                <a:latin typeface="AdobeClean-LightIt"/>
+                <a:cs typeface="AdobeClean-LightIt"/>
+              </a:rPr>
+              <a:t>Named</a:t>
+            </a:r>
+            <a:r>
+              <a:rPr sz="1100" i="1" spc="-55">
+                <a:solidFill>
+                  <a:srgbClr val="777879"/>
+                </a:solidFill>
+                <a:latin typeface="AdobeClean-LightIt"/>
+                <a:cs typeface="AdobeClean-LightIt"/>
+              </a:rPr>
+              <a:t> </a:t>
+            </a:r>
+            <a:r>
+              <a:rPr sz="1100" i="1" spc="-25">
+                <a:solidFill>
+                  <a:srgbClr val="777879"/>
+                </a:solidFill>
+                <a:latin typeface="AdobeClean-LightIt"/>
+                <a:cs typeface="AdobeClean-LightIt"/>
+              </a:rPr>
+              <a:t>Account</a:t>
+            </a:r>
+            <a:r>
+              <a:rPr sz="1100" i="1" spc="-120">
+                <a:solidFill>
+                  <a:srgbClr val="777879"/>
+                </a:solidFill>
+                <a:latin typeface="AdobeClean-LightIt"/>
+                <a:cs typeface="AdobeClean-LightIt"/>
+              </a:rPr>
+              <a:t> </a:t>
+            </a:r>
+            <a:r>
+              <a:rPr sz="1100" i="1" spc="-20">
+                <a:solidFill>
+                  <a:srgbClr val="777879"/>
+                </a:solidFill>
+                <a:latin typeface="AdobeClean-LightIt"/>
+                <a:cs typeface="AdobeClean-LightIt"/>
+              </a:rPr>
+              <a:t>Manager  </a:t>
+            </a:r>
+            <a:r>
+              <a:rPr sz="1100" i="1" spc="-15">
+                <a:solidFill>
+                  <a:srgbClr val="777879"/>
+                </a:solidFill>
+                <a:latin typeface="AdobeClean-LightIt"/>
+                <a:cs typeface="AdobeClean-LightIt"/>
+              </a:rPr>
+              <a:t>(NAM) </a:t>
+            </a:r>
+            <a:r>
+              <a:rPr sz="1100" i="1" spc="-10">
+                <a:solidFill>
+                  <a:srgbClr val="777879"/>
+                </a:solidFill>
+                <a:latin typeface="AdobeClean-LightIt"/>
+                <a:cs typeface="AdobeClean-LightIt"/>
+              </a:rPr>
+              <a:t>or </a:t>
+            </a:r>
+            <a:r>
+              <a:rPr sz="1100" i="1" spc="-15">
+                <a:solidFill>
+                  <a:srgbClr val="777879"/>
+                </a:solidFill>
+                <a:latin typeface="AdobeClean-LightIt"/>
+                <a:cs typeface="AdobeClean-LightIt"/>
+              </a:rPr>
+              <a:t>Customer </a:t>
+            </a:r>
+            <a:r>
+              <a:rPr sz="1100" i="1" spc="-20">
+                <a:solidFill>
+                  <a:srgbClr val="777879"/>
+                </a:solidFill>
+                <a:latin typeface="AdobeClean-LightIt"/>
+                <a:cs typeface="AdobeClean-LightIt"/>
+              </a:rPr>
+              <a:t>Success</a:t>
+            </a:r>
+            <a:r>
+              <a:rPr sz="1100" i="1" spc="-180">
+                <a:solidFill>
+                  <a:srgbClr val="777879"/>
+                </a:solidFill>
+                <a:latin typeface="AdobeClean-LightIt"/>
+                <a:cs typeface="AdobeClean-LightIt"/>
+              </a:rPr>
+              <a:t> </a:t>
+            </a:r>
+            <a:r>
+              <a:rPr sz="1100" i="1" spc="-15">
+                <a:solidFill>
+                  <a:srgbClr val="777879"/>
+                </a:solidFill>
+                <a:latin typeface="AdobeClean-LightIt"/>
+                <a:cs typeface="AdobeClean-LightIt"/>
+              </a:rPr>
+              <a:t>Manager</a:t>
+            </a:r>
+            <a:r>
+              <a:rPr lang="en-US" sz="1100" i="1" spc="-15">
+                <a:solidFill>
+                  <a:srgbClr val="777879"/>
+                </a:solidFill>
+                <a:latin typeface="AdobeClean-LightIt"/>
+                <a:cs typeface="AdobeClean-LightIt"/>
+              </a:rPr>
+              <a:t> </a:t>
+            </a:r>
+            <a:r>
+              <a:rPr sz="1100" i="1" spc="-15">
+                <a:solidFill>
+                  <a:srgbClr val="777879"/>
+                </a:solidFill>
+                <a:latin typeface="AdobeClean-LightIt"/>
+                <a:cs typeface="AdobeClean-LightIt"/>
+              </a:rPr>
               <a:t>(CSM)</a:t>
             </a:r>
-            <a:endParaRPr sz="1100" dirty="0">
+            <a:endParaRPr sz="1100">
               <a:latin typeface="AdobeClean-LightIt"/>
               <a:cs typeface="AdobeClean-LightIt"/>
             </a:endParaRPr>
@@ -14839,36 +16286,56 @@
               </a:spcBef>
             </a:pPr>
             <a:r>
-              <a:rPr lang="de-de" sz="800" spc="-5" dirty="0">
+              <a:rPr sz="800" spc="-5">
                 <a:solidFill>
                   <a:srgbClr val="6D6D6D"/>
                 </a:solidFill>
                 <a:latin typeface="Adobe Clean"/>
                 <a:cs typeface="Adobe Clean"/>
               </a:rPr>
-              <a:t>©2021 Adobe。All rights reserved.Adobe</a:t>
-            </a:r>
-            <a:r>
-              <a:rPr lang="de-de" sz="800" spc="75" dirty="0">
+              <a:t>©202</a:t>
+            </a:r>
+            <a:r>
+              <a:rPr lang="en-US" sz="800" spc="-5">
                 <a:solidFill>
                   <a:srgbClr val="6D6D6D"/>
                 </a:solidFill>
                 <a:latin typeface="Adobe Clean"/>
                 <a:cs typeface="Adobe Clean"/>
               </a:rPr>
+              <a:t>1</a:t>
+            </a:r>
+            <a:r>
+              <a:rPr sz="800" spc="-5">
+                <a:solidFill>
+                  <a:srgbClr val="6D6D6D"/>
+                </a:solidFill>
+                <a:latin typeface="Adobe Clean"/>
+                <a:cs typeface="Adobe Clean"/>
+              </a:rPr>
+              <a:t> Adobe. All Rights Reserved. Adobe</a:t>
+            </a:r>
+            <a:r>
+              <a:rPr sz="800" spc="75">
+                <a:solidFill>
+                  <a:srgbClr val="6D6D6D"/>
+                </a:solidFill>
+                <a:latin typeface="Adobe Clean"/>
+                <a:cs typeface="Adobe Clean"/>
+              </a:rPr>
               <a:t> </a:t>
             </a:r>
             <a:r>
-              <a:rPr lang="de-de" sz="800" spc="-5" dirty="0">
+              <a:rPr sz="800" spc="-5">
                 <a:solidFill>
                   <a:srgbClr val="6D6D6D"/>
                 </a:solidFill>
                 <a:latin typeface="Adobe Clean"/>
                 <a:cs typeface="Adobe Clean"/>
               </a:rPr>
-              <a:t>機密資訊。</a:t>
-            </a:r>
-            <a:endParaRPr sz="800" dirty="0">
+              <a:t>Confidential.</a:t>
+            </a:r>
+            <a:endParaRPr sz="800">
               <a:latin typeface="Adobe Clean"/>
               <a:cs typeface="Adobe Clean"/>
             </a:endParaRPr>
@@ -14889,134 +16356,55 @@
         </p:nvSpPr>
         <p:spPr>
           <a:xfrm>
-            <a:off x="171129" y="5057379"/>
-            <a:ext cx="6476646" cy="755976"/>
+            <a:off x="184181" y="4900727"/>
+            <a:ext cx="7396804" cy="769030"/>
           </a:xfrm>
           <a:prstGeom prst="rect">
             <a:avLst/>
           </a:prstGeom>
         </p:spPr>
         <p:txBody>
-          <a:bodyPr vert="horz" wrap="square" lIns="0" tIns="116205" rIns="0" bIns="0" rtlCol="0">
+          <a:bodyPr vert="horz" wrap="square" lIns="0" tIns="116205" rIns="0" bIns="0" rtlCol="0" anchor="t">
             <a:spAutoFit/>
           </a:bodyPr>
           <a:lstStyle/>
           <a:p>
-            <a:pPr lvl="0">
+            <a:pPr>
               <a:spcBef>
                 <a:spcPts val="915"/>
               </a:spcBef>
             </a:pPr>
             <a:r>
-              <a:rPr lang="en-US" altLang="zh-TW" sz="1400" b="1" spc="-15" dirty="0">
+              <a:rPr lang="en-US" sz="1400" b="1" spc="-15">
                 <a:solidFill>
                   <a:srgbClr val="020302"/>
                 </a:solidFill>
                 <a:latin typeface="Adobe Clean"/>
                 <a:cs typeface="Adobe Clean"/>
               </a:rPr>
-              <a:t>Adobe </a:t>
-            </a:r>
-            <a:r>
-              <a:rPr lang="zh-TW" altLang="en-US" sz="1400" b="1" spc="-15" dirty="0">
-                <a:solidFill>
-                  <a:srgbClr val="020302"/>
-                </a:solidFill>
-                <a:latin typeface="Adobe Clean"/>
-                <a:cs typeface="Adobe Clean"/>
-              </a:rPr>
-              <a:t>支援的區域範圍、當地營業時間和語言支援</a:t>
-            </a:r>
-            <a:endParaRPr lang="pl-PL" altLang="zh-TW" sz="1400" b="1" spc="-15" dirty="0">
-              <a:solidFill>
-                <a:srgbClr val="020302"/>
-              </a:solidFill>
-              <a:latin typeface="Adobe Clean"/>
-              <a:cs typeface="Adobe Clean"/>
+              <a:t>Regional scope of Adobe Support, Local Hours Of Operation And Language Support</a:t>
+            </a:r>
+            <a:endParaRPr lang="en-US" sz="1400" spc="-15">
+              <a:ea typeface="+mn-lt"/>
+              <a:cs typeface="+mn-lt"/>
             </a:endParaRPr>
           </a:p>
           <a:p>
-            <a:pPr lvl="0">
+            <a:pPr>
               <a:spcBef>
                 <a:spcPts val="915"/>
               </a:spcBef>
             </a:pPr>
             <a:r>
-              <a:rPr lang="en-US" altLang="zh-TW" sz="1000" spc="-15" dirty="0">
+              <a:rPr lang="en-US" sz="1000" spc="-15">
                 <a:solidFill>
                   <a:srgbClr val="1F1F1F"/>
                 </a:solidFill>
                 <a:latin typeface="AdobeClean-Light"/>
               </a:rPr>
-              <a:t>Adobe </a:t>
-            </a:r>
-            <a:r>
-              <a:rPr lang="zh-TW" altLang="en-US" sz="1000" spc="-15" dirty="0">
-                <a:solidFill>
-                  <a:srgbClr val="1F1F1F"/>
-                </a:solidFill>
-                <a:latin typeface="AdobeClean-Light"/>
-              </a:rPr>
-              <a:t>支援的區域範圍是透過將客戶的帳單地址 </a:t>
-            </a:r>
-            <a:r>
-              <a:rPr lang="en-US" altLang="zh-TW" sz="1000" spc="-15" dirty="0">
-                <a:solidFill>
-                  <a:srgbClr val="1F1F1F"/>
-                </a:solidFill>
-                <a:latin typeface="AdobeClean-Light"/>
-              </a:rPr>
-              <a:t>(</a:t>
-            </a:r>
-            <a:r>
-              <a:rPr lang="zh-TW" altLang="en-US" sz="1000" spc="-15" dirty="0">
-                <a:solidFill>
-                  <a:srgbClr val="1F1F1F"/>
-                </a:solidFill>
-                <a:latin typeface="AdobeClean-Light"/>
-              </a:rPr>
-              <a:t>通過銷售訂單或其他 </a:t>
-            </a:r>
-            <a:r>
-              <a:rPr lang="en-US" altLang="zh-TW" sz="1000" spc="-15" dirty="0">
-                <a:solidFill>
-                  <a:srgbClr val="1F1F1F"/>
-                </a:solidFill>
-                <a:latin typeface="AdobeClean-Light"/>
-              </a:rPr>
-              <a:t>Adobe </a:t>
-            </a:r>
-            <a:r>
-              <a:rPr lang="zh-TW" altLang="en-US" sz="1000" spc="-15" dirty="0">
-                <a:solidFill>
-                  <a:srgbClr val="1F1F1F"/>
-                </a:solidFill>
-                <a:latin typeface="AdobeClean-Light"/>
-              </a:rPr>
-              <a:t>支援採購文件</a:t>
-            </a:r>
-            <a:r>
-              <a:rPr lang="en-US" altLang="zh-TW" sz="1000" spc="-15" dirty="0">
-                <a:solidFill>
-                  <a:srgbClr val="1F1F1F"/>
-                </a:solidFill>
-                <a:latin typeface="AdobeClean-Light"/>
-              </a:rPr>
-              <a:t>) </a:t>
-            </a:r>
-            <a:r>
-              <a:rPr lang="zh-TW" altLang="en-US" sz="1000" spc="-15" dirty="0">
-                <a:solidFill>
-                  <a:srgbClr val="1F1F1F"/>
-                </a:solidFill>
-                <a:latin typeface="AdobeClean-Light"/>
-              </a:rPr>
-              <a:t>歸納於以下區域之一來建立的：</a:t>
-            </a:r>
-            <a:endParaRPr lang="de-de" sz="1000" spc="-15" dirty="0">
-              <a:solidFill>
-                <a:srgbClr val="1F1F1F"/>
-              </a:solidFill>
+              <a:t>The regional scope of Adobe Support is established by aligning the customer's billing address (via the Sales Order or other Adobe Support purchasing document) to one of the following regions:</a:t>
+            </a:r>
+            <a:endParaRPr lang="en-US" sz="1000">
               <a:latin typeface="AdobeClean-Light"/>
             </a:endParaRPr>
           </a:p>
@@ -15037,14 +16425,14 @@
           <p:nvPr>
             <p:extLst>
               <p:ext uri="{D42A27DB-BD31-4B8C-83A1-F6EECF244321}">
-                <p14:modId xmlns:p14="http://schemas.microsoft.com/office/powerpoint/2010/main" val="3128037044"/>
+                <p14:modId xmlns:p14="http://schemas.microsoft.com/office/powerpoint/2010/main" val="3975465108"/>
               </p:ext>
             </p:extLst>
           </p:nvPr>
         </p:nvGraphicFramePr>
         <p:xfrm>
           <a:off x="171128" y="5907213"/>
-          <a:ext cx="7391400" cy="1280160"/>
+          <a:ext cx="7391400" cy="1336040"/>
         </p:xfrm>
         <a:graphic>
           <a:graphicData uri="http://schemas.openxmlformats.org/drawingml/2006/table">
@@ -15090,13 +16478,13 @@
                     <a:p>
                       <a:pPr algn="ctr"/>
                       <a:r>
-                        <a:rPr lang="de-de" sz="1100" dirty="0">
+                        <a:rPr lang="en-US" sz="1100">
                           <a:solidFill>
                             <a:schemeClr val="tx1"/>
                           </a:solidFill>
                           <a:latin typeface="Adobe Clean" panose="020B0503020404020204" pitchFamily="34" charset="0"/>
                         </a:rPr>
-                        <a:t>美洲</a:t>
+                        <a:t>Americas</a:t>
                       </a:r>
                     </a:p>
                   </a:txBody>
@@ -15155,13 +16543,13 @@
                     <a:p>
                       <a:pPr algn="ctr"/>
                       <a:r>
-                        <a:rPr lang="de-de" sz="1100" dirty="0">
+                        <a:rPr lang="en-US" sz="1100">
                           <a:solidFill>
                             <a:schemeClr val="tx1"/>
                           </a:solidFill>
                           <a:latin typeface="Adobe Clean" panose="020B0503020404020204" pitchFamily="34" charset="0"/>
                         </a:rPr>
-                        <a:t>歐洲、中東與非洲</a:t>
+                        <a:t>Europe, Middle East &amp; Africa</a:t>
                       </a:r>
                     </a:p>
                   </a:txBody>
@@ -15220,13 +16608,13 @@
                     <a:p>
                       <a:pPr algn="ctr"/>
                       <a:r>
-                        <a:rPr lang="de-de" sz="1100" dirty="0">
+                        <a:rPr lang="en-US" sz="1100">
                           <a:solidFill>
                             <a:schemeClr val="tx1"/>
                           </a:solidFill>
                           <a:latin typeface="Adobe Clean" panose="020B0503020404020204" pitchFamily="34" charset="0"/>
                         </a:rPr>
-                        <a:t>亞太地區</a:t>
+                        <a:t>Asia Pacific</a:t>
                       </a:r>
                     </a:p>
                   </a:txBody>
@@ -15285,24 +16673,24 @@
                     <a:p>
                       <a:pPr algn="ctr"/>
                       <a:r>
-                        <a:rPr lang="de-de" sz="1100" dirty="0">
+                        <a:rPr lang="en-US" sz="1100">
                           <a:solidFill>
                             <a:schemeClr val="tx1"/>
                           </a:solidFill>
                           <a:latin typeface="Adobe Clean" panose="020B0503020404020204" pitchFamily="34" charset="0"/>
                         </a:rPr>
-                        <a:t>日本 </a:t>
+                        <a:t>Japan </a:t>
                       </a:r>
                       <a:r>
-                        <a:rPr lang="de-de" sz="1100" baseline="30000" dirty="0">
+                        <a:rPr lang="en-US" sz="1100" baseline="30000">
                           <a:solidFill>
                             <a:schemeClr val="tx1"/>
                           </a:solidFill>
                           <a:latin typeface="Adobe Clean" panose="020B0503020404020204" pitchFamily="34" charset="0"/>
                         </a:rPr>
-                        <a:t>1</a:t>
+                        <a:t>1 </a:t>
                       </a:r>
-                      <a:endParaRPr lang="en-US" sz="1100" dirty="0">
+                      <a:endParaRPr lang="en-US" sz="1100">
                         <a:solidFill>
                           <a:schemeClr val="tx1"/>
                         </a:solidFill>
@@ -15372,13 +16760,13 @@
                     <a:p>
                       <a:pPr algn="ctr"/>
                       <a:r>
-                        <a:rPr lang="de-de" sz="1100" dirty="0">
+                        <a:rPr lang="en-US" sz="1100">
                           <a:solidFill>
                             <a:schemeClr val="tx1"/>
                           </a:solidFill>
                           <a:latin typeface="Adobe Clean" panose="020B0503020404020204" pitchFamily="34" charset="0"/>
                         </a:rPr>
-                        <a:t>上午 6 點 – 下午 5:30</a:t>
+                        <a:t>6 am – 5:30 pm</a:t>
                       </a:r>
                     </a:p>
                   </a:txBody>
@@ -15437,13 +16825,13 @@
                     <a:p>
                       <a:pPr algn="ctr"/>
                       <a:r>
-                        <a:rPr lang="de-de" sz="1100" dirty="0">
+                        <a:rPr lang="en-US" sz="1100">
                           <a:solidFill>
                             <a:schemeClr val="tx1"/>
                           </a:solidFill>
                           <a:latin typeface="Adobe Clean" panose="020B0503020404020204" pitchFamily="34" charset="0"/>
                         </a:rPr>
-                        <a:t>上午 9 點 – 下午 5 點</a:t>
+                        <a:t>9 am – 5 pm</a:t>
                       </a:r>
                     </a:p>
                   </a:txBody>
@@ -15502,13 +16890,13 @@
                     <a:p>
                       <a:pPr algn="ctr"/>
                       <a:r>
-                        <a:rPr lang="de-de" sz="1100" dirty="0">
+                        <a:rPr lang="en-US" sz="1100">
                           <a:solidFill>
                             <a:schemeClr val="tx1"/>
                           </a:solidFill>
                           <a:latin typeface="Adobe Clean" panose="020B0503020404020204" pitchFamily="34" charset="0"/>
                         </a:rPr>
-                        <a:t>上午 9 點 – 下午 5 點</a:t>
+                        <a:t>9 am – 5 pm</a:t>
                       </a:r>
                     </a:p>
                   </a:txBody>
@@ -15567,13 +16955,13 @@
                     <a:p>
                       <a:pPr algn="ctr"/>
                       <a:r>
-                        <a:rPr lang="de-de" sz="1100" dirty="0">
+                        <a:rPr lang="en-US" sz="1100">
                           <a:solidFill>
                             <a:schemeClr val="tx1"/>
                           </a:solidFill>
                           <a:latin typeface="Adobe Clean" panose="020B0503020404020204" pitchFamily="34" charset="0"/>
                         </a:rPr>
-                        <a:t>上午 9 點 – 下午 5:30</a:t>
+                        <a:t>9 am – 5:30 pm</a:t>
                       </a:r>
                     </a:p>
                   </a:txBody>
@@ -15637,7 +17025,7 @@
                     <a:bodyPr/>
                     <a:lstStyle/>
                     <a:p>
-                      <a:pPr marL="0" marR="0" lvl="0" indent="0" algn="ctr" defTabSz="914400" eaLnBrk="1" fontAlgn="auto" latinLnBrk="0" hangingPunct="1">
+                      <a:pPr marL="0" marR="0" lvl="0" indent="0" algn="ctr" eaLnBrk="1" fontAlgn="auto" latinLnBrk="0" hangingPunct="1">
                         <a:lnSpc>
                           <a:spcPct val="100000"/>
                         </a:lnSpc>
@@ -15651,18 +17039,22 @@
                         <a:buSzTx/>
                         <a:buFontTx/>
                         <a:buNone/>
-                        <a:tabLst/>
-                        <a:defRPr/>
                       </a:pPr>
                       <a:r>
-                        <a:rPr lang="de-de" sz="1100" dirty="0">
+                        <a:rPr lang="en-US" sz="1100">
                           <a:solidFill>
                             <a:schemeClr val="tx1"/>
                           </a:solidFill>
-                          <a:latin typeface="Adobe Clean" panose="020B0503020404020204" pitchFamily="34" charset="0"/>
+                          <a:latin typeface="Adobe Clean"/>
                         </a:rPr>
-                        <a:t>僅提供英文和日文的語言支援</a:t>
+                        <a:t>Language support is only available in English and Japanese. </a:t>
                       </a:r>
+                      <a:endParaRPr lang="en-US" sz="1100">
+                        <a:solidFill>
+                          <a:schemeClr val="tx1"/>
+                        </a:solidFill>
+                        <a:latin typeface="Adobe Clean" panose="020B0503020404020204" pitchFamily="34" charset="0"/>
+                      </a:endParaRPr>
                     </a:p>
                     <a:p>
                       <a:pPr marL="0" marR="0" lvl="0" indent="0" algn="ctr" defTabSz="914400" eaLnBrk="1" fontAlgn="auto" latinLnBrk="0" hangingPunct="1">
@@ -15682,7 +17074,7 @@
                         <a:tabLst/>
                         <a:defRPr/>
                       </a:pPr>
-                      <a:endParaRPr kumimoji="0" lang="en-US" sz="1100" b="1" i="0" u="none" strike="noStrike" kern="0" cap="none" spc="0" normalizeH="0" baseline="30000" noProof="0" dirty="0">
+                      <a:endParaRPr kumimoji="0" lang="en-US" sz="1100" b="1" i="0" u="none" strike="noStrike" kern="0" cap="none" spc="0" normalizeH="0" baseline="30000" noProof="0">
                         <a:ln>
                           <a:noFill/>
                         </a:ln>
@@ -15700,46 +17092,37 @@
                     <a:p>
                       <a:pPr algn="ctr"/>
                       <a:r>
-                        <a:rPr lang="de-de" sz="1100" i="0" dirty="0">
+                        <a:rPr lang="en-US" sz="1100" i="0">
                           <a:solidFill>
                             <a:schemeClr val="tx1"/>
                           </a:solidFill>
-                          <a:latin typeface="Adobe Clean" panose="020B0503020404020204" pitchFamily="34" charset="0"/>
+                          <a:latin typeface="Adobe Clean"/>
                         </a:rPr>
-                        <a:t> </a:t>
+                        <a:t> </a:t>
                       </a:r>
                       <a:r>
-                        <a:rPr lang="de-de" sz="1100" i="0" baseline="30000" dirty="0">
+                        <a:rPr lang="en-US" sz="1100" i="0" baseline="30000">
                           <a:solidFill>
                             <a:schemeClr val="tx1"/>
                           </a:solidFill>
-                          <a:latin typeface="Adobe Clean" panose="020B0503020404020204" pitchFamily="34" charset="0"/>
+                          <a:latin typeface="Adobe Clean"/>
                         </a:rPr>
                         <a:t>1 </a:t>
                       </a:r>
                       <a:r>
-                        <a:rPr lang="de-de" sz="1100" i="0" dirty="0">
+                        <a:rPr lang="en-US" sz="1100" i="0">
                           <a:solidFill>
                             <a:schemeClr val="tx1"/>
                           </a:solidFill>
-                          <a:latin typeface="Adobe Clean" panose="020B0503020404020204" pitchFamily="34" charset="0"/>
+                          <a:latin typeface="Adobe Clean"/>
                         </a:rPr>
-                        <a:t>P2、P3、P4 </a:t>
+                        <a:t>P2, P3, P4 cases are limited to business hours only in Japan.</a:t>
                       </a:r>
-                      <a:r>
-                        <a:rPr lang="zh-TW" altLang="en-US" sz="1100" i="0">
-                          <a:solidFill>
-                            <a:schemeClr val="tx1"/>
-                          </a:solidFill>
-                          <a:latin typeface="Adobe Clean" panose="020B0503020404020204" pitchFamily="34" charset="0"/>
-                        </a:rPr>
-                        <a:t>案件僅限於在日本的營業時間提交。</a:t>
-                      </a:r>
-                      <a:endParaRPr lang="de-de" sz="1100" b="1" i="0" dirty="0">
+                      <a:endParaRPr lang="en-US" sz="1100" b="1" i="0">
                         <a:solidFill>
                           <a:schemeClr val="tx1"/>
                         </a:solidFill>
-                        <a:latin typeface="Adobe Clean" panose="020B0503020404020204" pitchFamily="34" charset="0"/>
+                        <a:latin typeface="Adobe Clean"/>
                       </a:endParaRPr>
                     </a:p>
                   </a:txBody>
@@ -15796,7 +17179,7 @@
                     <a:bodyPr/>
                     <a:lstStyle/>
                     <a:p>
-                      <a:endParaRPr lang="en-US" sz="1100" dirty="0">
+                      <a:endParaRPr lang="en-US" sz="1100">
                         <a:solidFill>
                           <a:schemeClr val="tx1"/>
                         </a:solidFill>
@@ -15857,7 +17240,7 @@
                     <a:bodyPr/>
                     <a:lstStyle/>
                     <a:p>
-                      <a:endParaRPr lang="en-US" sz="1100" dirty="0">
+                      <a:endParaRPr lang="en-US" sz="1100">
                         <a:solidFill>
                           <a:schemeClr val="tx1"/>
                         </a:solidFill>
@@ -15918,7 +17301,7 @@
                     <a:bodyPr/>
                     <a:lstStyle/>
                     <a:p>
-                      <a:endParaRPr lang="en-US" sz="1100" dirty="0">
+                      <a:endParaRPr lang="en-US" sz="1100">
                         <a:solidFill>
                           <a:schemeClr val="tx1"/>
                         </a:solidFill>
@@ -16104,36 +17487,126 @@
               </a:spcBef>
             </a:pPr>
             <a:r>
-              <a:rPr lang="de-de" sz="1200" b="1" spc="-15" dirty="0">
+              <a:rPr sz="1200" b="1" spc="-15">
                 <a:solidFill>
                   <a:srgbClr val="FFFFFF"/>
                 </a:solidFill>
                 <a:latin typeface="Adobe Clean"/>
                 <a:cs typeface="Adobe Clean"/>
               </a:rPr>
-              <a:t>無與倫比的</a:t>
-            </a:r>
-            <a:r>
-              <a:rPr lang="de-de" sz="1200" b="1" spc="-20" dirty="0">
+              <a:t>U</a:t>
+            </a:r>
+            <a:r>
+              <a:rPr sz="1200" b="1" spc="-20">
                 <a:solidFill>
                   <a:srgbClr val="FFFFFF"/>
                 </a:solidFill>
                 <a:latin typeface="Adobe Clean"/>
                 <a:cs typeface="Adobe Clean"/>
               </a:rPr>
-              <a:t>專業知識</a:t>
-            </a:r>
-            <a:r>
-              <a:rPr lang="de-de" sz="1200" b="1" dirty="0">
+              <a:t>n</a:t>
+            </a:r>
+            <a:r>
+              <a:rPr sz="1200" b="1" spc="-25">
                 <a:solidFill>
                   <a:srgbClr val="FFFFFF"/>
                 </a:solidFill>
                 <a:latin typeface="Adobe Clean"/>
                 <a:cs typeface="Adobe Clean"/>
               </a:rPr>
-              <a:t> </a:t>
-            </a:r>
-            <a:endParaRPr sz="1200" dirty="0">
+              <a:t>p</a:t>
+            </a:r>
+            <a:r>
+              <a:rPr sz="1200" b="1" spc="-15">
+                <a:solidFill>
+                  <a:srgbClr val="FFFFFF"/>
+                </a:solidFill>
+                <a:latin typeface="Adobe Clean"/>
+                <a:cs typeface="Adobe Clean"/>
+              </a:rPr>
+              <a:t>a</a:t>
+            </a:r>
+            <a:r>
+              <a:rPr sz="1200" b="1" spc="-25">
+                <a:solidFill>
+                  <a:srgbClr val="FFFFFF"/>
+                </a:solidFill>
+                <a:latin typeface="Adobe Clean"/>
+                <a:cs typeface="Adobe Clean"/>
+              </a:rPr>
+              <a:t>r</a:t>
+            </a:r>
+            <a:r>
+              <a:rPr sz="1200" b="1" spc="-15">
+                <a:solidFill>
+                  <a:srgbClr val="FFFFFF"/>
+                </a:solidFill>
+                <a:latin typeface="Adobe Clean"/>
+                <a:cs typeface="Adobe Clean"/>
+              </a:rPr>
+              <a:t>a</a:t>
+            </a:r>
+            <a:r>
+              <a:rPr sz="1200" b="1" spc="-30">
+                <a:solidFill>
+                  <a:srgbClr val="FFFFFF"/>
+                </a:solidFill>
+                <a:latin typeface="Adobe Clean"/>
+                <a:cs typeface="Adobe Clean"/>
+              </a:rPr>
+              <a:t>ll</a:t>
+            </a:r>
+            <a:r>
+              <a:rPr sz="1200" b="1" spc="-25">
+                <a:solidFill>
+                  <a:srgbClr val="FFFFFF"/>
+                </a:solidFill>
+                <a:latin typeface="Adobe Clean"/>
+                <a:cs typeface="Adobe Clean"/>
+              </a:rPr>
+              <a:t>e</a:t>
+            </a:r>
+            <a:r>
+              <a:rPr sz="1200" b="1" spc="-30">
+                <a:solidFill>
+                  <a:srgbClr val="FFFFFF"/>
+                </a:solidFill>
+                <a:latin typeface="Adobe Clean"/>
+                <a:cs typeface="Adobe Clean"/>
+              </a:rPr>
+              <a:t>l</a:t>
+            </a:r>
+            <a:r>
+              <a:rPr sz="1200" b="1" spc="-25">
+                <a:solidFill>
+                  <a:srgbClr val="FFFFFF"/>
+                </a:solidFill>
+                <a:latin typeface="Adobe Clean"/>
+                <a:cs typeface="Adobe Clean"/>
+              </a:rPr>
+              <a:t>e</a:t>
+            </a:r>
+            <a:r>
+              <a:rPr sz="1200" b="1">
+                <a:solidFill>
+                  <a:srgbClr val="FFFFFF"/>
+                </a:solidFill>
+                <a:latin typeface="Adobe Clean"/>
+                <a:cs typeface="Adobe Clean"/>
+              </a:rPr>
+              <a:t>d  </a:t>
+            </a:r>
+            <a:r>
+              <a:rPr sz="1200" b="1" spc="-25">
+                <a:solidFill>
+                  <a:srgbClr val="FFFFFF"/>
+                </a:solidFill>
+                <a:latin typeface="Adobe Clean"/>
+                <a:cs typeface="Adobe Clean"/>
+              </a:rPr>
+              <a:t>Expertise</a:t>
+            </a:r>
+            <a:endParaRPr sz="1200">
               <a:latin typeface="Adobe Clean"/>
               <a:cs typeface="Adobe Clean"/>
             </a:endParaRPr>
@@ -16176,16 +17649,16 @@
               </a:spcBef>
             </a:pPr>
             <a:r>
-              <a:rPr lang="de-de" sz="1200" b="1" spc="-15" dirty="0">
+              <a:rPr lang="en-US" sz="1200" b="1" spc="-15">
                 <a:solidFill>
                   <a:srgbClr val="FFFFFF"/>
                 </a:solidFill>
                 <a:latin typeface="Adobe Clean"/>
                 <a:cs typeface="Adobe Clean"/>
               </a:rPr>
-              <a:t>加速支援</a:t>
-            </a:r>
-            <a:endParaRPr sz="1200" dirty="0">
+              <a:t>Accelerated Support</a:t>
+            </a:r>
+            <a:endParaRPr sz="1200">
               <a:latin typeface="Adobe Clean"/>
               <a:cs typeface="Adobe Clean"/>
             </a:endParaRPr>
@@ -16228,46 +17701,106 @@
               </a:spcBef>
             </a:pPr>
             <a:r>
-              <a:rPr lang="de-de" sz="1200" b="1" spc="-50" dirty="0">
+              <a:rPr sz="1200" b="1" spc="-50">
                 <a:solidFill>
                   <a:srgbClr val="FFFFFF"/>
                 </a:solidFill>
                 <a:latin typeface="Adobe Clean"/>
                 <a:cs typeface="Adobe Clean"/>
               </a:rPr>
-              <a:t>策</a:t>
-            </a:r>
-            <a:r>
-              <a:rPr lang="de-de" sz="1200" b="1" spc="-20" dirty="0">
+              <a:t>S</a:t>
+            </a:r>
+            <a:r>
+              <a:rPr sz="1200" b="1" spc="-20">
                 <a:solidFill>
                   <a:srgbClr val="FFFFFF"/>
                 </a:solidFill>
                 <a:latin typeface="Adobe Clean"/>
                 <a:cs typeface="Adobe Clean"/>
               </a:rPr>
-              <a:t>略</a:t>
-            </a:r>
-            <a:r>
-              <a:rPr lang="de-de" sz="1200" b="1" spc="-75" dirty="0">
+              <a:t>t</a:t>
+            </a:r>
+            <a:r>
+              <a:rPr sz="1200" b="1" spc="-75">
                 <a:solidFill>
                   <a:srgbClr val="FFFFFF"/>
                 </a:solidFill>
                 <a:latin typeface="Adobe Clean"/>
                 <a:cs typeface="Adobe Clean"/>
               </a:rPr>
-              <a:t>性</a:t>
-            </a:r>
-            <a:r>
-              <a:rPr lang="de-de" sz="1200" b="1" spc="-45" dirty="0">
+              <a:t>r</a:t>
+            </a:r>
+            <a:r>
+              <a:rPr sz="1200" b="1" spc="-90">
                 <a:solidFill>
                   <a:srgbClr val="FFFFFF"/>
                 </a:solidFill>
                 <a:latin typeface="Adobe Clean"/>
                 <a:cs typeface="Adobe Clean"/>
               </a:rPr>
-              <a:t>建議</a:t>
-            </a:r>
-            <a:endParaRPr sz="1200" dirty="0">
+              <a:t>a</a:t>
+            </a:r>
+            <a:r>
+              <a:rPr sz="1200" b="1" spc="-55">
+                <a:solidFill>
+                  <a:srgbClr val="FFFFFF"/>
+                </a:solidFill>
+                <a:latin typeface="Adobe Clean"/>
+                <a:cs typeface="Adobe Clean"/>
+              </a:rPr>
+              <a:t>t</a:t>
+            </a:r>
+            <a:r>
+              <a:rPr sz="1200" b="1" spc="-100">
+                <a:solidFill>
+                  <a:srgbClr val="FFFFFF"/>
+                </a:solidFill>
+                <a:latin typeface="Adobe Clean"/>
+                <a:cs typeface="Adobe Clean"/>
+              </a:rPr>
+              <a:t>e</a:t>
+            </a:r>
+            <a:r>
+              <a:rPr sz="1200" b="1" spc="-80">
+                <a:solidFill>
+                  <a:srgbClr val="FFFFFF"/>
+                </a:solidFill>
+                <a:latin typeface="Adobe Clean"/>
+                <a:cs typeface="Adobe Clean"/>
+              </a:rPr>
+              <a:t>g</a:t>
+            </a:r>
+            <a:r>
+              <a:rPr sz="1200" b="1" spc="-35">
+                <a:solidFill>
+                  <a:srgbClr val="FFFFFF"/>
+                </a:solidFill>
+                <a:latin typeface="Adobe Clean"/>
+                <a:cs typeface="Adobe Clean"/>
+              </a:rPr>
+              <a:t>i</a:t>
+            </a:r>
+            <a:r>
+              <a:rPr sz="1200" b="1">
+                <a:solidFill>
+                  <a:srgbClr val="FFFFFF"/>
+                </a:solidFill>
+                <a:latin typeface="Adobe Clean"/>
+                <a:cs typeface="Adobe Clean"/>
+              </a:rPr>
+              <a:t>c  </a:t>
+            </a:r>
+            <a:r>
+              <a:rPr sz="1200" b="1" spc="-45">
+                <a:solidFill>
+                  <a:srgbClr val="FFFFFF"/>
+                </a:solidFill>
+                <a:latin typeface="Adobe Clean"/>
+                <a:cs typeface="Adobe Clean"/>
+              </a:rPr>
+              <a:t>Advice</a:t>
+            </a:r>
+            <a:endParaRPr sz="1200">
               <a:latin typeface="Adobe Clean"/>
               <a:cs typeface="Adobe Clean"/>
             </a:endParaRPr>
@@ -16296,7 +17829,7 @@
         </p:nvGraphicFramePr>
         <p:xfrm>
           <a:off x="194236" y="1059345"/>
-          <a:ext cx="7368291" cy="2473960"/>
+          <a:ext cx="7368291" cy="2931160"/>
         </p:xfrm>
         <a:graphic>
           <a:graphicData uri="http://schemas.openxmlformats.org/drawingml/2006/table">
@@ -16327,7 +17860,7 @@
                     <a:lstStyle/>
                     <a:p>
                       <a:r>
-                        <a:rPr lang="de-de" sz="1100" b="0" dirty="0">
+                        <a:rPr lang="en-US" sz="1100" b="0">
                           <a:solidFill>
                             <a:schemeClr val="tx1"/>
                           </a:solidFill>
@@ -16338,7 +17871,7 @@
                         </a:rPr>
                         <a:t>Experience League</a:t>
                       </a:r>
-                      <a:endParaRPr lang="en-US" sz="1100" b="0" dirty="0">
+                      <a:endParaRPr lang="en-US" sz="1100" b="0">
                         <a:solidFill>
                           <a:schemeClr val="tx1"/>
                         </a:solidFill>
@@ -16419,7 +17952,7 @@
                         <a:defRPr/>
                       </a:pPr>
                       <a:r>
-                        <a:rPr lang="de-de" sz="1000" b="0" kern="1200" dirty="0">
+                        <a:rPr lang="en-US" sz="1000" b="0" kern="1200">
                           <a:solidFill>
                             <a:srgbClr val="000000"/>
                           </a:solidFill>
@@ -16427,7 +17960,7 @@
                           <a:ea typeface="+mn-ea"/>
                           <a:cs typeface="+mn-cs"/>
                         </a:rPr>
-                        <a:t>Experience League 是 Adobe 幫助企業經由其所做的 Adobe 投資來實現預期價值的方式。這是一個統一的位置，客戶可以在這裡學習、交流並沿著個人化的成功路徑而成長，這裡有提供自助式教學課程、產品文件、由講師授課的培訓課程、社群及技術支援。</a:t>
+                        <a:t>Experience League is how Adobe helps businesses achieve the value they expect from their Adobe investment. It’s the unified place where customers can learn, connect, and grow along a personalized path to success that includes self-help tutorials, product documentation, instructor-led training, community and technical support. </a:t>
                       </a:r>
                     </a:p>
                   </a:txBody>
@@ -16509,7 +18042,7 @@
                         <a:defRPr/>
                       </a:pPr>
                       <a:r>
-                        <a:rPr lang="de-de" sz="1100" dirty="0">
+                        <a:rPr lang="en-US" sz="1100">
                           <a:solidFill>
                             <a:schemeClr val="dk1"/>
                           </a:solidFill>
@@ -16519,9 +18052,21 @@
                           <a:cs typeface="+mn-cs"/>
                           <a:hlinkClick r:id="rId8"/>
                         </a:rPr>
-                        <a:t>培訓</a:t>
+                        <a:t>Training</a:t>
                       </a:r>
-                      <a:endParaRPr lang="en-US" sz="1100" dirty="0">
+                      <a:r>
+                        <a:rPr lang="en-US" sz="1100">
+                          <a:solidFill>
+                            <a:schemeClr val="dk1"/>
+                          </a:solidFill>
+                          <a:effectLst/>
+                          <a:latin typeface="Adobe Clean" panose="020B0503020404020204" pitchFamily="34" charset="0"/>
+                          <a:ea typeface="+mn-ea"/>
+                          <a:cs typeface="+mn-cs"/>
+                        </a:rPr>
+                        <a:t> </a:t>
+                      </a:r>
+                      <a:endParaRPr lang="en-US" sz="1100">
                         <a:solidFill>
                           <a:schemeClr val="tx1"/>
                         </a:solidFill>
@@ -16603,7 +18148,7 @@
                         <a:defRPr/>
                       </a:pPr>
                       <a:r>
-                        <a:rPr lang="de-de" sz="1000" kern="1200" dirty="0">
+                        <a:rPr lang="en-US" sz="1000" kern="1200">
                           <a:solidFill>
                             <a:srgbClr val="000000"/>
                           </a:solidFill>
@@ -16611,7 +18156,7 @@
                           <a:ea typeface="+mn-ea"/>
                           <a:cs typeface="+mn-cs"/>
                         </a:rPr>
-                        <a:t>您可以從 Experience League 存取 Adobe 數位學習服務課程。學習課程整合了隨需和教師指導的課程。在這裡，您可以習取市場公認價值的技能，並將其定位以促進貴組織獲致成功。</a:t>
+                        <a:t>Adobe Digital Learning Services courses are accessible from Experience League. Learning courses integrate both on-demand and instructor-led lessons.  Here you can accrue skills that have recognized market value and position them to drive success in your organizations.</a:t>
                       </a:r>
                     </a:p>
                   </a:txBody>
@@ -16693,7 +18238,7 @@
                         <a:defRPr/>
                       </a:pPr>
                       <a:r>
-                        <a:rPr lang="de-de" sz="1100" dirty="0">
+                        <a:rPr lang="en-US" sz="1100">
                           <a:solidFill>
                             <a:schemeClr val="tx1"/>
                           </a:solidFill>
@@ -16703,9 +18248,9 @@
                           <a:cs typeface="+mn-cs"/>
                           <a:hlinkClick r:id="rId9"/>
                         </a:rPr>
-                        <a:t>生產問題與系統中斷</a:t>
+                        <a:t>Production Issues &amp; System Outages</a:t>
                       </a:r>
-                      <a:endParaRPr lang="en-US" sz="1100" dirty="0">
+                      <a:endParaRPr lang="en-US" sz="1100">
                         <a:solidFill>
                           <a:schemeClr val="tx1"/>
                         </a:solidFill>
@@ -16787,7 +18332,7 @@
                         <a:defRPr/>
                       </a:pPr>
                       <a:r>
-                        <a:rPr lang="de-de" sz="1000" kern="1200" dirty="0">
+                        <a:rPr lang="en-US" sz="1000" kern="1200">
                           <a:solidFill>
                             <a:srgbClr val="000000"/>
                           </a:solidFill>
@@ -16795,7 +18340,7 @@
                           <a:ea typeface="+mn-ea"/>
                           <a:cs typeface="+mn-cs"/>
                         </a:rPr>
-                        <a:t>Status.adobe.com 會傳達所有在多租用戶環境中部署的 Adobe 產品與服務的健康資訊。客戶可以選擇其訂閱偏好設定，以便在 Adobe 建立、更新或解決產品事件時收到電子郵件通知。這可以包括預定的維護或是不同嚴重性等級的服務問題。</a:t>
+                        <a:t>Status.adobe.com conveys the health information of all Adobe products and services that are deployed in multi-tenant environments. Customers can choose their subscription preferences to get email notifications whenever Adobe creates, updates or resolves a product event. This can include scheduled maintenance or service issues of varying levels of severity. </a:t>
                       </a:r>
                     </a:p>
                   </a:txBody>
@@ -16877,7 +18422,7 @@
                         <a:defRPr/>
                       </a:pPr>
                       <a:r>
-                        <a:rPr lang="de-de" sz="1100" dirty="0">
+                        <a:rPr lang="en-US" sz="1100">
                           <a:solidFill>
                             <a:schemeClr val="tx1"/>
                           </a:solidFill>
@@ -16887,9 +18432,9 @@
                           <a:cs typeface="+mn-cs"/>
                           <a:hlinkClick r:id="rId10"/>
                         </a:rPr>
-                        <a:t>條款與條件</a:t>
+                        <a:t>Terms and Conditions</a:t>
                       </a:r>
-                      <a:endParaRPr lang="en-US" sz="1100" dirty="0">
+                      <a:endParaRPr lang="en-US" sz="1100">
                         <a:solidFill>
                           <a:schemeClr val="tx1"/>
                         </a:solidFill>
@@ -16954,7 +18499,7 @@
                     <a:lstStyle/>
                     <a:p>
                       <a:r>
-                        <a:rPr lang="de-de" sz="1000" kern="1200" dirty="0">
+                        <a:rPr lang="en-US" sz="1000" kern="1200">
                           <a:solidFill>
                             <a:srgbClr val="000000"/>
                           </a:solidFill>
@@ -16962,7 +18507,7 @@
                           <a:ea typeface="+mn-ea"/>
                           <a:cs typeface="+mn-cs"/>
                         </a:rPr>
-                        <a:t>詳述支援服務方案的條款與條件</a:t>
+                        <a:t>Terms and conditions detailing Support Services offerings</a:t>
                       </a:r>
                     </a:p>
                   </a:txBody>
@@ -17026,7 +18571,7 @@
       </p:graphicFrame>
       <p:pic>
         <p:nvPicPr>
-          <p:cNvPr id="8" name="Graphic 7" descr="目標大綱">
+          <p:cNvPr id="8" name="Graphic 7" descr="Target outline">
             <a:extLst>
               <a:ext uri="{FF2B5EF4-FFF2-40B4-BE49-F238E27FC236}">
                 <a16:creationId xmlns:a16="http://schemas.microsoft.com/office/drawing/2014/main" id="{1EAA263E-04A7-0D46-952E-EA3033B45116}"/>
@@ -17065,7 +18610,7 @@
       </p:pic>
       <p:pic>
         <p:nvPicPr>
-          <p:cNvPr id="10" name="Graphic 9" descr="火箭大綱">
+          <p:cNvPr id="10" name="Graphic 9" descr="Rocket outline">
             <a:extLst>
               <a:ext uri="{FF2B5EF4-FFF2-40B4-BE49-F238E27FC236}">
                 <a16:creationId xmlns:a16="http://schemas.microsoft.com/office/drawing/2014/main" id="{A068EBC3-B418-4E4A-A520-101CA4B39F23}"/>
@@ -17104,7 +18649,7 @@
       </p:pic>
       <p:pic>
         <p:nvPicPr>
-          <p:cNvPr id="12" name="Graphic 11" descr="獎章概述">
+          <p:cNvPr id="12" name="Graphic 11" descr="Medal outline">
             <a:extLst>
               <a:ext uri="{FF2B5EF4-FFF2-40B4-BE49-F238E27FC236}">
                 <a16:creationId xmlns:a16="http://schemas.microsoft.com/office/drawing/2014/main" id="{C7BEFC2D-0CA6-0448-B9FA-6E1581CA6D36}"/>
@@ -17733,12 +19278,9 @@
 </file>
 
 <file path=customXml/item1.xml><?xml version="1.0" encoding="utf-8"?>
-<?mso-contentType ?>
-<FormTemplates xmlns="http://schemas.microsoft.com/sharepoint/v3/contenttype/forms">
-  <Display>DocumentLibraryForm</Display>
-  <Edit>DocumentLibraryForm</Edit>
-  <New>DocumentLibraryForm</New>
-</FormTemplates>
+<p:properties xmlns:p="http://schemas.microsoft.com/office/2006/metadata/properties" xmlns:xsi="http://www.w3.org/2001/XMLSchema-instance" xmlns:pc="http://schemas.microsoft.com/office/infopath/2007/PartnerControls">
+  <documentManagement/>
+</p:properties>
 </file>
 
 <file path=customXml/item2.xml><?xml version="1.0" encoding="utf-8"?>
@@ -17947,15 +19489,19 @@
 </file>
 
 <file path=customXml/item3.xml><?xml version="1.0" encoding="utf-8"?>
-<p:properties xmlns:p="http://schemas.microsoft.com/office/2006/metadata/properties" xmlns:xsi="http://www.w3.org/2001/XMLSchema-instance" xmlns:pc="http://schemas.microsoft.com/office/infopath/2007/PartnerControls">
-  <documentManagement/>
-</p:properties>
+<?mso-contentType ?>
+<FormTemplates xmlns="http://schemas.microsoft.com/sharepoint/v3/contenttype/forms">
+  <Display>DocumentLibraryForm</Display>
+  <Edit>DocumentLibraryForm</Edit>
+  <New>DocumentLibraryForm</New>
+</FormTemplates>
 </file>
 
 <file path=customXml/itemProps1.xml><?xml version="1.0" encoding="utf-8"?>
-<ds:datastoreItem xmlns:ds="http://schemas.openxmlformats.org/officeDocument/2006/customXml" ds:itemID="{669D9D3B-3229-44EE-9964-24A06AE66887}">
+<ds:datastoreItem xmlns:ds="http://schemas.openxmlformats.org/officeDocument/2006/customXml" ds:itemID="{CED41536-010B-47B1-9229-B72BE4090090}">
   <ds:schemaRefs>
-    <ds:schemaRef ds:uri="http://schemas.microsoft.com/sharepoint/v3/contenttype/forms"/>
+    <ds:schemaRef ds:uri="http://schemas.microsoft.com/office/2006/metadata/properties"/>
+    <ds:schemaRef ds:uri="http://schemas.microsoft.com/office/infopath/2007/PartnerControls"/>
   </ds:schemaRefs>
 </ds:datastoreItem>
 </file>
@@ -17963,27 +19509,26 @@
 <file path=customXml/itemProps2.xml><?xml version="1.0" encoding="utf-8"?>
 <ds:datastoreItem xmlns:ds="http://schemas.openxmlformats.org/officeDocument/2006/customXml" ds:itemID="{75C1A8FD-3884-41A0-BE37-D15776C885D1}">
   <ds:schemaRefs>
-    <ds:schemaRef ds:uri="http://schemas.microsoft.com/office/2006/metadata/contentType"/>
-    <ds:schemaRef ds:uri="http://schemas.microsoft.com/office/2006/metadata/properties/metaAttributes"/>
-    <ds:schemaRef ds:uri="http://www.w3.org/2001/XMLSchema"/>
-    <ds:schemaRef ds:uri="http://schemas.microsoft.com/office/2006/metadata/properties"/>
+    <ds:schemaRef ds:uri="6c8368ec-3776-49b5-a5bb-90648cf9530f"/>
     <ds:schemaRef ds:uri="8a053bff-88be-49e4-9a87-e748e18b8b62"/>
-    <ds:schemaRef ds:uri="6c8368ec-3776-49b5-a5bb-90648cf9530f"/>
-    <ds:schemaRef ds:uri="http://schemas.microsoft.com/office/2006/documentManagement/types"/>
-    <ds:schemaRef ds:uri="http://schemas.microsoft.com/office/infopath/2007/PartnerControls"/>
-    <ds:schemaRef ds:uri="http://schemas.openxmlformats.org/package/2006/metadata/core-properties"/>
     <ds:schemaRef ds:uri="http://purl.org/dc/elements/1.1/"/>
     <ds:schemaRef ds:uri="http://purl.org/dc/terms/"/>
     <ds:schemaRef ds:uri="http://schemas.microsoft.com/internal/obd"/>
+    <ds:schemaRef ds:uri="http://schemas.microsoft.com/office/2006/documentManagement/types"/>
+    <ds:schemaRef ds:uri="http://schemas.microsoft.com/office/2006/metadata/contentType"/>
+    <ds:schemaRef ds:uri="http://schemas.microsoft.com/office/2006/metadata/properties"/>
+    <ds:schemaRef ds:uri="http://schemas.microsoft.com/office/2006/metadata/properties/metaAttributes"/>
+    <ds:schemaRef ds:uri="http://schemas.microsoft.com/office/infopath/2007/PartnerControls"/>
+    <ds:schemaRef ds:uri="http://schemas.openxmlformats.org/package/2006/metadata/core-properties"/>
+    <ds:schemaRef ds:uri="http://www.w3.org/2001/XMLSchema"/>
   </ds:schemaRefs>
 </ds:datastoreItem>
 </file>
 
 <file path=customXml/itemProps3.xml><?xml version="1.0" encoding="utf-8"?>
-<ds:datastoreItem xmlns:ds="http://schemas.openxmlformats.org/officeDocument/2006/customXml" ds:itemID="{CED41536-010B-47B1-9229-B72BE4090090}">
+<ds:datastoreItem xmlns:ds="http://schemas.openxmlformats.org/officeDocument/2006/customXml" ds:itemID="{669D9D3B-3229-44EE-9964-24A06AE66887}">
   <ds:schemaRefs>
-    <ds:schemaRef ds:uri="http://schemas.microsoft.com/office/2006/metadata/properties"/>
-    <ds:schemaRef ds:uri="http://schemas.microsoft.com/office/infopath/2007/PartnerControls"/>
+    <ds:schemaRef ds:uri="http://schemas.microsoft.com/sharepoint/v3/contenttype/forms"/>
   </ds:schemaRefs>
 </ds:datastoreItem>
 </file>
--- a/help/data-sheets/assets/EliteSupportDatasheet.pptx
+++ b/help/data-sheets/assets/EliteSupportDatasheet.pptx
@@ -151,38 +151,9 @@
 <file path=ppt/revisionInfo.xml><?xml version="1.0" encoding="utf-8"?>
 <p1510:revInfo xmlns:a="http://schemas.openxmlformats.org/drawingml/2006/main" xmlns:r="http://schemas.openxmlformats.org/officeDocument/2006/relationships" xmlns:p1510="http://schemas.microsoft.com/office/powerpoint/2015/10/main">
   <p1510:revLst>
-    <p1510:client id="{0BC4D7A0-4BBD-1B49-BE14-170949F0EA37}" v="4" dt="2021-10-13T19:10:14.670"/>
+    <p1510:client id="{86768B6F-E5DF-274A-B928-9320E1DF9962}" v="132" dt="2021-08-07T02:18:13.925"/>
   </p1510:revLst>
 </p1510:revInfo>
-</file>
-
-<file path=ppt/changesInfos/changesInfo1.xml><?xml version="1.0" encoding="utf-8"?>
-<pc:chgInfo xmlns:a="http://schemas.openxmlformats.org/drawingml/2006/main" xmlns:r="http://schemas.openxmlformats.org/officeDocument/2006/relationships" xmlns:ac="http://schemas.microsoft.com/office/drawing/2013/main/command" xmlns:pc="http://schemas.microsoft.com/office/powerpoint/2013/main/command">
-  <pc:docChgLst>
-    <pc:chgData name="Lauren Schutte" userId="6e08b2d3-447a-4d66-86be-444d50df187f" providerId="ADAL" clId="{0BC4D7A0-4BBD-1B49-BE14-170949F0EA37}"/>
-    <pc:docChg chg="modSld">
-      <pc:chgData name="Lauren Schutte" userId="6e08b2d3-447a-4d66-86be-444d50df187f" providerId="ADAL" clId="{0BC4D7A0-4BBD-1B49-BE14-170949F0EA37}" dt="2021-10-13T19:10:14.671" v="3" actId="1035"/>
-      <pc:docMkLst>
-        <pc:docMk/>
-      </pc:docMkLst>
-      <pc:sldChg chg="modSp mod">
-        <pc:chgData name="Lauren Schutte" userId="6e08b2d3-447a-4d66-86be-444d50df187f" providerId="ADAL" clId="{0BC4D7A0-4BBD-1B49-BE14-170949F0EA37}" dt="2021-10-13T19:10:14.671" v="3" actId="1035"/>
-        <pc:sldMkLst>
-          <pc:docMk/>
-          <pc:sldMk cId="0" sldId="256"/>
-        </pc:sldMkLst>
-        <pc:spChg chg="mod">
-          <ac:chgData name="Lauren Schutte" userId="6e08b2d3-447a-4d66-86be-444d50df187f" providerId="ADAL" clId="{0BC4D7A0-4BBD-1B49-BE14-170949F0EA37}" dt="2021-10-13T19:10:14.671" v="3" actId="1035"/>
-          <ac:spMkLst>
-            <pc:docMk/>
-            <pc:sldMk cId="0" sldId="256"/>
-            <ac:spMk id="4" creationId="{00000000-0000-0000-0000-000000000000}"/>
-          </ac:spMkLst>
-        </pc:spChg>
-      </pc:sldChg>
-    </pc:docChg>
-  </pc:docChgLst>
-</pc:chgInfo>
 </file>
 
 <file path=ppt/notesMasters/notesMaster1.xml><?xml version="1.0" encoding="utf-8"?>
@@ -267,7 +238,7 @@
           <a:p>
             <a:fld id="{C12E57D6-2086-AA47-A7A4-C0CDE7C14E44}" type="datetimeFigureOut">
               <a:rPr lang="en-US" smtClean="0"/>
-              <a:t>10/13/2021</a:t>
+              <a:t>10/11/21</a:t>
             </a:fld>
             <a:endParaRPr lang="en-US"/>
           </a:p>
@@ -578,7 +549,7 @@
           <a:bodyPr/>
           <a:lstStyle/>
           <a:p>
-            <a:endParaRPr lang="en-US"/>
+            <a:endParaRPr lang="en-US" dirty="0"/>
           </a:p>
         </p:txBody>
       </p:sp>
@@ -662,7 +633,7 @@
           <a:bodyPr/>
           <a:lstStyle/>
           <a:p>
-            <a:endParaRPr lang="en-US"/>
+            <a:endParaRPr lang="en-US" dirty="0"/>
           </a:p>
         </p:txBody>
       </p:sp>
@@ -841,7 +812,7 @@
           <a:p>
             <a:fld id="{1D8BD707-D9CF-40AE-B4C6-C98DA3205C09}" type="datetimeFigureOut">
               <a:rPr lang="en-US"/>
-              <a:t>10/13/2021</a:t>
+              <a:t>10/11/21</a:t>
             </a:fld>
             <a:endParaRPr lang="en-US"/>
           </a:p>
@@ -881,7 +852,7 @@
               </a:spcBef>
             </a:pPr>
             <a:r>
-              <a:rPr spc="-5"/>
+              <a:rPr spc="-5" dirty="0"/>
               <a:t>©</a:t>
             </a:r>
             <a:fld id="{81D60167-4931-47E6-BA6A-407CBD079E47}" type="slidenum">
@@ -889,35 +860,35 @@
               <a:t>‹#›</a:t>
             </a:fld>
             <a:r>
-              <a:rPr spc="-5"/>
+              <a:rPr spc="-5" dirty="0"/>
               <a:t> Adobe. All</a:t>
             </a:r>
             <a:r>
-              <a:rPr spc="-15"/>
+              <a:rPr spc="-15" dirty="0"/>
               <a:t> Rights</a:t>
             </a:r>
             <a:r>
-              <a:rPr spc="-10"/>
+              <a:rPr spc="-10" dirty="0"/>
               <a:t> </a:t>
             </a:r>
             <a:r>
-              <a:rPr spc="-15"/>
+              <a:rPr spc="-15" dirty="0"/>
               <a:t>Reserved.</a:t>
             </a:r>
             <a:r>
-              <a:rPr spc="-10"/>
+              <a:rPr spc="-10" dirty="0"/>
               <a:t> </a:t>
             </a:r>
             <a:r>
-              <a:rPr spc="-5"/>
+              <a:rPr spc="-5" dirty="0"/>
               <a:t>Adobe</a:t>
             </a:r>
             <a:r>
-              <a:rPr spc="60"/>
+              <a:rPr spc="60" dirty="0"/>
               <a:t> </a:t>
             </a:r>
             <a:r>
-              <a:rPr spc="-15"/>
+              <a:rPr spc="-15" dirty="0"/>
               <a:t>Confidential.</a:t>
             </a:r>
           </a:p>
@@ -1086,7 +1057,7 @@
           <a:p>
             <a:fld id="{1D8BD707-D9CF-40AE-B4C6-C98DA3205C09}" type="datetimeFigureOut">
               <a:rPr lang="en-US"/>
-              <a:t>10/13/2021</a:t>
+              <a:t>10/11/21</a:t>
             </a:fld>
             <a:endParaRPr lang="en-US"/>
           </a:p>
@@ -1126,7 +1097,7 @@
               </a:spcBef>
             </a:pPr>
             <a:r>
-              <a:rPr spc="-5"/>
+              <a:rPr spc="-5" dirty="0"/>
               <a:t>©</a:t>
             </a:r>
             <a:fld id="{81D60167-4931-47E6-BA6A-407CBD079E47}" type="slidenum">
@@ -1134,35 +1105,35 @@
               <a:t>‹#›</a:t>
             </a:fld>
             <a:r>
-              <a:rPr spc="-5"/>
+              <a:rPr spc="-5" dirty="0"/>
               <a:t> Adobe. All</a:t>
             </a:r>
             <a:r>
-              <a:rPr spc="-15"/>
+              <a:rPr spc="-15" dirty="0"/>
               <a:t> Rights</a:t>
             </a:r>
             <a:r>
-              <a:rPr spc="-10"/>
+              <a:rPr spc="-10" dirty="0"/>
               <a:t> </a:t>
             </a:r>
             <a:r>
-              <a:rPr spc="-15"/>
+              <a:rPr spc="-15" dirty="0"/>
               <a:t>Reserved.</a:t>
             </a:r>
             <a:r>
-              <a:rPr spc="-10"/>
+              <a:rPr spc="-10" dirty="0"/>
               <a:t> </a:t>
             </a:r>
             <a:r>
-              <a:rPr spc="-5"/>
+              <a:rPr spc="-5" dirty="0"/>
               <a:t>Adobe</a:t>
             </a:r>
             <a:r>
-              <a:rPr spc="60"/>
+              <a:rPr spc="60" dirty="0"/>
               <a:t> </a:t>
             </a:r>
             <a:r>
-              <a:rPr spc="-15"/>
+              <a:rPr spc="-15" dirty="0"/>
               <a:t>Confidential.</a:t>
             </a:r>
           </a:p>
@@ -1344,7 +1315,7 @@
           <a:p>
             <a:fld id="{1D8BD707-D9CF-40AE-B4C6-C98DA3205C09}" type="datetimeFigureOut">
               <a:rPr lang="en-US"/>
-              <a:t>10/13/2021</a:t>
+              <a:t>10/11/21</a:t>
             </a:fld>
             <a:endParaRPr lang="en-US"/>
           </a:p>
@@ -1384,7 +1355,7 @@
               </a:spcBef>
             </a:pPr>
             <a:r>
-              <a:rPr spc="-5"/>
+              <a:rPr spc="-5" dirty="0"/>
               <a:t>©</a:t>
             </a:r>
             <a:fld id="{81D60167-4931-47E6-BA6A-407CBD079E47}" type="slidenum">
@@ -1392,35 +1363,35 @@
               <a:t>‹#›</a:t>
             </a:fld>
             <a:r>
-              <a:rPr spc="-5"/>
+              <a:rPr spc="-5" dirty="0"/>
               <a:t> Adobe. All</a:t>
             </a:r>
             <a:r>
-              <a:rPr spc="-15"/>
+              <a:rPr spc="-15" dirty="0"/>
               <a:t> Rights</a:t>
             </a:r>
             <a:r>
-              <a:rPr spc="-10"/>
+              <a:rPr spc="-10" dirty="0"/>
               <a:t> </a:t>
             </a:r>
             <a:r>
-              <a:rPr spc="-15"/>
+              <a:rPr spc="-15" dirty="0"/>
               <a:t>Reserved.</a:t>
             </a:r>
             <a:r>
-              <a:rPr spc="-10"/>
+              <a:rPr spc="-10" dirty="0"/>
               <a:t> </a:t>
             </a:r>
             <a:r>
-              <a:rPr spc="-5"/>
+              <a:rPr spc="-5" dirty="0"/>
               <a:t>Adobe</a:t>
             </a:r>
             <a:r>
-              <a:rPr spc="60"/>
+              <a:rPr spc="60" dirty="0"/>
               <a:t> </a:t>
             </a:r>
             <a:r>
-              <a:rPr spc="-15"/>
+              <a:rPr spc="-15" dirty="0"/>
               <a:t>Confidential.</a:t>
             </a:r>
           </a:p>
@@ -1536,7 +1507,7 @@
           <a:p>
             <a:fld id="{1D8BD707-D9CF-40AE-B4C6-C98DA3205C09}" type="datetimeFigureOut">
               <a:rPr lang="en-US"/>
-              <a:t>10/13/2021</a:t>
+              <a:t>10/11/21</a:t>
             </a:fld>
             <a:endParaRPr lang="en-US"/>
           </a:p>
@@ -1576,7 +1547,7 @@
               </a:spcBef>
             </a:pPr>
             <a:r>
-              <a:rPr spc="-5"/>
+              <a:rPr spc="-5" dirty="0"/>
               <a:t>©</a:t>
             </a:r>
             <a:fld id="{81D60167-4931-47E6-BA6A-407CBD079E47}" type="slidenum">
@@ -1584,35 +1555,35 @@
               <a:t>‹#›</a:t>
             </a:fld>
             <a:r>
-              <a:rPr spc="-5"/>
+              <a:rPr spc="-5" dirty="0"/>
               <a:t> Adobe. All</a:t>
             </a:r>
             <a:r>
-              <a:rPr spc="-15"/>
+              <a:rPr spc="-15" dirty="0"/>
               <a:t> Rights</a:t>
             </a:r>
             <a:r>
-              <a:rPr spc="-10"/>
+              <a:rPr spc="-10" dirty="0"/>
               <a:t> </a:t>
             </a:r>
             <a:r>
-              <a:rPr spc="-15"/>
+              <a:rPr spc="-15" dirty="0"/>
               <a:t>Reserved.</a:t>
             </a:r>
             <a:r>
-              <a:rPr spc="-10"/>
+              <a:rPr spc="-10" dirty="0"/>
               <a:t> </a:t>
             </a:r>
             <a:r>
-              <a:rPr spc="-5"/>
+              <a:rPr spc="-5" dirty="0"/>
               <a:t>Adobe</a:t>
             </a:r>
             <a:r>
-              <a:rPr spc="60"/>
+              <a:rPr spc="60" dirty="0"/>
               <a:t> </a:t>
             </a:r>
             <a:r>
-              <a:rPr spc="-15"/>
+              <a:rPr spc="-15" dirty="0"/>
               <a:t>Confidential.</a:t>
             </a:r>
           </a:p>
@@ -1699,7 +1670,7 @@
           <a:p>
             <a:fld id="{1D8BD707-D9CF-40AE-B4C6-C98DA3205C09}" type="datetimeFigureOut">
               <a:rPr lang="en-US"/>
-              <a:t>10/13/2021</a:t>
+              <a:t>10/11/21</a:t>
             </a:fld>
             <a:endParaRPr lang="en-US"/>
           </a:p>
@@ -1739,7 +1710,7 @@
               </a:spcBef>
             </a:pPr>
             <a:r>
-              <a:rPr spc="-5"/>
+              <a:rPr spc="-5" dirty="0"/>
               <a:t>©</a:t>
             </a:r>
             <a:fld id="{81D60167-4931-47E6-BA6A-407CBD079E47}" type="slidenum">
@@ -1747,35 +1718,35 @@
               <a:t>‹#›</a:t>
             </a:fld>
             <a:r>
-              <a:rPr spc="-5"/>
+              <a:rPr spc="-5" dirty="0"/>
               <a:t> Adobe. All</a:t>
             </a:r>
             <a:r>
-              <a:rPr spc="-15"/>
+              <a:rPr spc="-15" dirty="0"/>
               <a:t> Rights</a:t>
             </a:r>
             <a:r>
-              <a:rPr spc="-10"/>
+              <a:rPr spc="-10" dirty="0"/>
               <a:t> </a:t>
             </a:r>
             <a:r>
-              <a:rPr spc="-15"/>
+              <a:rPr spc="-15" dirty="0"/>
               <a:t>Reserved.</a:t>
             </a:r>
             <a:r>
-              <a:rPr spc="-10"/>
+              <a:rPr spc="-10" dirty="0"/>
               <a:t> </a:t>
             </a:r>
             <a:r>
-              <a:rPr spc="-5"/>
+              <a:rPr spc="-5" dirty="0"/>
               <a:t>Adobe</a:t>
             </a:r>
             <a:r>
-              <a:rPr spc="60"/>
+              <a:rPr spc="60" dirty="0"/>
               <a:t> </a:t>
             </a:r>
             <a:r>
-              <a:rPr spc="-15"/>
+              <a:rPr spc="-15" dirty="0"/>
               <a:t>Confidential.</a:t>
             </a:r>
           </a:p>
@@ -1962,7 +1933,7 @@
           <a:p>
             <a:fld id="{1D8BD707-D9CF-40AE-B4C6-C98DA3205C09}" type="datetimeFigureOut">
               <a:rPr lang="en-US"/>
-              <a:t>10/13/2021</a:t>
+              <a:t>10/11/21</a:t>
             </a:fld>
             <a:endParaRPr lang="en-US"/>
           </a:p>
@@ -2012,7 +1983,7 @@
               </a:spcBef>
             </a:pPr>
             <a:r>
-              <a:rPr spc="-5"/>
+              <a:rPr spc="-5" dirty="0"/>
               <a:t>©</a:t>
             </a:r>
             <a:fld id="{81D60167-4931-47E6-BA6A-407CBD079E47}" type="slidenum">
@@ -2020,35 +1991,35 @@
               <a:t>‹#›</a:t>
             </a:fld>
             <a:r>
-              <a:rPr spc="-5"/>
+              <a:rPr spc="-5" dirty="0"/>
               <a:t> Adobe. All</a:t>
             </a:r>
             <a:r>
-              <a:rPr spc="-15"/>
+              <a:rPr spc="-15" dirty="0"/>
               <a:t> Rights</a:t>
             </a:r>
             <a:r>
-              <a:rPr spc="-10"/>
+              <a:rPr spc="-10" dirty="0"/>
               <a:t> </a:t>
             </a:r>
             <a:r>
-              <a:rPr spc="-15"/>
+              <a:rPr spc="-15" dirty="0"/>
               <a:t>Reserved.</a:t>
             </a:r>
             <a:r>
-              <a:rPr spc="-10"/>
+              <a:rPr spc="-10" dirty="0"/>
               <a:t> </a:t>
             </a:r>
             <a:r>
-              <a:rPr spc="-5"/>
+              <a:rPr spc="-5" dirty="0"/>
               <a:t>Adobe</a:t>
             </a:r>
             <a:r>
-              <a:rPr spc="60"/>
+              <a:rPr spc="60" dirty="0"/>
               <a:t> </a:t>
             </a:r>
             <a:r>
-              <a:rPr spc="-15"/>
+              <a:rPr spc="-15" dirty="0"/>
               <a:t>Confidential.</a:t>
             </a:r>
           </a:p>
@@ -2245,27 +2216,25 @@
           </a:prstGeom>
         </p:spPr>
         <p:txBody>
-          <a:bodyPr vert="horz" wrap="square" lIns="0" tIns="12700" rIns="0" bIns="0" rtlCol="0" anchor="t">
+          <a:bodyPr vert="horz" wrap="square" lIns="0" tIns="12700" rIns="0" bIns="0" rtlCol="0">
             <a:spAutoFit/>
           </a:bodyPr>
           <a:lstStyle/>
           <a:p>
             <a:pPr marL="12700">
+              <a:lnSpc>
+                <a:spcPct val="100000"/>
+              </a:lnSpc>
               <a:spcBef>
                 <a:spcPts val="100"/>
               </a:spcBef>
             </a:pPr>
             <a:r>
-              <a:rPr sz="2300"/>
-              <a:t>ADOBE </a:t>
-            </a:r>
-            <a:r>
-              <a:rPr lang="en-US" sz="2300"/>
-              <a:t>SUPPORT PLANS</a:t>
-            </a:r>
-            <a:endParaRPr sz="2300">
-              <a:latin typeface="Adobe Clean" panose="020B0503020404020204" pitchFamily="34" charset="0"/>
-            </a:endParaRPr>
+              <a:rPr lang="de-de" sz="2300" dirty="0">
+                <a:latin typeface="Adobe Clean" panose="020B0503020404020204" pitchFamily="34" charset="0"/>
+              </a:rPr>
+              <a:t>Adobe 支援方案</a:t>
+            </a:r>
           </a:p>
         </p:txBody>
       </p:sp>
@@ -2299,17 +2268,17 @@
               </a:spcBef>
             </a:pPr>
             <a:r>
-              <a:rPr sz="1100" spc="-5">
+              <a:rPr lang="de-de" sz="1100" spc="-5" dirty="0">
                 <a:solidFill>
                   <a:srgbClr val="FFFFFF"/>
                 </a:solidFill>
                 <a:latin typeface="AdobeClean-Light"/>
                 <a:cs typeface="AdobeClean-Light"/>
               </a:rPr>
-              <a:t>Online</a:t>
-            </a:r>
-            <a:r>
-              <a:rPr sz="1100">
+              <a:t>線上</a:t>
+            </a:r>
+            <a:r>
+              <a:rPr lang="de-de" sz="1100" dirty="0">
                 <a:solidFill>
                   <a:srgbClr val="FFFFFF"/>
                 </a:solidFill>
@@ -2319,7 +2288,7 @@
               <a:t> |</a:t>
             </a:r>
             <a:r>
-              <a:rPr sz="1100" spc="5">
+              <a:rPr lang="de-de" sz="1100" spc="5" dirty="0">
                 <a:solidFill>
                   <a:srgbClr val="FFFFFF"/>
                 </a:solidFill>
@@ -2329,17 +2298,17 @@
               <a:t> </a:t>
             </a:r>
             <a:r>
-              <a:rPr sz="1100" spc="-5">
+              <a:rPr lang="de-de" sz="1100" spc="-5" dirty="0">
                 <a:solidFill>
                   <a:srgbClr val="FFFFFF"/>
                 </a:solidFill>
                 <a:latin typeface="AdobeClean-Light"/>
                 <a:cs typeface="AdobeClean-Light"/>
               </a:rPr>
-              <a:t>Business</a:t>
-            </a:r>
-            <a:r>
-              <a:rPr sz="1100">
+              <a:t>商務</a:t>
+            </a:r>
+            <a:r>
+              <a:rPr lang="de-de" sz="1100" dirty="0">
                 <a:solidFill>
                   <a:srgbClr val="FFFFFF"/>
                 </a:solidFill>
@@ -2349,7 +2318,7 @@
               <a:t> |</a:t>
             </a:r>
             <a:r>
-              <a:rPr sz="1100" spc="10">
+              <a:rPr lang="de-de" sz="1100" spc="10" dirty="0">
                 <a:solidFill>
                   <a:srgbClr val="FFFFFF"/>
                 </a:solidFill>
@@ -2359,17 +2328,17 @@
               <a:t> </a:t>
             </a:r>
             <a:r>
-              <a:rPr sz="1100" spc="-5">
+              <a:rPr lang="de-de" sz="1100" spc="-5" dirty="0">
                 <a:solidFill>
                   <a:srgbClr val="FFFFFF"/>
                 </a:solidFill>
                 <a:latin typeface="AdobeClean-Light"/>
                 <a:cs typeface="AdobeClean-Light"/>
               </a:rPr>
-              <a:t>Enterprise</a:t>
-            </a:r>
-            <a:r>
-              <a:rPr sz="1100" spc="10">
+              <a:t>企業</a:t>
+            </a:r>
+            <a:r>
+              <a:rPr lang="de-de" sz="1100" spc="10" dirty="0">
                 <a:solidFill>
                   <a:srgbClr val="FFFFFF"/>
                 </a:solidFill>
@@ -2379,7 +2348,7 @@
               <a:t> </a:t>
             </a:r>
             <a:r>
-              <a:rPr sz="1100">
+              <a:rPr lang="de-de" sz="1100" dirty="0">
                 <a:solidFill>
                   <a:srgbClr val="FFFFFF"/>
                 </a:solidFill>
@@ -2389,7 +2358,7 @@
               <a:t>|</a:t>
             </a:r>
             <a:r>
-              <a:rPr sz="1100" spc="5">
+              <a:rPr lang="de-de" sz="1100" spc="5" dirty="0">
                 <a:solidFill>
                   <a:srgbClr val="FFFFFF"/>
                 </a:solidFill>
@@ -2399,16 +2368,16 @@
               <a:t> </a:t>
             </a:r>
             <a:r>
-              <a:rPr sz="1100" b="1" spc="-65">
+              <a:rPr lang="de-de" sz="1100" b="1" spc="-65" dirty="0">
                 <a:solidFill>
                   <a:srgbClr val="FFFFFF"/>
                 </a:solidFill>
                 <a:latin typeface="Arial"/>
                 <a:cs typeface="Arial"/>
               </a:rPr>
-              <a:t>Elite</a:t>
-            </a:r>
-            <a:endParaRPr sz="1100">
+              <a:t>菁英</a:t>
+            </a:r>
+            <a:endParaRPr sz="1100" dirty="0">
               <a:latin typeface="Arial"/>
               <a:cs typeface="Arial"/>
             </a:endParaRPr>
@@ -2420,15 +2389,15 @@
               </a:spcBef>
             </a:pPr>
             <a:r>
-              <a:rPr lang="en-US" sz="900">
+              <a:rPr lang="de-de" sz="900" dirty="0">
                 <a:solidFill>
                   <a:schemeClr val="bg1"/>
                 </a:solidFill>
                 <a:latin typeface="Adobe Clean SemiLight" panose="020B0403020404020204" pitchFamily="34" charset="0"/>
               </a:rPr>
-              <a:t>Adobe provides a comprehensive range of technical resources to help support your business included as part of your Experience Cloud license subscription and further enhanced in the ELITE support package. ELITE support includes access to personalized learning paths and monitored community forums via the Adobe Experience League. You can also take advantage of our detailed and in-depth technical product documentation and current release notes. ELITE customers will also have access to a Named Support Engineer as well as a Technical Account Manager who combine and work in partnership with you to provide best in class proactive and reactive support while acting as your designated technical contacts in the Adobe Support Team. With deep experience in your designated Experience Cloud solutions, your support team work to ensure that no matter how complex your support needs are, the Adobe Support team will be there side by side with you throughout, to ensure you maximize your investment in the Adobe Experience Cloud solutions and to help you avoid problems before they happen.</a:t>
-            </a:r>
-            <a:endParaRPr sz="900">
+              <a:t>Adobe 提供全方位的技術資源來支援您的業務，這些資源包括在您的 Experience Cloud 授權訂閱中，並在菁英支援套件中進一步強化。菁英支援包括透過 Adobe Experience League 存取個人化學習路徑和監控的社群論壇。您還可以利用我們詳細而深入的技術產品文件和目前的版本注意事項。菁英客戶還可以獲得一位指定的支援工程師和一位技術客戶經理，他們將與您合作，提供一流的主動和被動支援，同時作為您在 Adobe 支援團隊的指定技術連絡人。憑藉在指定的 Experience Cloud 解決方案方面的深厚經驗，無論您的支援需求有多複雜，您的 Adobe 支援團隊都會全程與您並肩作戰，以確保您最大化在 Adobe Experience Cloud 解決方案中的投資，並幫助您在問題發生之前未雨綢繆。</a:t>
+            </a:r>
+            <a:endParaRPr sz="900" dirty="0">
               <a:solidFill>
                 <a:schemeClr val="bg1"/>
               </a:solidFill>
@@ -2446,8 +2415,8 @@
         </p:nvSpPr>
         <p:spPr>
           <a:xfrm>
-            <a:off x="168564" y="7162800"/>
-            <a:ext cx="2780665" cy="238760"/>
+            <a:off x="168564" y="7024370"/>
+            <a:ext cx="5394036" cy="228268"/>
           </a:xfrm>
           <a:prstGeom prst="rect">
             <a:avLst/>
@@ -2468,7 +2437,7 @@
               </a:spcBef>
             </a:pPr>
             <a:r>
-              <a:rPr sz="1400" b="1" u="heavy" spc="20">
+              <a:rPr lang="de-de" sz="1400" b="1" u="heavy" spc="20" dirty="0">
                 <a:solidFill>
                   <a:srgbClr val="020302"/>
                 </a:solidFill>
@@ -2480,10 +2449,10 @@
                 <a:latin typeface="Adobe Clean"/>
                 <a:cs typeface="Adobe Clean"/>
               </a:rPr>
-              <a:t>S</a:t>
-            </a:r>
-            <a:r>
-              <a:rPr sz="1400" b="1" u="heavy">
+              <a:t>服務</a:t>
+            </a:r>
+            <a:r>
+              <a:rPr lang="de-de" sz="1400" b="1" u="heavy" spc="-20" dirty="0">
                 <a:solidFill>
                   <a:srgbClr val="020302"/>
                 </a:solidFill>
@@ -2495,10 +2464,10 @@
                 <a:latin typeface="Adobe Clean"/>
                 <a:cs typeface="Adobe Clean"/>
               </a:rPr>
-              <a:t>er</a:t>
-            </a:r>
-            <a:r>
-              <a:rPr sz="1400" b="1" u="heavy" spc="10">
+              <a:t>層級</a:t>
+            </a:r>
+            <a:r>
+              <a:rPr lang="de-de" sz="1400" b="1" u="heavy" spc="-10" dirty="0">
                 <a:solidFill>
                   <a:srgbClr val="020302"/>
                 </a:solidFill>
@@ -2510,10 +2479,10 @@
                 <a:latin typeface="Adobe Clean"/>
                 <a:cs typeface="Adobe Clean"/>
               </a:rPr>
-              <a:t>vi</a:t>
-            </a:r>
-            <a:r>
-              <a:rPr sz="1400" b="1" u="heavy">
+              <a:t> </a:t>
+            </a:r>
+            <a:r>
+              <a:rPr lang="de-de" sz="1400" b="1" u="heavy" spc="-65" dirty="0">
                 <a:solidFill>
                   <a:srgbClr val="020302"/>
                 </a:solidFill>
@@ -2525,10 +2494,10 @@
                 <a:latin typeface="Adobe Clean"/>
                 <a:cs typeface="Adobe Clean"/>
               </a:rPr>
-              <a:t>ce</a:t>
-            </a:r>
-            <a:r>
-              <a:rPr sz="1400" b="1" u="heavy" spc="20">
+              <a:t>目</a:t>
+            </a:r>
+            <a:r>
+              <a:rPr lang="de-de" sz="1400" b="1" u="heavy" spc="-35" dirty="0">
                 <a:solidFill>
                   <a:srgbClr val="020302"/>
                 </a:solidFill>
@@ -2540,10 +2509,10 @@
                 <a:latin typeface="Adobe Clean"/>
                 <a:cs typeface="Adobe Clean"/>
               </a:rPr>
-              <a:t> </a:t>
-            </a:r>
-            <a:r>
-              <a:rPr sz="1400" b="1" u="heavy" spc="-20">
+              <a:t>標</a:t>
+            </a:r>
+            <a:r>
+              <a:rPr lang="de-de" sz="1400" b="1" u="heavy" dirty="0">
                 <a:solidFill>
                   <a:srgbClr val="020302"/>
                 </a:solidFill>
@@ -2555,10 +2524,10 @@
                 <a:latin typeface="Adobe Clean"/>
                 <a:cs typeface="Adobe Clean"/>
               </a:rPr>
-              <a:t>Le</a:t>
-            </a:r>
-            <a:r>
-              <a:rPr sz="1400" b="1" u="heavy" spc="-10">
+              <a:t>：</a:t>
+            </a:r>
+            <a:r>
+              <a:rPr lang="de-de" sz="1400" b="1" u="heavy" spc="-80" dirty="0">
                 <a:solidFill>
                   <a:srgbClr val="020302"/>
                 </a:solidFill>
@@ -2570,10 +2539,10 @@
                 <a:latin typeface="Adobe Clean"/>
                 <a:cs typeface="Adobe Clean"/>
               </a:rPr>
-              <a:t>v</a:t>
-            </a:r>
-            <a:r>
-              <a:rPr sz="1400" b="1" u="heavy" spc="-20">
+              <a:t> </a:t>
+            </a:r>
+            <a:r>
+              <a:rPr lang="de-de" sz="1400" b="1" u="heavy" spc="-20" dirty="0">
                 <a:solidFill>
                   <a:srgbClr val="020302"/>
                 </a:solidFill>
@@ -2585,10 +2554,10 @@
                 <a:latin typeface="Adobe Clean"/>
                 <a:cs typeface="Adobe Clean"/>
               </a:rPr>
-              <a:t>e</a:t>
-            </a:r>
-            <a:r>
-              <a:rPr sz="1400" b="1" u="heavy">
+              <a:t>初始回應</a:t>
+            </a:r>
+            <a:r>
+              <a:rPr lang="de-de" sz="1400" b="1" u="heavy" spc="-140" dirty="0">
                 <a:solidFill>
                   <a:srgbClr val="020302"/>
                 </a:solidFill>
@@ -2600,324 +2569,9 @@
                 <a:latin typeface="Adobe Clean"/>
                 <a:cs typeface="Adobe Clean"/>
               </a:rPr>
-              <a:t>l</a:t>
-            </a:r>
-            <a:r>
-              <a:rPr sz="1400" b="1" u="heavy" spc="-10">
-                <a:solidFill>
-                  <a:srgbClr val="020302"/>
-                </a:solidFill>
-                <a:uFill>
-                  <a:solidFill>
-                    <a:srgbClr val="020302"/>
-                  </a:solidFill>
-                </a:uFill>
-                <a:latin typeface="Adobe Clean"/>
-                <a:cs typeface="Adobe Clean"/>
-              </a:rPr>
               <a:t> </a:t>
             </a:r>
-            <a:r>
-              <a:rPr sz="1400" b="1" u="heavy" spc="-65">
-                <a:solidFill>
-                  <a:srgbClr val="020302"/>
-                </a:solidFill>
-                <a:uFill>
-                  <a:solidFill>
-                    <a:srgbClr val="020302"/>
-                  </a:solidFill>
-                </a:uFill>
-                <a:latin typeface="Adobe Clean"/>
-                <a:cs typeface="Adobe Clean"/>
-              </a:rPr>
-              <a:t>T</a:t>
-            </a:r>
-            <a:r>
-              <a:rPr sz="1400" b="1" u="heavy" spc="-35">
-                <a:solidFill>
-                  <a:srgbClr val="020302"/>
-                </a:solidFill>
-                <a:uFill>
-                  <a:solidFill>
-                    <a:srgbClr val="020302"/>
-                  </a:solidFill>
-                </a:uFill>
-                <a:latin typeface="Adobe Clean"/>
-                <a:cs typeface="Adobe Clean"/>
-              </a:rPr>
-              <a:t>a</a:t>
-            </a:r>
-            <a:r>
-              <a:rPr sz="1400" b="1" u="heavy" spc="-45">
-                <a:solidFill>
-                  <a:srgbClr val="020302"/>
-                </a:solidFill>
-                <a:uFill>
-                  <a:solidFill>
-                    <a:srgbClr val="020302"/>
-                  </a:solidFill>
-                </a:uFill>
-                <a:latin typeface="Adobe Clean"/>
-                <a:cs typeface="Adobe Clean"/>
-              </a:rPr>
-              <a:t>r</a:t>
-            </a:r>
-            <a:r>
-              <a:rPr sz="1400" b="1" u="heavy" spc="-35">
-                <a:solidFill>
-                  <a:srgbClr val="020302"/>
-                </a:solidFill>
-                <a:uFill>
-                  <a:solidFill>
-                    <a:srgbClr val="020302"/>
-                  </a:solidFill>
-                </a:uFill>
-                <a:latin typeface="Adobe Clean"/>
-                <a:cs typeface="Adobe Clean"/>
-              </a:rPr>
-              <a:t>g</a:t>
-            </a:r>
-            <a:r>
-              <a:rPr sz="1400" b="1" u="heavy" spc="-55">
-                <a:solidFill>
-                  <a:srgbClr val="020302"/>
-                </a:solidFill>
-                <a:uFill>
-                  <a:solidFill>
-                    <a:srgbClr val="020302"/>
-                  </a:solidFill>
-                </a:uFill>
-                <a:latin typeface="Adobe Clean"/>
-                <a:cs typeface="Adobe Clean"/>
-              </a:rPr>
-              <a:t>et</a:t>
-            </a:r>
-            <a:r>
-              <a:rPr sz="1400" b="1" u="heavy" spc="-45">
-                <a:solidFill>
-                  <a:srgbClr val="020302"/>
-                </a:solidFill>
-                <a:uFill>
-                  <a:solidFill>
-                    <a:srgbClr val="020302"/>
-                  </a:solidFill>
-                </a:uFill>
-                <a:latin typeface="Adobe Clean"/>
-                <a:cs typeface="Adobe Clean"/>
-              </a:rPr>
-              <a:t>s</a:t>
-            </a:r>
-            <a:r>
-              <a:rPr sz="1400" b="1" u="heavy">
-                <a:solidFill>
-                  <a:srgbClr val="020302"/>
-                </a:solidFill>
-                <a:uFill>
-                  <a:solidFill>
-                    <a:srgbClr val="020302"/>
-                  </a:solidFill>
-                </a:uFill>
-                <a:latin typeface="Adobe Clean"/>
-                <a:cs typeface="Adobe Clean"/>
-              </a:rPr>
-              <a:t>:</a:t>
-            </a:r>
-            <a:r>
-              <a:rPr sz="1400" b="1" u="heavy" spc="-80">
-                <a:solidFill>
-                  <a:srgbClr val="020302"/>
-                </a:solidFill>
-                <a:uFill>
-                  <a:solidFill>
-                    <a:srgbClr val="020302"/>
-                  </a:solidFill>
-                </a:uFill>
-                <a:latin typeface="Adobe Clean"/>
-                <a:cs typeface="Adobe Clean"/>
-              </a:rPr>
-              <a:t> </a:t>
-            </a:r>
-            <a:r>
-              <a:rPr sz="1400" b="1" u="heavy" spc="-20">
-                <a:solidFill>
-                  <a:srgbClr val="020302"/>
-                </a:solidFill>
-                <a:uFill>
-                  <a:solidFill>
-                    <a:srgbClr val="020302"/>
-                  </a:solidFill>
-                </a:uFill>
-                <a:latin typeface="Adobe Clean"/>
-                <a:cs typeface="Adobe Clean"/>
-              </a:rPr>
-              <a:t>I</a:t>
-            </a:r>
-            <a:r>
-              <a:rPr sz="1400" b="1" u="heavy" spc="-10">
-                <a:solidFill>
-                  <a:srgbClr val="020302"/>
-                </a:solidFill>
-                <a:uFill>
-                  <a:solidFill>
-                    <a:srgbClr val="020302"/>
-                  </a:solidFill>
-                </a:uFill>
-                <a:latin typeface="Adobe Clean"/>
-                <a:cs typeface="Adobe Clean"/>
-              </a:rPr>
-              <a:t>ni</a:t>
-            </a:r>
-            <a:r>
-              <a:rPr sz="1400" b="1" u="heavy" spc="-20">
-                <a:solidFill>
-                  <a:srgbClr val="020302"/>
-                </a:solidFill>
-                <a:uFill>
-                  <a:solidFill>
-                    <a:srgbClr val="020302"/>
-                  </a:solidFill>
-                </a:uFill>
-                <a:latin typeface="Adobe Clean"/>
-                <a:cs typeface="Adobe Clean"/>
-              </a:rPr>
-              <a:t>t</a:t>
-            </a:r>
-            <a:r>
-              <a:rPr sz="1400" b="1" u="heavy" spc="-10">
-                <a:solidFill>
-                  <a:srgbClr val="020302"/>
-                </a:solidFill>
-                <a:uFill>
-                  <a:solidFill>
-                    <a:srgbClr val="020302"/>
-                  </a:solidFill>
-                </a:uFill>
-                <a:latin typeface="Adobe Clean"/>
-                <a:cs typeface="Adobe Clean"/>
-              </a:rPr>
-              <a:t>i</a:t>
-            </a:r>
-            <a:r>
-              <a:rPr sz="1400" b="1" u="heavy">
-                <a:solidFill>
-                  <a:srgbClr val="020302"/>
-                </a:solidFill>
-                <a:uFill>
-                  <a:solidFill>
-                    <a:srgbClr val="020302"/>
-                  </a:solidFill>
-                </a:uFill>
-                <a:latin typeface="Adobe Clean"/>
-                <a:cs typeface="Adobe Clean"/>
-              </a:rPr>
-              <a:t>al</a:t>
-            </a:r>
-            <a:r>
-              <a:rPr sz="1400" b="1" u="heavy" spc="-140">
-                <a:solidFill>
-                  <a:srgbClr val="020302"/>
-                </a:solidFill>
-                <a:uFill>
-                  <a:solidFill>
-                    <a:srgbClr val="020302"/>
-                  </a:solidFill>
-                </a:uFill>
-                <a:latin typeface="Adobe Clean"/>
-                <a:cs typeface="Adobe Clean"/>
-              </a:rPr>
-              <a:t> </a:t>
-            </a:r>
-            <a:r>
-              <a:rPr sz="1400" b="1" u="heavy" spc="-15">
-                <a:solidFill>
-                  <a:srgbClr val="020302"/>
-                </a:solidFill>
-                <a:uFill>
-                  <a:solidFill>
-                    <a:srgbClr val="020302"/>
-                  </a:solidFill>
-                </a:uFill>
-                <a:latin typeface="Adobe Clean"/>
-                <a:cs typeface="Adobe Clean"/>
-              </a:rPr>
-              <a:t>R</a:t>
-            </a:r>
-            <a:r>
-              <a:rPr sz="1400" b="1" u="heavy" spc="-25">
-                <a:solidFill>
-                  <a:srgbClr val="020302"/>
-                </a:solidFill>
-                <a:uFill>
-                  <a:solidFill>
-                    <a:srgbClr val="020302"/>
-                  </a:solidFill>
-                </a:uFill>
-                <a:latin typeface="Adobe Clean"/>
-                <a:cs typeface="Adobe Clean"/>
-              </a:rPr>
-              <a:t>e</a:t>
-            </a:r>
-            <a:r>
-              <a:rPr sz="1400" b="1" u="heavy" spc="-15">
-                <a:solidFill>
-                  <a:srgbClr val="020302"/>
-                </a:solidFill>
-                <a:uFill>
-                  <a:solidFill>
-                    <a:srgbClr val="020302"/>
-                  </a:solidFill>
-                </a:uFill>
-                <a:latin typeface="Adobe Clean"/>
-                <a:cs typeface="Adobe Clean"/>
-              </a:rPr>
-              <a:t>s</a:t>
-            </a:r>
-            <a:r>
-              <a:rPr sz="1400" b="1" u="heavy" spc="-25">
-                <a:solidFill>
-                  <a:srgbClr val="020302"/>
-                </a:solidFill>
-                <a:uFill>
-                  <a:solidFill>
-                    <a:srgbClr val="020302"/>
-                  </a:solidFill>
-                </a:uFill>
-                <a:latin typeface="Adobe Clean"/>
-                <a:cs typeface="Adobe Clean"/>
-              </a:rPr>
-              <a:t>p</a:t>
-            </a:r>
-            <a:r>
-              <a:rPr sz="1400" b="1" u="heavy" spc="-15">
-                <a:solidFill>
-                  <a:srgbClr val="020302"/>
-                </a:solidFill>
-                <a:uFill>
-                  <a:solidFill>
-                    <a:srgbClr val="020302"/>
-                  </a:solidFill>
-                </a:uFill>
-                <a:latin typeface="Adobe Clean"/>
-                <a:cs typeface="Adobe Clean"/>
-              </a:rPr>
-              <a:t>ons</a:t>
-            </a:r>
-            <a:r>
-              <a:rPr sz="1400" b="1" u="heavy">
-                <a:solidFill>
-                  <a:srgbClr val="020302"/>
-                </a:solidFill>
-                <a:uFill>
-                  <a:solidFill>
-                    <a:srgbClr val="020302"/>
-                  </a:solidFill>
-                </a:uFill>
-                <a:latin typeface="Adobe Clean"/>
-                <a:cs typeface="Adobe Clean"/>
-              </a:rPr>
-              <a:t>e</a:t>
-            </a:r>
-            <a:endParaRPr sz="1400">
+            <a:endParaRPr sz="1400" dirty="0">
               <a:latin typeface="Adobe Clean"/>
               <a:cs typeface="Adobe Clean"/>
             </a:endParaRPr>
@@ -2933,14 +2587,14 @@
           <p:nvPr>
             <p:extLst>
               <p:ext uri="{D42A27DB-BD31-4B8C-83A1-F6EECF244321}">
-                <p14:modId xmlns:p14="http://schemas.microsoft.com/office/powerpoint/2010/main" val="101721845"/>
+                <p14:modId xmlns:p14="http://schemas.microsoft.com/office/powerpoint/2010/main" val="708542378"/>
               </p:ext>
             </p:extLst>
           </p:nvPr>
         </p:nvGraphicFramePr>
         <p:xfrm>
           <a:off x="145668" y="7473158"/>
-          <a:ext cx="7409815" cy="2259721"/>
+          <a:ext cx="7409815" cy="2204589"/>
         </p:xfrm>
         <a:graphic>
           <a:graphicData uri="http://schemas.openxmlformats.org/drawingml/2006/table">
@@ -2986,16 +2640,16 @@
                         </a:spcBef>
                       </a:pPr>
                       <a:r>
-                        <a:rPr sz="900" spc="0">
+                        <a:rPr lang="de-de" sz="900" spc="0" dirty="0">
                           <a:solidFill>
                             <a:srgbClr val="020302"/>
                           </a:solidFill>
                           <a:latin typeface="Adobe Clean"/>
                           <a:cs typeface="Adobe Clean"/>
                         </a:rPr>
-                        <a:t>Priority</a:t>
+                        <a:t>優先順序</a:t>
                       </a:r>
-                      <a:endParaRPr sz="900" spc="0">
+                      <a:endParaRPr sz="900" spc="0" dirty="0">
                         <a:latin typeface="Adobe Clean"/>
                         <a:cs typeface="Adobe Clean"/>
                       </a:endParaRPr>
@@ -3036,7 +2690,7 @@
                     <a:bodyPr/>
                     <a:lstStyle/>
                     <a:p>
-                      <a:pPr marL="382905" algn="l">
+                      <a:pPr marL="382905" algn="ctr">
                         <a:lnSpc>
                           <a:spcPct val="100000"/>
                         </a:lnSpc>
@@ -3045,36 +2699,16 @@
                         </a:spcBef>
                       </a:pPr>
                       <a:r>
-                        <a:rPr sz="900" spc="0">
+                        <a:rPr lang="de-de" sz="900" spc="0" dirty="0">
                           <a:solidFill>
                             <a:srgbClr val="020302"/>
                           </a:solidFill>
                           <a:latin typeface="Adobe Clean"/>
                           <a:cs typeface="Adobe Clean"/>
                         </a:rPr>
-                        <a:t>Online</a:t>
+                        <a:t>線上支援</a:t>
                       </a:r>
-                      <a:r>
-                        <a:rPr lang="en-US" sz="900" spc="0">
-                          <a:solidFill>
-                            <a:srgbClr val="020302"/>
-                          </a:solidFill>
-                          <a:latin typeface="Adobe Clean"/>
-                          <a:cs typeface="Adobe Clean"/>
-                        </a:rPr>
-                        <a:t> </a:t>
-                      </a:r>
-                      <a:r>
-                        <a:rPr sz="900" spc="0">
-                          <a:solidFill>
-                            <a:srgbClr val="020302"/>
-                          </a:solidFill>
-                          <a:latin typeface="Adobe Clean"/>
-                          <a:cs typeface="Adobe Clean"/>
-                        </a:rPr>
-                        <a:t> Support</a:t>
-                      </a:r>
-                      <a:endParaRPr sz="900" spc="0">
+                      <a:endParaRPr sz="900" spc="0" dirty="0">
                         <a:latin typeface="Adobe Clean"/>
                         <a:cs typeface="Adobe Clean"/>
                       </a:endParaRPr>
@@ -3118,7 +2752,7 @@
                     <a:bodyPr/>
                     <a:lstStyle/>
                     <a:p>
-                      <a:pPr marL="263525" algn="l">
+                      <a:pPr marL="263525" algn="ctr">
                         <a:lnSpc>
                           <a:spcPct val="100000"/>
                         </a:lnSpc>
@@ -3127,36 +2761,16 @@
                         </a:spcBef>
                       </a:pPr>
                       <a:r>
-                        <a:rPr sz="900" spc="0">
+                        <a:rPr lang="de-de" sz="900" spc="0" dirty="0">
                           <a:solidFill>
                             <a:srgbClr val="FFFFFF"/>
                           </a:solidFill>
                           <a:latin typeface="Adobe Clean"/>
                           <a:cs typeface="Adobe Clean"/>
                         </a:rPr>
-                        <a:t>Elite </a:t>
+                        <a:t>菁英支援</a:t>
                       </a:r>
-                      <a:r>
-                        <a:rPr lang="en-US" sz="900" spc="0">
-                          <a:solidFill>
-                            <a:srgbClr val="FFFFFF"/>
-                          </a:solidFill>
-                          <a:latin typeface="Adobe Clean"/>
-                          <a:cs typeface="Adobe Clean"/>
-                        </a:rPr>
-                        <a:t> </a:t>
-                      </a:r>
-                      <a:r>
-                        <a:rPr sz="900" spc="0">
-                          <a:solidFill>
-                            <a:srgbClr val="FFFFFF"/>
-                          </a:solidFill>
-                          <a:latin typeface="Adobe Clean"/>
-                          <a:cs typeface="Adobe Clean"/>
-                        </a:rPr>
-                        <a:t>Support</a:t>
-                      </a:r>
-                      <a:endParaRPr sz="900" spc="0">
+                      <a:endParaRPr sz="900" spc="0" dirty="0">
                         <a:latin typeface="Adobe Clean"/>
                         <a:cs typeface="Adobe Clean"/>
                       </a:endParaRPr>
@@ -3216,16 +2830,16 @@
                         </a:spcBef>
                       </a:pPr>
                       <a:r>
-                        <a:rPr sz="900" b="1" spc="0">
+                        <a:rPr lang="de-de" sz="900" b="1" spc="0" dirty="0">
                           <a:solidFill>
                             <a:srgbClr val="020302"/>
                           </a:solidFill>
                           <a:latin typeface="Adobe Clean"/>
                           <a:cs typeface="Adobe Clean"/>
                         </a:rPr>
-                        <a:t>PRIORITY 1</a:t>
+                        <a:t>優先順序 1</a:t>
                       </a:r>
-                      <a:endParaRPr sz="900" spc="0">
+                      <a:endParaRPr sz="900" spc="0" dirty="0">
                         <a:latin typeface="Adobe Clean"/>
                         <a:cs typeface="Adobe Clean"/>
                       </a:endParaRPr>
@@ -3240,16 +2854,16 @@
                         </a:spcBef>
                       </a:pPr>
                       <a:r>
-                        <a:rPr lang="en-US" sz="900" b="0" i="0" u="none" strike="noStrike" spc="0">
+                        <a:rPr lang="de-de" sz="900" b="0" i="0" u="none" strike="noStrike" spc="0" dirty="0">
                           <a:solidFill>
                             <a:srgbClr val="000000"/>
                           </a:solidFill>
                           <a:effectLst/>
                           <a:latin typeface="Adobe Clean Light" panose="020B0303020404020204" pitchFamily="34" charset="0"/>
                         </a:rPr>
-                        <a:t>Customer's production business functions are down or have significant data loss or service degradation and immediate attention is required to restore functionality and usability</a:t>
+                        <a:t>客戶的生產業務功能已停止或發生重大資料遺失或服務降級狀況，需要立即關注以恢復功能與可用性</a:t>
                       </a:r>
-                      <a:endParaRPr sz="900" spc="0">
+                      <a:endParaRPr sz="900" spc="0" dirty="0">
                         <a:latin typeface="AdobeClean-Light"/>
                         <a:cs typeface="AdobeClean-Light"/>
                       </a:endParaRPr>
@@ -3290,23 +2904,79 @@
                     <a:bodyPr/>
                     <a:lstStyle/>
                     <a:p>
-                      <a:pPr marL="542925" marR="492125" algn="l">
+                      <a:pPr marL="542925" marR="492125" algn="ctr">
                         <a:lnSpc>
                           <a:spcPct val="102200"/>
                         </a:lnSpc>
                       </a:pPr>
                       <a:r>
-                        <a:rPr sz="900" spc="0">
+                        <a:rPr lang="de-de" sz="900" spc="0" dirty="0">
                           <a:solidFill>
                             <a:srgbClr val="020302"/>
                           </a:solidFill>
                           <a:latin typeface="AdobeClean-Light"/>
                           <a:cs typeface="AdobeClean-Light"/>
                         </a:rPr>
-                        <a:t>24x7</a:t>
+                        <a:t>全年無休 /           1 小時</a:t>
+                      </a:r>
+                      <a:endParaRPr sz="900" spc="0" dirty="0">
+                        <a:latin typeface="AdobeClean-Light"/>
+                        <a:cs typeface="AdobeClean-Light"/>
+                      </a:endParaRPr>
+                    </a:p>
+                  </a:txBody>
+                  <a:tcPr marL="0" marR="0" marT="0" marB="0" anchor="ctr">
+                    <a:lnL w="6350">
+                      <a:solidFill>
+                        <a:srgbClr val="B7B8B8"/>
+                      </a:solidFill>
+                      <a:prstDash val="solid"/>
+                    </a:lnL>
+                    <a:lnR w="6350">
+                      <a:solidFill>
+                        <a:srgbClr val="B7B8B8"/>
+                      </a:solidFill>
+                      <a:prstDash val="solid"/>
+                    </a:lnR>
+                    <a:lnT w="57150" cap="flat" cmpd="sng" algn="ctr">
+                      <a:solidFill>
+                        <a:srgbClr val="A8A8A8"/>
+                      </a:solidFill>
+                      <a:prstDash val="solid"/>
+                      <a:round/>
+                      <a:headEnd type="none" w="med" len="med"/>
+                      <a:tailEnd type="none" w="med" len="med"/>
+                    </a:lnT>
+                    <a:lnB w="6350">
+                      <a:solidFill>
+                        <a:srgbClr val="B7B8B8"/>
+                      </a:solidFill>
+                      <a:prstDash val="solid"/>
+                    </a:lnB>
+                  </a:tcPr>
+                </a:tc>
+                <a:tc>
+                  <a:txBody>
+                    <a:bodyPr/>
+                    <a:lstStyle/>
+                    <a:p>
+                      <a:pPr marL="405130" marR="459740" indent="92710" algn="ctr">
+                        <a:lnSpc>
+                          <a:spcPct val="100000"/>
+                        </a:lnSpc>
+                      </a:pPr>
+                      <a:r>
+                        <a:rPr lang="de-de" sz="900" spc="0" dirty="0">
+                          <a:solidFill>
+                            <a:srgbClr val="020302"/>
+                          </a:solidFill>
+                          <a:latin typeface="AdobeClean-Light"/>
+                          <a:cs typeface="AdobeClean-Light"/>
+                        </a:rPr>
+                        <a:t>全年無休 /</a:t>
                       </a:r>
                       <a:r>
-                        <a:rPr lang="en-US" sz="900" spc="0">
+                        <a:rPr lang="zh-TW" altLang="en-US" sz="900" spc="0" dirty="0">
                           <a:solidFill>
                             <a:srgbClr val="020302"/>
                           </a:solidFill>
@@ -3316,162 +2986,16 @@
                         <a:t> </a:t>
                       </a:r>
                       <a:r>
-                        <a:rPr sz="900" spc="0">
+                        <a:rPr lang="de-de" sz="900" spc="0" dirty="0">
                           <a:solidFill>
                             <a:srgbClr val="020302"/>
                           </a:solidFill>
                           <a:latin typeface="AdobeClean-Light"/>
                           <a:cs typeface="AdobeClean-Light"/>
                         </a:rPr>
-                        <a:t>/</a:t>
+                        <a:t>15 分鐘</a:t>
                       </a:r>
-                      <a:r>
-                        <a:rPr lang="en-US" sz="900" spc="0">
-                          <a:solidFill>
-                            <a:srgbClr val="020302"/>
-                          </a:solidFill>
-                          <a:latin typeface="AdobeClean-Light"/>
-                          <a:cs typeface="AdobeClean-Light"/>
-                        </a:rPr>
-                        <a:t>         </a:t>
-                      </a:r>
-                      <a:r>
-                        <a:rPr sz="900" spc="0">
-                          <a:solidFill>
-                            <a:srgbClr val="020302"/>
-                          </a:solidFill>
-                          <a:latin typeface="AdobeClean-Light"/>
-                          <a:cs typeface="AdobeClean-Light"/>
-                        </a:rPr>
-                        <a:t>  1</a:t>
-                      </a:r>
-                      <a:r>
-                        <a:rPr lang="en-US" sz="900" spc="0">
-                          <a:solidFill>
-                            <a:srgbClr val="020302"/>
-                          </a:solidFill>
-                          <a:latin typeface="AdobeClean-Light"/>
-                          <a:cs typeface="AdobeClean-Light"/>
-                        </a:rPr>
-                        <a:t> </a:t>
-                      </a:r>
-                      <a:r>
-                        <a:rPr sz="900" spc="0">
-                          <a:solidFill>
-                            <a:srgbClr val="020302"/>
-                          </a:solidFill>
-                          <a:latin typeface="AdobeClean-Light"/>
-                          <a:cs typeface="AdobeClean-Light"/>
-                        </a:rPr>
-                        <a:t>hour</a:t>
-                      </a:r>
-                      <a:endParaRPr sz="900" spc="0">
-                        <a:latin typeface="AdobeClean-Light"/>
-                        <a:cs typeface="AdobeClean-Light"/>
-                      </a:endParaRPr>
-                    </a:p>
-                  </a:txBody>
-                  <a:tcPr marL="0" marR="0" marT="0" marB="0" anchor="ctr">
-                    <a:lnL w="6350">
-                      <a:solidFill>
-                        <a:srgbClr val="B7B8B8"/>
-                      </a:solidFill>
-                      <a:prstDash val="solid"/>
-                    </a:lnL>
-                    <a:lnR w="6350">
-                      <a:solidFill>
-                        <a:srgbClr val="B7B8B8"/>
-                      </a:solidFill>
-                      <a:prstDash val="solid"/>
-                    </a:lnR>
-                    <a:lnT w="57150" cap="flat" cmpd="sng" algn="ctr">
-                      <a:solidFill>
-                        <a:srgbClr val="A8A8A8"/>
-                      </a:solidFill>
-                      <a:prstDash val="solid"/>
-                      <a:round/>
-                      <a:headEnd type="none" w="med" len="med"/>
-                      <a:tailEnd type="none" w="med" len="med"/>
-                    </a:lnT>
-                    <a:lnB w="6350">
-                      <a:solidFill>
-                        <a:srgbClr val="B7B8B8"/>
-                      </a:solidFill>
-                      <a:prstDash val="solid"/>
-                    </a:lnB>
-                  </a:tcPr>
-                </a:tc>
-                <a:tc>
-                  <a:txBody>
-                    <a:bodyPr/>
-                    <a:lstStyle/>
-                    <a:p>
-                      <a:pPr marL="405130" marR="459740" indent="92710" algn="l">
-                        <a:lnSpc>
-                          <a:spcPct val="100000"/>
-                        </a:lnSpc>
-                      </a:pPr>
-                      <a:r>
-                        <a:rPr lang="en-US" sz="900" spc="0">
-                          <a:solidFill>
-                            <a:srgbClr val="020302"/>
-                          </a:solidFill>
-                          <a:latin typeface="AdobeClean-Light"/>
-                          <a:cs typeface="AdobeClean-Light"/>
-                        </a:rPr>
-                        <a:t>2</a:t>
-                      </a:r>
-                      <a:r>
-                        <a:rPr sz="900" spc="0">
-                          <a:solidFill>
-                            <a:srgbClr val="020302"/>
-                          </a:solidFill>
-                          <a:latin typeface="AdobeClean-Light"/>
-                          <a:cs typeface="AdobeClean-Light"/>
-                        </a:rPr>
-                        <a:t>4x7 / </a:t>
-                      </a:r>
-                      <a:r>
-                        <a:rPr lang="en-US" sz="900" spc="0">
-                          <a:solidFill>
-                            <a:srgbClr val="020302"/>
-                          </a:solidFill>
-                          <a:latin typeface="AdobeClean-Light"/>
-                          <a:cs typeface="AdobeClean-Light"/>
-                        </a:rPr>
-                        <a:t> </a:t>
-                      </a:r>
-                      <a:r>
-                        <a:rPr sz="900" spc="0">
-                          <a:solidFill>
-                            <a:srgbClr val="020302"/>
-                          </a:solidFill>
-                          <a:latin typeface="AdobeClean-Light"/>
-                          <a:cs typeface="AdobeClean-Light"/>
-                        </a:rPr>
-                        <a:t> 15</a:t>
-                      </a:r>
-                      <a:r>
-                        <a:rPr lang="en-US" sz="900" spc="0">
-                          <a:solidFill>
-                            <a:srgbClr val="020302"/>
-                          </a:solidFill>
-                          <a:latin typeface="AdobeClean-Light"/>
-                          <a:cs typeface="AdobeClean-Light"/>
-                        </a:rPr>
-                        <a:t> </a:t>
-                      </a:r>
-                      <a:r>
-                        <a:rPr sz="900" spc="0">
-                          <a:solidFill>
-                            <a:srgbClr val="020302"/>
-                          </a:solidFill>
-                          <a:latin typeface="AdobeClean-Light"/>
-                          <a:cs typeface="AdobeClean-Light"/>
-                        </a:rPr>
-                        <a:t>minutes</a:t>
-                      </a:r>
-                      <a:endParaRPr sz="900" spc="0">
+                      <a:endParaRPr sz="900" spc="0" dirty="0">
                         <a:latin typeface="AdobeClean-Light"/>
                         <a:cs typeface="AdobeClean-Light"/>
                       </a:endParaRPr>
@@ -3536,16 +3060,16 @@
                         </a:spcBef>
                       </a:pPr>
                       <a:r>
-                        <a:rPr sz="900" b="1" spc="0">
+                        <a:rPr lang="de-de" sz="900" b="1" spc="0" dirty="0">
                           <a:solidFill>
                             <a:srgbClr val="020302"/>
                           </a:solidFill>
                           <a:latin typeface="Adobe Clean"/>
                           <a:cs typeface="Adobe Clean"/>
                         </a:rPr>
-                        <a:t>PRIORITY 2</a:t>
+                        <a:t>優先順序 2</a:t>
                       </a:r>
-                      <a:endParaRPr sz="900" spc="0">
+                      <a:endParaRPr sz="900" spc="0" dirty="0">
                         <a:latin typeface="Adobe Clean"/>
                         <a:cs typeface="Adobe Clean"/>
                       </a:endParaRPr>
@@ -3560,16 +3084,16 @@
                         </a:spcBef>
                       </a:pPr>
                       <a:r>
-                        <a:rPr lang="en-US" sz="900" b="0" i="0" u="none" strike="noStrike" spc="0">
+                        <a:rPr lang="de-de" sz="900" b="0" i="0" u="none" strike="noStrike" spc="0" dirty="0">
                           <a:solidFill>
                             <a:srgbClr val="000000"/>
                           </a:solidFill>
                           <a:effectLst/>
                           <a:latin typeface="Adobe Clean Light" panose="020B0303020404020204" pitchFamily="34" charset="0"/>
                         </a:rPr>
-                        <a:t>Customer's business functions have major service degradation or potential data loss, or a major feature is impacted</a:t>
+                        <a:t>客戶的業務功能發生嚴重的服務降級狀況，或是可能發生資料遺失，或是主要功能受到了影響</a:t>
                       </a:r>
-                      <a:endParaRPr sz="900" spc="0">
+                      <a:endParaRPr sz="900" spc="0" dirty="0">
                         <a:latin typeface="AdobeClean-Light"/>
                         <a:cs typeface="AdobeClean-Light"/>
                       </a:endParaRPr>
@@ -3610,62 +3134,22 @@
                     <a:bodyPr/>
                     <a:lstStyle/>
                     <a:p>
-                      <a:pPr marL="473709" marR="343535" indent="-175895" algn="l">
+                      <a:pPr marL="473709" marR="343535" indent="-175895" algn="ctr">
                         <a:lnSpc>
                           <a:spcPct val="102200"/>
                         </a:lnSpc>
                       </a:pPr>
                       <a:r>
-                        <a:rPr sz="900" spc="0">
+                        <a:rPr lang="de-de" sz="900" spc="0" dirty="0">
                           <a:solidFill>
                             <a:srgbClr val="020302"/>
                           </a:solidFill>
                           <a:latin typeface="AdobeClean-Light"/>
                           <a:cs typeface="AdobeClean-Light"/>
                         </a:rPr>
-                        <a:t>Business hours</a:t>
+                        <a:t>營業時間 /       4 小時</a:t>
                       </a:r>
-                      <a:r>
-                        <a:rPr lang="en-US" sz="900" spc="0">
-                          <a:solidFill>
-                            <a:srgbClr val="020302"/>
-                          </a:solidFill>
-                          <a:latin typeface="AdobeClean-Light"/>
-                          <a:cs typeface="AdobeClean-Light"/>
-                        </a:rPr>
-                        <a:t> </a:t>
-                      </a:r>
-                      <a:r>
-                        <a:rPr sz="900" spc="0">
-                          <a:solidFill>
-                            <a:srgbClr val="020302"/>
-                          </a:solidFill>
-                          <a:latin typeface="AdobeClean-Light"/>
-                          <a:cs typeface="AdobeClean-Light"/>
-                        </a:rPr>
-                        <a:t>/  </a:t>
-                      </a:r>
-                      <a:r>
-                        <a:rPr lang="en-US" sz="900" spc="0">
-                          <a:solidFill>
-                            <a:srgbClr val="020302"/>
-                          </a:solidFill>
-                          <a:latin typeface="AdobeClean-Light"/>
-                          <a:cs typeface="AdobeClean-Light"/>
-                        </a:rPr>
-                        <a:t>     </a:t>
-                      </a:r>
-                      <a:r>
-                        <a:rPr sz="900" spc="0">
-                          <a:solidFill>
-                            <a:srgbClr val="020302"/>
-                          </a:solidFill>
-                          <a:latin typeface="AdobeClean-Light"/>
-                          <a:cs typeface="AdobeClean-Light"/>
-                        </a:rPr>
-                        <a:t>4 hours</a:t>
-                      </a:r>
-                      <a:endParaRPr sz="900" spc="0">
+                      <a:endParaRPr sz="900" spc="0" dirty="0">
                         <a:latin typeface="AdobeClean-Light"/>
                         <a:cs typeface="AdobeClean-Light"/>
                       </a:endParaRPr>
@@ -3703,42 +3187,22 @@
                     <a:bodyPr/>
                     <a:lstStyle/>
                     <a:p>
-                      <a:pPr marL="351790" marR="481330" indent="144145" algn="l">
+                      <a:pPr marL="351790" marR="481330" indent="144145" algn="ctr">
                         <a:lnSpc>
                           <a:spcPct val="102299"/>
                         </a:lnSpc>
                       </a:pPr>
                       <a:r>
-                        <a:rPr sz="900" spc="0">
+                        <a:rPr lang="de-de" sz="900" spc="0" dirty="0">
                           <a:solidFill>
                             <a:srgbClr val="020302"/>
                           </a:solidFill>
                           <a:latin typeface="AdobeClean-Light"/>
                           <a:cs typeface="AdobeClean-Light"/>
                         </a:rPr>
-                        <a:t>24x5 /  30</a:t>
+                        <a:t>24x5 /  30 分鐘</a:t>
                       </a:r>
-                      <a:r>
-                        <a:rPr lang="en-US" sz="900" spc="0">
-                          <a:solidFill>
-                            <a:srgbClr val="020302"/>
-                          </a:solidFill>
-                          <a:latin typeface="AdobeClean-Light"/>
-                          <a:cs typeface="AdobeClean-Light"/>
-                        </a:rPr>
-                        <a:t> m</a:t>
-                      </a:r>
-                      <a:r>
-                        <a:rPr sz="900" spc="0">
-                          <a:solidFill>
-                            <a:srgbClr val="020302"/>
-                          </a:solidFill>
-                          <a:latin typeface="AdobeClean-Light"/>
-                          <a:cs typeface="AdobeClean-Light"/>
-                        </a:rPr>
-                        <a:t>inutes</a:t>
-                      </a:r>
-                      <a:endParaRPr sz="900" spc="0">
+                      <a:endParaRPr sz="900" spc="0" dirty="0">
                         <a:latin typeface="AdobeClean-Light"/>
                         <a:cs typeface="AdobeClean-Light"/>
                       </a:endParaRPr>
@@ -3800,16 +3264,16 @@
                         </a:spcBef>
                       </a:pPr>
                       <a:r>
-                        <a:rPr sz="900" b="1" spc="0">
+                        <a:rPr lang="de-de" sz="900" b="1" spc="0" dirty="0">
                           <a:solidFill>
                             <a:srgbClr val="020302"/>
                           </a:solidFill>
                           <a:latin typeface="Adobe Clean"/>
                           <a:cs typeface="Adobe Clean"/>
                         </a:rPr>
-                        <a:t>PRIORITY 3</a:t>
+                        <a:t>優先順序 3</a:t>
                       </a:r>
-                      <a:endParaRPr sz="900" spc="0">
+                      <a:endParaRPr sz="900" spc="0" dirty="0">
                         <a:latin typeface="Adobe Clean"/>
                         <a:cs typeface="Adobe Clean"/>
                       </a:endParaRPr>
@@ -3824,16 +3288,16 @@
                         </a:spcBef>
                       </a:pPr>
                       <a:r>
-                        <a:rPr lang="en-US" sz="900" b="0" i="0" u="none" strike="noStrike" spc="0">
+                        <a:rPr lang="de-de" sz="900" b="0" i="0" u="none" strike="noStrike" spc="0" dirty="0">
                           <a:solidFill>
                             <a:srgbClr val="000000"/>
                           </a:solidFill>
                           <a:effectLst/>
                           <a:latin typeface="Adobe Clean Light" panose="020B0303020404020204" pitchFamily="34" charset="0"/>
                         </a:rPr>
-                        <a:t>Customer’s business functions has minor to no service degradation but there exists a solution/workaround allowing business functions to continue normally</a:t>
+                        <a:t>客戶的業務功能發生了輕微服務降級狀況 (或沒有降級)，但有解決/變通方法讓業務功能得以繼續正常運作</a:t>
                       </a:r>
-                      <a:endParaRPr sz="900" spc="0">
+                      <a:endParaRPr sz="900" spc="0" dirty="0">
                         <a:latin typeface="AdobeClean-Light"/>
                         <a:cs typeface="AdobeClean-Light"/>
                       </a:endParaRPr>
@@ -3874,22 +3338,22 @@
                     <a:bodyPr/>
                     <a:lstStyle/>
                     <a:p>
-                      <a:pPr marL="473709" marR="343535" indent="-175895" algn="l">
+                      <a:pPr marL="473709" marR="343535" indent="-175895" algn="ctr">
                         <a:lnSpc>
                           <a:spcPct val="102200"/>
                         </a:lnSpc>
                       </a:pPr>
                       <a:r>
-                        <a:rPr lang="en-US" sz="900" spc="0">
+                        <a:rPr lang="de-de" sz="900" spc="0" dirty="0">
                           <a:solidFill>
                             <a:srgbClr val="020302"/>
                           </a:solidFill>
                           <a:latin typeface="AdobeClean-Light"/>
                           <a:cs typeface="AdobeClean-Light"/>
                         </a:rPr>
-                        <a:t>Business hours /       6 hours</a:t>
+                        <a:t>營業時間 /       6 小時</a:t>
                       </a:r>
-                      <a:endParaRPr lang="en-US" sz="900" spc="0">
+                      <a:endParaRPr lang="en-US" sz="900" spc="0" dirty="0">
                         <a:latin typeface="AdobeClean-Light"/>
                         <a:cs typeface="AdobeClean-Light"/>
                       </a:endParaRPr>
@@ -3927,13 +3391,13 @@
                     <a:bodyPr/>
                     <a:lstStyle/>
                     <a:p>
-                      <a:pPr marL="508000" marR="531495" indent="1270" algn="l">
+                      <a:pPr marL="508000" marR="531495" indent="1270" algn="ctr">
                         <a:lnSpc>
                           <a:spcPct val="102200"/>
                         </a:lnSpc>
                       </a:pPr>
                       <a:r>
-                        <a:rPr lang="en-US" sz="900" spc="0">
+                        <a:rPr lang="de-de" sz="900" spc="0" dirty="0">
                           <a:solidFill>
                             <a:srgbClr val="020302"/>
                           </a:solidFill>
@@ -3944,7 +3408,7 @@
                         <a:t>2</a:t>
                       </a:r>
                       <a:r>
-                        <a:rPr sz="900" spc="0">
+                        <a:rPr lang="de-de" sz="900" spc="0" dirty="0">
                           <a:solidFill>
                             <a:srgbClr val="020302"/>
                           </a:solidFill>
@@ -3952,29 +3416,7 @@
                           <a:ea typeface="+mn-ea"/>
                           <a:cs typeface="AdobeClean-Light"/>
                         </a:rPr>
-                        <a:t>4x5/  </a:t>
-                      </a:r>
-                      <a:r>
-                        <a:rPr lang="en-US" sz="900" spc="0">
-                          <a:solidFill>
-                            <a:srgbClr val="020302"/>
-                          </a:solidFill>
-                          <a:latin typeface="AdobeClean-Light"/>
-                          <a:ea typeface="+mn-ea"/>
-                          <a:cs typeface="AdobeClean-Light"/>
-                        </a:rPr>
-                        <a:t> </a:t>
-                      </a:r>
-                      <a:r>
-                        <a:rPr sz="900" spc="0">
-                          <a:solidFill>
-                            <a:srgbClr val="020302"/>
-                          </a:solidFill>
-                          <a:latin typeface="AdobeClean-Light"/>
-                          <a:ea typeface="+mn-ea"/>
-                          <a:cs typeface="AdobeClean-Light"/>
-                        </a:rPr>
-                        <a:t>1 hour</a:t>
+                        <a:t>4x5/   1 小時</a:t>
                       </a:r>
                     </a:p>
                   </a:txBody>
@@ -4034,16 +3476,16 @@
                         </a:spcBef>
                       </a:pPr>
                       <a:r>
-                        <a:rPr sz="900" b="1" spc="0">
+                        <a:rPr lang="de-de" sz="900" b="1" spc="0" dirty="0">
                           <a:solidFill>
                             <a:srgbClr val="020302"/>
                           </a:solidFill>
                           <a:latin typeface="Adobe Clean"/>
                           <a:cs typeface="Adobe Clean"/>
                         </a:rPr>
-                        <a:t>PRIORITY 4</a:t>
+                        <a:t>優先順序 4</a:t>
                       </a:r>
-                      <a:endParaRPr sz="900" spc="0">
+                      <a:endParaRPr sz="900" spc="0" dirty="0">
                         <a:latin typeface="Adobe Clean"/>
                         <a:cs typeface="Adobe Clean"/>
                       </a:endParaRPr>
@@ -4058,16 +3500,16 @@
                         </a:spcBef>
                       </a:pPr>
                       <a:r>
-                        <a:rPr lang="en-US" sz="900" b="0" i="0" u="none" strike="noStrike" spc="0">
+                        <a:rPr lang="de-de" sz="900" b="0" i="0" u="none" strike="noStrike" spc="0" dirty="0">
                           <a:solidFill>
                             <a:srgbClr val="000000"/>
                           </a:solidFill>
                           <a:effectLst/>
                           <a:latin typeface="Adobe Clean Light" panose="020B0303020404020204" pitchFamily="34" charset="0"/>
                         </a:rPr>
-                        <a:t>General question regarding current product functionality or an enhancement request</a:t>
+                        <a:t>有關目前產品功能或增強要求的一般性問題。</a:t>
                       </a:r>
-                      <a:endParaRPr sz="900" spc="0">
+                      <a:endParaRPr sz="900" spc="0" dirty="0">
                         <a:latin typeface="AdobeClean-Light"/>
                         <a:cs typeface="AdobeClean-Light"/>
                       </a:endParaRPr>
@@ -4108,22 +3550,22 @@
                     <a:bodyPr/>
                     <a:lstStyle/>
                     <a:p>
-                      <a:pPr marL="473709" marR="343535" indent="-175895" algn="l">
+                      <a:pPr marL="473709" marR="343535" indent="-175895" algn="ctr">
                         <a:lnSpc>
                           <a:spcPct val="102200"/>
                         </a:lnSpc>
                       </a:pPr>
                       <a:r>
-                        <a:rPr lang="en-US" sz="900" spc="0">
+                        <a:rPr lang="de-de" sz="900" spc="0" dirty="0">
                           <a:solidFill>
                             <a:srgbClr val="020302"/>
                           </a:solidFill>
                           <a:latin typeface="AdobeClean-Light"/>
                           <a:cs typeface="AdobeClean-Light"/>
                         </a:rPr>
-                        <a:t>Business days /       3 days</a:t>
+                        <a:t>營業日 / 3 天</a:t>
                       </a:r>
-                      <a:endParaRPr lang="en-US" sz="900" spc="0">
+                      <a:endParaRPr lang="en-US" sz="900" spc="0" dirty="0">
                         <a:latin typeface="AdobeClean-Light"/>
                         <a:cs typeface="AdobeClean-Light"/>
                       </a:endParaRPr>
@@ -4161,22 +3603,22 @@
                     <a:bodyPr/>
                     <a:lstStyle/>
                     <a:p>
-                      <a:pPr marL="473709" marR="343535" indent="-175895" algn="l">
+                      <a:pPr marL="473709" marR="343535" indent="-175895" algn="ctr">
                         <a:lnSpc>
                           <a:spcPct val="102200"/>
                         </a:lnSpc>
                       </a:pPr>
                       <a:r>
-                        <a:rPr lang="en-US" sz="900" spc="0">
+                        <a:rPr lang="de-de" sz="900" spc="0" dirty="0">
                           <a:solidFill>
                             <a:srgbClr val="020302"/>
                           </a:solidFill>
                           <a:latin typeface="AdobeClean-Light"/>
                           <a:cs typeface="AdobeClean-Light"/>
                         </a:rPr>
-                        <a:t>Business days /       1 day</a:t>
+                        <a:t>營業日 / 1 天</a:t>
                       </a:r>
-                      <a:endParaRPr lang="en-US" sz="900" spc="0">
+                      <a:endParaRPr lang="en-US" sz="900" spc="0" dirty="0">
                         <a:latin typeface="AdobeClean-Light"/>
                         <a:cs typeface="AdobeClean-Light"/>
                       </a:endParaRPr>
@@ -4257,8 +3699,8 @@
         </p:nvSpPr>
         <p:spPr>
           <a:xfrm>
-            <a:off x="97787" y="9888626"/>
-            <a:ext cx="2202180" cy="149860"/>
+            <a:off x="97786" y="9888626"/>
+            <a:ext cx="3940813" cy="133370"/>
           </a:xfrm>
           <a:prstGeom prst="rect">
             <a:avLst/>
@@ -4279,7 +3721,7 @@
               </a:spcBef>
             </a:pPr>
             <a:r>
-              <a:rPr sz="800" spc="-15">
+              <a:rPr lang="de-de" sz="800" spc="-15" dirty="0">
                 <a:solidFill>
                   <a:srgbClr val="6D6D6D"/>
                 </a:solidFill>
@@ -4289,17 +3731,17 @@
               <a:t>©2021 </a:t>
             </a:r>
             <a:r>
-              <a:rPr sz="800" spc="-5">
+              <a:rPr lang="de-de" sz="800" spc="-5" dirty="0">
                 <a:solidFill>
                   <a:srgbClr val="6D6D6D"/>
                 </a:solidFill>
                 <a:latin typeface="Adobe Clean"/>
                 <a:cs typeface="Adobe Clean"/>
               </a:rPr>
-              <a:t>Adobe. All</a:t>
-            </a:r>
-            <a:r>
-              <a:rPr sz="800" spc="-15">
+              <a:t>Adobe。All</a:t>
+            </a:r>
+            <a:r>
+              <a:rPr lang="de-de" sz="800" spc="-15" dirty="0">
                 <a:solidFill>
                   <a:srgbClr val="6D6D6D"/>
                 </a:solidFill>
@@ -4309,7 +3751,7 @@
               <a:t> Rights</a:t>
             </a:r>
             <a:r>
-              <a:rPr sz="800" spc="-5">
+              <a:rPr lang="de-de" sz="800" spc="-5" dirty="0">
                 <a:solidFill>
                   <a:srgbClr val="6D6D6D"/>
                 </a:solidFill>
@@ -4319,56 +3761,46 @@
               <a:t> </a:t>
             </a:r>
             <a:r>
-              <a:rPr sz="800" spc="-15">
+              <a:rPr lang="de-de" sz="800" spc="-15" dirty="0">
                 <a:solidFill>
                   <a:srgbClr val="6D6D6D"/>
                 </a:solidFill>
                 <a:latin typeface="Adobe Clean"/>
                 <a:cs typeface="Adobe Clean"/>
               </a:rPr>
-              <a:t>Reserved.</a:t>
-            </a:r>
-            <a:r>
-              <a:rPr sz="800" spc="-10">
+              <a:t>Reserved。</a:t>
+            </a:r>
+            <a:r>
+              <a:rPr lang="de-de" sz="800" spc="-5" dirty="0">
                 <a:solidFill>
                   <a:srgbClr val="6D6D6D"/>
                 </a:solidFill>
                 <a:latin typeface="Adobe Clean"/>
                 <a:cs typeface="Adobe Clean"/>
               </a:rPr>
-              <a:t> </a:t>
-            </a:r>
-            <a:r>
-              <a:rPr sz="800" spc="-5">
+              <a:t>Adobe</a:t>
+            </a:r>
+            <a:r>
+              <a:rPr lang="de-de" sz="800" spc="65" dirty="0">
                 <a:solidFill>
                   <a:srgbClr val="6D6D6D"/>
                 </a:solidFill>
                 <a:latin typeface="Adobe Clean"/>
                 <a:cs typeface="Adobe Clean"/>
               </a:rPr>
-              <a:t>Adobe</a:t>
-            </a:r>
-            <a:r>
-              <a:rPr sz="800" spc="65">
+              <a:t> </a:t>
+            </a:r>
+            <a:r>
+              <a:rPr lang="de-de" sz="800" spc="-15" dirty="0">
                 <a:solidFill>
                   <a:srgbClr val="6D6D6D"/>
                 </a:solidFill>
                 <a:latin typeface="Adobe Clean"/>
                 <a:cs typeface="Adobe Clean"/>
               </a:rPr>
-              <a:t> </a:t>
-            </a:r>
-            <a:r>
-              <a:rPr sz="800" spc="-15">
-                <a:solidFill>
-                  <a:srgbClr val="6D6D6D"/>
-                </a:solidFill>
-                <a:latin typeface="Adobe Clean"/>
-                <a:cs typeface="Adobe Clean"/>
-              </a:rPr>
-              <a:t>Confidential.</a:t>
-            </a:r>
-            <a:endParaRPr sz="800">
+              <a:t> 機密資訊。</a:t>
+            </a:r>
+            <a:endParaRPr sz="800" dirty="0">
               <a:latin typeface="Adobe Clean"/>
               <a:cs typeface="Adobe Clean"/>
             </a:endParaRPr>
@@ -4404,7 +3836,7 @@
           <a:lstStyle/>
           <a:p>
             <a:r>
-              <a:rPr lang="en-US" sz="700" i="1">
+              <a:rPr lang="de-de" sz="700" i="1" dirty="0">
                 <a:solidFill>
                   <a:schemeClr val="bg1"/>
                 </a:solidFill>
@@ -4480,7 +3912,7 @@
                     <a:bodyPr/>
                     <a:lstStyle/>
                     <a:p>
-                      <a:endParaRPr lang="en-US"/>
+                      <a:endParaRPr lang="en-US" dirty="0"/>
                     </a:p>
                   </a:txBody>
                   <a:tcPr/>
@@ -4518,36 +3950,16 @@
                         <a:defRPr/>
                       </a:pPr>
                       <a:r>
-                        <a:rPr lang="en-US" sz="900" spc="-20">
+                        <a:rPr lang="de-de" sz="900" spc="-20" dirty="0">
                           <a:solidFill>
                             <a:srgbClr val="404040"/>
                           </a:solidFill>
                           <a:latin typeface="Adobe Clean"/>
                           <a:cs typeface="Adobe Clean"/>
                         </a:rPr>
-                        <a:t>Online </a:t>
+                        <a:t>線上支援</a:t>
                       </a:r>
-                      <a:r>
-                        <a:rPr lang="en-US" sz="900" spc="-135">
-                          <a:solidFill>
-                            <a:srgbClr val="404040"/>
-                          </a:solidFill>
-                          <a:latin typeface="Adobe Clean"/>
-                          <a:cs typeface="Adobe Clean"/>
-                        </a:rPr>
-                        <a:t> </a:t>
-                      </a:r>
-                      <a:r>
-                        <a:rPr lang="en-US" sz="900" spc="-20">
-                          <a:solidFill>
-                            <a:srgbClr val="404040"/>
-                          </a:solidFill>
-                          <a:latin typeface="Adobe Clean"/>
-                          <a:cs typeface="Adobe Clean"/>
-                        </a:rPr>
-                        <a:t>Support</a:t>
-                      </a:r>
-                      <a:endParaRPr lang="en-US" sz="900">
+                      <a:endParaRPr lang="en-US" sz="900" dirty="0">
                         <a:latin typeface="Adobe Clean"/>
                         <a:cs typeface="Adobe Clean"/>
                       </a:endParaRPr>
@@ -4591,26 +4003,16 @@
                         </a:spcBef>
                       </a:pPr>
                       <a:r>
-                        <a:rPr lang="en-US" sz="900" spc="-20">
+                        <a:rPr lang="de-de" sz="900" spc="-20" dirty="0">
                           <a:solidFill>
                             <a:srgbClr val="FFFFFF"/>
                           </a:solidFill>
                           <a:latin typeface="Adobe Clean"/>
                           <a:cs typeface="Adobe Clean"/>
                         </a:rPr>
-                        <a:t>Elite </a:t>
+                        <a:t>菁英支援</a:t>
                       </a:r>
-                      <a:r>
-                        <a:rPr sz="900" spc="-20">
-                          <a:solidFill>
-                            <a:srgbClr val="FFFFFF"/>
-                          </a:solidFill>
-                          <a:latin typeface="Adobe Clean"/>
-                          <a:cs typeface="Adobe Clean"/>
-                        </a:rPr>
-                        <a:t>Support</a:t>
-                      </a:r>
-                      <a:endParaRPr sz="900">
+                      <a:endParaRPr sz="900" dirty="0">
                         <a:latin typeface="Adobe Clean"/>
                         <a:cs typeface="Adobe Clean"/>
                       </a:endParaRPr>
@@ -4658,7 +4060,7 @@
                     <a:bodyPr/>
                     <a:lstStyle/>
                     <a:p>
-                      <a:endParaRPr lang="en-US"/>
+                      <a:endParaRPr lang="en-US" dirty="0"/>
                     </a:p>
                   </a:txBody>
                   <a:tcPr/>
@@ -4695,7 +4097,7 @@
                         <a:tabLst/>
                         <a:defRPr/>
                       </a:pPr>
-                      <a:endParaRPr lang="en-US" sz="800" i="1">
+                      <a:endParaRPr lang="en-US" sz="800" i="1" dirty="0">
                         <a:solidFill>
                           <a:sysClr val="windowText" lastClr="000000"/>
                         </a:solidFill>
@@ -4759,13 +4161,13 @@
                         <a:defRPr/>
                       </a:pPr>
                       <a:r>
-                        <a:rPr lang="en-US" sz="800" i="1">
+                        <a:rPr lang="de-de" sz="800" i="1" dirty="0">
                           <a:solidFill>
                             <a:schemeClr val="bg1"/>
                           </a:solidFill>
                           <a:latin typeface="Adobe Clean Light" panose="020B0303020404020204" pitchFamily="34" charset="0"/>
                         </a:rPr>
-                        <a:t>Paid Support ($)</a:t>
+                        <a:t>付費支援 ($)</a:t>
                       </a:r>
                     </a:p>
                   </a:txBody>
@@ -4829,16 +4231,16 @@
                         </a:spcBef>
                       </a:pPr>
                       <a:r>
-                        <a:rPr lang="en-US" sz="1000" b="1" i="0" spc="0">
+                        <a:rPr lang="de-de" sz="1000" b="1" i="0" spc="0" dirty="0">
                           <a:solidFill>
                             <a:schemeClr val="bg1"/>
                           </a:solidFill>
                           <a:latin typeface="Adobe Clean" panose="020B0503020404020204" pitchFamily="34" charset="0"/>
                           <a:cs typeface="AdobeClean-Light"/>
                         </a:rPr>
-                        <a:t>Assigned Experts</a:t>
+                        <a:t>指派的專家</a:t>
                       </a:r>
-                      <a:endParaRPr sz="1000" b="1" i="0" spc="0">
+                      <a:endParaRPr sz="1000" b="1" i="0" spc="0" dirty="0">
                         <a:solidFill>
                           <a:schemeClr val="bg1"/>
                         </a:solidFill>
@@ -4891,16 +4293,16 @@
                         </a:spcBef>
                       </a:pPr>
                       <a:r>
-                        <a:rPr sz="900" spc="0">
+                        <a:rPr lang="de-de" sz="900" spc="0" dirty="0">
                           <a:solidFill>
                             <a:srgbClr val="020302"/>
                           </a:solidFill>
                           <a:latin typeface="AdobeClean-Light"/>
                           <a:cs typeface="AdobeClean-Light"/>
                         </a:rPr>
-                        <a:t>Account Support Lead</a:t>
+                        <a:t>帳戶支援負責人</a:t>
                       </a:r>
-                      <a:endParaRPr sz="900" spc="0">
+                      <a:endParaRPr sz="900" spc="0" dirty="0">
                         <a:latin typeface="AdobeClean-Light"/>
                         <a:cs typeface="AdobeClean-Light"/>
                       </a:endParaRPr>
@@ -4946,7 +4348,7 @@
                           <a:spcPts val="470"/>
                         </a:spcBef>
                       </a:pPr>
-                      <a:endParaRPr sz="900">
+                      <a:endParaRPr sz="900" dirty="0">
                         <a:latin typeface="Wingdings"/>
                         <a:cs typeface="Wingdings"/>
                       </a:endParaRPr>
@@ -4987,7 +4389,7 @@
                           <a:spcPts val="470"/>
                         </a:spcBef>
                       </a:pPr>
-                      <a:endParaRPr sz="900">
+                      <a:endParaRPr sz="900" dirty="0">
                         <a:latin typeface="Wingdings"/>
                         <a:cs typeface="Wingdings"/>
                       </a:endParaRPr>
@@ -5030,7 +4432,7 @@
                           <a:spcPts val="459"/>
                         </a:spcBef>
                       </a:pPr>
-                      <a:endParaRPr sz="900">
+                      <a:endParaRPr sz="900" dirty="0">
                         <a:latin typeface="AdobeClean-Light"/>
                         <a:cs typeface="AdobeClean-Light"/>
                       </a:endParaRPr>
@@ -5068,16 +4470,16 @@
                         </a:spcBef>
                       </a:pPr>
                       <a:r>
-                        <a:rPr sz="900" spc="0">
+                        <a:rPr lang="de-de" sz="900" spc="0" dirty="0">
                           <a:solidFill>
                             <a:srgbClr val="020302"/>
                           </a:solidFill>
                           <a:latin typeface="AdobeClean-Light"/>
                           <a:cs typeface="AdobeClean-Light"/>
                         </a:rPr>
-                        <a:t>Named Support Engineer</a:t>
+                        <a:t>指定的支援工程師</a:t>
                       </a:r>
-                      <a:endParaRPr sz="900" spc="0">
+                      <a:endParaRPr sz="900" spc="0" dirty="0">
                         <a:latin typeface="AdobeClean-Light"/>
                         <a:cs typeface="AdobeClean-Light"/>
                       </a:endParaRPr>
@@ -5108,7 +4510,7 @@
                           <a:spcPct val="100000"/>
                         </a:lnSpc>
                       </a:pPr>
-                      <a:endParaRPr sz="900">
+                      <a:endParaRPr sz="900" dirty="0">
                         <a:latin typeface="Times New Roman"/>
                         <a:cs typeface="Times New Roman"/>
                       </a:endParaRPr>
@@ -5150,7 +4552,7 @@
                         <a:defRPr/>
                       </a:pPr>
                       <a:r>
-                        <a:rPr lang="en-US" sz="900">
+                        <a:rPr lang="de-de" sz="900" dirty="0">
                           <a:solidFill>
                             <a:srgbClr val="020302"/>
                           </a:solidFill>
@@ -5159,7 +4561,7 @@
                         </a:rPr>
                         <a:t></a:t>
                       </a:r>
-                      <a:endParaRPr lang="en-US" sz="900">
+                      <a:endParaRPr lang="en-US" sz="900" dirty="0">
                         <a:latin typeface="Wingdings"/>
                         <a:cs typeface="Wingdings"/>
                       </a:endParaRPr>
@@ -5193,7 +4595,7 @@
                           <a:spcPts val="500"/>
                         </a:spcBef>
                       </a:pPr>
-                      <a:endParaRPr sz="900">
+                      <a:endParaRPr sz="900" dirty="0">
                         <a:latin typeface="AdobeClean-Light"/>
                         <a:cs typeface="AdobeClean-Light"/>
                       </a:endParaRPr>
@@ -5243,16 +4645,16 @@
                         </a:spcBef>
                       </a:pPr>
                       <a:r>
-                        <a:rPr sz="900" spc="0">
+                        <a:rPr lang="de-de" sz="900" spc="0" dirty="0">
                           <a:solidFill>
                             <a:srgbClr val="020302"/>
                           </a:solidFill>
                           <a:latin typeface="AdobeClean-Light"/>
                           <a:cs typeface="AdobeClean-Light"/>
                         </a:rPr>
-                        <a:t>Technical Account Manager</a:t>
+                        <a:t>技術客戶經理</a:t>
                       </a:r>
-                      <a:endParaRPr sz="900" spc="0">
+                      <a:endParaRPr sz="900" spc="0" dirty="0">
                         <a:latin typeface="AdobeClean-Light"/>
                         <a:cs typeface="AdobeClean-Light"/>
                       </a:endParaRPr>
@@ -5289,7 +4691,7 @@
                           <a:spcPct val="100000"/>
                         </a:lnSpc>
                       </a:pPr>
-                      <a:endParaRPr sz="900">
+                      <a:endParaRPr sz="900" dirty="0">
                         <a:latin typeface="Times New Roman"/>
                         <a:cs typeface="Times New Roman"/>
                       </a:endParaRPr>
@@ -5340,7 +4742,7 @@
                         <a:defRPr/>
                       </a:pPr>
                       <a:r>
-                        <a:rPr lang="en-US" sz="900">
+                        <a:rPr lang="de-de" sz="900" dirty="0">
                           <a:solidFill>
                             <a:srgbClr val="020302"/>
                           </a:solidFill>
@@ -5349,7 +4751,7 @@
                         </a:rPr>
                         <a:t></a:t>
                       </a:r>
-                      <a:endParaRPr lang="en-US" sz="900">
+                      <a:endParaRPr lang="en-US" sz="900" dirty="0">
                         <a:latin typeface="Wingdings"/>
                         <a:cs typeface="Wingdings"/>
                       </a:endParaRPr>
@@ -5393,16 +4795,16 @@
                         </a:spcBef>
                       </a:pPr>
                       <a:r>
-                        <a:rPr lang="en-US" sz="1000" b="1" i="0" spc="0">
+                        <a:rPr lang="de-de" sz="1000" b="1" i="0" spc="0" dirty="0">
                           <a:solidFill>
                             <a:schemeClr val="bg1"/>
                           </a:solidFill>
                           <a:latin typeface="Adobe Clean" panose="020B0503020404020204" pitchFamily="34" charset="0"/>
                           <a:cs typeface="AdobeClean-Light"/>
                         </a:rPr>
-                        <a:t>Support Services</a:t>
+                        <a:t>支援服務</a:t>
                       </a:r>
-                      <a:endParaRPr sz="1000" b="1" i="0" spc="0">
+                      <a:endParaRPr sz="1000" b="1" i="0" spc="0" dirty="0">
                         <a:solidFill>
                           <a:schemeClr val="bg1"/>
                         </a:solidFill>
@@ -5464,26 +4866,16 @@
                         </a:spcBef>
                       </a:pPr>
                       <a:r>
-                        <a:rPr lang="en-US" sz="900" spc="0">
+                        <a:rPr lang="de-de" sz="900" spc="0" dirty="0">
                           <a:solidFill>
                             <a:srgbClr val="020302"/>
                           </a:solidFill>
                           <a:latin typeface="AdobeClean-Light"/>
                           <a:cs typeface="AdobeClean-Light"/>
                         </a:rPr>
-                        <a:t>Online</a:t>
+                        <a:t>線上支援</a:t>
                       </a:r>
-                      <a:r>
-                        <a:rPr sz="900" spc="0">
-                          <a:solidFill>
-                            <a:srgbClr val="020302"/>
-                          </a:solidFill>
-                          <a:latin typeface="AdobeClean-Light"/>
-                          <a:cs typeface="AdobeClean-Light"/>
-                        </a:rPr>
-                        <a:t> Support</a:t>
-                      </a:r>
-                      <a:endParaRPr sz="900" spc="0">
+                      <a:endParaRPr sz="900" spc="0" dirty="0">
                         <a:latin typeface="AdobeClean-Light"/>
                         <a:cs typeface="AdobeClean-Light"/>
                       </a:endParaRPr>
@@ -5524,36 +4916,26 @@
                         </a:spcBef>
                       </a:pPr>
                       <a:r>
-                        <a:rPr sz="900" spc="-25">
+                        <a:rPr lang="de-de" sz="900" spc="-25" dirty="0">
                           <a:solidFill>
                             <a:srgbClr val="020302"/>
                           </a:solidFill>
                           <a:latin typeface="AdobeClean-Light"/>
                           <a:cs typeface="AdobeClean-Light"/>
                         </a:rPr>
-                        <a:t>Business</a:t>
+                        <a:t>營業</a:t>
                       </a:r>
                       <a:r>
-                        <a:rPr sz="900" spc="-15">
+                        <a:rPr lang="de-de" sz="900" spc="-30" dirty="0">
                           <a:solidFill>
                             <a:srgbClr val="020302"/>
                           </a:solidFill>
                           <a:latin typeface="AdobeClean-Light"/>
                           <a:cs typeface="AdobeClean-Light"/>
                         </a:rPr>
-                        <a:t> </a:t>
+                        <a:t>時間</a:t>
                       </a:r>
-                      <a:r>
-                        <a:rPr sz="900" spc="-30">
-                          <a:solidFill>
-                            <a:srgbClr val="020302"/>
-                          </a:solidFill>
-                          <a:latin typeface="AdobeClean-Light"/>
-                          <a:cs typeface="AdobeClean-Light"/>
-                        </a:rPr>
-                        <a:t>hours</a:t>
-                      </a:r>
-                      <a:endParaRPr sz="900">
+                      <a:endParaRPr sz="900" dirty="0">
                         <a:latin typeface="AdobeClean-Light"/>
                         <a:cs typeface="AdobeClean-Light"/>
                       </a:endParaRPr>
@@ -5595,7 +4977,7 @@
                         </a:spcBef>
                       </a:pPr>
                       <a:r>
-                        <a:rPr lang="en-US" sz="900" spc="-25">
+                        <a:rPr lang="de-de" sz="900" spc="-25" dirty="0">
                           <a:solidFill>
                             <a:srgbClr val="020302"/>
                           </a:solidFill>
@@ -5604,7 +4986,7 @@
                         </a:rPr>
                         <a:t>24x5</a:t>
                       </a:r>
-                      <a:endParaRPr sz="900">
+                      <a:endParaRPr sz="900" dirty="0">
                         <a:latin typeface="AdobeClean-Light"/>
                         <a:cs typeface="AdobeClean-Light"/>
                       </a:endParaRPr>
@@ -5647,7 +5029,7 @@
                           <a:spcPts val="455"/>
                         </a:spcBef>
                       </a:pPr>
-                      <a:endParaRPr sz="900">
+                      <a:endParaRPr sz="900" dirty="0">
                         <a:latin typeface="AdobeClean-Light"/>
                         <a:cs typeface="AdobeClean-Light"/>
                       </a:endParaRPr>
@@ -5688,36 +5070,16 @@
                         </a:spcBef>
                       </a:pPr>
                       <a:r>
-                        <a:rPr sz="900" spc="0">
+                        <a:rPr lang="de-de" sz="900" spc="0" dirty="0">
                           <a:solidFill>
                             <a:srgbClr val="020302"/>
                           </a:solidFill>
                           <a:latin typeface="AdobeClean-Light"/>
                           <a:cs typeface="AdobeClean-Light"/>
                         </a:rPr>
-                        <a:t>24x7</a:t>
+                        <a:t>全年無休 P1 問題支援</a:t>
                       </a:r>
-                      <a:r>
-                        <a:rPr lang="en-US" sz="900" spc="0">
-                          <a:solidFill>
-                            <a:srgbClr val="020302"/>
-                          </a:solidFill>
-                          <a:latin typeface="AdobeClean-Light"/>
-                          <a:cs typeface="AdobeClean-Light"/>
-                        </a:rPr>
-                        <a:t>x365</a:t>
-                      </a:r>
-                      <a:r>
-                        <a:rPr sz="900" spc="0">
-                          <a:solidFill>
-                            <a:srgbClr val="020302"/>
-                          </a:solidFill>
-                          <a:latin typeface="AdobeClean-Light"/>
-                          <a:cs typeface="AdobeClean-Light"/>
-                        </a:rPr>
-                        <a:t> P1 Issue Support</a:t>
-                      </a:r>
-                      <a:endParaRPr sz="900" spc="0">
+                      <a:endParaRPr sz="900" spc="0" dirty="0">
                         <a:latin typeface="AdobeClean-Light"/>
                         <a:cs typeface="AdobeClean-Light"/>
                       </a:endParaRPr>
@@ -5752,7 +5114,7 @@
                         </a:spcBef>
                       </a:pPr>
                       <a:r>
-                        <a:rPr sz="900">
+                        <a:rPr lang="de-de" sz="900" dirty="0">
                           <a:solidFill>
                             <a:srgbClr val="020302"/>
                           </a:solidFill>
@@ -5761,7 +5123,7 @@
                         </a:rPr>
                         <a:t></a:t>
                       </a:r>
-                      <a:endParaRPr sz="900">
+                      <a:endParaRPr sz="900" dirty="0">
                         <a:latin typeface="Wingdings"/>
                         <a:cs typeface="Wingdings"/>
                       </a:endParaRPr>
@@ -5794,7 +5156,7 @@
                         </a:spcBef>
                       </a:pPr>
                       <a:r>
-                        <a:rPr sz="900">
+                        <a:rPr lang="de-de" sz="900" dirty="0">
                           <a:solidFill>
                             <a:srgbClr val="020302"/>
                           </a:solidFill>
@@ -5803,7 +5165,7 @@
                         </a:rPr>
                         <a:t></a:t>
                       </a:r>
-                      <a:endParaRPr sz="900">
+                      <a:endParaRPr sz="900" dirty="0">
                         <a:latin typeface="Wingdings"/>
                         <a:cs typeface="Wingdings"/>
                       </a:endParaRPr>
@@ -5837,7 +5199,7 @@
                           <a:spcPts val="455"/>
                         </a:spcBef>
                       </a:pPr>
-                      <a:endParaRPr sz="900">
+                      <a:endParaRPr sz="900" dirty="0">
                         <a:latin typeface="AdobeClean-Light"/>
                         <a:cs typeface="AdobeClean-Light"/>
                       </a:endParaRPr>
@@ -5887,16 +5249,16 @@
                         </a:spcBef>
                       </a:pPr>
                       <a:r>
-                        <a:rPr lang="en-US" sz="900" spc="0">
+                        <a:rPr lang="de-de" sz="900" spc="0" dirty="0">
                           <a:solidFill>
                             <a:srgbClr val="020302"/>
                           </a:solidFill>
                           <a:latin typeface="AdobeClean-Light"/>
                           <a:cs typeface="AdobeClean-Light"/>
                         </a:rPr>
-                        <a:t>Named Support Contacts (per product)</a:t>
+                        <a:t>指定的支援聯絡人 (依據產品)</a:t>
                       </a:r>
-                      <a:endParaRPr sz="900" spc="0">
+                      <a:endParaRPr sz="900" spc="0" dirty="0">
                         <a:latin typeface="AdobeClean-Light"/>
                         <a:cs typeface="AdobeClean-Light"/>
                       </a:endParaRPr>
@@ -5937,7 +5299,7 @@
                         </a:spcBef>
                       </a:pPr>
                       <a:r>
-                        <a:rPr sz="900">
+                        <a:rPr lang="de-de" sz="900" dirty="0">
                           <a:solidFill>
                             <a:srgbClr val="020302"/>
                           </a:solidFill>
@@ -5946,7 +5308,7 @@
                         </a:rPr>
                         <a:t>4</a:t>
                       </a:r>
-                      <a:endParaRPr sz="900">
+                      <a:endParaRPr sz="900" dirty="0">
                         <a:latin typeface="AdobeClean-Light"/>
                         <a:cs typeface="AdobeClean-Light"/>
                       </a:endParaRPr>
@@ -5979,7 +5341,7 @@
                         </a:spcBef>
                       </a:pPr>
                       <a:r>
-                        <a:rPr lang="en-US" sz="900">
+                        <a:rPr lang="de-de" sz="900" dirty="0">
                           <a:solidFill>
                             <a:srgbClr val="020302"/>
                           </a:solidFill>
@@ -5988,7 +5350,7 @@
                         </a:rPr>
                         <a:t>15</a:t>
                       </a:r>
-                      <a:endParaRPr sz="900">
+                      <a:endParaRPr sz="900" dirty="0">
                         <a:latin typeface="AdobeClean-Light"/>
                         <a:cs typeface="AdobeClean-Light"/>
                       </a:endParaRPr>
@@ -6022,7 +5384,7 @@
                           <a:spcPts val="455"/>
                         </a:spcBef>
                       </a:pPr>
-                      <a:endParaRPr sz="900">
+                      <a:endParaRPr sz="900" dirty="0">
                         <a:latin typeface="AdobeClean-Light"/>
                         <a:cs typeface="AdobeClean-Light"/>
                       </a:endParaRPr>
@@ -6063,16 +5425,16 @@
                         </a:spcBef>
                       </a:pPr>
                       <a:r>
-                        <a:rPr lang="en-US" sz="900" spc="0">
+                        <a:rPr lang="de-de" sz="900" spc="0" dirty="0">
                           <a:solidFill>
                             <a:srgbClr val="020302"/>
                           </a:solidFill>
                           <a:latin typeface="AdobeClean-Light"/>
                           <a:cs typeface="AdobeClean-Light"/>
                         </a:rPr>
-                        <a:t>Live Telephone Support</a:t>
+                        <a:t>即時電話支援</a:t>
                       </a:r>
-                      <a:endParaRPr sz="900" spc="0">
+                      <a:endParaRPr sz="900" spc="0" dirty="0">
                         <a:latin typeface="AdobeClean-Light"/>
                         <a:cs typeface="AdobeClean-Light"/>
                       </a:endParaRPr>
@@ -6106,7 +5468,7 @@
                           <a:spcPts val="464"/>
                         </a:spcBef>
                       </a:pPr>
-                      <a:endParaRPr sz="900">
+                      <a:endParaRPr sz="900" dirty="0">
                         <a:latin typeface="Wingdings"/>
                         <a:cs typeface="Wingdings"/>
                       </a:endParaRPr>
@@ -6139,7 +5501,7 @@
                         </a:spcBef>
                       </a:pPr>
                       <a:r>
-                        <a:rPr sz="900">
+                        <a:rPr lang="de-de" sz="900" dirty="0">
                           <a:solidFill>
                             <a:srgbClr val="020302"/>
                           </a:solidFill>
@@ -6148,7 +5510,7 @@
                         </a:rPr>
                         <a:t></a:t>
                       </a:r>
-                      <a:endParaRPr sz="900">
+                      <a:endParaRPr sz="900" dirty="0">
                         <a:latin typeface="Wingdings"/>
                         <a:cs typeface="Wingdings"/>
                       </a:endParaRPr>
@@ -6182,7 +5544,7 @@
                           <a:spcPts val="459"/>
                         </a:spcBef>
                       </a:pPr>
-                      <a:endParaRPr sz="900">
+                      <a:endParaRPr sz="900" dirty="0">
                         <a:latin typeface="AdobeClean-Light"/>
                         <a:cs typeface="AdobeClean-Light"/>
                       </a:endParaRPr>
@@ -6223,16 +5585,16 @@
                         </a:spcBef>
                       </a:pPr>
                       <a:r>
-                        <a:rPr sz="900" spc="0">
+                        <a:rPr lang="de-de" sz="900" spc="0" dirty="0">
                           <a:solidFill>
                             <a:srgbClr val="020302"/>
                           </a:solidFill>
                           <a:latin typeface="AdobeClean-Light"/>
                           <a:cs typeface="AdobeClean-Light"/>
                         </a:rPr>
-                        <a:t>Escalation Management</a:t>
+                        <a:t>向上呈報管理</a:t>
                       </a:r>
-                      <a:endParaRPr sz="900" spc="0">
+                      <a:endParaRPr sz="900" spc="0" dirty="0">
                         <a:latin typeface="AdobeClean-Light"/>
                         <a:cs typeface="AdobeClean-Light"/>
                       </a:endParaRPr>
@@ -6266,7 +5628,7 @@
                           <a:spcPts val="470"/>
                         </a:spcBef>
                       </a:pPr>
-                      <a:endParaRPr sz="900">
+                      <a:endParaRPr sz="900" dirty="0">
                         <a:latin typeface="Wingdings"/>
                         <a:cs typeface="Wingdings"/>
                       </a:endParaRPr>
@@ -6299,7 +5661,7 @@
                         </a:spcBef>
                       </a:pPr>
                       <a:r>
-                        <a:rPr sz="900">
+                        <a:rPr lang="de-de" sz="900" dirty="0">
                           <a:solidFill>
                             <a:srgbClr val="020302"/>
                           </a:solidFill>
@@ -6308,7 +5670,7 @@
                         </a:rPr>
                         <a:t></a:t>
                       </a:r>
-                      <a:endParaRPr sz="900">
+                      <a:endParaRPr sz="900" dirty="0">
                         <a:latin typeface="Wingdings"/>
                         <a:cs typeface="Wingdings"/>
                       </a:endParaRPr>
@@ -6342,7 +5704,7 @@
                           <a:spcPts val="450"/>
                         </a:spcBef>
                       </a:pPr>
-                      <a:endParaRPr sz="900">
+                      <a:endParaRPr sz="900" dirty="0">
                         <a:latin typeface="AdobeClean-Light"/>
                         <a:cs typeface="AdobeClean-Light"/>
                       </a:endParaRPr>
@@ -6383,26 +5745,16 @@
                         </a:spcBef>
                       </a:pPr>
                       <a:r>
-                        <a:rPr sz="900" spc="0">
+                        <a:rPr lang="de-de" sz="900" spc="0" dirty="0">
                           <a:solidFill>
                             <a:srgbClr val="020302"/>
                           </a:solidFill>
                           <a:latin typeface="AdobeClean-Light"/>
                           <a:cs typeface="AdobeClean-Light"/>
                         </a:rPr>
-                        <a:t>Service Reviews </a:t>
+                        <a:t>每年的服務審查</a:t>
                       </a:r>
-                      <a:r>
-                        <a:rPr lang="en-US" sz="900" spc="0">
-                          <a:solidFill>
-                            <a:srgbClr val="020302"/>
-                          </a:solidFill>
-                          <a:latin typeface="AdobeClean-Light"/>
-                          <a:cs typeface="AdobeClean-Light"/>
-                        </a:rPr>
-                        <a:t>per Year</a:t>
-                      </a:r>
-                      <a:endParaRPr sz="900" spc="0">
+                      <a:endParaRPr sz="900" spc="0" dirty="0">
                         <a:latin typeface="AdobeClean-Light"/>
                         <a:cs typeface="AdobeClean-Light"/>
                       </a:endParaRPr>
@@ -6433,7 +5785,7 @@
                           <a:spcPct val="100000"/>
                         </a:lnSpc>
                       </a:pPr>
-                      <a:endParaRPr sz="900">
+                      <a:endParaRPr sz="900" dirty="0">
                         <a:latin typeface="Times New Roman"/>
                         <a:cs typeface="Times New Roman"/>
                       </a:endParaRPr>
@@ -6463,13 +5815,13 @@
                         </a:lnSpc>
                       </a:pPr>
                       <a:r>
-                        <a:rPr lang="en-US" sz="900">
+                        <a:rPr lang="de-de" sz="900" dirty="0">
                           <a:latin typeface="Times New Roman"/>
                           <a:cs typeface="Times New Roman"/>
                         </a:rPr>
                         <a:t>4</a:t>
                       </a:r>
-                      <a:endParaRPr sz="900">
+                      <a:endParaRPr sz="900" dirty="0">
                         <a:latin typeface="Times New Roman"/>
                         <a:cs typeface="Times New Roman"/>
                       </a:endParaRPr>
@@ -6514,13 +5866,13 @@
                         </a:spcBef>
                       </a:pPr>
                       <a:r>
-                        <a:rPr lang="en-US" sz="900" spc="0">
+                        <a:rPr lang="de-de" sz="900" spc="0" dirty="0">
                           <a:latin typeface="AdobeClean-Light"/>
                           <a:cs typeface="AdobeClean-Light"/>
                         </a:rPr>
-                        <a:t>Expert Sessions per Year</a:t>
+                        <a:t>每年的專家諮詢</a:t>
                       </a:r>
-                      <a:endParaRPr sz="900" spc="0">
+                      <a:endParaRPr sz="900" spc="0" dirty="0">
                         <a:latin typeface="AdobeClean-Light"/>
                         <a:cs typeface="AdobeClean-Light"/>
                       </a:endParaRPr>
@@ -6557,7 +5909,7 @@
                           <a:spcPct val="100000"/>
                         </a:lnSpc>
                       </a:pPr>
-                      <a:endParaRPr sz="900">
+                      <a:endParaRPr sz="900" dirty="0">
                         <a:latin typeface="Times New Roman"/>
                         <a:cs typeface="Times New Roman"/>
                       </a:endParaRPr>
@@ -6587,13 +5939,13 @@
                         </a:lnSpc>
                       </a:pPr>
                       <a:r>
-                        <a:rPr lang="en-US" sz="900">
+                        <a:rPr lang="de-de" sz="900" dirty="0">
                           <a:latin typeface="Times New Roman"/>
                           <a:cs typeface="Times New Roman"/>
                         </a:rPr>
                         <a:t>4</a:t>
                       </a:r>
-                      <a:endParaRPr sz="900">
+                      <a:endParaRPr sz="900" dirty="0">
                         <a:latin typeface="Times New Roman"/>
                         <a:cs typeface="Times New Roman"/>
                       </a:endParaRPr>
@@ -6638,13 +5990,13 @@
                         </a:spcBef>
                       </a:pPr>
                       <a:r>
-                        <a:rPr lang="en-US" sz="900" spc="0">
+                        <a:rPr lang="de-de" sz="900" spc="0" dirty="0">
                           <a:latin typeface="AdobeClean-Light"/>
                           <a:cs typeface="AdobeClean-Light"/>
                         </a:rPr>
-                        <a:t>Case Reviews</a:t>
+                        <a:t>案件審查</a:t>
                       </a:r>
-                      <a:endParaRPr sz="900" spc="0">
+                      <a:endParaRPr sz="900" spc="0" dirty="0">
                         <a:latin typeface="AdobeClean-Light"/>
                         <a:cs typeface="AdobeClean-Light"/>
                       </a:endParaRPr>
@@ -6681,7 +6033,7 @@
                           <a:spcPct val="100000"/>
                         </a:lnSpc>
                       </a:pPr>
-                      <a:endParaRPr sz="900">
+                      <a:endParaRPr sz="900" dirty="0">
                         <a:latin typeface="Times New Roman"/>
                         <a:cs typeface="Times New Roman"/>
                       </a:endParaRPr>
@@ -6723,7 +6075,7 @@
                         <a:defRPr/>
                       </a:pPr>
                       <a:r>
-                        <a:rPr lang="en-US" sz="900">
+                        <a:rPr lang="de-de" sz="900" dirty="0">
                           <a:solidFill>
                             <a:srgbClr val="020302"/>
                           </a:solidFill>
@@ -6732,7 +6084,7 @@
                         </a:rPr>
                         <a:t></a:t>
                       </a:r>
-                      <a:endParaRPr lang="en-US" sz="900">
+                      <a:endParaRPr lang="en-US" sz="900" dirty="0">
                         <a:latin typeface="Wingdings"/>
                         <a:cs typeface="Wingdings"/>
                       </a:endParaRPr>
@@ -6766,7 +6118,7 @@
                           <a:spcPts val="459"/>
                         </a:spcBef>
                       </a:pPr>
-                      <a:endParaRPr sz="900">
+                      <a:endParaRPr sz="900" dirty="0">
                         <a:latin typeface="AdobeClean-Light"/>
                         <a:cs typeface="AdobeClean-Light"/>
                       </a:endParaRPr>
@@ -6816,26 +6168,16 @@
                         </a:spcBef>
                       </a:pPr>
                       <a:r>
-                        <a:rPr sz="900" spc="0">
+                        <a:rPr lang="de-de" sz="900" spc="0" dirty="0">
                           <a:solidFill>
                             <a:srgbClr val="020302"/>
                           </a:solidFill>
                           <a:latin typeface="AdobeClean-Light"/>
                           <a:cs typeface="AdobeClean-Light"/>
                         </a:rPr>
-                        <a:t>Event </a:t>
+                        <a:t>事件管理</a:t>
                       </a:r>
-                      <a:r>
-                        <a:rPr lang="en-US" sz="900" spc="0">
-                          <a:solidFill>
-                            <a:srgbClr val="020302"/>
-                          </a:solidFill>
-                          <a:latin typeface="AdobeClean-Light"/>
-                          <a:cs typeface="AdobeClean-Light"/>
-                        </a:rPr>
-                        <a:t>Management</a:t>
-                      </a:r>
-                      <a:endParaRPr sz="900" spc="0">
+                      <a:endParaRPr sz="900" spc="0" dirty="0">
                         <a:latin typeface="AdobeClean-Light"/>
                         <a:cs typeface="AdobeClean-Light"/>
                       </a:endParaRPr>
@@ -6872,7 +6214,7 @@
                           <a:spcPct val="100000"/>
                         </a:lnSpc>
                       </a:pPr>
-                      <a:endParaRPr sz="900">
+                      <a:endParaRPr sz="900" dirty="0">
                         <a:latin typeface="Times New Roman"/>
                         <a:cs typeface="Times New Roman"/>
                       </a:endParaRPr>
@@ -6914,7 +6256,7 @@
                         <a:defRPr/>
                       </a:pPr>
                       <a:r>
-                        <a:rPr lang="en-US" sz="900">
+                        <a:rPr lang="de-de" sz="900" dirty="0">
                           <a:solidFill>
                             <a:srgbClr val="020302"/>
                           </a:solidFill>
@@ -6923,7 +6265,7 @@
                         </a:rPr>
                         <a:t></a:t>
                       </a:r>
-                      <a:endParaRPr lang="en-US" sz="900">
+                      <a:endParaRPr lang="en-US" sz="900" dirty="0">
                         <a:latin typeface="Wingdings"/>
                         <a:cs typeface="Wingdings"/>
                       </a:endParaRPr>
@@ -6957,7 +6299,7 @@
                           <a:spcPts val="465"/>
                         </a:spcBef>
                       </a:pPr>
-                      <a:endParaRPr sz="900">
+                      <a:endParaRPr sz="900" dirty="0">
                         <a:latin typeface="AdobeClean-Light"/>
                         <a:cs typeface="AdobeClean-Light"/>
                       </a:endParaRPr>
@@ -6998,36 +6340,16 @@
                         </a:spcBef>
                       </a:pPr>
                       <a:r>
-                        <a:rPr sz="900" spc="0">
+                        <a:rPr lang="de-de" sz="900" spc="0" dirty="0">
                           <a:solidFill>
                             <a:srgbClr val="020302"/>
                           </a:solidFill>
                           <a:latin typeface="AdobeClean-Light"/>
                           <a:cs typeface="AdobeClean-Light"/>
                         </a:rPr>
-                        <a:t>Environment</a:t>
+                        <a:t>環境審查、維護與監控</a:t>
                       </a:r>
-                      <a:r>
-                        <a:rPr lang="en-US" sz="900" spc="0">
-                          <a:solidFill>
-                            <a:srgbClr val="020302"/>
-                          </a:solidFill>
-                          <a:latin typeface="AdobeClean-Light"/>
-                          <a:cs typeface="AdobeClean-Light"/>
-                        </a:rPr>
-                        <a:t> </a:t>
-                      </a:r>
-                      <a:r>
-                        <a:rPr sz="900" spc="0">
-                          <a:solidFill>
-                            <a:srgbClr val="020302"/>
-                          </a:solidFill>
-                          <a:latin typeface="AdobeClean-Light"/>
-                          <a:cs typeface="AdobeClean-Light"/>
-                        </a:rPr>
-                        <a:t>Review, Maintenance &amp; Monitoring</a:t>
-                      </a:r>
-                      <a:endParaRPr sz="900" spc="0">
+                      <a:endParaRPr sz="900" spc="0" dirty="0">
                         <a:latin typeface="AdobeClean-Light"/>
                         <a:cs typeface="AdobeClean-Light"/>
                       </a:endParaRPr>
@@ -7058,7 +6380,7 @@
                           <a:spcPct val="100000"/>
                         </a:lnSpc>
                       </a:pPr>
-                      <a:endParaRPr sz="900">
+                      <a:endParaRPr sz="900" dirty="0">
                         <a:latin typeface="Times New Roman"/>
                         <a:cs typeface="Times New Roman"/>
                       </a:endParaRPr>
@@ -7100,7 +6422,7 @@
                         <a:defRPr/>
                       </a:pPr>
                       <a:r>
-                        <a:rPr lang="en-US" sz="900">
+                        <a:rPr lang="de-de" sz="900" dirty="0">
                           <a:solidFill>
                             <a:srgbClr val="020302"/>
                           </a:solidFill>
@@ -7109,7 +6431,7 @@
                         </a:rPr>
                         <a:t></a:t>
                       </a:r>
-                      <a:endParaRPr lang="en-US" sz="900">
+                      <a:endParaRPr lang="en-US" sz="900" dirty="0">
                         <a:latin typeface="Wingdings"/>
                         <a:cs typeface="Wingdings"/>
                       </a:endParaRPr>
@@ -7143,7 +6465,7 @@
                           <a:spcPts val="500"/>
                         </a:spcBef>
                       </a:pPr>
-                      <a:endParaRPr sz="900">
+                      <a:endParaRPr sz="900" dirty="0">
                         <a:latin typeface="AdobeClean-Light"/>
                         <a:cs typeface="AdobeClean-Light"/>
                       </a:endParaRPr>
@@ -7184,16 +6506,16 @@
                         </a:spcBef>
                       </a:pPr>
                       <a:r>
-                        <a:rPr sz="900" spc="0">
+                        <a:rPr lang="de-de" sz="900" spc="0" dirty="0">
                           <a:solidFill>
                             <a:srgbClr val="020302"/>
                           </a:solidFill>
                           <a:latin typeface="AdobeClean-Light"/>
                           <a:cs typeface="AdobeClean-Light"/>
                         </a:rPr>
-                        <a:t>Release, Migration, Upgrade &amp; Product Roadmap Review</a:t>
+                        <a:t>發行、遷移、升級及產品藍圖審查</a:t>
                       </a:r>
-                      <a:endParaRPr sz="900" spc="0">
+                      <a:endParaRPr sz="900" spc="0" dirty="0">
                         <a:latin typeface="AdobeClean-Light"/>
                         <a:cs typeface="AdobeClean-Light"/>
                       </a:endParaRPr>
@@ -7224,7 +6546,7 @@
                           <a:spcPct val="100000"/>
                         </a:lnSpc>
                       </a:pPr>
-                      <a:endParaRPr sz="900">
+                      <a:endParaRPr sz="900" dirty="0">
                         <a:latin typeface="Times New Roman"/>
                         <a:cs typeface="Times New Roman"/>
                       </a:endParaRPr>
@@ -7266,7 +6588,7 @@
                         <a:defRPr/>
                       </a:pPr>
                       <a:r>
-                        <a:rPr lang="en-US" sz="900">
+                        <a:rPr lang="de-de" sz="900" dirty="0">
                           <a:solidFill>
                             <a:srgbClr val="020302"/>
                           </a:solidFill>
@@ -7275,7 +6597,7 @@
                         </a:rPr>
                         <a:t></a:t>
                       </a:r>
-                      <a:endParaRPr lang="en-US" sz="900">
+                      <a:endParaRPr lang="en-US" sz="900" dirty="0">
                         <a:latin typeface="Wingdings"/>
                         <a:cs typeface="Wingdings"/>
                       </a:endParaRPr>
@@ -7309,7 +6631,7 @@
                           <a:spcPts val="530"/>
                         </a:spcBef>
                       </a:pPr>
-                      <a:endParaRPr sz="900">
+                      <a:endParaRPr sz="900" dirty="0">
                         <a:latin typeface="AdobeClean-Light"/>
                         <a:cs typeface="AdobeClean-Light"/>
                       </a:endParaRPr>
@@ -7359,11 +6681,11 @@
                         </a:spcBef>
                       </a:pPr>
                       <a:r>
-                        <a:rPr sz="900" spc="0">
+                        <a:rPr lang="de-de" sz="900" spc="0" dirty="0">
                           <a:latin typeface="AdobeClean-Light"/>
                           <a:cs typeface="AdobeClean-Light"/>
                         </a:rPr>
-                        <a:t>Cloud Support Activities – Experience Manager as Cloud</a:t>
+                        <a:t>雲端支援活動 – 雲端形式的 Experience Manager</a:t>
                       </a:r>
                     </a:p>
                   </a:txBody>
@@ -7398,7 +6720,7 @@
                           <a:spcPct val="100000"/>
                         </a:lnSpc>
                       </a:pPr>
-                      <a:endParaRPr sz="900">
+                      <a:endParaRPr sz="900" dirty="0">
                         <a:latin typeface="Times New Roman"/>
                         <a:cs typeface="Times New Roman"/>
                       </a:endParaRPr>
@@ -7449,7 +6771,7 @@
                         <a:defRPr/>
                       </a:pPr>
                       <a:r>
-                        <a:rPr lang="en-US" sz="900">
+                        <a:rPr lang="de-de" sz="900" dirty="0">
                           <a:solidFill>
                             <a:srgbClr val="020302"/>
                           </a:solidFill>
@@ -7458,7 +6780,7 @@
                         </a:rPr>
                         <a:t></a:t>
                       </a:r>
-                      <a:endParaRPr lang="en-US" sz="900">
+                      <a:endParaRPr lang="en-US" sz="900" dirty="0">
                         <a:latin typeface="Wingdings"/>
                         <a:cs typeface="Wingdings"/>
                       </a:endParaRPr>
@@ -7502,16 +6824,16 @@
                         </a:spcBef>
                       </a:pPr>
                       <a:r>
-                        <a:rPr lang="en-US" sz="1000" b="1" i="0" spc="0">
+                        <a:rPr lang="de-de" sz="1000" b="1" i="0" spc="0" dirty="0">
                           <a:solidFill>
                             <a:schemeClr val="bg1"/>
                           </a:solidFill>
                           <a:latin typeface="Adobe Clean" panose="020B0503020404020204" pitchFamily="34" charset="0"/>
                           <a:cs typeface="AdobeClean-Light"/>
                         </a:rPr>
-                        <a:t>Field Services</a:t>
+                        <a:t>現場服務</a:t>
                       </a:r>
-                      <a:endParaRPr sz="1000" b="1" i="0" spc="0">
+                      <a:endParaRPr sz="1000" b="1" i="0" spc="0" dirty="0">
                         <a:solidFill>
                           <a:schemeClr val="bg1"/>
                         </a:solidFill>
@@ -7570,14 +6892,14 @@
                         </a:spcBef>
                       </a:pPr>
                       <a:r>
-                        <a:rPr sz="900" spc="0">
+                        <a:rPr lang="de-de" sz="900" spc="0" dirty="0">
                           <a:solidFill>
                             <a:srgbClr val="020302"/>
                           </a:solidFill>
                           <a:latin typeface="AdobeClean-Light"/>
                           <a:cs typeface="AdobeClean-Light"/>
                         </a:rPr>
-                        <a:t>Launch Advisory Services – First Year of new solution</a:t>
+                        <a:t>上市諮詢服務 – 新解決方案的第一年</a:t>
                       </a:r>
                     </a:p>
                   </a:txBody>
@@ -7622,7 +6944,7 @@
                           <a:spcPct val="100000"/>
                         </a:lnSpc>
                       </a:pPr>
-                      <a:endParaRPr sz="900">
+                      <a:endParaRPr sz="900" dirty="0">
                         <a:latin typeface="Times New Roman"/>
                         <a:cs typeface="Times New Roman"/>
                       </a:endParaRPr>
@@ -7689,7 +7011,7 @@
                         <a:defRPr/>
                       </a:pPr>
                       <a:r>
-                        <a:rPr lang="en-US" sz="900">
+                        <a:rPr lang="de-de" sz="900" dirty="0">
                           <a:solidFill>
                             <a:srgbClr val="020302"/>
                           </a:solidFill>
@@ -7698,7 +7020,7 @@
                         </a:rPr>
                         <a:t></a:t>
                       </a:r>
-                      <a:endParaRPr lang="en-US" sz="900">
+                      <a:endParaRPr lang="en-US" sz="900" dirty="0">
                         <a:latin typeface="Wingdings"/>
                         <a:cs typeface="Wingdings"/>
                       </a:endParaRPr>
@@ -7780,11 +7102,11 @@
                         <a:defRPr/>
                       </a:pPr>
                       <a:r>
-                        <a:rPr lang="en-US" sz="900" spc="0">
+                        <a:rPr lang="de-de" sz="900" spc="0" dirty="0">
                           <a:latin typeface="AdobeClean-Light"/>
                           <a:cs typeface="AdobeClean-Light"/>
                         </a:rPr>
-                        <a:t>Field Service Activities </a:t>
+                        <a:t>現場服務活動</a:t>
                       </a:r>
                     </a:p>
                   </a:txBody>
@@ -7819,7 +7141,7 @@
                     <a:lstStyle/>
                     <a:p>
                       <a:pPr algn="ctr"/>
-                      <a:endParaRPr lang="en-US"/>
+                      <a:endParaRPr lang="en-US" dirty="0"/>
                     </a:p>
                   </a:txBody>
                   <a:tcPr marL="0" marR="0" marT="0" marB="0">
@@ -7867,13 +7189,13 @@
                     <a:p>
                       <a:pPr algn="ctr"/>
                       <a:r>
-                        <a:rPr lang="en-US" sz="900">
+                        <a:rPr lang="de-de" sz="900" dirty="0">
                           <a:latin typeface="Times New Roman"/>
                           <a:cs typeface="Times New Roman"/>
                         </a:rPr>
                         <a:t>4</a:t>
                       </a:r>
-                      <a:endParaRPr lang="en-US"/>
+                      <a:endParaRPr lang="en-US" dirty="0"/>
                     </a:p>
                   </a:txBody>
                   <a:tcPr marL="0" marR="0" marT="0" marB="0" anchor="ctr">
@@ -8007,7 +7329,7 @@
         <p:spPr>
           <a:xfrm>
             <a:off x="357339" y="608961"/>
-            <a:ext cx="1647825" cy="238760"/>
+            <a:ext cx="4214661" cy="229239"/>
           </a:xfrm>
           <a:prstGeom prst="rect">
             <a:avLst/>
@@ -8028,56 +7350,26 @@
               </a:spcBef>
             </a:pPr>
             <a:r>
-              <a:rPr sz="1400" b="1" spc="-10">
+              <a:rPr lang="de-de" sz="1400" b="1" spc="-10" dirty="0">
                 <a:solidFill>
                   <a:srgbClr val="020302"/>
                 </a:solidFill>
                 <a:latin typeface="Adobe Clean"/>
                 <a:cs typeface="Adobe Clean"/>
               </a:rPr>
-              <a:t>Elite</a:t>
-            </a:r>
-            <a:r>
-              <a:rPr sz="1400" b="1" spc="-50">
+              <a:t>菁英支援</a:t>
+            </a:r>
+            <a:r>
+              <a:rPr lang="de-de" sz="1400" b="1" spc="-15" dirty="0">
                 <a:solidFill>
                   <a:srgbClr val="020302"/>
                 </a:solidFill>
                 <a:latin typeface="Adobe Clean"/>
                 <a:cs typeface="Adobe Clean"/>
               </a:rPr>
-              <a:t> </a:t>
-            </a:r>
-            <a:r>
-              <a:rPr sz="1400" b="1" spc="-10">
-                <a:solidFill>
-                  <a:srgbClr val="020302"/>
-                </a:solidFill>
-                <a:latin typeface="Adobe Clean"/>
-                <a:cs typeface="Adobe Clean"/>
-              </a:rPr>
-              <a:t>Support</a:t>
-            </a:r>
-            <a:r>
-              <a:rPr sz="1400" b="1" spc="-45">
-                <a:solidFill>
-                  <a:srgbClr val="020302"/>
-                </a:solidFill>
-                <a:latin typeface="Adobe Clean"/>
-                <a:cs typeface="Adobe Clean"/>
-              </a:rPr>
-              <a:t> </a:t>
-            </a:r>
-            <a:r>
-              <a:rPr sz="1400" b="1" spc="-15">
-                <a:solidFill>
-                  <a:srgbClr val="020302"/>
-                </a:solidFill>
-                <a:latin typeface="Adobe Clean"/>
-                <a:cs typeface="Adobe Clean"/>
-              </a:rPr>
-              <a:t>Features</a:t>
-            </a:r>
-            <a:endParaRPr sz="1400">
+              <a:t>特色</a:t>
+            </a:r>
+            <a:endParaRPr sz="1400" dirty="0">
               <a:latin typeface="Adobe Clean"/>
               <a:cs typeface="Adobe Clean"/>
             </a:endParaRPr>
@@ -8114,16 +7406,16 @@
               </a:spcBef>
             </a:pPr>
             <a:r>
-              <a:rPr sz="1000">
+              <a:rPr lang="de-de" sz="1000" dirty="0">
                 <a:solidFill>
                   <a:srgbClr val="4B4B4B"/>
                 </a:solidFill>
                 <a:latin typeface="AdobeClean-Light"/>
                 <a:cs typeface="AdobeClean-Light"/>
               </a:rPr>
-              <a:t>A designated support engineer who  becomes familiar with your solution  environment and business goals. The NSE  is an experienced support engineer that  helps coordinate your Enterprise Support  experience.</a:t>
-            </a:r>
-            <a:endParaRPr sz="1000">
+              <a:t>已熟悉您的解決方案環境與業務目標的指定支援工程師。NSE 是經驗豐富的支援工程師，可幫忙協調您的企業支援體驗。</a:t>
+            </a:r>
+            <a:endParaRPr sz="1000" dirty="0">
               <a:latin typeface="AdobeClean-Light"/>
               <a:cs typeface="AdobeClean-Light"/>
             </a:endParaRPr>
@@ -8208,16 +7500,16 @@
               </a:spcBef>
             </a:pPr>
             <a:r>
-              <a:rPr sz="1000">
+              <a:rPr lang="de-de" sz="1000" dirty="0">
                 <a:solidFill>
                   <a:srgbClr val="4B4B4B"/>
                 </a:solidFill>
                 <a:latin typeface="AdobeClean-Light"/>
                 <a:cs typeface="AdobeClean-Light"/>
               </a:rPr>
-              <a:t>Regular scheduled review of open  support requests, ensuring customer  alignment on case description, business  impact, status, priority and agreement on  next steps required to ensure an  expedient resolution.</a:t>
-            </a:r>
-            <a:endParaRPr sz="1000">
+              <a:t>定期審查未解決的支援請求，以確保客戶在案件描述、業務影響、狀態、優先順序及確保快速解決所需的後續步驟方面都達成一致。</a:t>
+            </a:r>
+            <a:endParaRPr sz="1000" dirty="0">
               <a:latin typeface="AdobeClean-Light"/>
               <a:cs typeface="AdobeClean-Light"/>
             </a:endParaRPr>
@@ -8278,24 +7570,14 @@
               </a:spcBef>
             </a:pPr>
             <a:r>
-              <a:rPr sz="1000">
+              <a:rPr lang="de-de" sz="1000" dirty="0">
                 <a:solidFill>
                   <a:srgbClr val="020302"/>
                 </a:solidFill>
                 <a:latin typeface="AdobeClean-Light"/>
                 <a:cs typeface="AdobeClean-Light"/>
               </a:rPr>
-              <a:t>A designated Technical Account Manager to  oversee your Elite experience, coordinate  the support and field services  engagements, and provide proactive services  to maximize your business valu</a:t>
-            </a:r>
-            <a:r>
-              <a:rPr lang="en-US" sz="1000">
-                <a:solidFill>
-                  <a:srgbClr val="020302"/>
-                </a:solidFill>
-                <a:latin typeface="AdobeClean-Light"/>
-                <a:cs typeface="AdobeClean-Light"/>
-              </a:rPr>
-              <a:t>e.</a:t>
+              <a:t>指定的技術客戶經理，負責監督您的 Elite 體驗、協調支援和現場服務的投入，並提供主動式服務來讓您實現最高業務價值。</a:t>
             </a:r>
           </a:p>
         </p:txBody>
@@ -8330,16 +7612,16 @@
               </a:spcBef>
             </a:pPr>
             <a:r>
-              <a:rPr sz="1100" b="1">
+              <a:rPr lang="de-de" sz="1100" b="1" dirty="0">
                 <a:solidFill>
                   <a:srgbClr val="020302"/>
                 </a:solidFill>
                 <a:latin typeface="Adobe Clean" panose="020B0503020404020204" pitchFamily="34" charset="0"/>
                 <a:cs typeface="Arial"/>
               </a:rPr>
-              <a:t>Technical Account Manager</a:t>
-            </a:r>
-            <a:endParaRPr sz="1100">
+              <a:t>技術客戶經理</a:t>
+            </a:r>
+            <a:endParaRPr sz="1100" dirty="0">
               <a:latin typeface="Adobe Clean" panose="020B0503020404020204" pitchFamily="34" charset="0"/>
               <a:cs typeface="Arial"/>
             </a:endParaRPr>
@@ -8403,7 +7685,7 @@
         <p:spPr>
           <a:xfrm>
             <a:off x="2791726" y="5243920"/>
-            <a:ext cx="2194560" cy="499111"/>
+            <a:ext cx="2313674" cy="337272"/>
           </a:xfrm>
           <a:prstGeom prst="rect">
             <a:avLst/>
@@ -8424,46 +7706,16 @@
               </a:spcBef>
             </a:pPr>
             <a:r>
-              <a:rPr sz="1000">
+              <a:rPr lang="de-de" sz="1000" dirty="0">
                 <a:solidFill>
                   <a:srgbClr val="020302"/>
                 </a:solidFill>
                 <a:latin typeface="AdobeClean-Light"/>
                 <a:cs typeface="AdobeClean-Light"/>
               </a:rPr>
-              <a:t>Ongoing knowledge transfer from Adobe  </a:t>
-            </a:r>
-            <a:r>
-              <a:rPr lang="en-US" sz="1000">
-                <a:solidFill>
-                  <a:srgbClr val="020302"/>
-                </a:solidFill>
-                <a:latin typeface="AdobeClean-Light"/>
-                <a:cs typeface="AdobeClean-Light"/>
-              </a:rPr>
-              <a:t>Support team</a:t>
-            </a:r>
-            <a:r>
-              <a:rPr sz="1000">
-                <a:solidFill>
-                  <a:srgbClr val="020302"/>
-                </a:solidFill>
-                <a:latin typeface="AdobeClean-Light"/>
-                <a:cs typeface="AdobeClean-Light"/>
-              </a:rPr>
-              <a:t> to provide </a:t>
-            </a:r>
-            <a:r>
-              <a:rPr lang="en-US" sz="1000">
-                <a:solidFill>
-                  <a:srgbClr val="020302"/>
-                </a:solidFill>
-                <a:latin typeface="AdobeClean-Light"/>
-                <a:cs typeface="AdobeClean-Light"/>
-              </a:rPr>
-              <a:t>best practices around solution usage.</a:t>
-            </a:r>
-            <a:endParaRPr sz="1000">
+              <a:t>Adobe 支援團隊持續在進行知識轉移，以便提供有關解決方案使用的最佳實務。</a:t>
+            </a:r>
+            <a:endParaRPr sz="1000" dirty="0">
               <a:latin typeface="AdobeClean-Light"/>
               <a:cs typeface="AdobeClean-Light"/>
             </a:endParaRPr>
@@ -8500,16 +7752,16 @@
               </a:spcBef>
             </a:pPr>
             <a:r>
-              <a:rPr sz="1000">
+              <a:rPr lang="de-de" sz="1000" dirty="0">
                 <a:solidFill>
                   <a:srgbClr val="020302"/>
                 </a:solidFill>
                 <a:latin typeface="AdobeClean-Light"/>
                 <a:cs typeface="AdobeClean-Light"/>
               </a:rPr>
-              <a:t>Manage key events to ensure you have the  right level of support, coverage, and  mitigation plan in place during those key  business and project milestones.</a:t>
-            </a:r>
-            <a:endParaRPr sz="1000">
+              <a:t>管理關鍵事件，以確保您在這些關鍵業務和專案里程碑期間擁有適當層級的支援、涵蓋範圍和緩解計劃。</a:t>
+            </a:r>
+            <a:endParaRPr sz="1000" dirty="0">
               <a:latin typeface="AdobeClean-Light"/>
               <a:cs typeface="AdobeClean-Light"/>
             </a:endParaRPr>
@@ -8546,16 +7798,16 @@
               </a:spcBef>
             </a:pPr>
             <a:r>
-              <a:rPr sz="1000">
+              <a:rPr lang="de-de" sz="1000" dirty="0">
                 <a:solidFill>
                   <a:srgbClr val="020302"/>
                 </a:solidFill>
                 <a:latin typeface="AdobeClean-Light"/>
                 <a:cs typeface="AdobeClean-Light"/>
               </a:rPr>
-              <a:t>Receive personalized guidance on new  product features to take advantage of  latest innovations, and have Adobe  experts review release and upgrade plan.</a:t>
-            </a:r>
-            <a:endParaRPr sz="1000">
+              <a:t>接收有關新產品功能的個人化指引，以利用最新的創新功能，並讓 Adobe 專家審查發行和升級計劃。</a:t>
+            </a:r>
+            <a:endParaRPr sz="1000" dirty="0">
               <a:latin typeface="AdobeClean-Light"/>
               <a:cs typeface="AdobeClean-Light"/>
             </a:endParaRPr>
@@ -8570,8 +7822,8 @@
         </p:nvSpPr>
         <p:spPr>
           <a:xfrm>
-            <a:off x="97787" y="9888626"/>
-            <a:ext cx="2202180" cy="149860"/>
+            <a:off x="97786" y="9888626"/>
+            <a:ext cx="4474213" cy="133370"/>
           </a:xfrm>
           <a:prstGeom prst="rect">
             <a:avLst/>
@@ -8592,7 +7844,7 @@
               </a:spcBef>
             </a:pPr>
             <a:r>
-              <a:rPr sz="800" spc="-15">
+              <a:rPr lang="de-de" sz="800" spc="-15" dirty="0">
                 <a:solidFill>
                   <a:srgbClr val="6D6D6D"/>
                 </a:solidFill>
@@ -8602,17 +7854,17 @@
               <a:t>©2021 </a:t>
             </a:r>
             <a:r>
-              <a:rPr sz="800" spc="-5">
+              <a:rPr lang="de-de" sz="800" spc="-5" dirty="0">
                 <a:solidFill>
                   <a:srgbClr val="6D6D6D"/>
                 </a:solidFill>
                 <a:latin typeface="Adobe Clean"/>
                 <a:cs typeface="Adobe Clean"/>
               </a:rPr>
-              <a:t>Adobe. All</a:t>
-            </a:r>
-            <a:r>
-              <a:rPr sz="800" spc="-15">
+              <a:t>Adobe。All</a:t>
+            </a:r>
+            <a:r>
+              <a:rPr lang="de-de" sz="800" spc="-15" dirty="0">
                 <a:solidFill>
                   <a:srgbClr val="6D6D6D"/>
                 </a:solidFill>
@@ -8622,7 +7874,7 @@
               <a:t> Rights</a:t>
             </a:r>
             <a:r>
-              <a:rPr sz="800" spc="-5">
+              <a:rPr lang="de-de" sz="800" spc="-5" dirty="0">
                 <a:solidFill>
                   <a:srgbClr val="6D6D6D"/>
                 </a:solidFill>
@@ -8632,56 +7884,46 @@
               <a:t> </a:t>
             </a:r>
             <a:r>
-              <a:rPr sz="800" spc="-15">
+              <a:rPr lang="de-de" sz="800" spc="-15" dirty="0">
                 <a:solidFill>
                   <a:srgbClr val="6D6D6D"/>
                 </a:solidFill>
                 <a:latin typeface="Adobe Clean"/>
                 <a:cs typeface="Adobe Clean"/>
               </a:rPr>
-              <a:t>Reserved.</a:t>
-            </a:r>
-            <a:r>
-              <a:rPr sz="800" spc="-10">
+              <a:t>Reserved。</a:t>
+            </a:r>
+            <a:r>
+              <a:rPr lang="de-de" sz="800" spc="-5" dirty="0">
                 <a:solidFill>
                   <a:srgbClr val="6D6D6D"/>
                 </a:solidFill>
                 <a:latin typeface="Adobe Clean"/>
                 <a:cs typeface="Adobe Clean"/>
               </a:rPr>
-              <a:t> </a:t>
-            </a:r>
-            <a:r>
-              <a:rPr sz="800" spc="-5">
+              <a:t>Adobe</a:t>
+            </a:r>
+            <a:r>
+              <a:rPr lang="de-de" sz="800" spc="65" dirty="0">
                 <a:solidFill>
                   <a:srgbClr val="6D6D6D"/>
                 </a:solidFill>
                 <a:latin typeface="Adobe Clean"/>
                 <a:cs typeface="Adobe Clean"/>
               </a:rPr>
-              <a:t>Adobe</a:t>
-            </a:r>
-            <a:r>
-              <a:rPr sz="800" spc="65">
+              <a:t> </a:t>
+            </a:r>
+            <a:r>
+              <a:rPr lang="de-de" sz="800" spc="-15" dirty="0">
                 <a:solidFill>
                   <a:srgbClr val="6D6D6D"/>
                 </a:solidFill>
                 <a:latin typeface="Adobe Clean"/>
                 <a:cs typeface="Adobe Clean"/>
               </a:rPr>
-              <a:t> </a:t>
-            </a:r>
-            <a:r>
-              <a:rPr sz="800" spc="-15">
-                <a:solidFill>
-                  <a:srgbClr val="6D6D6D"/>
-                </a:solidFill>
-                <a:latin typeface="Adobe Clean"/>
-                <a:cs typeface="Adobe Clean"/>
-              </a:rPr>
-              <a:t>Confidential.</a:t>
-            </a:r>
-            <a:endParaRPr sz="800">
+              <a:t> 機密資訊。</a:t>
+            </a:r>
+            <a:endParaRPr sz="800" dirty="0">
               <a:latin typeface="Adobe Clean"/>
               <a:cs typeface="Adobe Clean"/>
             </a:endParaRPr>
@@ -8690,7 +7932,7 @@
       </p:sp>
       <p:pic>
         <p:nvPicPr>
-          <p:cNvPr id="43" name="Graphic 42" descr="Playbook outline">
+          <p:cNvPr id="43" name="Graphic 42" descr="Playbook 大綱">
             <a:extLst>
               <a:ext uri="{FF2B5EF4-FFF2-40B4-BE49-F238E27FC236}">
                 <a16:creationId xmlns:a16="http://schemas.microsoft.com/office/drawing/2014/main" id="{C99690B9-BFB7-6F4A-BF19-81D32249562E}"/>
@@ -8742,7 +7984,7 @@
         <p:spPr>
           <a:xfrm>
             <a:off x="2791726" y="9060487"/>
-            <a:ext cx="2194560" cy="487313"/>
+            <a:ext cx="2313674" cy="625812"/>
           </a:xfrm>
           <a:prstGeom prst="rect">
             <a:avLst/>
@@ -8766,155 +8008,92 @@
               </a:tabLst>
             </a:pPr>
             <a:r>
-              <a:rPr sz="1000" spc="-20">
+              <a:rPr lang="de-de" sz="1000" spc="-20" dirty="0">
                 <a:solidFill>
                   <a:srgbClr val="020302"/>
                 </a:solidFill>
                 <a:latin typeface="AdobeClean-Light"/>
                 <a:cs typeface="AdobeClean-Light"/>
               </a:rPr>
-              <a:t>Start </a:t>
-            </a:r>
-            <a:r>
-              <a:rPr sz="1000">
+              <a:t>開始</a:t>
+            </a:r>
+            <a:r>
+              <a:rPr lang="de-de" sz="1000" spc="-15" dirty="0">
                 <a:solidFill>
                   <a:srgbClr val="020302"/>
                 </a:solidFill>
                 <a:latin typeface="AdobeClean-Light"/>
                 <a:cs typeface="AdobeClean-Light"/>
               </a:rPr>
-              <a:t>a </a:t>
-            </a:r>
-            <a:r>
-              <a:rPr sz="1000" spc="-15">
+              <a:t>聊天式</a:t>
+            </a:r>
+            <a:r>
+              <a:rPr lang="de-de" sz="1000" spc="-10" dirty="0">
                 <a:solidFill>
                   <a:srgbClr val="020302"/>
                 </a:solidFill>
                 <a:latin typeface="AdobeClean-Light"/>
                 <a:cs typeface="AdobeClean-Light"/>
               </a:rPr>
-              <a:t>chat </a:t>
-            </a:r>
-            <a:r>
-              <a:rPr sz="1000" spc="-10">
+              <a:t>諮詢，</a:t>
+            </a:r>
+            <a:r>
+              <a:rPr lang="de-de" sz="1000" spc="-5" dirty="0">
                 <a:solidFill>
                   <a:srgbClr val="020302"/>
                 </a:solidFill>
                 <a:latin typeface="AdobeClean-Light"/>
                 <a:cs typeface="AdobeClean-Light"/>
               </a:rPr>
-              <a:t>session </a:t>
-            </a:r>
-            <a:r>
-              <a:rPr sz="1000" spc="-5">
+              <a:t>以獲得</a:t>
+            </a:r>
+            <a:r>
+              <a:rPr lang="de-de" sz="1000" spc="-10" dirty="0">
                 <a:solidFill>
                   <a:srgbClr val="020302"/>
                 </a:solidFill>
                 <a:latin typeface="AdobeClean-Light"/>
                 <a:cs typeface="AdobeClean-Light"/>
               </a:rPr>
-              <a:t>to </a:t>
-            </a:r>
-            <a:r>
-              <a:rPr sz="1000" spc="-10">
+              <a:t>案件提交的</a:t>
+            </a:r>
+            <a:r>
+              <a:rPr lang="de-de" sz="1000" spc="-20" dirty="0">
                 <a:solidFill>
                   <a:srgbClr val="020302"/>
                 </a:solidFill>
                 <a:latin typeface="AdobeClean-Light"/>
                 <a:cs typeface="AdobeClean-Light"/>
               </a:rPr>
-              <a:t>get </a:t>
-            </a:r>
-            <a:r>
-              <a:rPr sz="1000" spc="-20">
+              <a:t>解答</a:t>
+            </a:r>
+            <a:r>
+              <a:rPr lang="de-de" sz="1000" dirty="0">
                 <a:solidFill>
                   <a:srgbClr val="020302"/>
                 </a:solidFill>
                 <a:latin typeface="AdobeClean-Light"/>
                 <a:cs typeface="AdobeClean-Light"/>
               </a:rPr>
-              <a:t>answers</a:t>
-            </a:r>
-            <a:r>
-              <a:rPr lang="en-US" sz="1000" spc="-45">
+              <a:t>與</a:t>
+            </a:r>
+            <a:r>
+              <a:rPr lang="de-de" sz="1000" spc="-15" dirty="0">
                 <a:solidFill>
                   <a:srgbClr val="020302"/>
                 </a:solidFill>
                 <a:latin typeface="AdobeClean-Light"/>
                 <a:cs typeface="AdobeClean-Light"/>
               </a:rPr>
-              <a:t> </a:t>
-            </a:r>
-            <a:r>
-              <a:rPr lang="en-US" sz="1000">
-                <a:solidFill>
-                  <a:srgbClr val="020302"/>
-                </a:solidFill>
-                <a:latin typeface="AdobeClean-Light"/>
-                <a:cs typeface="AdobeClean-Light"/>
-              </a:rPr>
-              <a:t>&amp; </a:t>
-            </a:r>
-            <a:r>
-              <a:rPr sz="1000" spc="-15">
-                <a:solidFill>
-                  <a:srgbClr val="020302"/>
-                </a:solidFill>
-                <a:latin typeface="AdobeClean-Light"/>
-                <a:cs typeface="AdobeClean-Light"/>
-              </a:rPr>
-              <a:t>help </a:t>
-            </a:r>
-            <a:r>
-              <a:rPr sz="1000" spc="-10">
-                <a:solidFill>
-                  <a:srgbClr val="020302"/>
-                </a:solidFill>
-                <a:latin typeface="AdobeClean-Light"/>
-                <a:cs typeface="AdobeClean-Light"/>
-              </a:rPr>
-              <a:t>with</a:t>
-            </a:r>
-            <a:r>
-              <a:rPr sz="1000" spc="85">
-                <a:solidFill>
-                  <a:srgbClr val="020302"/>
-                </a:solidFill>
-                <a:latin typeface="AdobeClean-Light"/>
-                <a:cs typeface="AdobeClean-Light"/>
-              </a:rPr>
-              <a:t> </a:t>
-            </a:r>
-            <a:r>
-              <a:rPr sz="1000" spc="-10">
-                <a:solidFill>
-                  <a:srgbClr val="020302"/>
-                </a:solidFill>
-                <a:latin typeface="AdobeClean-Light"/>
-                <a:cs typeface="AdobeClean-Light"/>
-              </a:rPr>
-              <a:t>case </a:t>
-            </a:r>
-            <a:r>
-              <a:rPr sz="1000" spc="-20">
-                <a:solidFill>
-                  <a:srgbClr val="020302"/>
-                </a:solidFill>
-                <a:latin typeface="AdobeClean-Light"/>
-                <a:cs typeface="AdobeClean-Light"/>
-              </a:rPr>
-              <a:t>submission</a:t>
-            </a:r>
-            <a:r>
-              <a:rPr lang="en-US" sz="1000" spc="-20">
-                <a:solidFill>
-                  <a:srgbClr val="020302"/>
-                </a:solidFill>
-                <a:latin typeface="AdobeClean-Light"/>
-                <a:cs typeface="AdobeClean-Light"/>
-              </a:rPr>
-              <a:t>.</a:t>
-            </a:r>
+              <a:t>協助</a:t>
+            </a:r>
+            <a:endParaRPr lang="en-US" sz="1000" spc="-20" dirty="0">
+              <a:solidFill>
+                <a:srgbClr val="020302"/>
+              </a:solidFill>
+              <a:latin typeface="AdobeClean-Light"/>
+              <a:cs typeface="AdobeClean-Light"/>
+            </a:endParaRPr>
           </a:p>
           <a:p>
             <a:pPr marL="33020" marR="159385">
@@ -8929,36 +8108,36 @@
               </a:tabLst>
             </a:pPr>
             <a:r>
-              <a:rPr sz="1000" i="1" spc="-10">
+              <a:rPr lang="de-de" sz="1000" i="1" spc="-10" dirty="0">
                 <a:solidFill>
                   <a:srgbClr val="7A7A7A"/>
                 </a:solidFill>
                 <a:latin typeface="AdobeClean-LightIt"/>
                 <a:cs typeface="AdobeClean-LightIt"/>
               </a:rPr>
-              <a:t>*Not all </a:t>
-            </a:r>
-            <a:r>
-              <a:rPr sz="1000" i="1" spc="-20">
+              <a:t>*並非</a:t>
+            </a:r>
+            <a:r>
+              <a:rPr lang="de-de" sz="1000" i="1" spc="-20" dirty="0">
                 <a:solidFill>
                   <a:srgbClr val="7A7A7A"/>
                 </a:solidFill>
                 <a:latin typeface="AdobeClean-LightIt"/>
                 <a:cs typeface="AdobeClean-LightIt"/>
               </a:rPr>
-              <a:t>products have live chat support</a:t>
-            </a:r>
-            <a:r>
-              <a:rPr sz="900" i="1" spc="-20">
+              <a:t>所有產品都有提供即時聊天支援</a:t>
+            </a:r>
+            <a:r>
+              <a:rPr lang="de-de" sz="900" i="1" spc="-20" dirty="0">
                 <a:solidFill>
                   <a:srgbClr val="7A7A7A"/>
                 </a:solidFill>
                 <a:latin typeface="AdobeClean-LightIt"/>
                 <a:cs typeface="AdobeClean-LightIt"/>
               </a:rPr>
-              <a:t>.  </a:t>
-            </a:r>
-            <a:endParaRPr sz="900">
+              <a:t>。</a:t>
+            </a:r>
+            <a:endParaRPr sz="900" dirty="0">
               <a:latin typeface="AdobeClean-Light"/>
               <a:cs typeface="AdobeClean-Light"/>
             </a:endParaRPr>
@@ -9008,12 +8187,12 @@
               <a:defRPr/>
             </a:pPr>
             <a:r>
-              <a:rPr lang="en-US" sz="1200">
+              <a:rPr lang="de-de" sz="1200" dirty="0">
                 <a:solidFill>
                   <a:srgbClr val="000000"/>
                 </a:solidFill>
               </a:rPr>
-              <a:t>Community Forums</a:t>
+              <a:t>社群論壇</a:t>
             </a:r>
           </a:p>
         </p:txBody>
@@ -9056,12 +8235,12 @@
               </a:spcAft>
             </a:pPr>
             <a:r>
-              <a:rPr lang="en-US" sz="1200" b="1">
+              <a:rPr lang="de-de" sz="1200" b="1" dirty="0">
                 <a:latin typeface="+mj-lt"/>
                 <a:ea typeface="Open Sans" pitchFamily="34" charset="0"/>
                 <a:cs typeface="Open Sans" pitchFamily="34" charset="0"/>
               </a:rPr>
-              <a:t>Online Forums</a:t>
+              <a:t>線上論壇</a:t>
             </a:r>
           </a:p>
         </p:txBody>
@@ -9094,13 +8273,13 @@
           <a:lstStyle/>
           <a:p>
             <a:r>
-              <a:rPr lang="en-US" sz="1000">
+              <a:rPr lang="de-de" sz="1000" dirty="0">
                 <a:solidFill>
                   <a:srgbClr val="4B4B4B"/>
                 </a:solidFill>
                 <a:latin typeface="Adobe Clean Light" panose="020B0303020404020204" pitchFamily="34" charset="0"/>
               </a:rPr>
-              <a:t>Continuous online access to a growing database of technical solutions, product documentation, FAQs and more. Connect with practitioners and other customers on Adobe Community to share best practices and lessons learned.</a:t>
+              <a:t>可持續在線上存取不斷增加的技術解決方案、產品文件、常見問答等內容的資料庫。與 Adobe 社群上的從業人員和其他客戶交流，彼此分享學到的最佳實務和經驗教訓</a:t>
             </a:r>
           </a:p>
         </p:txBody>
@@ -9148,7 +8327,7 @@
               <a:defRPr/>
             </a:pPr>
             <a:r>
-              <a:rPr lang="en-US" sz="1200">
+              <a:rPr lang="de-de" sz="1200" dirty="0">
                 <a:solidFill>
                   <a:srgbClr val="000000"/>
                 </a:solidFill>
@@ -9196,12 +8375,12 @@
               </a:spcAft>
             </a:pPr>
             <a:r>
-              <a:rPr lang="en-US" sz="1200" b="1">
+              <a:rPr lang="de-de" sz="1200" b="1" dirty="0">
                 <a:latin typeface="+mj-lt"/>
                 <a:ea typeface="Open Sans" pitchFamily="34" charset="0"/>
                 <a:cs typeface="Open Sans" pitchFamily="34" charset="0"/>
               </a:rPr>
-              <a:t>Self-guided Journeys</a:t>
+              <a:t>自我引導式旅程</a:t>
             </a:r>
           </a:p>
         </p:txBody>
@@ -9234,13 +8413,13 @@
           <a:lstStyle/>
           <a:p>
             <a:r>
-              <a:rPr lang="en-US" sz="1000">
+              <a:rPr lang="de-de" sz="1000" dirty="0">
                 <a:solidFill>
                   <a:srgbClr val="4B4B4B"/>
                 </a:solidFill>
                 <a:latin typeface="Adobe Clean Light" panose="020B0303020404020204" pitchFamily="34" charset="0"/>
               </a:rPr>
-              <a:t>Experience Makers are made with Experience League. Customers can kickstart their Customer Experience Management abilities with personalized learning to develop skills, engage with a global community of peers, and earn career advancing recognition.</a:t>
+              <a:t>Experience League 賦予體驗製作者強大的功能。客戶可以透過個人化學習來開始培養自己的客戶體驗管理能力，以發展各項技能、與全球的同行社群互動，並獲得職業提升的認可</a:t>
             </a:r>
           </a:p>
         </p:txBody>
@@ -9288,12 +8467,12 @@
               <a:defRPr/>
             </a:pPr>
             <a:r>
-              <a:rPr lang="en-US" sz="1200">
+              <a:rPr lang="de-de" sz="1200" dirty="0">
                 <a:solidFill>
                   <a:srgbClr val="000000"/>
                 </a:solidFill>
               </a:rPr>
-              <a:t>Live Chat  Support*</a:t>
+              <a:t>即時聊天支援*</a:t>
             </a:r>
           </a:p>
         </p:txBody>
@@ -9336,12 +8515,12 @@
               </a:spcAft>
             </a:pPr>
             <a:r>
-              <a:rPr lang="en-US" sz="1200" b="1">
+              <a:rPr lang="de-de" sz="1200" b="1" dirty="0">
                 <a:latin typeface="+mj-lt"/>
                 <a:ea typeface="Open Sans" pitchFamily="34" charset="0"/>
                 <a:cs typeface="Open Sans" pitchFamily="34" charset="0"/>
               </a:rPr>
-              <a:t>Chat Support</a:t>
+              <a:t>聊天支援</a:t>
             </a:r>
           </a:p>
         </p:txBody>
@@ -9389,12 +8568,12 @@
               <a:defRPr/>
             </a:pPr>
             <a:r>
-              <a:rPr lang="en-US" sz="1200">
+              <a:rPr lang="de-de" sz="1200" dirty="0">
                 <a:solidFill>
                   <a:srgbClr val="000000"/>
                 </a:solidFill>
               </a:rPr>
-              <a:t>24X7 P1 </a:t>
+              <a:t>全年無休 P1 </a:t>
             </a:r>
           </a:p>
         </p:txBody>
@@ -9437,12 +8616,12 @@
               </a:spcAft>
             </a:pPr>
             <a:r>
-              <a:rPr lang="en-US" sz="1200" b="1">
+              <a:rPr lang="de-de" sz="1200" b="1" dirty="0">
                 <a:latin typeface="+mj-lt"/>
                 <a:ea typeface="Open Sans" pitchFamily="34" charset="0"/>
                 <a:cs typeface="Open Sans" pitchFamily="34" charset="0"/>
               </a:rPr>
-              <a:t>Phone  Support</a:t>
+              <a:t>電話支援</a:t>
             </a:r>
           </a:p>
         </p:txBody>
@@ -9475,30 +8654,30 @@
           <a:lstStyle/>
           <a:p>
             <a:r>
-              <a:rPr lang="en-US" sz="1000">
+              <a:rPr lang="de-de" sz="1000" dirty="0">
                 <a:solidFill>
                   <a:srgbClr val="020302"/>
                 </a:solidFill>
                 <a:latin typeface="AdobeClean-Light"/>
               </a:rPr>
-              <a:t>Authorized users or </a:t>
-            </a:r>
-            <a:r>
-              <a:rPr lang="en-US" sz="1000" b="1">
+              <a:t>授權的使用者或</a:t>
+            </a:r>
+            <a:r>
+              <a:rPr lang="de-de" sz="1000" b="1" dirty="0">
                 <a:solidFill>
                   <a:srgbClr val="020302"/>
                 </a:solidFill>
                 <a:latin typeface="AdobeClean-Light"/>
               </a:rPr>
-              <a:t>Named Support Contacts </a:t>
-            </a:r>
-            <a:r>
-              <a:rPr lang="en-US" sz="1000">
+              <a:t>指定的支援聯絡人</a:t>
+            </a:r>
+            <a:r>
+              <a:rPr lang="de-de" sz="1000" dirty="0">
                 <a:latin typeface="Adobe Clean Light" panose="020B0303020404020204" pitchFamily="34" charset="0"/>
               </a:rPr>
-              <a:t>can submit issues through all available  channels (including phone for P1) and interact with our technical support team on behalf of your company. </a:t>
-            </a:r>
-            <a:endParaRPr lang="en-US" sz="1000">
+              <a:t>可透過所有可用管道 (包括 P1 適用的電話) 來提交問題，並代表貴公司與我們的技術支援團隊互動。</a:t>
+            </a:r>
+            <a:endParaRPr lang="en-US" sz="1000" dirty="0">
               <a:solidFill>
                 <a:srgbClr val="000000"/>
               </a:solidFill>
@@ -9598,12 +8777,12 @@
               <a:defRPr/>
             </a:pPr>
             <a:r>
-              <a:rPr lang="en-US" sz="1200">
+              <a:rPr lang="de-de" sz="1200" dirty="0">
                 <a:solidFill>
                   <a:srgbClr val="000000"/>
                 </a:solidFill>
               </a:rPr>
-              <a:t>Office Hours</a:t>
+              <a:t>諮詢時間</a:t>
             </a:r>
           </a:p>
         </p:txBody>
@@ -9646,12 +8825,12 @@
               </a:spcAft>
             </a:pPr>
             <a:r>
-              <a:rPr lang="en-US" sz="1200" b="1">
+              <a:rPr lang="de-de" sz="1200" b="1" dirty="0">
                 <a:latin typeface="+mj-lt"/>
                 <a:ea typeface="Open Sans" pitchFamily="34" charset="0"/>
                 <a:cs typeface="Open Sans" pitchFamily="34" charset="0"/>
               </a:rPr>
-              <a:t>Webinars</a:t>
+              <a:t>網路研討會</a:t>
             </a:r>
           </a:p>
         </p:txBody>
@@ -9684,13 +8863,13 @@
           <a:lstStyle/>
           <a:p>
             <a:r>
-              <a:rPr lang="en-US" sz="1000">
+              <a:rPr lang="de-de" sz="1000" dirty="0">
                 <a:solidFill>
                   <a:srgbClr val="4B4B4B"/>
                 </a:solidFill>
                 <a:latin typeface="Adobe Clean Light" panose="020B0303020404020204" pitchFamily="34" charset="0"/>
               </a:rPr>
-              <a:t>Office Hours led by the Adobe Customer Support team includes sessions designed to inform as well as help participants troubleshoot problems and provide tips and tricks for success with Adobe solutions. </a:t>
+              <a:t>「諮詢時間」是由 Adobe 客戶支援團隊主導的一項計劃，其中的研討會的設計目的是為了提供資訊以及協助參與者排除問題，並提供成功使用 Adobe 解決方案的秘訣與技巧。</a:t>
             </a:r>
           </a:p>
         </p:txBody>
@@ -9738,12 +8917,12 @@
               <a:defRPr/>
             </a:pPr>
             <a:r>
-              <a:rPr lang="en-US" sz="1200">
+              <a:rPr lang="de-de" sz="1200" dirty="0">
                 <a:solidFill>
                   <a:srgbClr val="000000"/>
                 </a:solidFill>
               </a:rPr>
-              <a:t>Self-help Portals</a:t>
+              <a:t>自助式入口網站</a:t>
             </a:r>
           </a:p>
         </p:txBody>
@@ -9786,12 +8965,12 @@
               </a:spcAft>
             </a:pPr>
             <a:r>
-              <a:rPr lang="en-US" sz="1200" b="1">
+              <a:rPr lang="de-de" sz="1200" b="1" dirty="0">
                 <a:latin typeface="+mj-lt"/>
                 <a:ea typeface="Open Sans" pitchFamily="34" charset="0"/>
                 <a:cs typeface="Open Sans" pitchFamily="34" charset="0"/>
               </a:rPr>
-              <a:t>24/7 Support Portal</a:t>
+              <a:t>24/7 支援入口網站</a:t>
             </a:r>
           </a:p>
         </p:txBody>
@@ -9824,37 +9003,30 @@
           <a:lstStyle/>
           <a:p>
             <a:r>
-              <a:rPr lang="en-US" sz="1000">
+              <a:rPr lang="de-de" sz="1000" dirty="0">
                 <a:solidFill>
                   <a:srgbClr val="4B4B4B"/>
                 </a:solidFill>
                 <a:latin typeface="Adobe Clean Light" panose="020B0303020404020204" pitchFamily="34" charset="0"/>
               </a:rPr>
-              <a:t>On-demand access to the online </a:t>
-            </a:r>
-            <a:br>
-              <a:rPr lang="en-US" sz="1000">
+              <a:t>隨需存取線上</a:t>
+            </a:r>
+            <a:br/>
+            <a:r>
+              <a:rPr lang="de-de" sz="1000" dirty="0">
                 <a:solidFill>
                   <a:srgbClr val="4B4B4B"/>
                 </a:solidFill>
                 <a:latin typeface="Adobe Clean Light" panose="020B0303020404020204" pitchFamily="34" charset="0"/>
               </a:rPr>
-            </a:br>
-            <a:r>
-              <a:rPr lang="en-US" sz="1000">
-                <a:solidFill>
-                  <a:srgbClr val="4B4B4B"/>
-                </a:solidFill>
-                <a:latin typeface="Adobe Clean Light" panose="020B0303020404020204" pitchFamily="34" charset="0"/>
-              </a:rPr>
-              <a:t>Self-help Support Portal to submit support requests, review case status, and browse other resources, like our knowledgebase, news and alerts, featured tips, and more.</a:t>
+              <a:t>自助式支援入口網站，以提交支援請求、檢閱案件狀態，並瀏覽其他資源，像是我們的知識庫、新聞與提醒、特定的提示等。</a:t>
             </a:r>
           </a:p>
         </p:txBody>
       </p:sp>
       <p:pic>
         <p:nvPicPr>
-          <p:cNvPr id="74" name="Graphic 73" descr="Speaker phone outline">
+          <p:cNvPr id="74" name="Graphic 73" descr="揚聲器大綱">
             <a:extLst>
               <a:ext uri="{FF2B5EF4-FFF2-40B4-BE49-F238E27FC236}">
                 <a16:creationId xmlns:a16="http://schemas.microsoft.com/office/drawing/2014/main" id="{A1370005-6890-424C-884D-9064E283C1A4}"/>
@@ -9893,7 +9065,7 @@
       </p:pic>
       <p:pic>
         <p:nvPicPr>
-          <p:cNvPr id="75" name="Graphic 74" descr="Remote learning language outline">
+          <p:cNvPr id="75" name="Graphic 74" descr="遠端學習語言大綱">
             <a:extLst>
               <a:ext uri="{FF2B5EF4-FFF2-40B4-BE49-F238E27FC236}">
                 <a16:creationId xmlns:a16="http://schemas.microsoft.com/office/drawing/2014/main" id="{FA70E684-2FB6-544A-9B16-BEB9080AC85B}"/>
@@ -9932,7 +9104,7 @@
       </p:pic>
       <p:pic>
         <p:nvPicPr>
-          <p:cNvPr id="76" name="Graphic 75" descr="Customer review outline">
+          <p:cNvPr id="76" name="Graphic 75" descr="客戶審查大綱">
             <a:extLst>
               <a:ext uri="{FF2B5EF4-FFF2-40B4-BE49-F238E27FC236}">
                 <a16:creationId xmlns:a16="http://schemas.microsoft.com/office/drawing/2014/main" id="{1B0E4E00-41D9-6440-83E3-60369886CE3A}"/>
@@ -9971,7 +9143,7 @@
       </p:pic>
       <p:pic>
         <p:nvPicPr>
-          <p:cNvPr id="77" name="Graphic 76" descr="Signpost outline">
+          <p:cNvPr id="77" name="Graphic 76" descr="路標大綱">
             <a:extLst>
               <a:ext uri="{FF2B5EF4-FFF2-40B4-BE49-F238E27FC236}">
                 <a16:creationId xmlns:a16="http://schemas.microsoft.com/office/drawing/2014/main" id="{001A9B31-4F82-A14D-B2BC-39DC337108A9}"/>
@@ -10010,7 +9182,7 @@
       </p:pic>
       <p:pic>
         <p:nvPicPr>
-          <p:cNvPr id="78" name="Graphic 77" descr="Internet outline">
+          <p:cNvPr id="78" name="Graphic 77" descr="網際網路大綱">
             <a:extLst>
               <a:ext uri="{FF2B5EF4-FFF2-40B4-BE49-F238E27FC236}">
                 <a16:creationId xmlns:a16="http://schemas.microsoft.com/office/drawing/2014/main" id="{20978656-E5F5-434D-BA66-491F99EF63FD}"/>
@@ -10049,7 +9221,7 @@
       </p:pic>
       <p:pic>
         <p:nvPicPr>
-          <p:cNvPr id="79" name="Graphic 78" descr="Chat bubble outline">
+          <p:cNvPr id="79" name="Graphic 78" descr="聊天泡泡大綱">
             <a:extLst>
               <a:ext uri="{FF2B5EF4-FFF2-40B4-BE49-F238E27FC236}">
                 <a16:creationId xmlns:a16="http://schemas.microsoft.com/office/drawing/2014/main" id="{0C77255B-D338-2543-98E5-4434DF47D195}"/>
@@ -10177,16 +9349,16 @@
               </a:spcBef>
             </a:pPr>
             <a:r>
-              <a:rPr lang="en-US" sz="1400" b="1">
+              <a:rPr lang="de-de" sz="1400" b="1" dirty="0">
                 <a:solidFill>
                   <a:srgbClr val="020302"/>
                 </a:solidFill>
                 <a:latin typeface="Adobe Clean"/>
                 <a:cs typeface="Adobe Clean"/>
               </a:rPr>
-              <a:t>Online Support Features</a:t>
-            </a:r>
-            <a:endParaRPr lang="en-US" sz="1400">
+              <a:t>線上支援特色</a:t>
+            </a:r>
+            <a:endParaRPr lang="en-US" sz="1400" dirty="0">
               <a:latin typeface="Adobe Clean"/>
               <a:cs typeface="Adobe Clean"/>
             </a:endParaRPr>
@@ -10411,16 +9583,16 @@
               </a:spcBef>
             </a:pPr>
             <a:r>
-              <a:rPr lang="en-US" sz="1000">
+              <a:rPr lang="de-de" sz="1000" dirty="0">
                 <a:solidFill>
                   <a:srgbClr val="020302"/>
                 </a:solidFill>
                 <a:latin typeface="AdobeClean-Light"/>
                 <a:cs typeface="AdobeClean-Light"/>
               </a:rPr>
-              <a:t>Proactive review of your solution  deployment, configuration, and overall  architecture, including integrations.</a:t>
-            </a:r>
-            <a:endParaRPr lang="en-US" sz="1000">
+              <a:t>主動審查您的解決方案部署、組態設定及整體架構，包括整合。</a:t>
+            </a:r>
+            <a:endParaRPr lang="en-US" sz="1000" dirty="0">
               <a:solidFill>
                 <a:prstClr val="black"/>
               </a:solidFill>
@@ -10466,16 +9638,16 @@
               </a:spcBef>
             </a:pPr>
             <a:r>
-              <a:rPr lang="en-US" sz="1000">
+              <a:rPr lang="de-de" sz="1000" dirty="0">
                 <a:solidFill>
                   <a:srgbClr val="020302"/>
                 </a:solidFill>
                 <a:latin typeface="AdobeClean-Light"/>
                 <a:cs typeface="AdobeClean-Light"/>
               </a:rPr>
-              <a:t>Receive maintenance best practices and latest  fixes (SPs, MR, patches, FPs) to remain up-to-  date on all maintenance checks.</a:t>
-            </a:r>
-            <a:endParaRPr lang="en-US" sz="1000">
+              <a:t>接收維護最佳實務和最新修正 (SP、MR、修補程式、FP)，以在所有維護檢查中保持最新狀態</a:t>
+            </a:r>
+            <a:endParaRPr lang="en-US" sz="1000" dirty="0">
               <a:solidFill>
                 <a:prstClr val="black"/>
               </a:solidFill>
@@ -10518,16 +9690,16 @@
               </a:spcBef>
             </a:pPr>
             <a:r>
-              <a:rPr lang="en-US" sz="1000">
+              <a:rPr lang="de-de" sz="1000" dirty="0">
                 <a:solidFill>
                   <a:srgbClr val="4B4B4B"/>
                 </a:solidFill>
                 <a:latin typeface="AdobeClean-Light"/>
                 <a:cs typeface="AdobeClean-Light"/>
               </a:rPr>
-              <a:t>A regular review of Elite program services, support metrics, and deliverables, including a forward-looking plan</a:t>
-            </a:r>
-            <a:endParaRPr lang="en-US" sz="1000">
+              <a:t>定期審查 Elite 計劃服務、支援指標和交付成果，包括前瞻性交付計劃</a:t>
+            </a:r>
+            <a:endParaRPr lang="en-US" sz="1000" dirty="0">
               <a:solidFill>
                 <a:prstClr val="black"/>
               </a:solidFill>
@@ -10570,16 +9742,16 @@
               </a:spcBef>
             </a:pPr>
             <a:r>
-              <a:rPr lang="en-US" sz="1000">
+              <a:rPr lang="de-de" sz="1000" dirty="0">
                 <a:solidFill>
                   <a:srgbClr val="4B4B4B"/>
                 </a:solidFill>
                 <a:latin typeface="AdobeClean-Light"/>
                 <a:cs typeface="AdobeClean-Light"/>
               </a:rPr>
-              <a:t>A 60-minute session focusing on a  specific product feature and how it can  be utilized to solve common business  problems.</a:t>
-            </a:r>
-            <a:endParaRPr lang="en-US" sz="1000">
+              <a:t>60 分鐘的諮詢，聚焦於特定產品功能以及如何利用它來解決常見的業務問題。</a:t>
+            </a:r>
+            <a:endParaRPr lang="en-US" sz="1000" dirty="0">
               <a:solidFill>
                 <a:prstClr val="black"/>
               </a:solidFill>
@@ -10622,16 +9794,16 @@
               </a:spcBef>
             </a:pPr>
             <a:r>
-              <a:rPr lang="en-US" sz="1000">
+              <a:rPr lang="de-de" sz="1000" dirty="0">
                 <a:solidFill>
                   <a:srgbClr val="4B4B4B"/>
                 </a:solidFill>
                 <a:latin typeface="AdobeClean-Light"/>
                 <a:cs typeface="AdobeClean-Light"/>
               </a:rPr>
-              <a:t>A designated point of contact within Adobe  who can provide escalation assistance,  regular updates and ensure priority is given  to your most critical open support requests.</a:t>
-            </a:r>
-            <a:endParaRPr lang="en-US"/>
+              <a:t>Adobe 內的指定聯絡人，他可提供向上呈報協助、定期更新，並確保優先處理您最緊急且未解決的支援請求。</a:t>
+            </a:r>
+            <a:endParaRPr lang="en-US" dirty="0"/>
           </a:p>
         </p:txBody>
       </p:sp>
@@ -10668,16 +9840,16 @@
               </a:spcBef>
             </a:pPr>
             <a:r>
-              <a:rPr lang="en-US" sz="1100" b="1">
+              <a:rPr lang="de-de" sz="1100" b="1" dirty="0">
                 <a:solidFill>
                   <a:srgbClr val="020302"/>
                 </a:solidFill>
                 <a:latin typeface="Adobe Clean" panose="020B0503020404020204" pitchFamily="34" charset="0"/>
                 <a:cs typeface="Arial"/>
               </a:rPr>
-              <a:t>Named Support Engineer</a:t>
-            </a:r>
-            <a:endParaRPr lang="en-US" sz="1100">
+              <a:t>指定的支援工程師</a:t>
+            </a:r>
+            <a:endParaRPr lang="en-US" sz="1100" dirty="0">
               <a:solidFill>
                 <a:prstClr val="black"/>
               </a:solidFill>
@@ -10720,16 +9892,16 @@
               </a:spcBef>
             </a:pPr>
             <a:r>
-              <a:rPr lang="en-US" sz="1100" b="1">
+              <a:rPr lang="de-de" sz="1100" b="1" dirty="0">
                 <a:solidFill>
                   <a:srgbClr val="020302"/>
                 </a:solidFill>
                 <a:latin typeface="Adobe Clean" panose="020B0503020404020204" pitchFamily="34" charset="0"/>
                 <a:cs typeface="Arial"/>
               </a:rPr>
-              <a:t>Case Reviews</a:t>
-            </a:r>
-            <a:endParaRPr lang="en-US" sz="1100">
+              <a:t>案件審查</a:t>
+            </a:r>
+            <a:endParaRPr lang="en-US" sz="1100" dirty="0">
               <a:solidFill>
                 <a:prstClr val="black"/>
               </a:solidFill>
@@ -10772,16 +9944,16 @@
               </a:spcBef>
             </a:pPr>
             <a:r>
-              <a:rPr lang="en-US" sz="1100" b="1">
+              <a:rPr lang="de-de" sz="1100" b="1" dirty="0">
                 <a:solidFill>
                   <a:srgbClr val="020302"/>
                 </a:solidFill>
                 <a:latin typeface="Adobe Clean" panose="020B0503020404020204" pitchFamily="34" charset="0"/>
                 <a:cs typeface="Adobe Clean"/>
               </a:rPr>
-              <a:t>Maintenance &amp; Monitoring</a:t>
-            </a:r>
-            <a:endParaRPr lang="en-US" sz="1100">
+              <a:t>維護和監控</a:t>
+            </a:r>
+            <a:endParaRPr lang="en-US" sz="1100" dirty="0">
               <a:solidFill>
                 <a:prstClr val="black"/>
               </a:solidFill>
@@ -10824,16 +9996,16 @@
               </a:spcBef>
             </a:pPr>
             <a:r>
-              <a:rPr lang="en-US" sz="1100" b="1">
+              <a:rPr lang="de-de" sz="1100" b="1" dirty="0">
                 <a:solidFill>
                   <a:srgbClr val="020302"/>
                 </a:solidFill>
                 <a:latin typeface="Adobe Clean" panose="020B0503020404020204" pitchFamily="34" charset="0"/>
                 <a:cs typeface="Adobe Clean"/>
               </a:rPr>
-              <a:t>Solution Roadmap Review</a:t>
-            </a:r>
-            <a:endParaRPr lang="en-US" sz="1100">
+              <a:t>解決方案藍圖審查</a:t>
+            </a:r>
+            <a:endParaRPr lang="en-US" sz="1100" dirty="0">
               <a:solidFill>
                 <a:prstClr val="black"/>
               </a:solidFill>
@@ -10876,16 +10048,16 @@
               </a:spcBef>
             </a:pPr>
             <a:r>
-              <a:rPr lang="en-US" sz="1100" b="1">
+              <a:rPr lang="de-de" sz="1100" b="1" dirty="0">
                 <a:solidFill>
                   <a:srgbClr val="020302"/>
                 </a:solidFill>
                 <a:latin typeface="Adobe Clean" panose="020B0503020404020204" pitchFamily="34" charset="0"/>
                 <a:cs typeface="Adobe Clean"/>
               </a:rPr>
-              <a:t>Environment Review</a:t>
-            </a:r>
-            <a:endParaRPr lang="en-US" sz="1100">
+              <a:t>環境審查</a:t>
+            </a:r>
+            <a:endParaRPr lang="en-US" sz="1100" dirty="0">
               <a:solidFill>
                 <a:prstClr val="black"/>
               </a:solidFill>
@@ -10928,16 +10100,16 @@
               </a:spcBef>
             </a:pPr>
             <a:r>
-              <a:rPr lang="en-US" sz="1100" b="1">
+              <a:rPr lang="de-de" sz="1100" b="1" dirty="0">
                 <a:solidFill>
                   <a:srgbClr val="020302"/>
                 </a:solidFill>
                 <a:latin typeface="Adobe Clean" panose="020B0503020404020204" pitchFamily="34" charset="0"/>
                 <a:cs typeface="Adobe Clean"/>
               </a:rPr>
-              <a:t>Escalation Management</a:t>
-            </a:r>
-            <a:endParaRPr lang="en-US" sz="1100">
+              <a:t>向上呈報管理</a:t>
+            </a:r>
+            <a:endParaRPr lang="en-US" sz="1100" dirty="0">
               <a:solidFill>
                 <a:prstClr val="black"/>
               </a:solidFill>
@@ -10980,16 +10152,16 @@
               </a:spcBef>
             </a:pPr>
             <a:r>
-              <a:rPr lang="en-US" sz="1100" b="1">
+              <a:rPr lang="de-de" sz="1100" b="1" dirty="0">
                 <a:solidFill>
                   <a:srgbClr val="020302"/>
                 </a:solidFill>
                 <a:latin typeface="Adobe Clean" panose="020B0503020404020204" pitchFamily="34" charset="0"/>
                 <a:cs typeface="Adobe Clean"/>
               </a:rPr>
-              <a:t>Service Reviews</a:t>
-            </a:r>
-            <a:endParaRPr lang="en-US" sz="1100">
+              <a:t>服務審查</a:t>
+            </a:r>
+            <a:endParaRPr lang="en-US" sz="1100" dirty="0">
               <a:solidFill>
                 <a:prstClr val="black"/>
               </a:solidFill>
@@ -11032,16 +10204,16 @@
               </a:spcBef>
             </a:pPr>
             <a:r>
-              <a:rPr lang="en-US" sz="1100" b="1">
+              <a:rPr lang="de-de" sz="1100" b="1" dirty="0">
                 <a:solidFill>
                   <a:srgbClr val="020302"/>
                 </a:solidFill>
                 <a:latin typeface="Adobe Clean" panose="020B0503020404020204" pitchFamily="34" charset="0"/>
                 <a:cs typeface="Adobe Clean"/>
               </a:rPr>
-              <a:t>Expert Sessions</a:t>
-            </a:r>
-            <a:endParaRPr lang="en-US" sz="1100">
+              <a:t>專家諮詢</a:t>
+            </a:r>
+            <a:endParaRPr lang="en-US" sz="1100" dirty="0">
               <a:solidFill>
                 <a:prstClr val="black"/>
               </a:solidFill>
@@ -11084,16 +10256,16 @@
               </a:spcBef>
             </a:pPr>
             <a:r>
-              <a:rPr lang="en-US" sz="1100" b="1">
+              <a:rPr lang="de-de" sz="1100" b="1" dirty="0">
                 <a:solidFill>
                   <a:srgbClr val="020302"/>
                 </a:solidFill>
                 <a:latin typeface="Adobe Clean" panose="020B0503020404020204" pitchFamily="34" charset="0"/>
                 <a:cs typeface="Adobe Clean"/>
               </a:rPr>
-              <a:t>Release Preparation &amp; Review</a:t>
-            </a:r>
-            <a:endParaRPr lang="en-US" sz="1100">
+              <a:t>發行準備與審查</a:t>
+            </a:r>
+            <a:endParaRPr lang="en-US" sz="1100" dirty="0">
               <a:solidFill>
                 <a:prstClr val="black"/>
               </a:solidFill>
@@ -11139,16 +10311,16 @@
               </a:spcBef>
             </a:pPr>
             <a:r>
-              <a:rPr lang="en-US" sz="1100" b="1">
+              <a:rPr lang="de-de" sz="1100" b="1" dirty="0">
                 <a:solidFill>
                   <a:srgbClr val="020302"/>
                 </a:solidFill>
                 <a:latin typeface="Adobe Clean" panose="020B0503020404020204" pitchFamily="34" charset="0"/>
                 <a:cs typeface="Adobe Clean"/>
               </a:rPr>
-              <a:t>Knowledge Transfer</a:t>
-            </a:r>
-            <a:endParaRPr lang="en-US" sz="1100">
+              <a:t>知識轉移</a:t>
+            </a:r>
+            <a:endParaRPr lang="en-US" sz="1100" dirty="0">
               <a:latin typeface="Adobe Clean" panose="020B0503020404020204" pitchFamily="34" charset="0"/>
               <a:cs typeface="Adobe Clean"/>
             </a:endParaRPr>
@@ -11191,16 +10363,16 @@
               </a:spcBef>
             </a:pPr>
             <a:r>
-              <a:rPr lang="en-US" sz="1100" b="1">
+              <a:rPr lang="de-de" sz="1100" b="1" dirty="0">
                 <a:solidFill>
                   <a:srgbClr val="020302"/>
                 </a:solidFill>
                 <a:latin typeface="Adobe Clean" panose="020B0503020404020204" pitchFamily="34" charset="0"/>
                 <a:cs typeface="Adobe Clean"/>
               </a:rPr>
-              <a:t>Event Management</a:t>
-            </a:r>
-            <a:endParaRPr lang="en-US" sz="1100">
+              <a:t>事件管理</a:t>
+            </a:r>
+            <a:endParaRPr lang="en-US" sz="1100" dirty="0">
               <a:latin typeface="Adobe Clean" panose="020B0503020404020204" pitchFamily="34" charset="0"/>
               <a:cs typeface="Adobe Clean"/>
             </a:endParaRPr>
@@ -11319,7 +10491,7 @@
       </p:sp>
       <p:pic>
         <p:nvPicPr>
-          <p:cNvPr id="25" name="Graphic 24" descr="Continuous Improvement outline">
+          <p:cNvPr id="25" name="Graphic 24" descr="持續改進大綱">
             <a:extLst>
               <a:ext uri="{FF2B5EF4-FFF2-40B4-BE49-F238E27FC236}">
                 <a16:creationId xmlns:a16="http://schemas.microsoft.com/office/drawing/2014/main" id="{A2F6F854-90CC-FC48-9379-F18D8FBF395B}"/>
@@ -11478,7 +10650,7 @@
       </p:pic>
       <p:pic>
         <p:nvPicPr>
-          <p:cNvPr id="29" name="Graphic 28" descr="Storytelling outline">
+          <p:cNvPr id="29" name="Graphic 28" descr="敘事大綱">
             <a:extLst>
               <a:ext uri="{FF2B5EF4-FFF2-40B4-BE49-F238E27FC236}">
                 <a16:creationId xmlns:a16="http://schemas.microsoft.com/office/drawing/2014/main" id="{AD9F15BE-1A73-9C4D-B0AF-F35EF2ED6649}"/>
@@ -11551,16 +10723,16 @@
               </a:spcBef>
             </a:pPr>
             <a:r>
-              <a:rPr lang="en-US" sz="1000">
+              <a:rPr lang="de-de" sz="1000" dirty="0">
                 <a:solidFill>
                   <a:srgbClr val="020302"/>
                 </a:solidFill>
                 <a:latin typeface="AdobeClean-Light"/>
                 <a:cs typeface="AdobeClean-Light"/>
               </a:rPr>
-              <a:t>Compare and align Adobe solution  roadmap with your project roadmap to  mitigate risk and prepare for the future.</a:t>
-            </a:r>
-            <a:endParaRPr lang="en-US" sz="1000">
+              <a:t>將 Adobe 解決方案藍圖與您的專案藍圖進行比較並將兩者保持一致，以降低風險並為將來做好準備。</a:t>
+            </a:r>
+            <a:endParaRPr lang="en-US" sz="1000" dirty="0">
               <a:latin typeface="AdobeClean-Light"/>
               <a:cs typeface="AdobeClean-Light"/>
             </a:endParaRPr>
@@ -11575,7 +10747,7 @@
               </a:spcBef>
             </a:pPr>
             <a:r>
-              <a:rPr lang="en-US" sz="1000">
+              <a:rPr lang="de-de" sz="1000" dirty="0">
                 <a:solidFill>
                   <a:srgbClr val="020302"/>
                 </a:solidFill>
@@ -11584,7 +10756,7 @@
               </a:rPr>
               <a:t>.</a:t>
             </a:r>
-            <a:endParaRPr lang="en-US" sz="1000">
+            <a:endParaRPr lang="en-US" sz="1000" dirty="0">
               <a:solidFill>
                 <a:prstClr val="black"/>
               </a:solidFill>
@@ -11920,7 +11092,7 @@
         <p:spPr>
           <a:xfrm>
             <a:off x="4843269" y="2329688"/>
-            <a:ext cx="1656080" cy="238760"/>
+            <a:ext cx="1656080" cy="228268"/>
           </a:xfrm>
           <a:prstGeom prst="rect">
             <a:avLst/>
@@ -11932,7 +11104,7 @@
           </a:bodyPr>
           <a:lstStyle/>
           <a:p>
-            <a:pPr marL="12700">
+            <a:pPr marL="12700" algn="ctr">
               <a:lnSpc>
                 <a:spcPct val="100000"/>
               </a:lnSpc>
@@ -11941,176 +11113,26 @@
               </a:spcBef>
             </a:pPr>
             <a:r>
-              <a:rPr sz="1400" b="1" spc="-25">
+              <a:rPr lang="de-de" sz="1400" b="1" spc="-25" dirty="0">
                 <a:solidFill>
                   <a:srgbClr val="020302"/>
                 </a:solidFill>
                 <a:latin typeface="Adobe Clean"/>
                 <a:cs typeface="Adobe Clean"/>
               </a:rPr>
-              <a:t>Fi</a:t>
-            </a:r>
-            <a:r>
-              <a:rPr sz="1400" b="1" spc="-35">
+              <a:t>現場服務活動</a:t>
+            </a:r>
+            <a:r>
+              <a:rPr lang="de-de" sz="1400" b="1" spc="-190" dirty="0">
                 <a:solidFill>
                   <a:srgbClr val="020302"/>
                 </a:solidFill>
                 <a:latin typeface="Adobe Clean"/>
                 <a:cs typeface="Adobe Clean"/>
               </a:rPr>
-              <a:t>e</a:t>
-            </a:r>
-            <a:r>
-              <a:rPr sz="1400" b="1" spc="-25">
-                <a:solidFill>
-                  <a:srgbClr val="020302"/>
-                </a:solidFill>
-                <a:latin typeface="Adobe Clean"/>
-                <a:cs typeface="Adobe Clean"/>
-              </a:rPr>
-              <a:t>l</a:t>
-            </a:r>
-            <a:r>
-              <a:rPr sz="1400" b="1">
-                <a:solidFill>
-                  <a:srgbClr val="020302"/>
-                </a:solidFill>
-                <a:latin typeface="Adobe Clean"/>
-                <a:cs typeface="Adobe Clean"/>
-              </a:rPr>
-              <a:t>d</a:t>
-            </a:r>
-            <a:r>
-              <a:rPr sz="1400" b="1" spc="-40">
-                <a:solidFill>
-                  <a:srgbClr val="020302"/>
-                </a:solidFill>
-                <a:latin typeface="Adobe Clean"/>
-                <a:cs typeface="Adobe Clean"/>
-              </a:rPr>
               <a:t> </a:t>
             </a:r>
-            <a:r>
-              <a:rPr sz="1400" b="1" spc="25">
-                <a:solidFill>
-                  <a:srgbClr val="020302"/>
-                </a:solidFill>
-                <a:latin typeface="Adobe Clean"/>
-                <a:cs typeface="Adobe Clean"/>
-              </a:rPr>
-              <a:t>S</a:t>
-            </a:r>
-            <a:r>
-              <a:rPr sz="1400" b="1" spc="5">
-                <a:solidFill>
-                  <a:srgbClr val="020302"/>
-                </a:solidFill>
-                <a:latin typeface="Adobe Clean"/>
-                <a:cs typeface="Adobe Clean"/>
-              </a:rPr>
-              <a:t>e</a:t>
-            </a:r>
-            <a:r>
-              <a:rPr sz="1400" b="1" spc="15">
-                <a:solidFill>
-                  <a:srgbClr val="020302"/>
-                </a:solidFill>
-                <a:latin typeface="Adobe Clean"/>
-                <a:cs typeface="Adobe Clean"/>
-              </a:rPr>
-              <a:t>rvi</a:t>
-            </a:r>
-            <a:r>
-              <a:rPr sz="1400" b="1" spc="5">
-                <a:solidFill>
-                  <a:srgbClr val="020302"/>
-                </a:solidFill>
-                <a:latin typeface="Adobe Clean"/>
-                <a:cs typeface="Adobe Clean"/>
-              </a:rPr>
-              <a:t>c</a:t>
-            </a:r>
-            <a:r>
-              <a:rPr sz="1400" b="1">
-                <a:solidFill>
-                  <a:srgbClr val="020302"/>
-                </a:solidFill>
-                <a:latin typeface="Adobe Clean"/>
-                <a:cs typeface="Adobe Clean"/>
-              </a:rPr>
-              <a:t>e</a:t>
-            </a:r>
-            <a:r>
-              <a:rPr sz="1400" b="1" spc="-190">
-                <a:solidFill>
-                  <a:srgbClr val="020302"/>
-                </a:solidFill>
-                <a:latin typeface="Adobe Clean"/>
-                <a:cs typeface="Adobe Clean"/>
-              </a:rPr>
-              <a:t> </a:t>
-            </a:r>
-            <a:r>
-              <a:rPr sz="1400" b="1" spc="5">
-                <a:solidFill>
-                  <a:srgbClr val="020302"/>
-                </a:solidFill>
-                <a:latin typeface="Adobe Clean"/>
-                <a:cs typeface="Adobe Clean"/>
-              </a:rPr>
-              <a:t>A</a:t>
-            </a:r>
-            <a:r>
-              <a:rPr sz="1400" b="1" spc="-5">
-                <a:solidFill>
-                  <a:srgbClr val="020302"/>
-                </a:solidFill>
-                <a:latin typeface="Adobe Clean"/>
-                <a:cs typeface="Adobe Clean"/>
-              </a:rPr>
-              <a:t>ct</a:t>
-            </a:r>
-            <a:r>
-              <a:rPr sz="1400" b="1" spc="5">
-                <a:solidFill>
-                  <a:srgbClr val="020302"/>
-                </a:solidFill>
-                <a:latin typeface="Adobe Clean"/>
-                <a:cs typeface="Adobe Clean"/>
-              </a:rPr>
-              <a:t>ivi</a:t>
-            </a:r>
-            <a:r>
-              <a:rPr sz="1400" b="1" spc="-5">
-                <a:solidFill>
-                  <a:srgbClr val="020302"/>
-                </a:solidFill>
-                <a:latin typeface="Adobe Clean"/>
-                <a:cs typeface="Adobe Clean"/>
-              </a:rPr>
-              <a:t>t</a:t>
-            </a:r>
-            <a:r>
-              <a:rPr sz="1400" b="1" spc="5">
-                <a:solidFill>
-                  <a:srgbClr val="020302"/>
-                </a:solidFill>
-                <a:latin typeface="Adobe Clean"/>
-                <a:cs typeface="Adobe Clean"/>
-              </a:rPr>
-              <a:t>i</a:t>
-            </a:r>
-            <a:r>
-              <a:rPr sz="1400" b="1" spc="-5">
-                <a:solidFill>
-                  <a:srgbClr val="020302"/>
-                </a:solidFill>
-                <a:latin typeface="Adobe Clean"/>
-                <a:cs typeface="Adobe Clean"/>
-              </a:rPr>
-              <a:t>es</a:t>
-            </a:r>
-            <a:endParaRPr sz="1400">
+            <a:endParaRPr sz="1400" dirty="0">
               <a:latin typeface="Adobe Clean"/>
               <a:cs typeface="Adobe Clean"/>
             </a:endParaRPr>
@@ -12126,7 +11148,7 @@
         <p:spPr>
           <a:xfrm>
             <a:off x="914422" y="2342312"/>
-            <a:ext cx="1242060" cy="238760"/>
+            <a:ext cx="1242060" cy="228268"/>
           </a:xfrm>
           <a:prstGeom prst="rect">
             <a:avLst/>
@@ -12138,7 +11160,7 @@
           </a:bodyPr>
           <a:lstStyle/>
           <a:p>
-            <a:pPr marL="12700">
+            <a:pPr marL="12700" algn="ctr">
               <a:lnSpc>
                 <a:spcPct val="100000"/>
               </a:lnSpc>
@@ -12147,96 +11169,16 @@
               </a:spcBef>
             </a:pPr>
             <a:r>
-              <a:rPr sz="1400" b="1" spc="-25">
+              <a:rPr lang="de-de" sz="1400" b="1" spc="-25" dirty="0">
                 <a:solidFill>
                   <a:srgbClr val="020302"/>
                 </a:solidFill>
                 <a:latin typeface="Adobe Clean"/>
                 <a:cs typeface="Adobe Clean"/>
               </a:rPr>
-              <a:t>L</a:t>
-            </a:r>
-            <a:r>
-              <a:rPr sz="1400" b="1" spc="-5">
-                <a:solidFill>
-                  <a:srgbClr val="020302"/>
-                </a:solidFill>
-                <a:latin typeface="Adobe Clean"/>
-                <a:cs typeface="Adobe Clean"/>
-              </a:rPr>
-              <a:t>a</a:t>
-            </a:r>
-            <a:r>
-              <a:rPr sz="1400" b="1" spc="-20">
-                <a:solidFill>
-                  <a:srgbClr val="020302"/>
-                </a:solidFill>
-                <a:latin typeface="Adobe Clean"/>
-                <a:cs typeface="Adobe Clean"/>
-              </a:rPr>
-              <a:t>u</a:t>
-            </a:r>
-            <a:r>
-              <a:rPr sz="1400" b="1" spc="-15">
-                <a:solidFill>
-                  <a:srgbClr val="020302"/>
-                </a:solidFill>
-                <a:latin typeface="Adobe Clean"/>
-                <a:cs typeface="Adobe Clean"/>
-              </a:rPr>
-              <a:t>n</a:t>
-            </a:r>
-            <a:r>
-              <a:rPr sz="1400" b="1" spc="-25">
-                <a:solidFill>
-                  <a:srgbClr val="020302"/>
-                </a:solidFill>
-                <a:latin typeface="Adobe Clean"/>
-                <a:cs typeface="Adobe Clean"/>
-              </a:rPr>
-              <a:t>c</a:t>
-            </a:r>
-            <a:r>
-              <a:rPr sz="1400" b="1">
-                <a:solidFill>
-                  <a:srgbClr val="020302"/>
-                </a:solidFill>
-                <a:latin typeface="Adobe Clean"/>
-                <a:cs typeface="Adobe Clean"/>
-              </a:rPr>
-              <a:t>h</a:t>
-            </a:r>
-            <a:r>
-              <a:rPr sz="1400" b="1" spc="-25">
-                <a:solidFill>
-                  <a:srgbClr val="020302"/>
-                </a:solidFill>
-                <a:latin typeface="Adobe Clean"/>
-                <a:cs typeface="Adobe Clean"/>
-              </a:rPr>
-              <a:t> </a:t>
-            </a:r>
-            <a:r>
-              <a:rPr sz="1400" b="1" spc="-10">
-                <a:solidFill>
-                  <a:srgbClr val="020302"/>
-                </a:solidFill>
-                <a:latin typeface="Adobe Clean"/>
-                <a:cs typeface="Adobe Clean"/>
-              </a:rPr>
-              <a:t>Advisor</a:t>
-            </a:r>
-            <a:r>
-              <a:rPr sz="1400" b="1">
-                <a:solidFill>
-                  <a:srgbClr val="020302"/>
-                </a:solidFill>
-                <a:latin typeface="Adobe Clean"/>
-                <a:cs typeface="Adobe Clean"/>
-              </a:rPr>
-              <a:t>y</a:t>
-            </a:r>
-            <a:endParaRPr sz="1400">
+              <a:t>啟動諮詢</a:t>
+            </a:r>
+            <a:endParaRPr sz="1400" dirty="0">
               <a:latin typeface="Adobe Clean"/>
               <a:cs typeface="Adobe Clean"/>
             </a:endParaRPr>
@@ -12273,46 +11215,43 @@
               </a:spcBef>
             </a:pPr>
             <a:r>
-              <a:rPr sz="1000">
+              <a:rPr lang="de-de" sz="1000" dirty="0">
                 <a:solidFill>
                   <a:srgbClr val="1F1F1F"/>
                 </a:solidFill>
                 <a:latin typeface="AdobeClean-Light"/>
                 <a:cs typeface="AdobeClean-Light"/>
               </a:rPr>
-              <a:t>For customers implementing a </a:t>
-            </a:r>
-            <a:r>
-              <a:rPr sz="1000" b="1">
+              <a:t>Launch Advisory 適用於客戶實作</a:t>
+            </a:r>
+            <a:r>
+              <a:rPr lang="de-de" sz="1000" b="1" dirty="0">
                 <a:solidFill>
                   <a:srgbClr val="1F1F1F"/>
                 </a:solidFill>
                 <a:latin typeface="Adobe Clean"/>
                 <a:cs typeface="Adobe Clean"/>
               </a:rPr>
-              <a:t>new Adobe Experience Cloud  solution, </a:t>
-            </a:r>
-            <a:r>
-              <a:rPr sz="1000">
-                <a:latin typeface="AdobeClean-Light"/>
-                <a:cs typeface="AdobeClean-Light"/>
-              </a:rPr>
-              <a:t>Launch Advisory </a:t>
-            </a:r>
-            <a:r>
-              <a:rPr sz="1000">
+              <a:t>新的 Adobe Experience Cloud 解決方案，</a:t>
+            </a:r>
+            <a:r>
+              <a:rPr lang="de-de" sz="1000" dirty="0">
                 <a:latin typeface="AdobeClean-SemiLight"/>
                 <a:cs typeface="AdobeClean-SemiLight"/>
               </a:rPr>
-              <a:t>is a </a:t>
-            </a:r>
-            <a:r>
-              <a:rPr sz="950">
+              <a:t>是</a:t>
+            </a:r>
+            <a:r>
+              <a:rPr lang="de-de" sz="950" dirty="0">
                 <a:latin typeface="AdobeClean-SemiLight"/>
                 <a:cs typeface="AdobeClean-SemiLight"/>
               </a:rPr>
-              <a:t>core set of advisory</a:t>
-            </a:r>
+              <a:t>諮詢的核心</a:t>
+            </a:r>
+            <a:endParaRPr sz="950">
+              <a:latin typeface="AdobeClean-SemiLight"/>
+              <a:cs typeface="AdobeClean-SemiLight"/>
+            </a:endParaRPr>
           </a:p>
           <a:p>
             <a:pPr marL="12700" marR="86995" indent="-635">
@@ -12321,47 +11260,51 @@
               </a:lnSpc>
             </a:pPr>
             <a:r>
-              <a:rPr sz="950">
+              <a:rPr lang="de-de" sz="950" dirty="0">
                 <a:latin typeface="AdobeClean-SemiLight"/>
                 <a:cs typeface="AdobeClean-SemiLight"/>
               </a:rPr>
-              <a:t>services </a:t>
-            </a:r>
-            <a:r>
-              <a:rPr sz="1000">
+              <a:t>服務</a:t>
+            </a:r>
+            <a:r>
+              <a:rPr lang="de-de" sz="1000" dirty="0">
                 <a:latin typeface="AdobeClean-Light"/>
                 <a:cs typeface="AdobeClean-Light"/>
               </a:rPr>
-              <a:t>and recommendations that are proven to </a:t>
-            </a:r>
-            <a:r>
-              <a:rPr sz="950">
+              <a:t>和建議組合，經公認可</a:t>
+            </a:r>
+            <a:r>
+              <a:rPr lang="de-de" sz="950" dirty="0">
                 <a:latin typeface="AdobeClean-Light"/>
                 <a:cs typeface="AdobeClean-Light"/>
               </a:rPr>
-              <a:t>support  successful deployments </a:t>
-            </a:r>
-            <a:r>
-              <a:rPr sz="1000">
+              <a:t>支援成功部署</a:t>
+            </a:r>
+            <a:r>
+              <a:rPr lang="de-de" sz="1000" dirty="0">
                 <a:latin typeface="AdobeClean-Light"/>
                 <a:cs typeface="AdobeClean-Light"/>
               </a:rPr>
-              <a:t>and </a:t>
-            </a:r>
-            <a:r>
-              <a:rPr sz="950">
+              <a:t>並</a:t>
+            </a:r>
+            <a:r>
+              <a:rPr lang="de-de" sz="950" dirty="0">
                 <a:latin typeface="AdobeClean-Light"/>
                 <a:cs typeface="AdobeClean-Light"/>
               </a:rPr>
-              <a:t>accelerate time-to-value</a:t>
-            </a:r>
-            <a:r>
-              <a:rPr sz="1000">
+              <a:t>加速價值實現的時間</a:t>
+            </a:r>
+            <a:r>
+              <a:rPr lang="de-de" sz="1000" dirty="0">
                 <a:latin typeface="AdobeClean-Light"/>
                 <a:cs typeface="AdobeClean-Light"/>
               </a:rPr>
-              <a:t>.</a:t>
-            </a:r>
+              <a:t>。</a:t>
+            </a:r>
+            <a:endParaRPr sz="1000">
+              <a:latin typeface="AdobeClean-Light"/>
+              <a:cs typeface="AdobeClean-Light"/>
+            </a:endParaRPr>
           </a:p>
         </p:txBody>
       </p:sp>
@@ -12474,76 +11417,76 @@
               </a:spcBef>
             </a:pPr>
             <a:r>
-              <a:rPr sz="1000">
+              <a:rPr lang="de-de" sz="1000" dirty="0">
                 <a:solidFill>
                   <a:srgbClr val="4B4B4B"/>
                 </a:solidFill>
                 <a:latin typeface="AdobeClean-Light"/>
                 <a:cs typeface="AdobeClean-Light"/>
               </a:rPr>
-              <a:t>Field Services are used for </a:t>
-            </a:r>
-            <a:r>
-              <a:rPr sz="1000" b="1">
+              <a:t>現場服務是用於</a:t>
+            </a:r>
+            <a:r>
+              <a:rPr lang="de-de" sz="1000" b="1" dirty="0">
                 <a:solidFill>
                   <a:srgbClr val="4B4B4B"/>
                 </a:solidFill>
                 <a:latin typeface="Adobe Clean"/>
                 <a:cs typeface="Adobe Clean"/>
               </a:rPr>
-              <a:t>quick resolution</a:t>
-            </a:r>
-            <a:r>
-              <a:rPr sz="1000">
+              <a:t>快速解決問題</a:t>
+            </a:r>
+            <a:r>
+              <a:rPr lang="de-de" sz="1000" dirty="0">
                 <a:solidFill>
                   <a:srgbClr val="4B4B4B"/>
                 </a:solidFill>
                 <a:latin typeface="AdobeClean-Light"/>
                 <a:cs typeface="AdobeClean-Light"/>
               </a:rPr>
-              <a:t>, focused customer success  and accelerated </a:t>
-            </a:r>
-            <a:r>
-              <a:rPr sz="1000" b="1">
+              <a:t>，聚焦於客戶成功及加快</a:t>
+            </a:r>
+            <a:r>
+              <a:rPr lang="de-de" sz="1000" b="1" dirty="0">
                 <a:solidFill>
                   <a:srgbClr val="4B4B4B"/>
                 </a:solidFill>
                 <a:latin typeface="Adobe Clean"/>
                 <a:cs typeface="Adobe Clean"/>
               </a:rPr>
-              <a:t>time-to-value</a:t>
-            </a:r>
-            <a:r>
-              <a:rPr sz="1000">
+              <a:t>價值實現</a:t>
+            </a:r>
+            <a:r>
+              <a:rPr lang="de-de" sz="1000" dirty="0">
                 <a:solidFill>
                   <a:srgbClr val="4B4B4B"/>
                 </a:solidFill>
                 <a:latin typeface="AdobeClean-Light"/>
                 <a:cs typeface="AdobeClean-Light"/>
               </a:rPr>
-              <a:t>. If Launch advisory is active there will be  </a:t>
-            </a:r>
-            <a:r>
-              <a:rPr sz="1000" b="1">
+              <a:t>。對於支援合約涵蓋的任何解決方案產品而言，</a:t>
+            </a:r>
+            <a:r>
+              <a:rPr lang="de-de" sz="1000" b="1" dirty="0">
                 <a:solidFill>
                   <a:srgbClr val="4B4B4B"/>
                 </a:solidFill>
                 <a:latin typeface="Adobe Clean"/>
                 <a:cs typeface="Adobe Clean"/>
               </a:rPr>
-              <a:t>no Field Services in year 1 </a:t>
-            </a:r>
-            <a:r>
-              <a:rPr sz="1000">
+              <a:t>如果上市諮詢服務作用中，</a:t>
+            </a:r>
+            <a:r>
+              <a:rPr lang="de-de" sz="1000" dirty="0">
                 <a:solidFill>
                   <a:srgbClr val="4B4B4B"/>
                 </a:solidFill>
                 <a:latin typeface="AdobeClean-Light"/>
                 <a:cs typeface="AdobeClean-Light"/>
               </a:rPr>
-              <a:t>for any solution product covered by a  Support contract.</a:t>
-            </a:r>
-            <a:endParaRPr sz="1000">
+              <a:t>第 1 年將不會有現場服務。</a:t>
+            </a:r>
+            <a:endParaRPr sz="1000" dirty="0">
               <a:latin typeface="AdobeClean-Light"/>
               <a:cs typeface="AdobeClean-Light"/>
             </a:endParaRPr>
@@ -12664,11 +11607,11 @@
               </a:spcBef>
             </a:pPr>
             <a:r>
-              <a:rPr sz="1000">
+              <a:rPr lang="de-de" sz="1000" dirty="0">
                 <a:latin typeface="AdobeClean-Light"/>
                 <a:cs typeface="AdobeClean-Light"/>
               </a:rPr>
-              <a:t>Launch Advisory will align with your project schedule through  common milestones (Kickoff, Define, Design, Go-live and Post  Launch) to guide, validate, assess and make recommendations.</a:t>
+              <a:t>上市諮詢服務將透過常見的里程碑 (開展、定義、設計、上線和上市後) 與您的專案時間表保持一致，以便指導、驗證、評估及提出建議。 </a:t>
             </a:r>
           </a:p>
         </p:txBody>
@@ -12703,12 +11646,16 @@
               </a:spcBef>
             </a:pPr>
             <a:r>
-              <a:rPr sz="1000">
+              <a:rPr lang="de-de" sz="1000" dirty="0">
                 <a:latin typeface="AdobeClean-Light"/>
                 <a:cs typeface="AdobeClean-Light"/>
               </a:rPr>
-              <a:t>Key Deliverables include:</a:t>
-            </a:r>
+              <a:t>主要交付成果包括：</a:t>
+            </a:r>
+            <a:endParaRPr sz="1000">
+              <a:latin typeface="AdobeClean-Light"/>
+              <a:cs typeface="AdobeClean-Light"/>
+            </a:endParaRPr>
           </a:p>
         </p:txBody>
       </p:sp>
@@ -12741,12 +11688,12 @@
               <a:buChar char="•"/>
             </a:pPr>
             <a:r>
-              <a:rPr lang="en-US" sz="1000">
+              <a:rPr lang="de-de" sz="1000" dirty="0">
                 <a:solidFill>
                   <a:prstClr val="black"/>
                 </a:solidFill>
               </a:rPr>
-              <a:t>Kickoff (including project collaboration plan) deck</a:t>
+              <a:t>專案啟動 (包括專案共同作業計劃) 投影片組</a:t>
             </a:r>
           </a:p>
           <a:p>
@@ -12758,12 +11705,12 @@
               <a:buChar char="•"/>
             </a:pPr>
             <a:r>
-              <a:rPr lang="en-US" sz="1000">
+              <a:rPr lang="de-de" sz="1000" dirty="0">
                 <a:solidFill>
                   <a:prstClr val="black"/>
                 </a:solidFill>
               </a:rPr>
-              <a:t>Assessment &amp; recommendations document(s)</a:t>
+              <a:t>評估與建議文件</a:t>
             </a:r>
           </a:p>
           <a:p>
@@ -12775,12 +11722,12 @@
               <a:buChar char="•"/>
             </a:pPr>
             <a:r>
-              <a:rPr lang="en-US" sz="1000">
+              <a:rPr lang="de-de" sz="1000" dirty="0">
                 <a:solidFill>
                   <a:prstClr val="black"/>
                 </a:solidFill>
               </a:rPr>
-              <a:t>Engagement summary</a:t>
+              <a:t>投入摘要</a:t>
             </a:r>
           </a:p>
         </p:txBody>
@@ -12815,16 +11762,16 @@
               </a:spcBef>
             </a:pPr>
             <a:r>
-              <a:rPr sz="1600">
+              <a:rPr lang="de-de" sz="1600" dirty="0">
                 <a:solidFill>
                   <a:srgbClr val="FFFFFF"/>
                 </a:solidFill>
                 <a:latin typeface="Arial"/>
                 <a:cs typeface="Arial"/>
               </a:rPr>
-              <a:t>Implementation</a:t>
-            </a:r>
-            <a:endParaRPr sz="1600">
+              <a:t>實作</a:t>
+            </a:r>
+            <a:endParaRPr sz="1600" dirty="0">
               <a:latin typeface="Arial"/>
               <a:cs typeface="Arial"/>
             </a:endParaRPr>
@@ -12839,32 +11786,32 @@
               </a:spcBef>
             </a:pPr>
             <a:r>
-              <a:rPr sz="1000">
+              <a:rPr lang="de-de" sz="1000" dirty="0">
                 <a:latin typeface="AdobeClean-Light"/>
                 <a:cs typeface="AdobeClean-Light"/>
               </a:rPr>
-              <a:t>Adobe solution experts help validate requirements, architecture,  development process, and launch readiness reviews </a:t>
-            </a:r>
-            <a:r>
-              <a:rPr sz="1000">
+              <a:t>Adobe 解決方案專家可向客戶</a:t>
+            </a:r>
+            <a:r>
+              <a:rPr lang="de-de" sz="1000" dirty="0">
                 <a:latin typeface="AdobeClean-SemiLight"/>
                 <a:cs typeface="AdobeClean-SemiLight"/>
               </a:rPr>
-              <a:t>with </a:t>
-            </a:r>
-            <a:r>
-              <a:rPr sz="950">
+              <a:t>和實作</a:t>
+            </a:r>
+            <a:r>
+              <a:rPr lang="de-de" sz="950" dirty="0">
                 <a:latin typeface="AdobeClean-SemiLight"/>
                 <a:cs typeface="AdobeClean-SemiLight"/>
               </a:rPr>
-              <a:t>best  practice-based guidance </a:t>
-            </a:r>
-            <a:r>
-              <a:rPr sz="1000">
+              <a:t>合作夥伴</a:t>
+            </a:r>
+            <a:r>
+              <a:rPr lang="de-de" sz="1000" dirty="0">
                 <a:latin typeface="AdobeClean-SemiLight"/>
                 <a:cs typeface="AdobeClean-SemiLight"/>
               </a:rPr>
-              <a:t>to customers and implementation  partners.</a:t>
+              <a:t>提供以最佳實務為根據的指引，以協助驗證需求、架構、開發流程和上市整備情況審查。</a:t>
             </a:r>
           </a:p>
         </p:txBody>
@@ -12921,30 +11868,19 @@
               </a:spcBef>
             </a:pPr>
             <a:r>
-              <a:rPr sz="1000" b="1">
+              <a:rPr lang="de-de" sz="1000" b="1" dirty="0">
                 <a:latin typeface="Arial"/>
                 <a:cs typeface="Arial"/>
               </a:rPr>
-              <a:t>Technical Track Activities </a:t>
-            </a:r>
-            <a:r>
-              <a:rPr sz="1000">
+              <a:t>技術路徑活動可確保客戶擁有健全的技術，</a:t>
+            </a:r>
+            <a:r>
+              <a:rPr lang="de-de" sz="1000" dirty="0">
                 <a:latin typeface="AdobeClean-Light"/>
                 <a:cs typeface="AdobeClean-Light"/>
               </a:rPr>
-              <a:t>ensure customers are technically sound  and maximizing their tool adoption. Specifically, these types of  activities include support and recommendations related to platform  configurations, integrations and troubleshooting</a:t>
-            </a:r>
-            <a:r>
-              <a:rPr lang="en-US" sz="1000">
-                <a:latin typeface="AdobeClean-Light"/>
-                <a:cs typeface="AdobeClean-Light"/>
-              </a:rPr>
-              <a:t>.</a:t>
-            </a:r>
-            <a:endParaRPr sz="1000">
-              <a:latin typeface="AdobeClean-Light"/>
-              <a:cs typeface="AdobeClean-Light"/>
-            </a:endParaRPr>
+              <a:t>並且最大限度地採用他們的工具。具體而言，這些類型的活動包含與平台組態設定、整合和疑難排解有關的支援和建議</a:t>
+            </a:r>
           </a:p>
         </p:txBody>
       </p:sp>
@@ -12978,11 +11914,11 @@
               </a:spcBef>
             </a:pPr>
             <a:r>
-              <a:rPr sz="1000">
+              <a:rPr lang="de-de" sz="1000" dirty="0">
                 <a:latin typeface="AdobeClean-Light"/>
                 <a:cs typeface="AdobeClean-Light"/>
               </a:rPr>
-              <a:t>Types of technical activities available::</a:t>
+              <a:t>可用的技術活動類型：</a:t>
             </a:r>
           </a:p>
           <a:p>
@@ -12997,12 +11933,12 @@
               <a:buChar char="ü"/>
             </a:pPr>
             <a:r>
-              <a:rPr lang="en-US" sz="1000">
+              <a:rPr lang="de-de" sz="1000" dirty="0">
                 <a:solidFill>
                   <a:prstClr val="black"/>
                 </a:solidFill>
               </a:rPr>
-              <a:t>Health audit</a:t>
+              <a:t>健康稽核</a:t>
             </a:r>
           </a:p>
           <a:p>
@@ -13017,12 +11953,12 @@
               <a:buChar char="ü"/>
             </a:pPr>
             <a:r>
-              <a:rPr lang="en-US" sz="1000">
+              <a:rPr lang="de-de" sz="1000" dirty="0">
                 <a:solidFill>
                   <a:prstClr val="black"/>
                 </a:solidFill>
               </a:rPr>
-              <a:t>Platform audit</a:t>
+              <a:t>平台稽核</a:t>
             </a:r>
           </a:p>
           <a:p>
@@ -13037,12 +11973,12 @@
               <a:buChar char="ü"/>
             </a:pPr>
             <a:r>
-              <a:rPr lang="en-US" sz="1000">
+              <a:rPr lang="de-de" sz="1000" dirty="0">
                 <a:solidFill>
                   <a:prstClr val="black"/>
                 </a:solidFill>
               </a:rPr>
-              <a:t>Feature set enablement</a:t>
+              <a:t>功能集啟用</a:t>
             </a:r>
           </a:p>
           <a:p>
@@ -13057,12 +11993,12 @@
               <a:buChar char="ü"/>
             </a:pPr>
             <a:r>
-              <a:rPr lang="en-US" sz="1000">
+              <a:rPr lang="de-de" sz="1000" dirty="0">
                 <a:solidFill>
                   <a:prstClr val="black"/>
                 </a:solidFill>
               </a:rPr>
-              <a:t>Basic integrations and configurations</a:t>
+              <a:t>基本整合與組態設定</a:t>
             </a:r>
           </a:p>
           <a:p>
@@ -13077,12 +12013,12 @@
               <a:buChar char="ü"/>
             </a:pPr>
             <a:r>
-              <a:rPr lang="en-US" sz="1000">
+              <a:rPr lang="de-de" sz="1000" dirty="0">
                 <a:solidFill>
                   <a:prstClr val="black"/>
                 </a:solidFill>
               </a:rPr>
-              <a:t>Customer solution troubleshooting</a:t>
+              <a:t>客戶解決方案疑難排解</a:t>
             </a:r>
           </a:p>
           <a:p>
@@ -13097,12 +12033,12 @@
               <a:buChar char="ü"/>
             </a:pPr>
             <a:r>
-              <a:rPr lang="en-US" sz="1000">
+              <a:rPr lang="de-de" sz="1000" dirty="0">
                 <a:solidFill>
                   <a:prstClr val="black"/>
                 </a:solidFill>
               </a:rPr>
-              <a:t>Cloud service support</a:t>
+              <a:t>雲端服務支援</a:t>
             </a:r>
           </a:p>
         </p:txBody>
@@ -13137,18 +12073,18 @@
               </a:spcBef>
             </a:pPr>
             <a:r>
-              <a:rPr sz="1000" b="1">
+              <a:rPr lang="de-de" sz="1000" b="1" dirty="0">
                 <a:latin typeface="Arial"/>
                 <a:cs typeface="Arial"/>
               </a:rPr>
-              <a:t>Strategic Track Activities </a:t>
-            </a:r>
-            <a:r>
-              <a:rPr sz="1000">
+              <a:t>策略路徑活動可尋找機會</a:t>
+            </a:r>
+            <a:r>
+              <a:rPr lang="de-de" sz="1000" dirty="0">
                 <a:latin typeface="AdobeClean-Light"/>
                 <a:cs typeface="AdobeClean-Light"/>
               </a:rPr>
-              <a:t>locate opportunities to ensure value is  being realized from a customer’s Adobe solutions. They include  support recommendations related to strategy, measurement and  maturity to drive value realization across one or more Adobe  solutions.</a:t>
+              <a:t>，以確保可從客戶的 Adobe 解決方案實現價值。這類活動包括與策略、衡量和成熟度有關的支援建議，以推動一個或多個 Adobe 解決方案的價值實現。</a:t>
             </a:r>
           </a:p>
           <a:p>
@@ -13160,7 +12096,7 @@
                 <a:spcPts val="40"/>
               </a:spcBef>
             </a:pPr>
-            <a:endParaRPr sz="1100">
+            <a:endParaRPr sz="1100" dirty="0">
               <a:latin typeface="AdobeClean-Light"/>
               <a:cs typeface="AdobeClean-Light"/>
             </a:endParaRPr>
@@ -13172,11 +12108,11 @@
               </a:lnSpc>
             </a:pPr>
             <a:r>
-              <a:rPr sz="1000">
+              <a:rPr lang="de-de" sz="1000" dirty="0">
                 <a:latin typeface="AdobeClean-Light"/>
                 <a:cs typeface="AdobeClean-Light"/>
               </a:rPr>
-              <a:t>Types of strategic activities available::</a:t>
+              <a:t>可用的策略活動類型：</a:t>
             </a:r>
           </a:p>
           <a:p>
@@ -13191,12 +12127,12 @@
               <a:buChar char="ü"/>
             </a:pPr>
             <a:r>
-              <a:rPr lang="en-US" sz="1000">
+              <a:rPr lang="de-de" sz="1000" dirty="0">
                 <a:solidFill>
                   <a:prstClr val="black"/>
                 </a:solidFill>
               </a:rPr>
-              <a:t>Maturity Roadmap</a:t>
+              <a:t>成熟度藍圖</a:t>
             </a:r>
           </a:p>
           <a:p>
@@ -13211,12 +12147,12 @@
               <a:buChar char="ü"/>
             </a:pPr>
             <a:r>
-              <a:rPr lang="en-US" sz="1000">
+              <a:rPr lang="de-de" sz="1000" dirty="0">
                 <a:solidFill>
                   <a:prstClr val="black"/>
                 </a:solidFill>
               </a:rPr>
-              <a:t>Use case development/measurement</a:t>
+              <a:t>使用案例開發/衡量</a:t>
             </a:r>
           </a:p>
           <a:p>
@@ -13231,12 +12167,12 @@
               <a:buChar char="ü"/>
             </a:pPr>
             <a:r>
-              <a:rPr lang="en-US" sz="1000">
+              <a:rPr lang="de-de" sz="1000" dirty="0">
                 <a:solidFill>
                   <a:prstClr val="black"/>
                 </a:solidFill>
               </a:rPr>
-              <a:t>Reporting &amp; analysis</a:t>
+              <a:t>報告與分析</a:t>
             </a:r>
           </a:p>
           <a:p>
@@ -13251,12 +12187,12 @@
               <a:buChar char="ü"/>
             </a:pPr>
             <a:r>
-              <a:rPr lang="en-US" sz="1000">
+              <a:rPr lang="de-de" sz="1000" dirty="0">
                 <a:solidFill>
                   <a:prstClr val="black"/>
                 </a:solidFill>
               </a:rPr>
-              <a:t>Best practices enablement</a:t>
+              <a:t>啟用最佳實務</a:t>
             </a:r>
           </a:p>
         </p:txBody>
@@ -13277,7 +12213,7 @@
           </a:prstGeom>
         </p:spPr>
         <p:txBody>
-          <a:bodyPr vert="horz" wrap="square" lIns="0" tIns="12700" rIns="0" bIns="0" rtlCol="0" anchor="t">
+          <a:bodyPr vert="horz" wrap="square" lIns="0" tIns="12700" rIns="0" bIns="0" rtlCol="0">
             <a:spAutoFit/>
           </a:bodyPr>
           <a:lstStyle/>
@@ -13291,78 +12227,41 @@
               </a:spcBef>
             </a:pPr>
             <a:r>
-              <a:rPr sz="1600">
+              <a:rPr lang="de-de" sz="1600" dirty="0">
                 <a:solidFill>
                   <a:srgbClr val="FFFFFF"/>
                 </a:solidFill>
                 <a:latin typeface="Arial"/>
                 <a:cs typeface="Arial"/>
               </a:rPr>
-              <a:t>Run &amp; Operate</a:t>
-            </a:r>
-            <a:endParaRPr sz="1600">
+              <a:t>執行與營運</a:t>
+            </a:r>
+            <a:endParaRPr sz="1600" dirty="0">
               <a:latin typeface="Arial"/>
               <a:cs typeface="Arial"/>
             </a:endParaRPr>
           </a:p>
           <a:p>
             <a:pPr marL="12700">
+              <a:lnSpc>
+                <a:spcPct val="100000"/>
+              </a:lnSpc>
               <a:spcBef>
                 <a:spcPts val="1595"/>
               </a:spcBef>
             </a:pPr>
             <a:r>
-              <a:rPr sz="1000">
+              <a:rPr lang="de-de" sz="1000" dirty="0">
                 <a:solidFill>
                   <a:srgbClr val="1F1F1F"/>
                 </a:solidFill>
                 <a:latin typeface="Adobe Clean"/>
                 <a:cs typeface="Adobe Clean"/>
               </a:rPr>
-              <a:t>As an </a:t>
-            </a:r>
-            <a:r>
-              <a:rPr lang="en-US" sz="1000">
-                <a:solidFill>
-                  <a:srgbClr val="1F1F1F"/>
-                </a:solidFill>
-                <a:latin typeface="Adobe Clean"/>
-                <a:cs typeface="Adobe Clean"/>
-              </a:rPr>
-              <a:t>Elite</a:t>
-            </a:r>
-            <a:r>
-              <a:rPr sz="1000">
-                <a:solidFill>
-                  <a:srgbClr val="1F1F1F"/>
-                </a:solidFill>
-                <a:latin typeface="Adobe Clean"/>
-                <a:cs typeface="Adobe Clean"/>
-              </a:rPr>
-              <a:t> customer, you are</a:t>
-            </a:r>
-            <a:r>
-              <a:rPr lang="en-US" sz="1000">
-                <a:solidFill>
-                  <a:srgbClr val="1F1F1F"/>
-                </a:solidFill>
-                <a:latin typeface="Adobe Clean"/>
-                <a:cs typeface="Adobe Clean"/>
-              </a:rPr>
-              <a:t> </a:t>
-            </a:r>
-            <a:r>
-              <a:rPr sz="1000">
-                <a:solidFill>
-                  <a:srgbClr val="1F1F1F"/>
-                </a:solidFill>
-                <a:latin typeface="Adobe Clean"/>
-                <a:cs typeface="Adobe Clean"/>
-              </a:rPr>
-              <a:t> eligible for</a:t>
-            </a:r>
-            <a:r>
-              <a:rPr lang="en-US" sz="1200">
+              <a:t>作為菁英客戶，您有資格每年享有</a:t>
+            </a:r>
+            <a:r>
+              <a:rPr lang="de-de" sz="1200" dirty="0">
                 <a:solidFill>
                   <a:srgbClr val="1F1F1F"/>
                 </a:solidFill>
@@ -13377,7 +12276,7 @@
               <a:t> </a:t>
             </a:r>
             <a:r>
-              <a:rPr lang="en-US" sz="1200" u="sng">
+              <a:rPr lang="de-de" sz="1200" u="sng" dirty="0">
                 <a:solidFill>
                   <a:srgbClr val="1F1F1F"/>
                 </a:solidFill>
@@ -13392,7 +12291,7 @@
               <a:t>4</a:t>
             </a:r>
             <a:r>
-              <a:rPr sz="1200" b="1">
+              <a:rPr lang="de-de" sz="1200" b="1" dirty="0">
                 <a:solidFill>
                   <a:srgbClr val="1F1F1F"/>
                 </a:solidFill>
@@ -13402,86 +12301,90 @@
               <a:t> </a:t>
             </a:r>
             <a:r>
-              <a:rPr sz="1000" b="1">
+              <a:rPr lang="de-de" sz="1000" b="1" dirty="0">
                 <a:solidFill>
                   <a:srgbClr val="1F1F1F"/>
                 </a:solidFill>
                 <a:latin typeface="Arial"/>
                 <a:cs typeface="Arial"/>
               </a:rPr>
-              <a:t>activities per </a:t>
-            </a:r>
-            <a:r>
-              <a:rPr lang="en-US" sz="1000" b="1">
-                <a:solidFill>
-                  <a:srgbClr val="1F1F1F"/>
+              <a:t>個活動</a:t>
+            </a:r>
+            <a:endParaRPr sz="1000" dirty="0">
+              <a:latin typeface="Arial"/>
+              <a:cs typeface="Arial"/>
+            </a:endParaRPr>
+          </a:p>
+          <a:p>
+            <a:pPr marL="12700">
+              <a:lnSpc>
+                <a:spcPct val="100000"/>
+              </a:lnSpc>
+              <a:spcBef>
+                <a:spcPts val="55"/>
+              </a:spcBef>
+            </a:pPr>
+            <a:r>
+              <a:rPr lang="de-de" sz="1600" dirty="0">
+                <a:solidFill>
+                  <a:srgbClr val="FFFFFF"/>
                 </a:solidFill>
                 <a:latin typeface="Arial"/>
                 <a:cs typeface="Arial"/>
               </a:rPr>
-              <a:t>year </a:t>
-            </a:r>
-            <a:r>
-              <a:rPr lang="en-US" sz="1000">
-                <a:solidFill>
-                  <a:srgbClr val="1F1F1F"/>
-                </a:solidFill>
-                <a:latin typeface="Adobe Clean"/>
-                <a:cs typeface="Arial"/>
-              </a:rPr>
-              <a:t>from</a:t>
-            </a:r>
-            <a:r>
-              <a:rPr sz="1000">
+              <a:t>的權益</a:t>
+            </a:r>
+            <a:r>
+              <a:rPr lang="de-de" sz="1000" dirty="0">
                 <a:solidFill>
                   <a:srgbClr val="1F1F1F"/>
                 </a:solidFill>
                 <a:latin typeface="Adobe Clean"/>
                 <a:cs typeface="Adobe Clean"/>
               </a:rPr>
-              <a:t> the following two tracks: </a:t>
-            </a:r>
-            <a:r>
-              <a:rPr sz="1000" b="1">
+              <a:t>(從以下兩個課程分軌)：</a:t>
+            </a:r>
+            <a:r>
+              <a:rPr lang="de-de" sz="1000" b="1" dirty="0">
                 <a:solidFill>
                   <a:srgbClr val="1F1F1F"/>
                 </a:solidFill>
                 <a:latin typeface="Arial"/>
                 <a:cs typeface="Arial"/>
               </a:rPr>
-              <a:t>Technical </a:t>
-            </a:r>
-            <a:r>
-              <a:rPr sz="1000">
+              <a:t>技術</a:t>
+            </a:r>
+            <a:r>
+              <a:rPr lang="de-de" sz="1000" dirty="0">
                 <a:solidFill>
                   <a:srgbClr val="1F1F1F"/>
                 </a:solidFill>
                 <a:latin typeface="Adobe Clean"/>
                 <a:cs typeface="Adobe Clean"/>
               </a:rPr>
-              <a:t>and/or </a:t>
-            </a:r>
-            <a:r>
-              <a:rPr sz="1000" b="1">
+              <a:t>和/或</a:t>
+            </a:r>
+            <a:r>
+              <a:rPr lang="de-de" sz="1000" b="1" dirty="0">
                 <a:solidFill>
                   <a:srgbClr val="1F1F1F"/>
                 </a:solidFill>
                 <a:latin typeface="Arial"/>
                 <a:cs typeface="Arial"/>
               </a:rPr>
-              <a:t>Strategic</a:t>
-            </a:r>
-            <a:r>
-              <a:rPr lang="en-US" sz="1000" b="1">
+              <a:t>策略</a:t>
+            </a:r>
+            <a:r>
+              <a:rPr lang="de-de" sz="1000" dirty="0">
                 <a:solidFill>
                   <a:srgbClr val="1F1F1F"/>
                 </a:solidFill>
                 <a:latin typeface="AdobeClean-Light"/>
-                <a:cs typeface="Arial"/>
-              </a:rPr>
-              <a:t>.</a:t>
-            </a:r>
-            <a:endParaRPr sz="1000">
+                <a:cs typeface="AdobeClean-Light"/>
+              </a:rPr>
+              <a:t>。</a:t>
+            </a:r>
+            <a:endParaRPr sz="1000" dirty="0">
               <a:latin typeface="AdobeClean-Light"/>
               <a:cs typeface="AdobeClean-Light"/>
             </a:endParaRPr>
@@ -13518,66 +12421,16 @@
               </a:spcBef>
             </a:pPr>
             <a:r>
-              <a:rPr sz="1400" b="1" spc="-15">
+              <a:rPr lang="de-de" sz="1400" b="1" spc="-15" dirty="0">
                 <a:solidFill>
                   <a:srgbClr val="020302"/>
                 </a:solidFill>
                 <a:latin typeface="Adobe Clean"/>
                 <a:cs typeface="Adobe Clean"/>
               </a:rPr>
-              <a:t>Cloud</a:t>
-            </a:r>
-            <a:r>
-              <a:rPr sz="1400" b="1" spc="-45">
-                <a:solidFill>
-                  <a:srgbClr val="020302"/>
-                </a:solidFill>
-                <a:latin typeface="Adobe Clean"/>
-                <a:cs typeface="Adobe Clean"/>
-              </a:rPr>
-              <a:t> </a:t>
-            </a:r>
-            <a:r>
-              <a:rPr sz="1400" b="1" spc="-15">
-                <a:solidFill>
-                  <a:srgbClr val="020302"/>
-                </a:solidFill>
-                <a:latin typeface="Adobe Clean"/>
-                <a:cs typeface="Adobe Clean"/>
-              </a:rPr>
-              <a:t>Support</a:t>
-            </a:r>
-            <a:r>
-              <a:rPr sz="1400" b="1" spc="-50">
-                <a:solidFill>
-                  <a:srgbClr val="020302"/>
-                </a:solidFill>
-                <a:latin typeface="Adobe Clean"/>
-                <a:cs typeface="Adobe Clean"/>
-              </a:rPr>
-              <a:t> </a:t>
-            </a:r>
-            <a:r>
-              <a:rPr sz="1400" b="1" spc="-15">
-                <a:solidFill>
-                  <a:srgbClr val="020302"/>
-                </a:solidFill>
-                <a:latin typeface="Adobe Clean"/>
-                <a:cs typeface="Adobe Clean"/>
-              </a:rPr>
-              <a:t>Activities</a:t>
-            </a:r>
-            <a:r>
-              <a:rPr lang="en-US" sz="1400" b="1" spc="-15">
-                <a:solidFill>
-                  <a:srgbClr val="020302"/>
-                </a:solidFill>
-                <a:latin typeface="Adobe Clean"/>
-                <a:cs typeface="Adobe Clean"/>
-              </a:rPr>
-              <a:t> - AEM</a:t>
-            </a:r>
-            <a:endParaRPr sz="1400">
+              <a:t>雲端支援活動 - AEM</a:t>
+            </a:r>
+            <a:endParaRPr sz="1400" dirty="0">
               <a:latin typeface="Adobe Clean"/>
               <a:cs typeface="Adobe Clean"/>
             </a:endParaRPr>
@@ -13696,6 +12549,10 @@
           </p:nvPr>
         </p:nvSpPr>
         <p:spPr>
+          <a:xfrm>
+            <a:off x="97787" y="9861194"/>
+            <a:ext cx="2874013" cy="133370"/>
+          </a:xfrm>
           <a:prstGeom prst="rect">
             <a:avLst/>
           </a:prstGeom>
@@ -13715,36 +12572,32 @@
               </a:spcBef>
             </a:pPr>
             <a:r>
-              <a:rPr spc="-5"/>
-              <a:t>©2021 Adobe. All</a:t>
-            </a:r>
-            <a:r>
-              <a:rPr spc="-15"/>
+              <a:rPr lang="de-de" spc="-5" dirty="0"/>
+              <a:t>© 2021 Adobe. All</a:t>
+            </a:r>
+            <a:r>
+              <a:rPr lang="de-de" spc="-15" dirty="0"/>
               <a:t> Rights</a:t>
             </a:r>
             <a:r>
-              <a:rPr spc="-10"/>
+              <a:rPr lang="de-de" spc="-10" dirty="0"/>
               <a:t> </a:t>
             </a:r>
             <a:r>
-              <a:rPr spc="-15"/>
-              <a:t>Reserved.</a:t>
-            </a:r>
-            <a:r>
-              <a:rPr spc="-10"/>
+              <a:rPr lang="de-de" spc="-15" dirty="0"/>
+              <a:t>Reserved。</a:t>
+            </a:r>
+            <a:r>
+              <a:rPr lang="de-de" spc="-5" dirty="0"/>
+              <a:t>Adobe</a:t>
+            </a:r>
+            <a:r>
+              <a:rPr lang="de-de" spc="60" dirty="0"/>
               <a:t> </a:t>
             </a:r>
             <a:r>
-              <a:rPr spc="-5"/>
-              <a:t>Adobe</a:t>
-            </a:r>
-            <a:r>
-              <a:rPr spc="60"/>
-              <a:t> </a:t>
-            </a:r>
-            <a:r>
-              <a:rPr spc="-15"/>
-              <a:t>Confidential.</a:t>
+              <a:rPr lang="de-de" spc="-15" dirty="0"/>
+              <a:t> 機密資訊。</a:t>
             </a:r>
           </a:p>
         </p:txBody>
@@ -13800,8 +12653,8 @@
           <a:p>
             <a:pPr algn="ctr"/>
             <a:r>
-              <a:rPr lang="en-US" sz="1600"/>
-              <a:t>Run &amp; Operate</a:t>
+              <a:rPr lang="de-de" sz="1600" dirty="0"/>
+              <a:t>執行與營運</a:t>
             </a:r>
           </a:p>
         </p:txBody>
@@ -13857,8 +12710,8 @@
           <a:p>
             <a:pPr algn="ctr"/>
             <a:r>
-              <a:rPr lang="en-US" sz="1600"/>
-              <a:t>Implementation</a:t>
+              <a:rPr lang="de-de" sz="1600" dirty="0"/>
+              <a:t>實作</a:t>
             </a:r>
           </a:p>
         </p:txBody>
@@ -13893,8 +12746,8 @@
           <a:p>
             <a:pPr algn="ctr"/>
             <a:r>
-              <a:rPr lang="en-US" sz="1100"/>
-              <a:t>Post Launch</a:t>
+              <a:rPr lang="de-de" sz="1100" dirty="0"/>
+              <a:t>啟動後</a:t>
             </a:r>
           </a:p>
         </p:txBody>
@@ -13929,8 +12782,8 @@
           <a:p>
             <a:pPr algn="ctr"/>
             <a:r>
-              <a:rPr lang="en-US" sz="1100"/>
-              <a:t>Go-Live</a:t>
+              <a:rPr lang="de-de" sz="1100" dirty="0"/>
+              <a:t>上線</a:t>
             </a:r>
           </a:p>
         </p:txBody>
@@ -13965,8 +12818,8 @@
           <a:p>
             <a:pPr algn="ctr"/>
             <a:r>
-              <a:rPr lang="en-US" sz="1100"/>
-              <a:t>Define</a:t>
+              <a:rPr lang="de-de" sz="1100" dirty="0"/>
+              <a:t>定義</a:t>
             </a:r>
           </a:p>
         </p:txBody>
@@ -14001,8 +12854,8 @@
           <a:p>
             <a:pPr algn="ctr"/>
             <a:r>
-              <a:rPr lang="en-US" sz="1100"/>
-              <a:t>Kickoff</a:t>
+              <a:rPr lang="de-de" sz="1100" dirty="0"/>
+              <a:t>開展</a:t>
             </a:r>
           </a:p>
         </p:txBody>
@@ -14037,8 +12890,8 @@
           <a:p>
             <a:pPr algn="ctr"/>
             <a:r>
-              <a:rPr lang="en-US" sz="1100"/>
-              <a:t>Design</a:t>
+              <a:rPr lang="de-de" sz="1100" dirty="0"/>
+              <a:t>設計</a:t>
             </a:r>
           </a:p>
         </p:txBody>
@@ -14095,14 +12948,14 @@
           <a:p>
             <a:pPr algn="ctr"/>
             <a:r>
-              <a:rPr lang="en-US" sz="1400">
+              <a:rPr lang="de-de" sz="1400" dirty="0">
                 <a:solidFill>
                   <a:schemeClr val="accent1">
                     <a:lumMod val="50000"/>
                   </a:schemeClr>
                 </a:solidFill>
               </a:rPr>
-              <a:t>4 Activities per Year</a:t>
+              <a:t>每年 4 個活動</a:t>
             </a:r>
           </a:p>
         </p:txBody>
@@ -14143,15 +12996,15 @@
               </a:spcBef>
             </a:pPr>
             <a:r>
-              <a:rPr lang="en-US" sz="1000">
+              <a:rPr lang="de-de" sz="1000" dirty="0">
                 <a:solidFill>
                   <a:srgbClr val="4B4B4B"/>
                 </a:solidFill>
                 <a:latin typeface="Adobe Clean Light" panose="020B0303020404020204" pitchFamily="34" charset="0"/>
               </a:rPr>
-              <a:t>Drive adoption of customization best practices and core components in AEM as a Cloud Service.</a:t>
-            </a:r>
-            <a:endParaRPr sz="1000">
+              <a:t>推動採用 AEM as a Cloud Service 中的自訂最佳實務和核心元件</a:t>
+            </a:r>
+            <a:endParaRPr sz="1000" dirty="0">
               <a:solidFill>
                 <a:srgbClr val="4B4B4B"/>
               </a:solidFill>
@@ -14196,15 +13049,15 @@
               </a:spcBef>
             </a:pPr>
             <a:r>
-              <a:rPr lang="en-US" sz="1000">
+              <a:rPr lang="de-de" sz="1000" dirty="0">
                 <a:solidFill>
                   <a:srgbClr val="4B4B4B"/>
                 </a:solidFill>
                 <a:latin typeface="Adobe Clean Light" panose="020B0303020404020204" pitchFamily="34" charset="0"/>
               </a:rPr>
-              <a:t>Identify, review and provide recommendations on customized solution adoption areas that have opportunities for optimization.</a:t>
-            </a:r>
-            <a:endParaRPr sz="1000">
+              <a:t>識別、審查有機會最佳化的自訂解決方案採用領域，並提供相關建議</a:t>
+            </a:r>
+            <a:endParaRPr sz="1000" dirty="0">
               <a:solidFill>
                 <a:srgbClr val="4B4B4B"/>
               </a:solidFill>
@@ -14249,15 +13102,15 @@
               </a:spcBef>
             </a:pPr>
             <a:r>
-              <a:rPr lang="en-US" sz="1000">
+              <a:rPr lang="de-de" sz="1000" dirty="0">
                 <a:solidFill>
                   <a:srgbClr val="4B4B4B"/>
                 </a:solidFill>
                 <a:latin typeface="Adobe Clean Light" panose="020B0303020404020204" pitchFamily="34" charset="0"/>
               </a:rPr>
-              <a:t>Technical &amp; operational governance to assist AEM as a Cloud Service Customers in adhering to industry standards and best practices for AEM as a Cloud Service.</a:t>
-            </a:r>
-            <a:endParaRPr sz="1000">
+              <a:t>為了協助 AEM as a Cloud Service 客戶遵守 AEM as a Cloud Service 的產業標準和最佳實務所進行的技術與營運控管</a:t>
+            </a:r>
+            <a:endParaRPr sz="1000" dirty="0">
               <a:solidFill>
                 <a:srgbClr val="4B4B4B"/>
               </a:solidFill>
@@ -14293,497 +13146,30 @@
           </a:bodyPr>
           <a:lstStyle/>
           <a:p>
-            <a:pPr marL="12700">
-              <a:lnSpc>
-                <a:spcPct val="100000"/>
-              </a:lnSpc>
-              <a:spcBef>
-                <a:spcPts val="100"/>
-              </a:spcBef>
-            </a:pPr>
-            <a:r>
-              <a:rPr lang="en-US" sz="1200" b="1" spc="-15">
+            <a:pPr algn="l"/>
+            <a:r>
+              <a:rPr lang="en-US" altLang="zh-TW" sz="1200" b="1" spc="-25" dirty="0">
                 <a:solidFill>
                   <a:srgbClr val="020302"/>
                 </a:solidFill>
                 <a:latin typeface="Adobe Clean"/>
-                <a:cs typeface="Adobe Clean"/>
-              </a:rPr>
-              <a:t>C</a:t>
-            </a:r>
-            <a:r>
-              <a:rPr lang="en-US" sz="1200" b="1" spc="-20">
+              </a:rPr>
+              <a:t>AEM as a Cloud Service </a:t>
+            </a:r>
+            <a:r>
+              <a:rPr lang="zh-TW" altLang="en-US" sz="1200" b="1" spc="-25" dirty="0">
                 <a:solidFill>
                   <a:srgbClr val="020302"/>
                 </a:solidFill>
                 <a:latin typeface="Adobe Clean"/>
-                <a:cs typeface="Adobe Clean"/>
-              </a:rPr>
-              <a:t>u</a:t>
-            </a:r>
-            <a:r>
-              <a:rPr lang="en-US" sz="1200" b="1" spc="-25">
-                <a:solidFill>
-                  <a:srgbClr val="020302"/>
-                </a:solidFill>
-                <a:latin typeface="Adobe Clean"/>
-                <a:cs typeface="Adobe Clean"/>
-              </a:rPr>
-              <a:t>st</a:t>
-            </a:r>
-            <a:r>
-              <a:rPr lang="en-US" sz="1200" b="1" spc="-15">
-                <a:solidFill>
-                  <a:srgbClr val="020302"/>
-                </a:solidFill>
-                <a:latin typeface="Adobe Clean"/>
-                <a:cs typeface="Adobe Clean"/>
-              </a:rPr>
-              <a:t>o</a:t>
-            </a:r>
-            <a:r>
-              <a:rPr lang="en-US" sz="1200" b="1" spc="-20">
-                <a:solidFill>
-                  <a:srgbClr val="020302"/>
-                </a:solidFill>
-                <a:latin typeface="Adobe Clean"/>
-                <a:cs typeface="Adobe Clean"/>
-              </a:rPr>
-              <a:t>miza</a:t>
-            </a:r>
-            <a:r>
-              <a:rPr lang="en-US" sz="1200" b="1" spc="-25">
-                <a:solidFill>
-                  <a:srgbClr val="020302"/>
-                </a:solidFill>
-                <a:latin typeface="Adobe Clean"/>
-                <a:cs typeface="Adobe Clean"/>
-              </a:rPr>
-              <a:t>t</a:t>
-            </a:r>
-            <a:r>
-              <a:rPr lang="en-US" sz="1200" b="1" spc="-20">
-                <a:solidFill>
-                  <a:srgbClr val="020302"/>
-                </a:solidFill>
-                <a:latin typeface="Adobe Clean"/>
-                <a:cs typeface="Adobe Clean"/>
-              </a:rPr>
-              <a:t>i</a:t>
-            </a:r>
-            <a:r>
-              <a:rPr lang="en-US" sz="1200" b="1" spc="-15">
-                <a:solidFill>
-                  <a:srgbClr val="020302"/>
-                </a:solidFill>
-                <a:latin typeface="Adobe Clean"/>
-                <a:cs typeface="Adobe Clean"/>
-              </a:rPr>
-              <a:t>o</a:t>
-            </a:r>
-            <a:r>
-              <a:rPr lang="en-US" sz="1200" b="1">
-                <a:solidFill>
-                  <a:srgbClr val="020302"/>
-                </a:solidFill>
-                <a:latin typeface="Adobe Clean"/>
-                <a:cs typeface="Adobe Clean"/>
-              </a:rPr>
-              <a:t>n</a:t>
-            </a:r>
-            <a:r>
-              <a:rPr lang="en-US" sz="1200" b="1" spc="-50">
-                <a:solidFill>
-                  <a:srgbClr val="020302"/>
-                </a:solidFill>
-                <a:latin typeface="Adobe Clean"/>
-                <a:cs typeface="Adobe Clean"/>
-              </a:rPr>
-              <a:t> </a:t>
-            </a:r>
-            <a:r>
-              <a:rPr lang="en-US" sz="1200" b="1" spc="-20">
-                <a:solidFill>
-                  <a:srgbClr val="020302"/>
-                </a:solidFill>
-                <a:latin typeface="Adobe Clean"/>
-                <a:cs typeface="Adobe Clean"/>
-              </a:rPr>
-              <a:t>B</a:t>
-            </a:r>
-            <a:r>
-              <a:rPr lang="en-US" sz="1200" b="1" spc="-25">
-                <a:solidFill>
-                  <a:srgbClr val="020302"/>
-                </a:solidFill>
-                <a:latin typeface="Adobe Clean"/>
-                <a:cs typeface="Adobe Clean"/>
-              </a:rPr>
-              <a:t>es</a:t>
-            </a:r>
-            <a:r>
-              <a:rPr lang="en-US" sz="1200" b="1">
-                <a:solidFill>
-                  <a:srgbClr val="020302"/>
-                </a:solidFill>
-                <a:latin typeface="Adobe Clean"/>
-                <a:cs typeface="Adobe Clean"/>
-              </a:rPr>
-              <a:t>t</a:t>
-            </a:r>
-            <a:r>
-              <a:rPr lang="en-US" sz="1200" b="1" spc="-50">
-                <a:solidFill>
-                  <a:srgbClr val="020302"/>
-                </a:solidFill>
-                <a:latin typeface="Adobe Clean"/>
-                <a:cs typeface="Adobe Clean"/>
-              </a:rPr>
-              <a:t> </a:t>
-            </a:r>
-            <a:r>
-              <a:rPr lang="en-US" sz="1200" b="1" spc="-25">
-                <a:solidFill>
-                  <a:srgbClr val="020302"/>
-                </a:solidFill>
-                <a:latin typeface="Adobe Clean"/>
-                <a:cs typeface="Adobe Clean"/>
-              </a:rPr>
-              <a:t>P</a:t>
-            </a:r>
-            <a:r>
-              <a:rPr lang="en-US" sz="1200" b="1" spc="-20">
-                <a:solidFill>
-                  <a:srgbClr val="020302"/>
-                </a:solidFill>
-                <a:latin typeface="Adobe Clean"/>
-                <a:cs typeface="Adobe Clean"/>
-              </a:rPr>
-              <a:t>ra</a:t>
-            </a:r>
-            <a:r>
-              <a:rPr lang="en-US" sz="1200" b="1" spc="-30">
-                <a:solidFill>
-                  <a:srgbClr val="020302"/>
-                </a:solidFill>
-                <a:latin typeface="Adobe Clean"/>
-                <a:cs typeface="Adobe Clean"/>
-              </a:rPr>
-              <a:t>c</a:t>
-            </a:r>
-            <a:r>
-              <a:rPr lang="en-US" sz="1200" b="1" spc="-25">
-                <a:solidFill>
-                  <a:srgbClr val="020302"/>
-                </a:solidFill>
-                <a:latin typeface="Adobe Clean"/>
-                <a:cs typeface="Adobe Clean"/>
-              </a:rPr>
-              <a:t>t</a:t>
-            </a:r>
-            <a:r>
-              <a:rPr lang="en-US" sz="1200" b="1" spc="-20">
-                <a:solidFill>
-                  <a:srgbClr val="020302"/>
-                </a:solidFill>
-                <a:latin typeface="Adobe Clean"/>
-                <a:cs typeface="Adobe Clean"/>
-              </a:rPr>
-              <a:t>i</a:t>
-            </a:r>
-            <a:r>
-              <a:rPr lang="en-US" sz="1200" b="1" spc="-30">
-                <a:solidFill>
-                  <a:srgbClr val="020302"/>
-                </a:solidFill>
-                <a:latin typeface="Adobe Clean"/>
-                <a:cs typeface="Adobe Clean"/>
-              </a:rPr>
-              <a:t>c</a:t>
-            </a:r>
-            <a:r>
-              <a:rPr lang="en-US" sz="1200" b="1" spc="-25">
-                <a:solidFill>
-                  <a:srgbClr val="020302"/>
-                </a:solidFill>
-                <a:latin typeface="Adobe Clean"/>
-                <a:cs typeface="Adobe Clean"/>
-              </a:rPr>
-              <a:t>e</a:t>
-            </a:r>
-            <a:r>
-              <a:rPr lang="en-US" sz="1200" b="1">
-                <a:solidFill>
-                  <a:srgbClr val="020302"/>
-                </a:solidFill>
-                <a:latin typeface="Adobe Clean"/>
-                <a:cs typeface="Adobe Clean"/>
-              </a:rPr>
-              <a:t>s</a:t>
-            </a:r>
-            <a:r>
-              <a:rPr lang="en-US" sz="1200" b="1" spc="-45">
-                <a:solidFill>
-                  <a:srgbClr val="020302"/>
-                </a:solidFill>
-                <a:latin typeface="Adobe Clean"/>
-                <a:cs typeface="Adobe Clean"/>
-              </a:rPr>
-              <a:t> </a:t>
-            </a:r>
-            <a:r>
-              <a:rPr lang="en-US" sz="1200" b="1" spc="-25">
-                <a:solidFill>
-                  <a:srgbClr val="020302"/>
-                </a:solidFill>
-                <a:latin typeface="Adobe Clean"/>
-                <a:cs typeface="Adobe Clean"/>
-              </a:rPr>
-              <a:t>f</a:t>
-            </a:r>
-            <a:r>
-              <a:rPr lang="en-US" sz="1200" b="1" spc="-15">
-                <a:solidFill>
-                  <a:srgbClr val="020302"/>
-                </a:solidFill>
-                <a:latin typeface="Adobe Clean"/>
-                <a:cs typeface="Adobe Clean"/>
-              </a:rPr>
-              <a:t>o</a:t>
-            </a:r>
-            <a:r>
-              <a:rPr lang="en-US" sz="1200" b="1">
-                <a:solidFill>
-                  <a:srgbClr val="020302"/>
-                </a:solidFill>
-                <a:latin typeface="Adobe Clean"/>
-                <a:cs typeface="Adobe Clean"/>
-              </a:rPr>
-              <a:t>r</a:t>
-            </a:r>
-            <a:r>
-              <a:rPr lang="en-US" sz="1200" b="1" spc="-45">
-                <a:solidFill>
-                  <a:srgbClr val="020302"/>
-                </a:solidFill>
-                <a:latin typeface="Adobe Clean"/>
-                <a:cs typeface="Adobe Clean"/>
-              </a:rPr>
-              <a:t> </a:t>
-            </a:r>
-            <a:r>
-              <a:rPr lang="en-US" sz="1200" b="1" spc="-30">
-                <a:solidFill>
-                  <a:srgbClr val="020302"/>
-                </a:solidFill>
-                <a:latin typeface="Adobe Clean"/>
-                <a:cs typeface="Adobe Clean"/>
-              </a:rPr>
-              <a:t>AE</a:t>
-            </a:r>
-            <a:r>
-              <a:rPr lang="en-US" sz="1200" b="1">
-                <a:solidFill>
-                  <a:srgbClr val="020302"/>
-                </a:solidFill>
-                <a:latin typeface="Adobe Clean"/>
-                <a:cs typeface="Adobe Clean"/>
-              </a:rPr>
-              <a:t>M</a:t>
-            </a:r>
-            <a:r>
-              <a:rPr lang="en-US" sz="1200" b="1" spc="-55">
-                <a:solidFill>
-                  <a:srgbClr val="020302"/>
-                </a:solidFill>
-                <a:latin typeface="Adobe Clean"/>
-                <a:cs typeface="Adobe Clean"/>
-              </a:rPr>
-              <a:t> </a:t>
-            </a:r>
-            <a:r>
-              <a:rPr lang="en-US" sz="1200" b="1" spc="-20">
-                <a:solidFill>
-                  <a:srgbClr val="020302"/>
-                </a:solidFill>
-                <a:latin typeface="Adobe Clean"/>
-                <a:cs typeface="Adobe Clean"/>
-              </a:rPr>
-              <a:t>a</a:t>
-            </a:r>
-            <a:r>
-              <a:rPr lang="en-US" sz="1200" b="1">
-                <a:solidFill>
-                  <a:srgbClr val="020302"/>
-                </a:solidFill>
-                <a:latin typeface="Adobe Clean"/>
-                <a:cs typeface="Adobe Clean"/>
-              </a:rPr>
-              <a:t>s</a:t>
-            </a:r>
-            <a:r>
-              <a:rPr lang="en-US" sz="1200" b="1" spc="-45">
-                <a:solidFill>
-                  <a:srgbClr val="020302"/>
-                </a:solidFill>
-                <a:latin typeface="Adobe Clean"/>
-                <a:cs typeface="Adobe Clean"/>
-              </a:rPr>
-              <a:t> </a:t>
-            </a:r>
-            <a:r>
-              <a:rPr lang="en-US" sz="1200" b="1">
-                <a:solidFill>
-                  <a:srgbClr val="020302"/>
-                </a:solidFill>
-                <a:latin typeface="Adobe Clean"/>
-                <a:cs typeface="Adobe Clean"/>
-              </a:rPr>
-              <a:t>a</a:t>
-            </a:r>
-            <a:r>
-              <a:rPr lang="en-US" sz="1200" b="1" spc="-45">
-                <a:solidFill>
-                  <a:srgbClr val="020302"/>
-                </a:solidFill>
-                <a:latin typeface="Adobe Clean"/>
-                <a:cs typeface="Adobe Clean"/>
-              </a:rPr>
-              <a:t> </a:t>
-            </a:r>
-            <a:r>
-              <a:rPr lang="en-US" sz="1200" b="1" spc="-15">
-                <a:solidFill>
-                  <a:srgbClr val="020302"/>
-                </a:solidFill>
-                <a:latin typeface="Adobe Clean"/>
-                <a:cs typeface="Adobe Clean"/>
-              </a:rPr>
-              <a:t>C</a:t>
-            </a:r>
-            <a:r>
-              <a:rPr lang="en-US" sz="1200" b="1" spc="-25">
-                <a:solidFill>
-                  <a:srgbClr val="020302"/>
-                </a:solidFill>
-                <a:latin typeface="Adobe Clean"/>
-                <a:cs typeface="Adobe Clean"/>
-              </a:rPr>
-              <a:t>l</a:t>
-            </a:r>
-            <a:r>
-              <a:rPr lang="en-US" sz="1200" b="1" spc="-15">
-                <a:solidFill>
-                  <a:srgbClr val="020302"/>
-                </a:solidFill>
-                <a:latin typeface="Adobe Clean"/>
-                <a:cs typeface="Adobe Clean"/>
-              </a:rPr>
-              <a:t>o</a:t>
-            </a:r>
-            <a:r>
-              <a:rPr lang="en-US" sz="1200" b="1" spc="-20">
-                <a:solidFill>
-                  <a:srgbClr val="020302"/>
-                </a:solidFill>
-                <a:latin typeface="Adobe Clean"/>
-                <a:cs typeface="Adobe Clean"/>
-              </a:rPr>
-              <a:t>u</a:t>
-            </a:r>
-            <a:r>
-              <a:rPr lang="en-US" sz="1200" b="1">
-                <a:solidFill>
-                  <a:srgbClr val="020302"/>
-                </a:solidFill>
-                <a:latin typeface="Adobe Clean"/>
-                <a:cs typeface="Adobe Clean"/>
-              </a:rPr>
-              <a:t>d</a:t>
-            </a:r>
-            <a:r>
-              <a:rPr lang="en-US" sz="1200" b="1" spc="-50">
-                <a:solidFill>
-                  <a:srgbClr val="020302"/>
-                </a:solidFill>
-                <a:latin typeface="Adobe Clean"/>
-                <a:cs typeface="Adobe Clean"/>
-              </a:rPr>
-              <a:t> </a:t>
-            </a:r>
-            <a:r>
-              <a:rPr lang="en-US" sz="1200" b="1" spc="-20">
-                <a:solidFill>
-                  <a:srgbClr val="020302"/>
-                </a:solidFill>
-                <a:latin typeface="Adobe Clean"/>
-                <a:cs typeface="Adobe Clean"/>
-              </a:rPr>
-              <a:t>S</a:t>
-            </a:r>
-            <a:r>
-              <a:rPr lang="en-US" sz="1200" b="1" spc="-25">
-                <a:solidFill>
-                  <a:srgbClr val="020302"/>
-                </a:solidFill>
-                <a:latin typeface="Adobe Clean"/>
-                <a:cs typeface="Adobe Clean"/>
-              </a:rPr>
-              <a:t>e</a:t>
-            </a:r>
-            <a:r>
-              <a:rPr lang="en-US" sz="1200" b="1" spc="-20">
-                <a:solidFill>
-                  <a:srgbClr val="020302"/>
-                </a:solidFill>
-                <a:latin typeface="Adobe Clean"/>
-                <a:cs typeface="Adobe Clean"/>
-              </a:rPr>
-              <a:t>r</a:t>
-            </a:r>
-            <a:r>
-              <a:rPr lang="en-US" sz="1200" b="1" spc="-30">
-                <a:solidFill>
-                  <a:srgbClr val="020302"/>
-                </a:solidFill>
-                <a:latin typeface="Adobe Clean"/>
-                <a:cs typeface="Adobe Clean"/>
-              </a:rPr>
-              <a:t>v</a:t>
-            </a:r>
-            <a:r>
-              <a:rPr lang="en-US" sz="1200" b="1" spc="-20">
-                <a:solidFill>
-                  <a:srgbClr val="020302"/>
-                </a:solidFill>
-                <a:latin typeface="Adobe Clean"/>
-                <a:cs typeface="Adobe Clean"/>
-              </a:rPr>
-              <a:t>i</a:t>
-            </a:r>
-            <a:r>
-              <a:rPr lang="en-US" sz="1200" b="1" spc="-30">
-                <a:solidFill>
-                  <a:srgbClr val="020302"/>
-                </a:solidFill>
-                <a:latin typeface="Adobe Clean"/>
-                <a:cs typeface="Adobe Clean"/>
-              </a:rPr>
-              <a:t>c</a:t>
-            </a:r>
-            <a:r>
-              <a:rPr lang="en-US" sz="1200" b="1">
-                <a:solidFill>
-                  <a:srgbClr val="020302"/>
-                </a:solidFill>
-                <a:latin typeface="Adobe Clean"/>
-                <a:cs typeface="Adobe Clean"/>
-              </a:rPr>
-              <a:t>e</a:t>
-            </a:r>
-            <a:endParaRPr lang="en-US" sz="1200">
+              </a:rPr>
+              <a:t>的自訂最佳實務</a:t>
+            </a:r>
+            <a:endParaRPr lang="en-US" sz="1200" b="1" spc="-25" dirty="0">
+              <a:solidFill>
+                <a:srgbClr val="020302"/>
+              </a:solidFill>
               <a:latin typeface="Adobe Clean"/>
-              <a:cs typeface="Adobe Clean"/>
             </a:endParaRPr>
           </a:p>
         </p:txBody>
@@ -14824,16 +13210,16 @@
               </a:spcBef>
             </a:pPr>
             <a:r>
-              <a:rPr lang="en-US" sz="1200" b="1" spc="-25">
+              <a:rPr lang="de-de" sz="1200" b="1" spc="-25" dirty="0">
                 <a:solidFill>
                   <a:srgbClr val="020302"/>
                 </a:solidFill>
                 <a:latin typeface="Adobe Clean"/>
                 <a:cs typeface="Adobe Clean"/>
               </a:rPr>
-              <a:t>Value-added Services for AEM as a Cloud Service</a:t>
-            </a:r>
-            <a:endParaRPr lang="en-US" sz="1200">
+              <a:t>AEM as a Cloud Service 的增值服務</a:t>
+            </a:r>
+            <a:endParaRPr lang="en-US" sz="1200" dirty="0">
               <a:latin typeface="Adobe Clean"/>
               <a:cs typeface="Adobe Clean"/>
             </a:endParaRPr>
@@ -14854,8 +13240,8 @@
         </p:nvSpPr>
         <p:spPr>
           <a:xfrm>
-            <a:off x="381000" y="908303"/>
-            <a:ext cx="1998943" cy="461665"/>
+            <a:off x="381000" y="908304"/>
+            <a:ext cx="2169428" cy="276999"/>
           </a:xfrm>
           <a:prstGeom prst="rect">
             <a:avLst/>
@@ -14876,362 +13262,769 @@
               </a:spcBef>
             </a:pPr>
             <a:r>
-              <a:rPr lang="en-US" sz="1200" b="1" spc="-20">
+              <a:rPr lang="de-de" sz="1200" b="1" spc="-25" dirty="0">
                 <a:solidFill>
                   <a:srgbClr val="020302"/>
                 </a:solidFill>
                 <a:latin typeface="Adobe Clean"/>
-                <a:cs typeface="Adobe Clean"/>
-              </a:rPr>
-              <a:t>G</a:t>
-            </a:r>
-            <a:r>
-              <a:rPr lang="en-US" sz="1200" b="1" spc="-15">
+              </a:rPr>
+              <a:t> </a:t>
+            </a:r>
+            <a:r>
+              <a:rPr lang="pt-BR" altLang="zh-TW" sz="1200" b="1" spc="-25" dirty="0">
                 <a:solidFill>
                   <a:srgbClr val="020302"/>
                 </a:solidFill>
                 <a:latin typeface="Adobe Clean"/>
-                <a:cs typeface="Adobe Clean"/>
-              </a:rPr>
-              <a:t>o</a:t>
-            </a:r>
-            <a:r>
-              <a:rPr lang="en-US" sz="1200" b="1" spc="-25">
+              </a:rPr>
+              <a:t>AEM as a Cloud Service </a:t>
+            </a:r>
+            <a:r>
+              <a:rPr lang="zh-TW" altLang="pt-BR" sz="1200" b="1" spc="-25" dirty="0">
                 <a:solidFill>
                   <a:srgbClr val="020302"/>
                 </a:solidFill>
                 <a:latin typeface="Adobe Clean"/>
-                <a:cs typeface="Adobe Clean"/>
-              </a:rPr>
-              <a:t>ve</a:t>
-            </a:r>
-            <a:r>
-              <a:rPr lang="en-US" sz="1200" b="1" spc="-20">
-                <a:solidFill>
-                  <a:srgbClr val="020302"/>
-                </a:solidFill>
-                <a:latin typeface="Adobe Clean"/>
-                <a:cs typeface="Adobe Clean"/>
-              </a:rPr>
-              <a:t>r</a:t>
-            </a:r>
-            <a:r>
-              <a:rPr lang="en-US" sz="1200" b="1" spc="-25">
-                <a:solidFill>
-                  <a:srgbClr val="020302"/>
-                </a:solidFill>
-                <a:latin typeface="Adobe Clean"/>
-                <a:cs typeface="Adobe Clean"/>
-              </a:rPr>
-              <a:t>n</a:t>
-            </a:r>
-            <a:r>
-              <a:rPr lang="en-US" sz="1200" b="1" spc="-20">
-                <a:solidFill>
-                  <a:srgbClr val="020302"/>
-                </a:solidFill>
-                <a:latin typeface="Adobe Clean"/>
-                <a:cs typeface="Adobe Clean"/>
-              </a:rPr>
-              <a:t>a</a:t>
-            </a:r>
-            <a:r>
-              <a:rPr lang="en-US" sz="1200" b="1" spc="-25">
-                <a:solidFill>
-                  <a:srgbClr val="020302"/>
-                </a:solidFill>
-                <a:latin typeface="Adobe Clean"/>
-                <a:cs typeface="Adobe Clean"/>
-              </a:rPr>
-              <a:t>n</a:t>
-            </a:r>
-            <a:r>
-              <a:rPr lang="en-US" sz="1200" b="1" spc="-30">
-                <a:solidFill>
-                  <a:srgbClr val="020302"/>
-                </a:solidFill>
-                <a:latin typeface="Adobe Clean"/>
-                <a:cs typeface="Adobe Clean"/>
-              </a:rPr>
-              <a:t>c</a:t>
-            </a:r>
-            <a:r>
-              <a:rPr lang="en-US" sz="1200" b="1">
-                <a:solidFill>
-                  <a:srgbClr val="020302"/>
-                </a:solidFill>
-                <a:latin typeface="Adobe Clean"/>
-                <a:cs typeface="Adobe Clean"/>
-              </a:rPr>
-              <a:t>e</a:t>
-            </a:r>
-            <a:r>
-              <a:rPr lang="en-US" sz="1200" b="1" spc="-50">
-                <a:solidFill>
-                  <a:srgbClr val="020302"/>
-                </a:solidFill>
-                <a:latin typeface="Adobe Clean"/>
-                <a:cs typeface="Adobe Clean"/>
-              </a:rPr>
-              <a:t> </a:t>
-            </a:r>
-            <a:r>
-              <a:rPr lang="en-US" sz="1200" b="1" spc="-25">
-                <a:solidFill>
-                  <a:srgbClr val="020302"/>
-                </a:solidFill>
-                <a:latin typeface="Adobe Clean"/>
-                <a:cs typeface="Adobe Clean"/>
-              </a:rPr>
-              <a:t>f</a:t>
-            </a:r>
-            <a:r>
-              <a:rPr lang="en-US" sz="1200" b="1" spc="-15">
-                <a:solidFill>
-                  <a:srgbClr val="020302"/>
-                </a:solidFill>
-                <a:latin typeface="Adobe Clean"/>
-                <a:cs typeface="Adobe Clean"/>
-              </a:rPr>
-              <a:t>o</a:t>
-            </a:r>
-            <a:r>
-              <a:rPr lang="en-US" sz="1200" b="1">
-                <a:solidFill>
-                  <a:srgbClr val="020302"/>
-                </a:solidFill>
-                <a:latin typeface="Adobe Clean"/>
-                <a:cs typeface="Adobe Clean"/>
-              </a:rPr>
-              <a:t>r</a:t>
-            </a:r>
-            <a:r>
-              <a:rPr lang="en-US" sz="1200" b="1" spc="-45">
-                <a:solidFill>
-                  <a:srgbClr val="020302"/>
-                </a:solidFill>
-                <a:latin typeface="Adobe Clean"/>
-                <a:cs typeface="Adobe Clean"/>
-              </a:rPr>
-              <a:t> </a:t>
-            </a:r>
-            <a:r>
-              <a:rPr lang="en-US" sz="1200" b="1" spc="-30">
-                <a:solidFill>
-                  <a:srgbClr val="020302"/>
-                </a:solidFill>
-                <a:latin typeface="Adobe Clean"/>
-                <a:cs typeface="Adobe Clean"/>
-              </a:rPr>
-              <a:t>A</a:t>
-            </a:r>
-            <a:r>
-              <a:rPr lang="en-US" sz="1200" b="1" spc="-25">
-                <a:solidFill>
-                  <a:srgbClr val="020302"/>
-                </a:solidFill>
-                <a:latin typeface="Adobe Clean"/>
-                <a:cs typeface="Adobe Clean"/>
-              </a:rPr>
-              <a:t>E</a:t>
-            </a:r>
-            <a:r>
-              <a:rPr lang="en-US" sz="1200" b="1">
-                <a:solidFill>
-                  <a:srgbClr val="020302"/>
-                </a:solidFill>
-                <a:latin typeface="Adobe Clean"/>
-                <a:cs typeface="Adobe Clean"/>
-              </a:rPr>
-              <a:t>M</a:t>
-            </a:r>
-            <a:r>
-              <a:rPr lang="en-US" sz="1200" b="1" spc="-50">
-                <a:solidFill>
-                  <a:srgbClr val="020302"/>
-                </a:solidFill>
-                <a:latin typeface="Adobe Clean"/>
-                <a:cs typeface="Adobe Clean"/>
-              </a:rPr>
-              <a:t> </a:t>
-            </a:r>
-            <a:r>
-              <a:rPr lang="en-US" sz="1200" b="1" spc="-20">
-                <a:solidFill>
-                  <a:srgbClr val="020302"/>
-                </a:solidFill>
-                <a:latin typeface="Adobe Clean"/>
-                <a:cs typeface="Adobe Clean"/>
-              </a:rPr>
-              <a:t>a</a:t>
-            </a:r>
-            <a:r>
-              <a:rPr lang="en-US" sz="1200" b="1">
-                <a:solidFill>
-                  <a:srgbClr val="020302"/>
-                </a:solidFill>
-                <a:latin typeface="Adobe Clean"/>
-                <a:cs typeface="Adobe Clean"/>
-              </a:rPr>
-              <a:t>s</a:t>
-            </a:r>
-            <a:r>
-              <a:rPr lang="en-US" sz="1200" b="1" spc="-45">
-                <a:solidFill>
-                  <a:srgbClr val="020302"/>
-                </a:solidFill>
-                <a:latin typeface="Adobe Clean"/>
-                <a:cs typeface="Adobe Clean"/>
-              </a:rPr>
-              <a:t> </a:t>
-            </a:r>
-            <a:r>
-              <a:rPr lang="en-US" sz="1200" b="1">
-                <a:solidFill>
-                  <a:srgbClr val="020302"/>
-                </a:solidFill>
-                <a:latin typeface="Adobe Clean"/>
-                <a:cs typeface="Adobe Clean"/>
-              </a:rPr>
-              <a:t>a</a:t>
-            </a:r>
-            <a:r>
-              <a:rPr lang="en-US" sz="1200" b="1" spc="-40">
-                <a:solidFill>
-                  <a:srgbClr val="020302"/>
-                </a:solidFill>
-                <a:latin typeface="Adobe Clean"/>
-                <a:cs typeface="Adobe Clean"/>
-              </a:rPr>
-              <a:t> </a:t>
-            </a:r>
-            <a:r>
-              <a:rPr lang="en-US" sz="1200" b="1" spc="-15">
-                <a:solidFill>
-                  <a:srgbClr val="020302"/>
-                </a:solidFill>
-                <a:latin typeface="Adobe Clean"/>
-                <a:cs typeface="Adobe Clean"/>
-              </a:rPr>
-              <a:t>C</a:t>
-            </a:r>
-            <a:r>
-              <a:rPr lang="en-US" sz="1200" b="1" spc="-25">
-                <a:solidFill>
-                  <a:srgbClr val="020302"/>
-                </a:solidFill>
-                <a:latin typeface="Adobe Clean"/>
-                <a:cs typeface="Adobe Clean"/>
-              </a:rPr>
-              <a:t>l</a:t>
-            </a:r>
-            <a:r>
-              <a:rPr lang="en-US" sz="1200" b="1" spc="-15">
-                <a:solidFill>
-                  <a:srgbClr val="020302"/>
-                </a:solidFill>
-                <a:latin typeface="Adobe Clean"/>
-                <a:cs typeface="Adobe Clean"/>
-              </a:rPr>
-              <a:t>ou</a:t>
-            </a:r>
-            <a:r>
-              <a:rPr lang="en-US" sz="1200" b="1">
-                <a:solidFill>
-                  <a:srgbClr val="020302"/>
-                </a:solidFill>
-                <a:latin typeface="Adobe Clean"/>
-                <a:cs typeface="Adobe Clean"/>
-              </a:rPr>
-              <a:t>d</a:t>
-            </a:r>
-            <a:r>
-              <a:rPr lang="en-US" sz="1200" b="1" spc="-50">
-                <a:solidFill>
-                  <a:srgbClr val="020302"/>
-                </a:solidFill>
-                <a:latin typeface="Adobe Clean"/>
-                <a:cs typeface="Adobe Clean"/>
-              </a:rPr>
-              <a:t> </a:t>
-            </a:r>
-            <a:r>
-              <a:rPr lang="en-US" sz="1200" b="1" spc="-20">
-                <a:solidFill>
-                  <a:srgbClr val="020302"/>
-                </a:solidFill>
-                <a:latin typeface="Adobe Clean"/>
-                <a:cs typeface="Adobe Clean"/>
-              </a:rPr>
-              <a:t>S</a:t>
-            </a:r>
-            <a:r>
-              <a:rPr lang="en-US" sz="1200" b="1" spc="-25">
-                <a:solidFill>
-                  <a:srgbClr val="020302"/>
-                </a:solidFill>
-                <a:latin typeface="Adobe Clean"/>
-                <a:cs typeface="Adobe Clean"/>
-              </a:rPr>
-              <a:t>e</a:t>
-            </a:r>
-            <a:r>
-              <a:rPr lang="en-US" sz="1200" b="1" spc="-20">
-                <a:solidFill>
-                  <a:srgbClr val="020302"/>
-                </a:solidFill>
-                <a:latin typeface="Adobe Clean"/>
-                <a:cs typeface="Adobe Clean"/>
-              </a:rPr>
-              <a:t>r</a:t>
-            </a:r>
-            <a:r>
-              <a:rPr lang="en-US" sz="1200" b="1" spc="-25">
-                <a:solidFill>
-                  <a:srgbClr val="020302"/>
-                </a:solidFill>
-                <a:latin typeface="Adobe Clean"/>
-                <a:cs typeface="Adobe Clean"/>
-              </a:rPr>
-              <a:t>v</a:t>
-            </a:r>
-            <a:r>
-              <a:rPr lang="en-US" sz="1200" b="1" spc="-20">
-                <a:solidFill>
-                  <a:srgbClr val="020302"/>
-                </a:solidFill>
-                <a:latin typeface="Adobe Clean"/>
-                <a:cs typeface="Adobe Clean"/>
-              </a:rPr>
-              <a:t>i</a:t>
-            </a:r>
-            <a:r>
-              <a:rPr lang="en-US" sz="1200" b="1" spc="-30">
-                <a:solidFill>
-                  <a:srgbClr val="020302"/>
-                </a:solidFill>
-                <a:latin typeface="Adobe Clean"/>
-                <a:cs typeface="Adobe Clean"/>
-              </a:rPr>
-              <a:t>c</a:t>
-            </a:r>
-            <a:r>
-              <a:rPr lang="en-US" sz="1200" b="1">
-                <a:solidFill>
-                  <a:srgbClr val="020302"/>
-                </a:solidFill>
-                <a:latin typeface="Adobe Clean"/>
-                <a:cs typeface="Adobe Clean"/>
-              </a:rPr>
-              <a:t>e</a:t>
-            </a:r>
-            <a:endParaRPr lang="en-US" sz="1200">
+              </a:rPr>
+              <a:t>的控管</a:t>
+            </a:r>
+            <a:endParaRPr lang="en-US" sz="1200" b="1" spc="-25" dirty="0">
+              <a:solidFill>
+                <a:srgbClr val="020302"/>
+              </a:solidFill>
               <a:latin typeface="Adobe Clean"/>
-              <a:cs typeface="Adobe Clean"/>
             </a:endParaRPr>
           </a:p>
         </p:txBody>
       </p:sp>
+      <p:graphicFrame>
+        <p:nvGraphicFramePr>
+          <p:cNvPr id="57" name="Table 56">
+            <a:extLst>
+              <a:ext uri="{FF2B5EF4-FFF2-40B4-BE49-F238E27FC236}">
+                <a16:creationId xmlns:a16="http://schemas.microsoft.com/office/drawing/2014/main" id="{19B7BC6C-7A38-0348-ABEF-D81A995F6A90}"/>
+              </a:ext>
+            </a:extLst>
+          </p:cNvPr>
+          <p:cNvGraphicFramePr>
+            <a:graphicFrameLocks noGrp="1"/>
+          </p:cNvGraphicFramePr>
+          <p:nvPr>
+            <p:extLst>
+              <p:ext uri="{D42A27DB-BD31-4B8C-83A1-F6EECF244321}">
+                <p14:modId xmlns:p14="http://schemas.microsoft.com/office/powerpoint/2010/main" val="2908808709"/>
+              </p:ext>
+            </p:extLst>
+          </p:nvPr>
+        </p:nvGraphicFramePr>
+        <p:xfrm>
+          <a:off x="1524000" y="8077200"/>
+          <a:ext cx="609600" cy="457200"/>
+        </p:xfrm>
+        <a:graphic>
+          <a:graphicData uri="http://schemas.openxmlformats.org/drawingml/2006/table">
+            <a:tbl>
+              <a:tblPr>
+                <a:tableStyleId>{5C22544A-7EE6-4342-B048-85BDC9FD1C3A}</a:tableStyleId>
+              </a:tblPr>
+              <a:tblGrid>
+                <a:gridCol w="609600">
+                  <a:extLst>
+                    <a:ext uri="{9D8B030D-6E8A-4147-A177-3AD203B41FA5}">
+                      <a16:colId xmlns:a16="http://schemas.microsoft.com/office/drawing/2014/main" val="1835503658"/>
+                    </a:ext>
+                  </a:extLst>
+                </a:gridCol>
+              </a:tblGrid>
+              <a:tr h="457200">
+                <a:tc>
+                  <a:txBody>
+                    <a:bodyPr/>
+                    <a:lstStyle/>
+                    <a:p>
+                      <a:pPr algn="ctr" fontAlgn="b"/>
+                      <a:r>
+                        <a:rPr lang="ko-KR" altLang="en-US" sz="1100" u="none" strike="noStrike" dirty="0" err="1">
+                          <a:effectLst/>
+                        </a:rPr>
+                        <a:t>上市諮詢</a:t>
+                      </a:r>
+                      <a:endParaRPr lang="ko-KR" altLang="en-US" sz="1100" b="0" i="0" u="none" strike="noStrike" dirty="0">
+                        <a:solidFill>
+                          <a:srgbClr val="000000"/>
+                        </a:solidFill>
+                        <a:effectLst/>
+                        <a:latin typeface="Calibri" panose="020F0502020204030204" pitchFamily="34" charset="0"/>
+                      </a:endParaRPr>
+                    </a:p>
+                  </a:txBody>
+                  <a:tcPr marL="9525" marR="9525" marT="9525" marB="0" anchor="ctr">
+                    <a:solidFill>
+                      <a:schemeClr val="bg1"/>
+                    </a:solidFill>
+                  </a:tcPr>
+                </a:tc>
+                <a:extLst>
+                  <a:ext uri="{0D108BD9-81ED-4DB2-BD59-A6C34878D82A}">
+                    <a16:rowId xmlns:a16="http://schemas.microsoft.com/office/drawing/2014/main" val="2771767287"/>
+                  </a:ext>
+                </a:extLst>
+              </a:tr>
+            </a:tbl>
+          </a:graphicData>
+        </a:graphic>
+      </p:graphicFrame>
+      <p:graphicFrame>
+        <p:nvGraphicFramePr>
+          <p:cNvPr id="58" name="Table 57">
+            <a:extLst>
+              <a:ext uri="{FF2B5EF4-FFF2-40B4-BE49-F238E27FC236}">
+                <a16:creationId xmlns:a16="http://schemas.microsoft.com/office/drawing/2014/main" id="{1EBB4414-EEA2-EB49-9094-4DDFDB1CD555}"/>
+              </a:ext>
+            </a:extLst>
+          </p:cNvPr>
+          <p:cNvGraphicFramePr>
+            <a:graphicFrameLocks noGrp="1"/>
+          </p:cNvGraphicFramePr>
+          <p:nvPr>
+            <p:extLst>
+              <p:ext uri="{D42A27DB-BD31-4B8C-83A1-F6EECF244321}">
+                <p14:modId xmlns:p14="http://schemas.microsoft.com/office/powerpoint/2010/main" val="2132720020"/>
+              </p:ext>
+            </p:extLst>
+          </p:nvPr>
+        </p:nvGraphicFramePr>
+        <p:xfrm>
+          <a:off x="1524000" y="6934200"/>
+          <a:ext cx="609600" cy="457200"/>
+        </p:xfrm>
+        <a:graphic>
+          <a:graphicData uri="http://schemas.openxmlformats.org/drawingml/2006/table">
+            <a:tbl>
+              <a:tblPr>
+                <a:tableStyleId>{5C22544A-7EE6-4342-B048-85BDC9FD1C3A}</a:tableStyleId>
+              </a:tblPr>
+              <a:tblGrid>
+                <a:gridCol w="609600">
+                  <a:extLst>
+                    <a:ext uri="{9D8B030D-6E8A-4147-A177-3AD203B41FA5}">
+                      <a16:colId xmlns:a16="http://schemas.microsoft.com/office/drawing/2014/main" val="1835503658"/>
+                    </a:ext>
+                  </a:extLst>
+                </a:gridCol>
+              </a:tblGrid>
+              <a:tr h="457200">
+                <a:tc>
+                  <a:txBody>
+                    <a:bodyPr/>
+                    <a:lstStyle/>
+                    <a:p>
+                      <a:pPr algn="ctr" fontAlgn="b"/>
+                      <a:r>
+                        <a:rPr lang="ko-KR" altLang="en-US" sz="800" u="none" strike="noStrike" dirty="0" err="1">
+                          <a:effectLst/>
+                          <a:latin typeface="Adobe Clean" panose="020B0503020404020204" pitchFamily="34" charset="0"/>
+                        </a:rPr>
+                        <a:t>資深</a:t>
+                      </a:r>
+                      <a:r>
+                        <a:rPr lang="ko-KR" altLang="en-US" sz="800" u="none" strike="noStrike" dirty="0">
+                          <a:effectLst/>
+                          <a:latin typeface="Adobe Clean" panose="020B0503020404020204" pitchFamily="34" charset="0"/>
+                        </a:rPr>
+                        <a:t> </a:t>
+                      </a:r>
+                      <a:r>
+                        <a:rPr lang="en-US" altLang="ko-KR" sz="800" u="none" strike="noStrike" dirty="0">
+                          <a:effectLst/>
+                          <a:latin typeface="Adobe Clean" panose="020B0503020404020204" pitchFamily="34" charset="0"/>
+                        </a:rPr>
+                        <a:t>Adobe </a:t>
+                      </a:r>
+                      <a:r>
+                        <a:rPr lang="ko-KR" altLang="en-US" sz="800" u="none" strike="noStrike" dirty="0" err="1">
+                          <a:effectLst/>
+                          <a:latin typeface="Adobe Clean" panose="020B0503020404020204" pitchFamily="34" charset="0"/>
+                        </a:rPr>
+                        <a:t>專業知識</a:t>
+                      </a:r>
+                      <a:endParaRPr lang="ko-KR" altLang="en-US" sz="800" b="0" i="0" u="none" strike="noStrike" dirty="0">
+                        <a:solidFill>
+                          <a:srgbClr val="000000"/>
+                        </a:solidFill>
+                        <a:effectLst/>
+                        <a:latin typeface="Adobe Clean" panose="020B0503020404020204" pitchFamily="34" charset="0"/>
+                      </a:endParaRPr>
+                    </a:p>
+                  </a:txBody>
+                  <a:tcPr marL="9525" marR="9525" marT="9525" marB="0">
+                    <a:solidFill>
+                      <a:schemeClr val="bg1"/>
+                    </a:solidFill>
+                  </a:tcPr>
+                </a:tc>
+                <a:extLst>
+                  <a:ext uri="{0D108BD9-81ED-4DB2-BD59-A6C34878D82A}">
+                    <a16:rowId xmlns:a16="http://schemas.microsoft.com/office/drawing/2014/main" val="2771767287"/>
+                  </a:ext>
+                </a:extLst>
+              </a:tr>
+            </a:tbl>
+          </a:graphicData>
+        </a:graphic>
+      </p:graphicFrame>
+      <p:graphicFrame>
+        <p:nvGraphicFramePr>
+          <p:cNvPr id="59" name="Table 58">
+            <a:extLst>
+              <a:ext uri="{FF2B5EF4-FFF2-40B4-BE49-F238E27FC236}">
+                <a16:creationId xmlns:a16="http://schemas.microsoft.com/office/drawing/2014/main" id="{CEA570F0-CFCD-A14C-9046-020C3C5F0FEC}"/>
+              </a:ext>
+            </a:extLst>
+          </p:cNvPr>
+          <p:cNvGraphicFramePr>
+            <a:graphicFrameLocks noGrp="1"/>
+          </p:cNvGraphicFramePr>
+          <p:nvPr>
+            <p:extLst>
+              <p:ext uri="{D42A27DB-BD31-4B8C-83A1-F6EECF244321}">
+                <p14:modId xmlns:p14="http://schemas.microsoft.com/office/powerpoint/2010/main" val="490532508"/>
+              </p:ext>
+            </p:extLst>
+          </p:nvPr>
+        </p:nvGraphicFramePr>
+        <p:xfrm>
+          <a:off x="2514600" y="7239000"/>
+          <a:ext cx="609600" cy="457200"/>
+        </p:xfrm>
+        <a:graphic>
+          <a:graphicData uri="http://schemas.openxmlformats.org/drawingml/2006/table">
+            <a:tbl>
+              <a:tblPr>
+                <a:tableStyleId>{5C22544A-7EE6-4342-B048-85BDC9FD1C3A}</a:tableStyleId>
+              </a:tblPr>
+              <a:tblGrid>
+                <a:gridCol w="609600">
+                  <a:extLst>
+                    <a:ext uri="{9D8B030D-6E8A-4147-A177-3AD203B41FA5}">
+                      <a16:colId xmlns:a16="http://schemas.microsoft.com/office/drawing/2014/main" val="1835503658"/>
+                    </a:ext>
+                  </a:extLst>
+                </a:gridCol>
+              </a:tblGrid>
+              <a:tr h="457200">
+                <a:tc>
+                  <a:txBody>
+                    <a:bodyPr/>
+                    <a:lstStyle/>
+                    <a:p>
+                      <a:pPr algn="ctr" fontAlgn="b"/>
+                      <a:r>
+                        <a:rPr lang="ja-JP" altLang="en-US" sz="800" u="none" strike="noStrike">
+                          <a:effectLst/>
+                          <a:latin typeface="Adobe Clean" panose="020B0503020404020204" pitchFamily="34" charset="0"/>
+                        </a:rPr>
+                        <a:t>直接聯繫 </a:t>
+                      </a:r>
+                      <a:r>
+                        <a:rPr lang="en-US" altLang="ko-KR" sz="800" u="none" strike="noStrike" dirty="0">
+                          <a:effectLst/>
+                          <a:latin typeface="Adobe Clean" panose="020B0503020404020204" pitchFamily="34" charset="0"/>
+                        </a:rPr>
+                        <a:t>Adobe </a:t>
+                      </a:r>
+                      <a:r>
+                        <a:rPr lang="ja-JP" altLang="en-US" sz="800" u="none" strike="noStrike">
+                          <a:effectLst/>
+                          <a:latin typeface="Adobe Clean" panose="020B0503020404020204" pitchFamily="34" charset="0"/>
+                        </a:rPr>
+                        <a:t>工程部</a:t>
+                      </a:r>
+                      <a:endParaRPr lang="ko-KR" altLang="en-US" sz="800" b="0" i="0" u="none" strike="noStrike" dirty="0">
+                        <a:solidFill>
+                          <a:srgbClr val="000000"/>
+                        </a:solidFill>
+                        <a:effectLst/>
+                        <a:latin typeface="Adobe Clean" panose="020B0503020404020204" pitchFamily="34" charset="0"/>
+                      </a:endParaRPr>
+                    </a:p>
+                  </a:txBody>
+                  <a:tcPr marL="9525" marR="9525" marT="9525" marB="0">
+                    <a:solidFill>
+                      <a:schemeClr val="bg1"/>
+                    </a:solidFill>
+                  </a:tcPr>
+                </a:tc>
+                <a:extLst>
+                  <a:ext uri="{0D108BD9-81ED-4DB2-BD59-A6C34878D82A}">
+                    <a16:rowId xmlns:a16="http://schemas.microsoft.com/office/drawing/2014/main" val="2771767287"/>
+                  </a:ext>
+                </a:extLst>
+              </a:tr>
+            </a:tbl>
+          </a:graphicData>
+        </a:graphic>
+      </p:graphicFrame>
+      <p:graphicFrame>
+        <p:nvGraphicFramePr>
+          <p:cNvPr id="60" name="Table 59">
+            <a:extLst>
+              <a:ext uri="{FF2B5EF4-FFF2-40B4-BE49-F238E27FC236}">
+                <a16:creationId xmlns:a16="http://schemas.microsoft.com/office/drawing/2014/main" id="{327181CE-49A8-8149-8221-3C76F17C0097}"/>
+              </a:ext>
+            </a:extLst>
+          </p:cNvPr>
+          <p:cNvGraphicFramePr>
+            <a:graphicFrameLocks noGrp="1"/>
+          </p:cNvGraphicFramePr>
+          <p:nvPr>
+            <p:extLst>
+              <p:ext uri="{D42A27DB-BD31-4B8C-83A1-F6EECF244321}">
+                <p14:modId xmlns:p14="http://schemas.microsoft.com/office/powerpoint/2010/main" val="1723946882"/>
+              </p:ext>
+            </p:extLst>
+          </p:nvPr>
+        </p:nvGraphicFramePr>
+        <p:xfrm>
+          <a:off x="2819400" y="8382000"/>
+          <a:ext cx="609600" cy="457200"/>
+        </p:xfrm>
+        <a:graphic>
+          <a:graphicData uri="http://schemas.openxmlformats.org/drawingml/2006/table">
+            <a:tbl>
+              <a:tblPr>
+                <a:tableStyleId>{5C22544A-7EE6-4342-B048-85BDC9FD1C3A}</a:tableStyleId>
+              </a:tblPr>
+              <a:tblGrid>
+                <a:gridCol w="609600">
+                  <a:extLst>
+                    <a:ext uri="{9D8B030D-6E8A-4147-A177-3AD203B41FA5}">
+                      <a16:colId xmlns:a16="http://schemas.microsoft.com/office/drawing/2014/main" val="1835503658"/>
+                    </a:ext>
+                  </a:extLst>
+                </a:gridCol>
+              </a:tblGrid>
+              <a:tr h="457200">
+                <a:tc>
+                  <a:txBody>
+                    <a:bodyPr/>
+                    <a:lstStyle/>
+                    <a:p>
+                      <a:pPr algn="ctr" fontAlgn="b"/>
+                      <a:r>
+                        <a:rPr lang="ko-KR" altLang="en-US" sz="800" u="none" strike="noStrike" dirty="0" err="1">
+                          <a:effectLst/>
+                          <a:latin typeface="Adobe Clean" panose="020B0503020404020204" pitchFamily="34" charset="0"/>
+                        </a:rPr>
+                        <a:t>含建議後續步驟的上市後摘要</a:t>
+                      </a:r>
+                      <a:endParaRPr lang="ko-KR" altLang="en-US" sz="800" b="0" i="0" u="none" strike="noStrike" dirty="0">
+                        <a:solidFill>
+                          <a:srgbClr val="000000"/>
+                        </a:solidFill>
+                        <a:effectLst/>
+                        <a:latin typeface="Adobe Clean" panose="020B0503020404020204" pitchFamily="34" charset="0"/>
+                      </a:endParaRPr>
+                    </a:p>
+                  </a:txBody>
+                  <a:tcPr marL="9525" marR="9525" marT="9525" marB="0">
+                    <a:solidFill>
+                      <a:schemeClr val="bg1"/>
+                    </a:solidFill>
+                  </a:tcPr>
+                </a:tc>
+                <a:extLst>
+                  <a:ext uri="{0D108BD9-81ED-4DB2-BD59-A6C34878D82A}">
+                    <a16:rowId xmlns:a16="http://schemas.microsoft.com/office/drawing/2014/main" val="2771767287"/>
+                  </a:ext>
+                </a:extLst>
+              </a:tr>
+            </a:tbl>
+          </a:graphicData>
+        </a:graphic>
+      </p:graphicFrame>
+      <p:graphicFrame>
+        <p:nvGraphicFramePr>
+          <p:cNvPr id="61" name="Table 60">
+            <a:extLst>
+              <a:ext uri="{FF2B5EF4-FFF2-40B4-BE49-F238E27FC236}">
+                <a16:creationId xmlns:a16="http://schemas.microsoft.com/office/drawing/2014/main" id="{C07857BB-4637-6845-B272-8BC9FF3E24B0}"/>
+              </a:ext>
+            </a:extLst>
+          </p:cNvPr>
+          <p:cNvGraphicFramePr>
+            <a:graphicFrameLocks noGrp="1"/>
+          </p:cNvGraphicFramePr>
+          <p:nvPr>
+            <p:extLst>
+              <p:ext uri="{D42A27DB-BD31-4B8C-83A1-F6EECF244321}">
+                <p14:modId xmlns:p14="http://schemas.microsoft.com/office/powerpoint/2010/main" val="4200467323"/>
+              </p:ext>
+            </p:extLst>
+          </p:nvPr>
+        </p:nvGraphicFramePr>
+        <p:xfrm>
+          <a:off x="2057400" y="9296400"/>
+          <a:ext cx="609600" cy="457200"/>
+        </p:xfrm>
+        <a:graphic>
+          <a:graphicData uri="http://schemas.openxmlformats.org/drawingml/2006/table">
+            <a:tbl>
+              <a:tblPr>
+                <a:tableStyleId>{5C22544A-7EE6-4342-B048-85BDC9FD1C3A}</a:tableStyleId>
+              </a:tblPr>
+              <a:tblGrid>
+                <a:gridCol w="609600">
+                  <a:extLst>
+                    <a:ext uri="{9D8B030D-6E8A-4147-A177-3AD203B41FA5}">
+                      <a16:colId xmlns:a16="http://schemas.microsoft.com/office/drawing/2014/main" val="1835503658"/>
+                    </a:ext>
+                  </a:extLst>
+                </a:gridCol>
+              </a:tblGrid>
+              <a:tr h="457200">
+                <a:tc>
+                  <a:txBody>
+                    <a:bodyPr/>
+                    <a:lstStyle/>
+                    <a:p>
+                      <a:pPr algn="ctr" fontAlgn="b"/>
+                      <a:r>
+                        <a:rPr lang="ko-KR" altLang="en-US" sz="800" u="none" strike="noStrike" dirty="0" err="1">
+                          <a:effectLst/>
+                          <a:latin typeface="Adobe Clean" panose="020B0503020404020204" pitchFamily="34" charset="0"/>
+                        </a:rPr>
+                        <a:t>上線整備</a:t>
+                      </a:r>
+                      <a:r>
+                        <a:rPr lang="ko-KR" altLang="en-US" sz="800" u="none" strike="noStrike" dirty="0">
+                          <a:effectLst/>
+                          <a:latin typeface="Adobe Clean" panose="020B0503020404020204" pitchFamily="34" charset="0"/>
+                        </a:rPr>
+                        <a:t> </a:t>
+                      </a:r>
+                      <a:r>
+                        <a:rPr lang="en-US" altLang="ko-KR" sz="800" u="none" strike="noStrike" dirty="0">
+                          <a:effectLst/>
+                          <a:latin typeface="Adobe Clean" panose="020B0503020404020204" pitchFamily="34" charset="0"/>
+                        </a:rPr>
+                        <a:t>+ </a:t>
+                      </a:r>
+                      <a:r>
+                        <a:rPr lang="ko-KR" altLang="en-US" sz="800" u="none" strike="noStrike" dirty="0" err="1">
+                          <a:effectLst/>
+                          <a:latin typeface="Adobe Clean" panose="020B0503020404020204" pitchFamily="34" charset="0"/>
+                        </a:rPr>
+                        <a:t>效能最佳化</a:t>
+                      </a:r>
+                      <a:endParaRPr lang="ko-KR" altLang="en-US" sz="800" b="0" i="0" u="none" strike="noStrike" dirty="0">
+                        <a:solidFill>
+                          <a:srgbClr val="000000"/>
+                        </a:solidFill>
+                        <a:effectLst/>
+                        <a:latin typeface="Adobe Clean" panose="020B0503020404020204" pitchFamily="34" charset="0"/>
+                      </a:endParaRPr>
+                    </a:p>
+                  </a:txBody>
+                  <a:tcPr marL="9525" marR="9525" marT="9525" marB="0">
+                    <a:solidFill>
+                      <a:schemeClr val="bg1"/>
+                    </a:solidFill>
+                  </a:tcPr>
+                </a:tc>
+                <a:extLst>
+                  <a:ext uri="{0D108BD9-81ED-4DB2-BD59-A6C34878D82A}">
+                    <a16:rowId xmlns:a16="http://schemas.microsoft.com/office/drawing/2014/main" val="2771767287"/>
+                  </a:ext>
+                </a:extLst>
+              </a:tr>
+            </a:tbl>
+          </a:graphicData>
+        </a:graphic>
+      </p:graphicFrame>
+      <p:graphicFrame>
+        <p:nvGraphicFramePr>
+          <p:cNvPr id="62" name="Table 61">
+            <a:extLst>
+              <a:ext uri="{FF2B5EF4-FFF2-40B4-BE49-F238E27FC236}">
+                <a16:creationId xmlns:a16="http://schemas.microsoft.com/office/drawing/2014/main" id="{2799E0FA-6893-6346-9F35-16E4E6FC7820}"/>
+              </a:ext>
+            </a:extLst>
+          </p:cNvPr>
+          <p:cNvGraphicFramePr>
+            <a:graphicFrameLocks noGrp="1"/>
+          </p:cNvGraphicFramePr>
+          <p:nvPr>
+            <p:extLst>
+              <p:ext uri="{D42A27DB-BD31-4B8C-83A1-F6EECF244321}">
+                <p14:modId xmlns:p14="http://schemas.microsoft.com/office/powerpoint/2010/main" val="3540433435"/>
+              </p:ext>
+            </p:extLst>
+          </p:nvPr>
+        </p:nvGraphicFramePr>
+        <p:xfrm>
+          <a:off x="990600" y="9296400"/>
+          <a:ext cx="609600" cy="457200"/>
+        </p:xfrm>
+        <a:graphic>
+          <a:graphicData uri="http://schemas.openxmlformats.org/drawingml/2006/table">
+            <a:tbl>
+              <a:tblPr>
+                <a:tableStyleId>{5C22544A-7EE6-4342-B048-85BDC9FD1C3A}</a:tableStyleId>
+              </a:tblPr>
+              <a:tblGrid>
+                <a:gridCol w="609600">
+                  <a:extLst>
+                    <a:ext uri="{9D8B030D-6E8A-4147-A177-3AD203B41FA5}">
+                      <a16:colId xmlns:a16="http://schemas.microsoft.com/office/drawing/2014/main" val="1835503658"/>
+                    </a:ext>
+                  </a:extLst>
+                </a:gridCol>
+              </a:tblGrid>
+              <a:tr h="457200">
+                <a:tc>
+                  <a:txBody>
+                    <a:bodyPr/>
+                    <a:lstStyle/>
+                    <a:p>
+                      <a:pPr algn="ctr" fontAlgn="b"/>
+                      <a:r>
+                        <a:rPr lang="ko-KR" altLang="en-US" sz="800" u="none" strike="noStrike" dirty="0">
+                          <a:effectLst/>
+                          <a:latin typeface="Adobe Clean" panose="020B0503020404020204" pitchFamily="34" charset="0"/>
+                        </a:rPr>
+                        <a:t> </a:t>
+                      </a:r>
+                      <a:r>
+                        <a:rPr lang="ko-KR" altLang="en-US" sz="800" u="none" strike="noStrike" dirty="0" err="1">
+                          <a:effectLst/>
+                          <a:latin typeface="Adobe Clean" panose="020B0503020404020204" pitchFamily="34" charset="0"/>
+                        </a:rPr>
+                        <a:t>架構審核</a:t>
+                      </a:r>
+                      <a:r>
+                        <a:rPr lang="ko-KR" altLang="en-US" sz="800" u="none" strike="noStrike" dirty="0">
+                          <a:effectLst/>
+                          <a:latin typeface="Adobe Clean" panose="020B0503020404020204" pitchFamily="34" charset="0"/>
+                        </a:rPr>
+                        <a:t> </a:t>
+                      </a:r>
+                      <a:r>
+                        <a:rPr lang="en-US" altLang="ko-KR" sz="800" u="none" strike="noStrike" dirty="0">
+                          <a:effectLst/>
+                          <a:latin typeface="Adobe Clean" panose="020B0503020404020204" pitchFamily="34" charset="0"/>
+                        </a:rPr>
+                        <a:t>+ </a:t>
+                      </a:r>
+                      <a:r>
+                        <a:rPr lang="ko-KR" altLang="en-US" sz="800" u="none" strike="noStrike" dirty="0" err="1">
+                          <a:effectLst/>
+                          <a:latin typeface="Adobe Clean" panose="020B0503020404020204" pitchFamily="34" charset="0"/>
+                        </a:rPr>
+                        <a:t>指導方針</a:t>
+                      </a:r>
+                      <a:endParaRPr lang="ko-KR" altLang="en-US" sz="800" b="0" i="0" u="none" strike="noStrike" dirty="0">
+                        <a:solidFill>
+                          <a:srgbClr val="000000"/>
+                        </a:solidFill>
+                        <a:effectLst/>
+                        <a:latin typeface="Adobe Clean" panose="020B0503020404020204" pitchFamily="34" charset="0"/>
+                      </a:endParaRPr>
+                    </a:p>
+                  </a:txBody>
+                  <a:tcPr marL="9525" marR="9525" marT="9525" marB="0">
+                    <a:solidFill>
+                      <a:schemeClr val="bg1"/>
+                    </a:solidFill>
+                  </a:tcPr>
+                </a:tc>
+                <a:extLst>
+                  <a:ext uri="{0D108BD9-81ED-4DB2-BD59-A6C34878D82A}">
+                    <a16:rowId xmlns:a16="http://schemas.microsoft.com/office/drawing/2014/main" val="2771767287"/>
+                  </a:ext>
+                </a:extLst>
+              </a:tr>
+            </a:tbl>
+          </a:graphicData>
+        </a:graphic>
+      </p:graphicFrame>
+      <p:graphicFrame>
+        <p:nvGraphicFramePr>
+          <p:cNvPr id="69" name="Table 68">
+            <a:extLst>
+              <a:ext uri="{FF2B5EF4-FFF2-40B4-BE49-F238E27FC236}">
+                <a16:creationId xmlns:a16="http://schemas.microsoft.com/office/drawing/2014/main" id="{68105F28-6ACE-FA41-8C62-E1DC71761C64}"/>
+              </a:ext>
+            </a:extLst>
+          </p:cNvPr>
+          <p:cNvGraphicFramePr>
+            <a:graphicFrameLocks noGrp="1"/>
+          </p:cNvGraphicFramePr>
+          <p:nvPr>
+            <p:extLst>
+              <p:ext uri="{D42A27DB-BD31-4B8C-83A1-F6EECF244321}">
+                <p14:modId xmlns:p14="http://schemas.microsoft.com/office/powerpoint/2010/main" val="3972576377"/>
+              </p:ext>
+            </p:extLst>
+          </p:nvPr>
+        </p:nvGraphicFramePr>
+        <p:xfrm>
+          <a:off x="304800" y="8382000"/>
+          <a:ext cx="609600" cy="457200"/>
+        </p:xfrm>
+        <a:graphic>
+          <a:graphicData uri="http://schemas.openxmlformats.org/drawingml/2006/table">
+            <a:tbl>
+              <a:tblPr>
+                <a:tableStyleId>{5C22544A-7EE6-4342-B048-85BDC9FD1C3A}</a:tableStyleId>
+              </a:tblPr>
+              <a:tblGrid>
+                <a:gridCol w="609600">
+                  <a:extLst>
+                    <a:ext uri="{9D8B030D-6E8A-4147-A177-3AD203B41FA5}">
+                      <a16:colId xmlns:a16="http://schemas.microsoft.com/office/drawing/2014/main" val="1835503658"/>
+                    </a:ext>
+                  </a:extLst>
+                </a:gridCol>
+              </a:tblGrid>
+              <a:tr h="457200">
+                <a:tc>
+                  <a:txBody>
+                    <a:bodyPr/>
+                    <a:lstStyle/>
+                    <a:p>
+                      <a:pPr algn="ctr" fontAlgn="b"/>
+                      <a:r>
+                        <a:rPr lang="ko-KR" altLang="en-US" sz="800" u="none" strike="noStrike" dirty="0" err="1">
+                          <a:effectLst/>
+                          <a:latin typeface="Adobe Clean" panose="020B0503020404020204" pitchFamily="34" charset="0"/>
+                        </a:rPr>
+                        <a:t>專案藍圖</a:t>
+                      </a:r>
+                      <a:r>
+                        <a:rPr lang="ko-KR" altLang="en-US" sz="800" u="none" strike="noStrike" dirty="0">
+                          <a:effectLst/>
+                          <a:latin typeface="Adobe Clean" panose="020B0503020404020204" pitchFamily="34" charset="0"/>
+                        </a:rPr>
+                        <a:t> </a:t>
+                      </a:r>
+                      <a:r>
+                        <a:rPr lang="en-US" altLang="ko-KR" sz="800" u="none" strike="noStrike" dirty="0">
+                          <a:effectLst/>
+                          <a:latin typeface="Adobe Clean" panose="020B0503020404020204" pitchFamily="34" charset="0"/>
+                        </a:rPr>
+                        <a:t>+ </a:t>
+                      </a:r>
+                      <a:r>
+                        <a:rPr lang="ko-KR" altLang="en-US" sz="800" u="none" strike="noStrike" dirty="0" err="1">
+                          <a:effectLst/>
+                          <a:latin typeface="Adobe Clean" panose="020B0503020404020204" pitchFamily="34" charset="0"/>
+                        </a:rPr>
+                        <a:t>規劃</a:t>
+                      </a:r>
+                      <a:endParaRPr lang="ko-KR" altLang="en-US" sz="800" b="0" i="0" u="none" strike="noStrike" dirty="0">
+                        <a:solidFill>
+                          <a:srgbClr val="000000"/>
+                        </a:solidFill>
+                        <a:effectLst/>
+                        <a:latin typeface="Adobe Clean" panose="020B0503020404020204" pitchFamily="34" charset="0"/>
+                      </a:endParaRPr>
+                    </a:p>
+                  </a:txBody>
+                  <a:tcPr marL="9525" marR="9525" marT="9525" marB="0">
+                    <a:solidFill>
+                      <a:schemeClr val="bg1"/>
+                    </a:solidFill>
+                  </a:tcPr>
+                </a:tc>
+                <a:extLst>
+                  <a:ext uri="{0D108BD9-81ED-4DB2-BD59-A6C34878D82A}">
+                    <a16:rowId xmlns:a16="http://schemas.microsoft.com/office/drawing/2014/main" val="2771767287"/>
+                  </a:ext>
+                </a:extLst>
+              </a:tr>
+            </a:tbl>
+          </a:graphicData>
+        </a:graphic>
+      </p:graphicFrame>
+      <p:graphicFrame>
+        <p:nvGraphicFramePr>
+          <p:cNvPr id="70" name="Table 69">
+            <a:extLst>
+              <a:ext uri="{FF2B5EF4-FFF2-40B4-BE49-F238E27FC236}">
+                <a16:creationId xmlns:a16="http://schemas.microsoft.com/office/drawing/2014/main" id="{55F858BD-A106-3341-85DF-5461164CF9E2}"/>
+              </a:ext>
+            </a:extLst>
+          </p:cNvPr>
+          <p:cNvGraphicFramePr>
+            <a:graphicFrameLocks noGrp="1"/>
+          </p:cNvGraphicFramePr>
+          <p:nvPr>
+            <p:extLst>
+              <p:ext uri="{D42A27DB-BD31-4B8C-83A1-F6EECF244321}">
+                <p14:modId xmlns:p14="http://schemas.microsoft.com/office/powerpoint/2010/main" val="4202845023"/>
+              </p:ext>
+            </p:extLst>
+          </p:nvPr>
+        </p:nvGraphicFramePr>
+        <p:xfrm>
+          <a:off x="609600" y="7239000"/>
+          <a:ext cx="609600" cy="497205"/>
+        </p:xfrm>
+        <a:graphic>
+          <a:graphicData uri="http://schemas.openxmlformats.org/drawingml/2006/table">
+            <a:tbl>
+              <a:tblPr>
+                <a:tableStyleId>{5C22544A-7EE6-4342-B048-85BDC9FD1C3A}</a:tableStyleId>
+              </a:tblPr>
+              <a:tblGrid>
+                <a:gridCol w="609600">
+                  <a:extLst>
+                    <a:ext uri="{9D8B030D-6E8A-4147-A177-3AD203B41FA5}">
+                      <a16:colId xmlns:a16="http://schemas.microsoft.com/office/drawing/2014/main" val="1835503658"/>
+                    </a:ext>
+                  </a:extLst>
+                </a:gridCol>
+              </a:tblGrid>
+              <a:tr h="457200">
+                <a:tc>
+                  <a:txBody>
+                    <a:bodyPr/>
+                    <a:lstStyle/>
+                    <a:p>
+                      <a:pPr algn="ctr" fontAlgn="b"/>
+                      <a:r>
+                        <a:rPr lang="ko-KR" altLang="en-US" sz="800" u="none" strike="noStrike" dirty="0" err="1">
+                          <a:effectLst/>
+                          <a:latin typeface="Adobe Clean" panose="020B0503020404020204" pitchFamily="34" charset="0"/>
+                        </a:rPr>
+                        <a:t>從數以千計的部署和整合中獲得經驗</a:t>
+                      </a:r>
+                      <a:endParaRPr lang="ko-KR" altLang="en-US" sz="800" b="0" i="0" u="none" strike="noStrike" dirty="0">
+                        <a:solidFill>
+                          <a:srgbClr val="000000"/>
+                        </a:solidFill>
+                        <a:effectLst/>
+                        <a:latin typeface="Adobe Clean" panose="020B0503020404020204" pitchFamily="34" charset="0"/>
+                      </a:endParaRPr>
+                    </a:p>
+                  </a:txBody>
+                  <a:tcPr marL="9525" marR="9525" marT="9525" marB="0">
+                    <a:solidFill>
+                      <a:schemeClr val="bg1"/>
+                    </a:solidFill>
+                  </a:tcPr>
+                </a:tc>
+                <a:extLst>
+                  <a:ext uri="{0D108BD9-81ED-4DB2-BD59-A6C34878D82A}">
+                    <a16:rowId xmlns:a16="http://schemas.microsoft.com/office/drawing/2014/main" val="2771767287"/>
+                  </a:ext>
+                </a:extLst>
+              </a:tr>
+            </a:tbl>
+          </a:graphicData>
+        </a:graphic>
+      </p:graphicFrame>
     </p:spTree>
     <p:extLst>
       <p:ext uri="{BB962C8B-B14F-4D97-AF65-F5344CB8AC3E}">
@@ -15289,17 +14082,17 @@
               </a:lnSpc>
             </a:pPr>
             <a:r>
-              <a:rPr sz="500" spc="-5">
+              <a:rPr lang="de-de" sz="500" spc="-5" dirty="0">
                 <a:solidFill>
                   <a:srgbClr val="6C6C6C"/>
                 </a:solidFill>
                 <a:latin typeface="Adobe Clean"/>
                 <a:cs typeface="Adobe Clean"/>
               </a:rPr>
-              <a:t>©2020 Adobe. All Rights Reserved. </a:t>
-            </a:r>
-            <a:r>
-              <a:rPr sz="500">
+              <a:t>© 2020 Adobe. All rights reserved.</a:t>
+            </a:r>
+            <a:r>
+              <a:rPr lang="de-de" sz="500" dirty="0">
                 <a:solidFill>
                   <a:srgbClr val="6C6C6C"/>
                 </a:solidFill>
@@ -15309,7 +14102,7 @@
               <a:t>Adobe</a:t>
             </a:r>
             <a:r>
-              <a:rPr sz="500" spc="5">
+              <a:rPr lang="de-de" sz="500" spc="5" dirty="0">
                 <a:solidFill>
                   <a:srgbClr val="6C6C6C"/>
                 </a:solidFill>
@@ -15319,14 +14112,14 @@
               <a:t> </a:t>
             </a:r>
             <a:r>
-              <a:rPr sz="500" spc="-5">
+              <a:rPr lang="de-de" sz="500" spc="-5" dirty="0">
                 <a:solidFill>
                   <a:srgbClr val="6C6C6C"/>
                 </a:solidFill>
                 <a:latin typeface="Adobe Clean"/>
                 <a:cs typeface="Adobe Clean"/>
               </a:rPr>
-              <a:t>Confidential.</a:t>
+              <a:t> 機密資訊。</a:t>
             </a:r>
             <a:endParaRPr sz="500">
               <a:latin typeface="Adobe Clean"/>
@@ -15357,17 +14150,17 @@
               </a:spcBef>
             </a:pPr>
             <a:r>
-              <a:rPr sz="800" spc="-5">
+              <a:rPr lang="de-de" sz="800" spc="-5" dirty="0">
                 <a:solidFill>
                   <a:srgbClr val="6D6D6D"/>
                 </a:solidFill>
                 <a:latin typeface="Adobe Clean"/>
                 <a:cs typeface="Adobe Clean"/>
               </a:rPr>
-              <a:t>©2020 Adobe. All Rights Reserved. Adobe</a:t>
-            </a:r>
-            <a:r>
-              <a:rPr sz="800" spc="75">
+              <a:t>© 2020 Adobe. All rights reserved.Adobe</a:t>
+            </a:r>
+            <a:r>
+              <a:rPr lang="de-de" sz="800" spc="75" dirty="0">
                 <a:solidFill>
                   <a:srgbClr val="6D6D6D"/>
                 </a:solidFill>
@@ -15377,14 +14170,14 @@
               <a:t> </a:t>
             </a:r>
             <a:r>
-              <a:rPr sz="800" spc="-5">
+              <a:rPr lang="de-de" sz="800" spc="-5" dirty="0">
                 <a:solidFill>
                   <a:srgbClr val="6D6D6D"/>
                 </a:solidFill>
                 <a:latin typeface="Adobe Clean"/>
                 <a:cs typeface="Adobe Clean"/>
               </a:rPr>
-              <a:t>Confidential.</a:t>
+              <a:t>機密資訊。</a:t>
             </a:r>
             <a:endParaRPr sz="800">
               <a:latin typeface="Adobe Clean"/>
@@ -15473,16 +14266,16 @@
               </a:spcBef>
             </a:pPr>
             <a:r>
-              <a:rPr lang="en-US" sz="1400" b="1" spc="-15">
+              <a:rPr lang="de-de" sz="1400" b="1" spc="-15" dirty="0">
                 <a:solidFill>
                   <a:srgbClr val="020302"/>
                 </a:solidFill>
                 <a:latin typeface="Adobe Clean"/>
                 <a:cs typeface="Adobe Clean"/>
               </a:rPr>
-              <a:t>Resources</a:t>
-            </a:r>
-            <a:endParaRPr sz="1400">
+              <a:t>資源</a:t>
+            </a:r>
+            <a:endParaRPr sz="1400" dirty="0">
               <a:latin typeface="Adobe Clean"/>
               <a:cs typeface="Adobe Clean"/>
             </a:endParaRPr>
@@ -15519,7 +14312,7 @@
               </a:spcBef>
             </a:pPr>
             <a:r>
-              <a:rPr sz="800" spc="-15">
+              <a:rPr lang="de-de" sz="800" spc="-15" dirty="0">
                 <a:solidFill>
                   <a:srgbClr val="777879"/>
                 </a:solidFill>
@@ -15540,7 +14333,7 @@
               </a:lnSpc>
             </a:pPr>
             <a:r>
-              <a:rPr sz="800" spc="-15">
+              <a:rPr lang="de-de" sz="800" spc="-15" dirty="0">
                 <a:solidFill>
                   <a:srgbClr val="777879"/>
                 </a:solidFill>
@@ -15550,7 +14343,7 @@
               <a:t>345 Park</a:t>
             </a:r>
             <a:r>
-              <a:rPr sz="800" spc="-100">
+              <a:rPr lang="de-de" sz="800" spc="-100" dirty="0">
                 <a:solidFill>
                   <a:srgbClr val="777879"/>
                 </a:solidFill>
@@ -15560,7 +14353,7 @@
               <a:t> </a:t>
             </a:r>
             <a:r>
-              <a:rPr sz="800" spc="-15">
+              <a:rPr lang="de-de" sz="800" spc="-15" dirty="0">
                 <a:solidFill>
                   <a:srgbClr val="777879"/>
                 </a:solidFill>
@@ -15581,7 +14374,7 @@
               </a:lnSpc>
             </a:pPr>
             <a:r>
-              <a:rPr sz="800" spc="-10">
+              <a:rPr lang="de-de" sz="800" spc="-10" dirty="0">
                 <a:solidFill>
                   <a:srgbClr val="777879"/>
                 </a:solidFill>
@@ -15591,7 +14384,7 @@
               <a:t>San </a:t>
             </a:r>
             <a:r>
-              <a:rPr sz="800" spc="-15">
+              <a:rPr lang="de-de" sz="800" spc="-15" dirty="0">
                 <a:solidFill>
                   <a:srgbClr val="777879"/>
                 </a:solidFill>
@@ -15601,7 +14394,7 @@
               <a:t>Jose,</a:t>
             </a:r>
             <a:r>
-              <a:rPr sz="800" spc="-140">
+              <a:rPr lang="de-de" sz="800" spc="-140" dirty="0">
                 <a:solidFill>
                   <a:srgbClr val="777879"/>
                 </a:solidFill>
@@ -15611,7 +14404,7 @@
               <a:t> </a:t>
             </a:r>
             <a:r>
-              <a:rPr sz="800" spc="-20">
+              <a:rPr lang="de-de" sz="800" spc="-20" dirty="0">
                 <a:solidFill>
                   <a:srgbClr val="777879"/>
                 </a:solidFill>
@@ -15635,7 +14428,7 @@
               </a:spcBef>
             </a:pPr>
             <a:r>
-              <a:rPr sz="800" spc="-10">
+              <a:rPr lang="de-de" sz="800" spc="-10" dirty="0">
                 <a:solidFill>
                   <a:srgbClr val="777879"/>
                 </a:solidFill>
@@ -15659,7 +14452,7 @@
               </a:spcBef>
             </a:pPr>
             <a:r>
-              <a:rPr sz="800" u="sng" spc="-25">
+              <a:rPr lang="de-de" sz="800" u="sng" spc="-25" dirty="0">
                 <a:solidFill>
                   <a:srgbClr val="5F5F5F"/>
                 </a:solidFill>
@@ -15672,7 +14465,7 @@
                 <a:cs typeface="Adobe Clean"/>
                 <a:hlinkClick r:id="rId3"/>
               </a:rPr>
-              <a:t>www.adobe.com</a:t>
+              <a:t>www.adobe.com/tw/</a:t>
             </a:r>
             <a:endParaRPr sz="800">
               <a:latin typeface="Adobe Clean"/>
@@ -15852,37 +14645,37 @@
               </a:spcBef>
             </a:pPr>
             <a:r>
-              <a:rPr sz="1100" i="1" spc="-10">
+              <a:rPr lang="de-de" sz="1100" i="1" spc="-10">
                 <a:solidFill>
                   <a:srgbClr val="777879"/>
                 </a:solidFill>
                 <a:latin typeface="AdobeClean-LightIt"/>
                 <a:cs typeface="AdobeClean-LightIt"/>
               </a:rPr>
-              <a:t>To</a:t>
-            </a:r>
-            <a:r>
-              <a:rPr sz="1100" i="1" spc="-50">
+              <a:t>如需</a:t>
+            </a:r>
+            <a:r>
+              <a:rPr lang="de-de" sz="1100" i="1" spc="-15">
                 <a:solidFill>
                   <a:srgbClr val="777879"/>
                 </a:solidFill>
                 <a:latin typeface="AdobeClean-LightIt"/>
                 <a:cs typeface="AdobeClean-LightIt"/>
               </a:rPr>
-              <a:t> </a:t>
-            </a:r>
-            <a:r>
-              <a:rPr sz="1100" i="1" spc="-15">
+              <a:t>了解</a:t>
+            </a:r>
+            <a:r>
+              <a:rPr lang="de-de" sz="1100" i="1" spc="-40">
                 <a:solidFill>
                   <a:srgbClr val="777879"/>
                 </a:solidFill>
                 <a:latin typeface="AdobeClean-LightIt"/>
                 <a:cs typeface="AdobeClean-LightIt"/>
               </a:rPr>
-              <a:t>learn</a:t>
-            </a:r>
-            <a:r>
-              <a:rPr sz="1100" i="1" spc="-40">
+              <a:t> </a:t>
+            </a:r>
+            <a:r>
+              <a:rPr lang="de-de" sz="1100" i="1" spc="-45">
                 <a:solidFill>
                   <a:srgbClr val="777879"/>
                 </a:solidFill>
@@ -15892,17 +14685,17 @@
               <a:t> </a:t>
             </a:r>
             <a:r>
-              <a:rPr sz="1100" i="1" spc="-15">
+              <a:rPr lang="de-de" sz="1100" i="1" spc="-15">
                 <a:solidFill>
                   <a:srgbClr val="777879"/>
                 </a:solidFill>
                 <a:latin typeface="AdobeClean-LightIt"/>
                 <a:cs typeface="AdobeClean-LightIt"/>
               </a:rPr>
-              <a:t>more</a:t>
-            </a:r>
-            <a:r>
-              <a:rPr sz="1100" i="1" spc="-45">
+              <a:t>Adobe</a:t>
+            </a:r>
+            <a:r>
+              <a:rPr lang="de-de" sz="1100" i="1" spc="-60">
                 <a:solidFill>
                   <a:srgbClr val="777879"/>
                 </a:solidFill>
@@ -15912,366 +14705,126 @@
               <a:t> </a:t>
             </a:r>
             <a:r>
-              <a:rPr sz="1100" i="1" spc="-15">
+              <a:rPr lang="de-de" sz="1100" i="1" spc="-15">
                 <a:solidFill>
                   <a:srgbClr val="777879"/>
                 </a:solidFill>
                 <a:latin typeface="AdobeClean-LightIt"/>
                 <a:cs typeface="AdobeClean-LightIt"/>
               </a:rPr>
-              <a:t>about</a:t>
-            </a:r>
-            <a:r>
-              <a:rPr sz="1100" i="1" spc="-45">
+              <a:t>支援方案</a:t>
+            </a:r>
+            <a:r>
+              <a:rPr lang="de-de" sz="1100" i="1" spc="-75">
                 <a:solidFill>
                   <a:srgbClr val="777879"/>
                 </a:solidFill>
                 <a:latin typeface="AdobeClean-LightIt"/>
                 <a:cs typeface="AdobeClean-LightIt"/>
               </a:rPr>
-              <a:t> </a:t>
-            </a:r>
-            <a:r>
-              <a:rPr sz="1100" i="1" spc="-15">
+              <a:t>的詳細資訊</a:t>
+            </a:r>
+            <a:r>
+              <a:rPr lang="de-de" sz="1100" i="1" spc="-15">
                 <a:solidFill>
                   <a:srgbClr val="777879"/>
                 </a:solidFill>
                 <a:latin typeface="AdobeClean-LightIt"/>
                 <a:cs typeface="AdobeClean-LightIt"/>
               </a:rPr>
-              <a:t>Adobe</a:t>
-            </a:r>
-            <a:r>
-              <a:rPr sz="1100" i="1" spc="-60">
+              <a:t>以及適合您的層級，請聯絡您指定的</a:t>
+            </a:r>
+            <a:r>
+              <a:rPr lang="de-de" sz="1100" i="1" spc="-25">
                 <a:solidFill>
                   <a:srgbClr val="777879"/>
                 </a:solidFill>
                 <a:latin typeface="AdobeClean-LightIt"/>
                 <a:cs typeface="AdobeClean-LightIt"/>
               </a:rPr>
-              <a:t> </a:t>
-            </a:r>
-            <a:r>
-              <a:rPr sz="1100" i="1" spc="-15">
+              <a:t>帳戶</a:t>
+            </a:r>
+            <a:r>
+              <a:rPr lang="de-de" sz="1100" i="1" spc="-20">
                 <a:solidFill>
                   <a:srgbClr val="777879"/>
                 </a:solidFill>
                 <a:latin typeface="AdobeClean-LightIt"/>
                 <a:cs typeface="AdobeClean-LightIt"/>
               </a:rPr>
-              <a:t>Support</a:t>
-            </a:r>
-            <a:r>
-              <a:rPr lang="en-US" sz="1100" i="1" spc="-15">
+              <a:t>經理 </a:t>
+            </a:r>
+            <a:r>
+              <a:rPr lang="de-de" sz="1100" i="1" spc="-15" dirty="0">
                 <a:solidFill>
                   <a:srgbClr val="777879"/>
                 </a:solidFill>
                 <a:latin typeface="AdobeClean-LightIt"/>
                 <a:cs typeface="AdobeClean-LightIt"/>
               </a:rPr>
-              <a:t> Offerings</a:t>
-            </a:r>
-            <a:r>
-              <a:rPr sz="1100" i="1" spc="-75">
+              <a:t>(NAM</a:t>
+            </a:r>
+            <a:r>
+              <a:rPr lang="de-de" sz="1100" i="1" spc="-15">
                 <a:solidFill>
                   <a:srgbClr val="777879"/>
                 </a:solidFill>
                 <a:latin typeface="AdobeClean-LightIt"/>
                 <a:cs typeface="AdobeClean-LightIt"/>
               </a:rPr>
-              <a:t> </a:t>
-            </a:r>
-            <a:r>
-              <a:rPr sz="1100" i="1" spc="-15">
+              <a:t>) </a:t>
+            </a:r>
+            <a:r>
+              <a:rPr lang="de-de" sz="1100" i="1" spc="-10">
                 <a:solidFill>
                   <a:srgbClr val="777879"/>
                 </a:solidFill>
                 <a:latin typeface="AdobeClean-LightIt"/>
                 <a:cs typeface="AdobeClean-LightIt"/>
               </a:rPr>
-              <a:t>and</a:t>
-            </a:r>
-            <a:r>
-              <a:rPr sz="1100" i="1" spc="-50">
+              <a:t>或</a:t>
+            </a:r>
+            <a:r>
+              <a:rPr lang="de-de" sz="1100" i="1" spc="-15">
                 <a:solidFill>
                   <a:srgbClr val="777879"/>
                 </a:solidFill>
                 <a:latin typeface="AdobeClean-LightIt"/>
                 <a:cs typeface="AdobeClean-LightIt"/>
               </a:rPr>
-              <a:t> </a:t>
-            </a:r>
-            <a:r>
-              <a:rPr sz="1100" i="1" spc="-15">
+              <a:t>客戶</a:t>
+            </a:r>
+            <a:r>
+              <a:rPr lang="de-de" sz="1100" i="1" spc="-20">
                 <a:solidFill>
                   <a:srgbClr val="777879"/>
                 </a:solidFill>
                 <a:latin typeface="AdobeClean-LightIt"/>
                 <a:cs typeface="AdobeClean-LightIt"/>
               </a:rPr>
-              <a:t>the</a:t>
-            </a:r>
-            <a:r>
-              <a:rPr sz="1100" i="1" spc="-55">
+              <a:t>成功</a:t>
+            </a:r>
+            <a:r>
+              <a:rPr lang="de-de" sz="1100" i="1" spc="-15">
                 <a:solidFill>
                   <a:srgbClr val="777879"/>
                 </a:solidFill>
                 <a:latin typeface="AdobeClean-LightIt"/>
                 <a:cs typeface="AdobeClean-LightIt"/>
               </a:rPr>
-              <a:t> </a:t>
-            </a:r>
-            <a:r>
-              <a:rPr sz="1100" i="1" spc="-15">
+              <a:t>經理 </a:t>
+            </a:r>
+            <a:r>
+              <a:rPr lang="de-de" sz="1100" i="1" spc="-15" dirty="0">
                 <a:solidFill>
                   <a:srgbClr val="777879"/>
                 </a:solidFill>
                 <a:latin typeface="AdobeClean-LightIt"/>
                 <a:cs typeface="AdobeClean-LightIt"/>
               </a:rPr>
-              <a:t>right</a:t>
-            </a:r>
-            <a:r>
-              <a:rPr sz="1100" i="1" spc="-95">
-                <a:solidFill>
-                  <a:srgbClr val="777879"/>
-                </a:solidFill>
-                <a:latin typeface="AdobeClean-LightIt"/>
-                <a:cs typeface="AdobeClean-LightIt"/>
-              </a:rPr>
-              <a:t> </a:t>
-            </a:r>
-            <a:r>
-              <a:rPr sz="1100" i="1" spc="-15">
-                <a:solidFill>
-                  <a:srgbClr val="777879"/>
-                </a:solidFill>
-                <a:latin typeface="AdobeClean-LightIt"/>
-                <a:cs typeface="AdobeClean-LightIt"/>
-              </a:rPr>
-              <a:t>level</a:t>
-            </a:r>
-            <a:r>
-              <a:rPr sz="1100" i="1" spc="-55">
-                <a:solidFill>
-                  <a:srgbClr val="777879"/>
-                </a:solidFill>
-                <a:latin typeface="AdobeClean-LightIt"/>
-                <a:cs typeface="AdobeClean-LightIt"/>
-              </a:rPr>
-              <a:t> </a:t>
-            </a:r>
-            <a:r>
-              <a:rPr sz="1100" i="1" spc="-15">
-                <a:solidFill>
-                  <a:srgbClr val="777879"/>
-                </a:solidFill>
-                <a:latin typeface="AdobeClean-LightIt"/>
-                <a:cs typeface="AdobeClean-LightIt"/>
-              </a:rPr>
-              <a:t>for</a:t>
-            </a:r>
-            <a:r>
-              <a:rPr sz="1100" i="1" spc="-85">
-                <a:solidFill>
-                  <a:srgbClr val="777879"/>
-                </a:solidFill>
-                <a:latin typeface="AdobeClean-LightIt"/>
-                <a:cs typeface="AdobeClean-LightIt"/>
-              </a:rPr>
-              <a:t> </a:t>
-            </a:r>
-            <a:r>
-              <a:rPr sz="1100" i="1" spc="-15">
-                <a:solidFill>
-                  <a:srgbClr val="777879"/>
-                </a:solidFill>
-                <a:latin typeface="AdobeClean-LightIt"/>
-                <a:cs typeface="AdobeClean-LightIt"/>
-              </a:rPr>
-              <a:t>you,</a:t>
-            </a:r>
-            <a:r>
-              <a:rPr sz="1100" i="1" spc="-65">
-                <a:solidFill>
-                  <a:srgbClr val="777879"/>
-                </a:solidFill>
-                <a:latin typeface="AdobeClean-LightIt"/>
-                <a:cs typeface="AdobeClean-LightIt"/>
-              </a:rPr>
-              <a:t> </a:t>
-            </a:r>
-            <a:r>
-              <a:rPr sz="1100" i="1" spc="-15">
-                <a:solidFill>
-                  <a:srgbClr val="777879"/>
-                </a:solidFill>
-                <a:latin typeface="AdobeClean-LightIt"/>
-                <a:cs typeface="AdobeClean-LightIt"/>
-              </a:rPr>
-              <a:t>contact</a:t>
-            </a:r>
-            <a:r>
-              <a:rPr sz="1100" i="1" spc="-85">
-                <a:solidFill>
-                  <a:srgbClr val="777879"/>
-                </a:solidFill>
-                <a:latin typeface="AdobeClean-LightIt"/>
-                <a:cs typeface="AdobeClean-LightIt"/>
-              </a:rPr>
-              <a:t> </a:t>
-            </a:r>
-            <a:r>
-              <a:rPr sz="1100" i="1" spc="-15">
-                <a:solidFill>
-                  <a:srgbClr val="777879"/>
-                </a:solidFill>
-                <a:latin typeface="AdobeClean-LightIt"/>
-                <a:cs typeface="AdobeClean-LightIt"/>
-              </a:rPr>
-              <a:t>your</a:t>
-            </a:r>
-            <a:r>
-              <a:rPr sz="1100" i="1" spc="-70">
-                <a:solidFill>
-                  <a:srgbClr val="777879"/>
-                </a:solidFill>
-                <a:latin typeface="AdobeClean-LightIt"/>
-                <a:cs typeface="AdobeClean-LightIt"/>
-              </a:rPr>
-              <a:t> </a:t>
-            </a:r>
-            <a:r>
-              <a:rPr sz="1100" i="1" spc="-15">
-                <a:solidFill>
-                  <a:srgbClr val="777879"/>
-                </a:solidFill>
-                <a:latin typeface="AdobeClean-LightIt"/>
-                <a:cs typeface="AdobeClean-LightIt"/>
-              </a:rPr>
-              <a:t>Named</a:t>
-            </a:r>
-            <a:r>
-              <a:rPr sz="1100" i="1" spc="-55">
-                <a:solidFill>
-                  <a:srgbClr val="777879"/>
-                </a:solidFill>
-                <a:latin typeface="AdobeClean-LightIt"/>
-                <a:cs typeface="AdobeClean-LightIt"/>
-              </a:rPr>
-              <a:t> </a:t>
-            </a:r>
-            <a:r>
-              <a:rPr sz="1100" i="1" spc="-25">
-                <a:solidFill>
-                  <a:srgbClr val="777879"/>
-                </a:solidFill>
-                <a:latin typeface="AdobeClean-LightIt"/>
-                <a:cs typeface="AdobeClean-LightIt"/>
-              </a:rPr>
-              <a:t>Account</a:t>
-            </a:r>
-            <a:r>
-              <a:rPr sz="1100" i="1" spc="-120">
-                <a:solidFill>
-                  <a:srgbClr val="777879"/>
-                </a:solidFill>
-                <a:latin typeface="AdobeClean-LightIt"/>
-                <a:cs typeface="AdobeClean-LightIt"/>
-              </a:rPr>
-              <a:t> </a:t>
-            </a:r>
-            <a:r>
-              <a:rPr sz="1100" i="1" spc="-20">
-                <a:solidFill>
-                  <a:srgbClr val="777879"/>
-                </a:solidFill>
-                <a:latin typeface="AdobeClean-LightIt"/>
-                <a:cs typeface="AdobeClean-LightIt"/>
-              </a:rPr>
-              <a:t>Manager  </a:t>
-            </a:r>
-            <a:r>
-              <a:rPr sz="1100" i="1" spc="-15">
-                <a:solidFill>
-                  <a:srgbClr val="777879"/>
-                </a:solidFill>
-                <a:latin typeface="AdobeClean-LightIt"/>
-                <a:cs typeface="AdobeClean-LightIt"/>
-              </a:rPr>
-              <a:t>(NAM) </a:t>
-            </a:r>
-            <a:r>
-              <a:rPr sz="1100" i="1" spc="-10">
-                <a:solidFill>
-                  <a:srgbClr val="777879"/>
-                </a:solidFill>
-                <a:latin typeface="AdobeClean-LightIt"/>
-                <a:cs typeface="AdobeClean-LightIt"/>
-              </a:rPr>
-              <a:t>or </a:t>
-            </a:r>
-            <a:r>
-              <a:rPr sz="1100" i="1" spc="-15">
-                <a:solidFill>
-                  <a:srgbClr val="777879"/>
-                </a:solidFill>
-                <a:latin typeface="AdobeClean-LightIt"/>
-                <a:cs typeface="AdobeClean-LightIt"/>
-              </a:rPr>
-              <a:t>Customer </a:t>
-            </a:r>
-            <a:r>
-              <a:rPr sz="1100" i="1" spc="-20">
-                <a:solidFill>
-                  <a:srgbClr val="777879"/>
-                </a:solidFill>
-                <a:latin typeface="AdobeClean-LightIt"/>
-                <a:cs typeface="AdobeClean-LightIt"/>
-              </a:rPr>
-              <a:t>Success</a:t>
-            </a:r>
-            <a:r>
-              <a:rPr sz="1100" i="1" spc="-180">
-                <a:solidFill>
-                  <a:srgbClr val="777879"/>
-                </a:solidFill>
-                <a:latin typeface="AdobeClean-LightIt"/>
-                <a:cs typeface="AdobeClean-LightIt"/>
-              </a:rPr>
-              <a:t> </a:t>
-            </a:r>
-            <a:r>
-              <a:rPr sz="1100" i="1" spc="-15">
-                <a:solidFill>
-                  <a:srgbClr val="777879"/>
-                </a:solidFill>
-                <a:latin typeface="AdobeClean-LightIt"/>
-                <a:cs typeface="AdobeClean-LightIt"/>
-              </a:rPr>
-              <a:t>Manager</a:t>
-            </a:r>
-            <a:r>
-              <a:rPr lang="en-US" sz="1100" i="1" spc="-15">
-                <a:solidFill>
-                  <a:srgbClr val="777879"/>
-                </a:solidFill>
-                <a:latin typeface="AdobeClean-LightIt"/>
-                <a:cs typeface="AdobeClean-LightIt"/>
-              </a:rPr>
-              <a:t> </a:t>
-            </a:r>
-            <a:r>
-              <a:rPr sz="1100" i="1" spc="-15">
-                <a:solidFill>
-                  <a:srgbClr val="777879"/>
-                </a:solidFill>
-                <a:latin typeface="AdobeClean-LightIt"/>
-                <a:cs typeface="AdobeClean-LightIt"/>
-              </a:rPr>
               <a:t>(CSM)</a:t>
             </a:r>
-            <a:endParaRPr sz="1100">
+            <a:endParaRPr sz="1100" dirty="0">
               <a:latin typeface="AdobeClean-LightIt"/>
               <a:cs typeface="AdobeClean-LightIt"/>
             </a:endParaRPr>
@@ -16286,56 +14839,36 @@
               </a:spcBef>
             </a:pPr>
             <a:r>
-              <a:rPr sz="800" spc="-5">
+              <a:rPr lang="de-de" sz="800" spc="-5" dirty="0">
                 <a:solidFill>
                   <a:srgbClr val="6D6D6D"/>
                 </a:solidFill>
                 <a:latin typeface="Adobe Clean"/>
                 <a:cs typeface="Adobe Clean"/>
               </a:rPr>
-              <a:t>©202</a:t>
-            </a:r>
-            <a:r>
-              <a:rPr lang="en-US" sz="800" spc="-5">
+              <a:t>©2021 Adobe。All rights reserved.Adobe</a:t>
+            </a:r>
+            <a:r>
+              <a:rPr lang="de-de" sz="800" spc="75" dirty="0">
                 <a:solidFill>
                   <a:srgbClr val="6D6D6D"/>
                 </a:solidFill>
                 <a:latin typeface="Adobe Clean"/>
                 <a:cs typeface="Adobe Clean"/>
               </a:rPr>
-              <a:t>1</a:t>
-            </a:r>
-            <a:r>
-              <a:rPr sz="800" spc="-5">
+              <a:t> </a:t>
+            </a:r>
+            <a:r>
+              <a:rPr lang="de-de" sz="800" spc="-5" dirty="0">
                 <a:solidFill>
                   <a:srgbClr val="6D6D6D"/>
                 </a:solidFill>
                 <a:latin typeface="Adobe Clean"/>
                 <a:cs typeface="Adobe Clean"/>
               </a:rPr>
-              <a:t> Adobe. All Rights Reserved. Adobe</a:t>
-            </a:r>
-            <a:r>
-              <a:rPr sz="800" spc="75">
-                <a:solidFill>
-                  <a:srgbClr val="6D6D6D"/>
-                </a:solidFill>
-                <a:latin typeface="Adobe Clean"/>
-                <a:cs typeface="Adobe Clean"/>
-              </a:rPr>
-              <a:t> </a:t>
-            </a:r>
-            <a:r>
-              <a:rPr sz="800" spc="-5">
-                <a:solidFill>
-                  <a:srgbClr val="6D6D6D"/>
-                </a:solidFill>
-                <a:latin typeface="Adobe Clean"/>
-                <a:cs typeface="Adobe Clean"/>
-              </a:rPr>
-              <a:t>Confidential.</a:t>
-            </a:r>
-            <a:endParaRPr sz="800">
+              <a:t>機密資訊。</a:t>
+            </a:r>
+            <a:endParaRPr sz="800" dirty="0">
               <a:latin typeface="Adobe Clean"/>
               <a:cs typeface="Adobe Clean"/>
             </a:endParaRPr>
@@ -16356,55 +14889,134 @@
         </p:nvSpPr>
         <p:spPr>
           <a:xfrm>
-            <a:off x="184181" y="4900727"/>
-            <a:ext cx="7396804" cy="769030"/>
+            <a:off x="171129" y="5057379"/>
+            <a:ext cx="6476646" cy="755976"/>
           </a:xfrm>
           <a:prstGeom prst="rect">
             <a:avLst/>
           </a:prstGeom>
         </p:spPr>
         <p:txBody>
-          <a:bodyPr vert="horz" wrap="square" lIns="0" tIns="116205" rIns="0" bIns="0" rtlCol="0" anchor="t">
+          <a:bodyPr vert="horz" wrap="square" lIns="0" tIns="116205" rIns="0" bIns="0" rtlCol="0">
             <a:spAutoFit/>
           </a:bodyPr>
           <a:lstStyle/>
           <a:p>
-            <a:pPr>
+            <a:pPr lvl="0">
               <a:spcBef>
                 <a:spcPts val="915"/>
               </a:spcBef>
             </a:pPr>
             <a:r>
-              <a:rPr lang="en-US" sz="1400" b="1" spc="-15">
+              <a:rPr lang="en-US" altLang="zh-TW" sz="1400" b="1" spc="-15" dirty="0">
                 <a:solidFill>
                   <a:srgbClr val="020302"/>
                 </a:solidFill>
                 <a:latin typeface="Adobe Clean"/>
                 <a:cs typeface="Adobe Clean"/>
               </a:rPr>
-              <a:t>Regional scope of Adobe Support, Local Hours Of Operation And Language Support</a:t>
-            </a:r>
-            <a:endParaRPr lang="en-US" sz="1400" spc="-15">
-              <a:ea typeface="+mn-lt"/>
-              <a:cs typeface="+mn-lt"/>
+              <a:t>Adobe </a:t>
+            </a:r>
+            <a:r>
+              <a:rPr lang="zh-TW" altLang="en-US" sz="1400" b="1" spc="-15" dirty="0">
+                <a:solidFill>
+                  <a:srgbClr val="020302"/>
+                </a:solidFill>
+                <a:latin typeface="Adobe Clean"/>
+                <a:cs typeface="Adobe Clean"/>
+              </a:rPr>
+              <a:t>支援的區域範圍、當地營業時間和語言支援</a:t>
+            </a:r>
+            <a:endParaRPr lang="pl-PL" altLang="zh-TW" sz="1400" b="1" spc="-15" dirty="0">
+              <a:solidFill>
+                <a:srgbClr val="020302"/>
+              </a:solidFill>
+              <a:latin typeface="Adobe Clean"/>
+              <a:cs typeface="Adobe Clean"/>
             </a:endParaRPr>
           </a:p>
           <a:p>
-            <a:pPr>
+            <a:pPr lvl="0">
               <a:spcBef>
                 <a:spcPts val="915"/>
               </a:spcBef>
             </a:pPr>
             <a:r>
-              <a:rPr lang="en-US" sz="1000" spc="-15">
+              <a:rPr lang="en-US" altLang="zh-TW" sz="1000" spc="-15" dirty="0">
                 <a:solidFill>
                   <a:srgbClr val="1F1F1F"/>
                 </a:solidFill>
                 <a:latin typeface="AdobeClean-Light"/>
               </a:rPr>
-              <a:t>The regional scope of Adobe Support is established by aligning the customer's billing address (via the Sales Order or other Adobe Support purchasing document) to one of the following regions:</a:t>
-            </a:r>
-            <a:endParaRPr lang="en-US" sz="1000">
+              <a:t>Adobe </a:t>
+            </a:r>
+            <a:r>
+              <a:rPr lang="zh-TW" altLang="en-US" sz="1000" spc="-15" dirty="0">
+                <a:solidFill>
+                  <a:srgbClr val="1F1F1F"/>
+                </a:solidFill>
+                <a:latin typeface="AdobeClean-Light"/>
+              </a:rPr>
+              <a:t>支援的區域範圍是透過將客戶的帳單地址 </a:t>
+            </a:r>
+            <a:r>
+              <a:rPr lang="en-US" altLang="zh-TW" sz="1000" spc="-15" dirty="0">
+                <a:solidFill>
+                  <a:srgbClr val="1F1F1F"/>
+                </a:solidFill>
+                <a:latin typeface="AdobeClean-Light"/>
+              </a:rPr>
+              <a:t>(</a:t>
+            </a:r>
+            <a:r>
+              <a:rPr lang="zh-TW" altLang="en-US" sz="1000" spc="-15" dirty="0">
+                <a:solidFill>
+                  <a:srgbClr val="1F1F1F"/>
+                </a:solidFill>
+                <a:latin typeface="AdobeClean-Light"/>
+              </a:rPr>
+              <a:t>通過銷售訂單或其他 </a:t>
+            </a:r>
+            <a:r>
+              <a:rPr lang="en-US" altLang="zh-TW" sz="1000" spc="-15" dirty="0">
+                <a:solidFill>
+                  <a:srgbClr val="1F1F1F"/>
+                </a:solidFill>
+                <a:latin typeface="AdobeClean-Light"/>
+              </a:rPr>
+              <a:t>Adobe </a:t>
+            </a:r>
+            <a:r>
+              <a:rPr lang="zh-TW" altLang="en-US" sz="1000" spc="-15" dirty="0">
+                <a:solidFill>
+                  <a:srgbClr val="1F1F1F"/>
+                </a:solidFill>
+                <a:latin typeface="AdobeClean-Light"/>
+              </a:rPr>
+              <a:t>支援採購文件</a:t>
+            </a:r>
+            <a:r>
+              <a:rPr lang="en-US" altLang="zh-TW" sz="1000" spc="-15" dirty="0">
+                <a:solidFill>
+                  <a:srgbClr val="1F1F1F"/>
+                </a:solidFill>
+                <a:latin typeface="AdobeClean-Light"/>
+              </a:rPr>
+              <a:t>) </a:t>
+            </a:r>
+            <a:r>
+              <a:rPr lang="zh-TW" altLang="en-US" sz="1000" spc="-15" dirty="0">
+                <a:solidFill>
+                  <a:srgbClr val="1F1F1F"/>
+                </a:solidFill>
+                <a:latin typeface="AdobeClean-Light"/>
+              </a:rPr>
+              <a:t>歸納於以下區域之一來建立的：</a:t>
+            </a:r>
+            <a:endParaRPr lang="de-de" sz="1000" spc="-15" dirty="0">
+              <a:solidFill>
+                <a:srgbClr val="1F1F1F"/>
+              </a:solidFill>
               <a:latin typeface="AdobeClean-Light"/>
             </a:endParaRPr>
           </a:p>
@@ -16425,14 +15037,14 @@
           <p:nvPr>
             <p:extLst>
               <p:ext uri="{D42A27DB-BD31-4B8C-83A1-F6EECF244321}">
-                <p14:modId xmlns:p14="http://schemas.microsoft.com/office/powerpoint/2010/main" val="3975465108"/>
+                <p14:modId xmlns:p14="http://schemas.microsoft.com/office/powerpoint/2010/main" val="3128037044"/>
               </p:ext>
             </p:extLst>
           </p:nvPr>
         </p:nvGraphicFramePr>
         <p:xfrm>
           <a:off x="171128" y="5907213"/>
-          <a:ext cx="7391400" cy="1336040"/>
+          <a:ext cx="7391400" cy="1280160"/>
         </p:xfrm>
         <a:graphic>
           <a:graphicData uri="http://schemas.openxmlformats.org/drawingml/2006/table">
@@ -16478,13 +15090,13 @@
                     <a:p>
                       <a:pPr algn="ctr"/>
                       <a:r>
-                        <a:rPr lang="en-US" sz="1100">
+                        <a:rPr lang="de-de" sz="1100" dirty="0">
                           <a:solidFill>
                             <a:schemeClr val="tx1"/>
                           </a:solidFill>
                           <a:latin typeface="Adobe Clean" panose="020B0503020404020204" pitchFamily="34" charset="0"/>
                         </a:rPr>
-                        <a:t>Americas</a:t>
+                        <a:t>美洲</a:t>
                       </a:r>
                     </a:p>
                   </a:txBody>
@@ -16543,13 +15155,13 @@
                     <a:p>
                       <a:pPr algn="ctr"/>
                       <a:r>
-                        <a:rPr lang="en-US" sz="1100">
+                        <a:rPr lang="de-de" sz="1100" dirty="0">
                           <a:solidFill>
                             <a:schemeClr val="tx1"/>
                           </a:solidFill>
                           <a:latin typeface="Adobe Clean" panose="020B0503020404020204" pitchFamily="34" charset="0"/>
                         </a:rPr>
-                        <a:t>Europe, Middle East &amp; Africa</a:t>
+                        <a:t>歐洲、中東與非洲</a:t>
                       </a:r>
                     </a:p>
                   </a:txBody>
@@ -16608,13 +15220,13 @@
                     <a:p>
                       <a:pPr algn="ctr"/>
                       <a:r>
-                        <a:rPr lang="en-US" sz="1100">
+                        <a:rPr lang="de-de" sz="1100" dirty="0">
                           <a:solidFill>
                             <a:schemeClr val="tx1"/>
                           </a:solidFill>
                           <a:latin typeface="Adobe Clean" panose="020B0503020404020204" pitchFamily="34" charset="0"/>
                         </a:rPr>
-                        <a:t>Asia Pacific</a:t>
+                        <a:t>亞太地區</a:t>
                       </a:r>
                     </a:p>
                   </a:txBody>
@@ -16673,24 +15285,24 @@
                     <a:p>
                       <a:pPr algn="ctr"/>
                       <a:r>
-                        <a:rPr lang="en-US" sz="1100">
+                        <a:rPr lang="de-de" sz="1100" dirty="0">
                           <a:solidFill>
                             <a:schemeClr val="tx1"/>
                           </a:solidFill>
                           <a:latin typeface="Adobe Clean" panose="020B0503020404020204" pitchFamily="34" charset="0"/>
                         </a:rPr>
-                        <a:t>Japan </a:t>
+                        <a:t>日本 </a:t>
                       </a:r>
                       <a:r>
-                        <a:rPr lang="en-US" sz="1100" baseline="30000">
+                        <a:rPr lang="de-de" sz="1100" baseline="30000" dirty="0">
                           <a:solidFill>
                             <a:schemeClr val="tx1"/>
                           </a:solidFill>
                           <a:latin typeface="Adobe Clean" panose="020B0503020404020204" pitchFamily="34" charset="0"/>
                         </a:rPr>
-                        <a:t>1 </a:t>
+                        <a:t>1</a:t>
                       </a:r>
-                      <a:endParaRPr lang="en-US" sz="1100">
+                      <a:endParaRPr lang="en-US" sz="1100" dirty="0">
                         <a:solidFill>
                           <a:schemeClr val="tx1"/>
                         </a:solidFill>
@@ -16760,13 +15372,13 @@
                     <a:p>
                       <a:pPr algn="ctr"/>
                       <a:r>
-                        <a:rPr lang="en-US" sz="1100">
+                        <a:rPr lang="de-de" sz="1100" dirty="0">
                           <a:solidFill>
                             <a:schemeClr val="tx1"/>
                           </a:solidFill>
                           <a:latin typeface="Adobe Clean" panose="020B0503020404020204" pitchFamily="34" charset="0"/>
                         </a:rPr>
-                        <a:t>6 am – 5:30 pm</a:t>
+                        <a:t>上午 6 點 – 下午 5:30</a:t>
                       </a:r>
                     </a:p>
                   </a:txBody>
@@ -16825,13 +15437,13 @@
                     <a:p>
                       <a:pPr algn="ctr"/>
                       <a:r>
-                        <a:rPr lang="en-US" sz="1100">
+                        <a:rPr lang="de-de" sz="1100" dirty="0">
                           <a:solidFill>
                             <a:schemeClr val="tx1"/>
                           </a:solidFill>
                           <a:latin typeface="Adobe Clean" panose="020B0503020404020204" pitchFamily="34" charset="0"/>
                         </a:rPr>
-                        <a:t>9 am – 5 pm</a:t>
+                        <a:t>上午 9 點 – 下午 5 點</a:t>
                       </a:r>
                     </a:p>
                   </a:txBody>
@@ -16890,13 +15502,13 @@
                     <a:p>
                       <a:pPr algn="ctr"/>
                       <a:r>
-                        <a:rPr lang="en-US" sz="1100">
+                        <a:rPr lang="de-de" sz="1100" dirty="0">
                           <a:solidFill>
                             <a:schemeClr val="tx1"/>
                           </a:solidFill>
                           <a:latin typeface="Adobe Clean" panose="020B0503020404020204" pitchFamily="34" charset="0"/>
                         </a:rPr>
-                        <a:t>9 am – 5 pm</a:t>
+                        <a:t>上午 9 點 – 下午 5 點</a:t>
                       </a:r>
                     </a:p>
                   </a:txBody>
@@ -16955,13 +15567,13 @@
                     <a:p>
                       <a:pPr algn="ctr"/>
                       <a:r>
-                        <a:rPr lang="en-US" sz="1100">
+                        <a:rPr lang="de-de" sz="1100" dirty="0">
                           <a:solidFill>
                             <a:schemeClr val="tx1"/>
                           </a:solidFill>
                           <a:latin typeface="Adobe Clean" panose="020B0503020404020204" pitchFamily="34" charset="0"/>
                         </a:rPr>
-                        <a:t>9 am – 5:30 pm</a:t>
+                        <a:t>上午 9 點 – 下午 5:30</a:t>
                       </a:r>
                     </a:p>
                   </a:txBody>
@@ -17025,7 +15637,7 @@
                     <a:bodyPr/>
                     <a:lstStyle/>
                     <a:p>
-                      <a:pPr marL="0" marR="0" lvl="0" indent="0" algn="ctr" eaLnBrk="1" fontAlgn="auto" latinLnBrk="0" hangingPunct="1">
+                      <a:pPr marL="0" marR="0" lvl="0" indent="0" algn="ctr" defTabSz="914400" eaLnBrk="1" fontAlgn="auto" latinLnBrk="0" hangingPunct="1">
                         <a:lnSpc>
                           <a:spcPct val="100000"/>
                         </a:lnSpc>
@@ -17039,22 +15651,18 @@
                         <a:buSzTx/>
                         <a:buFontTx/>
                         <a:buNone/>
+                        <a:tabLst/>
+                        <a:defRPr/>
                       </a:pPr>
                       <a:r>
-                        <a:rPr lang="en-US" sz="1100">
+                        <a:rPr lang="de-de" sz="1100" dirty="0">
                           <a:solidFill>
                             <a:schemeClr val="tx1"/>
                           </a:solidFill>
-                          <a:latin typeface="Adobe Clean"/>
+                          <a:latin typeface="Adobe Clean" panose="020B0503020404020204" pitchFamily="34" charset="0"/>
                         </a:rPr>
-                        <a:t>Language support is only available in English and Japanese. </a:t>
+                        <a:t>僅提供英文和日文的語言支援</a:t>
                       </a:r>
-                      <a:endParaRPr lang="en-US" sz="1100">
-                        <a:solidFill>
-                          <a:schemeClr val="tx1"/>
-                        </a:solidFill>
-                        <a:latin typeface="Adobe Clean" panose="020B0503020404020204" pitchFamily="34" charset="0"/>
-                      </a:endParaRPr>
                     </a:p>
                     <a:p>
                       <a:pPr marL="0" marR="0" lvl="0" indent="0" algn="ctr" defTabSz="914400" eaLnBrk="1" fontAlgn="auto" latinLnBrk="0" hangingPunct="1">
@@ -17074,7 +15682,7 @@
                         <a:tabLst/>
                         <a:defRPr/>
                       </a:pPr>
-                      <a:endParaRPr kumimoji="0" lang="en-US" sz="1100" b="1" i="0" u="none" strike="noStrike" kern="0" cap="none" spc="0" normalizeH="0" baseline="30000" noProof="0">
+                      <a:endParaRPr kumimoji="0" lang="en-US" sz="1100" b="1" i="0" u="none" strike="noStrike" kern="0" cap="none" spc="0" normalizeH="0" baseline="30000" noProof="0" dirty="0">
                         <a:ln>
                           <a:noFill/>
                         </a:ln>
@@ -17092,37 +15700,46 @@
                     <a:p>
                       <a:pPr algn="ctr"/>
                       <a:r>
-                        <a:rPr lang="en-US" sz="1100" i="0">
+                        <a:rPr lang="de-de" sz="1100" i="0" dirty="0">
                           <a:solidFill>
                             <a:schemeClr val="tx1"/>
                           </a:solidFill>
-                          <a:latin typeface="Adobe Clean"/>
+                          <a:latin typeface="Adobe Clean" panose="020B0503020404020204" pitchFamily="34" charset="0"/>
                         </a:rPr>
-                        <a:t> </a:t>
+                        <a:t> </a:t>
                       </a:r>
                       <a:r>
-                        <a:rPr lang="en-US" sz="1100" i="0" baseline="30000">
+                        <a:rPr lang="de-de" sz="1100" i="0" baseline="30000" dirty="0">
                           <a:solidFill>
                             <a:schemeClr val="tx1"/>
                           </a:solidFill>
-                          <a:latin typeface="Adobe Clean"/>
+                          <a:latin typeface="Adobe Clean" panose="020B0503020404020204" pitchFamily="34" charset="0"/>
                         </a:rPr>
                         <a:t>1 </a:t>
                       </a:r>
                       <a:r>
-                        <a:rPr lang="en-US" sz="1100" i="0">
+                        <a:rPr lang="de-de" sz="1100" i="0" dirty="0">
                           <a:solidFill>
                             <a:schemeClr val="tx1"/>
                           </a:solidFill>
-                          <a:latin typeface="Adobe Clean"/>
+                          <a:latin typeface="Adobe Clean" panose="020B0503020404020204" pitchFamily="34" charset="0"/>
                         </a:rPr>
-                        <a:t>P2, P3, P4 cases are limited to business hours only in Japan.</a:t>
+                        <a:t>P2、P3、P4 </a:t>
                       </a:r>
-                      <a:endParaRPr lang="en-US" sz="1100" b="1" i="0">
+                      <a:r>
+                        <a:rPr lang="zh-TW" altLang="en-US" sz="1100" i="0">
+                          <a:solidFill>
+                            <a:schemeClr val="tx1"/>
+                          </a:solidFill>
+                          <a:latin typeface="Adobe Clean" panose="020B0503020404020204" pitchFamily="34" charset="0"/>
+                        </a:rPr>
+                        <a:t>案件僅限於在日本的營業時間提交。</a:t>
+                      </a:r>
+                      <a:endParaRPr lang="de-de" sz="1100" b="1" i="0" dirty="0">
                         <a:solidFill>
                           <a:schemeClr val="tx1"/>
                         </a:solidFill>
-                        <a:latin typeface="Adobe Clean"/>
+                        <a:latin typeface="Adobe Clean" panose="020B0503020404020204" pitchFamily="34" charset="0"/>
                       </a:endParaRPr>
                     </a:p>
                   </a:txBody>
@@ -17179,7 +15796,7 @@
                     <a:bodyPr/>
                     <a:lstStyle/>
                     <a:p>
-                      <a:endParaRPr lang="en-US" sz="1100">
+                      <a:endParaRPr lang="en-US" sz="1100" dirty="0">
                         <a:solidFill>
                           <a:schemeClr val="tx1"/>
                         </a:solidFill>
@@ -17240,7 +15857,7 @@
                     <a:bodyPr/>
                     <a:lstStyle/>
                     <a:p>
-                      <a:endParaRPr lang="en-US" sz="1100">
+                      <a:endParaRPr lang="en-US" sz="1100" dirty="0">
                         <a:solidFill>
                           <a:schemeClr val="tx1"/>
                         </a:solidFill>
@@ -17301,7 +15918,7 @@
                     <a:bodyPr/>
                     <a:lstStyle/>
                     <a:p>
-                      <a:endParaRPr lang="en-US" sz="1100">
+                      <a:endParaRPr lang="en-US" sz="1100" dirty="0">
                         <a:solidFill>
                           <a:schemeClr val="tx1"/>
                         </a:solidFill>
@@ -17487,126 +16104,36 @@
               </a:spcBef>
             </a:pPr>
             <a:r>
-              <a:rPr sz="1200" b="1" spc="-15">
+              <a:rPr lang="de-de" sz="1200" b="1" spc="-15" dirty="0">
                 <a:solidFill>
                   <a:srgbClr val="FFFFFF"/>
                 </a:solidFill>
                 <a:latin typeface="Adobe Clean"/>
                 <a:cs typeface="Adobe Clean"/>
               </a:rPr>
-              <a:t>U</a:t>
-            </a:r>
-            <a:r>
-              <a:rPr sz="1200" b="1" spc="-20">
+              <a:t>無與倫比的</a:t>
+            </a:r>
+            <a:r>
+              <a:rPr lang="de-de" sz="1200" b="1" spc="-20" dirty="0">
                 <a:solidFill>
                   <a:srgbClr val="FFFFFF"/>
                 </a:solidFill>
                 <a:latin typeface="Adobe Clean"/>
                 <a:cs typeface="Adobe Clean"/>
               </a:rPr>
-              <a:t>n</a:t>
-            </a:r>
-            <a:r>
-              <a:rPr sz="1200" b="1" spc="-25">
+              <a:t>專業知識</a:t>
+            </a:r>
+            <a:r>
+              <a:rPr lang="de-de" sz="1200" b="1" dirty="0">
                 <a:solidFill>
                   <a:srgbClr val="FFFFFF"/>
                 </a:solidFill>
                 <a:latin typeface="Adobe Clean"/>
                 <a:cs typeface="Adobe Clean"/>
               </a:rPr>
-              <a:t>p</a:t>
-            </a:r>
-            <a:r>
-              <a:rPr sz="1200" b="1" spc="-15">
-                <a:solidFill>
-                  <a:srgbClr val="FFFFFF"/>
-                </a:solidFill>
-                <a:latin typeface="Adobe Clean"/>
-                <a:cs typeface="Adobe Clean"/>
-              </a:rPr>
-              <a:t>a</a:t>
-            </a:r>
-            <a:r>
-              <a:rPr sz="1200" b="1" spc="-25">
-                <a:solidFill>
-                  <a:srgbClr val="FFFFFF"/>
-                </a:solidFill>
-                <a:latin typeface="Adobe Clean"/>
-                <a:cs typeface="Adobe Clean"/>
-              </a:rPr>
-              <a:t>r</a:t>
-            </a:r>
-            <a:r>
-              <a:rPr sz="1200" b="1" spc="-15">
-                <a:solidFill>
-                  <a:srgbClr val="FFFFFF"/>
-                </a:solidFill>
-                <a:latin typeface="Adobe Clean"/>
-                <a:cs typeface="Adobe Clean"/>
-              </a:rPr>
-              <a:t>a</a:t>
-            </a:r>
-            <a:r>
-              <a:rPr sz="1200" b="1" spc="-30">
-                <a:solidFill>
-                  <a:srgbClr val="FFFFFF"/>
-                </a:solidFill>
-                <a:latin typeface="Adobe Clean"/>
-                <a:cs typeface="Adobe Clean"/>
-              </a:rPr>
-              <a:t>ll</a:t>
-            </a:r>
-            <a:r>
-              <a:rPr sz="1200" b="1" spc="-25">
-                <a:solidFill>
-                  <a:srgbClr val="FFFFFF"/>
-                </a:solidFill>
-                <a:latin typeface="Adobe Clean"/>
-                <a:cs typeface="Adobe Clean"/>
-              </a:rPr>
-              <a:t>e</a:t>
-            </a:r>
-            <a:r>
-              <a:rPr sz="1200" b="1" spc="-30">
-                <a:solidFill>
-                  <a:srgbClr val="FFFFFF"/>
-                </a:solidFill>
-                <a:latin typeface="Adobe Clean"/>
-                <a:cs typeface="Adobe Clean"/>
-              </a:rPr>
-              <a:t>l</a:t>
-            </a:r>
-            <a:r>
-              <a:rPr sz="1200" b="1" spc="-25">
-                <a:solidFill>
-                  <a:srgbClr val="FFFFFF"/>
-                </a:solidFill>
-                <a:latin typeface="Adobe Clean"/>
-                <a:cs typeface="Adobe Clean"/>
-              </a:rPr>
-              <a:t>e</a:t>
-            </a:r>
-            <a:r>
-              <a:rPr sz="1200" b="1">
-                <a:solidFill>
-                  <a:srgbClr val="FFFFFF"/>
-                </a:solidFill>
-                <a:latin typeface="Adobe Clean"/>
-                <a:cs typeface="Adobe Clean"/>
-              </a:rPr>
-              <a:t>d  </a:t>
-            </a:r>
-            <a:r>
-              <a:rPr sz="1200" b="1" spc="-25">
-                <a:solidFill>
-                  <a:srgbClr val="FFFFFF"/>
-                </a:solidFill>
-                <a:latin typeface="Adobe Clean"/>
-                <a:cs typeface="Adobe Clean"/>
-              </a:rPr>
-              <a:t>Expertise</a:t>
-            </a:r>
-            <a:endParaRPr sz="1200">
+              <a:t> </a:t>
+            </a:r>
+            <a:endParaRPr sz="1200" dirty="0">
               <a:latin typeface="Adobe Clean"/>
               <a:cs typeface="Adobe Clean"/>
             </a:endParaRPr>
@@ -17649,16 +16176,16 @@
               </a:spcBef>
             </a:pPr>
             <a:r>
-              <a:rPr lang="en-US" sz="1200" b="1" spc="-15">
+              <a:rPr lang="de-de" sz="1200" b="1" spc="-15" dirty="0">
                 <a:solidFill>
                   <a:srgbClr val="FFFFFF"/>
                 </a:solidFill>
                 <a:latin typeface="Adobe Clean"/>
                 <a:cs typeface="Adobe Clean"/>
               </a:rPr>
-              <a:t>Accelerated Support</a:t>
-            </a:r>
-            <a:endParaRPr sz="1200">
+              <a:t>加速支援</a:t>
+            </a:r>
+            <a:endParaRPr sz="1200" dirty="0">
               <a:latin typeface="Adobe Clean"/>
               <a:cs typeface="Adobe Clean"/>
             </a:endParaRPr>
@@ -17701,106 +16228,46 @@
               </a:spcBef>
             </a:pPr>
             <a:r>
-              <a:rPr sz="1200" b="1" spc="-50">
+              <a:rPr lang="de-de" sz="1200" b="1" spc="-50" dirty="0">
                 <a:solidFill>
                   <a:srgbClr val="FFFFFF"/>
                 </a:solidFill>
                 <a:latin typeface="Adobe Clean"/>
                 <a:cs typeface="Adobe Clean"/>
               </a:rPr>
-              <a:t>S</a:t>
-            </a:r>
-            <a:r>
-              <a:rPr sz="1200" b="1" spc="-20">
+              <a:t>策</a:t>
+            </a:r>
+            <a:r>
+              <a:rPr lang="de-de" sz="1200" b="1" spc="-20" dirty="0">
                 <a:solidFill>
                   <a:srgbClr val="FFFFFF"/>
                 </a:solidFill>
                 <a:latin typeface="Adobe Clean"/>
                 <a:cs typeface="Adobe Clean"/>
               </a:rPr>
-              <a:t>t</a:t>
-            </a:r>
-            <a:r>
-              <a:rPr sz="1200" b="1" spc="-75">
+              <a:t>略</a:t>
+            </a:r>
+            <a:r>
+              <a:rPr lang="de-de" sz="1200" b="1" spc="-75" dirty="0">
                 <a:solidFill>
                   <a:srgbClr val="FFFFFF"/>
                 </a:solidFill>
                 <a:latin typeface="Adobe Clean"/>
                 <a:cs typeface="Adobe Clean"/>
               </a:rPr>
-              <a:t>r</a:t>
-            </a:r>
-            <a:r>
-              <a:rPr sz="1200" b="1" spc="-90">
+              <a:t>性</a:t>
+            </a:r>
+            <a:r>
+              <a:rPr lang="de-de" sz="1200" b="1" spc="-45" dirty="0">
                 <a:solidFill>
                   <a:srgbClr val="FFFFFF"/>
                 </a:solidFill>
                 <a:latin typeface="Adobe Clean"/>
                 <a:cs typeface="Adobe Clean"/>
               </a:rPr>
-              <a:t>a</a:t>
-            </a:r>
-            <a:r>
-              <a:rPr sz="1200" b="1" spc="-55">
-                <a:solidFill>
-                  <a:srgbClr val="FFFFFF"/>
-                </a:solidFill>
-                <a:latin typeface="Adobe Clean"/>
-                <a:cs typeface="Adobe Clean"/>
-              </a:rPr>
-              <a:t>t</a:t>
-            </a:r>
-            <a:r>
-              <a:rPr sz="1200" b="1" spc="-100">
-                <a:solidFill>
-                  <a:srgbClr val="FFFFFF"/>
-                </a:solidFill>
-                <a:latin typeface="Adobe Clean"/>
-                <a:cs typeface="Adobe Clean"/>
-              </a:rPr>
-              <a:t>e</a:t>
-            </a:r>
-            <a:r>
-              <a:rPr sz="1200" b="1" spc="-80">
-                <a:solidFill>
-                  <a:srgbClr val="FFFFFF"/>
-                </a:solidFill>
-                <a:latin typeface="Adobe Clean"/>
-                <a:cs typeface="Adobe Clean"/>
-              </a:rPr>
-              <a:t>g</a:t>
-            </a:r>
-            <a:r>
-              <a:rPr sz="1200" b="1" spc="-35">
-                <a:solidFill>
-                  <a:srgbClr val="FFFFFF"/>
-                </a:solidFill>
-                <a:latin typeface="Adobe Clean"/>
-                <a:cs typeface="Adobe Clean"/>
-              </a:rPr>
-              <a:t>i</a:t>
-            </a:r>
-            <a:r>
-              <a:rPr sz="1200" b="1">
-                <a:solidFill>
-                  <a:srgbClr val="FFFFFF"/>
-                </a:solidFill>
-                <a:latin typeface="Adobe Clean"/>
-                <a:cs typeface="Adobe Clean"/>
-              </a:rPr>
-              <a:t>c  </a:t>
-            </a:r>
-            <a:r>
-              <a:rPr sz="1200" b="1" spc="-45">
-                <a:solidFill>
-                  <a:srgbClr val="FFFFFF"/>
-                </a:solidFill>
-                <a:latin typeface="Adobe Clean"/>
-                <a:cs typeface="Adobe Clean"/>
-              </a:rPr>
-              <a:t>Advice</a:t>
-            </a:r>
-            <a:endParaRPr sz="1200">
+              <a:t>建議</a:t>
+            </a:r>
+            <a:endParaRPr sz="1200" dirty="0">
               <a:latin typeface="Adobe Clean"/>
               <a:cs typeface="Adobe Clean"/>
             </a:endParaRPr>
@@ -17829,7 +16296,7 @@
         </p:nvGraphicFramePr>
         <p:xfrm>
           <a:off x="194236" y="1059345"/>
-          <a:ext cx="7368291" cy="2931160"/>
+          <a:ext cx="7368291" cy="2473960"/>
         </p:xfrm>
         <a:graphic>
           <a:graphicData uri="http://schemas.openxmlformats.org/drawingml/2006/table">
@@ -17860,7 +16327,7 @@
                     <a:lstStyle/>
                     <a:p>
                       <a:r>
-                        <a:rPr lang="en-US" sz="1100" b="0">
+                        <a:rPr lang="de-de" sz="1100" b="0" dirty="0">
                           <a:solidFill>
                             <a:schemeClr val="tx1"/>
                           </a:solidFill>
@@ -17871,7 +16338,7 @@
                         </a:rPr>
                         <a:t>Experience League</a:t>
                       </a:r>
-                      <a:endParaRPr lang="en-US" sz="1100" b="0">
+                      <a:endParaRPr lang="en-US" sz="1100" b="0" dirty="0">
                         <a:solidFill>
                           <a:schemeClr val="tx1"/>
                         </a:solidFill>
@@ -17952,7 +16419,7 @@
                         <a:defRPr/>
                       </a:pPr>
                       <a:r>
-                        <a:rPr lang="en-US" sz="1000" b="0" kern="1200">
+                        <a:rPr lang="de-de" sz="1000" b="0" kern="1200" dirty="0">
                           <a:solidFill>
                             <a:srgbClr val="000000"/>
                           </a:solidFill>
@@ -17960,7 +16427,7 @@
                           <a:ea typeface="+mn-ea"/>
                           <a:cs typeface="+mn-cs"/>
                         </a:rPr>
-                        <a:t>Experience League is how Adobe helps businesses achieve the value they expect from their Adobe investment. It’s the unified place where customers can learn, connect, and grow along a personalized path to success that includes self-help tutorials, product documentation, instructor-led training, community and technical support. </a:t>
+                        <a:t>Experience League 是 Adobe 幫助企業經由其所做的 Adobe 投資來實現預期價值的方式。這是一個統一的位置，客戶可以在這裡學習、交流並沿著個人化的成功路徑而成長，這裡有提供自助式教學課程、產品文件、由講師授課的培訓課程、社群及技術支援。</a:t>
                       </a:r>
                     </a:p>
                   </a:txBody>
@@ -18042,7 +16509,7 @@
                         <a:defRPr/>
                       </a:pPr>
                       <a:r>
-                        <a:rPr lang="en-US" sz="1100">
+                        <a:rPr lang="de-de" sz="1100" dirty="0">
                           <a:solidFill>
                             <a:schemeClr val="dk1"/>
                           </a:solidFill>
@@ -18052,21 +16519,9 @@
                           <a:cs typeface="+mn-cs"/>
                           <a:hlinkClick r:id="rId8"/>
                         </a:rPr>
-                        <a:t>Training</a:t>
+                        <a:t>培訓</a:t>
                       </a:r>
-                      <a:r>
-                        <a:rPr lang="en-US" sz="1100">
-                          <a:solidFill>
-                            <a:schemeClr val="dk1"/>
-                          </a:solidFill>
-                          <a:effectLst/>
-                          <a:latin typeface="Adobe Clean" panose="020B0503020404020204" pitchFamily="34" charset="0"/>
-                          <a:ea typeface="+mn-ea"/>
-                          <a:cs typeface="+mn-cs"/>
-                        </a:rPr>
-                        <a:t> </a:t>
-                      </a:r>
-                      <a:endParaRPr lang="en-US" sz="1100">
+                      <a:endParaRPr lang="en-US" sz="1100" dirty="0">
                         <a:solidFill>
                           <a:schemeClr val="tx1"/>
                         </a:solidFill>
@@ -18148,7 +16603,7 @@
                         <a:defRPr/>
                       </a:pPr>
                       <a:r>
-                        <a:rPr lang="en-US" sz="1000" kern="1200">
+                        <a:rPr lang="de-de" sz="1000" kern="1200" dirty="0">
                           <a:solidFill>
                             <a:srgbClr val="000000"/>
                           </a:solidFill>
@@ -18156,7 +16611,7 @@
                           <a:ea typeface="+mn-ea"/>
                           <a:cs typeface="+mn-cs"/>
                         </a:rPr>
-                        <a:t>Adobe Digital Learning Services courses are accessible from Experience League. Learning courses integrate both on-demand and instructor-led lessons.  Here you can accrue skills that have recognized market value and position them to drive success in your organizations.</a:t>
+                        <a:t>您可以從 Experience League 存取 Adobe 數位學習服務課程。學習課程整合了隨需和教師指導的課程。在這裡，您可以習取市場公認價值的技能，並將其定位以促進貴組織獲致成功。</a:t>
                       </a:r>
                     </a:p>
                   </a:txBody>
@@ -18238,7 +16693,7 @@
                         <a:defRPr/>
                       </a:pPr>
                       <a:r>
-                        <a:rPr lang="en-US" sz="1100">
+                        <a:rPr lang="de-de" sz="1100" dirty="0">
                           <a:solidFill>
                             <a:schemeClr val="tx1"/>
                           </a:solidFill>
@@ -18248,9 +16703,9 @@
                           <a:cs typeface="+mn-cs"/>
                           <a:hlinkClick r:id="rId9"/>
                         </a:rPr>
-                        <a:t>Production Issues &amp; System Outages</a:t>
+                        <a:t>生產問題與系統中斷</a:t>
                       </a:r>
-                      <a:endParaRPr lang="en-US" sz="1100">
+                      <a:endParaRPr lang="en-US" sz="1100" dirty="0">
                         <a:solidFill>
                           <a:schemeClr val="tx1"/>
                         </a:solidFill>
@@ -18332,7 +16787,7 @@
                         <a:defRPr/>
                       </a:pPr>
                       <a:r>
-                        <a:rPr lang="en-US" sz="1000" kern="1200">
+                        <a:rPr lang="de-de" sz="1000" kern="1200" dirty="0">
                           <a:solidFill>
                             <a:srgbClr val="000000"/>
                           </a:solidFill>
@@ -18340,7 +16795,7 @@
                           <a:ea typeface="+mn-ea"/>
                           <a:cs typeface="+mn-cs"/>
                         </a:rPr>
-                        <a:t>Status.adobe.com conveys the health information of all Adobe products and services that are deployed in multi-tenant environments. Customers can choose their subscription preferences to get email notifications whenever Adobe creates, updates or resolves a product event. This can include scheduled maintenance or service issues of varying levels of severity. </a:t>
+                        <a:t>Status.adobe.com 會傳達所有在多租用戶環境中部署的 Adobe 產品與服務的健康資訊。客戶可以選擇其訂閱偏好設定，以便在 Adobe 建立、更新或解決產品事件時收到電子郵件通知。這可以包括預定的維護或是不同嚴重性等級的服務問題。</a:t>
                       </a:r>
                     </a:p>
                   </a:txBody>
@@ -18422,7 +16877,7 @@
                         <a:defRPr/>
                       </a:pPr>
                       <a:r>
-                        <a:rPr lang="en-US" sz="1100">
+                        <a:rPr lang="de-de" sz="1100" dirty="0">
                           <a:solidFill>
                             <a:schemeClr val="tx1"/>
                           </a:solidFill>
@@ -18432,9 +16887,9 @@
                           <a:cs typeface="+mn-cs"/>
                           <a:hlinkClick r:id="rId10"/>
                         </a:rPr>
-                        <a:t>Terms and Conditions</a:t>
+                        <a:t>條款與條件</a:t>
                       </a:r>
-                      <a:endParaRPr lang="en-US" sz="1100">
+                      <a:endParaRPr lang="en-US" sz="1100" dirty="0">
                         <a:solidFill>
                           <a:schemeClr val="tx1"/>
                         </a:solidFill>
@@ -18499,7 +16954,7 @@
                     <a:lstStyle/>
                     <a:p>
                       <a:r>
-                        <a:rPr lang="en-US" sz="1000" kern="1200">
+                        <a:rPr lang="de-de" sz="1000" kern="1200" dirty="0">
                           <a:solidFill>
                             <a:srgbClr val="000000"/>
                           </a:solidFill>
@@ -18507,7 +16962,7 @@
                           <a:ea typeface="+mn-ea"/>
                           <a:cs typeface="+mn-cs"/>
                         </a:rPr>
-                        <a:t>Terms and conditions detailing Support Services offerings</a:t>
+                        <a:t>詳述支援服務方案的條款與條件</a:t>
                       </a:r>
                     </a:p>
                   </a:txBody>
@@ -18571,7 +17026,7 @@
       </p:graphicFrame>
       <p:pic>
         <p:nvPicPr>
-          <p:cNvPr id="8" name="Graphic 7" descr="Target outline">
+          <p:cNvPr id="8" name="Graphic 7" descr="目標大綱">
             <a:extLst>
               <a:ext uri="{FF2B5EF4-FFF2-40B4-BE49-F238E27FC236}">
                 <a16:creationId xmlns:a16="http://schemas.microsoft.com/office/drawing/2014/main" id="{1EAA263E-04A7-0D46-952E-EA3033B45116}"/>
@@ -18610,7 +17065,7 @@
       </p:pic>
       <p:pic>
         <p:nvPicPr>
-          <p:cNvPr id="10" name="Graphic 9" descr="Rocket outline">
+          <p:cNvPr id="10" name="Graphic 9" descr="火箭大綱">
             <a:extLst>
               <a:ext uri="{FF2B5EF4-FFF2-40B4-BE49-F238E27FC236}">
                 <a16:creationId xmlns:a16="http://schemas.microsoft.com/office/drawing/2014/main" id="{A068EBC3-B418-4E4A-A520-101CA4B39F23}"/>
@@ -18649,7 +17104,7 @@
       </p:pic>
       <p:pic>
         <p:nvPicPr>
-          <p:cNvPr id="12" name="Graphic 11" descr="Medal outline">
+          <p:cNvPr id="12" name="Graphic 11" descr="獎章概述">
             <a:extLst>
               <a:ext uri="{FF2B5EF4-FFF2-40B4-BE49-F238E27FC236}">
                 <a16:creationId xmlns:a16="http://schemas.microsoft.com/office/drawing/2014/main" id="{C7BEFC2D-0CA6-0448-B9FA-6E1581CA6D36}"/>
@@ -19278,9 +17733,12 @@
 </file>
 
 <file path=customXml/item1.xml><?xml version="1.0" encoding="utf-8"?>
-<p:properties xmlns:p="http://schemas.microsoft.com/office/2006/metadata/properties" xmlns:xsi="http://www.w3.org/2001/XMLSchema-instance" xmlns:pc="http://schemas.microsoft.com/office/infopath/2007/PartnerControls">
-  <documentManagement/>
-</p:properties>
+<?mso-contentType ?>
+<FormTemplates xmlns="http://schemas.microsoft.com/sharepoint/v3/contenttype/forms">
+  <Display>DocumentLibraryForm</Display>
+  <Edit>DocumentLibraryForm</Edit>
+  <New>DocumentLibraryForm</New>
+</FormTemplates>
 </file>
 
 <file path=customXml/item2.xml><?xml version="1.0" encoding="utf-8"?>
@@ -19489,19 +17947,15 @@
 </file>
 
 <file path=customXml/item3.xml><?xml version="1.0" encoding="utf-8"?>
-<?mso-contentType ?>
-<FormTemplates xmlns="http://schemas.microsoft.com/sharepoint/v3/contenttype/forms">
-  <Display>DocumentLibraryForm</Display>
-  <Edit>DocumentLibraryForm</Edit>
-  <New>DocumentLibraryForm</New>
-</FormTemplates>
+<p:properties xmlns:p="http://schemas.microsoft.com/office/2006/metadata/properties" xmlns:xsi="http://www.w3.org/2001/XMLSchema-instance" xmlns:pc="http://schemas.microsoft.com/office/infopath/2007/PartnerControls">
+  <documentManagement/>
+</p:properties>
 </file>
 
 <file path=customXml/itemProps1.xml><?xml version="1.0" encoding="utf-8"?>
-<ds:datastoreItem xmlns:ds="http://schemas.openxmlformats.org/officeDocument/2006/customXml" ds:itemID="{CED41536-010B-47B1-9229-B72BE4090090}">
+<ds:datastoreItem xmlns:ds="http://schemas.openxmlformats.org/officeDocument/2006/customXml" ds:itemID="{669D9D3B-3229-44EE-9964-24A06AE66887}">
   <ds:schemaRefs>
-    <ds:schemaRef ds:uri="http://schemas.microsoft.com/office/2006/metadata/properties"/>
-    <ds:schemaRef ds:uri="http://schemas.microsoft.com/office/infopath/2007/PartnerControls"/>
+    <ds:schemaRef ds:uri="http://schemas.microsoft.com/sharepoint/v3/contenttype/forms"/>
   </ds:schemaRefs>
 </ds:datastoreItem>
 </file>
@@ -19509,26 +17963,27 @@
 <file path=customXml/itemProps2.xml><?xml version="1.0" encoding="utf-8"?>
 <ds:datastoreItem xmlns:ds="http://schemas.openxmlformats.org/officeDocument/2006/customXml" ds:itemID="{75C1A8FD-3884-41A0-BE37-D15776C885D1}">
   <ds:schemaRefs>
+    <ds:schemaRef ds:uri="http://schemas.microsoft.com/office/2006/metadata/contentType"/>
+    <ds:schemaRef ds:uri="http://schemas.microsoft.com/office/2006/metadata/properties/metaAttributes"/>
+    <ds:schemaRef ds:uri="http://www.w3.org/2001/XMLSchema"/>
+    <ds:schemaRef ds:uri="http://schemas.microsoft.com/office/2006/metadata/properties"/>
+    <ds:schemaRef ds:uri="8a053bff-88be-49e4-9a87-e748e18b8b62"/>
     <ds:schemaRef ds:uri="6c8368ec-3776-49b5-a5bb-90648cf9530f"/>
-    <ds:schemaRef ds:uri="8a053bff-88be-49e4-9a87-e748e18b8b62"/>
+    <ds:schemaRef ds:uri="http://schemas.microsoft.com/office/2006/documentManagement/types"/>
+    <ds:schemaRef ds:uri="http://schemas.microsoft.com/office/infopath/2007/PartnerControls"/>
+    <ds:schemaRef ds:uri="http://schemas.openxmlformats.org/package/2006/metadata/core-properties"/>
     <ds:schemaRef ds:uri="http://purl.org/dc/elements/1.1/"/>
     <ds:schemaRef ds:uri="http://purl.org/dc/terms/"/>
     <ds:schemaRef ds:uri="http://schemas.microsoft.com/internal/obd"/>
-    <ds:schemaRef ds:uri="http://schemas.microsoft.com/office/2006/documentManagement/types"/>
-    <ds:schemaRef ds:uri="http://schemas.microsoft.com/office/2006/metadata/contentType"/>
-    <ds:schemaRef ds:uri="http://schemas.microsoft.com/office/2006/metadata/properties"/>
-    <ds:schemaRef ds:uri="http://schemas.microsoft.com/office/2006/metadata/properties/metaAttributes"/>
-    <ds:schemaRef ds:uri="http://schemas.microsoft.com/office/infopath/2007/PartnerControls"/>
-    <ds:schemaRef ds:uri="http://schemas.openxmlformats.org/package/2006/metadata/core-properties"/>
-    <ds:schemaRef ds:uri="http://www.w3.org/2001/XMLSchema"/>
   </ds:schemaRefs>
 </ds:datastoreItem>
 </file>
 
 <file path=customXml/itemProps3.xml><?xml version="1.0" encoding="utf-8"?>
-<ds:datastoreItem xmlns:ds="http://schemas.openxmlformats.org/officeDocument/2006/customXml" ds:itemID="{669D9D3B-3229-44EE-9964-24A06AE66887}">
+<ds:datastoreItem xmlns:ds="http://schemas.openxmlformats.org/officeDocument/2006/customXml" ds:itemID="{CED41536-010B-47B1-9229-B72BE4090090}">
   <ds:schemaRefs>
-    <ds:schemaRef ds:uri="http://schemas.microsoft.com/sharepoint/v3/contenttype/forms"/>
+    <ds:schemaRef ds:uri="http://schemas.microsoft.com/office/2006/metadata/properties"/>
+    <ds:schemaRef ds:uri="http://schemas.microsoft.com/office/infopath/2007/PartnerControls"/>
   </ds:schemaRefs>
 </ds:datastoreItem>
 </file>
--- a/help/data-sheets/assets/EliteSupportDatasheet.pptx
+++ b/help/data-sheets/assets/EliteSupportDatasheet.pptx
@@ -238,7 +238,7 @@
           <a:p>
             <a:fld id="{C12E57D6-2086-AA47-A7A4-C0CDE7C14E44}" type="datetimeFigureOut">
               <a:rPr lang="en-US" smtClean="0"/>
-              <a:t>10/11/21</a:t>
+              <a:t>11/18/21</a:t>
             </a:fld>
             <a:endParaRPr lang="en-US"/>
           </a:p>
@@ -812,7 +812,7 @@
           <a:p>
             <a:fld id="{1D8BD707-D9CF-40AE-B4C6-C98DA3205C09}" type="datetimeFigureOut">
               <a:rPr lang="en-US"/>
-              <a:t>10/11/21</a:t>
+              <a:t>11/18/21</a:t>
             </a:fld>
             <a:endParaRPr lang="en-US"/>
           </a:p>
@@ -1057,7 +1057,7 @@
           <a:p>
             <a:fld id="{1D8BD707-D9CF-40AE-B4C6-C98DA3205C09}" type="datetimeFigureOut">
               <a:rPr lang="en-US"/>
-              <a:t>10/11/21</a:t>
+              <a:t>11/18/21</a:t>
             </a:fld>
             <a:endParaRPr lang="en-US"/>
           </a:p>
@@ -1315,7 +1315,7 @@
           <a:p>
             <a:fld id="{1D8BD707-D9CF-40AE-B4C6-C98DA3205C09}" type="datetimeFigureOut">
               <a:rPr lang="en-US"/>
-              <a:t>10/11/21</a:t>
+              <a:t>11/18/21</a:t>
             </a:fld>
             <a:endParaRPr lang="en-US"/>
           </a:p>
@@ -1507,7 +1507,7 @@
           <a:p>
             <a:fld id="{1D8BD707-D9CF-40AE-B4C6-C98DA3205C09}" type="datetimeFigureOut">
               <a:rPr lang="en-US"/>
-              <a:t>10/11/21</a:t>
+              <a:t>11/18/21</a:t>
             </a:fld>
             <a:endParaRPr lang="en-US"/>
           </a:p>
@@ -1670,7 +1670,7 @@
           <a:p>
             <a:fld id="{1D8BD707-D9CF-40AE-B4C6-C98DA3205C09}" type="datetimeFigureOut">
               <a:rPr lang="en-US"/>
-              <a:t>10/11/21</a:t>
+              <a:t>11/18/21</a:t>
             </a:fld>
             <a:endParaRPr lang="en-US"/>
           </a:p>
@@ -1933,7 +1933,7 @@
           <a:p>
             <a:fld id="{1D8BD707-D9CF-40AE-B4C6-C98DA3205C09}" type="datetimeFigureOut">
               <a:rPr lang="en-US"/>
-              <a:t>10/11/21</a:t>
+              <a:t>11/18/21</a:t>
             </a:fld>
             <a:endParaRPr lang="en-US"/>
           </a:p>
@@ -2233,8 +2233,17 @@
               <a:rPr lang="de-de" sz="2300" dirty="0">
                 <a:latin typeface="Adobe Clean" panose="020B0503020404020204" pitchFamily="34" charset="0"/>
               </a:rPr>
-              <a:t>Adobe 支援方案</a:t>
-            </a:r>
+              <a:t>Adobe </a:t>
+            </a:r>
+            <a:r>
+              <a:rPr lang="ja-JP" altLang="en-US" sz="2300">
+                <a:latin typeface="Adobe Clean" panose="020B0503020404020204" pitchFamily="34" charset="0"/>
+              </a:rPr>
+              <a:t>支援計劃</a:t>
+            </a:r>
+            <a:endParaRPr lang="de-de" sz="2300" dirty="0">
+              <a:latin typeface="Adobe Clean" panose="020B0503020404020204" pitchFamily="34" charset="0"/>
+            </a:endParaRPr>
           </a:p>
         </p:txBody>
       </p:sp>
@@ -2587,7 +2596,7 @@
           <p:nvPr>
             <p:extLst>
               <p:ext uri="{D42A27DB-BD31-4B8C-83A1-F6EECF244321}">
-                <p14:modId xmlns:p14="http://schemas.microsoft.com/office/powerpoint/2010/main" val="708542378"/>
+                <p14:modId xmlns:p14="http://schemas.microsoft.com/office/powerpoint/2010/main" val="2521217630"/>
               </p:ext>
             </p:extLst>
           </p:nvPr>
@@ -2690,13 +2699,14 @@
                     <a:bodyPr/>
                     <a:lstStyle/>
                     <a:p>
-                      <a:pPr marL="382905" algn="ctr">
+                      <a:pPr marL="15875" indent="0" algn="ctr">
                         <a:lnSpc>
                           <a:spcPct val="100000"/>
                         </a:lnSpc>
                         <a:spcBef>
                           <a:spcPts val="45"/>
                         </a:spcBef>
+                        <a:tabLst/>
                       </a:pPr>
                       <a:r>
                         <a:rPr lang="de-de" sz="900" spc="0" dirty="0">
@@ -2752,13 +2762,14 @@
                     <a:bodyPr/>
                     <a:lstStyle/>
                     <a:p>
-                      <a:pPr marL="263525" algn="ctr">
+                      <a:pPr marL="47625" indent="0" algn="ctr">
                         <a:lnSpc>
                           <a:spcPct val="100000"/>
                         </a:lnSpc>
                         <a:spcBef>
                           <a:spcPts val="65"/>
                         </a:spcBef>
+                        <a:tabLst/>
                       </a:pPr>
                       <a:r>
                         <a:rPr lang="de-de" sz="900" spc="0" dirty="0">
@@ -17733,6 +17744,12 @@
 </file>
 
 <file path=customXml/item1.xml><?xml version="1.0" encoding="utf-8"?>
+<p:properties xmlns:p="http://schemas.microsoft.com/office/2006/metadata/properties" xmlns:xsi="http://www.w3.org/2001/XMLSchema-instance" xmlns:pc="http://schemas.microsoft.com/office/infopath/2007/PartnerControls">
+  <documentManagement/>
+</p:properties>
+</file>
+
+<file path=customXml/item2.xml><?xml version="1.0" encoding="utf-8"?>
 <?mso-contentType ?>
 <FormTemplates xmlns="http://schemas.microsoft.com/sharepoint/v3/contenttype/forms">
   <Display>DocumentLibraryForm</Display>
@@ -17741,7 +17758,7 @@
 </FormTemplates>
 </file>
 
-<file path=customXml/item2.xml><?xml version="1.0" encoding="utf-8"?>
+<file path=customXml/item3.xml><?xml version="1.0" encoding="utf-8"?>
 <ct:contentTypeSchema xmlns:ct="http://schemas.microsoft.com/office/2006/metadata/contentType" xmlns:ma="http://schemas.microsoft.com/office/2006/metadata/properties/metaAttributes" ct:_="" ma:_="" ma:contentTypeName="Document" ma:contentTypeID="0x010100E783BF6876BCC646A459363AF21A7736" ma:contentTypeVersion="10" ma:contentTypeDescription="Create a new document." ma:contentTypeScope="" ma:versionID="c4ffda7f4f415767600769e454c2ea87">
   <xsd:schema xmlns:xsd="http://www.w3.org/2001/XMLSchema" xmlns:xs="http://www.w3.org/2001/XMLSchema" xmlns:p="http://schemas.microsoft.com/office/2006/metadata/properties" xmlns:ns2="8a053bff-88be-49e4-9a87-e748e18b8b62" xmlns:ns3="6c8368ec-3776-49b5-a5bb-90648cf9530f" targetNamespace="http://schemas.microsoft.com/office/2006/metadata/properties" ma:root="true" ma:fieldsID="df3ec33bccc23e23bce7bc897fad43d1" ns2:_="" ns3:_="">
     <xsd:import namespace="8a053bff-88be-49e4-9a87-e748e18b8b62"/>
@@ -17946,13 +17963,16 @@
 </ct:contentTypeSchema>
 </file>
 
-<file path=customXml/item3.xml><?xml version="1.0" encoding="utf-8"?>
-<p:properties xmlns:p="http://schemas.microsoft.com/office/2006/metadata/properties" xmlns:xsi="http://www.w3.org/2001/XMLSchema-instance" xmlns:pc="http://schemas.microsoft.com/office/infopath/2007/PartnerControls">
-  <documentManagement/>
-</p:properties>
+<file path=customXml/itemProps1.xml><?xml version="1.0" encoding="utf-8"?>
+<ds:datastoreItem xmlns:ds="http://schemas.openxmlformats.org/officeDocument/2006/customXml" ds:itemID="{CED41536-010B-47B1-9229-B72BE4090090}">
+  <ds:schemaRefs>
+    <ds:schemaRef ds:uri="http://schemas.microsoft.com/office/2006/metadata/properties"/>
+    <ds:schemaRef ds:uri="http://schemas.microsoft.com/office/infopath/2007/PartnerControls"/>
+  </ds:schemaRefs>
+</ds:datastoreItem>
 </file>
 
-<file path=customXml/itemProps1.xml><?xml version="1.0" encoding="utf-8"?>
+<file path=customXml/itemProps2.xml><?xml version="1.0" encoding="utf-8"?>
 <ds:datastoreItem xmlns:ds="http://schemas.openxmlformats.org/officeDocument/2006/customXml" ds:itemID="{669D9D3B-3229-44EE-9964-24A06AE66887}">
   <ds:schemaRefs>
     <ds:schemaRef ds:uri="http://schemas.microsoft.com/sharepoint/v3/contenttype/forms"/>
@@ -17960,7 +17980,7 @@
 </ds:datastoreItem>
 </file>
 
-<file path=customXml/itemProps2.xml><?xml version="1.0" encoding="utf-8"?>
+<file path=customXml/itemProps3.xml><?xml version="1.0" encoding="utf-8"?>
 <ds:datastoreItem xmlns:ds="http://schemas.openxmlformats.org/officeDocument/2006/customXml" ds:itemID="{75C1A8FD-3884-41A0-BE37-D15776C885D1}">
   <ds:schemaRefs>
     <ds:schemaRef ds:uri="http://schemas.microsoft.com/office/2006/metadata/contentType"/>
@@ -17977,13 +17997,4 @@
     <ds:schemaRef ds:uri="http://schemas.microsoft.com/internal/obd"/>
   </ds:schemaRefs>
 </ds:datastoreItem>
-</file>
-
-<file path=customXml/itemProps3.xml><?xml version="1.0" encoding="utf-8"?>
-<ds:datastoreItem xmlns:ds="http://schemas.openxmlformats.org/officeDocument/2006/customXml" ds:itemID="{CED41536-010B-47B1-9229-B72BE4090090}">
-  <ds:schemaRefs>
-    <ds:schemaRef ds:uri="http://schemas.microsoft.com/office/2006/metadata/properties"/>
-    <ds:schemaRef ds:uri="http://schemas.microsoft.com/office/infopath/2007/PartnerControls"/>
-  </ds:schemaRefs>
-</ds:datastoreItem>
 </file>
--- a/help/data-sheets/assets/EliteSupportDatasheet.pptx
+++ b/help/data-sheets/assets/EliteSupportDatasheet.pptx
@@ -151,9 +151,141 @@
 <file path=ppt/revisionInfo.xml><?xml version="1.0" encoding="utf-8"?>
 <p1510:revInfo xmlns:a="http://schemas.openxmlformats.org/drawingml/2006/main" xmlns:r="http://schemas.openxmlformats.org/officeDocument/2006/relationships" xmlns:p1510="http://schemas.microsoft.com/office/powerpoint/2015/10/main">
   <p1510:revLst>
-    <p1510:client id="{86768B6F-E5DF-274A-B928-9320E1DF9962}" v="132" dt="2021-08-07T02:18:13.925"/>
+    <p1510:client id="{1E4B2740-C02D-6848-8C88-402A980B28DC}" v="27" dt="2022-01-20T17:33:40.354"/>
   </p1510:revLst>
 </p1510:revInfo>
+</file>
+
+<file path=ppt/changesInfos/changesInfo1.xml><?xml version="1.0" encoding="utf-8"?>
+<pc:chgInfo xmlns:a="http://schemas.openxmlformats.org/drawingml/2006/main" xmlns:r="http://schemas.openxmlformats.org/officeDocument/2006/relationships" xmlns:ac="http://schemas.microsoft.com/office/drawing/2013/main/command" xmlns:pc="http://schemas.microsoft.com/office/powerpoint/2013/main/command">
+  <pc:docChgLst>
+    <pc:chgData name="Lauren Schutte" userId="6e08b2d3-447a-4d66-86be-444d50df187f" providerId="ADAL" clId="{0BC4D7A0-4BBD-1B49-BE14-170949F0EA37}"/>
+    <pc:docChg chg="modSld">
+      <pc:chgData name="Lauren Schutte" userId="6e08b2d3-447a-4d66-86be-444d50df187f" providerId="ADAL" clId="{0BC4D7A0-4BBD-1B49-BE14-170949F0EA37}" dt="2021-10-13T19:10:14.671" v="3" actId="1035"/>
+      <pc:docMkLst>
+        <pc:docMk/>
+      </pc:docMkLst>
+      <pc:sldChg chg="modSp mod">
+        <pc:chgData name="Lauren Schutte" userId="6e08b2d3-447a-4d66-86be-444d50df187f" providerId="ADAL" clId="{0BC4D7A0-4BBD-1B49-BE14-170949F0EA37}" dt="2021-10-13T19:10:14.671" v="3" actId="1035"/>
+        <pc:sldMkLst>
+          <pc:docMk/>
+          <pc:sldMk cId="0" sldId="256"/>
+        </pc:sldMkLst>
+        <pc:spChg chg="mod">
+          <ac:chgData name="Lauren Schutte" userId="6e08b2d3-447a-4d66-86be-444d50df187f" providerId="ADAL" clId="{0BC4D7A0-4BBD-1B49-BE14-170949F0EA37}" dt="2021-10-13T19:10:14.671" v="3" actId="1035"/>
+          <ac:spMkLst>
+            <pc:docMk/>
+            <pc:sldMk cId="0" sldId="256"/>
+            <ac:spMk id="4" creationId="{00000000-0000-0000-0000-000000000000}"/>
+          </ac:spMkLst>
+        </pc:spChg>
+      </pc:sldChg>
+    </pc:docChg>
+  </pc:docChgLst>
+  <pc:docChgLst>
+    <pc:chgData name="Akilah Johnson" userId="S::akjohnso@adobe.com::2fa3aa60-0c9c-4d06-bae2-795983241227" providerId="AD" clId="Web-{6321287A-37E3-E99F-4766-DFF993179103}"/>
+    <pc:docChg chg="modSld">
+      <pc:chgData name="Akilah Johnson" userId="S::akjohnso@adobe.com::2fa3aa60-0c9c-4d06-bae2-795983241227" providerId="AD" clId="Web-{6321287A-37E3-E99F-4766-DFF993179103}" dt="2021-11-24T00:05:14.840" v="5"/>
+      <pc:docMkLst>
+        <pc:docMk/>
+      </pc:docMkLst>
+      <pc:sldChg chg="modSp">
+        <pc:chgData name="Akilah Johnson" userId="S::akjohnso@adobe.com::2fa3aa60-0c9c-4d06-bae2-795983241227" providerId="AD" clId="Web-{6321287A-37E3-E99F-4766-DFF993179103}" dt="2021-11-24T00:05:14.840" v="5"/>
+        <pc:sldMkLst>
+          <pc:docMk/>
+          <pc:sldMk cId="0" sldId="256"/>
+        </pc:sldMkLst>
+        <pc:graphicFrameChg chg="mod modGraphic">
+          <ac:chgData name="Akilah Johnson" userId="S::akjohnso@adobe.com::2fa3aa60-0c9c-4d06-bae2-795983241227" providerId="AD" clId="Web-{6321287A-37E3-E99F-4766-DFF993179103}" dt="2021-11-24T00:05:14.840" v="5"/>
+          <ac:graphicFrameMkLst>
+            <pc:docMk/>
+            <pc:sldMk cId="0" sldId="256"/>
+            <ac:graphicFrameMk id="7" creationId="{00000000-0000-0000-0000-000000000000}"/>
+          </ac:graphicFrameMkLst>
+        </pc:graphicFrameChg>
+      </pc:sldChg>
+    </pc:docChg>
+  </pc:docChgLst>
+  <pc:docChgLst>
+    <pc:chgData name="Ankita Sood" userId="c93a62e3-2a47-429d-82c6-c2a8fd110ae7" providerId="ADAL" clId="{1E4B2740-C02D-6848-8C88-402A980B28DC}"/>
+    <pc:docChg chg="modSld">
+      <pc:chgData name="Ankita Sood" userId="c93a62e3-2a47-429d-82c6-c2a8fd110ae7" providerId="ADAL" clId="{1E4B2740-C02D-6848-8C88-402A980B28DC}" dt="2022-01-20T19:39:05.294" v="34" actId="20577"/>
+      <pc:docMkLst>
+        <pc:docMk/>
+      </pc:docMkLst>
+      <pc:sldChg chg="modSp mod">
+        <pc:chgData name="Ankita Sood" userId="c93a62e3-2a47-429d-82c6-c2a8fd110ae7" providerId="ADAL" clId="{1E4B2740-C02D-6848-8C88-402A980B28DC}" dt="2022-01-20T19:39:05.294" v="34" actId="20577"/>
+        <pc:sldMkLst>
+          <pc:docMk/>
+          <pc:sldMk cId="0" sldId="256"/>
+        </pc:sldMkLst>
+        <pc:spChg chg="mod">
+          <ac:chgData name="Ankita Sood" userId="c93a62e3-2a47-429d-82c6-c2a8fd110ae7" providerId="ADAL" clId="{1E4B2740-C02D-6848-8C88-402A980B28DC}" dt="2022-01-20T19:39:05.294" v="34" actId="20577"/>
+          <ac:spMkLst>
+            <pc:docMk/>
+            <pc:sldMk cId="0" sldId="256"/>
+            <ac:spMk id="3" creationId="{00000000-0000-0000-0000-000000000000}"/>
+          </ac:spMkLst>
+        </pc:spChg>
+        <pc:graphicFrameChg chg="modGraphic">
+          <ac:chgData name="Ankita Sood" userId="c93a62e3-2a47-429d-82c6-c2a8fd110ae7" providerId="ADAL" clId="{1E4B2740-C02D-6848-8C88-402A980B28DC}" dt="2022-01-20T17:33:31.472" v="18" actId="20577"/>
+          <ac:graphicFrameMkLst>
+            <pc:docMk/>
+            <pc:sldMk cId="0" sldId="256"/>
+            <ac:graphicFrameMk id="7" creationId="{00000000-0000-0000-0000-000000000000}"/>
+          </ac:graphicFrameMkLst>
+        </pc:graphicFrameChg>
+        <pc:graphicFrameChg chg="modGraphic">
+          <ac:chgData name="Ankita Sood" userId="c93a62e3-2a47-429d-82c6-c2a8fd110ae7" providerId="ADAL" clId="{1E4B2740-C02D-6848-8C88-402A980B28DC}" dt="2022-01-20T17:33:27.794" v="10" actId="20577"/>
+          <ac:graphicFrameMkLst>
+            <pc:docMk/>
+            <pc:sldMk cId="0" sldId="256"/>
+            <ac:graphicFrameMk id="13" creationId="{8FC06D05-42C7-D14C-86E4-0F01711669B9}"/>
+          </ac:graphicFrameMkLst>
+        </pc:graphicFrameChg>
+      </pc:sldChg>
+      <pc:sldChg chg="modSp mod">
+        <pc:chgData name="Ankita Sood" userId="c93a62e3-2a47-429d-82c6-c2a8fd110ae7" providerId="ADAL" clId="{1E4B2740-C02D-6848-8C88-402A980B28DC}" dt="2022-01-20T17:33:40.355" v="26" actId="20577"/>
+        <pc:sldMkLst>
+          <pc:docMk/>
+          <pc:sldMk cId="3982262141" sldId="262"/>
+        </pc:sldMkLst>
+        <pc:spChg chg="mod">
+          <ac:chgData name="Ankita Sood" userId="c93a62e3-2a47-429d-82c6-c2a8fd110ae7" providerId="ADAL" clId="{1E4B2740-C02D-6848-8C88-402A980B28DC}" dt="2022-01-20T17:33:40.355" v="26" actId="20577"/>
+          <ac:spMkLst>
+            <pc:docMk/>
+            <pc:sldMk cId="3982262141" sldId="262"/>
+            <ac:spMk id="81" creationId="{68CE4601-87A9-E645-841C-EE142932AEED}"/>
+          </ac:spMkLst>
+        </pc:spChg>
+      </pc:sldChg>
+    </pc:docChg>
+  </pc:docChgLst>
+  <pc:docChgLst>
+    <pc:chgData name="Akilah Johnson" userId="2fa3aa60-0c9c-4d06-bae2-795983241227" providerId="ADAL" clId="{4F9F8D59-37FF-0B43-9EF5-31D48C73FC8D}"/>
+    <pc:docChg chg="modSld">
+      <pc:chgData name="Akilah Johnson" userId="2fa3aa60-0c9c-4d06-bae2-795983241227" providerId="ADAL" clId="{4F9F8D59-37FF-0B43-9EF5-31D48C73FC8D}" dt="2021-11-24T00:07:01.857" v="8" actId="20577"/>
+      <pc:docMkLst>
+        <pc:docMk/>
+      </pc:docMkLst>
+      <pc:sldChg chg="modSp mod">
+        <pc:chgData name="Akilah Johnson" userId="2fa3aa60-0c9c-4d06-bae2-795983241227" providerId="ADAL" clId="{4F9F8D59-37FF-0B43-9EF5-31D48C73FC8D}" dt="2021-11-24T00:07:01.857" v="8" actId="20577"/>
+        <pc:sldMkLst>
+          <pc:docMk/>
+          <pc:sldMk cId="0" sldId="256"/>
+        </pc:sldMkLst>
+        <pc:graphicFrameChg chg="modGraphic">
+          <ac:chgData name="Akilah Johnson" userId="2fa3aa60-0c9c-4d06-bae2-795983241227" providerId="ADAL" clId="{4F9F8D59-37FF-0B43-9EF5-31D48C73FC8D}" dt="2021-11-24T00:07:01.857" v="8" actId="20577"/>
+          <ac:graphicFrameMkLst>
+            <pc:docMk/>
+            <pc:sldMk cId="0" sldId="256"/>
+            <ac:graphicFrameMk id="7" creationId="{00000000-0000-0000-0000-000000000000}"/>
+          </ac:graphicFrameMkLst>
+        </pc:graphicFrameChg>
+      </pc:sldChg>
+    </pc:docChg>
+  </pc:docChgLst>
+</pc:chgInfo>
 </file>
 
 <file path=ppt/notesMasters/notesMaster1.xml><?xml version="1.0" encoding="utf-8"?>
@@ -238,7 +370,7 @@
           <a:p>
             <a:fld id="{C12E57D6-2086-AA47-A7A4-C0CDE7C14E44}" type="datetimeFigureOut">
               <a:rPr lang="en-US" smtClean="0"/>
-              <a:t>11/18/21</a:t>
+              <a:t>1/20/22</a:t>
             </a:fld>
             <a:endParaRPr lang="en-US"/>
           </a:p>
@@ -549,7 +681,7 @@
           <a:bodyPr/>
           <a:lstStyle/>
           <a:p>
-            <a:endParaRPr lang="en-US" dirty="0"/>
+            <a:endParaRPr lang="en-US"/>
           </a:p>
         </p:txBody>
       </p:sp>
@@ -633,7 +765,7 @@
           <a:bodyPr/>
           <a:lstStyle/>
           <a:p>
-            <a:endParaRPr lang="en-US" dirty="0"/>
+            <a:endParaRPr lang="en-US"/>
           </a:p>
         </p:txBody>
       </p:sp>
@@ -812,7 +944,7 @@
           <a:p>
             <a:fld id="{1D8BD707-D9CF-40AE-B4C6-C98DA3205C09}" type="datetimeFigureOut">
               <a:rPr lang="en-US"/>
-              <a:t>11/18/21</a:t>
+              <a:t>1/20/22</a:t>
             </a:fld>
             <a:endParaRPr lang="en-US"/>
           </a:p>
@@ -852,7 +984,7 @@
               </a:spcBef>
             </a:pPr>
             <a:r>
-              <a:rPr spc="-5" dirty="0"/>
+              <a:rPr spc="-5"/>
               <a:t>©</a:t>
             </a:r>
             <a:fld id="{81D60167-4931-47E6-BA6A-407CBD079E47}" type="slidenum">
@@ -860,35 +992,35 @@
               <a:t>‹#›</a:t>
             </a:fld>
             <a:r>
-              <a:rPr spc="-5" dirty="0"/>
+              <a:rPr spc="-5"/>
               <a:t> Adobe. All</a:t>
             </a:r>
             <a:r>
-              <a:rPr spc="-15" dirty="0"/>
+              <a:rPr spc="-15"/>
               <a:t> Rights</a:t>
             </a:r>
             <a:r>
-              <a:rPr spc="-10" dirty="0"/>
+              <a:rPr spc="-10"/>
               <a:t> </a:t>
             </a:r>
             <a:r>
-              <a:rPr spc="-15" dirty="0"/>
+              <a:rPr spc="-15"/>
               <a:t>Reserved.</a:t>
             </a:r>
             <a:r>
-              <a:rPr spc="-10" dirty="0"/>
+              <a:rPr spc="-10"/>
               <a:t> </a:t>
             </a:r>
             <a:r>
-              <a:rPr spc="-5" dirty="0"/>
+              <a:rPr spc="-5"/>
               <a:t>Adobe</a:t>
             </a:r>
             <a:r>
-              <a:rPr spc="60" dirty="0"/>
+              <a:rPr spc="60"/>
               <a:t> </a:t>
             </a:r>
             <a:r>
-              <a:rPr spc="-15" dirty="0"/>
+              <a:rPr spc="-15"/>
               <a:t>Confidential.</a:t>
             </a:r>
           </a:p>
@@ -1057,7 +1189,7 @@
           <a:p>
             <a:fld id="{1D8BD707-D9CF-40AE-B4C6-C98DA3205C09}" type="datetimeFigureOut">
               <a:rPr lang="en-US"/>
-              <a:t>11/18/21</a:t>
+              <a:t>1/20/22</a:t>
             </a:fld>
             <a:endParaRPr lang="en-US"/>
           </a:p>
@@ -1097,7 +1229,7 @@
               </a:spcBef>
             </a:pPr>
             <a:r>
-              <a:rPr spc="-5" dirty="0"/>
+              <a:rPr spc="-5"/>
               <a:t>©</a:t>
             </a:r>
             <a:fld id="{81D60167-4931-47E6-BA6A-407CBD079E47}" type="slidenum">
@@ -1105,35 +1237,35 @@
               <a:t>‹#›</a:t>
             </a:fld>
             <a:r>
-              <a:rPr spc="-5" dirty="0"/>
+              <a:rPr spc="-5"/>
               <a:t> Adobe. All</a:t>
             </a:r>
             <a:r>
-              <a:rPr spc="-15" dirty="0"/>
+              <a:rPr spc="-15"/>
               <a:t> Rights</a:t>
             </a:r>
             <a:r>
-              <a:rPr spc="-10" dirty="0"/>
+              <a:rPr spc="-10"/>
               <a:t> </a:t>
             </a:r>
             <a:r>
-              <a:rPr spc="-15" dirty="0"/>
+              <a:rPr spc="-15"/>
               <a:t>Reserved.</a:t>
             </a:r>
             <a:r>
-              <a:rPr spc="-10" dirty="0"/>
+              <a:rPr spc="-10"/>
               <a:t> </a:t>
             </a:r>
             <a:r>
-              <a:rPr spc="-5" dirty="0"/>
+              <a:rPr spc="-5"/>
               <a:t>Adobe</a:t>
             </a:r>
             <a:r>
-              <a:rPr spc="60" dirty="0"/>
+              <a:rPr spc="60"/>
               <a:t> </a:t>
             </a:r>
             <a:r>
-              <a:rPr spc="-15" dirty="0"/>
+              <a:rPr spc="-15"/>
               <a:t>Confidential.</a:t>
             </a:r>
           </a:p>
@@ -1315,7 +1447,7 @@
           <a:p>
             <a:fld id="{1D8BD707-D9CF-40AE-B4C6-C98DA3205C09}" type="datetimeFigureOut">
               <a:rPr lang="en-US"/>
-              <a:t>11/18/21</a:t>
+              <a:t>1/20/22</a:t>
             </a:fld>
             <a:endParaRPr lang="en-US"/>
           </a:p>
@@ -1355,7 +1487,7 @@
               </a:spcBef>
             </a:pPr>
             <a:r>
-              <a:rPr spc="-5" dirty="0"/>
+              <a:rPr spc="-5"/>
               <a:t>©</a:t>
             </a:r>
             <a:fld id="{81D60167-4931-47E6-BA6A-407CBD079E47}" type="slidenum">
@@ -1363,35 +1495,35 @@
               <a:t>‹#›</a:t>
             </a:fld>
             <a:r>
-              <a:rPr spc="-5" dirty="0"/>
+              <a:rPr spc="-5"/>
               <a:t> Adobe. All</a:t>
             </a:r>
             <a:r>
-              <a:rPr spc="-15" dirty="0"/>
+              <a:rPr spc="-15"/>
               <a:t> Rights</a:t>
             </a:r>
             <a:r>
-              <a:rPr spc="-10" dirty="0"/>
+              <a:rPr spc="-10"/>
               <a:t> </a:t>
             </a:r>
             <a:r>
-              <a:rPr spc="-15" dirty="0"/>
+              <a:rPr spc="-15"/>
               <a:t>Reserved.</a:t>
             </a:r>
             <a:r>
-              <a:rPr spc="-10" dirty="0"/>
+              <a:rPr spc="-10"/>
               <a:t> </a:t>
             </a:r>
             <a:r>
-              <a:rPr spc="-5" dirty="0"/>
+              <a:rPr spc="-5"/>
               <a:t>Adobe</a:t>
             </a:r>
             <a:r>
-              <a:rPr spc="60" dirty="0"/>
+              <a:rPr spc="60"/>
               <a:t> </a:t>
             </a:r>
             <a:r>
-              <a:rPr spc="-15" dirty="0"/>
+              <a:rPr spc="-15"/>
               <a:t>Confidential.</a:t>
             </a:r>
           </a:p>
@@ -1507,7 +1639,7 @@
           <a:p>
             <a:fld id="{1D8BD707-D9CF-40AE-B4C6-C98DA3205C09}" type="datetimeFigureOut">
               <a:rPr lang="en-US"/>
-              <a:t>11/18/21</a:t>
+              <a:t>1/20/22</a:t>
             </a:fld>
             <a:endParaRPr lang="en-US"/>
           </a:p>
@@ -1547,7 +1679,7 @@
               </a:spcBef>
             </a:pPr>
             <a:r>
-              <a:rPr spc="-5" dirty="0"/>
+              <a:rPr spc="-5"/>
               <a:t>©</a:t>
             </a:r>
             <a:fld id="{81D60167-4931-47E6-BA6A-407CBD079E47}" type="slidenum">
@@ -1555,35 +1687,35 @@
               <a:t>‹#›</a:t>
             </a:fld>
             <a:r>
-              <a:rPr spc="-5" dirty="0"/>
+              <a:rPr spc="-5"/>
               <a:t> Adobe. All</a:t>
             </a:r>
             <a:r>
-              <a:rPr spc="-15" dirty="0"/>
+              <a:rPr spc="-15"/>
               <a:t> Rights</a:t>
             </a:r>
             <a:r>
-              <a:rPr spc="-10" dirty="0"/>
+              <a:rPr spc="-10"/>
               <a:t> </a:t>
             </a:r>
             <a:r>
-              <a:rPr spc="-15" dirty="0"/>
+              <a:rPr spc="-15"/>
               <a:t>Reserved.</a:t>
             </a:r>
             <a:r>
-              <a:rPr spc="-10" dirty="0"/>
+              <a:rPr spc="-10"/>
               <a:t> </a:t>
             </a:r>
             <a:r>
-              <a:rPr spc="-5" dirty="0"/>
+              <a:rPr spc="-5"/>
               <a:t>Adobe</a:t>
             </a:r>
             <a:r>
-              <a:rPr spc="60" dirty="0"/>
+              <a:rPr spc="60"/>
               <a:t> </a:t>
             </a:r>
             <a:r>
-              <a:rPr spc="-15" dirty="0"/>
+              <a:rPr spc="-15"/>
               <a:t>Confidential.</a:t>
             </a:r>
           </a:p>
@@ -1670,7 +1802,7 @@
           <a:p>
             <a:fld id="{1D8BD707-D9CF-40AE-B4C6-C98DA3205C09}" type="datetimeFigureOut">
               <a:rPr lang="en-US"/>
-              <a:t>11/18/21</a:t>
+              <a:t>1/20/22</a:t>
             </a:fld>
             <a:endParaRPr lang="en-US"/>
           </a:p>
@@ -1710,7 +1842,7 @@
               </a:spcBef>
             </a:pPr>
             <a:r>
-              <a:rPr spc="-5" dirty="0"/>
+              <a:rPr spc="-5"/>
               <a:t>©</a:t>
             </a:r>
             <a:fld id="{81D60167-4931-47E6-BA6A-407CBD079E47}" type="slidenum">
@@ -1718,35 +1850,35 @@
               <a:t>‹#›</a:t>
             </a:fld>
             <a:r>
-              <a:rPr spc="-5" dirty="0"/>
+              <a:rPr spc="-5"/>
               <a:t> Adobe. All</a:t>
             </a:r>
             <a:r>
-              <a:rPr spc="-15" dirty="0"/>
+              <a:rPr spc="-15"/>
               <a:t> Rights</a:t>
             </a:r>
             <a:r>
-              <a:rPr spc="-10" dirty="0"/>
+              <a:rPr spc="-10"/>
               <a:t> </a:t>
             </a:r>
             <a:r>
-              <a:rPr spc="-15" dirty="0"/>
+              <a:rPr spc="-15"/>
               <a:t>Reserved.</a:t>
             </a:r>
             <a:r>
-              <a:rPr spc="-10" dirty="0"/>
+              <a:rPr spc="-10"/>
               <a:t> </a:t>
             </a:r>
             <a:r>
-              <a:rPr spc="-5" dirty="0"/>
+              <a:rPr spc="-5"/>
               <a:t>Adobe</a:t>
             </a:r>
             <a:r>
-              <a:rPr spc="60" dirty="0"/>
+              <a:rPr spc="60"/>
               <a:t> </a:t>
             </a:r>
             <a:r>
-              <a:rPr spc="-15" dirty="0"/>
+              <a:rPr spc="-15"/>
               <a:t>Confidential.</a:t>
             </a:r>
           </a:p>
@@ -1933,7 +2065,7 @@
           <a:p>
             <a:fld id="{1D8BD707-D9CF-40AE-B4C6-C98DA3205C09}" type="datetimeFigureOut">
               <a:rPr lang="en-US"/>
-              <a:t>11/18/21</a:t>
+              <a:t>1/20/22</a:t>
             </a:fld>
             <a:endParaRPr lang="en-US"/>
           </a:p>
@@ -1983,7 +2115,7 @@
               </a:spcBef>
             </a:pPr>
             <a:r>
-              <a:rPr spc="-5" dirty="0"/>
+              <a:rPr spc="-5"/>
               <a:t>©</a:t>
             </a:r>
             <a:fld id="{81D60167-4931-47E6-BA6A-407CBD079E47}" type="slidenum">
@@ -1991,35 +2123,35 @@
               <a:t>‹#›</a:t>
             </a:fld>
             <a:r>
-              <a:rPr spc="-5" dirty="0"/>
+              <a:rPr spc="-5"/>
               <a:t> Adobe. All</a:t>
             </a:r>
             <a:r>
-              <a:rPr spc="-15" dirty="0"/>
+              <a:rPr spc="-15"/>
               <a:t> Rights</a:t>
             </a:r>
             <a:r>
-              <a:rPr spc="-10" dirty="0"/>
+              <a:rPr spc="-10"/>
               <a:t> </a:t>
             </a:r>
             <a:r>
-              <a:rPr spc="-15" dirty="0"/>
+              <a:rPr spc="-15"/>
               <a:t>Reserved.</a:t>
             </a:r>
             <a:r>
-              <a:rPr spc="-10" dirty="0"/>
+              <a:rPr spc="-10"/>
               <a:t> </a:t>
             </a:r>
             <a:r>
-              <a:rPr spc="-5" dirty="0"/>
+              <a:rPr spc="-5"/>
               <a:t>Adobe</a:t>
             </a:r>
             <a:r>
-              <a:rPr spc="60" dirty="0"/>
+              <a:rPr spc="60"/>
               <a:t> </a:t>
             </a:r>
             <a:r>
-              <a:rPr spc="-15" dirty="0"/>
+              <a:rPr spc="-15"/>
               <a:t>Confidential.</a:t>
             </a:r>
           </a:p>
@@ -2216,32 +2348,25 @@
           </a:prstGeom>
         </p:spPr>
         <p:txBody>
-          <a:bodyPr vert="horz" wrap="square" lIns="0" tIns="12700" rIns="0" bIns="0" rtlCol="0">
+          <a:bodyPr vert="horz" wrap="square" lIns="0" tIns="12700" rIns="0" bIns="0" rtlCol="0" anchor="t">
             <a:spAutoFit/>
           </a:bodyPr>
           <a:lstStyle/>
           <a:p>
             <a:pPr marL="12700">
-              <a:lnSpc>
-                <a:spcPct val="100000"/>
-              </a:lnSpc>
               <a:spcBef>
                 <a:spcPts val="100"/>
               </a:spcBef>
             </a:pPr>
             <a:r>
-              <a:rPr lang="de-de" sz="2300" dirty="0">
-                <a:latin typeface="Adobe Clean" panose="020B0503020404020204" pitchFamily="34" charset="0"/>
-              </a:rPr>
-              <a:t>Adobe </a:t>
-            </a:r>
-            <a:r>
-              <a:rPr lang="ja-JP" altLang="en-US" sz="2300">
-                <a:latin typeface="Adobe Clean" panose="020B0503020404020204" pitchFamily="34" charset="0"/>
-              </a:rPr>
-              <a:t>支援計劃</a:t>
-            </a:r>
-            <a:endParaRPr lang="de-de" sz="2300" dirty="0">
+              <a:rPr sz="2300"/>
+              <a:t>ADOBE </a:t>
+            </a:r>
+            <a:r>
+              <a:rPr lang="en-US" sz="2300"/>
+              <a:t>SUPPORT PLANS</a:t>
+            </a:r>
+            <a:endParaRPr sz="2300">
               <a:latin typeface="Adobe Clean" panose="020B0503020404020204" pitchFamily="34" charset="0"/>
             </a:endParaRPr>
           </a:p>
@@ -2277,17 +2402,17 @@
               </a:spcBef>
             </a:pPr>
             <a:r>
-              <a:rPr lang="de-de" sz="1100" spc="-5" dirty="0">
+              <a:rPr lang="en-US" sz="1100" spc="-5" dirty="0">
                 <a:solidFill>
                   <a:srgbClr val="FFFFFF"/>
                 </a:solidFill>
                 <a:latin typeface="AdobeClean-Light"/>
                 <a:cs typeface="AdobeClean-Light"/>
               </a:rPr>
-              <a:t>線上</a:t>
-            </a:r>
-            <a:r>
-              <a:rPr lang="de-de" sz="1100" dirty="0">
+              <a:t>Standard</a:t>
+            </a:r>
+            <a:r>
+              <a:rPr sz="1100" dirty="0">
                 <a:solidFill>
                   <a:srgbClr val="FFFFFF"/>
                 </a:solidFill>
@@ -2297,7 +2422,7 @@
               <a:t> |</a:t>
             </a:r>
             <a:r>
-              <a:rPr lang="de-de" sz="1100" spc="5" dirty="0">
+              <a:rPr sz="1100" spc="10" dirty="0">
                 <a:solidFill>
                   <a:srgbClr val="FFFFFF"/>
                 </a:solidFill>
@@ -2307,84 +2432,54 @@
               <a:t> </a:t>
             </a:r>
             <a:r>
-              <a:rPr lang="de-de" sz="1100" spc="-5" dirty="0">
+              <a:rPr sz="1100" spc="-5" dirty="0">
                 <a:solidFill>
                   <a:srgbClr val="FFFFFF"/>
                 </a:solidFill>
                 <a:latin typeface="AdobeClean-Light"/>
                 <a:cs typeface="AdobeClean-Light"/>
               </a:rPr>
-              <a:t>商務</a:t>
-            </a:r>
-            <a:r>
-              <a:rPr lang="de-de" sz="1100" dirty="0">
+              <a:t>Enterprise</a:t>
+            </a:r>
+            <a:r>
+              <a:rPr sz="1100" spc="10" dirty="0">
                 <a:solidFill>
                   <a:srgbClr val="FFFFFF"/>
                 </a:solidFill>
                 <a:latin typeface="AdobeClean-Light"/>
                 <a:cs typeface="AdobeClean-Light"/>
               </a:rPr>
-              <a:t> |</a:t>
-            </a:r>
-            <a:r>
-              <a:rPr lang="de-de" sz="1100" spc="10" dirty="0">
+              <a:t> </a:t>
+            </a:r>
+            <a:r>
+              <a:rPr sz="1100" dirty="0">
                 <a:solidFill>
                   <a:srgbClr val="FFFFFF"/>
                 </a:solidFill>
                 <a:latin typeface="AdobeClean-Light"/>
                 <a:cs typeface="AdobeClean-Light"/>
               </a:rPr>
-              <a:t> </a:t>
-            </a:r>
-            <a:r>
-              <a:rPr lang="de-de" sz="1100" spc="-5" dirty="0">
+              <a:t>|</a:t>
+            </a:r>
+            <a:r>
+              <a:rPr sz="1100" spc="5" dirty="0">
                 <a:solidFill>
                   <a:srgbClr val="FFFFFF"/>
                 </a:solidFill>
                 <a:latin typeface="AdobeClean-Light"/>
                 <a:cs typeface="AdobeClean-Light"/>
               </a:rPr>
-              <a:t>企業</a:t>
-            </a:r>
-            <a:r>
-              <a:rPr lang="de-de" sz="1100" spc="10" dirty="0">
-                <a:solidFill>
-                  <a:srgbClr val="FFFFFF"/>
-                </a:solidFill>
-                <a:latin typeface="AdobeClean-Light"/>
-                <a:cs typeface="AdobeClean-Light"/>
-              </a:rPr>
               <a:t> </a:t>
             </a:r>
             <a:r>
-              <a:rPr lang="de-de" sz="1100" dirty="0">
-                <a:solidFill>
-                  <a:srgbClr val="FFFFFF"/>
-                </a:solidFill>
-                <a:latin typeface="AdobeClean-Light"/>
-                <a:cs typeface="AdobeClean-Light"/>
-              </a:rPr>
-              <a:t>|</a:t>
-            </a:r>
-            <a:r>
-              <a:rPr lang="de-de" sz="1100" spc="5" dirty="0">
-                <a:solidFill>
-                  <a:srgbClr val="FFFFFF"/>
-                </a:solidFill>
-                <a:latin typeface="AdobeClean-Light"/>
-                <a:cs typeface="AdobeClean-Light"/>
-              </a:rPr>
-              <a:t> </a:t>
-            </a:r>
-            <a:r>
-              <a:rPr lang="de-de" sz="1100" b="1" spc="-65" dirty="0">
+              <a:rPr sz="1100" b="1" spc="-65" dirty="0">
                 <a:solidFill>
                   <a:srgbClr val="FFFFFF"/>
                 </a:solidFill>
                 <a:latin typeface="Arial"/>
                 <a:cs typeface="Arial"/>
               </a:rPr>
-              <a:t>菁英</a:t>
+              <a:t>Elite</a:t>
             </a:r>
             <a:endParaRPr sz="1100" dirty="0">
               <a:latin typeface="Arial"/>
@@ -2398,13 +2493,13 @@
               </a:spcBef>
             </a:pPr>
             <a:r>
-              <a:rPr lang="de-de" sz="900" dirty="0">
+              <a:rPr lang="en-US" sz="900" dirty="0">
                 <a:solidFill>
                   <a:schemeClr val="bg1"/>
                 </a:solidFill>
                 <a:latin typeface="Adobe Clean SemiLight" panose="020B0403020404020204" pitchFamily="34" charset="0"/>
               </a:rPr>
-              <a:t>Adobe 提供全方位的技術資源來支援您的業務，這些資源包括在您的 Experience Cloud 授權訂閱中，並在菁英支援套件中進一步強化。菁英支援包括透過 Adobe Experience League 存取個人化學習路徑和監控的社群論壇。您還可以利用我們詳細而深入的技術產品文件和目前的版本注意事項。菁英客戶還可以獲得一位指定的支援工程師和一位技術客戶經理，他們將與您合作，提供一流的主動和被動支援，同時作為您在 Adobe 支援團隊的指定技術連絡人。憑藉在指定的 Experience Cloud 解決方案方面的深厚經驗，無論您的支援需求有多複雜，您的 Adobe 支援團隊都會全程與您並肩作戰，以確保您最大化在 Adobe Experience Cloud 解決方案中的投資，並幫助您在問題發生之前未雨綢繆。</a:t>
+              <a:t>Adobe provides a comprehensive range of technical resources to help support your business included as part of your Experience Cloud license subscription and further enhanced in the ELITE support package. ELITE support includes access to personalized learning paths and monitored community forums via the Adobe Experience League. You can also take advantage of our detailed and in-depth technical product documentation and current release notes. ELITE customers will also have access to a Named Support Engineer as well as a Technical Account Manager who combine and work in partnership with you to provide best in class proactive and reactive support while acting as your designated technical contacts in the Adobe Support Team. With deep experience in your designated Experience Cloud solutions, your support team work to ensure that no matter how complex your support needs are, the Adobe Support team will be there side by side with you throughout, to ensure you maximize your investment in the Adobe Experience Cloud solutions and to help you avoid problems before they happen.</a:t>
             </a:r>
             <a:endParaRPr sz="900" dirty="0">
               <a:solidFill>
@@ -2424,8 +2519,8 @@
         </p:nvSpPr>
         <p:spPr>
           <a:xfrm>
-            <a:off x="168564" y="7024370"/>
-            <a:ext cx="5394036" cy="228268"/>
+            <a:off x="168564" y="7162800"/>
+            <a:ext cx="2780665" cy="238760"/>
           </a:xfrm>
           <a:prstGeom prst="rect">
             <a:avLst/>
@@ -2446,7 +2541,7 @@
               </a:spcBef>
             </a:pPr>
             <a:r>
-              <a:rPr lang="de-de" sz="1400" b="1" u="heavy" spc="20" dirty="0">
+              <a:rPr sz="1400" b="1" u="heavy" spc="20">
                 <a:solidFill>
                   <a:srgbClr val="020302"/>
                 </a:solidFill>
@@ -2458,10 +2553,10 @@
                 <a:latin typeface="Adobe Clean"/>
                 <a:cs typeface="Adobe Clean"/>
               </a:rPr>
-              <a:t>服務</a:t>
-            </a:r>
-            <a:r>
-              <a:rPr lang="de-de" sz="1400" b="1" u="heavy" spc="-20" dirty="0">
+              <a:t>S</a:t>
+            </a:r>
+            <a:r>
+              <a:rPr sz="1400" b="1" u="heavy">
                 <a:solidFill>
                   <a:srgbClr val="020302"/>
                 </a:solidFill>
@@ -2473,10 +2568,10 @@
                 <a:latin typeface="Adobe Clean"/>
                 <a:cs typeface="Adobe Clean"/>
               </a:rPr>
-              <a:t>層級</a:t>
-            </a:r>
-            <a:r>
-              <a:rPr lang="de-de" sz="1400" b="1" u="heavy" spc="-10" dirty="0">
+              <a:t>er</a:t>
+            </a:r>
+            <a:r>
+              <a:rPr sz="1400" b="1" u="heavy" spc="10">
                 <a:solidFill>
                   <a:srgbClr val="020302"/>
                 </a:solidFill>
@@ -2488,10 +2583,10 @@
                 <a:latin typeface="Adobe Clean"/>
                 <a:cs typeface="Adobe Clean"/>
               </a:rPr>
-              <a:t> </a:t>
-            </a:r>
-            <a:r>
-              <a:rPr lang="de-de" sz="1400" b="1" u="heavy" spc="-65" dirty="0">
+              <a:t>vi</a:t>
+            </a:r>
+            <a:r>
+              <a:rPr sz="1400" b="1" u="heavy">
                 <a:solidFill>
                   <a:srgbClr val="020302"/>
                 </a:solidFill>
@@ -2503,10 +2598,10 @@
                 <a:latin typeface="Adobe Clean"/>
                 <a:cs typeface="Adobe Clean"/>
               </a:rPr>
-              <a:t>目</a:t>
-            </a:r>
-            <a:r>
-              <a:rPr lang="de-de" sz="1400" b="1" u="heavy" spc="-35" dirty="0">
+              <a:t>ce</a:t>
+            </a:r>
+            <a:r>
+              <a:rPr sz="1400" b="1" u="heavy" spc="20">
                 <a:solidFill>
                   <a:srgbClr val="020302"/>
                 </a:solidFill>
@@ -2518,10 +2613,10 @@
                 <a:latin typeface="Adobe Clean"/>
                 <a:cs typeface="Adobe Clean"/>
               </a:rPr>
-              <a:t>標</a:t>
-            </a:r>
-            <a:r>
-              <a:rPr lang="de-de" sz="1400" b="1" u="heavy" dirty="0">
+              <a:t> </a:t>
+            </a:r>
+            <a:r>
+              <a:rPr sz="1400" b="1" u="heavy" spc="-20">
                 <a:solidFill>
                   <a:srgbClr val="020302"/>
                 </a:solidFill>
@@ -2533,10 +2628,10 @@
                 <a:latin typeface="Adobe Clean"/>
                 <a:cs typeface="Adobe Clean"/>
               </a:rPr>
-              <a:t>：</a:t>
-            </a:r>
-            <a:r>
-              <a:rPr lang="de-de" sz="1400" b="1" u="heavy" spc="-80" dirty="0">
+              <a:t>Le</a:t>
+            </a:r>
+            <a:r>
+              <a:rPr sz="1400" b="1" u="heavy" spc="-10">
                 <a:solidFill>
                   <a:srgbClr val="020302"/>
                 </a:solidFill>
@@ -2548,10 +2643,10 @@
                 <a:latin typeface="Adobe Clean"/>
                 <a:cs typeface="Adobe Clean"/>
               </a:rPr>
-              <a:t> </a:t>
-            </a:r>
-            <a:r>
-              <a:rPr lang="de-de" sz="1400" b="1" u="heavy" spc="-20" dirty="0">
+              <a:t>v</a:t>
+            </a:r>
+            <a:r>
+              <a:rPr sz="1400" b="1" u="heavy" spc="-20">
                 <a:solidFill>
                   <a:srgbClr val="020302"/>
                 </a:solidFill>
@@ -2563,10 +2658,10 @@
                 <a:latin typeface="Adobe Clean"/>
                 <a:cs typeface="Adobe Clean"/>
               </a:rPr>
-              <a:t>初始回應</a:t>
-            </a:r>
-            <a:r>
-              <a:rPr lang="de-de" sz="1400" b="1" u="heavy" spc="-140" dirty="0">
+              <a:t>e</a:t>
+            </a:r>
+            <a:r>
+              <a:rPr sz="1400" b="1" u="heavy">
                 <a:solidFill>
                   <a:srgbClr val="020302"/>
                 </a:solidFill>
@@ -2578,9 +2673,324 @@
                 <a:latin typeface="Adobe Clean"/>
                 <a:cs typeface="Adobe Clean"/>
               </a:rPr>
+              <a:t>l</a:t>
+            </a:r>
+            <a:r>
+              <a:rPr sz="1400" b="1" u="heavy" spc="-10">
+                <a:solidFill>
+                  <a:srgbClr val="020302"/>
+                </a:solidFill>
+                <a:uFill>
+                  <a:solidFill>
+                    <a:srgbClr val="020302"/>
+                  </a:solidFill>
+                </a:uFill>
+                <a:latin typeface="Adobe Clean"/>
+                <a:cs typeface="Adobe Clean"/>
+              </a:rPr>
               <a:t> </a:t>
             </a:r>
-            <a:endParaRPr sz="1400" dirty="0">
+            <a:r>
+              <a:rPr sz="1400" b="1" u="heavy" spc="-65">
+                <a:solidFill>
+                  <a:srgbClr val="020302"/>
+                </a:solidFill>
+                <a:uFill>
+                  <a:solidFill>
+                    <a:srgbClr val="020302"/>
+                  </a:solidFill>
+                </a:uFill>
+                <a:latin typeface="Adobe Clean"/>
+                <a:cs typeface="Adobe Clean"/>
+              </a:rPr>
+              <a:t>T</a:t>
+            </a:r>
+            <a:r>
+              <a:rPr sz="1400" b="1" u="heavy" spc="-35">
+                <a:solidFill>
+                  <a:srgbClr val="020302"/>
+                </a:solidFill>
+                <a:uFill>
+                  <a:solidFill>
+                    <a:srgbClr val="020302"/>
+                  </a:solidFill>
+                </a:uFill>
+                <a:latin typeface="Adobe Clean"/>
+                <a:cs typeface="Adobe Clean"/>
+              </a:rPr>
+              <a:t>a</a:t>
+            </a:r>
+            <a:r>
+              <a:rPr sz="1400" b="1" u="heavy" spc="-45">
+                <a:solidFill>
+                  <a:srgbClr val="020302"/>
+                </a:solidFill>
+                <a:uFill>
+                  <a:solidFill>
+                    <a:srgbClr val="020302"/>
+                  </a:solidFill>
+                </a:uFill>
+                <a:latin typeface="Adobe Clean"/>
+                <a:cs typeface="Adobe Clean"/>
+              </a:rPr>
+              <a:t>r</a:t>
+            </a:r>
+            <a:r>
+              <a:rPr sz="1400" b="1" u="heavy" spc="-35">
+                <a:solidFill>
+                  <a:srgbClr val="020302"/>
+                </a:solidFill>
+                <a:uFill>
+                  <a:solidFill>
+                    <a:srgbClr val="020302"/>
+                  </a:solidFill>
+                </a:uFill>
+                <a:latin typeface="Adobe Clean"/>
+                <a:cs typeface="Adobe Clean"/>
+              </a:rPr>
+              <a:t>g</a:t>
+            </a:r>
+            <a:r>
+              <a:rPr sz="1400" b="1" u="heavy" spc="-55">
+                <a:solidFill>
+                  <a:srgbClr val="020302"/>
+                </a:solidFill>
+                <a:uFill>
+                  <a:solidFill>
+                    <a:srgbClr val="020302"/>
+                  </a:solidFill>
+                </a:uFill>
+                <a:latin typeface="Adobe Clean"/>
+                <a:cs typeface="Adobe Clean"/>
+              </a:rPr>
+              <a:t>et</a:t>
+            </a:r>
+            <a:r>
+              <a:rPr sz="1400" b="1" u="heavy" spc="-45">
+                <a:solidFill>
+                  <a:srgbClr val="020302"/>
+                </a:solidFill>
+                <a:uFill>
+                  <a:solidFill>
+                    <a:srgbClr val="020302"/>
+                  </a:solidFill>
+                </a:uFill>
+                <a:latin typeface="Adobe Clean"/>
+                <a:cs typeface="Adobe Clean"/>
+              </a:rPr>
+              <a:t>s</a:t>
+            </a:r>
+            <a:r>
+              <a:rPr sz="1400" b="1" u="heavy">
+                <a:solidFill>
+                  <a:srgbClr val="020302"/>
+                </a:solidFill>
+                <a:uFill>
+                  <a:solidFill>
+                    <a:srgbClr val="020302"/>
+                  </a:solidFill>
+                </a:uFill>
+                <a:latin typeface="Adobe Clean"/>
+                <a:cs typeface="Adobe Clean"/>
+              </a:rPr>
+              <a:t>:</a:t>
+            </a:r>
+            <a:r>
+              <a:rPr sz="1400" b="1" u="heavy" spc="-80">
+                <a:solidFill>
+                  <a:srgbClr val="020302"/>
+                </a:solidFill>
+                <a:uFill>
+                  <a:solidFill>
+                    <a:srgbClr val="020302"/>
+                  </a:solidFill>
+                </a:uFill>
+                <a:latin typeface="Adobe Clean"/>
+                <a:cs typeface="Adobe Clean"/>
+              </a:rPr>
+              <a:t> </a:t>
+            </a:r>
+            <a:r>
+              <a:rPr sz="1400" b="1" u="heavy" spc="-20">
+                <a:solidFill>
+                  <a:srgbClr val="020302"/>
+                </a:solidFill>
+                <a:uFill>
+                  <a:solidFill>
+                    <a:srgbClr val="020302"/>
+                  </a:solidFill>
+                </a:uFill>
+                <a:latin typeface="Adobe Clean"/>
+                <a:cs typeface="Adobe Clean"/>
+              </a:rPr>
+              <a:t>I</a:t>
+            </a:r>
+            <a:r>
+              <a:rPr sz="1400" b="1" u="heavy" spc="-10">
+                <a:solidFill>
+                  <a:srgbClr val="020302"/>
+                </a:solidFill>
+                <a:uFill>
+                  <a:solidFill>
+                    <a:srgbClr val="020302"/>
+                  </a:solidFill>
+                </a:uFill>
+                <a:latin typeface="Adobe Clean"/>
+                <a:cs typeface="Adobe Clean"/>
+              </a:rPr>
+              <a:t>ni</a:t>
+            </a:r>
+            <a:r>
+              <a:rPr sz="1400" b="1" u="heavy" spc="-20">
+                <a:solidFill>
+                  <a:srgbClr val="020302"/>
+                </a:solidFill>
+                <a:uFill>
+                  <a:solidFill>
+                    <a:srgbClr val="020302"/>
+                  </a:solidFill>
+                </a:uFill>
+                <a:latin typeface="Adobe Clean"/>
+                <a:cs typeface="Adobe Clean"/>
+              </a:rPr>
+              <a:t>t</a:t>
+            </a:r>
+            <a:r>
+              <a:rPr sz="1400" b="1" u="heavy" spc="-10">
+                <a:solidFill>
+                  <a:srgbClr val="020302"/>
+                </a:solidFill>
+                <a:uFill>
+                  <a:solidFill>
+                    <a:srgbClr val="020302"/>
+                  </a:solidFill>
+                </a:uFill>
+                <a:latin typeface="Adobe Clean"/>
+                <a:cs typeface="Adobe Clean"/>
+              </a:rPr>
+              <a:t>i</a:t>
+            </a:r>
+            <a:r>
+              <a:rPr sz="1400" b="1" u="heavy">
+                <a:solidFill>
+                  <a:srgbClr val="020302"/>
+                </a:solidFill>
+                <a:uFill>
+                  <a:solidFill>
+                    <a:srgbClr val="020302"/>
+                  </a:solidFill>
+                </a:uFill>
+                <a:latin typeface="Adobe Clean"/>
+                <a:cs typeface="Adobe Clean"/>
+              </a:rPr>
+              <a:t>al</a:t>
+            </a:r>
+            <a:r>
+              <a:rPr sz="1400" b="1" u="heavy" spc="-140">
+                <a:solidFill>
+                  <a:srgbClr val="020302"/>
+                </a:solidFill>
+                <a:uFill>
+                  <a:solidFill>
+                    <a:srgbClr val="020302"/>
+                  </a:solidFill>
+                </a:uFill>
+                <a:latin typeface="Adobe Clean"/>
+                <a:cs typeface="Adobe Clean"/>
+              </a:rPr>
+              <a:t> </a:t>
+            </a:r>
+            <a:r>
+              <a:rPr sz="1400" b="1" u="heavy" spc="-15">
+                <a:solidFill>
+                  <a:srgbClr val="020302"/>
+                </a:solidFill>
+                <a:uFill>
+                  <a:solidFill>
+                    <a:srgbClr val="020302"/>
+                  </a:solidFill>
+                </a:uFill>
+                <a:latin typeface="Adobe Clean"/>
+                <a:cs typeface="Adobe Clean"/>
+              </a:rPr>
+              <a:t>R</a:t>
+            </a:r>
+            <a:r>
+              <a:rPr sz="1400" b="1" u="heavy" spc="-25">
+                <a:solidFill>
+                  <a:srgbClr val="020302"/>
+                </a:solidFill>
+                <a:uFill>
+                  <a:solidFill>
+                    <a:srgbClr val="020302"/>
+                  </a:solidFill>
+                </a:uFill>
+                <a:latin typeface="Adobe Clean"/>
+                <a:cs typeface="Adobe Clean"/>
+              </a:rPr>
+              <a:t>e</a:t>
+            </a:r>
+            <a:r>
+              <a:rPr sz="1400" b="1" u="heavy" spc="-15">
+                <a:solidFill>
+                  <a:srgbClr val="020302"/>
+                </a:solidFill>
+                <a:uFill>
+                  <a:solidFill>
+                    <a:srgbClr val="020302"/>
+                  </a:solidFill>
+                </a:uFill>
+                <a:latin typeface="Adobe Clean"/>
+                <a:cs typeface="Adobe Clean"/>
+              </a:rPr>
+              <a:t>s</a:t>
+            </a:r>
+            <a:r>
+              <a:rPr sz="1400" b="1" u="heavy" spc="-25">
+                <a:solidFill>
+                  <a:srgbClr val="020302"/>
+                </a:solidFill>
+                <a:uFill>
+                  <a:solidFill>
+                    <a:srgbClr val="020302"/>
+                  </a:solidFill>
+                </a:uFill>
+                <a:latin typeface="Adobe Clean"/>
+                <a:cs typeface="Adobe Clean"/>
+              </a:rPr>
+              <a:t>p</a:t>
+            </a:r>
+            <a:r>
+              <a:rPr sz="1400" b="1" u="heavy" spc="-15">
+                <a:solidFill>
+                  <a:srgbClr val="020302"/>
+                </a:solidFill>
+                <a:uFill>
+                  <a:solidFill>
+                    <a:srgbClr val="020302"/>
+                  </a:solidFill>
+                </a:uFill>
+                <a:latin typeface="Adobe Clean"/>
+                <a:cs typeface="Adobe Clean"/>
+              </a:rPr>
+              <a:t>ons</a:t>
+            </a:r>
+            <a:r>
+              <a:rPr sz="1400" b="1" u="heavy">
+                <a:solidFill>
+                  <a:srgbClr val="020302"/>
+                </a:solidFill>
+                <a:uFill>
+                  <a:solidFill>
+                    <a:srgbClr val="020302"/>
+                  </a:solidFill>
+                </a:uFill>
+                <a:latin typeface="Adobe Clean"/>
+                <a:cs typeface="Adobe Clean"/>
+              </a:rPr>
+              <a:t>e</a:t>
+            </a:r>
+            <a:endParaRPr sz="1400">
               <a:latin typeface="Adobe Clean"/>
               <a:cs typeface="Adobe Clean"/>
             </a:endParaRPr>
@@ -2596,14 +3006,14 @@
           <p:nvPr>
             <p:extLst>
               <p:ext uri="{D42A27DB-BD31-4B8C-83A1-F6EECF244321}">
-                <p14:modId xmlns:p14="http://schemas.microsoft.com/office/powerpoint/2010/main" val="2521217630"/>
+                <p14:modId xmlns:p14="http://schemas.microsoft.com/office/powerpoint/2010/main" val="3940642931"/>
               </p:ext>
             </p:extLst>
           </p:nvPr>
         </p:nvGraphicFramePr>
         <p:xfrm>
           <a:off x="145668" y="7473158"/>
-          <a:ext cx="7409815" cy="2204589"/>
+          <a:ext cx="7409815" cy="2259721"/>
         </p:xfrm>
         <a:graphic>
           <a:graphicData uri="http://schemas.openxmlformats.org/drawingml/2006/table">
@@ -2649,16 +3059,16 @@
                         </a:spcBef>
                       </a:pPr>
                       <a:r>
-                        <a:rPr lang="de-de" sz="900" spc="0" dirty="0">
+                        <a:rPr sz="900" spc="0">
                           <a:solidFill>
                             <a:srgbClr val="020302"/>
                           </a:solidFill>
                           <a:latin typeface="Adobe Clean"/>
                           <a:cs typeface="Adobe Clean"/>
                         </a:rPr>
-                        <a:t>優先順序</a:t>
+                        <a:t>Priority</a:t>
                       </a:r>
-                      <a:endParaRPr sz="900" spc="0" dirty="0">
+                      <a:endParaRPr sz="900" spc="0">
                         <a:latin typeface="Adobe Clean"/>
                         <a:cs typeface="Adobe Clean"/>
                       </a:endParaRPr>
@@ -2699,24 +3109,33 @@
                     <a:bodyPr/>
                     <a:lstStyle/>
                     <a:p>
-                      <a:pPr marL="15875" indent="0" algn="ctr">
+                      <a:pPr marL="382905" algn="l">
                         <a:lnSpc>
                           <a:spcPct val="100000"/>
                         </a:lnSpc>
                         <a:spcBef>
                           <a:spcPts val="45"/>
                         </a:spcBef>
-                        <a:tabLst/>
                       </a:pPr>
                       <a:r>
-                        <a:rPr lang="de-de" sz="900" spc="0" dirty="0">
+                        <a:rPr lang="en-US" sz="900" spc="0" dirty="0">
                           <a:solidFill>
                             <a:srgbClr val="020302"/>
                           </a:solidFill>
                           <a:latin typeface="Adobe Clean"/>
                           <a:cs typeface="Adobe Clean"/>
                         </a:rPr>
-                        <a:t>線上支援</a:t>
+                        <a:t>Standard </a:t>
+                      </a:r>
+                      <a:r>
+                        <a:rPr sz="900" spc="0" dirty="0">
+                          <a:solidFill>
+                            <a:srgbClr val="020302"/>
+                          </a:solidFill>
+                          <a:latin typeface="Adobe Clean"/>
+                          <a:cs typeface="Adobe Clean"/>
+                        </a:rPr>
+                        <a:t> Support</a:t>
                       </a:r>
                       <a:endParaRPr sz="900" spc="0" dirty="0">
                         <a:latin typeface="Adobe Clean"/>
@@ -2762,26 +3181,45 @@
                     <a:bodyPr/>
                     <a:lstStyle/>
                     <a:p>
-                      <a:pPr marL="47625" indent="0" algn="ctr">
+                      <a:pPr marL="263525" algn="l">
                         <a:lnSpc>
                           <a:spcPct val="100000"/>
                         </a:lnSpc>
                         <a:spcBef>
                           <a:spcPts val="65"/>
                         </a:spcBef>
-                        <a:tabLst/>
                       </a:pPr>
                       <a:r>
-                        <a:rPr lang="de-de" sz="900" spc="0" dirty="0">
+                        <a:rPr sz="900" spc="0">
                           <a:solidFill>
                             <a:srgbClr val="FFFFFF"/>
                           </a:solidFill>
                           <a:latin typeface="Adobe Clean"/>
                           <a:cs typeface="Adobe Clean"/>
                         </a:rPr>
-                        <a:t>菁英支援</a:t>
+                        <a:t>Elite</a:t>
                       </a:r>
-                      <a:endParaRPr sz="900" spc="0" dirty="0">
+                      <a:r>
+                        <a:rPr lang="en-US" sz="900" spc="0">
+                          <a:solidFill>
+                            <a:srgbClr val="FFFFFF"/>
+                          </a:solidFill>
+                          <a:latin typeface="Adobe Clean"/>
+                          <a:cs typeface="Adobe Clean"/>
+                        </a:rPr>
+                        <a:t>  </a:t>
+                      </a:r>
+                      <a:r>
+                        <a:rPr sz="900" spc="0">
+                          <a:solidFill>
+                            <a:srgbClr val="FFFFFF"/>
+                          </a:solidFill>
+                          <a:latin typeface="Adobe Clean"/>
+                          <a:cs typeface="Adobe Clean"/>
+                        </a:rPr>
+                        <a:t>Support</a:t>
+                      </a:r>
+                      <a:endParaRPr sz="900" spc="0">
                         <a:latin typeface="Adobe Clean"/>
                         <a:cs typeface="Adobe Clean"/>
                       </a:endParaRPr>
@@ -2841,22 +3279,22 @@
                         </a:spcBef>
                       </a:pPr>
                       <a:r>
-                        <a:rPr lang="de-de" sz="900" b="1" spc="0" dirty="0">
+                        <a:rPr sz="900" b="1" spc="0">
                           <a:solidFill>
                             <a:srgbClr val="020302"/>
                           </a:solidFill>
                           <a:latin typeface="Adobe Clean"/>
                           <a:cs typeface="Adobe Clean"/>
                         </a:rPr>
-                        <a:t>優先順序 1</a:t>
+                        <a:t>PRIORITY 1</a:t>
                       </a:r>
-                      <a:endParaRPr sz="900" spc="0" dirty="0">
+                      <a:endParaRPr sz="900" spc="0">
                         <a:latin typeface="Adobe Clean"/>
                         <a:cs typeface="Adobe Clean"/>
                       </a:endParaRPr>
                     </a:p>
                     <a:p>
-                      <a:pPr marL="50165" marR="495934" algn="l">
+                      <a:pPr marL="50165" marR="495300" algn="l">
                         <a:lnSpc>
                           <a:spcPts val="1010"/>
                         </a:lnSpc>
@@ -2865,17 +3303,17 @@
                         </a:spcBef>
                       </a:pPr>
                       <a:r>
-                        <a:rPr lang="de-de" sz="900" b="0" i="0" u="none" strike="noStrike" spc="0" dirty="0">
+                        <a:rPr lang="en-US" sz="900" b="0" i="0" u="none" strike="noStrike" spc="0">
                           <a:solidFill>
                             <a:srgbClr val="000000"/>
                           </a:solidFill>
                           <a:effectLst/>
-                          <a:latin typeface="Adobe Clean Light" panose="020B0303020404020204" pitchFamily="34" charset="0"/>
+                          <a:latin typeface="Adobe Clean Light"/>
                         </a:rPr>
-                        <a:t>客戶的生產業務功能已停止或發生重大資料遺失或服務降級狀況，需要立即關注以恢復功能與可用性</a:t>
+                        <a:t>Customer's production business functions are down or have significant data loss or service degradation and immediate attention is required to restore functionality and usability</a:t>
                       </a:r>
-                      <a:endParaRPr sz="900" spc="0" dirty="0">
-                        <a:latin typeface="AdobeClean-Light"/>
+                      <a:endParaRPr sz="900" spc="0">
+                        <a:latin typeface="Adobe Clean Light"/>
                         <a:cs typeface="AdobeClean-Light"/>
                       </a:endParaRPr>
                     </a:p>
@@ -2921,73 +3359,37 @@
                         </a:lnSpc>
                       </a:pPr>
                       <a:r>
-                        <a:rPr lang="de-de" sz="900" spc="0" dirty="0">
+                        <a:rPr sz="900" spc="0">
                           <a:solidFill>
                             <a:srgbClr val="020302"/>
                           </a:solidFill>
                           <a:latin typeface="AdobeClean-Light"/>
                           <a:cs typeface="AdobeClean-Light"/>
                         </a:rPr>
-                        <a:t>全年無休 /           1 小時</a:t>
+                        <a:t>24x7/</a:t>
                       </a:r>
-                      <a:endParaRPr sz="900" spc="0" dirty="0">
-                        <a:latin typeface="AdobeClean-Light"/>
-                        <a:cs typeface="AdobeClean-Light"/>
-                      </a:endParaRPr>
-                    </a:p>
-                  </a:txBody>
-                  <a:tcPr marL="0" marR="0" marT="0" marB="0" anchor="ctr">
-                    <a:lnL w="6350">
-                      <a:solidFill>
-                        <a:srgbClr val="B7B8B8"/>
-                      </a:solidFill>
-                      <a:prstDash val="solid"/>
-                    </a:lnL>
-                    <a:lnR w="6350">
-                      <a:solidFill>
-                        <a:srgbClr val="B7B8B8"/>
-                      </a:solidFill>
-                      <a:prstDash val="solid"/>
-                    </a:lnR>
-                    <a:lnT w="57150" cap="flat" cmpd="sng" algn="ctr">
-                      <a:solidFill>
-                        <a:srgbClr val="A8A8A8"/>
-                      </a:solidFill>
-                      <a:prstDash val="solid"/>
-                      <a:round/>
-                      <a:headEnd type="none" w="med" len="med"/>
-                      <a:tailEnd type="none" w="med" len="med"/>
-                    </a:lnT>
-                    <a:lnB w="6350">
-                      <a:solidFill>
-                        <a:srgbClr val="B7B8B8"/>
-                      </a:solidFill>
-                      <a:prstDash val="solid"/>
-                    </a:lnB>
-                  </a:tcPr>
-                </a:tc>
-                <a:tc>
-                  <a:txBody>
-                    <a:bodyPr/>
-                    <a:lstStyle/>
-                    <a:p>
-                      <a:pPr marL="405130" marR="459740" indent="92710" algn="ctr">
-                        <a:lnSpc>
-                          <a:spcPct val="100000"/>
-                        </a:lnSpc>
-                      </a:pPr>
                       <a:r>
-                        <a:rPr lang="de-de" sz="900" spc="0" dirty="0">
+                        <a:rPr lang="en-US" sz="900" spc="0">
                           <a:solidFill>
                             <a:srgbClr val="020302"/>
                           </a:solidFill>
                           <a:latin typeface="AdobeClean-Light"/>
                           <a:cs typeface="AdobeClean-Light"/>
                         </a:rPr>
-                        <a:t>全年無休 /</a:t>
+                        <a:t>          </a:t>
                       </a:r>
                       <a:r>
-                        <a:rPr lang="zh-TW" altLang="en-US" sz="900" spc="0" dirty="0">
+                        <a:rPr sz="900" spc="0">
+                          <a:solidFill>
+                            <a:srgbClr val="020302"/>
+                          </a:solidFill>
+                          <a:latin typeface="AdobeClean-Light"/>
+                          <a:cs typeface="AdobeClean-Light"/>
+                        </a:rPr>
+                        <a:t> 1</a:t>
+                      </a:r>
+                      <a:r>
+                        <a:rPr lang="en-US" sz="900" spc="0">
                           <a:solidFill>
                             <a:srgbClr val="020302"/>
                           </a:solidFill>
@@ -2997,16 +3399,122 @@
                         <a:t> </a:t>
                       </a:r>
                       <a:r>
-                        <a:rPr lang="de-de" sz="900" spc="0" dirty="0">
+                        <a:rPr sz="900" spc="0">
                           <a:solidFill>
                             <a:srgbClr val="020302"/>
                           </a:solidFill>
                           <a:latin typeface="AdobeClean-Light"/>
                           <a:cs typeface="AdobeClean-Light"/>
                         </a:rPr>
-                        <a:t>15 分鐘</a:t>
+                        <a:t>hour</a:t>
                       </a:r>
-                      <a:endParaRPr sz="900" spc="0" dirty="0">
+                      <a:endParaRPr sz="900" spc="0">
+                        <a:latin typeface="AdobeClean-Light"/>
+                        <a:cs typeface="AdobeClean-Light"/>
+                      </a:endParaRPr>
+                    </a:p>
+                  </a:txBody>
+                  <a:tcPr marL="0" marR="0" marT="0" marB="0" anchor="ctr">
+                    <a:lnL w="6350">
+                      <a:solidFill>
+                        <a:srgbClr val="B7B8B8"/>
+                      </a:solidFill>
+                      <a:prstDash val="solid"/>
+                    </a:lnL>
+                    <a:lnR w="6350">
+                      <a:solidFill>
+                        <a:srgbClr val="B7B8B8"/>
+                      </a:solidFill>
+                      <a:prstDash val="solid"/>
+                    </a:lnR>
+                    <a:lnT w="57150" cap="flat" cmpd="sng" algn="ctr">
+                      <a:solidFill>
+                        <a:srgbClr val="A8A8A8"/>
+                      </a:solidFill>
+                      <a:prstDash val="solid"/>
+                      <a:round/>
+                      <a:headEnd type="none" w="med" len="med"/>
+                      <a:tailEnd type="none" w="med" len="med"/>
+                    </a:lnT>
+                    <a:lnB w="6350">
+                      <a:solidFill>
+                        <a:srgbClr val="B7B8B8"/>
+                      </a:solidFill>
+                      <a:prstDash val="solid"/>
+                    </a:lnB>
+                  </a:tcPr>
+                </a:tc>
+                <a:tc>
+                  <a:txBody>
+                    <a:bodyPr/>
+                    <a:lstStyle/>
+                    <a:p>
+                      <a:pPr marL="405130" marR="459740" indent="92710" algn="l">
+                        <a:lnSpc>
+                          <a:spcPct val="100000"/>
+                        </a:lnSpc>
+                      </a:pPr>
+                      <a:r>
+                        <a:rPr lang="en-US" sz="900" spc="0">
+                          <a:solidFill>
+                            <a:srgbClr val="020302"/>
+                          </a:solidFill>
+                          <a:latin typeface="AdobeClean-Light"/>
+                          <a:cs typeface="AdobeClean-Light"/>
+                        </a:rPr>
+                        <a:t>2</a:t>
+                      </a:r>
+                      <a:r>
+                        <a:rPr sz="900" spc="0">
+                          <a:solidFill>
+                            <a:srgbClr val="020302"/>
+                          </a:solidFill>
+                          <a:latin typeface="AdobeClean-Light"/>
+                          <a:cs typeface="AdobeClean-Light"/>
+                        </a:rPr>
+                        <a:t>4x7 /</a:t>
+                      </a:r>
+                      <a:r>
+                        <a:rPr lang="en-US" sz="900" spc="0">
+                          <a:solidFill>
+                            <a:srgbClr val="020302"/>
+                          </a:solidFill>
+                          <a:latin typeface="AdobeClean-Light"/>
+                          <a:cs typeface="AdobeClean-Light"/>
+                        </a:rPr>
+                        <a:t>  </a:t>
+                      </a:r>
+                      <a:r>
+                        <a:rPr sz="900" spc="0">
+                          <a:solidFill>
+                            <a:srgbClr val="020302"/>
+                          </a:solidFill>
+                          <a:latin typeface="AdobeClean-Light"/>
+                          <a:cs typeface="AdobeClean-Light"/>
+                        </a:rPr>
+                        <a:t> 15</a:t>
+                      </a:r>
+                      <a:r>
+                        <a:rPr lang="en-US" sz="900" spc="0">
+                          <a:solidFill>
+                            <a:srgbClr val="020302"/>
+                          </a:solidFill>
+                          <a:latin typeface="AdobeClean-Light"/>
+                          <a:cs typeface="AdobeClean-Light"/>
+                        </a:rPr>
+                        <a:t> </a:t>
+                      </a:r>
+                      <a:r>
+                        <a:rPr sz="900" spc="0">
+                          <a:solidFill>
+                            <a:srgbClr val="020302"/>
+                          </a:solidFill>
+                          <a:latin typeface="AdobeClean-Light"/>
+                          <a:cs typeface="AdobeClean-Light"/>
+                        </a:rPr>
+                        <a:t>minutes</a:t>
+                      </a:r>
+                      <a:endParaRPr sz="900" spc="0">
                         <a:latin typeface="AdobeClean-Light"/>
                         <a:cs typeface="AdobeClean-Light"/>
                       </a:endParaRPr>
@@ -3071,16 +3579,16 @@
                         </a:spcBef>
                       </a:pPr>
                       <a:r>
-                        <a:rPr lang="de-de" sz="900" b="1" spc="0" dirty="0">
+                        <a:rPr sz="900" b="1" spc="0">
                           <a:solidFill>
                             <a:srgbClr val="020302"/>
                           </a:solidFill>
                           <a:latin typeface="Adobe Clean"/>
                           <a:cs typeface="Adobe Clean"/>
                         </a:rPr>
-                        <a:t>優先順序 2</a:t>
+                        <a:t>PRIORITY 2</a:t>
                       </a:r>
-                      <a:endParaRPr sz="900" spc="0" dirty="0">
+                      <a:endParaRPr sz="900" spc="0">
                         <a:latin typeface="Adobe Clean"/>
                         <a:cs typeface="Adobe Clean"/>
                       </a:endParaRPr>
@@ -3095,17 +3603,17 @@
                         </a:spcBef>
                       </a:pPr>
                       <a:r>
-                        <a:rPr lang="de-de" sz="900" b="0" i="0" u="none" strike="noStrike" spc="0" dirty="0">
+                        <a:rPr lang="en-US" sz="900" b="0" i="0" u="none" strike="noStrike" spc="0">
                           <a:solidFill>
                             <a:srgbClr val="000000"/>
                           </a:solidFill>
                           <a:effectLst/>
-                          <a:latin typeface="Adobe Clean Light" panose="020B0303020404020204" pitchFamily="34" charset="0"/>
+                          <a:latin typeface="Adobe Clean Light"/>
                         </a:rPr>
-                        <a:t>客戶的業務功能發生嚴重的服務降級狀況，或是可能發生資料遺失，或是主要功能受到了影響</a:t>
+                        <a:t>Customer's business functions have major service degradation or potential data loss, or a major feature is impacted</a:t>
                       </a:r>
-                      <a:endParaRPr sz="900" spc="0" dirty="0">
-                        <a:latin typeface="AdobeClean-Light"/>
+                      <a:endParaRPr sz="900" spc="0">
+                        <a:latin typeface="Adobe Clean Light"/>
                         <a:cs typeface="AdobeClean-Light"/>
                       </a:endParaRPr>
                     </a:p>
@@ -3145,22 +3653,62 @@
                     <a:bodyPr/>
                     <a:lstStyle/>
                     <a:p>
-                      <a:pPr marL="473709" marR="343535" indent="-175895" algn="ctr">
+                      <a:pPr marL="473075" marR="343535" indent="-175895" algn="l">
                         <a:lnSpc>
                           <a:spcPct val="102200"/>
                         </a:lnSpc>
                       </a:pPr>
                       <a:r>
-                        <a:rPr lang="de-de" sz="900" spc="0" dirty="0">
+                        <a:rPr sz="900" spc="0">
                           <a:solidFill>
                             <a:srgbClr val="020302"/>
                           </a:solidFill>
                           <a:latin typeface="AdobeClean-Light"/>
                           <a:cs typeface="AdobeClean-Light"/>
                         </a:rPr>
-                        <a:t>營業時間 /       4 小時</a:t>
+                        <a:t>Business hours</a:t>
                       </a:r>
-                      <a:endParaRPr sz="900" spc="0" dirty="0">
+                      <a:r>
+                        <a:rPr lang="en-US" sz="900" spc="0">
+                          <a:solidFill>
+                            <a:srgbClr val="020302"/>
+                          </a:solidFill>
+                          <a:latin typeface="AdobeClean-Light"/>
+                          <a:cs typeface="AdobeClean-Light"/>
+                        </a:rPr>
+                        <a:t> </a:t>
+                      </a:r>
+                      <a:r>
+                        <a:rPr sz="900" spc="0">
+                          <a:solidFill>
+                            <a:srgbClr val="020302"/>
+                          </a:solidFill>
+                          <a:latin typeface="AdobeClean-Light"/>
+                          <a:cs typeface="AdobeClean-Light"/>
+                        </a:rPr>
+                        <a:t>/</a:t>
+                      </a:r>
+                      <a:r>
+                        <a:rPr lang="en-US" sz="900" spc="0">
+                          <a:solidFill>
+                            <a:srgbClr val="020302"/>
+                          </a:solidFill>
+                          <a:latin typeface="AdobeClean-Light"/>
+                          <a:cs typeface="AdobeClean-Light"/>
+                        </a:rPr>
+                        <a:t>       </a:t>
+                      </a:r>
+                      <a:r>
+                        <a:rPr sz="900" spc="0">
+                          <a:solidFill>
+                            <a:srgbClr val="020302"/>
+                          </a:solidFill>
+                          <a:latin typeface="AdobeClean-Light"/>
+                          <a:cs typeface="AdobeClean-Light"/>
+                        </a:rPr>
+                        <a:t>4 hours</a:t>
+                      </a:r>
+                      <a:endParaRPr sz="900" spc="0">
                         <a:latin typeface="AdobeClean-Light"/>
                         <a:cs typeface="AdobeClean-Light"/>
                       </a:endParaRPr>
@@ -3198,22 +3746,62 @@
                     <a:bodyPr/>
                     <a:lstStyle/>
                     <a:p>
-                      <a:pPr marL="351790" marR="481330" indent="144145" algn="ctr">
+                      <a:pPr marL="351790" marR="481330" indent="144145" algn="l">
                         <a:lnSpc>
                           <a:spcPct val="102299"/>
                         </a:lnSpc>
                       </a:pPr>
                       <a:r>
-                        <a:rPr lang="de-de" sz="900" spc="0" dirty="0">
+                        <a:rPr sz="900" spc="0">
                           <a:solidFill>
                             <a:srgbClr val="020302"/>
                           </a:solidFill>
                           <a:latin typeface="AdobeClean-Light"/>
                           <a:cs typeface="AdobeClean-Light"/>
                         </a:rPr>
-                        <a:t>24x5 /  30 分鐘</a:t>
+                        <a:t>24x5 /</a:t>
                       </a:r>
-                      <a:endParaRPr sz="900" spc="0" dirty="0">
+                      <a:r>
+                        <a:rPr lang="en-US" sz="900" spc="0">
+                          <a:solidFill>
+                            <a:srgbClr val="020302"/>
+                          </a:solidFill>
+                          <a:latin typeface="AdobeClean-Light"/>
+                          <a:cs typeface="AdobeClean-Light"/>
+                        </a:rPr>
+                        <a:t> </a:t>
+                      </a:r>
+                      <a:r>
+                        <a:rPr sz="900" spc="0">
+                          <a:solidFill>
+                            <a:srgbClr val="020302"/>
+                          </a:solidFill>
+                          <a:latin typeface="AdobeClean-Light"/>
+                          <a:cs typeface="AdobeClean-Light"/>
+                        </a:rPr>
+                        <a:t> 30</a:t>
+                      </a:r>
+                      <a:r>
+                        <a:rPr lang="en-US" sz="900" spc="0">
+                          <a:solidFill>
+                            <a:srgbClr val="020302"/>
+                          </a:solidFill>
+                          <a:latin typeface="AdobeClean-Light"/>
+                          <a:cs typeface="AdobeClean-Light"/>
+                        </a:rPr>
+                        <a:t> m</a:t>
+                      </a:r>
+                      <a:r>
+                        <a:rPr sz="900" spc="0">
+                          <a:solidFill>
+                            <a:srgbClr val="020302"/>
+                          </a:solidFill>
+                          <a:latin typeface="AdobeClean-Light"/>
+                          <a:cs typeface="AdobeClean-Light"/>
+                        </a:rPr>
+                        <a:t>inutes</a:t>
+                      </a:r>
+                      <a:endParaRPr sz="900" spc="0">
                         <a:latin typeface="AdobeClean-Light"/>
                         <a:cs typeface="AdobeClean-Light"/>
                       </a:endParaRPr>
@@ -3275,16 +3863,16 @@
                         </a:spcBef>
                       </a:pPr>
                       <a:r>
-                        <a:rPr lang="de-de" sz="900" b="1" spc="0" dirty="0">
+                        <a:rPr sz="900" b="1" spc="0">
                           <a:solidFill>
                             <a:srgbClr val="020302"/>
                           </a:solidFill>
                           <a:latin typeface="Adobe Clean"/>
                           <a:cs typeface="Adobe Clean"/>
                         </a:rPr>
-                        <a:t>優先順序 3</a:t>
+                        <a:t>PRIORITY 3</a:t>
                       </a:r>
-                      <a:endParaRPr sz="900" spc="0" dirty="0">
+                      <a:endParaRPr sz="900" spc="0">
                         <a:latin typeface="Adobe Clean"/>
                         <a:cs typeface="Adobe Clean"/>
                       </a:endParaRPr>
@@ -3299,16 +3887,16 @@
                         </a:spcBef>
                       </a:pPr>
                       <a:r>
-                        <a:rPr lang="de-de" sz="900" b="0" i="0" u="none" strike="noStrike" spc="0" dirty="0">
+                        <a:rPr lang="en-US" sz="900" b="0" i="0" u="none" strike="noStrike" spc="0">
                           <a:solidFill>
                             <a:srgbClr val="000000"/>
                           </a:solidFill>
                           <a:effectLst/>
-                          <a:latin typeface="Adobe Clean Light" panose="020B0303020404020204" pitchFamily="34" charset="0"/>
+                          <a:latin typeface="Adobe Clean Light"/>
                         </a:rPr>
-                        <a:t>客戶的業務功能發生了輕微服務降級狀況 (或沒有降級)，但有解決/變通方法讓業務功能得以繼續正常運作</a:t>
+                        <a:t>Customer’s business functions have minor to no service degradation but there exists a solution/workaround allowing business functions to continue normally</a:t>
                       </a:r>
-                      <a:endParaRPr sz="900" spc="0" dirty="0">
+                      <a:endParaRPr sz="900" spc="0">
                         <a:latin typeface="AdobeClean-Light"/>
                         <a:cs typeface="AdobeClean-Light"/>
                       </a:endParaRPr>
@@ -3349,22 +3937,22 @@
                     <a:bodyPr/>
                     <a:lstStyle/>
                     <a:p>
-                      <a:pPr marL="473709" marR="343535" indent="-175895" algn="ctr">
+                      <a:pPr marL="473075" marR="343535" indent="-175895" algn="l">
                         <a:lnSpc>
                           <a:spcPct val="102200"/>
                         </a:lnSpc>
                       </a:pPr>
                       <a:r>
-                        <a:rPr lang="de-de" sz="900" spc="0" dirty="0">
+                        <a:rPr lang="en-US" sz="900" spc="0">
                           <a:solidFill>
                             <a:srgbClr val="020302"/>
                           </a:solidFill>
                           <a:latin typeface="AdobeClean-Light"/>
                           <a:cs typeface="AdobeClean-Light"/>
                         </a:rPr>
-                        <a:t>營業時間 /       6 小時</a:t>
+                        <a:t>Business hours /       6 hours</a:t>
                       </a:r>
-                      <a:endParaRPr lang="en-US" sz="900" spc="0" dirty="0">
+                      <a:endParaRPr lang="en-US" sz="900" spc="0">
                         <a:latin typeface="AdobeClean-Light"/>
                         <a:cs typeface="AdobeClean-Light"/>
                       </a:endParaRPr>
@@ -3402,13 +3990,13 @@
                     <a:bodyPr/>
                     <a:lstStyle/>
                     <a:p>
-                      <a:pPr marL="508000" marR="531495" indent="1270" algn="ctr">
+                      <a:pPr marL="508000" marR="531495" indent="1270" algn="l">
                         <a:lnSpc>
                           <a:spcPct val="102200"/>
                         </a:lnSpc>
                       </a:pPr>
                       <a:r>
-                        <a:rPr lang="de-de" sz="900" spc="0" dirty="0">
+                        <a:rPr lang="en-US" sz="900" spc="0">
                           <a:solidFill>
                             <a:srgbClr val="020302"/>
                           </a:solidFill>
@@ -3419,7 +4007,7 @@
                         <a:t>2</a:t>
                       </a:r>
                       <a:r>
-                        <a:rPr lang="de-de" sz="900" spc="0" dirty="0">
+                        <a:rPr sz="900" spc="0">
                           <a:solidFill>
                             <a:srgbClr val="020302"/>
                           </a:solidFill>
@@ -3427,7 +4015,29 @@
                           <a:ea typeface="+mn-ea"/>
                           <a:cs typeface="AdobeClean-Light"/>
                         </a:rPr>
-                        <a:t>4x5/   1 小時</a:t>
+                        <a:t>4x5/</a:t>
+                      </a:r>
+                      <a:r>
+                        <a:rPr lang="en-US" sz="900" spc="0">
+                          <a:solidFill>
+                            <a:srgbClr val="020302"/>
+                          </a:solidFill>
+                          <a:latin typeface="AdobeClean-Light"/>
+                          <a:ea typeface="+mn-ea"/>
+                          <a:cs typeface="AdobeClean-Light"/>
+                        </a:rPr>
+                        <a:t>   </a:t>
+                      </a:r>
+                      <a:r>
+                        <a:rPr sz="900" spc="0">
+                          <a:solidFill>
+                            <a:srgbClr val="020302"/>
+                          </a:solidFill>
+                          <a:latin typeface="AdobeClean-Light"/>
+                          <a:ea typeface="+mn-ea"/>
+                          <a:cs typeface="AdobeClean-Light"/>
+                        </a:rPr>
+                        <a:t>1 hour</a:t>
                       </a:r>
                     </a:p>
                   </a:txBody>
@@ -3487,16 +4097,16 @@
                         </a:spcBef>
                       </a:pPr>
                       <a:r>
-                        <a:rPr lang="de-de" sz="900" b="1" spc="0" dirty="0">
+                        <a:rPr sz="900" b="1" spc="0">
                           <a:solidFill>
                             <a:srgbClr val="020302"/>
                           </a:solidFill>
                           <a:latin typeface="Adobe Clean"/>
                           <a:cs typeface="Adobe Clean"/>
                         </a:rPr>
-                        <a:t>優先順序 4</a:t>
+                        <a:t>PRIORITY 4</a:t>
                       </a:r>
-                      <a:endParaRPr sz="900" spc="0" dirty="0">
+                      <a:endParaRPr sz="900" spc="0">
                         <a:latin typeface="Adobe Clean"/>
                         <a:cs typeface="Adobe Clean"/>
                       </a:endParaRPr>
@@ -3511,17 +4121,17 @@
                         </a:spcBef>
                       </a:pPr>
                       <a:r>
-                        <a:rPr lang="de-de" sz="900" b="0" i="0" u="none" strike="noStrike" spc="0" dirty="0">
+                        <a:rPr lang="en-US" sz="900" b="0" i="0" u="none" strike="noStrike" spc="0">
                           <a:solidFill>
                             <a:srgbClr val="000000"/>
                           </a:solidFill>
                           <a:effectLst/>
-                          <a:latin typeface="Adobe Clean Light" panose="020B0303020404020204" pitchFamily="34" charset="0"/>
+                          <a:latin typeface="Adobe Clean Light"/>
                         </a:rPr>
-                        <a:t>有關目前產品功能或增強要求的一般性問題。</a:t>
+                        <a:t>General question regarding current product functionality or an enhancement request</a:t>
                       </a:r>
-                      <a:endParaRPr sz="900" spc="0" dirty="0">
-                        <a:latin typeface="AdobeClean-Light"/>
+                      <a:endParaRPr sz="900" spc="0">
+                        <a:latin typeface="Adobe Clean Light"/>
                         <a:cs typeface="AdobeClean-Light"/>
                       </a:endParaRPr>
                     </a:p>
@@ -3561,22 +4171,22 @@
                     <a:bodyPr/>
                     <a:lstStyle/>
                     <a:p>
-                      <a:pPr marL="473709" marR="343535" indent="-175895" algn="ctr">
+                      <a:pPr marL="473075" marR="343535" indent="-175895" algn="l">
                         <a:lnSpc>
                           <a:spcPct val="102200"/>
                         </a:lnSpc>
                       </a:pPr>
                       <a:r>
-                        <a:rPr lang="de-de" sz="900" spc="0" dirty="0">
+                        <a:rPr lang="en-US" sz="900" spc="0">
                           <a:solidFill>
                             <a:srgbClr val="020302"/>
                           </a:solidFill>
                           <a:latin typeface="AdobeClean-Light"/>
                           <a:cs typeface="AdobeClean-Light"/>
                         </a:rPr>
-                        <a:t>營業日 / 3 天</a:t>
+                        <a:t>Business days /       3 days</a:t>
                       </a:r>
-                      <a:endParaRPr lang="en-US" sz="900" spc="0" dirty="0">
+                      <a:endParaRPr lang="en-US" sz="900" spc="0">
                         <a:latin typeface="AdobeClean-Light"/>
                         <a:cs typeface="AdobeClean-Light"/>
                       </a:endParaRPr>
@@ -3614,20 +4224,20 @@
                     <a:bodyPr/>
                     <a:lstStyle/>
                     <a:p>
-                      <a:pPr marL="473709" marR="343535" indent="-175895" algn="ctr">
+                      <a:pPr marL="473075" marR="343535" indent="-175895" algn="l">
                         <a:lnSpc>
                           <a:spcPct val="102200"/>
                         </a:lnSpc>
                       </a:pPr>
                       <a:r>
-                        <a:rPr lang="de-de" sz="900" spc="0" dirty="0">
+                        <a:rPr lang="en-US" sz="900" spc="0" dirty="0">
                           <a:solidFill>
                             <a:srgbClr val="020302"/>
                           </a:solidFill>
                           <a:latin typeface="AdobeClean-Light"/>
                           <a:cs typeface="AdobeClean-Light"/>
                         </a:rPr>
-                        <a:t>營業日 / 1 天</a:t>
+                        <a:t>Business days /       1 day</a:t>
                       </a:r>
                       <a:endParaRPr lang="en-US" sz="900" spc="0" dirty="0">
                         <a:latin typeface="AdobeClean-Light"/>
@@ -3710,8 +4320,8 @@
         </p:nvSpPr>
         <p:spPr>
           <a:xfrm>
-            <a:off x="97786" y="9888626"/>
-            <a:ext cx="3940813" cy="133370"/>
+            <a:off x="97787" y="9888626"/>
+            <a:ext cx="2202180" cy="149860"/>
           </a:xfrm>
           <a:prstGeom prst="rect">
             <a:avLst/>
@@ -3732,7 +4342,7 @@
               </a:spcBef>
             </a:pPr>
             <a:r>
-              <a:rPr lang="de-de" sz="800" spc="-15" dirty="0">
+              <a:rPr sz="800" spc="-15">
                 <a:solidFill>
                   <a:srgbClr val="6D6D6D"/>
                 </a:solidFill>
@@ -3742,17 +4352,17 @@
               <a:t>©2021 </a:t>
             </a:r>
             <a:r>
-              <a:rPr lang="de-de" sz="800" spc="-5" dirty="0">
+              <a:rPr sz="800" spc="-5">
                 <a:solidFill>
                   <a:srgbClr val="6D6D6D"/>
                 </a:solidFill>
                 <a:latin typeface="Adobe Clean"/>
                 <a:cs typeface="Adobe Clean"/>
               </a:rPr>
-              <a:t>Adobe。All</a:t>
-            </a:r>
-            <a:r>
-              <a:rPr lang="de-de" sz="800" spc="-15" dirty="0">
+              <a:t>Adobe. All</a:t>
+            </a:r>
+            <a:r>
+              <a:rPr sz="800" spc="-15">
                 <a:solidFill>
                   <a:srgbClr val="6D6D6D"/>
                 </a:solidFill>
@@ -3762,7 +4372,7 @@
               <a:t> Rights</a:t>
             </a:r>
             <a:r>
-              <a:rPr lang="de-de" sz="800" spc="-5" dirty="0">
+              <a:rPr sz="800" spc="-5">
                 <a:solidFill>
                   <a:srgbClr val="6D6D6D"/>
                 </a:solidFill>
@@ -3772,27 +4382,37 @@
               <a:t> </a:t>
             </a:r>
             <a:r>
-              <a:rPr lang="de-de" sz="800" spc="-15" dirty="0">
+              <a:rPr sz="800" spc="-15">
                 <a:solidFill>
                   <a:srgbClr val="6D6D6D"/>
                 </a:solidFill>
                 <a:latin typeface="Adobe Clean"/>
                 <a:cs typeface="Adobe Clean"/>
               </a:rPr>
-              <a:t>Reserved。</a:t>
-            </a:r>
-            <a:r>
-              <a:rPr lang="de-de" sz="800" spc="-5" dirty="0">
+              <a:t>Reserved.</a:t>
+            </a:r>
+            <a:r>
+              <a:rPr sz="800" spc="-10">
                 <a:solidFill>
                   <a:srgbClr val="6D6D6D"/>
                 </a:solidFill>
                 <a:latin typeface="Adobe Clean"/>
                 <a:cs typeface="Adobe Clean"/>
               </a:rPr>
+              <a:t> </a:t>
+            </a:r>
+            <a:r>
+              <a:rPr sz="800" spc="-5">
+                <a:solidFill>
+                  <a:srgbClr val="6D6D6D"/>
+                </a:solidFill>
+                <a:latin typeface="Adobe Clean"/>
+                <a:cs typeface="Adobe Clean"/>
+              </a:rPr>
               <a:t>Adobe</a:t>
             </a:r>
             <a:r>
-              <a:rPr lang="de-de" sz="800" spc="65" dirty="0">
+              <a:rPr sz="800" spc="65">
                 <a:solidFill>
                   <a:srgbClr val="6D6D6D"/>
                 </a:solidFill>
@@ -3802,16 +4422,16 @@
               <a:t> </a:t>
             </a:r>
             <a:r>
-              <a:rPr lang="de-de" sz="800" spc="-15" dirty="0">
+              <a:rPr sz="800" spc="-15">
                 <a:solidFill>
                   <a:srgbClr val="6D6D6D"/>
                 </a:solidFill>
                 <a:latin typeface="Adobe Clean"/>
                 <a:cs typeface="Adobe Clean"/>
               </a:rPr>
-              <a:t> 機密資訊。</a:t>
-            </a:r>
-            <a:endParaRPr sz="800" dirty="0">
+              <a:t>Confidential.</a:t>
+            </a:r>
+            <a:endParaRPr sz="800">
               <a:latin typeface="Adobe Clean"/>
               <a:cs typeface="Adobe Clean"/>
             </a:endParaRPr>
@@ -3847,7 +4467,7 @@
           <a:lstStyle/>
           <a:p>
             <a:r>
-              <a:rPr lang="de-de" sz="700" i="1" dirty="0">
+              <a:rPr lang="en-US" sz="700" i="1">
                 <a:solidFill>
                   <a:schemeClr val="bg1"/>
                 </a:solidFill>
@@ -3872,7 +4492,7 @@
           <p:nvPr>
             <p:extLst>
               <p:ext uri="{D42A27DB-BD31-4B8C-83A1-F6EECF244321}">
-                <p14:modId xmlns:p14="http://schemas.microsoft.com/office/powerpoint/2010/main" val="1734001763"/>
+                <p14:modId xmlns:p14="http://schemas.microsoft.com/office/powerpoint/2010/main" val="2453616751"/>
               </p:ext>
             </p:extLst>
           </p:nvPr>
@@ -3923,7 +4543,7 @@
                     <a:bodyPr/>
                     <a:lstStyle/>
                     <a:p>
-                      <a:endParaRPr lang="en-US" dirty="0"/>
+                      <a:endParaRPr lang="en-US"/>
                     </a:p>
                   </a:txBody>
                   <a:tcPr/>
@@ -3961,14 +4581,34 @@
                         <a:defRPr/>
                       </a:pPr>
                       <a:r>
-                        <a:rPr lang="de-de" sz="900" spc="-20" dirty="0">
+                        <a:rPr lang="en-US" sz="900" spc="-20" dirty="0">
                           <a:solidFill>
                             <a:srgbClr val="404040"/>
                           </a:solidFill>
                           <a:latin typeface="Adobe Clean"/>
                           <a:cs typeface="Adobe Clean"/>
                         </a:rPr>
-                        <a:t>線上支援</a:t>
+                        <a:t>Standard </a:t>
+                      </a:r>
+                      <a:r>
+                        <a:rPr lang="en-US" sz="900" spc="-135" dirty="0">
+                          <a:solidFill>
+                            <a:srgbClr val="404040"/>
+                          </a:solidFill>
+                          <a:latin typeface="Adobe Clean"/>
+                          <a:cs typeface="Adobe Clean"/>
+                        </a:rPr>
+                        <a:t> </a:t>
+                      </a:r>
+                      <a:r>
+                        <a:rPr lang="en-US" sz="900" spc="-20" dirty="0">
+                          <a:solidFill>
+                            <a:srgbClr val="404040"/>
+                          </a:solidFill>
+                          <a:latin typeface="Adobe Clean"/>
+                          <a:cs typeface="Adobe Clean"/>
+                        </a:rPr>
+                        <a:t>Support</a:t>
                       </a:r>
                       <a:endParaRPr lang="en-US" sz="900" dirty="0">
                         <a:latin typeface="Adobe Clean"/>
@@ -4014,16 +4654,26 @@
                         </a:spcBef>
                       </a:pPr>
                       <a:r>
-                        <a:rPr lang="de-de" sz="900" spc="-20" dirty="0">
+                        <a:rPr lang="en-US" sz="900" spc="-20">
                           <a:solidFill>
                             <a:srgbClr val="FFFFFF"/>
                           </a:solidFill>
                           <a:latin typeface="Adobe Clean"/>
                           <a:cs typeface="Adobe Clean"/>
                         </a:rPr>
-                        <a:t>菁英支援</a:t>
+                        <a:t>Elite </a:t>
                       </a:r>
-                      <a:endParaRPr sz="900" dirty="0">
+                      <a:r>
+                        <a:rPr sz="900" spc="-20">
+                          <a:solidFill>
+                            <a:srgbClr val="FFFFFF"/>
+                          </a:solidFill>
+                          <a:latin typeface="Adobe Clean"/>
+                          <a:cs typeface="Adobe Clean"/>
+                        </a:rPr>
+                        <a:t>Support</a:t>
+                      </a:r>
+                      <a:endParaRPr sz="900">
                         <a:latin typeface="Adobe Clean"/>
                         <a:cs typeface="Adobe Clean"/>
                       </a:endParaRPr>
@@ -4071,7 +4721,7 @@
                     <a:bodyPr/>
                     <a:lstStyle/>
                     <a:p>
-                      <a:endParaRPr lang="en-US" dirty="0"/>
+                      <a:endParaRPr lang="en-US"/>
                     </a:p>
                   </a:txBody>
                   <a:tcPr/>
@@ -4108,7 +4758,7 @@
                         <a:tabLst/>
                         <a:defRPr/>
                       </a:pPr>
-                      <a:endParaRPr lang="en-US" sz="800" i="1" dirty="0">
+                      <a:endParaRPr lang="en-US" sz="800" i="1">
                         <a:solidFill>
                           <a:sysClr val="windowText" lastClr="000000"/>
                         </a:solidFill>
@@ -4172,13 +4822,13 @@
                         <a:defRPr/>
                       </a:pPr>
                       <a:r>
-                        <a:rPr lang="de-de" sz="800" i="1" dirty="0">
+                        <a:rPr lang="en-US" sz="800" i="1">
                           <a:solidFill>
                             <a:schemeClr val="bg1"/>
                           </a:solidFill>
                           <a:latin typeface="Adobe Clean Light" panose="020B0303020404020204" pitchFamily="34" charset="0"/>
                         </a:rPr>
-                        <a:t>付費支援 ($)</a:t>
+                        <a:t>Paid Support ($)</a:t>
                       </a:r>
                     </a:p>
                   </a:txBody>
@@ -4242,16 +4892,16 @@
                         </a:spcBef>
                       </a:pPr>
                       <a:r>
-                        <a:rPr lang="de-de" sz="1000" b="1" i="0" spc="0" dirty="0">
+                        <a:rPr lang="en-US" sz="1000" b="1" i="0" spc="0">
                           <a:solidFill>
                             <a:schemeClr val="bg1"/>
                           </a:solidFill>
                           <a:latin typeface="Adobe Clean" panose="020B0503020404020204" pitchFamily="34" charset="0"/>
                           <a:cs typeface="AdobeClean-Light"/>
                         </a:rPr>
-                        <a:t>指派的專家</a:t>
+                        <a:t>Assigned Experts</a:t>
                       </a:r>
-                      <a:endParaRPr sz="1000" b="1" i="0" spc="0" dirty="0">
+                      <a:endParaRPr sz="1000" b="1" i="0" spc="0">
                         <a:solidFill>
                           <a:schemeClr val="bg1"/>
                         </a:solidFill>
@@ -4304,16 +4954,16 @@
                         </a:spcBef>
                       </a:pPr>
                       <a:r>
-                        <a:rPr lang="de-de" sz="900" spc="0" dirty="0">
+                        <a:rPr sz="900" spc="0">
                           <a:solidFill>
                             <a:srgbClr val="020302"/>
                           </a:solidFill>
                           <a:latin typeface="AdobeClean-Light"/>
                           <a:cs typeface="AdobeClean-Light"/>
                         </a:rPr>
-                        <a:t>帳戶支援負責人</a:t>
+                        <a:t>Account Support Lead</a:t>
                       </a:r>
-                      <a:endParaRPr sz="900" spc="0" dirty="0">
+                      <a:endParaRPr sz="900" spc="0">
                         <a:latin typeface="AdobeClean-Light"/>
                         <a:cs typeface="AdobeClean-Light"/>
                       </a:endParaRPr>
@@ -4359,7 +5009,7 @@
                           <a:spcPts val="470"/>
                         </a:spcBef>
                       </a:pPr>
-                      <a:endParaRPr sz="900" dirty="0">
+                      <a:endParaRPr sz="900">
                         <a:latin typeface="Wingdings"/>
                         <a:cs typeface="Wingdings"/>
                       </a:endParaRPr>
@@ -4400,7 +5050,7 @@
                           <a:spcPts val="470"/>
                         </a:spcBef>
                       </a:pPr>
-                      <a:endParaRPr sz="900" dirty="0">
+                      <a:endParaRPr sz="900">
                         <a:latin typeface="Wingdings"/>
                         <a:cs typeface="Wingdings"/>
                       </a:endParaRPr>
@@ -4443,7 +5093,7 @@
                           <a:spcPts val="459"/>
                         </a:spcBef>
                       </a:pPr>
-                      <a:endParaRPr sz="900" dirty="0">
+                      <a:endParaRPr sz="900">
                         <a:latin typeface="AdobeClean-Light"/>
                         <a:cs typeface="AdobeClean-Light"/>
                       </a:endParaRPr>
@@ -4481,16 +5131,16 @@
                         </a:spcBef>
                       </a:pPr>
                       <a:r>
-                        <a:rPr lang="de-de" sz="900" spc="0" dirty="0">
+                        <a:rPr sz="900" spc="0">
                           <a:solidFill>
                             <a:srgbClr val="020302"/>
                           </a:solidFill>
                           <a:latin typeface="AdobeClean-Light"/>
                           <a:cs typeface="AdobeClean-Light"/>
                         </a:rPr>
-                        <a:t>指定的支援工程師</a:t>
+                        <a:t>Named Support Engineer</a:t>
                       </a:r>
-                      <a:endParaRPr sz="900" spc="0" dirty="0">
+                      <a:endParaRPr sz="900" spc="0">
                         <a:latin typeface="AdobeClean-Light"/>
                         <a:cs typeface="AdobeClean-Light"/>
                       </a:endParaRPr>
@@ -4521,7 +5171,7 @@
                           <a:spcPct val="100000"/>
                         </a:lnSpc>
                       </a:pPr>
-                      <a:endParaRPr sz="900" dirty="0">
+                      <a:endParaRPr sz="900">
                         <a:latin typeface="Times New Roman"/>
                         <a:cs typeface="Times New Roman"/>
                       </a:endParaRPr>
@@ -4563,7 +5213,7 @@
                         <a:defRPr/>
                       </a:pPr>
                       <a:r>
-                        <a:rPr lang="de-de" sz="900" dirty="0">
+                        <a:rPr lang="en-US" sz="900">
                           <a:solidFill>
                             <a:srgbClr val="020302"/>
                           </a:solidFill>
@@ -4572,7 +5222,7 @@
                         </a:rPr>
                         <a:t></a:t>
                       </a:r>
-                      <a:endParaRPr lang="en-US" sz="900" dirty="0">
+                      <a:endParaRPr lang="en-US" sz="900">
                         <a:latin typeface="Wingdings"/>
                         <a:cs typeface="Wingdings"/>
                       </a:endParaRPr>
@@ -4606,7 +5256,7 @@
                           <a:spcPts val="500"/>
                         </a:spcBef>
                       </a:pPr>
-                      <a:endParaRPr sz="900" dirty="0">
+                      <a:endParaRPr sz="900">
                         <a:latin typeface="AdobeClean-Light"/>
                         <a:cs typeface="AdobeClean-Light"/>
                       </a:endParaRPr>
@@ -4656,16 +5306,16 @@
                         </a:spcBef>
                       </a:pPr>
                       <a:r>
-                        <a:rPr lang="de-de" sz="900" spc="0" dirty="0">
+                        <a:rPr sz="900" spc="0">
                           <a:solidFill>
                             <a:srgbClr val="020302"/>
                           </a:solidFill>
                           <a:latin typeface="AdobeClean-Light"/>
                           <a:cs typeface="AdobeClean-Light"/>
                         </a:rPr>
-                        <a:t>技術客戶經理</a:t>
+                        <a:t>Technical Account Manager</a:t>
                       </a:r>
-                      <a:endParaRPr sz="900" spc="0" dirty="0">
+                      <a:endParaRPr sz="900" spc="0">
                         <a:latin typeface="AdobeClean-Light"/>
                         <a:cs typeface="AdobeClean-Light"/>
                       </a:endParaRPr>
@@ -4702,7 +5352,7 @@
                           <a:spcPct val="100000"/>
                         </a:lnSpc>
                       </a:pPr>
-                      <a:endParaRPr sz="900" dirty="0">
+                      <a:endParaRPr sz="900">
                         <a:latin typeface="Times New Roman"/>
                         <a:cs typeface="Times New Roman"/>
                       </a:endParaRPr>
@@ -4753,7 +5403,7 @@
                         <a:defRPr/>
                       </a:pPr>
                       <a:r>
-                        <a:rPr lang="de-de" sz="900" dirty="0">
+                        <a:rPr lang="en-US" sz="900">
                           <a:solidFill>
                             <a:srgbClr val="020302"/>
                           </a:solidFill>
@@ -4762,7 +5412,7 @@
                         </a:rPr>
                         <a:t></a:t>
                       </a:r>
-                      <a:endParaRPr lang="en-US" sz="900" dirty="0">
+                      <a:endParaRPr lang="en-US" sz="900">
                         <a:latin typeface="Wingdings"/>
                         <a:cs typeface="Wingdings"/>
                       </a:endParaRPr>
@@ -4806,16 +5456,16 @@
                         </a:spcBef>
                       </a:pPr>
                       <a:r>
-                        <a:rPr lang="de-de" sz="1000" b="1" i="0" spc="0" dirty="0">
+                        <a:rPr lang="en-US" sz="1000" b="1" i="0" spc="0">
                           <a:solidFill>
                             <a:schemeClr val="bg1"/>
                           </a:solidFill>
                           <a:latin typeface="Adobe Clean" panose="020B0503020404020204" pitchFamily="34" charset="0"/>
                           <a:cs typeface="AdobeClean-Light"/>
                         </a:rPr>
-                        <a:t>支援服務</a:t>
+                        <a:t>Support Services</a:t>
                       </a:r>
-                      <a:endParaRPr sz="1000" b="1" i="0" spc="0" dirty="0">
+                      <a:endParaRPr sz="1000" b="1" i="0" spc="0">
                         <a:solidFill>
                           <a:schemeClr val="bg1"/>
                         </a:solidFill>
@@ -4877,16 +5527,26 @@
                         </a:spcBef>
                       </a:pPr>
                       <a:r>
-                        <a:rPr lang="de-de" sz="900" spc="0" dirty="0">
+                        <a:rPr lang="en-US" sz="900" spc="0">
                           <a:solidFill>
                             <a:srgbClr val="020302"/>
                           </a:solidFill>
                           <a:latin typeface="AdobeClean-Light"/>
                           <a:cs typeface="AdobeClean-Light"/>
                         </a:rPr>
-                        <a:t>線上支援</a:t>
+                        <a:t>Online</a:t>
                       </a:r>
-                      <a:endParaRPr sz="900" spc="0" dirty="0">
+                      <a:r>
+                        <a:rPr sz="900" spc="0">
+                          <a:solidFill>
+                            <a:srgbClr val="020302"/>
+                          </a:solidFill>
+                          <a:latin typeface="AdobeClean-Light"/>
+                          <a:cs typeface="AdobeClean-Light"/>
+                        </a:rPr>
+                        <a:t> Support</a:t>
+                      </a:r>
+                      <a:endParaRPr sz="900" spc="0">
                         <a:latin typeface="AdobeClean-Light"/>
                         <a:cs typeface="AdobeClean-Light"/>
                       </a:endParaRPr>
@@ -4927,26 +5587,36 @@
                         </a:spcBef>
                       </a:pPr>
                       <a:r>
-                        <a:rPr lang="de-de" sz="900" spc="-25" dirty="0">
+                        <a:rPr sz="900" spc="-25">
                           <a:solidFill>
                             <a:srgbClr val="020302"/>
                           </a:solidFill>
                           <a:latin typeface="AdobeClean-Light"/>
                           <a:cs typeface="AdobeClean-Light"/>
                         </a:rPr>
-                        <a:t>營業</a:t>
+                        <a:t>Business</a:t>
                       </a:r>
                       <a:r>
-                        <a:rPr lang="de-de" sz="900" spc="-30" dirty="0">
+                        <a:rPr sz="900" spc="-15">
                           <a:solidFill>
                             <a:srgbClr val="020302"/>
                           </a:solidFill>
                           <a:latin typeface="AdobeClean-Light"/>
                           <a:cs typeface="AdobeClean-Light"/>
                         </a:rPr>
-                        <a:t>時間</a:t>
+                        <a:t> </a:t>
                       </a:r>
-                      <a:endParaRPr sz="900" dirty="0">
+                      <a:r>
+                        <a:rPr sz="900" spc="-30">
+                          <a:solidFill>
+                            <a:srgbClr val="020302"/>
+                          </a:solidFill>
+                          <a:latin typeface="AdobeClean-Light"/>
+                          <a:cs typeface="AdobeClean-Light"/>
+                        </a:rPr>
+                        <a:t>hours</a:t>
+                      </a:r>
+                      <a:endParaRPr sz="900">
                         <a:latin typeface="AdobeClean-Light"/>
                         <a:cs typeface="AdobeClean-Light"/>
                       </a:endParaRPr>
@@ -4988,7 +5658,7 @@
                         </a:spcBef>
                       </a:pPr>
                       <a:r>
-                        <a:rPr lang="de-de" sz="900" spc="-25" dirty="0">
+                        <a:rPr lang="en-US" sz="900" spc="-25">
                           <a:solidFill>
                             <a:srgbClr val="020302"/>
                           </a:solidFill>
@@ -4997,7 +5667,7 @@
                         </a:rPr>
                         <a:t>24x5</a:t>
                       </a:r>
-                      <a:endParaRPr sz="900" dirty="0">
+                      <a:endParaRPr sz="900">
                         <a:latin typeface="AdobeClean-Light"/>
                         <a:cs typeface="AdobeClean-Light"/>
                       </a:endParaRPr>
@@ -5040,7 +5710,7 @@
                           <a:spcPts val="455"/>
                         </a:spcBef>
                       </a:pPr>
-                      <a:endParaRPr sz="900" dirty="0">
+                      <a:endParaRPr sz="900">
                         <a:latin typeface="AdobeClean-Light"/>
                         <a:cs typeface="AdobeClean-Light"/>
                       </a:endParaRPr>
@@ -5081,16 +5751,36 @@
                         </a:spcBef>
                       </a:pPr>
                       <a:r>
-                        <a:rPr lang="de-de" sz="900" spc="0" dirty="0">
+                        <a:rPr sz="900" spc="0">
                           <a:solidFill>
                             <a:srgbClr val="020302"/>
                           </a:solidFill>
                           <a:latin typeface="AdobeClean-Light"/>
                           <a:cs typeface="AdobeClean-Light"/>
                         </a:rPr>
-                        <a:t>全年無休 P1 問題支援</a:t>
+                        <a:t>24x7</a:t>
                       </a:r>
-                      <a:endParaRPr sz="900" spc="0" dirty="0">
+                      <a:r>
+                        <a:rPr lang="en-US" sz="900" spc="0">
+                          <a:solidFill>
+                            <a:srgbClr val="020302"/>
+                          </a:solidFill>
+                          <a:latin typeface="AdobeClean-Light"/>
+                          <a:cs typeface="AdobeClean-Light"/>
+                        </a:rPr>
+                        <a:t>x365</a:t>
+                      </a:r>
+                      <a:r>
+                        <a:rPr sz="900" spc="0">
+                          <a:solidFill>
+                            <a:srgbClr val="020302"/>
+                          </a:solidFill>
+                          <a:latin typeface="AdobeClean-Light"/>
+                          <a:cs typeface="AdobeClean-Light"/>
+                        </a:rPr>
+                        <a:t> P1 Issue Support</a:t>
+                      </a:r>
+                      <a:endParaRPr sz="900" spc="0">
                         <a:latin typeface="AdobeClean-Light"/>
                         <a:cs typeface="AdobeClean-Light"/>
                       </a:endParaRPr>
@@ -5125,7 +5815,7 @@
                         </a:spcBef>
                       </a:pPr>
                       <a:r>
-                        <a:rPr lang="de-de" sz="900" dirty="0">
+                        <a:rPr sz="900">
                           <a:solidFill>
                             <a:srgbClr val="020302"/>
                           </a:solidFill>
@@ -5134,7 +5824,7 @@
                         </a:rPr>
                         <a:t></a:t>
                       </a:r>
-                      <a:endParaRPr sz="900" dirty="0">
+                      <a:endParaRPr sz="900">
                         <a:latin typeface="Wingdings"/>
                         <a:cs typeface="Wingdings"/>
                       </a:endParaRPr>
@@ -5167,7 +5857,7 @@
                         </a:spcBef>
                       </a:pPr>
                       <a:r>
-                        <a:rPr lang="de-de" sz="900" dirty="0">
+                        <a:rPr sz="900">
                           <a:solidFill>
                             <a:srgbClr val="020302"/>
                           </a:solidFill>
@@ -5176,7 +5866,7 @@
                         </a:rPr>
                         <a:t></a:t>
                       </a:r>
-                      <a:endParaRPr sz="900" dirty="0">
+                      <a:endParaRPr sz="900">
                         <a:latin typeface="Wingdings"/>
                         <a:cs typeface="Wingdings"/>
                       </a:endParaRPr>
@@ -5210,7 +5900,7 @@
                           <a:spcPts val="455"/>
                         </a:spcBef>
                       </a:pPr>
-                      <a:endParaRPr sz="900" dirty="0">
+                      <a:endParaRPr sz="900">
                         <a:latin typeface="AdobeClean-Light"/>
                         <a:cs typeface="AdobeClean-Light"/>
                       </a:endParaRPr>
@@ -5260,16 +5950,16 @@
                         </a:spcBef>
                       </a:pPr>
                       <a:r>
-                        <a:rPr lang="de-de" sz="900" spc="0" dirty="0">
+                        <a:rPr lang="en-US" sz="900" spc="0">
                           <a:solidFill>
                             <a:srgbClr val="020302"/>
                           </a:solidFill>
                           <a:latin typeface="AdobeClean-Light"/>
                           <a:cs typeface="AdobeClean-Light"/>
                         </a:rPr>
-                        <a:t>指定的支援聯絡人 (依據產品)</a:t>
+                        <a:t>Named Support Contacts (per product)</a:t>
                       </a:r>
-                      <a:endParaRPr sz="900" spc="0" dirty="0">
+                      <a:endParaRPr sz="900" spc="0">
                         <a:latin typeface="AdobeClean-Light"/>
                         <a:cs typeface="AdobeClean-Light"/>
                       </a:endParaRPr>
@@ -5310,7 +6000,7 @@
                         </a:spcBef>
                       </a:pPr>
                       <a:r>
-                        <a:rPr lang="de-de" sz="900" dirty="0">
+                        <a:rPr sz="900">
                           <a:solidFill>
                             <a:srgbClr val="020302"/>
                           </a:solidFill>
@@ -5319,7 +6009,7 @@
                         </a:rPr>
                         <a:t>4</a:t>
                       </a:r>
-                      <a:endParaRPr sz="900" dirty="0">
+                      <a:endParaRPr sz="900">
                         <a:latin typeface="AdobeClean-Light"/>
                         <a:cs typeface="AdobeClean-Light"/>
                       </a:endParaRPr>
@@ -5352,7 +6042,7 @@
                         </a:spcBef>
                       </a:pPr>
                       <a:r>
-                        <a:rPr lang="de-de" sz="900" dirty="0">
+                        <a:rPr lang="en-US" sz="900">
                           <a:solidFill>
                             <a:srgbClr val="020302"/>
                           </a:solidFill>
@@ -5361,7 +6051,7 @@
                         </a:rPr>
                         <a:t>15</a:t>
                       </a:r>
-                      <a:endParaRPr sz="900" dirty="0">
+                      <a:endParaRPr sz="900">
                         <a:latin typeface="AdobeClean-Light"/>
                         <a:cs typeface="AdobeClean-Light"/>
                       </a:endParaRPr>
@@ -5395,7 +6085,7 @@
                           <a:spcPts val="455"/>
                         </a:spcBef>
                       </a:pPr>
-                      <a:endParaRPr sz="900" dirty="0">
+                      <a:endParaRPr sz="900">
                         <a:latin typeface="AdobeClean-Light"/>
                         <a:cs typeface="AdobeClean-Light"/>
                       </a:endParaRPr>
@@ -5436,16 +6126,16 @@
                         </a:spcBef>
                       </a:pPr>
                       <a:r>
-                        <a:rPr lang="de-de" sz="900" spc="0" dirty="0">
+                        <a:rPr lang="en-US" sz="900" spc="0">
                           <a:solidFill>
                             <a:srgbClr val="020302"/>
                           </a:solidFill>
                           <a:latin typeface="AdobeClean-Light"/>
                           <a:cs typeface="AdobeClean-Light"/>
                         </a:rPr>
-                        <a:t>即時電話支援</a:t>
+                        <a:t>Live Telephone Support</a:t>
                       </a:r>
-                      <a:endParaRPr sz="900" spc="0" dirty="0">
+                      <a:endParaRPr sz="900" spc="0">
                         <a:latin typeface="AdobeClean-Light"/>
                         <a:cs typeface="AdobeClean-Light"/>
                       </a:endParaRPr>
@@ -5479,7 +6169,7 @@
                           <a:spcPts val="464"/>
                         </a:spcBef>
                       </a:pPr>
-                      <a:endParaRPr sz="900" dirty="0">
+                      <a:endParaRPr sz="900">
                         <a:latin typeface="Wingdings"/>
                         <a:cs typeface="Wingdings"/>
                       </a:endParaRPr>
@@ -5512,7 +6202,7 @@
                         </a:spcBef>
                       </a:pPr>
                       <a:r>
-                        <a:rPr lang="de-de" sz="900" dirty="0">
+                        <a:rPr sz="900">
                           <a:solidFill>
                             <a:srgbClr val="020302"/>
                           </a:solidFill>
@@ -5521,7 +6211,7 @@
                         </a:rPr>
                         <a:t></a:t>
                       </a:r>
-                      <a:endParaRPr sz="900" dirty="0">
+                      <a:endParaRPr sz="900">
                         <a:latin typeface="Wingdings"/>
                         <a:cs typeface="Wingdings"/>
                       </a:endParaRPr>
@@ -5555,7 +6245,7 @@
                           <a:spcPts val="459"/>
                         </a:spcBef>
                       </a:pPr>
-                      <a:endParaRPr sz="900" dirty="0">
+                      <a:endParaRPr sz="900">
                         <a:latin typeface="AdobeClean-Light"/>
                         <a:cs typeface="AdobeClean-Light"/>
                       </a:endParaRPr>
@@ -5596,16 +6286,16 @@
                         </a:spcBef>
                       </a:pPr>
                       <a:r>
-                        <a:rPr lang="de-de" sz="900" spc="0" dirty="0">
+                        <a:rPr sz="900" spc="0">
                           <a:solidFill>
                             <a:srgbClr val="020302"/>
                           </a:solidFill>
                           <a:latin typeface="AdobeClean-Light"/>
                           <a:cs typeface="AdobeClean-Light"/>
                         </a:rPr>
-                        <a:t>向上呈報管理</a:t>
+                        <a:t>Escalation Management</a:t>
                       </a:r>
-                      <a:endParaRPr sz="900" spc="0" dirty="0">
+                      <a:endParaRPr sz="900" spc="0">
                         <a:latin typeface="AdobeClean-Light"/>
                         <a:cs typeface="AdobeClean-Light"/>
                       </a:endParaRPr>
@@ -5639,7 +6329,7 @@
                           <a:spcPts val="470"/>
                         </a:spcBef>
                       </a:pPr>
-                      <a:endParaRPr sz="900" dirty="0">
+                      <a:endParaRPr sz="900">
                         <a:latin typeface="Wingdings"/>
                         <a:cs typeface="Wingdings"/>
                       </a:endParaRPr>
@@ -5672,7 +6362,7 @@
                         </a:spcBef>
                       </a:pPr>
                       <a:r>
-                        <a:rPr lang="de-de" sz="900" dirty="0">
+                        <a:rPr sz="900">
                           <a:solidFill>
                             <a:srgbClr val="020302"/>
                           </a:solidFill>
@@ -5681,7 +6371,7 @@
                         </a:rPr>
                         <a:t></a:t>
                       </a:r>
-                      <a:endParaRPr sz="900" dirty="0">
+                      <a:endParaRPr sz="900">
                         <a:latin typeface="Wingdings"/>
                         <a:cs typeface="Wingdings"/>
                       </a:endParaRPr>
@@ -5715,7 +6405,7 @@
                           <a:spcPts val="450"/>
                         </a:spcBef>
                       </a:pPr>
-                      <a:endParaRPr sz="900" dirty="0">
+                      <a:endParaRPr sz="900">
                         <a:latin typeface="AdobeClean-Light"/>
                         <a:cs typeface="AdobeClean-Light"/>
                       </a:endParaRPr>
@@ -5756,16 +6446,26 @@
                         </a:spcBef>
                       </a:pPr>
                       <a:r>
-                        <a:rPr lang="de-de" sz="900" spc="0" dirty="0">
+                        <a:rPr sz="900" spc="0">
                           <a:solidFill>
                             <a:srgbClr val="020302"/>
                           </a:solidFill>
                           <a:latin typeface="AdobeClean-Light"/>
                           <a:cs typeface="AdobeClean-Light"/>
                         </a:rPr>
-                        <a:t>每年的服務審查</a:t>
+                        <a:t>Service Reviews </a:t>
                       </a:r>
-                      <a:endParaRPr sz="900" spc="0" dirty="0">
+                      <a:r>
+                        <a:rPr lang="en-US" sz="900" spc="0">
+                          <a:solidFill>
+                            <a:srgbClr val="020302"/>
+                          </a:solidFill>
+                          <a:latin typeface="AdobeClean-Light"/>
+                          <a:cs typeface="AdobeClean-Light"/>
+                        </a:rPr>
+                        <a:t>per Year</a:t>
+                      </a:r>
+                      <a:endParaRPr sz="900" spc="0">
                         <a:latin typeface="AdobeClean-Light"/>
                         <a:cs typeface="AdobeClean-Light"/>
                       </a:endParaRPr>
@@ -5796,7 +6496,7 @@
                           <a:spcPct val="100000"/>
                         </a:lnSpc>
                       </a:pPr>
-                      <a:endParaRPr sz="900" dirty="0">
+                      <a:endParaRPr sz="900">
                         <a:latin typeface="Times New Roman"/>
                         <a:cs typeface="Times New Roman"/>
                       </a:endParaRPr>
@@ -5826,13 +6526,13 @@
                         </a:lnSpc>
                       </a:pPr>
                       <a:r>
-                        <a:rPr lang="de-de" sz="900" dirty="0">
+                        <a:rPr lang="en-US" sz="900">
                           <a:latin typeface="Times New Roman"/>
                           <a:cs typeface="Times New Roman"/>
                         </a:rPr>
                         <a:t>4</a:t>
                       </a:r>
-                      <a:endParaRPr sz="900" dirty="0">
+                      <a:endParaRPr sz="900">
                         <a:latin typeface="Times New Roman"/>
                         <a:cs typeface="Times New Roman"/>
                       </a:endParaRPr>
@@ -5877,13 +6577,13 @@
                         </a:spcBef>
                       </a:pPr>
                       <a:r>
-                        <a:rPr lang="de-de" sz="900" spc="0" dirty="0">
+                        <a:rPr lang="en-US" sz="900" spc="0">
                           <a:latin typeface="AdobeClean-Light"/>
                           <a:cs typeface="AdobeClean-Light"/>
                         </a:rPr>
-                        <a:t>每年的專家諮詢</a:t>
+                        <a:t>Expert Sessions per Year</a:t>
                       </a:r>
-                      <a:endParaRPr sz="900" spc="0" dirty="0">
+                      <a:endParaRPr sz="900" spc="0">
                         <a:latin typeface="AdobeClean-Light"/>
                         <a:cs typeface="AdobeClean-Light"/>
                       </a:endParaRPr>
@@ -5920,7 +6620,7 @@
                           <a:spcPct val="100000"/>
                         </a:lnSpc>
                       </a:pPr>
-                      <a:endParaRPr sz="900" dirty="0">
+                      <a:endParaRPr sz="900">
                         <a:latin typeface="Times New Roman"/>
                         <a:cs typeface="Times New Roman"/>
                       </a:endParaRPr>
@@ -5950,13 +6650,13 @@
                         </a:lnSpc>
                       </a:pPr>
                       <a:r>
-                        <a:rPr lang="de-de" sz="900" dirty="0">
+                        <a:rPr lang="en-US" sz="900">
                           <a:latin typeface="Times New Roman"/>
                           <a:cs typeface="Times New Roman"/>
                         </a:rPr>
                         <a:t>4</a:t>
                       </a:r>
-                      <a:endParaRPr sz="900" dirty="0">
+                      <a:endParaRPr sz="900">
                         <a:latin typeface="Times New Roman"/>
                         <a:cs typeface="Times New Roman"/>
                       </a:endParaRPr>
@@ -6001,13 +6701,13 @@
                         </a:spcBef>
                       </a:pPr>
                       <a:r>
-                        <a:rPr lang="de-de" sz="900" spc="0" dirty="0">
+                        <a:rPr lang="en-US" sz="900" spc="0">
                           <a:latin typeface="AdobeClean-Light"/>
                           <a:cs typeface="AdobeClean-Light"/>
                         </a:rPr>
-                        <a:t>案件審查</a:t>
+                        <a:t>Case Reviews</a:t>
                       </a:r>
-                      <a:endParaRPr sz="900" spc="0" dirty="0">
+                      <a:endParaRPr sz="900" spc="0">
                         <a:latin typeface="AdobeClean-Light"/>
                         <a:cs typeface="AdobeClean-Light"/>
                       </a:endParaRPr>
@@ -6044,7 +6744,7 @@
                           <a:spcPct val="100000"/>
                         </a:lnSpc>
                       </a:pPr>
-                      <a:endParaRPr sz="900" dirty="0">
+                      <a:endParaRPr sz="900">
                         <a:latin typeface="Times New Roman"/>
                         <a:cs typeface="Times New Roman"/>
                       </a:endParaRPr>
@@ -6086,7 +6786,7 @@
                         <a:defRPr/>
                       </a:pPr>
                       <a:r>
-                        <a:rPr lang="de-de" sz="900" dirty="0">
+                        <a:rPr lang="en-US" sz="900">
                           <a:solidFill>
                             <a:srgbClr val="020302"/>
                           </a:solidFill>
@@ -6095,7 +6795,7 @@
                         </a:rPr>
                         <a:t></a:t>
                       </a:r>
-                      <a:endParaRPr lang="en-US" sz="900" dirty="0">
+                      <a:endParaRPr lang="en-US" sz="900">
                         <a:latin typeface="Wingdings"/>
                         <a:cs typeface="Wingdings"/>
                       </a:endParaRPr>
@@ -6129,7 +6829,7 @@
                           <a:spcPts val="459"/>
                         </a:spcBef>
                       </a:pPr>
-                      <a:endParaRPr sz="900" dirty="0">
+                      <a:endParaRPr sz="900">
                         <a:latin typeface="AdobeClean-Light"/>
                         <a:cs typeface="AdobeClean-Light"/>
                       </a:endParaRPr>
@@ -6179,16 +6879,26 @@
                         </a:spcBef>
                       </a:pPr>
                       <a:r>
-                        <a:rPr lang="de-de" sz="900" spc="0" dirty="0">
+                        <a:rPr sz="900" spc="0">
                           <a:solidFill>
                             <a:srgbClr val="020302"/>
                           </a:solidFill>
                           <a:latin typeface="AdobeClean-Light"/>
                           <a:cs typeface="AdobeClean-Light"/>
                         </a:rPr>
-                        <a:t>事件管理</a:t>
+                        <a:t>Event </a:t>
                       </a:r>
-                      <a:endParaRPr sz="900" spc="0" dirty="0">
+                      <a:r>
+                        <a:rPr lang="en-US" sz="900" spc="0">
+                          <a:solidFill>
+                            <a:srgbClr val="020302"/>
+                          </a:solidFill>
+                          <a:latin typeface="AdobeClean-Light"/>
+                          <a:cs typeface="AdobeClean-Light"/>
+                        </a:rPr>
+                        <a:t>Management</a:t>
+                      </a:r>
+                      <a:endParaRPr sz="900" spc="0">
                         <a:latin typeface="AdobeClean-Light"/>
                         <a:cs typeface="AdobeClean-Light"/>
                       </a:endParaRPr>
@@ -6225,7 +6935,7 @@
                           <a:spcPct val="100000"/>
                         </a:lnSpc>
                       </a:pPr>
-                      <a:endParaRPr sz="900" dirty="0">
+                      <a:endParaRPr sz="900">
                         <a:latin typeface="Times New Roman"/>
                         <a:cs typeface="Times New Roman"/>
                       </a:endParaRPr>
@@ -6267,7 +6977,7 @@
                         <a:defRPr/>
                       </a:pPr>
                       <a:r>
-                        <a:rPr lang="de-de" sz="900" dirty="0">
+                        <a:rPr lang="en-US" sz="900">
                           <a:solidFill>
                             <a:srgbClr val="020302"/>
                           </a:solidFill>
@@ -6276,7 +6986,7 @@
                         </a:rPr>
                         <a:t></a:t>
                       </a:r>
-                      <a:endParaRPr lang="en-US" sz="900" dirty="0">
+                      <a:endParaRPr lang="en-US" sz="900">
                         <a:latin typeface="Wingdings"/>
                         <a:cs typeface="Wingdings"/>
                       </a:endParaRPr>
@@ -6310,7 +7020,7 @@
                           <a:spcPts val="465"/>
                         </a:spcBef>
                       </a:pPr>
-                      <a:endParaRPr sz="900" dirty="0">
+                      <a:endParaRPr sz="900">
                         <a:latin typeface="AdobeClean-Light"/>
                         <a:cs typeface="AdobeClean-Light"/>
                       </a:endParaRPr>
@@ -6351,16 +7061,36 @@
                         </a:spcBef>
                       </a:pPr>
                       <a:r>
-                        <a:rPr lang="de-de" sz="900" spc="0" dirty="0">
+                        <a:rPr sz="900" spc="0">
                           <a:solidFill>
                             <a:srgbClr val="020302"/>
                           </a:solidFill>
                           <a:latin typeface="AdobeClean-Light"/>
                           <a:cs typeface="AdobeClean-Light"/>
                         </a:rPr>
-                        <a:t>環境審查、維護與監控</a:t>
+                        <a:t>Environment</a:t>
                       </a:r>
-                      <a:endParaRPr sz="900" spc="0" dirty="0">
+                      <a:r>
+                        <a:rPr lang="en-US" sz="900" spc="0">
+                          <a:solidFill>
+                            <a:srgbClr val="020302"/>
+                          </a:solidFill>
+                          <a:latin typeface="AdobeClean-Light"/>
+                          <a:cs typeface="AdobeClean-Light"/>
+                        </a:rPr>
+                        <a:t> </a:t>
+                      </a:r>
+                      <a:r>
+                        <a:rPr sz="900" spc="0">
+                          <a:solidFill>
+                            <a:srgbClr val="020302"/>
+                          </a:solidFill>
+                          <a:latin typeface="AdobeClean-Light"/>
+                          <a:cs typeface="AdobeClean-Light"/>
+                        </a:rPr>
+                        <a:t>Review, Maintenance &amp; Monitoring</a:t>
+                      </a:r>
+                      <a:endParaRPr sz="900" spc="0">
                         <a:latin typeface="AdobeClean-Light"/>
                         <a:cs typeface="AdobeClean-Light"/>
                       </a:endParaRPr>
@@ -6391,7 +7121,7 @@
                           <a:spcPct val="100000"/>
                         </a:lnSpc>
                       </a:pPr>
-                      <a:endParaRPr sz="900" dirty="0">
+                      <a:endParaRPr sz="900">
                         <a:latin typeface="Times New Roman"/>
                         <a:cs typeface="Times New Roman"/>
                       </a:endParaRPr>
@@ -6433,7 +7163,7 @@
                         <a:defRPr/>
                       </a:pPr>
                       <a:r>
-                        <a:rPr lang="de-de" sz="900" dirty="0">
+                        <a:rPr lang="en-US" sz="900">
                           <a:solidFill>
                             <a:srgbClr val="020302"/>
                           </a:solidFill>
@@ -6442,7 +7172,7 @@
                         </a:rPr>
                         <a:t></a:t>
                       </a:r>
-                      <a:endParaRPr lang="en-US" sz="900" dirty="0">
+                      <a:endParaRPr lang="en-US" sz="900">
                         <a:latin typeface="Wingdings"/>
                         <a:cs typeface="Wingdings"/>
                       </a:endParaRPr>
@@ -6476,7 +7206,7 @@
                           <a:spcPts val="500"/>
                         </a:spcBef>
                       </a:pPr>
-                      <a:endParaRPr sz="900" dirty="0">
+                      <a:endParaRPr sz="900">
                         <a:latin typeface="AdobeClean-Light"/>
                         <a:cs typeface="AdobeClean-Light"/>
                       </a:endParaRPr>
@@ -6517,16 +7247,16 @@
                         </a:spcBef>
                       </a:pPr>
                       <a:r>
-                        <a:rPr lang="de-de" sz="900" spc="0" dirty="0">
+                        <a:rPr sz="900" spc="0">
                           <a:solidFill>
                             <a:srgbClr val="020302"/>
                           </a:solidFill>
                           <a:latin typeface="AdobeClean-Light"/>
                           <a:cs typeface="AdobeClean-Light"/>
                         </a:rPr>
-                        <a:t>發行、遷移、升級及產品藍圖審查</a:t>
+                        <a:t>Release, Migration, Upgrade &amp; Product Roadmap Review</a:t>
                       </a:r>
-                      <a:endParaRPr sz="900" spc="0" dirty="0">
+                      <a:endParaRPr sz="900" spc="0">
                         <a:latin typeface="AdobeClean-Light"/>
                         <a:cs typeface="AdobeClean-Light"/>
                       </a:endParaRPr>
@@ -6557,7 +7287,7 @@
                           <a:spcPct val="100000"/>
                         </a:lnSpc>
                       </a:pPr>
-                      <a:endParaRPr sz="900" dirty="0">
+                      <a:endParaRPr sz="900">
                         <a:latin typeface="Times New Roman"/>
                         <a:cs typeface="Times New Roman"/>
                       </a:endParaRPr>
@@ -6599,7 +7329,7 @@
                         <a:defRPr/>
                       </a:pPr>
                       <a:r>
-                        <a:rPr lang="de-de" sz="900" dirty="0">
+                        <a:rPr lang="en-US" sz="900">
                           <a:solidFill>
                             <a:srgbClr val="020302"/>
                           </a:solidFill>
@@ -6608,7 +7338,7 @@
                         </a:rPr>
                         <a:t></a:t>
                       </a:r>
-                      <a:endParaRPr lang="en-US" sz="900" dirty="0">
+                      <a:endParaRPr lang="en-US" sz="900">
                         <a:latin typeface="Wingdings"/>
                         <a:cs typeface="Wingdings"/>
                       </a:endParaRPr>
@@ -6642,7 +7372,7 @@
                           <a:spcPts val="530"/>
                         </a:spcBef>
                       </a:pPr>
-                      <a:endParaRPr sz="900" dirty="0">
+                      <a:endParaRPr sz="900">
                         <a:latin typeface="AdobeClean-Light"/>
                         <a:cs typeface="AdobeClean-Light"/>
                       </a:endParaRPr>
@@ -6692,11 +7422,11 @@
                         </a:spcBef>
                       </a:pPr>
                       <a:r>
-                        <a:rPr lang="de-de" sz="900" spc="0" dirty="0">
+                        <a:rPr sz="900" spc="0">
                           <a:latin typeface="AdobeClean-Light"/>
                           <a:cs typeface="AdobeClean-Light"/>
                         </a:rPr>
-                        <a:t>雲端支援活動 – 雲端形式的 Experience Manager</a:t>
+                        <a:t>Cloud Support Activities – Experience Manager as Cloud</a:t>
                       </a:r>
                     </a:p>
                   </a:txBody>
@@ -6731,7 +7461,7 @@
                           <a:spcPct val="100000"/>
                         </a:lnSpc>
                       </a:pPr>
-                      <a:endParaRPr sz="900" dirty="0">
+                      <a:endParaRPr sz="900">
                         <a:latin typeface="Times New Roman"/>
                         <a:cs typeface="Times New Roman"/>
                       </a:endParaRPr>
@@ -6782,7 +7512,7 @@
                         <a:defRPr/>
                       </a:pPr>
                       <a:r>
-                        <a:rPr lang="de-de" sz="900" dirty="0">
+                        <a:rPr lang="en-US" sz="900">
                           <a:solidFill>
                             <a:srgbClr val="020302"/>
                           </a:solidFill>
@@ -6791,7 +7521,7 @@
                         </a:rPr>
                         <a:t></a:t>
                       </a:r>
-                      <a:endParaRPr lang="en-US" sz="900" dirty="0">
+                      <a:endParaRPr lang="en-US" sz="900">
                         <a:latin typeface="Wingdings"/>
                         <a:cs typeface="Wingdings"/>
                       </a:endParaRPr>
@@ -6835,16 +7565,16 @@
                         </a:spcBef>
                       </a:pPr>
                       <a:r>
-                        <a:rPr lang="de-de" sz="1000" b="1" i="0" spc="0" dirty="0">
+                        <a:rPr lang="en-US" sz="1000" b="1" i="0" spc="0">
                           <a:solidFill>
                             <a:schemeClr val="bg1"/>
                           </a:solidFill>
                           <a:latin typeface="Adobe Clean" panose="020B0503020404020204" pitchFamily="34" charset="0"/>
                           <a:cs typeface="AdobeClean-Light"/>
                         </a:rPr>
-                        <a:t>現場服務</a:t>
+                        <a:t>Field Services</a:t>
                       </a:r>
-                      <a:endParaRPr sz="1000" b="1" i="0" spc="0" dirty="0">
+                      <a:endParaRPr sz="1000" b="1" i="0" spc="0">
                         <a:solidFill>
                           <a:schemeClr val="bg1"/>
                         </a:solidFill>
@@ -6903,14 +7633,14 @@
                         </a:spcBef>
                       </a:pPr>
                       <a:r>
-                        <a:rPr lang="de-de" sz="900" spc="0" dirty="0">
+                        <a:rPr sz="900" spc="0">
                           <a:solidFill>
                             <a:srgbClr val="020302"/>
                           </a:solidFill>
                           <a:latin typeface="AdobeClean-Light"/>
                           <a:cs typeface="AdobeClean-Light"/>
                         </a:rPr>
-                        <a:t>上市諮詢服務 – 新解決方案的第一年</a:t>
+                        <a:t>Launch Advisory Services – First Year of new solution</a:t>
                       </a:r>
                     </a:p>
                   </a:txBody>
@@ -6955,7 +7685,7 @@
                           <a:spcPct val="100000"/>
                         </a:lnSpc>
                       </a:pPr>
-                      <a:endParaRPr sz="900" dirty="0">
+                      <a:endParaRPr sz="900">
                         <a:latin typeface="Times New Roman"/>
                         <a:cs typeface="Times New Roman"/>
                       </a:endParaRPr>
@@ -7022,7 +7752,7 @@
                         <a:defRPr/>
                       </a:pPr>
                       <a:r>
-                        <a:rPr lang="de-de" sz="900" dirty="0">
+                        <a:rPr lang="en-US" sz="900">
                           <a:solidFill>
                             <a:srgbClr val="020302"/>
                           </a:solidFill>
@@ -7031,7 +7761,7 @@
                         </a:rPr>
                         <a:t></a:t>
                       </a:r>
-                      <a:endParaRPr lang="en-US" sz="900" dirty="0">
+                      <a:endParaRPr lang="en-US" sz="900">
                         <a:latin typeface="Wingdings"/>
                         <a:cs typeface="Wingdings"/>
                       </a:endParaRPr>
@@ -7113,11 +7843,11 @@
                         <a:defRPr/>
                       </a:pPr>
                       <a:r>
-                        <a:rPr lang="de-de" sz="900" spc="0" dirty="0">
+                        <a:rPr lang="en-US" sz="900" spc="0">
                           <a:latin typeface="AdobeClean-Light"/>
                           <a:cs typeface="AdobeClean-Light"/>
                         </a:rPr>
-                        <a:t>現場服務活動</a:t>
+                        <a:t>Field Service Activities </a:t>
                       </a:r>
                     </a:p>
                   </a:txBody>
@@ -7152,7 +7882,7 @@
                     <a:lstStyle/>
                     <a:p>
                       <a:pPr algn="ctr"/>
-                      <a:endParaRPr lang="en-US" dirty="0"/>
+                      <a:endParaRPr lang="en-US"/>
                     </a:p>
                   </a:txBody>
                   <a:tcPr marL="0" marR="0" marT="0" marB="0">
@@ -7200,7 +7930,7 @@
                     <a:p>
                       <a:pPr algn="ctr"/>
                       <a:r>
-                        <a:rPr lang="de-de" sz="900" dirty="0">
+                        <a:rPr lang="en-US" sz="900" dirty="0">
                           <a:latin typeface="Times New Roman"/>
                           <a:cs typeface="Times New Roman"/>
                         </a:rPr>
@@ -7340,7 +8070,7 @@
         <p:spPr>
           <a:xfrm>
             <a:off x="357339" y="608961"/>
-            <a:ext cx="4214661" cy="229239"/>
+            <a:ext cx="1647825" cy="238760"/>
           </a:xfrm>
           <a:prstGeom prst="rect">
             <a:avLst/>
@@ -7361,26 +8091,56 @@
               </a:spcBef>
             </a:pPr>
             <a:r>
-              <a:rPr lang="de-de" sz="1400" b="1" spc="-10" dirty="0">
+              <a:rPr sz="1400" b="1" spc="-10">
                 <a:solidFill>
                   <a:srgbClr val="020302"/>
                 </a:solidFill>
                 <a:latin typeface="Adobe Clean"/>
                 <a:cs typeface="Adobe Clean"/>
               </a:rPr>
-              <a:t>菁英支援</a:t>
-            </a:r>
-            <a:r>
-              <a:rPr lang="de-de" sz="1400" b="1" spc="-15" dirty="0">
+              <a:t>Elite</a:t>
+            </a:r>
+            <a:r>
+              <a:rPr sz="1400" b="1" spc="-50">
                 <a:solidFill>
                   <a:srgbClr val="020302"/>
                 </a:solidFill>
                 <a:latin typeface="Adobe Clean"/>
                 <a:cs typeface="Adobe Clean"/>
               </a:rPr>
-              <a:t>特色</a:t>
-            </a:r>
-            <a:endParaRPr sz="1400" dirty="0">
+              <a:t> </a:t>
+            </a:r>
+            <a:r>
+              <a:rPr sz="1400" b="1" spc="-10">
+                <a:solidFill>
+                  <a:srgbClr val="020302"/>
+                </a:solidFill>
+                <a:latin typeface="Adobe Clean"/>
+                <a:cs typeface="Adobe Clean"/>
+              </a:rPr>
+              <a:t>Support</a:t>
+            </a:r>
+            <a:r>
+              <a:rPr sz="1400" b="1" spc="-45">
+                <a:solidFill>
+                  <a:srgbClr val="020302"/>
+                </a:solidFill>
+                <a:latin typeface="Adobe Clean"/>
+                <a:cs typeface="Adobe Clean"/>
+              </a:rPr>
+              <a:t> </a:t>
+            </a:r>
+            <a:r>
+              <a:rPr sz="1400" b="1" spc="-15">
+                <a:solidFill>
+                  <a:srgbClr val="020302"/>
+                </a:solidFill>
+                <a:latin typeface="Adobe Clean"/>
+                <a:cs typeface="Adobe Clean"/>
+              </a:rPr>
+              <a:t>Features</a:t>
+            </a:r>
+            <a:endParaRPr sz="1400">
               <a:latin typeface="Adobe Clean"/>
               <a:cs typeface="Adobe Clean"/>
             </a:endParaRPr>
@@ -7417,16 +8177,16 @@
               </a:spcBef>
             </a:pPr>
             <a:r>
-              <a:rPr lang="de-de" sz="1000" dirty="0">
+              <a:rPr sz="1000">
                 <a:solidFill>
                   <a:srgbClr val="4B4B4B"/>
                 </a:solidFill>
                 <a:latin typeface="AdobeClean-Light"/>
                 <a:cs typeface="AdobeClean-Light"/>
               </a:rPr>
-              <a:t>已熟悉您的解決方案環境與業務目標的指定支援工程師。NSE 是經驗豐富的支援工程師，可幫忙協調您的企業支援體驗。</a:t>
-            </a:r>
-            <a:endParaRPr sz="1000" dirty="0">
+              <a:t>A designated support engineer who  becomes familiar with your solution  environment and business goals. The NSE  is an experienced support engineer that  helps coordinate your Enterprise Support  experience.</a:t>
+            </a:r>
+            <a:endParaRPr sz="1000">
               <a:latin typeface="AdobeClean-Light"/>
               <a:cs typeface="AdobeClean-Light"/>
             </a:endParaRPr>
@@ -7511,16 +8271,16 @@
               </a:spcBef>
             </a:pPr>
             <a:r>
-              <a:rPr lang="de-de" sz="1000" dirty="0">
+              <a:rPr sz="1000">
                 <a:solidFill>
                   <a:srgbClr val="4B4B4B"/>
                 </a:solidFill>
                 <a:latin typeface="AdobeClean-Light"/>
                 <a:cs typeface="AdobeClean-Light"/>
               </a:rPr>
-              <a:t>定期審查未解決的支援請求，以確保客戶在案件描述、業務影響、狀態、優先順序及確保快速解決所需的後續步驟方面都達成一致。</a:t>
-            </a:r>
-            <a:endParaRPr sz="1000" dirty="0">
+              <a:t>Regular scheduled review of open  support requests, ensuring customer  alignment on case description, business  impact, status, priority and agreement on  next steps required to ensure an  expedient resolution.</a:t>
+            </a:r>
+            <a:endParaRPr sz="1000">
               <a:latin typeface="AdobeClean-Light"/>
               <a:cs typeface="AdobeClean-Light"/>
             </a:endParaRPr>
@@ -7581,14 +8341,24 @@
               </a:spcBef>
             </a:pPr>
             <a:r>
-              <a:rPr lang="de-de" sz="1000" dirty="0">
+              <a:rPr sz="1000">
                 <a:solidFill>
                   <a:srgbClr val="020302"/>
                 </a:solidFill>
                 <a:latin typeface="AdobeClean-Light"/>
                 <a:cs typeface="AdobeClean-Light"/>
               </a:rPr>
-              <a:t>指定的技術客戶經理，負責監督您的 Elite 體驗、協調支援和現場服務的投入，並提供主動式服務來讓您實現最高業務價值。</a:t>
+              <a:t>A designated Technical Account Manager to  oversee your Elite experience, coordinate  the support and field services  engagements, and provide proactive services  to maximize your business valu</a:t>
+            </a:r>
+            <a:r>
+              <a:rPr lang="en-US" sz="1000">
+                <a:solidFill>
+                  <a:srgbClr val="020302"/>
+                </a:solidFill>
+                <a:latin typeface="AdobeClean-Light"/>
+                <a:cs typeface="AdobeClean-Light"/>
+              </a:rPr>
+              <a:t>e.</a:t>
             </a:r>
           </a:p>
         </p:txBody>
@@ -7623,16 +8393,16 @@
               </a:spcBef>
             </a:pPr>
             <a:r>
-              <a:rPr lang="de-de" sz="1100" b="1" dirty="0">
+              <a:rPr sz="1100" b="1">
                 <a:solidFill>
                   <a:srgbClr val="020302"/>
                 </a:solidFill>
                 <a:latin typeface="Adobe Clean" panose="020B0503020404020204" pitchFamily="34" charset="0"/>
                 <a:cs typeface="Arial"/>
               </a:rPr>
-              <a:t>技術客戶經理</a:t>
-            </a:r>
-            <a:endParaRPr sz="1100" dirty="0">
+              <a:t>Technical Account Manager</a:t>
+            </a:r>
+            <a:endParaRPr sz="1100">
               <a:latin typeface="Adobe Clean" panose="020B0503020404020204" pitchFamily="34" charset="0"/>
               <a:cs typeface="Arial"/>
             </a:endParaRPr>
@@ -7696,7 +8466,7 @@
         <p:spPr>
           <a:xfrm>
             <a:off x="2791726" y="5243920"/>
-            <a:ext cx="2313674" cy="337272"/>
+            <a:ext cx="2194560" cy="499111"/>
           </a:xfrm>
           <a:prstGeom prst="rect">
             <a:avLst/>
@@ -7717,16 +8487,46 @@
               </a:spcBef>
             </a:pPr>
             <a:r>
-              <a:rPr lang="de-de" sz="1000" dirty="0">
+              <a:rPr sz="1000">
                 <a:solidFill>
                   <a:srgbClr val="020302"/>
                 </a:solidFill>
                 <a:latin typeface="AdobeClean-Light"/>
                 <a:cs typeface="AdobeClean-Light"/>
               </a:rPr>
-              <a:t>Adobe 支援團隊持續在進行知識轉移，以便提供有關解決方案使用的最佳實務。</a:t>
-            </a:r>
-            <a:endParaRPr sz="1000" dirty="0">
+              <a:t>Ongoing knowledge transfer from Adobe  </a:t>
+            </a:r>
+            <a:r>
+              <a:rPr lang="en-US" sz="1000">
+                <a:solidFill>
+                  <a:srgbClr val="020302"/>
+                </a:solidFill>
+                <a:latin typeface="AdobeClean-Light"/>
+                <a:cs typeface="AdobeClean-Light"/>
+              </a:rPr>
+              <a:t>Support team</a:t>
+            </a:r>
+            <a:r>
+              <a:rPr sz="1000">
+                <a:solidFill>
+                  <a:srgbClr val="020302"/>
+                </a:solidFill>
+                <a:latin typeface="AdobeClean-Light"/>
+                <a:cs typeface="AdobeClean-Light"/>
+              </a:rPr>
+              <a:t> to provide </a:t>
+            </a:r>
+            <a:r>
+              <a:rPr lang="en-US" sz="1000">
+                <a:solidFill>
+                  <a:srgbClr val="020302"/>
+                </a:solidFill>
+                <a:latin typeface="AdobeClean-Light"/>
+                <a:cs typeface="AdobeClean-Light"/>
+              </a:rPr>
+              <a:t>best practices around solution usage.</a:t>
+            </a:r>
+            <a:endParaRPr sz="1000">
               <a:latin typeface="AdobeClean-Light"/>
               <a:cs typeface="AdobeClean-Light"/>
             </a:endParaRPr>
@@ -7763,16 +8563,16 @@
               </a:spcBef>
             </a:pPr>
             <a:r>
-              <a:rPr lang="de-de" sz="1000" dirty="0">
+              <a:rPr sz="1000">
                 <a:solidFill>
                   <a:srgbClr val="020302"/>
                 </a:solidFill>
                 <a:latin typeface="AdobeClean-Light"/>
                 <a:cs typeface="AdobeClean-Light"/>
               </a:rPr>
-              <a:t>管理關鍵事件，以確保您在這些關鍵業務和專案里程碑期間擁有適當層級的支援、涵蓋範圍和緩解計劃。</a:t>
-            </a:r>
-            <a:endParaRPr sz="1000" dirty="0">
+              <a:t>Manage key events to ensure you have the  right level of support, coverage, and  mitigation plan in place during those key  business and project milestones.</a:t>
+            </a:r>
+            <a:endParaRPr sz="1000">
               <a:latin typeface="AdobeClean-Light"/>
               <a:cs typeface="AdobeClean-Light"/>
             </a:endParaRPr>
@@ -7809,16 +8609,16 @@
               </a:spcBef>
             </a:pPr>
             <a:r>
-              <a:rPr lang="de-de" sz="1000" dirty="0">
+              <a:rPr sz="1000">
                 <a:solidFill>
                   <a:srgbClr val="020302"/>
                 </a:solidFill>
                 <a:latin typeface="AdobeClean-Light"/>
                 <a:cs typeface="AdobeClean-Light"/>
               </a:rPr>
-              <a:t>接收有關新產品功能的個人化指引，以利用最新的創新功能，並讓 Adobe 專家審查發行和升級計劃。</a:t>
-            </a:r>
-            <a:endParaRPr sz="1000" dirty="0">
+              <a:t>Receive personalized guidance on new  product features to take advantage of  latest innovations, and have Adobe  experts review release and upgrade plan.</a:t>
+            </a:r>
+            <a:endParaRPr sz="1000">
               <a:latin typeface="AdobeClean-Light"/>
               <a:cs typeface="AdobeClean-Light"/>
             </a:endParaRPr>
@@ -7833,8 +8633,8 @@
         </p:nvSpPr>
         <p:spPr>
           <a:xfrm>
-            <a:off x="97786" y="9888626"/>
-            <a:ext cx="4474213" cy="133370"/>
+            <a:off x="97787" y="9888626"/>
+            <a:ext cx="2202180" cy="149860"/>
           </a:xfrm>
           <a:prstGeom prst="rect">
             <a:avLst/>
@@ -7855,7 +8655,7 @@
               </a:spcBef>
             </a:pPr>
             <a:r>
-              <a:rPr lang="de-de" sz="800" spc="-15" dirty="0">
+              <a:rPr sz="800" spc="-15">
                 <a:solidFill>
                   <a:srgbClr val="6D6D6D"/>
                 </a:solidFill>
@@ -7865,17 +8665,17 @@
               <a:t>©2021 </a:t>
             </a:r>
             <a:r>
-              <a:rPr lang="de-de" sz="800" spc="-5" dirty="0">
+              <a:rPr sz="800" spc="-5">
                 <a:solidFill>
                   <a:srgbClr val="6D6D6D"/>
                 </a:solidFill>
                 <a:latin typeface="Adobe Clean"/>
                 <a:cs typeface="Adobe Clean"/>
               </a:rPr>
-              <a:t>Adobe。All</a:t>
-            </a:r>
-            <a:r>
-              <a:rPr lang="de-de" sz="800" spc="-15" dirty="0">
+              <a:t>Adobe. All</a:t>
+            </a:r>
+            <a:r>
+              <a:rPr sz="800" spc="-15">
                 <a:solidFill>
                   <a:srgbClr val="6D6D6D"/>
                 </a:solidFill>
@@ -7885,7 +8685,7 @@
               <a:t> Rights</a:t>
             </a:r>
             <a:r>
-              <a:rPr lang="de-de" sz="800" spc="-5" dirty="0">
+              <a:rPr sz="800" spc="-5">
                 <a:solidFill>
                   <a:srgbClr val="6D6D6D"/>
                 </a:solidFill>
@@ -7895,27 +8695,37 @@
               <a:t> </a:t>
             </a:r>
             <a:r>
-              <a:rPr lang="de-de" sz="800" spc="-15" dirty="0">
+              <a:rPr sz="800" spc="-15">
                 <a:solidFill>
                   <a:srgbClr val="6D6D6D"/>
                 </a:solidFill>
                 <a:latin typeface="Adobe Clean"/>
                 <a:cs typeface="Adobe Clean"/>
               </a:rPr>
-              <a:t>Reserved。</a:t>
-            </a:r>
-            <a:r>
-              <a:rPr lang="de-de" sz="800" spc="-5" dirty="0">
+              <a:t>Reserved.</a:t>
+            </a:r>
+            <a:r>
+              <a:rPr sz="800" spc="-10">
                 <a:solidFill>
                   <a:srgbClr val="6D6D6D"/>
                 </a:solidFill>
                 <a:latin typeface="Adobe Clean"/>
                 <a:cs typeface="Adobe Clean"/>
               </a:rPr>
+              <a:t> </a:t>
+            </a:r>
+            <a:r>
+              <a:rPr sz="800" spc="-5">
+                <a:solidFill>
+                  <a:srgbClr val="6D6D6D"/>
+                </a:solidFill>
+                <a:latin typeface="Adobe Clean"/>
+                <a:cs typeface="Adobe Clean"/>
+              </a:rPr>
               <a:t>Adobe</a:t>
             </a:r>
             <a:r>
-              <a:rPr lang="de-de" sz="800" spc="65" dirty="0">
+              <a:rPr sz="800" spc="65">
                 <a:solidFill>
                   <a:srgbClr val="6D6D6D"/>
                 </a:solidFill>
@@ -7925,16 +8735,16 @@
               <a:t> </a:t>
             </a:r>
             <a:r>
-              <a:rPr lang="de-de" sz="800" spc="-15" dirty="0">
+              <a:rPr sz="800" spc="-15">
                 <a:solidFill>
                   <a:srgbClr val="6D6D6D"/>
                 </a:solidFill>
                 <a:latin typeface="Adobe Clean"/>
                 <a:cs typeface="Adobe Clean"/>
               </a:rPr>
-              <a:t> 機密資訊。</a:t>
-            </a:r>
-            <a:endParaRPr sz="800" dirty="0">
+              <a:t>Confidential.</a:t>
+            </a:r>
+            <a:endParaRPr sz="800">
               <a:latin typeface="Adobe Clean"/>
               <a:cs typeface="Adobe Clean"/>
             </a:endParaRPr>
@@ -7943,7 +8753,7 @@
       </p:sp>
       <p:pic>
         <p:nvPicPr>
-          <p:cNvPr id="43" name="Graphic 42" descr="Playbook 大綱">
+          <p:cNvPr id="43" name="Graphic 42" descr="Playbook outline">
             <a:extLst>
               <a:ext uri="{FF2B5EF4-FFF2-40B4-BE49-F238E27FC236}">
                 <a16:creationId xmlns:a16="http://schemas.microsoft.com/office/drawing/2014/main" id="{C99690B9-BFB7-6F4A-BF19-81D32249562E}"/>
@@ -7995,7 +8805,7 @@
         <p:spPr>
           <a:xfrm>
             <a:off x="2791726" y="9060487"/>
-            <a:ext cx="2313674" cy="625812"/>
+            <a:ext cx="2194560" cy="487313"/>
           </a:xfrm>
           <a:prstGeom prst="rect">
             <a:avLst/>
@@ -8019,92 +8829,155 @@
               </a:tabLst>
             </a:pPr>
             <a:r>
-              <a:rPr lang="de-de" sz="1000" spc="-20" dirty="0">
+              <a:rPr sz="1000" spc="-20">
                 <a:solidFill>
                   <a:srgbClr val="020302"/>
                 </a:solidFill>
                 <a:latin typeface="AdobeClean-Light"/>
                 <a:cs typeface="AdobeClean-Light"/>
               </a:rPr>
-              <a:t>開始</a:t>
-            </a:r>
-            <a:r>
-              <a:rPr lang="de-de" sz="1000" spc="-15" dirty="0">
+              <a:t>Start </a:t>
+            </a:r>
+            <a:r>
+              <a:rPr sz="1000">
                 <a:solidFill>
                   <a:srgbClr val="020302"/>
                 </a:solidFill>
                 <a:latin typeface="AdobeClean-Light"/>
                 <a:cs typeface="AdobeClean-Light"/>
               </a:rPr>
-              <a:t>聊天式</a:t>
-            </a:r>
-            <a:r>
-              <a:rPr lang="de-de" sz="1000" spc="-10" dirty="0">
+              <a:t>a </a:t>
+            </a:r>
+            <a:r>
+              <a:rPr sz="1000" spc="-15">
                 <a:solidFill>
                   <a:srgbClr val="020302"/>
                 </a:solidFill>
                 <a:latin typeface="AdobeClean-Light"/>
                 <a:cs typeface="AdobeClean-Light"/>
               </a:rPr>
-              <a:t>諮詢，</a:t>
-            </a:r>
-            <a:r>
-              <a:rPr lang="de-de" sz="1000" spc="-5" dirty="0">
+              <a:t>chat </a:t>
+            </a:r>
+            <a:r>
+              <a:rPr sz="1000" spc="-10">
                 <a:solidFill>
                   <a:srgbClr val="020302"/>
                 </a:solidFill>
                 <a:latin typeface="AdobeClean-Light"/>
                 <a:cs typeface="AdobeClean-Light"/>
               </a:rPr>
-              <a:t>以獲得</a:t>
-            </a:r>
-            <a:r>
-              <a:rPr lang="de-de" sz="1000" spc="-10" dirty="0">
+              <a:t>session </a:t>
+            </a:r>
+            <a:r>
+              <a:rPr sz="1000" spc="-5">
                 <a:solidFill>
                   <a:srgbClr val="020302"/>
                 </a:solidFill>
                 <a:latin typeface="AdobeClean-Light"/>
                 <a:cs typeface="AdobeClean-Light"/>
               </a:rPr>
-              <a:t>案件提交的</a:t>
-            </a:r>
-            <a:r>
-              <a:rPr lang="de-de" sz="1000" spc="-20" dirty="0">
+              <a:t>to </a:t>
+            </a:r>
+            <a:r>
+              <a:rPr sz="1000" spc="-10">
                 <a:solidFill>
                   <a:srgbClr val="020302"/>
                 </a:solidFill>
                 <a:latin typeface="AdobeClean-Light"/>
                 <a:cs typeface="AdobeClean-Light"/>
               </a:rPr>
-              <a:t>解答</a:t>
-            </a:r>
-            <a:r>
-              <a:rPr lang="de-de" sz="1000" dirty="0">
+              <a:t>get </a:t>
+            </a:r>
+            <a:r>
+              <a:rPr sz="1000" spc="-20">
                 <a:solidFill>
                   <a:srgbClr val="020302"/>
                 </a:solidFill>
                 <a:latin typeface="AdobeClean-Light"/>
                 <a:cs typeface="AdobeClean-Light"/>
               </a:rPr>
-              <a:t>與</a:t>
-            </a:r>
-            <a:r>
-              <a:rPr lang="de-de" sz="1000" spc="-15" dirty="0">
+              <a:t>answers</a:t>
+            </a:r>
+            <a:r>
+              <a:rPr lang="en-US" sz="1000" spc="-45">
                 <a:solidFill>
                   <a:srgbClr val="020302"/>
                 </a:solidFill>
                 <a:latin typeface="AdobeClean-Light"/>
                 <a:cs typeface="AdobeClean-Light"/>
               </a:rPr>
-              <a:t>協助</a:t>
-            </a:r>
-            <a:endParaRPr lang="en-US" sz="1000" spc="-20" dirty="0">
-              <a:solidFill>
-                <a:srgbClr val="020302"/>
-              </a:solidFill>
-              <a:latin typeface="AdobeClean-Light"/>
-              <a:cs typeface="AdobeClean-Light"/>
-            </a:endParaRPr>
+              <a:t> </a:t>
+            </a:r>
+            <a:r>
+              <a:rPr lang="en-US" sz="1000">
+                <a:solidFill>
+                  <a:srgbClr val="020302"/>
+                </a:solidFill>
+                <a:latin typeface="AdobeClean-Light"/>
+                <a:cs typeface="AdobeClean-Light"/>
+              </a:rPr>
+              <a:t>&amp; </a:t>
+            </a:r>
+            <a:r>
+              <a:rPr sz="1000" spc="-15">
+                <a:solidFill>
+                  <a:srgbClr val="020302"/>
+                </a:solidFill>
+                <a:latin typeface="AdobeClean-Light"/>
+                <a:cs typeface="AdobeClean-Light"/>
+              </a:rPr>
+              <a:t>help </a:t>
+            </a:r>
+            <a:r>
+              <a:rPr sz="1000" spc="-10">
+                <a:solidFill>
+                  <a:srgbClr val="020302"/>
+                </a:solidFill>
+                <a:latin typeface="AdobeClean-Light"/>
+                <a:cs typeface="AdobeClean-Light"/>
+              </a:rPr>
+              <a:t>with</a:t>
+            </a:r>
+            <a:r>
+              <a:rPr sz="1000" spc="85">
+                <a:solidFill>
+                  <a:srgbClr val="020302"/>
+                </a:solidFill>
+                <a:latin typeface="AdobeClean-Light"/>
+                <a:cs typeface="AdobeClean-Light"/>
+              </a:rPr>
+              <a:t> </a:t>
+            </a:r>
+            <a:r>
+              <a:rPr sz="1000" spc="-10">
+                <a:solidFill>
+                  <a:srgbClr val="020302"/>
+                </a:solidFill>
+                <a:latin typeface="AdobeClean-Light"/>
+                <a:cs typeface="AdobeClean-Light"/>
+              </a:rPr>
+              <a:t>case </a:t>
+            </a:r>
+            <a:r>
+              <a:rPr sz="1000" spc="-20">
+                <a:solidFill>
+                  <a:srgbClr val="020302"/>
+                </a:solidFill>
+                <a:latin typeface="AdobeClean-Light"/>
+                <a:cs typeface="AdobeClean-Light"/>
+              </a:rPr>
+              <a:t>submission</a:t>
+            </a:r>
+            <a:r>
+              <a:rPr lang="en-US" sz="1000" spc="-20">
+                <a:solidFill>
+                  <a:srgbClr val="020302"/>
+                </a:solidFill>
+                <a:latin typeface="AdobeClean-Light"/>
+                <a:cs typeface="AdobeClean-Light"/>
+              </a:rPr>
+              <a:t>.</a:t>
+            </a:r>
           </a:p>
           <a:p>
             <a:pPr marL="33020" marR="159385">
@@ -8119,36 +8992,36 @@
               </a:tabLst>
             </a:pPr>
             <a:r>
-              <a:rPr lang="de-de" sz="1000" i="1" spc="-10" dirty="0">
+              <a:rPr sz="1000" i="1" spc="-10">
                 <a:solidFill>
                   <a:srgbClr val="7A7A7A"/>
                 </a:solidFill>
                 <a:latin typeface="AdobeClean-LightIt"/>
                 <a:cs typeface="AdobeClean-LightIt"/>
               </a:rPr>
-              <a:t>*並非</a:t>
-            </a:r>
-            <a:r>
-              <a:rPr lang="de-de" sz="1000" i="1" spc="-20" dirty="0">
+              <a:t>*Not all </a:t>
+            </a:r>
+            <a:r>
+              <a:rPr sz="1000" i="1" spc="-20">
                 <a:solidFill>
                   <a:srgbClr val="7A7A7A"/>
                 </a:solidFill>
                 <a:latin typeface="AdobeClean-LightIt"/>
                 <a:cs typeface="AdobeClean-LightIt"/>
               </a:rPr>
-              <a:t>所有產品都有提供即時聊天支援</a:t>
-            </a:r>
-            <a:r>
-              <a:rPr lang="de-de" sz="900" i="1" spc="-20" dirty="0">
+              <a:t>products have live chat support</a:t>
+            </a:r>
+            <a:r>
+              <a:rPr sz="900" i="1" spc="-20">
                 <a:solidFill>
                   <a:srgbClr val="7A7A7A"/>
                 </a:solidFill>
                 <a:latin typeface="AdobeClean-LightIt"/>
                 <a:cs typeface="AdobeClean-LightIt"/>
               </a:rPr>
-              <a:t>。</a:t>
-            </a:r>
-            <a:endParaRPr sz="900" dirty="0">
+              <a:t>.  </a:t>
+            </a:r>
+            <a:endParaRPr sz="900">
               <a:latin typeface="AdobeClean-Light"/>
               <a:cs typeface="AdobeClean-Light"/>
             </a:endParaRPr>
@@ -8198,12 +9071,12 @@
               <a:defRPr/>
             </a:pPr>
             <a:r>
-              <a:rPr lang="de-de" sz="1200" dirty="0">
+              <a:rPr lang="en-US" sz="1200">
                 <a:solidFill>
                   <a:srgbClr val="000000"/>
                 </a:solidFill>
               </a:rPr>
-              <a:t>社群論壇</a:t>
+              <a:t>Community Forums</a:t>
             </a:r>
           </a:p>
         </p:txBody>
@@ -8246,12 +9119,12 @@
               </a:spcAft>
             </a:pPr>
             <a:r>
-              <a:rPr lang="de-de" sz="1200" b="1" dirty="0">
+              <a:rPr lang="en-US" sz="1200" b="1">
                 <a:latin typeface="+mj-lt"/>
                 <a:ea typeface="Open Sans" pitchFamily="34" charset="0"/>
                 <a:cs typeface="Open Sans" pitchFamily="34" charset="0"/>
               </a:rPr>
-              <a:t>線上論壇</a:t>
+              <a:t>Online Forums</a:t>
             </a:r>
           </a:p>
         </p:txBody>
@@ -8284,13 +9157,13 @@
           <a:lstStyle/>
           <a:p>
             <a:r>
-              <a:rPr lang="de-de" sz="1000" dirty="0">
+              <a:rPr lang="en-US" sz="1000">
                 <a:solidFill>
                   <a:srgbClr val="4B4B4B"/>
                 </a:solidFill>
                 <a:latin typeface="Adobe Clean Light" panose="020B0303020404020204" pitchFamily="34" charset="0"/>
               </a:rPr>
-              <a:t>可持續在線上存取不斷增加的技術解決方案、產品文件、常見問答等內容的資料庫。與 Adobe 社群上的從業人員和其他客戶交流，彼此分享學到的最佳實務和經驗教訓</a:t>
+              <a:t>Continuous online access to a growing database of technical solutions, product documentation, FAQs and more. Connect with practitioners and other customers on Adobe Community to share best practices and lessons learned.</a:t>
             </a:r>
           </a:p>
         </p:txBody>
@@ -8338,7 +9211,7 @@
               <a:defRPr/>
             </a:pPr>
             <a:r>
-              <a:rPr lang="de-de" sz="1200" dirty="0">
+              <a:rPr lang="en-US" sz="1200">
                 <a:solidFill>
                   <a:srgbClr val="000000"/>
                 </a:solidFill>
@@ -8386,12 +9259,12 @@
               </a:spcAft>
             </a:pPr>
             <a:r>
-              <a:rPr lang="de-de" sz="1200" b="1" dirty="0">
+              <a:rPr lang="en-US" sz="1200" b="1">
                 <a:latin typeface="+mj-lt"/>
                 <a:ea typeface="Open Sans" pitchFamily="34" charset="0"/>
                 <a:cs typeface="Open Sans" pitchFamily="34" charset="0"/>
               </a:rPr>
-              <a:t>自我引導式旅程</a:t>
+              <a:t>Self-guided Journeys</a:t>
             </a:r>
           </a:p>
         </p:txBody>
@@ -8424,13 +9297,13 @@
           <a:lstStyle/>
           <a:p>
             <a:r>
-              <a:rPr lang="de-de" sz="1000" dirty="0">
+              <a:rPr lang="en-US" sz="1000">
                 <a:solidFill>
                   <a:srgbClr val="4B4B4B"/>
                 </a:solidFill>
                 <a:latin typeface="Adobe Clean Light" panose="020B0303020404020204" pitchFamily="34" charset="0"/>
               </a:rPr>
-              <a:t>Experience League 賦予體驗製作者強大的功能。客戶可以透過個人化學習來開始培養自己的客戶體驗管理能力，以發展各項技能、與全球的同行社群互動，並獲得職業提升的認可</a:t>
+              <a:t>Experience Makers are made with Experience League. Customers can kickstart their Customer Experience Management abilities with personalized learning to develop skills, engage with a global community of peers, and earn career advancing recognition.</a:t>
             </a:r>
           </a:p>
         </p:txBody>
@@ -8478,12 +9351,12 @@
               <a:defRPr/>
             </a:pPr>
             <a:r>
-              <a:rPr lang="de-de" sz="1200" dirty="0">
+              <a:rPr lang="en-US" sz="1200">
                 <a:solidFill>
                   <a:srgbClr val="000000"/>
                 </a:solidFill>
               </a:rPr>
-              <a:t>即時聊天支援*</a:t>
+              <a:t>Live Chat  Support*</a:t>
             </a:r>
           </a:p>
         </p:txBody>
@@ -8526,12 +9399,12 @@
               </a:spcAft>
             </a:pPr>
             <a:r>
-              <a:rPr lang="de-de" sz="1200" b="1" dirty="0">
+              <a:rPr lang="en-US" sz="1200" b="1">
                 <a:latin typeface="+mj-lt"/>
                 <a:ea typeface="Open Sans" pitchFamily="34" charset="0"/>
                 <a:cs typeface="Open Sans" pitchFamily="34" charset="0"/>
               </a:rPr>
-              <a:t>聊天支援</a:t>
+              <a:t>Chat Support</a:t>
             </a:r>
           </a:p>
         </p:txBody>
@@ -8579,12 +9452,12 @@
               <a:defRPr/>
             </a:pPr>
             <a:r>
-              <a:rPr lang="de-de" sz="1200" dirty="0">
+              <a:rPr lang="en-US" sz="1200">
                 <a:solidFill>
                   <a:srgbClr val="000000"/>
                 </a:solidFill>
               </a:rPr>
-              <a:t>全年無休 P1 </a:t>
+              <a:t>24X7 P1 </a:t>
             </a:r>
           </a:p>
         </p:txBody>
@@ -8627,12 +9500,12 @@
               </a:spcAft>
             </a:pPr>
             <a:r>
-              <a:rPr lang="de-de" sz="1200" b="1" dirty="0">
+              <a:rPr lang="en-US" sz="1200" b="1">
                 <a:latin typeface="+mj-lt"/>
                 <a:ea typeface="Open Sans" pitchFamily="34" charset="0"/>
                 <a:cs typeface="Open Sans" pitchFamily="34" charset="0"/>
               </a:rPr>
-              <a:t>電話支援</a:t>
+              <a:t>Phone  Support</a:t>
             </a:r>
           </a:p>
         </p:txBody>
@@ -8665,30 +9538,30 @@
           <a:lstStyle/>
           <a:p>
             <a:r>
-              <a:rPr lang="de-de" sz="1000" dirty="0">
+              <a:rPr lang="en-US" sz="1000">
                 <a:solidFill>
                   <a:srgbClr val="020302"/>
                 </a:solidFill>
                 <a:latin typeface="AdobeClean-Light"/>
               </a:rPr>
-              <a:t>授權的使用者或</a:t>
-            </a:r>
-            <a:r>
-              <a:rPr lang="de-de" sz="1000" b="1" dirty="0">
+              <a:t>Authorized users or </a:t>
+            </a:r>
+            <a:r>
+              <a:rPr lang="en-US" sz="1000" b="1">
                 <a:solidFill>
                   <a:srgbClr val="020302"/>
                 </a:solidFill>
                 <a:latin typeface="AdobeClean-Light"/>
               </a:rPr>
-              <a:t>指定的支援聯絡人</a:t>
-            </a:r>
-            <a:r>
-              <a:rPr lang="de-de" sz="1000" dirty="0">
+              <a:t>Named Support Contacts </a:t>
+            </a:r>
+            <a:r>
+              <a:rPr lang="en-US" sz="1000">
                 <a:latin typeface="Adobe Clean Light" panose="020B0303020404020204" pitchFamily="34" charset="0"/>
               </a:rPr>
-              <a:t>可透過所有可用管道 (包括 P1 適用的電話) 來提交問題，並代表貴公司與我們的技術支援團隊互動。</a:t>
-            </a:r>
-            <a:endParaRPr lang="en-US" sz="1000" dirty="0">
+              <a:t>can submit issues through all available  channels (including phone for P1) and interact with our technical support team on behalf of your company. </a:t>
+            </a:r>
+            <a:endParaRPr lang="en-US" sz="1000">
               <a:solidFill>
                 <a:srgbClr val="000000"/>
               </a:solidFill>
@@ -8788,12 +9661,12 @@
               <a:defRPr/>
             </a:pPr>
             <a:r>
-              <a:rPr lang="de-de" sz="1200" dirty="0">
+              <a:rPr lang="en-US" sz="1200">
                 <a:solidFill>
                   <a:srgbClr val="000000"/>
                 </a:solidFill>
               </a:rPr>
-              <a:t>諮詢時間</a:t>
+              <a:t>Office Hours</a:t>
             </a:r>
           </a:p>
         </p:txBody>
@@ -8836,12 +9709,12 @@
               </a:spcAft>
             </a:pPr>
             <a:r>
-              <a:rPr lang="de-de" sz="1200" b="1" dirty="0">
+              <a:rPr lang="en-US" sz="1200" b="1">
                 <a:latin typeface="+mj-lt"/>
                 <a:ea typeface="Open Sans" pitchFamily="34" charset="0"/>
                 <a:cs typeface="Open Sans" pitchFamily="34" charset="0"/>
               </a:rPr>
-              <a:t>網路研討會</a:t>
+              <a:t>Webinars</a:t>
             </a:r>
           </a:p>
         </p:txBody>
@@ -8874,13 +9747,13 @@
           <a:lstStyle/>
           <a:p>
             <a:r>
-              <a:rPr lang="de-de" sz="1000" dirty="0">
+              <a:rPr lang="en-US" sz="1000">
                 <a:solidFill>
                   <a:srgbClr val="4B4B4B"/>
                 </a:solidFill>
                 <a:latin typeface="Adobe Clean Light" panose="020B0303020404020204" pitchFamily="34" charset="0"/>
               </a:rPr>
-              <a:t>「諮詢時間」是由 Adobe 客戶支援團隊主導的一項計劃，其中的研討會的設計目的是為了提供資訊以及協助參與者排除問題，並提供成功使用 Adobe 解決方案的秘訣與技巧。</a:t>
+              <a:t>Office Hours led by the Adobe Customer Support team includes sessions designed to inform as well as help participants troubleshoot problems and provide tips and tricks for success with Adobe solutions. </a:t>
             </a:r>
           </a:p>
         </p:txBody>
@@ -8928,12 +9801,12 @@
               <a:defRPr/>
             </a:pPr>
             <a:r>
-              <a:rPr lang="de-de" sz="1200" dirty="0">
+              <a:rPr lang="en-US" sz="1200">
                 <a:solidFill>
                   <a:srgbClr val="000000"/>
                 </a:solidFill>
               </a:rPr>
-              <a:t>自助式入口網站</a:t>
+              <a:t>Self-help Portals</a:t>
             </a:r>
           </a:p>
         </p:txBody>
@@ -8976,12 +9849,12 @@
               </a:spcAft>
             </a:pPr>
             <a:r>
-              <a:rPr lang="de-de" sz="1200" b="1" dirty="0">
+              <a:rPr lang="en-US" sz="1200" b="1">
                 <a:latin typeface="+mj-lt"/>
                 <a:ea typeface="Open Sans" pitchFamily="34" charset="0"/>
                 <a:cs typeface="Open Sans" pitchFamily="34" charset="0"/>
               </a:rPr>
-              <a:t>24/7 支援入口網站</a:t>
+              <a:t>24/7 Support Portal</a:t>
             </a:r>
           </a:p>
         </p:txBody>
@@ -9014,30 +9887,37 @@
           <a:lstStyle/>
           <a:p>
             <a:r>
-              <a:rPr lang="de-de" sz="1000" dirty="0">
+              <a:rPr lang="en-US" sz="1000">
                 <a:solidFill>
                   <a:srgbClr val="4B4B4B"/>
                 </a:solidFill>
                 <a:latin typeface="Adobe Clean Light" panose="020B0303020404020204" pitchFamily="34" charset="0"/>
               </a:rPr>
-              <a:t>隨需存取線上</a:t>
-            </a:r>
-            <a:br/>
-            <a:r>
-              <a:rPr lang="de-de" sz="1000" dirty="0">
+              <a:t>On-demand access to the online </a:t>
+            </a:r>
+            <a:br>
+              <a:rPr lang="en-US" sz="1000">
                 <a:solidFill>
                   <a:srgbClr val="4B4B4B"/>
                 </a:solidFill>
                 <a:latin typeface="Adobe Clean Light" panose="020B0303020404020204" pitchFamily="34" charset="0"/>
               </a:rPr>
-              <a:t>自助式支援入口網站，以提交支援請求、檢閱案件狀態，並瀏覽其他資源，像是我們的知識庫、新聞與提醒、特定的提示等。</a:t>
+            </a:br>
+            <a:r>
+              <a:rPr lang="en-US" sz="1000">
+                <a:solidFill>
+                  <a:srgbClr val="4B4B4B"/>
+                </a:solidFill>
+                <a:latin typeface="Adobe Clean Light" panose="020B0303020404020204" pitchFamily="34" charset="0"/>
+              </a:rPr>
+              <a:t>Self-help Support Portal to submit support requests, review case status, and browse other resources, like our knowledgebase, news and alerts, featured tips, and more.</a:t>
             </a:r>
           </a:p>
         </p:txBody>
       </p:sp>
       <p:pic>
         <p:nvPicPr>
-          <p:cNvPr id="74" name="Graphic 73" descr="揚聲器大綱">
+          <p:cNvPr id="74" name="Graphic 73" descr="Speaker phone outline">
             <a:extLst>
               <a:ext uri="{FF2B5EF4-FFF2-40B4-BE49-F238E27FC236}">
                 <a16:creationId xmlns:a16="http://schemas.microsoft.com/office/drawing/2014/main" id="{A1370005-6890-424C-884D-9064E283C1A4}"/>
@@ -9076,7 +9956,7 @@
       </p:pic>
       <p:pic>
         <p:nvPicPr>
-          <p:cNvPr id="75" name="Graphic 74" descr="遠端學習語言大綱">
+          <p:cNvPr id="75" name="Graphic 74" descr="Remote learning language outline">
             <a:extLst>
               <a:ext uri="{FF2B5EF4-FFF2-40B4-BE49-F238E27FC236}">
                 <a16:creationId xmlns:a16="http://schemas.microsoft.com/office/drawing/2014/main" id="{FA70E684-2FB6-544A-9B16-BEB9080AC85B}"/>
@@ -9115,7 +9995,7 @@
       </p:pic>
       <p:pic>
         <p:nvPicPr>
-          <p:cNvPr id="76" name="Graphic 75" descr="客戶審查大綱">
+          <p:cNvPr id="76" name="Graphic 75" descr="Customer review outline">
             <a:extLst>
               <a:ext uri="{FF2B5EF4-FFF2-40B4-BE49-F238E27FC236}">
                 <a16:creationId xmlns:a16="http://schemas.microsoft.com/office/drawing/2014/main" id="{1B0E4E00-41D9-6440-83E3-60369886CE3A}"/>
@@ -9154,7 +10034,7 @@
       </p:pic>
       <p:pic>
         <p:nvPicPr>
-          <p:cNvPr id="77" name="Graphic 76" descr="路標大綱">
+          <p:cNvPr id="77" name="Graphic 76" descr="Signpost outline">
             <a:extLst>
               <a:ext uri="{FF2B5EF4-FFF2-40B4-BE49-F238E27FC236}">
                 <a16:creationId xmlns:a16="http://schemas.microsoft.com/office/drawing/2014/main" id="{001A9B31-4F82-A14D-B2BC-39DC337108A9}"/>
@@ -9193,7 +10073,7 @@
       </p:pic>
       <p:pic>
         <p:nvPicPr>
-          <p:cNvPr id="78" name="Graphic 77" descr="網際網路大綱">
+          <p:cNvPr id="78" name="Graphic 77" descr="Internet outline">
             <a:extLst>
               <a:ext uri="{FF2B5EF4-FFF2-40B4-BE49-F238E27FC236}">
                 <a16:creationId xmlns:a16="http://schemas.microsoft.com/office/drawing/2014/main" id="{20978656-E5F5-434D-BA66-491F99EF63FD}"/>
@@ -9232,7 +10112,7 @@
       </p:pic>
       <p:pic>
         <p:nvPicPr>
-          <p:cNvPr id="79" name="Graphic 78" descr="聊天泡泡大綱">
+          <p:cNvPr id="79" name="Graphic 78" descr="Chat bubble outline">
             <a:extLst>
               <a:ext uri="{FF2B5EF4-FFF2-40B4-BE49-F238E27FC236}">
                 <a16:creationId xmlns:a16="http://schemas.microsoft.com/office/drawing/2014/main" id="{0C77255B-D338-2543-98E5-4434DF47D195}"/>
@@ -9339,7 +10219,7 @@
         <p:spPr>
           <a:xfrm>
             <a:off x="214971" y="6124178"/>
-            <a:ext cx="1930978" cy="307777"/>
+            <a:ext cx="2107308" cy="307777"/>
           </a:xfrm>
           <a:prstGeom prst="rect">
             <a:avLst/>
@@ -9360,14 +10240,14 @@
               </a:spcBef>
             </a:pPr>
             <a:r>
-              <a:rPr lang="de-de" sz="1400" b="1" dirty="0">
+              <a:rPr lang="en-US" sz="1400" b="1" dirty="0">
                 <a:solidFill>
                   <a:srgbClr val="020302"/>
                 </a:solidFill>
                 <a:latin typeface="Adobe Clean"/>
                 <a:cs typeface="Adobe Clean"/>
               </a:rPr>
-              <a:t>線上支援特色</a:t>
+              <a:t>Standard Support Features</a:t>
             </a:r>
             <a:endParaRPr lang="en-US" sz="1400" dirty="0">
               <a:latin typeface="Adobe Clean"/>
@@ -9594,16 +10474,16 @@
               </a:spcBef>
             </a:pPr>
             <a:r>
-              <a:rPr lang="de-de" sz="1000" dirty="0">
+              <a:rPr lang="en-US" sz="1000">
                 <a:solidFill>
                   <a:srgbClr val="020302"/>
                 </a:solidFill>
                 <a:latin typeface="AdobeClean-Light"/>
                 <a:cs typeface="AdobeClean-Light"/>
               </a:rPr>
-              <a:t>主動審查您的解決方案部署、組態設定及整體架構，包括整合。</a:t>
-            </a:r>
-            <a:endParaRPr lang="en-US" sz="1000" dirty="0">
+              <a:t>Proactive review of your solution  deployment, configuration, and overall  architecture, including integrations.</a:t>
+            </a:r>
+            <a:endParaRPr lang="en-US" sz="1000">
               <a:solidFill>
                 <a:prstClr val="black"/>
               </a:solidFill>
@@ -9649,16 +10529,16 @@
               </a:spcBef>
             </a:pPr>
             <a:r>
-              <a:rPr lang="de-de" sz="1000" dirty="0">
+              <a:rPr lang="en-US" sz="1000">
                 <a:solidFill>
                   <a:srgbClr val="020302"/>
                 </a:solidFill>
                 <a:latin typeface="AdobeClean-Light"/>
                 <a:cs typeface="AdobeClean-Light"/>
               </a:rPr>
-              <a:t>接收維護最佳實務和最新修正 (SP、MR、修補程式、FP)，以在所有維護檢查中保持最新狀態</a:t>
-            </a:r>
-            <a:endParaRPr lang="en-US" sz="1000" dirty="0">
+              <a:t>Receive maintenance best practices and latest  fixes (SPs, MR, patches, FPs) to remain up-to-  date on all maintenance checks.</a:t>
+            </a:r>
+            <a:endParaRPr lang="en-US" sz="1000">
               <a:solidFill>
                 <a:prstClr val="black"/>
               </a:solidFill>
@@ -9701,16 +10581,16 @@
               </a:spcBef>
             </a:pPr>
             <a:r>
-              <a:rPr lang="de-de" sz="1000" dirty="0">
+              <a:rPr lang="en-US" sz="1000">
                 <a:solidFill>
                   <a:srgbClr val="4B4B4B"/>
                 </a:solidFill>
                 <a:latin typeface="AdobeClean-Light"/>
                 <a:cs typeface="AdobeClean-Light"/>
               </a:rPr>
-              <a:t>定期審查 Elite 計劃服務、支援指標和交付成果，包括前瞻性交付計劃</a:t>
-            </a:r>
-            <a:endParaRPr lang="en-US" sz="1000" dirty="0">
+              <a:t>A regular review of Elite program services, support metrics, and deliverables, including a forward-looking plan</a:t>
+            </a:r>
+            <a:endParaRPr lang="en-US" sz="1000">
               <a:solidFill>
                 <a:prstClr val="black"/>
               </a:solidFill>
@@ -9753,16 +10633,16 @@
               </a:spcBef>
             </a:pPr>
             <a:r>
-              <a:rPr lang="de-de" sz="1000" dirty="0">
+              <a:rPr lang="en-US" sz="1000">
                 <a:solidFill>
                   <a:srgbClr val="4B4B4B"/>
                 </a:solidFill>
                 <a:latin typeface="AdobeClean-Light"/>
                 <a:cs typeface="AdobeClean-Light"/>
               </a:rPr>
-              <a:t>60 分鐘的諮詢，聚焦於特定產品功能以及如何利用它來解決常見的業務問題。</a:t>
-            </a:r>
-            <a:endParaRPr lang="en-US" sz="1000" dirty="0">
+              <a:t>A 60-minute session focusing on a  specific product feature and how it can  be utilized to solve common business  problems.</a:t>
+            </a:r>
+            <a:endParaRPr lang="en-US" sz="1000">
               <a:solidFill>
                 <a:prstClr val="black"/>
               </a:solidFill>
@@ -9805,16 +10685,16 @@
               </a:spcBef>
             </a:pPr>
             <a:r>
-              <a:rPr lang="de-de" sz="1000" dirty="0">
+              <a:rPr lang="en-US" sz="1000">
                 <a:solidFill>
                   <a:srgbClr val="4B4B4B"/>
                 </a:solidFill>
                 <a:latin typeface="AdobeClean-Light"/>
                 <a:cs typeface="AdobeClean-Light"/>
               </a:rPr>
-              <a:t>Adobe 內的指定聯絡人，他可提供向上呈報協助、定期更新，並確保優先處理您最緊急且未解決的支援請求。</a:t>
-            </a:r>
-            <a:endParaRPr lang="en-US" dirty="0"/>
+              <a:t>A designated point of contact within Adobe  who can provide escalation assistance,  regular updates and ensure priority is given  to your most critical open support requests.</a:t>
+            </a:r>
+            <a:endParaRPr lang="en-US"/>
           </a:p>
         </p:txBody>
       </p:sp>
@@ -9851,16 +10731,16 @@
               </a:spcBef>
             </a:pPr>
             <a:r>
-              <a:rPr lang="de-de" sz="1100" b="1" dirty="0">
+              <a:rPr lang="en-US" sz="1100" b="1">
                 <a:solidFill>
                   <a:srgbClr val="020302"/>
                 </a:solidFill>
                 <a:latin typeface="Adobe Clean" panose="020B0503020404020204" pitchFamily="34" charset="0"/>
                 <a:cs typeface="Arial"/>
               </a:rPr>
-              <a:t>指定的支援工程師</a:t>
-            </a:r>
-            <a:endParaRPr lang="en-US" sz="1100" dirty="0">
+              <a:t>Named Support Engineer</a:t>
+            </a:r>
+            <a:endParaRPr lang="en-US" sz="1100">
               <a:solidFill>
                 <a:prstClr val="black"/>
               </a:solidFill>
@@ -9903,16 +10783,16 @@
               </a:spcBef>
             </a:pPr>
             <a:r>
-              <a:rPr lang="de-de" sz="1100" b="1" dirty="0">
+              <a:rPr lang="en-US" sz="1100" b="1">
                 <a:solidFill>
                   <a:srgbClr val="020302"/>
                 </a:solidFill>
                 <a:latin typeface="Adobe Clean" panose="020B0503020404020204" pitchFamily="34" charset="0"/>
                 <a:cs typeface="Arial"/>
               </a:rPr>
-              <a:t>案件審查</a:t>
-            </a:r>
-            <a:endParaRPr lang="en-US" sz="1100" dirty="0">
+              <a:t>Case Reviews</a:t>
+            </a:r>
+            <a:endParaRPr lang="en-US" sz="1100">
               <a:solidFill>
                 <a:prstClr val="black"/>
               </a:solidFill>
@@ -9955,16 +10835,16 @@
               </a:spcBef>
             </a:pPr>
             <a:r>
-              <a:rPr lang="de-de" sz="1100" b="1" dirty="0">
+              <a:rPr lang="en-US" sz="1100" b="1">
                 <a:solidFill>
                   <a:srgbClr val="020302"/>
                 </a:solidFill>
                 <a:latin typeface="Adobe Clean" panose="020B0503020404020204" pitchFamily="34" charset="0"/>
                 <a:cs typeface="Adobe Clean"/>
               </a:rPr>
-              <a:t>維護和監控</a:t>
-            </a:r>
-            <a:endParaRPr lang="en-US" sz="1100" dirty="0">
+              <a:t>Maintenance &amp; Monitoring</a:t>
+            </a:r>
+            <a:endParaRPr lang="en-US" sz="1100">
               <a:solidFill>
                 <a:prstClr val="black"/>
               </a:solidFill>
@@ -10007,16 +10887,16 @@
               </a:spcBef>
             </a:pPr>
             <a:r>
-              <a:rPr lang="de-de" sz="1100" b="1" dirty="0">
+              <a:rPr lang="en-US" sz="1100" b="1">
                 <a:solidFill>
                   <a:srgbClr val="020302"/>
                 </a:solidFill>
                 <a:latin typeface="Adobe Clean" panose="020B0503020404020204" pitchFamily="34" charset="0"/>
                 <a:cs typeface="Adobe Clean"/>
               </a:rPr>
-              <a:t>解決方案藍圖審查</a:t>
-            </a:r>
-            <a:endParaRPr lang="en-US" sz="1100" dirty="0">
+              <a:t>Solution Roadmap Review</a:t>
+            </a:r>
+            <a:endParaRPr lang="en-US" sz="1100">
               <a:solidFill>
                 <a:prstClr val="black"/>
               </a:solidFill>
@@ -10059,16 +10939,16 @@
               </a:spcBef>
             </a:pPr>
             <a:r>
-              <a:rPr lang="de-de" sz="1100" b="1" dirty="0">
+              <a:rPr lang="en-US" sz="1100" b="1">
                 <a:solidFill>
                   <a:srgbClr val="020302"/>
                 </a:solidFill>
                 <a:latin typeface="Adobe Clean" panose="020B0503020404020204" pitchFamily="34" charset="0"/>
                 <a:cs typeface="Adobe Clean"/>
               </a:rPr>
-              <a:t>環境審查</a:t>
-            </a:r>
-            <a:endParaRPr lang="en-US" sz="1100" dirty="0">
+              <a:t>Environment Review</a:t>
+            </a:r>
+            <a:endParaRPr lang="en-US" sz="1100">
               <a:solidFill>
                 <a:prstClr val="black"/>
               </a:solidFill>
@@ -10111,16 +10991,16 @@
               </a:spcBef>
             </a:pPr>
             <a:r>
-              <a:rPr lang="de-de" sz="1100" b="1" dirty="0">
+              <a:rPr lang="en-US" sz="1100" b="1">
                 <a:solidFill>
                   <a:srgbClr val="020302"/>
                 </a:solidFill>
                 <a:latin typeface="Adobe Clean" panose="020B0503020404020204" pitchFamily="34" charset="0"/>
                 <a:cs typeface="Adobe Clean"/>
               </a:rPr>
-              <a:t>向上呈報管理</a:t>
-            </a:r>
-            <a:endParaRPr lang="en-US" sz="1100" dirty="0">
+              <a:t>Escalation Management</a:t>
+            </a:r>
+            <a:endParaRPr lang="en-US" sz="1100">
               <a:solidFill>
                 <a:prstClr val="black"/>
               </a:solidFill>
@@ -10163,16 +11043,16 @@
               </a:spcBef>
             </a:pPr>
             <a:r>
-              <a:rPr lang="de-de" sz="1100" b="1" dirty="0">
+              <a:rPr lang="en-US" sz="1100" b="1">
                 <a:solidFill>
                   <a:srgbClr val="020302"/>
                 </a:solidFill>
                 <a:latin typeface="Adobe Clean" panose="020B0503020404020204" pitchFamily="34" charset="0"/>
                 <a:cs typeface="Adobe Clean"/>
               </a:rPr>
-              <a:t>服務審查</a:t>
-            </a:r>
-            <a:endParaRPr lang="en-US" sz="1100" dirty="0">
+              <a:t>Service Reviews</a:t>
+            </a:r>
+            <a:endParaRPr lang="en-US" sz="1100">
               <a:solidFill>
                 <a:prstClr val="black"/>
               </a:solidFill>
@@ -10215,16 +11095,16 @@
               </a:spcBef>
             </a:pPr>
             <a:r>
-              <a:rPr lang="de-de" sz="1100" b="1" dirty="0">
+              <a:rPr lang="en-US" sz="1100" b="1">
                 <a:solidFill>
                   <a:srgbClr val="020302"/>
                 </a:solidFill>
                 <a:latin typeface="Adobe Clean" panose="020B0503020404020204" pitchFamily="34" charset="0"/>
                 <a:cs typeface="Adobe Clean"/>
               </a:rPr>
-              <a:t>專家諮詢</a:t>
-            </a:r>
-            <a:endParaRPr lang="en-US" sz="1100" dirty="0">
+              <a:t>Expert Sessions</a:t>
+            </a:r>
+            <a:endParaRPr lang="en-US" sz="1100">
               <a:solidFill>
                 <a:prstClr val="black"/>
               </a:solidFill>
@@ -10267,16 +11147,16 @@
               </a:spcBef>
             </a:pPr>
             <a:r>
-              <a:rPr lang="de-de" sz="1100" b="1" dirty="0">
+              <a:rPr lang="en-US" sz="1100" b="1">
                 <a:solidFill>
                   <a:srgbClr val="020302"/>
                 </a:solidFill>
                 <a:latin typeface="Adobe Clean" panose="020B0503020404020204" pitchFamily="34" charset="0"/>
                 <a:cs typeface="Adobe Clean"/>
               </a:rPr>
-              <a:t>發行準備與審查</a:t>
-            </a:r>
-            <a:endParaRPr lang="en-US" sz="1100" dirty="0">
+              <a:t>Release Preparation &amp; Review</a:t>
+            </a:r>
+            <a:endParaRPr lang="en-US" sz="1100">
               <a:solidFill>
                 <a:prstClr val="black"/>
               </a:solidFill>
@@ -10322,16 +11202,16 @@
               </a:spcBef>
             </a:pPr>
             <a:r>
-              <a:rPr lang="de-de" sz="1100" b="1" dirty="0">
+              <a:rPr lang="en-US" sz="1100" b="1">
                 <a:solidFill>
                   <a:srgbClr val="020302"/>
                 </a:solidFill>
                 <a:latin typeface="Adobe Clean" panose="020B0503020404020204" pitchFamily="34" charset="0"/>
                 <a:cs typeface="Adobe Clean"/>
               </a:rPr>
-              <a:t>知識轉移</a:t>
-            </a:r>
-            <a:endParaRPr lang="en-US" sz="1100" dirty="0">
+              <a:t>Knowledge Transfer</a:t>
+            </a:r>
+            <a:endParaRPr lang="en-US" sz="1100">
               <a:latin typeface="Adobe Clean" panose="020B0503020404020204" pitchFamily="34" charset="0"/>
               <a:cs typeface="Adobe Clean"/>
             </a:endParaRPr>
@@ -10374,16 +11254,16 @@
               </a:spcBef>
             </a:pPr>
             <a:r>
-              <a:rPr lang="de-de" sz="1100" b="1" dirty="0">
+              <a:rPr lang="en-US" sz="1100" b="1">
                 <a:solidFill>
                   <a:srgbClr val="020302"/>
                 </a:solidFill>
                 <a:latin typeface="Adobe Clean" panose="020B0503020404020204" pitchFamily="34" charset="0"/>
                 <a:cs typeface="Adobe Clean"/>
               </a:rPr>
-              <a:t>事件管理</a:t>
-            </a:r>
-            <a:endParaRPr lang="en-US" sz="1100" dirty="0">
+              <a:t>Event Management</a:t>
+            </a:r>
+            <a:endParaRPr lang="en-US" sz="1100">
               <a:latin typeface="Adobe Clean" panose="020B0503020404020204" pitchFamily="34" charset="0"/>
               <a:cs typeface="Adobe Clean"/>
             </a:endParaRPr>
@@ -10502,7 +11382,7 @@
       </p:sp>
       <p:pic>
         <p:nvPicPr>
-          <p:cNvPr id="25" name="Graphic 24" descr="持續改進大綱">
+          <p:cNvPr id="25" name="Graphic 24" descr="Continuous Improvement outline">
             <a:extLst>
               <a:ext uri="{FF2B5EF4-FFF2-40B4-BE49-F238E27FC236}">
                 <a16:creationId xmlns:a16="http://schemas.microsoft.com/office/drawing/2014/main" id="{A2F6F854-90CC-FC48-9379-F18D8FBF395B}"/>
@@ -10661,7 +11541,7 @@
       </p:pic>
       <p:pic>
         <p:nvPicPr>
-          <p:cNvPr id="29" name="Graphic 28" descr="敘事大綱">
+          <p:cNvPr id="29" name="Graphic 28" descr="Storytelling outline">
             <a:extLst>
               <a:ext uri="{FF2B5EF4-FFF2-40B4-BE49-F238E27FC236}">
                 <a16:creationId xmlns:a16="http://schemas.microsoft.com/office/drawing/2014/main" id="{AD9F15BE-1A73-9C4D-B0AF-F35EF2ED6649}"/>
@@ -10734,16 +11614,16 @@
               </a:spcBef>
             </a:pPr>
             <a:r>
-              <a:rPr lang="de-de" sz="1000" dirty="0">
+              <a:rPr lang="en-US" sz="1000">
                 <a:solidFill>
                   <a:srgbClr val="020302"/>
                 </a:solidFill>
                 <a:latin typeface="AdobeClean-Light"/>
                 <a:cs typeface="AdobeClean-Light"/>
               </a:rPr>
-              <a:t>將 Adobe 解決方案藍圖與您的專案藍圖進行比較並將兩者保持一致，以降低風險並為將來做好準備。</a:t>
-            </a:r>
-            <a:endParaRPr lang="en-US" sz="1000" dirty="0">
+              <a:t>Compare and align Adobe solution  roadmap with your project roadmap to  mitigate risk and prepare for the future.</a:t>
+            </a:r>
+            <a:endParaRPr lang="en-US" sz="1000">
               <a:latin typeface="AdobeClean-Light"/>
               <a:cs typeface="AdobeClean-Light"/>
             </a:endParaRPr>
@@ -10758,7 +11638,7 @@
               </a:spcBef>
             </a:pPr>
             <a:r>
-              <a:rPr lang="de-de" sz="1000" dirty="0">
+              <a:rPr lang="en-US" sz="1000">
                 <a:solidFill>
                   <a:srgbClr val="020302"/>
                 </a:solidFill>
@@ -10767,7 +11647,7 @@
               </a:rPr>
               <a:t>.</a:t>
             </a:r>
-            <a:endParaRPr lang="en-US" sz="1000" dirty="0">
+            <a:endParaRPr lang="en-US" sz="1000">
               <a:solidFill>
                 <a:prstClr val="black"/>
               </a:solidFill>
@@ -11103,7 +11983,7 @@
         <p:spPr>
           <a:xfrm>
             <a:off x="4843269" y="2329688"/>
-            <a:ext cx="1656080" cy="228268"/>
+            <a:ext cx="1656080" cy="238760"/>
           </a:xfrm>
           <a:prstGeom prst="rect">
             <a:avLst/>
@@ -11115,7 +11995,7 @@
           </a:bodyPr>
           <a:lstStyle/>
           <a:p>
-            <a:pPr marL="12700" algn="ctr">
+            <a:pPr marL="12700">
               <a:lnSpc>
                 <a:spcPct val="100000"/>
               </a:lnSpc>
@@ -11124,26 +12004,176 @@
               </a:spcBef>
             </a:pPr>
             <a:r>
-              <a:rPr lang="de-de" sz="1400" b="1" spc="-25" dirty="0">
+              <a:rPr sz="1400" b="1" spc="-25">
                 <a:solidFill>
                   <a:srgbClr val="020302"/>
                 </a:solidFill>
                 <a:latin typeface="Adobe Clean"/>
                 <a:cs typeface="Adobe Clean"/>
               </a:rPr>
-              <a:t>現場服務活動</a:t>
-            </a:r>
-            <a:r>
-              <a:rPr lang="de-de" sz="1400" b="1" spc="-190" dirty="0">
+              <a:t>Fi</a:t>
+            </a:r>
+            <a:r>
+              <a:rPr sz="1400" b="1" spc="-35">
                 <a:solidFill>
                   <a:srgbClr val="020302"/>
                 </a:solidFill>
                 <a:latin typeface="Adobe Clean"/>
                 <a:cs typeface="Adobe Clean"/>
               </a:rPr>
+              <a:t>e</a:t>
+            </a:r>
+            <a:r>
+              <a:rPr sz="1400" b="1" spc="-25">
+                <a:solidFill>
+                  <a:srgbClr val="020302"/>
+                </a:solidFill>
+                <a:latin typeface="Adobe Clean"/>
+                <a:cs typeface="Adobe Clean"/>
+              </a:rPr>
+              <a:t>l</a:t>
+            </a:r>
+            <a:r>
+              <a:rPr sz="1400" b="1">
+                <a:solidFill>
+                  <a:srgbClr val="020302"/>
+                </a:solidFill>
+                <a:latin typeface="Adobe Clean"/>
+                <a:cs typeface="Adobe Clean"/>
+              </a:rPr>
+              <a:t>d</a:t>
+            </a:r>
+            <a:r>
+              <a:rPr sz="1400" b="1" spc="-40">
+                <a:solidFill>
+                  <a:srgbClr val="020302"/>
+                </a:solidFill>
+                <a:latin typeface="Adobe Clean"/>
+                <a:cs typeface="Adobe Clean"/>
+              </a:rPr>
               <a:t> </a:t>
             </a:r>
-            <a:endParaRPr sz="1400" dirty="0">
+            <a:r>
+              <a:rPr sz="1400" b="1" spc="25">
+                <a:solidFill>
+                  <a:srgbClr val="020302"/>
+                </a:solidFill>
+                <a:latin typeface="Adobe Clean"/>
+                <a:cs typeface="Adobe Clean"/>
+              </a:rPr>
+              <a:t>S</a:t>
+            </a:r>
+            <a:r>
+              <a:rPr sz="1400" b="1" spc="5">
+                <a:solidFill>
+                  <a:srgbClr val="020302"/>
+                </a:solidFill>
+                <a:latin typeface="Adobe Clean"/>
+                <a:cs typeface="Adobe Clean"/>
+              </a:rPr>
+              <a:t>e</a:t>
+            </a:r>
+            <a:r>
+              <a:rPr sz="1400" b="1" spc="15">
+                <a:solidFill>
+                  <a:srgbClr val="020302"/>
+                </a:solidFill>
+                <a:latin typeface="Adobe Clean"/>
+                <a:cs typeface="Adobe Clean"/>
+              </a:rPr>
+              <a:t>rvi</a:t>
+            </a:r>
+            <a:r>
+              <a:rPr sz="1400" b="1" spc="5">
+                <a:solidFill>
+                  <a:srgbClr val="020302"/>
+                </a:solidFill>
+                <a:latin typeface="Adobe Clean"/>
+                <a:cs typeface="Adobe Clean"/>
+              </a:rPr>
+              <a:t>c</a:t>
+            </a:r>
+            <a:r>
+              <a:rPr sz="1400" b="1">
+                <a:solidFill>
+                  <a:srgbClr val="020302"/>
+                </a:solidFill>
+                <a:latin typeface="Adobe Clean"/>
+                <a:cs typeface="Adobe Clean"/>
+              </a:rPr>
+              <a:t>e</a:t>
+            </a:r>
+            <a:r>
+              <a:rPr sz="1400" b="1" spc="-190">
+                <a:solidFill>
+                  <a:srgbClr val="020302"/>
+                </a:solidFill>
+                <a:latin typeface="Adobe Clean"/>
+                <a:cs typeface="Adobe Clean"/>
+              </a:rPr>
+              <a:t> </a:t>
+            </a:r>
+            <a:r>
+              <a:rPr sz="1400" b="1" spc="5">
+                <a:solidFill>
+                  <a:srgbClr val="020302"/>
+                </a:solidFill>
+                <a:latin typeface="Adobe Clean"/>
+                <a:cs typeface="Adobe Clean"/>
+              </a:rPr>
+              <a:t>A</a:t>
+            </a:r>
+            <a:r>
+              <a:rPr sz="1400" b="1" spc="-5">
+                <a:solidFill>
+                  <a:srgbClr val="020302"/>
+                </a:solidFill>
+                <a:latin typeface="Adobe Clean"/>
+                <a:cs typeface="Adobe Clean"/>
+              </a:rPr>
+              <a:t>ct</a:t>
+            </a:r>
+            <a:r>
+              <a:rPr sz="1400" b="1" spc="5">
+                <a:solidFill>
+                  <a:srgbClr val="020302"/>
+                </a:solidFill>
+                <a:latin typeface="Adobe Clean"/>
+                <a:cs typeface="Adobe Clean"/>
+              </a:rPr>
+              <a:t>ivi</a:t>
+            </a:r>
+            <a:r>
+              <a:rPr sz="1400" b="1" spc="-5">
+                <a:solidFill>
+                  <a:srgbClr val="020302"/>
+                </a:solidFill>
+                <a:latin typeface="Adobe Clean"/>
+                <a:cs typeface="Adobe Clean"/>
+              </a:rPr>
+              <a:t>t</a:t>
+            </a:r>
+            <a:r>
+              <a:rPr sz="1400" b="1" spc="5">
+                <a:solidFill>
+                  <a:srgbClr val="020302"/>
+                </a:solidFill>
+                <a:latin typeface="Adobe Clean"/>
+                <a:cs typeface="Adobe Clean"/>
+              </a:rPr>
+              <a:t>i</a:t>
+            </a:r>
+            <a:r>
+              <a:rPr sz="1400" b="1" spc="-5">
+                <a:solidFill>
+                  <a:srgbClr val="020302"/>
+                </a:solidFill>
+                <a:latin typeface="Adobe Clean"/>
+                <a:cs typeface="Adobe Clean"/>
+              </a:rPr>
+              <a:t>es</a:t>
+            </a:r>
+            <a:endParaRPr sz="1400">
               <a:latin typeface="Adobe Clean"/>
               <a:cs typeface="Adobe Clean"/>
             </a:endParaRPr>
@@ -11159,7 +12189,7 @@
         <p:spPr>
           <a:xfrm>
             <a:off x="914422" y="2342312"/>
-            <a:ext cx="1242060" cy="228268"/>
+            <a:ext cx="1242060" cy="238760"/>
           </a:xfrm>
           <a:prstGeom prst="rect">
             <a:avLst/>
@@ -11171,7 +12201,7 @@
           </a:bodyPr>
           <a:lstStyle/>
           <a:p>
-            <a:pPr marL="12700" algn="ctr">
+            <a:pPr marL="12700">
               <a:lnSpc>
                 <a:spcPct val="100000"/>
               </a:lnSpc>
@@ -11180,16 +12210,96 @@
               </a:spcBef>
             </a:pPr>
             <a:r>
-              <a:rPr lang="de-de" sz="1400" b="1" spc="-25" dirty="0">
+              <a:rPr sz="1400" b="1" spc="-25">
                 <a:solidFill>
                   <a:srgbClr val="020302"/>
                 </a:solidFill>
                 <a:latin typeface="Adobe Clean"/>
                 <a:cs typeface="Adobe Clean"/>
               </a:rPr>
-              <a:t>啟動諮詢</a:t>
-            </a:r>
-            <a:endParaRPr sz="1400" dirty="0">
+              <a:t>L</a:t>
+            </a:r>
+            <a:r>
+              <a:rPr sz="1400" b="1" spc="-5">
+                <a:solidFill>
+                  <a:srgbClr val="020302"/>
+                </a:solidFill>
+                <a:latin typeface="Adobe Clean"/>
+                <a:cs typeface="Adobe Clean"/>
+              </a:rPr>
+              <a:t>a</a:t>
+            </a:r>
+            <a:r>
+              <a:rPr sz="1400" b="1" spc="-20">
+                <a:solidFill>
+                  <a:srgbClr val="020302"/>
+                </a:solidFill>
+                <a:latin typeface="Adobe Clean"/>
+                <a:cs typeface="Adobe Clean"/>
+              </a:rPr>
+              <a:t>u</a:t>
+            </a:r>
+            <a:r>
+              <a:rPr sz="1400" b="1" spc="-15">
+                <a:solidFill>
+                  <a:srgbClr val="020302"/>
+                </a:solidFill>
+                <a:latin typeface="Adobe Clean"/>
+                <a:cs typeface="Adobe Clean"/>
+              </a:rPr>
+              <a:t>n</a:t>
+            </a:r>
+            <a:r>
+              <a:rPr sz="1400" b="1" spc="-25">
+                <a:solidFill>
+                  <a:srgbClr val="020302"/>
+                </a:solidFill>
+                <a:latin typeface="Adobe Clean"/>
+                <a:cs typeface="Adobe Clean"/>
+              </a:rPr>
+              <a:t>c</a:t>
+            </a:r>
+            <a:r>
+              <a:rPr sz="1400" b="1">
+                <a:solidFill>
+                  <a:srgbClr val="020302"/>
+                </a:solidFill>
+                <a:latin typeface="Adobe Clean"/>
+                <a:cs typeface="Adobe Clean"/>
+              </a:rPr>
+              <a:t>h</a:t>
+            </a:r>
+            <a:r>
+              <a:rPr sz="1400" b="1" spc="-25">
+                <a:solidFill>
+                  <a:srgbClr val="020302"/>
+                </a:solidFill>
+                <a:latin typeface="Adobe Clean"/>
+                <a:cs typeface="Adobe Clean"/>
+              </a:rPr>
+              <a:t> </a:t>
+            </a:r>
+            <a:r>
+              <a:rPr sz="1400" b="1" spc="-10">
+                <a:solidFill>
+                  <a:srgbClr val="020302"/>
+                </a:solidFill>
+                <a:latin typeface="Adobe Clean"/>
+                <a:cs typeface="Adobe Clean"/>
+              </a:rPr>
+              <a:t>Advisor</a:t>
+            </a:r>
+            <a:r>
+              <a:rPr sz="1400" b="1">
+                <a:solidFill>
+                  <a:srgbClr val="020302"/>
+                </a:solidFill>
+                <a:latin typeface="Adobe Clean"/>
+                <a:cs typeface="Adobe Clean"/>
+              </a:rPr>
+              <a:t>y</a:t>
+            </a:r>
+            <a:endParaRPr sz="1400">
               <a:latin typeface="Adobe Clean"/>
               <a:cs typeface="Adobe Clean"/>
             </a:endParaRPr>
@@ -11226,43 +12336,46 @@
               </a:spcBef>
             </a:pPr>
             <a:r>
-              <a:rPr lang="de-de" sz="1000" dirty="0">
+              <a:rPr sz="1000">
                 <a:solidFill>
                   <a:srgbClr val="1F1F1F"/>
                 </a:solidFill>
                 <a:latin typeface="AdobeClean-Light"/>
                 <a:cs typeface="AdobeClean-Light"/>
               </a:rPr>
-              <a:t>Launch Advisory 適用於客戶實作</a:t>
-            </a:r>
-            <a:r>
-              <a:rPr lang="de-de" sz="1000" b="1" dirty="0">
+              <a:t>For customers implementing a </a:t>
+            </a:r>
+            <a:r>
+              <a:rPr sz="1000" b="1">
                 <a:solidFill>
                   <a:srgbClr val="1F1F1F"/>
                 </a:solidFill>
                 <a:latin typeface="Adobe Clean"/>
                 <a:cs typeface="Adobe Clean"/>
               </a:rPr>
-              <a:t>新的 Adobe Experience Cloud 解決方案，</a:t>
-            </a:r>
-            <a:r>
-              <a:rPr lang="de-de" sz="1000" dirty="0">
+              <a:t>new Adobe Experience Cloud  solution, </a:t>
+            </a:r>
+            <a:r>
+              <a:rPr sz="1000">
+                <a:latin typeface="AdobeClean-Light"/>
+                <a:cs typeface="AdobeClean-Light"/>
+              </a:rPr>
+              <a:t>Launch Advisory </a:t>
+            </a:r>
+            <a:r>
+              <a:rPr sz="1000">
                 <a:latin typeface="AdobeClean-SemiLight"/>
                 <a:cs typeface="AdobeClean-SemiLight"/>
               </a:rPr>
-              <a:t>是</a:t>
-            </a:r>
-            <a:r>
-              <a:rPr lang="de-de" sz="950" dirty="0">
+              <a:t>is a </a:t>
+            </a:r>
+            <a:r>
+              <a:rPr sz="950">
                 <a:latin typeface="AdobeClean-SemiLight"/>
                 <a:cs typeface="AdobeClean-SemiLight"/>
               </a:rPr>
-              <a:t>諮詢的核心</a:t>
-            </a:r>
-            <a:endParaRPr sz="950">
-              <a:latin typeface="AdobeClean-SemiLight"/>
-              <a:cs typeface="AdobeClean-SemiLight"/>
-            </a:endParaRPr>
+              <a:t>core set of advisory</a:t>
+            </a:r>
           </a:p>
           <a:p>
             <a:pPr marL="12700" marR="86995" indent="-635">
@@ -11271,51 +12384,47 @@
               </a:lnSpc>
             </a:pPr>
             <a:r>
-              <a:rPr lang="de-de" sz="950" dirty="0">
+              <a:rPr sz="950">
                 <a:latin typeface="AdobeClean-SemiLight"/>
                 <a:cs typeface="AdobeClean-SemiLight"/>
               </a:rPr>
-              <a:t>服務</a:t>
-            </a:r>
-            <a:r>
-              <a:rPr lang="de-de" sz="1000" dirty="0">
+              <a:t>services </a:t>
+            </a:r>
+            <a:r>
+              <a:rPr sz="1000">
                 <a:latin typeface="AdobeClean-Light"/>
                 <a:cs typeface="AdobeClean-Light"/>
               </a:rPr>
-              <a:t>和建議組合，經公認可</a:t>
-            </a:r>
-            <a:r>
-              <a:rPr lang="de-de" sz="950" dirty="0">
+              <a:t>and recommendations that are proven to </a:t>
+            </a:r>
+            <a:r>
+              <a:rPr sz="950">
                 <a:latin typeface="AdobeClean-Light"/>
                 <a:cs typeface="AdobeClean-Light"/>
               </a:rPr>
-              <a:t>支援成功部署</a:t>
-            </a:r>
-            <a:r>
-              <a:rPr lang="de-de" sz="1000" dirty="0">
+              <a:t>support  successful deployments </a:t>
+            </a:r>
+            <a:r>
+              <a:rPr sz="1000">
                 <a:latin typeface="AdobeClean-Light"/>
                 <a:cs typeface="AdobeClean-Light"/>
               </a:rPr>
-              <a:t>並</a:t>
-            </a:r>
-            <a:r>
-              <a:rPr lang="de-de" sz="950" dirty="0">
+              <a:t>and </a:t>
+            </a:r>
+            <a:r>
+              <a:rPr sz="950">
                 <a:latin typeface="AdobeClean-Light"/>
                 <a:cs typeface="AdobeClean-Light"/>
               </a:rPr>
-              <a:t>加速價值實現的時間</a:t>
-            </a:r>
-            <a:r>
-              <a:rPr lang="de-de" sz="1000" dirty="0">
+              <a:t>accelerate time-to-value</a:t>
+            </a:r>
+            <a:r>
+              <a:rPr sz="1000">
                 <a:latin typeface="AdobeClean-Light"/>
                 <a:cs typeface="AdobeClean-Light"/>
               </a:rPr>
-              <a:t>。</a:t>
-            </a:r>
-            <a:endParaRPr sz="1000">
-              <a:latin typeface="AdobeClean-Light"/>
-              <a:cs typeface="AdobeClean-Light"/>
-            </a:endParaRPr>
+              <a:t>.</a:t>
+            </a:r>
           </a:p>
         </p:txBody>
       </p:sp>
@@ -11428,76 +12537,76 @@
               </a:spcBef>
             </a:pPr>
             <a:r>
-              <a:rPr lang="de-de" sz="1000" dirty="0">
+              <a:rPr sz="1000">
                 <a:solidFill>
                   <a:srgbClr val="4B4B4B"/>
                 </a:solidFill>
                 <a:latin typeface="AdobeClean-Light"/>
                 <a:cs typeface="AdobeClean-Light"/>
               </a:rPr>
-              <a:t>現場服務是用於</a:t>
-            </a:r>
-            <a:r>
-              <a:rPr lang="de-de" sz="1000" b="1" dirty="0">
+              <a:t>Field Services are used for </a:t>
+            </a:r>
+            <a:r>
+              <a:rPr sz="1000" b="1">
                 <a:solidFill>
                   <a:srgbClr val="4B4B4B"/>
                 </a:solidFill>
                 <a:latin typeface="Adobe Clean"/>
                 <a:cs typeface="Adobe Clean"/>
               </a:rPr>
-              <a:t>快速解決問題</a:t>
-            </a:r>
-            <a:r>
-              <a:rPr lang="de-de" sz="1000" dirty="0">
+              <a:t>quick resolution</a:t>
+            </a:r>
+            <a:r>
+              <a:rPr sz="1000">
                 <a:solidFill>
                   <a:srgbClr val="4B4B4B"/>
                 </a:solidFill>
                 <a:latin typeface="AdobeClean-Light"/>
                 <a:cs typeface="AdobeClean-Light"/>
               </a:rPr>
-              <a:t>，聚焦於客戶成功及加快</a:t>
-            </a:r>
-            <a:r>
-              <a:rPr lang="de-de" sz="1000" b="1" dirty="0">
+              <a:t>, focused customer success  and accelerated </a:t>
+            </a:r>
+            <a:r>
+              <a:rPr sz="1000" b="1">
                 <a:solidFill>
                   <a:srgbClr val="4B4B4B"/>
                 </a:solidFill>
                 <a:latin typeface="Adobe Clean"/>
                 <a:cs typeface="Adobe Clean"/>
               </a:rPr>
-              <a:t>價值實現</a:t>
-            </a:r>
-            <a:r>
-              <a:rPr lang="de-de" sz="1000" dirty="0">
+              <a:t>time-to-value</a:t>
+            </a:r>
+            <a:r>
+              <a:rPr sz="1000">
                 <a:solidFill>
                   <a:srgbClr val="4B4B4B"/>
                 </a:solidFill>
                 <a:latin typeface="AdobeClean-Light"/>
                 <a:cs typeface="AdobeClean-Light"/>
               </a:rPr>
-              <a:t>。對於支援合約涵蓋的任何解決方案產品而言，</a:t>
-            </a:r>
-            <a:r>
-              <a:rPr lang="de-de" sz="1000" b="1" dirty="0">
+              <a:t>. If Launch advisory is active there will be  </a:t>
+            </a:r>
+            <a:r>
+              <a:rPr sz="1000" b="1">
                 <a:solidFill>
                   <a:srgbClr val="4B4B4B"/>
                 </a:solidFill>
                 <a:latin typeface="Adobe Clean"/>
                 <a:cs typeface="Adobe Clean"/>
               </a:rPr>
-              <a:t>如果上市諮詢服務作用中，</a:t>
-            </a:r>
-            <a:r>
-              <a:rPr lang="de-de" sz="1000" dirty="0">
+              <a:t>no Field Services in year 1 </a:t>
+            </a:r>
+            <a:r>
+              <a:rPr sz="1000">
                 <a:solidFill>
                   <a:srgbClr val="4B4B4B"/>
                 </a:solidFill>
                 <a:latin typeface="AdobeClean-Light"/>
                 <a:cs typeface="AdobeClean-Light"/>
               </a:rPr>
-              <a:t>第 1 年將不會有現場服務。</a:t>
-            </a:r>
-            <a:endParaRPr sz="1000" dirty="0">
+              <a:t>for any solution product covered by a  Support contract.</a:t>
+            </a:r>
+            <a:endParaRPr sz="1000">
               <a:latin typeface="AdobeClean-Light"/>
               <a:cs typeface="AdobeClean-Light"/>
             </a:endParaRPr>
@@ -11618,11 +12727,11 @@
               </a:spcBef>
             </a:pPr>
             <a:r>
-              <a:rPr lang="de-de" sz="1000" dirty="0">
+              <a:rPr sz="1000">
                 <a:latin typeface="AdobeClean-Light"/>
                 <a:cs typeface="AdobeClean-Light"/>
               </a:rPr>
-              <a:t>上市諮詢服務將透過常見的里程碑 (開展、定義、設計、上線和上市後) 與您的專案時間表保持一致，以便指導、驗證、評估及提出建議。 </a:t>
+              <a:t>Launch Advisory will align with your project schedule through  common milestones (Kickoff, Define, Design, Go-live and Post  Launch) to guide, validate, assess and make recommendations.</a:t>
             </a:r>
           </a:p>
         </p:txBody>
@@ -11657,16 +12766,12 @@
               </a:spcBef>
             </a:pPr>
             <a:r>
-              <a:rPr lang="de-de" sz="1000" dirty="0">
+              <a:rPr sz="1000">
                 <a:latin typeface="AdobeClean-Light"/>
                 <a:cs typeface="AdobeClean-Light"/>
               </a:rPr>
-              <a:t>主要交付成果包括：</a:t>
-            </a:r>
-            <a:endParaRPr sz="1000">
-              <a:latin typeface="AdobeClean-Light"/>
-              <a:cs typeface="AdobeClean-Light"/>
-            </a:endParaRPr>
+              <a:t>Key Deliverables include:</a:t>
+            </a:r>
           </a:p>
         </p:txBody>
       </p:sp>
@@ -11699,12 +12804,12 @@
               <a:buChar char="•"/>
             </a:pPr>
             <a:r>
-              <a:rPr lang="de-de" sz="1000" dirty="0">
+              <a:rPr lang="en-US" sz="1000">
                 <a:solidFill>
                   <a:prstClr val="black"/>
                 </a:solidFill>
               </a:rPr>
-              <a:t>專案啟動 (包括專案共同作業計劃) 投影片組</a:t>
+              <a:t>Kickoff (including project collaboration plan) deck</a:t>
             </a:r>
           </a:p>
           <a:p>
@@ -11716,12 +12821,12 @@
               <a:buChar char="•"/>
             </a:pPr>
             <a:r>
-              <a:rPr lang="de-de" sz="1000" dirty="0">
+              <a:rPr lang="en-US" sz="1000">
                 <a:solidFill>
                   <a:prstClr val="black"/>
                 </a:solidFill>
               </a:rPr>
-              <a:t>評估與建議文件</a:t>
+              <a:t>Assessment &amp; recommendations document(s)</a:t>
             </a:r>
           </a:p>
           <a:p>
@@ -11733,12 +12838,12 @@
               <a:buChar char="•"/>
             </a:pPr>
             <a:r>
-              <a:rPr lang="de-de" sz="1000" dirty="0">
+              <a:rPr lang="en-US" sz="1000">
                 <a:solidFill>
                   <a:prstClr val="black"/>
                 </a:solidFill>
               </a:rPr>
-              <a:t>投入摘要</a:t>
+              <a:t>Engagement summary</a:t>
             </a:r>
           </a:p>
         </p:txBody>
@@ -11773,16 +12878,16 @@
               </a:spcBef>
             </a:pPr>
             <a:r>
-              <a:rPr lang="de-de" sz="1600" dirty="0">
+              <a:rPr sz="1600">
                 <a:solidFill>
                   <a:srgbClr val="FFFFFF"/>
                 </a:solidFill>
                 <a:latin typeface="Arial"/>
                 <a:cs typeface="Arial"/>
               </a:rPr>
-              <a:t>實作</a:t>
-            </a:r>
-            <a:endParaRPr sz="1600" dirty="0">
+              <a:t>Implementation</a:t>
+            </a:r>
+            <a:endParaRPr sz="1600">
               <a:latin typeface="Arial"/>
               <a:cs typeface="Arial"/>
             </a:endParaRPr>
@@ -11797,32 +12902,32 @@
               </a:spcBef>
             </a:pPr>
             <a:r>
-              <a:rPr lang="de-de" sz="1000" dirty="0">
+              <a:rPr sz="1000">
                 <a:latin typeface="AdobeClean-Light"/>
                 <a:cs typeface="AdobeClean-Light"/>
               </a:rPr>
-              <a:t>Adobe 解決方案專家可向客戶</a:t>
-            </a:r>
-            <a:r>
-              <a:rPr lang="de-de" sz="1000" dirty="0">
+              <a:t>Adobe solution experts help validate requirements, architecture,  development process, and launch readiness reviews </a:t>
+            </a:r>
+            <a:r>
+              <a:rPr sz="1000">
                 <a:latin typeface="AdobeClean-SemiLight"/>
                 <a:cs typeface="AdobeClean-SemiLight"/>
               </a:rPr>
-              <a:t>和實作</a:t>
-            </a:r>
-            <a:r>
-              <a:rPr lang="de-de" sz="950" dirty="0">
+              <a:t>with </a:t>
+            </a:r>
+            <a:r>
+              <a:rPr sz="950">
                 <a:latin typeface="AdobeClean-SemiLight"/>
                 <a:cs typeface="AdobeClean-SemiLight"/>
               </a:rPr>
-              <a:t>合作夥伴</a:t>
-            </a:r>
-            <a:r>
-              <a:rPr lang="de-de" sz="1000" dirty="0">
+              <a:t>best  practice-based guidance </a:t>
+            </a:r>
+            <a:r>
+              <a:rPr sz="1000">
                 <a:latin typeface="AdobeClean-SemiLight"/>
                 <a:cs typeface="AdobeClean-SemiLight"/>
               </a:rPr>
-              <a:t>提供以最佳實務為根據的指引，以協助驗證需求、架構、開發流程和上市整備情況審查。</a:t>
+              <a:t>to customers and implementation  partners.</a:t>
             </a:r>
           </a:p>
         </p:txBody>
@@ -11879,19 +12984,30 @@
               </a:spcBef>
             </a:pPr>
             <a:r>
-              <a:rPr lang="de-de" sz="1000" b="1" dirty="0">
+              <a:rPr sz="1000" b="1">
                 <a:latin typeface="Arial"/>
                 <a:cs typeface="Arial"/>
               </a:rPr>
-              <a:t>技術路徑活動可確保客戶擁有健全的技術，</a:t>
-            </a:r>
-            <a:r>
-              <a:rPr lang="de-de" sz="1000" dirty="0">
+              <a:t>Technical Track Activities </a:t>
+            </a:r>
+            <a:r>
+              <a:rPr sz="1000">
                 <a:latin typeface="AdobeClean-Light"/>
                 <a:cs typeface="AdobeClean-Light"/>
               </a:rPr>
-              <a:t>並且最大限度地採用他們的工具。具體而言，這些類型的活動包含與平台組態設定、整合和疑難排解有關的支援和建議</a:t>
-            </a:r>
+              <a:t>ensure customers are technically sound  and maximizing their tool adoption. Specifically, these types of  activities include support and recommendations related to platform  configurations, integrations and troubleshooting</a:t>
+            </a:r>
+            <a:r>
+              <a:rPr lang="en-US" sz="1000">
+                <a:latin typeface="AdobeClean-Light"/>
+                <a:cs typeface="AdobeClean-Light"/>
+              </a:rPr>
+              <a:t>.</a:t>
+            </a:r>
+            <a:endParaRPr sz="1000">
+              <a:latin typeface="AdobeClean-Light"/>
+              <a:cs typeface="AdobeClean-Light"/>
+            </a:endParaRPr>
           </a:p>
         </p:txBody>
       </p:sp>
@@ -11925,11 +13041,11 @@
               </a:spcBef>
             </a:pPr>
             <a:r>
-              <a:rPr lang="de-de" sz="1000" dirty="0">
+              <a:rPr sz="1000">
                 <a:latin typeface="AdobeClean-Light"/>
                 <a:cs typeface="AdobeClean-Light"/>
               </a:rPr>
-              <a:t>可用的技術活動類型：</a:t>
+              <a:t>Types of technical activities available::</a:t>
             </a:r>
           </a:p>
           <a:p>
@@ -11944,12 +13060,12 @@
               <a:buChar char="ü"/>
             </a:pPr>
             <a:r>
-              <a:rPr lang="de-de" sz="1000" dirty="0">
+              <a:rPr lang="en-US" sz="1000">
                 <a:solidFill>
                   <a:prstClr val="black"/>
                 </a:solidFill>
               </a:rPr>
-              <a:t>健康稽核</a:t>
+              <a:t>Health audit</a:t>
             </a:r>
           </a:p>
           <a:p>
@@ -11964,12 +13080,12 @@
               <a:buChar char="ü"/>
             </a:pPr>
             <a:r>
-              <a:rPr lang="de-de" sz="1000" dirty="0">
+              <a:rPr lang="en-US" sz="1000">
                 <a:solidFill>
                   <a:prstClr val="black"/>
                 </a:solidFill>
               </a:rPr>
-              <a:t>平台稽核</a:t>
+              <a:t>Platform audit</a:t>
             </a:r>
           </a:p>
           <a:p>
@@ -11984,12 +13100,12 @@
               <a:buChar char="ü"/>
             </a:pPr>
             <a:r>
-              <a:rPr lang="de-de" sz="1000" dirty="0">
+              <a:rPr lang="en-US" sz="1000">
                 <a:solidFill>
                   <a:prstClr val="black"/>
                 </a:solidFill>
               </a:rPr>
-              <a:t>功能集啟用</a:t>
+              <a:t>Feature set enablement</a:t>
             </a:r>
           </a:p>
           <a:p>
@@ -12004,12 +13120,12 @@
               <a:buChar char="ü"/>
             </a:pPr>
             <a:r>
-              <a:rPr lang="de-de" sz="1000" dirty="0">
+              <a:rPr lang="en-US" sz="1000">
                 <a:solidFill>
                   <a:prstClr val="black"/>
                 </a:solidFill>
               </a:rPr>
-              <a:t>基本整合與組態設定</a:t>
+              <a:t>Basic integrations and configurations</a:t>
             </a:r>
           </a:p>
           <a:p>
@@ -12024,12 +13140,12 @@
               <a:buChar char="ü"/>
             </a:pPr>
             <a:r>
-              <a:rPr lang="de-de" sz="1000" dirty="0">
+              <a:rPr lang="en-US" sz="1000">
                 <a:solidFill>
                   <a:prstClr val="black"/>
                 </a:solidFill>
               </a:rPr>
-              <a:t>客戶解決方案疑難排解</a:t>
+              <a:t>Customer solution troubleshooting</a:t>
             </a:r>
           </a:p>
           <a:p>
@@ -12044,12 +13160,12 @@
               <a:buChar char="ü"/>
             </a:pPr>
             <a:r>
-              <a:rPr lang="de-de" sz="1000" dirty="0">
+              <a:rPr lang="en-US" sz="1000">
                 <a:solidFill>
                   <a:prstClr val="black"/>
                 </a:solidFill>
               </a:rPr>
-              <a:t>雲端服務支援</a:t>
+              <a:t>Cloud service support</a:t>
             </a:r>
           </a:p>
         </p:txBody>
@@ -12084,18 +13200,18 @@
               </a:spcBef>
             </a:pPr>
             <a:r>
-              <a:rPr lang="de-de" sz="1000" b="1" dirty="0">
+              <a:rPr sz="1000" b="1">
                 <a:latin typeface="Arial"/>
                 <a:cs typeface="Arial"/>
               </a:rPr>
-              <a:t>策略路徑活動可尋找機會</a:t>
-            </a:r>
-            <a:r>
-              <a:rPr lang="de-de" sz="1000" dirty="0">
+              <a:t>Strategic Track Activities </a:t>
+            </a:r>
+            <a:r>
+              <a:rPr sz="1000">
                 <a:latin typeface="AdobeClean-Light"/>
                 <a:cs typeface="AdobeClean-Light"/>
               </a:rPr>
-              <a:t>，以確保可從客戶的 Adobe 解決方案實現價值。這類活動包括與策略、衡量和成熟度有關的支援建議，以推動一個或多個 Adobe 解決方案的價值實現。</a:t>
+              <a:t>locate opportunities to ensure value is  being realized from a customer’s Adobe solutions. They include  support recommendations related to strategy, measurement and  maturity to drive value realization across one or more Adobe  solutions.</a:t>
             </a:r>
           </a:p>
           <a:p>
@@ -12107,7 +13223,7 @@
                 <a:spcPts val="40"/>
               </a:spcBef>
             </a:pPr>
-            <a:endParaRPr sz="1100" dirty="0">
+            <a:endParaRPr sz="1100">
               <a:latin typeface="AdobeClean-Light"/>
               <a:cs typeface="AdobeClean-Light"/>
             </a:endParaRPr>
@@ -12119,11 +13235,11 @@
               </a:lnSpc>
             </a:pPr>
             <a:r>
-              <a:rPr lang="de-de" sz="1000" dirty="0">
+              <a:rPr sz="1000">
                 <a:latin typeface="AdobeClean-Light"/>
                 <a:cs typeface="AdobeClean-Light"/>
               </a:rPr>
-              <a:t>可用的策略活動類型：</a:t>
+              <a:t>Types of strategic activities available::</a:t>
             </a:r>
           </a:p>
           <a:p>
@@ -12138,12 +13254,12 @@
               <a:buChar char="ü"/>
             </a:pPr>
             <a:r>
-              <a:rPr lang="de-de" sz="1000" dirty="0">
+              <a:rPr lang="en-US" sz="1000">
                 <a:solidFill>
                   <a:prstClr val="black"/>
                 </a:solidFill>
               </a:rPr>
-              <a:t>成熟度藍圖</a:t>
+              <a:t>Maturity Roadmap</a:t>
             </a:r>
           </a:p>
           <a:p>
@@ -12158,12 +13274,12 @@
               <a:buChar char="ü"/>
             </a:pPr>
             <a:r>
-              <a:rPr lang="de-de" sz="1000" dirty="0">
+              <a:rPr lang="en-US" sz="1000">
                 <a:solidFill>
                   <a:prstClr val="black"/>
                 </a:solidFill>
               </a:rPr>
-              <a:t>使用案例開發/衡量</a:t>
+              <a:t>Use case development/measurement</a:t>
             </a:r>
           </a:p>
           <a:p>
@@ -12178,12 +13294,12 @@
               <a:buChar char="ü"/>
             </a:pPr>
             <a:r>
-              <a:rPr lang="de-de" sz="1000" dirty="0">
+              <a:rPr lang="en-US" sz="1000">
                 <a:solidFill>
                   <a:prstClr val="black"/>
                 </a:solidFill>
               </a:rPr>
-              <a:t>報告與分析</a:t>
+              <a:t>Reporting &amp; analysis</a:t>
             </a:r>
           </a:p>
           <a:p>
@@ -12198,12 +13314,12 @@
               <a:buChar char="ü"/>
             </a:pPr>
             <a:r>
-              <a:rPr lang="de-de" sz="1000" dirty="0">
+              <a:rPr lang="en-US" sz="1000">
                 <a:solidFill>
                   <a:prstClr val="black"/>
                 </a:solidFill>
               </a:rPr>
-              <a:t>啟用最佳實務</a:t>
+              <a:t>Best practices enablement</a:t>
             </a:r>
           </a:p>
         </p:txBody>
@@ -12224,7 +13340,7 @@
           </a:prstGeom>
         </p:spPr>
         <p:txBody>
-          <a:bodyPr vert="horz" wrap="square" lIns="0" tIns="12700" rIns="0" bIns="0" rtlCol="0">
+          <a:bodyPr vert="horz" wrap="square" lIns="0" tIns="12700" rIns="0" bIns="0" rtlCol="0" anchor="t">
             <a:spAutoFit/>
           </a:bodyPr>
           <a:lstStyle/>
@@ -12238,41 +13354,78 @@
               </a:spcBef>
             </a:pPr>
             <a:r>
-              <a:rPr lang="de-de" sz="1600" dirty="0">
+              <a:rPr sz="1600">
                 <a:solidFill>
                   <a:srgbClr val="FFFFFF"/>
                 </a:solidFill>
                 <a:latin typeface="Arial"/>
                 <a:cs typeface="Arial"/>
               </a:rPr>
-              <a:t>執行與營運</a:t>
-            </a:r>
-            <a:endParaRPr sz="1600" dirty="0">
+              <a:t>Run &amp; Operate</a:t>
+            </a:r>
+            <a:endParaRPr sz="1600">
               <a:latin typeface="Arial"/>
               <a:cs typeface="Arial"/>
             </a:endParaRPr>
           </a:p>
           <a:p>
             <a:pPr marL="12700">
-              <a:lnSpc>
-                <a:spcPct val="100000"/>
-              </a:lnSpc>
               <a:spcBef>
                 <a:spcPts val="1595"/>
               </a:spcBef>
             </a:pPr>
             <a:r>
-              <a:rPr lang="de-de" sz="1000" dirty="0">
+              <a:rPr sz="1000">
                 <a:solidFill>
                   <a:srgbClr val="1F1F1F"/>
                 </a:solidFill>
                 <a:latin typeface="Adobe Clean"/>
                 <a:cs typeface="Adobe Clean"/>
               </a:rPr>
-              <a:t>作為菁英客戶，您有資格每年享有</a:t>
-            </a:r>
-            <a:r>
-              <a:rPr lang="de-de" sz="1200" dirty="0">
+              <a:t>As an </a:t>
+            </a:r>
+            <a:r>
+              <a:rPr lang="en-US" sz="1000">
+                <a:solidFill>
+                  <a:srgbClr val="1F1F1F"/>
+                </a:solidFill>
+                <a:latin typeface="Adobe Clean"/>
+                <a:cs typeface="Adobe Clean"/>
+              </a:rPr>
+              <a:t>Elite</a:t>
+            </a:r>
+            <a:r>
+              <a:rPr sz="1000">
+                <a:solidFill>
+                  <a:srgbClr val="1F1F1F"/>
+                </a:solidFill>
+                <a:latin typeface="Adobe Clean"/>
+                <a:cs typeface="Adobe Clean"/>
+              </a:rPr>
+              <a:t> customer, you are</a:t>
+            </a:r>
+            <a:r>
+              <a:rPr lang="en-US" sz="1000">
+                <a:solidFill>
+                  <a:srgbClr val="1F1F1F"/>
+                </a:solidFill>
+                <a:latin typeface="Adobe Clean"/>
+                <a:cs typeface="Adobe Clean"/>
+              </a:rPr>
+              <a:t> </a:t>
+            </a:r>
+            <a:r>
+              <a:rPr sz="1000">
+                <a:solidFill>
+                  <a:srgbClr val="1F1F1F"/>
+                </a:solidFill>
+                <a:latin typeface="Adobe Clean"/>
+                <a:cs typeface="Adobe Clean"/>
+              </a:rPr>
+              <a:t> eligible for</a:t>
+            </a:r>
+            <a:r>
+              <a:rPr lang="en-US" sz="1200">
                 <a:solidFill>
                   <a:srgbClr val="1F1F1F"/>
                 </a:solidFill>
@@ -12287,7 +13440,7 @@
               <a:t> </a:t>
             </a:r>
             <a:r>
-              <a:rPr lang="de-de" sz="1200" u="sng" dirty="0">
+              <a:rPr lang="en-US" sz="1200" u="sng">
                 <a:solidFill>
                   <a:srgbClr val="1F1F1F"/>
                 </a:solidFill>
@@ -12302,7 +13455,7 @@
               <a:t>4</a:t>
             </a:r>
             <a:r>
-              <a:rPr lang="de-de" sz="1200" b="1" dirty="0">
+              <a:rPr sz="1200" b="1">
                 <a:solidFill>
                   <a:srgbClr val="1F1F1F"/>
                 </a:solidFill>
@@ -12312,90 +13465,86 @@
               <a:t> </a:t>
             </a:r>
             <a:r>
-              <a:rPr lang="de-de" sz="1000" b="1" dirty="0">
+              <a:rPr sz="1000" b="1">
                 <a:solidFill>
                   <a:srgbClr val="1F1F1F"/>
                 </a:solidFill>
                 <a:latin typeface="Arial"/>
                 <a:cs typeface="Arial"/>
               </a:rPr>
-              <a:t>個活動</a:t>
-            </a:r>
-            <a:endParaRPr sz="1000" dirty="0">
-              <a:latin typeface="Arial"/>
-              <a:cs typeface="Arial"/>
-            </a:endParaRPr>
-          </a:p>
-          <a:p>
-            <a:pPr marL="12700">
-              <a:lnSpc>
-                <a:spcPct val="100000"/>
-              </a:lnSpc>
-              <a:spcBef>
-                <a:spcPts val="55"/>
-              </a:spcBef>
-            </a:pPr>
-            <a:r>
-              <a:rPr lang="de-de" sz="1600" dirty="0">
-                <a:solidFill>
-                  <a:srgbClr val="FFFFFF"/>
+              <a:t>activities per </a:t>
+            </a:r>
+            <a:r>
+              <a:rPr lang="en-US" sz="1000" b="1">
+                <a:solidFill>
+                  <a:srgbClr val="1F1F1F"/>
                 </a:solidFill>
                 <a:latin typeface="Arial"/>
                 <a:cs typeface="Arial"/>
               </a:rPr>
-              <a:t>的權益</a:t>
-            </a:r>
-            <a:r>
-              <a:rPr lang="de-de" sz="1000" dirty="0">
+              <a:t>year </a:t>
+            </a:r>
+            <a:r>
+              <a:rPr lang="en-US" sz="1000">
                 <a:solidFill>
                   <a:srgbClr val="1F1F1F"/>
                 </a:solidFill>
                 <a:latin typeface="Adobe Clean"/>
-                <a:cs typeface="Adobe Clean"/>
-              </a:rPr>
-              <a:t>(從以下兩個課程分軌)：</a:t>
-            </a:r>
-            <a:r>
-              <a:rPr lang="de-de" sz="1000" b="1" dirty="0">
+                <a:cs typeface="Arial"/>
+              </a:rPr>
+              <a:t>from</a:t>
+            </a:r>
+            <a:r>
+              <a:rPr sz="1000">
+                <a:solidFill>
+                  <a:srgbClr val="1F1F1F"/>
+                </a:solidFill>
+                <a:latin typeface="Adobe Clean"/>
+                <a:cs typeface="Adobe Clean"/>
+              </a:rPr>
+              <a:t> the following two tracks: </a:t>
+            </a:r>
+            <a:r>
+              <a:rPr sz="1000" b="1">
                 <a:solidFill>
                   <a:srgbClr val="1F1F1F"/>
                 </a:solidFill>
                 <a:latin typeface="Arial"/>
                 <a:cs typeface="Arial"/>
               </a:rPr>
-              <a:t>技術</a:t>
-            </a:r>
-            <a:r>
-              <a:rPr lang="de-de" sz="1000" dirty="0">
+              <a:t>Technical </a:t>
+            </a:r>
+            <a:r>
+              <a:rPr sz="1000">
                 <a:solidFill>
                   <a:srgbClr val="1F1F1F"/>
                 </a:solidFill>
                 <a:latin typeface="Adobe Clean"/>
                 <a:cs typeface="Adobe Clean"/>
               </a:rPr>
-              <a:t>和/或</a:t>
-            </a:r>
-            <a:r>
-              <a:rPr lang="de-de" sz="1000" b="1" dirty="0">
+              <a:t>and/or </a:t>
+            </a:r>
+            <a:r>
+              <a:rPr sz="1000" b="1">
                 <a:solidFill>
                   <a:srgbClr val="1F1F1F"/>
                 </a:solidFill>
                 <a:latin typeface="Arial"/>
                 <a:cs typeface="Arial"/>
               </a:rPr>
-              <a:t>策略</a:t>
-            </a:r>
-            <a:r>
-              <a:rPr lang="de-de" sz="1000" dirty="0">
+              <a:t>Strategic</a:t>
+            </a:r>
+            <a:r>
+              <a:rPr lang="en-US" sz="1000" b="1">
                 <a:solidFill>
                   <a:srgbClr val="1F1F1F"/>
                 </a:solidFill>
                 <a:latin typeface="AdobeClean-Light"/>
-                <a:cs typeface="AdobeClean-Light"/>
-              </a:rPr>
-              <a:t>。</a:t>
-            </a:r>
-            <a:endParaRPr sz="1000" dirty="0">
+                <a:cs typeface="Arial"/>
+              </a:rPr>
+              <a:t>.</a:t>
+            </a:r>
+            <a:endParaRPr sz="1000">
               <a:latin typeface="AdobeClean-Light"/>
               <a:cs typeface="AdobeClean-Light"/>
             </a:endParaRPr>
@@ -12432,16 +13581,66 @@
               </a:spcBef>
             </a:pPr>
             <a:r>
-              <a:rPr lang="de-de" sz="1400" b="1" spc="-15" dirty="0">
+              <a:rPr sz="1400" b="1" spc="-15">
                 <a:solidFill>
                   <a:srgbClr val="020302"/>
                 </a:solidFill>
                 <a:latin typeface="Adobe Clean"/>
                 <a:cs typeface="Adobe Clean"/>
               </a:rPr>
-              <a:t>雲端支援活動 - AEM</a:t>
-            </a:r>
-            <a:endParaRPr sz="1400" dirty="0">
+              <a:t>Cloud</a:t>
+            </a:r>
+            <a:r>
+              <a:rPr sz="1400" b="1" spc="-45">
+                <a:solidFill>
+                  <a:srgbClr val="020302"/>
+                </a:solidFill>
+                <a:latin typeface="Adobe Clean"/>
+                <a:cs typeface="Adobe Clean"/>
+              </a:rPr>
+              <a:t> </a:t>
+            </a:r>
+            <a:r>
+              <a:rPr sz="1400" b="1" spc="-15">
+                <a:solidFill>
+                  <a:srgbClr val="020302"/>
+                </a:solidFill>
+                <a:latin typeface="Adobe Clean"/>
+                <a:cs typeface="Adobe Clean"/>
+              </a:rPr>
+              <a:t>Support</a:t>
+            </a:r>
+            <a:r>
+              <a:rPr sz="1400" b="1" spc="-50">
+                <a:solidFill>
+                  <a:srgbClr val="020302"/>
+                </a:solidFill>
+                <a:latin typeface="Adobe Clean"/>
+                <a:cs typeface="Adobe Clean"/>
+              </a:rPr>
+              <a:t> </a:t>
+            </a:r>
+            <a:r>
+              <a:rPr sz="1400" b="1" spc="-15">
+                <a:solidFill>
+                  <a:srgbClr val="020302"/>
+                </a:solidFill>
+                <a:latin typeface="Adobe Clean"/>
+                <a:cs typeface="Adobe Clean"/>
+              </a:rPr>
+              <a:t>Activities</a:t>
+            </a:r>
+            <a:r>
+              <a:rPr lang="en-US" sz="1400" b="1" spc="-15">
+                <a:solidFill>
+                  <a:srgbClr val="020302"/>
+                </a:solidFill>
+                <a:latin typeface="Adobe Clean"/>
+                <a:cs typeface="Adobe Clean"/>
+              </a:rPr>
+              <a:t> - AEM</a:t>
+            </a:r>
+            <a:endParaRPr sz="1400">
               <a:latin typeface="Adobe Clean"/>
               <a:cs typeface="Adobe Clean"/>
             </a:endParaRPr>
@@ -12560,10 +13759,6 @@
           </p:nvPr>
         </p:nvSpPr>
         <p:spPr>
-          <a:xfrm>
-            <a:off x="97787" y="9861194"/>
-            <a:ext cx="2874013" cy="133370"/>
-          </a:xfrm>
           <a:prstGeom prst="rect">
             <a:avLst/>
           </a:prstGeom>
@@ -12583,32 +13778,36 @@
               </a:spcBef>
             </a:pPr>
             <a:r>
-              <a:rPr lang="de-de" spc="-5" dirty="0"/>
-              <a:t>© 2021 Adobe. All</a:t>
-            </a:r>
-            <a:r>
-              <a:rPr lang="de-de" spc="-15" dirty="0"/>
+              <a:rPr spc="-5"/>
+              <a:t>©2021 Adobe. All</a:t>
+            </a:r>
+            <a:r>
+              <a:rPr spc="-15"/>
               <a:t> Rights</a:t>
             </a:r>
             <a:r>
-              <a:rPr lang="de-de" spc="-10" dirty="0"/>
+              <a:rPr spc="-10"/>
               <a:t> </a:t>
             </a:r>
             <a:r>
-              <a:rPr lang="de-de" spc="-15" dirty="0"/>
-              <a:t>Reserved。</a:t>
-            </a:r>
-            <a:r>
-              <a:rPr lang="de-de" spc="-5" dirty="0"/>
+              <a:rPr spc="-15"/>
+              <a:t>Reserved.</a:t>
+            </a:r>
+            <a:r>
+              <a:rPr spc="-10"/>
+              <a:t> </a:t>
+            </a:r>
+            <a:r>
+              <a:rPr spc="-5"/>
               <a:t>Adobe</a:t>
             </a:r>
             <a:r>
-              <a:rPr lang="de-de" spc="60" dirty="0"/>
+              <a:rPr spc="60"/>
               <a:t> </a:t>
             </a:r>
             <a:r>
-              <a:rPr lang="de-de" spc="-15" dirty="0"/>
-              <a:t> 機密資訊。</a:t>
+              <a:rPr spc="-15"/>
+              <a:t>Confidential.</a:t>
             </a:r>
           </a:p>
         </p:txBody>
@@ -12664,8 +13863,8 @@
           <a:p>
             <a:pPr algn="ctr"/>
             <a:r>
-              <a:rPr lang="de-de" sz="1600" dirty="0"/>
-              <a:t>執行與營運</a:t>
+              <a:rPr lang="en-US" sz="1600"/>
+              <a:t>Run &amp; Operate</a:t>
             </a:r>
           </a:p>
         </p:txBody>
@@ -12721,8 +13920,8 @@
           <a:p>
             <a:pPr algn="ctr"/>
             <a:r>
-              <a:rPr lang="de-de" sz="1600" dirty="0"/>
-              <a:t>實作</a:t>
+              <a:rPr lang="en-US" sz="1600"/>
+              <a:t>Implementation</a:t>
             </a:r>
           </a:p>
         </p:txBody>
@@ -12757,8 +13956,8 @@
           <a:p>
             <a:pPr algn="ctr"/>
             <a:r>
-              <a:rPr lang="de-de" sz="1100" dirty="0"/>
-              <a:t>啟動後</a:t>
+              <a:rPr lang="en-US" sz="1100"/>
+              <a:t>Post Launch</a:t>
             </a:r>
           </a:p>
         </p:txBody>
@@ -12793,8 +13992,8 @@
           <a:p>
             <a:pPr algn="ctr"/>
             <a:r>
-              <a:rPr lang="de-de" sz="1100" dirty="0"/>
-              <a:t>上線</a:t>
+              <a:rPr lang="en-US" sz="1100"/>
+              <a:t>Go-Live</a:t>
             </a:r>
           </a:p>
         </p:txBody>
@@ -12829,8 +14028,8 @@
           <a:p>
             <a:pPr algn="ctr"/>
             <a:r>
-              <a:rPr lang="de-de" sz="1100" dirty="0"/>
-              <a:t>定義</a:t>
+              <a:rPr lang="en-US" sz="1100"/>
+              <a:t>Define</a:t>
             </a:r>
           </a:p>
         </p:txBody>
@@ -12865,8 +14064,8 @@
           <a:p>
             <a:pPr algn="ctr"/>
             <a:r>
-              <a:rPr lang="de-de" sz="1100" dirty="0"/>
-              <a:t>開展</a:t>
+              <a:rPr lang="en-US" sz="1100"/>
+              <a:t>Kickoff</a:t>
             </a:r>
           </a:p>
         </p:txBody>
@@ -12901,8 +14100,8 @@
           <a:p>
             <a:pPr algn="ctr"/>
             <a:r>
-              <a:rPr lang="de-de" sz="1100" dirty="0"/>
-              <a:t>設計</a:t>
+              <a:rPr lang="en-US" sz="1100"/>
+              <a:t>Design</a:t>
             </a:r>
           </a:p>
         </p:txBody>
@@ -12959,14 +14158,14 @@
           <a:p>
             <a:pPr algn="ctr"/>
             <a:r>
-              <a:rPr lang="de-de" sz="1400" dirty="0">
+              <a:rPr lang="en-US" sz="1400">
                 <a:solidFill>
                   <a:schemeClr val="accent1">
                     <a:lumMod val="50000"/>
                   </a:schemeClr>
                 </a:solidFill>
               </a:rPr>
-              <a:t>每年 4 個活動</a:t>
+              <a:t>4 Activities per Year</a:t>
             </a:r>
           </a:p>
         </p:txBody>
@@ -13007,15 +14206,15 @@
               </a:spcBef>
             </a:pPr>
             <a:r>
-              <a:rPr lang="de-de" sz="1000" dirty="0">
+              <a:rPr lang="en-US" sz="1000">
                 <a:solidFill>
                   <a:srgbClr val="4B4B4B"/>
                 </a:solidFill>
                 <a:latin typeface="Adobe Clean Light" panose="020B0303020404020204" pitchFamily="34" charset="0"/>
               </a:rPr>
-              <a:t>推動採用 AEM as a Cloud Service 中的自訂最佳實務和核心元件</a:t>
-            </a:r>
-            <a:endParaRPr sz="1000" dirty="0">
+              <a:t>Drive adoption of customization best practices and core components in AEM as a Cloud Service.</a:t>
+            </a:r>
+            <a:endParaRPr sz="1000">
               <a:solidFill>
                 <a:srgbClr val="4B4B4B"/>
               </a:solidFill>
@@ -13060,15 +14259,15 @@
               </a:spcBef>
             </a:pPr>
             <a:r>
-              <a:rPr lang="de-de" sz="1000" dirty="0">
+              <a:rPr lang="en-US" sz="1000">
                 <a:solidFill>
                   <a:srgbClr val="4B4B4B"/>
                 </a:solidFill>
                 <a:latin typeface="Adobe Clean Light" panose="020B0303020404020204" pitchFamily="34" charset="0"/>
               </a:rPr>
-              <a:t>識別、審查有機會最佳化的自訂解決方案採用領域，並提供相關建議</a:t>
-            </a:r>
-            <a:endParaRPr sz="1000" dirty="0">
+              <a:t>Identify, review and provide recommendations on customized solution adoption areas that have opportunities for optimization.</a:t>
+            </a:r>
+            <a:endParaRPr sz="1000">
               <a:solidFill>
                 <a:srgbClr val="4B4B4B"/>
               </a:solidFill>
@@ -13113,15 +14312,15 @@
               </a:spcBef>
             </a:pPr>
             <a:r>
-              <a:rPr lang="de-de" sz="1000" dirty="0">
+              <a:rPr lang="en-US" sz="1000">
                 <a:solidFill>
                   <a:srgbClr val="4B4B4B"/>
                 </a:solidFill>
                 <a:latin typeface="Adobe Clean Light" panose="020B0303020404020204" pitchFamily="34" charset="0"/>
               </a:rPr>
-              <a:t>為了協助 AEM as a Cloud Service 客戶遵守 AEM as a Cloud Service 的產業標準和最佳實務所進行的技術與營運控管</a:t>
-            </a:r>
-            <a:endParaRPr sz="1000" dirty="0">
+              <a:t>Technical &amp; operational governance to assist AEM as a Cloud Service Customers in adhering to industry standards and best practices for AEM as a Cloud Service.</a:t>
+            </a:r>
+            <a:endParaRPr sz="1000">
               <a:solidFill>
                 <a:srgbClr val="4B4B4B"/>
               </a:solidFill>
@@ -13157,30 +14356,497 @@
           </a:bodyPr>
           <a:lstStyle/>
           <a:p>
-            <a:pPr algn="l"/>
-            <a:r>
-              <a:rPr lang="en-US" altLang="zh-TW" sz="1200" b="1" spc="-25" dirty="0">
+            <a:pPr marL="12700">
+              <a:lnSpc>
+                <a:spcPct val="100000"/>
+              </a:lnSpc>
+              <a:spcBef>
+                <a:spcPts val="100"/>
+              </a:spcBef>
+            </a:pPr>
+            <a:r>
+              <a:rPr lang="en-US" sz="1200" b="1" spc="-15">
                 <a:solidFill>
                   <a:srgbClr val="020302"/>
                 </a:solidFill>
                 <a:latin typeface="Adobe Clean"/>
-              </a:rPr>
-              <a:t>AEM as a Cloud Service </a:t>
-            </a:r>
-            <a:r>
-              <a:rPr lang="zh-TW" altLang="en-US" sz="1200" b="1" spc="-25" dirty="0">
+                <a:cs typeface="Adobe Clean"/>
+              </a:rPr>
+              <a:t>C</a:t>
+            </a:r>
+            <a:r>
+              <a:rPr lang="en-US" sz="1200" b="1" spc="-20">
                 <a:solidFill>
                   <a:srgbClr val="020302"/>
                 </a:solidFill>
                 <a:latin typeface="Adobe Clean"/>
-              </a:rPr>
-              <a:t>的自訂最佳實務</a:t>
-            </a:r>
-            <a:endParaRPr lang="en-US" sz="1200" b="1" spc="-25" dirty="0">
-              <a:solidFill>
-                <a:srgbClr val="020302"/>
-              </a:solidFill>
+                <a:cs typeface="Adobe Clean"/>
+              </a:rPr>
+              <a:t>u</a:t>
+            </a:r>
+            <a:r>
+              <a:rPr lang="en-US" sz="1200" b="1" spc="-25">
+                <a:solidFill>
+                  <a:srgbClr val="020302"/>
+                </a:solidFill>
+                <a:latin typeface="Adobe Clean"/>
+                <a:cs typeface="Adobe Clean"/>
+              </a:rPr>
+              <a:t>st</a:t>
+            </a:r>
+            <a:r>
+              <a:rPr lang="en-US" sz="1200" b="1" spc="-15">
+                <a:solidFill>
+                  <a:srgbClr val="020302"/>
+                </a:solidFill>
+                <a:latin typeface="Adobe Clean"/>
+                <a:cs typeface="Adobe Clean"/>
+              </a:rPr>
+              <a:t>o</a:t>
+            </a:r>
+            <a:r>
+              <a:rPr lang="en-US" sz="1200" b="1" spc="-20">
+                <a:solidFill>
+                  <a:srgbClr val="020302"/>
+                </a:solidFill>
+                <a:latin typeface="Adobe Clean"/>
+                <a:cs typeface="Adobe Clean"/>
+              </a:rPr>
+              <a:t>miza</a:t>
+            </a:r>
+            <a:r>
+              <a:rPr lang="en-US" sz="1200" b="1" spc="-25">
+                <a:solidFill>
+                  <a:srgbClr val="020302"/>
+                </a:solidFill>
+                <a:latin typeface="Adobe Clean"/>
+                <a:cs typeface="Adobe Clean"/>
+              </a:rPr>
+              <a:t>t</a:t>
+            </a:r>
+            <a:r>
+              <a:rPr lang="en-US" sz="1200" b="1" spc="-20">
+                <a:solidFill>
+                  <a:srgbClr val="020302"/>
+                </a:solidFill>
+                <a:latin typeface="Adobe Clean"/>
+                <a:cs typeface="Adobe Clean"/>
+              </a:rPr>
+              <a:t>i</a:t>
+            </a:r>
+            <a:r>
+              <a:rPr lang="en-US" sz="1200" b="1" spc="-15">
+                <a:solidFill>
+                  <a:srgbClr val="020302"/>
+                </a:solidFill>
+                <a:latin typeface="Adobe Clean"/>
+                <a:cs typeface="Adobe Clean"/>
+              </a:rPr>
+              <a:t>o</a:t>
+            </a:r>
+            <a:r>
+              <a:rPr lang="en-US" sz="1200" b="1">
+                <a:solidFill>
+                  <a:srgbClr val="020302"/>
+                </a:solidFill>
+                <a:latin typeface="Adobe Clean"/>
+                <a:cs typeface="Adobe Clean"/>
+              </a:rPr>
+              <a:t>n</a:t>
+            </a:r>
+            <a:r>
+              <a:rPr lang="en-US" sz="1200" b="1" spc="-50">
+                <a:solidFill>
+                  <a:srgbClr val="020302"/>
+                </a:solidFill>
+                <a:latin typeface="Adobe Clean"/>
+                <a:cs typeface="Adobe Clean"/>
+              </a:rPr>
+              <a:t> </a:t>
+            </a:r>
+            <a:r>
+              <a:rPr lang="en-US" sz="1200" b="1" spc="-20">
+                <a:solidFill>
+                  <a:srgbClr val="020302"/>
+                </a:solidFill>
+                <a:latin typeface="Adobe Clean"/>
+                <a:cs typeface="Adobe Clean"/>
+              </a:rPr>
+              <a:t>B</a:t>
+            </a:r>
+            <a:r>
+              <a:rPr lang="en-US" sz="1200" b="1" spc="-25">
+                <a:solidFill>
+                  <a:srgbClr val="020302"/>
+                </a:solidFill>
+                <a:latin typeface="Adobe Clean"/>
+                <a:cs typeface="Adobe Clean"/>
+              </a:rPr>
+              <a:t>es</a:t>
+            </a:r>
+            <a:r>
+              <a:rPr lang="en-US" sz="1200" b="1">
+                <a:solidFill>
+                  <a:srgbClr val="020302"/>
+                </a:solidFill>
+                <a:latin typeface="Adobe Clean"/>
+                <a:cs typeface="Adobe Clean"/>
+              </a:rPr>
+              <a:t>t</a:t>
+            </a:r>
+            <a:r>
+              <a:rPr lang="en-US" sz="1200" b="1" spc="-50">
+                <a:solidFill>
+                  <a:srgbClr val="020302"/>
+                </a:solidFill>
+                <a:latin typeface="Adobe Clean"/>
+                <a:cs typeface="Adobe Clean"/>
+              </a:rPr>
+              <a:t> </a:t>
+            </a:r>
+            <a:r>
+              <a:rPr lang="en-US" sz="1200" b="1" spc="-25">
+                <a:solidFill>
+                  <a:srgbClr val="020302"/>
+                </a:solidFill>
+                <a:latin typeface="Adobe Clean"/>
+                <a:cs typeface="Adobe Clean"/>
+              </a:rPr>
+              <a:t>P</a:t>
+            </a:r>
+            <a:r>
+              <a:rPr lang="en-US" sz="1200" b="1" spc="-20">
+                <a:solidFill>
+                  <a:srgbClr val="020302"/>
+                </a:solidFill>
+                <a:latin typeface="Adobe Clean"/>
+                <a:cs typeface="Adobe Clean"/>
+              </a:rPr>
+              <a:t>ra</a:t>
+            </a:r>
+            <a:r>
+              <a:rPr lang="en-US" sz="1200" b="1" spc="-30">
+                <a:solidFill>
+                  <a:srgbClr val="020302"/>
+                </a:solidFill>
+                <a:latin typeface="Adobe Clean"/>
+                <a:cs typeface="Adobe Clean"/>
+              </a:rPr>
+              <a:t>c</a:t>
+            </a:r>
+            <a:r>
+              <a:rPr lang="en-US" sz="1200" b="1" spc="-25">
+                <a:solidFill>
+                  <a:srgbClr val="020302"/>
+                </a:solidFill>
+                <a:latin typeface="Adobe Clean"/>
+                <a:cs typeface="Adobe Clean"/>
+              </a:rPr>
+              <a:t>t</a:t>
+            </a:r>
+            <a:r>
+              <a:rPr lang="en-US" sz="1200" b="1" spc="-20">
+                <a:solidFill>
+                  <a:srgbClr val="020302"/>
+                </a:solidFill>
+                <a:latin typeface="Adobe Clean"/>
+                <a:cs typeface="Adobe Clean"/>
+              </a:rPr>
+              <a:t>i</a:t>
+            </a:r>
+            <a:r>
+              <a:rPr lang="en-US" sz="1200" b="1" spc="-30">
+                <a:solidFill>
+                  <a:srgbClr val="020302"/>
+                </a:solidFill>
+                <a:latin typeface="Adobe Clean"/>
+                <a:cs typeface="Adobe Clean"/>
+              </a:rPr>
+              <a:t>c</a:t>
+            </a:r>
+            <a:r>
+              <a:rPr lang="en-US" sz="1200" b="1" spc="-25">
+                <a:solidFill>
+                  <a:srgbClr val="020302"/>
+                </a:solidFill>
+                <a:latin typeface="Adobe Clean"/>
+                <a:cs typeface="Adobe Clean"/>
+              </a:rPr>
+              <a:t>e</a:t>
+            </a:r>
+            <a:r>
+              <a:rPr lang="en-US" sz="1200" b="1">
+                <a:solidFill>
+                  <a:srgbClr val="020302"/>
+                </a:solidFill>
+                <a:latin typeface="Adobe Clean"/>
+                <a:cs typeface="Adobe Clean"/>
+              </a:rPr>
+              <a:t>s</a:t>
+            </a:r>
+            <a:r>
+              <a:rPr lang="en-US" sz="1200" b="1" spc="-45">
+                <a:solidFill>
+                  <a:srgbClr val="020302"/>
+                </a:solidFill>
+                <a:latin typeface="Adobe Clean"/>
+                <a:cs typeface="Adobe Clean"/>
+              </a:rPr>
+              <a:t> </a:t>
+            </a:r>
+            <a:r>
+              <a:rPr lang="en-US" sz="1200" b="1" spc="-25">
+                <a:solidFill>
+                  <a:srgbClr val="020302"/>
+                </a:solidFill>
+                <a:latin typeface="Adobe Clean"/>
+                <a:cs typeface="Adobe Clean"/>
+              </a:rPr>
+              <a:t>f</a:t>
+            </a:r>
+            <a:r>
+              <a:rPr lang="en-US" sz="1200" b="1" spc="-15">
+                <a:solidFill>
+                  <a:srgbClr val="020302"/>
+                </a:solidFill>
+                <a:latin typeface="Adobe Clean"/>
+                <a:cs typeface="Adobe Clean"/>
+              </a:rPr>
+              <a:t>o</a:t>
+            </a:r>
+            <a:r>
+              <a:rPr lang="en-US" sz="1200" b="1">
+                <a:solidFill>
+                  <a:srgbClr val="020302"/>
+                </a:solidFill>
+                <a:latin typeface="Adobe Clean"/>
+                <a:cs typeface="Adobe Clean"/>
+              </a:rPr>
+              <a:t>r</a:t>
+            </a:r>
+            <a:r>
+              <a:rPr lang="en-US" sz="1200" b="1" spc="-45">
+                <a:solidFill>
+                  <a:srgbClr val="020302"/>
+                </a:solidFill>
+                <a:latin typeface="Adobe Clean"/>
+                <a:cs typeface="Adobe Clean"/>
+              </a:rPr>
+              <a:t> </a:t>
+            </a:r>
+            <a:r>
+              <a:rPr lang="en-US" sz="1200" b="1" spc="-30">
+                <a:solidFill>
+                  <a:srgbClr val="020302"/>
+                </a:solidFill>
+                <a:latin typeface="Adobe Clean"/>
+                <a:cs typeface="Adobe Clean"/>
+              </a:rPr>
+              <a:t>AE</a:t>
+            </a:r>
+            <a:r>
+              <a:rPr lang="en-US" sz="1200" b="1">
+                <a:solidFill>
+                  <a:srgbClr val="020302"/>
+                </a:solidFill>
+                <a:latin typeface="Adobe Clean"/>
+                <a:cs typeface="Adobe Clean"/>
+              </a:rPr>
+              <a:t>M</a:t>
+            </a:r>
+            <a:r>
+              <a:rPr lang="en-US" sz="1200" b="1" spc="-55">
+                <a:solidFill>
+                  <a:srgbClr val="020302"/>
+                </a:solidFill>
+                <a:latin typeface="Adobe Clean"/>
+                <a:cs typeface="Adobe Clean"/>
+              </a:rPr>
+              <a:t> </a:t>
+            </a:r>
+            <a:r>
+              <a:rPr lang="en-US" sz="1200" b="1" spc="-20">
+                <a:solidFill>
+                  <a:srgbClr val="020302"/>
+                </a:solidFill>
+                <a:latin typeface="Adobe Clean"/>
+                <a:cs typeface="Adobe Clean"/>
+              </a:rPr>
+              <a:t>a</a:t>
+            </a:r>
+            <a:r>
+              <a:rPr lang="en-US" sz="1200" b="1">
+                <a:solidFill>
+                  <a:srgbClr val="020302"/>
+                </a:solidFill>
+                <a:latin typeface="Adobe Clean"/>
+                <a:cs typeface="Adobe Clean"/>
+              </a:rPr>
+              <a:t>s</a:t>
+            </a:r>
+            <a:r>
+              <a:rPr lang="en-US" sz="1200" b="1" spc="-45">
+                <a:solidFill>
+                  <a:srgbClr val="020302"/>
+                </a:solidFill>
+                <a:latin typeface="Adobe Clean"/>
+                <a:cs typeface="Adobe Clean"/>
+              </a:rPr>
+              <a:t> </a:t>
+            </a:r>
+            <a:r>
+              <a:rPr lang="en-US" sz="1200" b="1">
+                <a:solidFill>
+                  <a:srgbClr val="020302"/>
+                </a:solidFill>
+                <a:latin typeface="Adobe Clean"/>
+                <a:cs typeface="Adobe Clean"/>
+              </a:rPr>
+              <a:t>a</a:t>
+            </a:r>
+            <a:r>
+              <a:rPr lang="en-US" sz="1200" b="1" spc="-45">
+                <a:solidFill>
+                  <a:srgbClr val="020302"/>
+                </a:solidFill>
+                <a:latin typeface="Adobe Clean"/>
+                <a:cs typeface="Adobe Clean"/>
+              </a:rPr>
+              <a:t> </a:t>
+            </a:r>
+            <a:r>
+              <a:rPr lang="en-US" sz="1200" b="1" spc="-15">
+                <a:solidFill>
+                  <a:srgbClr val="020302"/>
+                </a:solidFill>
+                <a:latin typeface="Adobe Clean"/>
+                <a:cs typeface="Adobe Clean"/>
+              </a:rPr>
+              <a:t>C</a:t>
+            </a:r>
+            <a:r>
+              <a:rPr lang="en-US" sz="1200" b="1" spc="-25">
+                <a:solidFill>
+                  <a:srgbClr val="020302"/>
+                </a:solidFill>
+                <a:latin typeface="Adobe Clean"/>
+                <a:cs typeface="Adobe Clean"/>
+              </a:rPr>
+              <a:t>l</a:t>
+            </a:r>
+            <a:r>
+              <a:rPr lang="en-US" sz="1200" b="1" spc="-15">
+                <a:solidFill>
+                  <a:srgbClr val="020302"/>
+                </a:solidFill>
+                <a:latin typeface="Adobe Clean"/>
+                <a:cs typeface="Adobe Clean"/>
+              </a:rPr>
+              <a:t>o</a:t>
+            </a:r>
+            <a:r>
+              <a:rPr lang="en-US" sz="1200" b="1" spc="-20">
+                <a:solidFill>
+                  <a:srgbClr val="020302"/>
+                </a:solidFill>
+                <a:latin typeface="Adobe Clean"/>
+                <a:cs typeface="Adobe Clean"/>
+              </a:rPr>
+              <a:t>u</a:t>
+            </a:r>
+            <a:r>
+              <a:rPr lang="en-US" sz="1200" b="1">
+                <a:solidFill>
+                  <a:srgbClr val="020302"/>
+                </a:solidFill>
+                <a:latin typeface="Adobe Clean"/>
+                <a:cs typeface="Adobe Clean"/>
+              </a:rPr>
+              <a:t>d</a:t>
+            </a:r>
+            <a:r>
+              <a:rPr lang="en-US" sz="1200" b="1" spc="-50">
+                <a:solidFill>
+                  <a:srgbClr val="020302"/>
+                </a:solidFill>
+                <a:latin typeface="Adobe Clean"/>
+                <a:cs typeface="Adobe Clean"/>
+              </a:rPr>
+              <a:t> </a:t>
+            </a:r>
+            <a:r>
+              <a:rPr lang="en-US" sz="1200" b="1" spc="-20">
+                <a:solidFill>
+                  <a:srgbClr val="020302"/>
+                </a:solidFill>
+                <a:latin typeface="Adobe Clean"/>
+                <a:cs typeface="Adobe Clean"/>
+              </a:rPr>
+              <a:t>S</a:t>
+            </a:r>
+            <a:r>
+              <a:rPr lang="en-US" sz="1200" b="1" spc="-25">
+                <a:solidFill>
+                  <a:srgbClr val="020302"/>
+                </a:solidFill>
+                <a:latin typeface="Adobe Clean"/>
+                <a:cs typeface="Adobe Clean"/>
+              </a:rPr>
+              <a:t>e</a:t>
+            </a:r>
+            <a:r>
+              <a:rPr lang="en-US" sz="1200" b="1" spc="-20">
+                <a:solidFill>
+                  <a:srgbClr val="020302"/>
+                </a:solidFill>
+                <a:latin typeface="Adobe Clean"/>
+                <a:cs typeface="Adobe Clean"/>
+              </a:rPr>
+              <a:t>r</a:t>
+            </a:r>
+            <a:r>
+              <a:rPr lang="en-US" sz="1200" b="1" spc="-30">
+                <a:solidFill>
+                  <a:srgbClr val="020302"/>
+                </a:solidFill>
+                <a:latin typeface="Adobe Clean"/>
+                <a:cs typeface="Adobe Clean"/>
+              </a:rPr>
+              <a:t>v</a:t>
+            </a:r>
+            <a:r>
+              <a:rPr lang="en-US" sz="1200" b="1" spc="-20">
+                <a:solidFill>
+                  <a:srgbClr val="020302"/>
+                </a:solidFill>
+                <a:latin typeface="Adobe Clean"/>
+                <a:cs typeface="Adobe Clean"/>
+              </a:rPr>
+              <a:t>i</a:t>
+            </a:r>
+            <a:r>
+              <a:rPr lang="en-US" sz="1200" b="1" spc="-30">
+                <a:solidFill>
+                  <a:srgbClr val="020302"/>
+                </a:solidFill>
+                <a:latin typeface="Adobe Clean"/>
+                <a:cs typeface="Adobe Clean"/>
+              </a:rPr>
+              <a:t>c</a:t>
+            </a:r>
+            <a:r>
+              <a:rPr lang="en-US" sz="1200" b="1">
+                <a:solidFill>
+                  <a:srgbClr val="020302"/>
+                </a:solidFill>
+                <a:latin typeface="Adobe Clean"/>
+                <a:cs typeface="Adobe Clean"/>
+              </a:rPr>
+              <a:t>e</a:t>
+            </a:r>
+            <a:endParaRPr lang="en-US" sz="1200">
               <a:latin typeface="Adobe Clean"/>
+              <a:cs typeface="Adobe Clean"/>
             </a:endParaRPr>
           </a:p>
         </p:txBody>
@@ -13221,16 +14887,16 @@
               </a:spcBef>
             </a:pPr>
             <a:r>
-              <a:rPr lang="de-de" sz="1200" b="1" spc="-25" dirty="0">
+              <a:rPr lang="en-US" sz="1200" b="1" spc="-25">
                 <a:solidFill>
                   <a:srgbClr val="020302"/>
                 </a:solidFill>
                 <a:latin typeface="Adobe Clean"/>
                 <a:cs typeface="Adobe Clean"/>
               </a:rPr>
-              <a:t>AEM as a Cloud Service 的增值服務</a:t>
-            </a:r>
-            <a:endParaRPr lang="en-US" sz="1200" dirty="0">
+              <a:t>Value-added Services for AEM as a Cloud Service</a:t>
+            </a:r>
+            <a:endParaRPr lang="en-US" sz="1200">
               <a:latin typeface="Adobe Clean"/>
               <a:cs typeface="Adobe Clean"/>
             </a:endParaRPr>
@@ -13251,8 +14917,8 @@
         </p:nvSpPr>
         <p:spPr>
           <a:xfrm>
-            <a:off x="381000" y="908304"/>
-            <a:ext cx="2169428" cy="276999"/>
+            <a:off x="381000" y="908303"/>
+            <a:ext cx="1998943" cy="461665"/>
           </a:xfrm>
           <a:prstGeom prst="rect">
             <a:avLst/>
@@ -13273,769 +14939,362 @@
               </a:spcBef>
             </a:pPr>
             <a:r>
-              <a:rPr lang="de-de" sz="1200" b="1" spc="-25" dirty="0">
+              <a:rPr lang="en-US" sz="1200" b="1" spc="-20">
                 <a:solidFill>
                   <a:srgbClr val="020302"/>
                 </a:solidFill>
                 <a:latin typeface="Adobe Clean"/>
+                <a:cs typeface="Adobe Clean"/>
+              </a:rPr>
+              <a:t>G</a:t>
+            </a:r>
+            <a:r>
+              <a:rPr lang="en-US" sz="1200" b="1" spc="-15">
+                <a:solidFill>
+                  <a:srgbClr val="020302"/>
+                </a:solidFill>
+                <a:latin typeface="Adobe Clean"/>
+                <a:cs typeface="Adobe Clean"/>
+              </a:rPr>
+              <a:t>o</a:t>
+            </a:r>
+            <a:r>
+              <a:rPr lang="en-US" sz="1200" b="1" spc="-25">
+                <a:solidFill>
+                  <a:srgbClr val="020302"/>
+                </a:solidFill>
+                <a:latin typeface="Adobe Clean"/>
+                <a:cs typeface="Adobe Clean"/>
+              </a:rPr>
+              <a:t>ve</a:t>
+            </a:r>
+            <a:r>
+              <a:rPr lang="en-US" sz="1200" b="1" spc="-20">
+                <a:solidFill>
+                  <a:srgbClr val="020302"/>
+                </a:solidFill>
+                <a:latin typeface="Adobe Clean"/>
+                <a:cs typeface="Adobe Clean"/>
+              </a:rPr>
+              <a:t>r</a:t>
+            </a:r>
+            <a:r>
+              <a:rPr lang="en-US" sz="1200" b="1" spc="-25">
+                <a:solidFill>
+                  <a:srgbClr val="020302"/>
+                </a:solidFill>
+                <a:latin typeface="Adobe Clean"/>
+                <a:cs typeface="Adobe Clean"/>
+              </a:rPr>
+              <a:t>n</a:t>
+            </a:r>
+            <a:r>
+              <a:rPr lang="en-US" sz="1200" b="1" spc="-20">
+                <a:solidFill>
+                  <a:srgbClr val="020302"/>
+                </a:solidFill>
+                <a:latin typeface="Adobe Clean"/>
+                <a:cs typeface="Adobe Clean"/>
+              </a:rPr>
+              <a:t>a</a:t>
+            </a:r>
+            <a:r>
+              <a:rPr lang="en-US" sz="1200" b="1" spc="-25">
+                <a:solidFill>
+                  <a:srgbClr val="020302"/>
+                </a:solidFill>
+                <a:latin typeface="Adobe Clean"/>
+                <a:cs typeface="Adobe Clean"/>
+              </a:rPr>
+              <a:t>n</a:t>
+            </a:r>
+            <a:r>
+              <a:rPr lang="en-US" sz="1200" b="1" spc="-30">
+                <a:solidFill>
+                  <a:srgbClr val="020302"/>
+                </a:solidFill>
+                <a:latin typeface="Adobe Clean"/>
+                <a:cs typeface="Adobe Clean"/>
+              </a:rPr>
+              <a:t>c</a:t>
+            </a:r>
+            <a:r>
+              <a:rPr lang="en-US" sz="1200" b="1">
+                <a:solidFill>
+                  <a:srgbClr val="020302"/>
+                </a:solidFill>
+                <a:latin typeface="Adobe Clean"/>
+                <a:cs typeface="Adobe Clean"/>
+              </a:rPr>
+              <a:t>e</a:t>
+            </a:r>
+            <a:r>
+              <a:rPr lang="en-US" sz="1200" b="1" spc="-50">
+                <a:solidFill>
+                  <a:srgbClr val="020302"/>
+                </a:solidFill>
+                <a:latin typeface="Adobe Clean"/>
+                <a:cs typeface="Adobe Clean"/>
               </a:rPr>
               <a:t> </a:t>
             </a:r>
             <a:r>
-              <a:rPr lang="pt-BR" altLang="zh-TW" sz="1200" b="1" spc="-25" dirty="0">
+              <a:rPr lang="en-US" sz="1200" b="1" spc="-25">
                 <a:solidFill>
                   <a:srgbClr val="020302"/>
                 </a:solidFill>
                 <a:latin typeface="Adobe Clean"/>
-              </a:rPr>
-              <a:t>AEM as a Cloud Service </a:t>
-            </a:r>
-            <a:r>
-              <a:rPr lang="zh-TW" altLang="pt-BR" sz="1200" b="1" spc="-25" dirty="0">
+                <a:cs typeface="Adobe Clean"/>
+              </a:rPr>
+              <a:t>f</a:t>
+            </a:r>
+            <a:r>
+              <a:rPr lang="en-US" sz="1200" b="1" spc="-15">
                 <a:solidFill>
                   <a:srgbClr val="020302"/>
                 </a:solidFill>
                 <a:latin typeface="Adobe Clean"/>
-              </a:rPr>
-              <a:t>的控管</a:t>
-            </a:r>
-            <a:endParaRPr lang="en-US" sz="1200" b="1" spc="-25" dirty="0">
-              <a:solidFill>
-                <a:srgbClr val="020302"/>
-              </a:solidFill>
+                <a:cs typeface="Adobe Clean"/>
+              </a:rPr>
+              <a:t>o</a:t>
+            </a:r>
+            <a:r>
+              <a:rPr lang="en-US" sz="1200" b="1">
+                <a:solidFill>
+                  <a:srgbClr val="020302"/>
+                </a:solidFill>
+                <a:latin typeface="Adobe Clean"/>
+                <a:cs typeface="Adobe Clean"/>
+              </a:rPr>
+              <a:t>r</a:t>
+            </a:r>
+            <a:r>
+              <a:rPr lang="en-US" sz="1200" b="1" spc="-45">
+                <a:solidFill>
+                  <a:srgbClr val="020302"/>
+                </a:solidFill>
+                <a:latin typeface="Adobe Clean"/>
+                <a:cs typeface="Adobe Clean"/>
+              </a:rPr>
+              <a:t> </a:t>
+            </a:r>
+            <a:r>
+              <a:rPr lang="en-US" sz="1200" b="1" spc="-30">
+                <a:solidFill>
+                  <a:srgbClr val="020302"/>
+                </a:solidFill>
+                <a:latin typeface="Adobe Clean"/>
+                <a:cs typeface="Adobe Clean"/>
+              </a:rPr>
+              <a:t>A</a:t>
+            </a:r>
+            <a:r>
+              <a:rPr lang="en-US" sz="1200" b="1" spc="-25">
+                <a:solidFill>
+                  <a:srgbClr val="020302"/>
+                </a:solidFill>
+                <a:latin typeface="Adobe Clean"/>
+                <a:cs typeface="Adobe Clean"/>
+              </a:rPr>
+              <a:t>E</a:t>
+            </a:r>
+            <a:r>
+              <a:rPr lang="en-US" sz="1200" b="1">
+                <a:solidFill>
+                  <a:srgbClr val="020302"/>
+                </a:solidFill>
+                <a:latin typeface="Adobe Clean"/>
+                <a:cs typeface="Adobe Clean"/>
+              </a:rPr>
+              <a:t>M</a:t>
+            </a:r>
+            <a:r>
+              <a:rPr lang="en-US" sz="1200" b="1" spc="-50">
+                <a:solidFill>
+                  <a:srgbClr val="020302"/>
+                </a:solidFill>
+                <a:latin typeface="Adobe Clean"/>
+                <a:cs typeface="Adobe Clean"/>
+              </a:rPr>
+              <a:t> </a:t>
+            </a:r>
+            <a:r>
+              <a:rPr lang="en-US" sz="1200" b="1" spc="-20">
+                <a:solidFill>
+                  <a:srgbClr val="020302"/>
+                </a:solidFill>
+                <a:latin typeface="Adobe Clean"/>
+                <a:cs typeface="Adobe Clean"/>
+              </a:rPr>
+              <a:t>a</a:t>
+            </a:r>
+            <a:r>
+              <a:rPr lang="en-US" sz="1200" b="1">
+                <a:solidFill>
+                  <a:srgbClr val="020302"/>
+                </a:solidFill>
+                <a:latin typeface="Adobe Clean"/>
+                <a:cs typeface="Adobe Clean"/>
+              </a:rPr>
+              <a:t>s</a:t>
+            </a:r>
+            <a:r>
+              <a:rPr lang="en-US" sz="1200" b="1" spc="-45">
+                <a:solidFill>
+                  <a:srgbClr val="020302"/>
+                </a:solidFill>
+                <a:latin typeface="Adobe Clean"/>
+                <a:cs typeface="Adobe Clean"/>
+              </a:rPr>
+              <a:t> </a:t>
+            </a:r>
+            <a:r>
+              <a:rPr lang="en-US" sz="1200" b="1">
+                <a:solidFill>
+                  <a:srgbClr val="020302"/>
+                </a:solidFill>
+                <a:latin typeface="Adobe Clean"/>
+                <a:cs typeface="Adobe Clean"/>
+              </a:rPr>
+              <a:t>a</a:t>
+            </a:r>
+            <a:r>
+              <a:rPr lang="en-US" sz="1200" b="1" spc="-40">
+                <a:solidFill>
+                  <a:srgbClr val="020302"/>
+                </a:solidFill>
+                <a:latin typeface="Adobe Clean"/>
+                <a:cs typeface="Adobe Clean"/>
+              </a:rPr>
+              <a:t> </a:t>
+            </a:r>
+            <a:r>
+              <a:rPr lang="en-US" sz="1200" b="1" spc="-15">
+                <a:solidFill>
+                  <a:srgbClr val="020302"/>
+                </a:solidFill>
+                <a:latin typeface="Adobe Clean"/>
+                <a:cs typeface="Adobe Clean"/>
+              </a:rPr>
+              <a:t>C</a:t>
+            </a:r>
+            <a:r>
+              <a:rPr lang="en-US" sz="1200" b="1" spc="-25">
+                <a:solidFill>
+                  <a:srgbClr val="020302"/>
+                </a:solidFill>
+                <a:latin typeface="Adobe Clean"/>
+                <a:cs typeface="Adobe Clean"/>
+              </a:rPr>
+              <a:t>l</a:t>
+            </a:r>
+            <a:r>
+              <a:rPr lang="en-US" sz="1200" b="1" spc="-15">
+                <a:solidFill>
+                  <a:srgbClr val="020302"/>
+                </a:solidFill>
+                <a:latin typeface="Adobe Clean"/>
+                <a:cs typeface="Adobe Clean"/>
+              </a:rPr>
+              <a:t>ou</a:t>
+            </a:r>
+            <a:r>
+              <a:rPr lang="en-US" sz="1200" b="1">
+                <a:solidFill>
+                  <a:srgbClr val="020302"/>
+                </a:solidFill>
+                <a:latin typeface="Adobe Clean"/>
+                <a:cs typeface="Adobe Clean"/>
+              </a:rPr>
+              <a:t>d</a:t>
+            </a:r>
+            <a:r>
+              <a:rPr lang="en-US" sz="1200" b="1" spc="-50">
+                <a:solidFill>
+                  <a:srgbClr val="020302"/>
+                </a:solidFill>
+                <a:latin typeface="Adobe Clean"/>
+                <a:cs typeface="Adobe Clean"/>
+              </a:rPr>
+              <a:t> </a:t>
+            </a:r>
+            <a:r>
+              <a:rPr lang="en-US" sz="1200" b="1" spc="-20">
+                <a:solidFill>
+                  <a:srgbClr val="020302"/>
+                </a:solidFill>
+                <a:latin typeface="Adobe Clean"/>
+                <a:cs typeface="Adobe Clean"/>
+              </a:rPr>
+              <a:t>S</a:t>
+            </a:r>
+            <a:r>
+              <a:rPr lang="en-US" sz="1200" b="1" spc="-25">
+                <a:solidFill>
+                  <a:srgbClr val="020302"/>
+                </a:solidFill>
+                <a:latin typeface="Adobe Clean"/>
+                <a:cs typeface="Adobe Clean"/>
+              </a:rPr>
+              <a:t>e</a:t>
+            </a:r>
+            <a:r>
+              <a:rPr lang="en-US" sz="1200" b="1" spc="-20">
+                <a:solidFill>
+                  <a:srgbClr val="020302"/>
+                </a:solidFill>
+                <a:latin typeface="Adobe Clean"/>
+                <a:cs typeface="Adobe Clean"/>
+              </a:rPr>
+              <a:t>r</a:t>
+            </a:r>
+            <a:r>
+              <a:rPr lang="en-US" sz="1200" b="1" spc="-25">
+                <a:solidFill>
+                  <a:srgbClr val="020302"/>
+                </a:solidFill>
+                <a:latin typeface="Adobe Clean"/>
+                <a:cs typeface="Adobe Clean"/>
+              </a:rPr>
+              <a:t>v</a:t>
+            </a:r>
+            <a:r>
+              <a:rPr lang="en-US" sz="1200" b="1" spc="-20">
+                <a:solidFill>
+                  <a:srgbClr val="020302"/>
+                </a:solidFill>
+                <a:latin typeface="Adobe Clean"/>
+                <a:cs typeface="Adobe Clean"/>
+              </a:rPr>
+              <a:t>i</a:t>
+            </a:r>
+            <a:r>
+              <a:rPr lang="en-US" sz="1200" b="1" spc="-30">
+                <a:solidFill>
+                  <a:srgbClr val="020302"/>
+                </a:solidFill>
+                <a:latin typeface="Adobe Clean"/>
+                <a:cs typeface="Adobe Clean"/>
+              </a:rPr>
+              <a:t>c</a:t>
+            </a:r>
+            <a:r>
+              <a:rPr lang="en-US" sz="1200" b="1">
+                <a:solidFill>
+                  <a:srgbClr val="020302"/>
+                </a:solidFill>
+                <a:latin typeface="Adobe Clean"/>
+                <a:cs typeface="Adobe Clean"/>
+              </a:rPr>
+              <a:t>e</a:t>
+            </a:r>
+            <a:endParaRPr lang="en-US" sz="1200">
               <a:latin typeface="Adobe Clean"/>
+              <a:cs typeface="Adobe Clean"/>
             </a:endParaRPr>
           </a:p>
         </p:txBody>
       </p:sp>
-      <p:graphicFrame>
-        <p:nvGraphicFramePr>
-          <p:cNvPr id="57" name="Table 56">
-            <a:extLst>
-              <a:ext uri="{FF2B5EF4-FFF2-40B4-BE49-F238E27FC236}">
-                <a16:creationId xmlns:a16="http://schemas.microsoft.com/office/drawing/2014/main" id="{19B7BC6C-7A38-0348-ABEF-D81A995F6A90}"/>
-              </a:ext>
-            </a:extLst>
-          </p:cNvPr>
-          <p:cNvGraphicFramePr>
-            <a:graphicFrameLocks noGrp="1"/>
-          </p:cNvGraphicFramePr>
-          <p:nvPr>
-            <p:extLst>
-              <p:ext uri="{D42A27DB-BD31-4B8C-83A1-F6EECF244321}">
-                <p14:modId xmlns:p14="http://schemas.microsoft.com/office/powerpoint/2010/main" val="2908808709"/>
-              </p:ext>
-            </p:extLst>
-          </p:nvPr>
-        </p:nvGraphicFramePr>
-        <p:xfrm>
-          <a:off x="1524000" y="8077200"/>
-          <a:ext cx="609600" cy="457200"/>
-        </p:xfrm>
-        <a:graphic>
-          <a:graphicData uri="http://schemas.openxmlformats.org/drawingml/2006/table">
-            <a:tbl>
-              <a:tblPr>
-                <a:tableStyleId>{5C22544A-7EE6-4342-B048-85BDC9FD1C3A}</a:tableStyleId>
-              </a:tblPr>
-              <a:tblGrid>
-                <a:gridCol w="609600">
-                  <a:extLst>
-                    <a:ext uri="{9D8B030D-6E8A-4147-A177-3AD203B41FA5}">
-                      <a16:colId xmlns:a16="http://schemas.microsoft.com/office/drawing/2014/main" val="1835503658"/>
-                    </a:ext>
-                  </a:extLst>
-                </a:gridCol>
-              </a:tblGrid>
-              <a:tr h="457200">
-                <a:tc>
-                  <a:txBody>
-                    <a:bodyPr/>
-                    <a:lstStyle/>
-                    <a:p>
-                      <a:pPr algn="ctr" fontAlgn="b"/>
-                      <a:r>
-                        <a:rPr lang="ko-KR" altLang="en-US" sz="1100" u="none" strike="noStrike" dirty="0" err="1">
-                          <a:effectLst/>
-                        </a:rPr>
-                        <a:t>上市諮詢</a:t>
-                      </a:r>
-                      <a:endParaRPr lang="ko-KR" altLang="en-US" sz="1100" b="0" i="0" u="none" strike="noStrike" dirty="0">
-                        <a:solidFill>
-                          <a:srgbClr val="000000"/>
-                        </a:solidFill>
-                        <a:effectLst/>
-                        <a:latin typeface="Calibri" panose="020F0502020204030204" pitchFamily="34" charset="0"/>
-                      </a:endParaRPr>
-                    </a:p>
-                  </a:txBody>
-                  <a:tcPr marL="9525" marR="9525" marT="9525" marB="0" anchor="ctr">
-                    <a:solidFill>
-                      <a:schemeClr val="bg1"/>
-                    </a:solidFill>
-                  </a:tcPr>
-                </a:tc>
-                <a:extLst>
-                  <a:ext uri="{0D108BD9-81ED-4DB2-BD59-A6C34878D82A}">
-                    <a16:rowId xmlns:a16="http://schemas.microsoft.com/office/drawing/2014/main" val="2771767287"/>
-                  </a:ext>
-                </a:extLst>
-              </a:tr>
-            </a:tbl>
-          </a:graphicData>
-        </a:graphic>
-      </p:graphicFrame>
-      <p:graphicFrame>
-        <p:nvGraphicFramePr>
-          <p:cNvPr id="58" name="Table 57">
-            <a:extLst>
-              <a:ext uri="{FF2B5EF4-FFF2-40B4-BE49-F238E27FC236}">
-                <a16:creationId xmlns:a16="http://schemas.microsoft.com/office/drawing/2014/main" id="{1EBB4414-EEA2-EB49-9094-4DDFDB1CD555}"/>
-              </a:ext>
-            </a:extLst>
-          </p:cNvPr>
-          <p:cNvGraphicFramePr>
-            <a:graphicFrameLocks noGrp="1"/>
-          </p:cNvGraphicFramePr>
-          <p:nvPr>
-            <p:extLst>
-              <p:ext uri="{D42A27DB-BD31-4B8C-83A1-F6EECF244321}">
-                <p14:modId xmlns:p14="http://schemas.microsoft.com/office/powerpoint/2010/main" val="2132720020"/>
-              </p:ext>
-            </p:extLst>
-          </p:nvPr>
-        </p:nvGraphicFramePr>
-        <p:xfrm>
-          <a:off x="1524000" y="6934200"/>
-          <a:ext cx="609600" cy="457200"/>
-        </p:xfrm>
-        <a:graphic>
-          <a:graphicData uri="http://schemas.openxmlformats.org/drawingml/2006/table">
-            <a:tbl>
-              <a:tblPr>
-                <a:tableStyleId>{5C22544A-7EE6-4342-B048-85BDC9FD1C3A}</a:tableStyleId>
-              </a:tblPr>
-              <a:tblGrid>
-                <a:gridCol w="609600">
-                  <a:extLst>
-                    <a:ext uri="{9D8B030D-6E8A-4147-A177-3AD203B41FA5}">
-                      <a16:colId xmlns:a16="http://schemas.microsoft.com/office/drawing/2014/main" val="1835503658"/>
-                    </a:ext>
-                  </a:extLst>
-                </a:gridCol>
-              </a:tblGrid>
-              <a:tr h="457200">
-                <a:tc>
-                  <a:txBody>
-                    <a:bodyPr/>
-                    <a:lstStyle/>
-                    <a:p>
-                      <a:pPr algn="ctr" fontAlgn="b"/>
-                      <a:r>
-                        <a:rPr lang="ko-KR" altLang="en-US" sz="800" u="none" strike="noStrike" dirty="0" err="1">
-                          <a:effectLst/>
-                          <a:latin typeface="Adobe Clean" panose="020B0503020404020204" pitchFamily="34" charset="0"/>
-                        </a:rPr>
-                        <a:t>資深</a:t>
-                      </a:r>
-                      <a:r>
-                        <a:rPr lang="ko-KR" altLang="en-US" sz="800" u="none" strike="noStrike" dirty="0">
-                          <a:effectLst/>
-                          <a:latin typeface="Adobe Clean" panose="020B0503020404020204" pitchFamily="34" charset="0"/>
-                        </a:rPr>
-                        <a:t> </a:t>
-                      </a:r>
-                      <a:r>
-                        <a:rPr lang="en-US" altLang="ko-KR" sz="800" u="none" strike="noStrike" dirty="0">
-                          <a:effectLst/>
-                          <a:latin typeface="Adobe Clean" panose="020B0503020404020204" pitchFamily="34" charset="0"/>
-                        </a:rPr>
-                        <a:t>Adobe </a:t>
-                      </a:r>
-                      <a:r>
-                        <a:rPr lang="ko-KR" altLang="en-US" sz="800" u="none" strike="noStrike" dirty="0" err="1">
-                          <a:effectLst/>
-                          <a:latin typeface="Adobe Clean" panose="020B0503020404020204" pitchFamily="34" charset="0"/>
-                        </a:rPr>
-                        <a:t>專業知識</a:t>
-                      </a:r>
-                      <a:endParaRPr lang="ko-KR" altLang="en-US" sz="800" b="0" i="0" u="none" strike="noStrike" dirty="0">
-                        <a:solidFill>
-                          <a:srgbClr val="000000"/>
-                        </a:solidFill>
-                        <a:effectLst/>
-                        <a:latin typeface="Adobe Clean" panose="020B0503020404020204" pitchFamily="34" charset="0"/>
-                      </a:endParaRPr>
-                    </a:p>
-                  </a:txBody>
-                  <a:tcPr marL="9525" marR="9525" marT="9525" marB="0">
-                    <a:solidFill>
-                      <a:schemeClr val="bg1"/>
-                    </a:solidFill>
-                  </a:tcPr>
-                </a:tc>
-                <a:extLst>
-                  <a:ext uri="{0D108BD9-81ED-4DB2-BD59-A6C34878D82A}">
-                    <a16:rowId xmlns:a16="http://schemas.microsoft.com/office/drawing/2014/main" val="2771767287"/>
-                  </a:ext>
-                </a:extLst>
-              </a:tr>
-            </a:tbl>
-          </a:graphicData>
-        </a:graphic>
-      </p:graphicFrame>
-      <p:graphicFrame>
-        <p:nvGraphicFramePr>
-          <p:cNvPr id="59" name="Table 58">
-            <a:extLst>
-              <a:ext uri="{FF2B5EF4-FFF2-40B4-BE49-F238E27FC236}">
-                <a16:creationId xmlns:a16="http://schemas.microsoft.com/office/drawing/2014/main" id="{CEA570F0-CFCD-A14C-9046-020C3C5F0FEC}"/>
-              </a:ext>
-            </a:extLst>
-          </p:cNvPr>
-          <p:cNvGraphicFramePr>
-            <a:graphicFrameLocks noGrp="1"/>
-          </p:cNvGraphicFramePr>
-          <p:nvPr>
-            <p:extLst>
-              <p:ext uri="{D42A27DB-BD31-4B8C-83A1-F6EECF244321}">
-                <p14:modId xmlns:p14="http://schemas.microsoft.com/office/powerpoint/2010/main" val="490532508"/>
-              </p:ext>
-            </p:extLst>
-          </p:nvPr>
-        </p:nvGraphicFramePr>
-        <p:xfrm>
-          <a:off x="2514600" y="7239000"/>
-          <a:ext cx="609600" cy="457200"/>
-        </p:xfrm>
-        <a:graphic>
-          <a:graphicData uri="http://schemas.openxmlformats.org/drawingml/2006/table">
-            <a:tbl>
-              <a:tblPr>
-                <a:tableStyleId>{5C22544A-7EE6-4342-B048-85BDC9FD1C3A}</a:tableStyleId>
-              </a:tblPr>
-              <a:tblGrid>
-                <a:gridCol w="609600">
-                  <a:extLst>
-                    <a:ext uri="{9D8B030D-6E8A-4147-A177-3AD203B41FA5}">
-                      <a16:colId xmlns:a16="http://schemas.microsoft.com/office/drawing/2014/main" val="1835503658"/>
-                    </a:ext>
-                  </a:extLst>
-                </a:gridCol>
-              </a:tblGrid>
-              <a:tr h="457200">
-                <a:tc>
-                  <a:txBody>
-                    <a:bodyPr/>
-                    <a:lstStyle/>
-                    <a:p>
-                      <a:pPr algn="ctr" fontAlgn="b"/>
-                      <a:r>
-                        <a:rPr lang="ja-JP" altLang="en-US" sz="800" u="none" strike="noStrike">
-                          <a:effectLst/>
-                          <a:latin typeface="Adobe Clean" panose="020B0503020404020204" pitchFamily="34" charset="0"/>
-                        </a:rPr>
-                        <a:t>直接聯繫 </a:t>
-                      </a:r>
-                      <a:r>
-                        <a:rPr lang="en-US" altLang="ko-KR" sz="800" u="none" strike="noStrike" dirty="0">
-                          <a:effectLst/>
-                          <a:latin typeface="Adobe Clean" panose="020B0503020404020204" pitchFamily="34" charset="0"/>
-                        </a:rPr>
-                        <a:t>Adobe </a:t>
-                      </a:r>
-                      <a:r>
-                        <a:rPr lang="ja-JP" altLang="en-US" sz="800" u="none" strike="noStrike">
-                          <a:effectLst/>
-                          <a:latin typeface="Adobe Clean" panose="020B0503020404020204" pitchFamily="34" charset="0"/>
-                        </a:rPr>
-                        <a:t>工程部</a:t>
-                      </a:r>
-                      <a:endParaRPr lang="ko-KR" altLang="en-US" sz="800" b="0" i="0" u="none" strike="noStrike" dirty="0">
-                        <a:solidFill>
-                          <a:srgbClr val="000000"/>
-                        </a:solidFill>
-                        <a:effectLst/>
-                        <a:latin typeface="Adobe Clean" panose="020B0503020404020204" pitchFamily="34" charset="0"/>
-                      </a:endParaRPr>
-                    </a:p>
-                  </a:txBody>
-                  <a:tcPr marL="9525" marR="9525" marT="9525" marB="0">
-                    <a:solidFill>
-                      <a:schemeClr val="bg1"/>
-                    </a:solidFill>
-                  </a:tcPr>
-                </a:tc>
-                <a:extLst>
-                  <a:ext uri="{0D108BD9-81ED-4DB2-BD59-A6C34878D82A}">
-                    <a16:rowId xmlns:a16="http://schemas.microsoft.com/office/drawing/2014/main" val="2771767287"/>
-                  </a:ext>
-                </a:extLst>
-              </a:tr>
-            </a:tbl>
-          </a:graphicData>
-        </a:graphic>
-      </p:graphicFrame>
-      <p:graphicFrame>
-        <p:nvGraphicFramePr>
-          <p:cNvPr id="60" name="Table 59">
-            <a:extLst>
-              <a:ext uri="{FF2B5EF4-FFF2-40B4-BE49-F238E27FC236}">
-                <a16:creationId xmlns:a16="http://schemas.microsoft.com/office/drawing/2014/main" id="{327181CE-49A8-8149-8221-3C76F17C0097}"/>
-              </a:ext>
-            </a:extLst>
-          </p:cNvPr>
-          <p:cNvGraphicFramePr>
-            <a:graphicFrameLocks noGrp="1"/>
-          </p:cNvGraphicFramePr>
-          <p:nvPr>
-            <p:extLst>
-              <p:ext uri="{D42A27DB-BD31-4B8C-83A1-F6EECF244321}">
-                <p14:modId xmlns:p14="http://schemas.microsoft.com/office/powerpoint/2010/main" val="1723946882"/>
-              </p:ext>
-            </p:extLst>
-          </p:nvPr>
-        </p:nvGraphicFramePr>
-        <p:xfrm>
-          <a:off x="2819400" y="8382000"/>
-          <a:ext cx="609600" cy="457200"/>
-        </p:xfrm>
-        <a:graphic>
-          <a:graphicData uri="http://schemas.openxmlformats.org/drawingml/2006/table">
-            <a:tbl>
-              <a:tblPr>
-                <a:tableStyleId>{5C22544A-7EE6-4342-B048-85BDC9FD1C3A}</a:tableStyleId>
-              </a:tblPr>
-              <a:tblGrid>
-                <a:gridCol w="609600">
-                  <a:extLst>
-                    <a:ext uri="{9D8B030D-6E8A-4147-A177-3AD203B41FA5}">
-                      <a16:colId xmlns:a16="http://schemas.microsoft.com/office/drawing/2014/main" val="1835503658"/>
-                    </a:ext>
-                  </a:extLst>
-                </a:gridCol>
-              </a:tblGrid>
-              <a:tr h="457200">
-                <a:tc>
-                  <a:txBody>
-                    <a:bodyPr/>
-                    <a:lstStyle/>
-                    <a:p>
-                      <a:pPr algn="ctr" fontAlgn="b"/>
-                      <a:r>
-                        <a:rPr lang="ko-KR" altLang="en-US" sz="800" u="none" strike="noStrike" dirty="0" err="1">
-                          <a:effectLst/>
-                          <a:latin typeface="Adobe Clean" panose="020B0503020404020204" pitchFamily="34" charset="0"/>
-                        </a:rPr>
-                        <a:t>含建議後續步驟的上市後摘要</a:t>
-                      </a:r>
-                      <a:endParaRPr lang="ko-KR" altLang="en-US" sz="800" b="0" i="0" u="none" strike="noStrike" dirty="0">
-                        <a:solidFill>
-                          <a:srgbClr val="000000"/>
-                        </a:solidFill>
-                        <a:effectLst/>
-                        <a:latin typeface="Adobe Clean" panose="020B0503020404020204" pitchFamily="34" charset="0"/>
-                      </a:endParaRPr>
-                    </a:p>
-                  </a:txBody>
-                  <a:tcPr marL="9525" marR="9525" marT="9525" marB="0">
-                    <a:solidFill>
-                      <a:schemeClr val="bg1"/>
-                    </a:solidFill>
-                  </a:tcPr>
-                </a:tc>
-                <a:extLst>
-                  <a:ext uri="{0D108BD9-81ED-4DB2-BD59-A6C34878D82A}">
-                    <a16:rowId xmlns:a16="http://schemas.microsoft.com/office/drawing/2014/main" val="2771767287"/>
-                  </a:ext>
-                </a:extLst>
-              </a:tr>
-            </a:tbl>
-          </a:graphicData>
-        </a:graphic>
-      </p:graphicFrame>
-      <p:graphicFrame>
-        <p:nvGraphicFramePr>
-          <p:cNvPr id="61" name="Table 60">
-            <a:extLst>
-              <a:ext uri="{FF2B5EF4-FFF2-40B4-BE49-F238E27FC236}">
-                <a16:creationId xmlns:a16="http://schemas.microsoft.com/office/drawing/2014/main" id="{C07857BB-4637-6845-B272-8BC9FF3E24B0}"/>
-              </a:ext>
-            </a:extLst>
-          </p:cNvPr>
-          <p:cNvGraphicFramePr>
-            <a:graphicFrameLocks noGrp="1"/>
-          </p:cNvGraphicFramePr>
-          <p:nvPr>
-            <p:extLst>
-              <p:ext uri="{D42A27DB-BD31-4B8C-83A1-F6EECF244321}">
-                <p14:modId xmlns:p14="http://schemas.microsoft.com/office/powerpoint/2010/main" val="4200467323"/>
-              </p:ext>
-            </p:extLst>
-          </p:nvPr>
-        </p:nvGraphicFramePr>
-        <p:xfrm>
-          <a:off x="2057400" y="9296400"/>
-          <a:ext cx="609600" cy="457200"/>
-        </p:xfrm>
-        <a:graphic>
-          <a:graphicData uri="http://schemas.openxmlformats.org/drawingml/2006/table">
-            <a:tbl>
-              <a:tblPr>
-                <a:tableStyleId>{5C22544A-7EE6-4342-B048-85BDC9FD1C3A}</a:tableStyleId>
-              </a:tblPr>
-              <a:tblGrid>
-                <a:gridCol w="609600">
-                  <a:extLst>
-                    <a:ext uri="{9D8B030D-6E8A-4147-A177-3AD203B41FA5}">
-                      <a16:colId xmlns:a16="http://schemas.microsoft.com/office/drawing/2014/main" val="1835503658"/>
-                    </a:ext>
-                  </a:extLst>
-                </a:gridCol>
-              </a:tblGrid>
-              <a:tr h="457200">
-                <a:tc>
-                  <a:txBody>
-                    <a:bodyPr/>
-                    <a:lstStyle/>
-                    <a:p>
-                      <a:pPr algn="ctr" fontAlgn="b"/>
-                      <a:r>
-                        <a:rPr lang="ko-KR" altLang="en-US" sz="800" u="none" strike="noStrike" dirty="0" err="1">
-                          <a:effectLst/>
-                          <a:latin typeface="Adobe Clean" panose="020B0503020404020204" pitchFamily="34" charset="0"/>
-                        </a:rPr>
-                        <a:t>上線整備</a:t>
-                      </a:r>
-                      <a:r>
-                        <a:rPr lang="ko-KR" altLang="en-US" sz="800" u="none" strike="noStrike" dirty="0">
-                          <a:effectLst/>
-                          <a:latin typeface="Adobe Clean" panose="020B0503020404020204" pitchFamily="34" charset="0"/>
-                        </a:rPr>
-                        <a:t> </a:t>
-                      </a:r>
-                      <a:r>
-                        <a:rPr lang="en-US" altLang="ko-KR" sz="800" u="none" strike="noStrike" dirty="0">
-                          <a:effectLst/>
-                          <a:latin typeface="Adobe Clean" panose="020B0503020404020204" pitchFamily="34" charset="0"/>
-                        </a:rPr>
-                        <a:t>+ </a:t>
-                      </a:r>
-                      <a:r>
-                        <a:rPr lang="ko-KR" altLang="en-US" sz="800" u="none" strike="noStrike" dirty="0" err="1">
-                          <a:effectLst/>
-                          <a:latin typeface="Adobe Clean" panose="020B0503020404020204" pitchFamily="34" charset="0"/>
-                        </a:rPr>
-                        <a:t>效能最佳化</a:t>
-                      </a:r>
-                      <a:endParaRPr lang="ko-KR" altLang="en-US" sz="800" b="0" i="0" u="none" strike="noStrike" dirty="0">
-                        <a:solidFill>
-                          <a:srgbClr val="000000"/>
-                        </a:solidFill>
-                        <a:effectLst/>
-                        <a:latin typeface="Adobe Clean" panose="020B0503020404020204" pitchFamily="34" charset="0"/>
-                      </a:endParaRPr>
-                    </a:p>
-                  </a:txBody>
-                  <a:tcPr marL="9525" marR="9525" marT="9525" marB="0">
-                    <a:solidFill>
-                      <a:schemeClr val="bg1"/>
-                    </a:solidFill>
-                  </a:tcPr>
-                </a:tc>
-                <a:extLst>
-                  <a:ext uri="{0D108BD9-81ED-4DB2-BD59-A6C34878D82A}">
-                    <a16:rowId xmlns:a16="http://schemas.microsoft.com/office/drawing/2014/main" val="2771767287"/>
-                  </a:ext>
-                </a:extLst>
-              </a:tr>
-            </a:tbl>
-          </a:graphicData>
-        </a:graphic>
-      </p:graphicFrame>
-      <p:graphicFrame>
-        <p:nvGraphicFramePr>
-          <p:cNvPr id="62" name="Table 61">
-            <a:extLst>
-              <a:ext uri="{FF2B5EF4-FFF2-40B4-BE49-F238E27FC236}">
-                <a16:creationId xmlns:a16="http://schemas.microsoft.com/office/drawing/2014/main" id="{2799E0FA-6893-6346-9F35-16E4E6FC7820}"/>
-              </a:ext>
-            </a:extLst>
-          </p:cNvPr>
-          <p:cNvGraphicFramePr>
-            <a:graphicFrameLocks noGrp="1"/>
-          </p:cNvGraphicFramePr>
-          <p:nvPr>
-            <p:extLst>
-              <p:ext uri="{D42A27DB-BD31-4B8C-83A1-F6EECF244321}">
-                <p14:modId xmlns:p14="http://schemas.microsoft.com/office/powerpoint/2010/main" val="3540433435"/>
-              </p:ext>
-            </p:extLst>
-          </p:nvPr>
-        </p:nvGraphicFramePr>
-        <p:xfrm>
-          <a:off x="990600" y="9296400"/>
-          <a:ext cx="609600" cy="457200"/>
-        </p:xfrm>
-        <a:graphic>
-          <a:graphicData uri="http://schemas.openxmlformats.org/drawingml/2006/table">
-            <a:tbl>
-              <a:tblPr>
-                <a:tableStyleId>{5C22544A-7EE6-4342-B048-85BDC9FD1C3A}</a:tableStyleId>
-              </a:tblPr>
-              <a:tblGrid>
-                <a:gridCol w="609600">
-                  <a:extLst>
-                    <a:ext uri="{9D8B030D-6E8A-4147-A177-3AD203B41FA5}">
-                      <a16:colId xmlns:a16="http://schemas.microsoft.com/office/drawing/2014/main" val="1835503658"/>
-                    </a:ext>
-                  </a:extLst>
-                </a:gridCol>
-              </a:tblGrid>
-              <a:tr h="457200">
-                <a:tc>
-                  <a:txBody>
-                    <a:bodyPr/>
-                    <a:lstStyle/>
-                    <a:p>
-                      <a:pPr algn="ctr" fontAlgn="b"/>
-                      <a:r>
-                        <a:rPr lang="ko-KR" altLang="en-US" sz="800" u="none" strike="noStrike" dirty="0">
-                          <a:effectLst/>
-                          <a:latin typeface="Adobe Clean" panose="020B0503020404020204" pitchFamily="34" charset="0"/>
-                        </a:rPr>
-                        <a:t> </a:t>
-                      </a:r>
-                      <a:r>
-                        <a:rPr lang="ko-KR" altLang="en-US" sz="800" u="none" strike="noStrike" dirty="0" err="1">
-                          <a:effectLst/>
-                          <a:latin typeface="Adobe Clean" panose="020B0503020404020204" pitchFamily="34" charset="0"/>
-                        </a:rPr>
-                        <a:t>架構審核</a:t>
-                      </a:r>
-                      <a:r>
-                        <a:rPr lang="ko-KR" altLang="en-US" sz="800" u="none" strike="noStrike" dirty="0">
-                          <a:effectLst/>
-                          <a:latin typeface="Adobe Clean" panose="020B0503020404020204" pitchFamily="34" charset="0"/>
-                        </a:rPr>
-                        <a:t> </a:t>
-                      </a:r>
-                      <a:r>
-                        <a:rPr lang="en-US" altLang="ko-KR" sz="800" u="none" strike="noStrike" dirty="0">
-                          <a:effectLst/>
-                          <a:latin typeface="Adobe Clean" panose="020B0503020404020204" pitchFamily="34" charset="0"/>
-                        </a:rPr>
-                        <a:t>+ </a:t>
-                      </a:r>
-                      <a:r>
-                        <a:rPr lang="ko-KR" altLang="en-US" sz="800" u="none" strike="noStrike" dirty="0" err="1">
-                          <a:effectLst/>
-                          <a:latin typeface="Adobe Clean" panose="020B0503020404020204" pitchFamily="34" charset="0"/>
-                        </a:rPr>
-                        <a:t>指導方針</a:t>
-                      </a:r>
-                      <a:endParaRPr lang="ko-KR" altLang="en-US" sz="800" b="0" i="0" u="none" strike="noStrike" dirty="0">
-                        <a:solidFill>
-                          <a:srgbClr val="000000"/>
-                        </a:solidFill>
-                        <a:effectLst/>
-                        <a:latin typeface="Adobe Clean" panose="020B0503020404020204" pitchFamily="34" charset="0"/>
-                      </a:endParaRPr>
-                    </a:p>
-                  </a:txBody>
-                  <a:tcPr marL="9525" marR="9525" marT="9525" marB="0">
-                    <a:solidFill>
-                      <a:schemeClr val="bg1"/>
-                    </a:solidFill>
-                  </a:tcPr>
-                </a:tc>
-                <a:extLst>
-                  <a:ext uri="{0D108BD9-81ED-4DB2-BD59-A6C34878D82A}">
-                    <a16:rowId xmlns:a16="http://schemas.microsoft.com/office/drawing/2014/main" val="2771767287"/>
-                  </a:ext>
-                </a:extLst>
-              </a:tr>
-            </a:tbl>
-          </a:graphicData>
-        </a:graphic>
-      </p:graphicFrame>
-      <p:graphicFrame>
-        <p:nvGraphicFramePr>
-          <p:cNvPr id="69" name="Table 68">
-            <a:extLst>
-              <a:ext uri="{FF2B5EF4-FFF2-40B4-BE49-F238E27FC236}">
-                <a16:creationId xmlns:a16="http://schemas.microsoft.com/office/drawing/2014/main" id="{68105F28-6ACE-FA41-8C62-E1DC71761C64}"/>
-              </a:ext>
-            </a:extLst>
-          </p:cNvPr>
-          <p:cNvGraphicFramePr>
-            <a:graphicFrameLocks noGrp="1"/>
-          </p:cNvGraphicFramePr>
-          <p:nvPr>
-            <p:extLst>
-              <p:ext uri="{D42A27DB-BD31-4B8C-83A1-F6EECF244321}">
-                <p14:modId xmlns:p14="http://schemas.microsoft.com/office/powerpoint/2010/main" val="3972576377"/>
-              </p:ext>
-            </p:extLst>
-          </p:nvPr>
-        </p:nvGraphicFramePr>
-        <p:xfrm>
-          <a:off x="304800" y="8382000"/>
-          <a:ext cx="609600" cy="457200"/>
-        </p:xfrm>
-        <a:graphic>
-          <a:graphicData uri="http://schemas.openxmlformats.org/drawingml/2006/table">
-            <a:tbl>
-              <a:tblPr>
-                <a:tableStyleId>{5C22544A-7EE6-4342-B048-85BDC9FD1C3A}</a:tableStyleId>
-              </a:tblPr>
-              <a:tblGrid>
-                <a:gridCol w="609600">
-                  <a:extLst>
-                    <a:ext uri="{9D8B030D-6E8A-4147-A177-3AD203B41FA5}">
-                      <a16:colId xmlns:a16="http://schemas.microsoft.com/office/drawing/2014/main" val="1835503658"/>
-                    </a:ext>
-                  </a:extLst>
-                </a:gridCol>
-              </a:tblGrid>
-              <a:tr h="457200">
-                <a:tc>
-                  <a:txBody>
-                    <a:bodyPr/>
-                    <a:lstStyle/>
-                    <a:p>
-                      <a:pPr algn="ctr" fontAlgn="b"/>
-                      <a:r>
-                        <a:rPr lang="ko-KR" altLang="en-US" sz="800" u="none" strike="noStrike" dirty="0" err="1">
-                          <a:effectLst/>
-                          <a:latin typeface="Adobe Clean" panose="020B0503020404020204" pitchFamily="34" charset="0"/>
-                        </a:rPr>
-                        <a:t>專案藍圖</a:t>
-                      </a:r>
-                      <a:r>
-                        <a:rPr lang="ko-KR" altLang="en-US" sz="800" u="none" strike="noStrike" dirty="0">
-                          <a:effectLst/>
-                          <a:latin typeface="Adobe Clean" panose="020B0503020404020204" pitchFamily="34" charset="0"/>
-                        </a:rPr>
-                        <a:t> </a:t>
-                      </a:r>
-                      <a:r>
-                        <a:rPr lang="en-US" altLang="ko-KR" sz="800" u="none" strike="noStrike" dirty="0">
-                          <a:effectLst/>
-                          <a:latin typeface="Adobe Clean" panose="020B0503020404020204" pitchFamily="34" charset="0"/>
-                        </a:rPr>
-                        <a:t>+ </a:t>
-                      </a:r>
-                      <a:r>
-                        <a:rPr lang="ko-KR" altLang="en-US" sz="800" u="none" strike="noStrike" dirty="0" err="1">
-                          <a:effectLst/>
-                          <a:latin typeface="Adobe Clean" panose="020B0503020404020204" pitchFamily="34" charset="0"/>
-                        </a:rPr>
-                        <a:t>規劃</a:t>
-                      </a:r>
-                      <a:endParaRPr lang="ko-KR" altLang="en-US" sz="800" b="0" i="0" u="none" strike="noStrike" dirty="0">
-                        <a:solidFill>
-                          <a:srgbClr val="000000"/>
-                        </a:solidFill>
-                        <a:effectLst/>
-                        <a:latin typeface="Adobe Clean" panose="020B0503020404020204" pitchFamily="34" charset="0"/>
-                      </a:endParaRPr>
-                    </a:p>
-                  </a:txBody>
-                  <a:tcPr marL="9525" marR="9525" marT="9525" marB="0">
-                    <a:solidFill>
-                      <a:schemeClr val="bg1"/>
-                    </a:solidFill>
-                  </a:tcPr>
-                </a:tc>
-                <a:extLst>
-                  <a:ext uri="{0D108BD9-81ED-4DB2-BD59-A6C34878D82A}">
-                    <a16:rowId xmlns:a16="http://schemas.microsoft.com/office/drawing/2014/main" val="2771767287"/>
-                  </a:ext>
-                </a:extLst>
-              </a:tr>
-            </a:tbl>
-          </a:graphicData>
-        </a:graphic>
-      </p:graphicFrame>
-      <p:graphicFrame>
-        <p:nvGraphicFramePr>
-          <p:cNvPr id="70" name="Table 69">
-            <a:extLst>
-              <a:ext uri="{FF2B5EF4-FFF2-40B4-BE49-F238E27FC236}">
-                <a16:creationId xmlns:a16="http://schemas.microsoft.com/office/drawing/2014/main" id="{55F858BD-A106-3341-85DF-5461164CF9E2}"/>
-              </a:ext>
-            </a:extLst>
-          </p:cNvPr>
-          <p:cNvGraphicFramePr>
-            <a:graphicFrameLocks noGrp="1"/>
-          </p:cNvGraphicFramePr>
-          <p:nvPr>
-            <p:extLst>
-              <p:ext uri="{D42A27DB-BD31-4B8C-83A1-F6EECF244321}">
-                <p14:modId xmlns:p14="http://schemas.microsoft.com/office/powerpoint/2010/main" val="4202845023"/>
-              </p:ext>
-            </p:extLst>
-          </p:nvPr>
-        </p:nvGraphicFramePr>
-        <p:xfrm>
-          <a:off x="609600" y="7239000"/>
-          <a:ext cx="609600" cy="497205"/>
-        </p:xfrm>
-        <a:graphic>
-          <a:graphicData uri="http://schemas.openxmlformats.org/drawingml/2006/table">
-            <a:tbl>
-              <a:tblPr>
-                <a:tableStyleId>{5C22544A-7EE6-4342-B048-85BDC9FD1C3A}</a:tableStyleId>
-              </a:tblPr>
-              <a:tblGrid>
-                <a:gridCol w="609600">
-                  <a:extLst>
-                    <a:ext uri="{9D8B030D-6E8A-4147-A177-3AD203B41FA5}">
-                      <a16:colId xmlns:a16="http://schemas.microsoft.com/office/drawing/2014/main" val="1835503658"/>
-                    </a:ext>
-                  </a:extLst>
-                </a:gridCol>
-              </a:tblGrid>
-              <a:tr h="457200">
-                <a:tc>
-                  <a:txBody>
-                    <a:bodyPr/>
-                    <a:lstStyle/>
-                    <a:p>
-                      <a:pPr algn="ctr" fontAlgn="b"/>
-                      <a:r>
-                        <a:rPr lang="ko-KR" altLang="en-US" sz="800" u="none" strike="noStrike" dirty="0" err="1">
-                          <a:effectLst/>
-                          <a:latin typeface="Adobe Clean" panose="020B0503020404020204" pitchFamily="34" charset="0"/>
-                        </a:rPr>
-                        <a:t>從數以千計的部署和整合中獲得經驗</a:t>
-                      </a:r>
-                      <a:endParaRPr lang="ko-KR" altLang="en-US" sz="800" b="0" i="0" u="none" strike="noStrike" dirty="0">
-                        <a:solidFill>
-                          <a:srgbClr val="000000"/>
-                        </a:solidFill>
-                        <a:effectLst/>
-                        <a:latin typeface="Adobe Clean" panose="020B0503020404020204" pitchFamily="34" charset="0"/>
-                      </a:endParaRPr>
-                    </a:p>
-                  </a:txBody>
-                  <a:tcPr marL="9525" marR="9525" marT="9525" marB="0">
-                    <a:solidFill>
-                      <a:schemeClr val="bg1"/>
-                    </a:solidFill>
-                  </a:tcPr>
-                </a:tc>
-                <a:extLst>
-                  <a:ext uri="{0D108BD9-81ED-4DB2-BD59-A6C34878D82A}">
-                    <a16:rowId xmlns:a16="http://schemas.microsoft.com/office/drawing/2014/main" val="2771767287"/>
-                  </a:ext>
-                </a:extLst>
-              </a:tr>
-            </a:tbl>
-          </a:graphicData>
-        </a:graphic>
-      </p:graphicFrame>
     </p:spTree>
     <p:extLst>
       <p:ext uri="{BB962C8B-B14F-4D97-AF65-F5344CB8AC3E}">
@@ -14093,17 +15352,17 @@
               </a:lnSpc>
             </a:pPr>
             <a:r>
-              <a:rPr lang="de-de" sz="500" spc="-5" dirty="0">
+              <a:rPr sz="500" spc="-5">
                 <a:solidFill>
                   <a:srgbClr val="6C6C6C"/>
                 </a:solidFill>
                 <a:latin typeface="Adobe Clean"/>
                 <a:cs typeface="Adobe Clean"/>
               </a:rPr>
-              <a:t>© 2020 Adobe. All rights reserved.</a:t>
-            </a:r>
-            <a:r>
-              <a:rPr lang="de-de" sz="500" dirty="0">
+              <a:t>©2020 Adobe. All Rights Reserved. </a:t>
+            </a:r>
+            <a:r>
+              <a:rPr sz="500">
                 <a:solidFill>
                   <a:srgbClr val="6C6C6C"/>
                 </a:solidFill>
@@ -14113,7 +15372,7 @@
               <a:t>Adobe</a:t>
             </a:r>
             <a:r>
-              <a:rPr lang="de-de" sz="500" spc="5" dirty="0">
+              <a:rPr sz="500" spc="5">
                 <a:solidFill>
                   <a:srgbClr val="6C6C6C"/>
                 </a:solidFill>
@@ -14123,14 +15382,14 @@
               <a:t> </a:t>
             </a:r>
             <a:r>
-              <a:rPr lang="de-de" sz="500" spc="-5" dirty="0">
+              <a:rPr sz="500" spc="-5">
                 <a:solidFill>
                   <a:srgbClr val="6C6C6C"/>
                 </a:solidFill>
                 <a:latin typeface="Adobe Clean"/>
                 <a:cs typeface="Adobe Clean"/>
               </a:rPr>
-              <a:t> 機密資訊。</a:t>
+              <a:t>Confidential.</a:t>
             </a:r>
             <a:endParaRPr sz="500">
               <a:latin typeface="Adobe Clean"/>
@@ -14161,17 +15420,17 @@
               </a:spcBef>
             </a:pPr>
             <a:r>
-              <a:rPr lang="de-de" sz="800" spc="-5" dirty="0">
+              <a:rPr sz="800" spc="-5">
                 <a:solidFill>
                   <a:srgbClr val="6D6D6D"/>
                 </a:solidFill>
                 <a:latin typeface="Adobe Clean"/>
                 <a:cs typeface="Adobe Clean"/>
               </a:rPr>
-              <a:t>© 2020 Adobe. All rights reserved.Adobe</a:t>
-            </a:r>
-            <a:r>
-              <a:rPr lang="de-de" sz="800" spc="75" dirty="0">
+              <a:t>©2020 Adobe. All Rights Reserved. Adobe</a:t>
+            </a:r>
+            <a:r>
+              <a:rPr sz="800" spc="75">
                 <a:solidFill>
                   <a:srgbClr val="6D6D6D"/>
                 </a:solidFill>
@@ -14181,14 +15440,14 @@
               <a:t> </a:t>
             </a:r>
             <a:r>
-              <a:rPr lang="de-de" sz="800" spc="-5" dirty="0">
+              <a:rPr sz="800" spc="-5">
                 <a:solidFill>
                   <a:srgbClr val="6D6D6D"/>
                 </a:solidFill>
                 <a:latin typeface="Adobe Clean"/>
                 <a:cs typeface="Adobe Clean"/>
               </a:rPr>
-              <a:t>機密資訊。</a:t>
+              <a:t>Confidential.</a:t>
             </a:r>
             <a:endParaRPr sz="800">
               <a:latin typeface="Adobe Clean"/>
@@ -14277,16 +15536,16 @@
               </a:spcBef>
             </a:pPr>
             <a:r>
-              <a:rPr lang="de-de" sz="1400" b="1" spc="-15" dirty="0">
+              <a:rPr lang="en-US" sz="1400" b="1" spc="-15">
                 <a:solidFill>
                   <a:srgbClr val="020302"/>
                 </a:solidFill>
                 <a:latin typeface="Adobe Clean"/>
                 <a:cs typeface="Adobe Clean"/>
               </a:rPr>
-              <a:t>資源</a:t>
-            </a:r>
-            <a:endParaRPr sz="1400" dirty="0">
+              <a:t>Resources</a:t>
+            </a:r>
+            <a:endParaRPr sz="1400">
               <a:latin typeface="Adobe Clean"/>
               <a:cs typeface="Adobe Clean"/>
             </a:endParaRPr>
@@ -14323,7 +15582,7 @@
               </a:spcBef>
             </a:pPr>
             <a:r>
-              <a:rPr lang="de-de" sz="800" spc="-15" dirty="0">
+              <a:rPr sz="800" spc="-15">
                 <a:solidFill>
                   <a:srgbClr val="777879"/>
                 </a:solidFill>
@@ -14344,7 +15603,7 @@
               </a:lnSpc>
             </a:pPr>
             <a:r>
-              <a:rPr lang="de-de" sz="800" spc="-15" dirty="0">
+              <a:rPr sz="800" spc="-15">
                 <a:solidFill>
                   <a:srgbClr val="777879"/>
                 </a:solidFill>
@@ -14354,7 +15613,7 @@
               <a:t>345 Park</a:t>
             </a:r>
             <a:r>
-              <a:rPr lang="de-de" sz="800" spc="-100" dirty="0">
+              <a:rPr sz="800" spc="-100">
                 <a:solidFill>
                   <a:srgbClr val="777879"/>
                 </a:solidFill>
@@ -14364,7 +15623,7 @@
               <a:t> </a:t>
             </a:r>
             <a:r>
-              <a:rPr lang="de-de" sz="800" spc="-15" dirty="0">
+              <a:rPr sz="800" spc="-15">
                 <a:solidFill>
                   <a:srgbClr val="777879"/>
                 </a:solidFill>
@@ -14385,7 +15644,7 @@
               </a:lnSpc>
             </a:pPr>
             <a:r>
-              <a:rPr lang="de-de" sz="800" spc="-10" dirty="0">
+              <a:rPr sz="800" spc="-10">
                 <a:solidFill>
                   <a:srgbClr val="777879"/>
                 </a:solidFill>
@@ -14395,7 +15654,7 @@
               <a:t>San </a:t>
             </a:r>
             <a:r>
-              <a:rPr lang="de-de" sz="800" spc="-15" dirty="0">
+              <a:rPr sz="800" spc="-15">
                 <a:solidFill>
                   <a:srgbClr val="777879"/>
                 </a:solidFill>
@@ -14405,7 +15664,7 @@
               <a:t>Jose,</a:t>
             </a:r>
             <a:r>
-              <a:rPr lang="de-de" sz="800" spc="-140" dirty="0">
+              <a:rPr sz="800" spc="-140">
                 <a:solidFill>
                   <a:srgbClr val="777879"/>
                 </a:solidFill>
@@ -14415,7 +15674,7 @@
               <a:t> </a:t>
             </a:r>
             <a:r>
-              <a:rPr lang="de-de" sz="800" spc="-20" dirty="0">
+              <a:rPr sz="800" spc="-20">
                 <a:solidFill>
                   <a:srgbClr val="777879"/>
                 </a:solidFill>
@@ -14439,7 +15698,7 @@
               </a:spcBef>
             </a:pPr>
             <a:r>
-              <a:rPr lang="de-de" sz="800" spc="-10" dirty="0">
+              <a:rPr sz="800" spc="-10">
                 <a:solidFill>
                   <a:srgbClr val="777879"/>
                 </a:solidFill>
@@ -14463,7 +15722,7 @@
               </a:spcBef>
             </a:pPr>
             <a:r>
-              <a:rPr lang="de-de" sz="800" u="sng" spc="-25" dirty="0">
+              <a:rPr sz="800" u="sng" spc="-25">
                 <a:solidFill>
                   <a:srgbClr val="5F5F5F"/>
                 </a:solidFill>
@@ -14476,7 +15735,7 @@
                 <a:cs typeface="Adobe Clean"/>
                 <a:hlinkClick r:id="rId3"/>
               </a:rPr>
-              <a:t>www.adobe.com/tw/</a:t>
+              <a:t>www.adobe.com</a:t>
             </a:r>
             <a:endParaRPr sz="800">
               <a:latin typeface="Adobe Clean"/>
@@ -14656,37 +15915,37 @@
               </a:spcBef>
             </a:pPr>
             <a:r>
-              <a:rPr lang="de-de" sz="1100" i="1" spc="-10">
+              <a:rPr sz="1100" i="1" spc="-10">
                 <a:solidFill>
                   <a:srgbClr val="777879"/>
                 </a:solidFill>
                 <a:latin typeface="AdobeClean-LightIt"/>
                 <a:cs typeface="AdobeClean-LightIt"/>
               </a:rPr>
-              <a:t>如需</a:t>
-            </a:r>
-            <a:r>
-              <a:rPr lang="de-de" sz="1100" i="1" spc="-15">
+              <a:t>To</a:t>
+            </a:r>
+            <a:r>
+              <a:rPr sz="1100" i="1" spc="-50">
                 <a:solidFill>
                   <a:srgbClr val="777879"/>
                 </a:solidFill>
                 <a:latin typeface="AdobeClean-LightIt"/>
                 <a:cs typeface="AdobeClean-LightIt"/>
               </a:rPr>
-              <a:t>了解</a:t>
-            </a:r>
-            <a:r>
-              <a:rPr lang="de-de" sz="1100" i="1" spc="-40">
+              <a:t> </a:t>
+            </a:r>
+            <a:r>
+              <a:rPr sz="1100" i="1" spc="-15">
                 <a:solidFill>
                   <a:srgbClr val="777879"/>
                 </a:solidFill>
                 <a:latin typeface="AdobeClean-LightIt"/>
                 <a:cs typeface="AdobeClean-LightIt"/>
               </a:rPr>
-              <a:t> </a:t>
-            </a:r>
-            <a:r>
-              <a:rPr lang="de-de" sz="1100" i="1" spc="-45">
+              <a:t>learn</a:t>
+            </a:r>
+            <a:r>
+              <a:rPr sz="1100" i="1" spc="-40">
                 <a:solidFill>
                   <a:srgbClr val="777879"/>
                 </a:solidFill>
@@ -14696,17 +15955,17 @@
               <a:t> </a:t>
             </a:r>
             <a:r>
-              <a:rPr lang="de-de" sz="1100" i="1" spc="-15">
+              <a:rPr sz="1100" i="1" spc="-15">
                 <a:solidFill>
                   <a:srgbClr val="777879"/>
                 </a:solidFill>
                 <a:latin typeface="AdobeClean-LightIt"/>
                 <a:cs typeface="AdobeClean-LightIt"/>
               </a:rPr>
-              <a:t>Adobe</a:t>
-            </a:r>
-            <a:r>
-              <a:rPr lang="de-de" sz="1100" i="1" spc="-60">
+              <a:t>more</a:t>
+            </a:r>
+            <a:r>
+              <a:rPr sz="1100" i="1" spc="-45">
                 <a:solidFill>
                   <a:srgbClr val="777879"/>
                 </a:solidFill>
@@ -14716,126 +15975,366 @@
               <a:t> </a:t>
             </a:r>
             <a:r>
-              <a:rPr lang="de-de" sz="1100" i="1" spc="-15">
+              <a:rPr sz="1100" i="1" spc="-15">
                 <a:solidFill>
                   <a:srgbClr val="777879"/>
                 </a:solidFill>
                 <a:latin typeface="AdobeClean-LightIt"/>
                 <a:cs typeface="AdobeClean-LightIt"/>
               </a:rPr>
-              <a:t>支援方案</a:t>
-            </a:r>
-            <a:r>
-              <a:rPr lang="de-de" sz="1100" i="1" spc="-75">
+              <a:t>about</a:t>
+            </a:r>
+            <a:r>
+              <a:rPr sz="1100" i="1" spc="-45">
                 <a:solidFill>
                   <a:srgbClr val="777879"/>
                 </a:solidFill>
                 <a:latin typeface="AdobeClean-LightIt"/>
                 <a:cs typeface="AdobeClean-LightIt"/>
               </a:rPr>
-              <a:t>的詳細資訊</a:t>
-            </a:r>
-            <a:r>
-              <a:rPr lang="de-de" sz="1100" i="1" spc="-15">
+              <a:t> </a:t>
+            </a:r>
+            <a:r>
+              <a:rPr sz="1100" i="1" spc="-15">
                 <a:solidFill>
                   <a:srgbClr val="777879"/>
                 </a:solidFill>
                 <a:latin typeface="AdobeClean-LightIt"/>
                 <a:cs typeface="AdobeClean-LightIt"/>
               </a:rPr>
-              <a:t>以及適合您的層級，請聯絡您指定的</a:t>
-            </a:r>
-            <a:r>
-              <a:rPr lang="de-de" sz="1100" i="1" spc="-25">
+              <a:t>Adobe</a:t>
+            </a:r>
+            <a:r>
+              <a:rPr sz="1100" i="1" spc="-60">
                 <a:solidFill>
                   <a:srgbClr val="777879"/>
                 </a:solidFill>
                 <a:latin typeface="AdobeClean-LightIt"/>
                 <a:cs typeface="AdobeClean-LightIt"/>
               </a:rPr>
-              <a:t>帳戶</a:t>
-            </a:r>
-            <a:r>
-              <a:rPr lang="de-de" sz="1100" i="1" spc="-20">
+              <a:t> </a:t>
+            </a:r>
+            <a:r>
+              <a:rPr sz="1100" i="1" spc="-15">
                 <a:solidFill>
                   <a:srgbClr val="777879"/>
                 </a:solidFill>
                 <a:latin typeface="AdobeClean-LightIt"/>
                 <a:cs typeface="AdobeClean-LightIt"/>
               </a:rPr>
-              <a:t>經理 </a:t>
-            </a:r>
-            <a:r>
-              <a:rPr lang="de-de" sz="1100" i="1" spc="-15" dirty="0">
+              <a:t>Support</a:t>
+            </a:r>
+            <a:r>
+              <a:rPr lang="en-US" sz="1100" i="1" spc="-15">
                 <a:solidFill>
                   <a:srgbClr val="777879"/>
                 </a:solidFill>
                 <a:latin typeface="AdobeClean-LightIt"/>
                 <a:cs typeface="AdobeClean-LightIt"/>
               </a:rPr>
-              <a:t>(NAM</a:t>
-            </a:r>
-            <a:r>
-              <a:rPr lang="de-de" sz="1100" i="1" spc="-15">
+              <a:t> Offerings</a:t>
+            </a:r>
+            <a:r>
+              <a:rPr sz="1100" i="1" spc="-75">
                 <a:solidFill>
                   <a:srgbClr val="777879"/>
                 </a:solidFill>
                 <a:latin typeface="AdobeClean-LightIt"/>
                 <a:cs typeface="AdobeClean-LightIt"/>
               </a:rPr>
-              <a:t>) </a:t>
-            </a:r>
-            <a:r>
-              <a:rPr lang="de-de" sz="1100" i="1" spc="-10">
+              <a:t> </a:t>
+            </a:r>
+            <a:r>
+              <a:rPr sz="1100" i="1" spc="-15">
                 <a:solidFill>
                   <a:srgbClr val="777879"/>
                 </a:solidFill>
                 <a:latin typeface="AdobeClean-LightIt"/>
                 <a:cs typeface="AdobeClean-LightIt"/>
               </a:rPr>
-              <a:t>或</a:t>
-            </a:r>
-            <a:r>
-              <a:rPr lang="de-de" sz="1100" i="1" spc="-15">
+              <a:t>and</a:t>
+            </a:r>
+            <a:r>
+              <a:rPr sz="1100" i="1" spc="-50">
                 <a:solidFill>
                   <a:srgbClr val="777879"/>
                 </a:solidFill>
                 <a:latin typeface="AdobeClean-LightIt"/>
                 <a:cs typeface="AdobeClean-LightIt"/>
               </a:rPr>
-              <a:t>客戶</a:t>
-            </a:r>
-            <a:r>
-              <a:rPr lang="de-de" sz="1100" i="1" spc="-20">
+              <a:t> </a:t>
+            </a:r>
+            <a:r>
+              <a:rPr sz="1100" i="1" spc="-15">
                 <a:solidFill>
                   <a:srgbClr val="777879"/>
                 </a:solidFill>
                 <a:latin typeface="AdobeClean-LightIt"/>
                 <a:cs typeface="AdobeClean-LightIt"/>
               </a:rPr>
-              <a:t>成功</a:t>
-            </a:r>
-            <a:r>
-              <a:rPr lang="de-de" sz="1100" i="1" spc="-15">
+              <a:t>the</a:t>
+            </a:r>
+            <a:r>
+              <a:rPr sz="1100" i="1" spc="-55">
                 <a:solidFill>
                   <a:srgbClr val="777879"/>
                 </a:solidFill>
                 <a:latin typeface="AdobeClean-LightIt"/>
                 <a:cs typeface="AdobeClean-LightIt"/>
               </a:rPr>
-              <a:t>經理 </a:t>
-            </a:r>
-            <a:r>
-              <a:rPr lang="de-de" sz="1100" i="1" spc="-15" dirty="0">
+              <a:t> </a:t>
+            </a:r>
+            <a:r>
+              <a:rPr sz="1100" i="1" spc="-15">
                 <a:solidFill>
                   <a:srgbClr val="777879"/>
                 </a:solidFill>
                 <a:latin typeface="AdobeClean-LightIt"/>
                 <a:cs typeface="AdobeClean-LightIt"/>
               </a:rPr>
+              <a:t>right</a:t>
+            </a:r>
+            <a:r>
+              <a:rPr sz="1100" i="1" spc="-95">
+                <a:solidFill>
+                  <a:srgbClr val="777879"/>
+                </a:solidFill>
+                <a:latin typeface="AdobeClean-LightIt"/>
+                <a:cs typeface="AdobeClean-LightIt"/>
+              </a:rPr>
+              <a:t> </a:t>
+            </a:r>
+            <a:r>
+              <a:rPr sz="1100" i="1" spc="-15">
+                <a:solidFill>
+                  <a:srgbClr val="777879"/>
+                </a:solidFill>
+                <a:latin typeface="AdobeClean-LightIt"/>
+                <a:cs typeface="AdobeClean-LightIt"/>
+              </a:rPr>
+              <a:t>level</a:t>
+            </a:r>
+            <a:r>
+              <a:rPr sz="1100" i="1" spc="-55">
+                <a:solidFill>
+                  <a:srgbClr val="777879"/>
+                </a:solidFill>
+                <a:latin typeface="AdobeClean-LightIt"/>
+                <a:cs typeface="AdobeClean-LightIt"/>
+              </a:rPr>
+              <a:t> </a:t>
+            </a:r>
+            <a:r>
+              <a:rPr sz="1100" i="1" spc="-15">
+                <a:solidFill>
+                  <a:srgbClr val="777879"/>
+                </a:solidFill>
+                <a:latin typeface="AdobeClean-LightIt"/>
+                <a:cs typeface="AdobeClean-LightIt"/>
+              </a:rPr>
+              <a:t>for</a:t>
+            </a:r>
+            <a:r>
+              <a:rPr sz="1100" i="1" spc="-85">
+                <a:solidFill>
+                  <a:srgbClr val="777879"/>
+                </a:solidFill>
+                <a:latin typeface="AdobeClean-LightIt"/>
+                <a:cs typeface="AdobeClean-LightIt"/>
+              </a:rPr>
+              <a:t> </a:t>
+            </a:r>
+            <a:r>
+              <a:rPr sz="1100" i="1" spc="-15">
+                <a:solidFill>
+                  <a:srgbClr val="777879"/>
+                </a:solidFill>
+                <a:latin typeface="AdobeClean-LightIt"/>
+                <a:cs typeface="AdobeClean-LightIt"/>
+              </a:rPr>
+              <a:t>you,</a:t>
+            </a:r>
+            <a:r>
+              <a:rPr sz="1100" i="1" spc="-65">
+                <a:solidFill>
+                  <a:srgbClr val="777879"/>
+                </a:solidFill>
+                <a:latin typeface="AdobeClean-LightIt"/>
+                <a:cs typeface="AdobeClean-LightIt"/>
+              </a:rPr>
+              <a:t> </a:t>
+            </a:r>
+            <a:r>
+              <a:rPr sz="1100" i="1" spc="-15">
+                <a:solidFill>
+                  <a:srgbClr val="777879"/>
+                </a:solidFill>
+                <a:latin typeface="AdobeClean-LightIt"/>
+                <a:cs typeface="AdobeClean-LightIt"/>
+              </a:rPr>
+              <a:t>contact</a:t>
+            </a:r>
+            <a:r>
+              <a:rPr sz="1100" i="1" spc="-85">
+                <a:solidFill>
+                  <a:srgbClr val="777879"/>
+                </a:solidFill>
+                <a:latin typeface="AdobeClean-LightIt"/>
+                <a:cs typeface="AdobeClean-LightIt"/>
+              </a:rPr>
+              <a:t> </a:t>
+            </a:r>
+            <a:r>
+              <a:rPr sz="1100" i="1" spc="-15">
+                <a:solidFill>
+                  <a:srgbClr val="777879"/>
+                </a:solidFill>
+                <a:latin typeface="AdobeClean-LightIt"/>
+                <a:cs typeface="AdobeClean-LightIt"/>
+              </a:rPr>
+              <a:t>your</a:t>
+            </a:r>
+            <a:r>
+              <a:rPr sz="1100" i="1" spc="-70">
+                <a:solidFill>
+                  <a:srgbClr val="777879"/>
+                </a:solidFill>
+                <a:latin typeface="AdobeClean-LightIt"/>
+                <a:cs typeface="AdobeClean-LightIt"/>
+              </a:rPr>
+              <a:t> </a:t>
+            </a:r>
+            <a:r>
+              <a:rPr sz="1100" i="1" spc="-15">
+                <a:solidFill>
+                  <a:srgbClr val="777879"/>
+                </a:solidFill>
+                <a:latin typeface="AdobeClean-LightIt"/>
+                <a:cs typeface="AdobeClean-LightIt"/>
+              </a:rPr>
+              <a:t>Named</a:t>
+            </a:r>
+            <a:r>
+              <a:rPr sz="1100" i="1" spc="-55">
+                <a:solidFill>
+                  <a:srgbClr val="777879"/>
+                </a:solidFill>
+                <a:latin typeface="AdobeClean-LightIt"/>
+                <a:cs typeface="AdobeClean-LightIt"/>
+              </a:rPr>
+              <a:t> </a:t>
+            </a:r>
+            <a:r>
+              <a:rPr sz="1100" i="1" spc="-25">
+                <a:solidFill>
+                  <a:srgbClr val="777879"/>
+                </a:solidFill>
+                <a:latin typeface="AdobeClean-LightIt"/>
+                <a:cs typeface="AdobeClean-LightIt"/>
+              </a:rPr>
+              <a:t>Account</a:t>
+            </a:r>
+            <a:r>
+              <a:rPr sz="1100" i="1" spc="-120">
+                <a:solidFill>
+                  <a:srgbClr val="777879"/>
+                </a:solidFill>
+                <a:latin typeface="AdobeClean-LightIt"/>
+                <a:cs typeface="AdobeClean-LightIt"/>
+              </a:rPr>
+              <a:t> </a:t>
+            </a:r>
+            <a:r>
+              <a:rPr sz="1100" i="1" spc="-20">
+                <a:solidFill>
+                  <a:srgbClr val="777879"/>
+                </a:solidFill>
+                <a:latin typeface="AdobeClean-LightIt"/>
+                <a:cs typeface="AdobeClean-LightIt"/>
+              </a:rPr>
+              <a:t>Manager  </a:t>
+            </a:r>
+            <a:r>
+              <a:rPr sz="1100" i="1" spc="-15">
+                <a:solidFill>
+                  <a:srgbClr val="777879"/>
+                </a:solidFill>
+                <a:latin typeface="AdobeClean-LightIt"/>
+                <a:cs typeface="AdobeClean-LightIt"/>
+              </a:rPr>
+              <a:t>(NAM) </a:t>
+            </a:r>
+            <a:r>
+              <a:rPr sz="1100" i="1" spc="-10">
+                <a:solidFill>
+                  <a:srgbClr val="777879"/>
+                </a:solidFill>
+                <a:latin typeface="AdobeClean-LightIt"/>
+                <a:cs typeface="AdobeClean-LightIt"/>
+              </a:rPr>
+              <a:t>or </a:t>
+            </a:r>
+            <a:r>
+              <a:rPr sz="1100" i="1" spc="-15">
+                <a:solidFill>
+                  <a:srgbClr val="777879"/>
+                </a:solidFill>
+                <a:latin typeface="AdobeClean-LightIt"/>
+                <a:cs typeface="AdobeClean-LightIt"/>
+              </a:rPr>
+              <a:t>Customer </a:t>
+            </a:r>
+            <a:r>
+              <a:rPr sz="1100" i="1" spc="-20">
+                <a:solidFill>
+                  <a:srgbClr val="777879"/>
+                </a:solidFill>
+                <a:latin typeface="AdobeClean-LightIt"/>
+                <a:cs typeface="AdobeClean-LightIt"/>
+              </a:rPr>
+              <a:t>Success</a:t>
+            </a:r>
+            <a:r>
+              <a:rPr sz="1100" i="1" spc="-180">
+                <a:solidFill>
+                  <a:srgbClr val="777879"/>
+                </a:solidFill>
+                <a:latin typeface="AdobeClean-LightIt"/>
+                <a:cs typeface="AdobeClean-LightIt"/>
+              </a:rPr>
+              <a:t> </a:t>
+            </a:r>
+            <a:r>
+              <a:rPr sz="1100" i="1" spc="-15">
+                <a:solidFill>
+                  <a:srgbClr val="777879"/>
+                </a:solidFill>
+                <a:latin typeface="AdobeClean-LightIt"/>
+                <a:cs typeface="AdobeClean-LightIt"/>
+              </a:rPr>
+              <a:t>Manager</a:t>
+            </a:r>
+            <a:r>
+              <a:rPr lang="en-US" sz="1100" i="1" spc="-15">
+                <a:solidFill>
+                  <a:srgbClr val="777879"/>
+                </a:solidFill>
+                <a:latin typeface="AdobeClean-LightIt"/>
+                <a:cs typeface="AdobeClean-LightIt"/>
+              </a:rPr>
+              <a:t> </a:t>
+            </a:r>
+            <a:r>
+              <a:rPr sz="1100" i="1" spc="-15">
+                <a:solidFill>
+                  <a:srgbClr val="777879"/>
+                </a:solidFill>
+                <a:latin typeface="AdobeClean-LightIt"/>
+                <a:cs typeface="AdobeClean-LightIt"/>
+              </a:rPr>
               <a:t>(CSM)</a:t>
             </a:r>
-            <a:endParaRPr sz="1100" dirty="0">
+            <a:endParaRPr sz="1100">
               <a:latin typeface="AdobeClean-LightIt"/>
               <a:cs typeface="AdobeClean-LightIt"/>
             </a:endParaRPr>
@@ -14850,36 +16349,56 @@
               </a:spcBef>
             </a:pPr>
             <a:r>
-              <a:rPr lang="de-de" sz="800" spc="-5" dirty="0">
+              <a:rPr sz="800" spc="-5">
                 <a:solidFill>
                   <a:srgbClr val="6D6D6D"/>
                 </a:solidFill>
                 <a:latin typeface="Adobe Clean"/>
                 <a:cs typeface="Adobe Clean"/>
               </a:rPr>
-              <a:t>©2021 Adobe。All rights reserved.Adobe</a:t>
-            </a:r>
-            <a:r>
-              <a:rPr lang="de-de" sz="800" spc="75" dirty="0">
+              <a:t>©202</a:t>
+            </a:r>
+            <a:r>
+              <a:rPr lang="en-US" sz="800" spc="-5">
                 <a:solidFill>
                   <a:srgbClr val="6D6D6D"/>
                 </a:solidFill>
                 <a:latin typeface="Adobe Clean"/>
                 <a:cs typeface="Adobe Clean"/>
               </a:rPr>
+              <a:t>1</a:t>
+            </a:r>
+            <a:r>
+              <a:rPr sz="800" spc="-5">
+                <a:solidFill>
+                  <a:srgbClr val="6D6D6D"/>
+                </a:solidFill>
+                <a:latin typeface="Adobe Clean"/>
+                <a:cs typeface="Adobe Clean"/>
+              </a:rPr>
+              <a:t> Adobe. All Rights Reserved. Adobe</a:t>
+            </a:r>
+            <a:r>
+              <a:rPr sz="800" spc="75">
+                <a:solidFill>
+                  <a:srgbClr val="6D6D6D"/>
+                </a:solidFill>
+                <a:latin typeface="Adobe Clean"/>
+                <a:cs typeface="Adobe Clean"/>
+              </a:rPr>
               <a:t> </a:t>
             </a:r>
             <a:r>
-              <a:rPr lang="de-de" sz="800" spc="-5" dirty="0">
+              <a:rPr sz="800" spc="-5">
                 <a:solidFill>
                   <a:srgbClr val="6D6D6D"/>
                 </a:solidFill>
                 <a:latin typeface="Adobe Clean"/>
                 <a:cs typeface="Adobe Clean"/>
               </a:rPr>
-              <a:t>機密資訊。</a:t>
-            </a:r>
-            <a:endParaRPr sz="800" dirty="0">
+              <a:t>Confidential.</a:t>
+            </a:r>
+            <a:endParaRPr sz="800">
               <a:latin typeface="Adobe Clean"/>
               <a:cs typeface="Adobe Clean"/>
             </a:endParaRPr>
@@ -14900,134 +16419,55 @@
         </p:nvSpPr>
         <p:spPr>
           <a:xfrm>
-            <a:off x="171129" y="5057379"/>
-            <a:ext cx="6476646" cy="755976"/>
+            <a:off x="184181" y="4900727"/>
+            <a:ext cx="7396804" cy="769030"/>
           </a:xfrm>
           <a:prstGeom prst="rect">
             <a:avLst/>
           </a:prstGeom>
         </p:spPr>
         <p:txBody>
-          <a:bodyPr vert="horz" wrap="square" lIns="0" tIns="116205" rIns="0" bIns="0" rtlCol="0">
+          <a:bodyPr vert="horz" wrap="square" lIns="0" tIns="116205" rIns="0" bIns="0" rtlCol="0" anchor="t">
             <a:spAutoFit/>
           </a:bodyPr>
           <a:lstStyle/>
           <a:p>
-            <a:pPr lvl="0">
+            <a:pPr>
               <a:spcBef>
                 <a:spcPts val="915"/>
               </a:spcBef>
             </a:pPr>
             <a:r>
-              <a:rPr lang="en-US" altLang="zh-TW" sz="1400" b="1" spc="-15" dirty="0">
+              <a:rPr lang="en-US" sz="1400" b="1" spc="-15">
                 <a:solidFill>
                   <a:srgbClr val="020302"/>
                 </a:solidFill>
                 <a:latin typeface="Adobe Clean"/>
                 <a:cs typeface="Adobe Clean"/>
               </a:rPr>
-              <a:t>Adobe </a:t>
-            </a:r>
-            <a:r>
-              <a:rPr lang="zh-TW" altLang="en-US" sz="1400" b="1" spc="-15" dirty="0">
-                <a:solidFill>
-                  <a:srgbClr val="020302"/>
-                </a:solidFill>
-                <a:latin typeface="Adobe Clean"/>
-                <a:cs typeface="Adobe Clean"/>
-              </a:rPr>
-              <a:t>支援的區域範圍、當地營業時間和語言支援</a:t>
-            </a:r>
-            <a:endParaRPr lang="pl-PL" altLang="zh-TW" sz="1400" b="1" spc="-15" dirty="0">
-              <a:solidFill>
-                <a:srgbClr val="020302"/>
-              </a:solidFill>
-              <a:latin typeface="Adobe Clean"/>
-              <a:cs typeface="Adobe Clean"/>
+              <a:t>Regional scope of Adobe Support, Local Hours Of Operation And Language Support</a:t>
+            </a:r>
+            <a:endParaRPr lang="en-US" sz="1400" spc="-15">
+              <a:ea typeface="+mn-lt"/>
+              <a:cs typeface="+mn-lt"/>
             </a:endParaRPr>
           </a:p>
           <a:p>
-            <a:pPr lvl="0">
+            <a:pPr>
               <a:spcBef>
                 <a:spcPts val="915"/>
               </a:spcBef>
             </a:pPr>
             <a:r>
-              <a:rPr lang="en-US" altLang="zh-TW" sz="1000" spc="-15" dirty="0">
+              <a:rPr lang="en-US" sz="1000" spc="-15">
                 <a:solidFill>
                   <a:srgbClr val="1F1F1F"/>
                 </a:solidFill>
                 <a:latin typeface="AdobeClean-Light"/>
               </a:rPr>
-              <a:t>Adobe </a:t>
-            </a:r>
-            <a:r>
-              <a:rPr lang="zh-TW" altLang="en-US" sz="1000" spc="-15" dirty="0">
-                <a:solidFill>
-                  <a:srgbClr val="1F1F1F"/>
-                </a:solidFill>
-                <a:latin typeface="AdobeClean-Light"/>
-              </a:rPr>
-              <a:t>支援的區域範圍是透過將客戶的帳單地址 </a:t>
-            </a:r>
-            <a:r>
-              <a:rPr lang="en-US" altLang="zh-TW" sz="1000" spc="-15" dirty="0">
-                <a:solidFill>
-                  <a:srgbClr val="1F1F1F"/>
-                </a:solidFill>
-                <a:latin typeface="AdobeClean-Light"/>
-              </a:rPr>
-              <a:t>(</a:t>
-            </a:r>
-            <a:r>
-              <a:rPr lang="zh-TW" altLang="en-US" sz="1000" spc="-15" dirty="0">
-                <a:solidFill>
-                  <a:srgbClr val="1F1F1F"/>
-                </a:solidFill>
-                <a:latin typeface="AdobeClean-Light"/>
-              </a:rPr>
-              <a:t>通過銷售訂單或其他 </a:t>
-            </a:r>
-            <a:r>
-              <a:rPr lang="en-US" altLang="zh-TW" sz="1000" spc="-15" dirty="0">
-                <a:solidFill>
-                  <a:srgbClr val="1F1F1F"/>
-                </a:solidFill>
-                <a:latin typeface="AdobeClean-Light"/>
-              </a:rPr>
-              <a:t>Adobe </a:t>
-            </a:r>
-            <a:r>
-              <a:rPr lang="zh-TW" altLang="en-US" sz="1000" spc="-15" dirty="0">
-                <a:solidFill>
-                  <a:srgbClr val="1F1F1F"/>
-                </a:solidFill>
-                <a:latin typeface="AdobeClean-Light"/>
-              </a:rPr>
-              <a:t>支援採購文件</a:t>
-            </a:r>
-            <a:r>
-              <a:rPr lang="en-US" altLang="zh-TW" sz="1000" spc="-15" dirty="0">
-                <a:solidFill>
-                  <a:srgbClr val="1F1F1F"/>
-                </a:solidFill>
-                <a:latin typeface="AdobeClean-Light"/>
-              </a:rPr>
-              <a:t>) </a:t>
-            </a:r>
-            <a:r>
-              <a:rPr lang="zh-TW" altLang="en-US" sz="1000" spc="-15" dirty="0">
-                <a:solidFill>
-                  <a:srgbClr val="1F1F1F"/>
-                </a:solidFill>
-                <a:latin typeface="AdobeClean-Light"/>
-              </a:rPr>
-              <a:t>歸納於以下區域之一來建立的：</a:t>
-            </a:r>
-            <a:endParaRPr lang="de-de" sz="1000" spc="-15" dirty="0">
-              <a:solidFill>
-                <a:srgbClr val="1F1F1F"/>
-              </a:solidFill>
+              <a:t>The regional scope of Adobe Support is established by aligning the customer's billing address (via the Sales Order or other Adobe Support purchasing document) to one of the following regions:</a:t>
+            </a:r>
+            <a:endParaRPr lang="en-US" sz="1000">
               <a:latin typeface="AdobeClean-Light"/>
             </a:endParaRPr>
           </a:p>
@@ -15048,14 +16488,14 @@
           <p:nvPr>
             <p:extLst>
               <p:ext uri="{D42A27DB-BD31-4B8C-83A1-F6EECF244321}">
-                <p14:modId xmlns:p14="http://schemas.microsoft.com/office/powerpoint/2010/main" val="3128037044"/>
+                <p14:modId xmlns:p14="http://schemas.microsoft.com/office/powerpoint/2010/main" val="3975465108"/>
               </p:ext>
             </p:extLst>
           </p:nvPr>
         </p:nvGraphicFramePr>
         <p:xfrm>
           <a:off x="171128" y="5907213"/>
-          <a:ext cx="7391400" cy="1280160"/>
+          <a:ext cx="7391400" cy="1336040"/>
         </p:xfrm>
         <a:graphic>
           <a:graphicData uri="http://schemas.openxmlformats.org/drawingml/2006/table">
@@ -15101,13 +16541,13 @@
                     <a:p>
                       <a:pPr algn="ctr"/>
                       <a:r>
-                        <a:rPr lang="de-de" sz="1100" dirty="0">
+                        <a:rPr lang="en-US" sz="1100">
                           <a:solidFill>
                             <a:schemeClr val="tx1"/>
                           </a:solidFill>
                           <a:latin typeface="Adobe Clean" panose="020B0503020404020204" pitchFamily="34" charset="0"/>
                         </a:rPr>
-                        <a:t>美洲</a:t>
+                        <a:t>Americas</a:t>
                       </a:r>
                     </a:p>
                   </a:txBody>
@@ -15166,13 +16606,13 @@
                     <a:p>
                       <a:pPr algn="ctr"/>
                       <a:r>
-                        <a:rPr lang="de-de" sz="1100" dirty="0">
+                        <a:rPr lang="en-US" sz="1100">
                           <a:solidFill>
                             <a:schemeClr val="tx1"/>
                           </a:solidFill>
                           <a:latin typeface="Adobe Clean" panose="020B0503020404020204" pitchFamily="34" charset="0"/>
                         </a:rPr>
-                        <a:t>歐洲、中東與非洲</a:t>
+                        <a:t>Europe, Middle East &amp; Africa</a:t>
                       </a:r>
                     </a:p>
                   </a:txBody>
@@ -15231,13 +16671,13 @@
                     <a:p>
                       <a:pPr algn="ctr"/>
                       <a:r>
-                        <a:rPr lang="de-de" sz="1100" dirty="0">
+                        <a:rPr lang="en-US" sz="1100">
                           <a:solidFill>
                             <a:schemeClr val="tx1"/>
                           </a:solidFill>
                           <a:latin typeface="Adobe Clean" panose="020B0503020404020204" pitchFamily="34" charset="0"/>
                         </a:rPr>
-                        <a:t>亞太地區</a:t>
+                        <a:t>Asia Pacific</a:t>
                       </a:r>
                     </a:p>
                   </a:txBody>
@@ -15296,24 +16736,24 @@
                     <a:p>
                       <a:pPr algn="ctr"/>
                       <a:r>
-                        <a:rPr lang="de-de" sz="1100" dirty="0">
+                        <a:rPr lang="en-US" sz="1100">
                           <a:solidFill>
                             <a:schemeClr val="tx1"/>
                           </a:solidFill>
                           <a:latin typeface="Adobe Clean" panose="020B0503020404020204" pitchFamily="34" charset="0"/>
                         </a:rPr>
-                        <a:t>日本 </a:t>
+                        <a:t>Japan </a:t>
                       </a:r>
                       <a:r>
-                        <a:rPr lang="de-de" sz="1100" baseline="30000" dirty="0">
+                        <a:rPr lang="en-US" sz="1100" baseline="30000">
                           <a:solidFill>
                             <a:schemeClr val="tx1"/>
                           </a:solidFill>
                           <a:latin typeface="Adobe Clean" panose="020B0503020404020204" pitchFamily="34" charset="0"/>
                         </a:rPr>
-                        <a:t>1</a:t>
+                        <a:t>1 </a:t>
                       </a:r>
-                      <a:endParaRPr lang="en-US" sz="1100" dirty="0">
+                      <a:endParaRPr lang="en-US" sz="1100">
                         <a:solidFill>
                           <a:schemeClr val="tx1"/>
                         </a:solidFill>
@@ -15383,13 +16823,13 @@
                     <a:p>
                       <a:pPr algn="ctr"/>
                       <a:r>
-                        <a:rPr lang="de-de" sz="1100" dirty="0">
+                        <a:rPr lang="en-US" sz="1100">
                           <a:solidFill>
                             <a:schemeClr val="tx1"/>
                           </a:solidFill>
                           <a:latin typeface="Adobe Clean" panose="020B0503020404020204" pitchFamily="34" charset="0"/>
                         </a:rPr>
-                        <a:t>上午 6 點 – 下午 5:30</a:t>
+                        <a:t>6 am – 5:30 pm</a:t>
                       </a:r>
                     </a:p>
                   </a:txBody>
@@ -15448,13 +16888,13 @@
                     <a:p>
                       <a:pPr algn="ctr"/>
                       <a:r>
-                        <a:rPr lang="de-de" sz="1100" dirty="0">
+                        <a:rPr lang="en-US" sz="1100">
                           <a:solidFill>
                             <a:schemeClr val="tx1"/>
                           </a:solidFill>
                           <a:latin typeface="Adobe Clean" panose="020B0503020404020204" pitchFamily="34" charset="0"/>
                         </a:rPr>
-                        <a:t>上午 9 點 – 下午 5 點</a:t>
+                        <a:t>9 am – 5 pm</a:t>
                       </a:r>
                     </a:p>
                   </a:txBody>
@@ -15513,13 +16953,13 @@
                     <a:p>
                       <a:pPr algn="ctr"/>
                       <a:r>
-                        <a:rPr lang="de-de" sz="1100" dirty="0">
+                        <a:rPr lang="en-US" sz="1100">
                           <a:solidFill>
                             <a:schemeClr val="tx1"/>
                           </a:solidFill>
                           <a:latin typeface="Adobe Clean" panose="020B0503020404020204" pitchFamily="34" charset="0"/>
                         </a:rPr>
-                        <a:t>上午 9 點 – 下午 5 點</a:t>
+                        <a:t>9 am – 5 pm</a:t>
                       </a:r>
                     </a:p>
                   </a:txBody>
@@ -15578,13 +17018,13 @@
                     <a:p>
                       <a:pPr algn="ctr"/>
                       <a:r>
-                        <a:rPr lang="de-de" sz="1100" dirty="0">
+                        <a:rPr lang="en-US" sz="1100">
                           <a:solidFill>
                             <a:schemeClr val="tx1"/>
                           </a:solidFill>
                           <a:latin typeface="Adobe Clean" panose="020B0503020404020204" pitchFamily="34" charset="0"/>
                         </a:rPr>
-                        <a:t>上午 9 點 – 下午 5:30</a:t>
+                        <a:t>9 am – 5:30 pm</a:t>
                       </a:r>
                     </a:p>
                   </a:txBody>
@@ -15648,7 +17088,7 @@
                     <a:bodyPr/>
                     <a:lstStyle/>
                     <a:p>
-                      <a:pPr marL="0" marR="0" lvl="0" indent="0" algn="ctr" defTabSz="914400" eaLnBrk="1" fontAlgn="auto" latinLnBrk="0" hangingPunct="1">
+                      <a:pPr marL="0" marR="0" lvl="0" indent="0" algn="ctr" eaLnBrk="1" fontAlgn="auto" latinLnBrk="0" hangingPunct="1">
                         <a:lnSpc>
                           <a:spcPct val="100000"/>
                         </a:lnSpc>
@@ -15662,18 +17102,22 @@
                         <a:buSzTx/>
                         <a:buFontTx/>
                         <a:buNone/>
-                        <a:tabLst/>
-                        <a:defRPr/>
                       </a:pPr>
                       <a:r>
-                        <a:rPr lang="de-de" sz="1100" dirty="0">
+                        <a:rPr lang="en-US" sz="1100">
                           <a:solidFill>
                             <a:schemeClr val="tx1"/>
                           </a:solidFill>
-                          <a:latin typeface="Adobe Clean" panose="020B0503020404020204" pitchFamily="34" charset="0"/>
+                          <a:latin typeface="Adobe Clean"/>
                         </a:rPr>
-                        <a:t>僅提供英文和日文的語言支援</a:t>
+                        <a:t>Language support is only available in English and Japanese. </a:t>
                       </a:r>
+                      <a:endParaRPr lang="en-US" sz="1100">
+                        <a:solidFill>
+                          <a:schemeClr val="tx1"/>
+                        </a:solidFill>
+                        <a:latin typeface="Adobe Clean" panose="020B0503020404020204" pitchFamily="34" charset="0"/>
+                      </a:endParaRPr>
                     </a:p>
                     <a:p>
                       <a:pPr marL="0" marR="0" lvl="0" indent="0" algn="ctr" defTabSz="914400" eaLnBrk="1" fontAlgn="auto" latinLnBrk="0" hangingPunct="1">
@@ -15693,7 +17137,7 @@
                         <a:tabLst/>
                         <a:defRPr/>
                       </a:pPr>
-                      <a:endParaRPr kumimoji="0" lang="en-US" sz="1100" b="1" i="0" u="none" strike="noStrike" kern="0" cap="none" spc="0" normalizeH="0" baseline="30000" noProof="0" dirty="0">
+                      <a:endParaRPr kumimoji="0" lang="en-US" sz="1100" b="1" i="0" u="none" strike="noStrike" kern="0" cap="none" spc="0" normalizeH="0" baseline="30000" noProof="0">
                         <a:ln>
                           <a:noFill/>
                         </a:ln>
@@ -15711,46 +17155,37 @@
                     <a:p>
                       <a:pPr algn="ctr"/>
                       <a:r>
-                        <a:rPr lang="de-de" sz="1100" i="0" dirty="0">
+                        <a:rPr lang="en-US" sz="1100" i="0">
                           <a:solidFill>
                             <a:schemeClr val="tx1"/>
                           </a:solidFill>
-                          <a:latin typeface="Adobe Clean" panose="020B0503020404020204" pitchFamily="34" charset="0"/>
+                          <a:latin typeface="Adobe Clean"/>
                         </a:rPr>
-                        <a:t> </a:t>
+                        <a:t> </a:t>
                       </a:r>
                       <a:r>
-                        <a:rPr lang="de-de" sz="1100" i="0" baseline="30000" dirty="0">
+                        <a:rPr lang="en-US" sz="1100" i="0" baseline="30000">
                           <a:solidFill>
                             <a:schemeClr val="tx1"/>
                           </a:solidFill>
-                          <a:latin typeface="Adobe Clean" panose="020B0503020404020204" pitchFamily="34" charset="0"/>
+                          <a:latin typeface="Adobe Clean"/>
                         </a:rPr>
                         <a:t>1 </a:t>
                       </a:r>
                       <a:r>
-                        <a:rPr lang="de-de" sz="1100" i="0" dirty="0">
+                        <a:rPr lang="en-US" sz="1100" i="0">
                           <a:solidFill>
                             <a:schemeClr val="tx1"/>
                           </a:solidFill>
-                          <a:latin typeface="Adobe Clean" panose="020B0503020404020204" pitchFamily="34" charset="0"/>
+                          <a:latin typeface="Adobe Clean"/>
                         </a:rPr>
-                        <a:t>P2、P3、P4 </a:t>
+                        <a:t>P2, P3, P4 cases are limited to business hours only in Japan.</a:t>
                       </a:r>
-                      <a:r>
-                        <a:rPr lang="zh-TW" altLang="en-US" sz="1100" i="0">
-                          <a:solidFill>
-                            <a:schemeClr val="tx1"/>
-                          </a:solidFill>
-                          <a:latin typeface="Adobe Clean" panose="020B0503020404020204" pitchFamily="34" charset="0"/>
-                        </a:rPr>
-                        <a:t>案件僅限於在日本的營業時間提交。</a:t>
-                      </a:r>
-                      <a:endParaRPr lang="de-de" sz="1100" b="1" i="0" dirty="0">
+                      <a:endParaRPr lang="en-US" sz="1100" b="1" i="0">
                         <a:solidFill>
                           <a:schemeClr val="tx1"/>
                         </a:solidFill>
-                        <a:latin typeface="Adobe Clean" panose="020B0503020404020204" pitchFamily="34" charset="0"/>
+                        <a:latin typeface="Adobe Clean"/>
                       </a:endParaRPr>
                     </a:p>
                   </a:txBody>
@@ -15807,7 +17242,7 @@
                     <a:bodyPr/>
                     <a:lstStyle/>
                     <a:p>
-                      <a:endParaRPr lang="en-US" sz="1100" dirty="0">
+                      <a:endParaRPr lang="en-US" sz="1100">
                         <a:solidFill>
                           <a:schemeClr val="tx1"/>
                         </a:solidFill>
@@ -15868,7 +17303,7 @@
                     <a:bodyPr/>
                     <a:lstStyle/>
                     <a:p>
-                      <a:endParaRPr lang="en-US" sz="1100" dirty="0">
+                      <a:endParaRPr lang="en-US" sz="1100">
                         <a:solidFill>
                           <a:schemeClr val="tx1"/>
                         </a:solidFill>
@@ -15929,7 +17364,7 @@
                     <a:bodyPr/>
                     <a:lstStyle/>
                     <a:p>
-                      <a:endParaRPr lang="en-US" sz="1100" dirty="0">
+                      <a:endParaRPr lang="en-US" sz="1100">
                         <a:solidFill>
                           <a:schemeClr val="tx1"/>
                         </a:solidFill>
@@ -16115,36 +17550,126 @@
               </a:spcBef>
             </a:pPr>
             <a:r>
-              <a:rPr lang="de-de" sz="1200" b="1" spc="-15" dirty="0">
+              <a:rPr sz="1200" b="1" spc="-15">
                 <a:solidFill>
                   <a:srgbClr val="FFFFFF"/>
                 </a:solidFill>
                 <a:latin typeface="Adobe Clean"/>
                 <a:cs typeface="Adobe Clean"/>
               </a:rPr>
-              <a:t>無與倫比的</a:t>
-            </a:r>
-            <a:r>
-              <a:rPr lang="de-de" sz="1200" b="1" spc="-20" dirty="0">
+              <a:t>U</a:t>
+            </a:r>
+            <a:r>
+              <a:rPr sz="1200" b="1" spc="-20">
                 <a:solidFill>
                   <a:srgbClr val="FFFFFF"/>
                 </a:solidFill>
                 <a:latin typeface="Adobe Clean"/>
                 <a:cs typeface="Adobe Clean"/>
               </a:rPr>
-              <a:t>專業知識</a:t>
-            </a:r>
-            <a:r>
-              <a:rPr lang="de-de" sz="1200" b="1" dirty="0">
+              <a:t>n</a:t>
+            </a:r>
+            <a:r>
+              <a:rPr sz="1200" b="1" spc="-25">
                 <a:solidFill>
                   <a:srgbClr val="FFFFFF"/>
                 </a:solidFill>
                 <a:latin typeface="Adobe Clean"/>
                 <a:cs typeface="Adobe Clean"/>
               </a:rPr>
-              <a:t> </a:t>
-            </a:r>
-            <a:endParaRPr sz="1200" dirty="0">
+              <a:t>p</a:t>
+            </a:r>
+            <a:r>
+              <a:rPr sz="1200" b="1" spc="-15">
+                <a:solidFill>
+                  <a:srgbClr val="FFFFFF"/>
+                </a:solidFill>
+                <a:latin typeface="Adobe Clean"/>
+                <a:cs typeface="Adobe Clean"/>
+              </a:rPr>
+              <a:t>a</a:t>
+            </a:r>
+            <a:r>
+              <a:rPr sz="1200" b="1" spc="-25">
+                <a:solidFill>
+                  <a:srgbClr val="FFFFFF"/>
+                </a:solidFill>
+                <a:latin typeface="Adobe Clean"/>
+                <a:cs typeface="Adobe Clean"/>
+              </a:rPr>
+              <a:t>r</a:t>
+            </a:r>
+            <a:r>
+              <a:rPr sz="1200" b="1" spc="-15">
+                <a:solidFill>
+                  <a:srgbClr val="FFFFFF"/>
+                </a:solidFill>
+                <a:latin typeface="Adobe Clean"/>
+                <a:cs typeface="Adobe Clean"/>
+              </a:rPr>
+              <a:t>a</a:t>
+            </a:r>
+            <a:r>
+              <a:rPr sz="1200" b="1" spc="-30">
+                <a:solidFill>
+                  <a:srgbClr val="FFFFFF"/>
+                </a:solidFill>
+                <a:latin typeface="Adobe Clean"/>
+                <a:cs typeface="Adobe Clean"/>
+              </a:rPr>
+              <a:t>ll</a:t>
+            </a:r>
+            <a:r>
+              <a:rPr sz="1200" b="1" spc="-25">
+                <a:solidFill>
+                  <a:srgbClr val="FFFFFF"/>
+                </a:solidFill>
+                <a:latin typeface="Adobe Clean"/>
+                <a:cs typeface="Adobe Clean"/>
+              </a:rPr>
+              <a:t>e</a:t>
+            </a:r>
+            <a:r>
+              <a:rPr sz="1200" b="1" spc="-30">
+                <a:solidFill>
+                  <a:srgbClr val="FFFFFF"/>
+                </a:solidFill>
+                <a:latin typeface="Adobe Clean"/>
+                <a:cs typeface="Adobe Clean"/>
+              </a:rPr>
+              <a:t>l</a:t>
+            </a:r>
+            <a:r>
+              <a:rPr sz="1200" b="1" spc="-25">
+                <a:solidFill>
+                  <a:srgbClr val="FFFFFF"/>
+                </a:solidFill>
+                <a:latin typeface="Adobe Clean"/>
+                <a:cs typeface="Adobe Clean"/>
+              </a:rPr>
+              <a:t>e</a:t>
+            </a:r>
+            <a:r>
+              <a:rPr sz="1200" b="1">
+                <a:solidFill>
+                  <a:srgbClr val="FFFFFF"/>
+                </a:solidFill>
+                <a:latin typeface="Adobe Clean"/>
+                <a:cs typeface="Adobe Clean"/>
+              </a:rPr>
+              <a:t>d  </a:t>
+            </a:r>
+            <a:r>
+              <a:rPr sz="1200" b="1" spc="-25">
+                <a:solidFill>
+                  <a:srgbClr val="FFFFFF"/>
+                </a:solidFill>
+                <a:latin typeface="Adobe Clean"/>
+                <a:cs typeface="Adobe Clean"/>
+              </a:rPr>
+              <a:t>Expertise</a:t>
+            </a:r>
+            <a:endParaRPr sz="1200">
               <a:latin typeface="Adobe Clean"/>
               <a:cs typeface="Adobe Clean"/>
             </a:endParaRPr>
@@ -16187,16 +17712,16 @@
               </a:spcBef>
             </a:pPr>
             <a:r>
-              <a:rPr lang="de-de" sz="1200" b="1" spc="-15" dirty="0">
+              <a:rPr lang="en-US" sz="1200" b="1" spc="-15">
                 <a:solidFill>
                   <a:srgbClr val="FFFFFF"/>
                 </a:solidFill>
                 <a:latin typeface="Adobe Clean"/>
                 <a:cs typeface="Adobe Clean"/>
               </a:rPr>
-              <a:t>加速支援</a:t>
-            </a:r>
-            <a:endParaRPr sz="1200" dirty="0">
+              <a:t>Accelerated Support</a:t>
+            </a:r>
+            <a:endParaRPr sz="1200">
               <a:latin typeface="Adobe Clean"/>
               <a:cs typeface="Adobe Clean"/>
             </a:endParaRPr>
@@ -16239,46 +17764,106 @@
               </a:spcBef>
             </a:pPr>
             <a:r>
-              <a:rPr lang="de-de" sz="1200" b="1" spc="-50" dirty="0">
+              <a:rPr sz="1200" b="1" spc="-50">
                 <a:solidFill>
                   <a:srgbClr val="FFFFFF"/>
                 </a:solidFill>
                 <a:latin typeface="Adobe Clean"/>
                 <a:cs typeface="Adobe Clean"/>
               </a:rPr>
-              <a:t>策</a:t>
-            </a:r>
-            <a:r>
-              <a:rPr lang="de-de" sz="1200" b="1" spc="-20" dirty="0">
+              <a:t>S</a:t>
+            </a:r>
+            <a:r>
+              <a:rPr sz="1200" b="1" spc="-20">
                 <a:solidFill>
                   <a:srgbClr val="FFFFFF"/>
                 </a:solidFill>
                 <a:latin typeface="Adobe Clean"/>
                 <a:cs typeface="Adobe Clean"/>
               </a:rPr>
-              <a:t>略</a:t>
-            </a:r>
-            <a:r>
-              <a:rPr lang="de-de" sz="1200" b="1" spc="-75" dirty="0">
+              <a:t>t</a:t>
+            </a:r>
+            <a:r>
+              <a:rPr sz="1200" b="1" spc="-75">
                 <a:solidFill>
                   <a:srgbClr val="FFFFFF"/>
                 </a:solidFill>
                 <a:latin typeface="Adobe Clean"/>
                 <a:cs typeface="Adobe Clean"/>
               </a:rPr>
-              <a:t>性</a:t>
-            </a:r>
-            <a:r>
-              <a:rPr lang="de-de" sz="1200" b="1" spc="-45" dirty="0">
+              <a:t>r</a:t>
+            </a:r>
+            <a:r>
+              <a:rPr sz="1200" b="1" spc="-90">
                 <a:solidFill>
                   <a:srgbClr val="FFFFFF"/>
                 </a:solidFill>
                 <a:latin typeface="Adobe Clean"/>
                 <a:cs typeface="Adobe Clean"/>
               </a:rPr>
-              <a:t>建議</a:t>
-            </a:r>
-            <a:endParaRPr sz="1200" dirty="0">
+              <a:t>a</a:t>
+            </a:r>
+            <a:r>
+              <a:rPr sz="1200" b="1" spc="-55">
+                <a:solidFill>
+                  <a:srgbClr val="FFFFFF"/>
+                </a:solidFill>
+                <a:latin typeface="Adobe Clean"/>
+                <a:cs typeface="Adobe Clean"/>
+              </a:rPr>
+              <a:t>t</a:t>
+            </a:r>
+            <a:r>
+              <a:rPr sz="1200" b="1" spc="-100">
+                <a:solidFill>
+                  <a:srgbClr val="FFFFFF"/>
+                </a:solidFill>
+                <a:latin typeface="Adobe Clean"/>
+                <a:cs typeface="Adobe Clean"/>
+              </a:rPr>
+              <a:t>e</a:t>
+            </a:r>
+            <a:r>
+              <a:rPr sz="1200" b="1" spc="-80">
+                <a:solidFill>
+                  <a:srgbClr val="FFFFFF"/>
+                </a:solidFill>
+                <a:latin typeface="Adobe Clean"/>
+                <a:cs typeface="Adobe Clean"/>
+              </a:rPr>
+              <a:t>g</a:t>
+            </a:r>
+            <a:r>
+              <a:rPr sz="1200" b="1" spc="-35">
+                <a:solidFill>
+                  <a:srgbClr val="FFFFFF"/>
+                </a:solidFill>
+                <a:latin typeface="Adobe Clean"/>
+                <a:cs typeface="Adobe Clean"/>
+              </a:rPr>
+              <a:t>i</a:t>
+            </a:r>
+            <a:r>
+              <a:rPr sz="1200" b="1">
+                <a:solidFill>
+                  <a:srgbClr val="FFFFFF"/>
+                </a:solidFill>
+                <a:latin typeface="Adobe Clean"/>
+                <a:cs typeface="Adobe Clean"/>
+              </a:rPr>
+              <a:t>c  </a:t>
+            </a:r>
+            <a:r>
+              <a:rPr sz="1200" b="1" spc="-45">
+                <a:solidFill>
+                  <a:srgbClr val="FFFFFF"/>
+                </a:solidFill>
+                <a:latin typeface="Adobe Clean"/>
+                <a:cs typeface="Adobe Clean"/>
+              </a:rPr>
+              <a:t>Advice</a:t>
+            </a:r>
+            <a:endParaRPr sz="1200">
               <a:latin typeface="Adobe Clean"/>
               <a:cs typeface="Adobe Clean"/>
             </a:endParaRPr>
@@ -16307,7 +17892,7 @@
         </p:nvGraphicFramePr>
         <p:xfrm>
           <a:off x="194236" y="1059345"/>
-          <a:ext cx="7368291" cy="2473960"/>
+          <a:ext cx="7368291" cy="2931160"/>
         </p:xfrm>
         <a:graphic>
           <a:graphicData uri="http://schemas.openxmlformats.org/drawingml/2006/table">
@@ -16338,7 +17923,7 @@
                     <a:lstStyle/>
                     <a:p>
                       <a:r>
-                        <a:rPr lang="de-de" sz="1100" b="0" dirty="0">
+                        <a:rPr lang="en-US" sz="1100" b="0">
                           <a:solidFill>
                             <a:schemeClr val="tx1"/>
                           </a:solidFill>
@@ -16349,7 +17934,7 @@
                         </a:rPr>
                         <a:t>Experience League</a:t>
                       </a:r>
-                      <a:endParaRPr lang="en-US" sz="1100" b="0" dirty="0">
+                      <a:endParaRPr lang="en-US" sz="1100" b="0">
                         <a:solidFill>
                           <a:schemeClr val="tx1"/>
                         </a:solidFill>
@@ -16430,7 +18015,7 @@
                         <a:defRPr/>
                       </a:pPr>
                       <a:r>
-                        <a:rPr lang="de-de" sz="1000" b="0" kern="1200" dirty="0">
+                        <a:rPr lang="en-US" sz="1000" b="0" kern="1200">
                           <a:solidFill>
                             <a:srgbClr val="000000"/>
                           </a:solidFill>
@@ -16438,7 +18023,7 @@
                           <a:ea typeface="+mn-ea"/>
                           <a:cs typeface="+mn-cs"/>
                         </a:rPr>
-                        <a:t>Experience League 是 Adobe 幫助企業經由其所做的 Adobe 投資來實現預期價值的方式。這是一個統一的位置，客戶可以在這裡學習、交流並沿著個人化的成功路徑而成長，這裡有提供自助式教學課程、產品文件、由講師授課的培訓課程、社群及技術支援。</a:t>
+                        <a:t>Experience League is how Adobe helps businesses achieve the value they expect from their Adobe investment. It’s the unified place where customers can learn, connect, and grow along a personalized path to success that includes self-help tutorials, product documentation, instructor-led training, community and technical support. </a:t>
                       </a:r>
                     </a:p>
                   </a:txBody>
@@ -16520,7 +18105,7 @@
                         <a:defRPr/>
                       </a:pPr>
                       <a:r>
-                        <a:rPr lang="de-de" sz="1100" dirty="0">
+                        <a:rPr lang="en-US" sz="1100">
                           <a:solidFill>
                             <a:schemeClr val="dk1"/>
                           </a:solidFill>
@@ -16530,9 +18115,21 @@
                           <a:cs typeface="+mn-cs"/>
                           <a:hlinkClick r:id="rId8"/>
                         </a:rPr>
-                        <a:t>培訓</a:t>
+                        <a:t>Training</a:t>
                       </a:r>
-                      <a:endParaRPr lang="en-US" sz="1100" dirty="0">
+                      <a:r>
+                        <a:rPr lang="en-US" sz="1100">
+                          <a:solidFill>
+                            <a:schemeClr val="dk1"/>
+                          </a:solidFill>
+                          <a:effectLst/>
+                          <a:latin typeface="Adobe Clean" panose="020B0503020404020204" pitchFamily="34" charset="0"/>
+                          <a:ea typeface="+mn-ea"/>
+                          <a:cs typeface="+mn-cs"/>
+                        </a:rPr>
+                        <a:t> </a:t>
+                      </a:r>
+                      <a:endParaRPr lang="en-US" sz="1100">
                         <a:solidFill>
                           <a:schemeClr val="tx1"/>
                         </a:solidFill>
@@ -16614,7 +18211,7 @@
                         <a:defRPr/>
                       </a:pPr>
                       <a:r>
-                        <a:rPr lang="de-de" sz="1000" kern="1200" dirty="0">
+                        <a:rPr lang="en-US" sz="1000" kern="1200">
                           <a:solidFill>
                             <a:srgbClr val="000000"/>
                           </a:solidFill>
@@ -16622,7 +18219,7 @@
                           <a:ea typeface="+mn-ea"/>
                           <a:cs typeface="+mn-cs"/>
                         </a:rPr>
-                        <a:t>您可以從 Experience League 存取 Adobe 數位學習服務課程。學習課程整合了隨需和教師指導的課程。在這裡，您可以習取市場公認價值的技能，並將其定位以促進貴組織獲致成功。</a:t>
+                        <a:t>Adobe Digital Learning Services courses are accessible from Experience League. Learning courses integrate both on-demand and instructor-led lessons.  Here you can accrue skills that have recognized market value and position them to drive success in your organizations.</a:t>
                       </a:r>
                     </a:p>
                   </a:txBody>
@@ -16704,7 +18301,7 @@
                         <a:defRPr/>
                       </a:pPr>
                       <a:r>
-                        <a:rPr lang="de-de" sz="1100" dirty="0">
+                        <a:rPr lang="en-US" sz="1100">
                           <a:solidFill>
                             <a:schemeClr val="tx1"/>
                           </a:solidFill>
@@ -16714,9 +18311,9 @@
                           <a:cs typeface="+mn-cs"/>
                           <a:hlinkClick r:id="rId9"/>
                         </a:rPr>
-                        <a:t>生產問題與系統中斷</a:t>
+                        <a:t>Production Issues &amp; System Outages</a:t>
                       </a:r>
-                      <a:endParaRPr lang="en-US" sz="1100" dirty="0">
+                      <a:endParaRPr lang="en-US" sz="1100">
                         <a:solidFill>
                           <a:schemeClr val="tx1"/>
                         </a:solidFill>
@@ -16798,7 +18395,7 @@
                         <a:defRPr/>
                       </a:pPr>
                       <a:r>
-                        <a:rPr lang="de-de" sz="1000" kern="1200" dirty="0">
+                        <a:rPr lang="en-US" sz="1000" kern="1200">
                           <a:solidFill>
                             <a:srgbClr val="000000"/>
                           </a:solidFill>
@@ -16806,7 +18403,7 @@
                           <a:ea typeface="+mn-ea"/>
                           <a:cs typeface="+mn-cs"/>
                         </a:rPr>
-                        <a:t>Status.adobe.com 會傳達所有在多租用戶環境中部署的 Adobe 產品與服務的健康資訊。客戶可以選擇其訂閱偏好設定，以便在 Adobe 建立、更新或解決產品事件時收到電子郵件通知。這可以包括預定的維護或是不同嚴重性等級的服務問題。</a:t>
+                        <a:t>Status.adobe.com conveys the health information of all Adobe products and services that are deployed in multi-tenant environments. Customers can choose their subscription preferences to get email notifications whenever Adobe creates, updates or resolves a product event. This can include scheduled maintenance or service issues of varying levels of severity. </a:t>
                       </a:r>
                     </a:p>
                   </a:txBody>
@@ -16888,7 +18485,7 @@
                         <a:defRPr/>
                       </a:pPr>
                       <a:r>
-                        <a:rPr lang="de-de" sz="1100" dirty="0">
+                        <a:rPr lang="en-US" sz="1100">
                           <a:solidFill>
                             <a:schemeClr val="tx1"/>
                           </a:solidFill>
@@ -16898,9 +18495,9 @@
                           <a:cs typeface="+mn-cs"/>
                           <a:hlinkClick r:id="rId10"/>
                         </a:rPr>
-                        <a:t>條款與條件</a:t>
+                        <a:t>Terms and Conditions</a:t>
                       </a:r>
-                      <a:endParaRPr lang="en-US" sz="1100" dirty="0">
+                      <a:endParaRPr lang="en-US" sz="1100">
                         <a:solidFill>
                           <a:schemeClr val="tx1"/>
                         </a:solidFill>
@@ -16965,7 +18562,7 @@
                     <a:lstStyle/>
                     <a:p>
                       <a:r>
-                        <a:rPr lang="de-de" sz="1000" kern="1200" dirty="0">
+                        <a:rPr lang="en-US" sz="1000" kern="1200">
                           <a:solidFill>
                             <a:srgbClr val="000000"/>
                           </a:solidFill>
@@ -16973,7 +18570,7 @@
                           <a:ea typeface="+mn-ea"/>
                           <a:cs typeface="+mn-cs"/>
                         </a:rPr>
-                        <a:t>詳述支援服務方案的條款與條件</a:t>
+                        <a:t>Terms and conditions detailing Support Services offerings</a:t>
                       </a:r>
                     </a:p>
                   </a:txBody>
@@ -17037,7 +18634,7 @@
       </p:graphicFrame>
       <p:pic>
         <p:nvPicPr>
-          <p:cNvPr id="8" name="Graphic 7" descr="目標大綱">
+          <p:cNvPr id="8" name="Graphic 7" descr="Target outline">
             <a:extLst>
               <a:ext uri="{FF2B5EF4-FFF2-40B4-BE49-F238E27FC236}">
                 <a16:creationId xmlns:a16="http://schemas.microsoft.com/office/drawing/2014/main" id="{1EAA263E-04A7-0D46-952E-EA3033B45116}"/>
@@ -17076,7 +18673,7 @@
       </p:pic>
       <p:pic>
         <p:nvPicPr>
-          <p:cNvPr id="10" name="Graphic 9" descr="火箭大綱">
+          <p:cNvPr id="10" name="Graphic 9" descr="Rocket outline">
             <a:extLst>
               <a:ext uri="{FF2B5EF4-FFF2-40B4-BE49-F238E27FC236}">
                 <a16:creationId xmlns:a16="http://schemas.microsoft.com/office/drawing/2014/main" id="{A068EBC3-B418-4E4A-A520-101CA4B39F23}"/>
@@ -17115,7 +18712,7 @@
       </p:pic>
       <p:pic>
         <p:nvPicPr>
-          <p:cNvPr id="12" name="Graphic 11" descr="獎章概述">
+          <p:cNvPr id="12" name="Graphic 11" descr="Medal outline">
             <a:extLst>
               <a:ext uri="{FF2B5EF4-FFF2-40B4-BE49-F238E27FC236}">
                 <a16:creationId xmlns:a16="http://schemas.microsoft.com/office/drawing/2014/main" id="{C7BEFC2D-0CA6-0448-B9FA-6E1581CA6D36}"/>
@@ -17744,12 +19341,6 @@
 </file>
 
 <file path=customXml/item1.xml><?xml version="1.0" encoding="utf-8"?>
-<p:properties xmlns:p="http://schemas.microsoft.com/office/2006/metadata/properties" xmlns:xsi="http://www.w3.org/2001/XMLSchema-instance" xmlns:pc="http://schemas.microsoft.com/office/infopath/2007/PartnerControls">
-  <documentManagement/>
-</p:properties>
-</file>
-
-<file path=customXml/item2.xml><?xml version="1.0" encoding="utf-8"?>
 <?mso-contentType ?>
 <FormTemplates xmlns="http://schemas.microsoft.com/sharepoint/v3/contenttype/forms">
   <Display>DocumentLibraryForm</Display>
@@ -17758,7 +19349,7 @@
 </FormTemplates>
 </file>
 
-<file path=customXml/item3.xml><?xml version="1.0" encoding="utf-8"?>
+<file path=customXml/item2.xml><?xml version="1.0" encoding="utf-8"?>
 <ct:contentTypeSchema xmlns:ct="http://schemas.microsoft.com/office/2006/metadata/contentType" xmlns:ma="http://schemas.microsoft.com/office/2006/metadata/properties/metaAttributes" ct:_="" ma:_="" ma:contentTypeName="Document" ma:contentTypeID="0x010100E783BF6876BCC646A459363AF21A7736" ma:contentTypeVersion="10" ma:contentTypeDescription="Create a new document." ma:contentTypeScope="" ma:versionID="c4ffda7f4f415767600769e454c2ea87">
   <xsd:schema xmlns:xsd="http://www.w3.org/2001/XMLSchema" xmlns:xs="http://www.w3.org/2001/XMLSchema" xmlns:p="http://schemas.microsoft.com/office/2006/metadata/properties" xmlns:ns2="8a053bff-88be-49e4-9a87-e748e18b8b62" xmlns:ns3="6c8368ec-3776-49b5-a5bb-90648cf9530f" targetNamespace="http://schemas.microsoft.com/office/2006/metadata/properties" ma:root="true" ma:fieldsID="df3ec33bccc23e23bce7bc897fad43d1" ns2:_="" ns3:_="">
     <xsd:import namespace="8a053bff-88be-49e4-9a87-e748e18b8b62"/>
@@ -17963,16 +19554,13 @@
 </ct:contentTypeSchema>
 </file>
 
-<file path=customXml/itemProps1.xml><?xml version="1.0" encoding="utf-8"?>
-<ds:datastoreItem xmlns:ds="http://schemas.openxmlformats.org/officeDocument/2006/customXml" ds:itemID="{CED41536-010B-47B1-9229-B72BE4090090}">
-  <ds:schemaRefs>
-    <ds:schemaRef ds:uri="http://schemas.microsoft.com/office/2006/metadata/properties"/>
-    <ds:schemaRef ds:uri="http://schemas.microsoft.com/office/infopath/2007/PartnerControls"/>
-  </ds:schemaRefs>
-</ds:datastoreItem>
+<file path=customXml/item3.xml><?xml version="1.0" encoding="utf-8"?>
+<p:properties xmlns:p="http://schemas.microsoft.com/office/2006/metadata/properties" xmlns:xsi="http://www.w3.org/2001/XMLSchema-instance" xmlns:pc="http://schemas.microsoft.com/office/infopath/2007/PartnerControls">
+  <documentManagement/>
+</p:properties>
 </file>
 
-<file path=customXml/itemProps2.xml><?xml version="1.0" encoding="utf-8"?>
+<file path=customXml/itemProps1.xml><?xml version="1.0" encoding="utf-8"?>
 <ds:datastoreItem xmlns:ds="http://schemas.openxmlformats.org/officeDocument/2006/customXml" ds:itemID="{669D9D3B-3229-44EE-9964-24A06AE66887}">
   <ds:schemaRefs>
     <ds:schemaRef ds:uri="http://schemas.microsoft.com/sharepoint/v3/contenttype/forms"/>
@@ -17980,21 +19568,30 @@
 </ds:datastoreItem>
 </file>
 
-<file path=customXml/itemProps3.xml><?xml version="1.0" encoding="utf-8"?>
+<file path=customXml/itemProps2.xml><?xml version="1.0" encoding="utf-8"?>
 <ds:datastoreItem xmlns:ds="http://schemas.openxmlformats.org/officeDocument/2006/customXml" ds:itemID="{75C1A8FD-3884-41A0-BE37-D15776C885D1}">
   <ds:schemaRefs>
-    <ds:schemaRef ds:uri="http://schemas.microsoft.com/office/2006/metadata/contentType"/>
-    <ds:schemaRef ds:uri="http://schemas.microsoft.com/office/2006/metadata/properties/metaAttributes"/>
-    <ds:schemaRef ds:uri="http://www.w3.org/2001/XMLSchema"/>
-    <ds:schemaRef ds:uri="http://schemas.microsoft.com/office/2006/metadata/properties"/>
+    <ds:schemaRef ds:uri="6c8368ec-3776-49b5-a5bb-90648cf9530f"/>
     <ds:schemaRef ds:uri="8a053bff-88be-49e4-9a87-e748e18b8b62"/>
-    <ds:schemaRef ds:uri="6c8368ec-3776-49b5-a5bb-90648cf9530f"/>
-    <ds:schemaRef ds:uri="http://schemas.microsoft.com/office/2006/documentManagement/types"/>
-    <ds:schemaRef ds:uri="http://schemas.microsoft.com/office/infopath/2007/PartnerControls"/>
-    <ds:schemaRef ds:uri="http://schemas.openxmlformats.org/package/2006/metadata/core-properties"/>
     <ds:schemaRef ds:uri="http://purl.org/dc/elements/1.1/"/>
     <ds:schemaRef ds:uri="http://purl.org/dc/terms/"/>
     <ds:schemaRef ds:uri="http://schemas.microsoft.com/internal/obd"/>
+    <ds:schemaRef ds:uri="http://schemas.microsoft.com/office/2006/documentManagement/types"/>
+    <ds:schemaRef ds:uri="http://schemas.microsoft.com/office/2006/metadata/contentType"/>
+    <ds:schemaRef ds:uri="http://schemas.microsoft.com/office/2006/metadata/properties"/>
+    <ds:schemaRef ds:uri="http://schemas.microsoft.com/office/2006/metadata/properties/metaAttributes"/>
+    <ds:schemaRef ds:uri="http://schemas.microsoft.com/office/infopath/2007/PartnerControls"/>
+    <ds:schemaRef ds:uri="http://schemas.openxmlformats.org/package/2006/metadata/core-properties"/>
+    <ds:schemaRef ds:uri="http://www.w3.org/2001/XMLSchema"/>
+  </ds:schemaRefs>
+</ds:datastoreItem>
+</file>
+
+<file path=customXml/itemProps3.xml><?xml version="1.0" encoding="utf-8"?>
+<ds:datastoreItem xmlns:ds="http://schemas.openxmlformats.org/officeDocument/2006/customXml" ds:itemID="{CED41536-010B-47B1-9229-B72BE4090090}">
+  <ds:schemaRefs>
+    <ds:schemaRef ds:uri="http://schemas.microsoft.com/office/2006/metadata/properties"/>
+    <ds:schemaRef ds:uri="http://schemas.microsoft.com/office/infopath/2007/PartnerControls"/>
   </ds:schemaRefs>
 </ds:datastoreItem>
 </file>
--- a/help/data-sheets/assets/EliteSupportDatasheet.pptx
+++ b/help/data-sheets/assets/EliteSupportDatasheet.pptx
@@ -151,141 +151,9 @@
 <file path=ppt/revisionInfo.xml><?xml version="1.0" encoding="utf-8"?>
 <p1510:revInfo xmlns:a="http://schemas.openxmlformats.org/drawingml/2006/main" xmlns:r="http://schemas.openxmlformats.org/officeDocument/2006/relationships" xmlns:p1510="http://schemas.microsoft.com/office/powerpoint/2015/10/main">
   <p1510:revLst>
-    <p1510:client id="{1E4B2740-C02D-6848-8C88-402A980B28DC}" v="27" dt="2022-01-20T17:33:40.354"/>
+    <p1510:client id="{86768B6F-E5DF-274A-B928-9320E1DF9962}" v="132" dt="2021-08-07T02:18:13.925"/>
   </p1510:revLst>
 </p1510:revInfo>
-</file>
-
-<file path=ppt/changesInfos/changesInfo1.xml><?xml version="1.0" encoding="utf-8"?>
-<pc:chgInfo xmlns:a="http://schemas.openxmlformats.org/drawingml/2006/main" xmlns:r="http://schemas.openxmlformats.org/officeDocument/2006/relationships" xmlns:ac="http://schemas.microsoft.com/office/drawing/2013/main/command" xmlns:pc="http://schemas.microsoft.com/office/powerpoint/2013/main/command">
-  <pc:docChgLst>
-    <pc:chgData name="Lauren Schutte" userId="6e08b2d3-447a-4d66-86be-444d50df187f" providerId="ADAL" clId="{0BC4D7A0-4BBD-1B49-BE14-170949F0EA37}"/>
-    <pc:docChg chg="modSld">
-      <pc:chgData name="Lauren Schutte" userId="6e08b2d3-447a-4d66-86be-444d50df187f" providerId="ADAL" clId="{0BC4D7A0-4BBD-1B49-BE14-170949F0EA37}" dt="2021-10-13T19:10:14.671" v="3" actId="1035"/>
-      <pc:docMkLst>
-        <pc:docMk/>
-      </pc:docMkLst>
-      <pc:sldChg chg="modSp mod">
-        <pc:chgData name="Lauren Schutte" userId="6e08b2d3-447a-4d66-86be-444d50df187f" providerId="ADAL" clId="{0BC4D7A0-4BBD-1B49-BE14-170949F0EA37}" dt="2021-10-13T19:10:14.671" v="3" actId="1035"/>
-        <pc:sldMkLst>
-          <pc:docMk/>
-          <pc:sldMk cId="0" sldId="256"/>
-        </pc:sldMkLst>
-        <pc:spChg chg="mod">
-          <ac:chgData name="Lauren Schutte" userId="6e08b2d3-447a-4d66-86be-444d50df187f" providerId="ADAL" clId="{0BC4D7A0-4BBD-1B49-BE14-170949F0EA37}" dt="2021-10-13T19:10:14.671" v="3" actId="1035"/>
-          <ac:spMkLst>
-            <pc:docMk/>
-            <pc:sldMk cId="0" sldId="256"/>
-            <ac:spMk id="4" creationId="{00000000-0000-0000-0000-000000000000}"/>
-          </ac:spMkLst>
-        </pc:spChg>
-      </pc:sldChg>
-    </pc:docChg>
-  </pc:docChgLst>
-  <pc:docChgLst>
-    <pc:chgData name="Akilah Johnson" userId="S::akjohnso@adobe.com::2fa3aa60-0c9c-4d06-bae2-795983241227" providerId="AD" clId="Web-{6321287A-37E3-E99F-4766-DFF993179103}"/>
-    <pc:docChg chg="modSld">
-      <pc:chgData name="Akilah Johnson" userId="S::akjohnso@adobe.com::2fa3aa60-0c9c-4d06-bae2-795983241227" providerId="AD" clId="Web-{6321287A-37E3-E99F-4766-DFF993179103}" dt="2021-11-24T00:05:14.840" v="5"/>
-      <pc:docMkLst>
-        <pc:docMk/>
-      </pc:docMkLst>
-      <pc:sldChg chg="modSp">
-        <pc:chgData name="Akilah Johnson" userId="S::akjohnso@adobe.com::2fa3aa60-0c9c-4d06-bae2-795983241227" providerId="AD" clId="Web-{6321287A-37E3-E99F-4766-DFF993179103}" dt="2021-11-24T00:05:14.840" v="5"/>
-        <pc:sldMkLst>
-          <pc:docMk/>
-          <pc:sldMk cId="0" sldId="256"/>
-        </pc:sldMkLst>
-        <pc:graphicFrameChg chg="mod modGraphic">
-          <ac:chgData name="Akilah Johnson" userId="S::akjohnso@adobe.com::2fa3aa60-0c9c-4d06-bae2-795983241227" providerId="AD" clId="Web-{6321287A-37E3-E99F-4766-DFF993179103}" dt="2021-11-24T00:05:14.840" v="5"/>
-          <ac:graphicFrameMkLst>
-            <pc:docMk/>
-            <pc:sldMk cId="0" sldId="256"/>
-            <ac:graphicFrameMk id="7" creationId="{00000000-0000-0000-0000-000000000000}"/>
-          </ac:graphicFrameMkLst>
-        </pc:graphicFrameChg>
-      </pc:sldChg>
-    </pc:docChg>
-  </pc:docChgLst>
-  <pc:docChgLst>
-    <pc:chgData name="Ankita Sood" userId="c93a62e3-2a47-429d-82c6-c2a8fd110ae7" providerId="ADAL" clId="{1E4B2740-C02D-6848-8C88-402A980B28DC}"/>
-    <pc:docChg chg="modSld">
-      <pc:chgData name="Ankita Sood" userId="c93a62e3-2a47-429d-82c6-c2a8fd110ae7" providerId="ADAL" clId="{1E4B2740-C02D-6848-8C88-402A980B28DC}" dt="2022-01-20T19:39:05.294" v="34" actId="20577"/>
-      <pc:docMkLst>
-        <pc:docMk/>
-      </pc:docMkLst>
-      <pc:sldChg chg="modSp mod">
-        <pc:chgData name="Ankita Sood" userId="c93a62e3-2a47-429d-82c6-c2a8fd110ae7" providerId="ADAL" clId="{1E4B2740-C02D-6848-8C88-402A980B28DC}" dt="2022-01-20T19:39:05.294" v="34" actId="20577"/>
-        <pc:sldMkLst>
-          <pc:docMk/>
-          <pc:sldMk cId="0" sldId="256"/>
-        </pc:sldMkLst>
-        <pc:spChg chg="mod">
-          <ac:chgData name="Ankita Sood" userId="c93a62e3-2a47-429d-82c6-c2a8fd110ae7" providerId="ADAL" clId="{1E4B2740-C02D-6848-8C88-402A980B28DC}" dt="2022-01-20T19:39:05.294" v="34" actId="20577"/>
-          <ac:spMkLst>
-            <pc:docMk/>
-            <pc:sldMk cId="0" sldId="256"/>
-            <ac:spMk id="3" creationId="{00000000-0000-0000-0000-000000000000}"/>
-          </ac:spMkLst>
-        </pc:spChg>
-        <pc:graphicFrameChg chg="modGraphic">
-          <ac:chgData name="Ankita Sood" userId="c93a62e3-2a47-429d-82c6-c2a8fd110ae7" providerId="ADAL" clId="{1E4B2740-C02D-6848-8C88-402A980B28DC}" dt="2022-01-20T17:33:31.472" v="18" actId="20577"/>
-          <ac:graphicFrameMkLst>
-            <pc:docMk/>
-            <pc:sldMk cId="0" sldId="256"/>
-            <ac:graphicFrameMk id="7" creationId="{00000000-0000-0000-0000-000000000000}"/>
-          </ac:graphicFrameMkLst>
-        </pc:graphicFrameChg>
-        <pc:graphicFrameChg chg="modGraphic">
-          <ac:chgData name="Ankita Sood" userId="c93a62e3-2a47-429d-82c6-c2a8fd110ae7" providerId="ADAL" clId="{1E4B2740-C02D-6848-8C88-402A980B28DC}" dt="2022-01-20T17:33:27.794" v="10" actId="20577"/>
-          <ac:graphicFrameMkLst>
-            <pc:docMk/>
-            <pc:sldMk cId="0" sldId="256"/>
-            <ac:graphicFrameMk id="13" creationId="{8FC06D05-42C7-D14C-86E4-0F01711669B9}"/>
-          </ac:graphicFrameMkLst>
-        </pc:graphicFrameChg>
-      </pc:sldChg>
-      <pc:sldChg chg="modSp mod">
-        <pc:chgData name="Ankita Sood" userId="c93a62e3-2a47-429d-82c6-c2a8fd110ae7" providerId="ADAL" clId="{1E4B2740-C02D-6848-8C88-402A980B28DC}" dt="2022-01-20T17:33:40.355" v="26" actId="20577"/>
-        <pc:sldMkLst>
-          <pc:docMk/>
-          <pc:sldMk cId="3982262141" sldId="262"/>
-        </pc:sldMkLst>
-        <pc:spChg chg="mod">
-          <ac:chgData name="Ankita Sood" userId="c93a62e3-2a47-429d-82c6-c2a8fd110ae7" providerId="ADAL" clId="{1E4B2740-C02D-6848-8C88-402A980B28DC}" dt="2022-01-20T17:33:40.355" v="26" actId="20577"/>
-          <ac:spMkLst>
-            <pc:docMk/>
-            <pc:sldMk cId="3982262141" sldId="262"/>
-            <ac:spMk id="81" creationId="{68CE4601-87A9-E645-841C-EE142932AEED}"/>
-          </ac:spMkLst>
-        </pc:spChg>
-      </pc:sldChg>
-    </pc:docChg>
-  </pc:docChgLst>
-  <pc:docChgLst>
-    <pc:chgData name="Akilah Johnson" userId="2fa3aa60-0c9c-4d06-bae2-795983241227" providerId="ADAL" clId="{4F9F8D59-37FF-0B43-9EF5-31D48C73FC8D}"/>
-    <pc:docChg chg="modSld">
-      <pc:chgData name="Akilah Johnson" userId="2fa3aa60-0c9c-4d06-bae2-795983241227" providerId="ADAL" clId="{4F9F8D59-37FF-0B43-9EF5-31D48C73FC8D}" dt="2021-11-24T00:07:01.857" v="8" actId="20577"/>
-      <pc:docMkLst>
-        <pc:docMk/>
-      </pc:docMkLst>
-      <pc:sldChg chg="modSp mod">
-        <pc:chgData name="Akilah Johnson" userId="2fa3aa60-0c9c-4d06-bae2-795983241227" providerId="ADAL" clId="{4F9F8D59-37FF-0B43-9EF5-31D48C73FC8D}" dt="2021-11-24T00:07:01.857" v="8" actId="20577"/>
-        <pc:sldMkLst>
-          <pc:docMk/>
-          <pc:sldMk cId="0" sldId="256"/>
-        </pc:sldMkLst>
-        <pc:graphicFrameChg chg="modGraphic">
-          <ac:chgData name="Akilah Johnson" userId="2fa3aa60-0c9c-4d06-bae2-795983241227" providerId="ADAL" clId="{4F9F8D59-37FF-0B43-9EF5-31D48C73FC8D}" dt="2021-11-24T00:07:01.857" v="8" actId="20577"/>
-          <ac:graphicFrameMkLst>
-            <pc:docMk/>
-            <pc:sldMk cId="0" sldId="256"/>
-            <ac:graphicFrameMk id="7" creationId="{00000000-0000-0000-0000-000000000000}"/>
-          </ac:graphicFrameMkLst>
-        </pc:graphicFrameChg>
-      </pc:sldChg>
-    </pc:docChg>
-  </pc:docChgLst>
-</pc:chgInfo>
 </file>
 
 <file path=ppt/notesMasters/notesMaster1.xml><?xml version="1.0" encoding="utf-8"?>
@@ -370,7 +238,7 @@
           <a:p>
             <a:fld id="{C12E57D6-2086-AA47-A7A4-C0CDE7C14E44}" type="datetimeFigureOut">
               <a:rPr lang="en-US" smtClean="0"/>
-              <a:t>1/20/22</a:t>
+              <a:t>02/03/2022</a:t>
             </a:fld>
             <a:endParaRPr lang="en-US"/>
           </a:p>
@@ -681,7 +549,7 @@
           <a:bodyPr/>
           <a:lstStyle/>
           <a:p>
-            <a:endParaRPr lang="en-US"/>
+            <a:endParaRPr lang="en-US" dirty="0"/>
           </a:p>
         </p:txBody>
       </p:sp>
@@ -765,7 +633,7 @@
           <a:bodyPr/>
           <a:lstStyle/>
           <a:p>
-            <a:endParaRPr lang="en-US"/>
+            <a:endParaRPr lang="en-US" dirty="0"/>
           </a:p>
         </p:txBody>
       </p:sp>
@@ -944,7 +812,7 @@
           <a:p>
             <a:fld id="{1D8BD707-D9CF-40AE-B4C6-C98DA3205C09}" type="datetimeFigureOut">
               <a:rPr lang="en-US"/>
-              <a:t>1/20/22</a:t>
+              <a:t>02/03/2022</a:t>
             </a:fld>
             <a:endParaRPr lang="en-US"/>
           </a:p>
@@ -984,7 +852,7 @@
               </a:spcBef>
             </a:pPr>
             <a:r>
-              <a:rPr spc="-5"/>
+              <a:rPr spc="-5" dirty="0"/>
               <a:t>©</a:t>
             </a:r>
             <a:fld id="{81D60167-4931-47E6-BA6A-407CBD079E47}" type="slidenum">
@@ -992,35 +860,35 @@
               <a:t>‹#›</a:t>
             </a:fld>
             <a:r>
-              <a:rPr spc="-5"/>
+              <a:rPr spc="-5" dirty="0"/>
               <a:t> Adobe. All</a:t>
             </a:r>
             <a:r>
-              <a:rPr spc="-15"/>
+              <a:rPr spc="-15" dirty="0"/>
               <a:t> Rights</a:t>
             </a:r>
             <a:r>
-              <a:rPr spc="-10"/>
+              <a:rPr spc="-10" dirty="0"/>
               <a:t> </a:t>
             </a:r>
             <a:r>
-              <a:rPr spc="-15"/>
+              <a:rPr spc="-15" dirty="0"/>
               <a:t>Reserved.</a:t>
             </a:r>
             <a:r>
-              <a:rPr spc="-10"/>
+              <a:rPr spc="-10" dirty="0"/>
               <a:t> </a:t>
             </a:r>
             <a:r>
-              <a:rPr spc="-5"/>
+              <a:rPr spc="-5" dirty="0"/>
               <a:t>Adobe</a:t>
             </a:r>
             <a:r>
-              <a:rPr spc="60"/>
+              <a:rPr spc="60" dirty="0"/>
               <a:t> </a:t>
             </a:r>
             <a:r>
-              <a:rPr spc="-15"/>
+              <a:rPr spc="-15" dirty="0"/>
               <a:t>Confidential.</a:t>
             </a:r>
           </a:p>
@@ -1189,7 +1057,7 @@
           <a:p>
             <a:fld id="{1D8BD707-D9CF-40AE-B4C6-C98DA3205C09}" type="datetimeFigureOut">
               <a:rPr lang="en-US"/>
-              <a:t>1/20/22</a:t>
+              <a:t>02/03/2022</a:t>
             </a:fld>
             <a:endParaRPr lang="en-US"/>
           </a:p>
@@ -1229,7 +1097,7 @@
               </a:spcBef>
             </a:pPr>
             <a:r>
-              <a:rPr spc="-5"/>
+              <a:rPr spc="-5" dirty="0"/>
               <a:t>©</a:t>
             </a:r>
             <a:fld id="{81D60167-4931-47E6-BA6A-407CBD079E47}" type="slidenum">
@@ -1237,35 +1105,35 @@
               <a:t>‹#›</a:t>
             </a:fld>
             <a:r>
-              <a:rPr spc="-5"/>
+              <a:rPr spc="-5" dirty="0"/>
               <a:t> Adobe. All</a:t>
             </a:r>
             <a:r>
-              <a:rPr spc="-15"/>
+              <a:rPr spc="-15" dirty="0"/>
               <a:t> Rights</a:t>
             </a:r>
             <a:r>
-              <a:rPr spc="-10"/>
+              <a:rPr spc="-10" dirty="0"/>
               <a:t> </a:t>
             </a:r>
             <a:r>
-              <a:rPr spc="-15"/>
+              <a:rPr spc="-15" dirty="0"/>
               <a:t>Reserved.</a:t>
             </a:r>
             <a:r>
-              <a:rPr spc="-10"/>
+              <a:rPr spc="-10" dirty="0"/>
               <a:t> </a:t>
             </a:r>
             <a:r>
-              <a:rPr spc="-5"/>
+              <a:rPr spc="-5" dirty="0"/>
               <a:t>Adobe</a:t>
             </a:r>
             <a:r>
-              <a:rPr spc="60"/>
+              <a:rPr spc="60" dirty="0"/>
               <a:t> </a:t>
             </a:r>
             <a:r>
-              <a:rPr spc="-15"/>
+              <a:rPr spc="-15" dirty="0"/>
               <a:t>Confidential.</a:t>
             </a:r>
           </a:p>
@@ -1447,7 +1315,7 @@
           <a:p>
             <a:fld id="{1D8BD707-D9CF-40AE-B4C6-C98DA3205C09}" type="datetimeFigureOut">
               <a:rPr lang="en-US"/>
-              <a:t>1/20/22</a:t>
+              <a:t>02/03/2022</a:t>
             </a:fld>
             <a:endParaRPr lang="en-US"/>
           </a:p>
@@ -1487,7 +1355,7 @@
               </a:spcBef>
             </a:pPr>
             <a:r>
-              <a:rPr spc="-5"/>
+              <a:rPr spc="-5" dirty="0"/>
               <a:t>©</a:t>
             </a:r>
             <a:fld id="{81D60167-4931-47E6-BA6A-407CBD079E47}" type="slidenum">
@@ -1495,35 +1363,35 @@
               <a:t>‹#›</a:t>
             </a:fld>
             <a:r>
-              <a:rPr spc="-5"/>
+              <a:rPr spc="-5" dirty="0"/>
               <a:t> Adobe. All</a:t>
             </a:r>
             <a:r>
-              <a:rPr spc="-15"/>
+              <a:rPr spc="-15" dirty="0"/>
               <a:t> Rights</a:t>
             </a:r>
             <a:r>
-              <a:rPr spc="-10"/>
+              <a:rPr spc="-10" dirty="0"/>
               <a:t> </a:t>
             </a:r>
             <a:r>
-              <a:rPr spc="-15"/>
+              <a:rPr spc="-15" dirty="0"/>
               <a:t>Reserved.</a:t>
             </a:r>
             <a:r>
-              <a:rPr spc="-10"/>
+              <a:rPr spc="-10" dirty="0"/>
               <a:t> </a:t>
             </a:r>
             <a:r>
-              <a:rPr spc="-5"/>
+              <a:rPr spc="-5" dirty="0"/>
               <a:t>Adobe</a:t>
             </a:r>
             <a:r>
-              <a:rPr spc="60"/>
+              <a:rPr spc="60" dirty="0"/>
               <a:t> </a:t>
             </a:r>
             <a:r>
-              <a:rPr spc="-15"/>
+              <a:rPr spc="-15" dirty="0"/>
               <a:t>Confidential.</a:t>
             </a:r>
           </a:p>
@@ -1639,7 +1507,7 @@
           <a:p>
             <a:fld id="{1D8BD707-D9CF-40AE-B4C6-C98DA3205C09}" type="datetimeFigureOut">
               <a:rPr lang="en-US"/>
-              <a:t>1/20/22</a:t>
+              <a:t>02/03/2022</a:t>
             </a:fld>
             <a:endParaRPr lang="en-US"/>
           </a:p>
@@ -1679,7 +1547,7 @@
               </a:spcBef>
             </a:pPr>
             <a:r>
-              <a:rPr spc="-5"/>
+              <a:rPr spc="-5" dirty="0"/>
               <a:t>©</a:t>
             </a:r>
             <a:fld id="{81D60167-4931-47E6-BA6A-407CBD079E47}" type="slidenum">
@@ -1687,35 +1555,35 @@
               <a:t>‹#›</a:t>
             </a:fld>
             <a:r>
-              <a:rPr spc="-5"/>
+              <a:rPr spc="-5" dirty="0"/>
               <a:t> Adobe. All</a:t>
             </a:r>
             <a:r>
-              <a:rPr spc="-15"/>
+              <a:rPr spc="-15" dirty="0"/>
               <a:t> Rights</a:t>
             </a:r>
             <a:r>
-              <a:rPr spc="-10"/>
+              <a:rPr spc="-10" dirty="0"/>
               <a:t> </a:t>
             </a:r>
             <a:r>
-              <a:rPr spc="-15"/>
+              <a:rPr spc="-15" dirty="0"/>
               <a:t>Reserved.</a:t>
             </a:r>
             <a:r>
-              <a:rPr spc="-10"/>
+              <a:rPr spc="-10" dirty="0"/>
               <a:t> </a:t>
             </a:r>
             <a:r>
-              <a:rPr spc="-5"/>
+              <a:rPr spc="-5" dirty="0"/>
               <a:t>Adobe</a:t>
             </a:r>
             <a:r>
-              <a:rPr spc="60"/>
+              <a:rPr spc="60" dirty="0"/>
               <a:t> </a:t>
             </a:r>
             <a:r>
-              <a:rPr spc="-15"/>
+              <a:rPr spc="-15" dirty="0"/>
               <a:t>Confidential.</a:t>
             </a:r>
           </a:p>
@@ -1802,7 +1670,7 @@
           <a:p>
             <a:fld id="{1D8BD707-D9CF-40AE-B4C6-C98DA3205C09}" type="datetimeFigureOut">
               <a:rPr lang="en-US"/>
-              <a:t>1/20/22</a:t>
+              <a:t>02/03/2022</a:t>
             </a:fld>
             <a:endParaRPr lang="en-US"/>
           </a:p>
@@ -1842,7 +1710,7 @@
               </a:spcBef>
             </a:pPr>
             <a:r>
-              <a:rPr spc="-5"/>
+              <a:rPr spc="-5" dirty="0"/>
               <a:t>©</a:t>
             </a:r>
             <a:fld id="{81D60167-4931-47E6-BA6A-407CBD079E47}" type="slidenum">
@@ -1850,35 +1718,35 @@
               <a:t>‹#›</a:t>
             </a:fld>
             <a:r>
-              <a:rPr spc="-5"/>
+              <a:rPr spc="-5" dirty="0"/>
               <a:t> Adobe. All</a:t>
             </a:r>
             <a:r>
-              <a:rPr spc="-15"/>
+              <a:rPr spc="-15" dirty="0"/>
               <a:t> Rights</a:t>
             </a:r>
             <a:r>
-              <a:rPr spc="-10"/>
+              <a:rPr spc="-10" dirty="0"/>
               <a:t> </a:t>
             </a:r>
             <a:r>
-              <a:rPr spc="-15"/>
+              <a:rPr spc="-15" dirty="0"/>
               <a:t>Reserved.</a:t>
             </a:r>
             <a:r>
-              <a:rPr spc="-10"/>
+              <a:rPr spc="-10" dirty="0"/>
               <a:t> </a:t>
             </a:r>
             <a:r>
-              <a:rPr spc="-5"/>
+              <a:rPr spc="-5" dirty="0"/>
               <a:t>Adobe</a:t>
             </a:r>
             <a:r>
-              <a:rPr spc="60"/>
+              <a:rPr spc="60" dirty="0"/>
               <a:t> </a:t>
             </a:r>
             <a:r>
-              <a:rPr spc="-15"/>
+              <a:rPr spc="-15" dirty="0"/>
               <a:t>Confidential.</a:t>
             </a:r>
           </a:p>
@@ -2065,7 +1933,7 @@
           <a:p>
             <a:fld id="{1D8BD707-D9CF-40AE-B4C6-C98DA3205C09}" type="datetimeFigureOut">
               <a:rPr lang="en-US"/>
-              <a:t>1/20/22</a:t>
+              <a:t>02/03/2022</a:t>
             </a:fld>
             <a:endParaRPr lang="en-US"/>
           </a:p>
@@ -2115,7 +1983,7 @@
               </a:spcBef>
             </a:pPr>
             <a:r>
-              <a:rPr spc="-5"/>
+              <a:rPr spc="-5" dirty="0"/>
               <a:t>©</a:t>
             </a:r>
             <a:fld id="{81D60167-4931-47E6-BA6A-407CBD079E47}" type="slidenum">
@@ -2123,35 +1991,35 @@
               <a:t>‹#›</a:t>
             </a:fld>
             <a:r>
-              <a:rPr spc="-5"/>
+              <a:rPr spc="-5" dirty="0"/>
               <a:t> Adobe. All</a:t>
             </a:r>
             <a:r>
-              <a:rPr spc="-15"/>
+              <a:rPr spc="-15" dirty="0"/>
               <a:t> Rights</a:t>
             </a:r>
             <a:r>
-              <a:rPr spc="-10"/>
+              <a:rPr spc="-10" dirty="0"/>
               <a:t> </a:t>
             </a:r>
             <a:r>
-              <a:rPr spc="-15"/>
+              <a:rPr spc="-15" dirty="0"/>
               <a:t>Reserved.</a:t>
             </a:r>
             <a:r>
-              <a:rPr spc="-10"/>
+              <a:rPr spc="-10" dirty="0"/>
               <a:t> </a:t>
             </a:r>
             <a:r>
-              <a:rPr spc="-5"/>
+              <a:rPr spc="-5" dirty="0"/>
               <a:t>Adobe</a:t>
             </a:r>
             <a:r>
-              <a:rPr spc="60"/>
+              <a:rPr spc="60" dirty="0"/>
               <a:t> </a:t>
             </a:r>
             <a:r>
-              <a:rPr spc="-15"/>
+              <a:rPr spc="-15" dirty="0"/>
               <a:t>Confidential.</a:t>
             </a:r>
           </a:p>
@@ -2348,25 +2216,32 @@
           </a:prstGeom>
         </p:spPr>
         <p:txBody>
-          <a:bodyPr vert="horz" wrap="square" lIns="0" tIns="12700" rIns="0" bIns="0" rtlCol="0" anchor="t">
+          <a:bodyPr vert="horz" wrap="square" lIns="0" tIns="12700" rIns="0" bIns="0" rtlCol="0">
             <a:spAutoFit/>
           </a:bodyPr>
           <a:lstStyle/>
           <a:p>
             <a:pPr marL="12700">
+              <a:lnSpc>
+                <a:spcPct val="100000"/>
+              </a:lnSpc>
               <a:spcBef>
                 <a:spcPts val="100"/>
               </a:spcBef>
             </a:pPr>
             <a:r>
-              <a:rPr sz="2300"/>
-              <a:t>ADOBE </a:t>
-            </a:r>
-            <a:r>
-              <a:rPr lang="en-US" sz="2300"/>
-              <a:t>SUPPORT PLANS</a:t>
-            </a:r>
-            <a:endParaRPr sz="2300">
+              <a:rPr lang="de-de" sz="2300" dirty="0">
+                <a:latin typeface="Adobe Clean" panose="020B0503020404020204" pitchFamily="34" charset="0"/>
+              </a:rPr>
+              <a:t>Adobe </a:t>
+            </a:r>
+            <a:r>
+              <a:rPr lang="ja-JP" altLang="en-US" sz="2300">
+                <a:latin typeface="Adobe Clean" panose="020B0503020404020204" pitchFamily="34" charset="0"/>
+              </a:rPr>
+              <a:t>支援計劃</a:t>
+            </a:r>
+            <a:endParaRPr lang="de-de" sz="2300" dirty="0">
               <a:latin typeface="Adobe Clean" panose="020B0503020404020204" pitchFamily="34" charset="0"/>
             </a:endParaRPr>
           </a:p>
@@ -2381,7 +2256,7 @@
         <p:spPr>
           <a:xfrm>
             <a:off x="159522" y="560755"/>
-            <a:ext cx="7003277" cy="1466427"/>
+            <a:ext cx="7003277" cy="1050929"/>
           </a:xfrm>
           <a:prstGeom prst="rect">
             <a:avLst/>
@@ -2402,17 +2277,17 @@
               </a:spcBef>
             </a:pPr>
             <a:r>
-              <a:rPr lang="en-US" sz="1100" spc="-5" dirty="0">
+              <a:rPr lang="ko-KR" altLang="en-US" sz="1100" spc="-5" dirty="0">
                 <a:solidFill>
                   <a:srgbClr val="FFFFFF"/>
                 </a:solidFill>
                 <a:latin typeface="AdobeClean-Light"/>
                 <a:cs typeface="AdobeClean-Light"/>
               </a:rPr>
-              <a:t>Standard</a:t>
-            </a:r>
-            <a:r>
-              <a:rPr sz="1100" dirty="0">
+              <a:t>標準</a:t>
+            </a:r>
+            <a:r>
+              <a:rPr lang="de-de" sz="1100" dirty="0">
                 <a:solidFill>
                   <a:srgbClr val="FFFFFF"/>
                 </a:solidFill>
@@ -2422,7 +2297,7 @@
               <a:t> |</a:t>
             </a:r>
             <a:r>
-              <a:rPr sz="1100" spc="10" dirty="0">
+              <a:rPr lang="de-de" sz="1100" spc="5" dirty="0">
                 <a:solidFill>
                   <a:srgbClr val="FFFFFF"/>
                 </a:solidFill>
@@ -2432,54 +2307,84 @@
               <a:t> </a:t>
             </a:r>
             <a:r>
-              <a:rPr sz="1100" spc="-5" dirty="0">
+              <a:rPr lang="de-de" sz="1100" spc="-5" dirty="0">
                 <a:solidFill>
                   <a:srgbClr val="FFFFFF"/>
                 </a:solidFill>
                 <a:latin typeface="AdobeClean-Light"/>
                 <a:cs typeface="AdobeClean-Light"/>
               </a:rPr>
-              <a:t>Enterprise</a:t>
-            </a:r>
-            <a:r>
-              <a:rPr sz="1100" spc="10" dirty="0">
+              <a:t>商務</a:t>
+            </a:r>
+            <a:r>
+              <a:rPr lang="de-de" sz="1100" dirty="0">
                 <a:solidFill>
                   <a:srgbClr val="FFFFFF"/>
                 </a:solidFill>
                 <a:latin typeface="AdobeClean-Light"/>
                 <a:cs typeface="AdobeClean-Light"/>
               </a:rPr>
-              <a:t> </a:t>
-            </a:r>
-            <a:r>
-              <a:rPr sz="1100" dirty="0">
+              <a:t> |</a:t>
+            </a:r>
+            <a:r>
+              <a:rPr lang="de-de" sz="1100" spc="10" dirty="0">
                 <a:solidFill>
                   <a:srgbClr val="FFFFFF"/>
                 </a:solidFill>
                 <a:latin typeface="AdobeClean-Light"/>
                 <a:cs typeface="AdobeClean-Light"/>
               </a:rPr>
-              <a:t>|</a:t>
-            </a:r>
-            <a:r>
-              <a:rPr sz="1100" spc="5" dirty="0">
+              <a:t> </a:t>
+            </a:r>
+            <a:r>
+              <a:rPr lang="de-de" sz="1100" spc="-5" dirty="0">
                 <a:solidFill>
                   <a:srgbClr val="FFFFFF"/>
                 </a:solidFill>
                 <a:latin typeface="AdobeClean-Light"/>
                 <a:cs typeface="AdobeClean-Light"/>
               </a:rPr>
+              <a:t>企業</a:t>
+            </a:r>
+            <a:r>
+              <a:rPr lang="de-de" sz="1100" spc="10" dirty="0">
+                <a:solidFill>
+                  <a:srgbClr val="FFFFFF"/>
+                </a:solidFill>
+                <a:latin typeface="AdobeClean-Light"/>
+                <a:cs typeface="AdobeClean-Light"/>
+              </a:rPr>
               <a:t> </a:t>
             </a:r>
             <a:r>
-              <a:rPr sz="1100" b="1" spc="-65" dirty="0">
+              <a:rPr lang="de-de" sz="1100" dirty="0">
+                <a:solidFill>
+                  <a:srgbClr val="FFFFFF"/>
+                </a:solidFill>
+                <a:latin typeface="AdobeClean-Light"/>
+                <a:cs typeface="AdobeClean-Light"/>
+              </a:rPr>
+              <a:t>|</a:t>
+            </a:r>
+            <a:r>
+              <a:rPr lang="de-de" sz="1100" spc="5" dirty="0">
+                <a:solidFill>
+                  <a:srgbClr val="FFFFFF"/>
+                </a:solidFill>
+                <a:latin typeface="AdobeClean-Light"/>
+                <a:cs typeface="AdobeClean-Light"/>
+              </a:rPr>
+              <a:t> </a:t>
+            </a:r>
+            <a:r>
+              <a:rPr lang="de-de" sz="1100" b="1" spc="-65" dirty="0">
                 <a:solidFill>
                   <a:srgbClr val="FFFFFF"/>
                 </a:solidFill>
                 <a:latin typeface="Arial"/>
                 <a:cs typeface="Arial"/>
               </a:rPr>
-              <a:t>Elite</a:t>
+              <a:t>菁英</a:t>
             </a:r>
             <a:endParaRPr sz="1100" dirty="0">
               <a:latin typeface="Arial"/>
@@ -2493,13 +2398,13 @@
               </a:spcBef>
             </a:pPr>
             <a:r>
-              <a:rPr lang="en-US" sz="900" dirty="0">
+              <a:rPr lang="de-de" sz="900" dirty="0">
                 <a:solidFill>
                   <a:schemeClr val="bg1"/>
                 </a:solidFill>
                 <a:latin typeface="Adobe Clean SemiLight" panose="020B0403020404020204" pitchFamily="34" charset="0"/>
               </a:rPr>
-              <a:t>Adobe provides a comprehensive range of technical resources to help support your business included as part of your Experience Cloud license subscription and further enhanced in the ELITE support package. ELITE support includes access to personalized learning paths and monitored community forums via the Adobe Experience League. You can also take advantage of our detailed and in-depth technical product documentation and current release notes. ELITE customers will also have access to a Named Support Engineer as well as a Technical Account Manager who combine and work in partnership with you to provide best in class proactive and reactive support while acting as your designated technical contacts in the Adobe Support Team. With deep experience in your designated Experience Cloud solutions, your support team work to ensure that no matter how complex your support needs are, the Adobe Support team will be there side by side with you throughout, to ensure you maximize your investment in the Adobe Experience Cloud solutions and to help you avoid problems before they happen.</a:t>
+              <a:t>Adobe 提供全方位的技術資源來支援您的業務，這些資源包括在您的 Experience Cloud 授權訂閱中，並在菁英支援套件中進一步強化。菁英支援包括透過 Adobe Experience League 存取個人化學習路徑和監控的社群論壇。您還可以利用我們詳細而深入的技術產品文件和目前的版本注意事項。菁英客戶還可以獲得一位指定的支援工程師和一位技術客戶經理，他們將與您合作，提供一流的主動和被動支援，同時作為您在 Adobe 支援團隊的指定技術連絡人。憑藉在指定的 Experience Cloud 解決方案方面的深厚經驗，無論您的支援需求有多複雜，您的 Adobe 支援團隊都會全程與您並肩作戰，以確保您最大化在 Adobe Experience Cloud 解決方案中的投資，並幫助您在問題發生之前未雨綢繆。</a:t>
             </a:r>
             <a:endParaRPr sz="900" dirty="0">
               <a:solidFill>
@@ -2519,8 +2424,8 @@
         </p:nvSpPr>
         <p:spPr>
           <a:xfrm>
-            <a:off x="168564" y="7162800"/>
-            <a:ext cx="2780665" cy="238760"/>
+            <a:off x="168564" y="7024370"/>
+            <a:ext cx="5394036" cy="228268"/>
           </a:xfrm>
           <a:prstGeom prst="rect">
             <a:avLst/>
@@ -2541,7 +2446,7 @@
               </a:spcBef>
             </a:pPr>
             <a:r>
-              <a:rPr sz="1400" b="1" u="heavy" spc="20">
+              <a:rPr lang="de-de" sz="1400" b="1" u="heavy" spc="20" dirty="0">
                 <a:solidFill>
                   <a:srgbClr val="020302"/>
                 </a:solidFill>
@@ -2553,10 +2458,10 @@
                 <a:latin typeface="Adobe Clean"/>
                 <a:cs typeface="Adobe Clean"/>
               </a:rPr>
-              <a:t>S</a:t>
-            </a:r>
-            <a:r>
-              <a:rPr sz="1400" b="1" u="heavy">
+              <a:t>服務</a:t>
+            </a:r>
+            <a:r>
+              <a:rPr lang="de-de" sz="1400" b="1" u="heavy" spc="-20" dirty="0">
                 <a:solidFill>
                   <a:srgbClr val="020302"/>
                 </a:solidFill>
@@ -2568,10 +2473,10 @@
                 <a:latin typeface="Adobe Clean"/>
                 <a:cs typeface="Adobe Clean"/>
               </a:rPr>
-              <a:t>er</a:t>
-            </a:r>
-            <a:r>
-              <a:rPr sz="1400" b="1" u="heavy" spc="10">
+              <a:t>層級</a:t>
+            </a:r>
+            <a:r>
+              <a:rPr lang="de-de" sz="1400" b="1" u="heavy" spc="-10" dirty="0">
                 <a:solidFill>
                   <a:srgbClr val="020302"/>
                 </a:solidFill>
@@ -2583,10 +2488,10 @@
                 <a:latin typeface="Adobe Clean"/>
                 <a:cs typeface="Adobe Clean"/>
               </a:rPr>
-              <a:t>vi</a:t>
-            </a:r>
-            <a:r>
-              <a:rPr sz="1400" b="1" u="heavy">
+              <a:t> </a:t>
+            </a:r>
+            <a:r>
+              <a:rPr lang="de-de" sz="1400" b="1" u="heavy" spc="-65" dirty="0">
                 <a:solidFill>
                   <a:srgbClr val="020302"/>
                 </a:solidFill>
@@ -2598,10 +2503,10 @@
                 <a:latin typeface="Adobe Clean"/>
                 <a:cs typeface="Adobe Clean"/>
               </a:rPr>
-              <a:t>ce</a:t>
-            </a:r>
-            <a:r>
-              <a:rPr sz="1400" b="1" u="heavy" spc="20">
+              <a:t>目</a:t>
+            </a:r>
+            <a:r>
+              <a:rPr lang="de-de" sz="1400" b="1" u="heavy" spc="-35" dirty="0">
                 <a:solidFill>
                   <a:srgbClr val="020302"/>
                 </a:solidFill>
@@ -2613,10 +2518,10 @@
                 <a:latin typeface="Adobe Clean"/>
                 <a:cs typeface="Adobe Clean"/>
               </a:rPr>
-              <a:t> </a:t>
-            </a:r>
-            <a:r>
-              <a:rPr sz="1400" b="1" u="heavy" spc="-20">
+              <a:t>標</a:t>
+            </a:r>
+            <a:r>
+              <a:rPr lang="de-de" sz="1400" b="1" u="heavy" dirty="0">
                 <a:solidFill>
                   <a:srgbClr val="020302"/>
                 </a:solidFill>
@@ -2628,10 +2533,10 @@
                 <a:latin typeface="Adobe Clean"/>
                 <a:cs typeface="Adobe Clean"/>
               </a:rPr>
-              <a:t>Le</a:t>
-            </a:r>
-            <a:r>
-              <a:rPr sz="1400" b="1" u="heavy" spc="-10">
+              <a:t>：</a:t>
+            </a:r>
+            <a:r>
+              <a:rPr lang="de-de" sz="1400" b="1" u="heavy" spc="-80" dirty="0">
                 <a:solidFill>
                   <a:srgbClr val="020302"/>
                 </a:solidFill>
@@ -2643,10 +2548,10 @@
                 <a:latin typeface="Adobe Clean"/>
                 <a:cs typeface="Adobe Clean"/>
               </a:rPr>
-              <a:t>v</a:t>
-            </a:r>
-            <a:r>
-              <a:rPr sz="1400" b="1" u="heavy" spc="-20">
+              <a:t> </a:t>
+            </a:r>
+            <a:r>
+              <a:rPr lang="de-de" sz="1400" b="1" u="heavy" spc="-20" dirty="0">
                 <a:solidFill>
                   <a:srgbClr val="020302"/>
                 </a:solidFill>
@@ -2658,10 +2563,10 @@
                 <a:latin typeface="Adobe Clean"/>
                 <a:cs typeface="Adobe Clean"/>
               </a:rPr>
-              <a:t>e</a:t>
-            </a:r>
-            <a:r>
-              <a:rPr sz="1400" b="1" u="heavy">
+              <a:t>初始回應</a:t>
+            </a:r>
+            <a:r>
+              <a:rPr lang="de-de" sz="1400" b="1" u="heavy" spc="-140" dirty="0">
                 <a:solidFill>
                   <a:srgbClr val="020302"/>
                 </a:solidFill>
@@ -2673,324 +2578,9 @@
                 <a:latin typeface="Adobe Clean"/>
                 <a:cs typeface="Adobe Clean"/>
               </a:rPr>
-              <a:t>l</a:t>
-            </a:r>
-            <a:r>
-              <a:rPr sz="1400" b="1" u="heavy" spc="-10">
-                <a:solidFill>
-                  <a:srgbClr val="020302"/>
-                </a:solidFill>
-                <a:uFill>
-                  <a:solidFill>
-                    <a:srgbClr val="020302"/>
-                  </a:solidFill>
-                </a:uFill>
-                <a:latin typeface="Adobe Clean"/>
-                <a:cs typeface="Adobe Clean"/>
-              </a:rPr>
               <a:t> </a:t>
             </a:r>
-            <a:r>
-              <a:rPr sz="1400" b="1" u="heavy" spc="-65">
-                <a:solidFill>
-                  <a:srgbClr val="020302"/>
-                </a:solidFill>
-                <a:uFill>
-                  <a:solidFill>
-                    <a:srgbClr val="020302"/>
-                  </a:solidFill>
-                </a:uFill>
-                <a:latin typeface="Adobe Clean"/>
-                <a:cs typeface="Adobe Clean"/>
-              </a:rPr>
-              <a:t>T</a:t>
-            </a:r>
-            <a:r>
-              <a:rPr sz="1400" b="1" u="heavy" spc="-35">
-                <a:solidFill>
-                  <a:srgbClr val="020302"/>
-                </a:solidFill>
-                <a:uFill>
-                  <a:solidFill>
-                    <a:srgbClr val="020302"/>
-                  </a:solidFill>
-                </a:uFill>
-                <a:latin typeface="Adobe Clean"/>
-                <a:cs typeface="Adobe Clean"/>
-              </a:rPr>
-              <a:t>a</a:t>
-            </a:r>
-            <a:r>
-              <a:rPr sz="1400" b="1" u="heavy" spc="-45">
-                <a:solidFill>
-                  <a:srgbClr val="020302"/>
-                </a:solidFill>
-                <a:uFill>
-                  <a:solidFill>
-                    <a:srgbClr val="020302"/>
-                  </a:solidFill>
-                </a:uFill>
-                <a:latin typeface="Adobe Clean"/>
-                <a:cs typeface="Adobe Clean"/>
-              </a:rPr>
-              <a:t>r</a:t>
-            </a:r>
-            <a:r>
-              <a:rPr sz="1400" b="1" u="heavy" spc="-35">
-                <a:solidFill>
-                  <a:srgbClr val="020302"/>
-                </a:solidFill>
-                <a:uFill>
-                  <a:solidFill>
-                    <a:srgbClr val="020302"/>
-                  </a:solidFill>
-                </a:uFill>
-                <a:latin typeface="Adobe Clean"/>
-                <a:cs typeface="Adobe Clean"/>
-              </a:rPr>
-              <a:t>g</a:t>
-            </a:r>
-            <a:r>
-              <a:rPr sz="1400" b="1" u="heavy" spc="-55">
-                <a:solidFill>
-                  <a:srgbClr val="020302"/>
-                </a:solidFill>
-                <a:uFill>
-                  <a:solidFill>
-                    <a:srgbClr val="020302"/>
-                  </a:solidFill>
-                </a:uFill>
-                <a:latin typeface="Adobe Clean"/>
-                <a:cs typeface="Adobe Clean"/>
-              </a:rPr>
-              <a:t>et</a:t>
-            </a:r>
-            <a:r>
-              <a:rPr sz="1400" b="1" u="heavy" spc="-45">
-                <a:solidFill>
-                  <a:srgbClr val="020302"/>
-                </a:solidFill>
-                <a:uFill>
-                  <a:solidFill>
-                    <a:srgbClr val="020302"/>
-                  </a:solidFill>
-                </a:uFill>
-                <a:latin typeface="Adobe Clean"/>
-                <a:cs typeface="Adobe Clean"/>
-              </a:rPr>
-              <a:t>s</a:t>
-            </a:r>
-            <a:r>
-              <a:rPr sz="1400" b="1" u="heavy">
-                <a:solidFill>
-                  <a:srgbClr val="020302"/>
-                </a:solidFill>
-                <a:uFill>
-                  <a:solidFill>
-                    <a:srgbClr val="020302"/>
-                  </a:solidFill>
-                </a:uFill>
-                <a:latin typeface="Adobe Clean"/>
-                <a:cs typeface="Adobe Clean"/>
-              </a:rPr>
-              <a:t>:</a:t>
-            </a:r>
-            <a:r>
-              <a:rPr sz="1400" b="1" u="heavy" spc="-80">
-                <a:solidFill>
-                  <a:srgbClr val="020302"/>
-                </a:solidFill>
-                <a:uFill>
-                  <a:solidFill>
-                    <a:srgbClr val="020302"/>
-                  </a:solidFill>
-                </a:uFill>
-                <a:latin typeface="Adobe Clean"/>
-                <a:cs typeface="Adobe Clean"/>
-              </a:rPr>
-              <a:t> </a:t>
-            </a:r>
-            <a:r>
-              <a:rPr sz="1400" b="1" u="heavy" spc="-20">
-                <a:solidFill>
-                  <a:srgbClr val="020302"/>
-                </a:solidFill>
-                <a:uFill>
-                  <a:solidFill>
-                    <a:srgbClr val="020302"/>
-                  </a:solidFill>
-                </a:uFill>
-                <a:latin typeface="Adobe Clean"/>
-                <a:cs typeface="Adobe Clean"/>
-              </a:rPr>
-              <a:t>I</a:t>
-            </a:r>
-            <a:r>
-              <a:rPr sz="1400" b="1" u="heavy" spc="-10">
-                <a:solidFill>
-                  <a:srgbClr val="020302"/>
-                </a:solidFill>
-                <a:uFill>
-                  <a:solidFill>
-                    <a:srgbClr val="020302"/>
-                  </a:solidFill>
-                </a:uFill>
-                <a:latin typeface="Adobe Clean"/>
-                <a:cs typeface="Adobe Clean"/>
-              </a:rPr>
-              <a:t>ni</a:t>
-            </a:r>
-            <a:r>
-              <a:rPr sz="1400" b="1" u="heavy" spc="-20">
-                <a:solidFill>
-                  <a:srgbClr val="020302"/>
-                </a:solidFill>
-                <a:uFill>
-                  <a:solidFill>
-                    <a:srgbClr val="020302"/>
-                  </a:solidFill>
-                </a:uFill>
-                <a:latin typeface="Adobe Clean"/>
-                <a:cs typeface="Adobe Clean"/>
-              </a:rPr>
-              <a:t>t</a:t>
-            </a:r>
-            <a:r>
-              <a:rPr sz="1400" b="1" u="heavy" spc="-10">
-                <a:solidFill>
-                  <a:srgbClr val="020302"/>
-                </a:solidFill>
-                <a:uFill>
-                  <a:solidFill>
-                    <a:srgbClr val="020302"/>
-                  </a:solidFill>
-                </a:uFill>
-                <a:latin typeface="Adobe Clean"/>
-                <a:cs typeface="Adobe Clean"/>
-              </a:rPr>
-              <a:t>i</a:t>
-            </a:r>
-            <a:r>
-              <a:rPr sz="1400" b="1" u="heavy">
-                <a:solidFill>
-                  <a:srgbClr val="020302"/>
-                </a:solidFill>
-                <a:uFill>
-                  <a:solidFill>
-                    <a:srgbClr val="020302"/>
-                  </a:solidFill>
-                </a:uFill>
-                <a:latin typeface="Adobe Clean"/>
-                <a:cs typeface="Adobe Clean"/>
-              </a:rPr>
-              <a:t>al</a:t>
-            </a:r>
-            <a:r>
-              <a:rPr sz="1400" b="1" u="heavy" spc="-140">
-                <a:solidFill>
-                  <a:srgbClr val="020302"/>
-                </a:solidFill>
-                <a:uFill>
-                  <a:solidFill>
-                    <a:srgbClr val="020302"/>
-                  </a:solidFill>
-                </a:uFill>
-                <a:latin typeface="Adobe Clean"/>
-                <a:cs typeface="Adobe Clean"/>
-              </a:rPr>
-              <a:t> </a:t>
-            </a:r>
-            <a:r>
-              <a:rPr sz="1400" b="1" u="heavy" spc="-15">
-                <a:solidFill>
-                  <a:srgbClr val="020302"/>
-                </a:solidFill>
-                <a:uFill>
-                  <a:solidFill>
-                    <a:srgbClr val="020302"/>
-                  </a:solidFill>
-                </a:uFill>
-                <a:latin typeface="Adobe Clean"/>
-                <a:cs typeface="Adobe Clean"/>
-              </a:rPr>
-              <a:t>R</a:t>
-            </a:r>
-            <a:r>
-              <a:rPr sz="1400" b="1" u="heavy" spc="-25">
-                <a:solidFill>
-                  <a:srgbClr val="020302"/>
-                </a:solidFill>
-                <a:uFill>
-                  <a:solidFill>
-                    <a:srgbClr val="020302"/>
-                  </a:solidFill>
-                </a:uFill>
-                <a:latin typeface="Adobe Clean"/>
-                <a:cs typeface="Adobe Clean"/>
-              </a:rPr>
-              <a:t>e</a:t>
-            </a:r>
-            <a:r>
-              <a:rPr sz="1400" b="1" u="heavy" spc="-15">
-                <a:solidFill>
-                  <a:srgbClr val="020302"/>
-                </a:solidFill>
-                <a:uFill>
-                  <a:solidFill>
-                    <a:srgbClr val="020302"/>
-                  </a:solidFill>
-                </a:uFill>
-                <a:latin typeface="Adobe Clean"/>
-                <a:cs typeface="Adobe Clean"/>
-              </a:rPr>
-              <a:t>s</a:t>
-            </a:r>
-            <a:r>
-              <a:rPr sz="1400" b="1" u="heavy" spc="-25">
-                <a:solidFill>
-                  <a:srgbClr val="020302"/>
-                </a:solidFill>
-                <a:uFill>
-                  <a:solidFill>
-                    <a:srgbClr val="020302"/>
-                  </a:solidFill>
-                </a:uFill>
-                <a:latin typeface="Adobe Clean"/>
-                <a:cs typeface="Adobe Clean"/>
-              </a:rPr>
-              <a:t>p</a:t>
-            </a:r>
-            <a:r>
-              <a:rPr sz="1400" b="1" u="heavy" spc="-15">
-                <a:solidFill>
-                  <a:srgbClr val="020302"/>
-                </a:solidFill>
-                <a:uFill>
-                  <a:solidFill>
-                    <a:srgbClr val="020302"/>
-                  </a:solidFill>
-                </a:uFill>
-                <a:latin typeface="Adobe Clean"/>
-                <a:cs typeface="Adobe Clean"/>
-              </a:rPr>
-              <a:t>ons</a:t>
-            </a:r>
-            <a:r>
-              <a:rPr sz="1400" b="1" u="heavy">
-                <a:solidFill>
-                  <a:srgbClr val="020302"/>
-                </a:solidFill>
-                <a:uFill>
-                  <a:solidFill>
-                    <a:srgbClr val="020302"/>
-                  </a:solidFill>
-                </a:uFill>
-                <a:latin typeface="Adobe Clean"/>
-                <a:cs typeface="Adobe Clean"/>
-              </a:rPr>
-              <a:t>e</a:t>
-            </a:r>
-            <a:endParaRPr sz="1400">
+            <a:endParaRPr sz="1400" dirty="0">
               <a:latin typeface="Adobe Clean"/>
               <a:cs typeface="Adobe Clean"/>
             </a:endParaRPr>
@@ -3006,14 +2596,14 @@
           <p:nvPr>
             <p:extLst>
               <p:ext uri="{D42A27DB-BD31-4B8C-83A1-F6EECF244321}">
-                <p14:modId xmlns:p14="http://schemas.microsoft.com/office/powerpoint/2010/main" val="3940642931"/>
+                <p14:modId xmlns:p14="http://schemas.microsoft.com/office/powerpoint/2010/main" val="3863862813"/>
               </p:ext>
             </p:extLst>
           </p:nvPr>
         </p:nvGraphicFramePr>
         <p:xfrm>
           <a:off x="145668" y="7473158"/>
-          <a:ext cx="7409815" cy="2259721"/>
+          <a:ext cx="7409815" cy="2202176"/>
         </p:xfrm>
         <a:graphic>
           <a:graphicData uri="http://schemas.openxmlformats.org/drawingml/2006/table">
@@ -3059,16 +2649,16 @@
                         </a:spcBef>
                       </a:pPr>
                       <a:r>
-                        <a:rPr sz="900" spc="0">
+                        <a:rPr lang="de-de" sz="900" spc="0" dirty="0">
                           <a:solidFill>
                             <a:srgbClr val="020302"/>
                           </a:solidFill>
                           <a:latin typeface="Adobe Clean"/>
                           <a:cs typeface="Adobe Clean"/>
                         </a:rPr>
-                        <a:t>Priority</a:t>
+                        <a:t>優先順序</a:t>
                       </a:r>
-                      <a:endParaRPr sz="900" spc="0">
+                      <a:endParaRPr sz="900" spc="0" dirty="0">
                         <a:latin typeface="Adobe Clean"/>
                         <a:cs typeface="Adobe Clean"/>
                       </a:endParaRPr>
@@ -3109,33 +2699,24 @@
                     <a:bodyPr/>
                     <a:lstStyle/>
                     <a:p>
-                      <a:pPr marL="382905" algn="l">
+                      <a:pPr marL="15875" indent="0" algn="ctr">
                         <a:lnSpc>
                           <a:spcPct val="100000"/>
                         </a:lnSpc>
                         <a:spcBef>
                           <a:spcPts val="45"/>
                         </a:spcBef>
+                        <a:tabLst/>
                       </a:pPr>
                       <a:r>
-                        <a:rPr lang="en-US" sz="900" spc="0" dirty="0">
+                        <a:rPr lang="ko-KR" altLang="en-US" sz="900" spc="0" dirty="0">
                           <a:solidFill>
                             <a:srgbClr val="020302"/>
                           </a:solidFill>
                           <a:latin typeface="Adobe Clean"/>
                           <a:cs typeface="Adobe Clean"/>
                         </a:rPr>
-                        <a:t>Standard </a:t>
-                      </a:r>
-                      <a:r>
-                        <a:rPr sz="900" spc="0" dirty="0">
-                          <a:solidFill>
-                            <a:srgbClr val="020302"/>
-                          </a:solidFill>
-                          <a:latin typeface="Adobe Clean"/>
-                          <a:cs typeface="Adobe Clean"/>
-                        </a:rPr>
-                        <a:t> Support</a:t>
+                        <a:t>標準支援</a:t>
                       </a:r>
                       <a:endParaRPr sz="900" spc="0" dirty="0">
                         <a:latin typeface="Adobe Clean"/>
@@ -3181,45 +2762,26 @@
                     <a:bodyPr/>
                     <a:lstStyle/>
                     <a:p>
-                      <a:pPr marL="263525" algn="l">
+                      <a:pPr marL="47625" indent="0" algn="ctr">
                         <a:lnSpc>
                           <a:spcPct val="100000"/>
                         </a:lnSpc>
                         <a:spcBef>
                           <a:spcPts val="65"/>
                         </a:spcBef>
+                        <a:tabLst/>
                       </a:pPr>
                       <a:r>
-                        <a:rPr sz="900" spc="0">
+                        <a:rPr lang="de-de" sz="900" spc="0" dirty="0">
                           <a:solidFill>
                             <a:srgbClr val="FFFFFF"/>
                           </a:solidFill>
                           <a:latin typeface="Adobe Clean"/>
                           <a:cs typeface="Adobe Clean"/>
                         </a:rPr>
-                        <a:t>Elite</a:t>
+                        <a:t>菁英支援</a:t>
                       </a:r>
-                      <a:r>
-                        <a:rPr lang="en-US" sz="900" spc="0">
-                          <a:solidFill>
-                            <a:srgbClr val="FFFFFF"/>
-                          </a:solidFill>
-                          <a:latin typeface="Adobe Clean"/>
-                          <a:cs typeface="Adobe Clean"/>
-                        </a:rPr>
-                        <a:t>  </a:t>
-                      </a:r>
-                      <a:r>
-                        <a:rPr sz="900" spc="0">
-                          <a:solidFill>
-                            <a:srgbClr val="FFFFFF"/>
-                          </a:solidFill>
-                          <a:latin typeface="Adobe Clean"/>
-                          <a:cs typeface="Adobe Clean"/>
-                        </a:rPr>
-                        <a:t>Support</a:t>
-                      </a:r>
-                      <a:endParaRPr sz="900" spc="0">
+                      <a:endParaRPr sz="900" spc="0" dirty="0">
                         <a:latin typeface="Adobe Clean"/>
                         <a:cs typeface="Adobe Clean"/>
                       </a:endParaRPr>
@@ -3279,22 +2841,22 @@
                         </a:spcBef>
                       </a:pPr>
                       <a:r>
-                        <a:rPr sz="900" b="1" spc="0">
+                        <a:rPr lang="de-de" sz="900" b="1" spc="0" dirty="0">
                           <a:solidFill>
                             <a:srgbClr val="020302"/>
                           </a:solidFill>
                           <a:latin typeface="Adobe Clean"/>
                           <a:cs typeface="Adobe Clean"/>
                         </a:rPr>
-                        <a:t>PRIORITY 1</a:t>
+                        <a:t>優先順序 1</a:t>
                       </a:r>
-                      <a:endParaRPr sz="900" spc="0">
+                      <a:endParaRPr sz="900" spc="0" dirty="0">
                         <a:latin typeface="Adobe Clean"/>
                         <a:cs typeface="Adobe Clean"/>
                       </a:endParaRPr>
                     </a:p>
                     <a:p>
-                      <a:pPr marL="50165" marR="495300" algn="l">
+                      <a:pPr marL="50165" marR="495934" algn="l">
                         <a:lnSpc>
                           <a:spcPts val="1010"/>
                         </a:lnSpc>
@@ -3303,17 +2865,17 @@
                         </a:spcBef>
                       </a:pPr>
                       <a:r>
-                        <a:rPr lang="en-US" sz="900" b="0" i="0" u="none" strike="noStrike" spc="0">
+                        <a:rPr lang="de-de" sz="900" b="0" i="0" u="none" strike="noStrike" spc="0" dirty="0">
                           <a:solidFill>
                             <a:srgbClr val="000000"/>
                           </a:solidFill>
                           <a:effectLst/>
-                          <a:latin typeface="Adobe Clean Light"/>
+                          <a:latin typeface="Adobe Clean Light" panose="020B0303020404020204" pitchFamily="34" charset="0"/>
                         </a:rPr>
-                        <a:t>Customer's production business functions are down or have significant data loss or service degradation and immediate attention is required to restore functionality and usability</a:t>
+                        <a:t>客戶的生產業務功能已停止或發生重大資料遺失或服務降級狀況，需要立即關注以恢復功能與可用性</a:t>
                       </a:r>
-                      <a:endParaRPr sz="900" spc="0">
-                        <a:latin typeface="Adobe Clean Light"/>
+                      <a:endParaRPr sz="900" spc="0" dirty="0">
+                        <a:latin typeface="AdobeClean-Light"/>
                         <a:cs typeface="AdobeClean-Light"/>
                       </a:endParaRPr>
                     </a:p>
@@ -3359,37 +2921,73 @@
                         </a:lnSpc>
                       </a:pPr>
                       <a:r>
-                        <a:rPr sz="900" spc="0">
+                        <a:rPr lang="de-de" sz="900" spc="0" dirty="0">
                           <a:solidFill>
                             <a:srgbClr val="020302"/>
                           </a:solidFill>
                           <a:latin typeface="AdobeClean-Light"/>
                           <a:cs typeface="AdobeClean-Light"/>
                         </a:rPr>
-                        <a:t>24x7/</a:t>
+                        <a:t>全年無休 /           1 小時</a:t>
                       </a:r>
+                      <a:endParaRPr sz="900" spc="0" dirty="0">
+                        <a:latin typeface="AdobeClean-Light"/>
+                        <a:cs typeface="AdobeClean-Light"/>
+                      </a:endParaRPr>
+                    </a:p>
+                  </a:txBody>
+                  <a:tcPr marL="0" marR="0" marT="0" marB="0" anchor="ctr">
+                    <a:lnL w="6350">
+                      <a:solidFill>
+                        <a:srgbClr val="B7B8B8"/>
+                      </a:solidFill>
+                      <a:prstDash val="solid"/>
+                    </a:lnL>
+                    <a:lnR w="6350">
+                      <a:solidFill>
+                        <a:srgbClr val="B7B8B8"/>
+                      </a:solidFill>
+                      <a:prstDash val="solid"/>
+                    </a:lnR>
+                    <a:lnT w="57150" cap="flat" cmpd="sng" algn="ctr">
+                      <a:solidFill>
+                        <a:srgbClr val="A8A8A8"/>
+                      </a:solidFill>
+                      <a:prstDash val="solid"/>
+                      <a:round/>
+                      <a:headEnd type="none" w="med" len="med"/>
+                      <a:tailEnd type="none" w="med" len="med"/>
+                    </a:lnT>
+                    <a:lnB w="6350">
+                      <a:solidFill>
+                        <a:srgbClr val="B7B8B8"/>
+                      </a:solidFill>
+                      <a:prstDash val="solid"/>
+                    </a:lnB>
+                  </a:tcPr>
+                </a:tc>
+                <a:tc>
+                  <a:txBody>
+                    <a:bodyPr/>
+                    <a:lstStyle/>
+                    <a:p>
+                      <a:pPr marL="405130" marR="459740" indent="92710" algn="ctr">
+                        <a:lnSpc>
+                          <a:spcPct val="100000"/>
+                        </a:lnSpc>
+                      </a:pPr>
                       <a:r>
-                        <a:rPr lang="en-US" sz="900" spc="0">
+                        <a:rPr lang="de-de" sz="900" spc="0" dirty="0">
                           <a:solidFill>
                             <a:srgbClr val="020302"/>
                           </a:solidFill>
                           <a:latin typeface="AdobeClean-Light"/>
                           <a:cs typeface="AdobeClean-Light"/>
                         </a:rPr>
-                        <a:t>          </a:t>
+                        <a:t>全年無休 /</a:t>
                       </a:r>
                       <a:r>
-                        <a:rPr sz="900" spc="0">
-                          <a:solidFill>
-                            <a:srgbClr val="020302"/>
-                          </a:solidFill>
-                          <a:latin typeface="AdobeClean-Light"/>
-                          <a:cs typeface="AdobeClean-Light"/>
-                        </a:rPr>
-                        <a:t> 1</a:t>
-                      </a:r>
-                      <a:r>
-                        <a:rPr lang="en-US" sz="900" spc="0">
+                        <a:rPr lang="zh-TW" altLang="en-US" sz="900" spc="0" dirty="0">
                           <a:solidFill>
                             <a:srgbClr val="020302"/>
                           </a:solidFill>
@@ -3399,122 +2997,16 @@
                         <a:t> </a:t>
                       </a:r>
                       <a:r>
-                        <a:rPr sz="900" spc="0">
+                        <a:rPr lang="de-de" sz="900" spc="0" dirty="0">
                           <a:solidFill>
                             <a:srgbClr val="020302"/>
                           </a:solidFill>
                           <a:latin typeface="AdobeClean-Light"/>
                           <a:cs typeface="AdobeClean-Light"/>
                         </a:rPr>
-                        <a:t>hour</a:t>
+                        <a:t>15 分鐘</a:t>
                       </a:r>
-                      <a:endParaRPr sz="900" spc="0">
-                        <a:latin typeface="AdobeClean-Light"/>
-                        <a:cs typeface="AdobeClean-Light"/>
-                      </a:endParaRPr>
-                    </a:p>
-                  </a:txBody>
-                  <a:tcPr marL="0" marR="0" marT="0" marB="0" anchor="ctr">
-                    <a:lnL w="6350">
-                      <a:solidFill>
-                        <a:srgbClr val="B7B8B8"/>
-                      </a:solidFill>
-                      <a:prstDash val="solid"/>
-                    </a:lnL>
-                    <a:lnR w="6350">
-                      <a:solidFill>
-                        <a:srgbClr val="B7B8B8"/>
-                      </a:solidFill>
-                      <a:prstDash val="solid"/>
-                    </a:lnR>
-                    <a:lnT w="57150" cap="flat" cmpd="sng" algn="ctr">
-                      <a:solidFill>
-                        <a:srgbClr val="A8A8A8"/>
-                      </a:solidFill>
-                      <a:prstDash val="solid"/>
-                      <a:round/>
-                      <a:headEnd type="none" w="med" len="med"/>
-                      <a:tailEnd type="none" w="med" len="med"/>
-                    </a:lnT>
-                    <a:lnB w="6350">
-                      <a:solidFill>
-                        <a:srgbClr val="B7B8B8"/>
-                      </a:solidFill>
-                      <a:prstDash val="solid"/>
-                    </a:lnB>
-                  </a:tcPr>
-                </a:tc>
-                <a:tc>
-                  <a:txBody>
-                    <a:bodyPr/>
-                    <a:lstStyle/>
-                    <a:p>
-                      <a:pPr marL="405130" marR="459740" indent="92710" algn="l">
-                        <a:lnSpc>
-                          <a:spcPct val="100000"/>
-                        </a:lnSpc>
-                      </a:pPr>
-                      <a:r>
-                        <a:rPr lang="en-US" sz="900" spc="0">
-                          <a:solidFill>
-                            <a:srgbClr val="020302"/>
-                          </a:solidFill>
-                          <a:latin typeface="AdobeClean-Light"/>
-                          <a:cs typeface="AdobeClean-Light"/>
-                        </a:rPr>
-                        <a:t>2</a:t>
-                      </a:r>
-                      <a:r>
-                        <a:rPr sz="900" spc="0">
-                          <a:solidFill>
-                            <a:srgbClr val="020302"/>
-                          </a:solidFill>
-                          <a:latin typeface="AdobeClean-Light"/>
-                          <a:cs typeface="AdobeClean-Light"/>
-                        </a:rPr>
-                        <a:t>4x7 /</a:t>
-                      </a:r>
-                      <a:r>
-                        <a:rPr lang="en-US" sz="900" spc="0">
-                          <a:solidFill>
-                            <a:srgbClr val="020302"/>
-                          </a:solidFill>
-                          <a:latin typeface="AdobeClean-Light"/>
-                          <a:cs typeface="AdobeClean-Light"/>
-                        </a:rPr>
-                        <a:t>  </a:t>
-                      </a:r>
-                      <a:r>
-                        <a:rPr sz="900" spc="0">
-                          <a:solidFill>
-                            <a:srgbClr val="020302"/>
-                          </a:solidFill>
-                          <a:latin typeface="AdobeClean-Light"/>
-                          <a:cs typeface="AdobeClean-Light"/>
-                        </a:rPr>
-                        <a:t> 15</a:t>
-                      </a:r>
-                      <a:r>
-                        <a:rPr lang="en-US" sz="900" spc="0">
-                          <a:solidFill>
-                            <a:srgbClr val="020302"/>
-                          </a:solidFill>
-                          <a:latin typeface="AdobeClean-Light"/>
-                          <a:cs typeface="AdobeClean-Light"/>
-                        </a:rPr>
-                        <a:t> </a:t>
-                      </a:r>
-                      <a:r>
-                        <a:rPr sz="900" spc="0">
-                          <a:solidFill>
-                            <a:srgbClr val="020302"/>
-                          </a:solidFill>
-                          <a:latin typeface="AdobeClean-Light"/>
-                          <a:cs typeface="AdobeClean-Light"/>
-                        </a:rPr>
-                        <a:t>minutes</a:t>
-                      </a:r>
-                      <a:endParaRPr sz="900" spc="0">
+                      <a:endParaRPr sz="900" spc="0" dirty="0">
                         <a:latin typeface="AdobeClean-Light"/>
                         <a:cs typeface="AdobeClean-Light"/>
                       </a:endParaRPr>
@@ -3579,16 +3071,16 @@
                         </a:spcBef>
                       </a:pPr>
                       <a:r>
-                        <a:rPr sz="900" b="1" spc="0">
+                        <a:rPr lang="de-de" sz="900" b="1" spc="0" dirty="0">
                           <a:solidFill>
                             <a:srgbClr val="020302"/>
                           </a:solidFill>
                           <a:latin typeface="Adobe Clean"/>
                           <a:cs typeface="Adobe Clean"/>
                         </a:rPr>
-                        <a:t>PRIORITY 2</a:t>
+                        <a:t>優先順序 2</a:t>
                       </a:r>
-                      <a:endParaRPr sz="900" spc="0">
+                      <a:endParaRPr sz="900" spc="0" dirty="0">
                         <a:latin typeface="Adobe Clean"/>
                         <a:cs typeface="Adobe Clean"/>
                       </a:endParaRPr>
@@ -3603,17 +3095,17 @@
                         </a:spcBef>
                       </a:pPr>
                       <a:r>
-                        <a:rPr lang="en-US" sz="900" b="0" i="0" u="none" strike="noStrike" spc="0">
+                        <a:rPr lang="de-de" sz="900" b="0" i="0" u="none" strike="noStrike" spc="0" dirty="0">
                           <a:solidFill>
                             <a:srgbClr val="000000"/>
                           </a:solidFill>
                           <a:effectLst/>
-                          <a:latin typeface="Adobe Clean Light"/>
+                          <a:latin typeface="Adobe Clean Light" panose="020B0303020404020204" pitchFamily="34" charset="0"/>
                         </a:rPr>
-                        <a:t>Customer's business functions have major service degradation or potential data loss, or a major feature is impacted</a:t>
+                        <a:t>客戶的業務功能發生嚴重的服務降級狀況，或是可能發生資料遺失，或是主要功能受到了影響</a:t>
                       </a:r>
-                      <a:endParaRPr sz="900" spc="0">
-                        <a:latin typeface="Adobe Clean Light"/>
+                      <a:endParaRPr sz="900" spc="0" dirty="0">
+                        <a:latin typeface="AdobeClean-Light"/>
                         <a:cs typeface="AdobeClean-Light"/>
                       </a:endParaRPr>
                     </a:p>
@@ -3653,62 +3145,22 @@
                     <a:bodyPr/>
                     <a:lstStyle/>
                     <a:p>
-                      <a:pPr marL="473075" marR="343535" indent="-175895" algn="l">
+                      <a:pPr marL="473709" marR="343535" indent="-175895" algn="ctr">
                         <a:lnSpc>
                           <a:spcPct val="102200"/>
                         </a:lnSpc>
                       </a:pPr>
                       <a:r>
-                        <a:rPr sz="900" spc="0">
+                        <a:rPr lang="de-de" sz="900" spc="0" dirty="0">
                           <a:solidFill>
                             <a:srgbClr val="020302"/>
                           </a:solidFill>
                           <a:latin typeface="AdobeClean-Light"/>
                           <a:cs typeface="AdobeClean-Light"/>
                         </a:rPr>
-                        <a:t>Business hours</a:t>
+                        <a:t>營業時間 /       4 小時</a:t>
                       </a:r>
-                      <a:r>
-                        <a:rPr lang="en-US" sz="900" spc="0">
-                          <a:solidFill>
-                            <a:srgbClr val="020302"/>
-                          </a:solidFill>
-                          <a:latin typeface="AdobeClean-Light"/>
-                          <a:cs typeface="AdobeClean-Light"/>
-                        </a:rPr>
-                        <a:t> </a:t>
-                      </a:r>
-                      <a:r>
-                        <a:rPr sz="900" spc="0">
-                          <a:solidFill>
-                            <a:srgbClr val="020302"/>
-                          </a:solidFill>
-                          <a:latin typeface="AdobeClean-Light"/>
-                          <a:cs typeface="AdobeClean-Light"/>
-                        </a:rPr>
-                        <a:t>/</a:t>
-                      </a:r>
-                      <a:r>
-                        <a:rPr lang="en-US" sz="900" spc="0">
-                          <a:solidFill>
-                            <a:srgbClr val="020302"/>
-                          </a:solidFill>
-                          <a:latin typeface="AdobeClean-Light"/>
-                          <a:cs typeface="AdobeClean-Light"/>
-                        </a:rPr>
-                        <a:t>       </a:t>
-                      </a:r>
-                      <a:r>
-                        <a:rPr sz="900" spc="0">
-                          <a:solidFill>
-                            <a:srgbClr val="020302"/>
-                          </a:solidFill>
-                          <a:latin typeface="AdobeClean-Light"/>
-                          <a:cs typeface="AdobeClean-Light"/>
-                        </a:rPr>
-                        <a:t>4 hours</a:t>
-                      </a:r>
-                      <a:endParaRPr sz="900" spc="0">
+                      <a:endParaRPr sz="900" spc="0" dirty="0">
                         <a:latin typeface="AdobeClean-Light"/>
                         <a:cs typeface="AdobeClean-Light"/>
                       </a:endParaRPr>
@@ -3746,62 +3198,22 @@
                     <a:bodyPr/>
                     <a:lstStyle/>
                     <a:p>
-                      <a:pPr marL="351790" marR="481330" indent="144145" algn="l">
+                      <a:pPr marL="351790" marR="481330" indent="144145" algn="ctr">
                         <a:lnSpc>
                           <a:spcPct val="102299"/>
                         </a:lnSpc>
                       </a:pPr>
                       <a:r>
-                        <a:rPr sz="900" spc="0">
+                        <a:rPr lang="de-de" sz="900" spc="0" dirty="0">
                           <a:solidFill>
                             <a:srgbClr val="020302"/>
                           </a:solidFill>
                           <a:latin typeface="AdobeClean-Light"/>
                           <a:cs typeface="AdobeClean-Light"/>
                         </a:rPr>
-                        <a:t>24x5 /</a:t>
+                        <a:t>24x5 /  30 分鐘</a:t>
                       </a:r>
-                      <a:r>
-                        <a:rPr lang="en-US" sz="900" spc="0">
-                          <a:solidFill>
-                            <a:srgbClr val="020302"/>
-                          </a:solidFill>
-                          <a:latin typeface="AdobeClean-Light"/>
-                          <a:cs typeface="AdobeClean-Light"/>
-                        </a:rPr>
-                        <a:t> </a:t>
-                      </a:r>
-                      <a:r>
-                        <a:rPr sz="900" spc="0">
-                          <a:solidFill>
-                            <a:srgbClr val="020302"/>
-                          </a:solidFill>
-                          <a:latin typeface="AdobeClean-Light"/>
-                          <a:cs typeface="AdobeClean-Light"/>
-                        </a:rPr>
-                        <a:t> 30</a:t>
-                      </a:r>
-                      <a:r>
-                        <a:rPr lang="en-US" sz="900" spc="0">
-                          <a:solidFill>
-                            <a:srgbClr val="020302"/>
-                          </a:solidFill>
-                          <a:latin typeface="AdobeClean-Light"/>
-                          <a:cs typeface="AdobeClean-Light"/>
-                        </a:rPr>
-                        <a:t> m</a:t>
-                      </a:r>
-                      <a:r>
-                        <a:rPr sz="900" spc="0">
-                          <a:solidFill>
-                            <a:srgbClr val="020302"/>
-                          </a:solidFill>
-                          <a:latin typeface="AdobeClean-Light"/>
-                          <a:cs typeface="AdobeClean-Light"/>
-                        </a:rPr>
-                        <a:t>inutes</a:t>
-                      </a:r>
-                      <a:endParaRPr sz="900" spc="0">
+                      <a:endParaRPr sz="900" spc="0" dirty="0">
                         <a:latin typeface="AdobeClean-Light"/>
                         <a:cs typeface="AdobeClean-Light"/>
                       </a:endParaRPr>
@@ -3863,16 +3275,16 @@
                         </a:spcBef>
                       </a:pPr>
                       <a:r>
-                        <a:rPr sz="900" b="1" spc="0">
+                        <a:rPr lang="de-de" sz="900" b="1" spc="0" dirty="0">
                           <a:solidFill>
                             <a:srgbClr val="020302"/>
                           </a:solidFill>
                           <a:latin typeface="Adobe Clean"/>
                           <a:cs typeface="Adobe Clean"/>
                         </a:rPr>
-                        <a:t>PRIORITY 3</a:t>
+                        <a:t>優先順序 3</a:t>
                       </a:r>
-                      <a:endParaRPr sz="900" spc="0">
+                      <a:endParaRPr sz="900" spc="0" dirty="0">
                         <a:latin typeface="Adobe Clean"/>
                         <a:cs typeface="Adobe Clean"/>
                       </a:endParaRPr>
@@ -3887,16 +3299,16 @@
                         </a:spcBef>
                       </a:pPr>
                       <a:r>
-                        <a:rPr lang="en-US" sz="900" b="0" i="0" u="none" strike="noStrike" spc="0">
+                        <a:rPr lang="de-de" sz="900" b="0" i="0" u="none" strike="noStrike" spc="0" dirty="0">
                           <a:solidFill>
                             <a:srgbClr val="000000"/>
                           </a:solidFill>
                           <a:effectLst/>
-                          <a:latin typeface="Adobe Clean Light"/>
+                          <a:latin typeface="Adobe Clean Light" panose="020B0303020404020204" pitchFamily="34" charset="0"/>
                         </a:rPr>
-                        <a:t>Customer’s business functions have minor to no service degradation but there exists a solution/workaround allowing business functions to continue normally</a:t>
+                        <a:t>客戶的業務功能發生了輕微服務降級狀況 (或沒有降級)，但有解決/變通方法讓業務功能得以繼續正常運作</a:t>
                       </a:r>
-                      <a:endParaRPr sz="900" spc="0">
+                      <a:endParaRPr sz="900" spc="0" dirty="0">
                         <a:latin typeface="AdobeClean-Light"/>
                         <a:cs typeface="AdobeClean-Light"/>
                       </a:endParaRPr>
@@ -3937,22 +3349,22 @@
                     <a:bodyPr/>
                     <a:lstStyle/>
                     <a:p>
-                      <a:pPr marL="473075" marR="343535" indent="-175895" algn="l">
+                      <a:pPr marL="473709" marR="343535" indent="-175895" algn="ctr">
                         <a:lnSpc>
                           <a:spcPct val="102200"/>
                         </a:lnSpc>
                       </a:pPr>
                       <a:r>
-                        <a:rPr lang="en-US" sz="900" spc="0">
+                        <a:rPr lang="de-de" sz="900" spc="0" dirty="0">
                           <a:solidFill>
                             <a:srgbClr val="020302"/>
                           </a:solidFill>
                           <a:latin typeface="AdobeClean-Light"/>
                           <a:cs typeface="AdobeClean-Light"/>
                         </a:rPr>
-                        <a:t>Business hours /       6 hours</a:t>
+                        <a:t>營業時間 /       6 小時</a:t>
                       </a:r>
-                      <a:endParaRPr lang="en-US" sz="900" spc="0">
+                      <a:endParaRPr lang="en-US" sz="900" spc="0" dirty="0">
                         <a:latin typeface="AdobeClean-Light"/>
                         <a:cs typeface="AdobeClean-Light"/>
                       </a:endParaRPr>
@@ -3990,13 +3402,13 @@
                     <a:bodyPr/>
                     <a:lstStyle/>
                     <a:p>
-                      <a:pPr marL="508000" marR="531495" indent="1270" algn="l">
+                      <a:pPr marL="508000" marR="531495" indent="1270" algn="ctr">
                         <a:lnSpc>
                           <a:spcPct val="102200"/>
                         </a:lnSpc>
                       </a:pPr>
                       <a:r>
-                        <a:rPr lang="en-US" sz="900" spc="0">
+                        <a:rPr lang="de-de" sz="900" spc="0" dirty="0">
                           <a:solidFill>
                             <a:srgbClr val="020302"/>
                           </a:solidFill>
@@ -4007,7 +3419,7 @@
                         <a:t>2</a:t>
                       </a:r>
                       <a:r>
-                        <a:rPr sz="900" spc="0">
+                        <a:rPr lang="de-de" sz="900" spc="0" dirty="0">
                           <a:solidFill>
                             <a:srgbClr val="020302"/>
                           </a:solidFill>
@@ -4015,29 +3427,7 @@
                           <a:ea typeface="+mn-ea"/>
                           <a:cs typeface="AdobeClean-Light"/>
                         </a:rPr>
-                        <a:t>4x5/</a:t>
-                      </a:r>
-                      <a:r>
-                        <a:rPr lang="en-US" sz="900" spc="0">
-                          <a:solidFill>
-                            <a:srgbClr val="020302"/>
-                          </a:solidFill>
-                          <a:latin typeface="AdobeClean-Light"/>
-                          <a:ea typeface="+mn-ea"/>
-                          <a:cs typeface="AdobeClean-Light"/>
-                        </a:rPr>
-                        <a:t>   </a:t>
-                      </a:r>
-                      <a:r>
-                        <a:rPr sz="900" spc="0">
-                          <a:solidFill>
-                            <a:srgbClr val="020302"/>
-                          </a:solidFill>
-                          <a:latin typeface="AdobeClean-Light"/>
-                          <a:ea typeface="+mn-ea"/>
-                          <a:cs typeface="AdobeClean-Light"/>
-                        </a:rPr>
-                        <a:t>1 hour</a:t>
+                        <a:t>4x5/   1 小時</a:t>
                       </a:r>
                     </a:p>
                   </a:txBody>
@@ -4097,16 +3487,16 @@
                         </a:spcBef>
                       </a:pPr>
                       <a:r>
-                        <a:rPr sz="900" b="1" spc="0">
+                        <a:rPr lang="de-de" sz="900" b="1" spc="0" dirty="0">
                           <a:solidFill>
                             <a:srgbClr val="020302"/>
                           </a:solidFill>
                           <a:latin typeface="Adobe Clean"/>
                           <a:cs typeface="Adobe Clean"/>
                         </a:rPr>
-                        <a:t>PRIORITY 4</a:t>
+                        <a:t>優先順序 4</a:t>
                       </a:r>
-                      <a:endParaRPr sz="900" spc="0">
+                      <a:endParaRPr sz="900" spc="0" dirty="0">
                         <a:latin typeface="Adobe Clean"/>
                         <a:cs typeface="Adobe Clean"/>
                       </a:endParaRPr>
@@ -4121,17 +3511,17 @@
                         </a:spcBef>
                       </a:pPr>
                       <a:r>
-                        <a:rPr lang="en-US" sz="900" b="0" i="0" u="none" strike="noStrike" spc="0">
+                        <a:rPr lang="de-de" sz="900" b="0" i="0" u="none" strike="noStrike" spc="0" dirty="0">
                           <a:solidFill>
                             <a:srgbClr val="000000"/>
                           </a:solidFill>
                           <a:effectLst/>
-                          <a:latin typeface="Adobe Clean Light"/>
+                          <a:latin typeface="Adobe Clean Light" panose="020B0303020404020204" pitchFamily="34" charset="0"/>
                         </a:rPr>
-                        <a:t>General question regarding current product functionality or an enhancement request</a:t>
+                        <a:t>有關目前產品功能或增強要求的一般性問題。</a:t>
                       </a:r>
-                      <a:endParaRPr sz="900" spc="0">
-                        <a:latin typeface="Adobe Clean Light"/>
+                      <a:endParaRPr sz="900" spc="0" dirty="0">
+                        <a:latin typeface="AdobeClean-Light"/>
                         <a:cs typeface="AdobeClean-Light"/>
                       </a:endParaRPr>
                     </a:p>
@@ -4171,22 +3561,22 @@
                     <a:bodyPr/>
                     <a:lstStyle/>
                     <a:p>
-                      <a:pPr marL="473075" marR="343535" indent="-175895" algn="l">
+                      <a:pPr marL="473709" marR="343535" indent="-175895" algn="ctr">
                         <a:lnSpc>
                           <a:spcPct val="102200"/>
                         </a:lnSpc>
                       </a:pPr>
                       <a:r>
-                        <a:rPr lang="en-US" sz="900" spc="0">
+                        <a:rPr lang="de-de" sz="900" spc="0" dirty="0">
                           <a:solidFill>
                             <a:srgbClr val="020302"/>
                           </a:solidFill>
                           <a:latin typeface="AdobeClean-Light"/>
                           <a:cs typeface="AdobeClean-Light"/>
                         </a:rPr>
-                        <a:t>Business days /       3 days</a:t>
+                        <a:t>營業日 / 3 天</a:t>
                       </a:r>
-                      <a:endParaRPr lang="en-US" sz="900" spc="0">
+                      <a:endParaRPr lang="en-US" sz="900" spc="0" dirty="0">
                         <a:latin typeface="AdobeClean-Light"/>
                         <a:cs typeface="AdobeClean-Light"/>
                       </a:endParaRPr>
@@ -4224,20 +3614,20 @@
                     <a:bodyPr/>
                     <a:lstStyle/>
                     <a:p>
-                      <a:pPr marL="473075" marR="343535" indent="-175895" algn="l">
+                      <a:pPr marL="473709" marR="343535" indent="-175895" algn="ctr">
                         <a:lnSpc>
                           <a:spcPct val="102200"/>
                         </a:lnSpc>
                       </a:pPr>
                       <a:r>
-                        <a:rPr lang="en-US" sz="900" spc="0" dirty="0">
+                        <a:rPr lang="de-de" sz="900" spc="0" dirty="0">
                           <a:solidFill>
                             <a:srgbClr val="020302"/>
                           </a:solidFill>
                           <a:latin typeface="AdobeClean-Light"/>
                           <a:cs typeface="AdobeClean-Light"/>
                         </a:rPr>
-                        <a:t>Business days /       1 day</a:t>
+                        <a:t>營業日 / 1 天</a:t>
                       </a:r>
                       <a:endParaRPr lang="en-US" sz="900" spc="0" dirty="0">
                         <a:latin typeface="AdobeClean-Light"/>
@@ -4320,8 +3710,8 @@
         </p:nvSpPr>
         <p:spPr>
           <a:xfrm>
-            <a:off x="97787" y="9888626"/>
-            <a:ext cx="2202180" cy="149860"/>
+            <a:off x="97786" y="9888626"/>
+            <a:ext cx="3940813" cy="133370"/>
           </a:xfrm>
           <a:prstGeom prst="rect">
             <a:avLst/>
@@ -4342,7 +3732,7 @@
               </a:spcBef>
             </a:pPr>
             <a:r>
-              <a:rPr sz="800" spc="-15">
+              <a:rPr lang="de-de" sz="800" spc="-15" dirty="0">
                 <a:solidFill>
                   <a:srgbClr val="6D6D6D"/>
                 </a:solidFill>
@@ -4352,17 +3742,17 @@
               <a:t>©2021 </a:t>
             </a:r>
             <a:r>
-              <a:rPr sz="800" spc="-5">
+              <a:rPr lang="de-de" sz="800" spc="-5" dirty="0">
                 <a:solidFill>
                   <a:srgbClr val="6D6D6D"/>
                 </a:solidFill>
                 <a:latin typeface="Adobe Clean"/>
                 <a:cs typeface="Adobe Clean"/>
               </a:rPr>
-              <a:t>Adobe. All</a:t>
-            </a:r>
-            <a:r>
-              <a:rPr sz="800" spc="-15">
+              <a:t>Adobe。All</a:t>
+            </a:r>
+            <a:r>
+              <a:rPr lang="de-de" sz="800" spc="-15" dirty="0">
                 <a:solidFill>
                   <a:srgbClr val="6D6D6D"/>
                 </a:solidFill>
@@ -4372,7 +3762,7 @@
               <a:t> Rights</a:t>
             </a:r>
             <a:r>
-              <a:rPr sz="800" spc="-5">
+              <a:rPr lang="de-de" sz="800" spc="-5" dirty="0">
                 <a:solidFill>
                   <a:srgbClr val="6D6D6D"/>
                 </a:solidFill>
@@ -4382,56 +3772,46 @@
               <a:t> </a:t>
             </a:r>
             <a:r>
-              <a:rPr sz="800" spc="-15">
+              <a:rPr lang="de-de" sz="800" spc="-15" dirty="0">
                 <a:solidFill>
                   <a:srgbClr val="6D6D6D"/>
                 </a:solidFill>
                 <a:latin typeface="Adobe Clean"/>
                 <a:cs typeface="Adobe Clean"/>
               </a:rPr>
-              <a:t>Reserved.</a:t>
-            </a:r>
-            <a:r>
-              <a:rPr sz="800" spc="-10">
+              <a:t>Reserved。</a:t>
+            </a:r>
+            <a:r>
+              <a:rPr lang="de-de" sz="800" spc="-5" dirty="0">
                 <a:solidFill>
                   <a:srgbClr val="6D6D6D"/>
                 </a:solidFill>
                 <a:latin typeface="Adobe Clean"/>
                 <a:cs typeface="Adobe Clean"/>
               </a:rPr>
-              <a:t> </a:t>
-            </a:r>
-            <a:r>
-              <a:rPr sz="800" spc="-5">
+              <a:t>Adobe</a:t>
+            </a:r>
+            <a:r>
+              <a:rPr lang="de-de" sz="800" spc="65" dirty="0">
                 <a:solidFill>
                   <a:srgbClr val="6D6D6D"/>
                 </a:solidFill>
                 <a:latin typeface="Adobe Clean"/>
                 <a:cs typeface="Adobe Clean"/>
               </a:rPr>
-              <a:t>Adobe</a:t>
-            </a:r>
-            <a:r>
-              <a:rPr sz="800" spc="65">
+              <a:t> </a:t>
+            </a:r>
+            <a:r>
+              <a:rPr lang="de-de" sz="800" spc="-15" dirty="0">
                 <a:solidFill>
                   <a:srgbClr val="6D6D6D"/>
                 </a:solidFill>
                 <a:latin typeface="Adobe Clean"/>
                 <a:cs typeface="Adobe Clean"/>
               </a:rPr>
-              <a:t> </a:t>
-            </a:r>
-            <a:r>
-              <a:rPr sz="800" spc="-15">
-                <a:solidFill>
-                  <a:srgbClr val="6D6D6D"/>
-                </a:solidFill>
-                <a:latin typeface="Adobe Clean"/>
-                <a:cs typeface="Adobe Clean"/>
-              </a:rPr>
-              <a:t>Confidential.</a:t>
-            </a:r>
-            <a:endParaRPr sz="800">
+              <a:t> 機密資訊。</a:t>
+            </a:r>
+            <a:endParaRPr sz="800" dirty="0">
               <a:latin typeface="Adobe Clean"/>
               <a:cs typeface="Adobe Clean"/>
             </a:endParaRPr>
@@ -4467,7 +3847,7 @@
           <a:lstStyle/>
           <a:p>
             <a:r>
-              <a:rPr lang="en-US" sz="700" i="1">
+              <a:rPr lang="de-de" sz="700" i="1" dirty="0">
                 <a:solidFill>
                   <a:schemeClr val="bg1"/>
                 </a:solidFill>
@@ -4492,7 +3872,7 @@
           <p:nvPr>
             <p:extLst>
               <p:ext uri="{D42A27DB-BD31-4B8C-83A1-F6EECF244321}">
-                <p14:modId xmlns:p14="http://schemas.microsoft.com/office/powerpoint/2010/main" val="2453616751"/>
+                <p14:modId xmlns:p14="http://schemas.microsoft.com/office/powerpoint/2010/main" val="839514922"/>
               </p:ext>
             </p:extLst>
           </p:nvPr>
@@ -4543,7 +3923,7 @@
                     <a:bodyPr/>
                     <a:lstStyle/>
                     <a:p>
-                      <a:endParaRPr lang="en-US"/>
+                      <a:endParaRPr lang="en-US" dirty="0"/>
                     </a:p>
                   </a:txBody>
                   <a:tcPr/>
@@ -4581,34 +3961,14 @@
                         <a:defRPr/>
                       </a:pPr>
                       <a:r>
-                        <a:rPr lang="en-US" sz="900" spc="-20" dirty="0">
+                        <a:rPr lang="ko-KR" altLang="en-US" sz="900" spc="-20" dirty="0">
                           <a:solidFill>
                             <a:srgbClr val="404040"/>
                           </a:solidFill>
                           <a:latin typeface="Adobe Clean"/>
                           <a:cs typeface="Adobe Clean"/>
                         </a:rPr>
-                        <a:t>Standard </a:t>
-                      </a:r>
-                      <a:r>
-                        <a:rPr lang="en-US" sz="900" spc="-135" dirty="0">
-                          <a:solidFill>
-                            <a:srgbClr val="404040"/>
-                          </a:solidFill>
-                          <a:latin typeface="Adobe Clean"/>
-                          <a:cs typeface="Adobe Clean"/>
-                        </a:rPr>
-                        <a:t> </a:t>
-                      </a:r>
-                      <a:r>
-                        <a:rPr lang="en-US" sz="900" spc="-20" dirty="0">
-                          <a:solidFill>
-                            <a:srgbClr val="404040"/>
-                          </a:solidFill>
-                          <a:latin typeface="Adobe Clean"/>
-                          <a:cs typeface="Adobe Clean"/>
-                        </a:rPr>
-                        <a:t>Support</a:t>
+                        <a:t>標準支援</a:t>
                       </a:r>
                       <a:endParaRPr lang="en-US" sz="900" dirty="0">
                         <a:latin typeface="Adobe Clean"/>
@@ -4654,26 +4014,16 @@
                         </a:spcBef>
                       </a:pPr>
                       <a:r>
-                        <a:rPr lang="en-US" sz="900" spc="-20">
+                        <a:rPr lang="de-de" sz="900" spc="-20" dirty="0">
                           <a:solidFill>
                             <a:srgbClr val="FFFFFF"/>
                           </a:solidFill>
                           <a:latin typeface="Adobe Clean"/>
                           <a:cs typeface="Adobe Clean"/>
                         </a:rPr>
-                        <a:t>Elite </a:t>
+                        <a:t>菁英支援</a:t>
                       </a:r>
-                      <a:r>
-                        <a:rPr sz="900" spc="-20">
-                          <a:solidFill>
-                            <a:srgbClr val="FFFFFF"/>
-                          </a:solidFill>
-                          <a:latin typeface="Adobe Clean"/>
-                          <a:cs typeface="Adobe Clean"/>
-                        </a:rPr>
-                        <a:t>Support</a:t>
-                      </a:r>
-                      <a:endParaRPr sz="900">
+                      <a:endParaRPr sz="900" dirty="0">
                         <a:latin typeface="Adobe Clean"/>
                         <a:cs typeface="Adobe Clean"/>
                       </a:endParaRPr>
@@ -4721,7 +4071,7 @@
                     <a:bodyPr/>
                     <a:lstStyle/>
                     <a:p>
-                      <a:endParaRPr lang="en-US"/>
+                      <a:endParaRPr lang="en-US" dirty="0"/>
                     </a:p>
                   </a:txBody>
                   <a:tcPr/>
@@ -4758,7 +4108,7 @@
                         <a:tabLst/>
                         <a:defRPr/>
                       </a:pPr>
-                      <a:endParaRPr lang="en-US" sz="800" i="1">
+                      <a:endParaRPr lang="en-US" sz="800" i="1" dirty="0">
                         <a:solidFill>
                           <a:sysClr val="windowText" lastClr="000000"/>
                         </a:solidFill>
@@ -4822,13 +4172,13 @@
                         <a:defRPr/>
                       </a:pPr>
                       <a:r>
-                        <a:rPr lang="en-US" sz="800" i="1">
+                        <a:rPr lang="de-de" sz="800" i="1" dirty="0">
                           <a:solidFill>
                             <a:schemeClr val="bg1"/>
                           </a:solidFill>
                           <a:latin typeface="Adobe Clean Light" panose="020B0303020404020204" pitchFamily="34" charset="0"/>
                         </a:rPr>
-                        <a:t>Paid Support ($)</a:t>
+                        <a:t>付費支援 ($)</a:t>
                       </a:r>
                     </a:p>
                   </a:txBody>
@@ -4892,16 +4242,16 @@
                         </a:spcBef>
                       </a:pPr>
                       <a:r>
-                        <a:rPr lang="en-US" sz="1000" b="1" i="0" spc="0">
+                        <a:rPr lang="de-de" sz="1000" b="1" i="0" spc="0" dirty="0">
                           <a:solidFill>
                             <a:schemeClr val="bg1"/>
                           </a:solidFill>
                           <a:latin typeface="Adobe Clean" panose="020B0503020404020204" pitchFamily="34" charset="0"/>
                           <a:cs typeface="AdobeClean-Light"/>
                         </a:rPr>
-                        <a:t>Assigned Experts</a:t>
+                        <a:t>指派的專家</a:t>
                       </a:r>
-                      <a:endParaRPr sz="1000" b="1" i="0" spc="0">
+                      <a:endParaRPr sz="1000" b="1" i="0" spc="0" dirty="0">
                         <a:solidFill>
                           <a:schemeClr val="bg1"/>
                         </a:solidFill>
@@ -4954,16 +4304,16 @@
                         </a:spcBef>
                       </a:pPr>
                       <a:r>
-                        <a:rPr sz="900" spc="0">
+                        <a:rPr lang="de-de" sz="900" spc="0" dirty="0">
                           <a:solidFill>
                             <a:srgbClr val="020302"/>
                           </a:solidFill>
                           <a:latin typeface="AdobeClean-Light"/>
                           <a:cs typeface="AdobeClean-Light"/>
                         </a:rPr>
-                        <a:t>Account Support Lead</a:t>
+                        <a:t>帳戶支援負責人</a:t>
                       </a:r>
-                      <a:endParaRPr sz="900" spc="0">
+                      <a:endParaRPr sz="900" spc="0" dirty="0">
                         <a:latin typeface="AdobeClean-Light"/>
                         <a:cs typeface="AdobeClean-Light"/>
                       </a:endParaRPr>
@@ -5009,7 +4359,7 @@
                           <a:spcPts val="470"/>
                         </a:spcBef>
                       </a:pPr>
-                      <a:endParaRPr sz="900">
+                      <a:endParaRPr sz="900" dirty="0">
                         <a:latin typeface="Wingdings"/>
                         <a:cs typeface="Wingdings"/>
                       </a:endParaRPr>
@@ -5050,7 +4400,7 @@
                           <a:spcPts val="470"/>
                         </a:spcBef>
                       </a:pPr>
-                      <a:endParaRPr sz="900">
+                      <a:endParaRPr sz="900" dirty="0">
                         <a:latin typeface="Wingdings"/>
                         <a:cs typeface="Wingdings"/>
                       </a:endParaRPr>
@@ -5093,7 +4443,7 @@
                           <a:spcPts val="459"/>
                         </a:spcBef>
                       </a:pPr>
-                      <a:endParaRPr sz="900">
+                      <a:endParaRPr sz="900" dirty="0">
                         <a:latin typeface="AdobeClean-Light"/>
                         <a:cs typeface="AdobeClean-Light"/>
                       </a:endParaRPr>
@@ -5131,16 +4481,16 @@
                         </a:spcBef>
                       </a:pPr>
                       <a:r>
-                        <a:rPr sz="900" spc="0">
+                        <a:rPr lang="de-de" sz="900" spc="0" dirty="0">
                           <a:solidFill>
                             <a:srgbClr val="020302"/>
                           </a:solidFill>
                           <a:latin typeface="AdobeClean-Light"/>
                           <a:cs typeface="AdobeClean-Light"/>
                         </a:rPr>
-                        <a:t>Named Support Engineer</a:t>
+                        <a:t>指定的支援工程師</a:t>
                       </a:r>
-                      <a:endParaRPr sz="900" spc="0">
+                      <a:endParaRPr sz="900" spc="0" dirty="0">
                         <a:latin typeface="AdobeClean-Light"/>
                         <a:cs typeface="AdobeClean-Light"/>
                       </a:endParaRPr>
@@ -5171,7 +4521,7 @@
                           <a:spcPct val="100000"/>
                         </a:lnSpc>
                       </a:pPr>
-                      <a:endParaRPr sz="900">
+                      <a:endParaRPr sz="900" dirty="0">
                         <a:latin typeface="Times New Roman"/>
                         <a:cs typeface="Times New Roman"/>
                       </a:endParaRPr>
@@ -5213,7 +4563,7 @@
                         <a:defRPr/>
                       </a:pPr>
                       <a:r>
-                        <a:rPr lang="en-US" sz="900">
+                        <a:rPr lang="de-de" sz="900" dirty="0">
                           <a:solidFill>
                             <a:srgbClr val="020302"/>
                           </a:solidFill>
@@ -5222,7 +4572,7 @@
                         </a:rPr>
                         <a:t></a:t>
                       </a:r>
-                      <a:endParaRPr lang="en-US" sz="900">
+                      <a:endParaRPr lang="en-US" sz="900" dirty="0">
                         <a:latin typeface="Wingdings"/>
                         <a:cs typeface="Wingdings"/>
                       </a:endParaRPr>
@@ -5256,7 +4606,7 @@
                           <a:spcPts val="500"/>
                         </a:spcBef>
                       </a:pPr>
-                      <a:endParaRPr sz="900">
+                      <a:endParaRPr sz="900" dirty="0">
                         <a:latin typeface="AdobeClean-Light"/>
                         <a:cs typeface="AdobeClean-Light"/>
                       </a:endParaRPr>
@@ -5306,16 +4656,16 @@
                         </a:spcBef>
                       </a:pPr>
                       <a:r>
-                        <a:rPr sz="900" spc="0">
+                        <a:rPr lang="de-de" sz="900" spc="0" dirty="0">
                           <a:solidFill>
                             <a:srgbClr val="020302"/>
                           </a:solidFill>
                           <a:latin typeface="AdobeClean-Light"/>
                           <a:cs typeface="AdobeClean-Light"/>
                         </a:rPr>
-                        <a:t>Technical Account Manager</a:t>
+                        <a:t>技術客戶經理</a:t>
                       </a:r>
-                      <a:endParaRPr sz="900" spc="0">
+                      <a:endParaRPr sz="900" spc="0" dirty="0">
                         <a:latin typeface="AdobeClean-Light"/>
                         <a:cs typeface="AdobeClean-Light"/>
                       </a:endParaRPr>
@@ -5352,7 +4702,7 @@
                           <a:spcPct val="100000"/>
                         </a:lnSpc>
                       </a:pPr>
-                      <a:endParaRPr sz="900">
+                      <a:endParaRPr sz="900" dirty="0">
                         <a:latin typeface="Times New Roman"/>
                         <a:cs typeface="Times New Roman"/>
                       </a:endParaRPr>
@@ -5403,7 +4753,7 @@
                         <a:defRPr/>
                       </a:pPr>
                       <a:r>
-                        <a:rPr lang="en-US" sz="900">
+                        <a:rPr lang="de-de" sz="900" dirty="0">
                           <a:solidFill>
                             <a:srgbClr val="020302"/>
                           </a:solidFill>
@@ -5412,7 +4762,7 @@
                         </a:rPr>
                         <a:t></a:t>
                       </a:r>
-                      <a:endParaRPr lang="en-US" sz="900">
+                      <a:endParaRPr lang="en-US" sz="900" dirty="0">
                         <a:latin typeface="Wingdings"/>
                         <a:cs typeface="Wingdings"/>
                       </a:endParaRPr>
@@ -5456,16 +4806,16 @@
                         </a:spcBef>
                       </a:pPr>
                       <a:r>
-                        <a:rPr lang="en-US" sz="1000" b="1" i="0" spc="0">
+                        <a:rPr lang="de-de" sz="1000" b="1" i="0" spc="0" dirty="0">
                           <a:solidFill>
                             <a:schemeClr val="bg1"/>
                           </a:solidFill>
                           <a:latin typeface="Adobe Clean" panose="020B0503020404020204" pitchFamily="34" charset="0"/>
                           <a:cs typeface="AdobeClean-Light"/>
                         </a:rPr>
-                        <a:t>Support Services</a:t>
+                        <a:t>支援服務</a:t>
                       </a:r>
-                      <a:endParaRPr sz="1000" b="1" i="0" spc="0">
+                      <a:endParaRPr sz="1000" b="1" i="0" spc="0" dirty="0">
                         <a:solidFill>
                           <a:schemeClr val="bg1"/>
                         </a:solidFill>
@@ -5527,26 +4877,16 @@
                         </a:spcBef>
                       </a:pPr>
                       <a:r>
-                        <a:rPr lang="en-US" sz="900" spc="0">
+                        <a:rPr lang="de-de" sz="900" spc="0" dirty="0">
                           <a:solidFill>
                             <a:srgbClr val="020302"/>
                           </a:solidFill>
                           <a:latin typeface="AdobeClean-Light"/>
                           <a:cs typeface="AdobeClean-Light"/>
                         </a:rPr>
-                        <a:t>Online</a:t>
+                        <a:t>線上支援</a:t>
                       </a:r>
-                      <a:r>
-                        <a:rPr sz="900" spc="0">
-                          <a:solidFill>
-                            <a:srgbClr val="020302"/>
-                          </a:solidFill>
-                          <a:latin typeface="AdobeClean-Light"/>
-                          <a:cs typeface="AdobeClean-Light"/>
-                        </a:rPr>
-                        <a:t> Support</a:t>
-                      </a:r>
-                      <a:endParaRPr sz="900" spc="0">
+                      <a:endParaRPr sz="900" spc="0" dirty="0">
                         <a:latin typeface="AdobeClean-Light"/>
                         <a:cs typeface="AdobeClean-Light"/>
                       </a:endParaRPr>
@@ -5587,36 +4927,26 @@
                         </a:spcBef>
                       </a:pPr>
                       <a:r>
-                        <a:rPr sz="900" spc="-25">
+                        <a:rPr lang="de-de" sz="900" spc="-25" dirty="0">
                           <a:solidFill>
                             <a:srgbClr val="020302"/>
                           </a:solidFill>
                           <a:latin typeface="AdobeClean-Light"/>
                           <a:cs typeface="AdobeClean-Light"/>
                         </a:rPr>
-                        <a:t>Business</a:t>
+                        <a:t>營業</a:t>
                       </a:r>
                       <a:r>
-                        <a:rPr sz="900" spc="-15">
+                        <a:rPr lang="de-de" sz="900" spc="-30" dirty="0">
                           <a:solidFill>
                             <a:srgbClr val="020302"/>
                           </a:solidFill>
                           <a:latin typeface="AdobeClean-Light"/>
                           <a:cs typeface="AdobeClean-Light"/>
                         </a:rPr>
-                        <a:t> </a:t>
+                        <a:t>時間</a:t>
                       </a:r>
-                      <a:r>
-                        <a:rPr sz="900" spc="-30">
-                          <a:solidFill>
-                            <a:srgbClr val="020302"/>
-                          </a:solidFill>
-                          <a:latin typeface="AdobeClean-Light"/>
-                          <a:cs typeface="AdobeClean-Light"/>
-                        </a:rPr>
-                        <a:t>hours</a:t>
-                      </a:r>
-                      <a:endParaRPr sz="900">
+                      <a:endParaRPr sz="900" dirty="0">
                         <a:latin typeface="AdobeClean-Light"/>
                         <a:cs typeface="AdobeClean-Light"/>
                       </a:endParaRPr>
@@ -5658,7 +4988,7 @@
                         </a:spcBef>
                       </a:pPr>
                       <a:r>
-                        <a:rPr lang="en-US" sz="900" spc="-25">
+                        <a:rPr lang="de-de" sz="900" spc="-25" dirty="0">
                           <a:solidFill>
                             <a:srgbClr val="020302"/>
                           </a:solidFill>
@@ -5667,7 +4997,7 @@
                         </a:rPr>
                         <a:t>24x5</a:t>
                       </a:r>
-                      <a:endParaRPr sz="900">
+                      <a:endParaRPr sz="900" dirty="0">
                         <a:latin typeface="AdobeClean-Light"/>
                         <a:cs typeface="AdobeClean-Light"/>
                       </a:endParaRPr>
@@ -5710,7 +5040,7 @@
                           <a:spcPts val="455"/>
                         </a:spcBef>
                       </a:pPr>
-                      <a:endParaRPr sz="900">
+                      <a:endParaRPr sz="900" dirty="0">
                         <a:latin typeface="AdobeClean-Light"/>
                         <a:cs typeface="AdobeClean-Light"/>
                       </a:endParaRPr>
@@ -5751,36 +5081,16 @@
                         </a:spcBef>
                       </a:pPr>
                       <a:r>
-                        <a:rPr sz="900" spc="0">
+                        <a:rPr lang="de-de" sz="900" spc="0" dirty="0">
                           <a:solidFill>
                             <a:srgbClr val="020302"/>
                           </a:solidFill>
                           <a:latin typeface="AdobeClean-Light"/>
                           <a:cs typeface="AdobeClean-Light"/>
                         </a:rPr>
-                        <a:t>24x7</a:t>
+                        <a:t>全年無休 P1 問題支援</a:t>
                       </a:r>
-                      <a:r>
-                        <a:rPr lang="en-US" sz="900" spc="0">
-                          <a:solidFill>
-                            <a:srgbClr val="020302"/>
-                          </a:solidFill>
-                          <a:latin typeface="AdobeClean-Light"/>
-                          <a:cs typeface="AdobeClean-Light"/>
-                        </a:rPr>
-                        <a:t>x365</a:t>
-                      </a:r>
-                      <a:r>
-                        <a:rPr sz="900" spc="0">
-                          <a:solidFill>
-                            <a:srgbClr val="020302"/>
-                          </a:solidFill>
-                          <a:latin typeface="AdobeClean-Light"/>
-                          <a:cs typeface="AdobeClean-Light"/>
-                        </a:rPr>
-                        <a:t> P1 Issue Support</a:t>
-                      </a:r>
-                      <a:endParaRPr sz="900" spc="0">
+                      <a:endParaRPr sz="900" spc="0" dirty="0">
                         <a:latin typeface="AdobeClean-Light"/>
                         <a:cs typeface="AdobeClean-Light"/>
                       </a:endParaRPr>
@@ -5815,7 +5125,7 @@
                         </a:spcBef>
                       </a:pPr>
                       <a:r>
-                        <a:rPr sz="900">
+                        <a:rPr lang="de-de" sz="900" dirty="0">
                           <a:solidFill>
                             <a:srgbClr val="020302"/>
                           </a:solidFill>
@@ -5824,7 +5134,7 @@
                         </a:rPr>
                         <a:t></a:t>
                       </a:r>
-                      <a:endParaRPr sz="900">
+                      <a:endParaRPr sz="900" dirty="0">
                         <a:latin typeface="Wingdings"/>
                         <a:cs typeface="Wingdings"/>
                       </a:endParaRPr>
@@ -5857,7 +5167,7 @@
                         </a:spcBef>
                       </a:pPr>
                       <a:r>
-                        <a:rPr sz="900">
+                        <a:rPr lang="de-de" sz="900" dirty="0">
                           <a:solidFill>
                             <a:srgbClr val="020302"/>
                           </a:solidFill>
@@ -5866,7 +5176,7 @@
                         </a:rPr>
                         <a:t></a:t>
                       </a:r>
-                      <a:endParaRPr sz="900">
+                      <a:endParaRPr sz="900" dirty="0">
                         <a:latin typeface="Wingdings"/>
                         <a:cs typeface="Wingdings"/>
                       </a:endParaRPr>
@@ -5900,7 +5210,7 @@
                           <a:spcPts val="455"/>
                         </a:spcBef>
                       </a:pPr>
-                      <a:endParaRPr sz="900">
+                      <a:endParaRPr sz="900" dirty="0">
                         <a:latin typeface="AdobeClean-Light"/>
                         <a:cs typeface="AdobeClean-Light"/>
                       </a:endParaRPr>
@@ -5950,16 +5260,16 @@
                         </a:spcBef>
                       </a:pPr>
                       <a:r>
-                        <a:rPr lang="en-US" sz="900" spc="0">
+                        <a:rPr lang="de-de" sz="900" spc="0" dirty="0">
                           <a:solidFill>
                             <a:srgbClr val="020302"/>
                           </a:solidFill>
                           <a:latin typeface="AdobeClean-Light"/>
                           <a:cs typeface="AdobeClean-Light"/>
                         </a:rPr>
-                        <a:t>Named Support Contacts (per product)</a:t>
+                        <a:t>指定的支援聯絡人 (依據產品)</a:t>
                       </a:r>
-                      <a:endParaRPr sz="900" spc="0">
+                      <a:endParaRPr sz="900" spc="0" dirty="0">
                         <a:latin typeface="AdobeClean-Light"/>
                         <a:cs typeface="AdobeClean-Light"/>
                       </a:endParaRPr>
@@ -6000,7 +5310,7 @@
                         </a:spcBef>
                       </a:pPr>
                       <a:r>
-                        <a:rPr sz="900">
+                        <a:rPr lang="de-de" sz="900" dirty="0">
                           <a:solidFill>
                             <a:srgbClr val="020302"/>
                           </a:solidFill>
@@ -6009,7 +5319,7 @@
                         </a:rPr>
                         <a:t>4</a:t>
                       </a:r>
-                      <a:endParaRPr sz="900">
+                      <a:endParaRPr sz="900" dirty="0">
                         <a:latin typeface="AdobeClean-Light"/>
                         <a:cs typeface="AdobeClean-Light"/>
                       </a:endParaRPr>
@@ -6042,7 +5352,7 @@
                         </a:spcBef>
                       </a:pPr>
                       <a:r>
-                        <a:rPr lang="en-US" sz="900">
+                        <a:rPr lang="de-de" sz="900" dirty="0">
                           <a:solidFill>
                             <a:srgbClr val="020302"/>
                           </a:solidFill>
@@ -6051,7 +5361,7 @@
                         </a:rPr>
                         <a:t>15</a:t>
                       </a:r>
-                      <a:endParaRPr sz="900">
+                      <a:endParaRPr sz="900" dirty="0">
                         <a:latin typeface="AdobeClean-Light"/>
                         <a:cs typeface="AdobeClean-Light"/>
                       </a:endParaRPr>
@@ -6085,7 +5395,7 @@
                           <a:spcPts val="455"/>
                         </a:spcBef>
                       </a:pPr>
-                      <a:endParaRPr sz="900">
+                      <a:endParaRPr sz="900" dirty="0">
                         <a:latin typeface="AdobeClean-Light"/>
                         <a:cs typeface="AdobeClean-Light"/>
                       </a:endParaRPr>
@@ -6126,16 +5436,16 @@
                         </a:spcBef>
                       </a:pPr>
                       <a:r>
-                        <a:rPr lang="en-US" sz="900" spc="0">
+                        <a:rPr lang="de-de" sz="900" spc="0" dirty="0">
                           <a:solidFill>
                             <a:srgbClr val="020302"/>
                           </a:solidFill>
                           <a:latin typeface="AdobeClean-Light"/>
                           <a:cs typeface="AdobeClean-Light"/>
                         </a:rPr>
-                        <a:t>Live Telephone Support</a:t>
+                        <a:t>即時電話支援</a:t>
                       </a:r>
-                      <a:endParaRPr sz="900" spc="0">
+                      <a:endParaRPr sz="900" spc="0" dirty="0">
                         <a:latin typeface="AdobeClean-Light"/>
                         <a:cs typeface="AdobeClean-Light"/>
                       </a:endParaRPr>
@@ -6169,7 +5479,7 @@
                           <a:spcPts val="464"/>
                         </a:spcBef>
                       </a:pPr>
-                      <a:endParaRPr sz="900">
+                      <a:endParaRPr sz="900" dirty="0">
                         <a:latin typeface="Wingdings"/>
                         <a:cs typeface="Wingdings"/>
                       </a:endParaRPr>
@@ -6202,7 +5512,7 @@
                         </a:spcBef>
                       </a:pPr>
                       <a:r>
-                        <a:rPr sz="900">
+                        <a:rPr lang="de-de" sz="900" dirty="0">
                           <a:solidFill>
                             <a:srgbClr val="020302"/>
                           </a:solidFill>
@@ -6211,7 +5521,7 @@
                         </a:rPr>
                         <a:t></a:t>
                       </a:r>
-                      <a:endParaRPr sz="900">
+                      <a:endParaRPr sz="900" dirty="0">
                         <a:latin typeface="Wingdings"/>
                         <a:cs typeface="Wingdings"/>
                       </a:endParaRPr>
@@ -6245,7 +5555,7 @@
                           <a:spcPts val="459"/>
                         </a:spcBef>
                       </a:pPr>
-                      <a:endParaRPr sz="900">
+                      <a:endParaRPr sz="900" dirty="0">
                         <a:latin typeface="AdobeClean-Light"/>
                         <a:cs typeface="AdobeClean-Light"/>
                       </a:endParaRPr>
@@ -6286,16 +5596,16 @@
                         </a:spcBef>
                       </a:pPr>
                       <a:r>
-                        <a:rPr sz="900" spc="0">
+                        <a:rPr lang="de-de" sz="900" spc="0" dirty="0">
                           <a:solidFill>
                             <a:srgbClr val="020302"/>
                           </a:solidFill>
                           <a:latin typeface="AdobeClean-Light"/>
                           <a:cs typeface="AdobeClean-Light"/>
                         </a:rPr>
-                        <a:t>Escalation Management</a:t>
+                        <a:t>向上呈報管理</a:t>
                       </a:r>
-                      <a:endParaRPr sz="900" spc="0">
+                      <a:endParaRPr sz="900" spc="0" dirty="0">
                         <a:latin typeface="AdobeClean-Light"/>
                         <a:cs typeface="AdobeClean-Light"/>
                       </a:endParaRPr>
@@ -6329,7 +5639,7 @@
                           <a:spcPts val="470"/>
                         </a:spcBef>
                       </a:pPr>
-                      <a:endParaRPr sz="900">
+                      <a:endParaRPr sz="900" dirty="0">
                         <a:latin typeface="Wingdings"/>
                         <a:cs typeface="Wingdings"/>
                       </a:endParaRPr>
@@ -6362,7 +5672,7 @@
                         </a:spcBef>
                       </a:pPr>
                       <a:r>
-                        <a:rPr sz="900">
+                        <a:rPr lang="de-de" sz="900" dirty="0">
                           <a:solidFill>
                             <a:srgbClr val="020302"/>
                           </a:solidFill>
@@ -6371,7 +5681,7 @@
                         </a:rPr>
                         <a:t></a:t>
                       </a:r>
-                      <a:endParaRPr sz="900">
+                      <a:endParaRPr sz="900" dirty="0">
                         <a:latin typeface="Wingdings"/>
                         <a:cs typeface="Wingdings"/>
                       </a:endParaRPr>
@@ -6405,7 +5715,7 @@
                           <a:spcPts val="450"/>
                         </a:spcBef>
                       </a:pPr>
-                      <a:endParaRPr sz="900">
+                      <a:endParaRPr sz="900" dirty="0">
                         <a:latin typeface="AdobeClean-Light"/>
                         <a:cs typeface="AdobeClean-Light"/>
                       </a:endParaRPr>
@@ -6446,26 +5756,16 @@
                         </a:spcBef>
                       </a:pPr>
                       <a:r>
-                        <a:rPr sz="900" spc="0">
+                        <a:rPr lang="de-de" sz="900" spc="0" dirty="0">
                           <a:solidFill>
                             <a:srgbClr val="020302"/>
                           </a:solidFill>
                           <a:latin typeface="AdobeClean-Light"/>
                           <a:cs typeface="AdobeClean-Light"/>
                         </a:rPr>
-                        <a:t>Service Reviews </a:t>
+                        <a:t>每年的服務審查</a:t>
                       </a:r>
-                      <a:r>
-                        <a:rPr lang="en-US" sz="900" spc="0">
-                          <a:solidFill>
-                            <a:srgbClr val="020302"/>
-                          </a:solidFill>
-                          <a:latin typeface="AdobeClean-Light"/>
-                          <a:cs typeface="AdobeClean-Light"/>
-                        </a:rPr>
-                        <a:t>per Year</a:t>
-                      </a:r>
-                      <a:endParaRPr sz="900" spc="0">
+                      <a:endParaRPr sz="900" spc="0" dirty="0">
                         <a:latin typeface="AdobeClean-Light"/>
                         <a:cs typeface="AdobeClean-Light"/>
                       </a:endParaRPr>
@@ -6496,7 +5796,7 @@
                           <a:spcPct val="100000"/>
                         </a:lnSpc>
                       </a:pPr>
-                      <a:endParaRPr sz="900">
+                      <a:endParaRPr sz="900" dirty="0">
                         <a:latin typeface="Times New Roman"/>
                         <a:cs typeface="Times New Roman"/>
                       </a:endParaRPr>
@@ -6526,13 +5826,13 @@
                         </a:lnSpc>
                       </a:pPr>
                       <a:r>
-                        <a:rPr lang="en-US" sz="900">
+                        <a:rPr lang="de-de" sz="900" dirty="0">
                           <a:latin typeface="Times New Roman"/>
                           <a:cs typeface="Times New Roman"/>
                         </a:rPr>
                         <a:t>4</a:t>
                       </a:r>
-                      <a:endParaRPr sz="900">
+                      <a:endParaRPr sz="900" dirty="0">
                         <a:latin typeface="Times New Roman"/>
                         <a:cs typeface="Times New Roman"/>
                       </a:endParaRPr>
@@ -6577,13 +5877,13 @@
                         </a:spcBef>
                       </a:pPr>
                       <a:r>
-                        <a:rPr lang="en-US" sz="900" spc="0">
+                        <a:rPr lang="de-de" sz="900" spc="0" dirty="0">
                           <a:latin typeface="AdobeClean-Light"/>
                           <a:cs typeface="AdobeClean-Light"/>
                         </a:rPr>
-                        <a:t>Expert Sessions per Year</a:t>
+                        <a:t>每年的專家諮詢</a:t>
                       </a:r>
-                      <a:endParaRPr sz="900" spc="0">
+                      <a:endParaRPr sz="900" spc="0" dirty="0">
                         <a:latin typeface="AdobeClean-Light"/>
                         <a:cs typeface="AdobeClean-Light"/>
                       </a:endParaRPr>
@@ -6620,7 +5920,7 @@
                           <a:spcPct val="100000"/>
                         </a:lnSpc>
                       </a:pPr>
-                      <a:endParaRPr sz="900">
+                      <a:endParaRPr sz="900" dirty="0">
                         <a:latin typeface="Times New Roman"/>
                         <a:cs typeface="Times New Roman"/>
                       </a:endParaRPr>
@@ -6650,13 +5950,13 @@
                         </a:lnSpc>
                       </a:pPr>
                       <a:r>
-                        <a:rPr lang="en-US" sz="900">
+                        <a:rPr lang="de-de" sz="900" dirty="0">
                           <a:latin typeface="Times New Roman"/>
                           <a:cs typeface="Times New Roman"/>
                         </a:rPr>
                         <a:t>4</a:t>
                       </a:r>
-                      <a:endParaRPr sz="900">
+                      <a:endParaRPr sz="900" dirty="0">
                         <a:latin typeface="Times New Roman"/>
                         <a:cs typeface="Times New Roman"/>
                       </a:endParaRPr>
@@ -6701,13 +6001,13 @@
                         </a:spcBef>
                       </a:pPr>
                       <a:r>
-                        <a:rPr lang="en-US" sz="900" spc="0">
+                        <a:rPr lang="de-de" sz="900" spc="0" dirty="0">
                           <a:latin typeface="AdobeClean-Light"/>
                           <a:cs typeface="AdobeClean-Light"/>
                         </a:rPr>
-                        <a:t>Case Reviews</a:t>
+                        <a:t>案件審查</a:t>
                       </a:r>
-                      <a:endParaRPr sz="900" spc="0">
+                      <a:endParaRPr sz="900" spc="0" dirty="0">
                         <a:latin typeface="AdobeClean-Light"/>
                         <a:cs typeface="AdobeClean-Light"/>
                       </a:endParaRPr>
@@ -6744,7 +6044,7 @@
                           <a:spcPct val="100000"/>
                         </a:lnSpc>
                       </a:pPr>
-                      <a:endParaRPr sz="900">
+                      <a:endParaRPr sz="900" dirty="0">
                         <a:latin typeface="Times New Roman"/>
                         <a:cs typeface="Times New Roman"/>
                       </a:endParaRPr>
@@ -6786,7 +6086,7 @@
                         <a:defRPr/>
                       </a:pPr>
                       <a:r>
-                        <a:rPr lang="en-US" sz="900">
+                        <a:rPr lang="de-de" sz="900" dirty="0">
                           <a:solidFill>
                             <a:srgbClr val="020302"/>
                           </a:solidFill>
@@ -6795,7 +6095,7 @@
                         </a:rPr>
                         <a:t></a:t>
                       </a:r>
-                      <a:endParaRPr lang="en-US" sz="900">
+                      <a:endParaRPr lang="en-US" sz="900" dirty="0">
                         <a:latin typeface="Wingdings"/>
                         <a:cs typeface="Wingdings"/>
                       </a:endParaRPr>
@@ -6829,7 +6129,7 @@
                           <a:spcPts val="459"/>
                         </a:spcBef>
                       </a:pPr>
-                      <a:endParaRPr sz="900">
+                      <a:endParaRPr sz="900" dirty="0">
                         <a:latin typeface="AdobeClean-Light"/>
                         <a:cs typeface="AdobeClean-Light"/>
                       </a:endParaRPr>
@@ -6879,26 +6179,16 @@
                         </a:spcBef>
                       </a:pPr>
                       <a:r>
-                        <a:rPr sz="900" spc="0">
+                        <a:rPr lang="de-de" sz="900" spc="0" dirty="0">
                           <a:solidFill>
                             <a:srgbClr val="020302"/>
                           </a:solidFill>
                           <a:latin typeface="AdobeClean-Light"/>
                           <a:cs typeface="AdobeClean-Light"/>
                         </a:rPr>
-                        <a:t>Event </a:t>
+                        <a:t>事件管理</a:t>
                       </a:r>
-                      <a:r>
-                        <a:rPr lang="en-US" sz="900" spc="0">
-                          <a:solidFill>
-                            <a:srgbClr val="020302"/>
-                          </a:solidFill>
-                          <a:latin typeface="AdobeClean-Light"/>
-                          <a:cs typeface="AdobeClean-Light"/>
-                        </a:rPr>
-                        <a:t>Management</a:t>
-                      </a:r>
-                      <a:endParaRPr sz="900" spc="0">
+                      <a:endParaRPr sz="900" spc="0" dirty="0">
                         <a:latin typeface="AdobeClean-Light"/>
                         <a:cs typeface="AdobeClean-Light"/>
                       </a:endParaRPr>
@@ -6935,7 +6225,7 @@
                           <a:spcPct val="100000"/>
                         </a:lnSpc>
                       </a:pPr>
-                      <a:endParaRPr sz="900">
+                      <a:endParaRPr sz="900" dirty="0">
                         <a:latin typeface="Times New Roman"/>
                         <a:cs typeface="Times New Roman"/>
                       </a:endParaRPr>
@@ -6977,7 +6267,7 @@
                         <a:defRPr/>
                       </a:pPr>
                       <a:r>
-                        <a:rPr lang="en-US" sz="900">
+                        <a:rPr lang="de-de" sz="900" dirty="0">
                           <a:solidFill>
                             <a:srgbClr val="020302"/>
                           </a:solidFill>
@@ -6986,7 +6276,7 @@
                         </a:rPr>
                         <a:t></a:t>
                       </a:r>
-                      <a:endParaRPr lang="en-US" sz="900">
+                      <a:endParaRPr lang="en-US" sz="900" dirty="0">
                         <a:latin typeface="Wingdings"/>
                         <a:cs typeface="Wingdings"/>
                       </a:endParaRPr>
@@ -7020,7 +6310,7 @@
                           <a:spcPts val="465"/>
                         </a:spcBef>
                       </a:pPr>
-                      <a:endParaRPr sz="900">
+                      <a:endParaRPr sz="900" dirty="0">
                         <a:latin typeface="AdobeClean-Light"/>
                         <a:cs typeface="AdobeClean-Light"/>
                       </a:endParaRPr>
@@ -7061,36 +6351,16 @@
                         </a:spcBef>
                       </a:pPr>
                       <a:r>
-                        <a:rPr sz="900" spc="0">
+                        <a:rPr lang="de-de" sz="900" spc="0" dirty="0">
                           <a:solidFill>
                             <a:srgbClr val="020302"/>
                           </a:solidFill>
                           <a:latin typeface="AdobeClean-Light"/>
                           <a:cs typeface="AdobeClean-Light"/>
                         </a:rPr>
-                        <a:t>Environment</a:t>
+                        <a:t>環境審查、維護與監控</a:t>
                       </a:r>
-                      <a:r>
-                        <a:rPr lang="en-US" sz="900" spc="0">
-                          <a:solidFill>
-                            <a:srgbClr val="020302"/>
-                          </a:solidFill>
-                          <a:latin typeface="AdobeClean-Light"/>
-                          <a:cs typeface="AdobeClean-Light"/>
-                        </a:rPr>
-                        <a:t> </a:t>
-                      </a:r>
-                      <a:r>
-                        <a:rPr sz="900" spc="0">
-                          <a:solidFill>
-                            <a:srgbClr val="020302"/>
-                          </a:solidFill>
-                          <a:latin typeface="AdobeClean-Light"/>
-                          <a:cs typeface="AdobeClean-Light"/>
-                        </a:rPr>
-                        <a:t>Review, Maintenance &amp; Monitoring</a:t>
-                      </a:r>
-                      <a:endParaRPr sz="900" spc="0">
+                      <a:endParaRPr sz="900" spc="0" dirty="0">
                         <a:latin typeface="AdobeClean-Light"/>
                         <a:cs typeface="AdobeClean-Light"/>
                       </a:endParaRPr>
@@ -7121,7 +6391,7 @@
                           <a:spcPct val="100000"/>
                         </a:lnSpc>
                       </a:pPr>
-                      <a:endParaRPr sz="900">
+                      <a:endParaRPr sz="900" dirty="0">
                         <a:latin typeface="Times New Roman"/>
                         <a:cs typeface="Times New Roman"/>
                       </a:endParaRPr>
@@ -7163,7 +6433,7 @@
                         <a:defRPr/>
                       </a:pPr>
                       <a:r>
-                        <a:rPr lang="en-US" sz="900">
+                        <a:rPr lang="de-de" sz="900" dirty="0">
                           <a:solidFill>
                             <a:srgbClr val="020302"/>
                           </a:solidFill>
@@ -7172,7 +6442,7 @@
                         </a:rPr>
                         <a:t></a:t>
                       </a:r>
-                      <a:endParaRPr lang="en-US" sz="900">
+                      <a:endParaRPr lang="en-US" sz="900" dirty="0">
                         <a:latin typeface="Wingdings"/>
                         <a:cs typeface="Wingdings"/>
                       </a:endParaRPr>
@@ -7206,7 +6476,7 @@
                           <a:spcPts val="500"/>
                         </a:spcBef>
                       </a:pPr>
-                      <a:endParaRPr sz="900">
+                      <a:endParaRPr sz="900" dirty="0">
                         <a:latin typeface="AdobeClean-Light"/>
                         <a:cs typeface="AdobeClean-Light"/>
                       </a:endParaRPr>
@@ -7247,16 +6517,16 @@
                         </a:spcBef>
                       </a:pPr>
                       <a:r>
-                        <a:rPr sz="900" spc="0">
+                        <a:rPr lang="de-de" sz="900" spc="0" dirty="0">
                           <a:solidFill>
                             <a:srgbClr val="020302"/>
                           </a:solidFill>
                           <a:latin typeface="AdobeClean-Light"/>
                           <a:cs typeface="AdobeClean-Light"/>
                         </a:rPr>
-                        <a:t>Release, Migration, Upgrade &amp; Product Roadmap Review</a:t>
+                        <a:t>發行、遷移、升級及產品藍圖審查</a:t>
                       </a:r>
-                      <a:endParaRPr sz="900" spc="0">
+                      <a:endParaRPr sz="900" spc="0" dirty="0">
                         <a:latin typeface="AdobeClean-Light"/>
                         <a:cs typeface="AdobeClean-Light"/>
                       </a:endParaRPr>
@@ -7287,7 +6557,7 @@
                           <a:spcPct val="100000"/>
                         </a:lnSpc>
                       </a:pPr>
-                      <a:endParaRPr sz="900">
+                      <a:endParaRPr sz="900" dirty="0">
                         <a:latin typeface="Times New Roman"/>
                         <a:cs typeface="Times New Roman"/>
                       </a:endParaRPr>
@@ -7329,7 +6599,7 @@
                         <a:defRPr/>
                       </a:pPr>
                       <a:r>
-                        <a:rPr lang="en-US" sz="900">
+                        <a:rPr lang="de-de" sz="900" dirty="0">
                           <a:solidFill>
                             <a:srgbClr val="020302"/>
                           </a:solidFill>
@@ -7338,7 +6608,7 @@
                         </a:rPr>
                         <a:t></a:t>
                       </a:r>
-                      <a:endParaRPr lang="en-US" sz="900">
+                      <a:endParaRPr lang="en-US" sz="900" dirty="0">
                         <a:latin typeface="Wingdings"/>
                         <a:cs typeface="Wingdings"/>
                       </a:endParaRPr>
@@ -7372,7 +6642,7 @@
                           <a:spcPts val="530"/>
                         </a:spcBef>
                       </a:pPr>
-                      <a:endParaRPr sz="900">
+                      <a:endParaRPr sz="900" dirty="0">
                         <a:latin typeface="AdobeClean-Light"/>
                         <a:cs typeface="AdobeClean-Light"/>
                       </a:endParaRPr>
@@ -7422,11 +6692,11 @@
                         </a:spcBef>
                       </a:pPr>
                       <a:r>
-                        <a:rPr sz="900" spc="0">
+                        <a:rPr lang="de-de" sz="900" spc="0" dirty="0">
                           <a:latin typeface="AdobeClean-Light"/>
                           <a:cs typeface="AdobeClean-Light"/>
                         </a:rPr>
-                        <a:t>Cloud Support Activities – Experience Manager as Cloud</a:t>
+                        <a:t>雲端支援活動 – 雲端形式的 Experience Manager</a:t>
                       </a:r>
                     </a:p>
                   </a:txBody>
@@ -7461,7 +6731,7 @@
                           <a:spcPct val="100000"/>
                         </a:lnSpc>
                       </a:pPr>
-                      <a:endParaRPr sz="900">
+                      <a:endParaRPr sz="900" dirty="0">
                         <a:latin typeface="Times New Roman"/>
                         <a:cs typeface="Times New Roman"/>
                       </a:endParaRPr>
@@ -7512,7 +6782,7 @@
                         <a:defRPr/>
                       </a:pPr>
                       <a:r>
-                        <a:rPr lang="en-US" sz="900">
+                        <a:rPr lang="de-de" sz="900" dirty="0">
                           <a:solidFill>
                             <a:srgbClr val="020302"/>
                           </a:solidFill>
@@ -7521,7 +6791,7 @@
                         </a:rPr>
                         <a:t></a:t>
                       </a:r>
-                      <a:endParaRPr lang="en-US" sz="900">
+                      <a:endParaRPr lang="en-US" sz="900" dirty="0">
                         <a:latin typeface="Wingdings"/>
                         <a:cs typeface="Wingdings"/>
                       </a:endParaRPr>
@@ -7565,16 +6835,16 @@
                         </a:spcBef>
                       </a:pPr>
                       <a:r>
-                        <a:rPr lang="en-US" sz="1000" b="1" i="0" spc="0">
+                        <a:rPr lang="de-de" sz="1000" b="1" i="0" spc="0" dirty="0">
                           <a:solidFill>
                             <a:schemeClr val="bg1"/>
                           </a:solidFill>
                           <a:latin typeface="Adobe Clean" panose="020B0503020404020204" pitchFamily="34" charset="0"/>
                           <a:cs typeface="AdobeClean-Light"/>
                         </a:rPr>
-                        <a:t>Field Services</a:t>
+                        <a:t>現場服務</a:t>
                       </a:r>
-                      <a:endParaRPr sz="1000" b="1" i="0" spc="0">
+                      <a:endParaRPr sz="1000" b="1" i="0" spc="0" dirty="0">
                         <a:solidFill>
                           <a:schemeClr val="bg1"/>
                         </a:solidFill>
@@ -7633,14 +6903,14 @@
                         </a:spcBef>
                       </a:pPr>
                       <a:r>
-                        <a:rPr sz="900" spc="0">
+                        <a:rPr lang="de-de" sz="900" spc="0" dirty="0">
                           <a:solidFill>
                             <a:srgbClr val="020302"/>
                           </a:solidFill>
                           <a:latin typeface="AdobeClean-Light"/>
                           <a:cs typeface="AdobeClean-Light"/>
                         </a:rPr>
-                        <a:t>Launch Advisory Services – First Year of new solution</a:t>
+                        <a:t>上市諮詢服務 – 新解決方案的第一年</a:t>
                       </a:r>
                     </a:p>
                   </a:txBody>
@@ -7685,7 +6955,7 @@
                           <a:spcPct val="100000"/>
                         </a:lnSpc>
                       </a:pPr>
-                      <a:endParaRPr sz="900">
+                      <a:endParaRPr sz="900" dirty="0">
                         <a:latin typeface="Times New Roman"/>
                         <a:cs typeface="Times New Roman"/>
                       </a:endParaRPr>
@@ -7752,7 +7022,7 @@
                         <a:defRPr/>
                       </a:pPr>
                       <a:r>
-                        <a:rPr lang="en-US" sz="900">
+                        <a:rPr lang="de-de" sz="900" dirty="0">
                           <a:solidFill>
                             <a:srgbClr val="020302"/>
                           </a:solidFill>
@@ -7761,7 +7031,7 @@
                         </a:rPr>
                         <a:t></a:t>
                       </a:r>
-                      <a:endParaRPr lang="en-US" sz="900">
+                      <a:endParaRPr lang="en-US" sz="900" dirty="0">
                         <a:latin typeface="Wingdings"/>
                         <a:cs typeface="Wingdings"/>
                       </a:endParaRPr>
@@ -7843,11 +7113,11 @@
                         <a:defRPr/>
                       </a:pPr>
                       <a:r>
-                        <a:rPr lang="en-US" sz="900" spc="0">
+                        <a:rPr lang="de-de" sz="900" spc="0" dirty="0">
                           <a:latin typeface="AdobeClean-Light"/>
                           <a:cs typeface="AdobeClean-Light"/>
                         </a:rPr>
-                        <a:t>Field Service Activities </a:t>
+                        <a:t>現場服務活動</a:t>
                       </a:r>
                     </a:p>
                   </a:txBody>
@@ -7882,7 +7152,7 @@
                     <a:lstStyle/>
                     <a:p>
                       <a:pPr algn="ctr"/>
-                      <a:endParaRPr lang="en-US"/>
+                      <a:endParaRPr lang="en-US" dirty="0"/>
                     </a:p>
                   </a:txBody>
                   <a:tcPr marL="0" marR="0" marT="0" marB="0">
@@ -7930,7 +7200,7 @@
                     <a:p>
                       <a:pPr algn="ctr"/>
                       <a:r>
-                        <a:rPr lang="en-US" sz="900" dirty="0">
+                        <a:rPr lang="de-de" sz="900" dirty="0">
                           <a:latin typeface="Times New Roman"/>
                           <a:cs typeface="Times New Roman"/>
                         </a:rPr>
@@ -8070,7 +7340,7 @@
         <p:spPr>
           <a:xfrm>
             <a:off x="357339" y="608961"/>
-            <a:ext cx="1647825" cy="238760"/>
+            <a:ext cx="4214661" cy="229239"/>
           </a:xfrm>
           <a:prstGeom prst="rect">
             <a:avLst/>
@@ -8091,56 +7361,26 @@
               </a:spcBef>
             </a:pPr>
             <a:r>
-              <a:rPr sz="1400" b="1" spc="-10">
+              <a:rPr lang="de-de" sz="1400" b="1" spc="-10" dirty="0">
                 <a:solidFill>
                   <a:srgbClr val="020302"/>
                 </a:solidFill>
                 <a:latin typeface="Adobe Clean"/>
                 <a:cs typeface="Adobe Clean"/>
               </a:rPr>
-              <a:t>Elite</a:t>
-            </a:r>
-            <a:r>
-              <a:rPr sz="1400" b="1" spc="-50">
+              <a:t>菁英支援</a:t>
+            </a:r>
+            <a:r>
+              <a:rPr lang="de-de" sz="1400" b="1" spc="-15" dirty="0">
                 <a:solidFill>
                   <a:srgbClr val="020302"/>
                 </a:solidFill>
                 <a:latin typeface="Adobe Clean"/>
                 <a:cs typeface="Adobe Clean"/>
               </a:rPr>
-              <a:t> </a:t>
-            </a:r>
-            <a:r>
-              <a:rPr sz="1400" b="1" spc="-10">
-                <a:solidFill>
-                  <a:srgbClr val="020302"/>
-                </a:solidFill>
-                <a:latin typeface="Adobe Clean"/>
-                <a:cs typeface="Adobe Clean"/>
-              </a:rPr>
-              <a:t>Support</a:t>
-            </a:r>
-            <a:r>
-              <a:rPr sz="1400" b="1" spc="-45">
-                <a:solidFill>
-                  <a:srgbClr val="020302"/>
-                </a:solidFill>
-                <a:latin typeface="Adobe Clean"/>
-                <a:cs typeface="Adobe Clean"/>
-              </a:rPr>
-              <a:t> </a:t>
-            </a:r>
-            <a:r>
-              <a:rPr sz="1400" b="1" spc="-15">
-                <a:solidFill>
-                  <a:srgbClr val="020302"/>
-                </a:solidFill>
-                <a:latin typeface="Adobe Clean"/>
-                <a:cs typeface="Adobe Clean"/>
-              </a:rPr>
-              <a:t>Features</a:t>
-            </a:r>
-            <a:endParaRPr sz="1400">
+              <a:t>特色</a:t>
+            </a:r>
+            <a:endParaRPr sz="1400" dirty="0">
               <a:latin typeface="Adobe Clean"/>
               <a:cs typeface="Adobe Clean"/>
             </a:endParaRPr>
@@ -8177,16 +7417,16 @@
               </a:spcBef>
             </a:pPr>
             <a:r>
-              <a:rPr sz="1000">
+              <a:rPr lang="de-de" sz="1000" dirty="0">
                 <a:solidFill>
                   <a:srgbClr val="4B4B4B"/>
                 </a:solidFill>
                 <a:latin typeface="AdobeClean-Light"/>
                 <a:cs typeface="AdobeClean-Light"/>
               </a:rPr>
-              <a:t>A designated support engineer who  becomes familiar with your solution  environment and business goals. The NSE  is an experienced support engineer that  helps coordinate your Enterprise Support  experience.</a:t>
-            </a:r>
-            <a:endParaRPr sz="1000">
+              <a:t>已熟悉您的解決方案環境與業務目標的指定支援工程師。NSE 是經驗豐富的支援工程師，可幫忙協調您的企業支援體驗。</a:t>
+            </a:r>
+            <a:endParaRPr sz="1000" dirty="0">
               <a:latin typeface="AdobeClean-Light"/>
               <a:cs typeface="AdobeClean-Light"/>
             </a:endParaRPr>
@@ -8271,16 +7511,16 @@
               </a:spcBef>
             </a:pPr>
             <a:r>
-              <a:rPr sz="1000">
+              <a:rPr lang="de-de" sz="1000" dirty="0">
                 <a:solidFill>
                   <a:srgbClr val="4B4B4B"/>
                 </a:solidFill>
                 <a:latin typeface="AdobeClean-Light"/>
                 <a:cs typeface="AdobeClean-Light"/>
               </a:rPr>
-              <a:t>Regular scheduled review of open  support requests, ensuring customer  alignment on case description, business  impact, status, priority and agreement on  next steps required to ensure an  expedient resolution.</a:t>
-            </a:r>
-            <a:endParaRPr sz="1000">
+              <a:t>定期審查未解決的支援請求，以確保客戶在案件描述、業務影響、狀態、優先順序及確保快速解決所需的後續步驟方面都達成一致。</a:t>
+            </a:r>
+            <a:endParaRPr sz="1000" dirty="0">
               <a:latin typeface="AdobeClean-Light"/>
               <a:cs typeface="AdobeClean-Light"/>
             </a:endParaRPr>
@@ -8341,24 +7581,14 @@
               </a:spcBef>
             </a:pPr>
             <a:r>
-              <a:rPr sz="1000">
+              <a:rPr lang="de-de" sz="1000" dirty="0">
                 <a:solidFill>
                   <a:srgbClr val="020302"/>
                 </a:solidFill>
                 <a:latin typeface="AdobeClean-Light"/>
                 <a:cs typeface="AdobeClean-Light"/>
               </a:rPr>
-              <a:t>A designated Technical Account Manager to  oversee your Elite experience, coordinate  the support and field services  engagements, and provide proactive services  to maximize your business valu</a:t>
-            </a:r>
-            <a:r>
-              <a:rPr lang="en-US" sz="1000">
-                <a:solidFill>
-                  <a:srgbClr val="020302"/>
-                </a:solidFill>
-                <a:latin typeface="AdobeClean-Light"/>
-                <a:cs typeface="AdobeClean-Light"/>
-              </a:rPr>
-              <a:t>e.</a:t>
+              <a:t>指定的技術客戶經理，負責監督您的 Elite 體驗、協調支援和現場服務的投入，並提供主動式服務來讓您實現最高業務價值。</a:t>
             </a:r>
           </a:p>
         </p:txBody>
@@ -8393,16 +7623,16 @@
               </a:spcBef>
             </a:pPr>
             <a:r>
-              <a:rPr sz="1100" b="1">
+              <a:rPr lang="de-de" sz="1100" b="1" dirty="0">
                 <a:solidFill>
                   <a:srgbClr val="020302"/>
                 </a:solidFill>
                 <a:latin typeface="Adobe Clean" panose="020B0503020404020204" pitchFamily="34" charset="0"/>
                 <a:cs typeface="Arial"/>
               </a:rPr>
-              <a:t>Technical Account Manager</a:t>
-            </a:r>
-            <a:endParaRPr sz="1100">
+              <a:t>技術客戶經理</a:t>
+            </a:r>
+            <a:endParaRPr sz="1100" dirty="0">
               <a:latin typeface="Adobe Clean" panose="020B0503020404020204" pitchFamily="34" charset="0"/>
               <a:cs typeface="Arial"/>
             </a:endParaRPr>
@@ -8466,7 +7696,7 @@
         <p:spPr>
           <a:xfrm>
             <a:off x="2791726" y="5243920"/>
-            <a:ext cx="2194560" cy="499111"/>
+            <a:ext cx="2313674" cy="337272"/>
           </a:xfrm>
           <a:prstGeom prst="rect">
             <a:avLst/>
@@ -8487,46 +7717,16 @@
               </a:spcBef>
             </a:pPr>
             <a:r>
-              <a:rPr sz="1000">
+              <a:rPr lang="de-de" sz="1000" dirty="0">
                 <a:solidFill>
                   <a:srgbClr val="020302"/>
                 </a:solidFill>
                 <a:latin typeface="AdobeClean-Light"/>
                 <a:cs typeface="AdobeClean-Light"/>
               </a:rPr>
-              <a:t>Ongoing knowledge transfer from Adobe  </a:t>
-            </a:r>
-            <a:r>
-              <a:rPr lang="en-US" sz="1000">
-                <a:solidFill>
-                  <a:srgbClr val="020302"/>
-                </a:solidFill>
-                <a:latin typeface="AdobeClean-Light"/>
-                <a:cs typeface="AdobeClean-Light"/>
-              </a:rPr>
-              <a:t>Support team</a:t>
-            </a:r>
-            <a:r>
-              <a:rPr sz="1000">
-                <a:solidFill>
-                  <a:srgbClr val="020302"/>
-                </a:solidFill>
-                <a:latin typeface="AdobeClean-Light"/>
-                <a:cs typeface="AdobeClean-Light"/>
-              </a:rPr>
-              <a:t> to provide </a:t>
-            </a:r>
-            <a:r>
-              <a:rPr lang="en-US" sz="1000">
-                <a:solidFill>
-                  <a:srgbClr val="020302"/>
-                </a:solidFill>
-                <a:latin typeface="AdobeClean-Light"/>
-                <a:cs typeface="AdobeClean-Light"/>
-              </a:rPr>
-              <a:t>best practices around solution usage.</a:t>
-            </a:r>
-            <a:endParaRPr sz="1000">
+              <a:t>Adobe 支援團隊持續在進行知識轉移，以便提供有關解決方案使用的最佳實務。</a:t>
+            </a:r>
+            <a:endParaRPr sz="1000" dirty="0">
               <a:latin typeface="AdobeClean-Light"/>
               <a:cs typeface="AdobeClean-Light"/>
             </a:endParaRPr>
@@ -8563,16 +7763,16 @@
               </a:spcBef>
             </a:pPr>
             <a:r>
-              <a:rPr sz="1000">
+              <a:rPr lang="de-de" sz="1000" dirty="0">
                 <a:solidFill>
                   <a:srgbClr val="020302"/>
                 </a:solidFill>
                 <a:latin typeface="AdobeClean-Light"/>
                 <a:cs typeface="AdobeClean-Light"/>
               </a:rPr>
-              <a:t>Manage key events to ensure you have the  right level of support, coverage, and  mitigation plan in place during those key  business and project milestones.</a:t>
-            </a:r>
-            <a:endParaRPr sz="1000">
+              <a:t>管理關鍵事件，以確保您在這些關鍵業務和專案里程碑期間擁有適當層級的支援、涵蓋範圍和緩解計劃。</a:t>
+            </a:r>
+            <a:endParaRPr sz="1000" dirty="0">
               <a:latin typeface="AdobeClean-Light"/>
               <a:cs typeface="AdobeClean-Light"/>
             </a:endParaRPr>
@@ -8609,16 +7809,16 @@
               </a:spcBef>
             </a:pPr>
             <a:r>
-              <a:rPr sz="1000">
+              <a:rPr lang="de-de" sz="1000" dirty="0">
                 <a:solidFill>
                   <a:srgbClr val="020302"/>
                 </a:solidFill>
                 <a:latin typeface="AdobeClean-Light"/>
                 <a:cs typeface="AdobeClean-Light"/>
               </a:rPr>
-              <a:t>Receive personalized guidance on new  product features to take advantage of  latest innovations, and have Adobe  experts review release and upgrade plan.</a:t>
-            </a:r>
-            <a:endParaRPr sz="1000">
+              <a:t>接收有關新產品功能的個人化指引，以利用最新的創新功能，並讓 Adobe 專家審查發行和升級計劃。</a:t>
+            </a:r>
+            <a:endParaRPr sz="1000" dirty="0">
               <a:latin typeface="AdobeClean-Light"/>
               <a:cs typeface="AdobeClean-Light"/>
             </a:endParaRPr>
@@ -8633,8 +7833,8 @@
         </p:nvSpPr>
         <p:spPr>
           <a:xfrm>
-            <a:off x="97787" y="9888626"/>
-            <a:ext cx="2202180" cy="149860"/>
+            <a:off x="97786" y="9888626"/>
+            <a:ext cx="4474213" cy="133370"/>
           </a:xfrm>
           <a:prstGeom prst="rect">
             <a:avLst/>
@@ -8655,7 +7855,7 @@
               </a:spcBef>
             </a:pPr>
             <a:r>
-              <a:rPr sz="800" spc="-15">
+              <a:rPr lang="de-de" sz="800" spc="-15" dirty="0">
                 <a:solidFill>
                   <a:srgbClr val="6D6D6D"/>
                 </a:solidFill>
@@ -8665,17 +7865,17 @@
               <a:t>©2021 </a:t>
             </a:r>
             <a:r>
-              <a:rPr sz="800" spc="-5">
+              <a:rPr lang="de-de" sz="800" spc="-5" dirty="0">
                 <a:solidFill>
                   <a:srgbClr val="6D6D6D"/>
                 </a:solidFill>
                 <a:latin typeface="Adobe Clean"/>
                 <a:cs typeface="Adobe Clean"/>
               </a:rPr>
-              <a:t>Adobe. All</a:t>
-            </a:r>
-            <a:r>
-              <a:rPr sz="800" spc="-15">
+              <a:t>Adobe。All</a:t>
+            </a:r>
+            <a:r>
+              <a:rPr lang="de-de" sz="800" spc="-15" dirty="0">
                 <a:solidFill>
                   <a:srgbClr val="6D6D6D"/>
                 </a:solidFill>
@@ -8685,7 +7885,7 @@
               <a:t> Rights</a:t>
             </a:r>
             <a:r>
-              <a:rPr sz="800" spc="-5">
+              <a:rPr lang="de-de" sz="800" spc="-5" dirty="0">
                 <a:solidFill>
                   <a:srgbClr val="6D6D6D"/>
                 </a:solidFill>
@@ -8695,56 +7895,46 @@
               <a:t> </a:t>
             </a:r>
             <a:r>
-              <a:rPr sz="800" spc="-15">
+              <a:rPr lang="de-de" sz="800" spc="-15" dirty="0">
                 <a:solidFill>
                   <a:srgbClr val="6D6D6D"/>
                 </a:solidFill>
                 <a:latin typeface="Adobe Clean"/>
                 <a:cs typeface="Adobe Clean"/>
               </a:rPr>
-              <a:t>Reserved.</a:t>
-            </a:r>
-            <a:r>
-              <a:rPr sz="800" spc="-10">
+              <a:t>Reserved。</a:t>
+            </a:r>
+            <a:r>
+              <a:rPr lang="de-de" sz="800" spc="-5" dirty="0">
                 <a:solidFill>
                   <a:srgbClr val="6D6D6D"/>
                 </a:solidFill>
                 <a:latin typeface="Adobe Clean"/>
                 <a:cs typeface="Adobe Clean"/>
               </a:rPr>
-              <a:t> </a:t>
-            </a:r>
-            <a:r>
-              <a:rPr sz="800" spc="-5">
+              <a:t>Adobe</a:t>
+            </a:r>
+            <a:r>
+              <a:rPr lang="de-de" sz="800" spc="65" dirty="0">
                 <a:solidFill>
                   <a:srgbClr val="6D6D6D"/>
                 </a:solidFill>
                 <a:latin typeface="Adobe Clean"/>
                 <a:cs typeface="Adobe Clean"/>
               </a:rPr>
-              <a:t>Adobe</a:t>
-            </a:r>
-            <a:r>
-              <a:rPr sz="800" spc="65">
+              <a:t> </a:t>
+            </a:r>
+            <a:r>
+              <a:rPr lang="de-de" sz="800" spc="-15" dirty="0">
                 <a:solidFill>
                   <a:srgbClr val="6D6D6D"/>
                 </a:solidFill>
                 <a:latin typeface="Adobe Clean"/>
                 <a:cs typeface="Adobe Clean"/>
               </a:rPr>
-              <a:t> </a:t>
-            </a:r>
-            <a:r>
-              <a:rPr sz="800" spc="-15">
-                <a:solidFill>
-                  <a:srgbClr val="6D6D6D"/>
-                </a:solidFill>
-                <a:latin typeface="Adobe Clean"/>
-                <a:cs typeface="Adobe Clean"/>
-              </a:rPr>
-              <a:t>Confidential.</a:t>
-            </a:r>
-            <a:endParaRPr sz="800">
+              <a:t> 機密資訊。</a:t>
+            </a:r>
+            <a:endParaRPr sz="800" dirty="0">
               <a:latin typeface="Adobe Clean"/>
               <a:cs typeface="Adobe Clean"/>
             </a:endParaRPr>
@@ -8753,7 +7943,7 @@
       </p:sp>
       <p:pic>
         <p:nvPicPr>
-          <p:cNvPr id="43" name="Graphic 42" descr="Playbook outline">
+          <p:cNvPr id="43" name="Graphic 42" descr="Playbook 大綱">
             <a:extLst>
               <a:ext uri="{FF2B5EF4-FFF2-40B4-BE49-F238E27FC236}">
                 <a16:creationId xmlns:a16="http://schemas.microsoft.com/office/drawing/2014/main" id="{C99690B9-BFB7-6F4A-BF19-81D32249562E}"/>
@@ -8805,7 +7995,7 @@
         <p:spPr>
           <a:xfrm>
             <a:off x="2791726" y="9060487"/>
-            <a:ext cx="2194560" cy="487313"/>
+            <a:ext cx="2313674" cy="625812"/>
           </a:xfrm>
           <a:prstGeom prst="rect">
             <a:avLst/>
@@ -8829,155 +8019,92 @@
               </a:tabLst>
             </a:pPr>
             <a:r>
-              <a:rPr sz="1000" spc="-20">
+              <a:rPr lang="de-de" sz="1000" spc="-20" dirty="0">
                 <a:solidFill>
                   <a:srgbClr val="020302"/>
                 </a:solidFill>
                 <a:latin typeface="AdobeClean-Light"/>
                 <a:cs typeface="AdobeClean-Light"/>
               </a:rPr>
-              <a:t>Start </a:t>
-            </a:r>
-            <a:r>
-              <a:rPr sz="1000">
+              <a:t>開始</a:t>
+            </a:r>
+            <a:r>
+              <a:rPr lang="de-de" sz="1000" spc="-15" dirty="0">
                 <a:solidFill>
                   <a:srgbClr val="020302"/>
                 </a:solidFill>
                 <a:latin typeface="AdobeClean-Light"/>
                 <a:cs typeface="AdobeClean-Light"/>
               </a:rPr>
-              <a:t>a </a:t>
-            </a:r>
-            <a:r>
-              <a:rPr sz="1000" spc="-15">
+              <a:t>聊天式</a:t>
+            </a:r>
+            <a:r>
+              <a:rPr lang="de-de" sz="1000" spc="-10" dirty="0">
                 <a:solidFill>
                   <a:srgbClr val="020302"/>
                 </a:solidFill>
                 <a:latin typeface="AdobeClean-Light"/>
                 <a:cs typeface="AdobeClean-Light"/>
               </a:rPr>
-              <a:t>chat </a:t>
-            </a:r>
-            <a:r>
-              <a:rPr sz="1000" spc="-10">
+              <a:t>諮詢，</a:t>
+            </a:r>
+            <a:r>
+              <a:rPr lang="de-de" sz="1000" spc="-5" dirty="0">
                 <a:solidFill>
                   <a:srgbClr val="020302"/>
                 </a:solidFill>
                 <a:latin typeface="AdobeClean-Light"/>
                 <a:cs typeface="AdobeClean-Light"/>
               </a:rPr>
-              <a:t>session </a:t>
-            </a:r>
-            <a:r>
-              <a:rPr sz="1000" spc="-5">
+              <a:t>以獲得</a:t>
+            </a:r>
+            <a:r>
+              <a:rPr lang="de-de" sz="1000" spc="-10" dirty="0">
                 <a:solidFill>
                   <a:srgbClr val="020302"/>
                 </a:solidFill>
                 <a:latin typeface="AdobeClean-Light"/>
                 <a:cs typeface="AdobeClean-Light"/>
               </a:rPr>
-              <a:t>to </a:t>
-            </a:r>
-            <a:r>
-              <a:rPr sz="1000" spc="-10">
+              <a:t>案件提交的</a:t>
+            </a:r>
+            <a:r>
+              <a:rPr lang="de-de" sz="1000" spc="-20" dirty="0">
                 <a:solidFill>
                   <a:srgbClr val="020302"/>
                 </a:solidFill>
                 <a:latin typeface="AdobeClean-Light"/>
                 <a:cs typeface="AdobeClean-Light"/>
               </a:rPr>
-              <a:t>get </a:t>
-            </a:r>
-            <a:r>
-              <a:rPr sz="1000" spc="-20">
+              <a:t>解答</a:t>
+            </a:r>
+            <a:r>
+              <a:rPr lang="de-de" sz="1000" dirty="0">
                 <a:solidFill>
                   <a:srgbClr val="020302"/>
                 </a:solidFill>
                 <a:latin typeface="AdobeClean-Light"/>
                 <a:cs typeface="AdobeClean-Light"/>
               </a:rPr>
-              <a:t>answers</a:t>
-            </a:r>
-            <a:r>
-              <a:rPr lang="en-US" sz="1000" spc="-45">
+              <a:t>與</a:t>
+            </a:r>
+            <a:r>
+              <a:rPr lang="de-de" sz="1000" spc="-15" dirty="0">
                 <a:solidFill>
                   <a:srgbClr val="020302"/>
                 </a:solidFill>
                 <a:latin typeface="AdobeClean-Light"/>
                 <a:cs typeface="AdobeClean-Light"/>
               </a:rPr>
-              <a:t> </a:t>
-            </a:r>
-            <a:r>
-              <a:rPr lang="en-US" sz="1000">
-                <a:solidFill>
-                  <a:srgbClr val="020302"/>
-                </a:solidFill>
-                <a:latin typeface="AdobeClean-Light"/>
-                <a:cs typeface="AdobeClean-Light"/>
-              </a:rPr>
-              <a:t>&amp; </a:t>
-            </a:r>
-            <a:r>
-              <a:rPr sz="1000" spc="-15">
-                <a:solidFill>
-                  <a:srgbClr val="020302"/>
-                </a:solidFill>
-                <a:latin typeface="AdobeClean-Light"/>
-                <a:cs typeface="AdobeClean-Light"/>
-              </a:rPr>
-              <a:t>help </a:t>
-            </a:r>
-            <a:r>
-              <a:rPr sz="1000" spc="-10">
-                <a:solidFill>
-                  <a:srgbClr val="020302"/>
-                </a:solidFill>
-                <a:latin typeface="AdobeClean-Light"/>
-                <a:cs typeface="AdobeClean-Light"/>
-              </a:rPr>
-              <a:t>with</a:t>
-            </a:r>
-            <a:r>
-              <a:rPr sz="1000" spc="85">
-                <a:solidFill>
-                  <a:srgbClr val="020302"/>
-                </a:solidFill>
-                <a:latin typeface="AdobeClean-Light"/>
-                <a:cs typeface="AdobeClean-Light"/>
-              </a:rPr>
-              <a:t> </a:t>
-            </a:r>
-            <a:r>
-              <a:rPr sz="1000" spc="-10">
-                <a:solidFill>
-                  <a:srgbClr val="020302"/>
-                </a:solidFill>
-                <a:latin typeface="AdobeClean-Light"/>
-                <a:cs typeface="AdobeClean-Light"/>
-              </a:rPr>
-              <a:t>case </a:t>
-            </a:r>
-            <a:r>
-              <a:rPr sz="1000" spc="-20">
-                <a:solidFill>
-                  <a:srgbClr val="020302"/>
-                </a:solidFill>
-                <a:latin typeface="AdobeClean-Light"/>
-                <a:cs typeface="AdobeClean-Light"/>
-              </a:rPr>
-              <a:t>submission</a:t>
-            </a:r>
-            <a:r>
-              <a:rPr lang="en-US" sz="1000" spc="-20">
-                <a:solidFill>
-                  <a:srgbClr val="020302"/>
-                </a:solidFill>
-                <a:latin typeface="AdobeClean-Light"/>
-                <a:cs typeface="AdobeClean-Light"/>
-              </a:rPr>
-              <a:t>.</a:t>
-            </a:r>
+              <a:t>協助</a:t>
+            </a:r>
+            <a:endParaRPr lang="en-US" sz="1000" spc="-20" dirty="0">
+              <a:solidFill>
+                <a:srgbClr val="020302"/>
+              </a:solidFill>
+              <a:latin typeface="AdobeClean-Light"/>
+              <a:cs typeface="AdobeClean-Light"/>
+            </a:endParaRPr>
           </a:p>
           <a:p>
             <a:pPr marL="33020" marR="159385">
@@ -8992,36 +8119,36 @@
               </a:tabLst>
             </a:pPr>
             <a:r>
-              <a:rPr sz="1000" i="1" spc="-10">
+              <a:rPr lang="de-de" sz="1000" i="1" spc="-10" dirty="0">
                 <a:solidFill>
                   <a:srgbClr val="7A7A7A"/>
                 </a:solidFill>
                 <a:latin typeface="AdobeClean-LightIt"/>
                 <a:cs typeface="AdobeClean-LightIt"/>
               </a:rPr>
-              <a:t>*Not all </a:t>
-            </a:r>
-            <a:r>
-              <a:rPr sz="1000" i="1" spc="-20">
+              <a:t>*並非</a:t>
+            </a:r>
+            <a:r>
+              <a:rPr lang="de-de" sz="1000" i="1" spc="-20" dirty="0">
                 <a:solidFill>
                   <a:srgbClr val="7A7A7A"/>
                 </a:solidFill>
                 <a:latin typeface="AdobeClean-LightIt"/>
                 <a:cs typeface="AdobeClean-LightIt"/>
               </a:rPr>
-              <a:t>products have live chat support</a:t>
-            </a:r>
-            <a:r>
-              <a:rPr sz="900" i="1" spc="-20">
+              <a:t>所有產品都有提供即時聊天支援</a:t>
+            </a:r>
+            <a:r>
+              <a:rPr lang="de-de" sz="900" i="1" spc="-20" dirty="0">
                 <a:solidFill>
                   <a:srgbClr val="7A7A7A"/>
                 </a:solidFill>
                 <a:latin typeface="AdobeClean-LightIt"/>
                 <a:cs typeface="AdobeClean-LightIt"/>
               </a:rPr>
-              <a:t>.  </a:t>
-            </a:r>
-            <a:endParaRPr sz="900">
+              <a:t>。</a:t>
+            </a:r>
+            <a:endParaRPr sz="900" dirty="0">
               <a:latin typeface="AdobeClean-Light"/>
               <a:cs typeface="AdobeClean-Light"/>
             </a:endParaRPr>
@@ -9071,12 +8198,12 @@
               <a:defRPr/>
             </a:pPr>
             <a:r>
-              <a:rPr lang="en-US" sz="1200">
+              <a:rPr lang="de-de" sz="1200" dirty="0">
                 <a:solidFill>
                   <a:srgbClr val="000000"/>
                 </a:solidFill>
               </a:rPr>
-              <a:t>Community Forums</a:t>
+              <a:t>社群論壇</a:t>
             </a:r>
           </a:p>
         </p:txBody>
@@ -9119,12 +8246,12 @@
               </a:spcAft>
             </a:pPr>
             <a:r>
-              <a:rPr lang="en-US" sz="1200" b="1">
+              <a:rPr lang="de-de" sz="1200" b="1" dirty="0">
                 <a:latin typeface="+mj-lt"/>
                 <a:ea typeface="Open Sans" pitchFamily="34" charset="0"/>
                 <a:cs typeface="Open Sans" pitchFamily="34" charset="0"/>
               </a:rPr>
-              <a:t>Online Forums</a:t>
+              <a:t>線上論壇</a:t>
             </a:r>
           </a:p>
         </p:txBody>
@@ -9157,13 +8284,13 @@
           <a:lstStyle/>
           <a:p>
             <a:r>
-              <a:rPr lang="en-US" sz="1000">
+              <a:rPr lang="de-de" sz="1000" dirty="0">
                 <a:solidFill>
                   <a:srgbClr val="4B4B4B"/>
                 </a:solidFill>
                 <a:latin typeface="Adobe Clean Light" panose="020B0303020404020204" pitchFamily="34" charset="0"/>
               </a:rPr>
-              <a:t>Continuous online access to a growing database of technical solutions, product documentation, FAQs and more. Connect with practitioners and other customers on Adobe Community to share best practices and lessons learned.</a:t>
+              <a:t>可持續在線上存取不斷增加的技術解決方案、產品文件、常見問答等內容的資料庫。與 Adobe 社群上的從業人員和其他客戶交流，彼此分享學到的最佳實務和經驗教訓</a:t>
             </a:r>
           </a:p>
         </p:txBody>
@@ -9211,7 +8338,7 @@
               <a:defRPr/>
             </a:pPr>
             <a:r>
-              <a:rPr lang="en-US" sz="1200">
+              <a:rPr lang="de-de" sz="1200" dirty="0">
                 <a:solidFill>
                   <a:srgbClr val="000000"/>
                 </a:solidFill>
@@ -9259,12 +8386,12 @@
               </a:spcAft>
             </a:pPr>
             <a:r>
-              <a:rPr lang="en-US" sz="1200" b="1">
+              <a:rPr lang="de-de" sz="1200" b="1" dirty="0">
                 <a:latin typeface="+mj-lt"/>
                 <a:ea typeface="Open Sans" pitchFamily="34" charset="0"/>
                 <a:cs typeface="Open Sans" pitchFamily="34" charset="0"/>
               </a:rPr>
-              <a:t>Self-guided Journeys</a:t>
+              <a:t>自我引導式旅程</a:t>
             </a:r>
           </a:p>
         </p:txBody>
@@ -9297,13 +8424,13 @@
           <a:lstStyle/>
           <a:p>
             <a:r>
-              <a:rPr lang="en-US" sz="1000">
+              <a:rPr lang="de-de" sz="1000" dirty="0">
                 <a:solidFill>
                   <a:srgbClr val="4B4B4B"/>
                 </a:solidFill>
                 <a:latin typeface="Adobe Clean Light" panose="020B0303020404020204" pitchFamily="34" charset="0"/>
               </a:rPr>
-              <a:t>Experience Makers are made with Experience League. Customers can kickstart their Customer Experience Management abilities with personalized learning to develop skills, engage with a global community of peers, and earn career advancing recognition.</a:t>
+              <a:t>Experience League 賦予體驗製作者強大的功能。客戶可以透過個人化學習來開始培養自己的客戶體驗管理能力，以發展各項技能、與全球的同行社群互動，並獲得職業提升的認可</a:t>
             </a:r>
           </a:p>
         </p:txBody>
@@ -9351,12 +8478,12 @@
               <a:defRPr/>
             </a:pPr>
             <a:r>
-              <a:rPr lang="en-US" sz="1200">
+              <a:rPr lang="de-de" sz="1200" dirty="0">
                 <a:solidFill>
                   <a:srgbClr val="000000"/>
                 </a:solidFill>
               </a:rPr>
-              <a:t>Live Chat  Support*</a:t>
+              <a:t>即時聊天支援*</a:t>
             </a:r>
           </a:p>
         </p:txBody>
@@ -9399,12 +8526,12 @@
               </a:spcAft>
             </a:pPr>
             <a:r>
-              <a:rPr lang="en-US" sz="1200" b="1">
+              <a:rPr lang="de-de" sz="1200" b="1" dirty="0">
                 <a:latin typeface="+mj-lt"/>
                 <a:ea typeface="Open Sans" pitchFamily="34" charset="0"/>
                 <a:cs typeface="Open Sans" pitchFamily="34" charset="0"/>
               </a:rPr>
-              <a:t>Chat Support</a:t>
+              <a:t>聊天支援</a:t>
             </a:r>
           </a:p>
         </p:txBody>
@@ -9452,12 +8579,12 @@
               <a:defRPr/>
             </a:pPr>
             <a:r>
-              <a:rPr lang="en-US" sz="1200">
+              <a:rPr lang="de-de" sz="1200" dirty="0">
                 <a:solidFill>
                   <a:srgbClr val="000000"/>
                 </a:solidFill>
               </a:rPr>
-              <a:t>24X7 P1 </a:t>
+              <a:t>全年無休 P1 </a:t>
             </a:r>
           </a:p>
         </p:txBody>
@@ -9500,12 +8627,12 @@
               </a:spcAft>
             </a:pPr>
             <a:r>
-              <a:rPr lang="en-US" sz="1200" b="1">
+              <a:rPr lang="de-de" sz="1200" b="1" dirty="0">
                 <a:latin typeface="+mj-lt"/>
                 <a:ea typeface="Open Sans" pitchFamily="34" charset="0"/>
                 <a:cs typeface="Open Sans" pitchFamily="34" charset="0"/>
               </a:rPr>
-              <a:t>Phone  Support</a:t>
+              <a:t>電話支援</a:t>
             </a:r>
           </a:p>
         </p:txBody>
@@ -9538,30 +8665,30 @@
           <a:lstStyle/>
           <a:p>
             <a:r>
-              <a:rPr lang="en-US" sz="1000">
+              <a:rPr lang="de-de" sz="1000" dirty="0">
                 <a:solidFill>
                   <a:srgbClr val="020302"/>
                 </a:solidFill>
                 <a:latin typeface="AdobeClean-Light"/>
               </a:rPr>
-              <a:t>Authorized users or </a:t>
-            </a:r>
-            <a:r>
-              <a:rPr lang="en-US" sz="1000" b="1">
+              <a:t>授權的使用者或</a:t>
+            </a:r>
+            <a:r>
+              <a:rPr lang="de-de" sz="1000" b="1" dirty="0">
                 <a:solidFill>
                   <a:srgbClr val="020302"/>
                 </a:solidFill>
                 <a:latin typeface="AdobeClean-Light"/>
               </a:rPr>
-              <a:t>Named Support Contacts </a:t>
-            </a:r>
-            <a:r>
-              <a:rPr lang="en-US" sz="1000">
+              <a:t>指定的支援聯絡人</a:t>
+            </a:r>
+            <a:r>
+              <a:rPr lang="de-de" sz="1000" dirty="0">
                 <a:latin typeface="Adobe Clean Light" panose="020B0303020404020204" pitchFamily="34" charset="0"/>
               </a:rPr>
-              <a:t>can submit issues through all available  channels (including phone for P1) and interact with our technical support team on behalf of your company. </a:t>
-            </a:r>
-            <a:endParaRPr lang="en-US" sz="1000">
+              <a:t>可透過所有可用管道 (包括 P1 適用的電話) 來提交問題，並代表貴公司與我們的技術支援團隊互動。</a:t>
+            </a:r>
+            <a:endParaRPr lang="en-US" sz="1000" dirty="0">
               <a:solidFill>
                 <a:srgbClr val="000000"/>
               </a:solidFill>
@@ -9661,12 +8788,12 @@
               <a:defRPr/>
             </a:pPr>
             <a:r>
-              <a:rPr lang="en-US" sz="1200">
+              <a:rPr lang="de-de" sz="1200" dirty="0">
                 <a:solidFill>
                   <a:srgbClr val="000000"/>
                 </a:solidFill>
               </a:rPr>
-              <a:t>Office Hours</a:t>
+              <a:t>諮詢時間</a:t>
             </a:r>
           </a:p>
         </p:txBody>
@@ -9709,12 +8836,12 @@
               </a:spcAft>
             </a:pPr>
             <a:r>
-              <a:rPr lang="en-US" sz="1200" b="1">
+              <a:rPr lang="de-de" sz="1200" b="1" dirty="0">
                 <a:latin typeface="+mj-lt"/>
                 <a:ea typeface="Open Sans" pitchFamily="34" charset="0"/>
                 <a:cs typeface="Open Sans" pitchFamily="34" charset="0"/>
               </a:rPr>
-              <a:t>Webinars</a:t>
+              <a:t>網路研討會</a:t>
             </a:r>
           </a:p>
         </p:txBody>
@@ -9747,13 +8874,13 @@
           <a:lstStyle/>
           <a:p>
             <a:r>
-              <a:rPr lang="en-US" sz="1000">
+              <a:rPr lang="de-de" sz="1000" dirty="0">
                 <a:solidFill>
                   <a:srgbClr val="4B4B4B"/>
                 </a:solidFill>
                 <a:latin typeface="Adobe Clean Light" panose="020B0303020404020204" pitchFamily="34" charset="0"/>
               </a:rPr>
-              <a:t>Office Hours led by the Adobe Customer Support team includes sessions designed to inform as well as help participants troubleshoot problems and provide tips and tricks for success with Adobe solutions. </a:t>
+              <a:t>「諮詢時間」是由 Adobe 客戶支援團隊主導的一項計劃，其中的研討會的設計目的是為了提供資訊以及協助參與者排除問題，並提供成功使用 Adobe 解決方案的秘訣與技巧。</a:t>
             </a:r>
           </a:p>
         </p:txBody>
@@ -9801,12 +8928,12 @@
               <a:defRPr/>
             </a:pPr>
             <a:r>
-              <a:rPr lang="en-US" sz="1200">
+              <a:rPr lang="de-de" sz="1200" dirty="0">
                 <a:solidFill>
                   <a:srgbClr val="000000"/>
                 </a:solidFill>
               </a:rPr>
-              <a:t>Self-help Portals</a:t>
+              <a:t>自助式入口網站</a:t>
             </a:r>
           </a:p>
         </p:txBody>
@@ -9849,12 +8976,12 @@
               </a:spcAft>
             </a:pPr>
             <a:r>
-              <a:rPr lang="en-US" sz="1200" b="1">
+              <a:rPr lang="de-de" sz="1200" b="1" dirty="0">
                 <a:latin typeface="+mj-lt"/>
                 <a:ea typeface="Open Sans" pitchFamily="34" charset="0"/>
                 <a:cs typeface="Open Sans" pitchFamily="34" charset="0"/>
               </a:rPr>
-              <a:t>24/7 Support Portal</a:t>
+              <a:t>24/7 支援入口網站</a:t>
             </a:r>
           </a:p>
         </p:txBody>
@@ -9887,37 +9014,30 @@
           <a:lstStyle/>
           <a:p>
             <a:r>
-              <a:rPr lang="en-US" sz="1000">
+              <a:rPr lang="de-de" sz="1000" dirty="0">
                 <a:solidFill>
                   <a:srgbClr val="4B4B4B"/>
                 </a:solidFill>
                 <a:latin typeface="Adobe Clean Light" panose="020B0303020404020204" pitchFamily="34" charset="0"/>
               </a:rPr>
-              <a:t>On-demand access to the online </a:t>
-            </a:r>
-            <a:br>
-              <a:rPr lang="en-US" sz="1000">
+              <a:t>隨需存取線上</a:t>
+            </a:r>
+            <a:br/>
+            <a:r>
+              <a:rPr lang="de-de" sz="1000" dirty="0">
                 <a:solidFill>
                   <a:srgbClr val="4B4B4B"/>
                 </a:solidFill>
                 <a:latin typeface="Adobe Clean Light" panose="020B0303020404020204" pitchFamily="34" charset="0"/>
               </a:rPr>
-            </a:br>
-            <a:r>
-              <a:rPr lang="en-US" sz="1000">
-                <a:solidFill>
-                  <a:srgbClr val="4B4B4B"/>
-                </a:solidFill>
-                <a:latin typeface="Adobe Clean Light" panose="020B0303020404020204" pitchFamily="34" charset="0"/>
-              </a:rPr>
-              <a:t>Self-help Support Portal to submit support requests, review case status, and browse other resources, like our knowledgebase, news and alerts, featured tips, and more.</a:t>
+              <a:t>自助式支援入口網站，以提交支援請求、檢閱案件狀態，並瀏覽其他資源，像是我們的知識庫、新聞與提醒、特定的提示等。</a:t>
             </a:r>
           </a:p>
         </p:txBody>
       </p:sp>
       <p:pic>
         <p:nvPicPr>
-          <p:cNvPr id="74" name="Graphic 73" descr="Speaker phone outline">
+          <p:cNvPr id="74" name="Graphic 73" descr="揚聲器大綱">
             <a:extLst>
               <a:ext uri="{FF2B5EF4-FFF2-40B4-BE49-F238E27FC236}">
                 <a16:creationId xmlns:a16="http://schemas.microsoft.com/office/drawing/2014/main" id="{A1370005-6890-424C-884D-9064E283C1A4}"/>
@@ -9956,7 +9076,7 @@
       </p:pic>
       <p:pic>
         <p:nvPicPr>
-          <p:cNvPr id="75" name="Graphic 74" descr="Remote learning language outline">
+          <p:cNvPr id="75" name="Graphic 74" descr="遠端學習語言大綱">
             <a:extLst>
               <a:ext uri="{FF2B5EF4-FFF2-40B4-BE49-F238E27FC236}">
                 <a16:creationId xmlns:a16="http://schemas.microsoft.com/office/drawing/2014/main" id="{FA70E684-2FB6-544A-9B16-BEB9080AC85B}"/>
@@ -9995,7 +9115,7 @@
       </p:pic>
       <p:pic>
         <p:nvPicPr>
-          <p:cNvPr id="76" name="Graphic 75" descr="Customer review outline">
+          <p:cNvPr id="76" name="Graphic 75" descr="客戶審查大綱">
             <a:extLst>
               <a:ext uri="{FF2B5EF4-FFF2-40B4-BE49-F238E27FC236}">
                 <a16:creationId xmlns:a16="http://schemas.microsoft.com/office/drawing/2014/main" id="{1B0E4E00-41D9-6440-83E3-60369886CE3A}"/>
@@ -10034,7 +9154,7 @@
       </p:pic>
       <p:pic>
         <p:nvPicPr>
-          <p:cNvPr id="77" name="Graphic 76" descr="Signpost outline">
+          <p:cNvPr id="77" name="Graphic 76" descr="路標大綱">
             <a:extLst>
               <a:ext uri="{FF2B5EF4-FFF2-40B4-BE49-F238E27FC236}">
                 <a16:creationId xmlns:a16="http://schemas.microsoft.com/office/drawing/2014/main" id="{001A9B31-4F82-A14D-B2BC-39DC337108A9}"/>
@@ -10073,7 +9193,7 @@
       </p:pic>
       <p:pic>
         <p:nvPicPr>
-          <p:cNvPr id="78" name="Graphic 77" descr="Internet outline">
+          <p:cNvPr id="78" name="Graphic 77" descr="網際網路大綱">
             <a:extLst>
               <a:ext uri="{FF2B5EF4-FFF2-40B4-BE49-F238E27FC236}">
                 <a16:creationId xmlns:a16="http://schemas.microsoft.com/office/drawing/2014/main" id="{20978656-E5F5-434D-BA66-491F99EF63FD}"/>
@@ -10112,7 +9232,7 @@
       </p:pic>
       <p:pic>
         <p:nvPicPr>
-          <p:cNvPr id="79" name="Graphic 78" descr="Chat bubble outline">
+          <p:cNvPr id="79" name="Graphic 78" descr="聊天泡泡大綱">
             <a:extLst>
               <a:ext uri="{FF2B5EF4-FFF2-40B4-BE49-F238E27FC236}">
                 <a16:creationId xmlns:a16="http://schemas.microsoft.com/office/drawing/2014/main" id="{0C77255B-D338-2543-98E5-4434DF47D195}"/>
@@ -10219,7 +9339,7 @@
         <p:spPr>
           <a:xfrm>
             <a:off x="214971" y="6124178"/>
-            <a:ext cx="2107308" cy="307777"/>
+            <a:ext cx="1169551" cy="307777"/>
           </a:xfrm>
           <a:prstGeom prst="rect">
             <a:avLst/>
@@ -10240,17 +9360,19 @@
               </a:spcBef>
             </a:pPr>
             <a:r>
-              <a:rPr lang="en-US" sz="1400" b="1" dirty="0">
+              <a:rPr lang="zh-TW" altLang="en-US" sz="1400" b="1" dirty="0">
                 <a:solidFill>
                   <a:srgbClr val="020302"/>
                 </a:solidFill>
-                <a:latin typeface="Adobe Clean"/>
+                <a:latin typeface="MS Gothic" panose="020B0609070205080204" pitchFamily="49" charset="-128"/>
+                <a:ea typeface="MS Gothic" panose="020B0609070205080204" pitchFamily="49" charset="-128"/>
                 <a:cs typeface="Adobe Clean"/>
               </a:rPr>
-              <a:t>Standard Support Features</a:t>
+              <a:t>標準支援特色</a:t>
             </a:r>
             <a:endParaRPr lang="en-US" sz="1400" dirty="0">
-              <a:latin typeface="Adobe Clean"/>
+              <a:latin typeface="MS Gothic" panose="020B0609070205080204" pitchFamily="49" charset="-128"/>
+              <a:ea typeface="MS Gothic" panose="020B0609070205080204" pitchFamily="49" charset="-128"/>
               <a:cs typeface="Adobe Clean"/>
             </a:endParaRPr>
           </a:p>
@@ -10474,16 +9596,16 @@
               </a:spcBef>
             </a:pPr>
             <a:r>
-              <a:rPr lang="en-US" sz="1000">
+              <a:rPr lang="de-de" sz="1000" dirty="0">
                 <a:solidFill>
                   <a:srgbClr val="020302"/>
                 </a:solidFill>
                 <a:latin typeface="AdobeClean-Light"/>
                 <a:cs typeface="AdobeClean-Light"/>
               </a:rPr>
-              <a:t>Proactive review of your solution  deployment, configuration, and overall  architecture, including integrations.</a:t>
-            </a:r>
-            <a:endParaRPr lang="en-US" sz="1000">
+              <a:t>主動審查您的解決方案部署、組態設定及整體架構，包括整合。</a:t>
+            </a:r>
+            <a:endParaRPr lang="en-US" sz="1000" dirty="0">
               <a:solidFill>
                 <a:prstClr val="black"/>
               </a:solidFill>
@@ -10529,16 +9651,16 @@
               </a:spcBef>
             </a:pPr>
             <a:r>
-              <a:rPr lang="en-US" sz="1000">
+              <a:rPr lang="de-de" sz="1000" dirty="0">
                 <a:solidFill>
                   <a:srgbClr val="020302"/>
                 </a:solidFill>
                 <a:latin typeface="AdobeClean-Light"/>
                 <a:cs typeface="AdobeClean-Light"/>
               </a:rPr>
-              <a:t>Receive maintenance best practices and latest  fixes (SPs, MR, patches, FPs) to remain up-to-  date on all maintenance checks.</a:t>
-            </a:r>
-            <a:endParaRPr lang="en-US" sz="1000">
+              <a:t>接收維護最佳實務和最新修正 (SP、MR、修補程式、FP)，以在所有維護檢查中保持最新狀態</a:t>
+            </a:r>
+            <a:endParaRPr lang="en-US" sz="1000" dirty="0">
               <a:solidFill>
                 <a:prstClr val="black"/>
               </a:solidFill>
@@ -10581,16 +9703,16 @@
               </a:spcBef>
             </a:pPr>
             <a:r>
-              <a:rPr lang="en-US" sz="1000">
+              <a:rPr lang="de-de" sz="1000" dirty="0">
                 <a:solidFill>
                   <a:srgbClr val="4B4B4B"/>
                 </a:solidFill>
                 <a:latin typeface="AdobeClean-Light"/>
                 <a:cs typeface="AdobeClean-Light"/>
               </a:rPr>
-              <a:t>A regular review of Elite program services, support metrics, and deliverables, including a forward-looking plan</a:t>
-            </a:r>
-            <a:endParaRPr lang="en-US" sz="1000">
+              <a:t>定期審查 Elite 計劃服務、支援指標和交付成果，包括前瞻性交付計劃</a:t>
+            </a:r>
+            <a:endParaRPr lang="en-US" sz="1000" dirty="0">
               <a:solidFill>
                 <a:prstClr val="black"/>
               </a:solidFill>
@@ -10633,16 +9755,16 @@
               </a:spcBef>
             </a:pPr>
             <a:r>
-              <a:rPr lang="en-US" sz="1000">
+              <a:rPr lang="de-de" sz="1000" dirty="0">
                 <a:solidFill>
                   <a:srgbClr val="4B4B4B"/>
                 </a:solidFill>
                 <a:latin typeface="AdobeClean-Light"/>
                 <a:cs typeface="AdobeClean-Light"/>
               </a:rPr>
-              <a:t>A 60-minute session focusing on a  specific product feature and how it can  be utilized to solve common business  problems.</a:t>
-            </a:r>
-            <a:endParaRPr lang="en-US" sz="1000">
+              <a:t>60 分鐘的諮詢，聚焦於特定產品功能以及如何利用它來解決常見的業務問題。</a:t>
+            </a:r>
+            <a:endParaRPr lang="en-US" sz="1000" dirty="0">
               <a:solidFill>
                 <a:prstClr val="black"/>
               </a:solidFill>
@@ -10685,16 +9807,16 @@
               </a:spcBef>
             </a:pPr>
             <a:r>
-              <a:rPr lang="en-US" sz="1000">
+              <a:rPr lang="de-de" sz="1000" dirty="0">
                 <a:solidFill>
                   <a:srgbClr val="4B4B4B"/>
                 </a:solidFill>
                 <a:latin typeface="AdobeClean-Light"/>
                 <a:cs typeface="AdobeClean-Light"/>
               </a:rPr>
-              <a:t>A designated point of contact within Adobe  who can provide escalation assistance,  regular updates and ensure priority is given  to your most critical open support requests.</a:t>
-            </a:r>
-            <a:endParaRPr lang="en-US"/>
+              <a:t>Adobe 內的指定聯絡人，他可提供向上呈報協助、定期更新，並確保優先處理您最緊急且未解決的支援請求。</a:t>
+            </a:r>
+            <a:endParaRPr lang="en-US" dirty="0"/>
           </a:p>
         </p:txBody>
       </p:sp>
@@ -10731,16 +9853,16 @@
               </a:spcBef>
             </a:pPr>
             <a:r>
-              <a:rPr lang="en-US" sz="1100" b="1">
+              <a:rPr lang="de-de" sz="1100" b="1" dirty="0">
                 <a:solidFill>
                   <a:srgbClr val="020302"/>
                 </a:solidFill>
                 <a:latin typeface="Adobe Clean" panose="020B0503020404020204" pitchFamily="34" charset="0"/>
                 <a:cs typeface="Arial"/>
               </a:rPr>
-              <a:t>Named Support Engineer</a:t>
-            </a:r>
-            <a:endParaRPr lang="en-US" sz="1100">
+              <a:t>指定的支援工程師</a:t>
+            </a:r>
+            <a:endParaRPr lang="en-US" sz="1100" dirty="0">
               <a:solidFill>
                 <a:prstClr val="black"/>
               </a:solidFill>
@@ -10783,16 +9905,16 @@
               </a:spcBef>
             </a:pPr>
             <a:r>
-              <a:rPr lang="en-US" sz="1100" b="1">
+              <a:rPr lang="de-de" sz="1100" b="1" dirty="0">
                 <a:solidFill>
                   <a:srgbClr val="020302"/>
                 </a:solidFill>
                 <a:latin typeface="Adobe Clean" panose="020B0503020404020204" pitchFamily="34" charset="0"/>
                 <a:cs typeface="Arial"/>
               </a:rPr>
-              <a:t>Case Reviews</a:t>
-            </a:r>
-            <a:endParaRPr lang="en-US" sz="1100">
+              <a:t>案件審查</a:t>
+            </a:r>
+            <a:endParaRPr lang="en-US" sz="1100" dirty="0">
               <a:solidFill>
                 <a:prstClr val="black"/>
               </a:solidFill>
@@ -10835,16 +9957,16 @@
               </a:spcBef>
             </a:pPr>
             <a:r>
-              <a:rPr lang="en-US" sz="1100" b="1">
+              <a:rPr lang="de-de" sz="1100" b="1" dirty="0">
                 <a:solidFill>
                   <a:srgbClr val="020302"/>
                 </a:solidFill>
                 <a:latin typeface="Adobe Clean" panose="020B0503020404020204" pitchFamily="34" charset="0"/>
                 <a:cs typeface="Adobe Clean"/>
               </a:rPr>
-              <a:t>Maintenance &amp; Monitoring</a:t>
-            </a:r>
-            <a:endParaRPr lang="en-US" sz="1100">
+              <a:t>維護和監控</a:t>
+            </a:r>
+            <a:endParaRPr lang="en-US" sz="1100" dirty="0">
               <a:solidFill>
                 <a:prstClr val="black"/>
               </a:solidFill>
@@ -10887,16 +10009,16 @@
               </a:spcBef>
             </a:pPr>
             <a:r>
-              <a:rPr lang="en-US" sz="1100" b="1">
+              <a:rPr lang="de-de" sz="1100" b="1" dirty="0">
                 <a:solidFill>
                   <a:srgbClr val="020302"/>
                 </a:solidFill>
                 <a:latin typeface="Adobe Clean" panose="020B0503020404020204" pitchFamily="34" charset="0"/>
                 <a:cs typeface="Adobe Clean"/>
               </a:rPr>
-              <a:t>Solution Roadmap Review</a:t>
-            </a:r>
-            <a:endParaRPr lang="en-US" sz="1100">
+              <a:t>解決方案藍圖審查</a:t>
+            </a:r>
+            <a:endParaRPr lang="en-US" sz="1100" dirty="0">
               <a:solidFill>
                 <a:prstClr val="black"/>
               </a:solidFill>
@@ -10939,16 +10061,16 @@
               </a:spcBef>
             </a:pPr>
             <a:r>
-              <a:rPr lang="en-US" sz="1100" b="1">
+              <a:rPr lang="de-de" sz="1100" b="1" dirty="0">
                 <a:solidFill>
                   <a:srgbClr val="020302"/>
                 </a:solidFill>
                 <a:latin typeface="Adobe Clean" panose="020B0503020404020204" pitchFamily="34" charset="0"/>
                 <a:cs typeface="Adobe Clean"/>
               </a:rPr>
-              <a:t>Environment Review</a:t>
-            </a:r>
-            <a:endParaRPr lang="en-US" sz="1100">
+              <a:t>環境審查</a:t>
+            </a:r>
+            <a:endParaRPr lang="en-US" sz="1100" dirty="0">
               <a:solidFill>
                 <a:prstClr val="black"/>
               </a:solidFill>
@@ -10991,16 +10113,16 @@
               </a:spcBef>
             </a:pPr>
             <a:r>
-              <a:rPr lang="en-US" sz="1100" b="1">
+              <a:rPr lang="de-de" sz="1100" b="1" dirty="0">
                 <a:solidFill>
                   <a:srgbClr val="020302"/>
                 </a:solidFill>
                 <a:latin typeface="Adobe Clean" panose="020B0503020404020204" pitchFamily="34" charset="0"/>
                 <a:cs typeface="Adobe Clean"/>
               </a:rPr>
-              <a:t>Escalation Management</a:t>
-            </a:r>
-            <a:endParaRPr lang="en-US" sz="1100">
+              <a:t>向上呈報管理</a:t>
+            </a:r>
+            <a:endParaRPr lang="en-US" sz="1100" dirty="0">
               <a:solidFill>
                 <a:prstClr val="black"/>
               </a:solidFill>
@@ -11043,16 +10165,16 @@
               </a:spcBef>
             </a:pPr>
             <a:r>
-              <a:rPr lang="en-US" sz="1100" b="1">
+              <a:rPr lang="de-de" sz="1100" b="1" dirty="0">
                 <a:solidFill>
                   <a:srgbClr val="020302"/>
                 </a:solidFill>
                 <a:latin typeface="Adobe Clean" panose="020B0503020404020204" pitchFamily="34" charset="0"/>
                 <a:cs typeface="Adobe Clean"/>
               </a:rPr>
-              <a:t>Service Reviews</a:t>
-            </a:r>
-            <a:endParaRPr lang="en-US" sz="1100">
+              <a:t>服務審查</a:t>
+            </a:r>
+            <a:endParaRPr lang="en-US" sz="1100" dirty="0">
               <a:solidFill>
                 <a:prstClr val="black"/>
               </a:solidFill>
@@ -11095,16 +10217,16 @@
               </a:spcBef>
             </a:pPr>
             <a:r>
-              <a:rPr lang="en-US" sz="1100" b="1">
+              <a:rPr lang="de-de" sz="1100" b="1" dirty="0">
                 <a:solidFill>
                   <a:srgbClr val="020302"/>
                 </a:solidFill>
                 <a:latin typeface="Adobe Clean" panose="020B0503020404020204" pitchFamily="34" charset="0"/>
                 <a:cs typeface="Adobe Clean"/>
               </a:rPr>
-              <a:t>Expert Sessions</a:t>
-            </a:r>
-            <a:endParaRPr lang="en-US" sz="1100">
+              <a:t>專家諮詢</a:t>
+            </a:r>
+            <a:endParaRPr lang="en-US" sz="1100" dirty="0">
               <a:solidFill>
                 <a:prstClr val="black"/>
               </a:solidFill>
@@ -11147,16 +10269,16 @@
               </a:spcBef>
             </a:pPr>
             <a:r>
-              <a:rPr lang="en-US" sz="1100" b="1">
+              <a:rPr lang="de-de" sz="1100" b="1" dirty="0">
                 <a:solidFill>
                   <a:srgbClr val="020302"/>
                 </a:solidFill>
                 <a:latin typeface="Adobe Clean" panose="020B0503020404020204" pitchFamily="34" charset="0"/>
                 <a:cs typeface="Adobe Clean"/>
               </a:rPr>
-              <a:t>Release Preparation &amp; Review</a:t>
-            </a:r>
-            <a:endParaRPr lang="en-US" sz="1100">
+              <a:t>發行準備與審查</a:t>
+            </a:r>
+            <a:endParaRPr lang="en-US" sz="1100" dirty="0">
               <a:solidFill>
                 <a:prstClr val="black"/>
               </a:solidFill>
@@ -11202,16 +10324,16 @@
               </a:spcBef>
             </a:pPr>
             <a:r>
-              <a:rPr lang="en-US" sz="1100" b="1">
+              <a:rPr lang="de-de" sz="1100" b="1" dirty="0">
                 <a:solidFill>
                   <a:srgbClr val="020302"/>
                 </a:solidFill>
                 <a:latin typeface="Adobe Clean" panose="020B0503020404020204" pitchFamily="34" charset="0"/>
                 <a:cs typeface="Adobe Clean"/>
               </a:rPr>
-              <a:t>Knowledge Transfer</a:t>
-            </a:r>
-            <a:endParaRPr lang="en-US" sz="1100">
+              <a:t>知識轉移</a:t>
+            </a:r>
+            <a:endParaRPr lang="en-US" sz="1100" dirty="0">
               <a:latin typeface="Adobe Clean" panose="020B0503020404020204" pitchFamily="34" charset="0"/>
               <a:cs typeface="Adobe Clean"/>
             </a:endParaRPr>
@@ -11254,16 +10376,16 @@
               </a:spcBef>
             </a:pPr>
             <a:r>
-              <a:rPr lang="en-US" sz="1100" b="1">
+              <a:rPr lang="de-de" sz="1100" b="1" dirty="0">
                 <a:solidFill>
                   <a:srgbClr val="020302"/>
                 </a:solidFill>
                 <a:latin typeface="Adobe Clean" panose="020B0503020404020204" pitchFamily="34" charset="0"/>
                 <a:cs typeface="Adobe Clean"/>
               </a:rPr>
-              <a:t>Event Management</a:t>
-            </a:r>
-            <a:endParaRPr lang="en-US" sz="1100">
+              <a:t>事件管理</a:t>
+            </a:r>
+            <a:endParaRPr lang="en-US" sz="1100" dirty="0">
               <a:latin typeface="Adobe Clean" panose="020B0503020404020204" pitchFamily="34" charset="0"/>
               <a:cs typeface="Adobe Clean"/>
             </a:endParaRPr>
@@ -11382,7 +10504,7 @@
       </p:sp>
       <p:pic>
         <p:nvPicPr>
-          <p:cNvPr id="25" name="Graphic 24" descr="Continuous Improvement outline">
+          <p:cNvPr id="25" name="Graphic 24" descr="持續改進大綱">
             <a:extLst>
               <a:ext uri="{FF2B5EF4-FFF2-40B4-BE49-F238E27FC236}">
                 <a16:creationId xmlns:a16="http://schemas.microsoft.com/office/drawing/2014/main" id="{A2F6F854-90CC-FC48-9379-F18D8FBF395B}"/>
@@ -11541,7 +10663,7 @@
       </p:pic>
       <p:pic>
         <p:nvPicPr>
-          <p:cNvPr id="29" name="Graphic 28" descr="Storytelling outline">
+          <p:cNvPr id="29" name="Graphic 28" descr="敘事大綱">
             <a:extLst>
               <a:ext uri="{FF2B5EF4-FFF2-40B4-BE49-F238E27FC236}">
                 <a16:creationId xmlns:a16="http://schemas.microsoft.com/office/drawing/2014/main" id="{AD9F15BE-1A73-9C4D-B0AF-F35EF2ED6649}"/>
@@ -11614,16 +10736,16 @@
               </a:spcBef>
             </a:pPr>
             <a:r>
-              <a:rPr lang="en-US" sz="1000">
+              <a:rPr lang="de-de" sz="1000" dirty="0">
                 <a:solidFill>
                   <a:srgbClr val="020302"/>
                 </a:solidFill>
                 <a:latin typeface="AdobeClean-Light"/>
                 <a:cs typeface="AdobeClean-Light"/>
               </a:rPr>
-              <a:t>Compare and align Adobe solution  roadmap with your project roadmap to  mitigate risk and prepare for the future.</a:t>
-            </a:r>
-            <a:endParaRPr lang="en-US" sz="1000">
+              <a:t>將 Adobe 解決方案藍圖與您的專案藍圖進行比較並將兩者保持一致，以降低風險並為將來做好準備。</a:t>
+            </a:r>
+            <a:endParaRPr lang="en-US" sz="1000" dirty="0">
               <a:latin typeface="AdobeClean-Light"/>
               <a:cs typeface="AdobeClean-Light"/>
             </a:endParaRPr>
@@ -11638,7 +10760,7 @@
               </a:spcBef>
             </a:pPr>
             <a:r>
-              <a:rPr lang="en-US" sz="1000">
+              <a:rPr lang="de-de" sz="1000" dirty="0">
                 <a:solidFill>
                   <a:srgbClr val="020302"/>
                 </a:solidFill>
@@ -11647,7 +10769,7 @@
               </a:rPr>
               <a:t>.</a:t>
             </a:r>
-            <a:endParaRPr lang="en-US" sz="1000">
+            <a:endParaRPr lang="en-US" sz="1000" dirty="0">
               <a:solidFill>
                 <a:prstClr val="black"/>
               </a:solidFill>
@@ -11983,7 +11105,7 @@
         <p:spPr>
           <a:xfrm>
             <a:off x="4843269" y="2329688"/>
-            <a:ext cx="1656080" cy="238760"/>
+            <a:ext cx="1656080" cy="228268"/>
           </a:xfrm>
           <a:prstGeom prst="rect">
             <a:avLst/>
@@ -11995,7 +11117,7 @@
           </a:bodyPr>
           <a:lstStyle/>
           <a:p>
-            <a:pPr marL="12700">
+            <a:pPr marL="12700" algn="ctr">
               <a:lnSpc>
                 <a:spcPct val="100000"/>
               </a:lnSpc>
@@ -12004,176 +11126,26 @@
               </a:spcBef>
             </a:pPr>
             <a:r>
-              <a:rPr sz="1400" b="1" spc="-25">
+              <a:rPr lang="de-de" sz="1400" b="1" spc="-25" dirty="0">
                 <a:solidFill>
                   <a:srgbClr val="020302"/>
                 </a:solidFill>
                 <a:latin typeface="Adobe Clean"/>
                 <a:cs typeface="Adobe Clean"/>
               </a:rPr>
-              <a:t>Fi</a:t>
-            </a:r>
-            <a:r>
-              <a:rPr sz="1400" b="1" spc="-35">
+              <a:t>現場服務活動</a:t>
+            </a:r>
+            <a:r>
+              <a:rPr lang="de-de" sz="1400" b="1" spc="-190" dirty="0">
                 <a:solidFill>
                   <a:srgbClr val="020302"/>
                 </a:solidFill>
                 <a:latin typeface="Adobe Clean"/>
                 <a:cs typeface="Adobe Clean"/>
               </a:rPr>
-              <a:t>e</a:t>
-            </a:r>
-            <a:r>
-              <a:rPr sz="1400" b="1" spc="-25">
-                <a:solidFill>
-                  <a:srgbClr val="020302"/>
-                </a:solidFill>
-                <a:latin typeface="Adobe Clean"/>
-                <a:cs typeface="Adobe Clean"/>
-              </a:rPr>
-              <a:t>l</a:t>
-            </a:r>
-            <a:r>
-              <a:rPr sz="1400" b="1">
-                <a:solidFill>
-                  <a:srgbClr val="020302"/>
-                </a:solidFill>
-                <a:latin typeface="Adobe Clean"/>
-                <a:cs typeface="Adobe Clean"/>
-              </a:rPr>
-              <a:t>d</a:t>
-            </a:r>
-            <a:r>
-              <a:rPr sz="1400" b="1" spc="-40">
-                <a:solidFill>
-                  <a:srgbClr val="020302"/>
-                </a:solidFill>
-                <a:latin typeface="Adobe Clean"/>
-                <a:cs typeface="Adobe Clean"/>
-              </a:rPr>
               <a:t> </a:t>
             </a:r>
-            <a:r>
-              <a:rPr sz="1400" b="1" spc="25">
-                <a:solidFill>
-                  <a:srgbClr val="020302"/>
-                </a:solidFill>
-                <a:latin typeface="Adobe Clean"/>
-                <a:cs typeface="Adobe Clean"/>
-              </a:rPr>
-              <a:t>S</a:t>
-            </a:r>
-            <a:r>
-              <a:rPr sz="1400" b="1" spc="5">
-                <a:solidFill>
-                  <a:srgbClr val="020302"/>
-                </a:solidFill>
-                <a:latin typeface="Adobe Clean"/>
-                <a:cs typeface="Adobe Clean"/>
-              </a:rPr>
-              <a:t>e</a:t>
-            </a:r>
-            <a:r>
-              <a:rPr sz="1400" b="1" spc="15">
-                <a:solidFill>
-                  <a:srgbClr val="020302"/>
-                </a:solidFill>
-                <a:latin typeface="Adobe Clean"/>
-                <a:cs typeface="Adobe Clean"/>
-              </a:rPr>
-              <a:t>rvi</a:t>
-            </a:r>
-            <a:r>
-              <a:rPr sz="1400" b="1" spc="5">
-                <a:solidFill>
-                  <a:srgbClr val="020302"/>
-                </a:solidFill>
-                <a:latin typeface="Adobe Clean"/>
-                <a:cs typeface="Adobe Clean"/>
-              </a:rPr>
-              <a:t>c</a:t>
-            </a:r>
-            <a:r>
-              <a:rPr sz="1400" b="1">
-                <a:solidFill>
-                  <a:srgbClr val="020302"/>
-                </a:solidFill>
-                <a:latin typeface="Adobe Clean"/>
-                <a:cs typeface="Adobe Clean"/>
-              </a:rPr>
-              <a:t>e</a:t>
-            </a:r>
-            <a:r>
-              <a:rPr sz="1400" b="1" spc="-190">
-                <a:solidFill>
-                  <a:srgbClr val="020302"/>
-                </a:solidFill>
-                <a:latin typeface="Adobe Clean"/>
-                <a:cs typeface="Adobe Clean"/>
-              </a:rPr>
-              <a:t> </a:t>
-            </a:r>
-            <a:r>
-              <a:rPr sz="1400" b="1" spc="5">
-                <a:solidFill>
-                  <a:srgbClr val="020302"/>
-                </a:solidFill>
-                <a:latin typeface="Adobe Clean"/>
-                <a:cs typeface="Adobe Clean"/>
-              </a:rPr>
-              <a:t>A</a:t>
-            </a:r>
-            <a:r>
-              <a:rPr sz="1400" b="1" spc="-5">
-                <a:solidFill>
-                  <a:srgbClr val="020302"/>
-                </a:solidFill>
-                <a:latin typeface="Adobe Clean"/>
-                <a:cs typeface="Adobe Clean"/>
-              </a:rPr>
-              <a:t>ct</a:t>
-            </a:r>
-            <a:r>
-              <a:rPr sz="1400" b="1" spc="5">
-                <a:solidFill>
-                  <a:srgbClr val="020302"/>
-                </a:solidFill>
-                <a:latin typeface="Adobe Clean"/>
-                <a:cs typeface="Adobe Clean"/>
-              </a:rPr>
-              <a:t>ivi</a:t>
-            </a:r>
-            <a:r>
-              <a:rPr sz="1400" b="1" spc="-5">
-                <a:solidFill>
-                  <a:srgbClr val="020302"/>
-                </a:solidFill>
-                <a:latin typeface="Adobe Clean"/>
-                <a:cs typeface="Adobe Clean"/>
-              </a:rPr>
-              <a:t>t</a:t>
-            </a:r>
-            <a:r>
-              <a:rPr sz="1400" b="1" spc="5">
-                <a:solidFill>
-                  <a:srgbClr val="020302"/>
-                </a:solidFill>
-                <a:latin typeface="Adobe Clean"/>
-                <a:cs typeface="Adobe Clean"/>
-              </a:rPr>
-              <a:t>i</a:t>
-            </a:r>
-            <a:r>
-              <a:rPr sz="1400" b="1" spc="-5">
-                <a:solidFill>
-                  <a:srgbClr val="020302"/>
-                </a:solidFill>
-                <a:latin typeface="Adobe Clean"/>
-                <a:cs typeface="Adobe Clean"/>
-              </a:rPr>
-              <a:t>es</a:t>
-            </a:r>
-            <a:endParaRPr sz="1400">
+            <a:endParaRPr sz="1400" dirty="0">
               <a:latin typeface="Adobe Clean"/>
               <a:cs typeface="Adobe Clean"/>
             </a:endParaRPr>
@@ -12189,7 +11161,7 @@
         <p:spPr>
           <a:xfrm>
             <a:off x="914422" y="2342312"/>
-            <a:ext cx="1242060" cy="238760"/>
+            <a:ext cx="1242060" cy="228268"/>
           </a:xfrm>
           <a:prstGeom prst="rect">
             <a:avLst/>
@@ -12201,7 +11173,7 @@
           </a:bodyPr>
           <a:lstStyle/>
           <a:p>
-            <a:pPr marL="12700">
+            <a:pPr marL="12700" algn="ctr">
               <a:lnSpc>
                 <a:spcPct val="100000"/>
               </a:lnSpc>
@@ -12210,96 +11182,16 @@
               </a:spcBef>
             </a:pPr>
             <a:r>
-              <a:rPr sz="1400" b="1" spc="-25">
+              <a:rPr lang="de-de" sz="1400" b="1" spc="-25" dirty="0">
                 <a:solidFill>
                   <a:srgbClr val="020302"/>
                 </a:solidFill>
                 <a:latin typeface="Adobe Clean"/>
                 <a:cs typeface="Adobe Clean"/>
               </a:rPr>
-              <a:t>L</a:t>
-            </a:r>
-            <a:r>
-              <a:rPr sz="1400" b="1" spc="-5">
-                <a:solidFill>
-                  <a:srgbClr val="020302"/>
-                </a:solidFill>
-                <a:latin typeface="Adobe Clean"/>
-                <a:cs typeface="Adobe Clean"/>
-              </a:rPr>
-              <a:t>a</a:t>
-            </a:r>
-            <a:r>
-              <a:rPr sz="1400" b="1" spc="-20">
-                <a:solidFill>
-                  <a:srgbClr val="020302"/>
-                </a:solidFill>
-                <a:latin typeface="Adobe Clean"/>
-                <a:cs typeface="Adobe Clean"/>
-              </a:rPr>
-              <a:t>u</a:t>
-            </a:r>
-            <a:r>
-              <a:rPr sz="1400" b="1" spc="-15">
-                <a:solidFill>
-                  <a:srgbClr val="020302"/>
-                </a:solidFill>
-                <a:latin typeface="Adobe Clean"/>
-                <a:cs typeface="Adobe Clean"/>
-              </a:rPr>
-              <a:t>n</a:t>
-            </a:r>
-            <a:r>
-              <a:rPr sz="1400" b="1" spc="-25">
-                <a:solidFill>
-                  <a:srgbClr val="020302"/>
-                </a:solidFill>
-                <a:latin typeface="Adobe Clean"/>
-                <a:cs typeface="Adobe Clean"/>
-              </a:rPr>
-              <a:t>c</a:t>
-            </a:r>
-            <a:r>
-              <a:rPr sz="1400" b="1">
-                <a:solidFill>
-                  <a:srgbClr val="020302"/>
-                </a:solidFill>
-                <a:latin typeface="Adobe Clean"/>
-                <a:cs typeface="Adobe Clean"/>
-              </a:rPr>
-              <a:t>h</a:t>
-            </a:r>
-            <a:r>
-              <a:rPr sz="1400" b="1" spc="-25">
-                <a:solidFill>
-                  <a:srgbClr val="020302"/>
-                </a:solidFill>
-                <a:latin typeface="Adobe Clean"/>
-                <a:cs typeface="Adobe Clean"/>
-              </a:rPr>
-              <a:t> </a:t>
-            </a:r>
-            <a:r>
-              <a:rPr sz="1400" b="1" spc="-10">
-                <a:solidFill>
-                  <a:srgbClr val="020302"/>
-                </a:solidFill>
-                <a:latin typeface="Adobe Clean"/>
-                <a:cs typeface="Adobe Clean"/>
-              </a:rPr>
-              <a:t>Advisor</a:t>
-            </a:r>
-            <a:r>
-              <a:rPr sz="1400" b="1">
-                <a:solidFill>
-                  <a:srgbClr val="020302"/>
-                </a:solidFill>
-                <a:latin typeface="Adobe Clean"/>
-                <a:cs typeface="Adobe Clean"/>
-              </a:rPr>
-              <a:t>y</a:t>
-            </a:r>
-            <a:endParaRPr sz="1400">
+              <a:t>啟動諮詢</a:t>
+            </a:r>
+            <a:endParaRPr sz="1400" dirty="0">
               <a:latin typeface="Adobe Clean"/>
               <a:cs typeface="Adobe Clean"/>
             </a:endParaRPr>
@@ -12336,46 +11228,43 @@
               </a:spcBef>
             </a:pPr>
             <a:r>
-              <a:rPr sz="1000">
+              <a:rPr lang="de-de" sz="1000" dirty="0">
                 <a:solidFill>
                   <a:srgbClr val="1F1F1F"/>
                 </a:solidFill>
                 <a:latin typeface="AdobeClean-Light"/>
                 <a:cs typeface="AdobeClean-Light"/>
               </a:rPr>
-              <a:t>For customers implementing a </a:t>
-            </a:r>
-            <a:r>
-              <a:rPr sz="1000" b="1">
+              <a:t>Launch Advisory 適用於客戶實作</a:t>
+            </a:r>
+            <a:r>
+              <a:rPr lang="de-de" sz="1000" b="1" dirty="0">
                 <a:solidFill>
                   <a:srgbClr val="1F1F1F"/>
                 </a:solidFill>
                 <a:latin typeface="Adobe Clean"/>
                 <a:cs typeface="Adobe Clean"/>
               </a:rPr>
-              <a:t>new Adobe Experience Cloud  solution, </a:t>
-            </a:r>
-            <a:r>
-              <a:rPr sz="1000">
-                <a:latin typeface="AdobeClean-Light"/>
-                <a:cs typeface="AdobeClean-Light"/>
-              </a:rPr>
-              <a:t>Launch Advisory </a:t>
-            </a:r>
-            <a:r>
-              <a:rPr sz="1000">
+              <a:t>新的 Adobe Experience Cloud 解決方案，</a:t>
+            </a:r>
+            <a:r>
+              <a:rPr lang="de-de" sz="1000" dirty="0">
                 <a:latin typeface="AdobeClean-SemiLight"/>
                 <a:cs typeface="AdobeClean-SemiLight"/>
               </a:rPr>
-              <a:t>is a </a:t>
-            </a:r>
-            <a:r>
-              <a:rPr sz="950">
+              <a:t>是</a:t>
+            </a:r>
+            <a:r>
+              <a:rPr lang="de-de" sz="950" dirty="0">
                 <a:latin typeface="AdobeClean-SemiLight"/>
                 <a:cs typeface="AdobeClean-SemiLight"/>
               </a:rPr>
-              <a:t>core set of advisory</a:t>
-            </a:r>
+              <a:t>諮詢的核心</a:t>
+            </a:r>
+            <a:endParaRPr sz="950">
+              <a:latin typeface="AdobeClean-SemiLight"/>
+              <a:cs typeface="AdobeClean-SemiLight"/>
+            </a:endParaRPr>
           </a:p>
           <a:p>
             <a:pPr marL="12700" marR="86995" indent="-635">
@@ -12384,47 +11273,51 @@
               </a:lnSpc>
             </a:pPr>
             <a:r>
-              <a:rPr sz="950">
+              <a:rPr lang="de-de" sz="950" dirty="0">
                 <a:latin typeface="AdobeClean-SemiLight"/>
                 <a:cs typeface="AdobeClean-SemiLight"/>
               </a:rPr>
-              <a:t>services </a:t>
-            </a:r>
-            <a:r>
-              <a:rPr sz="1000">
+              <a:t>服務</a:t>
+            </a:r>
+            <a:r>
+              <a:rPr lang="de-de" sz="1000" dirty="0">
                 <a:latin typeface="AdobeClean-Light"/>
                 <a:cs typeface="AdobeClean-Light"/>
               </a:rPr>
-              <a:t>and recommendations that are proven to </a:t>
-            </a:r>
-            <a:r>
-              <a:rPr sz="950">
+              <a:t>和建議組合，經公認可</a:t>
+            </a:r>
+            <a:r>
+              <a:rPr lang="de-de" sz="950" dirty="0">
                 <a:latin typeface="AdobeClean-Light"/>
                 <a:cs typeface="AdobeClean-Light"/>
               </a:rPr>
-              <a:t>support  successful deployments </a:t>
-            </a:r>
-            <a:r>
-              <a:rPr sz="1000">
+              <a:t>支援成功部署</a:t>
+            </a:r>
+            <a:r>
+              <a:rPr lang="de-de" sz="1000" dirty="0">
                 <a:latin typeface="AdobeClean-Light"/>
                 <a:cs typeface="AdobeClean-Light"/>
               </a:rPr>
-              <a:t>and </a:t>
-            </a:r>
-            <a:r>
-              <a:rPr sz="950">
+              <a:t>並</a:t>
+            </a:r>
+            <a:r>
+              <a:rPr lang="de-de" sz="950" dirty="0">
                 <a:latin typeface="AdobeClean-Light"/>
                 <a:cs typeface="AdobeClean-Light"/>
               </a:rPr>
-              <a:t>accelerate time-to-value</a:t>
-            </a:r>
-            <a:r>
-              <a:rPr sz="1000">
+              <a:t>加速價值實現的時間</a:t>
+            </a:r>
+            <a:r>
+              <a:rPr lang="de-de" sz="1000" dirty="0">
                 <a:latin typeface="AdobeClean-Light"/>
                 <a:cs typeface="AdobeClean-Light"/>
               </a:rPr>
-              <a:t>.</a:t>
-            </a:r>
+              <a:t>。</a:t>
+            </a:r>
+            <a:endParaRPr sz="1000">
+              <a:latin typeface="AdobeClean-Light"/>
+              <a:cs typeface="AdobeClean-Light"/>
+            </a:endParaRPr>
           </a:p>
         </p:txBody>
       </p:sp>
@@ -12537,76 +11430,76 @@
               </a:spcBef>
             </a:pPr>
             <a:r>
-              <a:rPr sz="1000">
+              <a:rPr lang="de-de" sz="1000" dirty="0">
                 <a:solidFill>
                   <a:srgbClr val="4B4B4B"/>
                 </a:solidFill>
                 <a:latin typeface="AdobeClean-Light"/>
                 <a:cs typeface="AdobeClean-Light"/>
               </a:rPr>
-              <a:t>Field Services are used for </a:t>
-            </a:r>
-            <a:r>
-              <a:rPr sz="1000" b="1">
+              <a:t>現場服務是用於</a:t>
+            </a:r>
+            <a:r>
+              <a:rPr lang="de-de" sz="1000" b="1" dirty="0">
                 <a:solidFill>
                   <a:srgbClr val="4B4B4B"/>
                 </a:solidFill>
                 <a:latin typeface="Adobe Clean"/>
                 <a:cs typeface="Adobe Clean"/>
               </a:rPr>
-              <a:t>quick resolution</a:t>
-            </a:r>
-            <a:r>
-              <a:rPr sz="1000">
+              <a:t>快速解決問題</a:t>
+            </a:r>
+            <a:r>
+              <a:rPr lang="de-de" sz="1000" dirty="0">
                 <a:solidFill>
                   <a:srgbClr val="4B4B4B"/>
                 </a:solidFill>
                 <a:latin typeface="AdobeClean-Light"/>
                 <a:cs typeface="AdobeClean-Light"/>
               </a:rPr>
-              <a:t>, focused customer success  and accelerated </a:t>
-            </a:r>
-            <a:r>
-              <a:rPr sz="1000" b="1">
+              <a:t>，聚焦於客戶成功及加快</a:t>
+            </a:r>
+            <a:r>
+              <a:rPr lang="de-de" sz="1000" b="1" dirty="0">
                 <a:solidFill>
                   <a:srgbClr val="4B4B4B"/>
                 </a:solidFill>
                 <a:latin typeface="Adobe Clean"/>
                 <a:cs typeface="Adobe Clean"/>
               </a:rPr>
-              <a:t>time-to-value</a:t>
-            </a:r>
-            <a:r>
-              <a:rPr sz="1000">
+              <a:t>價值實現</a:t>
+            </a:r>
+            <a:r>
+              <a:rPr lang="de-de" sz="1000" dirty="0">
                 <a:solidFill>
                   <a:srgbClr val="4B4B4B"/>
                 </a:solidFill>
                 <a:latin typeface="AdobeClean-Light"/>
                 <a:cs typeface="AdobeClean-Light"/>
               </a:rPr>
-              <a:t>. If Launch advisory is active there will be  </a:t>
-            </a:r>
-            <a:r>
-              <a:rPr sz="1000" b="1">
+              <a:t>。對於支援合約涵蓋的任何解決方案產品而言，</a:t>
+            </a:r>
+            <a:r>
+              <a:rPr lang="de-de" sz="1000" b="1" dirty="0">
                 <a:solidFill>
                   <a:srgbClr val="4B4B4B"/>
                 </a:solidFill>
                 <a:latin typeface="Adobe Clean"/>
                 <a:cs typeface="Adobe Clean"/>
               </a:rPr>
-              <a:t>no Field Services in year 1 </a:t>
-            </a:r>
-            <a:r>
-              <a:rPr sz="1000">
+              <a:t>如果上市諮詢服務作用中，</a:t>
+            </a:r>
+            <a:r>
+              <a:rPr lang="de-de" sz="1000" dirty="0">
                 <a:solidFill>
                   <a:srgbClr val="4B4B4B"/>
                 </a:solidFill>
                 <a:latin typeface="AdobeClean-Light"/>
                 <a:cs typeface="AdobeClean-Light"/>
               </a:rPr>
-              <a:t>for any solution product covered by a  Support contract.</a:t>
-            </a:r>
-            <a:endParaRPr sz="1000">
+              <a:t>第 1 年將不會有現場服務。</a:t>
+            </a:r>
+            <a:endParaRPr sz="1000" dirty="0">
               <a:latin typeface="AdobeClean-Light"/>
               <a:cs typeface="AdobeClean-Light"/>
             </a:endParaRPr>
@@ -12727,11 +11620,11 @@
               </a:spcBef>
             </a:pPr>
             <a:r>
-              <a:rPr sz="1000">
+              <a:rPr lang="de-de" sz="1000" dirty="0">
                 <a:latin typeface="AdobeClean-Light"/>
                 <a:cs typeface="AdobeClean-Light"/>
               </a:rPr>
-              <a:t>Launch Advisory will align with your project schedule through  common milestones (Kickoff, Define, Design, Go-live and Post  Launch) to guide, validate, assess and make recommendations.</a:t>
+              <a:t>上市諮詢服務將透過常見的里程碑 (開展、定義、設計、上線和上市後) 與您的專案時間表保持一致，以便指導、驗證、評估及提出建議。 </a:t>
             </a:r>
           </a:p>
         </p:txBody>
@@ -12766,12 +11659,16 @@
               </a:spcBef>
             </a:pPr>
             <a:r>
-              <a:rPr sz="1000">
+              <a:rPr lang="de-de" sz="1000" dirty="0">
                 <a:latin typeface="AdobeClean-Light"/>
                 <a:cs typeface="AdobeClean-Light"/>
               </a:rPr>
-              <a:t>Key Deliverables include:</a:t>
-            </a:r>
+              <a:t>主要交付成果包括：</a:t>
+            </a:r>
+            <a:endParaRPr sz="1000">
+              <a:latin typeface="AdobeClean-Light"/>
+              <a:cs typeface="AdobeClean-Light"/>
+            </a:endParaRPr>
           </a:p>
         </p:txBody>
       </p:sp>
@@ -12804,12 +11701,12 @@
               <a:buChar char="•"/>
             </a:pPr>
             <a:r>
-              <a:rPr lang="en-US" sz="1000">
+              <a:rPr lang="de-de" sz="1000" dirty="0">
                 <a:solidFill>
                   <a:prstClr val="black"/>
                 </a:solidFill>
               </a:rPr>
-              <a:t>Kickoff (including project collaboration plan) deck</a:t>
+              <a:t>專案啟動 (包括專案共同作業計劃) 投影片組</a:t>
             </a:r>
           </a:p>
           <a:p>
@@ -12821,12 +11718,12 @@
               <a:buChar char="•"/>
             </a:pPr>
             <a:r>
-              <a:rPr lang="en-US" sz="1000">
+              <a:rPr lang="de-de" sz="1000" dirty="0">
                 <a:solidFill>
                   <a:prstClr val="black"/>
                 </a:solidFill>
               </a:rPr>
-              <a:t>Assessment &amp; recommendations document(s)</a:t>
+              <a:t>評估與建議文件</a:t>
             </a:r>
           </a:p>
           <a:p>
@@ -12838,12 +11735,12 @@
               <a:buChar char="•"/>
             </a:pPr>
             <a:r>
-              <a:rPr lang="en-US" sz="1000">
+              <a:rPr lang="de-de" sz="1000" dirty="0">
                 <a:solidFill>
                   <a:prstClr val="black"/>
                 </a:solidFill>
               </a:rPr>
-              <a:t>Engagement summary</a:t>
+              <a:t>投入摘要</a:t>
             </a:r>
           </a:p>
         </p:txBody>
@@ -12878,16 +11775,16 @@
               </a:spcBef>
             </a:pPr>
             <a:r>
-              <a:rPr sz="1600">
+              <a:rPr lang="de-de" sz="1600" dirty="0">
                 <a:solidFill>
                   <a:srgbClr val="FFFFFF"/>
                 </a:solidFill>
                 <a:latin typeface="Arial"/>
                 <a:cs typeface="Arial"/>
               </a:rPr>
-              <a:t>Implementation</a:t>
-            </a:r>
-            <a:endParaRPr sz="1600">
+              <a:t>實作</a:t>
+            </a:r>
+            <a:endParaRPr sz="1600" dirty="0">
               <a:latin typeface="Arial"/>
               <a:cs typeface="Arial"/>
             </a:endParaRPr>
@@ -12902,32 +11799,32 @@
               </a:spcBef>
             </a:pPr>
             <a:r>
-              <a:rPr sz="1000">
+              <a:rPr lang="de-de" sz="1000" dirty="0">
                 <a:latin typeface="AdobeClean-Light"/>
                 <a:cs typeface="AdobeClean-Light"/>
               </a:rPr>
-              <a:t>Adobe solution experts help validate requirements, architecture,  development process, and launch readiness reviews </a:t>
-            </a:r>
-            <a:r>
-              <a:rPr sz="1000">
+              <a:t>Adobe 解決方案專家可向客戶</a:t>
+            </a:r>
+            <a:r>
+              <a:rPr lang="de-de" sz="1000" dirty="0">
                 <a:latin typeface="AdobeClean-SemiLight"/>
                 <a:cs typeface="AdobeClean-SemiLight"/>
               </a:rPr>
-              <a:t>with </a:t>
-            </a:r>
-            <a:r>
-              <a:rPr sz="950">
+              <a:t>和實作</a:t>
+            </a:r>
+            <a:r>
+              <a:rPr lang="de-de" sz="950" dirty="0">
                 <a:latin typeface="AdobeClean-SemiLight"/>
                 <a:cs typeface="AdobeClean-SemiLight"/>
               </a:rPr>
-              <a:t>best  practice-based guidance </a:t>
-            </a:r>
-            <a:r>
-              <a:rPr sz="1000">
+              <a:t>合作夥伴</a:t>
+            </a:r>
+            <a:r>
+              <a:rPr lang="de-de" sz="1000" dirty="0">
                 <a:latin typeface="AdobeClean-SemiLight"/>
                 <a:cs typeface="AdobeClean-SemiLight"/>
               </a:rPr>
-              <a:t>to customers and implementation  partners.</a:t>
+              <a:t>提供以最佳實務為根據的指引，以協助驗證需求、架構、開發流程和上市整備情況審查。</a:t>
             </a:r>
           </a:p>
         </p:txBody>
@@ -12984,30 +11881,19 @@
               </a:spcBef>
             </a:pPr>
             <a:r>
-              <a:rPr sz="1000" b="1">
+              <a:rPr lang="de-de" sz="1000" b="1" dirty="0">
                 <a:latin typeface="Arial"/>
                 <a:cs typeface="Arial"/>
               </a:rPr>
-              <a:t>Technical Track Activities </a:t>
-            </a:r>
-            <a:r>
-              <a:rPr sz="1000">
+              <a:t>技術路徑活動可確保客戶擁有健全的技術，</a:t>
+            </a:r>
+            <a:r>
+              <a:rPr lang="de-de" sz="1000" dirty="0">
                 <a:latin typeface="AdobeClean-Light"/>
                 <a:cs typeface="AdobeClean-Light"/>
               </a:rPr>
-              <a:t>ensure customers are technically sound  and maximizing their tool adoption. Specifically, these types of  activities include support and recommendations related to platform  configurations, integrations and troubleshooting</a:t>
-            </a:r>
-            <a:r>
-              <a:rPr lang="en-US" sz="1000">
-                <a:latin typeface="AdobeClean-Light"/>
-                <a:cs typeface="AdobeClean-Light"/>
-              </a:rPr>
-              <a:t>.</a:t>
-            </a:r>
-            <a:endParaRPr sz="1000">
-              <a:latin typeface="AdobeClean-Light"/>
-              <a:cs typeface="AdobeClean-Light"/>
-            </a:endParaRPr>
+              <a:t>並且最大限度地採用他們的工具。具體而言，這些類型的活動包含與平台組態設定、整合和疑難排解有關的支援和建議</a:t>
+            </a:r>
           </a:p>
         </p:txBody>
       </p:sp>
@@ -13041,11 +11927,11 @@
               </a:spcBef>
             </a:pPr>
             <a:r>
-              <a:rPr sz="1000">
+              <a:rPr lang="de-de" sz="1000" dirty="0">
                 <a:latin typeface="AdobeClean-Light"/>
                 <a:cs typeface="AdobeClean-Light"/>
               </a:rPr>
-              <a:t>Types of technical activities available::</a:t>
+              <a:t>可用的技術活動類型：</a:t>
             </a:r>
           </a:p>
           <a:p>
@@ -13060,12 +11946,12 @@
               <a:buChar char="ü"/>
             </a:pPr>
             <a:r>
-              <a:rPr lang="en-US" sz="1000">
+              <a:rPr lang="de-de" sz="1000" dirty="0">
                 <a:solidFill>
                   <a:prstClr val="black"/>
                 </a:solidFill>
               </a:rPr>
-              <a:t>Health audit</a:t>
+              <a:t>健康稽核</a:t>
             </a:r>
           </a:p>
           <a:p>
@@ -13080,12 +11966,12 @@
               <a:buChar char="ü"/>
             </a:pPr>
             <a:r>
-              <a:rPr lang="en-US" sz="1000">
+              <a:rPr lang="de-de" sz="1000" dirty="0">
                 <a:solidFill>
                   <a:prstClr val="black"/>
                 </a:solidFill>
               </a:rPr>
-              <a:t>Platform audit</a:t>
+              <a:t>平台稽核</a:t>
             </a:r>
           </a:p>
           <a:p>
@@ -13100,12 +11986,12 @@
               <a:buChar char="ü"/>
             </a:pPr>
             <a:r>
-              <a:rPr lang="en-US" sz="1000">
+              <a:rPr lang="de-de" sz="1000" dirty="0">
                 <a:solidFill>
                   <a:prstClr val="black"/>
                 </a:solidFill>
               </a:rPr>
-              <a:t>Feature set enablement</a:t>
+              <a:t>功能集啟用</a:t>
             </a:r>
           </a:p>
           <a:p>
@@ -13120,12 +12006,12 @@
               <a:buChar char="ü"/>
             </a:pPr>
             <a:r>
-              <a:rPr lang="en-US" sz="1000">
+              <a:rPr lang="de-de" sz="1000" dirty="0">
                 <a:solidFill>
                   <a:prstClr val="black"/>
                 </a:solidFill>
               </a:rPr>
-              <a:t>Basic integrations and configurations</a:t>
+              <a:t>基本整合與組態設定</a:t>
             </a:r>
           </a:p>
           <a:p>
@@ -13140,12 +12026,12 @@
               <a:buChar char="ü"/>
             </a:pPr>
             <a:r>
-              <a:rPr lang="en-US" sz="1000">
+              <a:rPr lang="de-de" sz="1000" dirty="0">
                 <a:solidFill>
                   <a:prstClr val="black"/>
                 </a:solidFill>
               </a:rPr>
-              <a:t>Customer solution troubleshooting</a:t>
+              <a:t>客戶解決方案疑難排解</a:t>
             </a:r>
           </a:p>
           <a:p>
@@ -13160,12 +12046,12 @@
               <a:buChar char="ü"/>
             </a:pPr>
             <a:r>
-              <a:rPr lang="en-US" sz="1000">
+              <a:rPr lang="de-de" sz="1000" dirty="0">
                 <a:solidFill>
                   <a:prstClr val="black"/>
                 </a:solidFill>
               </a:rPr>
-              <a:t>Cloud service support</a:t>
+              <a:t>雲端服務支援</a:t>
             </a:r>
           </a:p>
         </p:txBody>
@@ -13200,18 +12086,18 @@
               </a:spcBef>
             </a:pPr>
             <a:r>
-              <a:rPr sz="1000" b="1">
+              <a:rPr lang="de-de" sz="1000" b="1" dirty="0">
                 <a:latin typeface="Arial"/>
                 <a:cs typeface="Arial"/>
               </a:rPr>
-              <a:t>Strategic Track Activities </a:t>
-            </a:r>
-            <a:r>
-              <a:rPr sz="1000">
+              <a:t>策略路徑活動可尋找機會</a:t>
+            </a:r>
+            <a:r>
+              <a:rPr lang="de-de" sz="1000" dirty="0">
                 <a:latin typeface="AdobeClean-Light"/>
                 <a:cs typeface="AdobeClean-Light"/>
               </a:rPr>
-              <a:t>locate opportunities to ensure value is  being realized from a customer’s Adobe solutions. They include  support recommendations related to strategy, measurement and  maturity to drive value realization across one or more Adobe  solutions.</a:t>
+              <a:t>，以確保可從客戶的 Adobe 解決方案實現價值。這類活動包括與策略、衡量和成熟度有關的支援建議，以推動一個或多個 Adobe 解決方案的價值實現。</a:t>
             </a:r>
           </a:p>
           <a:p>
@@ -13223,7 +12109,7 @@
                 <a:spcPts val="40"/>
               </a:spcBef>
             </a:pPr>
-            <a:endParaRPr sz="1100">
+            <a:endParaRPr sz="1100" dirty="0">
               <a:latin typeface="AdobeClean-Light"/>
               <a:cs typeface="AdobeClean-Light"/>
             </a:endParaRPr>
@@ -13235,11 +12121,11 @@
               </a:lnSpc>
             </a:pPr>
             <a:r>
-              <a:rPr sz="1000">
+              <a:rPr lang="de-de" sz="1000" dirty="0">
                 <a:latin typeface="AdobeClean-Light"/>
                 <a:cs typeface="AdobeClean-Light"/>
               </a:rPr>
-              <a:t>Types of strategic activities available::</a:t>
+              <a:t>可用的策略活動類型：</a:t>
             </a:r>
           </a:p>
           <a:p>
@@ -13254,12 +12140,12 @@
               <a:buChar char="ü"/>
             </a:pPr>
             <a:r>
-              <a:rPr lang="en-US" sz="1000">
+              <a:rPr lang="de-de" sz="1000" dirty="0">
                 <a:solidFill>
                   <a:prstClr val="black"/>
                 </a:solidFill>
               </a:rPr>
-              <a:t>Maturity Roadmap</a:t>
+              <a:t>成熟度藍圖</a:t>
             </a:r>
           </a:p>
           <a:p>
@@ -13274,12 +12160,12 @@
               <a:buChar char="ü"/>
             </a:pPr>
             <a:r>
-              <a:rPr lang="en-US" sz="1000">
+              <a:rPr lang="de-de" sz="1000" dirty="0">
                 <a:solidFill>
                   <a:prstClr val="black"/>
                 </a:solidFill>
               </a:rPr>
-              <a:t>Use case development/measurement</a:t>
+              <a:t>使用案例開發/衡量</a:t>
             </a:r>
           </a:p>
           <a:p>
@@ -13294,12 +12180,12 @@
               <a:buChar char="ü"/>
             </a:pPr>
             <a:r>
-              <a:rPr lang="en-US" sz="1000">
+              <a:rPr lang="de-de" sz="1000" dirty="0">
                 <a:solidFill>
                   <a:prstClr val="black"/>
                 </a:solidFill>
               </a:rPr>
-              <a:t>Reporting &amp; analysis</a:t>
+              <a:t>報告與分析</a:t>
             </a:r>
           </a:p>
           <a:p>
@@ -13314,12 +12200,12 @@
               <a:buChar char="ü"/>
             </a:pPr>
             <a:r>
-              <a:rPr lang="en-US" sz="1000">
+              <a:rPr lang="de-de" sz="1000" dirty="0">
                 <a:solidFill>
                   <a:prstClr val="black"/>
                 </a:solidFill>
               </a:rPr>
-              <a:t>Best practices enablement</a:t>
+              <a:t>啟用最佳實務</a:t>
             </a:r>
           </a:p>
         </p:txBody>
@@ -13340,7 +12226,7 @@
           </a:prstGeom>
         </p:spPr>
         <p:txBody>
-          <a:bodyPr vert="horz" wrap="square" lIns="0" tIns="12700" rIns="0" bIns="0" rtlCol="0" anchor="t">
+          <a:bodyPr vert="horz" wrap="square" lIns="0" tIns="12700" rIns="0" bIns="0" rtlCol="0">
             <a:spAutoFit/>
           </a:bodyPr>
           <a:lstStyle/>
@@ -13354,78 +12240,41 @@
               </a:spcBef>
             </a:pPr>
             <a:r>
-              <a:rPr sz="1600">
+              <a:rPr lang="de-de" sz="1600" dirty="0">
                 <a:solidFill>
                   <a:srgbClr val="FFFFFF"/>
                 </a:solidFill>
                 <a:latin typeface="Arial"/>
                 <a:cs typeface="Arial"/>
               </a:rPr>
-              <a:t>Run &amp; Operate</a:t>
-            </a:r>
-            <a:endParaRPr sz="1600">
+              <a:t>執行與營運</a:t>
+            </a:r>
+            <a:endParaRPr sz="1600" dirty="0">
               <a:latin typeface="Arial"/>
               <a:cs typeface="Arial"/>
             </a:endParaRPr>
           </a:p>
           <a:p>
             <a:pPr marL="12700">
+              <a:lnSpc>
+                <a:spcPct val="100000"/>
+              </a:lnSpc>
               <a:spcBef>
                 <a:spcPts val="1595"/>
               </a:spcBef>
             </a:pPr>
             <a:r>
-              <a:rPr sz="1000">
+              <a:rPr lang="de-de" sz="1000" dirty="0">
                 <a:solidFill>
                   <a:srgbClr val="1F1F1F"/>
                 </a:solidFill>
                 <a:latin typeface="Adobe Clean"/>
                 <a:cs typeface="Adobe Clean"/>
               </a:rPr>
-              <a:t>As an </a:t>
-            </a:r>
-            <a:r>
-              <a:rPr lang="en-US" sz="1000">
-                <a:solidFill>
-                  <a:srgbClr val="1F1F1F"/>
-                </a:solidFill>
-                <a:latin typeface="Adobe Clean"/>
-                <a:cs typeface="Adobe Clean"/>
-              </a:rPr>
-              <a:t>Elite</a:t>
-            </a:r>
-            <a:r>
-              <a:rPr sz="1000">
-                <a:solidFill>
-                  <a:srgbClr val="1F1F1F"/>
-                </a:solidFill>
-                <a:latin typeface="Adobe Clean"/>
-                <a:cs typeface="Adobe Clean"/>
-              </a:rPr>
-              <a:t> customer, you are</a:t>
-            </a:r>
-            <a:r>
-              <a:rPr lang="en-US" sz="1000">
-                <a:solidFill>
-                  <a:srgbClr val="1F1F1F"/>
-                </a:solidFill>
-                <a:latin typeface="Adobe Clean"/>
-                <a:cs typeface="Adobe Clean"/>
-              </a:rPr>
-              <a:t> </a:t>
-            </a:r>
-            <a:r>
-              <a:rPr sz="1000">
-                <a:solidFill>
-                  <a:srgbClr val="1F1F1F"/>
-                </a:solidFill>
-                <a:latin typeface="Adobe Clean"/>
-                <a:cs typeface="Adobe Clean"/>
-              </a:rPr>
-              <a:t> eligible for</a:t>
-            </a:r>
-            <a:r>
-              <a:rPr lang="en-US" sz="1200">
+              <a:t>作為菁英客戶，您有資格每年享有</a:t>
+            </a:r>
+            <a:r>
+              <a:rPr lang="de-de" sz="1200" dirty="0">
                 <a:solidFill>
                   <a:srgbClr val="1F1F1F"/>
                 </a:solidFill>
@@ -13440,7 +12289,7 @@
               <a:t> </a:t>
             </a:r>
             <a:r>
-              <a:rPr lang="en-US" sz="1200" u="sng">
+              <a:rPr lang="de-de" sz="1200" u="sng" dirty="0">
                 <a:solidFill>
                   <a:srgbClr val="1F1F1F"/>
                 </a:solidFill>
@@ -13455,7 +12304,7 @@
               <a:t>4</a:t>
             </a:r>
             <a:r>
-              <a:rPr sz="1200" b="1">
+              <a:rPr lang="de-de" sz="1200" b="1" dirty="0">
                 <a:solidFill>
                   <a:srgbClr val="1F1F1F"/>
                 </a:solidFill>
@@ -13465,86 +12314,90 @@
               <a:t> </a:t>
             </a:r>
             <a:r>
-              <a:rPr sz="1000" b="1">
+              <a:rPr lang="de-de" sz="1000" b="1" dirty="0">
                 <a:solidFill>
                   <a:srgbClr val="1F1F1F"/>
                 </a:solidFill>
                 <a:latin typeface="Arial"/>
                 <a:cs typeface="Arial"/>
               </a:rPr>
-              <a:t>activities per </a:t>
-            </a:r>
-            <a:r>
-              <a:rPr lang="en-US" sz="1000" b="1">
-                <a:solidFill>
-                  <a:srgbClr val="1F1F1F"/>
+              <a:t>個活動</a:t>
+            </a:r>
+            <a:endParaRPr sz="1000" dirty="0">
+              <a:latin typeface="Arial"/>
+              <a:cs typeface="Arial"/>
+            </a:endParaRPr>
+          </a:p>
+          <a:p>
+            <a:pPr marL="12700">
+              <a:lnSpc>
+                <a:spcPct val="100000"/>
+              </a:lnSpc>
+              <a:spcBef>
+                <a:spcPts val="55"/>
+              </a:spcBef>
+            </a:pPr>
+            <a:r>
+              <a:rPr lang="de-de" sz="1600" dirty="0">
+                <a:solidFill>
+                  <a:srgbClr val="FFFFFF"/>
                 </a:solidFill>
                 <a:latin typeface="Arial"/>
                 <a:cs typeface="Arial"/>
               </a:rPr>
-              <a:t>year </a:t>
-            </a:r>
-            <a:r>
-              <a:rPr lang="en-US" sz="1000">
-                <a:solidFill>
-                  <a:srgbClr val="1F1F1F"/>
-                </a:solidFill>
-                <a:latin typeface="Adobe Clean"/>
-                <a:cs typeface="Arial"/>
-              </a:rPr>
-              <a:t>from</a:t>
-            </a:r>
-            <a:r>
-              <a:rPr sz="1000">
+              <a:t>的權益</a:t>
+            </a:r>
+            <a:r>
+              <a:rPr lang="de-de" sz="1000" dirty="0">
                 <a:solidFill>
                   <a:srgbClr val="1F1F1F"/>
                 </a:solidFill>
                 <a:latin typeface="Adobe Clean"/>
                 <a:cs typeface="Adobe Clean"/>
               </a:rPr>
-              <a:t> the following two tracks: </a:t>
-            </a:r>
-            <a:r>
-              <a:rPr sz="1000" b="1">
+              <a:t>(從以下兩個課程分軌)：</a:t>
+            </a:r>
+            <a:r>
+              <a:rPr lang="de-de" sz="1000" b="1" dirty="0">
                 <a:solidFill>
                   <a:srgbClr val="1F1F1F"/>
                 </a:solidFill>
                 <a:latin typeface="Arial"/>
                 <a:cs typeface="Arial"/>
               </a:rPr>
-              <a:t>Technical </a:t>
-            </a:r>
-            <a:r>
-              <a:rPr sz="1000">
+              <a:t>技術</a:t>
+            </a:r>
+            <a:r>
+              <a:rPr lang="de-de" sz="1000" dirty="0">
                 <a:solidFill>
                   <a:srgbClr val="1F1F1F"/>
                 </a:solidFill>
                 <a:latin typeface="Adobe Clean"/>
                 <a:cs typeface="Adobe Clean"/>
               </a:rPr>
-              <a:t>and/or </a:t>
-            </a:r>
-            <a:r>
-              <a:rPr sz="1000" b="1">
+              <a:t>和/或</a:t>
+            </a:r>
+            <a:r>
+              <a:rPr lang="de-de" sz="1000" b="1" dirty="0">
                 <a:solidFill>
                   <a:srgbClr val="1F1F1F"/>
                 </a:solidFill>
                 <a:latin typeface="Arial"/>
                 <a:cs typeface="Arial"/>
               </a:rPr>
-              <a:t>Strategic</a:t>
-            </a:r>
-            <a:r>
-              <a:rPr lang="en-US" sz="1000" b="1">
+              <a:t>策略</a:t>
+            </a:r>
+            <a:r>
+              <a:rPr lang="de-de" sz="1000" dirty="0">
                 <a:solidFill>
                   <a:srgbClr val="1F1F1F"/>
                 </a:solidFill>
                 <a:latin typeface="AdobeClean-Light"/>
-                <a:cs typeface="Arial"/>
-              </a:rPr>
-              <a:t>.</a:t>
-            </a:r>
-            <a:endParaRPr sz="1000">
+                <a:cs typeface="AdobeClean-Light"/>
+              </a:rPr>
+              <a:t>。</a:t>
+            </a:r>
+            <a:endParaRPr sz="1000" dirty="0">
               <a:latin typeface="AdobeClean-Light"/>
               <a:cs typeface="AdobeClean-Light"/>
             </a:endParaRPr>
@@ -13581,66 +12434,16 @@
               </a:spcBef>
             </a:pPr>
             <a:r>
-              <a:rPr sz="1400" b="1" spc="-15">
+              <a:rPr lang="de-de" sz="1400" b="1" spc="-15" dirty="0">
                 <a:solidFill>
                   <a:srgbClr val="020302"/>
                 </a:solidFill>
                 <a:latin typeface="Adobe Clean"/>
                 <a:cs typeface="Adobe Clean"/>
               </a:rPr>
-              <a:t>Cloud</a:t>
-            </a:r>
-            <a:r>
-              <a:rPr sz="1400" b="1" spc="-45">
-                <a:solidFill>
-                  <a:srgbClr val="020302"/>
-                </a:solidFill>
-                <a:latin typeface="Adobe Clean"/>
-                <a:cs typeface="Adobe Clean"/>
-              </a:rPr>
-              <a:t> </a:t>
-            </a:r>
-            <a:r>
-              <a:rPr sz="1400" b="1" spc="-15">
-                <a:solidFill>
-                  <a:srgbClr val="020302"/>
-                </a:solidFill>
-                <a:latin typeface="Adobe Clean"/>
-                <a:cs typeface="Adobe Clean"/>
-              </a:rPr>
-              <a:t>Support</a:t>
-            </a:r>
-            <a:r>
-              <a:rPr sz="1400" b="1" spc="-50">
-                <a:solidFill>
-                  <a:srgbClr val="020302"/>
-                </a:solidFill>
-                <a:latin typeface="Adobe Clean"/>
-                <a:cs typeface="Adobe Clean"/>
-              </a:rPr>
-              <a:t> </a:t>
-            </a:r>
-            <a:r>
-              <a:rPr sz="1400" b="1" spc="-15">
-                <a:solidFill>
-                  <a:srgbClr val="020302"/>
-                </a:solidFill>
-                <a:latin typeface="Adobe Clean"/>
-                <a:cs typeface="Adobe Clean"/>
-              </a:rPr>
-              <a:t>Activities</a:t>
-            </a:r>
-            <a:r>
-              <a:rPr lang="en-US" sz="1400" b="1" spc="-15">
-                <a:solidFill>
-                  <a:srgbClr val="020302"/>
-                </a:solidFill>
-                <a:latin typeface="Adobe Clean"/>
-                <a:cs typeface="Adobe Clean"/>
-              </a:rPr>
-              <a:t> - AEM</a:t>
-            </a:r>
-            <a:endParaRPr sz="1400">
+              <a:t>雲端支援活動 - AEM</a:t>
+            </a:r>
+            <a:endParaRPr sz="1400" dirty="0">
               <a:latin typeface="Adobe Clean"/>
               <a:cs typeface="Adobe Clean"/>
             </a:endParaRPr>
@@ -13759,6 +12562,10 @@
           </p:nvPr>
         </p:nvSpPr>
         <p:spPr>
+          <a:xfrm>
+            <a:off x="97787" y="9861194"/>
+            <a:ext cx="2874013" cy="133370"/>
+          </a:xfrm>
           <a:prstGeom prst="rect">
             <a:avLst/>
           </a:prstGeom>
@@ -13778,36 +12585,32 @@
               </a:spcBef>
             </a:pPr>
             <a:r>
-              <a:rPr spc="-5"/>
-              <a:t>©2021 Adobe. All</a:t>
-            </a:r>
-            <a:r>
-              <a:rPr spc="-15"/>
+              <a:rPr lang="de-de" spc="-5" dirty="0"/>
+              <a:t>© 2021 Adobe. All</a:t>
+            </a:r>
+            <a:r>
+              <a:rPr lang="de-de" spc="-15" dirty="0"/>
               <a:t> Rights</a:t>
             </a:r>
             <a:r>
-              <a:rPr spc="-10"/>
+              <a:rPr lang="de-de" spc="-10" dirty="0"/>
               <a:t> </a:t>
             </a:r>
             <a:r>
-              <a:rPr spc="-15"/>
-              <a:t>Reserved.</a:t>
-            </a:r>
-            <a:r>
-              <a:rPr spc="-10"/>
+              <a:rPr lang="de-de" spc="-15" dirty="0"/>
+              <a:t>Reserved。</a:t>
+            </a:r>
+            <a:r>
+              <a:rPr lang="de-de" spc="-5" dirty="0"/>
+              <a:t>Adobe</a:t>
+            </a:r>
+            <a:r>
+              <a:rPr lang="de-de" spc="60" dirty="0"/>
               <a:t> </a:t>
             </a:r>
             <a:r>
-              <a:rPr spc="-5"/>
-              <a:t>Adobe</a:t>
-            </a:r>
-            <a:r>
-              <a:rPr spc="60"/>
-              <a:t> </a:t>
-            </a:r>
-            <a:r>
-              <a:rPr spc="-15"/>
-              <a:t>Confidential.</a:t>
+              <a:rPr lang="de-de" spc="-15" dirty="0"/>
+              <a:t> 機密資訊。</a:t>
             </a:r>
           </a:p>
         </p:txBody>
@@ -13863,8 +12666,8 @@
           <a:p>
             <a:pPr algn="ctr"/>
             <a:r>
-              <a:rPr lang="en-US" sz="1600"/>
-              <a:t>Run &amp; Operate</a:t>
+              <a:rPr lang="de-de" sz="1600" dirty="0"/>
+              <a:t>執行與營運</a:t>
             </a:r>
           </a:p>
         </p:txBody>
@@ -13920,8 +12723,8 @@
           <a:p>
             <a:pPr algn="ctr"/>
             <a:r>
-              <a:rPr lang="en-US" sz="1600"/>
-              <a:t>Implementation</a:t>
+              <a:rPr lang="de-de" sz="1600" dirty="0"/>
+              <a:t>實作</a:t>
             </a:r>
           </a:p>
         </p:txBody>
@@ -13956,8 +12759,8 @@
           <a:p>
             <a:pPr algn="ctr"/>
             <a:r>
-              <a:rPr lang="en-US" sz="1100"/>
-              <a:t>Post Launch</a:t>
+              <a:rPr lang="de-de" sz="1100" dirty="0"/>
+              <a:t>啟動後</a:t>
             </a:r>
           </a:p>
         </p:txBody>
@@ -13992,8 +12795,8 @@
           <a:p>
             <a:pPr algn="ctr"/>
             <a:r>
-              <a:rPr lang="en-US" sz="1100"/>
-              <a:t>Go-Live</a:t>
+              <a:rPr lang="de-de" sz="1100" dirty="0"/>
+              <a:t>上線</a:t>
             </a:r>
           </a:p>
         </p:txBody>
@@ -14028,8 +12831,8 @@
           <a:p>
             <a:pPr algn="ctr"/>
             <a:r>
-              <a:rPr lang="en-US" sz="1100"/>
-              <a:t>Define</a:t>
+              <a:rPr lang="de-de" sz="1100" dirty="0"/>
+              <a:t>定義</a:t>
             </a:r>
           </a:p>
         </p:txBody>
@@ -14064,8 +12867,8 @@
           <a:p>
             <a:pPr algn="ctr"/>
             <a:r>
-              <a:rPr lang="en-US" sz="1100"/>
-              <a:t>Kickoff</a:t>
+              <a:rPr lang="de-de" sz="1100" dirty="0"/>
+              <a:t>開展</a:t>
             </a:r>
           </a:p>
         </p:txBody>
@@ -14100,8 +12903,8 @@
           <a:p>
             <a:pPr algn="ctr"/>
             <a:r>
-              <a:rPr lang="en-US" sz="1100"/>
-              <a:t>Design</a:t>
+              <a:rPr lang="de-de" sz="1100" dirty="0"/>
+              <a:t>設計</a:t>
             </a:r>
           </a:p>
         </p:txBody>
@@ -14158,14 +12961,14 @@
           <a:p>
             <a:pPr algn="ctr"/>
             <a:r>
-              <a:rPr lang="en-US" sz="1400">
+              <a:rPr lang="de-de" sz="1400" dirty="0">
                 <a:solidFill>
                   <a:schemeClr val="accent1">
                     <a:lumMod val="50000"/>
                   </a:schemeClr>
                 </a:solidFill>
               </a:rPr>
-              <a:t>4 Activities per Year</a:t>
+              <a:t>每年 4 個活動</a:t>
             </a:r>
           </a:p>
         </p:txBody>
@@ -14206,15 +13009,15 @@
               </a:spcBef>
             </a:pPr>
             <a:r>
-              <a:rPr lang="en-US" sz="1000">
+              <a:rPr lang="de-de" sz="1000" dirty="0">
                 <a:solidFill>
                   <a:srgbClr val="4B4B4B"/>
                 </a:solidFill>
                 <a:latin typeface="Adobe Clean Light" panose="020B0303020404020204" pitchFamily="34" charset="0"/>
               </a:rPr>
-              <a:t>Drive adoption of customization best practices and core components in AEM as a Cloud Service.</a:t>
-            </a:r>
-            <a:endParaRPr sz="1000">
+              <a:t>推動採用 AEM as a Cloud Service 中的自訂最佳實務和核心元件</a:t>
+            </a:r>
+            <a:endParaRPr sz="1000" dirty="0">
               <a:solidFill>
                 <a:srgbClr val="4B4B4B"/>
               </a:solidFill>
@@ -14259,15 +13062,15 @@
               </a:spcBef>
             </a:pPr>
             <a:r>
-              <a:rPr lang="en-US" sz="1000">
+              <a:rPr lang="de-de" sz="1000" dirty="0">
                 <a:solidFill>
                   <a:srgbClr val="4B4B4B"/>
                 </a:solidFill>
                 <a:latin typeface="Adobe Clean Light" panose="020B0303020404020204" pitchFamily="34" charset="0"/>
               </a:rPr>
-              <a:t>Identify, review and provide recommendations on customized solution adoption areas that have opportunities for optimization.</a:t>
-            </a:r>
-            <a:endParaRPr sz="1000">
+              <a:t>識別、審查有機會最佳化的自訂解決方案採用領域，並提供相關建議</a:t>
+            </a:r>
+            <a:endParaRPr sz="1000" dirty="0">
               <a:solidFill>
                 <a:srgbClr val="4B4B4B"/>
               </a:solidFill>
@@ -14312,15 +13115,15 @@
               </a:spcBef>
             </a:pPr>
             <a:r>
-              <a:rPr lang="en-US" sz="1000">
+              <a:rPr lang="de-de" sz="1000" dirty="0">
                 <a:solidFill>
                   <a:srgbClr val="4B4B4B"/>
                 </a:solidFill>
                 <a:latin typeface="Adobe Clean Light" panose="020B0303020404020204" pitchFamily="34" charset="0"/>
               </a:rPr>
-              <a:t>Technical &amp; operational governance to assist AEM as a Cloud Service Customers in adhering to industry standards and best practices for AEM as a Cloud Service.</a:t>
-            </a:r>
-            <a:endParaRPr sz="1000">
+              <a:t>為了協助 AEM as a Cloud Service 客戶遵守 AEM as a Cloud Service 的產業標準和最佳實務所進行的技術與營運控管</a:t>
+            </a:r>
+            <a:endParaRPr sz="1000" dirty="0">
               <a:solidFill>
                 <a:srgbClr val="4B4B4B"/>
               </a:solidFill>
@@ -14356,497 +13159,30 @@
           </a:bodyPr>
           <a:lstStyle/>
           <a:p>
-            <a:pPr marL="12700">
-              <a:lnSpc>
-                <a:spcPct val="100000"/>
-              </a:lnSpc>
-              <a:spcBef>
-                <a:spcPts val="100"/>
-              </a:spcBef>
-            </a:pPr>
-            <a:r>
-              <a:rPr lang="en-US" sz="1200" b="1" spc="-15">
+            <a:pPr algn="l"/>
+            <a:r>
+              <a:rPr lang="en-US" altLang="zh-TW" sz="1200" b="1" spc="-25" dirty="0">
                 <a:solidFill>
                   <a:srgbClr val="020302"/>
                 </a:solidFill>
                 <a:latin typeface="Adobe Clean"/>
-                <a:cs typeface="Adobe Clean"/>
-              </a:rPr>
-              <a:t>C</a:t>
-            </a:r>
-            <a:r>
-              <a:rPr lang="en-US" sz="1200" b="1" spc="-20">
+              </a:rPr>
+              <a:t>AEM as a Cloud Service </a:t>
+            </a:r>
+            <a:r>
+              <a:rPr lang="zh-TW" altLang="en-US" sz="1200" b="1" spc="-25" dirty="0">
                 <a:solidFill>
                   <a:srgbClr val="020302"/>
                 </a:solidFill>
                 <a:latin typeface="Adobe Clean"/>
-                <a:cs typeface="Adobe Clean"/>
-              </a:rPr>
-              <a:t>u</a:t>
-            </a:r>
-            <a:r>
-              <a:rPr lang="en-US" sz="1200" b="1" spc="-25">
-                <a:solidFill>
-                  <a:srgbClr val="020302"/>
-                </a:solidFill>
-                <a:latin typeface="Adobe Clean"/>
-                <a:cs typeface="Adobe Clean"/>
-              </a:rPr>
-              <a:t>st</a:t>
-            </a:r>
-            <a:r>
-              <a:rPr lang="en-US" sz="1200" b="1" spc="-15">
-                <a:solidFill>
-                  <a:srgbClr val="020302"/>
-                </a:solidFill>
-                <a:latin typeface="Adobe Clean"/>
-                <a:cs typeface="Adobe Clean"/>
-              </a:rPr>
-              <a:t>o</a:t>
-            </a:r>
-            <a:r>
-              <a:rPr lang="en-US" sz="1200" b="1" spc="-20">
-                <a:solidFill>
-                  <a:srgbClr val="020302"/>
-                </a:solidFill>
-                <a:latin typeface="Adobe Clean"/>
-                <a:cs typeface="Adobe Clean"/>
-              </a:rPr>
-              <a:t>miza</a:t>
-            </a:r>
-            <a:r>
-              <a:rPr lang="en-US" sz="1200" b="1" spc="-25">
-                <a:solidFill>
-                  <a:srgbClr val="020302"/>
-                </a:solidFill>
-                <a:latin typeface="Adobe Clean"/>
-                <a:cs typeface="Adobe Clean"/>
-              </a:rPr>
-              <a:t>t</a:t>
-            </a:r>
-            <a:r>
-              <a:rPr lang="en-US" sz="1200" b="1" spc="-20">
-                <a:solidFill>
-                  <a:srgbClr val="020302"/>
-                </a:solidFill>
-                <a:latin typeface="Adobe Clean"/>
-                <a:cs typeface="Adobe Clean"/>
-              </a:rPr>
-              <a:t>i</a:t>
-            </a:r>
-            <a:r>
-              <a:rPr lang="en-US" sz="1200" b="1" spc="-15">
-                <a:solidFill>
-                  <a:srgbClr val="020302"/>
-                </a:solidFill>
-                <a:latin typeface="Adobe Clean"/>
-                <a:cs typeface="Adobe Clean"/>
-              </a:rPr>
-              <a:t>o</a:t>
-            </a:r>
-            <a:r>
-              <a:rPr lang="en-US" sz="1200" b="1">
-                <a:solidFill>
-                  <a:srgbClr val="020302"/>
-                </a:solidFill>
-                <a:latin typeface="Adobe Clean"/>
-                <a:cs typeface="Adobe Clean"/>
-              </a:rPr>
-              <a:t>n</a:t>
-            </a:r>
-            <a:r>
-              <a:rPr lang="en-US" sz="1200" b="1" spc="-50">
-                <a:solidFill>
-                  <a:srgbClr val="020302"/>
-                </a:solidFill>
-                <a:latin typeface="Adobe Clean"/>
-                <a:cs typeface="Adobe Clean"/>
-              </a:rPr>
-              <a:t> </a:t>
-            </a:r>
-            <a:r>
-              <a:rPr lang="en-US" sz="1200" b="1" spc="-20">
-                <a:solidFill>
-                  <a:srgbClr val="020302"/>
-                </a:solidFill>
-                <a:latin typeface="Adobe Clean"/>
-                <a:cs typeface="Adobe Clean"/>
-              </a:rPr>
-              <a:t>B</a:t>
-            </a:r>
-            <a:r>
-              <a:rPr lang="en-US" sz="1200" b="1" spc="-25">
-                <a:solidFill>
-                  <a:srgbClr val="020302"/>
-                </a:solidFill>
-                <a:latin typeface="Adobe Clean"/>
-                <a:cs typeface="Adobe Clean"/>
-              </a:rPr>
-              <a:t>es</a:t>
-            </a:r>
-            <a:r>
-              <a:rPr lang="en-US" sz="1200" b="1">
-                <a:solidFill>
-                  <a:srgbClr val="020302"/>
-                </a:solidFill>
-                <a:latin typeface="Adobe Clean"/>
-                <a:cs typeface="Adobe Clean"/>
-              </a:rPr>
-              <a:t>t</a:t>
-            </a:r>
-            <a:r>
-              <a:rPr lang="en-US" sz="1200" b="1" spc="-50">
-                <a:solidFill>
-                  <a:srgbClr val="020302"/>
-                </a:solidFill>
-                <a:latin typeface="Adobe Clean"/>
-                <a:cs typeface="Adobe Clean"/>
-              </a:rPr>
-              <a:t> </a:t>
-            </a:r>
-            <a:r>
-              <a:rPr lang="en-US" sz="1200" b="1" spc="-25">
-                <a:solidFill>
-                  <a:srgbClr val="020302"/>
-                </a:solidFill>
-                <a:latin typeface="Adobe Clean"/>
-                <a:cs typeface="Adobe Clean"/>
-              </a:rPr>
-              <a:t>P</a:t>
-            </a:r>
-            <a:r>
-              <a:rPr lang="en-US" sz="1200" b="1" spc="-20">
-                <a:solidFill>
-                  <a:srgbClr val="020302"/>
-                </a:solidFill>
-                <a:latin typeface="Adobe Clean"/>
-                <a:cs typeface="Adobe Clean"/>
-              </a:rPr>
-              <a:t>ra</a:t>
-            </a:r>
-            <a:r>
-              <a:rPr lang="en-US" sz="1200" b="1" spc="-30">
-                <a:solidFill>
-                  <a:srgbClr val="020302"/>
-                </a:solidFill>
-                <a:latin typeface="Adobe Clean"/>
-                <a:cs typeface="Adobe Clean"/>
-              </a:rPr>
-              <a:t>c</a:t>
-            </a:r>
-            <a:r>
-              <a:rPr lang="en-US" sz="1200" b="1" spc="-25">
-                <a:solidFill>
-                  <a:srgbClr val="020302"/>
-                </a:solidFill>
-                <a:latin typeface="Adobe Clean"/>
-                <a:cs typeface="Adobe Clean"/>
-              </a:rPr>
-              <a:t>t</a:t>
-            </a:r>
-            <a:r>
-              <a:rPr lang="en-US" sz="1200" b="1" spc="-20">
-                <a:solidFill>
-                  <a:srgbClr val="020302"/>
-                </a:solidFill>
-                <a:latin typeface="Adobe Clean"/>
-                <a:cs typeface="Adobe Clean"/>
-              </a:rPr>
-              <a:t>i</a:t>
-            </a:r>
-            <a:r>
-              <a:rPr lang="en-US" sz="1200" b="1" spc="-30">
-                <a:solidFill>
-                  <a:srgbClr val="020302"/>
-                </a:solidFill>
-                <a:latin typeface="Adobe Clean"/>
-                <a:cs typeface="Adobe Clean"/>
-              </a:rPr>
-              <a:t>c</a:t>
-            </a:r>
-            <a:r>
-              <a:rPr lang="en-US" sz="1200" b="1" spc="-25">
-                <a:solidFill>
-                  <a:srgbClr val="020302"/>
-                </a:solidFill>
-                <a:latin typeface="Adobe Clean"/>
-                <a:cs typeface="Adobe Clean"/>
-              </a:rPr>
-              <a:t>e</a:t>
-            </a:r>
-            <a:r>
-              <a:rPr lang="en-US" sz="1200" b="1">
-                <a:solidFill>
-                  <a:srgbClr val="020302"/>
-                </a:solidFill>
-                <a:latin typeface="Adobe Clean"/>
-                <a:cs typeface="Adobe Clean"/>
-              </a:rPr>
-              <a:t>s</a:t>
-            </a:r>
-            <a:r>
-              <a:rPr lang="en-US" sz="1200" b="1" spc="-45">
-                <a:solidFill>
-                  <a:srgbClr val="020302"/>
-                </a:solidFill>
-                <a:latin typeface="Adobe Clean"/>
-                <a:cs typeface="Adobe Clean"/>
-              </a:rPr>
-              <a:t> </a:t>
-            </a:r>
-            <a:r>
-              <a:rPr lang="en-US" sz="1200" b="1" spc="-25">
-                <a:solidFill>
-                  <a:srgbClr val="020302"/>
-                </a:solidFill>
-                <a:latin typeface="Adobe Clean"/>
-                <a:cs typeface="Adobe Clean"/>
-              </a:rPr>
-              <a:t>f</a:t>
-            </a:r>
-            <a:r>
-              <a:rPr lang="en-US" sz="1200" b="1" spc="-15">
-                <a:solidFill>
-                  <a:srgbClr val="020302"/>
-                </a:solidFill>
-                <a:latin typeface="Adobe Clean"/>
-                <a:cs typeface="Adobe Clean"/>
-              </a:rPr>
-              <a:t>o</a:t>
-            </a:r>
-            <a:r>
-              <a:rPr lang="en-US" sz="1200" b="1">
-                <a:solidFill>
-                  <a:srgbClr val="020302"/>
-                </a:solidFill>
-                <a:latin typeface="Adobe Clean"/>
-                <a:cs typeface="Adobe Clean"/>
-              </a:rPr>
-              <a:t>r</a:t>
-            </a:r>
-            <a:r>
-              <a:rPr lang="en-US" sz="1200" b="1" spc="-45">
-                <a:solidFill>
-                  <a:srgbClr val="020302"/>
-                </a:solidFill>
-                <a:latin typeface="Adobe Clean"/>
-                <a:cs typeface="Adobe Clean"/>
-              </a:rPr>
-              <a:t> </a:t>
-            </a:r>
-            <a:r>
-              <a:rPr lang="en-US" sz="1200" b="1" spc="-30">
-                <a:solidFill>
-                  <a:srgbClr val="020302"/>
-                </a:solidFill>
-                <a:latin typeface="Adobe Clean"/>
-                <a:cs typeface="Adobe Clean"/>
-              </a:rPr>
-              <a:t>AE</a:t>
-            </a:r>
-            <a:r>
-              <a:rPr lang="en-US" sz="1200" b="1">
-                <a:solidFill>
-                  <a:srgbClr val="020302"/>
-                </a:solidFill>
-                <a:latin typeface="Adobe Clean"/>
-                <a:cs typeface="Adobe Clean"/>
-              </a:rPr>
-              <a:t>M</a:t>
-            </a:r>
-            <a:r>
-              <a:rPr lang="en-US" sz="1200" b="1" spc="-55">
-                <a:solidFill>
-                  <a:srgbClr val="020302"/>
-                </a:solidFill>
-                <a:latin typeface="Adobe Clean"/>
-                <a:cs typeface="Adobe Clean"/>
-              </a:rPr>
-              <a:t> </a:t>
-            </a:r>
-            <a:r>
-              <a:rPr lang="en-US" sz="1200" b="1" spc="-20">
-                <a:solidFill>
-                  <a:srgbClr val="020302"/>
-                </a:solidFill>
-                <a:latin typeface="Adobe Clean"/>
-                <a:cs typeface="Adobe Clean"/>
-              </a:rPr>
-              <a:t>a</a:t>
-            </a:r>
-            <a:r>
-              <a:rPr lang="en-US" sz="1200" b="1">
-                <a:solidFill>
-                  <a:srgbClr val="020302"/>
-                </a:solidFill>
-                <a:latin typeface="Adobe Clean"/>
-                <a:cs typeface="Adobe Clean"/>
-              </a:rPr>
-              <a:t>s</a:t>
-            </a:r>
-            <a:r>
-              <a:rPr lang="en-US" sz="1200" b="1" spc="-45">
-                <a:solidFill>
-                  <a:srgbClr val="020302"/>
-                </a:solidFill>
-                <a:latin typeface="Adobe Clean"/>
-                <a:cs typeface="Adobe Clean"/>
-              </a:rPr>
-              <a:t> </a:t>
-            </a:r>
-            <a:r>
-              <a:rPr lang="en-US" sz="1200" b="1">
-                <a:solidFill>
-                  <a:srgbClr val="020302"/>
-                </a:solidFill>
-                <a:latin typeface="Adobe Clean"/>
-                <a:cs typeface="Adobe Clean"/>
-              </a:rPr>
-              <a:t>a</a:t>
-            </a:r>
-            <a:r>
-              <a:rPr lang="en-US" sz="1200" b="1" spc="-45">
-                <a:solidFill>
-                  <a:srgbClr val="020302"/>
-                </a:solidFill>
-                <a:latin typeface="Adobe Clean"/>
-                <a:cs typeface="Adobe Clean"/>
-              </a:rPr>
-              <a:t> </a:t>
-            </a:r>
-            <a:r>
-              <a:rPr lang="en-US" sz="1200" b="1" spc="-15">
-                <a:solidFill>
-                  <a:srgbClr val="020302"/>
-                </a:solidFill>
-                <a:latin typeface="Adobe Clean"/>
-                <a:cs typeface="Adobe Clean"/>
-              </a:rPr>
-              <a:t>C</a:t>
-            </a:r>
-            <a:r>
-              <a:rPr lang="en-US" sz="1200" b="1" spc="-25">
-                <a:solidFill>
-                  <a:srgbClr val="020302"/>
-                </a:solidFill>
-                <a:latin typeface="Adobe Clean"/>
-                <a:cs typeface="Adobe Clean"/>
-              </a:rPr>
-              <a:t>l</a:t>
-            </a:r>
-            <a:r>
-              <a:rPr lang="en-US" sz="1200" b="1" spc="-15">
-                <a:solidFill>
-                  <a:srgbClr val="020302"/>
-                </a:solidFill>
-                <a:latin typeface="Adobe Clean"/>
-                <a:cs typeface="Adobe Clean"/>
-              </a:rPr>
-              <a:t>o</a:t>
-            </a:r>
-            <a:r>
-              <a:rPr lang="en-US" sz="1200" b="1" spc="-20">
-                <a:solidFill>
-                  <a:srgbClr val="020302"/>
-                </a:solidFill>
-                <a:latin typeface="Adobe Clean"/>
-                <a:cs typeface="Adobe Clean"/>
-              </a:rPr>
-              <a:t>u</a:t>
-            </a:r>
-            <a:r>
-              <a:rPr lang="en-US" sz="1200" b="1">
-                <a:solidFill>
-                  <a:srgbClr val="020302"/>
-                </a:solidFill>
-                <a:latin typeface="Adobe Clean"/>
-                <a:cs typeface="Adobe Clean"/>
-              </a:rPr>
-              <a:t>d</a:t>
-            </a:r>
-            <a:r>
-              <a:rPr lang="en-US" sz="1200" b="1" spc="-50">
-                <a:solidFill>
-                  <a:srgbClr val="020302"/>
-                </a:solidFill>
-                <a:latin typeface="Adobe Clean"/>
-                <a:cs typeface="Adobe Clean"/>
-              </a:rPr>
-              <a:t> </a:t>
-            </a:r>
-            <a:r>
-              <a:rPr lang="en-US" sz="1200" b="1" spc="-20">
-                <a:solidFill>
-                  <a:srgbClr val="020302"/>
-                </a:solidFill>
-                <a:latin typeface="Adobe Clean"/>
-                <a:cs typeface="Adobe Clean"/>
-              </a:rPr>
-              <a:t>S</a:t>
-            </a:r>
-            <a:r>
-              <a:rPr lang="en-US" sz="1200" b="1" spc="-25">
-                <a:solidFill>
-                  <a:srgbClr val="020302"/>
-                </a:solidFill>
-                <a:latin typeface="Adobe Clean"/>
-                <a:cs typeface="Adobe Clean"/>
-              </a:rPr>
-              <a:t>e</a:t>
-            </a:r>
-            <a:r>
-              <a:rPr lang="en-US" sz="1200" b="1" spc="-20">
-                <a:solidFill>
-                  <a:srgbClr val="020302"/>
-                </a:solidFill>
-                <a:latin typeface="Adobe Clean"/>
-                <a:cs typeface="Adobe Clean"/>
-              </a:rPr>
-              <a:t>r</a:t>
-            </a:r>
-            <a:r>
-              <a:rPr lang="en-US" sz="1200" b="1" spc="-30">
-                <a:solidFill>
-                  <a:srgbClr val="020302"/>
-                </a:solidFill>
-                <a:latin typeface="Adobe Clean"/>
-                <a:cs typeface="Adobe Clean"/>
-              </a:rPr>
-              <a:t>v</a:t>
-            </a:r>
-            <a:r>
-              <a:rPr lang="en-US" sz="1200" b="1" spc="-20">
-                <a:solidFill>
-                  <a:srgbClr val="020302"/>
-                </a:solidFill>
-                <a:latin typeface="Adobe Clean"/>
-                <a:cs typeface="Adobe Clean"/>
-              </a:rPr>
-              <a:t>i</a:t>
-            </a:r>
-            <a:r>
-              <a:rPr lang="en-US" sz="1200" b="1" spc="-30">
-                <a:solidFill>
-                  <a:srgbClr val="020302"/>
-                </a:solidFill>
-                <a:latin typeface="Adobe Clean"/>
-                <a:cs typeface="Adobe Clean"/>
-              </a:rPr>
-              <a:t>c</a:t>
-            </a:r>
-            <a:r>
-              <a:rPr lang="en-US" sz="1200" b="1">
-                <a:solidFill>
-                  <a:srgbClr val="020302"/>
-                </a:solidFill>
-                <a:latin typeface="Adobe Clean"/>
-                <a:cs typeface="Adobe Clean"/>
-              </a:rPr>
-              <a:t>e</a:t>
-            </a:r>
-            <a:endParaRPr lang="en-US" sz="1200">
+              </a:rPr>
+              <a:t>的自訂最佳實務</a:t>
+            </a:r>
+            <a:endParaRPr lang="en-US" sz="1200" b="1" spc="-25" dirty="0">
+              <a:solidFill>
+                <a:srgbClr val="020302"/>
+              </a:solidFill>
               <a:latin typeface="Adobe Clean"/>
-              <a:cs typeface="Adobe Clean"/>
             </a:endParaRPr>
           </a:p>
         </p:txBody>
@@ -14887,16 +13223,16 @@
               </a:spcBef>
             </a:pPr>
             <a:r>
-              <a:rPr lang="en-US" sz="1200" b="1" spc="-25">
+              <a:rPr lang="de-de" sz="1200" b="1" spc="-25" dirty="0">
                 <a:solidFill>
                   <a:srgbClr val="020302"/>
                 </a:solidFill>
                 <a:latin typeface="Adobe Clean"/>
                 <a:cs typeface="Adobe Clean"/>
               </a:rPr>
-              <a:t>Value-added Services for AEM as a Cloud Service</a:t>
-            </a:r>
-            <a:endParaRPr lang="en-US" sz="1200">
+              <a:t>AEM as a Cloud Service 的增值服務</a:t>
+            </a:r>
+            <a:endParaRPr lang="en-US" sz="1200" dirty="0">
               <a:latin typeface="Adobe Clean"/>
               <a:cs typeface="Adobe Clean"/>
             </a:endParaRPr>
@@ -14917,8 +13253,8 @@
         </p:nvSpPr>
         <p:spPr>
           <a:xfrm>
-            <a:off x="381000" y="908303"/>
-            <a:ext cx="1998943" cy="461665"/>
+            <a:off x="381000" y="908304"/>
+            <a:ext cx="2169428" cy="276999"/>
           </a:xfrm>
           <a:prstGeom prst="rect">
             <a:avLst/>
@@ -14939,362 +13275,769 @@
               </a:spcBef>
             </a:pPr>
             <a:r>
-              <a:rPr lang="en-US" sz="1200" b="1" spc="-20">
+              <a:rPr lang="de-de" sz="1200" b="1" spc="-25" dirty="0">
                 <a:solidFill>
                   <a:srgbClr val="020302"/>
                 </a:solidFill>
                 <a:latin typeface="Adobe Clean"/>
-                <a:cs typeface="Adobe Clean"/>
-              </a:rPr>
-              <a:t>G</a:t>
-            </a:r>
-            <a:r>
-              <a:rPr lang="en-US" sz="1200" b="1" spc="-15">
+              </a:rPr>
+              <a:t> </a:t>
+            </a:r>
+            <a:r>
+              <a:rPr lang="pt-BR" altLang="zh-TW" sz="1200" b="1" spc="-25" dirty="0">
                 <a:solidFill>
                   <a:srgbClr val="020302"/>
                 </a:solidFill>
                 <a:latin typeface="Adobe Clean"/>
-                <a:cs typeface="Adobe Clean"/>
-              </a:rPr>
-              <a:t>o</a:t>
-            </a:r>
-            <a:r>
-              <a:rPr lang="en-US" sz="1200" b="1" spc="-25">
+              </a:rPr>
+              <a:t>AEM as a Cloud Service </a:t>
+            </a:r>
+            <a:r>
+              <a:rPr lang="zh-TW" altLang="pt-BR" sz="1200" b="1" spc="-25" dirty="0">
                 <a:solidFill>
                   <a:srgbClr val="020302"/>
                 </a:solidFill>
                 <a:latin typeface="Adobe Clean"/>
-                <a:cs typeface="Adobe Clean"/>
-              </a:rPr>
-              <a:t>ve</a:t>
-            </a:r>
-            <a:r>
-              <a:rPr lang="en-US" sz="1200" b="1" spc="-20">
-                <a:solidFill>
-                  <a:srgbClr val="020302"/>
-                </a:solidFill>
-                <a:latin typeface="Adobe Clean"/>
-                <a:cs typeface="Adobe Clean"/>
-              </a:rPr>
-              <a:t>r</a:t>
-            </a:r>
-            <a:r>
-              <a:rPr lang="en-US" sz="1200" b="1" spc="-25">
-                <a:solidFill>
-                  <a:srgbClr val="020302"/>
-                </a:solidFill>
-                <a:latin typeface="Adobe Clean"/>
-                <a:cs typeface="Adobe Clean"/>
-              </a:rPr>
-              <a:t>n</a:t>
-            </a:r>
-            <a:r>
-              <a:rPr lang="en-US" sz="1200" b="1" spc="-20">
-                <a:solidFill>
-                  <a:srgbClr val="020302"/>
-                </a:solidFill>
-                <a:latin typeface="Adobe Clean"/>
-                <a:cs typeface="Adobe Clean"/>
-              </a:rPr>
-              <a:t>a</a:t>
-            </a:r>
-            <a:r>
-              <a:rPr lang="en-US" sz="1200" b="1" spc="-25">
-                <a:solidFill>
-                  <a:srgbClr val="020302"/>
-                </a:solidFill>
-                <a:latin typeface="Adobe Clean"/>
-                <a:cs typeface="Adobe Clean"/>
-              </a:rPr>
-              <a:t>n</a:t>
-            </a:r>
-            <a:r>
-              <a:rPr lang="en-US" sz="1200" b="1" spc="-30">
-                <a:solidFill>
-                  <a:srgbClr val="020302"/>
-                </a:solidFill>
-                <a:latin typeface="Adobe Clean"/>
-                <a:cs typeface="Adobe Clean"/>
-              </a:rPr>
-              <a:t>c</a:t>
-            </a:r>
-            <a:r>
-              <a:rPr lang="en-US" sz="1200" b="1">
-                <a:solidFill>
-                  <a:srgbClr val="020302"/>
-                </a:solidFill>
-                <a:latin typeface="Adobe Clean"/>
-                <a:cs typeface="Adobe Clean"/>
-              </a:rPr>
-              <a:t>e</a:t>
-            </a:r>
-            <a:r>
-              <a:rPr lang="en-US" sz="1200" b="1" spc="-50">
-                <a:solidFill>
-                  <a:srgbClr val="020302"/>
-                </a:solidFill>
-                <a:latin typeface="Adobe Clean"/>
-                <a:cs typeface="Adobe Clean"/>
-              </a:rPr>
-              <a:t> </a:t>
-            </a:r>
-            <a:r>
-              <a:rPr lang="en-US" sz="1200" b="1" spc="-25">
-                <a:solidFill>
-                  <a:srgbClr val="020302"/>
-                </a:solidFill>
-                <a:latin typeface="Adobe Clean"/>
-                <a:cs typeface="Adobe Clean"/>
-              </a:rPr>
-              <a:t>f</a:t>
-            </a:r>
-            <a:r>
-              <a:rPr lang="en-US" sz="1200" b="1" spc="-15">
-                <a:solidFill>
-                  <a:srgbClr val="020302"/>
-                </a:solidFill>
-                <a:latin typeface="Adobe Clean"/>
-                <a:cs typeface="Adobe Clean"/>
-              </a:rPr>
-              <a:t>o</a:t>
-            </a:r>
-            <a:r>
-              <a:rPr lang="en-US" sz="1200" b="1">
-                <a:solidFill>
-                  <a:srgbClr val="020302"/>
-                </a:solidFill>
-                <a:latin typeface="Adobe Clean"/>
-                <a:cs typeface="Adobe Clean"/>
-              </a:rPr>
-              <a:t>r</a:t>
-            </a:r>
-            <a:r>
-              <a:rPr lang="en-US" sz="1200" b="1" spc="-45">
-                <a:solidFill>
-                  <a:srgbClr val="020302"/>
-                </a:solidFill>
-                <a:latin typeface="Adobe Clean"/>
-                <a:cs typeface="Adobe Clean"/>
-              </a:rPr>
-              <a:t> </a:t>
-            </a:r>
-            <a:r>
-              <a:rPr lang="en-US" sz="1200" b="1" spc="-30">
-                <a:solidFill>
-                  <a:srgbClr val="020302"/>
-                </a:solidFill>
-                <a:latin typeface="Adobe Clean"/>
-                <a:cs typeface="Adobe Clean"/>
-              </a:rPr>
-              <a:t>A</a:t>
-            </a:r>
-            <a:r>
-              <a:rPr lang="en-US" sz="1200" b="1" spc="-25">
-                <a:solidFill>
-                  <a:srgbClr val="020302"/>
-                </a:solidFill>
-                <a:latin typeface="Adobe Clean"/>
-                <a:cs typeface="Adobe Clean"/>
-              </a:rPr>
-              <a:t>E</a:t>
-            </a:r>
-            <a:r>
-              <a:rPr lang="en-US" sz="1200" b="1">
-                <a:solidFill>
-                  <a:srgbClr val="020302"/>
-                </a:solidFill>
-                <a:latin typeface="Adobe Clean"/>
-                <a:cs typeface="Adobe Clean"/>
-              </a:rPr>
-              <a:t>M</a:t>
-            </a:r>
-            <a:r>
-              <a:rPr lang="en-US" sz="1200" b="1" spc="-50">
-                <a:solidFill>
-                  <a:srgbClr val="020302"/>
-                </a:solidFill>
-                <a:latin typeface="Adobe Clean"/>
-                <a:cs typeface="Adobe Clean"/>
-              </a:rPr>
-              <a:t> </a:t>
-            </a:r>
-            <a:r>
-              <a:rPr lang="en-US" sz="1200" b="1" spc="-20">
-                <a:solidFill>
-                  <a:srgbClr val="020302"/>
-                </a:solidFill>
-                <a:latin typeface="Adobe Clean"/>
-                <a:cs typeface="Adobe Clean"/>
-              </a:rPr>
-              <a:t>a</a:t>
-            </a:r>
-            <a:r>
-              <a:rPr lang="en-US" sz="1200" b="1">
-                <a:solidFill>
-                  <a:srgbClr val="020302"/>
-                </a:solidFill>
-                <a:latin typeface="Adobe Clean"/>
-                <a:cs typeface="Adobe Clean"/>
-              </a:rPr>
-              <a:t>s</a:t>
-            </a:r>
-            <a:r>
-              <a:rPr lang="en-US" sz="1200" b="1" spc="-45">
-                <a:solidFill>
-                  <a:srgbClr val="020302"/>
-                </a:solidFill>
-                <a:latin typeface="Adobe Clean"/>
-                <a:cs typeface="Adobe Clean"/>
-              </a:rPr>
-              <a:t> </a:t>
-            </a:r>
-            <a:r>
-              <a:rPr lang="en-US" sz="1200" b="1">
-                <a:solidFill>
-                  <a:srgbClr val="020302"/>
-                </a:solidFill>
-                <a:latin typeface="Adobe Clean"/>
-                <a:cs typeface="Adobe Clean"/>
-              </a:rPr>
-              <a:t>a</a:t>
-            </a:r>
-            <a:r>
-              <a:rPr lang="en-US" sz="1200" b="1" spc="-40">
-                <a:solidFill>
-                  <a:srgbClr val="020302"/>
-                </a:solidFill>
-                <a:latin typeface="Adobe Clean"/>
-                <a:cs typeface="Adobe Clean"/>
-              </a:rPr>
-              <a:t> </a:t>
-            </a:r>
-            <a:r>
-              <a:rPr lang="en-US" sz="1200" b="1" spc="-15">
-                <a:solidFill>
-                  <a:srgbClr val="020302"/>
-                </a:solidFill>
-                <a:latin typeface="Adobe Clean"/>
-                <a:cs typeface="Adobe Clean"/>
-              </a:rPr>
-              <a:t>C</a:t>
-            </a:r>
-            <a:r>
-              <a:rPr lang="en-US" sz="1200" b="1" spc="-25">
-                <a:solidFill>
-                  <a:srgbClr val="020302"/>
-                </a:solidFill>
-                <a:latin typeface="Adobe Clean"/>
-                <a:cs typeface="Adobe Clean"/>
-              </a:rPr>
-              <a:t>l</a:t>
-            </a:r>
-            <a:r>
-              <a:rPr lang="en-US" sz="1200" b="1" spc="-15">
-                <a:solidFill>
-                  <a:srgbClr val="020302"/>
-                </a:solidFill>
-                <a:latin typeface="Adobe Clean"/>
-                <a:cs typeface="Adobe Clean"/>
-              </a:rPr>
-              <a:t>ou</a:t>
-            </a:r>
-            <a:r>
-              <a:rPr lang="en-US" sz="1200" b="1">
-                <a:solidFill>
-                  <a:srgbClr val="020302"/>
-                </a:solidFill>
-                <a:latin typeface="Adobe Clean"/>
-                <a:cs typeface="Adobe Clean"/>
-              </a:rPr>
-              <a:t>d</a:t>
-            </a:r>
-            <a:r>
-              <a:rPr lang="en-US" sz="1200" b="1" spc="-50">
-                <a:solidFill>
-                  <a:srgbClr val="020302"/>
-                </a:solidFill>
-                <a:latin typeface="Adobe Clean"/>
-                <a:cs typeface="Adobe Clean"/>
-              </a:rPr>
-              <a:t> </a:t>
-            </a:r>
-            <a:r>
-              <a:rPr lang="en-US" sz="1200" b="1" spc="-20">
-                <a:solidFill>
-                  <a:srgbClr val="020302"/>
-                </a:solidFill>
-                <a:latin typeface="Adobe Clean"/>
-                <a:cs typeface="Adobe Clean"/>
-              </a:rPr>
-              <a:t>S</a:t>
-            </a:r>
-            <a:r>
-              <a:rPr lang="en-US" sz="1200" b="1" spc="-25">
-                <a:solidFill>
-                  <a:srgbClr val="020302"/>
-                </a:solidFill>
-                <a:latin typeface="Adobe Clean"/>
-                <a:cs typeface="Adobe Clean"/>
-              </a:rPr>
-              <a:t>e</a:t>
-            </a:r>
-            <a:r>
-              <a:rPr lang="en-US" sz="1200" b="1" spc="-20">
-                <a:solidFill>
-                  <a:srgbClr val="020302"/>
-                </a:solidFill>
-                <a:latin typeface="Adobe Clean"/>
-                <a:cs typeface="Adobe Clean"/>
-              </a:rPr>
-              <a:t>r</a:t>
-            </a:r>
-            <a:r>
-              <a:rPr lang="en-US" sz="1200" b="1" spc="-25">
-                <a:solidFill>
-                  <a:srgbClr val="020302"/>
-                </a:solidFill>
-                <a:latin typeface="Adobe Clean"/>
-                <a:cs typeface="Adobe Clean"/>
-              </a:rPr>
-              <a:t>v</a:t>
-            </a:r>
-            <a:r>
-              <a:rPr lang="en-US" sz="1200" b="1" spc="-20">
-                <a:solidFill>
-                  <a:srgbClr val="020302"/>
-                </a:solidFill>
-                <a:latin typeface="Adobe Clean"/>
-                <a:cs typeface="Adobe Clean"/>
-              </a:rPr>
-              <a:t>i</a:t>
-            </a:r>
-            <a:r>
-              <a:rPr lang="en-US" sz="1200" b="1" spc="-30">
-                <a:solidFill>
-                  <a:srgbClr val="020302"/>
-                </a:solidFill>
-                <a:latin typeface="Adobe Clean"/>
-                <a:cs typeface="Adobe Clean"/>
-              </a:rPr>
-              <a:t>c</a:t>
-            </a:r>
-            <a:r>
-              <a:rPr lang="en-US" sz="1200" b="1">
-                <a:solidFill>
-                  <a:srgbClr val="020302"/>
-                </a:solidFill>
-                <a:latin typeface="Adobe Clean"/>
-                <a:cs typeface="Adobe Clean"/>
-              </a:rPr>
-              <a:t>e</a:t>
-            </a:r>
-            <a:endParaRPr lang="en-US" sz="1200">
+              </a:rPr>
+              <a:t>的控管</a:t>
+            </a:r>
+            <a:endParaRPr lang="en-US" sz="1200" b="1" spc="-25" dirty="0">
+              <a:solidFill>
+                <a:srgbClr val="020302"/>
+              </a:solidFill>
               <a:latin typeface="Adobe Clean"/>
-              <a:cs typeface="Adobe Clean"/>
             </a:endParaRPr>
           </a:p>
         </p:txBody>
       </p:sp>
+      <p:graphicFrame>
+        <p:nvGraphicFramePr>
+          <p:cNvPr id="57" name="Table 56">
+            <a:extLst>
+              <a:ext uri="{FF2B5EF4-FFF2-40B4-BE49-F238E27FC236}">
+                <a16:creationId xmlns:a16="http://schemas.microsoft.com/office/drawing/2014/main" id="{19B7BC6C-7A38-0348-ABEF-D81A995F6A90}"/>
+              </a:ext>
+            </a:extLst>
+          </p:cNvPr>
+          <p:cNvGraphicFramePr>
+            <a:graphicFrameLocks noGrp="1"/>
+          </p:cNvGraphicFramePr>
+          <p:nvPr>
+            <p:extLst>
+              <p:ext uri="{D42A27DB-BD31-4B8C-83A1-F6EECF244321}">
+                <p14:modId xmlns:p14="http://schemas.microsoft.com/office/powerpoint/2010/main" val="2908808709"/>
+              </p:ext>
+            </p:extLst>
+          </p:nvPr>
+        </p:nvGraphicFramePr>
+        <p:xfrm>
+          <a:off x="1524000" y="8077200"/>
+          <a:ext cx="609600" cy="457200"/>
+        </p:xfrm>
+        <a:graphic>
+          <a:graphicData uri="http://schemas.openxmlformats.org/drawingml/2006/table">
+            <a:tbl>
+              <a:tblPr>
+                <a:tableStyleId>{5C22544A-7EE6-4342-B048-85BDC9FD1C3A}</a:tableStyleId>
+              </a:tblPr>
+              <a:tblGrid>
+                <a:gridCol w="609600">
+                  <a:extLst>
+                    <a:ext uri="{9D8B030D-6E8A-4147-A177-3AD203B41FA5}">
+                      <a16:colId xmlns:a16="http://schemas.microsoft.com/office/drawing/2014/main" val="1835503658"/>
+                    </a:ext>
+                  </a:extLst>
+                </a:gridCol>
+              </a:tblGrid>
+              <a:tr h="457200">
+                <a:tc>
+                  <a:txBody>
+                    <a:bodyPr/>
+                    <a:lstStyle/>
+                    <a:p>
+                      <a:pPr algn="ctr" fontAlgn="b"/>
+                      <a:r>
+                        <a:rPr lang="ko-KR" altLang="en-US" sz="1100" u="none" strike="noStrike" dirty="0" err="1">
+                          <a:effectLst/>
+                        </a:rPr>
+                        <a:t>上市諮詢</a:t>
+                      </a:r>
+                      <a:endParaRPr lang="ko-KR" altLang="en-US" sz="1100" b="0" i="0" u="none" strike="noStrike" dirty="0">
+                        <a:solidFill>
+                          <a:srgbClr val="000000"/>
+                        </a:solidFill>
+                        <a:effectLst/>
+                        <a:latin typeface="Calibri" panose="020F0502020204030204" pitchFamily="34" charset="0"/>
+                      </a:endParaRPr>
+                    </a:p>
+                  </a:txBody>
+                  <a:tcPr marL="9525" marR="9525" marT="9525" marB="0" anchor="ctr">
+                    <a:solidFill>
+                      <a:schemeClr val="bg1"/>
+                    </a:solidFill>
+                  </a:tcPr>
+                </a:tc>
+                <a:extLst>
+                  <a:ext uri="{0D108BD9-81ED-4DB2-BD59-A6C34878D82A}">
+                    <a16:rowId xmlns:a16="http://schemas.microsoft.com/office/drawing/2014/main" val="2771767287"/>
+                  </a:ext>
+                </a:extLst>
+              </a:tr>
+            </a:tbl>
+          </a:graphicData>
+        </a:graphic>
+      </p:graphicFrame>
+      <p:graphicFrame>
+        <p:nvGraphicFramePr>
+          <p:cNvPr id="58" name="Table 57">
+            <a:extLst>
+              <a:ext uri="{FF2B5EF4-FFF2-40B4-BE49-F238E27FC236}">
+                <a16:creationId xmlns:a16="http://schemas.microsoft.com/office/drawing/2014/main" id="{1EBB4414-EEA2-EB49-9094-4DDFDB1CD555}"/>
+              </a:ext>
+            </a:extLst>
+          </p:cNvPr>
+          <p:cNvGraphicFramePr>
+            <a:graphicFrameLocks noGrp="1"/>
+          </p:cNvGraphicFramePr>
+          <p:nvPr>
+            <p:extLst>
+              <p:ext uri="{D42A27DB-BD31-4B8C-83A1-F6EECF244321}">
+                <p14:modId xmlns:p14="http://schemas.microsoft.com/office/powerpoint/2010/main" val="2132720020"/>
+              </p:ext>
+            </p:extLst>
+          </p:nvPr>
+        </p:nvGraphicFramePr>
+        <p:xfrm>
+          <a:off x="1524000" y="6934200"/>
+          <a:ext cx="609600" cy="457200"/>
+        </p:xfrm>
+        <a:graphic>
+          <a:graphicData uri="http://schemas.openxmlformats.org/drawingml/2006/table">
+            <a:tbl>
+              <a:tblPr>
+                <a:tableStyleId>{5C22544A-7EE6-4342-B048-85BDC9FD1C3A}</a:tableStyleId>
+              </a:tblPr>
+              <a:tblGrid>
+                <a:gridCol w="609600">
+                  <a:extLst>
+                    <a:ext uri="{9D8B030D-6E8A-4147-A177-3AD203B41FA5}">
+                      <a16:colId xmlns:a16="http://schemas.microsoft.com/office/drawing/2014/main" val="1835503658"/>
+                    </a:ext>
+                  </a:extLst>
+                </a:gridCol>
+              </a:tblGrid>
+              <a:tr h="457200">
+                <a:tc>
+                  <a:txBody>
+                    <a:bodyPr/>
+                    <a:lstStyle/>
+                    <a:p>
+                      <a:pPr algn="ctr" fontAlgn="b"/>
+                      <a:r>
+                        <a:rPr lang="ko-KR" altLang="en-US" sz="800" u="none" strike="noStrike" dirty="0" err="1">
+                          <a:effectLst/>
+                          <a:latin typeface="Adobe Clean" panose="020B0503020404020204" pitchFamily="34" charset="0"/>
+                        </a:rPr>
+                        <a:t>資深</a:t>
+                      </a:r>
+                      <a:r>
+                        <a:rPr lang="ko-KR" altLang="en-US" sz="800" u="none" strike="noStrike" dirty="0">
+                          <a:effectLst/>
+                          <a:latin typeface="Adobe Clean" panose="020B0503020404020204" pitchFamily="34" charset="0"/>
+                        </a:rPr>
+                        <a:t> </a:t>
+                      </a:r>
+                      <a:r>
+                        <a:rPr lang="en-US" altLang="ko-KR" sz="800" u="none" strike="noStrike" dirty="0">
+                          <a:effectLst/>
+                          <a:latin typeface="Adobe Clean" panose="020B0503020404020204" pitchFamily="34" charset="0"/>
+                        </a:rPr>
+                        <a:t>Adobe </a:t>
+                      </a:r>
+                      <a:r>
+                        <a:rPr lang="ko-KR" altLang="en-US" sz="800" u="none" strike="noStrike" dirty="0" err="1">
+                          <a:effectLst/>
+                          <a:latin typeface="Adobe Clean" panose="020B0503020404020204" pitchFamily="34" charset="0"/>
+                        </a:rPr>
+                        <a:t>專業知識</a:t>
+                      </a:r>
+                      <a:endParaRPr lang="ko-KR" altLang="en-US" sz="800" b="0" i="0" u="none" strike="noStrike" dirty="0">
+                        <a:solidFill>
+                          <a:srgbClr val="000000"/>
+                        </a:solidFill>
+                        <a:effectLst/>
+                        <a:latin typeface="Adobe Clean" panose="020B0503020404020204" pitchFamily="34" charset="0"/>
+                      </a:endParaRPr>
+                    </a:p>
+                  </a:txBody>
+                  <a:tcPr marL="9525" marR="9525" marT="9525" marB="0">
+                    <a:solidFill>
+                      <a:schemeClr val="bg1"/>
+                    </a:solidFill>
+                  </a:tcPr>
+                </a:tc>
+                <a:extLst>
+                  <a:ext uri="{0D108BD9-81ED-4DB2-BD59-A6C34878D82A}">
+                    <a16:rowId xmlns:a16="http://schemas.microsoft.com/office/drawing/2014/main" val="2771767287"/>
+                  </a:ext>
+                </a:extLst>
+              </a:tr>
+            </a:tbl>
+          </a:graphicData>
+        </a:graphic>
+      </p:graphicFrame>
+      <p:graphicFrame>
+        <p:nvGraphicFramePr>
+          <p:cNvPr id="59" name="Table 58">
+            <a:extLst>
+              <a:ext uri="{FF2B5EF4-FFF2-40B4-BE49-F238E27FC236}">
+                <a16:creationId xmlns:a16="http://schemas.microsoft.com/office/drawing/2014/main" id="{CEA570F0-CFCD-A14C-9046-020C3C5F0FEC}"/>
+              </a:ext>
+            </a:extLst>
+          </p:cNvPr>
+          <p:cNvGraphicFramePr>
+            <a:graphicFrameLocks noGrp="1"/>
+          </p:cNvGraphicFramePr>
+          <p:nvPr>
+            <p:extLst>
+              <p:ext uri="{D42A27DB-BD31-4B8C-83A1-F6EECF244321}">
+                <p14:modId xmlns:p14="http://schemas.microsoft.com/office/powerpoint/2010/main" val="490532508"/>
+              </p:ext>
+            </p:extLst>
+          </p:nvPr>
+        </p:nvGraphicFramePr>
+        <p:xfrm>
+          <a:off x="2514600" y="7239000"/>
+          <a:ext cx="609600" cy="457200"/>
+        </p:xfrm>
+        <a:graphic>
+          <a:graphicData uri="http://schemas.openxmlformats.org/drawingml/2006/table">
+            <a:tbl>
+              <a:tblPr>
+                <a:tableStyleId>{5C22544A-7EE6-4342-B048-85BDC9FD1C3A}</a:tableStyleId>
+              </a:tblPr>
+              <a:tblGrid>
+                <a:gridCol w="609600">
+                  <a:extLst>
+                    <a:ext uri="{9D8B030D-6E8A-4147-A177-3AD203B41FA5}">
+                      <a16:colId xmlns:a16="http://schemas.microsoft.com/office/drawing/2014/main" val="1835503658"/>
+                    </a:ext>
+                  </a:extLst>
+                </a:gridCol>
+              </a:tblGrid>
+              <a:tr h="457200">
+                <a:tc>
+                  <a:txBody>
+                    <a:bodyPr/>
+                    <a:lstStyle/>
+                    <a:p>
+                      <a:pPr algn="ctr" fontAlgn="b"/>
+                      <a:r>
+                        <a:rPr lang="ja-JP" altLang="en-US" sz="800" u="none" strike="noStrike">
+                          <a:effectLst/>
+                          <a:latin typeface="Adobe Clean" panose="020B0503020404020204" pitchFamily="34" charset="0"/>
+                        </a:rPr>
+                        <a:t>直接聯繫 </a:t>
+                      </a:r>
+                      <a:r>
+                        <a:rPr lang="en-US" altLang="ko-KR" sz="800" u="none" strike="noStrike" dirty="0">
+                          <a:effectLst/>
+                          <a:latin typeface="Adobe Clean" panose="020B0503020404020204" pitchFamily="34" charset="0"/>
+                        </a:rPr>
+                        <a:t>Adobe </a:t>
+                      </a:r>
+                      <a:r>
+                        <a:rPr lang="ja-JP" altLang="en-US" sz="800" u="none" strike="noStrike">
+                          <a:effectLst/>
+                          <a:latin typeface="Adobe Clean" panose="020B0503020404020204" pitchFamily="34" charset="0"/>
+                        </a:rPr>
+                        <a:t>工程部</a:t>
+                      </a:r>
+                      <a:endParaRPr lang="ko-KR" altLang="en-US" sz="800" b="0" i="0" u="none" strike="noStrike" dirty="0">
+                        <a:solidFill>
+                          <a:srgbClr val="000000"/>
+                        </a:solidFill>
+                        <a:effectLst/>
+                        <a:latin typeface="Adobe Clean" panose="020B0503020404020204" pitchFamily="34" charset="0"/>
+                      </a:endParaRPr>
+                    </a:p>
+                  </a:txBody>
+                  <a:tcPr marL="9525" marR="9525" marT="9525" marB="0">
+                    <a:solidFill>
+                      <a:schemeClr val="bg1"/>
+                    </a:solidFill>
+                  </a:tcPr>
+                </a:tc>
+                <a:extLst>
+                  <a:ext uri="{0D108BD9-81ED-4DB2-BD59-A6C34878D82A}">
+                    <a16:rowId xmlns:a16="http://schemas.microsoft.com/office/drawing/2014/main" val="2771767287"/>
+                  </a:ext>
+                </a:extLst>
+              </a:tr>
+            </a:tbl>
+          </a:graphicData>
+        </a:graphic>
+      </p:graphicFrame>
+      <p:graphicFrame>
+        <p:nvGraphicFramePr>
+          <p:cNvPr id="60" name="Table 59">
+            <a:extLst>
+              <a:ext uri="{FF2B5EF4-FFF2-40B4-BE49-F238E27FC236}">
+                <a16:creationId xmlns:a16="http://schemas.microsoft.com/office/drawing/2014/main" id="{327181CE-49A8-8149-8221-3C76F17C0097}"/>
+              </a:ext>
+            </a:extLst>
+          </p:cNvPr>
+          <p:cNvGraphicFramePr>
+            <a:graphicFrameLocks noGrp="1"/>
+          </p:cNvGraphicFramePr>
+          <p:nvPr>
+            <p:extLst>
+              <p:ext uri="{D42A27DB-BD31-4B8C-83A1-F6EECF244321}">
+                <p14:modId xmlns:p14="http://schemas.microsoft.com/office/powerpoint/2010/main" val="1723946882"/>
+              </p:ext>
+            </p:extLst>
+          </p:nvPr>
+        </p:nvGraphicFramePr>
+        <p:xfrm>
+          <a:off x="2819400" y="8382000"/>
+          <a:ext cx="609600" cy="457200"/>
+        </p:xfrm>
+        <a:graphic>
+          <a:graphicData uri="http://schemas.openxmlformats.org/drawingml/2006/table">
+            <a:tbl>
+              <a:tblPr>
+                <a:tableStyleId>{5C22544A-7EE6-4342-B048-85BDC9FD1C3A}</a:tableStyleId>
+              </a:tblPr>
+              <a:tblGrid>
+                <a:gridCol w="609600">
+                  <a:extLst>
+                    <a:ext uri="{9D8B030D-6E8A-4147-A177-3AD203B41FA5}">
+                      <a16:colId xmlns:a16="http://schemas.microsoft.com/office/drawing/2014/main" val="1835503658"/>
+                    </a:ext>
+                  </a:extLst>
+                </a:gridCol>
+              </a:tblGrid>
+              <a:tr h="457200">
+                <a:tc>
+                  <a:txBody>
+                    <a:bodyPr/>
+                    <a:lstStyle/>
+                    <a:p>
+                      <a:pPr algn="ctr" fontAlgn="b"/>
+                      <a:r>
+                        <a:rPr lang="ko-KR" altLang="en-US" sz="800" u="none" strike="noStrike" dirty="0" err="1">
+                          <a:effectLst/>
+                          <a:latin typeface="Adobe Clean" panose="020B0503020404020204" pitchFamily="34" charset="0"/>
+                        </a:rPr>
+                        <a:t>含建議後續步驟的上市後摘要</a:t>
+                      </a:r>
+                      <a:endParaRPr lang="ko-KR" altLang="en-US" sz="800" b="0" i="0" u="none" strike="noStrike" dirty="0">
+                        <a:solidFill>
+                          <a:srgbClr val="000000"/>
+                        </a:solidFill>
+                        <a:effectLst/>
+                        <a:latin typeface="Adobe Clean" panose="020B0503020404020204" pitchFamily="34" charset="0"/>
+                      </a:endParaRPr>
+                    </a:p>
+                  </a:txBody>
+                  <a:tcPr marL="9525" marR="9525" marT="9525" marB="0">
+                    <a:solidFill>
+                      <a:schemeClr val="bg1"/>
+                    </a:solidFill>
+                  </a:tcPr>
+                </a:tc>
+                <a:extLst>
+                  <a:ext uri="{0D108BD9-81ED-4DB2-BD59-A6C34878D82A}">
+                    <a16:rowId xmlns:a16="http://schemas.microsoft.com/office/drawing/2014/main" val="2771767287"/>
+                  </a:ext>
+                </a:extLst>
+              </a:tr>
+            </a:tbl>
+          </a:graphicData>
+        </a:graphic>
+      </p:graphicFrame>
+      <p:graphicFrame>
+        <p:nvGraphicFramePr>
+          <p:cNvPr id="61" name="Table 60">
+            <a:extLst>
+              <a:ext uri="{FF2B5EF4-FFF2-40B4-BE49-F238E27FC236}">
+                <a16:creationId xmlns:a16="http://schemas.microsoft.com/office/drawing/2014/main" id="{C07857BB-4637-6845-B272-8BC9FF3E24B0}"/>
+              </a:ext>
+            </a:extLst>
+          </p:cNvPr>
+          <p:cNvGraphicFramePr>
+            <a:graphicFrameLocks noGrp="1"/>
+          </p:cNvGraphicFramePr>
+          <p:nvPr>
+            <p:extLst>
+              <p:ext uri="{D42A27DB-BD31-4B8C-83A1-F6EECF244321}">
+                <p14:modId xmlns:p14="http://schemas.microsoft.com/office/powerpoint/2010/main" val="4200467323"/>
+              </p:ext>
+            </p:extLst>
+          </p:nvPr>
+        </p:nvGraphicFramePr>
+        <p:xfrm>
+          <a:off x="2057400" y="9296400"/>
+          <a:ext cx="609600" cy="457200"/>
+        </p:xfrm>
+        <a:graphic>
+          <a:graphicData uri="http://schemas.openxmlformats.org/drawingml/2006/table">
+            <a:tbl>
+              <a:tblPr>
+                <a:tableStyleId>{5C22544A-7EE6-4342-B048-85BDC9FD1C3A}</a:tableStyleId>
+              </a:tblPr>
+              <a:tblGrid>
+                <a:gridCol w="609600">
+                  <a:extLst>
+                    <a:ext uri="{9D8B030D-6E8A-4147-A177-3AD203B41FA5}">
+                      <a16:colId xmlns:a16="http://schemas.microsoft.com/office/drawing/2014/main" val="1835503658"/>
+                    </a:ext>
+                  </a:extLst>
+                </a:gridCol>
+              </a:tblGrid>
+              <a:tr h="457200">
+                <a:tc>
+                  <a:txBody>
+                    <a:bodyPr/>
+                    <a:lstStyle/>
+                    <a:p>
+                      <a:pPr algn="ctr" fontAlgn="b"/>
+                      <a:r>
+                        <a:rPr lang="ko-KR" altLang="en-US" sz="800" u="none" strike="noStrike" dirty="0" err="1">
+                          <a:effectLst/>
+                          <a:latin typeface="Adobe Clean" panose="020B0503020404020204" pitchFamily="34" charset="0"/>
+                        </a:rPr>
+                        <a:t>上線整備</a:t>
+                      </a:r>
+                      <a:r>
+                        <a:rPr lang="ko-KR" altLang="en-US" sz="800" u="none" strike="noStrike" dirty="0">
+                          <a:effectLst/>
+                          <a:latin typeface="Adobe Clean" panose="020B0503020404020204" pitchFamily="34" charset="0"/>
+                        </a:rPr>
+                        <a:t> </a:t>
+                      </a:r>
+                      <a:r>
+                        <a:rPr lang="en-US" altLang="ko-KR" sz="800" u="none" strike="noStrike" dirty="0">
+                          <a:effectLst/>
+                          <a:latin typeface="Adobe Clean" panose="020B0503020404020204" pitchFamily="34" charset="0"/>
+                        </a:rPr>
+                        <a:t>+ </a:t>
+                      </a:r>
+                      <a:r>
+                        <a:rPr lang="ko-KR" altLang="en-US" sz="800" u="none" strike="noStrike" dirty="0" err="1">
+                          <a:effectLst/>
+                          <a:latin typeface="Adobe Clean" panose="020B0503020404020204" pitchFamily="34" charset="0"/>
+                        </a:rPr>
+                        <a:t>效能最佳化</a:t>
+                      </a:r>
+                      <a:endParaRPr lang="ko-KR" altLang="en-US" sz="800" b="0" i="0" u="none" strike="noStrike" dirty="0">
+                        <a:solidFill>
+                          <a:srgbClr val="000000"/>
+                        </a:solidFill>
+                        <a:effectLst/>
+                        <a:latin typeface="Adobe Clean" panose="020B0503020404020204" pitchFamily="34" charset="0"/>
+                      </a:endParaRPr>
+                    </a:p>
+                  </a:txBody>
+                  <a:tcPr marL="9525" marR="9525" marT="9525" marB="0">
+                    <a:solidFill>
+                      <a:schemeClr val="bg1"/>
+                    </a:solidFill>
+                  </a:tcPr>
+                </a:tc>
+                <a:extLst>
+                  <a:ext uri="{0D108BD9-81ED-4DB2-BD59-A6C34878D82A}">
+                    <a16:rowId xmlns:a16="http://schemas.microsoft.com/office/drawing/2014/main" val="2771767287"/>
+                  </a:ext>
+                </a:extLst>
+              </a:tr>
+            </a:tbl>
+          </a:graphicData>
+        </a:graphic>
+      </p:graphicFrame>
+      <p:graphicFrame>
+        <p:nvGraphicFramePr>
+          <p:cNvPr id="62" name="Table 61">
+            <a:extLst>
+              <a:ext uri="{FF2B5EF4-FFF2-40B4-BE49-F238E27FC236}">
+                <a16:creationId xmlns:a16="http://schemas.microsoft.com/office/drawing/2014/main" id="{2799E0FA-6893-6346-9F35-16E4E6FC7820}"/>
+              </a:ext>
+            </a:extLst>
+          </p:cNvPr>
+          <p:cNvGraphicFramePr>
+            <a:graphicFrameLocks noGrp="1"/>
+          </p:cNvGraphicFramePr>
+          <p:nvPr>
+            <p:extLst>
+              <p:ext uri="{D42A27DB-BD31-4B8C-83A1-F6EECF244321}">
+                <p14:modId xmlns:p14="http://schemas.microsoft.com/office/powerpoint/2010/main" val="3540433435"/>
+              </p:ext>
+            </p:extLst>
+          </p:nvPr>
+        </p:nvGraphicFramePr>
+        <p:xfrm>
+          <a:off x="990600" y="9296400"/>
+          <a:ext cx="609600" cy="457200"/>
+        </p:xfrm>
+        <a:graphic>
+          <a:graphicData uri="http://schemas.openxmlformats.org/drawingml/2006/table">
+            <a:tbl>
+              <a:tblPr>
+                <a:tableStyleId>{5C22544A-7EE6-4342-B048-85BDC9FD1C3A}</a:tableStyleId>
+              </a:tblPr>
+              <a:tblGrid>
+                <a:gridCol w="609600">
+                  <a:extLst>
+                    <a:ext uri="{9D8B030D-6E8A-4147-A177-3AD203B41FA5}">
+                      <a16:colId xmlns:a16="http://schemas.microsoft.com/office/drawing/2014/main" val="1835503658"/>
+                    </a:ext>
+                  </a:extLst>
+                </a:gridCol>
+              </a:tblGrid>
+              <a:tr h="457200">
+                <a:tc>
+                  <a:txBody>
+                    <a:bodyPr/>
+                    <a:lstStyle/>
+                    <a:p>
+                      <a:pPr algn="ctr" fontAlgn="b"/>
+                      <a:r>
+                        <a:rPr lang="ko-KR" altLang="en-US" sz="800" u="none" strike="noStrike" dirty="0">
+                          <a:effectLst/>
+                          <a:latin typeface="Adobe Clean" panose="020B0503020404020204" pitchFamily="34" charset="0"/>
+                        </a:rPr>
+                        <a:t> </a:t>
+                      </a:r>
+                      <a:r>
+                        <a:rPr lang="ko-KR" altLang="en-US" sz="800" u="none" strike="noStrike" dirty="0" err="1">
+                          <a:effectLst/>
+                          <a:latin typeface="Adobe Clean" panose="020B0503020404020204" pitchFamily="34" charset="0"/>
+                        </a:rPr>
+                        <a:t>架構審核</a:t>
+                      </a:r>
+                      <a:r>
+                        <a:rPr lang="ko-KR" altLang="en-US" sz="800" u="none" strike="noStrike" dirty="0">
+                          <a:effectLst/>
+                          <a:latin typeface="Adobe Clean" panose="020B0503020404020204" pitchFamily="34" charset="0"/>
+                        </a:rPr>
+                        <a:t> </a:t>
+                      </a:r>
+                      <a:r>
+                        <a:rPr lang="en-US" altLang="ko-KR" sz="800" u="none" strike="noStrike" dirty="0">
+                          <a:effectLst/>
+                          <a:latin typeface="Adobe Clean" panose="020B0503020404020204" pitchFamily="34" charset="0"/>
+                        </a:rPr>
+                        <a:t>+ </a:t>
+                      </a:r>
+                      <a:r>
+                        <a:rPr lang="ko-KR" altLang="en-US" sz="800" u="none" strike="noStrike" dirty="0" err="1">
+                          <a:effectLst/>
+                          <a:latin typeface="Adobe Clean" panose="020B0503020404020204" pitchFamily="34" charset="0"/>
+                        </a:rPr>
+                        <a:t>指導方針</a:t>
+                      </a:r>
+                      <a:endParaRPr lang="ko-KR" altLang="en-US" sz="800" b="0" i="0" u="none" strike="noStrike" dirty="0">
+                        <a:solidFill>
+                          <a:srgbClr val="000000"/>
+                        </a:solidFill>
+                        <a:effectLst/>
+                        <a:latin typeface="Adobe Clean" panose="020B0503020404020204" pitchFamily="34" charset="0"/>
+                      </a:endParaRPr>
+                    </a:p>
+                  </a:txBody>
+                  <a:tcPr marL="9525" marR="9525" marT="9525" marB="0">
+                    <a:solidFill>
+                      <a:schemeClr val="bg1"/>
+                    </a:solidFill>
+                  </a:tcPr>
+                </a:tc>
+                <a:extLst>
+                  <a:ext uri="{0D108BD9-81ED-4DB2-BD59-A6C34878D82A}">
+                    <a16:rowId xmlns:a16="http://schemas.microsoft.com/office/drawing/2014/main" val="2771767287"/>
+                  </a:ext>
+                </a:extLst>
+              </a:tr>
+            </a:tbl>
+          </a:graphicData>
+        </a:graphic>
+      </p:graphicFrame>
+      <p:graphicFrame>
+        <p:nvGraphicFramePr>
+          <p:cNvPr id="69" name="Table 68">
+            <a:extLst>
+              <a:ext uri="{FF2B5EF4-FFF2-40B4-BE49-F238E27FC236}">
+                <a16:creationId xmlns:a16="http://schemas.microsoft.com/office/drawing/2014/main" id="{68105F28-6ACE-FA41-8C62-E1DC71761C64}"/>
+              </a:ext>
+            </a:extLst>
+          </p:cNvPr>
+          <p:cNvGraphicFramePr>
+            <a:graphicFrameLocks noGrp="1"/>
+          </p:cNvGraphicFramePr>
+          <p:nvPr>
+            <p:extLst>
+              <p:ext uri="{D42A27DB-BD31-4B8C-83A1-F6EECF244321}">
+                <p14:modId xmlns:p14="http://schemas.microsoft.com/office/powerpoint/2010/main" val="3972576377"/>
+              </p:ext>
+            </p:extLst>
+          </p:nvPr>
+        </p:nvGraphicFramePr>
+        <p:xfrm>
+          <a:off x="304800" y="8382000"/>
+          <a:ext cx="609600" cy="457200"/>
+        </p:xfrm>
+        <a:graphic>
+          <a:graphicData uri="http://schemas.openxmlformats.org/drawingml/2006/table">
+            <a:tbl>
+              <a:tblPr>
+                <a:tableStyleId>{5C22544A-7EE6-4342-B048-85BDC9FD1C3A}</a:tableStyleId>
+              </a:tblPr>
+              <a:tblGrid>
+                <a:gridCol w="609600">
+                  <a:extLst>
+                    <a:ext uri="{9D8B030D-6E8A-4147-A177-3AD203B41FA5}">
+                      <a16:colId xmlns:a16="http://schemas.microsoft.com/office/drawing/2014/main" val="1835503658"/>
+                    </a:ext>
+                  </a:extLst>
+                </a:gridCol>
+              </a:tblGrid>
+              <a:tr h="457200">
+                <a:tc>
+                  <a:txBody>
+                    <a:bodyPr/>
+                    <a:lstStyle/>
+                    <a:p>
+                      <a:pPr algn="ctr" fontAlgn="b"/>
+                      <a:r>
+                        <a:rPr lang="ko-KR" altLang="en-US" sz="800" u="none" strike="noStrike" dirty="0" err="1">
+                          <a:effectLst/>
+                          <a:latin typeface="Adobe Clean" panose="020B0503020404020204" pitchFamily="34" charset="0"/>
+                        </a:rPr>
+                        <a:t>專案藍圖</a:t>
+                      </a:r>
+                      <a:r>
+                        <a:rPr lang="ko-KR" altLang="en-US" sz="800" u="none" strike="noStrike" dirty="0">
+                          <a:effectLst/>
+                          <a:latin typeface="Adobe Clean" panose="020B0503020404020204" pitchFamily="34" charset="0"/>
+                        </a:rPr>
+                        <a:t> </a:t>
+                      </a:r>
+                      <a:r>
+                        <a:rPr lang="en-US" altLang="ko-KR" sz="800" u="none" strike="noStrike" dirty="0">
+                          <a:effectLst/>
+                          <a:latin typeface="Adobe Clean" panose="020B0503020404020204" pitchFamily="34" charset="0"/>
+                        </a:rPr>
+                        <a:t>+ </a:t>
+                      </a:r>
+                      <a:r>
+                        <a:rPr lang="ko-KR" altLang="en-US" sz="800" u="none" strike="noStrike" dirty="0" err="1">
+                          <a:effectLst/>
+                          <a:latin typeface="Adobe Clean" panose="020B0503020404020204" pitchFamily="34" charset="0"/>
+                        </a:rPr>
+                        <a:t>規劃</a:t>
+                      </a:r>
+                      <a:endParaRPr lang="ko-KR" altLang="en-US" sz="800" b="0" i="0" u="none" strike="noStrike" dirty="0">
+                        <a:solidFill>
+                          <a:srgbClr val="000000"/>
+                        </a:solidFill>
+                        <a:effectLst/>
+                        <a:latin typeface="Adobe Clean" panose="020B0503020404020204" pitchFamily="34" charset="0"/>
+                      </a:endParaRPr>
+                    </a:p>
+                  </a:txBody>
+                  <a:tcPr marL="9525" marR="9525" marT="9525" marB="0">
+                    <a:solidFill>
+                      <a:schemeClr val="bg1"/>
+                    </a:solidFill>
+                  </a:tcPr>
+                </a:tc>
+                <a:extLst>
+                  <a:ext uri="{0D108BD9-81ED-4DB2-BD59-A6C34878D82A}">
+                    <a16:rowId xmlns:a16="http://schemas.microsoft.com/office/drawing/2014/main" val="2771767287"/>
+                  </a:ext>
+                </a:extLst>
+              </a:tr>
+            </a:tbl>
+          </a:graphicData>
+        </a:graphic>
+      </p:graphicFrame>
+      <p:graphicFrame>
+        <p:nvGraphicFramePr>
+          <p:cNvPr id="70" name="Table 69">
+            <a:extLst>
+              <a:ext uri="{FF2B5EF4-FFF2-40B4-BE49-F238E27FC236}">
+                <a16:creationId xmlns:a16="http://schemas.microsoft.com/office/drawing/2014/main" id="{55F858BD-A106-3341-85DF-5461164CF9E2}"/>
+              </a:ext>
+            </a:extLst>
+          </p:cNvPr>
+          <p:cNvGraphicFramePr>
+            <a:graphicFrameLocks noGrp="1"/>
+          </p:cNvGraphicFramePr>
+          <p:nvPr>
+            <p:extLst>
+              <p:ext uri="{D42A27DB-BD31-4B8C-83A1-F6EECF244321}">
+                <p14:modId xmlns:p14="http://schemas.microsoft.com/office/powerpoint/2010/main" val="4202845023"/>
+              </p:ext>
+            </p:extLst>
+          </p:nvPr>
+        </p:nvGraphicFramePr>
+        <p:xfrm>
+          <a:off x="609600" y="7239000"/>
+          <a:ext cx="609600" cy="497205"/>
+        </p:xfrm>
+        <a:graphic>
+          <a:graphicData uri="http://schemas.openxmlformats.org/drawingml/2006/table">
+            <a:tbl>
+              <a:tblPr>
+                <a:tableStyleId>{5C22544A-7EE6-4342-B048-85BDC9FD1C3A}</a:tableStyleId>
+              </a:tblPr>
+              <a:tblGrid>
+                <a:gridCol w="609600">
+                  <a:extLst>
+                    <a:ext uri="{9D8B030D-6E8A-4147-A177-3AD203B41FA5}">
+                      <a16:colId xmlns:a16="http://schemas.microsoft.com/office/drawing/2014/main" val="1835503658"/>
+                    </a:ext>
+                  </a:extLst>
+                </a:gridCol>
+              </a:tblGrid>
+              <a:tr h="457200">
+                <a:tc>
+                  <a:txBody>
+                    <a:bodyPr/>
+                    <a:lstStyle/>
+                    <a:p>
+                      <a:pPr algn="ctr" fontAlgn="b"/>
+                      <a:r>
+                        <a:rPr lang="ko-KR" altLang="en-US" sz="800" u="none" strike="noStrike" dirty="0" err="1">
+                          <a:effectLst/>
+                          <a:latin typeface="Adobe Clean" panose="020B0503020404020204" pitchFamily="34" charset="0"/>
+                        </a:rPr>
+                        <a:t>從數以千計的部署和整合中獲得經驗</a:t>
+                      </a:r>
+                      <a:endParaRPr lang="ko-KR" altLang="en-US" sz="800" b="0" i="0" u="none" strike="noStrike" dirty="0">
+                        <a:solidFill>
+                          <a:srgbClr val="000000"/>
+                        </a:solidFill>
+                        <a:effectLst/>
+                        <a:latin typeface="Adobe Clean" panose="020B0503020404020204" pitchFamily="34" charset="0"/>
+                      </a:endParaRPr>
+                    </a:p>
+                  </a:txBody>
+                  <a:tcPr marL="9525" marR="9525" marT="9525" marB="0">
+                    <a:solidFill>
+                      <a:schemeClr val="bg1"/>
+                    </a:solidFill>
+                  </a:tcPr>
+                </a:tc>
+                <a:extLst>
+                  <a:ext uri="{0D108BD9-81ED-4DB2-BD59-A6C34878D82A}">
+                    <a16:rowId xmlns:a16="http://schemas.microsoft.com/office/drawing/2014/main" val="2771767287"/>
+                  </a:ext>
+                </a:extLst>
+              </a:tr>
+            </a:tbl>
+          </a:graphicData>
+        </a:graphic>
+      </p:graphicFrame>
     </p:spTree>
     <p:extLst>
       <p:ext uri="{BB962C8B-B14F-4D97-AF65-F5344CB8AC3E}">
@@ -15352,17 +14095,17 @@
               </a:lnSpc>
             </a:pPr>
             <a:r>
-              <a:rPr sz="500" spc="-5">
+              <a:rPr lang="de-de" sz="500" spc="-5" dirty="0">
                 <a:solidFill>
                   <a:srgbClr val="6C6C6C"/>
                 </a:solidFill>
                 <a:latin typeface="Adobe Clean"/>
                 <a:cs typeface="Adobe Clean"/>
               </a:rPr>
-              <a:t>©2020 Adobe. All Rights Reserved. </a:t>
-            </a:r>
-            <a:r>
-              <a:rPr sz="500">
+              <a:t>© 2020 Adobe. All rights reserved.</a:t>
+            </a:r>
+            <a:r>
+              <a:rPr lang="de-de" sz="500" dirty="0">
                 <a:solidFill>
                   <a:srgbClr val="6C6C6C"/>
                 </a:solidFill>
@@ -15372,7 +14115,7 @@
               <a:t>Adobe</a:t>
             </a:r>
             <a:r>
-              <a:rPr sz="500" spc="5">
+              <a:rPr lang="de-de" sz="500" spc="5" dirty="0">
                 <a:solidFill>
                   <a:srgbClr val="6C6C6C"/>
                 </a:solidFill>
@@ -15382,14 +14125,14 @@
               <a:t> </a:t>
             </a:r>
             <a:r>
-              <a:rPr sz="500" spc="-5">
+              <a:rPr lang="de-de" sz="500" spc="-5" dirty="0">
                 <a:solidFill>
                   <a:srgbClr val="6C6C6C"/>
                 </a:solidFill>
                 <a:latin typeface="Adobe Clean"/>
                 <a:cs typeface="Adobe Clean"/>
               </a:rPr>
-              <a:t>Confidential.</a:t>
+              <a:t> 機密資訊。</a:t>
             </a:r>
             <a:endParaRPr sz="500">
               <a:latin typeface="Adobe Clean"/>
@@ -15420,17 +14163,17 @@
               </a:spcBef>
             </a:pPr>
             <a:r>
-              <a:rPr sz="800" spc="-5">
+              <a:rPr lang="de-de" sz="800" spc="-5" dirty="0">
                 <a:solidFill>
                   <a:srgbClr val="6D6D6D"/>
                 </a:solidFill>
                 <a:latin typeface="Adobe Clean"/>
                 <a:cs typeface="Adobe Clean"/>
               </a:rPr>
-              <a:t>©2020 Adobe. All Rights Reserved. Adobe</a:t>
-            </a:r>
-            <a:r>
-              <a:rPr sz="800" spc="75">
+              <a:t>© 2020 Adobe. All rights reserved.Adobe</a:t>
+            </a:r>
+            <a:r>
+              <a:rPr lang="de-de" sz="800" spc="75" dirty="0">
                 <a:solidFill>
                   <a:srgbClr val="6D6D6D"/>
                 </a:solidFill>
@@ -15440,14 +14183,14 @@
               <a:t> </a:t>
             </a:r>
             <a:r>
-              <a:rPr sz="800" spc="-5">
+              <a:rPr lang="de-de" sz="800" spc="-5" dirty="0">
                 <a:solidFill>
                   <a:srgbClr val="6D6D6D"/>
                 </a:solidFill>
                 <a:latin typeface="Adobe Clean"/>
                 <a:cs typeface="Adobe Clean"/>
               </a:rPr>
-              <a:t>Confidential.</a:t>
+              <a:t>機密資訊。</a:t>
             </a:r>
             <a:endParaRPr sz="800">
               <a:latin typeface="Adobe Clean"/>
@@ -15536,16 +14279,16 @@
               </a:spcBef>
             </a:pPr>
             <a:r>
-              <a:rPr lang="en-US" sz="1400" b="1" spc="-15">
+              <a:rPr lang="de-de" sz="1400" b="1" spc="-15" dirty="0">
                 <a:solidFill>
                   <a:srgbClr val="020302"/>
                 </a:solidFill>
                 <a:latin typeface="Adobe Clean"/>
                 <a:cs typeface="Adobe Clean"/>
               </a:rPr>
-              <a:t>Resources</a:t>
-            </a:r>
-            <a:endParaRPr sz="1400">
+              <a:t>資源</a:t>
+            </a:r>
+            <a:endParaRPr sz="1400" dirty="0">
               <a:latin typeface="Adobe Clean"/>
               <a:cs typeface="Adobe Clean"/>
             </a:endParaRPr>
@@ -15582,7 +14325,7 @@
               </a:spcBef>
             </a:pPr>
             <a:r>
-              <a:rPr sz="800" spc="-15">
+              <a:rPr lang="de-de" sz="800" spc="-15" dirty="0">
                 <a:solidFill>
                   <a:srgbClr val="777879"/>
                 </a:solidFill>
@@ -15603,7 +14346,7 @@
               </a:lnSpc>
             </a:pPr>
             <a:r>
-              <a:rPr sz="800" spc="-15">
+              <a:rPr lang="de-de" sz="800" spc="-15" dirty="0">
                 <a:solidFill>
                   <a:srgbClr val="777879"/>
                 </a:solidFill>
@@ -15613,7 +14356,7 @@
               <a:t>345 Park</a:t>
             </a:r>
             <a:r>
-              <a:rPr sz="800" spc="-100">
+              <a:rPr lang="de-de" sz="800" spc="-100" dirty="0">
                 <a:solidFill>
                   <a:srgbClr val="777879"/>
                 </a:solidFill>
@@ -15623,7 +14366,7 @@
               <a:t> </a:t>
             </a:r>
             <a:r>
-              <a:rPr sz="800" spc="-15">
+              <a:rPr lang="de-de" sz="800" spc="-15" dirty="0">
                 <a:solidFill>
                   <a:srgbClr val="777879"/>
                 </a:solidFill>
@@ -15644,7 +14387,7 @@
               </a:lnSpc>
             </a:pPr>
             <a:r>
-              <a:rPr sz="800" spc="-10">
+              <a:rPr lang="de-de" sz="800" spc="-10" dirty="0">
                 <a:solidFill>
                   <a:srgbClr val="777879"/>
                 </a:solidFill>
@@ -15654,7 +14397,7 @@
               <a:t>San </a:t>
             </a:r>
             <a:r>
-              <a:rPr sz="800" spc="-15">
+              <a:rPr lang="de-de" sz="800" spc="-15" dirty="0">
                 <a:solidFill>
                   <a:srgbClr val="777879"/>
                 </a:solidFill>
@@ -15664,7 +14407,7 @@
               <a:t>Jose,</a:t>
             </a:r>
             <a:r>
-              <a:rPr sz="800" spc="-140">
+              <a:rPr lang="de-de" sz="800" spc="-140" dirty="0">
                 <a:solidFill>
                   <a:srgbClr val="777879"/>
                 </a:solidFill>
@@ -15674,7 +14417,7 @@
               <a:t> </a:t>
             </a:r>
             <a:r>
-              <a:rPr sz="800" spc="-20">
+              <a:rPr lang="de-de" sz="800" spc="-20" dirty="0">
                 <a:solidFill>
                   <a:srgbClr val="777879"/>
                 </a:solidFill>
@@ -15698,7 +14441,7 @@
               </a:spcBef>
             </a:pPr>
             <a:r>
-              <a:rPr sz="800" spc="-10">
+              <a:rPr lang="de-de" sz="800" spc="-10" dirty="0">
                 <a:solidFill>
                   <a:srgbClr val="777879"/>
                 </a:solidFill>
@@ -15722,7 +14465,7 @@
               </a:spcBef>
             </a:pPr>
             <a:r>
-              <a:rPr sz="800" u="sng" spc="-25">
+              <a:rPr lang="de-de" sz="800" u="sng" spc="-25" dirty="0">
                 <a:solidFill>
                   <a:srgbClr val="5F5F5F"/>
                 </a:solidFill>
@@ -15735,7 +14478,7 @@
                 <a:cs typeface="Adobe Clean"/>
                 <a:hlinkClick r:id="rId3"/>
               </a:rPr>
-              <a:t>www.adobe.com</a:t>
+              <a:t>www.adobe.com/tw/</a:t>
             </a:r>
             <a:endParaRPr sz="800">
               <a:latin typeface="Adobe Clean"/>
@@ -15915,37 +14658,37 @@
               </a:spcBef>
             </a:pPr>
             <a:r>
-              <a:rPr sz="1100" i="1" spc="-10">
+              <a:rPr lang="de-de" sz="1100" i="1" spc="-10">
                 <a:solidFill>
                   <a:srgbClr val="777879"/>
                 </a:solidFill>
                 <a:latin typeface="AdobeClean-LightIt"/>
                 <a:cs typeface="AdobeClean-LightIt"/>
               </a:rPr>
-              <a:t>To</a:t>
-            </a:r>
-            <a:r>
-              <a:rPr sz="1100" i="1" spc="-50">
+              <a:t>如需</a:t>
+            </a:r>
+            <a:r>
+              <a:rPr lang="de-de" sz="1100" i="1" spc="-15">
                 <a:solidFill>
                   <a:srgbClr val="777879"/>
                 </a:solidFill>
                 <a:latin typeface="AdobeClean-LightIt"/>
                 <a:cs typeface="AdobeClean-LightIt"/>
               </a:rPr>
-              <a:t> </a:t>
-            </a:r>
-            <a:r>
-              <a:rPr sz="1100" i="1" spc="-15">
+              <a:t>了解</a:t>
+            </a:r>
+            <a:r>
+              <a:rPr lang="de-de" sz="1100" i="1" spc="-40">
                 <a:solidFill>
                   <a:srgbClr val="777879"/>
                 </a:solidFill>
                 <a:latin typeface="AdobeClean-LightIt"/>
                 <a:cs typeface="AdobeClean-LightIt"/>
               </a:rPr>
-              <a:t>learn</a:t>
-            </a:r>
-            <a:r>
-              <a:rPr sz="1100" i="1" spc="-40">
+              <a:t> </a:t>
+            </a:r>
+            <a:r>
+              <a:rPr lang="de-de" sz="1100" i="1" spc="-45">
                 <a:solidFill>
                   <a:srgbClr val="777879"/>
                 </a:solidFill>
@@ -15955,17 +14698,17 @@
               <a:t> </a:t>
             </a:r>
             <a:r>
-              <a:rPr sz="1100" i="1" spc="-15">
+              <a:rPr lang="de-de" sz="1100" i="1" spc="-15">
                 <a:solidFill>
                   <a:srgbClr val="777879"/>
                 </a:solidFill>
                 <a:latin typeface="AdobeClean-LightIt"/>
                 <a:cs typeface="AdobeClean-LightIt"/>
               </a:rPr>
-              <a:t>more</a:t>
-            </a:r>
-            <a:r>
-              <a:rPr sz="1100" i="1" spc="-45">
+              <a:t>Adobe</a:t>
+            </a:r>
+            <a:r>
+              <a:rPr lang="de-de" sz="1100" i="1" spc="-60">
                 <a:solidFill>
                   <a:srgbClr val="777879"/>
                 </a:solidFill>
@@ -15975,366 +14718,126 @@
               <a:t> </a:t>
             </a:r>
             <a:r>
-              <a:rPr sz="1100" i="1" spc="-15">
+              <a:rPr lang="de-de" sz="1100" i="1" spc="-15">
                 <a:solidFill>
                   <a:srgbClr val="777879"/>
                 </a:solidFill>
                 <a:latin typeface="AdobeClean-LightIt"/>
                 <a:cs typeface="AdobeClean-LightIt"/>
               </a:rPr>
-              <a:t>about</a:t>
-            </a:r>
-            <a:r>
-              <a:rPr sz="1100" i="1" spc="-45">
+              <a:t>支援方案</a:t>
+            </a:r>
+            <a:r>
+              <a:rPr lang="de-de" sz="1100" i="1" spc="-75">
                 <a:solidFill>
                   <a:srgbClr val="777879"/>
                 </a:solidFill>
                 <a:latin typeface="AdobeClean-LightIt"/>
                 <a:cs typeface="AdobeClean-LightIt"/>
               </a:rPr>
-              <a:t> </a:t>
-            </a:r>
-            <a:r>
-              <a:rPr sz="1100" i="1" spc="-15">
+              <a:t>的詳細資訊</a:t>
+            </a:r>
+            <a:r>
+              <a:rPr lang="de-de" sz="1100" i="1" spc="-15">
                 <a:solidFill>
                   <a:srgbClr val="777879"/>
                 </a:solidFill>
                 <a:latin typeface="AdobeClean-LightIt"/>
                 <a:cs typeface="AdobeClean-LightIt"/>
               </a:rPr>
-              <a:t>Adobe</a:t>
-            </a:r>
-            <a:r>
-              <a:rPr sz="1100" i="1" spc="-60">
+              <a:t>以及適合您的層級，請聯絡您指定的</a:t>
+            </a:r>
+            <a:r>
+              <a:rPr lang="de-de" sz="1100" i="1" spc="-25">
                 <a:solidFill>
                   <a:srgbClr val="777879"/>
                 </a:solidFill>
                 <a:latin typeface="AdobeClean-LightIt"/>
                 <a:cs typeface="AdobeClean-LightIt"/>
               </a:rPr>
-              <a:t> </a:t>
-            </a:r>
-            <a:r>
-              <a:rPr sz="1100" i="1" spc="-15">
+              <a:t>帳戶</a:t>
+            </a:r>
+            <a:r>
+              <a:rPr lang="de-de" sz="1100" i="1" spc="-20">
                 <a:solidFill>
                   <a:srgbClr val="777879"/>
                 </a:solidFill>
                 <a:latin typeface="AdobeClean-LightIt"/>
                 <a:cs typeface="AdobeClean-LightIt"/>
               </a:rPr>
-              <a:t>Support</a:t>
-            </a:r>
-            <a:r>
-              <a:rPr lang="en-US" sz="1100" i="1" spc="-15">
+              <a:t>經理 </a:t>
+            </a:r>
+            <a:r>
+              <a:rPr lang="de-de" sz="1100" i="1" spc="-15" dirty="0">
                 <a:solidFill>
                   <a:srgbClr val="777879"/>
                 </a:solidFill>
                 <a:latin typeface="AdobeClean-LightIt"/>
                 <a:cs typeface="AdobeClean-LightIt"/>
               </a:rPr>
-              <a:t> Offerings</a:t>
-            </a:r>
-            <a:r>
-              <a:rPr sz="1100" i="1" spc="-75">
+              <a:t>(NAM</a:t>
+            </a:r>
+            <a:r>
+              <a:rPr lang="de-de" sz="1100" i="1" spc="-15">
                 <a:solidFill>
                   <a:srgbClr val="777879"/>
                 </a:solidFill>
                 <a:latin typeface="AdobeClean-LightIt"/>
                 <a:cs typeface="AdobeClean-LightIt"/>
               </a:rPr>
-              <a:t> </a:t>
-            </a:r>
-            <a:r>
-              <a:rPr sz="1100" i="1" spc="-15">
+              <a:t>) </a:t>
+            </a:r>
+            <a:r>
+              <a:rPr lang="de-de" sz="1100" i="1" spc="-10">
                 <a:solidFill>
                   <a:srgbClr val="777879"/>
                 </a:solidFill>
                 <a:latin typeface="AdobeClean-LightIt"/>
                 <a:cs typeface="AdobeClean-LightIt"/>
               </a:rPr>
-              <a:t>and</a:t>
-            </a:r>
-            <a:r>
-              <a:rPr sz="1100" i="1" spc="-50">
+              <a:t>或</a:t>
+            </a:r>
+            <a:r>
+              <a:rPr lang="de-de" sz="1100" i="1" spc="-15">
                 <a:solidFill>
                   <a:srgbClr val="777879"/>
                 </a:solidFill>
                 <a:latin typeface="AdobeClean-LightIt"/>
                 <a:cs typeface="AdobeClean-LightIt"/>
               </a:rPr>
-              <a:t> </a:t>
-            </a:r>
-            <a:r>
-              <a:rPr sz="1100" i="1" spc="-15">
+              <a:t>客戶</a:t>
+            </a:r>
+            <a:r>
+              <a:rPr lang="de-de" sz="1100" i="1" spc="-20">
                 <a:solidFill>
                   <a:srgbClr val="777879"/>
                 </a:solidFill>
                 <a:latin typeface="AdobeClean-LightIt"/>
                 <a:cs typeface="AdobeClean-LightIt"/>
               </a:rPr>
-              <a:t>the</a:t>
-            </a:r>
-            <a:r>
-              <a:rPr sz="1100" i="1" spc="-55">
+              <a:t>成功</a:t>
+            </a:r>
+            <a:r>
+              <a:rPr lang="de-de" sz="1100" i="1" spc="-15">
                 <a:solidFill>
                   <a:srgbClr val="777879"/>
                 </a:solidFill>
                 <a:latin typeface="AdobeClean-LightIt"/>
                 <a:cs typeface="AdobeClean-LightIt"/>
               </a:rPr>
-              <a:t> </a:t>
-            </a:r>
-            <a:r>
-              <a:rPr sz="1100" i="1" spc="-15">
+              <a:t>經理 </a:t>
+            </a:r>
+            <a:r>
+              <a:rPr lang="de-de" sz="1100" i="1" spc="-15" dirty="0">
                 <a:solidFill>
                   <a:srgbClr val="777879"/>
                 </a:solidFill>
                 <a:latin typeface="AdobeClean-LightIt"/>
                 <a:cs typeface="AdobeClean-LightIt"/>
               </a:rPr>
-              <a:t>right</a:t>
-            </a:r>
-            <a:r>
-              <a:rPr sz="1100" i="1" spc="-95">
-                <a:solidFill>
-                  <a:srgbClr val="777879"/>
-                </a:solidFill>
-                <a:latin typeface="AdobeClean-LightIt"/>
-                <a:cs typeface="AdobeClean-LightIt"/>
-              </a:rPr>
-              <a:t> </a:t>
-            </a:r>
-            <a:r>
-              <a:rPr sz="1100" i="1" spc="-15">
-                <a:solidFill>
-                  <a:srgbClr val="777879"/>
-                </a:solidFill>
-                <a:latin typeface="AdobeClean-LightIt"/>
-                <a:cs typeface="AdobeClean-LightIt"/>
-              </a:rPr>
-              <a:t>level</a:t>
-            </a:r>
-            <a:r>
-              <a:rPr sz="1100" i="1" spc="-55">
-                <a:solidFill>
-                  <a:srgbClr val="777879"/>
-                </a:solidFill>
-                <a:latin typeface="AdobeClean-LightIt"/>
-                <a:cs typeface="AdobeClean-LightIt"/>
-              </a:rPr>
-              <a:t> </a:t>
-            </a:r>
-            <a:r>
-              <a:rPr sz="1100" i="1" spc="-15">
-                <a:solidFill>
-                  <a:srgbClr val="777879"/>
-                </a:solidFill>
-                <a:latin typeface="AdobeClean-LightIt"/>
-                <a:cs typeface="AdobeClean-LightIt"/>
-              </a:rPr>
-              <a:t>for</a:t>
-            </a:r>
-            <a:r>
-              <a:rPr sz="1100" i="1" spc="-85">
-                <a:solidFill>
-                  <a:srgbClr val="777879"/>
-                </a:solidFill>
-                <a:latin typeface="AdobeClean-LightIt"/>
-                <a:cs typeface="AdobeClean-LightIt"/>
-              </a:rPr>
-              <a:t> </a:t>
-            </a:r>
-            <a:r>
-              <a:rPr sz="1100" i="1" spc="-15">
-                <a:solidFill>
-                  <a:srgbClr val="777879"/>
-                </a:solidFill>
-                <a:latin typeface="AdobeClean-LightIt"/>
-                <a:cs typeface="AdobeClean-LightIt"/>
-              </a:rPr>
-              <a:t>you,</a:t>
-            </a:r>
-            <a:r>
-              <a:rPr sz="1100" i="1" spc="-65">
-                <a:solidFill>
-                  <a:srgbClr val="777879"/>
-                </a:solidFill>
-                <a:latin typeface="AdobeClean-LightIt"/>
-                <a:cs typeface="AdobeClean-LightIt"/>
-              </a:rPr>
-              <a:t> </a:t>
-            </a:r>
-            <a:r>
-              <a:rPr sz="1100" i="1" spc="-15">
-                <a:solidFill>
-                  <a:srgbClr val="777879"/>
-                </a:solidFill>
-                <a:latin typeface="AdobeClean-LightIt"/>
-                <a:cs typeface="AdobeClean-LightIt"/>
-              </a:rPr>
-              <a:t>contact</a:t>
-            </a:r>
-            <a:r>
-              <a:rPr sz="1100" i="1" spc="-85">
-                <a:solidFill>
-                  <a:srgbClr val="777879"/>
-                </a:solidFill>
-                <a:latin typeface="AdobeClean-LightIt"/>
-                <a:cs typeface="AdobeClean-LightIt"/>
-              </a:rPr>
-              <a:t> </a:t>
-            </a:r>
-            <a:r>
-              <a:rPr sz="1100" i="1" spc="-15">
-                <a:solidFill>
-                  <a:srgbClr val="777879"/>
-                </a:solidFill>
-                <a:latin typeface="AdobeClean-LightIt"/>
-                <a:cs typeface="AdobeClean-LightIt"/>
-              </a:rPr>
-              <a:t>your</a:t>
-            </a:r>
-            <a:r>
-              <a:rPr sz="1100" i="1" spc="-70">
-                <a:solidFill>
-                  <a:srgbClr val="777879"/>
-                </a:solidFill>
-                <a:latin typeface="AdobeClean-LightIt"/>
-                <a:cs typeface="AdobeClean-LightIt"/>
-              </a:rPr>
-              <a:t> </a:t>
-            </a:r>
-            <a:r>
-              <a:rPr sz="1100" i="1" spc="-15">
-                <a:solidFill>
-                  <a:srgbClr val="777879"/>
-                </a:solidFill>
-                <a:latin typeface="AdobeClean-LightIt"/>
-                <a:cs typeface="AdobeClean-LightIt"/>
-              </a:rPr>
-              <a:t>Named</a:t>
-            </a:r>
-            <a:r>
-              <a:rPr sz="1100" i="1" spc="-55">
-                <a:solidFill>
-                  <a:srgbClr val="777879"/>
-                </a:solidFill>
-                <a:latin typeface="AdobeClean-LightIt"/>
-                <a:cs typeface="AdobeClean-LightIt"/>
-              </a:rPr>
-              <a:t> </a:t>
-            </a:r>
-            <a:r>
-              <a:rPr sz="1100" i="1" spc="-25">
-                <a:solidFill>
-                  <a:srgbClr val="777879"/>
-                </a:solidFill>
-                <a:latin typeface="AdobeClean-LightIt"/>
-                <a:cs typeface="AdobeClean-LightIt"/>
-              </a:rPr>
-              <a:t>Account</a:t>
-            </a:r>
-            <a:r>
-              <a:rPr sz="1100" i="1" spc="-120">
-                <a:solidFill>
-                  <a:srgbClr val="777879"/>
-                </a:solidFill>
-                <a:latin typeface="AdobeClean-LightIt"/>
-                <a:cs typeface="AdobeClean-LightIt"/>
-              </a:rPr>
-              <a:t> </a:t>
-            </a:r>
-            <a:r>
-              <a:rPr sz="1100" i="1" spc="-20">
-                <a:solidFill>
-                  <a:srgbClr val="777879"/>
-                </a:solidFill>
-                <a:latin typeface="AdobeClean-LightIt"/>
-                <a:cs typeface="AdobeClean-LightIt"/>
-              </a:rPr>
-              <a:t>Manager  </a:t>
-            </a:r>
-            <a:r>
-              <a:rPr sz="1100" i="1" spc="-15">
-                <a:solidFill>
-                  <a:srgbClr val="777879"/>
-                </a:solidFill>
-                <a:latin typeface="AdobeClean-LightIt"/>
-                <a:cs typeface="AdobeClean-LightIt"/>
-              </a:rPr>
-              <a:t>(NAM) </a:t>
-            </a:r>
-            <a:r>
-              <a:rPr sz="1100" i="1" spc="-10">
-                <a:solidFill>
-                  <a:srgbClr val="777879"/>
-                </a:solidFill>
-                <a:latin typeface="AdobeClean-LightIt"/>
-                <a:cs typeface="AdobeClean-LightIt"/>
-              </a:rPr>
-              <a:t>or </a:t>
-            </a:r>
-            <a:r>
-              <a:rPr sz="1100" i="1" spc="-15">
-                <a:solidFill>
-                  <a:srgbClr val="777879"/>
-                </a:solidFill>
-                <a:latin typeface="AdobeClean-LightIt"/>
-                <a:cs typeface="AdobeClean-LightIt"/>
-              </a:rPr>
-              <a:t>Customer </a:t>
-            </a:r>
-            <a:r>
-              <a:rPr sz="1100" i="1" spc="-20">
-                <a:solidFill>
-                  <a:srgbClr val="777879"/>
-                </a:solidFill>
-                <a:latin typeface="AdobeClean-LightIt"/>
-                <a:cs typeface="AdobeClean-LightIt"/>
-              </a:rPr>
-              <a:t>Success</a:t>
-            </a:r>
-            <a:r>
-              <a:rPr sz="1100" i="1" spc="-180">
-                <a:solidFill>
-                  <a:srgbClr val="777879"/>
-                </a:solidFill>
-                <a:latin typeface="AdobeClean-LightIt"/>
-                <a:cs typeface="AdobeClean-LightIt"/>
-              </a:rPr>
-              <a:t> </a:t>
-            </a:r>
-            <a:r>
-              <a:rPr sz="1100" i="1" spc="-15">
-                <a:solidFill>
-                  <a:srgbClr val="777879"/>
-                </a:solidFill>
-                <a:latin typeface="AdobeClean-LightIt"/>
-                <a:cs typeface="AdobeClean-LightIt"/>
-              </a:rPr>
-              <a:t>Manager</a:t>
-            </a:r>
-            <a:r>
-              <a:rPr lang="en-US" sz="1100" i="1" spc="-15">
-                <a:solidFill>
-                  <a:srgbClr val="777879"/>
-                </a:solidFill>
-                <a:latin typeface="AdobeClean-LightIt"/>
-                <a:cs typeface="AdobeClean-LightIt"/>
-              </a:rPr>
-              <a:t> </a:t>
-            </a:r>
-            <a:r>
-              <a:rPr sz="1100" i="1" spc="-15">
-                <a:solidFill>
-                  <a:srgbClr val="777879"/>
-                </a:solidFill>
-                <a:latin typeface="AdobeClean-LightIt"/>
-                <a:cs typeface="AdobeClean-LightIt"/>
-              </a:rPr>
               <a:t>(CSM)</a:t>
             </a:r>
-            <a:endParaRPr sz="1100">
+            <a:endParaRPr sz="1100" dirty="0">
               <a:latin typeface="AdobeClean-LightIt"/>
               <a:cs typeface="AdobeClean-LightIt"/>
             </a:endParaRPr>
@@ -16349,56 +14852,36 @@
               </a:spcBef>
             </a:pPr>
             <a:r>
-              <a:rPr sz="800" spc="-5">
+              <a:rPr lang="de-de" sz="800" spc="-5" dirty="0">
                 <a:solidFill>
                   <a:srgbClr val="6D6D6D"/>
                 </a:solidFill>
                 <a:latin typeface="Adobe Clean"/>
                 <a:cs typeface="Adobe Clean"/>
               </a:rPr>
-              <a:t>©202</a:t>
-            </a:r>
-            <a:r>
-              <a:rPr lang="en-US" sz="800" spc="-5">
+              <a:t>©2021 Adobe。All rights reserved.Adobe</a:t>
+            </a:r>
+            <a:r>
+              <a:rPr lang="de-de" sz="800" spc="75" dirty="0">
                 <a:solidFill>
                   <a:srgbClr val="6D6D6D"/>
                 </a:solidFill>
                 <a:latin typeface="Adobe Clean"/>
                 <a:cs typeface="Adobe Clean"/>
               </a:rPr>
-              <a:t>1</a:t>
-            </a:r>
-            <a:r>
-              <a:rPr sz="800" spc="-5">
+              <a:t> </a:t>
+            </a:r>
+            <a:r>
+              <a:rPr lang="de-de" sz="800" spc="-5" dirty="0">
                 <a:solidFill>
                   <a:srgbClr val="6D6D6D"/>
                 </a:solidFill>
                 <a:latin typeface="Adobe Clean"/>
                 <a:cs typeface="Adobe Clean"/>
               </a:rPr>
-              <a:t> Adobe. All Rights Reserved. Adobe</a:t>
-            </a:r>
-            <a:r>
-              <a:rPr sz="800" spc="75">
-                <a:solidFill>
-                  <a:srgbClr val="6D6D6D"/>
-                </a:solidFill>
-                <a:latin typeface="Adobe Clean"/>
-                <a:cs typeface="Adobe Clean"/>
-              </a:rPr>
-              <a:t> </a:t>
-            </a:r>
-            <a:r>
-              <a:rPr sz="800" spc="-5">
-                <a:solidFill>
-                  <a:srgbClr val="6D6D6D"/>
-                </a:solidFill>
-                <a:latin typeface="Adobe Clean"/>
-                <a:cs typeface="Adobe Clean"/>
-              </a:rPr>
-              <a:t>Confidential.</a:t>
-            </a:r>
-            <a:endParaRPr sz="800">
+              <a:t>機密資訊。</a:t>
+            </a:r>
+            <a:endParaRPr sz="800" dirty="0">
               <a:latin typeface="Adobe Clean"/>
               <a:cs typeface="Adobe Clean"/>
             </a:endParaRPr>
@@ -16419,55 +14902,134 @@
         </p:nvSpPr>
         <p:spPr>
           <a:xfrm>
-            <a:off x="184181" y="4900727"/>
-            <a:ext cx="7396804" cy="769030"/>
+            <a:off x="171129" y="5057379"/>
+            <a:ext cx="6476646" cy="755976"/>
           </a:xfrm>
           <a:prstGeom prst="rect">
             <a:avLst/>
           </a:prstGeom>
         </p:spPr>
         <p:txBody>
-          <a:bodyPr vert="horz" wrap="square" lIns="0" tIns="116205" rIns="0" bIns="0" rtlCol="0" anchor="t">
+          <a:bodyPr vert="horz" wrap="square" lIns="0" tIns="116205" rIns="0" bIns="0" rtlCol="0">
             <a:spAutoFit/>
           </a:bodyPr>
           <a:lstStyle/>
           <a:p>
-            <a:pPr>
+            <a:pPr lvl="0">
               <a:spcBef>
                 <a:spcPts val="915"/>
               </a:spcBef>
             </a:pPr>
             <a:r>
-              <a:rPr lang="en-US" sz="1400" b="1" spc="-15">
+              <a:rPr lang="en-US" altLang="zh-TW" sz="1400" b="1" spc="-15" dirty="0">
                 <a:solidFill>
                   <a:srgbClr val="020302"/>
                 </a:solidFill>
                 <a:latin typeface="Adobe Clean"/>
                 <a:cs typeface="Adobe Clean"/>
               </a:rPr>
-              <a:t>Regional scope of Adobe Support, Local Hours Of Operation And Language Support</a:t>
-            </a:r>
-            <a:endParaRPr lang="en-US" sz="1400" spc="-15">
-              <a:ea typeface="+mn-lt"/>
-              <a:cs typeface="+mn-lt"/>
+              <a:t>Adobe </a:t>
+            </a:r>
+            <a:r>
+              <a:rPr lang="zh-TW" altLang="en-US" sz="1400" b="1" spc="-15" dirty="0">
+                <a:solidFill>
+                  <a:srgbClr val="020302"/>
+                </a:solidFill>
+                <a:latin typeface="Adobe Clean"/>
+                <a:cs typeface="Adobe Clean"/>
+              </a:rPr>
+              <a:t>支援的區域範圍、當地營業時間和語言支援</a:t>
+            </a:r>
+            <a:endParaRPr lang="pl-PL" altLang="zh-TW" sz="1400" b="1" spc="-15" dirty="0">
+              <a:solidFill>
+                <a:srgbClr val="020302"/>
+              </a:solidFill>
+              <a:latin typeface="Adobe Clean"/>
+              <a:cs typeface="Adobe Clean"/>
             </a:endParaRPr>
           </a:p>
           <a:p>
-            <a:pPr>
+            <a:pPr lvl="0">
               <a:spcBef>
                 <a:spcPts val="915"/>
               </a:spcBef>
             </a:pPr>
             <a:r>
-              <a:rPr lang="en-US" sz="1000" spc="-15">
+              <a:rPr lang="en-US" altLang="zh-TW" sz="1000" spc="-15" dirty="0">
                 <a:solidFill>
                   <a:srgbClr val="1F1F1F"/>
                 </a:solidFill>
                 <a:latin typeface="AdobeClean-Light"/>
               </a:rPr>
-              <a:t>The regional scope of Adobe Support is established by aligning the customer's billing address (via the Sales Order or other Adobe Support purchasing document) to one of the following regions:</a:t>
-            </a:r>
-            <a:endParaRPr lang="en-US" sz="1000">
+              <a:t>Adobe </a:t>
+            </a:r>
+            <a:r>
+              <a:rPr lang="zh-TW" altLang="en-US" sz="1000" spc="-15" dirty="0">
+                <a:solidFill>
+                  <a:srgbClr val="1F1F1F"/>
+                </a:solidFill>
+                <a:latin typeface="AdobeClean-Light"/>
+              </a:rPr>
+              <a:t>支援的區域範圍是透過將客戶的帳單地址 </a:t>
+            </a:r>
+            <a:r>
+              <a:rPr lang="en-US" altLang="zh-TW" sz="1000" spc="-15" dirty="0">
+                <a:solidFill>
+                  <a:srgbClr val="1F1F1F"/>
+                </a:solidFill>
+                <a:latin typeface="AdobeClean-Light"/>
+              </a:rPr>
+              <a:t>(</a:t>
+            </a:r>
+            <a:r>
+              <a:rPr lang="zh-TW" altLang="en-US" sz="1000" spc="-15" dirty="0">
+                <a:solidFill>
+                  <a:srgbClr val="1F1F1F"/>
+                </a:solidFill>
+                <a:latin typeface="AdobeClean-Light"/>
+              </a:rPr>
+              <a:t>通過銷售訂單或其他 </a:t>
+            </a:r>
+            <a:r>
+              <a:rPr lang="en-US" altLang="zh-TW" sz="1000" spc="-15" dirty="0">
+                <a:solidFill>
+                  <a:srgbClr val="1F1F1F"/>
+                </a:solidFill>
+                <a:latin typeface="AdobeClean-Light"/>
+              </a:rPr>
+              <a:t>Adobe </a:t>
+            </a:r>
+            <a:r>
+              <a:rPr lang="zh-TW" altLang="en-US" sz="1000" spc="-15" dirty="0">
+                <a:solidFill>
+                  <a:srgbClr val="1F1F1F"/>
+                </a:solidFill>
+                <a:latin typeface="AdobeClean-Light"/>
+              </a:rPr>
+              <a:t>支援採購文件</a:t>
+            </a:r>
+            <a:r>
+              <a:rPr lang="en-US" altLang="zh-TW" sz="1000" spc="-15" dirty="0">
+                <a:solidFill>
+                  <a:srgbClr val="1F1F1F"/>
+                </a:solidFill>
+                <a:latin typeface="AdobeClean-Light"/>
+              </a:rPr>
+              <a:t>) </a:t>
+            </a:r>
+            <a:r>
+              <a:rPr lang="zh-TW" altLang="en-US" sz="1000" spc="-15" dirty="0">
+                <a:solidFill>
+                  <a:srgbClr val="1F1F1F"/>
+                </a:solidFill>
+                <a:latin typeface="AdobeClean-Light"/>
+              </a:rPr>
+              <a:t>歸納於以下區域之一來建立的：</a:t>
+            </a:r>
+            <a:endParaRPr lang="de-de" sz="1000" spc="-15" dirty="0">
+              <a:solidFill>
+                <a:srgbClr val="1F1F1F"/>
+              </a:solidFill>
               <a:latin typeface="AdobeClean-Light"/>
             </a:endParaRPr>
           </a:p>
@@ -16488,14 +15050,14 @@
           <p:nvPr>
             <p:extLst>
               <p:ext uri="{D42A27DB-BD31-4B8C-83A1-F6EECF244321}">
-                <p14:modId xmlns:p14="http://schemas.microsoft.com/office/powerpoint/2010/main" val="3975465108"/>
+                <p14:modId xmlns:p14="http://schemas.microsoft.com/office/powerpoint/2010/main" val="3128037044"/>
               </p:ext>
             </p:extLst>
           </p:nvPr>
         </p:nvGraphicFramePr>
         <p:xfrm>
           <a:off x="171128" y="5907213"/>
-          <a:ext cx="7391400" cy="1336040"/>
+          <a:ext cx="7391400" cy="1280160"/>
         </p:xfrm>
         <a:graphic>
           <a:graphicData uri="http://schemas.openxmlformats.org/drawingml/2006/table">
@@ -16541,13 +15103,13 @@
                     <a:p>
                       <a:pPr algn="ctr"/>
                       <a:r>
-                        <a:rPr lang="en-US" sz="1100">
+                        <a:rPr lang="de-de" sz="1100" dirty="0">
                           <a:solidFill>
                             <a:schemeClr val="tx1"/>
                           </a:solidFill>
                           <a:latin typeface="Adobe Clean" panose="020B0503020404020204" pitchFamily="34" charset="0"/>
                         </a:rPr>
-                        <a:t>Americas</a:t>
+                        <a:t>美洲</a:t>
                       </a:r>
                     </a:p>
                   </a:txBody>
@@ -16606,13 +15168,13 @@
                     <a:p>
                       <a:pPr algn="ctr"/>
                       <a:r>
-                        <a:rPr lang="en-US" sz="1100">
+                        <a:rPr lang="de-de" sz="1100" dirty="0">
                           <a:solidFill>
                             <a:schemeClr val="tx1"/>
                           </a:solidFill>
                           <a:latin typeface="Adobe Clean" panose="020B0503020404020204" pitchFamily="34" charset="0"/>
                         </a:rPr>
-                        <a:t>Europe, Middle East &amp; Africa</a:t>
+                        <a:t>歐洲、中東與非洲</a:t>
                       </a:r>
                     </a:p>
                   </a:txBody>
@@ -16671,13 +15233,13 @@
                     <a:p>
                       <a:pPr algn="ctr"/>
                       <a:r>
-                        <a:rPr lang="en-US" sz="1100">
+                        <a:rPr lang="de-de" sz="1100" dirty="0">
                           <a:solidFill>
                             <a:schemeClr val="tx1"/>
                           </a:solidFill>
                           <a:latin typeface="Adobe Clean" panose="020B0503020404020204" pitchFamily="34" charset="0"/>
                         </a:rPr>
-                        <a:t>Asia Pacific</a:t>
+                        <a:t>亞太地區</a:t>
                       </a:r>
                     </a:p>
                   </a:txBody>
@@ -16736,24 +15298,24 @@
                     <a:p>
                       <a:pPr algn="ctr"/>
                       <a:r>
-                        <a:rPr lang="en-US" sz="1100">
+                        <a:rPr lang="de-de" sz="1100" dirty="0">
                           <a:solidFill>
                             <a:schemeClr val="tx1"/>
                           </a:solidFill>
                           <a:latin typeface="Adobe Clean" panose="020B0503020404020204" pitchFamily="34" charset="0"/>
                         </a:rPr>
-                        <a:t>Japan </a:t>
+                        <a:t>日本 </a:t>
                       </a:r>
                       <a:r>
-                        <a:rPr lang="en-US" sz="1100" baseline="30000">
+                        <a:rPr lang="de-de" sz="1100" baseline="30000" dirty="0">
                           <a:solidFill>
                             <a:schemeClr val="tx1"/>
                           </a:solidFill>
                           <a:latin typeface="Adobe Clean" panose="020B0503020404020204" pitchFamily="34" charset="0"/>
                         </a:rPr>
-                        <a:t>1 </a:t>
+                        <a:t>1</a:t>
                       </a:r>
-                      <a:endParaRPr lang="en-US" sz="1100">
+                      <a:endParaRPr lang="en-US" sz="1100" dirty="0">
                         <a:solidFill>
                           <a:schemeClr val="tx1"/>
                         </a:solidFill>
@@ -16823,13 +15385,13 @@
                     <a:p>
                       <a:pPr algn="ctr"/>
                       <a:r>
-                        <a:rPr lang="en-US" sz="1100">
+                        <a:rPr lang="de-de" sz="1100" dirty="0">
                           <a:solidFill>
                             <a:schemeClr val="tx1"/>
                           </a:solidFill>
                           <a:latin typeface="Adobe Clean" panose="020B0503020404020204" pitchFamily="34" charset="0"/>
                         </a:rPr>
-                        <a:t>6 am – 5:30 pm</a:t>
+                        <a:t>上午 6 點 – 下午 5:30</a:t>
                       </a:r>
                     </a:p>
                   </a:txBody>
@@ -16888,13 +15450,13 @@
                     <a:p>
                       <a:pPr algn="ctr"/>
                       <a:r>
-                        <a:rPr lang="en-US" sz="1100">
+                        <a:rPr lang="de-de" sz="1100" dirty="0">
                           <a:solidFill>
                             <a:schemeClr val="tx1"/>
                           </a:solidFill>
                           <a:latin typeface="Adobe Clean" panose="020B0503020404020204" pitchFamily="34" charset="0"/>
                         </a:rPr>
-                        <a:t>9 am – 5 pm</a:t>
+                        <a:t>上午 9 點 – 下午 5 點</a:t>
                       </a:r>
                     </a:p>
                   </a:txBody>
@@ -16953,13 +15515,13 @@
                     <a:p>
                       <a:pPr algn="ctr"/>
                       <a:r>
-                        <a:rPr lang="en-US" sz="1100">
+                        <a:rPr lang="de-de" sz="1100" dirty="0">
                           <a:solidFill>
                             <a:schemeClr val="tx1"/>
                           </a:solidFill>
                           <a:latin typeface="Adobe Clean" panose="020B0503020404020204" pitchFamily="34" charset="0"/>
                         </a:rPr>
-                        <a:t>9 am – 5 pm</a:t>
+                        <a:t>上午 9 點 – 下午 5 點</a:t>
                       </a:r>
                     </a:p>
                   </a:txBody>
@@ -17018,13 +15580,13 @@
                     <a:p>
                       <a:pPr algn="ctr"/>
                       <a:r>
-                        <a:rPr lang="en-US" sz="1100">
+                        <a:rPr lang="de-de" sz="1100" dirty="0">
                           <a:solidFill>
                             <a:schemeClr val="tx1"/>
                           </a:solidFill>
                           <a:latin typeface="Adobe Clean" panose="020B0503020404020204" pitchFamily="34" charset="0"/>
                         </a:rPr>
-                        <a:t>9 am – 5:30 pm</a:t>
+                        <a:t>上午 9 點 – 下午 5:30</a:t>
                       </a:r>
                     </a:p>
                   </a:txBody>
@@ -17088,7 +15650,7 @@
                     <a:bodyPr/>
                     <a:lstStyle/>
                     <a:p>
-                      <a:pPr marL="0" marR="0" lvl="0" indent="0" algn="ctr" eaLnBrk="1" fontAlgn="auto" latinLnBrk="0" hangingPunct="1">
+                      <a:pPr marL="0" marR="0" lvl="0" indent="0" algn="ctr" defTabSz="914400" eaLnBrk="1" fontAlgn="auto" latinLnBrk="0" hangingPunct="1">
                         <a:lnSpc>
                           <a:spcPct val="100000"/>
                         </a:lnSpc>
@@ -17102,22 +15664,18 @@
                         <a:buSzTx/>
                         <a:buFontTx/>
                         <a:buNone/>
+                        <a:tabLst/>
+                        <a:defRPr/>
                       </a:pPr>
                       <a:r>
-                        <a:rPr lang="en-US" sz="1100">
+                        <a:rPr lang="de-de" sz="1100" dirty="0">
                           <a:solidFill>
                             <a:schemeClr val="tx1"/>
                           </a:solidFill>
-                          <a:latin typeface="Adobe Clean"/>
+                          <a:latin typeface="Adobe Clean" panose="020B0503020404020204" pitchFamily="34" charset="0"/>
                         </a:rPr>
-                        <a:t>Language support is only available in English and Japanese. </a:t>
+                        <a:t>僅提供英文和日文的語言支援</a:t>
                       </a:r>
-                      <a:endParaRPr lang="en-US" sz="1100">
-                        <a:solidFill>
-                          <a:schemeClr val="tx1"/>
-                        </a:solidFill>
-                        <a:latin typeface="Adobe Clean" panose="020B0503020404020204" pitchFamily="34" charset="0"/>
-                      </a:endParaRPr>
                     </a:p>
                     <a:p>
                       <a:pPr marL="0" marR="0" lvl="0" indent="0" algn="ctr" defTabSz="914400" eaLnBrk="1" fontAlgn="auto" latinLnBrk="0" hangingPunct="1">
@@ -17137,7 +15695,7 @@
                         <a:tabLst/>
                         <a:defRPr/>
                       </a:pPr>
-                      <a:endParaRPr kumimoji="0" lang="en-US" sz="1100" b="1" i="0" u="none" strike="noStrike" kern="0" cap="none" spc="0" normalizeH="0" baseline="30000" noProof="0">
+                      <a:endParaRPr kumimoji="0" lang="en-US" sz="1100" b="1" i="0" u="none" strike="noStrike" kern="0" cap="none" spc="0" normalizeH="0" baseline="30000" noProof="0" dirty="0">
                         <a:ln>
                           <a:noFill/>
                         </a:ln>
@@ -17155,37 +15713,46 @@
                     <a:p>
                       <a:pPr algn="ctr"/>
                       <a:r>
-                        <a:rPr lang="en-US" sz="1100" i="0">
+                        <a:rPr lang="de-de" sz="1100" i="0" dirty="0">
                           <a:solidFill>
                             <a:schemeClr val="tx1"/>
                           </a:solidFill>
-                          <a:latin typeface="Adobe Clean"/>
+                          <a:latin typeface="Adobe Clean" panose="020B0503020404020204" pitchFamily="34" charset="0"/>
                         </a:rPr>
-                        <a:t> </a:t>
+                        <a:t> </a:t>
                       </a:r>
                       <a:r>
-                        <a:rPr lang="en-US" sz="1100" i="0" baseline="30000">
+                        <a:rPr lang="de-de" sz="1100" i="0" baseline="30000" dirty="0">
                           <a:solidFill>
                             <a:schemeClr val="tx1"/>
                           </a:solidFill>
-                          <a:latin typeface="Adobe Clean"/>
+                          <a:latin typeface="Adobe Clean" panose="020B0503020404020204" pitchFamily="34" charset="0"/>
                         </a:rPr>
                         <a:t>1 </a:t>
                       </a:r>
                       <a:r>
-                        <a:rPr lang="en-US" sz="1100" i="0">
+                        <a:rPr lang="de-de" sz="1100" i="0" dirty="0">
                           <a:solidFill>
                             <a:schemeClr val="tx1"/>
                           </a:solidFill>
-                          <a:latin typeface="Adobe Clean"/>
+                          <a:latin typeface="Adobe Clean" panose="020B0503020404020204" pitchFamily="34" charset="0"/>
                         </a:rPr>
-                        <a:t>P2, P3, P4 cases are limited to business hours only in Japan.</a:t>
+                        <a:t>P2、P3、P4 </a:t>
                       </a:r>
-                      <a:endParaRPr lang="en-US" sz="1100" b="1" i="0">
+                      <a:r>
+                        <a:rPr lang="zh-TW" altLang="en-US" sz="1100" i="0">
+                          <a:solidFill>
+                            <a:schemeClr val="tx1"/>
+                          </a:solidFill>
+                          <a:latin typeface="Adobe Clean" panose="020B0503020404020204" pitchFamily="34" charset="0"/>
+                        </a:rPr>
+                        <a:t>案件僅限於在日本的營業時間提交。</a:t>
+                      </a:r>
+                      <a:endParaRPr lang="de-de" sz="1100" b="1" i="0" dirty="0">
                         <a:solidFill>
                           <a:schemeClr val="tx1"/>
                         </a:solidFill>
-                        <a:latin typeface="Adobe Clean"/>
+                        <a:latin typeface="Adobe Clean" panose="020B0503020404020204" pitchFamily="34" charset="0"/>
                       </a:endParaRPr>
                     </a:p>
                   </a:txBody>
@@ -17242,7 +15809,7 @@
                     <a:bodyPr/>
                     <a:lstStyle/>
                     <a:p>
-                      <a:endParaRPr lang="en-US" sz="1100">
+                      <a:endParaRPr lang="en-US" sz="1100" dirty="0">
                         <a:solidFill>
                           <a:schemeClr val="tx1"/>
                         </a:solidFill>
@@ -17303,7 +15870,7 @@
                     <a:bodyPr/>
                     <a:lstStyle/>
                     <a:p>
-                      <a:endParaRPr lang="en-US" sz="1100">
+                      <a:endParaRPr lang="en-US" sz="1100" dirty="0">
                         <a:solidFill>
                           <a:schemeClr val="tx1"/>
                         </a:solidFill>
@@ -17364,7 +15931,7 @@
                     <a:bodyPr/>
                     <a:lstStyle/>
                     <a:p>
-                      <a:endParaRPr lang="en-US" sz="1100">
+                      <a:endParaRPr lang="en-US" sz="1100" dirty="0">
                         <a:solidFill>
                           <a:schemeClr val="tx1"/>
                         </a:solidFill>
@@ -17550,126 +16117,36 @@
               </a:spcBef>
             </a:pPr>
             <a:r>
-              <a:rPr sz="1200" b="1" spc="-15">
+              <a:rPr lang="de-de" sz="1200" b="1" spc="-15" dirty="0">
                 <a:solidFill>
                   <a:srgbClr val="FFFFFF"/>
                 </a:solidFill>
                 <a:latin typeface="Adobe Clean"/>
                 <a:cs typeface="Adobe Clean"/>
               </a:rPr>
-              <a:t>U</a:t>
-            </a:r>
-            <a:r>
-              <a:rPr sz="1200" b="1" spc="-20">
+              <a:t>無與倫比的</a:t>
+            </a:r>
+            <a:r>
+              <a:rPr lang="de-de" sz="1200" b="1" spc="-20" dirty="0">
                 <a:solidFill>
                   <a:srgbClr val="FFFFFF"/>
                 </a:solidFill>
                 <a:latin typeface="Adobe Clean"/>
                 <a:cs typeface="Adobe Clean"/>
               </a:rPr>
-              <a:t>n</a:t>
-            </a:r>
-            <a:r>
-              <a:rPr sz="1200" b="1" spc="-25">
+              <a:t>專業知識</a:t>
+            </a:r>
+            <a:r>
+              <a:rPr lang="de-de" sz="1200" b="1" dirty="0">
                 <a:solidFill>
                   <a:srgbClr val="FFFFFF"/>
                 </a:solidFill>
                 <a:latin typeface="Adobe Clean"/>
                 <a:cs typeface="Adobe Clean"/>
               </a:rPr>
-              <a:t>p</a:t>
-            </a:r>
-            <a:r>
-              <a:rPr sz="1200" b="1" spc="-15">
-                <a:solidFill>
-                  <a:srgbClr val="FFFFFF"/>
-                </a:solidFill>
-                <a:latin typeface="Adobe Clean"/>
-                <a:cs typeface="Adobe Clean"/>
-              </a:rPr>
-              <a:t>a</a:t>
-            </a:r>
-            <a:r>
-              <a:rPr sz="1200" b="1" spc="-25">
-                <a:solidFill>
-                  <a:srgbClr val="FFFFFF"/>
-                </a:solidFill>
-                <a:latin typeface="Adobe Clean"/>
-                <a:cs typeface="Adobe Clean"/>
-              </a:rPr>
-              <a:t>r</a:t>
-            </a:r>
-            <a:r>
-              <a:rPr sz="1200" b="1" spc="-15">
-                <a:solidFill>
-                  <a:srgbClr val="FFFFFF"/>
-                </a:solidFill>
-                <a:latin typeface="Adobe Clean"/>
-                <a:cs typeface="Adobe Clean"/>
-              </a:rPr>
-              <a:t>a</a:t>
-            </a:r>
-            <a:r>
-              <a:rPr sz="1200" b="1" spc="-30">
-                <a:solidFill>
-                  <a:srgbClr val="FFFFFF"/>
-                </a:solidFill>
-                <a:latin typeface="Adobe Clean"/>
-                <a:cs typeface="Adobe Clean"/>
-              </a:rPr>
-              <a:t>ll</a:t>
-            </a:r>
-            <a:r>
-              <a:rPr sz="1200" b="1" spc="-25">
-                <a:solidFill>
-                  <a:srgbClr val="FFFFFF"/>
-                </a:solidFill>
-                <a:latin typeface="Adobe Clean"/>
-                <a:cs typeface="Adobe Clean"/>
-              </a:rPr>
-              <a:t>e</a:t>
-            </a:r>
-            <a:r>
-              <a:rPr sz="1200" b="1" spc="-30">
-                <a:solidFill>
-                  <a:srgbClr val="FFFFFF"/>
-                </a:solidFill>
-                <a:latin typeface="Adobe Clean"/>
-                <a:cs typeface="Adobe Clean"/>
-              </a:rPr>
-              <a:t>l</a:t>
-            </a:r>
-            <a:r>
-              <a:rPr sz="1200" b="1" spc="-25">
-                <a:solidFill>
-                  <a:srgbClr val="FFFFFF"/>
-                </a:solidFill>
-                <a:latin typeface="Adobe Clean"/>
-                <a:cs typeface="Adobe Clean"/>
-              </a:rPr>
-              <a:t>e</a:t>
-            </a:r>
-            <a:r>
-              <a:rPr sz="1200" b="1">
-                <a:solidFill>
-                  <a:srgbClr val="FFFFFF"/>
-                </a:solidFill>
-                <a:latin typeface="Adobe Clean"/>
-                <a:cs typeface="Adobe Clean"/>
-              </a:rPr>
-              <a:t>d  </a:t>
-            </a:r>
-            <a:r>
-              <a:rPr sz="1200" b="1" spc="-25">
-                <a:solidFill>
-                  <a:srgbClr val="FFFFFF"/>
-                </a:solidFill>
-                <a:latin typeface="Adobe Clean"/>
-                <a:cs typeface="Adobe Clean"/>
-              </a:rPr>
-              <a:t>Expertise</a:t>
-            </a:r>
-            <a:endParaRPr sz="1200">
+              <a:t> </a:t>
+            </a:r>
+            <a:endParaRPr sz="1200" dirty="0">
               <a:latin typeface="Adobe Clean"/>
               <a:cs typeface="Adobe Clean"/>
             </a:endParaRPr>
@@ -17712,16 +16189,16 @@
               </a:spcBef>
             </a:pPr>
             <a:r>
-              <a:rPr lang="en-US" sz="1200" b="1" spc="-15">
+              <a:rPr lang="de-de" sz="1200" b="1" spc="-15" dirty="0">
                 <a:solidFill>
                   <a:srgbClr val="FFFFFF"/>
                 </a:solidFill>
                 <a:latin typeface="Adobe Clean"/>
                 <a:cs typeface="Adobe Clean"/>
               </a:rPr>
-              <a:t>Accelerated Support</a:t>
-            </a:r>
-            <a:endParaRPr sz="1200">
+              <a:t>加速支援</a:t>
+            </a:r>
+            <a:endParaRPr sz="1200" dirty="0">
               <a:latin typeface="Adobe Clean"/>
               <a:cs typeface="Adobe Clean"/>
             </a:endParaRPr>
@@ -17764,106 +16241,46 @@
               </a:spcBef>
             </a:pPr>
             <a:r>
-              <a:rPr sz="1200" b="1" spc="-50">
+              <a:rPr lang="de-de" sz="1200" b="1" spc="-50" dirty="0">
                 <a:solidFill>
                   <a:srgbClr val="FFFFFF"/>
                 </a:solidFill>
                 <a:latin typeface="Adobe Clean"/>
                 <a:cs typeface="Adobe Clean"/>
               </a:rPr>
-              <a:t>S</a:t>
-            </a:r>
-            <a:r>
-              <a:rPr sz="1200" b="1" spc="-20">
+              <a:t>策</a:t>
+            </a:r>
+            <a:r>
+              <a:rPr lang="de-de" sz="1200" b="1" spc="-20" dirty="0">
                 <a:solidFill>
                   <a:srgbClr val="FFFFFF"/>
                 </a:solidFill>
                 <a:latin typeface="Adobe Clean"/>
                 <a:cs typeface="Adobe Clean"/>
               </a:rPr>
-              <a:t>t</a:t>
-            </a:r>
-            <a:r>
-              <a:rPr sz="1200" b="1" spc="-75">
+              <a:t>略</a:t>
+            </a:r>
+            <a:r>
+              <a:rPr lang="de-de" sz="1200" b="1" spc="-75" dirty="0">
                 <a:solidFill>
                   <a:srgbClr val="FFFFFF"/>
                 </a:solidFill>
                 <a:latin typeface="Adobe Clean"/>
                 <a:cs typeface="Adobe Clean"/>
               </a:rPr>
-              <a:t>r</a:t>
-            </a:r>
-            <a:r>
-              <a:rPr sz="1200" b="1" spc="-90">
+              <a:t>性</a:t>
+            </a:r>
+            <a:r>
+              <a:rPr lang="de-de" sz="1200" b="1" spc="-45" dirty="0">
                 <a:solidFill>
                   <a:srgbClr val="FFFFFF"/>
                 </a:solidFill>
                 <a:latin typeface="Adobe Clean"/>
                 <a:cs typeface="Adobe Clean"/>
               </a:rPr>
-              <a:t>a</a:t>
-            </a:r>
-            <a:r>
-              <a:rPr sz="1200" b="1" spc="-55">
-                <a:solidFill>
-                  <a:srgbClr val="FFFFFF"/>
-                </a:solidFill>
-                <a:latin typeface="Adobe Clean"/>
-                <a:cs typeface="Adobe Clean"/>
-              </a:rPr>
-              <a:t>t</a:t>
-            </a:r>
-            <a:r>
-              <a:rPr sz="1200" b="1" spc="-100">
-                <a:solidFill>
-                  <a:srgbClr val="FFFFFF"/>
-                </a:solidFill>
-                <a:latin typeface="Adobe Clean"/>
-                <a:cs typeface="Adobe Clean"/>
-              </a:rPr>
-              <a:t>e</a:t>
-            </a:r>
-            <a:r>
-              <a:rPr sz="1200" b="1" spc="-80">
-                <a:solidFill>
-                  <a:srgbClr val="FFFFFF"/>
-                </a:solidFill>
-                <a:latin typeface="Adobe Clean"/>
-                <a:cs typeface="Adobe Clean"/>
-              </a:rPr>
-              <a:t>g</a:t>
-            </a:r>
-            <a:r>
-              <a:rPr sz="1200" b="1" spc="-35">
-                <a:solidFill>
-                  <a:srgbClr val="FFFFFF"/>
-                </a:solidFill>
-                <a:latin typeface="Adobe Clean"/>
-                <a:cs typeface="Adobe Clean"/>
-              </a:rPr>
-              <a:t>i</a:t>
-            </a:r>
-            <a:r>
-              <a:rPr sz="1200" b="1">
-                <a:solidFill>
-                  <a:srgbClr val="FFFFFF"/>
-                </a:solidFill>
-                <a:latin typeface="Adobe Clean"/>
-                <a:cs typeface="Adobe Clean"/>
-              </a:rPr>
-              <a:t>c  </a:t>
-            </a:r>
-            <a:r>
-              <a:rPr sz="1200" b="1" spc="-45">
-                <a:solidFill>
-                  <a:srgbClr val="FFFFFF"/>
-                </a:solidFill>
-                <a:latin typeface="Adobe Clean"/>
-                <a:cs typeface="Adobe Clean"/>
-              </a:rPr>
-              <a:t>Advice</a:t>
-            </a:r>
-            <a:endParaRPr sz="1200">
+              <a:t>建議</a:t>
+            </a:r>
+            <a:endParaRPr sz="1200" dirty="0">
               <a:latin typeface="Adobe Clean"/>
               <a:cs typeface="Adobe Clean"/>
             </a:endParaRPr>
@@ -17892,7 +16309,7 @@
         </p:nvGraphicFramePr>
         <p:xfrm>
           <a:off x="194236" y="1059345"/>
-          <a:ext cx="7368291" cy="2931160"/>
+          <a:ext cx="7368291" cy="2473960"/>
         </p:xfrm>
         <a:graphic>
           <a:graphicData uri="http://schemas.openxmlformats.org/drawingml/2006/table">
@@ -17923,7 +16340,7 @@
                     <a:lstStyle/>
                     <a:p>
                       <a:r>
-                        <a:rPr lang="en-US" sz="1100" b="0">
+                        <a:rPr lang="de-de" sz="1100" b="0" dirty="0">
                           <a:solidFill>
                             <a:schemeClr val="tx1"/>
                           </a:solidFill>
@@ -17934,7 +16351,7 @@
                         </a:rPr>
                         <a:t>Experience League</a:t>
                       </a:r>
-                      <a:endParaRPr lang="en-US" sz="1100" b="0">
+                      <a:endParaRPr lang="en-US" sz="1100" b="0" dirty="0">
                         <a:solidFill>
                           <a:schemeClr val="tx1"/>
                         </a:solidFill>
@@ -18015,7 +16432,7 @@
                         <a:defRPr/>
                       </a:pPr>
                       <a:r>
-                        <a:rPr lang="en-US" sz="1000" b="0" kern="1200">
+                        <a:rPr lang="de-de" sz="1000" b="0" kern="1200" dirty="0">
                           <a:solidFill>
                             <a:srgbClr val="000000"/>
                           </a:solidFill>
@@ -18023,7 +16440,7 @@
                           <a:ea typeface="+mn-ea"/>
                           <a:cs typeface="+mn-cs"/>
                         </a:rPr>
-                        <a:t>Experience League is how Adobe helps businesses achieve the value they expect from their Adobe investment. It’s the unified place where customers can learn, connect, and grow along a personalized path to success that includes self-help tutorials, product documentation, instructor-led training, community and technical support. </a:t>
+                        <a:t>Experience League 是 Adobe 幫助企業經由其所做的 Adobe 投資來實現預期價值的方式。這是一個統一的位置，客戶可以在這裡學習、交流並沿著個人化的成功路徑而成長，這裡有提供自助式教學課程、產品文件、由講師授課的培訓課程、社群及技術支援。</a:t>
                       </a:r>
                     </a:p>
                   </a:txBody>
@@ -18105,7 +16522,7 @@
                         <a:defRPr/>
                       </a:pPr>
                       <a:r>
-                        <a:rPr lang="en-US" sz="1100">
+                        <a:rPr lang="de-de" sz="1100" dirty="0">
                           <a:solidFill>
                             <a:schemeClr val="dk1"/>
                           </a:solidFill>
@@ -18115,21 +16532,9 @@
                           <a:cs typeface="+mn-cs"/>
                           <a:hlinkClick r:id="rId8"/>
                         </a:rPr>
-                        <a:t>Training</a:t>
+                        <a:t>培訓</a:t>
                       </a:r>
-                      <a:r>
-                        <a:rPr lang="en-US" sz="1100">
-                          <a:solidFill>
-                            <a:schemeClr val="dk1"/>
-                          </a:solidFill>
-                          <a:effectLst/>
-                          <a:latin typeface="Adobe Clean" panose="020B0503020404020204" pitchFamily="34" charset="0"/>
-                          <a:ea typeface="+mn-ea"/>
-                          <a:cs typeface="+mn-cs"/>
-                        </a:rPr>
-                        <a:t> </a:t>
-                      </a:r>
-                      <a:endParaRPr lang="en-US" sz="1100">
+                      <a:endParaRPr lang="en-US" sz="1100" dirty="0">
                         <a:solidFill>
                           <a:schemeClr val="tx1"/>
                         </a:solidFill>
@@ -18211,7 +16616,7 @@
                         <a:defRPr/>
                       </a:pPr>
                       <a:r>
-                        <a:rPr lang="en-US" sz="1000" kern="1200">
+                        <a:rPr lang="de-de" sz="1000" kern="1200" dirty="0">
                           <a:solidFill>
                             <a:srgbClr val="000000"/>
                           </a:solidFill>
@@ -18219,7 +16624,7 @@
                           <a:ea typeface="+mn-ea"/>
                           <a:cs typeface="+mn-cs"/>
                         </a:rPr>
-                        <a:t>Adobe Digital Learning Services courses are accessible from Experience League. Learning courses integrate both on-demand and instructor-led lessons.  Here you can accrue skills that have recognized market value and position them to drive success in your organizations.</a:t>
+                        <a:t>您可以從 Experience League 存取 Adobe 數位學習服務課程。學習課程整合了隨需和教師指導的課程。在這裡，您可以習取市場公認價值的技能，並將其定位以促進貴組織獲致成功。</a:t>
                       </a:r>
                     </a:p>
                   </a:txBody>
@@ -18301,7 +16706,7 @@
                         <a:defRPr/>
                       </a:pPr>
                       <a:r>
-                        <a:rPr lang="en-US" sz="1100">
+                        <a:rPr lang="de-de" sz="1100" dirty="0">
                           <a:solidFill>
                             <a:schemeClr val="tx1"/>
                           </a:solidFill>
@@ -18311,9 +16716,9 @@
                           <a:cs typeface="+mn-cs"/>
                           <a:hlinkClick r:id="rId9"/>
                         </a:rPr>
-                        <a:t>Production Issues &amp; System Outages</a:t>
+                        <a:t>生產問題與系統中斷</a:t>
                       </a:r>
-                      <a:endParaRPr lang="en-US" sz="1100">
+                      <a:endParaRPr lang="en-US" sz="1100" dirty="0">
                         <a:solidFill>
                           <a:schemeClr val="tx1"/>
                         </a:solidFill>
@@ -18395,7 +16800,7 @@
                         <a:defRPr/>
                       </a:pPr>
                       <a:r>
-                        <a:rPr lang="en-US" sz="1000" kern="1200">
+                        <a:rPr lang="de-de" sz="1000" kern="1200" dirty="0">
                           <a:solidFill>
                             <a:srgbClr val="000000"/>
                           </a:solidFill>
@@ -18403,7 +16808,7 @@
                           <a:ea typeface="+mn-ea"/>
                           <a:cs typeface="+mn-cs"/>
                         </a:rPr>
-                        <a:t>Status.adobe.com conveys the health information of all Adobe products and services that are deployed in multi-tenant environments. Customers can choose their subscription preferences to get email notifications whenever Adobe creates, updates or resolves a product event. This can include scheduled maintenance or service issues of varying levels of severity. </a:t>
+                        <a:t>Status.adobe.com 會傳達所有在多租用戶環境中部署的 Adobe 產品與服務的健康資訊。客戶可以選擇其訂閱偏好設定，以便在 Adobe 建立、更新或解決產品事件時收到電子郵件通知。這可以包括預定的維護或是不同嚴重性等級的服務問題。</a:t>
                       </a:r>
                     </a:p>
                   </a:txBody>
@@ -18485,7 +16890,7 @@
                         <a:defRPr/>
                       </a:pPr>
                       <a:r>
-                        <a:rPr lang="en-US" sz="1100">
+                        <a:rPr lang="de-de" sz="1100" dirty="0">
                           <a:solidFill>
                             <a:schemeClr val="tx1"/>
                           </a:solidFill>
@@ -18495,9 +16900,9 @@
                           <a:cs typeface="+mn-cs"/>
                           <a:hlinkClick r:id="rId10"/>
                         </a:rPr>
-                        <a:t>Terms and Conditions</a:t>
+                        <a:t>條款與條件</a:t>
                       </a:r>
-                      <a:endParaRPr lang="en-US" sz="1100">
+                      <a:endParaRPr lang="en-US" sz="1100" dirty="0">
                         <a:solidFill>
                           <a:schemeClr val="tx1"/>
                         </a:solidFill>
@@ -18562,7 +16967,7 @@
                     <a:lstStyle/>
                     <a:p>
                       <a:r>
-                        <a:rPr lang="en-US" sz="1000" kern="1200">
+                        <a:rPr lang="de-de" sz="1000" kern="1200" dirty="0">
                           <a:solidFill>
                             <a:srgbClr val="000000"/>
                           </a:solidFill>
@@ -18570,7 +16975,7 @@
                           <a:ea typeface="+mn-ea"/>
                           <a:cs typeface="+mn-cs"/>
                         </a:rPr>
-                        <a:t>Terms and conditions detailing Support Services offerings</a:t>
+                        <a:t>詳述支援服務方案的條款與條件</a:t>
                       </a:r>
                     </a:p>
                   </a:txBody>
@@ -18634,7 +17039,7 @@
       </p:graphicFrame>
       <p:pic>
         <p:nvPicPr>
-          <p:cNvPr id="8" name="Graphic 7" descr="Target outline">
+          <p:cNvPr id="8" name="Graphic 7" descr="目標大綱">
             <a:extLst>
               <a:ext uri="{FF2B5EF4-FFF2-40B4-BE49-F238E27FC236}">
                 <a16:creationId xmlns:a16="http://schemas.microsoft.com/office/drawing/2014/main" id="{1EAA263E-04A7-0D46-952E-EA3033B45116}"/>
@@ -18673,7 +17078,7 @@
       </p:pic>
       <p:pic>
         <p:nvPicPr>
-          <p:cNvPr id="10" name="Graphic 9" descr="Rocket outline">
+          <p:cNvPr id="10" name="Graphic 9" descr="火箭大綱">
             <a:extLst>
               <a:ext uri="{FF2B5EF4-FFF2-40B4-BE49-F238E27FC236}">
                 <a16:creationId xmlns:a16="http://schemas.microsoft.com/office/drawing/2014/main" id="{A068EBC3-B418-4E4A-A520-101CA4B39F23}"/>
@@ -18712,7 +17117,7 @@
       </p:pic>
       <p:pic>
         <p:nvPicPr>
-          <p:cNvPr id="12" name="Graphic 11" descr="Medal outline">
+          <p:cNvPr id="12" name="Graphic 11" descr="獎章概述">
             <a:extLst>
               <a:ext uri="{FF2B5EF4-FFF2-40B4-BE49-F238E27FC236}">
                 <a16:creationId xmlns:a16="http://schemas.microsoft.com/office/drawing/2014/main" id="{C7BEFC2D-0CA6-0448-B9FA-6E1581CA6D36}"/>
@@ -19350,6 +17755,12 @@
 </file>
 
 <file path=customXml/item2.xml><?xml version="1.0" encoding="utf-8"?>
+<p:properties xmlns:p="http://schemas.microsoft.com/office/2006/metadata/properties" xmlns:xsi="http://www.w3.org/2001/XMLSchema-instance" xmlns:pc="http://schemas.microsoft.com/office/infopath/2007/PartnerControls">
+  <documentManagement/>
+</p:properties>
+</file>
+
+<file path=customXml/item3.xml><?xml version="1.0" encoding="utf-8"?>
 <ct:contentTypeSchema xmlns:ct="http://schemas.microsoft.com/office/2006/metadata/contentType" xmlns:ma="http://schemas.microsoft.com/office/2006/metadata/properties/metaAttributes" ct:_="" ma:_="" ma:contentTypeName="Document" ma:contentTypeID="0x010100E783BF6876BCC646A459363AF21A7736" ma:contentTypeVersion="10" ma:contentTypeDescription="Create a new document." ma:contentTypeScope="" ma:versionID="c4ffda7f4f415767600769e454c2ea87">
   <xsd:schema xmlns:xsd="http://www.w3.org/2001/XMLSchema" xmlns:xs="http://www.w3.org/2001/XMLSchema" xmlns:p="http://schemas.microsoft.com/office/2006/metadata/properties" xmlns:ns2="8a053bff-88be-49e4-9a87-e748e18b8b62" xmlns:ns3="6c8368ec-3776-49b5-a5bb-90648cf9530f" targetNamespace="http://schemas.microsoft.com/office/2006/metadata/properties" ma:root="true" ma:fieldsID="df3ec33bccc23e23bce7bc897fad43d1" ns2:_="" ns3:_="">
     <xsd:import namespace="8a053bff-88be-49e4-9a87-e748e18b8b62"/>
@@ -19554,12 +17965,6 @@
 </ct:contentTypeSchema>
 </file>
 
-<file path=customXml/item3.xml><?xml version="1.0" encoding="utf-8"?>
-<p:properties xmlns:p="http://schemas.microsoft.com/office/2006/metadata/properties" xmlns:xsi="http://www.w3.org/2001/XMLSchema-instance" xmlns:pc="http://schemas.microsoft.com/office/infopath/2007/PartnerControls">
-  <documentManagement/>
-</p:properties>
-</file>
-
 <file path=customXml/itemProps1.xml><?xml version="1.0" encoding="utf-8"?>
 <ds:datastoreItem xmlns:ds="http://schemas.openxmlformats.org/officeDocument/2006/customXml" ds:itemID="{669D9D3B-3229-44EE-9964-24A06AE66887}">
   <ds:schemaRefs>
@@ -19569,29 +17974,29 @@
 </file>
 
 <file path=customXml/itemProps2.xml><?xml version="1.0" encoding="utf-8"?>
-<ds:datastoreItem xmlns:ds="http://schemas.openxmlformats.org/officeDocument/2006/customXml" ds:itemID="{75C1A8FD-3884-41A0-BE37-D15776C885D1}">
-  <ds:schemaRefs>
-    <ds:schemaRef ds:uri="6c8368ec-3776-49b5-a5bb-90648cf9530f"/>
-    <ds:schemaRef ds:uri="8a053bff-88be-49e4-9a87-e748e18b8b62"/>
-    <ds:schemaRef ds:uri="http://purl.org/dc/elements/1.1/"/>
-    <ds:schemaRef ds:uri="http://purl.org/dc/terms/"/>
-    <ds:schemaRef ds:uri="http://schemas.microsoft.com/internal/obd"/>
-    <ds:schemaRef ds:uri="http://schemas.microsoft.com/office/2006/documentManagement/types"/>
-    <ds:schemaRef ds:uri="http://schemas.microsoft.com/office/2006/metadata/contentType"/>
-    <ds:schemaRef ds:uri="http://schemas.microsoft.com/office/2006/metadata/properties"/>
-    <ds:schemaRef ds:uri="http://schemas.microsoft.com/office/2006/metadata/properties/metaAttributes"/>
-    <ds:schemaRef ds:uri="http://schemas.microsoft.com/office/infopath/2007/PartnerControls"/>
-    <ds:schemaRef ds:uri="http://schemas.openxmlformats.org/package/2006/metadata/core-properties"/>
-    <ds:schemaRef ds:uri="http://www.w3.org/2001/XMLSchema"/>
-  </ds:schemaRefs>
-</ds:datastoreItem>
-</file>
-
-<file path=customXml/itemProps3.xml><?xml version="1.0" encoding="utf-8"?>
 <ds:datastoreItem xmlns:ds="http://schemas.openxmlformats.org/officeDocument/2006/customXml" ds:itemID="{CED41536-010B-47B1-9229-B72BE4090090}">
   <ds:schemaRefs>
     <ds:schemaRef ds:uri="http://schemas.microsoft.com/office/2006/metadata/properties"/>
     <ds:schemaRef ds:uri="http://schemas.microsoft.com/office/infopath/2007/PartnerControls"/>
   </ds:schemaRefs>
 </ds:datastoreItem>
+</file>
+
+<file path=customXml/itemProps3.xml><?xml version="1.0" encoding="utf-8"?>
+<ds:datastoreItem xmlns:ds="http://schemas.openxmlformats.org/officeDocument/2006/customXml" ds:itemID="{75C1A8FD-3884-41A0-BE37-D15776C885D1}">
+  <ds:schemaRefs>
+    <ds:schemaRef ds:uri="http://schemas.microsoft.com/office/2006/metadata/contentType"/>
+    <ds:schemaRef ds:uri="http://schemas.microsoft.com/office/2006/metadata/properties/metaAttributes"/>
+    <ds:schemaRef ds:uri="http://www.w3.org/2001/XMLSchema"/>
+    <ds:schemaRef ds:uri="http://schemas.microsoft.com/office/2006/metadata/properties"/>
+    <ds:schemaRef ds:uri="8a053bff-88be-49e4-9a87-e748e18b8b62"/>
+    <ds:schemaRef ds:uri="6c8368ec-3776-49b5-a5bb-90648cf9530f"/>
+    <ds:schemaRef ds:uri="http://schemas.microsoft.com/office/2006/documentManagement/types"/>
+    <ds:schemaRef ds:uri="http://schemas.microsoft.com/office/infopath/2007/PartnerControls"/>
+    <ds:schemaRef ds:uri="http://schemas.openxmlformats.org/package/2006/metadata/core-properties"/>
+    <ds:schemaRef ds:uri="http://purl.org/dc/elements/1.1/"/>
+    <ds:schemaRef ds:uri="http://purl.org/dc/terms/"/>
+    <ds:schemaRef ds:uri="http://schemas.microsoft.com/internal/obd"/>
+  </ds:schemaRefs>
+</ds:datastoreItem>
 </file>